--- a/slides/Android Studio_Activities_Fragments.pptx
+++ b/slides/Android Studio_Activities_Fragments.pptx
@@ -8,6 +8,7 @@
     <p:sldId id="256" r:id="rId2"/>
     <p:sldId id="257" r:id="rId3"/>
     <p:sldId id="258" r:id="rId4"/>
+    <p:sldId id="259" r:id="rId5"/>
   </p:sldIdLst>
   <p:sldSz cx="12192000" cy="6858000"/>
   <p:notesSz cx="6858000" cy="9144000"/>
@@ -3053,66 +3054,89 @@
         </p:nvSpPr>
         <p:spPr/>
         <p:txBody>
-          <a:bodyPr/>
+          <a:bodyPr>
+            <a:normAutofit lnSpcReduction="10000"/>
+          </a:bodyPr>
           <a:lstStyle/>
           <a:p>
             <a:r>
               <a:rPr lang="en-US" dirty="0"/>
               <a:t>De facto standard for Android development </a:t>
             </a:r>
-          </a:p>
-          <a:p>
+            <a:endParaRPr lang="en-US" dirty="0" smtClean="0"/>
+          </a:p>
+          <a:p>
+            <a:r>
+              <a:rPr lang="en-US" dirty="0" smtClean="0"/>
+              <a:t>Built </a:t>
+            </a:r>
             <a:r>
               <a:rPr lang="en-US" dirty="0"/>
-              <a:t>Some features</a:t>
+              <a:t>on the </a:t>
+            </a:r>
+            <a:r>
+              <a:rPr lang="en-US" dirty="0" smtClean="0"/>
+              <a:t>IntelliJ</a:t>
+            </a:r>
+            <a:endParaRPr lang="en-US" dirty="0"/>
+          </a:p>
+          <a:p>
+            <a:r>
+              <a:rPr lang="en-US" dirty="0" smtClean="0"/>
+              <a:t>Some </a:t>
+            </a:r>
+            <a:r>
+              <a:rPr lang="en-US" dirty="0"/>
+              <a:t>features</a:t>
             </a:r>
           </a:p>
           <a:p>
             <a:pPr lvl="1"/>
             <a:r>
+              <a:rPr lang="en-US" dirty="0" smtClean="0"/>
+              <a:t>Layout </a:t>
+            </a:r>
+            <a:r>
               <a:rPr lang="en-US" dirty="0"/>
-              <a:t>Built on the </a:t>
-            </a:r>
+              <a:t>Editor</a:t>
+            </a:r>
+          </a:p>
+          <a:p>
+            <a:pPr lvl="1"/>
+            <a:r>
+              <a:rPr lang="en-US" dirty="0"/>
+              <a:t>Built in emulator </a:t>
+            </a:r>
+          </a:p>
+          <a:p>
+            <a:pPr lvl="1"/>
             <a:r>
               <a:rPr lang="en-US" dirty="0" err="1"/>
-              <a:t>Intelli</a:t>
+              <a:t>Gradle</a:t>
             </a:r>
             <a:r>
               <a:rPr lang="en-US" dirty="0"/>
               <a:t> </a:t>
             </a:r>
+            <a:r>
+              <a:rPr lang="en-US" dirty="0" smtClean="0"/>
+              <a:t>integration</a:t>
+            </a:r>
           </a:p>
           <a:p>
             <a:pPr lvl="1"/>
             <a:r>
+              <a:rPr lang="en-US" dirty="0" smtClean="0"/>
+              <a:t>Instant </a:t>
+            </a:r>
+            <a:r>
               <a:rPr lang="en-US" dirty="0"/>
-              <a:t>Instant Run (Hot swap)</a:t>
+              <a:t>Run (Hot swap)</a:t>
             </a:r>
           </a:p>
           <a:p>
             <a:pPr lvl="1"/>
-            <a:r>
-              <a:rPr lang="en-US" dirty="0"/>
-              <a:t>Layout Editor</a:t>
-            </a:r>
-          </a:p>
-          <a:p>
-            <a:pPr lvl="1"/>
-            <a:r>
-              <a:rPr lang="en-US" dirty="0"/>
-              <a:t>Built in emulator </a:t>
-            </a:r>
-          </a:p>
-          <a:p>
-            <a:pPr lvl="1"/>
-            <a:r>
-              <a:rPr lang="en-US" dirty="0" err="1"/>
-              <a:t>Gradle</a:t>
-            </a:r>
-            <a:r>
-              <a:rPr lang="en-US" dirty="0"/>
-              <a:t> integration</a:t>
-            </a:r>
+            <a:endParaRPr lang="en-US" dirty="0"/>
           </a:p>
           <a:p>
             <a:pPr lvl="1"/>
@@ -3234,6 +3258,40 @@
           <a:bodyPr/>
           <a:lstStyle/>
           <a:p>
+            <a:r>
+              <a:rPr lang="en-US" dirty="0" smtClean="0"/>
+              <a:t>Fundamental </a:t>
+            </a:r>
+            <a:r>
+              <a:rPr lang="en-US" dirty="0"/>
+              <a:t>building blocks </a:t>
+            </a:r>
+            <a:endParaRPr lang="en-US" dirty="0" smtClean="0"/>
+          </a:p>
+          <a:p>
+            <a:r>
+              <a:rPr lang="en-US" dirty="0" smtClean="0"/>
+              <a:t>Entry </a:t>
+            </a:r>
+            <a:r>
+              <a:rPr lang="en-US" dirty="0"/>
+              <a:t>point for a user's interaction </a:t>
+            </a:r>
+            <a:endParaRPr lang="en-US" dirty="0" smtClean="0"/>
+          </a:p>
+          <a:p>
+            <a:r>
+              <a:rPr lang="en-US" dirty="0"/>
+              <a:t>N</a:t>
+            </a:r>
+            <a:r>
+              <a:rPr lang="en-US" dirty="0" smtClean="0"/>
+              <a:t>avigates </a:t>
+            </a:r>
+            <a:r>
+              <a:rPr lang="en-US" dirty="0"/>
+              <a:t>within an app</a:t>
+            </a:r>
             <a:endParaRPr lang="en-US" dirty="0"/>
           </a:p>
         </p:txBody>
@@ -3242,6 +3300,78 @@
     <p:extLst>
       <p:ext uri="{BB962C8B-B14F-4D97-AF65-F5344CB8AC3E}">
         <p14:creationId xmlns:p14="http://schemas.microsoft.com/office/powerpoint/2010/main" val="3823901020"/>
+      </p:ext>
+    </p:extLst>
+  </p:cSld>
+  <p:clrMapOvr>
+    <a:masterClrMapping/>
+  </p:clrMapOvr>
+</p:sld>
+</file>
+
+<file path=ppt/slides/slide4.xml><?xml version="1.0" encoding="utf-8"?>
+<p:sld xmlns:a="http://schemas.openxmlformats.org/drawingml/2006/main" xmlns:r="http://schemas.openxmlformats.org/officeDocument/2006/relationships" xmlns:p="http://schemas.openxmlformats.org/presentationml/2006/main">
+  <p:cSld>
+    <p:spTree>
+      <p:nvGrpSpPr>
+        <p:cNvPr id="1" name=""/>
+        <p:cNvGrpSpPr/>
+        <p:nvPr/>
+      </p:nvGrpSpPr>
+      <p:grpSpPr>
+        <a:xfrm>
+          <a:off x="0" y="0"/>
+          <a:ext cx="0" cy="0"/>
+          <a:chOff x="0" y="0"/>
+          <a:chExt cx="0" cy="0"/>
+        </a:xfrm>
+      </p:grpSpPr>
+      <p:sp>
+        <p:nvSpPr>
+          <p:cNvPr id="2" name="Title 1"/>
+          <p:cNvSpPr>
+            <a:spLocks noGrp="1"/>
+          </p:cNvSpPr>
+          <p:nvPr>
+            <p:ph type="title"/>
+          </p:nvPr>
+        </p:nvSpPr>
+        <p:spPr/>
+        <p:txBody>
+          <a:bodyPr/>
+          <a:lstStyle/>
+          <a:p>
+            <a:r>
+              <a:rPr lang="en-US" dirty="0" smtClean="0"/>
+              <a:t>Creating an Activity</a:t>
+            </a:r>
+            <a:endParaRPr lang="en-US" dirty="0"/>
+          </a:p>
+        </p:txBody>
+      </p:sp>
+      <p:sp>
+        <p:nvSpPr>
+          <p:cNvPr id="3" name="Content Placeholder 2"/>
+          <p:cNvSpPr>
+            <a:spLocks noGrp="1"/>
+          </p:cNvSpPr>
+          <p:nvPr>
+            <p:ph idx="1"/>
+          </p:nvPr>
+        </p:nvSpPr>
+        <p:spPr/>
+        <p:txBody>
+          <a:bodyPr/>
+          <a:lstStyle/>
+          <a:p>
+            <a:endParaRPr lang="en-US" dirty="0"/>
+          </a:p>
+        </p:txBody>
+      </p:sp>
+    </p:spTree>
+    <p:extLst>
+      <p:ext uri="{BB962C8B-B14F-4D97-AF65-F5344CB8AC3E}">
+        <p14:creationId xmlns:p14="http://schemas.microsoft.com/office/powerpoint/2010/main" val="1806338854"/>
       </p:ext>
     </p:extLst>
   </p:cSld>
@@ -3540,7 +3670,7 @@
   <a:extraClrSchemeLst/>
   <a:extLst>
     <a:ext uri="{05A4C25C-085E-4340-85A3-A5531E510DB2}">
-      <thm15:themeFamily xmlns:thm15="http://schemas.microsoft.com/office/thememl/2012/main" name="Office Theme" id="{62F939B6-93AF-4DB8-9C6B-D6C7DFDC589F}" vid="{4A3C46E8-61CC-4603-A589-7422A47A8E4A}"/>
+      <thm15:themeFamily xmlns:thm15="http://schemas.microsoft.com/office/thememl/2012/main" xmlns="" name="Office Theme" id="{62F939B6-93AF-4DB8-9C6B-D6C7DFDC589F}" vid="{4A3C46E8-61CC-4603-A589-7422A47A8E4A}"/>
     </a:ext>
   </a:extLst>
 </a:theme>

--- a/slides/Android Studio_Activities_Fragments.pptx
+++ b/slides/Android Studio_Activities_Fragments.pptx
@@ -6,9 +6,12 @@
   </p:sldMasterIdLst>
   <p:sldIdLst>
     <p:sldId id="256" r:id="rId2"/>
-    <p:sldId id="257" r:id="rId3"/>
-    <p:sldId id="258" r:id="rId4"/>
-    <p:sldId id="259" r:id="rId5"/>
+    <p:sldId id="260" r:id="rId3"/>
+    <p:sldId id="257" r:id="rId4"/>
+    <p:sldId id="262" r:id="rId5"/>
+    <p:sldId id="258" r:id="rId6"/>
+    <p:sldId id="261" r:id="rId7"/>
+    <p:sldId id="259" r:id="rId8"/>
   </p:sldIdLst>
   <p:sldSz cx="12192000" cy="6858000"/>
   <p:notesSz cx="6858000" cy="9144000"/>
@@ -239,7 +242,7 @@
           <a:p>
             <a:fld id="{1E7C2FAA-919F-4BF2-9DC6-6D7D1753D0B1}" type="datetimeFigureOut">
               <a:rPr lang="en-US" smtClean="0"/>
-              <a:t>4/27/2017</a:t>
+              <a:t>4/28/2017</a:t>
             </a:fld>
             <a:endParaRPr lang="en-US"/>
           </a:p>
@@ -407,7 +410,7 @@
           <a:p>
             <a:fld id="{1E7C2FAA-919F-4BF2-9DC6-6D7D1753D0B1}" type="datetimeFigureOut">
               <a:rPr lang="en-US" smtClean="0"/>
-              <a:t>4/27/2017</a:t>
+              <a:t>4/28/2017</a:t>
             </a:fld>
             <a:endParaRPr lang="en-US"/>
           </a:p>
@@ -585,7 +588,7 @@
           <a:p>
             <a:fld id="{1E7C2FAA-919F-4BF2-9DC6-6D7D1753D0B1}" type="datetimeFigureOut">
               <a:rPr lang="en-US" smtClean="0"/>
-              <a:t>4/27/2017</a:t>
+              <a:t>4/28/2017</a:t>
             </a:fld>
             <a:endParaRPr lang="en-US"/>
           </a:p>
@@ -753,7 +756,7 @@
           <a:p>
             <a:fld id="{1E7C2FAA-919F-4BF2-9DC6-6D7D1753D0B1}" type="datetimeFigureOut">
               <a:rPr lang="en-US" smtClean="0"/>
-              <a:t>4/27/2017</a:t>
+              <a:t>4/28/2017</a:t>
             </a:fld>
             <a:endParaRPr lang="en-US"/>
           </a:p>
@@ -998,7 +1001,7 @@
           <a:p>
             <a:fld id="{1E7C2FAA-919F-4BF2-9DC6-6D7D1753D0B1}" type="datetimeFigureOut">
               <a:rPr lang="en-US" smtClean="0"/>
-              <a:t>4/27/2017</a:t>
+              <a:t>4/28/2017</a:t>
             </a:fld>
             <a:endParaRPr lang="en-US"/>
           </a:p>
@@ -1227,7 +1230,7 @@
           <a:p>
             <a:fld id="{1E7C2FAA-919F-4BF2-9DC6-6D7D1753D0B1}" type="datetimeFigureOut">
               <a:rPr lang="en-US" smtClean="0"/>
-              <a:t>4/27/2017</a:t>
+              <a:t>4/28/2017</a:t>
             </a:fld>
             <a:endParaRPr lang="en-US"/>
           </a:p>
@@ -1591,7 +1594,7 @@
           <a:p>
             <a:fld id="{1E7C2FAA-919F-4BF2-9DC6-6D7D1753D0B1}" type="datetimeFigureOut">
               <a:rPr lang="en-US" smtClean="0"/>
-              <a:t>4/27/2017</a:t>
+              <a:t>4/28/2017</a:t>
             </a:fld>
             <a:endParaRPr lang="en-US"/>
           </a:p>
@@ -1708,7 +1711,7 @@
           <a:p>
             <a:fld id="{1E7C2FAA-919F-4BF2-9DC6-6D7D1753D0B1}" type="datetimeFigureOut">
               <a:rPr lang="en-US" smtClean="0"/>
-              <a:t>4/27/2017</a:t>
+              <a:t>4/28/2017</a:t>
             </a:fld>
             <a:endParaRPr lang="en-US"/>
           </a:p>
@@ -1803,7 +1806,7 @@
           <a:p>
             <a:fld id="{1E7C2FAA-919F-4BF2-9DC6-6D7D1753D0B1}" type="datetimeFigureOut">
               <a:rPr lang="en-US" smtClean="0"/>
-              <a:t>4/27/2017</a:t>
+              <a:t>4/28/2017</a:t>
             </a:fld>
             <a:endParaRPr lang="en-US"/>
           </a:p>
@@ -2078,7 +2081,7 @@
           <a:p>
             <a:fld id="{1E7C2FAA-919F-4BF2-9DC6-6D7D1753D0B1}" type="datetimeFigureOut">
               <a:rPr lang="en-US" smtClean="0"/>
-              <a:t>4/27/2017</a:t>
+              <a:t>4/28/2017</a:t>
             </a:fld>
             <a:endParaRPr lang="en-US"/>
           </a:p>
@@ -2330,7 +2333,7 @@
           <a:p>
             <a:fld id="{1E7C2FAA-919F-4BF2-9DC6-6D7D1753D0B1}" type="datetimeFigureOut">
               <a:rPr lang="en-US" smtClean="0"/>
-              <a:t>4/27/2017</a:t>
+              <a:t>4/28/2017</a:t>
             </a:fld>
             <a:endParaRPr lang="en-US"/>
           </a:p>
@@ -2541,7 +2544,7 @@
           <a:p>
             <a:fld id="{1E7C2FAA-919F-4BF2-9DC6-6D7D1753D0B1}" type="datetimeFigureOut">
               <a:rPr lang="en-US" smtClean="0"/>
-              <a:t>4/27/2017</a:t>
+              <a:t>4/28/2017</a:t>
             </a:fld>
             <a:endParaRPr lang="en-US"/>
           </a:p>
@@ -3000,10 +3003,108 @@
   <p:clrMapOvr>
     <a:masterClrMapping/>
   </p:clrMapOvr>
+  <p:timing>
+    <p:tnLst>
+      <p:par>
+        <p:cTn id="1" dur="indefinite" restart="never" nodeType="tmRoot"/>
+      </p:par>
+    </p:tnLst>
+  </p:timing>
 </p:sld>
 </file>
 
 <file path=ppt/slides/slide2.xml><?xml version="1.0" encoding="utf-8"?>
+<p:sld xmlns:a="http://schemas.openxmlformats.org/drawingml/2006/main" xmlns:r="http://schemas.openxmlformats.org/officeDocument/2006/relationships" xmlns:p="http://schemas.openxmlformats.org/presentationml/2006/main">
+  <p:cSld>
+    <p:spTree>
+      <p:nvGrpSpPr>
+        <p:cNvPr id="1" name=""/>
+        <p:cNvGrpSpPr/>
+        <p:nvPr/>
+      </p:nvGrpSpPr>
+      <p:grpSpPr>
+        <a:xfrm>
+          <a:off x="0" y="0"/>
+          <a:ext cx="0" cy="0"/>
+          <a:chOff x="0" y="0"/>
+          <a:chExt cx="0" cy="0"/>
+        </a:xfrm>
+      </p:grpSpPr>
+      <p:sp>
+        <p:nvSpPr>
+          <p:cNvPr id="2" name="Title 1"/>
+          <p:cNvSpPr>
+            <a:spLocks noGrp="1"/>
+          </p:cNvSpPr>
+          <p:nvPr>
+            <p:ph type="title"/>
+          </p:nvPr>
+        </p:nvSpPr>
+        <p:spPr/>
+        <p:txBody>
+          <a:bodyPr/>
+          <a:lstStyle/>
+          <a:p>
+            <a:r>
+              <a:rPr lang="en-US" dirty="0" smtClean="0"/>
+              <a:t>Goals</a:t>
+            </a:r>
+            <a:endParaRPr lang="en-US" dirty="0"/>
+          </a:p>
+        </p:txBody>
+      </p:sp>
+      <p:sp>
+        <p:nvSpPr>
+          <p:cNvPr id="3" name="Content Placeholder 2"/>
+          <p:cNvSpPr>
+            <a:spLocks noGrp="1"/>
+          </p:cNvSpPr>
+          <p:nvPr>
+            <p:ph idx="1"/>
+          </p:nvPr>
+        </p:nvSpPr>
+        <p:spPr/>
+        <p:txBody>
+          <a:bodyPr/>
+          <a:lstStyle/>
+          <a:p>
+            <a:r>
+              <a:rPr lang="en-US" dirty="0" smtClean="0"/>
+              <a:t>Develop a </a:t>
+            </a:r>
+            <a:r>
+              <a:rPr lang="en-US" dirty="0"/>
+              <a:t>W</a:t>
+            </a:r>
+            <a:r>
+              <a:rPr lang="en-US" dirty="0" smtClean="0"/>
+              <a:t>eather App</a:t>
+            </a:r>
+            <a:endParaRPr lang="en-US" dirty="0"/>
+          </a:p>
+        </p:txBody>
+      </p:sp>
+    </p:spTree>
+    <p:extLst>
+      <p:ext uri="{BB962C8B-B14F-4D97-AF65-F5344CB8AC3E}">
+        <p14:creationId xmlns:p14="http://schemas.microsoft.com/office/powerpoint/2010/main" val="1850275397"/>
+      </p:ext>
+    </p:extLst>
+  </p:cSld>
+  <p:clrMapOvr>
+    <a:masterClrMapping/>
+  </p:clrMapOvr>
+  <p:timing>
+    <p:tnLst>
+      <p:par>
+        <p:cTn id="1" dur="indefinite" restart="never" nodeType="tmRoot"/>
+      </p:par>
+    </p:tnLst>
+  </p:timing>
+</p:sld>
+</file>
+
+<file path=ppt/slides/slide3.xml><?xml version="1.0" encoding="utf-8"?>
 <p:sld xmlns:a="http://schemas.openxmlformats.org/drawingml/2006/main" xmlns:r="http://schemas.openxmlformats.org/officeDocument/2006/relationships" xmlns:p="http://schemas.openxmlformats.org/presentationml/2006/main">
   <p:cSld>
     <p:spTree>
@@ -3201,111 +3302,13 @@
   <p:clrMapOvr>
     <a:masterClrMapping/>
   </p:clrMapOvr>
-</p:sld>
-</file>
-
-<file path=ppt/slides/slide3.xml><?xml version="1.0" encoding="utf-8"?>
-<p:sld xmlns:a="http://schemas.openxmlformats.org/drawingml/2006/main" xmlns:r="http://schemas.openxmlformats.org/officeDocument/2006/relationships" xmlns:p="http://schemas.openxmlformats.org/presentationml/2006/main">
-  <p:cSld>
-    <p:spTree>
-      <p:nvGrpSpPr>
-        <p:cNvPr id="1" name=""/>
-        <p:cNvGrpSpPr/>
-        <p:nvPr/>
-      </p:nvGrpSpPr>
-      <p:grpSpPr>
-        <a:xfrm>
-          <a:off x="0" y="0"/>
-          <a:ext cx="0" cy="0"/>
-          <a:chOff x="0" y="0"/>
-          <a:chExt cx="0" cy="0"/>
-        </a:xfrm>
-      </p:grpSpPr>
-      <p:sp>
-        <p:nvSpPr>
-          <p:cNvPr id="2" name="Title 1"/>
-          <p:cNvSpPr>
-            <a:spLocks noGrp="1"/>
-          </p:cNvSpPr>
-          <p:nvPr>
-            <p:ph type="title"/>
-          </p:nvPr>
-        </p:nvSpPr>
-        <p:spPr/>
-        <p:txBody>
-          <a:bodyPr/>
-          <a:lstStyle/>
-          <a:p>
-            <a:r>
-              <a:rPr lang="en-US" dirty="0"/>
-              <a:t>Activity</a:t>
-            </a:r>
-          </a:p>
-        </p:txBody>
-      </p:sp>
-      <p:sp>
-        <p:nvSpPr>
-          <p:cNvPr id="3" name="Content Placeholder 2"/>
-          <p:cNvSpPr>
-            <a:spLocks noGrp="1"/>
-          </p:cNvSpPr>
-          <p:nvPr>
-            <p:ph idx="1"/>
-          </p:nvPr>
-        </p:nvSpPr>
-        <p:spPr/>
-        <p:txBody>
-          <a:bodyPr/>
-          <a:lstStyle/>
-          <a:p>
-            <a:r>
-              <a:rPr lang="en-US" dirty="0" smtClean="0"/>
-              <a:t>Fundamental </a:t>
-            </a:r>
-            <a:r>
-              <a:rPr lang="en-US" dirty="0"/>
-              <a:t>building blocks </a:t>
-            </a:r>
-            <a:endParaRPr lang="en-US" dirty="0" smtClean="0"/>
-          </a:p>
-          <a:p>
-            <a:r>
-              <a:rPr lang="en-US" dirty="0" smtClean="0"/>
-              <a:t>Entry </a:t>
-            </a:r>
-            <a:r>
-              <a:rPr lang="en-US" dirty="0"/>
-              <a:t>point for a user's interaction </a:t>
-            </a:r>
-            <a:endParaRPr lang="en-US" dirty="0" smtClean="0"/>
-          </a:p>
-          <a:p>
-            <a:r>
-              <a:rPr lang="en-US" dirty="0"/>
-              <a:t>N</a:t>
-            </a:r>
-            <a:r>
-              <a:rPr lang="en-US" dirty="0" smtClean="0"/>
-              <a:t>avigates </a:t>
-            </a:r>
-            <a:r>
-              <a:rPr lang="en-US" dirty="0"/>
-              <a:t>within an app</a:t>
-            </a:r>
-            <a:endParaRPr lang="en-US" dirty="0"/>
-          </a:p>
-        </p:txBody>
-      </p:sp>
-    </p:spTree>
-    <p:extLst>
-      <p:ext uri="{BB962C8B-B14F-4D97-AF65-F5344CB8AC3E}">
-        <p14:creationId xmlns:p14="http://schemas.microsoft.com/office/powerpoint/2010/main" val="3823901020"/>
-      </p:ext>
-    </p:extLst>
-  </p:cSld>
-  <p:clrMapOvr>
-    <a:masterClrMapping/>
-  </p:clrMapOvr>
+  <p:timing>
+    <p:tnLst>
+      <p:par>
+        <p:cTn id="1" dur="indefinite" restart="never" nodeType="tmRoot"/>
+      </p:par>
+    </p:tnLst>
+  </p:timing>
 </p:sld>
 </file>
 
@@ -3343,7 +3346,640 @@
           <a:p>
             <a:r>
               <a:rPr lang="en-US" dirty="0" smtClean="0"/>
-              <a:t>Creating an Activity</a:t>
+              <a:t>Android Studio Parts</a:t>
+            </a:r>
+            <a:endParaRPr lang="en-US" dirty="0"/>
+          </a:p>
+        </p:txBody>
+      </p:sp>
+      <p:sp>
+        <p:nvSpPr>
+          <p:cNvPr id="3" name="Content Placeholder 2"/>
+          <p:cNvSpPr>
+            <a:spLocks noGrp="1"/>
+          </p:cNvSpPr>
+          <p:nvPr>
+            <p:ph idx="1"/>
+          </p:nvPr>
+        </p:nvSpPr>
+        <p:spPr/>
+        <p:txBody>
+          <a:bodyPr/>
+          <a:lstStyle/>
+          <a:p>
+            <a:endParaRPr lang="en-US"/>
+          </a:p>
+        </p:txBody>
+      </p:sp>
+    </p:spTree>
+    <p:extLst>
+      <p:ext uri="{BB962C8B-B14F-4D97-AF65-F5344CB8AC3E}">
+        <p14:creationId xmlns:p14="http://schemas.microsoft.com/office/powerpoint/2010/main" val="1228642055"/>
+      </p:ext>
+    </p:extLst>
+  </p:cSld>
+  <p:clrMapOvr>
+    <a:masterClrMapping/>
+  </p:clrMapOvr>
+  <p:timing>
+    <p:tnLst>
+      <p:par>
+        <p:cTn id="1" dur="indefinite" restart="never" nodeType="tmRoot"/>
+      </p:par>
+    </p:tnLst>
+  </p:timing>
+</p:sld>
+</file>
+
+<file path=ppt/slides/slide5.xml><?xml version="1.0" encoding="utf-8"?>
+<p:sld xmlns:a="http://schemas.openxmlformats.org/drawingml/2006/main" xmlns:r="http://schemas.openxmlformats.org/officeDocument/2006/relationships" xmlns:p="http://schemas.openxmlformats.org/presentationml/2006/main">
+  <p:cSld>
+    <p:spTree>
+      <p:nvGrpSpPr>
+        <p:cNvPr id="1" name=""/>
+        <p:cNvGrpSpPr/>
+        <p:nvPr/>
+      </p:nvGrpSpPr>
+      <p:grpSpPr>
+        <a:xfrm>
+          <a:off x="0" y="0"/>
+          <a:ext cx="0" cy="0"/>
+          <a:chOff x="0" y="0"/>
+          <a:chExt cx="0" cy="0"/>
+        </a:xfrm>
+      </p:grpSpPr>
+      <p:sp>
+        <p:nvSpPr>
+          <p:cNvPr id="2" name="Title 1"/>
+          <p:cNvSpPr>
+            <a:spLocks noGrp="1"/>
+          </p:cNvSpPr>
+          <p:nvPr>
+            <p:ph type="title"/>
+          </p:nvPr>
+        </p:nvSpPr>
+        <p:spPr/>
+        <p:txBody>
+          <a:bodyPr/>
+          <a:lstStyle/>
+          <a:p>
+            <a:r>
+              <a:rPr lang="en-US" b="1" dirty="0" smtClean="0"/>
+              <a:t>Activity</a:t>
+            </a:r>
+            <a:r>
+              <a:rPr lang="en-US" dirty="0" smtClean="0"/>
+              <a:t/>
+            </a:r>
+            <a:br>
+              <a:rPr lang="en-US" dirty="0" smtClean="0"/>
+            </a:br>
+            <a:r>
+              <a:rPr lang="en-US" sz="2000" dirty="0">
+                <a:hlinkClick r:id="rId2"/>
+              </a:rPr>
+              <a:t>https://developer.android.com/reference/android/app/Activity.html</a:t>
+            </a:r>
+            <a:endParaRPr lang="en-US" sz="2000" dirty="0"/>
+          </a:p>
+        </p:txBody>
+      </p:sp>
+      <p:sp>
+        <p:nvSpPr>
+          <p:cNvPr id="3" name="Content Placeholder 2"/>
+          <p:cNvSpPr>
+            <a:spLocks noGrp="1"/>
+          </p:cNvSpPr>
+          <p:nvPr>
+            <p:ph idx="1"/>
+          </p:nvPr>
+        </p:nvSpPr>
+        <p:spPr>
+          <a:xfrm>
+            <a:off x="838200" y="1825625"/>
+            <a:ext cx="10515600" cy="2758250"/>
+          </a:xfrm>
+        </p:spPr>
+        <p:txBody>
+          <a:bodyPr>
+            <a:normAutofit/>
+          </a:bodyPr>
+          <a:lstStyle/>
+          <a:p>
+            <a:r>
+              <a:rPr lang="en-US" dirty="0" smtClean="0"/>
+              <a:t>Fundamental </a:t>
+            </a:r>
+            <a:r>
+              <a:rPr lang="en-US" dirty="0"/>
+              <a:t>building blocks </a:t>
+            </a:r>
+            <a:endParaRPr lang="en-US" dirty="0" smtClean="0"/>
+          </a:p>
+          <a:p>
+            <a:r>
+              <a:rPr lang="en-US" dirty="0" smtClean="0"/>
+              <a:t>Entry </a:t>
+            </a:r>
+            <a:r>
+              <a:rPr lang="en-US" dirty="0"/>
+              <a:t>point for </a:t>
+            </a:r>
+            <a:r>
+              <a:rPr lang="en-US" dirty="0" smtClean="0"/>
+              <a:t>user's </a:t>
+            </a:r>
+            <a:r>
+              <a:rPr lang="en-US" dirty="0"/>
+              <a:t>interaction </a:t>
+            </a:r>
+            <a:endParaRPr lang="en-US" dirty="0" smtClean="0"/>
+          </a:p>
+          <a:p>
+            <a:r>
+              <a:rPr lang="en-US" dirty="0" smtClean="0"/>
+              <a:t>Provides</a:t>
+            </a:r>
+            <a:r>
+              <a:rPr lang="en-US" dirty="0" smtClean="0"/>
+              <a:t> navigates </a:t>
+            </a:r>
+            <a:r>
+              <a:rPr lang="en-US" dirty="0"/>
+              <a:t>within an </a:t>
+            </a:r>
+            <a:r>
+              <a:rPr lang="en-US" dirty="0" smtClean="0"/>
+              <a:t>app</a:t>
+            </a:r>
+          </a:p>
+          <a:p>
+            <a:r>
+              <a:rPr lang="en-US" dirty="0" smtClean="0"/>
+              <a:t>Communication between other activities</a:t>
+            </a:r>
+          </a:p>
+          <a:p>
+            <a:r>
+              <a:rPr lang="en-US" dirty="0" smtClean="0"/>
+              <a:t>Communication between child fragments</a:t>
+            </a:r>
+            <a:endParaRPr lang="en-US" dirty="0"/>
+          </a:p>
+        </p:txBody>
+      </p:sp>
+      <p:grpSp>
+        <p:nvGrpSpPr>
+          <p:cNvPr id="5" name="Group 4"/>
+          <p:cNvGrpSpPr/>
+          <p:nvPr/>
+        </p:nvGrpSpPr>
+        <p:grpSpPr>
+          <a:xfrm>
+            <a:off x="1662546" y="4324795"/>
+            <a:ext cx="8609610" cy="2108478"/>
+            <a:chOff x="1662546" y="4324795"/>
+            <a:chExt cx="8609610" cy="2108478"/>
+          </a:xfrm>
+        </p:grpSpPr>
+        <p:sp>
+          <p:nvSpPr>
+            <p:cNvPr id="4" name="TextBox 3"/>
+            <p:cNvSpPr txBox="1"/>
+            <p:nvPr/>
+          </p:nvSpPr>
+          <p:spPr>
+            <a:xfrm>
+              <a:off x="1662546" y="4324795"/>
+              <a:ext cx="8609610" cy="984885"/>
+            </a:xfrm>
+            <a:prstGeom prst="rect">
+              <a:avLst/>
+            </a:prstGeom>
+            <a:noFill/>
+          </p:spPr>
+          <p:txBody>
+            <a:bodyPr wrap="square" rtlCol="0">
+              <a:spAutoFit/>
+            </a:bodyPr>
+            <a:lstStyle/>
+            <a:p>
+              <a:pPr algn="ctr"/>
+              <a:r>
+                <a:rPr lang="en-US" sz="4000" dirty="0" smtClean="0">
+                  <a:solidFill>
+                    <a:srgbClr val="FF0000"/>
+                  </a:solidFill>
+                </a:rPr>
+                <a:t>No Creation or  Modification of Views </a:t>
+              </a:r>
+            </a:p>
+            <a:p>
+              <a:endParaRPr lang="en-US" dirty="0">
+                <a:solidFill>
+                  <a:srgbClr val="FF0000"/>
+                </a:solidFill>
+              </a:endParaRPr>
+            </a:p>
+          </p:txBody>
+        </p:sp>
+        <p:pic>
+          <p:nvPicPr>
+            <p:cNvPr id="2051" name="Picture 3" descr="C:\Users\brian.batchelor\AppData\Local\Microsoft\Windows\INetCache\IE\J4PF38A8\stock-vector-vector-clip-art-illustration-of-smartoon-gesturing-a-stop-sign-as-it-stands-in-a-not-allowed-31370068[1].jpg"/>
+            <p:cNvPicPr>
+              <a:picLocks noChangeAspect="1" noChangeArrowheads="1"/>
+            </p:cNvPicPr>
+            <p:nvPr/>
+          </p:nvPicPr>
+          <p:blipFill>
+            <a:blip r:embed="rId3" cstate="print">
+              <a:extLst>
+                <a:ext uri="{28A0092B-C50C-407E-A947-70E740481C1C}">
+                  <a14:useLocalDpi xmlns:a14="http://schemas.microsoft.com/office/drawing/2010/main" val="0"/>
+                </a:ext>
+              </a:extLst>
+            </a:blip>
+            <a:srcRect/>
+            <a:stretch>
+              <a:fillRect/>
+            </a:stretch>
+          </p:blipFill>
+          <p:spPr bwMode="auto">
+            <a:xfrm>
+              <a:off x="5325747" y="5234671"/>
+              <a:ext cx="1073641" cy="1198602"/>
+            </a:xfrm>
+            <a:prstGeom prst="rect">
+              <a:avLst/>
+            </a:prstGeom>
+            <a:noFill/>
+            <a:extLst>
+              <a:ext uri="{909E8E84-426E-40DD-AFC4-6F175D3DCCD1}">
+                <a14:hiddenFill xmlns:a14="http://schemas.microsoft.com/office/drawing/2010/main">
+                  <a:solidFill>
+                    <a:srgbClr val="FFFFFF"/>
+                  </a:solidFill>
+                </a14:hiddenFill>
+              </a:ext>
+            </a:extLst>
+          </p:spPr>
+        </p:pic>
+      </p:grpSp>
+    </p:spTree>
+    <p:extLst>
+      <p:ext uri="{BB962C8B-B14F-4D97-AF65-F5344CB8AC3E}">
+        <p14:creationId xmlns:p14="http://schemas.microsoft.com/office/powerpoint/2010/main" val="3823901020"/>
+      </p:ext>
+    </p:extLst>
+  </p:cSld>
+  <p:clrMapOvr>
+    <a:masterClrMapping/>
+  </p:clrMapOvr>
+  <p:timing>
+    <p:tnLst>
+      <p:par>
+        <p:cTn id="1" dur="indefinite" restart="never" nodeType="tmRoot">
+          <p:childTnLst>
+            <p:seq concurrent="1" nextAc="seek">
+              <p:cTn id="2" dur="indefinite" nodeType="mainSeq">
+                <p:childTnLst>
+                  <p:par>
+                    <p:cTn id="3" fill="hold">
+                      <p:stCondLst>
+                        <p:cond delay="indefinite"/>
+                      </p:stCondLst>
+                      <p:childTnLst>
+                        <p:par>
+                          <p:cTn id="4" fill="hold">
+                            <p:stCondLst>
+                              <p:cond delay="0"/>
+                            </p:stCondLst>
+                            <p:childTnLst>
+                              <p:par>
+                                <p:cTn id="5" presetID="53" presetClass="entr" presetSubtype="16" fill="hold" nodeType="clickEffect">
+                                  <p:stCondLst>
+                                    <p:cond delay="0"/>
+                                  </p:stCondLst>
+                                  <p:childTnLst>
+                                    <p:set>
+                                      <p:cBhvr>
+                                        <p:cTn id="6" dur="1" fill="hold">
+                                          <p:stCondLst>
+                                            <p:cond delay="0"/>
+                                          </p:stCondLst>
+                                        </p:cTn>
+                                        <p:tgtEl>
+                                          <p:spTgt spid="5"/>
+                                        </p:tgtEl>
+                                        <p:attrNameLst>
+                                          <p:attrName>style.visibility</p:attrName>
+                                        </p:attrNameLst>
+                                      </p:cBhvr>
+                                      <p:to>
+                                        <p:strVal val="visible"/>
+                                      </p:to>
+                                    </p:set>
+                                    <p:anim calcmode="lin" valueType="num">
+                                      <p:cBhvr>
+                                        <p:cTn id="7" dur="500" fill="hold"/>
+                                        <p:tgtEl>
+                                          <p:spTgt spid="5"/>
+                                        </p:tgtEl>
+                                        <p:attrNameLst>
+                                          <p:attrName>ppt_w</p:attrName>
+                                        </p:attrNameLst>
+                                      </p:cBhvr>
+                                      <p:tavLst>
+                                        <p:tav tm="0">
+                                          <p:val>
+                                            <p:fltVal val="0"/>
+                                          </p:val>
+                                        </p:tav>
+                                        <p:tav tm="100000">
+                                          <p:val>
+                                            <p:strVal val="#ppt_w"/>
+                                          </p:val>
+                                        </p:tav>
+                                      </p:tavLst>
+                                    </p:anim>
+                                    <p:anim calcmode="lin" valueType="num">
+                                      <p:cBhvr>
+                                        <p:cTn id="8" dur="500" fill="hold"/>
+                                        <p:tgtEl>
+                                          <p:spTgt spid="5"/>
+                                        </p:tgtEl>
+                                        <p:attrNameLst>
+                                          <p:attrName>ppt_h</p:attrName>
+                                        </p:attrNameLst>
+                                      </p:cBhvr>
+                                      <p:tavLst>
+                                        <p:tav tm="0">
+                                          <p:val>
+                                            <p:fltVal val="0"/>
+                                          </p:val>
+                                        </p:tav>
+                                        <p:tav tm="100000">
+                                          <p:val>
+                                            <p:strVal val="#ppt_h"/>
+                                          </p:val>
+                                        </p:tav>
+                                      </p:tavLst>
+                                    </p:anim>
+                                    <p:animEffect transition="in" filter="fade">
+                                      <p:cBhvr>
+                                        <p:cTn id="9" dur="500"/>
+                                        <p:tgtEl>
+                                          <p:spTgt spid="5"/>
+                                        </p:tgtEl>
+                                      </p:cBhvr>
+                                    </p:animEffect>
+                                  </p:childTnLst>
+                                </p:cTn>
+                              </p:par>
+                            </p:childTnLst>
+                          </p:cTn>
+                        </p:par>
+                      </p:childTnLst>
+                    </p:cTn>
+                  </p:par>
+                </p:childTnLst>
+              </p:cTn>
+              <p:prevCondLst>
+                <p:cond evt="onPrev" delay="0">
+                  <p:tgtEl>
+                    <p:sldTgt/>
+                  </p:tgtEl>
+                </p:cond>
+              </p:prevCondLst>
+              <p:nextCondLst>
+                <p:cond evt="onNext" delay="0">
+                  <p:tgtEl>
+                    <p:sldTgt/>
+                  </p:tgtEl>
+                </p:cond>
+              </p:nextCondLst>
+            </p:seq>
+          </p:childTnLst>
+        </p:cTn>
+      </p:par>
+    </p:tnLst>
+  </p:timing>
+</p:sld>
+</file>
+
+<file path=ppt/slides/slide6.xml><?xml version="1.0" encoding="utf-8"?>
+<p:sld xmlns:a="http://schemas.openxmlformats.org/drawingml/2006/main" xmlns:r="http://schemas.openxmlformats.org/officeDocument/2006/relationships" xmlns:p="http://schemas.openxmlformats.org/presentationml/2006/main">
+  <p:cSld>
+    <p:spTree>
+      <p:nvGrpSpPr>
+        <p:cNvPr id="1" name=""/>
+        <p:cNvGrpSpPr/>
+        <p:nvPr/>
+      </p:nvGrpSpPr>
+      <p:grpSpPr>
+        <a:xfrm>
+          <a:off x="0" y="0"/>
+          <a:ext cx="0" cy="0"/>
+          <a:chOff x="0" y="0"/>
+          <a:chExt cx="0" cy="0"/>
+        </a:xfrm>
+      </p:grpSpPr>
+      <p:sp>
+        <p:nvSpPr>
+          <p:cNvPr id="2" name="Title 1"/>
+          <p:cNvSpPr>
+            <a:spLocks noGrp="1"/>
+          </p:cNvSpPr>
+          <p:nvPr>
+            <p:ph type="title"/>
+          </p:nvPr>
+        </p:nvSpPr>
+        <p:spPr/>
+        <p:txBody>
+          <a:bodyPr/>
+          <a:lstStyle/>
+          <a:p>
+            <a:r>
+              <a:rPr lang="en-US" dirty="0" smtClean="0"/>
+              <a:t>Think of an Activity as a picture frame</a:t>
+            </a:r>
+            <a:endParaRPr lang="en-US" dirty="0"/>
+          </a:p>
+        </p:txBody>
+      </p:sp>
+      <p:pic>
+        <p:nvPicPr>
+          <p:cNvPr id="1026" name="Picture 2" descr="C:\Users\brian.batchelor\AppData\Local\Microsoft\Windows\INetCache\IE\GT1NZ5PW\goldframe[1].png"/>
+          <p:cNvPicPr>
+            <a:picLocks noGrp="1" noChangeAspect="1" noChangeArrowheads="1"/>
+          </p:cNvPicPr>
+          <p:nvPr>
+            <p:ph idx="1"/>
+          </p:nvPr>
+        </p:nvPicPr>
+        <p:blipFill>
+          <a:blip r:embed="rId2">
+            <a:extLst>
+              <a:ext uri="{28A0092B-C50C-407E-A947-70E740481C1C}">
+                <a14:useLocalDpi xmlns:a14="http://schemas.microsoft.com/office/drawing/2010/main" val="0"/>
+              </a:ext>
+            </a:extLst>
+          </a:blip>
+          <a:srcRect/>
+          <a:stretch>
+            <a:fillRect/>
+          </a:stretch>
+        </p:blipFill>
+        <p:spPr bwMode="auto">
+          <a:xfrm>
+            <a:off x="1166773" y="1631178"/>
+            <a:ext cx="3405227" cy="4201965"/>
+          </a:xfrm>
+          <a:prstGeom prst="rect">
+            <a:avLst/>
+          </a:prstGeom>
+          <a:noFill/>
+          <a:extLst>
+            <a:ext uri="{909E8E84-426E-40DD-AFC4-6F175D3DCCD1}">
+              <a14:hiddenFill xmlns:a14="http://schemas.microsoft.com/office/drawing/2010/main">
+                <a:solidFill>
+                  <a:srgbClr val="FFFFFF"/>
+                </a:solidFill>
+              </a14:hiddenFill>
+            </a:ext>
+          </a:extLst>
+        </p:spPr>
+      </p:pic>
+      <p:sp>
+        <p:nvSpPr>
+          <p:cNvPr id="4" name="Rectangle 3"/>
+          <p:cNvSpPr/>
+          <p:nvPr/>
+        </p:nvSpPr>
+        <p:spPr>
+          <a:xfrm>
+            <a:off x="7269480" y="1973550"/>
+            <a:ext cx="2712720" cy="3566160"/>
+          </a:xfrm>
+          <a:prstGeom prst="rect">
+            <a:avLst/>
+          </a:prstGeom>
+        </p:spPr>
+        <p:style>
+          <a:lnRef idx="2">
+            <a:schemeClr val="accent1">
+              <a:shade val="50000"/>
+            </a:schemeClr>
+          </a:lnRef>
+          <a:fillRef idx="1">
+            <a:schemeClr val="accent1"/>
+          </a:fillRef>
+          <a:effectRef idx="0">
+            <a:schemeClr val="accent1"/>
+          </a:effectRef>
+          <a:fontRef idx="minor">
+            <a:schemeClr val="lt1"/>
+          </a:fontRef>
+        </p:style>
+        <p:txBody>
+          <a:bodyPr rtlCol="0" anchor="ctr"/>
+          <a:lstStyle/>
+          <a:p>
+            <a:pPr algn="ctr"/>
+            <a:r>
+              <a:rPr lang="en-US" dirty="0" smtClean="0"/>
+              <a:t>Android placeholder</a:t>
+            </a:r>
+            <a:endParaRPr lang="en-US" dirty="0"/>
+          </a:p>
+        </p:txBody>
+      </p:sp>
+      <p:sp>
+        <p:nvSpPr>
+          <p:cNvPr id="5" name="TextBox 4"/>
+          <p:cNvSpPr txBox="1"/>
+          <p:nvPr/>
+        </p:nvSpPr>
+        <p:spPr>
+          <a:xfrm>
+            <a:off x="4785360" y="2865120"/>
+            <a:ext cx="1783080" cy="1569660"/>
+          </a:xfrm>
+          <a:prstGeom prst="rect">
+            <a:avLst/>
+          </a:prstGeom>
+          <a:noFill/>
+        </p:spPr>
+        <p:txBody>
+          <a:bodyPr wrap="square" rtlCol="0">
+            <a:spAutoFit/>
+          </a:bodyPr>
+          <a:lstStyle/>
+          <a:p>
+            <a:pPr algn="ctr"/>
+            <a:r>
+              <a:rPr lang="en-US" sz="9600" dirty="0" smtClean="0"/>
+              <a:t>=</a:t>
+            </a:r>
+            <a:endParaRPr lang="en-US" sz="9600" dirty="0"/>
+          </a:p>
+        </p:txBody>
+      </p:sp>
+    </p:spTree>
+    <p:extLst>
+      <p:ext uri="{BB962C8B-B14F-4D97-AF65-F5344CB8AC3E}">
+        <p14:creationId xmlns:p14="http://schemas.microsoft.com/office/powerpoint/2010/main" val="229497108"/>
+      </p:ext>
+    </p:extLst>
+  </p:cSld>
+  <p:clrMapOvr>
+    <a:masterClrMapping/>
+  </p:clrMapOvr>
+  <p:timing>
+    <p:tnLst>
+      <p:par>
+        <p:cTn id="1" dur="indefinite" restart="never" nodeType="tmRoot"/>
+      </p:par>
+    </p:tnLst>
+  </p:timing>
+</p:sld>
+</file>
+
+<file path=ppt/slides/slide7.xml><?xml version="1.0" encoding="utf-8"?>
+<p:sld xmlns:a="http://schemas.openxmlformats.org/drawingml/2006/main" xmlns:r="http://schemas.openxmlformats.org/officeDocument/2006/relationships" xmlns:p="http://schemas.openxmlformats.org/presentationml/2006/main">
+  <p:cSld>
+    <p:spTree>
+      <p:nvGrpSpPr>
+        <p:cNvPr id="1" name=""/>
+        <p:cNvGrpSpPr/>
+        <p:nvPr/>
+      </p:nvGrpSpPr>
+      <p:grpSpPr>
+        <a:xfrm>
+          <a:off x="0" y="0"/>
+          <a:ext cx="0" cy="0"/>
+          <a:chOff x="0" y="0"/>
+          <a:chExt cx="0" cy="0"/>
+        </a:xfrm>
+      </p:grpSpPr>
+      <p:sp>
+        <p:nvSpPr>
+          <p:cNvPr id="2" name="Title 1"/>
+          <p:cNvSpPr>
+            <a:spLocks noGrp="1"/>
+          </p:cNvSpPr>
+          <p:nvPr>
+            <p:ph type="title"/>
+          </p:nvPr>
+        </p:nvSpPr>
+        <p:spPr/>
+        <p:txBody>
+          <a:bodyPr/>
+          <a:lstStyle/>
+          <a:p>
+            <a:r>
+              <a:rPr lang="en-US" dirty="0" smtClean="0"/>
+              <a:t>Fragment</a:t>
             </a:r>
             <a:endParaRPr lang="en-US" dirty="0"/>
           </a:p>
@@ -3378,6 +4014,13 @@
   <p:clrMapOvr>
     <a:masterClrMapping/>
   </p:clrMapOvr>
+  <p:timing>
+    <p:tnLst>
+      <p:par>
+        <p:cTn id="1" dur="indefinite" restart="never" nodeType="tmRoot"/>
+      </p:par>
+    </p:tnLst>
+  </p:timing>
 </p:sld>
 </file>
 
@@ -3670,7 +4313,7 @@
   <a:extraClrSchemeLst/>
   <a:extLst>
     <a:ext uri="{05A4C25C-085E-4340-85A3-A5531E510DB2}">
-      <thm15:themeFamily xmlns:thm15="http://schemas.microsoft.com/office/thememl/2012/main" xmlns="" name="Office Theme" id="{62F939B6-93AF-4DB8-9C6B-D6C7DFDC589F}" vid="{4A3C46E8-61CC-4603-A589-7422A47A8E4A}"/>
+      <thm15:themeFamily xmlns="" xmlns:thm15="http://schemas.microsoft.com/office/thememl/2012/main" name="Office Theme" id="{62F939B6-93AF-4DB8-9C6B-D6C7DFDC589F}" vid="{4A3C46E8-61CC-4603-A589-7422A47A8E4A}"/>
     </a:ext>
   </a:extLst>
 </a:theme>

--- a/slides/Android Studio_Activities_Fragments.pptx
+++ b/slides/Android Studio_Activities_Fragments.pptx
@@ -7,11 +7,17 @@
   <p:sldIdLst>
     <p:sldId id="256" r:id="rId2"/>
     <p:sldId id="260" r:id="rId3"/>
-    <p:sldId id="257" r:id="rId4"/>
-    <p:sldId id="262" r:id="rId5"/>
-    <p:sldId id="258" r:id="rId6"/>
-    <p:sldId id="261" r:id="rId7"/>
-    <p:sldId id="259" r:id="rId8"/>
+    <p:sldId id="264" r:id="rId4"/>
+    <p:sldId id="265" r:id="rId5"/>
+    <p:sldId id="266" r:id="rId6"/>
+    <p:sldId id="257" r:id="rId7"/>
+    <p:sldId id="258" r:id="rId8"/>
+    <p:sldId id="261" r:id="rId9"/>
+    <p:sldId id="263" r:id="rId10"/>
+    <p:sldId id="259" r:id="rId11"/>
+    <p:sldId id="268" r:id="rId12"/>
+    <p:sldId id="269" r:id="rId13"/>
+    <p:sldId id="267" r:id="rId14"/>
   </p:sldIdLst>
   <p:sldSz cx="12192000" cy="6858000"/>
   <p:notesSz cx="6858000" cy="9144000"/>
@@ -242,7 +248,7 @@
           <a:p>
             <a:fld id="{1E7C2FAA-919F-4BF2-9DC6-6D7D1753D0B1}" type="datetimeFigureOut">
               <a:rPr lang="en-US" smtClean="0"/>
-              <a:t>4/28/2017</a:t>
+              <a:t>5/1/2017</a:t>
             </a:fld>
             <a:endParaRPr lang="en-US"/>
           </a:p>
@@ -410,7 +416,7 @@
           <a:p>
             <a:fld id="{1E7C2FAA-919F-4BF2-9DC6-6D7D1753D0B1}" type="datetimeFigureOut">
               <a:rPr lang="en-US" smtClean="0"/>
-              <a:t>4/28/2017</a:t>
+              <a:t>5/1/2017</a:t>
             </a:fld>
             <a:endParaRPr lang="en-US"/>
           </a:p>
@@ -588,7 +594,7 @@
           <a:p>
             <a:fld id="{1E7C2FAA-919F-4BF2-9DC6-6D7D1753D0B1}" type="datetimeFigureOut">
               <a:rPr lang="en-US" smtClean="0"/>
-              <a:t>4/28/2017</a:t>
+              <a:t>5/1/2017</a:t>
             </a:fld>
             <a:endParaRPr lang="en-US"/>
           </a:p>
@@ -756,7 +762,7 @@
           <a:p>
             <a:fld id="{1E7C2FAA-919F-4BF2-9DC6-6D7D1753D0B1}" type="datetimeFigureOut">
               <a:rPr lang="en-US" smtClean="0"/>
-              <a:t>4/28/2017</a:t>
+              <a:t>5/1/2017</a:t>
             </a:fld>
             <a:endParaRPr lang="en-US"/>
           </a:p>
@@ -1001,7 +1007,7 @@
           <a:p>
             <a:fld id="{1E7C2FAA-919F-4BF2-9DC6-6D7D1753D0B1}" type="datetimeFigureOut">
               <a:rPr lang="en-US" smtClean="0"/>
-              <a:t>4/28/2017</a:t>
+              <a:t>5/1/2017</a:t>
             </a:fld>
             <a:endParaRPr lang="en-US"/>
           </a:p>
@@ -1230,7 +1236,7 @@
           <a:p>
             <a:fld id="{1E7C2FAA-919F-4BF2-9DC6-6D7D1753D0B1}" type="datetimeFigureOut">
               <a:rPr lang="en-US" smtClean="0"/>
-              <a:t>4/28/2017</a:t>
+              <a:t>5/1/2017</a:t>
             </a:fld>
             <a:endParaRPr lang="en-US"/>
           </a:p>
@@ -1594,7 +1600,7 @@
           <a:p>
             <a:fld id="{1E7C2FAA-919F-4BF2-9DC6-6D7D1753D0B1}" type="datetimeFigureOut">
               <a:rPr lang="en-US" smtClean="0"/>
-              <a:t>4/28/2017</a:t>
+              <a:t>5/1/2017</a:t>
             </a:fld>
             <a:endParaRPr lang="en-US"/>
           </a:p>
@@ -1711,7 +1717,7 @@
           <a:p>
             <a:fld id="{1E7C2FAA-919F-4BF2-9DC6-6D7D1753D0B1}" type="datetimeFigureOut">
               <a:rPr lang="en-US" smtClean="0"/>
-              <a:t>4/28/2017</a:t>
+              <a:t>5/1/2017</a:t>
             </a:fld>
             <a:endParaRPr lang="en-US"/>
           </a:p>
@@ -1806,7 +1812,7 @@
           <a:p>
             <a:fld id="{1E7C2FAA-919F-4BF2-9DC6-6D7D1753D0B1}" type="datetimeFigureOut">
               <a:rPr lang="en-US" smtClean="0"/>
-              <a:t>4/28/2017</a:t>
+              <a:t>5/1/2017</a:t>
             </a:fld>
             <a:endParaRPr lang="en-US"/>
           </a:p>
@@ -2081,7 +2087,7 @@
           <a:p>
             <a:fld id="{1E7C2FAA-919F-4BF2-9DC6-6D7D1753D0B1}" type="datetimeFigureOut">
               <a:rPr lang="en-US" smtClean="0"/>
-              <a:t>4/28/2017</a:t>
+              <a:t>5/1/2017</a:t>
             </a:fld>
             <a:endParaRPr lang="en-US"/>
           </a:p>
@@ -2333,7 +2339,7 @@
           <a:p>
             <a:fld id="{1E7C2FAA-919F-4BF2-9DC6-6D7D1753D0B1}" type="datetimeFigureOut">
               <a:rPr lang="en-US" smtClean="0"/>
-              <a:t>4/28/2017</a:t>
+              <a:t>5/1/2017</a:t>
             </a:fld>
             <a:endParaRPr lang="en-US"/>
           </a:p>
@@ -2544,7 +2550,7 @@
           <a:p>
             <a:fld id="{1E7C2FAA-919F-4BF2-9DC6-6D7D1753D0B1}" type="datetimeFigureOut">
               <a:rPr lang="en-US" smtClean="0"/>
-              <a:t>4/28/2017</a:t>
+              <a:t>5/1/2017</a:t>
             </a:fld>
             <a:endParaRPr lang="en-US"/>
           </a:p>
@@ -3013,6 +3019,379 @@
 </p:sld>
 </file>
 
+<file path=ppt/slides/slide10.xml><?xml version="1.0" encoding="utf-8"?>
+<p:sld xmlns:a="http://schemas.openxmlformats.org/drawingml/2006/main" xmlns:r="http://schemas.openxmlformats.org/officeDocument/2006/relationships" xmlns:p="http://schemas.openxmlformats.org/presentationml/2006/main">
+  <p:cSld>
+    <p:spTree>
+      <p:nvGrpSpPr>
+        <p:cNvPr id="1" name=""/>
+        <p:cNvGrpSpPr/>
+        <p:nvPr/>
+      </p:nvGrpSpPr>
+      <p:grpSpPr>
+        <a:xfrm>
+          <a:off x="0" y="0"/>
+          <a:ext cx="0" cy="0"/>
+          <a:chOff x="0" y="0"/>
+          <a:chExt cx="0" cy="0"/>
+        </a:xfrm>
+      </p:grpSpPr>
+      <p:sp>
+        <p:nvSpPr>
+          <p:cNvPr id="2" name="Title 1"/>
+          <p:cNvSpPr>
+            <a:spLocks noGrp="1"/>
+          </p:cNvSpPr>
+          <p:nvPr>
+            <p:ph type="title"/>
+          </p:nvPr>
+        </p:nvSpPr>
+        <p:spPr/>
+        <p:txBody>
+          <a:bodyPr>
+            <a:normAutofit/>
+          </a:bodyPr>
+          <a:lstStyle/>
+          <a:p>
+            <a:r>
+              <a:rPr lang="en-US" dirty="0"/>
+              <a:t>Fragment</a:t>
+            </a:r>
+            <a:br>
+              <a:rPr lang="en-US" dirty="0"/>
+            </a:br>
+            <a:r>
+              <a:rPr lang="en-US" sz="2200" dirty="0">
+                <a:hlinkClick r:id="rId2"/>
+              </a:rPr>
+              <a:t>https://</a:t>
+            </a:r>
+            <a:r>
+              <a:rPr lang="en-US" sz="2200" dirty="0" smtClean="0">
+                <a:hlinkClick r:id="rId2"/>
+              </a:rPr>
+              <a:t>developer.android.com/guide/components/fragments.html</a:t>
+            </a:r>
+            <a:endParaRPr lang="en-US" dirty="0"/>
+          </a:p>
+        </p:txBody>
+      </p:sp>
+      <p:sp>
+        <p:nvSpPr>
+          <p:cNvPr id="3" name="Content Placeholder 2"/>
+          <p:cNvSpPr>
+            <a:spLocks noGrp="1"/>
+          </p:cNvSpPr>
+          <p:nvPr>
+            <p:ph idx="1"/>
+          </p:nvPr>
+        </p:nvSpPr>
+        <p:spPr/>
+        <p:txBody>
+          <a:bodyPr/>
+          <a:lstStyle/>
+          <a:p>
+            <a:r>
+              <a:rPr lang="en-US" dirty="0" smtClean="0"/>
+              <a:t>View and Layout logic</a:t>
+            </a:r>
+          </a:p>
+          <a:p>
+            <a:r>
+              <a:rPr lang="en-US" dirty="0" smtClean="0"/>
+              <a:t>Event handling (i.e. </a:t>
+            </a:r>
+            <a:r>
+              <a:rPr lang="en-US" dirty="0" err="1" smtClean="0"/>
+              <a:t>onClick</a:t>
+            </a:r>
+            <a:r>
+              <a:rPr lang="en-US" dirty="0" smtClean="0"/>
+              <a:t>())</a:t>
+            </a:r>
+          </a:p>
+          <a:p>
+            <a:r>
+              <a:rPr lang="en-US" dirty="0" smtClean="0"/>
+              <a:t>Network request </a:t>
+            </a:r>
+          </a:p>
+          <a:p>
+            <a:r>
+              <a:rPr lang="en-US" dirty="0" smtClean="0"/>
+              <a:t>Interacting with a persistence storage</a:t>
+            </a:r>
+          </a:p>
+        </p:txBody>
+      </p:sp>
+    </p:spTree>
+    <p:extLst>
+      <p:ext uri="{BB962C8B-B14F-4D97-AF65-F5344CB8AC3E}">
+        <p14:creationId xmlns:p14="http://schemas.microsoft.com/office/powerpoint/2010/main" val="1806338854"/>
+      </p:ext>
+    </p:extLst>
+  </p:cSld>
+  <p:clrMapOvr>
+    <a:masterClrMapping/>
+  </p:clrMapOvr>
+  <p:timing>
+    <p:tnLst>
+      <p:par>
+        <p:cTn id="1" dur="indefinite" restart="never" nodeType="tmRoot"/>
+      </p:par>
+    </p:tnLst>
+  </p:timing>
+</p:sld>
+</file>
+
+<file path=ppt/slides/slide11.xml><?xml version="1.0" encoding="utf-8"?>
+<p:sld xmlns:a="http://schemas.openxmlformats.org/drawingml/2006/main" xmlns:r="http://schemas.openxmlformats.org/officeDocument/2006/relationships" xmlns:p="http://schemas.openxmlformats.org/presentationml/2006/main">
+  <p:cSld>
+    <p:spTree>
+      <p:nvGrpSpPr>
+        <p:cNvPr id="1" name=""/>
+        <p:cNvGrpSpPr/>
+        <p:nvPr/>
+      </p:nvGrpSpPr>
+      <p:grpSpPr>
+        <a:xfrm>
+          <a:off x="0" y="0"/>
+          <a:ext cx="0" cy="0"/>
+          <a:chOff x="0" y="0"/>
+          <a:chExt cx="0" cy="0"/>
+        </a:xfrm>
+      </p:grpSpPr>
+      <p:sp>
+        <p:nvSpPr>
+          <p:cNvPr id="2" name="Title 1"/>
+          <p:cNvSpPr>
+            <a:spLocks noGrp="1"/>
+          </p:cNvSpPr>
+          <p:nvPr>
+            <p:ph type="title"/>
+          </p:nvPr>
+        </p:nvSpPr>
+        <p:spPr/>
+        <p:txBody>
+          <a:bodyPr/>
+          <a:lstStyle/>
+          <a:p>
+            <a:endParaRPr lang="en-US"/>
+          </a:p>
+        </p:txBody>
+      </p:sp>
+      <p:sp>
+        <p:nvSpPr>
+          <p:cNvPr id="3" name="Content Placeholder 2"/>
+          <p:cNvSpPr>
+            <a:spLocks noGrp="1"/>
+          </p:cNvSpPr>
+          <p:nvPr>
+            <p:ph idx="1"/>
+          </p:nvPr>
+        </p:nvSpPr>
+        <p:spPr/>
+        <p:txBody>
+          <a:bodyPr>
+            <a:normAutofit/>
+          </a:bodyPr>
+          <a:lstStyle/>
+          <a:p>
+            <a:pPr marL="0" indent="0" algn="ctr">
+              <a:buNone/>
+            </a:pPr>
+            <a:endParaRPr lang="en-US" sz="6600" dirty="0" smtClean="0"/>
+          </a:p>
+          <a:p>
+            <a:pPr marL="0" indent="0" algn="ctr">
+              <a:buNone/>
+            </a:pPr>
+            <a:r>
+              <a:rPr lang="en-US" sz="6600" dirty="0" smtClean="0"/>
+              <a:t>Detail Level </a:t>
+            </a:r>
+            <a:endParaRPr lang="en-US" sz="6600" dirty="0"/>
+          </a:p>
+        </p:txBody>
+      </p:sp>
+    </p:spTree>
+    <p:extLst>
+      <p:ext uri="{BB962C8B-B14F-4D97-AF65-F5344CB8AC3E}">
+        <p14:creationId xmlns:p14="http://schemas.microsoft.com/office/powerpoint/2010/main" val="431746998"/>
+      </p:ext>
+    </p:extLst>
+  </p:cSld>
+  <p:clrMapOvr>
+    <a:masterClrMapping/>
+  </p:clrMapOvr>
+  <p:timing>
+    <p:tnLst>
+      <p:par>
+        <p:cTn id="1" dur="indefinite" restart="never" nodeType="tmRoot"/>
+      </p:par>
+    </p:tnLst>
+  </p:timing>
+</p:sld>
+</file>
+
+<file path=ppt/slides/slide12.xml><?xml version="1.0" encoding="utf-8"?>
+<p:sld xmlns:a="http://schemas.openxmlformats.org/drawingml/2006/main" xmlns:r="http://schemas.openxmlformats.org/officeDocument/2006/relationships" xmlns:p="http://schemas.openxmlformats.org/presentationml/2006/main">
+  <p:cSld>
+    <p:spTree>
+      <p:nvGrpSpPr>
+        <p:cNvPr id="1" name=""/>
+        <p:cNvGrpSpPr/>
+        <p:nvPr/>
+      </p:nvGrpSpPr>
+      <p:grpSpPr>
+        <a:xfrm>
+          <a:off x="0" y="0"/>
+          <a:ext cx="0" cy="0"/>
+          <a:chOff x="0" y="0"/>
+          <a:chExt cx="0" cy="0"/>
+        </a:xfrm>
+      </p:grpSpPr>
+      <p:sp>
+        <p:nvSpPr>
+          <p:cNvPr id="2" name="Title 1"/>
+          <p:cNvSpPr>
+            <a:spLocks noGrp="1"/>
+          </p:cNvSpPr>
+          <p:nvPr>
+            <p:ph type="title"/>
+          </p:nvPr>
+        </p:nvSpPr>
+        <p:spPr/>
+        <p:txBody>
+          <a:bodyPr/>
+          <a:lstStyle/>
+          <a:p>
+            <a:r>
+              <a:rPr lang="en-US" dirty="0" smtClean="0"/>
+              <a:t>Activity Lifecycle</a:t>
+            </a:r>
+            <a:endParaRPr lang="en-US" dirty="0"/>
+          </a:p>
+        </p:txBody>
+      </p:sp>
+      <p:sp>
+        <p:nvSpPr>
+          <p:cNvPr id="3" name="Content Placeholder 2"/>
+          <p:cNvSpPr>
+            <a:spLocks noGrp="1"/>
+          </p:cNvSpPr>
+          <p:nvPr>
+            <p:ph idx="1"/>
+          </p:nvPr>
+        </p:nvSpPr>
+        <p:spPr/>
+        <p:txBody>
+          <a:bodyPr/>
+          <a:lstStyle/>
+          <a:p>
+            <a:endParaRPr lang="en-US"/>
+          </a:p>
+        </p:txBody>
+      </p:sp>
+    </p:spTree>
+    <p:extLst>
+      <p:ext uri="{BB962C8B-B14F-4D97-AF65-F5344CB8AC3E}">
+        <p14:creationId xmlns:p14="http://schemas.microsoft.com/office/powerpoint/2010/main" val="4060041946"/>
+      </p:ext>
+    </p:extLst>
+  </p:cSld>
+  <p:clrMapOvr>
+    <a:masterClrMapping/>
+  </p:clrMapOvr>
+  <p:timing>
+    <p:tnLst>
+      <p:par>
+        <p:cTn id="1" dur="indefinite" restart="never" nodeType="tmRoot"/>
+      </p:par>
+    </p:tnLst>
+  </p:timing>
+</p:sld>
+</file>
+
+<file path=ppt/slides/slide13.xml><?xml version="1.0" encoding="utf-8"?>
+<p:sld xmlns:a="http://schemas.openxmlformats.org/drawingml/2006/main" xmlns:r="http://schemas.openxmlformats.org/officeDocument/2006/relationships" xmlns:p="http://schemas.openxmlformats.org/presentationml/2006/main">
+  <p:cSld>
+    <p:spTree>
+      <p:nvGrpSpPr>
+        <p:cNvPr id="1" name=""/>
+        <p:cNvGrpSpPr/>
+        <p:nvPr/>
+      </p:nvGrpSpPr>
+      <p:grpSpPr>
+        <a:xfrm>
+          <a:off x="0" y="0"/>
+          <a:ext cx="0" cy="0"/>
+          <a:chOff x="0" y="0"/>
+          <a:chExt cx="0" cy="0"/>
+        </a:xfrm>
+      </p:grpSpPr>
+      <p:sp>
+        <p:nvSpPr>
+          <p:cNvPr id="2" name="Title 1"/>
+          <p:cNvSpPr>
+            <a:spLocks noGrp="1"/>
+          </p:cNvSpPr>
+          <p:nvPr>
+            <p:ph type="title"/>
+          </p:nvPr>
+        </p:nvSpPr>
+        <p:spPr/>
+        <p:txBody>
+          <a:bodyPr/>
+          <a:lstStyle/>
+          <a:p>
+            <a:r>
+              <a:rPr lang="en-US" dirty="0" err="1" smtClean="0"/>
+              <a:t>Github</a:t>
+            </a:r>
+            <a:endParaRPr lang="en-US" dirty="0"/>
+          </a:p>
+        </p:txBody>
+      </p:sp>
+      <p:sp>
+        <p:nvSpPr>
+          <p:cNvPr id="3" name="Content Placeholder 2"/>
+          <p:cNvSpPr>
+            <a:spLocks noGrp="1"/>
+          </p:cNvSpPr>
+          <p:nvPr>
+            <p:ph idx="1"/>
+          </p:nvPr>
+        </p:nvSpPr>
+        <p:spPr/>
+        <p:txBody>
+          <a:bodyPr/>
+          <a:lstStyle/>
+          <a:p>
+            <a:endParaRPr lang="en-US"/>
+          </a:p>
+        </p:txBody>
+      </p:sp>
+    </p:spTree>
+    <p:extLst>
+      <p:ext uri="{BB962C8B-B14F-4D97-AF65-F5344CB8AC3E}">
+        <p14:creationId xmlns:p14="http://schemas.microsoft.com/office/powerpoint/2010/main" val="719851520"/>
+      </p:ext>
+    </p:extLst>
+  </p:cSld>
+  <p:clrMapOvr>
+    <a:masterClrMapping/>
+  </p:clrMapOvr>
+  <p:timing>
+    <p:tnLst>
+      <p:par>
+        <p:cTn id="1" dur="indefinite" restart="never" nodeType="tmRoot"/>
+      </p:par>
+    </p:tnLst>
+  </p:timing>
+</p:sld>
+</file>
+
 <file path=ppt/slides/slide2.xml><?xml version="1.0" encoding="utf-8"?>
 <p:sld xmlns:a="http://schemas.openxmlformats.org/drawingml/2006/main" xmlns:r="http://schemas.openxmlformats.org/officeDocument/2006/relationships" xmlns:p="http://schemas.openxmlformats.org/presentationml/2006/main">
   <p:cSld>
@@ -3073,12 +3452,12 @@
               <a:t>Develop a </a:t>
             </a:r>
             <a:r>
-              <a:rPr lang="en-US" dirty="0"/>
-              <a:t>W</a:t>
+              <a:rPr lang="en-US" dirty="0" err="1" smtClean="0"/>
+              <a:t>BlueSkies</a:t>
             </a:r>
             <a:r>
               <a:rPr lang="en-US" dirty="0" smtClean="0"/>
-              <a:t>eather App</a:t>
+              <a:t> App</a:t>
             </a:r>
             <a:endParaRPr lang="en-US" dirty="0"/>
           </a:p>
@@ -3105,6 +3484,454 @@
 </file>
 
 <file path=ppt/slides/slide3.xml><?xml version="1.0" encoding="utf-8"?>
+<p:sld xmlns:a="http://schemas.openxmlformats.org/drawingml/2006/main" xmlns:r="http://schemas.openxmlformats.org/officeDocument/2006/relationships" xmlns:p="http://schemas.openxmlformats.org/presentationml/2006/main">
+  <p:cSld>
+    <p:spTree>
+      <p:nvGrpSpPr>
+        <p:cNvPr id="1" name=""/>
+        <p:cNvGrpSpPr/>
+        <p:nvPr/>
+      </p:nvGrpSpPr>
+      <p:grpSpPr>
+        <a:xfrm>
+          <a:off x="0" y="0"/>
+          <a:ext cx="0" cy="0"/>
+          <a:chOff x="0" y="0"/>
+          <a:chExt cx="0" cy="0"/>
+        </a:xfrm>
+      </p:grpSpPr>
+      <p:sp>
+        <p:nvSpPr>
+          <p:cNvPr id="2" name="Title 1"/>
+          <p:cNvSpPr>
+            <a:spLocks noGrp="1"/>
+          </p:cNvSpPr>
+          <p:nvPr>
+            <p:ph type="title"/>
+          </p:nvPr>
+        </p:nvSpPr>
+        <p:spPr/>
+        <p:txBody>
+          <a:bodyPr/>
+          <a:lstStyle/>
+          <a:p>
+            <a:r>
+              <a:rPr lang="en-US" dirty="0" smtClean="0"/>
+              <a:t>Agenda</a:t>
+            </a:r>
+            <a:endParaRPr lang="en-US" dirty="0"/>
+          </a:p>
+        </p:txBody>
+      </p:sp>
+      <p:sp>
+        <p:nvSpPr>
+          <p:cNvPr id="3" name="Content Placeholder 2"/>
+          <p:cNvSpPr>
+            <a:spLocks noGrp="1"/>
+          </p:cNvSpPr>
+          <p:nvPr>
+            <p:ph idx="1"/>
+          </p:nvPr>
+        </p:nvSpPr>
+        <p:spPr/>
+        <p:txBody>
+          <a:bodyPr>
+            <a:normAutofit/>
+          </a:bodyPr>
+          <a:lstStyle/>
+          <a:p>
+            <a:r>
+              <a:rPr lang="en-US" dirty="0" smtClean="0"/>
+              <a:t>High Level </a:t>
+            </a:r>
+          </a:p>
+          <a:p>
+            <a:pPr lvl="1"/>
+            <a:r>
+              <a:rPr lang="en-US" dirty="0" smtClean="0"/>
+              <a:t>Android Studio </a:t>
+            </a:r>
+          </a:p>
+          <a:p>
+            <a:pPr lvl="2"/>
+            <a:r>
+              <a:rPr lang="en-US" dirty="0" smtClean="0"/>
+              <a:t>Overview</a:t>
+            </a:r>
+          </a:p>
+          <a:p>
+            <a:pPr lvl="1"/>
+            <a:r>
+              <a:rPr lang="en-US" dirty="0" smtClean="0"/>
+              <a:t>Activity </a:t>
+            </a:r>
+          </a:p>
+          <a:p>
+            <a:pPr lvl="2"/>
+            <a:r>
+              <a:rPr lang="en-US" dirty="0" smtClean="0"/>
+              <a:t>Responsibility </a:t>
+            </a:r>
+          </a:p>
+          <a:p>
+            <a:pPr lvl="2"/>
+            <a:r>
+              <a:rPr lang="en-US" dirty="0" smtClean="0"/>
+              <a:t>Caveats</a:t>
+            </a:r>
+          </a:p>
+          <a:p>
+            <a:pPr lvl="1"/>
+            <a:r>
+              <a:rPr lang="en-US" dirty="0" smtClean="0"/>
+              <a:t>Fragment</a:t>
+            </a:r>
+          </a:p>
+          <a:p>
+            <a:pPr lvl="2"/>
+            <a:r>
+              <a:rPr lang="en-US" dirty="0" smtClean="0"/>
+              <a:t>Responsibility </a:t>
+            </a:r>
+          </a:p>
+          <a:p>
+            <a:pPr lvl="2"/>
+            <a:r>
+              <a:rPr lang="en-US" dirty="0" smtClean="0"/>
+              <a:t>Caveats</a:t>
+            </a:r>
+          </a:p>
+          <a:p>
+            <a:pPr lvl="2"/>
+            <a:endParaRPr lang="en-US" dirty="0" smtClean="0"/>
+          </a:p>
+          <a:p>
+            <a:pPr lvl="2"/>
+            <a:endParaRPr lang="en-US" dirty="0" smtClean="0"/>
+          </a:p>
+        </p:txBody>
+      </p:sp>
+    </p:spTree>
+    <p:extLst>
+      <p:ext uri="{BB962C8B-B14F-4D97-AF65-F5344CB8AC3E}">
+        <p14:creationId xmlns:p14="http://schemas.microsoft.com/office/powerpoint/2010/main" val="1370593822"/>
+      </p:ext>
+    </p:extLst>
+  </p:cSld>
+  <p:clrMapOvr>
+    <a:masterClrMapping/>
+  </p:clrMapOvr>
+  <p:timing>
+    <p:tnLst>
+      <p:par>
+        <p:cTn id="1" dur="indefinite" restart="never" nodeType="tmRoot"/>
+      </p:par>
+    </p:tnLst>
+  </p:timing>
+</p:sld>
+</file>
+
+<file path=ppt/slides/slide4.xml><?xml version="1.0" encoding="utf-8"?>
+<p:sld xmlns:a="http://schemas.openxmlformats.org/drawingml/2006/main" xmlns:r="http://schemas.openxmlformats.org/officeDocument/2006/relationships" xmlns:p="http://schemas.openxmlformats.org/presentationml/2006/main">
+  <p:cSld>
+    <p:spTree>
+      <p:nvGrpSpPr>
+        <p:cNvPr id="1" name=""/>
+        <p:cNvGrpSpPr/>
+        <p:nvPr/>
+      </p:nvGrpSpPr>
+      <p:grpSpPr>
+        <a:xfrm>
+          <a:off x="0" y="0"/>
+          <a:ext cx="0" cy="0"/>
+          <a:chOff x="0" y="0"/>
+          <a:chExt cx="0" cy="0"/>
+        </a:xfrm>
+      </p:grpSpPr>
+      <p:sp>
+        <p:nvSpPr>
+          <p:cNvPr id="2" name="Title 1"/>
+          <p:cNvSpPr>
+            <a:spLocks noGrp="1"/>
+          </p:cNvSpPr>
+          <p:nvPr>
+            <p:ph type="title"/>
+          </p:nvPr>
+        </p:nvSpPr>
+        <p:spPr/>
+        <p:txBody>
+          <a:bodyPr/>
+          <a:lstStyle/>
+          <a:p>
+            <a:r>
+              <a:rPr lang="en-US" dirty="0" smtClean="0"/>
+              <a:t>Agenda (</a:t>
+            </a:r>
+            <a:r>
+              <a:rPr lang="en-US" dirty="0" err="1" smtClean="0"/>
+              <a:t>cont</a:t>
+            </a:r>
+            <a:r>
+              <a:rPr lang="en-US" dirty="0" smtClean="0"/>
+              <a:t>)</a:t>
+            </a:r>
+            <a:endParaRPr lang="en-US" dirty="0"/>
+          </a:p>
+        </p:txBody>
+      </p:sp>
+      <p:sp>
+        <p:nvSpPr>
+          <p:cNvPr id="3" name="Content Placeholder 2"/>
+          <p:cNvSpPr>
+            <a:spLocks noGrp="1"/>
+          </p:cNvSpPr>
+          <p:nvPr>
+            <p:ph idx="1"/>
+          </p:nvPr>
+        </p:nvSpPr>
+        <p:spPr/>
+        <p:txBody>
+          <a:bodyPr>
+            <a:normAutofit fontScale="92500" lnSpcReduction="10000"/>
+          </a:bodyPr>
+          <a:lstStyle/>
+          <a:p>
+            <a:r>
+              <a:rPr lang="en-US" dirty="0"/>
+              <a:t>Detail  Level</a:t>
+            </a:r>
+          </a:p>
+          <a:p>
+            <a:pPr lvl="1"/>
+            <a:r>
+              <a:rPr lang="en-US" dirty="0"/>
+              <a:t>Activity </a:t>
+            </a:r>
+          </a:p>
+          <a:p>
+            <a:pPr lvl="2"/>
+            <a:r>
+              <a:rPr lang="en-US" dirty="0" smtClean="0"/>
+              <a:t>Lifecycle</a:t>
+            </a:r>
+          </a:p>
+          <a:p>
+            <a:pPr lvl="2"/>
+            <a:r>
+              <a:rPr lang="en-US" dirty="0" smtClean="0"/>
+              <a:t>Coding Activity</a:t>
+            </a:r>
+            <a:endParaRPr lang="en-US" dirty="0"/>
+          </a:p>
+          <a:p>
+            <a:pPr lvl="2"/>
+            <a:r>
+              <a:rPr lang="en-US" dirty="0"/>
+              <a:t>Manifest.xml</a:t>
+            </a:r>
+          </a:p>
+          <a:p>
+            <a:pPr lvl="2"/>
+            <a:r>
+              <a:rPr lang="en-US" dirty="0"/>
+              <a:t>XML </a:t>
+            </a:r>
+            <a:r>
+              <a:rPr lang="en-US" dirty="0" smtClean="0"/>
+              <a:t>layout</a:t>
+            </a:r>
+          </a:p>
+          <a:p>
+            <a:pPr lvl="2"/>
+            <a:r>
+              <a:rPr lang="en-US" dirty="0" smtClean="0"/>
+              <a:t>Activity to Activity communication</a:t>
+            </a:r>
+            <a:endParaRPr lang="en-US" dirty="0"/>
+          </a:p>
+          <a:p>
+            <a:pPr lvl="1"/>
+            <a:r>
+              <a:rPr lang="en-US" dirty="0"/>
+              <a:t>Fragment</a:t>
+            </a:r>
+          </a:p>
+          <a:p>
+            <a:pPr lvl="2"/>
+            <a:r>
+              <a:rPr lang="en-US" dirty="0" smtClean="0"/>
+              <a:t>Lifecycle</a:t>
+            </a:r>
+          </a:p>
+          <a:p>
+            <a:pPr lvl="2"/>
+            <a:r>
+              <a:rPr lang="en-US" dirty="0" smtClean="0"/>
+              <a:t>Coding Fragment</a:t>
+            </a:r>
+            <a:endParaRPr lang="en-US" dirty="0"/>
+          </a:p>
+          <a:p>
+            <a:pPr lvl="2"/>
+            <a:r>
+              <a:rPr lang="en-US" dirty="0"/>
+              <a:t>Fragment to Activity communication</a:t>
+            </a:r>
+          </a:p>
+          <a:p>
+            <a:pPr lvl="2"/>
+            <a:r>
+              <a:rPr lang="en-US" dirty="0"/>
+              <a:t>Activity to Fragment </a:t>
+            </a:r>
+            <a:r>
+              <a:rPr lang="en-US" dirty="0" smtClean="0"/>
+              <a:t>communication</a:t>
+            </a:r>
+          </a:p>
+          <a:p>
+            <a:pPr lvl="2"/>
+            <a:r>
+              <a:rPr lang="en-US" dirty="0" smtClean="0"/>
+              <a:t>XML Layout</a:t>
+            </a:r>
+          </a:p>
+          <a:p>
+            <a:pPr lvl="2"/>
+            <a:r>
+              <a:rPr lang="en-US" dirty="0" smtClean="0"/>
+              <a:t>Attaching Fragment to Activity </a:t>
+            </a:r>
+            <a:endParaRPr lang="en-US" dirty="0"/>
+          </a:p>
+          <a:p>
+            <a:pPr marL="0" indent="0">
+              <a:buNone/>
+            </a:pPr>
+            <a:endParaRPr lang="en-US" dirty="0"/>
+          </a:p>
+        </p:txBody>
+      </p:sp>
+    </p:spTree>
+    <p:extLst>
+      <p:ext uri="{BB962C8B-B14F-4D97-AF65-F5344CB8AC3E}">
+        <p14:creationId xmlns:p14="http://schemas.microsoft.com/office/powerpoint/2010/main" val="2743571541"/>
+      </p:ext>
+    </p:extLst>
+  </p:cSld>
+  <p:clrMapOvr>
+    <a:masterClrMapping/>
+  </p:clrMapOvr>
+  <p:timing>
+    <p:tnLst>
+      <p:par>
+        <p:cTn id="1" dur="indefinite" restart="never" nodeType="tmRoot"/>
+      </p:par>
+    </p:tnLst>
+  </p:timing>
+</p:sld>
+</file>
+
+<file path=ppt/slides/slide5.xml><?xml version="1.0" encoding="utf-8"?>
+<p:sld xmlns:a="http://schemas.openxmlformats.org/drawingml/2006/main" xmlns:r="http://schemas.openxmlformats.org/officeDocument/2006/relationships" xmlns:p="http://schemas.openxmlformats.org/presentationml/2006/main">
+  <p:cSld>
+    <p:spTree>
+      <p:nvGrpSpPr>
+        <p:cNvPr id="1" name=""/>
+        <p:cNvGrpSpPr/>
+        <p:nvPr/>
+      </p:nvGrpSpPr>
+      <p:grpSpPr>
+        <a:xfrm>
+          <a:off x="0" y="0"/>
+          <a:ext cx="0" cy="0"/>
+          <a:chOff x="0" y="0"/>
+          <a:chExt cx="0" cy="0"/>
+        </a:xfrm>
+      </p:grpSpPr>
+      <p:sp>
+        <p:nvSpPr>
+          <p:cNvPr id="2" name="Title 1"/>
+          <p:cNvSpPr>
+            <a:spLocks noGrp="1"/>
+          </p:cNvSpPr>
+          <p:nvPr>
+            <p:ph type="title"/>
+          </p:nvPr>
+        </p:nvSpPr>
+        <p:spPr/>
+        <p:txBody>
+          <a:bodyPr/>
+          <a:lstStyle/>
+          <a:p>
+            <a:endParaRPr lang="en-US" dirty="0"/>
+          </a:p>
+        </p:txBody>
+      </p:sp>
+      <p:sp>
+        <p:nvSpPr>
+          <p:cNvPr id="3" name="Content Placeholder 2"/>
+          <p:cNvSpPr>
+            <a:spLocks noGrp="1"/>
+          </p:cNvSpPr>
+          <p:nvPr>
+            <p:ph idx="1"/>
+          </p:nvPr>
+        </p:nvSpPr>
+        <p:spPr/>
+        <p:txBody>
+          <a:bodyPr/>
+          <a:lstStyle/>
+          <a:p>
+            <a:pPr marL="0" indent="0" algn="ctr">
+              <a:buNone/>
+            </a:pPr>
+            <a:endParaRPr lang="en-US" dirty="0" smtClean="0"/>
+          </a:p>
+          <a:p>
+            <a:pPr marL="0" indent="0" algn="ctr">
+              <a:buNone/>
+            </a:pPr>
+            <a:endParaRPr lang="en-US" dirty="0"/>
+          </a:p>
+          <a:p>
+            <a:pPr marL="0" indent="0" algn="ctr">
+              <a:buNone/>
+            </a:pPr>
+            <a:r>
+              <a:rPr lang="en-US" sz="6600" dirty="0" smtClean="0"/>
+              <a:t>High Level </a:t>
+            </a:r>
+          </a:p>
+          <a:p>
+            <a:pPr marL="0" indent="0" algn="ctr">
+              <a:buNone/>
+            </a:pPr>
+            <a:endParaRPr lang="en-US" sz="6600" dirty="0"/>
+          </a:p>
+        </p:txBody>
+      </p:sp>
+    </p:spTree>
+    <p:extLst>
+      <p:ext uri="{BB962C8B-B14F-4D97-AF65-F5344CB8AC3E}">
+        <p14:creationId xmlns:p14="http://schemas.microsoft.com/office/powerpoint/2010/main" val="941986389"/>
+      </p:ext>
+    </p:extLst>
+  </p:cSld>
+  <p:clrMapOvr>
+    <a:masterClrMapping/>
+  </p:clrMapOvr>
+  <p:timing>
+    <p:tnLst>
+      <p:par>
+        <p:cTn id="1" dur="indefinite" restart="never" nodeType="tmRoot"/>
+      </p:par>
+    </p:tnLst>
+  </p:timing>
+</p:sld>
+</file>
+
+<file path=ppt/slides/slide6.xml><?xml version="1.0" encoding="utf-8"?>
 <p:sld xmlns:a="http://schemas.openxmlformats.org/drawingml/2006/main" xmlns:r="http://schemas.openxmlformats.org/officeDocument/2006/relationships" xmlns:p="http://schemas.openxmlformats.org/presentationml/2006/main">
   <p:cSld>
     <p:spTree>
@@ -3312,7 +4139,7 @@
 </p:sld>
 </file>
 
-<file path=ppt/slides/slide4.xml><?xml version="1.0" encoding="utf-8"?>
+<file path=ppt/slides/slide7.xml><?xml version="1.0" encoding="utf-8"?>
 <p:sld xmlns:a="http://schemas.openxmlformats.org/drawingml/2006/main" xmlns:r="http://schemas.openxmlformats.org/officeDocument/2006/relationships" xmlns:p="http://schemas.openxmlformats.org/presentationml/2006/main">
   <p:cSld>
     <p:spTree>
@@ -3345,85 +4172,6 @@
           <a:lstStyle/>
           <a:p>
             <a:r>
-              <a:rPr lang="en-US" dirty="0" smtClean="0"/>
-              <a:t>Android Studio Parts</a:t>
-            </a:r>
-            <a:endParaRPr lang="en-US" dirty="0"/>
-          </a:p>
-        </p:txBody>
-      </p:sp>
-      <p:sp>
-        <p:nvSpPr>
-          <p:cNvPr id="3" name="Content Placeholder 2"/>
-          <p:cNvSpPr>
-            <a:spLocks noGrp="1"/>
-          </p:cNvSpPr>
-          <p:nvPr>
-            <p:ph idx="1"/>
-          </p:nvPr>
-        </p:nvSpPr>
-        <p:spPr/>
-        <p:txBody>
-          <a:bodyPr/>
-          <a:lstStyle/>
-          <a:p>
-            <a:endParaRPr lang="en-US"/>
-          </a:p>
-        </p:txBody>
-      </p:sp>
-    </p:spTree>
-    <p:extLst>
-      <p:ext uri="{BB962C8B-B14F-4D97-AF65-F5344CB8AC3E}">
-        <p14:creationId xmlns:p14="http://schemas.microsoft.com/office/powerpoint/2010/main" val="1228642055"/>
-      </p:ext>
-    </p:extLst>
-  </p:cSld>
-  <p:clrMapOvr>
-    <a:masterClrMapping/>
-  </p:clrMapOvr>
-  <p:timing>
-    <p:tnLst>
-      <p:par>
-        <p:cTn id="1" dur="indefinite" restart="never" nodeType="tmRoot"/>
-      </p:par>
-    </p:tnLst>
-  </p:timing>
-</p:sld>
-</file>
-
-<file path=ppt/slides/slide5.xml><?xml version="1.0" encoding="utf-8"?>
-<p:sld xmlns:a="http://schemas.openxmlformats.org/drawingml/2006/main" xmlns:r="http://schemas.openxmlformats.org/officeDocument/2006/relationships" xmlns:p="http://schemas.openxmlformats.org/presentationml/2006/main">
-  <p:cSld>
-    <p:spTree>
-      <p:nvGrpSpPr>
-        <p:cNvPr id="1" name=""/>
-        <p:cNvGrpSpPr/>
-        <p:nvPr/>
-      </p:nvGrpSpPr>
-      <p:grpSpPr>
-        <a:xfrm>
-          <a:off x="0" y="0"/>
-          <a:ext cx="0" cy="0"/>
-          <a:chOff x="0" y="0"/>
-          <a:chExt cx="0" cy="0"/>
-        </a:xfrm>
-      </p:grpSpPr>
-      <p:sp>
-        <p:nvSpPr>
-          <p:cNvPr id="2" name="Title 1"/>
-          <p:cNvSpPr>
-            <a:spLocks noGrp="1"/>
-          </p:cNvSpPr>
-          <p:nvPr>
-            <p:ph type="title"/>
-          </p:nvPr>
-        </p:nvSpPr>
-        <p:spPr/>
-        <p:txBody>
-          <a:bodyPr/>
-          <a:lstStyle/>
-          <a:p>
-            <a:r>
               <a:rPr lang="en-US" b="1" dirty="0" smtClean="0"/>
               <a:t>Activity</a:t>
             </a:r>
@@ -3438,7 +4186,7 @@
               <a:rPr lang="en-US" sz="2000" dirty="0">
                 <a:hlinkClick r:id="rId2"/>
               </a:rPr>
-              <a:t>https://developer.android.com/reference/android/app/Activity.html</a:t>
+              <a:t>https://developer.android.com/guide/components/activities/index.html</a:t>
             </a:r>
             <a:endParaRPr lang="en-US" sz="2000" dirty="0"/>
           </a:p>
@@ -3498,11 +4246,7 @@
           <a:p>
             <a:r>
               <a:rPr lang="en-US" dirty="0" smtClean="0"/>
-              <a:t>Provides</a:t>
-            </a:r>
-            <a:r>
-              <a:rPr lang="en-US" dirty="0" smtClean="0"/>
-              <a:t> navigates </a:t>
+              <a:t>Provides navigates </a:t>
             </a:r>
             <a:r>
               <a:rPr lang="en-US" dirty="0"/>
@@ -3767,7 +4511,7 @@
 </p:sld>
 </file>
 
-<file path=ppt/slides/slide6.xml><?xml version="1.0" encoding="utf-8"?>
+<file path=ppt/slides/slide8.xml><?xml version="1.0" encoding="utf-8"?>
 <p:sld xmlns:a="http://schemas.openxmlformats.org/drawingml/2006/main" xmlns:r="http://schemas.openxmlformats.org/officeDocument/2006/relationships" xmlns:p="http://schemas.openxmlformats.org/presentationml/2006/main">
   <p:cSld>
     <p:spTree>
@@ -3852,50 +4596,6 @@
       </p:pic>
       <p:sp>
         <p:nvSpPr>
-          <p:cNvPr id="4" name="Rectangle 3"/>
-          <p:cNvSpPr/>
-          <p:nvPr/>
-        </p:nvSpPr>
-        <p:spPr>
-          <a:xfrm>
-            <a:off x="7269480" y="1973550"/>
-            <a:ext cx="2712720" cy="3566160"/>
-          </a:xfrm>
-          <a:prstGeom prst="rect">
-            <a:avLst/>
-          </a:prstGeom>
-        </p:spPr>
-        <p:style>
-          <a:lnRef idx="2">
-            <a:schemeClr val="accent1">
-              <a:shade val="50000"/>
-            </a:schemeClr>
-          </a:lnRef>
-          <a:fillRef idx="1">
-            <a:schemeClr val="accent1"/>
-          </a:fillRef>
-          <a:effectRef idx="0">
-            <a:schemeClr val="accent1"/>
-          </a:effectRef>
-          <a:fontRef idx="minor">
-            <a:schemeClr val="lt1"/>
-          </a:fontRef>
-        </p:style>
-        <p:txBody>
-          <a:bodyPr rtlCol="0" anchor="ctr"/>
-          <a:lstStyle/>
-          <a:p>
-            <a:pPr algn="ctr"/>
-            <a:r>
-              <a:rPr lang="en-US" dirty="0" smtClean="0"/>
-              <a:t>Android placeholder</a:t>
-            </a:r>
-            <a:endParaRPr lang="en-US" dirty="0"/>
-          </a:p>
-        </p:txBody>
-      </p:sp>
-      <p:sp>
-        <p:nvSpPr>
           <p:cNvPr id="5" name="TextBox 4"/>
           <p:cNvSpPr txBox="1"/>
           <p:nvPr/>
@@ -3918,13 +4618,43 @@
           <a:p>
             <a:pPr algn="ctr"/>
             <a:r>
-              <a:rPr lang="en-US" sz="9600" dirty="0" smtClean="0"/>
+              <a:rPr lang="en-US" sz="9600" dirty="0"/>
               <a:t>=</a:t>
             </a:r>
-            <a:endParaRPr lang="en-US" sz="9600" dirty="0"/>
-          </a:p>
-        </p:txBody>
-      </p:sp>
+            <a:endParaRPr lang="en-US" sz="9600" dirty="0" smtClean="0"/>
+          </a:p>
+        </p:txBody>
+      </p:sp>
+      <p:pic>
+        <p:nvPicPr>
+          <p:cNvPr id="3" name="Picture 2"/>
+          <p:cNvPicPr>
+            <a:picLocks noChangeAspect="1"/>
+          </p:cNvPicPr>
+          <p:nvPr/>
+        </p:nvPicPr>
+        <p:blipFill>
+          <a:blip r:embed="rId3" cstate="print">
+            <a:extLst>
+              <a:ext uri="{28A0092B-C50C-407E-A947-70E740481C1C}">
+                <a14:useLocalDpi xmlns:a14="http://schemas.microsoft.com/office/drawing/2010/main" val="0"/>
+              </a:ext>
+            </a:extLst>
+          </a:blip>
+          <a:stretch>
+            <a:fillRect/>
+          </a:stretch>
+        </p:blipFill>
+        <p:spPr>
+          <a:xfrm>
+            <a:off x="6968217" y="1721921"/>
+            <a:ext cx="2427095" cy="4031673"/>
+          </a:xfrm>
+          <a:prstGeom prst="rect">
+            <a:avLst/>
+          </a:prstGeom>
+        </p:spPr>
+      </p:pic>
     </p:spTree>
     <p:extLst>
       <p:ext uri="{BB962C8B-B14F-4D97-AF65-F5344CB8AC3E}">
@@ -3945,7 +4675,7 @@
 </p:sld>
 </file>
 
-<file path=ppt/slides/slide7.xml><?xml version="1.0" encoding="utf-8"?>
+<file path=ppt/slides/slide9.xml><?xml version="1.0" encoding="utf-8"?>
 <p:sld xmlns:a="http://schemas.openxmlformats.org/drawingml/2006/main" xmlns:r="http://schemas.openxmlformats.org/officeDocument/2006/relationships" xmlns:p="http://schemas.openxmlformats.org/presentationml/2006/main">
   <p:cSld>
     <p:spTree>
@@ -3979,35 +4709,449 @@
           <a:p>
             <a:r>
               <a:rPr lang="en-US" dirty="0" smtClean="0"/>
-              <a:t>Fragment</a:t>
+              <a:t>How Activity is like a Picture frame?</a:t>
             </a:r>
             <a:endParaRPr lang="en-US" dirty="0"/>
           </a:p>
         </p:txBody>
       </p:sp>
-      <p:sp>
-        <p:nvSpPr>
-          <p:cNvPr id="3" name="Content Placeholder 2"/>
-          <p:cNvSpPr>
-            <a:spLocks noGrp="1"/>
-          </p:cNvSpPr>
+      <p:pic>
+        <p:nvPicPr>
+          <p:cNvPr id="6" name="Content Placeholder 5"/>
+          <p:cNvPicPr>
+            <a:picLocks noGrp="1" noChangeAspect="1"/>
+          </p:cNvPicPr>
           <p:nvPr>
             <p:ph idx="1"/>
           </p:nvPr>
-        </p:nvSpPr>
-        <p:spPr/>
-        <p:txBody>
-          <a:bodyPr/>
-          <a:lstStyle/>
+        </p:nvPicPr>
+        <p:blipFill>
+          <a:blip r:embed="rId2" cstate="print">
+            <a:extLst>
+              <a:ext uri="{28A0092B-C50C-407E-A947-70E740481C1C}">
+                <a14:useLocalDpi xmlns:a14="http://schemas.microsoft.com/office/drawing/2010/main" val="0"/>
+              </a:ext>
+            </a:extLst>
+          </a:blip>
+          <a:stretch>
+            <a:fillRect/>
+          </a:stretch>
+        </p:blipFill>
+        <p:spPr>
+          <a:xfrm>
+            <a:off x="5973791" y="1825626"/>
+            <a:ext cx="2619534" cy="4351336"/>
+          </a:xfrm>
+          <a:ln>
+            <a:solidFill>
+              <a:schemeClr val="accent1"/>
+            </a:solidFill>
+          </a:ln>
+        </p:spPr>
+      </p:pic>
+      <p:grpSp>
+        <p:nvGrpSpPr>
+          <p:cNvPr id="43" name="Group 42"/>
+          <p:cNvGrpSpPr/>
+          <p:nvPr/>
+        </p:nvGrpSpPr>
+        <p:grpSpPr>
+          <a:xfrm>
+            <a:off x="760021" y="1983179"/>
+            <a:ext cx="7801427" cy="3927764"/>
+            <a:chOff x="760021" y="1983179"/>
+            <a:chExt cx="7801427" cy="3927764"/>
+          </a:xfrm>
+        </p:grpSpPr>
+        <p:sp>
+          <p:nvSpPr>
+            <p:cNvPr id="7" name="TextBox 6"/>
+            <p:cNvSpPr txBox="1"/>
+            <p:nvPr/>
+          </p:nvSpPr>
+          <p:spPr>
+            <a:xfrm>
+              <a:off x="760021" y="1983179"/>
+              <a:ext cx="5510150" cy="369332"/>
+            </a:xfrm>
+            <a:prstGeom prst="rect">
+              <a:avLst/>
+            </a:prstGeom>
+            <a:noFill/>
+          </p:spPr>
+          <p:txBody>
+            <a:bodyPr wrap="square" rtlCol="0">
+              <a:spAutoFit/>
+            </a:bodyPr>
+            <a:lstStyle/>
+            <a:p>
+              <a:pPr marL="285750" indent="-285750">
+                <a:buFont typeface="Arial" panose="020B0604020202020204" pitchFamily="34" charset="0"/>
+                <a:buChar char="•"/>
+              </a:pPr>
+              <a:r>
+                <a:rPr lang="en-US" dirty="0" smtClean="0"/>
+                <a:t>Defines the dimensions</a:t>
+              </a:r>
+            </a:p>
+          </p:txBody>
+        </p:sp>
+        <p:cxnSp>
+          <p:nvCxnSpPr>
+            <p:cNvPr id="9" name="Straight Arrow Connector 8"/>
+            <p:cNvCxnSpPr/>
+            <p:nvPr/>
+          </p:nvCxnSpPr>
+          <p:spPr>
+            <a:xfrm>
+              <a:off x="7314113" y="2459718"/>
+              <a:ext cx="0" cy="3451225"/>
+            </a:xfrm>
+            <a:prstGeom prst="straightConnector1">
+              <a:avLst/>
+            </a:prstGeom>
+            <a:ln w="15875">
+              <a:headEnd type="arrow"/>
+              <a:tailEnd type="arrow"/>
+            </a:ln>
+          </p:spPr>
+          <p:style>
+            <a:lnRef idx="1">
+              <a:schemeClr val="accent1"/>
+            </a:lnRef>
+            <a:fillRef idx="0">
+              <a:schemeClr val="accent1"/>
+            </a:fillRef>
+            <a:effectRef idx="0">
+              <a:schemeClr val="accent1"/>
+            </a:effectRef>
+            <a:fontRef idx="minor">
+              <a:schemeClr val="tx1"/>
+            </a:fontRef>
+          </p:style>
+        </p:cxnSp>
+        <p:cxnSp>
+          <p:nvCxnSpPr>
+            <p:cNvPr id="16" name="Straight Arrow Connector 15"/>
+            <p:cNvCxnSpPr/>
+            <p:nvPr/>
+          </p:nvCxnSpPr>
+          <p:spPr>
+            <a:xfrm>
+              <a:off x="5957949" y="4166280"/>
+              <a:ext cx="2603499" cy="0"/>
+            </a:xfrm>
+            <a:prstGeom prst="straightConnector1">
+              <a:avLst/>
+            </a:prstGeom>
+            <a:ln w="15875">
+              <a:headEnd type="arrow"/>
+              <a:tailEnd type="arrow"/>
+            </a:ln>
+          </p:spPr>
+          <p:style>
+            <a:lnRef idx="1">
+              <a:schemeClr val="accent1"/>
+            </a:lnRef>
+            <a:fillRef idx="0">
+              <a:schemeClr val="accent1"/>
+            </a:fillRef>
+            <a:effectRef idx="0">
+              <a:schemeClr val="accent1"/>
+            </a:effectRef>
+            <a:fontRef idx="minor">
+              <a:schemeClr val="tx1"/>
+            </a:fontRef>
+          </p:style>
+        </p:cxnSp>
+      </p:grpSp>
+      <p:sp>
+        <p:nvSpPr>
+          <p:cNvPr id="31" name="Title 1"/>
+          <p:cNvSpPr txBox="1">
+            <a:spLocks/>
+          </p:cNvSpPr>
+          <p:nvPr/>
+        </p:nvSpPr>
+        <p:spPr>
+          <a:xfrm>
+            <a:off x="829713" y="365125"/>
+            <a:ext cx="10515600" cy="1325563"/>
+          </a:xfrm>
+          <a:prstGeom prst="rect">
+            <a:avLst/>
+          </a:prstGeom>
+        </p:spPr>
+        <p:txBody>
+          <a:bodyPr vert="horz" lIns="91440" tIns="45720" rIns="91440" bIns="45720" rtlCol="0" anchor="ctr">
+            <a:normAutofit/>
+          </a:bodyPr>
+          <a:lstStyle>
+            <a:lvl1pPr algn="l" defTabSz="914400" rtl="0" eaLnBrk="1" latinLnBrk="0" hangingPunct="1">
+              <a:lnSpc>
+                <a:spcPct val="90000"/>
+              </a:lnSpc>
+              <a:spcBef>
+                <a:spcPct val="0"/>
+              </a:spcBef>
+              <a:buNone/>
+              <a:defRPr sz="4400" kern="1200">
+                <a:solidFill>
+                  <a:schemeClr val="tx1"/>
+                </a:solidFill>
+                <a:latin typeface="+mj-lt"/>
+                <a:ea typeface="+mj-ea"/>
+                <a:cs typeface="+mj-cs"/>
+              </a:defRPr>
+            </a:lvl1pPr>
+          </a:lstStyle>
           <a:p>
             <a:endParaRPr lang="en-US" dirty="0"/>
           </a:p>
         </p:txBody>
       </p:sp>
+      <p:grpSp>
+        <p:nvGrpSpPr>
+          <p:cNvPr id="45" name="Group 44"/>
+          <p:cNvGrpSpPr/>
+          <p:nvPr/>
+        </p:nvGrpSpPr>
+        <p:grpSpPr>
+          <a:xfrm>
+            <a:off x="760021" y="2322030"/>
+            <a:ext cx="11218470" cy="2778947"/>
+            <a:chOff x="760021" y="2352511"/>
+            <a:chExt cx="11218470" cy="2778947"/>
+          </a:xfrm>
+        </p:grpSpPr>
+        <p:grpSp>
+          <p:nvGrpSpPr>
+            <p:cNvPr id="23" name="Group 22"/>
+            <p:cNvGrpSpPr/>
+            <p:nvPr/>
+          </p:nvGrpSpPr>
+          <p:grpSpPr>
+            <a:xfrm>
+              <a:off x="760021" y="2352511"/>
+              <a:ext cx="11218470" cy="2778947"/>
+              <a:chOff x="760021" y="2352511"/>
+              <a:chExt cx="11218470" cy="2778947"/>
+            </a:xfrm>
+          </p:grpSpPr>
+          <p:pic>
+            <p:nvPicPr>
+              <p:cNvPr id="22" name="Picture 21"/>
+              <p:cNvPicPr>
+                <a:picLocks noChangeAspect="1"/>
+              </p:cNvPicPr>
+              <p:nvPr/>
+            </p:nvPicPr>
+            <p:blipFill>
+              <a:blip r:embed="rId3" cstate="print">
+                <a:extLst>
+                  <a:ext uri="{28A0092B-C50C-407E-A947-70E740481C1C}">
+                    <a14:useLocalDpi xmlns:a14="http://schemas.microsoft.com/office/drawing/2010/main" val="0"/>
+                  </a:ext>
+                </a:extLst>
+              </a:blip>
+              <a:stretch>
+                <a:fillRect/>
+              </a:stretch>
+            </p:blipFill>
+            <p:spPr>
+              <a:xfrm>
+                <a:off x="8835242" y="3239201"/>
+                <a:ext cx="3143249" cy="1892257"/>
+              </a:xfrm>
+              <a:prstGeom prst="rect">
+                <a:avLst/>
+              </a:prstGeom>
+            </p:spPr>
+          </p:pic>
+          <p:sp>
+            <p:nvSpPr>
+              <p:cNvPr id="21" name="TextBox 20"/>
+              <p:cNvSpPr txBox="1"/>
+              <p:nvPr/>
+            </p:nvSpPr>
+            <p:spPr>
+              <a:xfrm>
+                <a:off x="760021" y="2352511"/>
+                <a:ext cx="5094514" cy="369332"/>
+              </a:xfrm>
+              <a:prstGeom prst="rect">
+                <a:avLst/>
+              </a:prstGeom>
+              <a:noFill/>
+            </p:spPr>
+            <p:txBody>
+              <a:bodyPr wrap="square" rtlCol="0">
+                <a:spAutoFit/>
+              </a:bodyPr>
+              <a:lstStyle/>
+              <a:p>
+                <a:pPr marL="285750" indent="-285750">
+                  <a:buFont typeface="Arial" panose="020B0604020202020204" pitchFamily="34" charset="0"/>
+                  <a:buChar char="•"/>
+                </a:pPr>
+                <a:r>
+                  <a:rPr lang="en-US" dirty="0" smtClean="0"/>
+                  <a:t>Defines orientation, either portrait or landscape </a:t>
+                </a:r>
+                <a:endParaRPr lang="en-US" dirty="0"/>
+              </a:p>
+            </p:txBody>
+          </p:sp>
+        </p:grpSp>
+        <p:pic>
+          <p:nvPicPr>
+            <p:cNvPr id="38" name="Picture 37"/>
+            <p:cNvPicPr>
+              <a:picLocks noChangeAspect="1"/>
+            </p:cNvPicPr>
+            <p:nvPr/>
+          </p:nvPicPr>
+          <p:blipFill>
+            <a:blip r:embed="rId4" cstate="print">
+              <a:extLst>
+                <a:ext uri="{28A0092B-C50C-407E-A947-70E740481C1C}">
+                  <a14:useLocalDpi xmlns:a14="http://schemas.microsoft.com/office/drawing/2010/main" val="0"/>
+                </a:ext>
+              </a:extLst>
+            </a:blip>
+            <a:stretch>
+              <a:fillRect/>
+            </a:stretch>
+          </p:blipFill>
+          <p:spPr>
+            <a:xfrm>
+              <a:off x="8826755" y="3239201"/>
+              <a:ext cx="3143249" cy="1892256"/>
+            </a:xfrm>
+            <a:prstGeom prst="rect">
+              <a:avLst/>
+            </a:prstGeom>
+            <a:ln>
+              <a:solidFill>
+                <a:schemeClr val="accent1"/>
+              </a:solidFill>
+            </a:ln>
+          </p:spPr>
+        </p:pic>
+      </p:grpSp>
+      <p:grpSp>
+        <p:nvGrpSpPr>
+          <p:cNvPr id="46" name="Group 45"/>
+          <p:cNvGrpSpPr/>
+          <p:nvPr/>
+        </p:nvGrpSpPr>
+        <p:grpSpPr>
+          <a:xfrm>
+            <a:off x="760021" y="2007116"/>
+            <a:ext cx="10970651" cy="1631758"/>
+            <a:chOff x="760021" y="2038350"/>
+            <a:chExt cx="10970651" cy="1631758"/>
+          </a:xfrm>
+        </p:grpSpPr>
+        <p:sp>
+          <p:nvSpPr>
+            <p:cNvPr id="24" name="TextBox 23"/>
+            <p:cNvSpPr txBox="1"/>
+            <p:nvPr/>
+          </p:nvSpPr>
+          <p:spPr>
+            <a:xfrm>
+              <a:off x="760021" y="2721843"/>
+              <a:ext cx="5094514" cy="369332"/>
+            </a:xfrm>
+            <a:prstGeom prst="rect">
+              <a:avLst/>
+            </a:prstGeom>
+            <a:noFill/>
+          </p:spPr>
+          <p:txBody>
+            <a:bodyPr wrap="square" rtlCol="0">
+              <a:spAutoFit/>
+            </a:bodyPr>
+            <a:lstStyle/>
+            <a:p>
+              <a:pPr marL="285750" indent="-285750">
+                <a:buFont typeface="Arial" panose="020B0604020202020204" pitchFamily="34" charset="0"/>
+                <a:buChar char="•"/>
+              </a:pPr>
+              <a:r>
+                <a:rPr lang="en-US" dirty="0" smtClean="0"/>
+                <a:t>Defines the decorations </a:t>
+              </a:r>
+              <a:endParaRPr lang="en-US" dirty="0"/>
+            </a:p>
+          </p:txBody>
+        </p:sp>
+        <p:pic>
+          <p:nvPicPr>
+            <p:cNvPr id="33" name="Picture 32"/>
+            <p:cNvPicPr>
+              <a:picLocks noChangeAspect="1"/>
+            </p:cNvPicPr>
+            <p:nvPr/>
+          </p:nvPicPr>
+          <p:blipFill>
+            <a:blip r:embed="rId5" cstate="print">
+              <a:extLst>
+                <a:ext uri="{28A0092B-C50C-407E-A947-70E740481C1C}">
+                  <a14:useLocalDpi xmlns:a14="http://schemas.microsoft.com/office/drawing/2010/main" val="0"/>
+                </a:ext>
+              </a:extLst>
+            </a:blip>
+            <a:stretch>
+              <a:fillRect/>
+            </a:stretch>
+          </p:blipFill>
+          <p:spPr>
+            <a:xfrm>
+              <a:off x="8164014" y="2038350"/>
+              <a:ext cx="388947" cy="376918"/>
+            </a:xfrm>
+            <a:prstGeom prst="rect">
+              <a:avLst/>
+            </a:prstGeom>
+          </p:spPr>
+        </p:pic>
+        <p:pic>
+          <p:nvPicPr>
+            <p:cNvPr id="36" name="Picture 35"/>
+            <p:cNvPicPr>
+              <a:picLocks noChangeAspect="1"/>
+            </p:cNvPicPr>
+            <p:nvPr/>
+          </p:nvPicPr>
+          <p:blipFill>
+            <a:blip r:embed="rId6" cstate="print">
+              <a:extLst>
+                <a:ext uri="{28A0092B-C50C-407E-A947-70E740481C1C}">
+                  <a14:useLocalDpi xmlns:a14="http://schemas.microsoft.com/office/drawing/2010/main" val="0"/>
+                </a:ext>
+              </a:extLst>
+            </a:blip>
+            <a:stretch>
+              <a:fillRect/>
+            </a:stretch>
+          </p:blipFill>
+          <p:spPr>
+            <a:xfrm>
+              <a:off x="11436082" y="3384628"/>
+              <a:ext cx="294590" cy="285480"/>
+            </a:xfrm>
+            <a:prstGeom prst="rect">
+              <a:avLst/>
+            </a:prstGeom>
+          </p:spPr>
+        </p:pic>
+      </p:grpSp>
     </p:spTree>
     <p:extLst>
       <p:ext uri="{BB962C8B-B14F-4D97-AF65-F5344CB8AC3E}">
-        <p14:creationId xmlns:p14="http://schemas.microsoft.com/office/powerpoint/2010/main" val="1806338854"/>
+        <p14:creationId xmlns:p14="http://schemas.microsoft.com/office/powerpoint/2010/main" val="3032130924"/>
       </p:ext>
     </p:extLst>
   </p:cSld>
@@ -4017,7 +5161,327 @@
   <p:timing>
     <p:tnLst>
       <p:par>
-        <p:cTn id="1" dur="indefinite" restart="never" nodeType="tmRoot"/>
+        <p:cTn id="1" dur="indefinite" restart="never" nodeType="tmRoot">
+          <p:childTnLst>
+            <p:seq concurrent="1" nextAc="seek">
+              <p:cTn id="2" dur="indefinite" nodeType="mainSeq">
+                <p:childTnLst>
+                  <p:par>
+                    <p:cTn id="3" fill="hold">
+                      <p:stCondLst>
+                        <p:cond delay="indefinite"/>
+                      </p:stCondLst>
+                      <p:childTnLst>
+                        <p:par>
+                          <p:cTn id="4" fill="hold">
+                            <p:stCondLst>
+                              <p:cond delay="0"/>
+                            </p:stCondLst>
+                            <p:childTnLst>
+                              <p:par>
+                                <p:cTn id="5" presetID="53" presetClass="entr" presetSubtype="16" fill="hold" nodeType="clickEffect">
+                                  <p:stCondLst>
+                                    <p:cond delay="0"/>
+                                  </p:stCondLst>
+                                  <p:childTnLst>
+                                    <p:set>
+                                      <p:cBhvr>
+                                        <p:cTn id="6" dur="1" fill="hold">
+                                          <p:stCondLst>
+                                            <p:cond delay="0"/>
+                                          </p:stCondLst>
+                                        </p:cTn>
+                                        <p:tgtEl>
+                                          <p:spTgt spid="43"/>
+                                        </p:tgtEl>
+                                        <p:attrNameLst>
+                                          <p:attrName>style.visibility</p:attrName>
+                                        </p:attrNameLst>
+                                      </p:cBhvr>
+                                      <p:to>
+                                        <p:strVal val="visible"/>
+                                      </p:to>
+                                    </p:set>
+                                    <p:anim calcmode="lin" valueType="num">
+                                      <p:cBhvr>
+                                        <p:cTn id="7" dur="500" fill="hold"/>
+                                        <p:tgtEl>
+                                          <p:spTgt spid="43"/>
+                                        </p:tgtEl>
+                                        <p:attrNameLst>
+                                          <p:attrName>ppt_w</p:attrName>
+                                        </p:attrNameLst>
+                                      </p:cBhvr>
+                                      <p:tavLst>
+                                        <p:tav tm="0">
+                                          <p:val>
+                                            <p:fltVal val="0"/>
+                                          </p:val>
+                                        </p:tav>
+                                        <p:tav tm="100000">
+                                          <p:val>
+                                            <p:strVal val="#ppt_w"/>
+                                          </p:val>
+                                        </p:tav>
+                                      </p:tavLst>
+                                    </p:anim>
+                                    <p:anim calcmode="lin" valueType="num">
+                                      <p:cBhvr>
+                                        <p:cTn id="8" dur="500" fill="hold"/>
+                                        <p:tgtEl>
+                                          <p:spTgt spid="43"/>
+                                        </p:tgtEl>
+                                        <p:attrNameLst>
+                                          <p:attrName>ppt_h</p:attrName>
+                                        </p:attrNameLst>
+                                      </p:cBhvr>
+                                      <p:tavLst>
+                                        <p:tav tm="0">
+                                          <p:val>
+                                            <p:fltVal val="0"/>
+                                          </p:val>
+                                        </p:tav>
+                                        <p:tav tm="100000">
+                                          <p:val>
+                                            <p:strVal val="#ppt_h"/>
+                                          </p:val>
+                                        </p:tav>
+                                      </p:tavLst>
+                                    </p:anim>
+                                    <p:animEffect transition="in" filter="fade">
+                                      <p:cBhvr>
+                                        <p:cTn id="9" dur="500"/>
+                                        <p:tgtEl>
+                                          <p:spTgt spid="43"/>
+                                        </p:tgtEl>
+                                      </p:cBhvr>
+                                    </p:animEffect>
+                                  </p:childTnLst>
+                                </p:cTn>
+                              </p:par>
+                            </p:childTnLst>
+                          </p:cTn>
+                        </p:par>
+                      </p:childTnLst>
+                    </p:cTn>
+                  </p:par>
+                  <p:par>
+                    <p:cTn id="10" fill="hold">
+                      <p:stCondLst>
+                        <p:cond delay="indefinite"/>
+                      </p:stCondLst>
+                      <p:childTnLst>
+                        <p:par>
+                          <p:cTn id="11" fill="hold">
+                            <p:stCondLst>
+                              <p:cond delay="0"/>
+                            </p:stCondLst>
+                            <p:childTnLst>
+                              <p:par>
+                                <p:cTn id="12" presetID="53" presetClass="entr" presetSubtype="16" fill="hold" nodeType="clickEffect">
+                                  <p:stCondLst>
+                                    <p:cond delay="0"/>
+                                  </p:stCondLst>
+                                  <p:childTnLst>
+                                    <p:set>
+                                      <p:cBhvr>
+                                        <p:cTn id="13" dur="1" fill="hold">
+                                          <p:stCondLst>
+                                            <p:cond delay="0"/>
+                                          </p:stCondLst>
+                                        </p:cTn>
+                                        <p:tgtEl>
+                                          <p:spTgt spid="45"/>
+                                        </p:tgtEl>
+                                        <p:attrNameLst>
+                                          <p:attrName>style.visibility</p:attrName>
+                                        </p:attrNameLst>
+                                      </p:cBhvr>
+                                      <p:to>
+                                        <p:strVal val="visible"/>
+                                      </p:to>
+                                    </p:set>
+                                    <p:anim calcmode="lin" valueType="num">
+                                      <p:cBhvr>
+                                        <p:cTn id="14" dur="500" fill="hold"/>
+                                        <p:tgtEl>
+                                          <p:spTgt spid="45"/>
+                                        </p:tgtEl>
+                                        <p:attrNameLst>
+                                          <p:attrName>ppt_w</p:attrName>
+                                        </p:attrNameLst>
+                                      </p:cBhvr>
+                                      <p:tavLst>
+                                        <p:tav tm="0">
+                                          <p:val>
+                                            <p:fltVal val="0"/>
+                                          </p:val>
+                                        </p:tav>
+                                        <p:tav tm="100000">
+                                          <p:val>
+                                            <p:strVal val="#ppt_w"/>
+                                          </p:val>
+                                        </p:tav>
+                                      </p:tavLst>
+                                    </p:anim>
+                                    <p:anim calcmode="lin" valueType="num">
+                                      <p:cBhvr>
+                                        <p:cTn id="15" dur="500" fill="hold"/>
+                                        <p:tgtEl>
+                                          <p:spTgt spid="45"/>
+                                        </p:tgtEl>
+                                        <p:attrNameLst>
+                                          <p:attrName>ppt_h</p:attrName>
+                                        </p:attrNameLst>
+                                      </p:cBhvr>
+                                      <p:tavLst>
+                                        <p:tav tm="0">
+                                          <p:val>
+                                            <p:fltVal val="0"/>
+                                          </p:val>
+                                        </p:tav>
+                                        <p:tav tm="100000">
+                                          <p:val>
+                                            <p:strVal val="#ppt_h"/>
+                                          </p:val>
+                                        </p:tav>
+                                      </p:tavLst>
+                                    </p:anim>
+                                    <p:animEffect transition="in" filter="fade">
+                                      <p:cBhvr>
+                                        <p:cTn id="16" dur="500"/>
+                                        <p:tgtEl>
+                                          <p:spTgt spid="45"/>
+                                        </p:tgtEl>
+                                      </p:cBhvr>
+                                    </p:animEffect>
+                                  </p:childTnLst>
+                                </p:cTn>
+                              </p:par>
+                            </p:childTnLst>
+                          </p:cTn>
+                        </p:par>
+                      </p:childTnLst>
+                    </p:cTn>
+                  </p:par>
+                  <p:par>
+                    <p:cTn id="17" fill="hold">
+                      <p:stCondLst>
+                        <p:cond delay="indefinite"/>
+                      </p:stCondLst>
+                      <p:childTnLst>
+                        <p:par>
+                          <p:cTn id="18" fill="hold">
+                            <p:stCondLst>
+                              <p:cond delay="0"/>
+                            </p:stCondLst>
+                            <p:childTnLst>
+                              <p:par>
+                                <p:cTn id="19" presetID="53" presetClass="entr" presetSubtype="16" fill="hold" nodeType="clickEffect">
+                                  <p:stCondLst>
+                                    <p:cond delay="0"/>
+                                  </p:stCondLst>
+                                  <p:childTnLst>
+                                    <p:set>
+                                      <p:cBhvr>
+                                        <p:cTn id="20" dur="1" fill="hold">
+                                          <p:stCondLst>
+                                            <p:cond delay="0"/>
+                                          </p:stCondLst>
+                                        </p:cTn>
+                                        <p:tgtEl>
+                                          <p:spTgt spid="46"/>
+                                        </p:tgtEl>
+                                        <p:attrNameLst>
+                                          <p:attrName>style.visibility</p:attrName>
+                                        </p:attrNameLst>
+                                      </p:cBhvr>
+                                      <p:to>
+                                        <p:strVal val="visible"/>
+                                      </p:to>
+                                    </p:set>
+                                    <p:anim calcmode="lin" valueType="num">
+                                      <p:cBhvr>
+                                        <p:cTn id="21" dur="500" fill="hold"/>
+                                        <p:tgtEl>
+                                          <p:spTgt spid="46"/>
+                                        </p:tgtEl>
+                                        <p:attrNameLst>
+                                          <p:attrName>ppt_w</p:attrName>
+                                        </p:attrNameLst>
+                                      </p:cBhvr>
+                                      <p:tavLst>
+                                        <p:tav tm="0">
+                                          <p:val>
+                                            <p:fltVal val="0"/>
+                                          </p:val>
+                                        </p:tav>
+                                        <p:tav tm="100000">
+                                          <p:val>
+                                            <p:strVal val="#ppt_w"/>
+                                          </p:val>
+                                        </p:tav>
+                                      </p:tavLst>
+                                    </p:anim>
+                                    <p:anim calcmode="lin" valueType="num">
+                                      <p:cBhvr>
+                                        <p:cTn id="22" dur="500" fill="hold"/>
+                                        <p:tgtEl>
+                                          <p:spTgt spid="46"/>
+                                        </p:tgtEl>
+                                        <p:attrNameLst>
+                                          <p:attrName>ppt_h</p:attrName>
+                                        </p:attrNameLst>
+                                      </p:cBhvr>
+                                      <p:tavLst>
+                                        <p:tav tm="0">
+                                          <p:val>
+                                            <p:fltVal val="0"/>
+                                          </p:val>
+                                        </p:tav>
+                                        <p:tav tm="100000">
+                                          <p:val>
+                                            <p:strVal val="#ppt_h"/>
+                                          </p:val>
+                                        </p:tav>
+                                      </p:tavLst>
+                                    </p:anim>
+                                    <p:animEffect transition="in" filter="fade">
+                                      <p:cBhvr>
+                                        <p:cTn id="23" dur="500"/>
+                                        <p:tgtEl>
+                                          <p:spTgt spid="46"/>
+                                        </p:tgtEl>
+                                      </p:cBhvr>
+                                    </p:animEffect>
+                                  </p:childTnLst>
+                                </p:cTn>
+                              </p:par>
+                            </p:childTnLst>
+                          </p:cTn>
+                        </p:par>
+                      </p:childTnLst>
+                    </p:cTn>
+                  </p:par>
+                </p:childTnLst>
+              </p:cTn>
+              <p:prevCondLst>
+                <p:cond evt="onPrev" delay="0">
+                  <p:tgtEl>
+                    <p:sldTgt/>
+                  </p:tgtEl>
+                </p:cond>
+              </p:prevCondLst>
+              <p:nextCondLst>
+                <p:cond evt="onNext" delay="0">
+                  <p:tgtEl>
+                    <p:sldTgt/>
+                  </p:tgtEl>
+                </p:cond>
+              </p:nextCondLst>
+            </p:seq>
+          </p:childTnLst>
+        </p:cTn>
       </p:par>
     </p:tnLst>
   </p:timing>
@@ -4313,7 +5777,7 @@
   <a:extraClrSchemeLst/>
   <a:extLst>
     <a:ext uri="{05A4C25C-085E-4340-85A3-A5531E510DB2}">
-      <thm15:themeFamily xmlns="" xmlns:thm15="http://schemas.microsoft.com/office/thememl/2012/main" name="Office Theme" id="{62F939B6-93AF-4DB8-9C6B-D6C7DFDC589F}" vid="{4A3C46E8-61CC-4603-A589-7422A47A8E4A}"/>
+      <thm15:themeFamily xmlns:thm15="http://schemas.microsoft.com/office/thememl/2012/main" xmlns="" name="Office Theme" id="{62F939B6-93AF-4DB8-9C6B-D6C7DFDC589F}" vid="{4A3C46E8-61CC-4603-A589-7422A47A8E4A}"/>
     </a:ext>
   </a:extLst>
 </a:theme>

--- a/slides/Android Studio_Activities_Fragments.pptx
+++ b/slides/Android Studio_Activities_Fragments.pptx
@@ -2,22 +2,31 @@
 <file path=ppt/presentation.xml><?xml version="1.0" encoding="utf-8"?>
 <p:presentation xmlns:a="http://schemas.openxmlformats.org/drawingml/2006/main" xmlns:r="http://schemas.openxmlformats.org/officeDocument/2006/relationships" xmlns:p="http://schemas.openxmlformats.org/presentationml/2006/main" saveSubsetFonts="1">
   <p:sldMasterIdLst>
-    <p:sldMasterId id="2147483648" r:id="rId1"/>
+    <p:sldMasterId id="2147483708" r:id="rId1"/>
   </p:sldMasterIdLst>
   <p:sldIdLst>
     <p:sldId id="256" r:id="rId2"/>
     <p:sldId id="260" r:id="rId3"/>
     <p:sldId id="264" r:id="rId4"/>
     <p:sldId id="265" r:id="rId5"/>
-    <p:sldId id="266" r:id="rId6"/>
-    <p:sldId id="257" r:id="rId7"/>
-    <p:sldId id="258" r:id="rId8"/>
-    <p:sldId id="261" r:id="rId9"/>
-    <p:sldId id="263" r:id="rId10"/>
-    <p:sldId id="259" r:id="rId11"/>
-    <p:sldId id="268" r:id="rId12"/>
-    <p:sldId id="269" r:id="rId13"/>
-    <p:sldId id="267" r:id="rId14"/>
+    <p:sldId id="278" r:id="rId6"/>
+    <p:sldId id="266" r:id="rId7"/>
+    <p:sldId id="257" r:id="rId8"/>
+    <p:sldId id="270" r:id="rId9"/>
+    <p:sldId id="258" r:id="rId10"/>
+    <p:sldId id="261" r:id="rId11"/>
+    <p:sldId id="263" r:id="rId12"/>
+    <p:sldId id="259" r:id="rId13"/>
+    <p:sldId id="268" r:id="rId14"/>
+    <p:sldId id="269" r:id="rId15"/>
+    <p:sldId id="271" r:id="rId16"/>
+    <p:sldId id="272" r:id="rId17"/>
+    <p:sldId id="273" r:id="rId18"/>
+    <p:sldId id="274" r:id="rId19"/>
+    <p:sldId id="275" r:id="rId20"/>
+    <p:sldId id="276" r:id="rId21"/>
+    <p:sldId id="277" r:id="rId22"/>
+    <p:sldId id="267" r:id="rId23"/>
   </p:sldIdLst>
   <p:sldSz cx="12192000" cy="6858000"/>
   <p:notesSz cx="6858000" cy="9144000"/>
@@ -148,22 +157,23 @@
         </p:nvSpPr>
         <p:spPr>
           <a:xfrm>
-            <a:off x="1524000" y="1122363"/>
-            <a:ext cx="9144000" cy="2387600"/>
+            <a:off x="914400" y="2130426"/>
+            <a:ext cx="10363200" cy="1470025"/>
           </a:xfrm>
         </p:spPr>
         <p:txBody>
-          <a:bodyPr anchor="b"/>
+          <a:bodyPr/>
           <a:lstStyle>
             <a:lvl1pPr algn="ctr">
-              <a:defRPr sz="6000"/>
+              <a:defRPr/>
             </a:lvl1pPr>
           </a:lstStyle>
           <a:p>
             <a:r>
-              <a:rPr lang="en-US"/>
+              <a:rPr lang="en-US" smtClean="0"/>
               <a:t>Click to edit Master title style</a:t>
             </a:r>
+            <a:endParaRPr lang="en-US"/>
           </a:p>
         </p:txBody>
       </p:sp>
@@ -179,8 +189,8 @@
         </p:nvSpPr>
         <p:spPr>
           <a:xfrm>
-            <a:off x="1524000" y="3602038"/>
-            <a:ext cx="9144000" cy="1655762"/>
+            <a:off x="1828800" y="3886200"/>
+            <a:ext cx="8534400" cy="1752600"/>
           </a:xfrm>
         </p:spPr>
         <p:txBody>
@@ -188,46 +198,101 @@
           <a:lstStyle>
             <a:lvl1pPr marL="0" indent="0" algn="ctr">
               <a:buNone/>
-              <a:defRPr sz="2400"/>
+              <a:defRPr>
+                <a:solidFill>
+                  <a:schemeClr val="tx1">
+                    <a:tint val="75000"/>
+                  </a:schemeClr>
+                </a:solidFill>
+              </a:defRPr>
             </a:lvl1pPr>
-            <a:lvl2pPr marL="457200" indent="0" algn="ctr">
+            <a:lvl2pPr marL="609585" indent="0" algn="ctr">
               <a:buNone/>
-              <a:defRPr sz="2000"/>
+              <a:defRPr>
+                <a:solidFill>
+                  <a:schemeClr val="tx1">
+                    <a:tint val="75000"/>
+                  </a:schemeClr>
+                </a:solidFill>
+              </a:defRPr>
             </a:lvl2pPr>
-            <a:lvl3pPr marL="914400" indent="0" algn="ctr">
+            <a:lvl3pPr marL="1219170" indent="0" algn="ctr">
               <a:buNone/>
-              <a:defRPr sz="1800"/>
+              <a:defRPr>
+                <a:solidFill>
+                  <a:schemeClr val="tx1">
+                    <a:tint val="75000"/>
+                  </a:schemeClr>
+                </a:solidFill>
+              </a:defRPr>
             </a:lvl3pPr>
-            <a:lvl4pPr marL="1371600" indent="0" algn="ctr">
+            <a:lvl4pPr marL="1828754" indent="0" algn="ctr">
               <a:buNone/>
-              <a:defRPr sz="1600"/>
+              <a:defRPr>
+                <a:solidFill>
+                  <a:schemeClr val="tx1">
+                    <a:tint val="75000"/>
+                  </a:schemeClr>
+                </a:solidFill>
+              </a:defRPr>
             </a:lvl4pPr>
-            <a:lvl5pPr marL="1828800" indent="0" algn="ctr">
+            <a:lvl5pPr marL="2438339" indent="0" algn="ctr">
               <a:buNone/>
-              <a:defRPr sz="1600"/>
+              <a:defRPr>
+                <a:solidFill>
+                  <a:schemeClr val="tx1">
+                    <a:tint val="75000"/>
+                  </a:schemeClr>
+                </a:solidFill>
+              </a:defRPr>
             </a:lvl5pPr>
-            <a:lvl6pPr marL="2286000" indent="0" algn="ctr">
+            <a:lvl6pPr marL="3047924" indent="0" algn="ctr">
               <a:buNone/>
-              <a:defRPr sz="1600"/>
+              <a:defRPr>
+                <a:solidFill>
+                  <a:schemeClr val="tx1">
+                    <a:tint val="75000"/>
+                  </a:schemeClr>
+                </a:solidFill>
+              </a:defRPr>
             </a:lvl6pPr>
-            <a:lvl7pPr marL="2743200" indent="0" algn="ctr">
+            <a:lvl7pPr marL="3657509" indent="0" algn="ctr">
               <a:buNone/>
-              <a:defRPr sz="1600"/>
+              <a:defRPr>
+                <a:solidFill>
+                  <a:schemeClr val="tx1">
+                    <a:tint val="75000"/>
+                  </a:schemeClr>
+                </a:solidFill>
+              </a:defRPr>
             </a:lvl7pPr>
-            <a:lvl8pPr marL="3200400" indent="0" algn="ctr">
+            <a:lvl8pPr marL="4267093" indent="0" algn="ctr">
               <a:buNone/>
-              <a:defRPr sz="1600"/>
+              <a:defRPr>
+                <a:solidFill>
+                  <a:schemeClr val="tx1">
+                    <a:tint val="75000"/>
+                  </a:schemeClr>
+                </a:solidFill>
+              </a:defRPr>
             </a:lvl8pPr>
-            <a:lvl9pPr marL="3657600" indent="0" algn="ctr">
+            <a:lvl9pPr marL="4876678" indent="0" algn="ctr">
               <a:buNone/>
-              <a:defRPr sz="1600"/>
+              <a:defRPr>
+                <a:solidFill>
+                  <a:schemeClr val="tx1">
+                    <a:tint val="75000"/>
+                  </a:schemeClr>
+                </a:solidFill>
+              </a:defRPr>
             </a:lvl9pPr>
           </a:lstStyle>
           <a:p>
             <a:r>
-              <a:rPr lang="en-US"/>
+              <a:rPr lang="en-US" smtClean="0"/>
               <a:t>Click to edit Master subtitle style</a:t>
             </a:r>
+            <a:endParaRPr lang="en-US"/>
           </a:p>
         </p:txBody>
       </p:sp>
@@ -248,7 +313,7 @@
           <a:p>
             <a:fld id="{1E7C2FAA-919F-4BF2-9DC6-6D7D1753D0B1}" type="datetimeFigureOut">
               <a:rPr lang="en-US" smtClean="0"/>
-              <a:t>5/1/2017</a:t>
+              <a:t>5/2/2017</a:t>
             </a:fld>
             <a:endParaRPr lang="en-US"/>
           </a:p>
@@ -299,7 +364,7 @@
     </p:spTree>
     <p:extLst>
       <p:ext uri="{BB962C8B-B14F-4D97-AF65-F5344CB8AC3E}">
-        <p14:creationId xmlns:p14="http://schemas.microsoft.com/office/powerpoint/2010/main" val="3664780043"/>
+        <p14:creationId xmlns:p14="http://schemas.microsoft.com/office/powerpoint/2010/main" val="3935376191"/>
       </p:ext>
     </p:extLst>
   </p:cSld>
@@ -342,9 +407,10 @@
           <a:lstStyle/>
           <a:p>
             <a:r>
-              <a:rPr lang="en-US"/>
+              <a:rPr lang="en-US" smtClean="0"/>
               <a:t>Click to edit Master title style</a:t>
             </a:r>
+            <a:endParaRPr lang="en-US"/>
           </a:p>
         </p:txBody>
       </p:sp>
@@ -365,37 +431,38 @@
           <a:p>
             <a:pPr lvl="0"/>
             <a:r>
-              <a:rPr lang="en-US"/>
-              <a:t>Edit Master text styles</a:t>
+              <a:rPr lang="en-US" smtClean="0"/>
+              <a:t>Click to edit Master text styles</a:t>
             </a:r>
           </a:p>
           <a:p>
             <a:pPr lvl="1"/>
             <a:r>
-              <a:rPr lang="en-US"/>
+              <a:rPr lang="en-US" smtClean="0"/>
               <a:t>Second level</a:t>
             </a:r>
           </a:p>
           <a:p>
             <a:pPr lvl="2"/>
             <a:r>
-              <a:rPr lang="en-US"/>
+              <a:rPr lang="en-US" smtClean="0"/>
               <a:t>Third level</a:t>
             </a:r>
           </a:p>
           <a:p>
             <a:pPr lvl="3"/>
             <a:r>
-              <a:rPr lang="en-US"/>
+              <a:rPr lang="en-US" smtClean="0"/>
               <a:t>Fourth level</a:t>
             </a:r>
           </a:p>
           <a:p>
             <a:pPr lvl="4"/>
             <a:r>
-              <a:rPr lang="en-US"/>
+              <a:rPr lang="en-US" smtClean="0"/>
               <a:t>Fifth level</a:t>
             </a:r>
+            <a:endParaRPr lang="en-US"/>
           </a:p>
         </p:txBody>
       </p:sp>
@@ -416,7 +483,7 @@
           <a:p>
             <a:fld id="{1E7C2FAA-919F-4BF2-9DC6-6D7D1753D0B1}" type="datetimeFigureOut">
               <a:rPr lang="en-US" smtClean="0"/>
-              <a:t>5/1/2017</a:t>
+              <a:t>5/2/2017</a:t>
             </a:fld>
             <a:endParaRPr lang="en-US"/>
           </a:p>
@@ -467,7 +534,7 @@
     </p:spTree>
     <p:extLst>
       <p:ext uri="{BB962C8B-B14F-4D97-AF65-F5344CB8AC3E}">
-        <p14:creationId xmlns:p14="http://schemas.microsoft.com/office/powerpoint/2010/main" val="1013929402"/>
+        <p14:creationId xmlns:p14="http://schemas.microsoft.com/office/powerpoint/2010/main" val="2147814628"/>
       </p:ext>
     </p:extLst>
   </p:cSld>
@@ -506,8 +573,8 @@
         </p:nvSpPr>
         <p:spPr>
           <a:xfrm>
-            <a:off x="8724900" y="365125"/>
-            <a:ext cx="2628900" cy="5811838"/>
+            <a:off x="8839200" y="206375"/>
+            <a:ext cx="2743200" cy="4387851"/>
           </a:xfrm>
         </p:spPr>
         <p:txBody>
@@ -515,9 +582,10 @@
           <a:lstStyle/>
           <a:p>
             <a:r>
-              <a:rPr lang="en-US"/>
+              <a:rPr lang="en-US" smtClean="0"/>
               <a:t>Click to edit Master title style</a:t>
             </a:r>
+            <a:endParaRPr lang="en-US"/>
           </a:p>
         </p:txBody>
       </p:sp>
@@ -533,8 +601,8 @@
         </p:nvSpPr>
         <p:spPr>
           <a:xfrm>
-            <a:off x="838200" y="365125"/>
-            <a:ext cx="7734300" cy="5811838"/>
+            <a:off x="609600" y="206375"/>
+            <a:ext cx="8026400" cy="4387851"/>
           </a:xfrm>
         </p:spPr>
         <p:txBody>
@@ -543,37 +611,38 @@
           <a:p>
             <a:pPr lvl="0"/>
             <a:r>
-              <a:rPr lang="en-US"/>
-              <a:t>Edit Master text styles</a:t>
+              <a:rPr lang="en-US" smtClean="0"/>
+              <a:t>Click to edit Master text styles</a:t>
             </a:r>
           </a:p>
           <a:p>
             <a:pPr lvl="1"/>
             <a:r>
-              <a:rPr lang="en-US"/>
+              <a:rPr lang="en-US" smtClean="0"/>
               <a:t>Second level</a:t>
             </a:r>
           </a:p>
           <a:p>
             <a:pPr lvl="2"/>
             <a:r>
-              <a:rPr lang="en-US"/>
+              <a:rPr lang="en-US" smtClean="0"/>
               <a:t>Third level</a:t>
             </a:r>
           </a:p>
           <a:p>
             <a:pPr lvl="3"/>
             <a:r>
-              <a:rPr lang="en-US"/>
+              <a:rPr lang="en-US" smtClean="0"/>
               <a:t>Fourth level</a:t>
             </a:r>
           </a:p>
           <a:p>
             <a:pPr lvl="4"/>
             <a:r>
-              <a:rPr lang="en-US"/>
+              <a:rPr lang="en-US" smtClean="0"/>
               <a:t>Fifth level</a:t>
             </a:r>
+            <a:endParaRPr lang="en-US"/>
           </a:p>
         </p:txBody>
       </p:sp>
@@ -594,7 +663,7 @@
           <a:p>
             <a:fld id="{1E7C2FAA-919F-4BF2-9DC6-6D7D1753D0B1}" type="datetimeFigureOut">
               <a:rPr lang="en-US" smtClean="0"/>
-              <a:t>5/1/2017</a:t>
+              <a:t>5/2/2017</a:t>
             </a:fld>
             <a:endParaRPr lang="en-US"/>
           </a:p>
@@ -645,7 +714,7 @@
     </p:spTree>
     <p:extLst>
       <p:ext uri="{BB962C8B-B14F-4D97-AF65-F5344CB8AC3E}">
-        <p14:creationId xmlns:p14="http://schemas.microsoft.com/office/powerpoint/2010/main" val="176013649"/>
+        <p14:creationId xmlns:p14="http://schemas.microsoft.com/office/powerpoint/2010/main" val="2508059578"/>
       </p:ext>
     </p:extLst>
   </p:cSld>
@@ -682,87 +751,103 @@
             <p:ph type="title"/>
           </p:nvPr>
         </p:nvSpPr>
+        <p:spPr>
+          <a:xfrm>
+            <a:off x="0" y="457200"/>
+            <a:ext cx="7112000" cy="1143000"/>
+          </a:xfrm>
+        </p:spPr>
+        <p:txBody>
+          <a:bodyPr/>
+          <a:lstStyle>
+            <a:lvl1pPr algn="l">
+              <a:defRPr/>
+            </a:lvl1pPr>
+          </a:lstStyle>
+          <a:p>
+            <a:r>
+              <a:rPr lang="en-US" smtClean="0"/>
+              <a:t>Click to edit Master title style</a:t>
+            </a:r>
+            <a:endParaRPr lang="en-US" dirty="0"/>
+          </a:p>
+        </p:txBody>
+      </p:sp>
+      <p:sp>
+        <p:nvSpPr>
+          <p:cNvPr id="3" name="Content Placeholder 2"/>
+          <p:cNvSpPr>
+            <a:spLocks noGrp="1"/>
+          </p:cNvSpPr>
+          <p:nvPr>
+            <p:ph idx="1"/>
+          </p:nvPr>
+        </p:nvSpPr>
+        <p:spPr>
+          <a:xfrm>
+            <a:off x="0" y="1600201"/>
+            <a:ext cx="12192000" cy="4525963"/>
+          </a:xfrm>
+        </p:spPr>
+        <p:txBody>
+          <a:bodyPr/>
+          <a:lstStyle/>
+          <a:p>
+            <a:pPr lvl="0"/>
+            <a:r>
+              <a:rPr lang="en-US" smtClean="0"/>
+              <a:t>Click to edit Master text styles</a:t>
+            </a:r>
+          </a:p>
+          <a:p>
+            <a:pPr lvl="1"/>
+            <a:r>
+              <a:rPr lang="en-US" smtClean="0"/>
+              <a:t>Second level</a:t>
+            </a:r>
+          </a:p>
+          <a:p>
+            <a:pPr lvl="2"/>
+            <a:r>
+              <a:rPr lang="en-US" smtClean="0"/>
+              <a:t>Third level</a:t>
+            </a:r>
+          </a:p>
+          <a:p>
+            <a:pPr lvl="3"/>
+            <a:r>
+              <a:rPr lang="en-US" smtClean="0"/>
+              <a:t>Fourth level</a:t>
+            </a:r>
+          </a:p>
+          <a:p>
+            <a:pPr lvl="4"/>
+            <a:r>
+              <a:rPr lang="en-US" smtClean="0"/>
+              <a:t>Fifth level</a:t>
+            </a:r>
+            <a:endParaRPr lang="en-US"/>
+          </a:p>
+        </p:txBody>
+      </p:sp>
+      <p:sp>
+        <p:nvSpPr>
+          <p:cNvPr id="4" name="Date Placeholder 3"/>
+          <p:cNvSpPr>
+            <a:spLocks noGrp="1"/>
+          </p:cNvSpPr>
+          <p:nvPr>
+            <p:ph type="dt" sz="half" idx="10"/>
+          </p:nvPr>
+        </p:nvSpPr>
         <p:spPr/>
         <p:txBody>
           <a:bodyPr/>
           <a:lstStyle/>
           <a:p>
-            <a:r>
-              <a:rPr lang="en-US"/>
-              <a:t>Click to edit Master title style</a:t>
-            </a:r>
-          </a:p>
-        </p:txBody>
-      </p:sp>
-      <p:sp>
-        <p:nvSpPr>
-          <p:cNvPr id="3" name="Content Placeholder 2"/>
-          <p:cNvSpPr>
-            <a:spLocks noGrp="1"/>
-          </p:cNvSpPr>
-          <p:nvPr>
-            <p:ph idx="1"/>
-          </p:nvPr>
-        </p:nvSpPr>
-        <p:spPr/>
-        <p:txBody>
-          <a:bodyPr/>
-          <a:lstStyle/>
-          <a:p>
-            <a:pPr lvl="0"/>
-            <a:r>
-              <a:rPr lang="en-US"/>
-              <a:t>Edit Master text styles</a:t>
-            </a:r>
-          </a:p>
-          <a:p>
-            <a:pPr lvl="1"/>
-            <a:r>
-              <a:rPr lang="en-US"/>
-              <a:t>Second level</a:t>
-            </a:r>
-          </a:p>
-          <a:p>
-            <a:pPr lvl="2"/>
-            <a:r>
-              <a:rPr lang="en-US"/>
-              <a:t>Third level</a:t>
-            </a:r>
-          </a:p>
-          <a:p>
-            <a:pPr lvl="3"/>
-            <a:r>
-              <a:rPr lang="en-US"/>
-              <a:t>Fourth level</a:t>
-            </a:r>
-          </a:p>
-          <a:p>
-            <a:pPr lvl="4"/>
-            <a:r>
-              <a:rPr lang="en-US"/>
-              <a:t>Fifth level</a:t>
-            </a:r>
-          </a:p>
-        </p:txBody>
-      </p:sp>
-      <p:sp>
-        <p:nvSpPr>
-          <p:cNvPr id="4" name="Date Placeholder 3"/>
-          <p:cNvSpPr>
-            <a:spLocks noGrp="1"/>
-          </p:cNvSpPr>
-          <p:nvPr>
-            <p:ph type="dt" sz="half" idx="10"/>
-          </p:nvPr>
-        </p:nvSpPr>
-        <p:spPr/>
-        <p:txBody>
-          <a:bodyPr/>
-          <a:lstStyle/>
-          <a:p>
             <a:fld id="{1E7C2FAA-919F-4BF2-9DC6-6D7D1753D0B1}" type="datetimeFigureOut">
               <a:rPr lang="en-US" smtClean="0"/>
-              <a:t>5/1/2017</a:t>
+              <a:t>5/2/2017</a:t>
             </a:fld>
             <a:endParaRPr lang="en-US"/>
           </a:p>
@@ -813,7 +898,7 @@
     </p:spTree>
     <p:extLst>
       <p:ext uri="{BB962C8B-B14F-4D97-AF65-F5344CB8AC3E}">
-        <p14:creationId xmlns:p14="http://schemas.microsoft.com/office/powerpoint/2010/main" val="4202439692"/>
+        <p14:creationId xmlns:p14="http://schemas.microsoft.com/office/powerpoint/2010/main" val="2618984831"/>
       </p:ext>
     </p:extLst>
   </p:cSld>
@@ -852,45 +937,56 @@
         </p:nvSpPr>
         <p:spPr>
           <a:xfrm>
-            <a:off x="831850" y="1709738"/>
-            <a:ext cx="10515600" cy="2852737"/>
+            <a:off x="963084" y="4406901"/>
+            <a:ext cx="10363200" cy="1362075"/>
           </a:xfrm>
         </p:spPr>
         <p:txBody>
+          <a:bodyPr anchor="t"/>
+          <a:lstStyle>
+            <a:lvl1pPr algn="l">
+              <a:defRPr sz="5300" b="1" cap="all"/>
+            </a:lvl1pPr>
+          </a:lstStyle>
+          <a:p>
+            <a:r>
+              <a:rPr lang="en-US" smtClean="0"/>
+              <a:t>Click to edit Master title style</a:t>
+            </a:r>
+            <a:endParaRPr lang="en-US"/>
+          </a:p>
+        </p:txBody>
+      </p:sp>
+      <p:sp>
+        <p:nvSpPr>
+          <p:cNvPr id="3" name="Text Placeholder 2"/>
+          <p:cNvSpPr>
+            <a:spLocks noGrp="1"/>
+          </p:cNvSpPr>
+          <p:nvPr>
+            <p:ph type="body" idx="1"/>
+          </p:nvPr>
+        </p:nvSpPr>
+        <p:spPr>
+          <a:xfrm>
+            <a:off x="963084" y="2906713"/>
+            <a:ext cx="10363200" cy="1500187"/>
+          </a:xfrm>
+        </p:spPr>
+        <p:txBody>
           <a:bodyPr anchor="b"/>
           <a:lstStyle>
-            <a:lvl1pPr>
-              <a:defRPr sz="6000"/>
+            <a:lvl1pPr marL="0" indent="0">
+              <a:buNone/>
+              <a:defRPr sz="2700">
+                <a:solidFill>
+                  <a:schemeClr val="tx1">
+                    <a:tint val="75000"/>
+                  </a:schemeClr>
+                </a:solidFill>
+              </a:defRPr>
             </a:lvl1pPr>
-          </a:lstStyle>
-          <a:p>
-            <a:r>
-              <a:rPr lang="en-US"/>
-              <a:t>Click to edit Master title style</a:t>
-            </a:r>
-          </a:p>
-        </p:txBody>
-      </p:sp>
-      <p:sp>
-        <p:nvSpPr>
-          <p:cNvPr id="3" name="Text Placeholder 2"/>
-          <p:cNvSpPr>
-            <a:spLocks noGrp="1"/>
-          </p:cNvSpPr>
-          <p:nvPr>
-            <p:ph type="body" idx="1"/>
-          </p:nvPr>
-        </p:nvSpPr>
-        <p:spPr>
-          <a:xfrm>
-            <a:off x="831850" y="4589463"/>
-            <a:ext cx="10515600" cy="1500187"/>
-          </a:xfrm>
-        </p:spPr>
-        <p:txBody>
-          <a:bodyPr/>
-          <a:lstStyle>
-            <a:lvl1pPr marL="0" indent="0">
+            <a:lvl2pPr marL="609585" indent="0">
               <a:buNone/>
               <a:defRPr sz="2400">
                 <a:solidFill>
@@ -899,20 +995,10 @@
                   </a:schemeClr>
                 </a:solidFill>
               </a:defRPr>
-            </a:lvl1pPr>
-            <a:lvl2pPr marL="457200" indent="0">
+            </a:lvl2pPr>
+            <a:lvl3pPr marL="1219170" indent="0">
               <a:buNone/>
-              <a:defRPr sz="2000">
-                <a:solidFill>
-                  <a:schemeClr val="tx1">
-                    <a:tint val="75000"/>
-                  </a:schemeClr>
-                </a:solidFill>
-              </a:defRPr>
-            </a:lvl2pPr>
-            <a:lvl3pPr marL="914400" indent="0">
-              <a:buNone/>
-              <a:defRPr sz="1800">
+              <a:defRPr sz="2100">
                 <a:solidFill>
                   <a:schemeClr val="tx1">
                     <a:tint val="75000"/>
@@ -920,9 +1006,9 @@
                 </a:solidFill>
               </a:defRPr>
             </a:lvl3pPr>
-            <a:lvl4pPr marL="1371600" indent="0">
+            <a:lvl4pPr marL="1828754" indent="0">
               <a:buNone/>
-              <a:defRPr sz="1600">
+              <a:defRPr sz="1900">
                 <a:solidFill>
                   <a:schemeClr val="tx1">
                     <a:tint val="75000"/>
@@ -930,9 +1016,9 @@
                 </a:solidFill>
               </a:defRPr>
             </a:lvl4pPr>
-            <a:lvl5pPr marL="1828800" indent="0">
+            <a:lvl5pPr marL="2438339" indent="0">
               <a:buNone/>
-              <a:defRPr sz="1600">
+              <a:defRPr sz="1900">
                 <a:solidFill>
                   <a:schemeClr val="tx1">
                     <a:tint val="75000"/>
@@ -940,9 +1026,9 @@
                 </a:solidFill>
               </a:defRPr>
             </a:lvl5pPr>
-            <a:lvl6pPr marL="2286000" indent="0">
+            <a:lvl6pPr marL="3047924" indent="0">
               <a:buNone/>
-              <a:defRPr sz="1600">
+              <a:defRPr sz="1900">
                 <a:solidFill>
                   <a:schemeClr val="tx1">
                     <a:tint val="75000"/>
@@ -950,9 +1036,9 @@
                 </a:solidFill>
               </a:defRPr>
             </a:lvl6pPr>
-            <a:lvl7pPr marL="2743200" indent="0">
+            <a:lvl7pPr marL="3657509" indent="0">
               <a:buNone/>
-              <a:defRPr sz="1600">
+              <a:defRPr sz="1900">
                 <a:solidFill>
                   <a:schemeClr val="tx1">
                     <a:tint val="75000"/>
@@ -960,9 +1046,9 @@
                 </a:solidFill>
               </a:defRPr>
             </a:lvl7pPr>
-            <a:lvl8pPr marL="3200400" indent="0">
+            <a:lvl8pPr marL="4267093" indent="0">
               <a:buNone/>
-              <a:defRPr sz="1600">
+              <a:defRPr sz="1900">
                 <a:solidFill>
                   <a:schemeClr val="tx1">
                     <a:tint val="75000"/>
@@ -970,9 +1056,9 @@
                 </a:solidFill>
               </a:defRPr>
             </a:lvl8pPr>
-            <a:lvl9pPr marL="3657600" indent="0">
+            <a:lvl9pPr marL="4876678" indent="0">
               <a:buNone/>
-              <a:defRPr sz="1600">
+              <a:defRPr sz="1900">
                 <a:solidFill>
                   <a:schemeClr val="tx1">
                     <a:tint val="75000"/>
@@ -984,8 +1070,8 @@
           <a:p>
             <a:pPr lvl="0"/>
             <a:r>
-              <a:rPr lang="en-US"/>
-              <a:t>Edit Master text styles</a:t>
+              <a:rPr lang="en-US" smtClean="0"/>
+              <a:t>Click to edit Master text styles</a:t>
             </a:r>
           </a:p>
         </p:txBody>
@@ -1007,7 +1093,7 @@
           <a:p>
             <a:fld id="{1E7C2FAA-919F-4BF2-9DC6-6D7D1753D0B1}" type="datetimeFigureOut">
               <a:rPr lang="en-US" smtClean="0"/>
-              <a:t>5/1/2017</a:t>
+              <a:t>5/2/2017</a:t>
             </a:fld>
             <a:endParaRPr lang="en-US"/>
           </a:p>
@@ -1058,7 +1144,7 @@
     </p:spTree>
     <p:extLst>
       <p:ext uri="{BB962C8B-B14F-4D97-AF65-F5344CB8AC3E}">
-        <p14:creationId xmlns:p14="http://schemas.microsoft.com/office/powerpoint/2010/main" val="1633349253"/>
+        <p14:creationId xmlns:p14="http://schemas.microsoft.com/office/powerpoint/2010/main" val="2885730472"/>
       </p:ext>
     </p:extLst>
   </p:cSld>
@@ -1095,127 +1181,195 @@
             <p:ph type="title"/>
           </p:nvPr>
         </p:nvSpPr>
-        <p:spPr/>
-        <p:txBody>
-          <a:bodyPr/>
-          <a:lstStyle/>
-          <a:p>
-            <a:r>
-              <a:rPr lang="en-US"/>
-              <a:t>Click to edit Master title style</a:t>
-            </a:r>
-          </a:p>
-        </p:txBody>
-      </p:sp>
-      <p:sp>
-        <p:nvSpPr>
-          <p:cNvPr id="3" name="Content Placeholder 2"/>
-          <p:cNvSpPr>
-            <a:spLocks noGrp="1"/>
-          </p:cNvSpPr>
-          <p:nvPr>
-            <p:ph sz="half" idx="1"/>
-          </p:nvPr>
-        </p:nvSpPr>
         <p:spPr>
           <a:xfrm>
-            <a:off x="838200" y="1825625"/>
-            <a:ext cx="5181600" cy="4351338"/>
+            <a:off x="0" y="274639"/>
+            <a:ext cx="7112000" cy="1143000"/>
           </a:xfrm>
         </p:spPr>
         <p:txBody>
           <a:bodyPr/>
-          <a:lstStyle/>
-          <a:p>
-            <a:pPr lvl="0"/>
-            <a:r>
-              <a:rPr lang="en-US"/>
-              <a:t>Edit Master text styles</a:t>
-            </a:r>
-          </a:p>
-          <a:p>
-            <a:pPr lvl="1"/>
-            <a:r>
-              <a:rPr lang="en-US"/>
-              <a:t>Second level</a:t>
-            </a:r>
-          </a:p>
-          <a:p>
-            <a:pPr lvl="2"/>
-            <a:r>
-              <a:rPr lang="en-US"/>
-              <a:t>Third level</a:t>
-            </a:r>
-          </a:p>
-          <a:p>
-            <a:pPr lvl="3"/>
-            <a:r>
-              <a:rPr lang="en-US"/>
-              <a:t>Fourth level</a:t>
-            </a:r>
-          </a:p>
-          <a:p>
-            <a:pPr lvl="4"/>
-            <a:r>
-              <a:rPr lang="en-US"/>
-              <a:t>Fifth level</a:t>
-            </a:r>
-          </a:p>
-        </p:txBody>
-      </p:sp>
-      <p:sp>
-        <p:nvSpPr>
-          <p:cNvPr id="4" name="Content Placeholder 3"/>
-          <p:cNvSpPr>
-            <a:spLocks noGrp="1"/>
-          </p:cNvSpPr>
-          <p:nvPr>
-            <p:ph sz="half" idx="2"/>
+          <a:lstStyle>
+            <a:lvl1pPr algn="l">
+              <a:defRPr/>
+            </a:lvl1pPr>
+          </a:lstStyle>
+          <a:p>
+            <a:r>
+              <a:rPr lang="en-US" smtClean="0"/>
+              <a:t>Click to edit Master title style</a:t>
+            </a:r>
+            <a:endParaRPr lang="en-US"/>
+          </a:p>
+        </p:txBody>
+      </p:sp>
+      <p:sp>
+        <p:nvSpPr>
+          <p:cNvPr id="3" name="Content Placeholder 2"/>
+          <p:cNvSpPr>
+            <a:spLocks noGrp="1"/>
+          </p:cNvSpPr>
+          <p:nvPr>
+            <p:ph sz="half" idx="1"/>
           </p:nvPr>
         </p:nvSpPr>
         <p:spPr>
           <a:xfrm>
-            <a:off x="6172200" y="1825625"/>
-            <a:ext cx="5181600" cy="4351338"/>
+            <a:off x="0" y="1457325"/>
+            <a:ext cx="5994400" cy="4714875"/>
           </a:xfrm>
         </p:spPr>
         <p:txBody>
           <a:bodyPr/>
-          <a:lstStyle/>
+          <a:lstStyle>
+            <a:lvl1pPr>
+              <a:defRPr sz="3700"/>
+            </a:lvl1pPr>
+            <a:lvl2pPr>
+              <a:defRPr sz="3200"/>
+            </a:lvl2pPr>
+            <a:lvl3pPr>
+              <a:defRPr sz="2700"/>
+            </a:lvl3pPr>
+            <a:lvl4pPr>
+              <a:defRPr sz="2400"/>
+            </a:lvl4pPr>
+            <a:lvl5pPr>
+              <a:defRPr sz="2400"/>
+            </a:lvl5pPr>
+            <a:lvl6pPr>
+              <a:defRPr sz="2400"/>
+            </a:lvl6pPr>
+            <a:lvl7pPr>
+              <a:defRPr sz="2400"/>
+            </a:lvl7pPr>
+            <a:lvl8pPr>
+              <a:defRPr sz="2400"/>
+            </a:lvl8pPr>
+            <a:lvl9pPr>
+              <a:defRPr sz="2400"/>
+            </a:lvl9pPr>
+          </a:lstStyle>
           <a:p>
             <a:pPr lvl="0"/>
             <a:r>
-              <a:rPr lang="en-US"/>
-              <a:t>Edit Master text styles</a:t>
+              <a:rPr lang="en-US" smtClean="0"/>
+              <a:t>Click to edit Master text styles</a:t>
             </a:r>
           </a:p>
           <a:p>
             <a:pPr lvl="1"/>
             <a:r>
-              <a:rPr lang="en-US"/>
+              <a:rPr lang="en-US" smtClean="0"/>
               <a:t>Second level</a:t>
             </a:r>
           </a:p>
           <a:p>
             <a:pPr lvl="2"/>
             <a:r>
-              <a:rPr lang="en-US"/>
+              <a:rPr lang="en-US" smtClean="0"/>
               <a:t>Third level</a:t>
             </a:r>
           </a:p>
           <a:p>
             <a:pPr lvl="3"/>
             <a:r>
-              <a:rPr lang="en-US"/>
+              <a:rPr lang="en-US" smtClean="0"/>
               <a:t>Fourth level</a:t>
             </a:r>
           </a:p>
           <a:p>
             <a:pPr lvl="4"/>
             <a:r>
-              <a:rPr lang="en-US"/>
+              <a:rPr lang="en-US" smtClean="0"/>
               <a:t>Fifth level</a:t>
             </a:r>
+            <a:endParaRPr lang="en-US"/>
+          </a:p>
+        </p:txBody>
+      </p:sp>
+      <p:sp>
+        <p:nvSpPr>
+          <p:cNvPr id="4" name="Content Placeholder 3"/>
+          <p:cNvSpPr>
+            <a:spLocks noGrp="1"/>
+          </p:cNvSpPr>
+          <p:nvPr>
+            <p:ph sz="half" idx="2"/>
+          </p:nvPr>
+        </p:nvSpPr>
+        <p:spPr>
+          <a:xfrm>
+            <a:off x="5994400" y="1457325"/>
+            <a:ext cx="6197600" cy="4714875"/>
+          </a:xfrm>
+        </p:spPr>
+        <p:txBody>
+          <a:bodyPr/>
+          <a:lstStyle>
+            <a:lvl1pPr>
+              <a:defRPr sz="3700"/>
+            </a:lvl1pPr>
+            <a:lvl2pPr>
+              <a:defRPr sz="3200"/>
+            </a:lvl2pPr>
+            <a:lvl3pPr>
+              <a:defRPr sz="2700"/>
+            </a:lvl3pPr>
+            <a:lvl4pPr>
+              <a:defRPr sz="2400"/>
+            </a:lvl4pPr>
+            <a:lvl5pPr>
+              <a:defRPr sz="2400"/>
+            </a:lvl5pPr>
+            <a:lvl6pPr>
+              <a:defRPr sz="2400"/>
+            </a:lvl6pPr>
+            <a:lvl7pPr>
+              <a:defRPr sz="2400"/>
+            </a:lvl7pPr>
+            <a:lvl8pPr>
+              <a:defRPr sz="2400"/>
+            </a:lvl8pPr>
+            <a:lvl9pPr>
+              <a:defRPr sz="2400"/>
+            </a:lvl9pPr>
+          </a:lstStyle>
+          <a:p>
+            <a:pPr lvl="0"/>
+            <a:r>
+              <a:rPr lang="en-US" smtClean="0"/>
+              <a:t>Click to edit Master text styles</a:t>
+            </a:r>
+          </a:p>
+          <a:p>
+            <a:pPr lvl="1"/>
+            <a:r>
+              <a:rPr lang="en-US" smtClean="0"/>
+              <a:t>Second level</a:t>
+            </a:r>
+          </a:p>
+          <a:p>
+            <a:pPr lvl="2"/>
+            <a:r>
+              <a:rPr lang="en-US" smtClean="0"/>
+              <a:t>Third level</a:t>
+            </a:r>
+          </a:p>
+          <a:p>
+            <a:pPr lvl="3"/>
+            <a:r>
+              <a:rPr lang="en-US" smtClean="0"/>
+              <a:t>Fourth level</a:t>
+            </a:r>
+          </a:p>
+          <a:p>
+            <a:pPr lvl="4"/>
+            <a:r>
+              <a:rPr lang="en-US" smtClean="0"/>
+              <a:t>Fifth level</a:t>
+            </a:r>
+            <a:endParaRPr lang="en-US"/>
           </a:p>
         </p:txBody>
       </p:sp>
@@ -1236,7 +1390,7 @@
           <a:p>
             <a:fld id="{1E7C2FAA-919F-4BF2-9DC6-6D7D1753D0B1}" type="datetimeFigureOut">
               <a:rPr lang="en-US" smtClean="0"/>
-              <a:t>5/1/2017</a:t>
+              <a:t>5/2/2017</a:t>
             </a:fld>
             <a:endParaRPr lang="en-US"/>
           </a:p>
@@ -1287,7 +1441,7 @@
     </p:spTree>
     <p:extLst>
       <p:ext uri="{BB962C8B-B14F-4D97-AF65-F5344CB8AC3E}">
-        <p14:creationId xmlns:p14="http://schemas.microsoft.com/office/powerpoint/2010/main" val="1354214125"/>
+        <p14:creationId xmlns:p14="http://schemas.microsoft.com/office/powerpoint/2010/main" val="2963009342"/>
       </p:ext>
     </p:extLst>
   </p:cSld>
@@ -1326,18 +1480,23 @@
         </p:nvSpPr>
         <p:spPr>
           <a:xfrm>
-            <a:off x="839788" y="365125"/>
-            <a:ext cx="10515600" cy="1325563"/>
+            <a:off x="0" y="274639"/>
+            <a:ext cx="7112000" cy="1143000"/>
           </a:xfrm>
         </p:spPr>
         <p:txBody>
           <a:bodyPr/>
-          <a:lstStyle/>
-          <a:p>
-            <a:r>
-              <a:rPr lang="en-US"/>
+          <a:lstStyle>
+            <a:lvl1pPr>
+              <a:defRPr/>
+            </a:lvl1pPr>
+          </a:lstStyle>
+          <a:p>
+            <a:r>
+              <a:rPr lang="en-US" smtClean="0"/>
               <a:t>Click to edit Master title style</a:t>
             </a:r>
+            <a:endParaRPr lang="en-US"/>
           </a:p>
         </p:txBody>
       </p:sp>
@@ -1353,8 +1512,8 @@
         </p:nvSpPr>
         <p:spPr>
           <a:xfrm>
-            <a:off x="839788" y="1681163"/>
-            <a:ext cx="5157787" cy="823912"/>
+            <a:off x="0" y="1535113"/>
+            <a:ext cx="5996517" cy="639763"/>
           </a:xfrm>
         </p:spPr>
         <p:txBody>
@@ -1362,46 +1521,46 @@
           <a:lstStyle>
             <a:lvl1pPr marL="0" indent="0">
               <a:buNone/>
+              <a:defRPr sz="3200" b="1"/>
+            </a:lvl1pPr>
+            <a:lvl2pPr marL="609585" indent="0">
+              <a:buNone/>
+              <a:defRPr sz="2700" b="1"/>
+            </a:lvl2pPr>
+            <a:lvl3pPr marL="1219170" indent="0">
+              <a:buNone/>
               <a:defRPr sz="2400" b="1"/>
-            </a:lvl1pPr>
-            <a:lvl2pPr marL="457200" indent="0">
+            </a:lvl3pPr>
+            <a:lvl4pPr marL="1828754" indent="0">
               <a:buNone/>
-              <a:defRPr sz="2000" b="1"/>
-            </a:lvl2pPr>
-            <a:lvl3pPr marL="914400" indent="0">
+              <a:defRPr sz="2100" b="1"/>
+            </a:lvl4pPr>
+            <a:lvl5pPr marL="2438339" indent="0">
               <a:buNone/>
-              <a:defRPr sz="1800" b="1"/>
-            </a:lvl3pPr>
-            <a:lvl4pPr marL="1371600" indent="0">
+              <a:defRPr sz="2100" b="1"/>
+            </a:lvl5pPr>
+            <a:lvl6pPr marL="3047924" indent="0">
               <a:buNone/>
-              <a:defRPr sz="1600" b="1"/>
-            </a:lvl4pPr>
-            <a:lvl5pPr marL="1828800" indent="0">
+              <a:defRPr sz="2100" b="1"/>
+            </a:lvl6pPr>
+            <a:lvl7pPr marL="3657509" indent="0">
               <a:buNone/>
-              <a:defRPr sz="1600" b="1"/>
-            </a:lvl5pPr>
-            <a:lvl6pPr marL="2286000" indent="0">
+              <a:defRPr sz="2100" b="1"/>
+            </a:lvl7pPr>
+            <a:lvl8pPr marL="4267093" indent="0">
               <a:buNone/>
-              <a:defRPr sz="1600" b="1"/>
-            </a:lvl6pPr>
-            <a:lvl7pPr marL="2743200" indent="0">
+              <a:defRPr sz="2100" b="1"/>
+            </a:lvl8pPr>
+            <a:lvl9pPr marL="4876678" indent="0">
               <a:buNone/>
-              <a:defRPr sz="1600" b="1"/>
-            </a:lvl7pPr>
-            <a:lvl8pPr marL="3200400" indent="0">
-              <a:buNone/>
-              <a:defRPr sz="1600" b="1"/>
-            </a:lvl8pPr>
-            <a:lvl9pPr marL="3657600" indent="0">
-              <a:buNone/>
-              <a:defRPr sz="1600" b="1"/>
+              <a:defRPr sz="2100" b="1"/>
             </a:lvl9pPr>
           </a:lstStyle>
           <a:p>
             <a:pPr lvl="0"/>
             <a:r>
-              <a:rPr lang="en-US"/>
-              <a:t>Edit Master text styles</a:t>
+              <a:rPr lang="en-US" smtClean="0"/>
+              <a:t>Click to edit Master text styles</a:t>
             </a:r>
           </a:p>
         </p:txBody>
@@ -1418,47 +1577,76 @@
         </p:nvSpPr>
         <p:spPr>
           <a:xfrm>
-            <a:off x="839788" y="2505075"/>
-            <a:ext cx="5157787" cy="3684588"/>
+            <a:off x="0" y="2174875"/>
+            <a:ext cx="5996517" cy="3951288"/>
           </a:xfrm>
         </p:spPr>
         <p:txBody>
           <a:bodyPr/>
-          <a:lstStyle/>
+          <a:lstStyle>
+            <a:lvl1pPr>
+              <a:defRPr sz="3200"/>
+            </a:lvl1pPr>
+            <a:lvl2pPr>
+              <a:defRPr sz="2700"/>
+            </a:lvl2pPr>
+            <a:lvl3pPr>
+              <a:defRPr sz="2400"/>
+            </a:lvl3pPr>
+            <a:lvl4pPr>
+              <a:defRPr sz="2100"/>
+            </a:lvl4pPr>
+            <a:lvl5pPr>
+              <a:defRPr sz="2100"/>
+            </a:lvl5pPr>
+            <a:lvl6pPr>
+              <a:defRPr sz="2100"/>
+            </a:lvl6pPr>
+            <a:lvl7pPr>
+              <a:defRPr sz="2100"/>
+            </a:lvl7pPr>
+            <a:lvl8pPr>
+              <a:defRPr sz="2100"/>
+            </a:lvl8pPr>
+            <a:lvl9pPr>
+              <a:defRPr sz="2100"/>
+            </a:lvl9pPr>
+          </a:lstStyle>
           <a:p>
             <a:pPr lvl="0"/>
             <a:r>
-              <a:rPr lang="en-US"/>
-              <a:t>Edit Master text styles</a:t>
+              <a:rPr lang="en-US" smtClean="0"/>
+              <a:t>Click to edit Master text styles</a:t>
             </a:r>
           </a:p>
           <a:p>
             <a:pPr lvl="1"/>
             <a:r>
-              <a:rPr lang="en-US"/>
+              <a:rPr lang="en-US" smtClean="0"/>
               <a:t>Second level</a:t>
             </a:r>
           </a:p>
           <a:p>
             <a:pPr lvl="2"/>
             <a:r>
-              <a:rPr lang="en-US"/>
+              <a:rPr lang="en-US" smtClean="0"/>
               <a:t>Third level</a:t>
             </a:r>
           </a:p>
           <a:p>
             <a:pPr lvl="3"/>
             <a:r>
-              <a:rPr lang="en-US"/>
+              <a:rPr lang="en-US" smtClean="0"/>
               <a:t>Fourth level</a:t>
             </a:r>
           </a:p>
           <a:p>
             <a:pPr lvl="4"/>
             <a:r>
-              <a:rPr lang="en-US"/>
+              <a:rPr lang="en-US" smtClean="0"/>
               <a:t>Fifth level</a:t>
             </a:r>
+            <a:endParaRPr lang="en-US"/>
           </a:p>
         </p:txBody>
       </p:sp>
@@ -1474,8 +1662,8 @@
         </p:nvSpPr>
         <p:spPr>
           <a:xfrm>
-            <a:off x="6172200" y="1681163"/>
-            <a:ext cx="5183188" cy="823912"/>
+            <a:off x="5994400" y="1535113"/>
+            <a:ext cx="6197600" cy="639763"/>
           </a:xfrm>
         </p:spPr>
         <p:txBody>
@@ -1483,46 +1671,46 @@
           <a:lstStyle>
             <a:lvl1pPr marL="0" indent="0">
               <a:buNone/>
+              <a:defRPr sz="3200" b="1"/>
+            </a:lvl1pPr>
+            <a:lvl2pPr marL="609585" indent="0">
+              <a:buNone/>
+              <a:defRPr sz="2700" b="1"/>
+            </a:lvl2pPr>
+            <a:lvl3pPr marL="1219170" indent="0">
+              <a:buNone/>
               <a:defRPr sz="2400" b="1"/>
-            </a:lvl1pPr>
-            <a:lvl2pPr marL="457200" indent="0">
+            </a:lvl3pPr>
+            <a:lvl4pPr marL="1828754" indent="0">
               <a:buNone/>
-              <a:defRPr sz="2000" b="1"/>
-            </a:lvl2pPr>
-            <a:lvl3pPr marL="914400" indent="0">
+              <a:defRPr sz="2100" b="1"/>
+            </a:lvl4pPr>
+            <a:lvl5pPr marL="2438339" indent="0">
               <a:buNone/>
-              <a:defRPr sz="1800" b="1"/>
-            </a:lvl3pPr>
-            <a:lvl4pPr marL="1371600" indent="0">
+              <a:defRPr sz="2100" b="1"/>
+            </a:lvl5pPr>
+            <a:lvl6pPr marL="3047924" indent="0">
               <a:buNone/>
-              <a:defRPr sz="1600" b="1"/>
-            </a:lvl4pPr>
-            <a:lvl5pPr marL="1828800" indent="0">
+              <a:defRPr sz="2100" b="1"/>
+            </a:lvl6pPr>
+            <a:lvl7pPr marL="3657509" indent="0">
               <a:buNone/>
-              <a:defRPr sz="1600" b="1"/>
-            </a:lvl5pPr>
-            <a:lvl6pPr marL="2286000" indent="0">
+              <a:defRPr sz="2100" b="1"/>
+            </a:lvl7pPr>
+            <a:lvl8pPr marL="4267093" indent="0">
               <a:buNone/>
-              <a:defRPr sz="1600" b="1"/>
-            </a:lvl6pPr>
-            <a:lvl7pPr marL="2743200" indent="0">
+              <a:defRPr sz="2100" b="1"/>
+            </a:lvl8pPr>
+            <a:lvl9pPr marL="4876678" indent="0">
               <a:buNone/>
-              <a:defRPr sz="1600" b="1"/>
-            </a:lvl7pPr>
-            <a:lvl8pPr marL="3200400" indent="0">
-              <a:buNone/>
-              <a:defRPr sz="1600" b="1"/>
-            </a:lvl8pPr>
-            <a:lvl9pPr marL="3657600" indent="0">
-              <a:buNone/>
-              <a:defRPr sz="1600" b="1"/>
+              <a:defRPr sz="2100" b="1"/>
             </a:lvl9pPr>
           </a:lstStyle>
           <a:p>
             <a:pPr lvl="0"/>
             <a:r>
-              <a:rPr lang="en-US"/>
-              <a:t>Edit Master text styles</a:t>
+              <a:rPr lang="en-US" smtClean="0"/>
+              <a:t>Click to edit Master text styles</a:t>
             </a:r>
           </a:p>
         </p:txBody>
@@ -1539,47 +1727,76 @@
         </p:nvSpPr>
         <p:spPr>
           <a:xfrm>
-            <a:off x="6172200" y="2505075"/>
-            <a:ext cx="5183188" cy="3684588"/>
+            <a:off x="5994400" y="2174875"/>
+            <a:ext cx="6197600" cy="3951288"/>
           </a:xfrm>
         </p:spPr>
         <p:txBody>
           <a:bodyPr/>
-          <a:lstStyle/>
+          <a:lstStyle>
+            <a:lvl1pPr>
+              <a:defRPr sz="3200"/>
+            </a:lvl1pPr>
+            <a:lvl2pPr>
+              <a:defRPr sz="2700"/>
+            </a:lvl2pPr>
+            <a:lvl3pPr>
+              <a:defRPr sz="2400"/>
+            </a:lvl3pPr>
+            <a:lvl4pPr>
+              <a:defRPr sz="2100"/>
+            </a:lvl4pPr>
+            <a:lvl5pPr>
+              <a:defRPr sz="2100"/>
+            </a:lvl5pPr>
+            <a:lvl6pPr>
+              <a:defRPr sz="2100"/>
+            </a:lvl6pPr>
+            <a:lvl7pPr>
+              <a:defRPr sz="2100"/>
+            </a:lvl7pPr>
+            <a:lvl8pPr>
+              <a:defRPr sz="2100"/>
+            </a:lvl8pPr>
+            <a:lvl9pPr>
+              <a:defRPr sz="2100"/>
+            </a:lvl9pPr>
+          </a:lstStyle>
           <a:p>
             <a:pPr lvl="0"/>
             <a:r>
-              <a:rPr lang="en-US"/>
-              <a:t>Edit Master text styles</a:t>
+              <a:rPr lang="en-US" smtClean="0"/>
+              <a:t>Click to edit Master text styles</a:t>
             </a:r>
           </a:p>
           <a:p>
             <a:pPr lvl="1"/>
             <a:r>
-              <a:rPr lang="en-US"/>
+              <a:rPr lang="en-US" smtClean="0"/>
               <a:t>Second level</a:t>
             </a:r>
           </a:p>
           <a:p>
             <a:pPr lvl="2"/>
             <a:r>
-              <a:rPr lang="en-US"/>
+              <a:rPr lang="en-US" smtClean="0"/>
               <a:t>Third level</a:t>
             </a:r>
           </a:p>
           <a:p>
             <a:pPr lvl="3"/>
             <a:r>
-              <a:rPr lang="en-US"/>
+              <a:rPr lang="en-US" smtClean="0"/>
               <a:t>Fourth level</a:t>
             </a:r>
           </a:p>
           <a:p>
             <a:pPr lvl="4"/>
             <a:r>
-              <a:rPr lang="en-US"/>
+              <a:rPr lang="en-US" smtClean="0"/>
               <a:t>Fifth level</a:t>
             </a:r>
+            <a:endParaRPr lang="en-US"/>
           </a:p>
         </p:txBody>
       </p:sp>
@@ -1600,7 +1817,7 @@
           <a:p>
             <a:fld id="{1E7C2FAA-919F-4BF2-9DC6-6D7D1753D0B1}" type="datetimeFigureOut">
               <a:rPr lang="en-US" smtClean="0"/>
-              <a:t>5/1/2017</a:t>
+              <a:t>5/2/2017</a:t>
             </a:fld>
             <a:endParaRPr lang="en-US"/>
           </a:p>
@@ -1651,7 +1868,7 @@
     </p:spTree>
     <p:extLst>
       <p:ext uri="{BB962C8B-B14F-4D97-AF65-F5344CB8AC3E}">
-        <p14:creationId xmlns:p14="http://schemas.microsoft.com/office/powerpoint/2010/main" val="1805049071"/>
+        <p14:creationId xmlns:p14="http://schemas.microsoft.com/office/powerpoint/2010/main" val="2963897155"/>
       </p:ext>
     </p:extLst>
   </p:cSld>
@@ -1694,9 +1911,10 @@
           <a:lstStyle/>
           <a:p>
             <a:r>
-              <a:rPr lang="en-US"/>
+              <a:rPr lang="en-US" smtClean="0"/>
               <a:t>Click to edit Master title style</a:t>
             </a:r>
+            <a:endParaRPr lang="en-US"/>
           </a:p>
         </p:txBody>
       </p:sp>
@@ -1717,7 +1935,7 @@
           <a:p>
             <a:fld id="{1E7C2FAA-919F-4BF2-9DC6-6D7D1753D0B1}" type="datetimeFigureOut">
               <a:rPr lang="en-US" smtClean="0"/>
-              <a:t>5/1/2017</a:t>
+              <a:t>5/2/2017</a:t>
             </a:fld>
             <a:endParaRPr lang="en-US"/>
           </a:p>
@@ -1768,7 +1986,7 @@
     </p:spTree>
     <p:extLst>
       <p:ext uri="{BB962C8B-B14F-4D97-AF65-F5344CB8AC3E}">
-        <p14:creationId xmlns:p14="http://schemas.microsoft.com/office/powerpoint/2010/main" val="396321442"/>
+        <p14:creationId xmlns:p14="http://schemas.microsoft.com/office/powerpoint/2010/main" val="3280920945"/>
       </p:ext>
     </p:extLst>
   </p:cSld>
@@ -1812,7 +2030,7 @@
           <a:p>
             <a:fld id="{1E7C2FAA-919F-4BF2-9DC6-6D7D1753D0B1}" type="datetimeFigureOut">
               <a:rPr lang="en-US" smtClean="0"/>
-              <a:t>5/1/2017</a:t>
+              <a:t>5/2/2017</a:t>
             </a:fld>
             <a:endParaRPr lang="en-US"/>
           </a:p>
@@ -1833,6 +2051,10 @@
           <a:bodyPr/>
           <a:lstStyle/>
           <a:p>
+            <a:r>
+              <a:rPr lang="en-US" smtClean="0"/>
+              <a:t>Competition Sensitive. Do Not Disclose.</a:t>
+            </a:r>
             <a:endParaRPr lang="en-US"/>
           </a:p>
         </p:txBody>
@@ -1863,7 +2085,7 @@
     </p:spTree>
     <p:extLst>
       <p:ext uri="{BB962C8B-B14F-4D97-AF65-F5344CB8AC3E}">
-        <p14:creationId xmlns:p14="http://schemas.microsoft.com/office/powerpoint/2010/main" val="806689767"/>
+        <p14:creationId xmlns:p14="http://schemas.microsoft.com/office/powerpoint/2010/main" val="2523484597"/>
       </p:ext>
     </p:extLst>
   </p:cSld>
@@ -1902,22 +2124,23 @@
         </p:nvSpPr>
         <p:spPr>
           <a:xfrm>
-            <a:off x="839788" y="457200"/>
-            <a:ext cx="3932237" cy="1600200"/>
+            <a:off x="609602" y="273049"/>
+            <a:ext cx="4011084" cy="1162051"/>
           </a:xfrm>
         </p:spPr>
         <p:txBody>
           <a:bodyPr anchor="b"/>
           <a:lstStyle>
-            <a:lvl1pPr>
-              <a:defRPr sz="3200"/>
+            <a:lvl1pPr algn="l">
+              <a:defRPr sz="2700" b="1"/>
             </a:lvl1pPr>
           </a:lstStyle>
           <a:p>
             <a:r>
-              <a:rPr lang="en-US"/>
+              <a:rPr lang="en-US" smtClean="0"/>
               <a:t>Click to edit Master title style</a:t>
             </a:r>
+            <a:endParaRPr lang="en-US"/>
           </a:p>
         </p:txBody>
       </p:sp>
@@ -1933,75 +2156,76 @@
         </p:nvSpPr>
         <p:spPr>
           <a:xfrm>
-            <a:off x="5183188" y="987425"/>
-            <a:ext cx="6172200" cy="4873625"/>
+            <a:off x="4766733" y="273052"/>
+            <a:ext cx="6815667" cy="5853113"/>
           </a:xfrm>
         </p:spPr>
         <p:txBody>
           <a:bodyPr/>
           <a:lstStyle>
             <a:lvl1pPr>
-              <a:defRPr sz="3200"/>
+              <a:defRPr sz="4300"/>
             </a:lvl1pPr>
             <a:lvl2pPr>
-              <a:defRPr sz="2800"/>
+              <a:defRPr sz="3700"/>
             </a:lvl2pPr>
             <a:lvl3pPr>
-              <a:defRPr sz="2400"/>
+              <a:defRPr sz="3200"/>
             </a:lvl3pPr>
             <a:lvl4pPr>
-              <a:defRPr sz="2000"/>
+              <a:defRPr sz="2700"/>
             </a:lvl4pPr>
             <a:lvl5pPr>
-              <a:defRPr sz="2000"/>
+              <a:defRPr sz="2700"/>
             </a:lvl5pPr>
             <a:lvl6pPr>
-              <a:defRPr sz="2000"/>
+              <a:defRPr sz="2700"/>
             </a:lvl6pPr>
             <a:lvl7pPr>
-              <a:defRPr sz="2000"/>
+              <a:defRPr sz="2700"/>
             </a:lvl7pPr>
             <a:lvl8pPr>
-              <a:defRPr sz="2000"/>
+              <a:defRPr sz="2700"/>
             </a:lvl8pPr>
             <a:lvl9pPr>
-              <a:defRPr sz="2000"/>
+              <a:defRPr sz="2700"/>
             </a:lvl9pPr>
           </a:lstStyle>
           <a:p>
             <a:pPr lvl="0"/>
             <a:r>
-              <a:rPr lang="en-US"/>
-              <a:t>Edit Master text styles</a:t>
+              <a:rPr lang="en-US" smtClean="0"/>
+              <a:t>Click to edit Master text styles</a:t>
             </a:r>
           </a:p>
           <a:p>
             <a:pPr lvl="1"/>
             <a:r>
-              <a:rPr lang="en-US"/>
+              <a:rPr lang="en-US" smtClean="0"/>
               <a:t>Second level</a:t>
             </a:r>
           </a:p>
           <a:p>
             <a:pPr lvl="2"/>
             <a:r>
-              <a:rPr lang="en-US"/>
+              <a:rPr lang="en-US" smtClean="0"/>
               <a:t>Third level</a:t>
             </a:r>
           </a:p>
           <a:p>
             <a:pPr lvl="3"/>
             <a:r>
-              <a:rPr lang="en-US"/>
+              <a:rPr lang="en-US" smtClean="0"/>
               <a:t>Fourth level</a:t>
             </a:r>
           </a:p>
           <a:p>
             <a:pPr lvl="4"/>
             <a:r>
-              <a:rPr lang="en-US"/>
+              <a:rPr lang="en-US" smtClean="0"/>
               <a:t>Fifth level</a:t>
             </a:r>
+            <a:endParaRPr lang="en-US"/>
           </a:p>
         </p:txBody>
       </p:sp>
@@ -2017,8 +2241,8 @@
         </p:nvSpPr>
         <p:spPr>
           <a:xfrm>
-            <a:off x="839788" y="2057400"/>
-            <a:ext cx="3932237" cy="3811588"/>
+            <a:off x="609602" y="1435102"/>
+            <a:ext cx="4011084" cy="4691063"/>
           </a:xfrm>
         </p:spPr>
         <p:txBody>
@@ -2026,46 +2250,46 @@
           <a:lstStyle>
             <a:lvl1pPr marL="0" indent="0">
               <a:buNone/>
+              <a:defRPr sz="1900"/>
+            </a:lvl1pPr>
+            <a:lvl2pPr marL="609585" indent="0">
+              <a:buNone/>
               <a:defRPr sz="1600"/>
-            </a:lvl1pPr>
-            <a:lvl2pPr marL="457200" indent="0">
+            </a:lvl2pPr>
+            <a:lvl3pPr marL="1219170" indent="0">
               <a:buNone/>
-              <a:defRPr sz="1400"/>
-            </a:lvl2pPr>
-            <a:lvl3pPr marL="914400" indent="0">
+              <a:defRPr sz="1300"/>
+            </a:lvl3pPr>
+            <a:lvl4pPr marL="1828754" indent="0">
               <a:buNone/>
               <a:defRPr sz="1200"/>
-            </a:lvl3pPr>
-            <a:lvl4pPr marL="1371600" indent="0">
+            </a:lvl4pPr>
+            <a:lvl5pPr marL="2438339" indent="0">
               <a:buNone/>
-              <a:defRPr sz="1000"/>
-            </a:lvl4pPr>
-            <a:lvl5pPr marL="1828800" indent="0">
+              <a:defRPr sz="1200"/>
+            </a:lvl5pPr>
+            <a:lvl6pPr marL="3047924" indent="0">
               <a:buNone/>
-              <a:defRPr sz="1000"/>
-            </a:lvl5pPr>
-            <a:lvl6pPr marL="2286000" indent="0">
+              <a:defRPr sz="1200"/>
+            </a:lvl6pPr>
+            <a:lvl7pPr marL="3657509" indent="0">
               <a:buNone/>
-              <a:defRPr sz="1000"/>
-            </a:lvl6pPr>
-            <a:lvl7pPr marL="2743200" indent="0">
+              <a:defRPr sz="1200"/>
+            </a:lvl7pPr>
+            <a:lvl8pPr marL="4267093" indent="0">
               <a:buNone/>
-              <a:defRPr sz="1000"/>
-            </a:lvl7pPr>
-            <a:lvl8pPr marL="3200400" indent="0">
+              <a:defRPr sz="1200"/>
+            </a:lvl8pPr>
+            <a:lvl9pPr marL="4876678" indent="0">
               <a:buNone/>
-              <a:defRPr sz="1000"/>
-            </a:lvl8pPr>
-            <a:lvl9pPr marL="3657600" indent="0">
-              <a:buNone/>
-              <a:defRPr sz="1000"/>
+              <a:defRPr sz="1200"/>
             </a:lvl9pPr>
           </a:lstStyle>
           <a:p>
             <a:pPr lvl="0"/>
             <a:r>
-              <a:rPr lang="en-US"/>
-              <a:t>Edit Master text styles</a:t>
+              <a:rPr lang="en-US" smtClean="0"/>
+              <a:t>Click to edit Master text styles</a:t>
             </a:r>
           </a:p>
         </p:txBody>
@@ -2087,7 +2311,7 @@
           <a:p>
             <a:fld id="{1E7C2FAA-919F-4BF2-9DC6-6D7D1753D0B1}" type="datetimeFigureOut">
               <a:rPr lang="en-US" smtClean="0"/>
-              <a:t>5/1/2017</a:t>
+              <a:t>5/2/2017</a:t>
             </a:fld>
             <a:endParaRPr lang="en-US"/>
           </a:p>
@@ -2108,6 +2332,10 @@
           <a:bodyPr/>
           <a:lstStyle/>
           <a:p>
+            <a:r>
+              <a:rPr lang="en-US" smtClean="0"/>
+              <a:t>Competition Sensitive. Do Not Disclose.</a:t>
+            </a:r>
             <a:endParaRPr lang="en-US"/>
           </a:p>
         </p:txBody>
@@ -2138,7 +2366,7 @@
     </p:spTree>
     <p:extLst>
       <p:ext uri="{BB962C8B-B14F-4D97-AF65-F5344CB8AC3E}">
-        <p14:creationId xmlns:p14="http://schemas.microsoft.com/office/powerpoint/2010/main" val="3187657487"/>
+        <p14:creationId xmlns:p14="http://schemas.microsoft.com/office/powerpoint/2010/main" val="3009020635"/>
       </p:ext>
     </p:extLst>
   </p:cSld>
@@ -2177,22 +2405,23 @@
         </p:nvSpPr>
         <p:spPr>
           <a:xfrm>
-            <a:off x="839788" y="457200"/>
-            <a:ext cx="3932237" cy="1600200"/>
+            <a:off x="2389717" y="4800600"/>
+            <a:ext cx="7315200" cy="566739"/>
           </a:xfrm>
         </p:spPr>
         <p:txBody>
           <a:bodyPr anchor="b"/>
           <a:lstStyle>
-            <a:lvl1pPr>
-              <a:defRPr sz="3200"/>
+            <a:lvl1pPr algn="l">
+              <a:defRPr sz="2700" b="1"/>
             </a:lvl1pPr>
           </a:lstStyle>
           <a:p>
             <a:r>
-              <a:rPr lang="en-US"/>
+              <a:rPr lang="en-US" smtClean="0"/>
               <a:t>Click to edit Master title style</a:t>
             </a:r>
+            <a:endParaRPr lang="en-US"/>
           </a:p>
         </p:txBody>
       </p:sp>
@@ -2208,8 +2437,8 @@
         </p:nvSpPr>
         <p:spPr>
           <a:xfrm>
-            <a:off x="5183188" y="987425"/>
-            <a:ext cx="6172200" cy="4873625"/>
+            <a:off x="2389717" y="612775"/>
+            <a:ext cx="7315200" cy="4114800"/>
           </a:xfrm>
         </p:spPr>
         <p:txBody>
@@ -2217,42 +2446,46 @@
           <a:lstStyle>
             <a:lvl1pPr marL="0" indent="0">
               <a:buNone/>
+              <a:defRPr sz="4300"/>
+            </a:lvl1pPr>
+            <a:lvl2pPr marL="609585" indent="0">
+              <a:buNone/>
+              <a:defRPr sz="3700"/>
+            </a:lvl2pPr>
+            <a:lvl3pPr marL="1219170" indent="0">
+              <a:buNone/>
               <a:defRPr sz="3200"/>
-            </a:lvl1pPr>
-            <a:lvl2pPr marL="457200" indent="0">
+            </a:lvl3pPr>
+            <a:lvl4pPr marL="1828754" indent="0">
               <a:buNone/>
-              <a:defRPr sz="2800"/>
-            </a:lvl2pPr>
-            <a:lvl3pPr marL="914400" indent="0">
+              <a:defRPr sz="2700"/>
+            </a:lvl4pPr>
+            <a:lvl5pPr marL="2438339" indent="0">
               <a:buNone/>
-              <a:defRPr sz="2400"/>
-            </a:lvl3pPr>
-            <a:lvl4pPr marL="1371600" indent="0">
+              <a:defRPr sz="2700"/>
+            </a:lvl5pPr>
+            <a:lvl6pPr marL="3047924" indent="0">
               <a:buNone/>
-              <a:defRPr sz="2000"/>
-            </a:lvl4pPr>
-            <a:lvl5pPr marL="1828800" indent="0">
+              <a:defRPr sz="2700"/>
+            </a:lvl6pPr>
+            <a:lvl7pPr marL="3657509" indent="0">
               <a:buNone/>
-              <a:defRPr sz="2000"/>
-            </a:lvl5pPr>
-            <a:lvl6pPr marL="2286000" indent="0">
+              <a:defRPr sz="2700"/>
+            </a:lvl7pPr>
+            <a:lvl8pPr marL="4267093" indent="0">
               <a:buNone/>
-              <a:defRPr sz="2000"/>
-            </a:lvl6pPr>
-            <a:lvl7pPr marL="2743200" indent="0">
+              <a:defRPr sz="2700"/>
+            </a:lvl8pPr>
+            <a:lvl9pPr marL="4876678" indent="0">
               <a:buNone/>
-              <a:defRPr sz="2000"/>
-            </a:lvl7pPr>
-            <a:lvl8pPr marL="3200400" indent="0">
-              <a:buNone/>
-              <a:defRPr sz="2000"/>
-            </a:lvl8pPr>
-            <a:lvl9pPr marL="3657600" indent="0">
-              <a:buNone/>
-              <a:defRPr sz="2000"/>
+              <a:defRPr sz="2700"/>
             </a:lvl9pPr>
           </a:lstStyle>
           <a:p>
+            <a:r>
+              <a:rPr lang="en-US" smtClean="0"/>
+              <a:t>Click icon to add picture</a:t>
+            </a:r>
             <a:endParaRPr lang="en-US"/>
           </a:p>
         </p:txBody>
@@ -2269,8 +2502,8 @@
         </p:nvSpPr>
         <p:spPr>
           <a:xfrm>
-            <a:off x="839788" y="2057400"/>
-            <a:ext cx="3932237" cy="3811588"/>
+            <a:off x="2389717" y="5367338"/>
+            <a:ext cx="7315200" cy="804863"/>
           </a:xfrm>
         </p:spPr>
         <p:txBody>
@@ -2278,46 +2511,46 @@
           <a:lstStyle>
             <a:lvl1pPr marL="0" indent="0">
               <a:buNone/>
+              <a:defRPr sz="1900"/>
+            </a:lvl1pPr>
+            <a:lvl2pPr marL="609585" indent="0">
+              <a:buNone/>
               <a:defRPr sz="1600"/>
-            </a:lvl1pPr>
-            <a:lvl2pPr marL="457200" indent="0">
+            </a:lvl2pPr>
+            <a:lvl3pPr marL="1219170" indent="0">
               <a:buNone/>
-              <a:defRPr sz="1400"/>
-            </a:lvl2pPr>
-            <a:lvl3pPr marL="914400" indent="0">
+              <a:defRPr sz="1300"/>
+            </a:lvl3pPr>
+            <a:lvl4pPr marL="1828754" indent="0">
               <a:buNone/>
               <a:defRPr sz="1200"/>
-            </a:lvl3pPr>
-            <a:lvl4pPr marL="1371600" indent="0">
+            </a:lvl4pPr>
+            <a:lvl5pPr marL="2438339" indent="0">
               <a:buNone/>
-              <a:defRPr sz="1000"/>
-            </a:lvl4pPr>
-            <a:lvl5pPr marL="1828800" indent="0">
+              <a:defRPr sz="1200"/>
+            </a:lvl5pPr>
+            <a:lvl6pPr marL="3047924" indent="0">
               <a:buNone/>
-              <a:defRPr sz="1000"/>
-            </a:lvl5pPr>
-            <a:lvl6pPr marL="2286000" indent="0">
+              <a:defRPr sz="1200"/>
+            </a:lvl6pPr>
+            <a:lvl7pPr marL="3657509" indent="0">
               <a:buNone/>
-              <a:defRPr sz="1000"/>
-            </a:lvl6pPr>
-            <a:lvl7pPr marL="2743200" indent="0">
+              <a:defRPr sz="1200"/>
+            </a:lvl7pPr>
+            <a:lvl8pPr marL="4267093" indent="0">
               <a:buNone/>
-              <a:defRPr sz="1000"/>
-            </a:lvl7pPr>
-            <a:lvl8pPr marL="3200400" indent="0">
+              <a:defRPr sz="1200"/>
+            </a:lvl8pPr>
+            <a:lvl9pPr marL="4876678" indent="0">
               <a:buNone/>
-              <a:defRPr sz="1000"/>
-            </a:lvl8pPr>
-            <a:lvl9pPr marL="3657600" indent="0">
-              <a:buNone/>
-              <a:defRPr sz="1000"/>
+              <a:defRPr sz="1200"/>
             </a:lvl9pPr>
           </a:lstStyle>
           <a:p>
             <a:pPr lvl="0"/>
             <a:r>
-              <a:rPr lang="en-US"/>
-              <a:t>Edit Master text styles</a:t>
+              <a:rPr lang="en-US" smtClean="0"/>
+              <a:t>Click to edit Master text styles</a:t>
             </a:r>
           </a:p>
         </p:txBody>
@@ -2339,7 +2572,7 @@
           <a:p>
             <a:fld id="{1E7C2FAA-919F-4BF2-9DC6-6D7D1753D0B1}" type="datetimeFigureOut">
               <a:rPr lang="en-US" smtClean="0"/>
-              <a:t>5/1/2017</a:t>
+              <a:t>5/2/2017</a:t>
             </a:fld>
             <a:endParaRPr lang="en-US"/>
           </a:p>
@@ -2360,6 +2593,10 @@
           <a:bodyPr/>
           <a:lstStyle/>
           <a:p>
+            <a:r>
+              <a:rPr lang="en-US" smtClean="0"/>
+              <a:t>Competition Sensitive. Do Not Disclose.</a:t>
+            </a:r>
             <a:endParaRPr lang="en-US"/>
           </a:p>
         </p:txBody>
@@ -2390,7 +2627,7 @@
     </p:spTree>
     <p:extLst>
       <p:ext uri="{BB962C8B-B14F-4D97-AF65-F5344CB8AC3E}">
-        <p14:creationId xmlns:p14="http://schemas.microsoft.com/office/powerpoint/2010/main" val="615152056"/>
+        <p14:creationId xmlns:p14="http://schemas.microsoft.com/office/powerpoint/2010/main" val="2013953594"/>
       </p:ext>
     </p:extLst>
   </p:cSld>
@@ -2422,6 +2659,47 @@
           <a:chExt cx="0" cy="0"/>
         </a:xfrm>
       </p:grpSpPr>
+      <p:pic>
+        <p:nvPicPr>
+          <p:cNvPr id="2051" name="Picture 3" descr="C:\Users\MATTHEW.WILSON\AppData\Local\Temp\wzb6a1\FS-SlideBacks-2010\FS-SlideBack-HD-Top-wLogo.jpg"/>
+          <p:cNvPicPr>
+            <a:picLocks noChangeAspect="1" noChangeArrowheads="1"/>
+          </p:cNvPicPr>
+          <p:nvPr/>
+        </p:nvPicPr>
+        <p:blipFill>
+          <a:blip r:embed="rId13">
+            <a:extLst>
+              <a:ext uri="{28A0092B-C50C-407E-A947-70E740481C1C}">
+                <a14:useLocalDpi xmlns:a14="http://schemas.microsoft.com/office/drawing/2010/main" val="0"/>
+              </a:ext>
+            </a:extLst>
+          </a:blip>
+          <a:srcRect/>
+          <a:stretch>
+            <a:fillRect/>
+          </a:stretch>
+        </p:blipFill>
+        <p:spPr bwMode="auto">
+          <a:xfrm>
+            <a:off x="0" y="0"/>
+            <a:ext cx="12192000" cy="6858000"/>
+          </a:xfrm>
+          <a:prstGeom prst="rect">
+            <a:avLst/>
+          </a:prstGeom>
+          <a:noFill/>
+          <a:extLst>
+            <a:ext uri="{909E8E84-426E-40DD-AFC4-6F175D3DCCD1}">
+              <a14:hiddenFill xmlns:a14="http://schemas.microsoft.com/office/drawing/2010/main">
+                <a:solidFill>
+                  <a:srgbClr val="FFFFFF"/>
+                </a:solidFill>
+              </a14:hiddenFill>
+            </a:ext>
+          </a:extLst>
+        </p:spPr>
+      </p:pic>
       <p:sp>
         <p:nvSpPr>
           <p:cNvPr id="2" name="Title Placeholder 1"/>
@@ -2434,23 +2712,24 @@
         </p:nvSpPr>
         <p:spPr>
           <a:xfrm>
-            <a:off x="838200" y="365125"/>
-            <a:ext cx="10515600" cy="1325563"/>
+            <a:off x="0" y="274639"/>
+            <a:ext cx="7112000" cy="1143000"/>
           </a:xfrm>
           <a:prstGeom prst="rect">
             <a:avLst/>
           </a:prstGeom>
         </p:spPr>
         <p:txBody>
-          <a:bodyPr vert="horz" lIns="91440" tIns="45720" rIns="91440" bIns="45720" rtlCol="0" anchor="ctr">
-            <a:normAutofit/>
+          <a:bodyPr vert="horz" lIns="121917" tIns="60958" rIns="121917" bIns="60958" rtlCol="0" anchor="ctr">
+            <a:noAutofit/>
           </a:bodyPr>
           <a:lstStyle/>
           <a:p>
             <a:r>
-              <a:rPr lang="en-US"/>
+              <a:rPr lang="en-US" smtClean="0"/>
               <a:t>Click to edit Master title style</a:t>
             </a:r>
+            <a:endParaRPr lang="en-US" dirty="0"/>
           </a:p>
         </p:txBody>
       </p:sp>
@@ -2466,52 +2745,53 @@
         </p:nvSpPr>
         <p:spPr>
           <a:xfrm>
-            <a:off x="838200" y="1825625"/>
-            <a:ext cx="10515600" cy="4351338"/>
+            <a:off x="0" y="1600201"/>
+            <a:ext cx="12192000" cy="4525963"/>
           </a:xfrm>
           <a:prstGeom prst="rect">
             <a:avLst/>
           </a:prstGeom>
         </p:spPr>
         <p:txBody>
-          <a:bodyPr vert="horz" lIns="91440" tIns="45720" rIns="91440" bIns="45720" rtlCol="0">
+          <a:bodyPr vert="horz" lIns="121917" tIns="60958" rIns="121917" bIns="60958" rtlCol="0">
             <a:normAutofit/>
           </a:bodyPr>
           <a:lstStyle/>
           <a:p>
             <a:pPr lvl="0"/>
             <a:r>
-              <a:rPr lang="en-US"/>
-              <a:t>Edit Master text styles</a:t>
+              <a:rPr lang="en-US" smtClean="0"/>
+              <a:t>Click to edit Master text styles</a:t>
             </a:r>
           </a:p>
           <a:p>
             <a:pPr lvl="1"/>
             <a:r>
-              <a:rPr lang="en-US"/>
+              <a:rPr lang="en-US" smtClean="0"/>
               <a:t>Second level</a:t>
             </a:r>
           </a:p>
           <a:p>
             <a:pPr lvl="2"/>
             <a:r>
-              <a:rPr lang="en-US"/>
+              <a:rPr lang="en-US" smtClean="0"/>
               <a:t>Third level</a:t>
             </a:r>
           </a:p>
           <a:p>
             <a:pPr lvl="3"/>
             <a:r>
-              <a:rPr lang="en-US"/>
+              <a:rPr lang="en-US" smtClean="0"/>
               <a:t>Fourth level</a:t>
             </a:r>
           </a:p>
           <a:p>
             <a:pPr lvl="4"/>
             <a:r>
-              <a:rPr lang="en-US"/>
+              <a:rPr lang="en-US" smtClean="0"/>
               <a:t>Fifth level</a:t>
             </a:r>
+            <a:endParaRPr lang="en-US" dirty="0"/>
           </a:p>
         </p:txBody>
       </p:sp>
@@ -2527,18 +2807,18 @@
         </p:nvSpPr>
         <p:spPr>
           <a:xfrm>
-            <a:off x="838200" y="6356350"/>
-            <a:ext cx="2743200" cy="365125"/>
+            <a:off x="609600" y="6356351"/>
+            <a:ext cx="2844800" cy="365125"/>
           </a:xfrm>
           <a:prstGeom prst="rect">
             <a:avLst/>
           </a:prstGeom>
         </p:spPr>
         <p:txBody>
-          <a:bodyPr vert="horz" lIns="91440" tIns="45720" rIns="91440" bIns="45720" rtlCol="0" anchor="ctr"/>
+          <a:bodyPr vert="horz" lIns="121917" tIns="60958" rIns="121917" bIns="60958" rtlCol="0" anchor="ctr"/>
           <a:lstStyle>
             <a:lvl1pPr algn="l">
-              <a:defRPr sz="1200">
+              <a:defRPr sz="1600">
                 <a:solidFill>
                   <a:schemeClr val="tx1">
                     <a:tint val="75000"/>
@@ -2550,7 +2830,7 @@
           <a:p>
             <a:fld id="{1E7C2FAA-919F-4BF2-9DC6-6D7D1753D0B1}" type="datetimeFigureOut">
               <a:rPr lang="en-US" smtClean="0"/>
-              <a:t>5/1/2017</a:t>
+              <a:t>5/2/2017</a:t>
             </a:fld>
             <a:endParaRPr lang="en-US"/>
           </a:p>
@@ -2568,18 +2848,18 @@
         </p:nvSpPr>
         <p:spPr>
           <a:xfrm>
-            <a:off x="4038600" y="6356350"/>
-            <a:ext cx="4114800" cy="365125"/>
+            <a:off x="4165600" y="6356351"/>
+            <a:ext cx="3860800" cy="365125"/>
           </a:xfrm>
           <a:prstGeom prst="rect">
             <a:avLst/>
           </a:prstGeom>
         </p:spPr>
         <p:txBody>
-          <a:bodyPr vert="horz" lIns="91440" tIns="45720" rIns="91440" bIns="45720" rtlCol="0" anchor="ctr"/>
+          <a:bodyPr vert="horz" lIns="121917" tIns="60958" rIns="121917" bIns="60958" rtlCol="0" anchor="ctr"/>
           <a:lstStyle>
             <a:lvl1pPr algn="ctr">
-              <a:defRPr sz="1200">
+              <a:defRPr sz="1600">
                 <a:solidFill>
                   <a:schemeClr val="tx1">
                     <a:tint val="75000"/>
@@ -2605,18 +2885,18 @@
         </p:nvSpPr>
         <p:spPr>
           <a:xfrm>
-            <a:off x="8610600" y="6356350"/>
-            <a:ext cx="2743200" cy="365125"/>
+            <a:off x="8737600" y="6356351"/>
+            <a:ext cx="2844800" cy="365125"/>
           </a:xfrm>
           <a:prstGeom prst="rect">
             <a:avLst/>
           </a:prstGeom>
         </p:spPr>
         <p:txBody>
-          <a:bodyPr vert="horz" lIns="91440" tIns="45720" rIns="91440" bIns="45720" rtlCol="0" anchor="ctr"/>
+          <a:bodyPr vert="horz" lIns="121917" tIns="60958" rIns="121917" bIns="60958" rtlCol="0" anchor="ctr"/>
           <a:lstStyle>
             <a:lvl1pPr algn="r">
-              <a:defRPr sz="1200">
+              <a:defRPr sz="1600">
                 <a:solidFill>
                   <a:schemeClr val="tx1">
                     <a:tint val="75000"/>
@@ -2637,35 +2917,32 @@
     </p:spTree>
     <p:extLst>
       <p:ext uri="{BB962C8B-B14F-4D97-AF65-F5344CB8AC3E}">
-        <p14:creationId xmlns:p14="http://schemas.microsoft.com/office/powerpoint/2010/main" val="1388661896"/>
+        <p14:creationId xmlns:p14="http://schemas.microsoft.com/office/powerpoint/2010/main" val="589850236"/>
       </p:ext>
     </p:extLst>
   </p:cSld>
   <p:clrMap bg1="lt1" tx1="dk1" bg2="lt2" tx2="dk2" accent1="accent1" accent2="accent2" accent3="accent3" accent4="accent4" accent5="accent5" accent6="accent6" hlink="hlink" folHlink="folHlink"/>
   <p:sldLayoutIdLst>
-    <p:sldLayoutId id="2147483649" r:id="rId1"/>
-    <p:sldLayoutId id="2147483650" r:id="rId2"/>
-    <p:sldLayoutId id="2147483651" r:id="rId3"/>
-    <p:sldLayoutId id="2147483652" r:id="rId4"/>
-    <p:sldLayoutId id="2147483653" r:id="rId5"/>
-    <p:sldLayoutId id="2147483654" r:id="rId6"/>
-    <p:sldLayoutId id="2147483655" r:id="rId7"/>
-    <p:sldLayoutId id="2147483656" r:id="rId8"/>
-    <p:sldLayoutId id="2147483657" r:id="rId9"/>
-    <p:sldLayoutId id="2147483658" r:id="rId10"/>
-    <p:sldLayoutId id="2147483659" r:id="rId11"/>
+    <p:sldLayoutId id="2147483709" r:id="rId1"/>
+    <p:sldLayoutId id="2147483710" r:id="rId2"/>
+    <p:sldLayoutId id="2147483711" r:id="rId3"/>
+    <p:sldLayoutId id="2147483712" r:id="rId4"/>
+    <p:sldLayoutId id="2147483713" r:id="rId5"/>
+    <p:sldLayoutId id="2147483714" r:id="rId6"/>
+    <p:sldLayoutId id="2147483715" r:id="rId7"/>
+    <p:sldLayoutId id="2147483716" r:id="rId8"/>
+    <p:sldLayoutId id="2147483717" r:id="rId9"/>
+    <p:sldLayoutId id="2147483718" r:id="rId10"/>
+    <p:sldLayoutId id="2147483719" r:id="rId11"/>
   </p:sldLayoutIdLst>
   <p:txStyles>
     <p:titleStyle>
-      <a:lvl1pPr algn="l" defTabSz="914400" rtl="0" eaLnBrk="1" latinLnBrk="0" hangingPunct="1">
-        <a:lnSpc>
-          <a:spcPct val="90000"/>
-        </a:lnSpc>
+      <a:lvl1pPr algn="l" defTabSz="1219170" rtl="0" eaLnBrk="1" latinLnBrk="0" hangingPunct="1">
         <a:spcBef>
           <a:spcPct val="0"/>
         </a:spcBef>
         <a:buNone/>
-        <a:defRPr sz="4400" kern="1200">
+        <a:defRPr sz="4300" b="1" kern="1200">
           <a:solidFill>
             <a:schemeClr val="tx1"/>
           </a:solidFill>
@@ -2676,16 +2953,13 @@
       </a:lvl1pPr>
     </p:titleStyle>
     <p:bodyStyle>
-      <a:lvl1pPr marL="228600" indent="-228600" algn="l" defTabSz="914400" rtl="0" eaLnBrk="1" latinLnBrk="0" hangingPunct="1">
-        <a:lnSpc>
-          <a:spcPct val="90000"/>
-        </a:lnSpc>
+      <a:lvl1pPr marL="304792" indent="-304792" algn="l" defTabSz="1219170" rtl="0" eaLnBrk="1" latinLnBrk="0" hangingPunct="1">
         <a:spcBef>
-          <a:spcPts val="1000"/>
+          <a:spcPct val="20000"/>
         </a:spcBef>
-        <a:buFont typeface="Arial" panose="020B0604020202020204" pitchFamily="34" charset="0"/>
+        <a:buFont typeface="Arial" pitchFamily="34" charset="0"/>
         <a:buChar char="•"/>
-        <a:defRPr sz="2800" kern="1200">
+        <a:defRPr sz="4300" kern="1200">
           <a:solidFill>
             <a:schemeClr val="tx1"/>
           </a:solidFill>
@@ -2694,16 +2968,13 @@
           <a:cs typeface="+mn-cs"/>
         </a:defRPr>
       </a:lvl1pPr>
-      <a:lvl2pPr marL="685800" indent="-228600" algn="l" defTabSz="914400" rtl="0" eaLnBrk="1" latinLnBrk="0" hangingPunct="1">
-        <a:lnSpc>
-          <a:spcPct val="90000"/>
-        </a:lnSpc>
+      <a:lvl2pPr marL="685783" indent="-380990" algn="l" defTabSz="1219170" rtl="0" eaLnBrk="1" latinLnBrk="0" hangingPunct="1">
         <a:spcBef>
-          <a:spcPts val="500"/>
+          <a:spcPct val="20000"/>
         </a:spcBef>
-        <a:buFont typeface="Arial" panose="020B0604020202020204" pitchFamily="34" charset="0"/>
-        <a:buChar char="•"/>
-        <a:defRPr sz="2400" kern="1200">
+        <a:buFont typeface="Arial" pitchFamily="34" charset="0"/>
+        <a:buChar char="–"/>
+        <a:defRPr sz="3700" kern="1200">
           <a:solidFill>
             <a:schemeClr val="tx1"/>
           </a:solidFill>
@@ -2712,16 +2983,13 @@
           <a:cs typeface="+mn-cs"/>
         </a:defRPr>
       </a:lvl2pPr>
-      <a:lvl3pPr marL="1143000" indent="-228600" algn="l" defTabSz="914400" rtl="0" eaLnBrk="1" latinLnBrk="0" hangingPunct="1">
-        <a:lnSpc>
-          <a:spcPct val="90000"/>
-        </a:lnSpc>
+      <a:lvl3pPr marL="914377" indent="-304792" algn="l" defTabSz="1219170" rtl="0" eaLnBrk="1" latinLnBrk="0" hangingPunct="1">
         <a:spcBef>
-          <a:spcPts val="500"/>
+          <a:spcPct val="20000"/>
         </a:spcBef>
-        <a:buFont typeface="Arial" panose="020B0604020202020204" pitchFamily="34" charset="0"/>
+        <a:buFont typeface="Arial" pitchFamily="34" charset="0"/>
         <a:buChar char="•"/>
-        <a:defRPr sz="2000" kern="1200">
+        <a:defRPr sz="3200" kern="1200">
           <a:solidFill>
             <a:schemeClr val="tx1"/>
           </a:solidFill>
@@ -2730,16 +2998,13 @@
           <a:cs typeface="+mn-cs"/>
         </a:defRPr>
       </a:lvl3pPr>
-      <a:lvl4pPr marL="1600200" indent="-228600" algn="l" defTabSz="914400" rtl="0" eaLnBrk="1" latinLnBrk="0" hangingPunct="1">
-        <a:lnSpc>
-          <a:spcPct val="90000"/>
-        </a:lnSpc>
+      <a:lvl4pPr marL="1219170" indent="-304792" algn="l" defTabSz="1219170" rtl="0" eaLnBrk="1" latinLnBrk="0" hangingPunct="1">
         <a:spcBef>
-          <a:spcPts val="500"/>
+          <a:spcPct val="20000"/>
         </a:spcBef>
-        <a:buFont typeface="Arial" panose="020B0604020202020204" pitchFamily="34" charset="0"/>
-        <a:buChar char="•"/>
-        <a:defRPr sz="1800" kern="1200">
+        <a:buFont typeface="Arial" pitchFamily="34" charset="0"/>
+        <a:buChar char="–"/>
+        <a:defRPr sz="2700" kern="1200">
           <a:solidFill>
             <a:schemeClr val="tx1"/>
           </a:solidFill>
@@ -2748,16 +3013,13 @@
           <a:cs typeface="+mn-cs"/>
         </a:defRPr>
       </a:lvl4pPr>
-      <a:lvl5pPr marL="2057400" indent="-228600" algn="l" defTabSz="914400" rtl="0" eaLnBrk="1" latinLnBrk="0" hangingPunct="1">
-        <a:lnSpc>
-          <a:spcPct val="90000"/>
-        </a:lnSpc>
+      <a:lvl5pPr marL="1447764" indent="-304792" algn="l" defTabSz="1219170" rtl="0" eaLnBrk="1" latinLnBrk="0" hangingPunct="1">
         <a:spcBef>
-          <a:spcPts val="500"/>
+          <a:spcPct val="20000"/>
         </a:spcBef>
-        <a:buFont typeface="Arial" panose="020B0604020202020204" pitchFamily="34" charset="0"/>
-        <a:buChar char="•"/>
-        <a:defRPr sz="1800" kern="1200">
+        <a:buFont typeface="Arial" pitchFamily="34" charset="0"/>
+        <a:buChar char="»"/>
+        <a:defRPr sz="2700" kern="1200">
           <a:solidFill>
             <a:schemeClr val="tx1"/>
           </a:solidFill>
@@ -2766,16 +3028,13 @@
           <a:cs typeface="+mn-cs"/>
         </a:defRPr>
       </a:lvl5pPr>
-      <a:lvl6pPr marL="2514600" indent="-228600" algn="l" defTabSz="914400" rtl="0" eaLnBrk="1" latinLnBrk="0" hangingPunct="1">
-        <a:lnSpc>
-          <a:spcPct val="90000"/>
-        </a:lnSpc>
+      <a:lvl6pPr marL="3352716" indent="-304792" algn="l" defTabSz="1219170" rtl="0" eaLnBrk="1" latinLnBrk="0" hangingPunct="1">
         <a:spcBef>
-          <a:spcPts val="500"/>
+          <a:spcPct val="20000"/>
         </a:spcBef>
-        <a:buFont typeface="Arial" panose="020B0604020202020204" pitchFamily="34" charset="0"/>
+        <a:buFont typeface="Arial" pitchFamily="34" charset="0"/>
         <a:buChar char="•"/>
-        <a:defRPr sz="1800" kern="1200">
+        <a:defRPr sz="2700" kern="1200">
           <a:solidFill>
             <a:schemeClr val="tx1"/>
           </a:solidFill>
@@ -2784,16 +3043,13 @@
           <a:cs typeface="+mn-cs"/>
         </a:defRPr>
       </a:lvl6pPr>
-      <a:lvl7pPr marL="2971800" indent="-228600" algn="l" defTabSz="914400" rtl="0" eaLnBrk="1" latinLnBrk="0" hangingPunct="1">
-        <a:lnSpc>
-          <a:spcPct val="90000"/>
-        </a:lnSpc>
+      <a:lvl7pPr marL="3962301" indent="-304792" algn="l" defTabSz="1219170" rtl="0" eaLnBrk="1" latinLnBrk="0" hangingPunct="1">
         <a:spcBef>
-          <a:spcPts val="500"/>
+          <a:spcPct val="20000"/>
         </a:spcBef>
-        <a:buFont typeface="Arial" panose="020B0604020202020204" pitchFamily="34" charset="0"/>
+        <a:buFont typeface="Arial" pitchFamily="34" charset="0"/>
         <a:buChar char="•"/>
-        <a:defRPr sz="1800" kern="1200">
+        <a:defRPr sz="2700" kern="1200">
           <a:solidFill>
             <a:schemeClr val="tx1"/>
           </a:solidFill>
@@ -2802,16 +3058,13 @@
           <a:cs typeface="+mn-cs"/>
         </a:defRPr>
       </a:lvl7pPr>
-      <a:lvl8pPr marL="3429000" indent="-228600" algn="l" defTabSz="914400" rtl="0" eaLnBrk="1" latinLnBrk="0" hangingPunct="1">
-        <a:lnSpc>
-          <a:spcPct val="90000"/>
-        </a:lnSpc>
+      <a:lvl8pPr marL="4571886" indent="-304792" algn="l" defTabSz="1219170" rtl="0" eaLnBrk="1" latinLnBrk="0" hangingPunct="1">
         <a:spcBef>
-          <a:spcPts val="500"/>
+          <a:spcPct val="20000"/>
         </a:spcBef>
-        <a:buFont typeface="Arial" panose="020B0604020202020204" pitchFamily="34" charset="0"/>
+        <a:buFont typeface="Arial" pitchFamily="34" charset="0"/>
         <a:buChar char="•"/>
-        <a:defRPr sz="1800" kern="1200">
+        <a:defRPr sz="2700" kern="1200">
           <a:solidFill>
             <a:schemeClr val="tx1"/>
           </a:solidFill>
@@ -2820,16 +3073,13 @@
           <a:cs typeface="+mn-cs"/>
         </a:defRPr>
       </a:lvl8pPr>
-      <a:lvl9pPr marL="3886200" indent="-228600" algn="l" defTabSz="914400" rtl="0" eaLnBrk="1" latinLnBrk="0" hangingPunct="1">
-        <a:lnSpc>
-          <a:spcPct val="90000"/>
-        </a:lnSpc>
+      <a:lvl9pPr marL="5181470" indent="-304792" algn="l" defTabSz="1219170" rtl="0" eaLnBrk="1" latinLnBrk="0" hangingPunct="1">
         <a:spcBef>
-          <a:spcPts val="500"/>
+          <a:spcPct val="20000"/>
         </a:spcBef>
-        <a:buFont typeface="Arial" panose="020B0604020202020204" pitchFamily="34" charset="0"/>
+        <a:buFont typeface="Arial" pitchFamily="34" charset="0"/>
         <a:buChar char="•"/>
-        <a:defRPr sz="1800" kern="1200">
+        <a:defRPr sz="2700" kern="1200">
           <a:solidFill>
             <a:schemeClr val="tx1"/>
           </a:solidFill>
@@ -2843,8 +3093,8 @@
       <a:defPPr>
         <a:defRPr lang="en-US"/>
       </a:defPPr>
-      <a:lvl1pPr marL="0" algn="l" defTabSz="914400" rtl="0" eaLnBrk="1" latinLnBrk="0" hangingPunct="1">
-        <a:defRPr sz="1800" kern="1200">
+      <a:lvl1pPr marL="0" algn="l" defTabSz="1219170" rtl="0" eaLnBrk="1" latinLnBrk="0" hangingPunct="1">
+        <a:defRPr sz="2400" kern="1200">
           <a:solidFill>
             <a:schemeClr val="tx1"/>
           </a:solidFill>
@@ -2853,8 +3103,8 @@
           <a:cs typeface="+mn-cs"/>
         </a:defRPr>
       </a:lvl1pPr>
-      <a:lvl2pPr marL="457200" algn="l" defTabSz="914400" rtl="0" eaLnBrk="1" latinLnBrk="0" hangingPunct="1">
-        <a:defRPr sz="1800" kern="1200">
+      <a:lvl2pPr marL="609585" algn="l" defTabSz="1219170" rtl="0" eaLnBrk="1" latinLnBrk="0" hangingPunct="1">
+        <a:defRPr sz="2400" kern="1200">
           <a:solidFill>
             <a:schemeClr val="tx1"/>
           </a:solidFill>
@@ -2863,8 +3113,8 @@
           <a:cs typeface="+mn-cs"/>
         </a:defRPr>
       </a:lvl2pPr>
-      <a:lvl3pPr marL="914400" algn="l" defTabSz="914400" rtl="0" eaLnBrk="1" latinLnBrk="0" hangingPunct="1">
-        <a:defRPr sz="1800" kern="1200">
+      <a:lvl3pPr marL="1219170" algn="l" defTabSz="1219170" rtl="0" eaLnBrk="1" latinLnBrk="0" hangingPunct="1">
+        <a:defRPr sz="2400" kern="1200">
           <a:solidFill>
             <a:schemeClr val="tx1"/>
           </a:solidFill>
@@ -2873,8 +3123,8 @@
           <a:cs typeface="+mn-cs"/>
         </a:defRPr>
       </a:lvl3pPr>
-      <a:lvl4pPr marL="1371600" algn="l" defTabSz="914400" rtl="0" eaLnBrk="1" latinLnBrk="0" hangingPunct="1">
-        <a:defRPr sz="1800" kern="1200">
+      <a:lvl4pPr marL="1828754" algn="l" defTabSz="1219170" rtl="0" eaLnBrk="1" latinLnBrk="0" hangingPunct="1">
+        <a:defRPr sz="2400" kern="1200">
           <a:solidFill>
             <a:schemeClr val="tx1"/>
           </a:solidFill>
@@ -2883,8 +3133,8 @@
           <a:cs typeface="+mn-cs"/>
         </a:defRPr>
       </a:lvl4pPr>
-      <a:lvl5pPr marL="1828800" algn="l" defTabSz="914400" rtl="0" eaLnBrk="1" latinLnBrk="0" hangingPunct="1">
-        <a:defRPr sz="1800" kern="1200">
+      <a:lvl5pPr marL="2438339" algn="l" defTabSz="1219170" rtl="0" eaLnBrk="1" latinLnBrk="0" hangingPunct="1">
+        <a:defRPr sz="2400" kern="1200">
           <a:solidFill>
             <a:schemeClr val="tx1"/>
           </a:solidFill>
@@ -2893,8 +3143,8 @@
           <a:cs typeface="+mn-cs"/>
         </a:defRPr>
       </a:lvl5pPr>
-      <a:lvl6pPr marL="2286000" algn="l" defTabSz="914400" rtl="0" eaLnBrk="1" latinLnBrk="0" hangingPunct="1">
-        <a:defRPr sz="1800" kern="1200">
+      <a:lvl6pPr marL="3047924" algn="l" defTabSz="1219170" rtl="0" eaLnBrk="1" latinLnBrk="0" hangingPunct="1">
+        <a:defRPr sz="2400" kern="1200">
           <a:solidFill>
             <a:schemeClr val="tx1"/>
           </a:solidFill>
@@ -2903,8 +3153,8 @@
           <a:cs typeface="+mn-cs"/>
         </a:defRPr>
       </a:lvl6pPr>
-      <a:lvl7pPr marL="2743200" algn="l" defTabSz="914400" rtl="0" eaLnBrk="1" latinLnBrk="0" hangingPunct="1">
-        <a:defRPr sz="1800" kern="1200">
+      <a:lvl7pPr marL="3657509" algn="l" defTabSz="1219170" rtl="0" eaLnBrk="1" latinLnBrk="0" hangingPunct="1">
+        <a:defRPr sz="2400" kern="1200">
           <a:solidFill>
             <a:schemeClr val="tx1"/>
           </a:solidFill>
@@ -2913,8 +3163,8 @@
           <a:cs typeface="+mn-cs"/>
         </a:defRPr>
       </a:lvl7pPr>
-      <a:lvl8pPr marL="3200400" algn="l" defTabSz="914400" rtl="0" eaLnBrk="1" latinLnBrk="0" hangingPunct="1">
-        <a:defRPr sz="1800" kern="1200">
+      <a:lvl8pPr marL="4267093" algn="l" defTabSz="1219170" rtl="0" eaLnBrk="1" latinLnBrk="0" hangingPunct="1">
+        <a:defRPr sz="2400" kern="1200">
           <a:solidFill>
             <a:schemeClr val="tx1"/>
           </a:solidFill>
@@ -2923,8 +3173,8 @@
           <a:cs typeface="+mn-cs"/>
         </a:defRPr>
       </a:lvl8pPr>
-      <a:lvl9pPr marL="3657600" algn="l" defTabSz="914400" rtl="0" eaLnBrk="1" latinLnBrk="0" hangingPunct="1">
-        <a:defRPr sz="1800" kern="1200">
+      <a:lvl9pPr marL="4876678" algn="l" defTabSz="1219170" rtl="0" eaLnBrk="1" latinLnBrk="0" hangingPunct="1">
+        <a:defRPr sz="2400" kern="1200">
           <a:solidFill>
             <a:schemeClr val="tx1"/>
           </a:solidFill>
@@ -3020,1498 +3270,6 @@
 </file>
 
 <file path=ppt/slides/slide10.xml><?xml version="1.0" encoding="utf-8"?>
-<p:sld xmlns:a="http://schemas.openxmlformats.org/drawingml/2006/main" xmlns:r="http://schemas.openxmlformats.org/officeDocument/2006/relationships" xmlns:p="http://schemas.openxmlformats.org/presentationml/2006/main">
-  <p:cSld>
-    <p:spTree>
-      <p:nvGrpSpPr>
-        <p:cNvPr id="1" name=""/>
-        <p:cNvGrpSpPr/>
-        <p:nvPr/>
-      </p:nvGrpSpPr>
-      <p:grpSpPr>
-        <a:xfrm>
-          <a:off x="0" y="0"/>
-          <a:ext cx="0" cy="0"/>
-          <a:chOff x="0" y="0"/>
-          <a:chExt cx="0" cy="0"/>
-        </a:xfrm>
-      </p:grpSpPr>
-      <p:sp>
-        <p:nvSpPr>
-          <p:cNvPr id="2" name="Title 1"/>
-          <p:cNvSpPr>
-            <a:spLocks noGrp="1"/>
-          </p:cNvSpPr>
-          <p:nvPr>
-            <p:ph type="title"/>
-          </p:nvPr>
-        </p:nvSpPr>
-        <p:spPr/>
-        <p:txBody>
-          <a:bodyPr>
-            <a:normAutofit/>
-          </a:bodyPr>
-          <a:lstStyle/>
-          <a:p>
-            <a:r>
-              <a:rPr lang="en-US" dirty="0"/>
-              <a:t>Fragment</a:t>
-            </a:r>
-            <a:br>
-              <a:rPr lang="en-US" dirty="0"/>
-            </a:br>
-            <a:r>
-              <a:rPr lang="en-US" sz="2200" dirty="0">
-                <a:hlinkClick r:id="rId2"/>
-              </a:rPr>
-              <a:t>https://</a:t>
-            </a:r>
-            <a:r>
-              <a:rPr lang="en-US" sz="2200" dirty="0" smtClean="0">
-                <a:hlinkClick r:id="rId2"/>
-              </a:rPr>
-              <a:t>developer.android.com/guide/components/fragments.html</a:t>
-            </a:r>
-            <a:endParaRPr lang="en-US" dirty="0"/>
-          </a:p>
-        </p:txBody>
-      </p:sp>
-      <p:sp>
-        <p:nvSpPr>
-          <p:cNvPr id="3" name="Content Placeholder 2"/>
-          <p:cNvSpPr>
-            <a:spLocks noGrp="1"/>
-          </p:cNvSpPr>
-          <p:nvPr>
-            <p:ph idx="1"/>
-          </p:nvPr>
-        </p:nvSpPr>
-        <p:spPr/>
-        <p:txBody>
-          <a:bodyPr/>
-          <a:lstStyle/>
-          <a:p>
-            <a:r>
-              <a:rPr lang="en-US" dirty="0" smtClean="0"/>
-              <a:t>View and Layout logic</a:t>
-            </a:r>
-          </a:p>
-          <a:p>
-            <a:r>
-              <a:rPr lang="en-US" dirty="0" smtClean="0"/>
-              <a:t>Event handling (i.e. </a:t>
-            </a:r>
-            <a:r>
-              <a:rPr lang="en-US" dirty="0" err="1" smtClean="0"/>
-              <a:t>onClick</a:t>
-            </a:r>
-            <a:r>
-              <a:rPr lang="en-US" dirty="0" smtClean="0"/>
-              <a:t>())</a:t>
-            </a:r>
-          </a:p>
-          <a:p>
-            <a:r>
-              <a:rPr lang="en-US" dirty="0" smtClean="0"/>
-              <a:t>Network request </a:t>
-            </a:r>
-          </a:p>
-          <a:p>
-            <a:r>
-              <a:rPr lang="en-US" dirty="0" smtClean="0"/>
-              <a:t>Interacting with a persistence storage</a:t>
-            </a:r>
-          </a:p>
-        </p:txBody>
-      </p:sp>
-    </p:spTree>
-    <p:extLst>
-      <p:ext uri="{BB962C8B-B14F-4D97-AF65-F5344CB8AC3E}">
-        <p14:creationId xmlns:p14="http://schemas.microsoft.com/office/powerpoint/2010/main" val="1806338854"/>
-      </p:ext>
-    </p:extLst>
-  </p:cSld>
-  <p:clrMapOvr>
-    <a:masterClrMapping/>
-  </p:clrMapOvr>
-  <p:timing>
-    <p:tnLst>
-      <p:par>
-        <p:cTn id="1" dur="indefinite" restart="never" nodeType="tmRoot"/>
-      </p:par>
-    </p:tnLst>
-  </p:timing>
-</p:sld>
-</file>
-
-<file path=ppt/slides/slide11.xml><?xml version="1.0" encoding="utf-8"?>
-<p:sld xmlns:a="http://schemas.openxmlformats.org/drawingml/2006/main" xmlns:r="http://schemas.openxmlformats.org/officeDocument/2006/relationships" xmlns:p="http://schemas.openxmlformats.org/presentationml/2006/main">
-  <p:cSld>
-    <p:spTree>
-      <p:nvGrpSpPr>
-        <p:cNvPr id="1" name=""/>
-        <p:cNvGrpSpPr/>
-        <p:nvPr/>
-      </p:nvGrpSpPr>
-      <p:grpSpPr>
-        <a:xfrm>
-          <a:off x="0" y="0"/>
-          <a:ext cx="0" cy="0"/>
-          <a:chOff x="0" y="0"/>
-          <a:chExt cx="0" cy="0"/>
-        </a:xfrm>
-      </p:grpSpPr>
-      <p:sp>
-        <p:nvSpPr>
-          <p:cNvPr id="2" name="Title 1"/>
-          <p:cNvSpPr>
-            <a:spLocks noGrp="1"/>
-          </p:cNvSpPr>
-          <p:nvPr>
-            <p:ph type="title"/>
-          </p:nvPr>
-        </p:nvSpPr>
-        <p:spPr/>
-        <p:txBody>
-          <a:bodyPr/>
-          <a:lstStyle/>
-          <a:p>
-            <a:endParaRPr lang="en-US"/>
-          </a:p>
-        </p:txBody>
-      </p:sp>
-      <p:sp>
-        <p:nvSpPr>
-          <p:cNvPr id="3" name="Content Placeholder 2"/>
-          <p:cNvSpPr>
-            <a:spLocks noGrp="1"/>
-          </p:cNvSpPr>
-          <p:nvPr>
-            <p:ph idx="1"/>
-          </p:nvPr>
-        </p:nvSpPr>
-        <p:spPr/>
-        <p:txBody>
-          <a:bodyPr>
-            <a:normAutofit/>
-          </a:bodyPr>
-          <a:lstStyle/>
-          <a:p>
-            <a:pPr marL="0" indent="0" algn="ctr">
-              <a:buNone/>
-            </a:pPr>
-            <a:endParaRPr lang="en-US" sz="6600" dirty="0" smtClean="0"/>
-          </a:p>
-          <a:p>
-            <a:pPr marL="0" indent="0" algn="ctr">
-              <a:buNone/>
-            </a:pPr>
-            <a:r>
-              <a:rPr lang="en-US" sz="6600" dirty="0" smtClean="0"/>
-              <a:t>Detail Level </a:t>
-            </a:r>
-            <a:endParaRPr lang="en-US" sz="6600" dirty="0"/>
-          </a:p>
-        </p:txBody>
-      </p:sp>
-    </p:spTree>
-    <p:extLst>
-      <p:ext uri="{BB962C8B-B14F-4D97-AF65-F5344CB8AC3E}">
-        <p14:creationId xmlns:p14="http://schemas.microsoft.com/office/powerpoint/2010/main" val="431746998"/>
-      </p:ext>
-    </p:extLst>
-  </p:cSld>
-  <p:clrMapOvr>
-    <a:masterClrMapping/>
-  </p:clrMapOvr>
-  <p:timing>
-    <p:tnLst>
-      <p:par>
-        <p:cTn id="1" dur="indefinite" restart="never" nodeType="tmRoot"/>
-      </p:par>
-    </p:tnLst>
-  </p:timing>
-</p:sld>
-</file>
-
-<file path=ppt/slides/slide12.xml><?xml version="1.0" encoding="utf-8"?>
-<p:sld xmlns:a="http://schemas.openxmlformats.org/drawingml/2006/main" xmlns:r="http://schemas.openxmlformats.org/officeDocument/2006/relationships" xmlns:p="http://schemas.openxmlformats.org/presentationml/2006/main">
-  <p:cSld>
-    <p:spTree>
-      <p:nvGrpSpPr>
-        <p:cNvPr id="1" name=""/>
-        <p:cNvGrpSpPr/>
-        <p:nvPr/>
-      </p:nvGrpSpPr>
-      <p:grpSpPr>
-        <a:xfrm>
-          <a:off x="0" y="0"/>
-          <a:ext cx="0" cy="0"/>
-          <a:chOff x="0" y="0"/>
-          <a:chExt cx="0" cy="0"/>
-        </a:xfrm>
-      </p:grpSpPr>
-      <p:sp>
-        <p:nvSpPr>
-          <p:cNvPr id="2" name="Title 1"/>
-          <p:cNvSpPr>
-            <a:spLocks noGrp="1"/>
-          </p:cNvSpPr>
-          <p:nvPr>
-            <p:ph type="title"/>
-          </p:nvPr>
-        </p:nvSpPr>
-        <p:spPr/>
-        <p:txBody>
-          <a:bodyPr/>
-          <a:lstStyle/>
-          <a:p>
-            <a:r>
-              <a:rPr lang="en-US" dirty="0" smtClean="0"/>
-              <a:t>Activity Lifecycle</a:t>
-            </a:r>
-            <a:endParaRPr lang="en-US" dirty="0"/>
-          </a:p>
-        </p:txBody>
-      </p:sp>
-      <p:sp>
-        <p:nvSpPr>
-          <p:cNvPr id="3" name="Content Placeholder 2"/>
-          <p:cNvSpPr>
-            <a:spLocks noGrp="1"/>
-          </p:cNvSpPr>
-          <p:nvPr>
-            <p:ph idx="1"/>
-          </p:nvPr>
-        </p:nvSpPr>
-        <p:spPr/>
-        <p:txBody>
-          <a:bodyPr/>
-          <a:lstStyle/>
-          <a:p>
-            <a:endParaRPr lang="en-US"/>
-          </a:p>
-        </p:txBody>
-      </p:sp>
-    </p:spTree>
-    <p:extLst>
-      <p:ext uri="{BB962C8B-B14F-4D97-AF65-F5344CB8AC3E}">
-        <p14:creationId xmlns:p14="http://schemas.microsoft.com/office/powerpoint/2010/main" val="4060041946"/>
-      </p:ext>
-    </p:extLst>
-  </p:cSld>
-  <p:clrMapOvr>
-    <a:masterClrMapping/>
-  </p:clrMapOvr>
-  <p:timing>
-    <p:tnLst>
-      <p:par>
-        <p:cTn id="1" dur="indefinite" restart="never" nodeType="tmRoot"/>
-      </p:par>
-    </p:tnLst>
-  </p:timing>
-</p:sld>
-</file>
-
-<file path=ppt/slides/slide13.xml><?xml version="1.0" encoding="utf-8"?>
-<p:sld xmlns:a="http://schemas.openxmlformats.org/drawingml/2006/main" xmlns:r="http://schemas.openxmlformats.org/officeDocument/2006/relationships" xmlns:p="http://schemas.openxmlformats.org/presentationml/2006/main">
-  <p:cSld>
-    <p:spTree>
-      <p:nvGrpSpPr>
-        <p:cNvPr id="1" name=""/>
-        <p:cNvGrpSpPr/>
-        <p:nvPr/>
-      </p:nvGrpSpPr>
-      <p:grpSpPr>
-        <a:xfrm>
-          <a:off x="0" y="0"/>
-          <a:ext cx="0" cy="0"/>
-          <a:chOff x="0" y="0"/>
-          <a:chExt cx="0" cy="0"/>
-        </a:xfrm>
-      </p:grpSpPr>
-      <p:sp>
-        <p:nvSpPr>
-          <p:cNvPr id="2" name="Title 1"/>
-          <p:cNvSpPr>
-            <a:spLocks noGrp="1"/>
-          </p:cNvSpPr>
-          <p:nvPr>
-            <p:ph type="title"/>
-          </p:nvPr>
-        </p:nvSpPr>
-        <p:spPr/>
-        <p:txBody>
-          <a:bodyPr/>
-          <a:lstStyle/>
-          <a:p>
-            <a:r>
-              <a:rPr lang="en-US" dirty="0" err="1" smtClean="0"/>
-              <a:t>Github</a:t>
-            </a:r>
-            <a:endParaRPr lang="en-US" dirty="0"/>
-          </a:p>
-        </p:txBody>
-      </p:sp>
-      <p:sp>
-        <p:nvSpPr>
-          <p:cNvPr id="3" name="Content Placeholder 2"/>
-          <p:cNvSpPr>
-            <a:spLocks noGrp="1"/>
-          </p:cNvSpPr>
-          <p:nvPr>
-            <p:ph idx="1"/>
-          </p:nvPr>
-        </p:nvSpPr>
-        <p:spPr/>
-        <p:txBody>
-          <a:bodyPr/>
-          <a:lstStyle/>
-          <a:p>
-            <a:endParaRPr lang="en-US"/>
-          </a:p>
-        </p:txBody>
-      </p:sp>
-    </p:spTree>
-    <p:extLst>
-      <p:ext uri="{BB962C8B-B14F-4D97-AF65-F5344CB8AC3E}">
-        <p14:creationId xmlns:p14="http://schemas.microsoft.com/office/powerpoint/2010/main" val="719851520"/>
-      </p:ext>
-    </p:extLst>
-  </p:cSld>
-  <p:clrMapOvr>
-    <a:masterClrMapping/>
-  </p:clrMapOvr>
-  <p:timing>
-    <p:tnLst>
-      <p:par>
-        <p:cTn id="1" dur="indefinite" restart="never" nodeType="tmRoot"/>
-      </p:par>
-    </p:tnLst>
-  </p:timing>
-</p:sld>
-</file>
-
-<file path=ppt/slides/slide2.xml><?xml version="1.0" encoding="utf-8"?>
-<p:sld xmlns:a="http://schemas.openxmlformats.org/drawingml/2006/main" xmlns:r="http://schemas.openxmlformats.org/officeDocument/2006/relationships" xmlns:p="http://schemas.openxmlformats.org/presentationml/2006/main">
-  <p:cSld>
-    <p:spTree>
-      <p:nvGrpSpPr>
-        <p:cNvPr id="1" name=""/>
-        <p:cNvGrpSpPr/>
-        <p:nvPr/>
-      </p:nvGrpSpPr>
-      <p:grpSpPr>
-        <a:xfrm>
-          <a:off x="0" y="0"/>
-          <a:ext cx="0" cy="0"/>
-          <a:chOff x="0" y="0"/>
-          <a:chExt cx="0" cy="0"/>
-        </a:xfrm>
-      </p:grpSpPr>
-      <p:sp>
-        <p:nvSpPr>
-          <p:cNvPr id="2" name="Title 1"/>
-          <p:cNvSpPr>
-            <a:spLocks noGrp="1"/>
-          </p:cNvSpPr>
-          <p:nvPr>
-            <p:ph type="title"/>
-          </p:nvPr>
-        </p:nvSpPr>
-        <p:spPr/>
-        <p:txBody>
-          <a:bodyPr/>
-          <a:lstStyle/>
-          <a:p>
-            <a:r>
-              <a:rPr lang="en-US" dirty="0" smtClean="0"/>
-              <a:t>Goals</a:t>
-            </a:r>
-            <a:endParaRPr lang="en-US" dirty="0"/>
-          </a:p>
-        </p:txBody>
-      </p:sp>
-      <p:sp>
-        <p:nvSpPr>
-          <p:cNvPr id="3" name="Content Placeholder 2"/>
-          <p:cNvSpPr>
-            <a:spLocks noGrp="1"/>
-          </p:cNvSpPr>
-          <p:nvPr>
-            <p:ph idx="1"/>
-          </p:nvPr>
-        </p:nvSpPr>
-        <p:spPr/>
-        <p:txBody>
-          <a:bodyPr/>
-          <a:lstStyle/>
-          <a:p>
-            <a:r>
-              <a:rPr lang="en-US" dirty="0" smtClean="0"/>
-              <a:t>Develop a </a:t>
-            </a:r>
-            <a:r>
-              <a:rPr lang="en-US" dirty="0" err="1" smtClean="0"/>
-              <a:t>BlueSkies</a:t>
-            </a:r>
-            <a:r>
-              <a:rPr lang="en-US" dirty="0" smtClean="0"/>
-              <a:t> App</a:t>
-            </a:r>
-            <a:endParaRPr lang="en-US" dirty="0"/>
-          </a:p>
-        </p:txBody>
-      </p:sp>
-    </p:spTree>
-    <p:extLst>
-      <p:ext uri="{BB962C8B-B14F-4D97-AF65-F5344CB8AC3E}">
-        <p14:creationId xmlns:p14="http://schemas.microsoft.com/office/powerpoint/2010/main" val="1850275397"/>
-      </p:ext>
-    </p:extLst>
-  </p:cSld>
-  <p:clrMapOvr>
-    <a:masterClrMapping/>
-  </p:clrMapOvr>
-  <p:timing>
-    <p:tnLst>
-      <p:par>
-        <p:cTn id="1" dur="indefinite" restart="never" nodeType="tmRoot"/>
-      </p:par>
-    </p:tnLst>
-  </p:timing>
-</p:sld>
-</file>
-
-<file path=ppt/slides/slide3.xml><?xml version="1.0" encoding="utf-8"?>
-<p:sld xmlns:a="http://schemas.openxmlformats.org/drawingml/2006/main" xmlns:r="http://schemas.openxmlformats.org/officeDocument/2006/relationships" xmlns:p="http://schemas.openxmlformats.org/presentationml/2006/main">
-  <p:cSld>
-    <p:spTree>
-      <p:nvGrpSpPr>
-        <p:cNvPr id="1" name=""/>
-        <p:cNvGrpSpPr/>
-        <p:nvPr/>
-      </p:nvGrpSpPr>
-      <p:grpSpPr>
-        <a:xfrm>
-          <a:off x="0" y="0"/>
-          <a:ext cx="0" cy="0"/>
-          <a:chOff x="0" y="0"/>
-          <a:chExt cx="0" cy="0"/>
-        </a:xfrm>
-      </p:grpSpPr>
-      <p:sp>
-        <p:nvSpPr>
-          <p:cNvPr id="2" name="Title 1"/>
-          <p:cNvSpPr>
-            <a:spLocks noGrp="1"/>
-          </p:cNvSpPr>
-          <p:nvPr>
-            <p:ph type="title"/>
-          </p:nvPr>
-        </p:nvSpPr>
-        <p:spPr/>
-        <p:txBody>
-          <a:bodyPr/>
-          <a:lstStyle/>
-          <a:p>
-            <a:r>
-              <a:rPr lang="en-US" dirty="0" smtClean="0"/>
-              <a:t>Agenda</a:t>
-            </a:r>
-            <a:endParaRPr lang="en-US" dirty="0"/>
-          </a:p>
-        </p:txBody>
-      </p:sp>
-      <p:sp>
-        <p:nvSpPr>
-          <p:cNvPr id="3" name="Content Placeholder 2"/>
-          <p:cNvSpPr>
-            <a:spLocks noGrp="1"/>
-          </p:cNvSpPr>
-          <p:nvPr>
-            <p:ph idx="1"/>
-          </p:nvPr>
-        </p:nvSpPr>
-        <p:spPr/>
-        <p:txBody>
-          <a:bodyPr>
-            <a:normAutofit/>
-          </a:bodyPr>
-          <a:lstStyle/>
-          <a:p>
-            <a:r>
-              <a:rPr lang="en-US" dirty="0" smtClean="0"/>
-              <a:t>High Level </a:t>
-            </a:r>
-          </a:p>
-          <a:p>
-            <a:pPr lvl="1"/>
-            <a:r>
-              <a:rPr lang="en-US" dirty="0" smtClean="0"/>
-              <a:t>Android Studio </a:t>
-            </a:r>
-          </a:p>
-          <a:p>
-            <a:pPr lvl="2"/>
-            <a:r>
-              <a:rPr lang="en-US" dirty="0" smtClean="0"/>
-              <a:t>Overview</a:t>
-            </a:r>
-          </a:p>
-          <a:p>
-            <a:pPr lvl="1"/>
-            <a:r>
-              <a:rPr lang="en-US" dirty="0" smtClean="0"/>
-              <a:t>Activity </a:t>
-            </a:r>
-          </a:p>
-          <a:p>
-            <a:pPr lvl="2"/>
-            <a:r>
-              <a:rPr lang="en-US" dirty="0" smtClean="0"/>
-              <a:t>Responsibility </a:t>
-            </a:r>
-          </a:p>
-          <a:p>
-            <a:pPr lvl="2"/>
-            <a:r>
-              <a:rPr lang="en-US" dirty="0" smtClean="0"/>
-              <a:t>Caveats</a:t>
-            </a:r>
-          </a:p>
-          <a:p>
-            <a:pPr lvl="1"/>
-            <a:r>
-              <a:rPr lang="en-US" dirty="0" smtClean="0"/>
-              <a:t>Fragment</a:t>
-            </a:r>
-          </a:p>
-          <a:p>
-            <a:pPr lvl="2"/>
-            <a:r>
-              <a:rPr lang="en-US" dirty="0" smtClean="0"/>
-              <a:t>Responsibility </a:t>
-            </a:r>
-          </a:p>
-          <a:p>
-            <a:pPr lvl="2"/>
-            <a:r>
-              <a:rPr lang="en-US" dirty="0" smtClean="0"/>
-              <a:t>Caveats</a:t>
-            </a:r>
-          </a:p>
-          <a:p>
-            <a:pPr lvl="2"/>
-            <a:endParaRPr lang="en-US" dirty="0" smtClean="0"/>
-          </a:p>
-          <a:p>
-            <a:pPr lvl="2"/>
-            <a:endParaRPr lang="en-US" dirty="0" smtClean="0"/>
-          </a:p>
-        </p:txBody>
-      </p:sp>
-    </p:spTree>
-    <p:extLst>
-      <p:ext uri="{BB962C8B-B14F-4D97-AF65-F5344CB8AC3E}">
-        <p14:creationId xmlns:p14="http://schemas.microsoft.com/office/powerpoint/2010/main" val="1370593822"/>
-      </p:ext>
-    </p:extLst>
-  </p:cSld>
-  <p:clrMapOvr>
-    <a:masterClrMapping/>
-  </p:clrMapOvr>
-  <p:timing>
-    <p:tnLst>
-      <p:par>
-        <p:cTn id="1" dur="indefinite" restart="never" nodeType="tmRoot"/>
-      </p:par>
-    </p:tnLst>
-  </p:timing>
-</p:sld>
-</file>
-
-<file path=ppt/slides/slide4.xml><?xml version="1.0" encoding="utf-8"?>
-<p:sld xmlns:a="http://schemas.openxmlformats.org/drawingml/2006/main" xmlns:r="http://schemas.openxmlformats.org/officeDocument/2006/relationships" xmlns:p="http://schemas.openxmlformats.org/presentationml/2006/main">
-  <p:cSld>
-    <p:spTree>
-      <p:nvGrpSpPr>
-        <p:cNvPr id="1" name=""/>
-        <p:cNvGrpSpPr/>
-        <p:nvPr/>
-      </p:nvGrpSpPr>
-      <p:grpSpPr>
-        <a:xfrm>
-          <a:off x="0" y="0"/>
-          <a:ext cx="0" cy="0"/>
-          <a:chOff x="0" y="0"/>
-          <a:chExt cx="0" cy="0"/>
-        </a:xfrm>
-      </p:grpSpPr>
-      <p:sp>
-        <p:nvSpPr>
-          <p:cNvPr id="2" name="Title 1"/>
-          <p:cNvSpPr>
-            <a:spLocks noGrp="1"/>
-          </p:cNvSpPr>
-          <p:nvPr>
-            <p:ph type="title"/>
-          </p:nvPr>
-        </p:nvSpPr>
-        <p:spPr/>
-        <p:txBody>
-          <a:bodyPr/>
-          <a:lstStyle/>
-          <a:p>
-            <a:r>
-              <a:rPr lang="en-US" dirty="0" smtClean="0"/>
-              <a:t>Agenda (</a:t>
-            </a:r>
-            <a:r>
-              <a:rPr lang="en-US" dirty="0" err="1" smtClean="0"/>
-              <a:t>cont</a:t>
-            </a:r>
-            <a:r>
-              <a:rPr lang="en-US" dirty="0" smtClean="0"/>
-              <a:t>)</a:t>
-            </a:r>
-            <a:endParaRPr lang="en-US" dirty="0"/>
-          </a:p>
-        </p:txBody>
-      </p:sp>
-      <p:sp>
-        <p:nvSpPr>
-          <p:cNvPr id="3" name="Content Placeholder 2"/>
-          <p:cNvSpPr>
-            <a:spLocks noGrp="1"/>
-          </p:cNvSpPr>
-          <p:nvPr>
-            <p:ph idx="1"/>
-          </p:nvPr>
-        </p:nvSpPr>
-        <p:spPr/>
-        <p:txBody>
-          <a:bodyPr>
-            <a:normAutofit fontScale="92500" lnSpcReduction="10000"/>
-          </a:bodyPr>
-          <a:lstStyle/>
-          <a:p>
-            <a:r>
-              <a:rPr lang="en-US" dirty="0"/>
-              <a:t>Detail  Level</a:t>
-            </a:r>
-          </a:p>
-          <a:p>
-            <a:pPr lvl="1"/>
-            <a:r>
-              <a:rPr lang="en-US" dirty="0"/>
-              <a:t>Activity </a:t>
-            </a:r>
-          </a:p>
-          <a:p>
-            <a:pPr lvl="2"/>
-            <a:r>
-              <a:rPr lang="en-US" dirty="0" smtClean="0"/>
-              <a:t>Lifecycle</a:t>
-            </a:r>
-          </a:p>
-          <a:p>
-            <a:pPr lvl="2"/>
-            <a:r>
-              <a:rPr lang="en-US" dirty="0" smtClean="0"/>
-              <a:t>Coding Activity</a:t>
-            </a:r>
-            <a:endParaRPr lang="en-US" dirty="0"/>
-          </a:p>
-          <a:p>
-            <a:pPr lvl="2"/>
-            <a:r>
-              <a:rPr lang="en-US" dirty="0"/>
-              <a:t>Manifest.xml</a:t>
-            </a:r>
-          </a:p>
-          <a:p>
-            <a:pPr lvl="2"/>
-            <a:r>
-              <a:rPr lang="en-US" dirty="0"/>
-              <a:t>XML </a:t>
-            </a:r>
-            <a:r>
-              <a:rPr lang="en-US" dirty="0" smtClean="0"/>
-              <a:t>layout</a:t>
-            </a:r>
-          </a:p>
-          <a:p>
-            <a:pPr lvl="2"/>
-            <a:r>
-              <a:rPr lang="en-US" dirty="0" smtClean="0"/>
-              <a:t>Activity to Activity communication</a:t>
-            </a:r>
-            <a:endParaRPr lang="en-US" dirty="0"/>
-          </a:p>
-          <a:p>
-            <a:pPr lvl="1"/>
-            <a:r>
-              <a:rPr lang="en-US" dirty="0"/>
-              <a:t>Fragment</a:t>
-            </a:r>
-          </a:p>
-          <a:p>
-            <a:pPr lvl="2"/>
-            <a:r>
-              <a:rPr lang="en-US" dirty="0" smtClean="0"/>
-              <a:t>Lifecycle</a:t>
-            </a:r>
-          </a:p>
-          <a:p>
-            <a:pPr lvl="2"/>
-            <a:r>
-              <a:rPr lang="en-US" dirty="0" smtClean="0"/>
-              <a:t>Coding Fragment</a:t>
-            </a:r>
-            <a:endParaRPr lang="en-US" dirty="0"/>
-          </a:p>
-          <a:p>
-            <a:pPr lvl="2"/>
-            <a:r>
-              <a:rPr lang="en-US" dirty="0"/>
-              <a:t>Fragment to Activity communication</a:t>
-            </a:r>
-          </a:p>
-          <a:p>
-            <a:pPr lvl="2"/>
-            <a:r>
-              <a:rPr lang="en-US" dirty="0"/>
-              <a:t>Activity to Fragment </a:t>
-            </a:r>
-            <a:r>
-              <a:rPr lang="en-US" dirty="0" smtClean="0"/>
-              <a:t>communication</a:t>
-            </a:r>
-          </a:p>
-          <a:p>
-            <a:pPr lvl="2"/>
-            <a:r>
-              <a:rPr lang="en-US" dirty="0" smtClean="0"/>
-              <a:t>XML Layout</a:t>
-            </a:r>
-          </a:p>
-          <a:p>
-            <a:pPr lvl="2"/>
-            <a:r>
-              <a:rPr lang="en-US" dirty="0" smtClean="0"/>
-              <a:t>Attaching Fragment to Activity </a:t>
-            </a:r>
-            <a:endParaRPr lang="en-US" dirty="0"/>
-          </a:p>
-          <a:p>
-            <a:pPr marL="0" indent="0">
-              <a:buNone/>
-            </a:pPr>
-            <a:endParaRPr lang="en-US" dirty="0"/>
-          </a:p>
-        </p:txBody>
-      </p:sp>
-    </p:spTree>
-    <p:extLst>
-      <p:ext uri="{BB962C8B-B14F-4D97-AF65-F5344CB8AC3E}">
-        <p14:creationId xmlns:p14="http://schemas.microsoft.com/office/powerpoint/2010/main" val="2743571541"/>
-      </p:ext>
-    </p:extLst>
-  </p:cSld>
-  <p:clrMapOvr>
-    <a:masterClrMapping/>
-  </p:clrMapOvr>
-  <p:timing>
-    <p:tnLst>
-      <p:par>
-        <p:cTn id="1" dur="indefinite" restart="never" nodeType="tmRoot"/>
-      </p:par>
-    </p:tnLst>
-  </p:timing>
-</p:sld>
-</file>
-
-<file path=ppt/slides/slide5.xml><?xml version="1.0" encoding="utf-8"?>
-<p:sld xmlns:a="http://schemas.openxmlformats.org/drawingml/2006/main" xmlns:r="http://schemas.openxmlformats.org/officeDocument/2006/relationships" xmlns:p="http://schemas.openxmlformats.org/presentationml/2006/main">
-  <p:cSld>
-    <p:spTree>
-      <p:nvGrpSpPr>
-        <p:cNvPr id="1" name=""/>
-        <p:cNvGrpSpPr/>
-        <p:nvPr/>
-      </p:nvGrpSpPr>
-      <p:grpSpPr>
-        <a:xfrm>
-          <a:off x="0" y="0"/>
-          <a:ext cx="0" cy="0"/>
-          <a:chOff x="0" y="0"/>
-          <a:chExt cx="0" cy="0"/>
-        </a:xfrm>
-      </p:grpSpPr>
-      <p:sp>
-        <p:nvSpPr>
-          <p:cNvPr id="2" name="Title 1"/>
-          <p:cNvSpPr>
-            <a:spLocks noGrp="1"/>
-          </p:cNvSpPr>
-          <p:nvPr>
-            <p:ph type="title"/>
-          </p:nvPr>
-        </p:nvSpPr>
-        <p:spPr/>
-        <p:txBody>
-          <a:bodyPr/>
-          <a:lstStyle/>
-          <a:p>
-            <a:endParaRPr lang="en-US" dirty="0"/>
-          </a:p>
-        </p:txBody>
-      </p:sp>
-      <p:sp>
-        <p:nvSpPr>
-          <p:cNvPr id="3" name="Content Placeholder 2"/>
-          <p:cNvSpPr>
-            <a:spLocks noGrp="1"/>
-          </p:cNvSpPr>
-          <p:nvPr>
-            <p:ph idx="1"/>
-          </p:nvPr>
-        </p:nvSpPr>
-        <p:spPr/>
-        <p:txBody>
-          <a:bodyPr/>
-          <a:lstStyle/>
-          <a:p>
-            <a:pPr marL="0" indent="0" algn="ctr">
-              <a:buNone/>
-            </a:pPr>
-            <a:endParaRPr lang="en-US" dirty="0" smtClean="0"/>
-          </a:p>
-          <a:p>
-            <a:pPr marL="0" indent="0" algn="ctr">
-              <a:buNone/>
-            </a:pPr>
-            <a:endParaRPr lang="en-US" dirty="0"/>
-          </a:p>
-          <a:p>
-            <a:pPr marL="0" indent="0" algn="ctr">
-              <a:buNone/>
-            </a:pPr>
-            <a:r>
-              <a:rPr lang="en-US" sz="6600" dirty="0" smtClean="0"/>
-              <a:t>High Level </a:t>
-            </a:r>
-          </a:p>
-          <a:p>
-            <a:pPr marL="0" indent="0" algn="ctr">
-              <a:buNone/>
-            </a:pPr>
-            <a:endParaRPr lang="en-US" sz="6600" dirty="0"/>
-          </a:p>
-        </p:txBody>
-      </p:sp>
-    </p:spTree>
-    <p:extLst>
-      <p:ext uri="{BB962C8B-B14F-4D97-AF65-F5344CB8AC3E}">
-        <p14:creationId xmlns:p14="http://schemas.microsoft.com/office/powerpoint/2010/main" val="941986389"/>
-      </p:ext>
-    </p:extLst>
-  </p:cSld>
-  <p:clrMapOvr>
-    <a:masterClrMapping/>
-  </p:clrMapOvr>
-  <p:timing>
-    <p:tnLst>
-      <p:par>
-        <p:cTn id="1" dur="indefinite" restart="never" nodeType="tmRoot"/>
-      </p:par>
-    </p:tnLst>
-  </p:timing>
-</p:sld>
-</file>
-
-<file path=ppt/slides/slide6.xml><?xml version="1.0" encoding="utf-8"?>
-<p:sld xmlns:a="http://schemas.openxmlformats.org/drawingml/2006/main" xmlns:r="http://schemas.openxmlformats.org/officeDocument/2006/relationships" xmlns:p="http://schemas.openxmlformats.org/presentationml/2006/main">
-  <p:cSld>
-    <p:spTree>
-      <p:nvGrpSpPr>
-        <p:cNvPr id="1" name=""/>
-        <p:cNvGrpSpPr/>
-        <p:nvPr/>
-      </p:nvGrpSpPr>
-      <p:grpSpPr>
-        <a:xfrm>
-          <a:off x="0" y="0"/>
-          <a:ext cx="0" cy="0"/>
-          <a:chOff x="0" y="0"/>
-          <a:chExt cx="0" cy="0"/>
-        </a:xfrm>
-      </p:grpSpPr>
-      <p:sp>
-        <p:nvSpPr>
-          <p:cNvPr id="2" name="Title 1"/>
-          <p:cNvSpPr>
-            <a:spLocks noGrp="1"/>
-          </p:cNvSpPr>
-          <p:nvPr>
-            <p:ph type="title"/>
-          </p:nvPr>
-        </p:nvSpPr>
-        <p:spPr/>
-        <p:txBody>
-          <a:bodyPr/>
-          <a:lstStyle/>
-          <a:p>
-            <a:r>
-              <a:rPr lang="en-US" dirty="0"/>
-              <a:t>Android Studio </a:t>
-            </a:r>
-          </a:p>
-        </p:txBody>
-      </p:sp>
-      <p:sp>
-        <p:nvSpPr>
-          <p:cNvPr id="3" name="Content Placeholder 2"/>
-          <p:cNvSpPr>
-            <a:spLocks noGrp="1"/>
-          </p:cNvSpPr>
-          <p:nvPr>
-            <p:ph idx="1"/>
-          </p:nvPr>
-        </p:nvSpPr>
-        <p:spPr/>
-        <p:txBody>
-          <a:bodyPr>
-            <a:normAutofit lnSpcReduction="10000"/>
-          </a:bodyPr>
-          <a:lstStyle/>
-          <a:p>
-            <a:r>
-              <a:rPr lang="en-US" dirty="0"/>
-              <a:t>De facto standard for Android development </a:t>
-            </a:r>
-            <a:endParaRPr lang="en-US" dirty="0" smtClean="0"/>
-          </a:p>
-          <a:p>
-            <a:r>
-              <a:rPr lang="en-US" dirty="0" smtClean="0"/>
-              <a:t>Built </a:t>
-            </a:r>
-            <a:r>
-              <a:rPr lang="en-US" dirty="0"/>
-              <a:t>on the </a:t>
-            </a:r>
-            <a:r>
-              <a:rPr lang="en-US" dirty="0" smtClean="0"/>
-              <a:t>IntelliJ</a:t>
-            </a:r>
-            <a:endParaRPr lang="en-US" dirty="0"/>
-          </a:p>
-          <a:p>
-            <a:r>
-              <a:rPr lang="en-US" dirty="0" smtClean="0"/>
-              <a:t>Some </a:t>
-            </a:r>
-            <a:r>
-              <a:rPr lang="en-US" dirty="0"/>
-              <a:t>features</a:t>
-            </a:r>
-          </a:p>
-          <a:p>
-            <a:pPr lvl="1"/>
-            <a:r>
-              <a:rPr lang="en-US" dirty="0" smtClean="0"/>
-              <a:t>Layout </a:t>
-            </a:r>
-            <a:r>
-              <a:rPr lang="en-US" dirty="0"/>
-              <a:t>Editor</a:t>
-            </a:r>
-          </a:p>
-          <a:p>
-            <a:pPr lvl="1"/>
-            <a:r>
-              <a:rPr lang="en-US" dirty="0"/>
-              <a:t>Built in emulator </a:t>
-            </a:r>
-          </a:p>
-          <a:p>
-            <a:pPr lvl="1"/>
-            <a:r>
-              <a:rPr lang="en-US" dirty="0" err="1"/>
-              <a:t>Gradle</a:t>
-            </a:r>
-            <a:r>
-              <a:rPr lang="en-US" dirty="0"/>
-              <a:t> </a:t>
-            </a:r>
-            <a:r>
-              <a:rPr lang="en-US" dirty="0" smtClean="0"/>
-              <a:t>integration</a:t>
-            </a:r>
-          </a:p>
-          <a:p>
-            <a:pPr lvl="1"/>
-            <a:r>
-              <a:rPr lang="en-US" dirty="0" smtClean="0"/>
-              <a:t>Instant </a:t>
-            </a:r>
-            <a:r>
-              <a:rPr lang="en-US" dirty="0"/>
-              <a:t>Run (Hot swap)</a:t>
-            </a:r>
-          </a:p>
-          <a:p>
-            <a:pPr lvl="1"/>
-            <a:endParaRPr lang="en-US" dirty="0"/>
-          </a:p>
-          <a:p>
-            <a:pPr lvl="1"/>
-            <a:endParaRPr lang="en-US" dirty="0"/>
-          </a:p>
-          <a:p>
-            <a:pPr lvl="1"/>
-            <a:endParaRPr lang="en-US" dirty="0"/>
-          </a:p>
-          <a:p>
-            <a:pPr marL="457200" lvl="1" indent="0" algn="ctr">
-              <a:buNone/>
-            </a:pPr>
-            <a:r>
-              <a:rPr lang="en-US" dirty="0">
-                <a:hlinkClick r:id="rId2"/>
-              </a:rPr>
-              <a:t>https://developer.android.com/studio/index.html</a:t>
-            </a:r>
-            <a:endParaRPr lang="en-US" dirty="0"/>
-          </a:p>
-          <a:p>
-            <a:pPr lvl="1"/>
-            <a:endParaRPr lang="en-US" dirty="0"/>
-          </a:p>
-          <a:p>
-            <a:endParaRPr lang="en-US" dirty="0"/>
-          </a:p>
-        </p:txBody>
-      </p:sp>
-      <p:pic>
-        <p:nvPicPr>
-          <p:cNvPr id="6" name="Picture 5"/>
-          <p:cNvPicPr>
-            <a:picLocks noChangeAspect="1"/>
-          </p:cNvPicPr>
-          <p:nvPr/>
-        </p:nvPicPr>
-        <p:blipFill>
-          <a:blip r:embed="rId3"/>
-          <a:stretch>
-            <a:fillRect/>
-          </a:stretch>
-        </p:blipFill>
-        <p:spPr>
-          <a:xfrm>
-            <a:off x="4913797" y="2306355"/>
-            <a:ext cx="5404663" cy="2927526"/>
-          </a:xfrm>
-          <a:prstGeom prst="rect">
-            <a:avLst/>
-          </a:prstGeom>
-        </p:spPr>
-      </p:pic>
-    </p:spTree>
-    <p:extLst>
-      <p:ext uri="{BB962C8B-B14F-4D97-AF65-F5344CB8AC3E}">
-        <p14:creationId xmlns:p14="http://schemas.microsoft.com/office/powerpoint/2010/main" val="948240705"/>
-      </p:ext>
-    </p:extLst>
-  </p:cSld>
-  <p:clrMapOvr>
-    <a:masterClrMapping/>
-  </p:clrMapOvr>
-  <p:timing>
-    <p:tnLst>
-      <p:par>
-        <p:cTn id="1" dur="indefinite" restart="never" nodeType="tmRoot"/>
-      </p:par>
-    </p:tnLst>
-  </p:timing>
-</p:sld>
-</file>
-
-<file path=ppt/slides/slide7.xml><?xml version="1.0" encoding="utf-8"?>
-<p:sld xmlns:a="http://schemas.openxmlformats.org/drawingml/2006/main" xmlns:r="http://schemas.openxmlformats.org/officeDocument/2006/relationships" xmlns:p="http://schemas.openxmlformats.org/presentationml/2006/main">
-  <p:cSld>
-    <p:spTree>
-      <p:nvGrpSpPr>
-        <p:cNvPr id="1" name=""/>
-        <p:cNvGrpSpPr/>
-        <p:nvPr/>
-      </p:nvGrpSpPr>
-      <p:grpSpPr>
-        <a:xfrm>
-          <a:off x="0" y="0"/>
-          <a:ext cx="0" cy="0"/>
-          <a:chOff x="0" y="0"/>
-          <a:chExt cx="0" cy="0"/>
-        </a:xfrm>
-      </p:grpSpPr>
-      <p:sp>
-        <p:nvSpPr>
-          <p:cNvPr id="2" name="Title 1"/>
-          <p:cNvSpPr>
-            <a:spLocks noGrp="1"/>
-          </p:cNvSpPr>
-          <p:nvPr>
-            <p:ph type="title"/>
-          </p:nvPr>
-        </p:nvSpPr>
-        <p:spPr/>
-        <p:txBody>
-          <a:bodyPr/>
-          <a:lstStyle/>
-          <a:p>
-            <a:r>
-              <a:rPr lang="en-US" b="1" dirty="0" smtClean="0"/>
-              <a:t>Activity</a:t>
-            </a:r>
-            <a:r>
-              <a:rPr lang="en-US" dirty="0" smtClean="0"/>
-              <a:t/>
-            </a:r>
-            <a:br>
-              <a:rPr lang="en-US" dirty="0" smtClean="0"/>
-            </a:br>
-            <a:r>
-              <a:rPr lang="en-US" sz="2000" dirty="0">
-                <a:hlinkClick r:id="rId2"/>
-              </a:rPr>
-              <a:t>https://developer.android.com/guide/components/activities/index.html</a:t>
-            </a:r>
-            <a:endParaRPr lang="en-US" sz="2000" dirty="0"/>
-          </a:p>
-        </p:txBody>
-      </p:sp>
-      <p:sp>
-        <p:nvSpPr>
-          <p:cNvPr id="3" name="Content Placeholder 2"/>
-          <p:cNvSpPr>
-            <a:spLocks noGrp="1"/>
-          </p:cNvSpPr>
-          <p:nvPr>
-            <p:ph idx="1"/>
-          </p:nvPr>
-        </p:nvSpPr>
-        <p:spPr>
-          <a:xfrm>
-            <a:off x="838200" y="1825625"/>
-            <a:ext cx="10515600" cy="2758250"/>
-          </a:xfrm>
-        </p:spPr>
-        <p:txBody>
-          <a:bodyPr>
-            <a:normAutofit/>
-          </a:bodyPr>
-          <a:lstStyle/>
-          <a:p>
-            <a:r>
-              <a:rPr lang="en-US" dirty="0" smtClean="0"/>
-              <a:t>Fundamental </a:t>
-            </a:r>
-            <a:r>
-              <a:rPr lang="en-US" dirty="0"/>
-              <a:t>building blocks </a:t>
-            </a:r>
-            <a:endParaRPr lang="en-US" dirty="0" smtClean="0"/>
-          </a:p>
-          <a:p>
-            <a:r>
-              <a:rPr lang="en-US" dirty="0" smtClean="0"/>
-              <a:t>Entry </a:t>
-            </a:r>
-            <a:r>
-              <a:rPr lang="en-US" dirty="0"/>
-              <a:t>point for </a:t>
-            </a:r>
-            <a:r>
-              <a:rPr lang="en-US" dirty="0" smtClean="0"/>
-              <a:t>user's </a:t>
-            </a:r>
-            <a:r>
-              <a:rPr lang="en-US" dirty="0"/>
-              <a:t>interaction </a:t>
-            </a:r>
-            <a:endParaRPr lang="en-US" dirty="0" smtClean="0"/>
-          </a:p>
-          <a:p>
-            <a:r>
-              <a:rPr lang="en-US" dirty="0" smtClean="0"/>
-              <a:t>Provides navigates </a:t>
-            </a:r>
-            <a:r>
-              <a:rPr lang="en-US" dirty="0"/>
-              <a:t>within an </a:t>
-            </a:r>
-            <a:r>
-              <a:rPr lang="en-US" dirty="0" smtClean="0"/>
-              <a:t>app</a:t>
-            </a:r>
-          </a:p>
-          <a:p>
-            <a:r>
-              <a:rPr lang="en-US" dirty="0" smtClean="0"/>
-              <a:t>Communication between other activities</a:t>
-            </a:r>
-          </a:p>
-          <a:p>
-            <a:r>
-              <a:rPr lang="en-US" dirty="0" smtClean="0"/>
-              <a:t>Communication between child fragments</a:t>
-            </a:r>
-            <a:endParaRPr lang="en-US" dirty="0"/>
-          </a:p>
-        </p:txBody>
-      </p:sp>
-      <p:grpSp>
-        <p:nvGrpSpPr>
-          <p:cNvPr id="5" name="Group 4"/>
-          <p:cNvGrpSpPr/>
-          <p:nvPr/>
-        </p:nvGrpSpPr>
-        <p:grpSpPr>
-          <a:xfrm>
-            <a:off x="1662546" y="4324795"/>
-            <a:ext cx="8609610" cy="2108478"/>
-            <a:chOff x="1662546" y="4324795"/>
-            <a:chExt cx="8609610" cy="2108478"/>
-          </a:xfrm>
-        </p:grpSpPr>
-        <p:sp>
-          <p:nvSpPr>
-            <p:cNvPr id="4" name="TextBox 3"/>
-            <p:cNvSpPr txBox="1"/>
-            <p:nvPr/>
-          </p:nvSpPr>
-          <p:spPr>
-            <a:xfrm>
-              <a:off x="1662546" y="4324795"/>
-              <a:ext cx="8609610" cy="984885"/>
-            </a:xfrm>
-            <a:prstGeom prst="rect">
-              <a:avLst/>
-            </a:prstGeom>
-            <a:noFill/>
-          </p:spPr>
-          <p:txBody>
-            <a:bodyPr wrap="square" rtlCol="0">
-              <a:spAutoFit/>
-            </a:bodyPr>
-            <a:lstStyle/>
-            <a:p>
-              <a:pPr algn="ctr"/>
-              <a:r>
-                <a:rPr lang="en-US" sz="4000" dirty="0" smtClean="0">
-                  <a:solidFill>
-                    <a:srgbClr val="FF0000"/>
-                  </a:solidFill>
-                </a:rPr>
-                <a:t>No Creation or  Modification of Views </a:t>
-              </a:r>
-            </a:p>
-            <a:p>
-              <a:endParaRPr lang="en-US" dirty="0">
-                <a:solidFill>
-                  <a:srgbClr val="FF0000"/>
-                </a:solidFill>
-              </a:endParaRPr>
-            </a:p>
-          </p:txBody>
-        </p:sp>
-        <p:pic>
-          <p:nvPicPr>
-            <p:cNvPr id="2051" name="Picture 3" descr="C:\Users\brian.batchelor\AppData\Local\Microsoft\Windows\INetCache\IE\J4PF38A8\stock-vector-vector-clip-art-illustration-of-smartoon-gesturing-a-stop-sign-as-it-stands-in-a-not-allowed-31370068[1].jpg"/>
-            <p:cNvPicPr>
-              <a:picLocks noChangeAspect="1" noChangeArrowheads="1"/>
-            </p:cNvPicPr>
-            <p:nvPr/>
-          </p:nvPicPr>
-          <p:blipFill>
-            <a:blip r:embed="rId3" cstate="print">
-              <a:extLst>
-                <a:ext uri="{28A0092B-C50C-407E-A947-70E740481C1C}">
-                  <a14:useLocalDpi xmlns:a14="http://schemas.microsoft.com/office/drawing/2010/main" val="0"/>
-                </a:ext>
-              </a:extLst>
-            </a:blip>
-            <a:srcRect/>
-            <a:stretch>
-              <a:fillRect/>
-            </a:stretch>
-          </p:blipFill>
-          <p:spPr bwMode="auto">
-            <a:xfrm>
-              <a:off x="5325747" y="5234671"/>
-              <a:ext cx="1073641" cy="1198602"/>
-            </a:xfrm>
-            <a:prstGeom prst="rect">
-              <a:avLst/>
-            </a:prstGeom>
-            <a:noFill/>
-            <a:extLst>
-              <a:ext uri="{909E8E84-426E-40DD-AFC4-6F175D3DCCD1}">
-                <a14:hiddenFill xmlns:a14="http://schemas.microsoft.com/office/drawing/2010/main">
-                  <a:solidFill>
-                    <a:srgbClr val="FFFFFF"/>
-                  </a:solidFill>
-                </a14:hiddenFill>
-              </a:ext>
-            </a:extLst>
-          </p:spPr>
-        </p:pic>
-      </p:grpSp>
-    </p:spTree>
-    <p:extLst>
-      <p:ext uri="{BB962C8B-B14F-4D97-AF65-F5344CB8AC3E}">
-        <p14:creationId xmlns:p14="http://schemas.microsoft.com/office/powerpoint/2010/main" val="3823901020"/>
-      </p:ext>
-    </p:extLst>
-  </p:cSld>
-  <p:clrMapOvr>
-    <a:masterClrMapping/>
-  </p:clrMapOvr>
-  <p:timing>
-    <p:tnLst>
-      <p:par>
-        <p:cTn id="1" dur="indefinite" restart="never" nodeType="tmRoot">
-          <p:childTnLst>
-            <p:seq concurrent="1" nextAc="seek">
-              <p:cTn id="2" dur="indefinite" nodeType="mainSeq">
-                <p:childTnLst>
-                  <p:par>
-                    <p:cTn id="3" fill="hold">
-                      <p:stCondLst>
-                        <p:cond delay="indefinite"/>
-                      </p:stCondLst>
-                      <p:childTnLst>
-                        <p:par>
-                          <p:cTn id="4" fill="hold">
-                            <p:stCondLst>
-                              <p:cond delay="0"/>
-                            </p:stCondLst>
-                            <p:childTnLst>
-                              <p:par>
-                                <p:cTn id="5" presetID="53" presetClass="entr" presetSubtype="16" fill="hold" nodeType="clickEffect">
-                                  <p:stCondLst>
-                                    <p:cond delay="0"/>
-                                  </p:stCondLst>
-                                  <p:childTnLst>
-                                    <p:set>
-                                      <p:cBhvr>
-                                        <p:cTn id="6" dur="1" fill="hold">
-                                          <p:stCondLst>
-                                            <p:cond delay="0"/>
-                                          </p:stCondLst>
-                                        </p:cTn>
-                                        <p:tgtEl>
-                                          <p:spTgt spid="5"/>
-                                        </p:tgtEl>
-                                        <p:attrNameLst>
-                                          <p:attrName>style.visibility</p:attrName>
-                                        </p:attrNameLst>
-                                      </p:cBhvr>
-                                      <p:to>
-                                        <p:strVal val="visible"/>
-                                      </p:to>
-                                    </p:set>
-                                    <p:anim calcmode="lin" valueType="num">
-                                      <p:cBhvr>
-                                        <p:cTn id="7" dur="500" fill="hold"/>
-                                        <p:tgtEl>
-                                          <p:spTgt spid="5"/>
-                                        </p:tgtEl>
-                                        <p:attrNameLst>
-                                          <p:attrName>ppt_w</p:attrName>
-                                        </p:attrNameLst>
-                                      </p:cBhvr>
-                                      <p:tavLst>
-                                        <p:tav tm="0">
-                                          <p:val>
-                                            <p:fltVal val="0"/>
-                                          </p:val>
-                                        </p:tav>
-                                        <p:tav tm="100000">
-                                          <p:val>
-                                            <p:strVal val="#ppt_w"/>
-                                          </p:val>
-                                        </p:tav>
-                                      </p:tavLst>
-                                    </p:anim>
-                                    <p:anim calcmode="lin" valueType="num">
-                                      <p:cBhvr>
-                                        <p:cTn id="8" dur="500" fill="hold"/>
-                                        <p:tgtEl>
-                                          <p:spTgt spid="5"/>
-                                        </p:tgtEl>
-                                        <p:attrNameLst>
-                                          <p:attrName>ppt_h</p:attrName>
-                                        </p:attrNameLst>
-                                      </p:cBhvr>
-                                      <p:tavLst>
-                                        <p:tav tm="0">
-                                          <p:val>
-                                            <p:fltVal val="0"/>
-                                          </p:val>
-                                        </p:tav>
-                                        <p:tav tm="100000">
-                                          <p:val>
-                                            <p:strVal val="#ppt_h"/>
-                                          </p:val>
-                                        </p:tav>
-                                      </p:tavLst>
-                                    </p:anim>
-                                    <p:animEffect transition="in" filter="fade">
-                                      <p:cBhvr>
-                                        <p:cTn id="9" dur="500"/>
-                                        <p:tgtEl>
-                                          <p:spTgt spid="5"/>
-                                        </p:tgtEl>
-                                      </p:cBhvr>
-                                    </p:animEffect>
-                                  </p:childTnLst>
-                                </p:cTn>
-                              </p:par>
-                            </p:childTnLst>
-                          </p:cTn>
-                        </p:par>
-                      </p:childTnLst>
-                    </p:cTn>
-                  </p:par>
-                </p:childTnLst>
-              </p:cTn>
-              <p:prevCondLst>
-                <p:cond evt="onPrev" delay="0">
-                  <p:tgtEl>
-                    <p:sldTgt/>
-                  </p:tgtEl>
-                </p:cond>
-              </p:prevCondLst>
-              <p:nextCondLst>
-                <p:cond evt="onNext" delay="0">
-                  <p:tgtEl>
-                    <p:sldTgt/>
-                  </p:tgtEl>
-                </p:cond>
-              </p:nextCondLst>
-            </p:seq>
-          </p:childTnLst>
-        </p:cTn>
-      </p:par>
-    </p:tnLst>
-  </p:timing>
-</p:sld>
-</file>
-
-<file path=ppt/slides/slide8.xml><?xml version="1.0" encoding="utf-8"?>
 <p:sld xmlns:a="http://schemas.openxmlformats.org/drawingml/2006/main" xmlns:r="http://schemas.openxmlformats.org/officeDocument/2006/relationships" xmlns:p="http://schemas.openxmlformats.org/presentationml/2006/main">
   <p:cSld>
     <p:spTree>
@@ -4675,7 +3433,7 @@
 </p:sld>
 </file>
 
-<file path=ppt/slides/slide9.xml><?xml version="1.0" encoding="utf-8"?>
+<file path=ppt/slides/slide11.xml><?xml version="1.0" encoding="utf-8"?>
 <p:sld xmlns:a="http://schemas.openxmlformats.org/drawingml/2006/main" xmlns:r="http://schemas.openxmlformats.org/officeDocument/2006/relationships" xmlns:p="http://schemas.openxmlformats.org/presentationml/2006/main">
   <p:cSld>
     <p:spTree>
@@ -4739,8 +3497,8 @@
         </p:blipFill>
         <p:spPr>
           <a:xfrm>
-            <a:off x="5973791" y="1825626"/>
-            <a:ext cx="2619534" cy="4351336"/>
+            <a:off x="5633827" y="1528948"/>
+            <a:ext cx="2724660" cy="4525963"/>
           </a:xfrm>
           <a:ln>
             <a:solidFill>
@@ -4757,10 +3515,10 @@
         </p:nvGrpSpPr>
         <p:grpSpPr>
           <a:xfrm>
-            <a:off x="760021" y="1983179"/>
-            <a:ext cx="7801427" cy="3927764"/>
+            <a:off x="512202" y="1983179"/>
+            <a:ext cx="7745513" cy="3707793"/>
             <a:chOff x="760021" y="1983179"/>
-            <a:chExt cx="7801427" cy="3927764"/>
+            <a:chExt cx="7745513" cy="3707793"/>
           </a:xfrm>
         </p:grpSpPr>
         <p:sp>
@@ -4804,7 +3562,7 @@
           </p:nvCxnSpPr>
           <p:spPr>
             <a:xfrm>
-              <a:off x="7314113" y="2459718"/>
+              <a:off x="7258199" y="2239747"/>
               <a:ext cx="0" cy="3451225"/>
             </a:xfrm>
             <a:prstGeom prst="straightConnector1">
@@ -4838,7 +3596,7 @@
           </p:nvCxnSpPr>
           <p:spPr>
             <a:xfrm>
-              <a:off x="5957949" y="4166280"/>
+              <a:off x="5902035" y="3946309"/>
               <a:ext cx="2603499" cy="0"/>
             </a:xfrm>
             <a:prstGeom prst="straightConnector1">
@@ -4918,7 +3676,7 @@
         </p:nvGrpSpPr>
         <p:grpSpPr>
           <a:xfrm>
-            <a:off x="760021" y="2322030"/>
+            <a:off x="512202" y="2322030"/>
             <a:ext cx="11218470" cy="2778947"/>
             <a:chOff x="760021" y="2352511"/>
             <a:chExt cx="11218470" cy="2778947"/>
@@ -5047,10 +3805,10 @@
         </p:nvGrpSpPr>
         <p:grpSpPr>
           <a:xfrm>
-            <a:off x="760021" y="2007116"/>
-            <a:ext cx="10970651" cy="1631758"/>
-            <a:chOff x="760021" y="2038350"/>
-            <a:chExt cx="10970651" cy="1631758"/>
+            <a:off x="512202" y="1743427"/>
+            <a:ext cx="10970651" cy="1895447"/>
+            <a:chOff x="760021" y="1774661"/>
+            <a:chExt cx="10970651" cy="1895447"/>
           </a:xfrm>
         </p:grpSpPr>
         <p:sp>
@@ -5109,7 +3867,7 @@
           </p:blipFill>
           <p:spPr>
             <a:xfrm>
-              <a:off x="8164014" y="2038350"/>
+              <a:off x="7909500" y="1774661"/>
               <a:ext cx="388947" cy="376918"/>
             </a:xfrm>
             <a:prstGeom prst="rect">
@@ -5488,8 +4246,3531 @@
 </p:sld>
 </file>
 
+<file path=ppt/slides/slide12.xml><?xml version="1.0" encoding="utf-8"?>
+<p:sld xmlns:a="http://schemas.openxmlformats.org/drawingml/2006/main" xmlns:r="http://schemas.openxmlformats.org/officeDocument/2006/relationships" xmlns:p="http://schemas.openxmlformats.org/presentationml/2006/main">
+  <p:cSld>
+    <p:spTree>
+      <p:nvGrpSpPr>
+        <p:cNvPr id="1" name=""/>
+        <p:cNvGrpSpPr/>
+        <p:nvPr/>
+      </p:nvGrpSpPr>
+      <p:grpSpPr>
+        <a:xfrm>
+          <a:off x="0" y="0"/>
+          <a:ext cx="0" cy="0"/>
+          <a:chOff x="0" y="0"/>
+          <a:chExt cx="0" cy="0"/>
+        </a:xfrm>
+      </p:grpSpPr>
+      <p:sp>
+        <p:nvSpPr>
+          <p:cNvPr id="2" name="Title 1"/>
+          <p:cNvSpPr>
+            <a:spLocks noGrp="1"/>
+          </p:cNvSpPr>
+          <p:nvPr>
+            <p:ph type="title"/>
+          </p:nvPr>
+        </p:nvSpPr>
+        <p:spPr>
+          <a:xfrm>
+            <a:off x="0" y="457200"/>
+            <a:ext cx="8098971" cy="1143000"/>
+          </a:xfrm>
+        </p:spPr>
+        <p:txBody>
+          <a:bodyPr>
+            <a:normAutofit/>
+          </a:bodyPr>
+          <a:lstStyle/>
+          <a:p>
+            <a:r>
+              <a:rPr lang="en-US" dirty="0"/>
+              <a:t>Fragment</a:t>
+            </a:r>
+            <a:br>
+              <a:rPr lang="en-US" dirty="0"/>
+            </a:br>
+            <a:r>
+              <a:rPr lang="en-US" sz="2200" dirty="0">
+                <a:hlinkClick r:id="rId2"/>
+              </a:rPr>
+              <a:t>https://</a:t>
+            </a:r>
+            <a:r>
+              <a:rPr lang="en-US" sz="2200" dirty="0" smtClean="0">
+                <a:hlinkClick r:id="rId2"/>
+              </a:rPr>
+              <a:t>developer.android.com/guide/components/fragments.html</a:t>
+            </a:r>
+            <a:endParaRPr lang="en-US" dirty="0"/>
+          </a:p>
+        </p:txBody>
+      </p:sp>
+      <p:sp>
+        <p:nvSpPr>
+          <p:cNvPr id="3" name="Content Placeholder 2"/>
+          <p:cNvSpPr>
+            <a:spLocks noGrp="1"/>
+          </p:cNvSpPr>
+          <p:nvPr>
+            <p:ph idx="1"/>
+          </p:nvPr>
+        </p:nvSpPr>
+        <p:spPr/>
+        <p:txBody>
+          <a:bodyPr/>
+          <a:lstStyle/>
+          <a:p>
+            <a:r>
+              <a:rPr lang="en-US" dirty="0" smtClean="0"/>
+              <a:t>View and Layout logic</a:t>
+            </a:r>
+          </a:p>
+          <a:p>
+            <a:r>
+              <a:rPr lang="en-US" dirty="0" smtClean="0"/>
+              <a:t>Event handling (i.e. </a:t>
+            </a:r>
+            <a:r>
+              <a:rPr lang="en-US" dirty="0" err="1" smtClean="0"/>
+              <a:t>onClick</a:t>
+            </a:r>
+            <a:r>
+              <a:rPr lang="en-US" dirty="0" smtClean="0"/>
+              <a:t>())</a:t>
+            </a:r>
+          </a:p>
+          <a:p>
+            <a:r>
+              <a:rPr lang="en-US" dirty="0" smtClean="0"/>
+              <a:t>Network request </a:t>
+            </a:r>
+          </a:p>
+          <a:p>
+            <a:r>
+              <a:rPr lang="en-US" dirty="0" smtClean="0"/>
+              <a:t>Interacting with a persistence storage</a:t>
+            </a:r>
+          </a:p>
+        </p:txBody>
+      </p:sp>
+    </p:spTree>
+    <p:extLst>
+      <p:ext uri="{BB962C8B-B14F-4D97-AF65-F5344CB8AC3E}">
+        <p14:creationId xmlns:p14="http://schemas.microsoft.com/office/powerpoint/2010/main" val="1806338854"/>
+      </p:ext>
+    </p:extLst>
+  </p:cSld>
+  <p:clrMapOvr>
+    <a:masterClrMapping/>
+  </p:clrMapOvr>
+  <p:timing>
+    <p:tnLst>
+      <p:par>
+        <p:cTn id="1" dur="indefinite" restart="never" nodeType="tmRoot"/>
+      </p:par>
+    </p:tnLst>
+  </p:timing>
+</p:sld>
+</file>
+
+<file path=ppt/slides/slide13.xml><?xml version="1.0" encoding="utf-8"?>
+<p:sld xmlns:a="http://schemas.openxmlformats.org/drawingml/2006/main" xmlns:r="http://schemas.openxmlformats.org/officeDocument/2006/relationships" xmlns:p="http://schemas.openxmlformats.org/presentationml/2006/main">
+  <p:cSld>
+    <p:spTree>
+      <p:nvGrpSpPr>
+        <p:cNvPr id="1" name=""/>
+        <p:cNvGrpSpPr/>
+        <p:nvPr/>
+      </p:nvGrpSpPr>
+      <p:grpSpPr>
+        <a:xfrm>
+          <a:off x="0" y="0"/>
+          <a:ext cx="0" cy="0"/>
+          <a:chOff x="0" y="0"/>
+          <a:chExt cx="0" cy="0"/>
+        </a:xfrm>
+      </p:grpSpPr>
+      <p:sp>
+        <p:nvSpPr>
+          <p:cNvPr id="2" name="Title 1"/>
+          <p:cNvSpPr>
+            <a:spLocks noGrp="1"/>
+          </p:cNvSpPr>
+          <p:nvPr>
+            <p:ph type="title"/>
+          </p:nvPr>
+        </p:nvSpPr>
+        <p:spPr/>
+        <p:txBody>
+          <a:bodyPr/>
+          <a:lstStyle/>
+          <a:p>
+            <a:endParaRPr lang="en-US"/>
+          </a:p>
+        </p:txBody>
+      </p:sp>
+      <p:sp>
+        <p:nvSpPr>
+          <p:cNvPr id="3" name="Content Placeholder 2"/>
+          <p:cNvSpPr>
+            <a:spLocks noGrp="1"/>
+          </p:cNvSpPr>
+          <p:nvPr>
+            <p:ph idx="1"/>
+          </p:nvPr>
+        </p:nvSpPr>
+        <p:spPr/>
+        <p:txBody>
+          <a:bodyPr>
+            <a:normAutofit/>
+          </a:bodyPr>
+          <a:lstStyle/>
+          <a:p>
+            <a:pPr marL="0" indent="0" algn="ctr">
+              <a:buNone/>
+            </a:pPr>
+            <a:endParaRPr lang="en-US" sz="6600" dirty="0" smtClean="0"/>
+          </a:p>
+          <a:p>
+            <a:pPr marL="0" indent="0" algn="ctr">
+              <a:buNone/>
+            </a:pPr>
+            <a:r>
+              <a:rPr lang="en-US" sz="6600" dirty="0" smtClean="0"/>
+              <a:t>Detail Level </a:t>
+            </a:r>
+            <a:endParaRPr lang="en-US" sz="6600" dirty="0"/>
+          </a:p>
+        </p:txBody>
+      </p:sp>
+    </p:spTree>
+    <p:extLst>
+      <p:ext uri="{BB962C8B-B14F-4D97-AF65-F5344CB8AC3E}">
+        <p14:creationId xmlns:p14="http://schemas.microsoft.com/office/powerpoint/2010/main" val="431746998"/>
+      </p:ext>
+    </p:extLst>
+  </p:cSld>
+  <p:clrMapOvr>
+    <a:masterClrMapping/>
+  </p:clrMapOvr>
+  <p:timing>
+    <p:tnLst>
+      <p:par>
+        <p:cTn id="1" dur="indefinite" restart="never" nodeType="tmRoot"/>
+      </p:par>
+    </p:tnLst>
+  </p:timing>
+</p:sld>
+</file>
+
+<file path=ppt/slides/slide14.xml><?xml version="1.0" encoding="utf-8"?>
+<p:sld xmlns:a="http://schemas.openxmlformats.org/drawingml/2006/main" xmlns:r="http://schemas.openxmlformats.org/officeDocument/2006/relationships" xmlns:p="http://schemas.openxmlformats.org/presentationml/2006/main">
+  <p:cSld>
+    <p:spTree>
+      <p:nvGrpSpPr>
+        <p:cNvPr id="1" name=""/>
+        <p:cNvGrpSpPr/>
+        <p:nvPr/>
+      </p:nvGrpSpPr>
+      <p:grpSpPr>
+        <a:xfrm>
+          <a:off x="0" y="0"/>
+          <a:ext cx="0" cy="0"/>
+          <a:chOff x="0" y="0"/>
+          <a:chExt cx="0" cy="0"/>
+        </a:xfrm>
+      </p:grpSpPr>
+      <p:pic>
+        <p:nvPicPr>
+          <p:cNvPr id="16" name="Content Placeholder 3"/>
+          <p:cNvPicPr>
+            <a:picLocks noChangeAspect="1"/>
+          </p:cNvPicPr>
+          <p:nvPr/>
+        </p:nvPicPr>
+        <p:blipFill>
+          <a:blip r:embed="rId2">
+            <a:extLst>
+              <a:ext uri="{28A0092B-C50C-407E-A947-70E740481C1C}">
+                <a14:useLocalDpi xmlns:a14="http://schemas.microsoft.com/office/drawing/2010/main" val="0"/>
+              </a:ext>
+            </a:extLst>
+          </a:blip>
+          <a:stretch>
+            <a:fillRect/>
+          </a:stretch>
+        </p:blipFill>
+        <p:spPr>
+          <a:xfrm>
+            <a:off x="5523848" y="901998"/>
+            <a:ext cx="3943705" cy="5096836"/>
+          </a:xfrm>
+          <a:prstGeom prst="rect">
+            <a:avLst/>
+          </a:prstGeom>
+        </p:spPr>
+      </p:pic>
+      <p:sp>
+        <p:nvSpPr>
+          <p:cNvPr id="2" name="Title 1"/>
+          <p:cNvSpPr>
+            <a:spLocks noGrp="1"/>
+          </p:cNvSpPr>
+          <p:nvPr>
+            <p:ph type="title"/>
+          </p:nvPr>
+        </p:nvSpPr>
+        <p:spPr/>
+        <p:txBody>
+          <a:bodyPr/>
+          <a:lstStyle/>
+          <a:p>
+            <a:r>
+              <a:rPr lang="en-US" dirty="0" smtClean="0"/>
+              <a:t>Activity </a:t>
+            </a:r>
+            <a:r>
+              <a:rPr lang="en-US" dirty="0" smtClean="0"/>
+              <a:t>Lifecycle</a:t>
+            </a:r>
+            <a:endParaRPr lang="en-US" dirty="0"/>
+          </a:p>
+        </p:txBody>
+      </p:sp>
+      <p:grpSp>
+        <p:nvGrpSpPr>
+          <p:cNvPr id="9" name="Group 8"/>
+          <p:cNvGrpSpPr/>
+          <p:nvPr/>
+        </p:nvGrpSpPr>
+        <p:grpSpPr>
+          <a:xfrm>
+            <a:off x="724395" y="1525783"/>
+            <a:ext cx="7077792" cy="1285724"/>
+            <a:chOff x="724395" y="1525783"/>
+            <a:chExt cx="7077792" cy="1285724"/>
+          </a:xfrm>
+        </p:grpSpPr>
+        <p:sp>
+          <p:nvSpPr>
+            <p:cNvPr id="5" name="TextBox 4"/>
+            <p:cNvSpPr txBox="1"/>
+            <p:nvPr/>
+          </p:nvSpPr>
+          <p:spPr>
+            <a:xfrm>
+              <a:off x="724395" y="1888177"/>
+              <a:ext cx="5474524" cy="923330"/>
+            </a:xfrm>
+            <a:prstGeom prst="rect">
+              <a:avLst/>
+            </a:prstGeom>
+            <a:noFill/>
+          </p:spPr>
+          <p:txBody>
+            <a:bodyPr wrap="square" rtlCol="0">
+              <a:spAutoFit/>
+            </a:bodyPr>
+            <a:lstStyle/>
+            <a:p>
+              <a:r>
+                <a:rPr lang="en-US" b="1" dirty="0" smtClean="0"/>
+                <a:t>onCreate()  </a:t>
+              </a:r>
+              <a:r>
+                <a:rPr lang="en-US" dirty="0" smtClean="0"/>
+                <a:t>started, but not visible</a:t>
+              </a:r>
+            </a:p>
+            <a:p>
+              <a:pPr marL="285750" indent="-285750">
+                <a:buFont typeface="Arial" panose="020B0604020202020204" pitchFamily="34" charset="0"/>
+                <a:buChar char="•"/>
+              </a:pPr>
+              <a:r>
+                <a:rPr lang="en-US" dirty="0" smtClean="0"/>
+                <a:t>Call </a:t>
+              </a:r>
+              <a:r>
+                <a:rPr lang="en-US" u="sng" dirty="0" err="1" smtClean="0"/>
+                <a:t>setContentView</a:t>
+              </a:r>
+              <a:r>
+                <a:rPr lang="en-US" u="sng" dirty="0" smtClean="0"/>
+                <a:t>() </a:t>
+              </a:r>
+            </a:p>
+            <a:p>
+              <a:pPr marL="285750" indent="-285750">
+                <a:buFont typeface="Arial" panose="020B0604020202020204" pitchFamily="34" charset="0"/>
+                <a:buChar char="•"/>
+              </a:pPr>
+              <a:r>
+                <a:rPr lang="en-US" dirty="0" smtClean="0"/>
+                <a:t>Initialize code </a:t>
+              </a:r>
+            </a:p>
+          </p:txBody>
+        </p:sp>
+        <p:sp>
+          <p:nvSpPr>
+            <p:cNvPr id="6" name="Rectangle 5"/>
+            <p:cNvSpPr/>
+            <p:nvPr/>
+          </p:nvSpPr>
+          <p:spPr>
+            <a:xfrm>
+              <a:off x="6879573" y="1525783"/>
+              <a:ext cx="922614" cy="232410"/>
+            </a:xfrm>
+            <a:prstGeom prst="rect">
+              <a:avLst/>
+            </a:prstGeom>
+            <a:noFill/>
+            <a:ln w="38100">
+              <a:solidFill>
+                <a:srgbClr val="FF0000"/>
+              </a:solidFill>
+            </a:ln>
+          </p:spPr>
+          <p:style>
+            <a:lnRef idx="2">
+              <a:schemeClr val="accent1">
+                <a:shade val="50000"/>
+              </a:schemeClr>
+            </a:lnRef>
+            <a:fillRef idx="1">
+              <a:schemeClr val="accent1"/>
+            </a:fillRef>
+            <a:effectRef idx="0">
+              <a:schemeClr val="accent1"/>
+            </a:effectRef>
+            <a:fontRef idx="minor">
+              <a:schemeClr val="lt1"/>
+            </a:fontRef>
+          </p:style>
+          <p:txBody>
+            <a:bodyPr rtlCol="0" anchor="ctr"/>
+            <a:lstStyle/>
+            <a:p>
+              <a:pPr algn="ctr"/>
+              <a:endParaRPr lang="en-US"/>
+            </a:p>
+          </p:txBody>
+        </p:sp>
+      </p:grpSp>
+    </p:spTree>
+    <p:extLst>
+      <p:ext uri="{BB962C8B-B14F-4D97-AF65-F5344CB8AC3E}">
+        <p14:creationId xmlns:p14="http://schemas.microsoft.com/office/powerpoint/2010/main" val="4060041946"/>
+      </p:ext>
+    </p:extLst>
+  </p:cSld>
+  <p:clrMapOvr>
+    <a:masterClrMapping/>
+  </p:clrMapOvr>
+  <p:timing>
+    <p:tnLst>
+      <p:par>
+        <p:cTn id="1" dur="indefinite" restart="never" nodeType="tmRoot"/>
+      </p:par>
+    </p:tnLst>
+  </p:timing>
+</p:sld>
+</file>
+
+<file path=ppt/slides/slide15.xml><?xml version="1.0" encoding="utf-8"?>
+<p:sld xmlns:a="http://schemas.openxmlformats.org/drawingml/2006/main" xmlns:r="http://schemas.openxmlformats.org/officeDocument/2006/relationships" xmlns:p="http://schemas.openxmlformats.org/presentationml/2006/main">
+  <p:cSld>
+    <p:spTree>
+      <p:nvGrpSpPr>
+        <p:cNvPr id="1" name=""/>
+        <p:cNvGrpSpPr/>
+        <p:nvPr/>
+      </p:nvGrpSpPr>
+      <p:grpSpPr>
+        <a:xfrm>
+          <a:off x="0" y="0"/>
+          <a:ext cx="0" cy="0"/>
+          <a:chOff x="0" y="0"/>
+          <a:chExt cx="0" cy="0"/>
+        </a:xfrm>
+      </p:grpSpPr>
+      <p:sp>
+        <p:nvSpPr>
+          <p:cNvPr id="2" name="Title 1"/>
+          <p:cNvSpPr>
+            <a:spLocks noGrp="1"/>
+          </p:cNvSpPr>
+          <p:nvPr>
+            <p:ph type="title"/>
+          </p:nvPr>
+        </p:nvSpPr>
+        <p:spPr/>
+        <p:txBody>
+          <a:bodyPr/>
+          <a:lstStyle/>
+          <a:p>
+            <a:r>
+              <a:rPr lang="en-US" dirty="0" smtClean="0"/>
+              <a:t>Activity Lifecycle </a:t>
+            </a:r>
+            <a:endParaRPr lang="en-US" dirty="0"/>
+          </a:p>
+        </p:txBody>
+      </p:sp>
+      <p:pic>
+        <p:nvPicPr>
+          <p:cNvPr id="4" name="Content Placeholder 3"/>
+          <p:cNvPicPr>
+            <a:picLocks noChangeAspect="1"/>
+          </p:cNvPicPr>
+          <p:nvPr/>
+        </p:nvPicPr>
+        <p:blipFill>
+          <a:blip r:embed="rId2">
+            <a:extLst>
+              <a:ext uri="{28A0092B-C50C-407E-A947-70E740481C1C}">
+                <a14:useLocalDpi xmlns:a14="http://schemas.microsoft.com/office/drawing/2010/main" val="0"/>
+              </a:ext>
+            </a:extLst>
+          </a:blip>
+          <a:stretch>
+            <a:fillRect/>
+          </a:stretch>
+        </p:blipFill>
+        <p:spPr>
+          <a:xfrm>
+            <a:off x="5523848" y="901998"/>
+            <a:ext cx="3943705" cy="5096836"/>
+          </a:xfrm>
+          <a:prstGeom prst="rect">
+            <a:avLst/>
+          </a:prstGeom>
+        </p:spPr>
+      </p:pic>
+      <p:sp>
+        <p:nvSpPr>
+          <p:cNvPr id="5" name="TextBox 4"/>
+          <p:cNvSpPr txBox="1"/>
+          <p:nvPr/>
+        </p:nvSpPr>
+        <p:spPr>
+          <a:xfrm>
+            <a:off x="819645" y="1906796"/>
+            <a:ext cx="6222670" cy="646331"/>
+          </a:xfrm>
+          <a:prstGeom prst="rect">
+            <a:avLst/>
+          </a:prstGeom>
+          <a:noFill/>
+        </p:spPr>
+        <p:txBody>
+          <a:bodyPr wrap="square" rtlCol="0">
+            <a:spAutoFit/>
+          </a:bodyPr>
+          <a:lstStyle/>
+          <a:p>
+            <a:r>
+              <a:rPr lang="en-US" b="1" dirty="0" err="1" smtClean="0"/>
+              <a:t>onStart</a:t>
+            </a:r>
+            <a:r>
+              <a:rPr lang="en-US" b="1" dirty="0" smtClean="0"/>
+              <a:t>() </a:t>
+            </a:r>
+            <a:r>
+              <a:rPr lang="en-US" dirty="0" smtClean="0"/>
+              <a:t>visible, but ready for interaction</a:t>
+            </a:r>
+          </a:p>
+          <a:p>
+            <a:pPr marL="285750" indent="-285750">
+              <a:buFont typeface="Arial" panose="020B0604020202020204" pitchFamily="34" charset="0"/>
+              <a:buChar char="•"/>
+            </a:pPr>
+            <a:r>
+              <a:rPr lang="en-US" dirty="0" smtClean="0"/>
+              <a:t>Initialize monitors that affect the Views </a:t>
+            </a:r>
+            <a:endParaRPr lang="en-US" dirty="0"/>
+          </a:p>
+        </p:txBody>
+      </p:sp>
+      <p:sp>
+        <p:nvSpPr>
+          <p:cNvPr id="6" name="Rectangle 5"/>
+          <p:cNvSpPr/>
+          <p:nvPr/>
+        </p:nvSpPr>
+        <p:spPr>
+          <a:xfrm>
+            <a:off x="6882385" y="1914424"/>
+            <a:ext cx="922614" cy="232410"/>
+          </a:xfrm>
+          <a:prstGeom prst="rect">
+            <a:avLst/>
+          </a:prstGeom>
+          <a:noFill/>
+          <a:ln w="38100">
+            <a:solidFill>
+              <a:srgbClr val="FF0000"/>
+            </a:solidFill>
+          </a:ln>
+        </p:spPr>
+        <p:style>
+          <a:lnRef idx="2">
+            <a:schemeClr val="accent1">
+              <a:shade val="50000"/>
+            </a:schemeClr>
+          </a:lnRef>
+          <a:fillRef idx="1">
+            <a:schemeClr val="accent1"/>
+          </a:fillRef>
+          <a:effectRef idx="0">
+            <a:schemeClr val="accent1"/>
+          </a:effectRef>
+          <a:fontRef idx="minor">
+            <a:schemeClr val="lt1"/>
+          </a:fontRef>
+        </p:style>
+        <p:txBody>
+          <a:bodyPr rtlCol="0" anchor="ctr"/>
+          <a:lstStyle/>
+          <a:p>
+            <a:pPr algn="ctr"/>
+            <a:endParaRPr lang="en-US"/>
+          </a:p>
+        </p:txBody>
+      </p:sp>
+    </p:spTree>
+    <p:extLst>
+      <p:ext uri="{BB962C8B-B14F-4D97-AF65-F5344CB8AC3E}">
+        <p14:creationId xmlns:p14="http://schemas.microsoft.com/office/powerpoint/2010/main" val="335025673"/>
+      </p:ext>
+    </p:extLst>
+  </p:cSld>
+  <p:clrMapOvr>
+    <a:masterClrMapping/>
+  </p:clrMapOvr>
+  <p:timing>
+    <p:tnLst>
+      <p:par>
+        <p:cTn id="1" dur="indefinite" restart="never" nodeType="tmRoot"/>
+      </p:par>
+    </p:tnLst>
+  </p:timing>
+</p:sld>
+</file>
+
+<file path=ppt/slides/slide16.xml><?xml version="1.0" encoding="utf-8"?>
+<p:sld xmlns:a="http://schemas.openxmlformats.org/drawingml/2006/main" xmlns:r="http://schemas.openxmlformats.org/officeDocument/2006/relationships" xmlns:p="http://schemas.openxmlformats.org/presentationml/2006/main">
+  <p:cSld>
+    <p:spTree>
+      <p:nvGrpSpPr>
+        <p:cNvPr id="1" name=""/>
+        <p:cNvGrpSpPr/>
+        <p:nvPr/>
+      </p:nvGrpSpPr>
+      <p:grpSpPr>
+        <a:xfrm>
+          <a:off x="0" y="0"/>
+          <a:ext cx="0" cy="0"/>
+          <a:chOff x="0" y="0"/>
+          <a:chExt cx="0" cy="0"/>
+        </a:xfrm>
+      </p:grpSpPr>
+      <p:sp>
+        <p:nvSpPr>
+          <p:cNvPr id="8" name="Title 1"/>
+          <p:cNvSpPr>
+            <a:spLocks noGrp="1"/>
+          </p:cNvSpPr>
+          <p:nvPr>
+            <p:ph type="title"/>
+          </p:nvPr>
+        </p:nvSpPr>
+        <p:spPr/>
+        <p:txBody>
+          <a:bodyPr/>
+          <a:lstStyle/>
+          <a:p>
+            <a:r>
+              <a:rPr lang="en-US" dirty="0" smtClean="0"/>
+              <a:t>Activity Lifecycle </a:t>
+            </a:r>
+            <a:endParaRPr lang="en-US" dirty="0"/>
+          </a:p>
+        </p:txBody>
+      </p:sp>
+      <p:sp>
+        <p:nvSpPr>
+          <p:cNvPr id="10" name="TextBox 9"/>
+          <p:cNvSpPr txBox="1"/>
+          <p:nvPr/>
+        </p:nvSpPr>
+        <p:spPr>
+          <a:xfrm>
+            <a:off x="819645" y="1906796"/>
+            <a:ext cx="6222670" cy="369332"/>
+          </a:xfrm>
+          <a:prstGeom prst="rect">
+            <a:avLst/>
+          </a:prstGeom>
+          <a:noFill/>
+        </p:spPr>
+        <p:txBody>
+          <a:bodyPr wrap="square" rtlCol="0">
+            <a:spAutoFit/>
+          </a:bodyPr>
+          <a:lstStyle/>
+          <a:p>
+            <a:r>
+              <a:rPr lang="en-US" b="1" dirty="0" err="1" smtClean="0"/>
+              <a:t>onResume</a:t>
+            </a:r>
+            <a:r>
+              <a:rPr lang="en-US" b="1" dirty="0" smtClean="0"/>
+              <a:t>() </a:t>
+            </a:r>
+            <a:r>
+              <a:rPr lang="en-US" dirty="0" smtClean="0"/>
+              <a:t>in the foreground, ready for interactio</a:t>
+            </a:r>
+            <a:r>
+              <a:rPr lang="en-US" dirty="0"/>
+              <a:t>n</a:t>
+            </a:r>
+          </a:p>
+        </p:txBody>
+      </p:sp>
+      <p:pic>
+        <p:nvPicPr>
+          <p:cNvPr id="12" name="Content Placeholder 3"/>
+          <p:cNvPicPr>
+            <a:picLocks noChangeAspect="1"/>
+          </p:cNvPicPr>
+          <p:nvPr/>
+        </p:nvPicPr>
+        <p:blipFill>
+          <a:blip r:embed="rId2">
+            <a:extLst>
+              <a:ext uri="{28A0092B-C50C-407E-A947-70E740481C1C}">
+                <a14:useLocalDpi xmlns:a14="http://schemas.microsoft.com/office/drawing/2010/main" val="0"/>
+              </a:ext>
+            </a:extLst>
+          </a:blip>
+          <a:stretch>
+            <a:fillRect/>
+          </a:stretch>
+        </p:blipFill>
+        <p:spPr>
+          <a:xfrm>
+            <a:off x="5523848" y="901998"/>
+            <a:ext cx="3943705" cy="5096836"/>
+          </a:xfrm>
+          <a:prstGeom prst="rect">
+            <a:avLst/>
+          </a:prstGeom>
+        </p:spPr>
+      </p:pic>
+      <p:sp>
+        <p:nvSpPr>
+          <p:cNvPr id="11" name="Rectangle 10"/>
+          <p:cNvSpPr/>
+          <p:nvPr/>
+        </p:nvSpPr>
+        <p:spPr>
+          <a:xfrm>
+            <a:off x="6880563" y="2310710"/>
+            <a:ext cx="922614" cy="232410"/>
+          </a:xfrm>
+          <a:prstGeom prst="rect">
+            <a:avLst/>
+          </a:prstGeom>
+          <a:noFill/>
+          <a:ln w="38100">
+            <a:solidFill>
+              <a:srgbClr val="FF0000"/>
+            </a:solidFill>
+          </a:ln>
+        </p:spPr>
+        <p:style>
+          <a:lnRef idx="2">
+            <a:schemeClr val="accent1">
+              <a:shade val="50000"/>
+            </a:schemeClr>
+          </a:lnRef>
+          <a:fillRef idx="1">
+            <a:schemeClr val="accent1"/>
+          </a:fillRef>
+          <a:effectRef idx="0">
+            <a:schemeClr val="accent1"/>
+          </a:effectRef>
+          <a:fontRef idx="minor">
+            <a:schemeClr val="lt1"/>
+          </a:fontRef>
+        </p:style>
+        <p:txBody>
+          <a:bodyPr rtlCol="0" anchor="ctr"/>
+          <a:lstStyle/>
+          <a:p>
+            <a:pPr algn="ctr"/>
+            <a:endParaRPr lang="en-US"/>
+          </a:p>
+        </p:txBody>
+      </p:sp>
+    </p:spTree>
+    <p:extLst>
+      <p:ext uri="{BB962C8B-B14F-4D97-AF65-F5344CB8AC3E}">
+        <p14:creationId xmlns:p14="http://schemas.microsoft.com/office/powerpoint/2010/main" val="24493764"/>
+      </p:ext>
+    </p:extLst>
+  </p:cSld>
+  <p:clrMapOvr>
+    <a:masterClrMapping/>
+  </p:clrMapOvr>
+  <p:timing>
+    <p:tnLst>
+      <p:par>
+        <p:cTn id="1" dur="indefinite" restart="never" nodeType="tmRoot"/>
+      </p:par>
+    </p:tnLst>
+  </p:timing>
+</p:sld>
+</file>
+
+<file path=ppt/slides/slide17.xml><?xml version="1.0" encoding="utf-8"?>
+<p:sld xmlns:a="http://schemas.openxmlformats.org/drawingml/2006/main" xmlns:r="http://schemas.openxmlformats.org/officeDocument/2006/relationships" xmlns:p="http://schemas.openxmlformats.org/presentationml/2006/main">
+  <p:cSld>
+    <p:spTree>
+      <p:nvGrpSpPr>
+        <p:cNvPr id="1" name=""/>
+        <p:cNvGrpSpPr/>
+        <p:nvPr/>
+      </p:nvGrpSpPr>
+      <p:grpSpPr>
+        <a:xfrm>
+          <a:off x="0" y="0"/>
+          <a:ext cx="0" cy="0"/>
+          <a:chOff x="0" y="0"/>
+          <a:chExt cx="0" cy="0"/>
+        </a:xfrm>
+      </p:grpSpPr>
+      <p:sp>
+        <p:nvSpPr>
+          <p:cNvPr id="4" name="Title 1"/>
+          <p:cNvSpPr>
+            <a:spLocks noGrp="1"/>
+          </p:cNvSpPr>
+          <p:nvPr>
+            <p:ph type="title"/>
+          </p:nvPr>
+        </p:nvSpPr>
+        <p:spPr/>
+        <p:txBody>
+          <a:bodyPr/>
+          <a:lstStyle/>
+          <a:p>
+            <a:r>
+              <a:rPr lang="en-US" dirty="0" smtClean="0"/>
+              <a:t>Activity Lifecycle </a:t>
+            </a:r>
+            <a:endParaRPr lang="en-US" dirty="0"/>
+          </a:p>
+        </p:txBody>
+      </p:sp>
+      <p:sp>
+        <p:nvSpPr>
+          <p:cNvPr id="6" name="TextBox 5"/>
+          <p:cNvSpPr txBox="1"/>
+          <p:nvPr/>
+        </p:nvSpPr>
+        <p:spPr>
+          <a:xfrm>
+            <a:off x="819645" y="1906796"/>
+            <a:ext cx="6222670" cy="646331"/>
+          </a:xfrm>
+          <a:prstGeom prst="rect">
+            <a:avLst/>
+          </a:prstGeom>
+          <a:noFill/>
+        </p:spPr>
+        <p:txBody>
+          <a:bodyPr wrap="square" rtlCol="0">
+            <a:spAutoFit/>
+          </a:bodyPr>
+          <a:lstStyle/>
+          <a:p>
+            <a:r>
+              <a:rPr lang="en-US" b="1" dirty="0" err="1" smtClean="0"/>
+              <a:t>onPause</a:t>
+            </a:r>
+            <a:r>
+              <a:rPr lang="en-US" b="1" dirty="0" smtClean="0"/>
+              <a:t>() </a:t>
+            </a:r>
+            <a:r>
+              <a:rPr lang="en-US" dirty="0" smtClean="0"/>
+              <a:t>moving to the background, </a:t>
+            </a:r>
+          </a:p>
+          <a:p>
+            <a:r>
+              <a:rPr lang="en-US" dirty="0" smtClean="0"/>
+              <a:t>stopping user interaction</a:t>
+            </a:r>
+            <a:endParaRPr lang="en-US" dirty="0"/>
+          </a:p>
+        </p:txBody>
+      </p:sp>
+      <p:pic>
+        <p:nvPicPr>
+          <p:cNvPr id="8" name="Content Placeholder 3"/>
+          <p:cNvPicPr>
+            <a:picLocks noChangeAspect="1"/>
+          </p:cNvPicPr>
+          <p:nvPr/>
+        </p:nvPicPr>
+        <p:blipFill>
+          <a:blip r:embed="rId2">
+            <a:extLst>
+              <a:ext uri="{28A0092B-C50C-407E-A947-70E740481C1C}">
+                <a14:useLocalDpi xmlns:a14="http://schemas.microsoft.com/office/drawing/2010/main" val="0"/>
+              </a:ext>
+            </a:extLst>
+          </a:blip>
+          <a:stretch>
+            <a:fillRect/>
+          </a:stretch>
+        </p:blipFill>
+        <p:spPr>
+          <a:xfrm>
+            <a:off x="5523848" y="901998"/>
+            <a:ext cx="3943705" cy="5096836"/>
+          </a:xfrm>
+          <a:prstGeom prst="rect">
+            <a:avLst/>
+          </a:prstGeom>
+        </p:spPr>
+      </p:pic>
+      <p:sp>
+        <p:nvSpPr>
+          <p:cNvPr id="7" name="Rectangle 6"/>
+          <p:cNvSpPr/>
+          <p:nvPr/>
+        </p:nvSpPr>
+        <p:spPr>
+          <a:xfrm>
+            <a:off x="6880564" y="3607721"/>
+            <a:ext cx="922614" cy="232410"/>
+          </a:xfrm>
+          <a:prstGeom prst="rect">
+            <a:avLst/>
+          </a:prstGeom>
+          <a:noFill/>
+          <a:ln w="38100">
+            <a:solidFill>
+              <a:srgbClr val="FF0000"/>
+            </a:solidFill>
+          </a:ln>
+        </p:spPr>
+        <p:style>
+          <a:lnRef idx="2">
+            <a:schemeClr val="accent1">
+              <a:shade val="50000"/>
+            </a:schemeClr>
+          </a:lnRef>
+          <a:fillRef idx="1">
+            <a:schemeClr val="accent1"/>
+          </a:fillRef>
+          <a:effectRef idx="0">
+            <a:schemeClr val="accent1"/>
+          </a:effectRef>
+          <a:fontRef idx="minor">
+            <a:schemeClr val="lt1"/>
+          </a:fontRef>
+        </p:style>
+        <p:txBody>
+          <a:bodyPr rtlCol="0" anchor="ctr"/>
+          <a:lstStyle/>
+          <a:p>
+            <a:pPr algn="ctr"/>
+            <a:endParaRPr lang="en-US"/>
+          </a:p>
+        </p:txBody>
+      </p:sp>
+    </p:spTree>
+    <p:extLst>
+      <p:ext uri="{BB962C8B-B14F-4D97-AF65-F5344CB8AC3E}">
+        <p14:creationId xmlns:p14="http://schemas.microsoft.com/office/powerpoint/2010/main" val="534387049"/>
+      </p:ext>
+    </p:extLst>
+  </p:cSld>
+  <p:clrMapOvr>
+    <a:masterClrMapping/>
+  </p:clrMapOvr>
+  <p:timing>
+    <p:tnLst>
+      <p:par>
+        <p:cTn id="1" dur="indefinite" restart="never" nodeType="tmRoot"/>
+      </p:par>
+    </p:tnLst>
+  </p:timing>
+</p:sld>
+</file>
+
+<file path=ppt/slides/slide18.xml><?xml version="1.0" encoding="utf-8"?>
+<p:sld xmlns:a="http://schemas.openxmlformats.org/drawingml/2006/main" xmlns:r="http://schemas.openxmlformats.org/officeDocument/2006/relationships" xmlns:p="http://schemas.openxmlformats.org/presentationml/2006/main">
+  <p:cSld>
+    <p:spTree>
+      <p:nvGrpSpPr>
+        <p:cNvPr id="1" name=""/>
+        <p:cNvGrpSpPr/>
+        <p:nvPr/>
+      </p:nvGrpSpPr>
+      <p:grpSpPr>
+        <a:xfrm>
+          <a:off x="0" y="0"/>
+          <a:ext cx="0" cy="0"/>
+          <a:chOff x="0" y="0"/>
+          <a:chExt cx="0" cy="0"/>
+        </a:xfrm>
+      </p:grpSpPr>
+      <p:sp>
+        <p:nvSpPr>
+          <p:cNvPr id="4" name="Title 1"/>
+          <p:cNvSpPr>
+            <a:spLocks noGrp="1"/>
+          </p:cNvSpPr>
+          <p:nvPr>
+            <p:ph type="title"/>
+          </p:nvPr>
+        </p:nvSpPr>
+        <p:spPr/>
+        <p:txBody>
+          <a:bodyPr/>
+          <a:lstStyle/>
+          <a:p>
+            <a:r>
+              <a:rPr lang="en-US" dirty="0" smtClean="0"/>
+              <a:t>Activity Lifecycle </a:t>
+            </a:r>
+            <a:endParaRPr lang="en-US" dirty="0"/>
+          </a:p>
+        </p:txBody>
+      </p:sp>
+      <p:sp>
+        <p:nvSpPr>
+          <p:cNvPr id="6" name="TextBox 5"/>
+          <p:cNvSpPr txBox="1"/>
+          <p:nvPr/>
+        </p:nvSpPr>
+        <p:spPr>
+          <a:xfrm>
+            <a:off x="819645" y="1906796"/>
+            <a:ext cx="6222670" cy="369332"/>
+          </a:xfrm>
+          <a:prstGeom prst="rect">
+            <a:avLst/>
+          </a:prstGeom>
+          <a:noFill/>
+        </p:spPr>
+        <p:txBody>
+          <a:bodyPr wrap="square" rtlCol="0">
+            <a:spAutoFit/>
+          </a:bodyPr>
+          <a:lstStyle/>
+          <a:p>
+            <a:r>
+              <a:rPr lang="en-US" b="1" dirty="0" err="1" smtClean="0"/>
+              <a:t>onStop</a:t>
+            </a:r>
+            <a:r>
+              <a:rPr lang="en-US" b="1" dirty="0" smtClean="0"/>
+              <a:t>() </a:t>
+            </a:r>
+            <a:r>
+              <a:rPr lang="en-US" dirty="0" smtClean="0"/>
+              <a:t>moved to the background and not visible</a:t>
+            </a:r>
+            <a:endParaRPr lang="en-US" dirty="0"/>
+          </a:p>
+        </p:txBody>
+      </p:sp>
+      <p:pic>
+        <p:nvPicPr>
+          <p:cNvPr id="8" name="Content Placeholder 3"/>
+          <p:cNvPicPr>
+            <a:picLocks noChangeAspect="1"/>
+          </p:cNvPicPr>
+          <p:nvPr/>
+        </p:nvPicPr>
+        <p:blipFill>
+          <a:blip r:embed="rId2">
+            <a:extLst>
+              <a:ext uri="{28A0092B-C50C-407E-A947-70E740481C1C}">
+                <a14:useLocalDpi xmlns:a14="http://schemas.microsoft.com/office/drawing/2010/main" val="0"/>
+              </a:ext>
+            </a:extLst>
+          </a:blip>
+          <a:stretch>
+            <a:fillRect/>
+          </a:stretch>
+        </p:blipFill>
+        <p:spPr>
+          <a:xfrm>
+            <a:off x="5523848" y="901998"/>
+            <a:ext cx="3943705" cy="5096836"/>
+          </a:xfrm>
+          <a:prstGeom prst="rect">
+            <a:avLst/>
+          </a:prstGeom>
+        </p:spPr>
+      </p:pic>
+      <p:sp>
+        <p:nvSpPr>
+          <p:cNvPr id="7" name="Rectangle 6"/>
+          <p:cNvSpPr/>
+          <p:nvPr/>
+        </p:nvSpPr>
+        <p:spPr>
+          <a:xfrm>
+            <a:off x="6928064" y="4350671"/>
+            <a:ext cx="922614" cy="232410"/>
+          </a:xfrm>
+          <a:prstGeom prst="rect">
+            <a:avLst/>
+          </a:prstGeom>
+          <a:noFill/>
+          <a:ln w="38100">
+            <a:solidFill>
+              <a:srgbClr val="FF0000"/>
+            </a:solidFill>
+          </a:ln>
+        </p:spPr>
+        <p:style>
+          <a:lnRef idx="2">
+            <a:schemeClr val="accent1">
+              <a:shade val="50000"/>
+            </a:schemeClr>
+          </a:lnRef>
+          <a:fillRef idx="1">
+            <a:schemeClr val="accent1"/>
+          </a:fillRef>
+          <a:effectRef idx="0">
+            <a:schemeClr val="accent1"/>
+          </a:effectRef>
+          <a:fontRef idx="minor">
+            <a:schemeClr val="lt1"/>
+          </a:fontRef>
+        </p:style>
+        <p:txBody>
+          <a:bodyPr rtlCol="0" anchor="ctr"/>
+          <a:lstStyle/>
+          <a:p>
+            <a:pPr algn="ctr"/>
+            <a:endParaRPr lang="en-US"/>
+          </a:p>
+        </p:txBody>
+      </p:sp>
+    </p:spTree>
+    <p:extLst>
+      <p:ext uri="{BB962C8B-B14F-4D97-AF65-F5344CB8AC3E}">
+        <p14:creationId xmlns:p14="http://schemas.microsoft.com/office/powerpoint/2010/main" val="1261053801"/>
+      </p:ext>
+    </p:extLst>
+  </p:cSld>
+  <p:clrMapOvr>
+    <a:masterClrMapping/>
+  </p:clrMapOvr>
+  <p:timing>
+    <p:tnLst>
+      <p:par>
+        <p:cTn id="1" dur="indefinite" restart="never" nodeType="tmRoot"/>
+      </p:par>
+    </p:tnLst>
+  </p:timing>
+</p:sld>
+</file>
+
+<file path=ppt/slides/slide19.xml><?xml version="1.0" encoding="utf-8"?>
+<p:sld xmlns:a="http://schemas.openxmlformats.org/drawingml/2006/main" xmlns:r="http://schemas.openxmlformats.org/officeDocument/2006/relationships" xmlns:p="http://schemas.openxmlformats.org/presentationml/2006/main">
+  <p:cSld>
+    <p:spTree>
+      <p:nvGrpSpPr>
+        <p:cNvPr id="1" name=""/>
+        <p:cNvGrpSpPr/>
+        <p:nvPr/>
+      </p:nvGrpSpPr>
+      <p:grpSpPr>
+        <a:xfrm>
+          <a:off x="0" y="0"/>
+          <a:ext cx="0" cy="0"/>
+          <a:chOff x="0" y="0"/>
+          <a:chExt cx="0" cy="0"/>
+        </a:xfrm>
+      </p:grpSpPr>
+      <p:sp>
+        <p:nvSpPr>
+          <p:cNvPr id="4" name="Title 1"/>
+          <p:cNvSpPr>
+            <a:spLocks noGrp="1"/>
+          </p:cNvSpPr>
+          <p:nvPr>
+            <p:ph type="title"/>
+          </p:nvPr>
+        </p:nvSpPr>
+        <p:spPr/>
+        <p:txBody>
+          <a:bodyPr/>
+          <a:lstStyle/>
+          <a:p>
+            <a:r>
+              <a:rPr lang="en-US" dirty="0" smtClean="0"/>
+              <a:t>Activity Lifecycle </a:t>
+            </a:r>
+            <a:endParaRPr lang="en-US" dirty="0"/>
+          </a:p>
+        </p:txBody>
+      </p:sp>
+      <p:sp>
+        <p:nvSpPr>
+          <p:cNvPr id="6" name="TextBox 5"/>
+          <p:cNvSpPr txBox="1"/>
+          <p:nvPr/>
+        </p:nvSpPr>
+        <p:spPr>
+          <a:xfrm>
+            <a:off x="819645" y="1906796"/>
+            <a:ext cx="6222670" cy="369332"/>
+          </a:xfrm>
+          <a:prstGeom prst="rect">
+            <a:avLst/>
+          </a:prstGeom>
+          <a:noFill/>
+        </p:spPr>
+        <p:txBody>
+          <a:bodyPr wrap="square" rtlCol="0">
+            <a:spAutoFit/>
+          </a:bodyPr>
+          <a:lstStyle/>
+          <a:p>
+            <a:r>
+              <a:rPr lang="en-US" b="1" dirty="0" err="1" smtClean="0"/>
+              <a:t>onDestroy</a:t>
+            </a:r>
+            <a:r>
+              <a:rPr lang="en-US" b="1" dirty="0" smtClean="0"/>
+              <a:t>() </a:t>
+            </a:r>
+            <a:r>
+              <a:rPr lang="en-US" dirty="0" smtClean="0"/>
+              <a:t>moved to the background and not visible</a:t>
+            </a:r>
+            <a:endParaRPr lang="en-US" dirty="0"/>
+          </a:p>
+        </p:txBody>
+      </p:sp>
+      <p:pic>
+        <p:nvPicPr>
+          <p:cNvPr id="8" name="Content Placeholder 3"/>
+          <p:cNvPicPr>
+            <a:picLocks noChangeAspect="1"/>
+          </p:cNvPicPr>
+          <p:nvPr/>
+        </p:nvPicPr>
+        <p:blipFill>
+          <a:blip r:embed="rId2">
+            <a:extLst>
+              <a:ext uri="{28A0092B-C50C-407E-A947-70E740481C1C}">
+                <a14:useLocalDpi xmlns:a14="http://schemas.microsoft.com/office/drawing/2010/main" val="0"/>
+              </a:ext>
+            </a:extLst>
+          </a:blip>
+          <a:stretch>
+            <a:fillRect/>
+          </a:stretch>
+        </p:blipFill>
+        <p:spPr>
+          <a:xfrm>
+            <a:off x="5523848" y="901998"/>
+            <a:ext cx="3943705" cy="5096836"/>
+          </a:xfrm>
+          <a:prstGeom prst="rect">
+            <a:avLst/>
+          </a:prstGeom>
+        </p:spPr>
+      </p:pic>
+      <p:sp>
+        <p:nvSpPr>
+          <p:cNvPr id="7" name="Rectangle 6"/>
+          <p:cNvSpPr/>
+          <p:nvPr/>
+        </p:nvSpPr>
+        <p:spPr>
+          <a:xfrm>
+            <a:off x="6868688" y="5110321"/>
+            <a:ext cx="922614" cy="232410"/>
+          </a:xfrm>
+          <a:prstGeom prst="rect">
+            <a:avLst/>
+          </a:prstGeom>
+          <a:noFill/>
+          <a:ln w="38100">
+            <a:solidFill>
+              <a:srgbClr val="FF0000"/>
+            </a:solidFill>
+          </a:ln>
+        </p:spPr>
+        <p:style>
+          <a:lnRef idx="2">
+            <a:schemeClr val="accent1">
+              <a:shade val="50000"/>
+            </a:schemeClr>
+          </a:lnRef>
+          <a:fillRef idx="1">
+            <a:schemeClr val="accent1"/>
+          </a:fillRef>
+          <a:effectRef idx="0">
+            <a:schemeClr val="accent1"/>
+          </a:effectRef>
+          <a:fontRef idx="minor">
+            <a:schemeClr val="lt1"/>
+          </a:fontRef>
+        </p:style>
+        <p:txBody>
+          <a:bodyPr rtlCol="0" anchor="ctr"/>
+          <a:lstStyle/>
+          <a:p>
+            <a:pPr algn="ctr"/>
+            <a:endParaRPr lang="en-US"/>
+          </a:p>
+        </p:txBody>
+      </p:sp>
+    </p:spTree>
+    <p:extLst>
+      <p:ext uri="{BB962C8B-B14F-4D97-AF65-F5344CB8AC3E}">
+        <p14:creationId xmlns:p14="http://schemas.microsoft.com/office/powerpoint/2010/main" val="1338317668"/>
+      </p:ext>
+    </p:extLst>
+  </p:cSld>
+  <p:clrMapOvr>
+    <a:masterClrMapping/>
+  </p:clrMapOvr>
+  <p:timing>
+    <p:tnLst>
+      <p:par>
+        <p:cTn id="1" dur="indefinite" restart="never" nodeType="tmRoot"/>
+      </p:par>
+    </p:tnLst>
+  </p:timing>
+</p:sld>
+</file>
+
+<file path=ppt/slides/slide2.xml><?xml version="1.0" encoding="utf-8"?>
+<p:sld xmlns:a="http://schemas.openxmlformats.org/drawingml/2006/main" xmlns:r="http://schemas.openxmlformats.org/officeDocument/2006/relationships" xmlns:p="http://schemas.openxmlformats.org/presentationml/2006/main">
+  <p:cSld>
+    <p:spTree>
+      <p:nvGrpSpPr>
+        <p:cNvPr id="1" name=""/>
+        <p:cNvGrpSpPr/>
+        <p:nvPr/>
+      </p:nvGrpSpPr>
+      <p:grpSpPr>
+        <a:xfrm>
+          <a:off x="0" y="0"/>
+          <a:ext cx="0" cy="0"/>
+          <a:chOff x="0" y="0"/>
+          <a:chExt cx="0" cy="0"/>
+        </a:xfrm>
+      </p:grpSpPr>
+      <p:sp>
+        <p:nvSpPr>
+          <p:cNvPr id="2" name="Title 1"/>
+          <p:cNvSpPr>
+            <a:spLocks noGrp="1"/>
+          </p:cNvSpPr>
+          <p:nvPr>
+            <p:ph type="title"/>
+          </p:nvPr>
+        </p:nvSpPr>
+        <p:spPr/>
+        <p:txBody>
+          <a:bodyPr/>
+          <a:lstStyle/>
+          <a:p>
+            <a:r>
+              <a:rPr lang="en-US" dirty="0" smtClean="0"/>
+              <a:t>Goals</a:t>
+            </a:r>
+            <a:endParaRPr lang="en-US" dirty="0"/>
+          </a:p>
+        </p:txBody>
+      </p:sp>
+      <p:sp>
+        <p:nvSpPr>
+          <p:cNvPr id="3" name="Content Placeholder 2"/>
+          <p:cNvSpPr>
+            <a:spLocks noGrp="1"/>
+          </p:cNvSpPr>
+          <p:nvPr>
+            <p:ph idx="1"/>
+          </p:nvPr>
+        </p:nvSpPr>
+        <p:spPr/>
+        <p:txBody>
+          <a:bodyPr/>
+          <a:lstStyle/>
+          <a:p>
+            <a:r>
+              <a:rPr lang="en-US" dirty="0" smtClean="0"/>
+              <a:t>Develop a </a:t>
+            </a:r>
+            <a:r>
+              <a:rPr lang="en-US" dirty="0" err="1" smtClean="0"/>
+              <a:t>BlueSkies</a:t>
+            </a:r>
+            <a:r>
+              <a:rPr lang="en-US" dirty="0" smtClean="0"/>
+              <a:t> App</a:t>
+            </a:r>
+            <a:endParaRPr lang="en-US" dirty="0"/>
+          </a:p>
+        </p:txBody>
+      </p:sp>
+      <p:pic>
+        <p:nvPicPr>
+          <p:cNvPr id="4" name="Picture 3"/>
+          <p:cNvPicPr>
+            <a:picLocks noChangeAspect="1"/>
+          </p:cNvPicPr>
+          <p:nvPr/>
+        </p:nvPicPr>
+        <p:blipFill>
+          <a:blip r:embed="rId2" cstate="print">
+            <a:extLst>
+              <a:ext uri="{28A0092B-C50C-407E-A947-70E740481C1C}">
+                <a14:useLocalDpi xmlns:a14="http://schemas.microsoft.com/office/drawing/2010/main" val="0"/>
+              </a:ext>
+            </a:extLst>
+          </a:blip>
+          <a:stretch>
+            <a:fillRect/>
+          </a:stretch>
+        </p:blipFill>
+        <p:spPr>
+          <a:xfrm>
+            <a:off x="6948283" y="1389412"/>
+            <a:ext cx="2813142" cy="4672941"/>
+          </a:xfrm>
+          <a:prstGeom prst="rect">
+            <a:avLst/>
+          </a:prstGeom>
+        </p:spPr>
+      </p:pic>
+    </p:spTree>
+    <p:extLst>
+      <p:ext uri="{BB962C8B-B14F-4D97-AF65-F5344CB8AC3E}">
+        <p14:creationId xmlns:p14="http://schemas.microsoft.com/office/powerpoint/2010/main" val="1850275397"/>
+      </p:ext>
+    </p:extLst>
+  </p:cSld>
+  <p:clrMapOvr>
+    <a:masterClrMapping/>
+  </p:clrMapOvr>
+  <p:timing>
+    <p:tnLst>
+      <p:par>
+        <p:cTn id="1" dur="indefinite" restart="never" nodeType="tmRoot"/>
+      </p:par>
+    </p:tnLst>
+  </p:timing>
+</p:sld>
+</file>
+
+<file path=ppt/slides/slide20.xml><?xml version="1.0" encoding="utf-8"?>
+<p:sld xmlns:a="http://schemas.openxmlformats.org/drawingml/2006/main" xmlns:r="http://schemas.openxmlformats.org/officeDocument/2006/relationships" xmlns:p="http://schemas.openxmlformats.org/presentationml/2006/main">
+  <p:cSld>
+    <p:spTree>
+      <p:nvGrpSpPr>
+        <p:cNvPr id="1" name=""/>
+        <p:cNvGrpSpPr/>
+        <p:nvPr/>
+      </p:nvGrpSpPr>
+      <p:grpSpPr>
+        <a:xfrm>
+          <a:off x="0" y="0"/>
+          <a:ext cx="0" cy="0"/>
+          <a:chOff x="0" y="0"/>
+          <a:chExt cx="0" cy="0"/>
+        </a:xfrm>
+      </p:grpSpPr>
+      <p:sp>
+        <p:nvSpPr>
+          <p:cNvPr id="4" name="Title 1"/>
+          <p:cNvSpPr>
+            <a:spLocks noGrp="1"/>
+          </p:cNvSpPr>
+          <p:nvPr>
+            <p:ph type="title"/>
+          </p:nvPr>
+        </p:nvSpPr>
+        <p:spPr/>
+        <p:txBody>
+          <a:bodyPr/>
+          <a:lstStyle/>
+          <a:p>
+            <a:r>
+              <a:rPr lang="en-US" dirty="0" smtClean="0"/>
+              <a:t>Activity Lifecycle </a:t>
+            </a:r>
+            <a:endParaRPr lang="en-US" dirty="0"/>
+          </a:p>
+        </p:txBody>
+      </p:sp>
+      <p:sp>
+        <p:nvSpPr>
+          <p:cNvPr id="6" name="TextBox 5"/>
+          <p:cNvSpPr txBox="1"/>
+          <p:nvPr/>
+        </p:nvSpPr>
+        <p:spPr>
+          <a:xfrm>
+            <a:off x="819645" y="1906796"/>
+            <a:ext cx="6222670" cy="369332"/>
+          </a:xfrm>
+          <a:prstGeom prst="rect">
+            <a:avLst/>
+          </a:prstGeom>
+          <a:noFill/>
+        </p:spPr>
+        <p:txBody>
+          <a:bodyPr wrap="square" rtlCol="0">
+            <a:spAutoFit/>
+          </a:bodyPr>
+          <a:lstStyle/>
+          <a:p>
+            <a:r>
+              <a:rPr lang="en-US" b="1" dirty="0" err="1" smtClean="0"/>
+              <a:t>onRestart</a:t>
+            </a:r>
+            <a:r>
+              <a:rPr lang="en-US" b="1" dirty="0" smtClean="0"/>
+              <a:t>() </a:t>
+            </a:r>
+            <a:r>
+              <a:rPr lang="en-US" dirty="0" smtClean="0"/>
+              <a:t>activity is stopped, then started again</a:t>
+            </a:r>
+            <a:endParaRPr lang="en-US" dirty="0"/>
+          </a:p>
+        </p:txBody>
+      </p:sp>
+      <p:pic>
+        <p:nvPicPr>
+          <p:cNvPr id="8" name="Content Placeholder 3"/>
+          <p:cNvPicPr>
+            <a:picLocks noChangeAspect="1"/>
+          </p:cNvPicPr>
+          <p:nvPr/>
+        </p:nvPicPr>
+        <p:blipFill>
+          <a:blip r:embed="rId2">
+            <a:extLst>
+              <a:ext uri="{28A0092B-C50C-407E-A947-70E740481C1C}">
+                <a14:useLocalDpi xmlns:a14="http://schemas.microsoft.com/office/drawing/2010/main" val="0"/>
+              </a:ext>
+            </a:extLst>
+          </a:blip>
+          <a:stretch>
+            <a:fillRect/>
+          </a:stretch>
+        </p:blipFill>
+        <p:spPr>
+          <a:xfrm>
+            <a:off x="5523848" y="901998"/>
+            <a:ext cx="3943705" cy="5096836"/>
+          </a:xfrm>
+          <a:prstGeom prst="rect">
+            <a:avLst/>
+          </a:prstGeom>
+        </p:spPr>
+      </p:pic>
+      <p:sp>
+        <p:nvSpPr>
+          <p:cNvPr id="7" name="Rectangle 6"/>
+          <p:cNvSpPr/>
+          <p:nvPr/>
+        </p:nvSpPr>
+        <p:spPr>
+          <a:xfrm>
+            <a:off x="8533064" y="1915707"/>
+            <a:ext cx="922614" cy="232410"/>
+          </a:xfrm>
+          <a:prstGeom prst="rect">
+            <a:avLst/>
+          </a:prstGeom>
+          <a:noFill/>
+          <a:ln w="38100">
+            <a:solidFill>
+              <a:srgbClr val="FF0000"/>
+            </a:solidFill>
+          </a:ln>
+        </p:spPr>
+        <p:style>
+          <a:lnRef idx="2">
+            <a:schemeClr val="accent1">
+              <a:shade val="50000"/>
+            </a:schemeClr>
+          </a:lnRef>
+          <a:fillRef idx="1">
+            <a:schemeClr val="accent1"/>
+          </a:fillRef>
+          <a:effectRef idx="0">
+            <a:schemeClr val="accent1"/>
+          </a:effectRef>
+          <a:fontRef idx="minor">
+            <a:schemeClr val="lt1"/>
+          </a:fontRef>
+        </p:style>
+        <p:txBody>
+          <a:bodyPr rtlCol="0" anchor="ctr"/>
+          <a:lstStyle/>
+          <a:p>
+            <a:pPr algn="ctr"/>
+            <a:endParaRPr lang="en-US"/>
+          </a:p>
+        </p:txBody>
+      </p:sp>
+    </p:spTree>
+    <p:extLst>
+      <p:ext uri="{BB962C8B-B14F-4D97-AF65-F5344CB8AC3E}">
+        <p14:creationId xmlns:p14="http://schemas.microsoft.com/office/powerpoint/2010/main" val="3335284568"/>
+      </p:ext>
+    </p:extLst>
+  </p:cSld>
+  <p:clrMapOvr>
+    <a:masterClrMapping/>
+  </p:clrMapOvr>
+  <p:timing>
+    <p:tnLst>
+      <p:par>
+        <p:cTn id="1" dur="indefinite" restart="never" nodeType="tmRoot"/>
+      </p:par>
+    </p:tnLst>
+  </p:timing>
+</p:sld>
+</file>
+
+<file path=ppt/slides/slide21.xml><?xml version="1.0" encoding="utf-8"?>
+<p:sld xmlns:a="http://schemas.openxmlformats.org/drawingml/2006/main" xmlns:r="http://schemas.openxmlformats.org/officeDocument/2006/relationships" xmlns:p="http://schemas.openxmlformats.org/presentationml/2006/main">
+  <p:cSld>
+    <p:spTree>
+      <p:nvGrpSpPr>
+        <p:cNvPr id="1" name=""/>
+        <p:cNvGrpSpPr/>
+        <p:nvPr/>
+      </p:nvGrpSpPr>
+      <p:grpSpPr>
+        <a:xfrm>
+          <a:off x="0" y="0"/>
+          <a:ext cx="0" cy="0"/>
+          <a:chOff x="0" y="0"/>
+          <a:chExt cx="0" cy="0"/>
+        </a:xfrm>
+      </p:grpSpPr>
+      <p:sp>
+        <p:nvSpPr>
+          <p:cNvPr id="2" name="Title 1"/>
+          <p:cNvSpPr>
+            <a:spLocks noGrp="1"/>
+          </p:cNvSpPr>
+          <p:nvPr>
+            <p:ph type="title"/>
+          </p:nvPr>
+        </p:nvSpPr>
+        <p:spPr/>
+        <p:txBody>
+          <a:bodyPr/>
+          <a:lstStyle/>
+          <a:p>
+            <a:r>
+              <a:rPr lang="en-US" dirty="0" smtClean="0"/>
+              <a:t>Activity Lifecycle counterparts</a:t>
+            </a:r>
+            <a:endParaRPr lang="en-US" dirty="0"/>
+          </a:p>
+        </p:txBody>
+      </p:sp>
+      <p:sp>
+        <p:nvSpPr>
+          <p:cNvPr id="5" name="Rounded Rectangle 4"/>
+          <p:cNvSpPr/>
+          <p:nvPr/>
+        </p:nvSpPr>
+        <p:spPr>
+          <a:xfrm>
+            <a:off x="2743200" y="2088068"/>
+            <a:ext cx="2434441" cy="748145"/>
+          </a:xfrm>
+          <a:prstGeom prst="roundRect">
+            <a:avLst/>
+          </a:prstGeom>
+          <a:solidFill>
+            <a:schemeClr val="bg1">
+              <a:lumMod val="85000"/>
+            </a:schemeClr>
+          </a:solidFill>
+          <a:ln>
+            <a:solidFill>
+              <a:schemeClr val="bg1">
+                <a:lumMod val="50000"/>
+              </a:schemeClr>
+            </a:solidFill>
+          </a:ln>
+        </p:spPr>
+        <p:style>
+          <a:lnRef idx="2">
+            <a:schemeClr val="accent1">
+              <a:shade val="50000"/>
+            </a:schemeClr>
+          </a:lnRef>
+          <a:fillRef idx="1">
+            <a:schemeClr val="accent1"/>
+          </a:fillRef>
+          <a:effectRef idx="0">
+            <a:schemeClr val="accent1"/>
+          </a:effectRef>
+          <a:fontRef idx="minor">
+            <a:schemeClr val="lt1"/>
+          </a:fontRef>
+        </p:style>
+        <p:txBody>
+          <a:bodyPr rtlCol="0" anchor="ctr"/>
+          <a:lstStyle/>
+          <a:p>
+            <a:pPr algn="ctr"/>
+            <a:r>
+              <a:rPr lang="en-US" dirty="0" smtClean="0">
+                <a:solidFill>
+                  <a:schemeClr val="tx1"/>
+                </a:solidFill>
+              </a:rPr>
+              <a:t>OnCreate()</a:t>
+            </a:r>
+            <a:endParaRPr lang="en-US" dirty="0">
+              <a:solidFill>
+                <a:schemeClr val="tx1"/>
+              </a:solidFill>
+            </a:endParaRPr>
+          </a:p>
+        </p:txBody>
+      </p:sp>
+      <p:sp>
+        <p:nvSpPr>
+          <p:cNvPr id="6" name="Rounded Rectangle 5"/>
+          <p:cNvSpPr/>
+          <p:nvPr/>
+        </p:nvSpPr>
+        <p:spPr>
+          <a:xfrm>
+            <a:off x="7087590" y="2088068"/>
+            <a:ext cx="2434441" cy="748145"/>
+          </a:xfrm>
+          <a:prstGeom prst="roundRect">
+            <a:avLst/>
+          </a:prstGeom>
+          <a:solidFill>
+            <a:schemeClr val="bg1">
+              <a:lumMod val="85000"/>
+            </a:schemeClr>
+          </a:solidFill>
+          <a:ln>
+            <a:solidFill>
+              <a:schemeClr val="bg1">
+                <a:lumMod val="50000"/>
+              </a:schemeClr>
+            </a:solidFill>
+          </a:ln>
+        </p:spPr>
+        <p:style>
+          <a:lnRef idx="2">
+            <a:schemeClr val="accent1">
+              <a:shade val="50000"/>
+            </a:schemeClr>
+          </a:lnRef>
+          <a:fillRef idx="1">
+            <a:schemeClr val="accent1"/>
+          </a:fillRef>
+          <a:effectRef idx="0">
+            <a:schemeClr val="accent1"/>
+          </a:effectRef>
+          <a:fontRef idx="minor">
+            <a:schemeClr val="lt1"/>
+          </a:fontRef>
+        </p:style>
+        <p:txBody>
+          <a:bodyPr rtlCol="0" anchor="ctr"/>
+          <a:lstStyle/>
+          <a:p>
+            <a:pPr algn="ctr"/>
+            <a:r>
+              <a:rPr lang="en-US" dirty="0" err="1" smtClean="0">
+                <a:solidFill>
+                  <a:schemeClr val="tx1"/>
+                </a:solidFill>
+              </a:rPr>
+              <a:t>OnDestroy</a:t>
+            </a:r>
+            <a:r>
+              <a:rPr lang="en-US" dirty="0" smtClean="0">
+                <a:solidFill>
+                  <a:schemeClr val="tx1"/>
+                </a:solidFill>
+              </a:rPr>
+              <a:t>()</a:t>
+            </a:r>
+            <a:endParaRPr lang="en-US" dirty="0">
+              <a:solidFill>
+                <a:schemeClr val="tx1"/>
+              </a:solidFill>
+            </a:endParaRPr>
+          </a:p>
+        </p:txBody>
+      </p:sp>
+      <p:sp>
+        <p:nvSpPr>
+          <p:cNvPr id="7" name="Rounded Rectangle 6"/>
+          <p:cNvSpPr/>
+          <p:nvPr/>
+        </p:nvSpPr>
+        <p:spPr>
+          <a:xfrm>
+            <a:off x="2743200" y="3237996"/>
+            <a:ext cx="2434441" cy="748145"/>
+          </a:xfrm>
+          <a:prstGeom prst="roundRect">
+            <a:avLst/>
+          </a:prstGeom>
+          <a:solidFill>
+            <a:schemeClr val="bg1">
+              <a:lumMod val="85000"/>
+            </a:schemeClr>
+          </a:solidFill>
+          <a:ln>
+            <a:solidFill>
+              <a:schemeClr val="bg1">
+                <a:lumMod val="50000"/>
+              </a:schemeClr>
+            </a:solidFill>
+          </a:ln>
+        </p:spPr>
+        <p:style>
+          <a:lnRef idx="2">
+            <a:schemeClr val="accent1">
+              <a:shade val="50000"/>
+            </a:schemeClr>
+          </a:lnRef>
+          <a:fillRef idx="1">
+            <a:schemeClr val="accent1"/>
+          </a:fillRef>
+          <a:effectRef idx="0">
+            <a:schemeClr val="accent1"/>
+          </a:effectRef>
+          <a:fontRef idx="minor">
+            <a:schemeClr val="lt1"/>
+          </a:fontRef>
+        </p:style>
+        <p:txBody>
+          <a:bodyPr rtlCol="0" anchor="ctr"/>
+          <a:lstStyle/>
+          <a:p>
+            <a:pPr algn="ctr"/>
+            <a:r>
+              <a:rPr lang="en-US" dirty="0" err="1" smtClean="0">
+                <a:solidFill>
+                  <a:schemeClr val="tx1"/>
+                </a:solidFill>
+              </a:rPr>
+              <a:t>onStart</a:t>
+            </a:r>
+            <a:r>
+              <a:rPr lang="en-US" dirty="0" smtClean="0">
+                <a:solidFill>
+                  <a:schemeClr val="tx1"/>
+                </a:solidFill>
+              </a:rPr>
+              <a:t>()</a:t>
+            </a:r>
+            <a:endParaRPr lang="en-US" dirty="0">
+              <a:solidFill>
+                <a:schemeClr val="tx1"/>
+              </a:solidFill>
+            </a:endParaRPr>
+          </a:p>
+        </p:txBody>
+      </p:sp>
+      <p:sp>
+        <p:nvSpPr>
+          <p:cNvPr id="8" name="Rounded Rectangle 7"/>
+          <p:cNvSpPr/>
+          <p:nvPr/>
+        </p:nvSpPr>
+        <p:spPr>
+          <a:xfrm>
+            <a:off x="7087590" y="3237996"/>
+            <a:ext cx="2434441" cy="748145"/>
+          </a:xfrm>
+          <a:prstGeom prst="roundRect">
+            <a:avLst/>
+          </a:prstGeom>
+          <a:solidFill>
+            <a:schemeClr val="bg1">
+              <a:lumMod val="85000"/>
+            </a:schemeClr>
+          </a:solidFill>
+          <a:ln>
+            <a:solidFill>
+              <a:schemeClr val="bg1">
+                <a:lumMod val="50000"/>
+              </a:schemeClr>
+            </a:solidFill>
+          </a:ln>
+        </p:spPr>
+        <p:style>
+          <a:lnRef idx="2">
+            <a:schemeClr val="accent1">
+              <a:shade val="50000"/>
+            </a:schemeClr>
+          </a:lnRef>
+          <a:fillRef idx="1">
+            <a:schemeClr val="accent1"/>
+          </a:fillRef>
+          <a:effectRef idx="0">
+            <a:schemeClr val="accent1"/>
+          </a:effectRef>
+          <a:fontRef idx="minor">
+            <a:schemeClr val="lt1"/>
+          </a:fontRef>
+        </p:style>
+        <p:txBody>
+          <a:bodyPr rtlCol="0" anchor="ctr"/>
+          <a:lstStyle/>
+          <a:p>
+            <a:pPr algn="ctr"/>
+            <a:r>
+              <a:rPr lang="en-US" dirty="0" err="1" smtClean="0">
+                <a:solidFill>
+                  <a:schemeClr val="tx1"/>
+                </a:solidFill>
+              </a:rPr>
+              <a:t>onStop</a:t>
+            </a:r>
+            <a:r>
+              <a:rPr lang="en-US" dirty="0" smtClean="0">
+                <a:solidFill>
+                  <a:schemeClr val="tx1"/>
+                </a:solidFill>
+              </a:rPr>
+              <a:t>()</a:t>
+            </a:r>
+            <a:endParaRPr lang="en-US" dirty="0">
+              <a:solidFill>
+                <a:schemeClr val="tx1"/>
+              </a:solidFill>
+            </a:endParaRPr>
+          </a:p>
+        </p:txBody>
+      </p:sp>
+      <p:sp>
+        <p:nvSpPr>
+          <p:cNvPr id="9" name="Rounded Rectangle 8"/>
+          <p:cNvSpPr/>
+          <p:nvPr/>
+        </p:nvSpPr>
+        <p:spPr>
+          <a:xfrm>
+            <a:off x="2743200" y="4556156"/>
+            <a:ext cx="2434441" cy="748145"/>
+          </a:xfrm>
+          <a:prstGeom prst="roundRect">
+            <a:avLst/>
+          </a:prstGeom>
+          <a:solidFill>
+            <a:schemeClr val="bg1">
+              <a:lumMod val="85000"/>
+            </a:schemeClr>
+          </a:solidFill>
+          <a:ln>
+            <a:solidFill>
+              <a:schemeClr val="bg1">
+                <a:lumMod val="50000"/>
+              </a:schemeClr>
+            </a:solidFill>
+          </a:ln>
+        </p:spPr>
+        <p:style>
+          <a:lnRef idx="2">
+            <a:schemeClr val="accent1">
+              <a:shade val="50000"/>
+            </a:schemeClr>
+          </a:lnRef>
+          <a:fillRef idx="1">
+            <a:schemeClr val="accent1"/>
+          </a:fillRef>
+          <a:effectRef idx="0">
+            <a:schemeClr val="accent1"/>
+          </a:effectRef>
+          <a:fontRef idx="minor">
+            <a:schemeClr val="lt1"/>
+          </a:fontRef>
+        </p:style>
+        <p:txBody>
+          <a:bodyPr rtlCol="0" anchor="ctr"/>
+          <a:lstStyle/>
+          <a:p>
+            <a:pPr algn="ctr"/>
+            <a:r>
+              <a:rPr lang="en-US" dirty="0" err="1" smtClean="0">
+                <a:solidFill>
+                  <a:schemeClr val="tx1"/>
+                </a:solidFill>
+              </a:rPr>
+              <a:t>onResume</a:t>
+            </a:r>
+            <a:r>
+              <a:rPr lang="en-US" dirty="0" smtClean="0">
+                <a:solidFill>
+                  <a:schemeClr val="tx1"/>
+                </a:solidFill>
+              </a:rPr>
+              <a:t>()</a:t>
+            </a:r>
+            <a:endParaRPr lang="en-US" dirty="0">
+              <a:solidFill>
+                <a:schemeClr val="tx1"/>
+              </a:solidFill>
+            </a:endParaRPr>
+          </a:p>
+        </p:txBody>
+      </p:sp>
+      <p:sp>
+        <p:nvSpPr>
+          <p:cNvPr id="10" name="Rounded Rectangle 9"/>
+          <p:cNvSpPr/>
+          <p:nvPr/>
+        </p:nvSpPr>
+        <p:spPr>
+          <a:xfrm>
+            <a:off x="7087590" y="4556156"/>
+            <a:ext cx="2434441" cy="748145"/>
+          </a:xfrm>
+          <a:prstGeom prst="roundRect">
+            <a:avLst/>
+          </a:prstGeom>
+          <a:solidFill>
+            <a:schemeClr val="bg1">
+              <a:lumMod val="85000"/>
+            </a:schemeClr>
+          </a:solidFill>
+          <a:ln>
+            <a:solidFill>
+              <a:schemeClr val="bg1">
+                <a:lumMod val="50000"/>
+              </a:schemeClr>
+            </a:solidFill>
+          </a:ln>
+        </p:spPr>
+        <p:style>
+          <a:lnRef idx="2">
+            <a:schemeClr val="accent1">
+              <a:shade val="50000"/>
+            </a:schemeClr>
+          </a:lnRef>
+          <a:fillRef idx="1">
+            <a:schemeClr val="accent1"/>
+          </a:fillRef>
+          <a:effectRef idx="0">
+            <a:schemeClr val="accent1"/>
+          </a:effectRef>
+          <a:fontRef idx="minor">
+            <a:schemeClr val="lt1"/>
+          </a:fontRef>
+        </p:style>
+        <p:txBody>
+          <a:bodyPr rtlCol="0" anchor="ctr"/>
+          <a:lstStyle/>
+          <a:p>
+            <a:pPr algn="ctr"/>
+            <a:r>
+              <a:rPr lang="en-US" dirty="0" err="1" smtClean="0">
+                <a:solidFill>
+                  <a:schemeClr val="tx1"/>
+                </a:solidFill>
+              </a:rPr>
+              <a:t>onPause</a:t>
+            </a:r>
+            <a:r>
+              <a:rPr lang="en-US" dirty="0" smtClean="0">
+                <a:solidFill>
+                  <a:schemeClr val="tx1"/>
+                </a:solidFill>
+              </a:rPr>
+              <a:t>()</a:t>
+            </a:r>
+            <a:endParaRPr lang="en-US" dirty="0">
+              <a:solidFill>
+                <a:schemeClr val="tx1"/>
+              </a:solidFill>
+            </a:endParaRPr>
+          </a:p>
+        </p:txBody>
+      </p:sp>
+      <p:sp>
+        <p:nvSpPr>
+          <p:cNvPr id="11" name="Right Arrow 10"/>
+          <p:cNvSpPr/>
+          <p:nvPr/>
+        </p:nvSpPr>
+        <p:spPr>
+          <a:xfrm>
+            <a:off x="5557653" y="2284011"/>
+            <a:ext cx="1187532" cy="356259"/>
+          </a:xfrm>
+          <a:prstGeom prst="rightArrow">
+            <a:avLst/>
+          </a:prstGeom>
+        </p:spPr>
+        <p:style>
+          <a:lnRef idx="2">
+            <a:schemeClr val="accent1">
+              <a:shade val="50000"/>
+            </a:schemeClr>
+          </a:lnRef>
+          <a:fillRef idx="1">
+            <a:schemeClr val="accent1"/>
+          </a:fillRef>
+          <a:effectRef idx="0">
+            <a:schemeClr val="accent1"/>
+          </a:effectRef>
+          <a:fontRef idx="minor">
+            <a:schemeClr val="lt1"/>
+          </a:fontRef>
+        </p:style>
+        <p:txBody>
+          <a:bodyPr rtlCol="0" anchor="ctr"/>
+          <a:lstStyle/>
+          <a:p>
+            <a:pPr algn="ctr"/>
+            <a:endParaRPr lang="en-US"/>
+          </a:p>
+        </p:txBody>
+      </p:sp>
+      <p:sp>
+        <p:nvSpPr>
+          <p:cNvPr id="12" name="Right Arrow 11"/>
+          <p:cNvSpPr/>
+          <p:nvPr/>
+        </p:nvSpPr>
+        <p:spPr>
+          <a:xfrm>
+            <a:off x="5557653" y="3433939"/>
+            <a:ext cx="1187532" cy="356259"/>
+          </a:xfrm>
+          <a:prstGeom prst="rightArrow">
+            <a:avLst/>
+          </a:prstGeom>
+        </p:spPr>
+        <p:style>
+          <a:lnRef idx="2">
+            <a:schemeClr val="accent1">
+              <a:shade val="50000"/>
+            </a:schemeClr>
+          </a:lnRef>
+          <a:fillRef idx="1">
+            <a:schemeClr val="accent1"/>
+          </a:fillRef>
+          <a:effectRef idx="0">
+            <a:schemeClr val="accent1"/>
+          </a:effectRef>
+          <a:fontRef idx="minor">
+            <a:schemeClr val="lt1"/>
+          </a:fontRef>
+        </p:style>
+        <p:txBody>
+          <a:bodyPr rtlCol="0" anchor="ctr"/>
+          <a:lstStyle/>
+          <a:p>
+            <a:pPr algn="ctr"/>
+            <a:endParaRPr lang="en-US"/>
+          </a:p>
+        </p:txBody>
+      </p:sp>
+      <p:sp>
+        <p:nvSpPr>
+          <p:cNvPr id="13" name="Right Arrow 12"/>
+          <p:cNvSpPr/>
+          <p:nvPr/>
+        </p:nvSpPr>
+        <p:spPr>
+          <a:xfrm>
+            <a:off x="5557653" y="4752099"/>
+            <a:ext cx="1187532" cy="356259"/>
+          </a:xfrm>
+          <a:prstGeom prst="rightArrow">
+            <a:avLst/>
+          </a:prstGeom>
+        </p:spPr>
+        <p:style>
+          <a:lnRef idx="2">
+            <a:schemeClr val="accent1">
+              <a:shade val="50000"/>
+            </a:schemeClr>
+          </a:lnRef>
+          <a:fillRef idx="1">
+            <a:schemeClr val="accent1"/>
+          </a:fillRef>
+          <a:effectRef idx="0">
+            <a:schemeClr val="accent1"/>
+          </a:effectRef>
+          <a:fontRef idx="minor">
+            <a:schemeClr val="lt1"/>
+          </a:fontRef>
+        </p:style>
+        <p:txBody>
+          <a:bodyPr rtlCol="0" anchor="ctr"/>
+          <a:lstStyle/>
+          <a:p>
+            <a:pPr algn="ctr"/>
+            <a:endParaRPr lang="en-US"/>
+          </a:p>
+        </p:txBody>
+      </p:sp>
+    </p:spTree>
+    <p:extLst>
+      <p:ext uri="{BB962C8B-B14F-4D97-AF65-F5344CB8AC3E}">
+        <p14:creationId xmlns:p14="http://schemas.microsoft.com/office/powerpoint/2010/main" val="3270950444"/>
+      </p:ext>
+    </p:extLst>
+  </p:cSld>
+  <p:clrMapOvr>
+    <a:masterClrMapping/>
+  </p:clrMapOvr>
+  <p:timing>
+    <p:tnLst>
+      <p:par>
+        <p:cTn id="1" dur="indefinite" restart="never" nodeType="tmRoot"/>
+      </p:par>
+    </p:tnLst>
+  </p:timing>
+</p:sld>
+</file>
+
+<file path=ppt/slides/slide22.xml><?xml version="1.0" encoding="utf-8"?>
+<p:sld xmlns:a="http://schemas.openxmlformats.org/drawingml/2006/main" xmlns:r="http://schemas.openxmlformats.org/officeDocument/2006/relationships" xmlns:p="http://schemas.openxmlformats.org/presentationml/2006/main">
+  <p:cSld>
+    <p:spTree>
+      <p:nvGrpSpPr>
+        <p:cNvPr id="1" name=""/>
+        <p:cNvGrpSpPr/>
+        <p:nvPr/>
+      </p:nvGrpSpPr>
+      <p:grpSpPr>
+        <a:xfrm>
+          <a:off x="0" y="0"/>
+          <a:ext cx="0" cy="0"/>
+          <a:chOff x="0" y="0"/>
+          <a:chExt cx="0" cy="0"/>
+        </a:xfrm>
+      </p:grpSpPr>
+      <p:sp>
+        <p:nvSpPr>
+          <p:cNvPr id="2" name="Title 1"/>
+          <p:cNvSpPr>
+            <a:spLocks noGrp="1"/>
+          </p:cNvSpPr>
+          <p:nvPr>
+            <p:ph type="title"/>
+          </p:nvPr>
+        </p:nvSpPr>
+        <p:spPr/>
+        <p:txBody>
+          <a:bodyPr/>
+          <a:lstStyle/>
+          <a:p>
+            <a:r>
+              <a:rPr lang="en-US" dirty="0" err="1" smtClean="0"/>
+              <a:t>Github</a:t>
+            </a:r>
+            <a:endParaRPr lang="en-US" dirty="0"/>
+          </a:p>
+        </p:txBody>
+      </p:sp>
+      <p:sp>
+        <p:nvSpPr>
+          <p:cNvPr id="3" name="Content Placeholder 2"/>
+          <p:cNvSpPr>
+            <a:spLocks noGrp="1"/>
+          </p:cNvSpPr>
+          <p:nvPr>
+            <p:ph idx="1"/>
+          </p:nvPr>
+        </p:nvSpPr>
+        <p:spPr/>
+        <p:txBody>
+          <a:bodyPr/>
+          <a:lstStyle/>
+          <a:p>
+            <a:endParaRPr lang="en-US"/>
+          </a:p>
+        </p:txBody>
+      </p:sp>
+    </p:spTree>
+    <p:extLst>
+      <p:ext uri="{BB962C8B-B14F-4D97-AF65-F5344CB8AC3E}">
+        <p14:creationId xmlns:p14="http://schemas.microsoft.com/office/powerpoint/2010/main" val="719851520"/>
+      </p:ext>
+    </p:extLst>
+  </p:cSld>
+  <p:clrMapOvr>
+    <a:masterClrMapping/>
+  </p:clrMapOvr>
+  <p:timing>
+    <p:tnLst>
+      <p:par>
+        <p:cTn id="1" dur="indefinite" restart="never" nodeType="tmRoot"/>
+      </p:par>
+    </p:tnLst>
+  </p:timing>
+</p:sld>
+</file>
+
+<file path=ppt/slides/slide3.xml><?xml version="1.0" encoding="utf-8"?>
+<p:sld xmlns:a="http://schemas.openxmlformats.org/drawingml/2006/main" xmlns:r="http://schemas.openxmlformats.org/officeDocument/2006/relationships" xmlns:p="http://schemas.openxmlformats.org/presentationml/2006/main">
+  <p:cSld>
+    <p:spTree>
+      <p:nvGrpSpPr>
+        <p:cNvPr id="1" name=""/>
+        <p:cNvGrpSpPr/>
+        <p:nvPr/>
+      </p:nvGrpSpPr>
+      <p:grpSpPr>
+        <a:xfrm>
+          <a:off x="0" y="0"/>
+          <a:ext cx="0" cy="0"/>
+          <a:chOff x="0" y="0"/>
+          <a:chExt cx="0" cy="0"/>
+        </a:xfrm>
+      </p:grpSpPr>
+      <p:sp>
+        <p:nvSpPr>
+          <p:cNvPr id="2" name="Title 1"/>
+          <p:cNvSpPr>
+            <a:spLocks noGrp="1"/>
+          </p:cNvSpPr>
+          <p:nvPr>
+            <p:ph type="title"/>
+          </p:nvPr>
+        </p:nvSpPr>
+        <p:spPr/>
+        <p:txBody>
+          <a:bodyPr/>
+          <a:lstStyle/>
+          <a:p>
+            <a:r>
+              <a:rPr lang="en-US" dirty="0" smtClean="0"/>
+              <a:t>Agenda</a:t>
+            </a:r>
+            <a:endParaRPr lang="en-US" dirty="0"/>
+          </a:p>
+        </p:txBody>
+      </p:sp>
+      <p:sp>
+        <p:nvSpPr>
+          <p:cNvPr id="3" name="Content Placeholder 2"/>
+          <p:cNvSpPr>
+            <a:spLocks noGrp="1"/>
+          </p:cNvSpPr>
+          <p:nvPr>
+            <p:ph idx="1"/>
+          </p:nvPr>
+        </p:nvSpPr>
+        <p:spPr/>
+        <p:txBody>
+          <a:bodyPr>
+            <a:normAutofit fontScale="92500" lnSpcReduction="20000"/>
+          </a:bodyPr>
+          <a:lstStyle/>
+          <a:p>
+            <a:r>
+              <a:rPr lang="en-US" dirty="0" smtClean="0"/>
+              <a:t>High Level </a:t>
+            </a:r>
+          </a:p>
+          <a:p>
+            <a:pPr lvl="1"/>
+            <a:r>
+              <a:rPr lang="en-US" dirty="0" smtClean="0"/>
+              <a:t>Android Studio </a:t>
+            </a:r>
+          </a:p>
+          <a:p>
+            <a:pPr lvl="2"/>
+            <a:r>
+              <a:rPr lang="en-US" dirty="0" smtClean="0"/>
+              <a:t>Overview</a:t>
+            </a:r>
+          </a:p>
+          <a:p>
+            <a:pPr lvl="1"/>
+            <a:r>
+              <a:rPr lang="en-US" dirty="0" smtClean="0"/>
+              <a:t>Activity </a:t>
+            </a:r>
+          </a:p>
+          <a:p>
+            <a:pPr lvl="2"/>
+            <a:r>
+              <a:rPr lang="en-US" dirty="0" smtClean="0"/>
+              <a:t>Responsibility </a:t>
+            </a:r>
+          </a:p>
+          <a:p>
+            <a:pPr lvl="2"/>
+            <a:r>
+              <a:rPr lang="en-US" dirty="0" smtClean="0"/>
+              <a:t>Caveats</a:t>
+            </a:r>
+          </a:p>
+          <a:p>
+            <a:pPr lvl="1"/>
+            <a:r>
+              <a:rPr lang="en-US" dirty="0" smtClean="0"/>
+              <a:t>Fragment</a:t>
+            </a:r>
+          </a:p>
+          <a:p>
+            <a:pPr lvl="2"/>
+            <a:r>
+              <a:rPr lang="en-US" dirty="0" smtClean="0"/>
+              <a:t>Responsibility </a:t>
+            </a:r>
+          </a:p>
+          <a:p>
+            <a:pPr lvl="2"/>
+            <a:r>
+              <a:rPr lang="en-US" dirty="0" smtClean="0"/>
+              <a:t>Caveats</a:t>
+            </a:r>
+          </a:p>
+          <a:p>
+            <a:pPr lvl="2"/>
+            <a:endParaRPr lang="en-US" dirty="0" smtClean="0"/>
+          </a:p>
+          <a:p>
+            <a:pPr lvl="2"/>
+            <a:endParaRPr lang="en-US" dirty="0" smtClean="0"/>
+          </a:p>
+        </p:txBody>
+      </p:sp>
+    </p:spTree>
+    <p:extLst>
+      <p:ext uri="{BB962C8B-B14F-4D97-AF65-F5344CB8AC3E}">
+        <p14:creationId xmlns:p14="http://schemas.microsoft.com/office/powerpoint/2010/main" val="1370593822"/>
+      </p:ext>
+    </p:extLst>
+  </p:cSld>
+  <p:clrMapOvr>
+    <a:masterClrMapping/>
+  </p:clrMapOvr>
+  <p:timing>
+    <p:tnLst>
+      <p:par>
+        <p:cTn id="1" dur="indefinite" restart="never" nodeType="tmRoot"/>
+      </p:par>
+    </p:tnLst>
+  </p:timing>
+</p:sld>
+</file>
+
+<file path=ppt/slides/slide4.xml><?xml version="1.0" encoding="utf-8"?>
+<p:sld xmlns:a="http://schemas.openxmlformats.org/drawingml/2006/main" xmlns:r="http://schemas.openxmlformats.org/officeDocument/2006/relationships" xmlns:p="http://schemas.openxmlformats.org/presentationml/2006/main">
+  <p:cSld>
+    <p:spTree>
+      <p:nvGrpSpPr>
+        <p:cNvPr id="1" name=""/>
+        <p:cNvGrpSpPr/>
+        <p:nvPr/>
+      </p:nvGrpSpPr>
+      <p:grpSpPr>
+        <a:xfrm>
+          <a:off x="0" y="0"/>
+          <a:ext cx="0" cy="0"/>
+          <a:chOff x="0" y="0"/>
+          <a:chExt cx="0" cy="0"/>
+        </a:xfrm>
+      </p:grpSpPr>
+      <p:sp>
+        <p:nvSpPr>
+          <p:cNvPr id="2" name="Title 1"/>
+          <p:cNvSpPr>
+            <a:spLocks noGrp="1"/>
+          </p:cNvSpPr>
+          <p:nvPr>
+            <p:ph type="title"/>
+          </p:nvPr>
+        </p:nvSpPr>
+        <p:spPr/>
+        <p:txBody>
+          <a:bodyPr/>
+          <a:lstStyle/>
+          <a:p>
+            <a:r>
+              <a:rPr lang="en-US" dirty="0" smtClean="0"/>
+              <a:t>Agenda (</a:t>
+            </a:r>
+            <a:r>
+              <a:rPr lang="en-US" dirty="0" err="1" smtClean="0"/>
+              <a:t>cont</a:t>
+            </a:r>
+            <a:r>
+              <a:rPr lang="en-US" dirty="0" smtClean="0"/>
+              <a:t>)</a:t>
+            </a:r>
+            <a:endParaRPr lang="en-US" dirty="0"/>
+          </a:p>
+        </p:txBody>
+      </p:sp>
+      <p:sp>
+        <p:nvSpPr>
+          <p:cNvPr id="3" name="Content Placeholder 2"/>
+          <p:cNvSpPr>
+            <a:spLocks noGrp="1"/>
+          </p:cNvSpPr>
+          <p:nvPr>
+            <p:ph idx="1"/>
+          </p:nvPr>
+        </p:nvSpPr>
+        <p:spPr/>
+        <p:txBody>
+          <a:bodyPr>
+            <a:normAutofit/>
+          </a:bodyPr>
+          <a:lstStyle/>
+          <a:p>
+            <a:r>
+              <a:rPr lang="en-US" dirty="0"/>
+              <a:t>Detail  Level</a:t>
+            </a:r>
+          </a:p>
+          <a:p>
+            <a:pPr lvl="1"/>
+            <a:r>
+              <a:rPr lang="en-US" dirty="0"/>
+              <a:t>Activity </a:t>
+            </a:r>
+          </a:p>
+          <a:p>
+            <a:pPr lvl="2"/>
+            <a:r>
+              <a:rPr lang="en-US" dirty="0" smtClean="0"/>
+              <a:t>Lifecycle</a:t>
+            </a:r>
+          </a:p>
+          <a:p>
+            <a:pPr lvl="2"/>
+            <a:r>
+              <a:rPr lang="en-US" dirty="0" smtClean="0"/>
+              <a:t>Coding Activity</a:t>
+            </a:r>
+            <a:endParaRPr lang="en-US" dirty="0"/>
+          </a:p>
+          <a:p>
+            <a:pPr lvl="2"/>
+            <a:r>
+              <a:rPr lang="en-US" dirty="0"/>
+              <a:t>XML layout</a:t>
+            </a:r>
+          </a:p>
+          <a:p>
+            <a:pPr lvl="2"/>
+            <a:r>
+              <a:rPr lang="en-US" dirty="0" smtClean="0"/>
+              <a:t>Manifest.xml</a:t>
+            </a:r>
+            <a:endParaRPr lang="en-US" dirty="0"/>
+          </a:p>
+          <a:p>
+            <a:pPr lvl="2"/>
+            <a:r>
+              <a:rPr lang="en-US" dirty="0" smtClean="0"/>
+              <a:t>Activity </a:t>
+            </a:r>
+            <a:r>
+              <a:rPr lang="en-US" dirty="0" smtClean="0"/>
+              <a:t>to Activity communication</a:t>
+            </a:r>
+            <a:endParaRPr lang="en-US" dirty="0"/>
+          </a:p>
+          <a:p>
+            <a:pPr marL="0" indent="0">
+              <a:buNone/>
+            </a:pPr>
+            <a:endParaRPr lang="en-US" dirty="0"/>
+          </a:p>
+        </p:txBody>
+      </p:sp>
+    </p:spTree>
+    <p:extLst>
+      <p:ext uri="{BB962C8B-B14F-4D97-AF65-F5344CB8AC3E}">
+        <p14:creationId xmlns:p14="http://schemas.microsoft.com/office/powerpoint/2010/main" val="2743571541"/>
+      </p:ext>
+    </p:extLst>
+  </p:cSld>
+  <p:clrMapOvr>
+    <a:masterClrMapping/>
+  </p:clrMapOvr>
+  <p:timing>
+    <p:tnLst>
+      <p:par>
+        <p:cTn id="1" dur="indefinite" restart="never" nodeType="tmRoot"/>
+      </p:par>
+    </p:tnLst>
+  </p:timing>
+</p:sld>
+</file>
+
+<file path=ppt/slides/slide5.xml><?xml version="1.0" encoding="utf-8"?>
+<p:sld xmlns:a="http://schemas.openxmlformats.org/drawingml/2006/main" xmlns:r="http://schemas.openxmlformats.org/officeDocument/2006/relationships" xmlns:p="http://schemas.openxmlformats.org/presentationml/2006/main">
+  <p:cSld>
+    <p:spTree>
+      <p:nvGrpSpPr>
+        <p:cNvPr id="1" name=""/>
+        <p:cNvGrpSpPr/>
+        <p:nvPr/>
+      </p:nvGrpSpPr>
+      <p:grpSpPr>
+        <a:xfrm>
+          <a:off x="0" y="0"/>
+          <a:ext cx="0" cy="0"/>
+          <a:chOff x="0" y="0"/>
+          <a:chExt cx="0" cy="0"/>
+        </a:xfrm>
+      </p:grpSpPr>
+      <p:sp>
+        <p:nvSpPr>
+          <p:cNvPr id="2" name="Title 1"/>
+          <p:cNvSpPr>
+            <a:spLocks noGrp="1"/>
+          </p:cNvSpPr>
+          <p:nvPr>
+            <p:ph type="title"/>
+          </p:nvPr>
+        </p:nvSpPr>
+        <p:spPr/>
+        <p:txBody>
+          <a:bodyPr/>
+          <a:lstStyle/>
+          <a:p>
+            <a:r>
+              <a:rPr lang="en-US" dirty="0"/>
+              <a:t>Agenda (</a:t>
+            </a:r>
+            <a:r>
+              <a:rPr lang="en-US" dirty="0" err="1"/>
+              <a:t>cont</a:t>
+            </a:r>
+            <a:r>
+              <a:rPr lang="en-US" dirty="0"/>
+              <a:t>)</a:t>
+            </a:r>
+          </a:p>
+        </p:txBody>
+      </p:sp>
+      <p:sp>
+        <p:nvSpPr>
+          <p:cNvPr id="3" name="Content Placeholder 2"/>
+          <p:cNvSpPr>
+            <a:spLocks noGrp="1"/>
+          </p:cNvSpPr>
+          <p:nvPr>
+            <p:ph idx="1"/>
+          </p:nvPr>
+        </p:nvSpPr>
+        <p:spPr/>
+        <p:txBody>
+          <a:bodyPr/>
+          <a:lstStyle/>
+          <a:p>
+            <a:pPr lvl="1"/>
+            <a:r>
+              <a:rPr lang="en-US" dirty="0"/>
+              <a:t>Fragment</a:t>
+            </a:r>
+          </a:p>
+          <a:p>
+            <a:pPr lvl="2"/>
+            <a:r>
+              <a:rPr lang="en-US" dirty="0"/>
+              <a:t>Lifecycle</a:t>
+            </a:r>
+          </a:p>
+          <a:p>
+            <a:pPr lvl="2"/>
+            <a:r>
+              <a:rPr lang="en-US" dirty="0"/>
+              <a:t>Coding Fragment</a:t>
+            </a:r>
+          </a:p>
+          <a:p>
+            <a:pPr lvl="2"/>
+            <a:r>
+              <a:rPr lang="en-US" dirty="0"/>
+              <a:t>XML Layout</a:t>
+            </a:r>
+          </a:p>
+          <a:p>
+            <a:pPr lvl="2"/>
+            <a:r>
+              <a:rPr lang="en-US" dirty="0"/>
+              <a:t>Fragment to Activity communication</a:t>
+            </a:r>
+          </a:p>
+          <a:p>
+            <a:pPr lvl="2"/>
+            <a:r>
+              <a:rPr lang="en-US" dirty="0"/>
+              <a:t>Activity to Fragment communication</a:t>
+            </a:r>
+          </a:p>
+          <a:p>
+            <a:pPr lvl="2"/>
+            <a:r>
+              <a:rPr lang="en-US" dirty="0"/>
+              <a:t>Attaching Fragment to Activity </a:t>
+            </a:r>
+          </a:p>
+          <a:p>
+            <a:endParaRPr lang="en-US" dirty="0"/>
+          </a:p>
+        </p:txBody>
+      </p:sp>
+    </p:spTree>
+    <p:extLst>
+      <p:ext uri="{BB962C8B-B14F-4D97-AF65-F5344CB8AC3E}">
+        <p14:creationId xmlns:p14="http://schemas.microsoft.com/office/powerpoint/2010/main" val="2986940534"/>
+      </p:ext>
+    </p:extLst>
+  </p:cSld>
+  <p:clrMapOvr>
+    <a:masterClrMapping/>
+  </p:clrMapOvr>
+  <p:timing>
+    <p:tnLst>
+      <p:par>
+        <p:cTn id="1" dur="indefinite" restart="never" nodeType="tmRoot"/>
+      </p:par>
+    </p:tnLst>
+  </p:timing>
+</p:sld>
+</file>
+
+<file path=ppt/slides/slide6.xml><?xml version="1.0" encoding="utf-8"?>
+<p:sld xmlns:a="http://schemas.openxmlformats.org/drawingml/2006/main" xmlns:r="http://schemas.openxmlformats.org/officeDocument/2006/relationships" xmlns:p="http://schemas.openxmlformats.org/presentationml/2006/main">
+  <p:cSld>
+    <p:spTree>
+      <p:nvGrpSpPr>
+        <p:cNvPr id="1" name=""/>
+        <p:cNvGrpSpPr/>
+        <p:nvPr/>
+      </p:nvGrpSpPr>
+      <p:grpSpPr>
+        <a:xfrm>
+          <a:off x="0" y="0"/>
+          <a:ext cx="0" cy="0"/>
+          <a:chOff x="0" y="0"/>
+          <a:chExt cx="0" cy="0"/>
+        </a:xfrm>
+      </p:grpSpPr>
+      <p:sp>
+        <p:nvSpPr>
+          <p:cNvPr id="2" name="Title 1"/>
+          <p:cNvSpPr>
+            <a:spLocks noGrp="1"/>
+          </p:cNvSpPr>
+          <p:nvPr>
+            <p:ph type="title"/>
+          </p:nvPr>
+        </p:nvSpPr>
+        <p:spPr/>
+        <p:txBody>
+          <a:bodyPr/>
+          <a:lstStyle/>
+          <a:p>
+            <a:endParaRPr lang="en-US" dirty="0"/>
+          </a:p>
+        </p:txBody>
+      </p:sp>
+      <p:sp>
+        <p:nvSpPr>
+          <p:cNvPr id="3" name="Content Placeholder 2"/>
+          <p:cNvSpPr>
+            <a:spLocks noGrp="1"/>
+          </p:cNvSpPr>
+          <p:nvPr>
+            <p:ph idx="1"/>
+          </p:nvPr>
+        </p:nvSpPr>
+        <p:spPr/>
+        <p:txBody>
+          <a:bodyPr/>
+          <a:lstStyle/>
+          <a:p>
+            <a:pPr marL="0" indent="0" algn="ctr">
+              <a:buNone/>
+            </a:pPr>
+            <a:endParaRPr lang="en-US" dirty="0" smtClean="0"/>
+          </a:p>
+          <a:p>
+            <a:pPr marL="0" indent="0" algn="ctr">
+              <a:buNone/>
+            </a:pPr>
+            <a:endParaRPr lang="en-US" dirty="0"/>
+          </a:p>
+          <a:p>
+            <a:pPr marL="0" indent="0" algn="ctr">
+              <a:buNone/>
+            </a:pPr>
+            <a:r>
+              <a:rPr lang="en-US" sz="6600" dirty="0" smtClean="0"/>
+              <a:t>High Level </a:t>
+            </a:r>
+          </a:p>
+          <a:p>
+            <a:pPr marL="0" indent="0" algn="ctr">
+              <a:buNone/>
+            </a:pPr>
+            <a:endParaRPr lang="en-US" sz="6600" dirty="0"/>
+          </a:p>
+        </p:txBody>
+      </p:sp>
+    </p:spTree>
+    <p:extLst>
+      <p:ext uri="{BB962C8B-B14F-4D97-AF65-F5344CB8AC3E}">
+        <p14:creationId xmlns:p14="http://schemas.microsoft.com/office/powerpoint/2010/main" val="941986389"/>
+      </p:ext>
+    </p:extLst>
+  </p:cSld>
+  <p:clrMapOvr>
+    <a:masterClrMapping/>
+  </p:clrMapOvr>
+  <p:timing>
+    <p:tnLst>
+      <p:par>
+        <p:cTn id="1" dur="indefinite" restart="never" nodeType="tmRoot"/>
+      </p:par>
+    </p:tnLst>
+  </p:timing>
+</p:sld>
+</file>
+
+<file path=ppt/slides/slide7.xml><?xml version="1.0" encoding="utf-8"?>
+<p:sld xmlns:a="http://schemas.openxmlformats.org/drawingml/2006/main" xmlns:r="http://schemas.openxmlformats.org/officeDocument/2006/relationships" xmlns:p="http://schemas.openxmlformats.org/presentationml/2006/main">
+  <p:cSld>
+    <p:spTree>
+      <p:nvGrpSpPr>
+        <p:cNvPr id="1" name=""/>
+        <p:cNvGrpSpPr/>
+        <p:nvPr/>
+      </p:nvGrpSpPr>
+      <p:grpSpPr>
+        <a:xfrm>
+          <a:off x="0" y="0"/>
+          <a:ext cx="0" cy="0"/>
+          <a:chOff x="0" y="0"/>
+          <a:chExt cx="0" cy="0"/>
+        </a:xfrm>
+      </p:grpSpPr>
+      <p:sp>
+        <p:nvSpPr>
+          <p:cNvPr id="2" name="Title 1"/>
+          <p:cNvSpPr>
+            <a:spLocks noGrp="1"/>
+          </p:cNvSpPr>
+          <p:nvPr>
+            <p:ph type="title"/>
+          </p:nvPr>
+        </p:nvSpPr>
+        <p:spPr/>
+        <p:txBody>
+          <a:bodyPr/>
+          <a:lstStyle/>
+          <a:p>
+            <a:r>
+              <a:rPr lang="en-US" dirty="0"/>
+              <a:t>Android Studio </a:t>
+            </a:r>
+          </a:p>
+        </p:txBody>
+      </p:sp>
+      <p:sp>
+        <p:nvSpPr>
+          <p:cNvPr id="3" name="Content Placeholder 2"/>
+          <p:cNvSpPr>
+            <a:spLocks noGrp="1"/>
+          </p:cNvSpPr>
+          <p:nvPr>
+            <p:ph idx="1"/>
+          </p:nvPr>
+        </p:nvSpPr>
+        <p:spPr/>
+        <p:txBody>
+          <a:bodyPr>
+            <a:normAutofit fontScale="62500" lnSpcReduction="20000"/>
+          </a:bodyPr>
+          <a:lstStyle/>
+          <a:p>
+            <a:r>
+              <a:rPr lang="en-US" dirty="0"/>
+              <a:t>De facto standard for Android development </a:t>
+            </a:r>
+            <a:endParaRPr lang="en-US" dirty="0" smtClean="0"/>
+          </a:p>
+          <a:p>
+            <a:r>
+              <a:rPr lang="en-US" dirty="0" smtClean="0"/>
+              <a:t>Built </a:t>
+            </a:r>
+            <a:r>
+              <a:rPr lang="en-US" dirty="0"/>
+              <a:t>on the </a:t>
+            </a:r>
+            <a:r>
+              <a:rPr lang="en-US" dirty="0" smtClean="0"/>
+              <a:t>IntelliJ</a:t>
+            </a:r>
+            <a:endParaRPr lang="en-US" dirty="0"/>
+          </a:p>
+          <a:p>
+            <a:r>
+              <a:rPr lang="en-US" dirty="0" smtClean="0"/>
+              <a:t>Some </a:t>
+            </a:r>
+            <a:r>
+              <a:rPr lang="en-US" dirty="0"/>
+              <a:t>features</a:t>
+            </a:r>
+          </a:p>
+          <a:p>
+            <a:pPr lvl="1"/>
+            <a:r>
+              <a:rPr lang="en-US" dirty="0" smtClean="0"/>
+              <a:t>Layout </a:t>
+            </a:r>
+            <a:r>
+              <a:rPr lang="en-US" dirty="0"/>
+              <a:t>Editor</a:t>
+            </a:r>
+          </a:p>
+          <a:p>
+            <a:pPr lvl="1"/>
+            <a:r>
+              <a:rPr lang="en-US" dirty="0"/>
+              <a:t>Built in emulator </a:t>
+            </a:r>
+          </a:p>
+          <a:p>
+            <a:pPr lvl="1"/>
+            <a:r>
+              <a:rPr lang="en-US" dirty="0" err="1"/>
+              <a:t>Gradle</a:t>
+            </a:r>
+            <a:r>
+              <a:rPr lang="en-US" dirty="0"/>
+              <a:t> </a:t>
+            </a:r>
+            <a:r>
+              <a:rPr lang="en-US" dirty="0" smtClean="0"/>
+              <a:t>integration</a:t>
+            </a:r>
+          </a:p>
+          <a:p>
+            <a:pPr lvl="1"/>
+            <a:r>
+              <a:rPr lang="en-US" dirty="0" smtClean="0"/>
+              <a:t>Instant </a:t>
+            </a:r>
+            <a:r>
+              <a:rPr lang="en-US" dirty="0"/>
+              <a:t>Run (Hot swap)</a:t>
+            </a:r>
+          </a:p>
+          <a:p>
+            <a:pPr lvl="1"/>
+            <a:endParaRPr lang="en-US" dirty="0"/>
+          </a:p>
+          <a:p>
+            <a:pPr lvl="1"/>
+            <a:endParaRPr lang="en-US" dirty="0"/>
+          </a:p>
+          <a:p>
+            <a:pPr lvl="1"/>
+            <a:endParaRPr lang="en-US" dirty="0"/>
+          </a:p>
+          <a:p>
+            <a:pPr marL="457200" lvl="1" indent="0" algn="ctr">
+              <a:buNone/>
+            </a:pPr>
+            <a:r>
+              <a:rPr lang="en-US" dirty="0">
+                <a:hlinkClick r:id="rId2"/>
+              </a:rPr>
+              <a:t>https://developer.android.com/studio/index.html</a:t>
+            </a:r>
+            <a:endParaRPr lang="en-US" dirty="0"/>
+          </a:p>
+          <a:p>
+            <a:pPr lvl="1"/>
+            <a:endParaRPr lang="en-US" dirty="0"/>
+          </a:p>
+          <a:p>
+            <a:endParaRPr lang="en-US" dirty="0"/>
+          </a:p>
+        </p:txBody>
+      </p:sp>
+      <p:pic>
+        <p:nvPicPr>
+          <p:cNvPr id="6" name="Picture 5"/>
+          <p:cNvPicPr>
+            <a:picLocks noChangeAspect="1"/>
+          </p:cNvPicPr>
+          <p:nvPr/>
+        </p:nvPicPr>
+        <p:blipFill>
+          <a:blip r:embed="rId3"/>
+          <a:stretch>
+            <a:fillRect/>
+          </a:stretch>
+        </p:blipFill>
+        <p:spPr>
+          <a:xfrm>
+            <a:off x="4913797" y="2306355"/>
+            <a:ext cx="5404663" cy="2927526"/>
+          </a:xfrm>
+          <a:prstGeom prst="rect">
+            <a:avLst/>
+          </a:prstGeom>
+        </p:spPr>
+      </p:pic>
+    </p:spTree>
+    <p:extLst>
+      <p:ext uri="{BB962C8B-B14F-4D97-AF65-F5344CB8AC3E}">
+        <p14:creationId xmlns:p14="http://schemas.microsoft.com/office/powerpoint/2010/main" val="948240705"/>
+      </p:ext>
+    </p:extLst>
+  </p:cSld>
+  <p:clrMapOvr>
+    <a:masterClrMapping/>
+  </p:clrMapOvr>
+  <p:timing>
+    <p:tnLst>
+      <p:par>
+        <p:cTn id="1" dur="indefinite" restart="never" nodeType="tmRoot"/>
+      </p:par>
+    </p:tnLst>
+  </p:timing>
+</p:sld>
+</file>
+
+<file path=ppt/slides/slide8.xml><?xml version="1.0" encoding="utf-8"?>
+<p:sld xmlns:a="http://schemas.openxmlformats.org/drawingml/2006/main" xmlns:r="http://schemas.openxmlformats.org/officeDocument/2006/relationships" xmlns:p="http://schemas.openxmlformats.org/presentationml/2006/main">
+  <p:cSld>
+    <p:spTree>
+      <p:nvGrpSpPr>
+        <p:cNvPr id="1" name=""/>
+        <p:cNvGrpSpPr/>
+        <p:nvPr/>
+      </p:nvGrpSpPr>
+      <p:grpSpPr>
+        <a:xfrm>
+          <a:off x="0" y="0"/>
+          <a:ext cx="0" cy="0"/>
+          <a:chOff x="0" y="0"/>
+          <a:chExt cx="0" cy="0"/>
+        </a:xfrm>
+      </p:grpSpPr>
+      <p:sp>
+        <p:nvSpPr>
+          <p:cNvPr id="2" name="Title 1"/>
+          <p:cNvSpPr>
+            <a:spLocks noGrp="1"/>
+          </p:cNvSpPr>
+          <p:nvPr>
+            <p:ph type="title"/>
+          </p:nvPr>
+        </p:nvSpPr>
+        <p:spPr/>
+        <p:txBody>
+          <a:bodyPr/>
+          <a:lstStyle/>
+          <a:p>
+            <a:r>
+              <a:rPr lang="en-US" dirty="0" smtClean="0"/>
+              <a:t>Definition Overview</a:t>
+            </a:r>
+            <a:endParaRPr lang="en-US" dirty="0"/>
+          </a:p>
+        </p:txBody>
+      </p:sp>
+      <p:sp>
+        <p:nvSpPr>
+          <p:cNvPr id="3" name="Content Placeholder 2"/>
+          <p:cNvSpPr>
+            <a:spLocks noGrp="1"/>
+          </p:cNvSpPr>
+          <p:nvPr>
+            <p:ph idx="1"/>
+          </p:nvPr>
+        </p:nvSpPr>
+        <p:spPr/>
+        <p:txBody>
+          <a:bodyPr/>
+          <a:lstStyle/>
+          <a:p>
+            <a:r>
+              <a:rPr lang="en-US" dirty="0" smtClean="0"/>
+              <a:t>Activity </a:t>
+            </a:r>
+          </a:p>
+          <a:p>
+            <a:r>
+              <a:rPr lang="en-US" dirty="0" smtClean="0"/>
+              <a:t>Fragments </a:t>
+            </a:r>
+          </a:p>
+          <a:p>
+            <a:r>
+              <a:rPr lang="en-US" dirty="0" smtClean="0"/>
+              <a:t>Views </a:t>
+            </a:r>
+          </a:p>
+          <a:p>
+            <a:r>
+              <a:rPr lang="en-US" dirty="0" smtClean="0"/>
+              <a:t>Manifest</a:t>
+            </a:r>
+          </a:p>
+          <a:p>
+            <a:pPr marL="0" indent="0">
+              <a:buNone/>
+            </a:pPr>
+            <a:endParaRPr lang="en-US" dirty="0"/>
+          </a:p>
+        </p:txBody>
+      </p:sp>
+    </p:spTree>
+    <p:extLst>
+      <p:ext uri="{BB962C8B-B14F-4D97-AF65-F5344CB8AC3E}">
+        <p14:creationId xmlns:p14="http://schemas.microsoft.com/office/powerpoint/2010/main" val="2711540803"/>
+      </p:ext>
+    </p:extLst>
+  </p:cSld>
+  <p:clrMapOvr>
+    <a:masterClrMapping/>
+  </p:clrMapOvr>
+  <p:timing>
+    <p:tnLst>
+      <p:par>
+        <p:cTn id="1" dur="indefinite" restart="never" nodeType="tmRoot"/>
+      </p:par>
+    </p:tnLst>
+  </p:timing>
+</p:sld>
+</file>
+
+<file path=ppt/slides/slide9.xml><?xml version="1.0" encoding="utf-8"?>
+<p:sld xmlns:a="http://schemas.openxmlformats.org/drawingml/2006/main" xmlns:r="http://schemas.openxmlformats.org/officeDocument/2006/relationships" xmlns:p="http://schemas.openxmlformats.org/presentationml/2006/main">
+  <p:cSld>
+    <p:spTree>
+      <p:nvGrpSpPr>
+        <p:cNvPr id="1" name=""/>
+        <p:cNvGrpSpPr/>
+        <p:nvPr/>
+      </p:nvGrpSpPr>
+      <p:grpSpPr>
+        <a:xfrm>
+          <a:off x="0" y="0"/>
+          <a:ext cx="0" cy="0"/>
+          <a:chOff x="0" y="0"/>
+          <a:chExt cx="0" cy="0"/>
+        </a:xfrm>
+      </p:grpSpPr>
+      <p:sp>
+        <p:nvSpPr>
+          <p:cNvPr id="2" name="Title 1"/>
+          <p:cNvSpPr>
+            <a:spLocks noGrp="1"/>
+          </p:cNvSpPr>
+          <p:nvPr>
+            <p:ph type="title"/>
+          </p:nvPr>
+        </p:nvSpPr>
+        <p:spPr>
+          <a:xfrm>
+            <a:off x="0" y="457200"/>
+            <a:ext cx="8122722" cy="1143000"/>
+          </a:xfrm>
+        </p:spPr>
+        <p:txBody>
+          <a:bodyPr/>
+          <a:lstStyle/>
+          <a:p>
+            <a:r>
+              <a:rPr lang="en-US" b="1" dirty="0" smtClean="0"/>
+              <a:t>Activity</a:t>
+            </a:r>
+            <a:r>
+              <a:rPr lang="en-US" dirty="0" smtClean="0"/>
+              <a:t/>
+            </a:r>
+            <a:br>
+              <a:rPr lang="en-US" dirty="0" smtClean="0"/>
+            </a:br>
+            <a:r>
+              <a:rPr lang="en-US" sz="2000" dirty="0">
+                <a:hlinkClick r:id="rId2"/>
+              </a:rPr>
+              <a:t>https://developer.android.com/guide/components/activities/index.html</a:t>
+            </a:r>
+            <a:endParaRPr lang="en-US" sz="2000" dirty="0"/>
+          </a:p>
+        </p:txBody>
+      </p:sp>
+      <p:sp>
+        <p:nvSpPr>
+          <p:cNvPr id="3" name="Content Placeholder 2"/>
+          <p:cNvSpPr>
+            <a:spLocks noGrp="1"/>
+          </p:cNvSpPr>
+          <p:nvPr>
+            <p:ph idx="1"/>
+          </p:nvPr>
+        </p:nvSpPr>
+        <p:spPr>
+          <a:xfrm>
+            <a:off x="838200" y="1825625"/>
+            <a:ext cx="10515600" cy="2758250"/>
+          </a:xfrm>
+        </p:spPr>
+        <p:txBody>
+          <a:bodyPr>
+            <a:normAutofit fontScale="77500" lnSpcReduction="20000"/>
+          </a:bodyPr>
+          <a:lstStyle/>
+          <a:p>
+            <a:r>
+              <a:rPr lang="en-US" dirty="0" smtClean="0"/>
+              <a:t>Fundamental </a:t>
+            </a:r>
+            <a:r>
+              <a:rPr lang="en-US" dirty="0"/>
+              <a:t>building blocks </a:t>
+            </a:r>
+            <a:endParaRPr lang="en-US" dirty="0" smtClean="0"/>
+          </a:p>
+          <a:p>
+            <a:r>
+              <a:rPr lang="en-US" dirty="0" smtClean="0"/>
+              <a:t>Entry </a:t>
+            </a:r>
+            <a:r>
+              <a:rPr lang="en-US" dirty="0"/>
+              <a:t>point for </a:t>
+            </a:r>
+            <a:r>
+              <a:rPr lang="en-US" dirty="0" smtClean="0"/>
+              <a:t>user's </a:t>
+            </a:r>
+            <a:r>
+              <a:rPr lang="en-US" dirty="0"/>
+              <a:t>interaction </a:t>
+            </a:r>
+            <a:endParaRPr lang="en-US" dirty="0" smtClean="0"/>
+          </a:p>
+          <a:p>
+            <a:r>
+              <a:rPr lang="en-US" dirty="0" smtClean="0"/>
+              <a:t>Provides navigates </a:t>
+            </a:r>
+            <a:r>
+              <a:rPr lang="en-US" dirty="0"/>
+              <a:t>within an </a:t>
+            </a:r>
+            <a:r>
+              <a:rPr lang="en-US" dirty="0" smtClean="0"/>
+              <a:t>app</a:t>
+            </a:r>
+          </a:p>
+          <a:p>
+            <a:r>
+              <a:rPr lang="en-US" dirty="0" smtClean="0"/>
+              <a:t>Communication between other activities</a:t>
+            </a:r>
+          </a:p>
+          <a:p>
+            <a:r>
+              <a:rPr lang="en-US" dirty="0" smtClean="0"/>
+              <a:t>Communication between child fragments</a:t>
+            </a:r>
+            <a:endParaRPr lang="en-US" dirty="0"/>
+          </a:p>
+        </p:txBody>
+      </p:sp>
+      <p:grpSp>
+        <p:nvGrpSpPr>
+          <p:cNvPr id="5" name="Group 4"/>
+          <p:cNvGrpSpPr/>
+          <p:nvPr/>
+        </p:nvGrpSpPr>
+        <p:grpSpPr>
+          <a:xfrm>
+            <a:off x="1662546" y="4585347"/>
+            <a:ext cx="8609610" cy="1515416"/>
+            <a:chOff x="1662546" y="4585347"/>
+            <a:chExt cx="8609610" cy="1515416"/>
+          </a:xfrm>
+        </p:grpSpPr>
+        <p:sp>
+          <p:nvSpPr>
+            <p:cNvPr id="4" name="TextBox 3"/>
+            <p:cNvSpPr txBox="1"/>
+            <p:nvPr/>
+          </p:nvSpPr>
+          <p:spPr>
+            <a:xfrm>
+              <a:off x="1662546" y="4585347"/>
+              <a:ext cx="8609610" cy="923330"/>
+            </a:xfrm>
+            <a:prstGeom prst="rect">
+              <a:avLst/>
+            </a:prstGeom>
+            <a:noFill/>
+          </p:spPr>
+          <p:txBody>
+            <a:bodyPr wrap="square" rtlCol="0">
+              <a:spAutoFit/>
+            </a:bodyPr>
+            <a:lstStyle/>
+            <a:p>
+              <a:pPr algn="ctr"/>
+              <a:r>
+                <a:rPr lang="en-US" sz="3600" dirty="0" smtClean="0">
+                  <a:solidFill>
+                    <a:srgbClr val="FF0000"/>
+                  </a:solidFill>
+                </a:rPr>
+                <a:t>No Creation or  Modification of Views </a:t>
+              </a:r>
+            </a:p>
+            <a:p>
+              <a:endParaRPr lang="en-US" dirty="0">
+                <a:solidFill>
+                  <a:srgbClr val="FF0000"/>
+                </a:solidFill>
+              </a:endParaRPr>
+            </a:p>
+          </p:txBody>
+        </p:sp>
+        <p:pic>
+          <p:nvPicPr>
+            <p:cNvPr id="2051" name="Picture 3" descr="C:\Users\brian.batchelor\AppData\Local\Microsoft\Windows\INetCache\IE\J4PF38A8\stock-vector-vector-clip-art-illustration-of-smartoon-gesturing-a-stop-sign-as-it-stands-in-a-not-allowed-31370068[1].jpg"/>
+            <p:cNvPicPr>
+              <a:picLocks noChangeAspect="1" noChangeArrowheads="1"/>
+            </p:cNvPicPr>
+            <p:nvPr/>
+          </p:nvPicPr>
+          <p:blipFill>
+            <a:blip r:embed="rId3" cstate="print">
+              <a:extLst>
+                <a:ext uri="{28A0092B-C50C-407E-A947-70E740481C1C}">
+                  <a14:useLocalDpi xmlns:a14="http://schemas.microsoft.com/office/drawing/2010/main" val="0"/>
+                </a:ext>
+              </a:extLst>
+            </a:blip>
+            <a:srcRect/>
+            <a:stretch>
+              <a:fillRect/>
+            </a:stretch>
+          </p:blipFill>
+          <p:spPr bwMode="auto">
+            <a:xfrm>
+              <a:off x="5289784" y="5296394"/>
+              <a:ext cx="720509" cy="804369"/>
+            </a:xfrm>
+            <a:prstGeom prst="rect">
+              <a:avLst/>
+            </a:prstGeom>
+            <a:noFill/>
+            <a:extLst>
+              <a:ext uri="{909E8E84-426E-40DD-AFC4-6F175D3DCCD1}">
+                <a14:hiddenFill xmlns:a14="http://schemas.microsoft.com/office/drawing/2010/main">
+                  <a:solidFill>
+                    <a:srgbClr val="FFFFFF"/>
+                  </a:solidFill>
+                </a14:hiddenFill>
+              </a:ext>
+            </a:extLst>
+          </p:spPr>
+        </p:pic>
+      </p:grpSp>
+    </p:spTree>
+    <p:extLst>
+      <p:ext uri="{BB962C8B-B14F-4D97-AF65-F5344CB8AC3E}">
+        <p14:creationId xmlns:p14="http://schemas.microsoft.com/office/powerpoint/2010/main" val="3823901020"/>
+      </p:ext>
+    </p:extLst>
+  </p:cSld>
+  <p:clrMapOvr>
+    <a:masterClrMapping/>
+  </p:clrMapOvr>
+  <p:timing>
+    <p:tnLst>
+      <p:par>
+        <p:cTn id="1" dur="indefinite" restart="never" nodeType="tmRoot">
+          <p:childTnLst>
+            <p:seq concurrent="1" nextAc="seek">
+              <p:cTn id="2" dur="indefinite" nodeType="mainSeq">
+                <p:childTnLst>
+                  <p:par>
+                    <p:cTn id="3" fill="hold">
+                      <p:stCondLst>
+                        <p:cond delay="indefinite"/>
+                      </p:stCondLst>
+                      <p:childTnLst>
+                        <p:par>
+                          <p:cTn id="4" fill="hold">
+                            <p:stCondLst>
+                              <p:cond delay="0"/>
+                            </p:stCondLst>
+                            <p:childTnLst>
+                              <p:par>
+                                <p:cTn id="5" presetID="53" presetClass="entr" presetSubtype="16" fill="hold" nodeType="clickEffect">
+                                  <p:stCondLst>
+                                    <p:cond delay="0"/>
+                                  </p:stCondLst>
+                                  <p:childTnLst>
+                                    <p:set>
+                                      <p:cBhvr>
+                                        <p:cTn id="6" dur="1" fill="hold">
+                                          <p:stCondLst>
+                                            <p:cond delay="0"/>
+                                          </p:stCondLst>
+                                        </p:cTn>
+                                        <p:tgtEl>
+                                          <p:spTgt spid="5"/>
+                                        </p:tgtEl>
+                                        <p:attrNameLst>
+                                          <p:attrName>style.visibility</p:attrName>
+                                        </p:attrNameLst>
+                                      </p:cBhvr>
+                                      <p:to>
+                                        <p:strVal val="visible"/>
+                                      </p:to>
+                                    </p:set>
+                                    <p:anim calcmode="lin" valueType="num">
+                                      <p:cBhvr>
+                                        <p:cTn id="7" dur="500" fill="hold"/>
+                                        <p:tgtEl>
+                                          <p:spTgt spid="5"/>
+                                        </p:tgtEl>
+                                        <p:attrNameLst>
+                                          <p:attrName>ppt_w</p:attrName>
+                                        </p:attrNameLst>
+                                      </p:cBhvr>
+                                      <p:tavLst>
+                                        <p:tav tm="0">
+                                          <p:val>
+                                            <p:fltVal val="0"/>
+                                          </p:val>
+                                        </p:tav>
+                                        <p:tav tm="100000">
+                                          <p:val>
+                                            <p:strVal val="#ppt_w"/>
+                                          </p:val>
+                                        </p:tav>
+                                      </p:tavLst>
+                                    </p:anim>
+                                    <p:anim calcmode="lin" valueType="num">
+                                      <p:cBhvr>
+                                        <p:cTn id="8" dur="500" fill="hold"/>
+                                        <p:tgtEl>
+                                          <p:spTgt spid="5"/>
+                                        </p:tgtEl>
+                                        <p:attrNameLst>
+                                          <p:attrName>ppt_h</p:attrName>
+                                        </p:attrNameLst>
+                                      </p:cBhvr>
+                                      <p:tavLst>
+                                        <p:tav tm="0">
+                                          <p:val>
+                                            <p:fltVal val="0"/>
+                                          </p:val>
+                                        </p:tav>
+                                        <p:tav tm="100000">
+                                          <p:val>
+                                            <p:strVal val="#ppt_h"/>
+                                          </p:val>
+                                        </p:tav>
+                                      </p:tavLst>
+                                    </p:anim>
+                                    <p:animEffect transition="in" filter="fade">
+                                      <p:cBhvr>
+                                        <p:cTn id="9" dur="500"/>
+                                        <p:tgtEl>
+                                          <p:spTgt spid="5"/>
+                                        </p:tgtEl>
+                                      </p:cBhvr>
+                                    </p:animEffect>
+                                  </p:childTnLst>
+                                </p:cTn>
+                              </p:par>
+                            </p:childTnLst>
+                          </p:cTn>
+                        </p:par>
+                      </p:childTnLst>
+                    </p:cTn>
+                  </p:par>
+                </p:childTnLst>
+              </p:cTn>
+              <p:prevCondLst>
+                <p:cond evt="onPrev" delay="0">
+                  <p:tgtEl>
+                    <p:sldTgt/>
+                  </p:tgtEl>
+                </p:cond>
+              </p:prevCondLst>
+              <p:nextCondLst>
+                <p:cond evt="onNext" delay="0">
+                  <p:tgtEl>
+                    <p:sldTgt/>
+                  </p:tgtEl>
+                </p:cond>
+              </p:nextCondLst>
+            </p:seq>
+          </p:childTnLst>
+        </p:cTn>
+      </p:par>
+    </p:tnLst>
+  </p:timing>
+</p:sld>
+</file>
+
 <file path=ppt/theme/theme1.xml><?xml version="1.0" encoding="utf-8"?>
-<a:theme xmlns:a="http://schemas.openxmlformats.org/drawingml/2006/main" name="Office Theme">
+<a:theme xmlns:a="http://schemas.openxmlformats.org/drawingml/2006/main" name="FS Powerpoint Template with Line 16 9">
   <a:themeElements>
     <a:clrScheme name="Office">
       <a:dk1>
@@ -5499,44 +7780,44 @@
         <a:sysClr val="window" lastClr="FFFFFF"/>
       </a:lt1>
       <a:dk2>
-        <a:srgbClr val="44546A"/>
+        <a:srgbClr val="1F497D"/>
       </a:dk2>
       <a:lt2>
-        <a:srgbClr val="E7E6E6"/>
+        <a:srgbClr val="EEECE1"/>
       </a:lt2>
       <a:accent1>
-        <a:srgbClr val="4472C4"/>
+        <a:srgbClr val="4F81BD"/>
       </a:accent1>
       <a:accent2>
-        <a:srgbClr val="ED7D31"/>
+        <a:srgbClr val="C0504D"/>
       </a:accent2>
       <a:accent3>
-        <a:srgbClr val="A5A5A5"/>
+        <a:srgbClr val="9BBB59"/>
       </a:accent3>
       <a:accent4>
-        <a:srgbClr val="FFC000"/>
+        <a:srgbClr val="8064A2"/>
       </a:accent4>
       <a:accent5>
-        <a:srgbClr val="5B9BD5"/>
+        <a:srgbClr val="4BACC6"/>
       </a:accent5>
       <a:accent6>
-        <a:srgbClr val="70AD47"/>
+        <a:srgbClr val="F79646"/>
       </a:accent6>
       <a:hlink>
-        <a:srgbClr val="0563C1"/>
+        <a:srgbClr val="0000FF"/>
       </a:hlink>
       <a:folHlink>
-        <a:srgbClr val="954F72"/>
+        <a:srgbClr val="800080"/>
       </a:folHlink>
     </a:clrScheme>
     <a:fontScheme name="Office">
       <a:majorFont>
-        <a:latin typeface="Calibri Light" panose="020F0302020204030204"/>
+        <a:latin typeface="Calibri"/>
         <a:ea typeface=""/>
         <a:cs typeface=""/>
-        <a:font script="Jpan" typeface="游ゴシック Light"/>
+        <a:font script="Jpan" typeface="ＭＳ Ｐゴシック"/>
         <a:font script="Hang" typeface="맑은 고딕"/>
-        <a:font script="Hans" typeface="等线 Light"/>
+        <a:font script="Hans" typeface="宋体"/>
         <a:font script="Hant" typeface="新細明體"/>
         <a:font script="Arab" typeface="Times New Roman"/>
         <a:font script="Hebr" typeface="Times New Roman"/>
@@ -5564,31 +7845,14 @@
         <a:font script="Viet" typeface="Times New Roman"/>
         <a:font script="Uigh" typeface="Microsoft Uighur"/>
         <a:font script="Geor" typeface="Sylfaen"/>
-        <a:font script="Armn" typeface="Arial"/>
-        <a:font script="Bugi" typeface="Leelawadee UI"/>
-        <a:font script="Bopo" typeface="Microsoft JhengHei"/>
-        <a:font script="Java" typeface="Javanese Text"/>
-        <a:font script="Lisu" typeface="Segoe UI"/>
-        <a:font script="Mymr" typeface="Myanmar Text"/>
-        <a:font script="Nkoo" typeface="Ebrima"/>
-        <a:font script="Olck" typeface="Nirmala UI"/>
-        <a:font script="Osma" typeface="Ebrima"/>
-        <a:font script="Phag" typeface="Phagspa"/>
-        <a:font script="Syrn" typeface="Estrangelo Edessa"/>
-        <a:font script="Syrj" typeface="Estrangelo Edessa"/>
-        <a:font script="Syre" typeface="Estrangelo Edessa"/>
-        <a:font script="Sora" typeface="Nirmala UI"/>
-        <a:font script="Tale" typeface="Microsoft Tai Le"/>
-        <a:font script="Talu" typeface="Microsoft New Tai Lue"/>
-        <a:font script="Tfng" typeface="Ebrima"/>
       </a:majorFont>
       <a:minorFont>
-        <a:latin typeface="Calibri" panose="020F0502020204030204"/>
+        <a:latin typeface="Calibri"/>
         <a:ea typeface=""/>
         <a:cs typeface=""/>
-        <a:font script="Jpan" typeface="游ゴシック"/>
+        <a:font script="Jpan" typeface="ＭＳ Ｐゴシック"/>
         <a:font script="Hang" typeface="맑은 고딕"/>
-        <a:font script="Hans" typeface="等线"/>
+        <a:font script="Hans" typeface="宋体"/>
         <a:font script="Hant" typeface="新細明體"/>
         <a:font script="Arab" typeface="Arial"/>
         <a:font script="Hebr" typeface="Arial"/>
@@ -5616,23 +7880,6 @@
         <a:font script="Viet" typeface="Arial"/>
         <a:font script="Uigh" typeface="Microsoft Uighur"/>
         <a:font script="Geor" typeface="Sylfaen"/>
-        <a:font script="Armn" typeface="Arial"/>
-        <a:font script="Bugi" typeface="Leelawadee UI"/>
-        <a:font script="Bopo" typeface="Microsoft JhengHei"/>
-        <a:font script="Java" typeface="Javanese Text"/>
-        <a:font script="Lisu" typeface="Segoe UI"/>
-        <a:font script="Mymr" typeface="Myanmar Text"/>
-        <a:font script="Nkoo" typeface="Ebrima"/>
-        <a:font script="Olck" typeface="Nirmala UI"/>
-        <a:font script="Osma" typeface="Ebrima"/>
-        <a:font script="Phag" typeface="Phagspa"/>
-        <a:font script="Syrn" typeface="Estrangelo Edessa"/>
-        <a:font script="Syrj" typeface="Estrangelo Edessa"/>
-        <a:font script="Syre" typeface="Estrangelo Edessa"/>
-        <a:font script="Sora" typeface="Nirmala UI"/>
-        <a:font script="Tale" typeface="Microsoft Tai Le"/>
-        <a:font script="Talu" typeface="Microsoft New Tai Lue"/>
-        <a:font script="Tfng" typeface="Ebrima"/>
       </a:minorFont>
     </a:fontScheme>
     <a:fmtScheme name="Office">
@@ -5644,141 +7891,165 @@
           <a:gsLst>
             <a:gs pos="0">
               <a:schemeClr val="phClr">
-                <a:lumMod val="110000"/>
-                <a:satMod val="105000"/>
-                <a:tint val="67000"/>
+                <a:tint val="50000"/>
+                <a:satMod val="300000"/>
               </a:schemeClr>
             </a:gs>
-            <a:gs pos="50000">
+            <a:gs pos="35000">
               <a:schemeClr val="phClr">
-                <a:lumMod val="105000"/>
-                <a:satMod val="103000"/>
-                <a:tint val="73000"/>
+                <a:tint val="37000"/>
+                <a:satMod val="300000"/>
               </a:schemeClr>
             </a:gs>
             <a:gs pos="100000">
               <a:schemeClr val="phClr">
-                <a:lumMod val="105000"/>
-                <a:satMod val="109000"/>
-                <a:tint val="81000"/>
+                <a:tint val="15000"/>
+                <a:satMod val="350000"/>
               </a:schemeClr>
             </a:gs>
           </a:gsLst>
-          <a:lin ang="5400000" scaled="0"/>
+          <a:lin ang="16200000" scaled="1"/>
         </a:gradFill>
         <a:gradFill rotWithShape="1">
           <a:gsLst>
             <a:gs pos="0">
               <a:schemeClr val="phClr">
-                <a:satMod val="103000"/>
-                <a:lumMod val="102000"/>
-                <a:tint val="94000"/>
+                <a:shade val="51000"/>
+                <a:satMod val="130000"/>
               </a:schemeClr>
             </a:gs>
-            <a:gs pos="50000">
+            <a:gs pos="80000">
               <a:schemeClr val="phClr">
-                <a:satMod val="110000"/>
-                <a:lumMod val="100000"/>
-                <a:shade val="100000"/>
+                <a:shade val="93000"/>
+                <a:satMod val="130000"/>
               </a:schemeClr>
             </a:gs>
             <a:gs pos="100000">
               <a:schemeClr val="phClr">
-                <a:lumMod val="99000"/>
-                <a:satMod val="120000"/>
-                <a:shade val="78000"/>
+                <a:shade val="94000"/>
+                <a:satMod val="135000"/>
               </a:schemeClr>
             </a:gs>
           </a:gsLst>
-          <a:lin ang="5400000" scaled="0"/>
+          <a:lin ang="16200000" scaled="0"/>
         </a:gradFill>
       </a:fillStyleLst>
       <a:lnStyleLst>
-        <a:ln w="6350" cap="flat" cmpd="sng" algn="ctr">
+        <a:ln w="9525" cap="flat" cmpd="sng" algn="ctr">
+          <a:solidFill>
+            <a:schemeClr val="phClr">
+              <a:shade val="95000"/>
+              <a:satMod val="105000"/>
+            </a:schemeClr>
+          </a:solidFill>
+          <a:prstDash val="solid"/>
+        </a:ln>
+        <a:ln w="25400" cap="flat" cmpd="sng" algn="ctr">
           <a:solidFill>
             <a:schemeClr val="phClr"/>
           </a:solidFill>
           <a:prstDash val="solid"/>
-          <a:miter lim="800000"/>
         </a:ln>
-        <a:ln w="12700" cap="flat" cmpd="sng" algn="ctr">
+        <a:ln w="38100" cap="flat" cmpd="sng" algn="ctr">
           <a:solidFill>
             <a:schemeClr val="phClr"/>
           </a:solidFill>
           <a:prstDash val="solid"/>
-          <a:miter lim="800000"/>
-        </a:ln>
-        <a:ln w="19050" cap="flat" cmpd="sng" algn="ctr">
-          <a:solidFill>
-            <a:schemeClr val="phClr"/>
-          </a:solidFill>
-          <a:prstDash val="solid"/>
-          <a:miter lim="800000"/>
         </a:ln>
       </a:lnStyleLst>
       <a:effectStyleLst>
         <a:effectStyle>
-          <a:effectLst/>
-        </a:effectStyle>
-        <a:effectStyle>
-          <a:effectLst/>
+          <a:effectLst>
+            <a:outerShdw blurRad="40000" dist="20000" dir="5400000" rotWithShape="0">
+              <a:srgbClr val="000000">
+                <a:alpha val="38000"/>
+              </a:srgbClr>
+            </a:outerShdw>
+          </a:effectLst>
         </a:effectStyle>
         <a:effectStyle>
           <a:effectLst>
-            <a:outerShdw blurRad="57150" dist="19050" dir="5400000" algn="ctr" rotWithShape="0">
+            <a:outerShdw blurRad="40000" dist="23000" dir="5400000" rotWithShape="0">
               <a:srgbClr val="000000">
-                <a:alpha val="63000"/>
+                <a:alpha val="35000"/>
               </a:srgbClr>
             </a:outerShdw>
           </a:effectLst>
+        </a:effectStyle>
+        <a:effectStyle>
+          <a:effectLst>
+            <a:outerShdw blurRad="40000" dist="23000" dir="5400000" rotWithShape="0">
+              <a:srgbClr val="000000">
+                <a:alpha val="35000"/>
+              </a:srgbClr>
+            </a:outerShdw>
+          </a:effectLst>
+          <a:scene3d>
+            <a:camera prst="orthographicFront">
+              <a:rot lat="0" lon="0" rev="0"/>
+            </a:camera>
+            <a:lightRig rig="threePt" dir="t">
+              <a:rot lat="0" lon="0" rev="1200000"/>
+            </a:lightRig>
+          </a:scene3d>
+          <a:sp3d>
+            <a:bevelT w="63500" h="25400"/>
+          </a:sp3d>
         </a:effectStyle>
       </a:effectStyleLst>
       <a:bgFillStyleLst>
         <a:solidFill>
           <a:schemeClr val="phClr"/>
         </a:solidFill>
-        <a:solidFill>
-          <a:schemeClr val="phClr">
-            <a:tint val="95000"/>
-            <a:satMod val="170000"/>
-          </a:schemeClr>
-        </a:solidFill>
         <a:gradFill rotWithShape="1">
           <a:gsLst>
             <a:gs pos="0">
               <a:schemeClr val="phClr">
-                <a:tint val="93000"/>
-                <a:satMod val="150000"/>
-                <a:shade val="98000"/>
-                <a:lumMod val="102000"/>
+                <a:tint val="40000"/>
+                <a:satMod val="350000"/>
               </a:schemeClr>
             </a:gs>
-            <a:gs pos="50000">
+            <a:gs pos="40000">
               <a:schemeClr val="phClr">
-                <a:tint val="98000"/>
-                <a:satMod val="130000"/>
-                <a:shade val="90000"/>
-                <a:lumMod val="103000"/>
+                <a:tint val="45000"/>
+                <a:shade val="99000"/>
+                <a:satMod val="350000"/>
               </a:schemeClr>
             </a:gs>
             <a:gs pos="100000">
               <a:schemeClr val="phClr">
-                <a:shade val="63000"/>
-                <a:satMod val="120000"/>
+                <a:shade val="20000"/>
+                <a:satMod val="255000"/>
               </a:schemeClr>
             </a:gs>
           </a:gsLst>
-          <a:lin ang="5400000" scaled="0"/>
+          <a:path path="circle">
+            <a:fillToRect l="50000" t="-80000" r="50000" b="180000"/>
+          </a:path>
+        </a:gradFill>
+        <a:gradFill rotWithShape="1">
+          <a:gsLst>
+            <a:gs pos="0">
+              <a:schemeClr val="phClr">
+                <a:tint val="80000"/>
+                <a:satMod val="300000"/>
+              </a:schemeClr>
+            </a:gs>
+            <a:gs pos="100000">
+              <a:schemeClr val="phClr">
+                <a:shade val="30000"/>
+                <a:satMod val="200000"/>
+              </a:schemeClr>
+            </a:gs>
+          </a:gsLst>
+          <a:path path="circle">
+            <a:fillToRect l="50000" t="50000" r="50000" b="50000"/>
+          </a:path>
         </a:gradFill>
       </a:bgFillStyleLst>
     </a:fmtScheme>
   </a:themeElements>
   <a:objectDefaults/>
   <a:extraClrSchemeLst/>
-  <a:extLst>
-    <a:ext uri="{05A4C25C-085E-4340-85A3-A5531E510DB2}">
-      <thm15:themeFamily xmlns:thm15="http://schemas.microsoft.com/office/thememl/2012/main" xmlns="" name="Office Theme" id="{62F939B6-93AF-4DB8-9C6B-D6C7DFDC589F}" vid="{4A3C46E8-61CC-4603-A589-7422A47A8E4A}"/>
-    </a:ext>
-  </a:extLst>
 </a:theme>
 </file>
--- a/slides/Android Studio_Activities_Fragments.pptx
+++ b/slides/Android Studio_Activities_Fragments.pptx
@@ -18,15 +18,19 @@
     <p:sldId id="263" r:id="rId12"/>
     <p:sldId id="259" r:id="rId13"/>
     <p:sldId id="268" r:id="rId14"/>
-    <p:sldId id="269" r:id="rId15"/>
-    <p:sldId id="271" r:id="rId16"/>
-    <p:sldId id="272" r:id="rId17"/>
-    <p:sldId id="273" r:id="rId18"/>
-    <p:sldId id="274" r:id="rId19"/>
-    <p:sldId id="275" r:id="rId20"/>
-    <p:sldId id="276" r:id="rId21"/>
+    <p:sldId id="280" r:id="rId15"/>
+    <p:sldId id="269" r:id="rId16"/>
+    <p:sldId id="271" r:id="rId17"/>
+    <p:sldId id="272" r:id="rId18"/>
+    <p:sldId id="273" r:id="rId19"/>
+    <p:sldId id="274" r:id="rId20"/>
+    <p:sldId id="275" r:id="rId21"/>
     <p:sldId id="277" r:id="rId22"/>
-    <p:sldId id="267" r:id="rId23"/>
+    <p:sldId id="276" r:id="rId23"/>
+    <p:sldId id="279" r:id="rId24"/>
+    <p:sldId id="282" r:id="rId25"/>
+    <p:sldId id="281" r:id="rId26"/>
+    <p:sldId id="267" r:id="rId27"/>
   </p:sldIdLst>
   <p:sldSz cx="12192000" cy="6858000"/>
   <p:notesSz cx="6858000" cy="9144000"/>
@@ -125,7 +129,27 @@
       </a:defRPr>
     </a:lvl9pPr>
   </p:defaultTextStyle>
+  <p:extLst>
+    <p:ext uri="{EFAFB233-063F-42B5-8137-9DF3F51BA10A}">
+      <p15:sldGuideLst xmlns:p15="http://schemas.microsoft.com/office/powerpoint/2012/main">
+        <p15:guide id="1" orient="horz" pos="2160">
+          <p15:clr>
+            <a:srgbClr val="A4A3A4"/>
+          </p15:clr>
+        </p15:guide>
+        <p15:guide id="2" pos="3840">
+          <p15:clr>
+            <a:srgbClr val="A4A3A4"/>
+          </p15:clr>
+        </p15:guide>
+      </p15:sldGuideLst>
+    </p:ext>
+  </p:extLst>
 </p:presentation>
+</file>
+
+<file path=ppt/revisionInfo.xml><?xml version="1.0" encoding="utf-8"?>
+<p1510:revInfo xmlns:a="http://schemas.openxmlformats.org/drawingml/2006/main" xmlns:r="http://schemas.openxmlformats.org/officeDocument/2006/relationships" xmlns:p1510="http://schemas.microsoft.com/office/powerpoint/2015/10/main"/>
 </file>
 
 <file path=ppt/slideLayouts/slideLayout1.xml><?xml version="1.0" encoding="utf-8"?>
@@ -170,10 +194,9 @@
           </a:lstStyle>
           <a:p>
             <a:r>
-              <a:rPr lang="en-US" smtClean="0"/>
+              <a:rPr lang="en-US"/>
               <a:t>Click to edit Master title style</a:t>
             </a:r>
-            <a:endParaRPr lang="en-US"/>
           </a:p>
         </p:txBody>
       </p:sp>
@@ -289,10 +312,9 @@
           </a:lstStyle>
           <a:p>
             <a:r>
-              <a:rPr lang="en-US" smtClean="0"/>
+              <a:rPr lang="en-US"/>
               <a:t>Click to edit Master subtitle style</a:t>
             </a:r>
-            <a:endParaRPr lang="en-US"/>
           </a:p>
         </p:txBody>
       </p:sp>
@@ -313,7 +335,7 @@
           <a:p>
             <a:fld id="{1E7C2FAA-919F-4BF2-9DC6-6D7D1753D0B1}" type="datetimeFigureOut">
               <a:rPr lang="en-US" smtClean="0"/>
-              <a:t>5/2/2017</a:t>
+              <a:t>5/3/2017</a:t>
             </a:fld>
             <a:endParaRPr lang="en-US"/>
           </a:p>
@@ -407,10 +429,9 @@
           <a:lstStyle/>
           <a:p>
             <a:r>
-              <a:rPr lang="en-US" smtClean="0"/>
+              <a:rPr lang="en-US"/>
               <a:t>Click to edit Master title style</a:t>
             </a:r>
-            <a:endParaRPr lang="en-US"/>
           </a:p>
         </p:txBody>
       </p:sp>
@@ -431,38 +452,37 @@
           <a:p>
             <a:pPr lvl="0"/>
             <a:r>
-              <a:rPr lang="en-US" smtClean="0"/>
+              <a:rPr lang="en-US"/>
               <a:t>Click to edit Master text styles</a:t>
             </a:r>
           </a:p>
           <a:p>
             <a:pPr lvl="1"/>
             <a:r>
-              <a:rPr lang="en-US" smtClean="0"/>
+              <a:rPr lang="en-US"/>
               <a:t>Second level</a:t>
             </a:r>
           </a:p>
           <a:p>
             <a:pPr lvl="2"/>
             <a:r>
-              <a:rPr lang="en-US" smtClean="0"/>
+              <a:rPr lang="en-US"/>
               <a:t>Third level</a:t>
             </a:r>
           </a:p>
           <a:p>
             <a:pPr lvl="3"/>
             <a:r>
-              <a:rPr lang="en-US" smtClean="0"/>
+              <a:rPr lang="en-US"/>
               <a:t>Fourth level</a:t>
             </a:r>
           </a:p>
           <a:p>
             <a:pPr lvl="4"/>
             <a:r>
-              <a:rPr lang="en-US" smtClean="0"/>
+              <a:rPr lang="en-US"/>
               <a:t>Fifth level</a:t>
             </a:r>
-            <a:endParaRPr lang="en-US"/>
           </a:p>
         </p:txBody>
       </p:sp>
@@ -483,7 +503,7 @@
           <a:p>
             <a:fld id="{1E7C2FAA-919F-4BF2-9DC6-6D7D1753D0B1}" type="datetimeFigureOut">
               <a:rPr lang="en-US" smtClean="0"/>
-              <a:t>5/2/2017</a:t>
+              <a:t>5/3/2017</a:t>
             </a:fld>
             <a:endParaRPr lang="en-US"/>
           </a:p>
@@ -582,10 +602,9 @@
           <a:lstStyle/>
           <a:p>
             <a:r>
-              <a:rPr lang="en-US" smtClean="0"/>
+              <a:rPr lang="en-US"/>
               <a:t>Click to edit Master title style</a:t>
             </a:r>
-            <a:endParaRPr lang="en-US"/>
           </a:p>
         </p:txBody>
       </p:sp>
@@ -611,38 +630,37 @@
           <a:p>
             <a:pPr lvl="0"/>
             <a:r>
-              <a:rPr lang="en-US" smtClean="0"/>
+              <a:rPr lang="en-US"/>
               <a:t>Click to edit Master text styles</a:t>
             </a:r>
           </a:p>
           <a:p>
             <a:pPr lvl="1"/>
             <a:r>
-              <a:rPr lang="en-US" smtClean="0"/>
+              <a:rPr lang="en-US"/>
               <a:t>Second level</a:t>
             </a:r>
           </a:p>
           <a:p>
             <a:pPr lvl="2"/>
             <a:r>
-              <a:rPr lang="en-US" smtClean="0"/>
+              <a:rPr lang="en-US"/>
               <a:t>Third level</a:t>
             </a:r>
           </a:p>
           <a:p>
             <a:pPr lvl="3"/>
             <a:r>
-              <a:rPr lang="en-US" smtClean="0"/>
+              <a:rPr lang="en-US"/>
               <a:t>Fourth level</a:t>
             </a:r>
           </a:p>
           <a:p>
             <a:pPr lvl="4"/>
             <a:r>
-              <a:rPr lang="en-US" smtClean="0"/>
+              <a:rPr lang="en-US"/>
               <a:t>Fifth level</a:t>
             </a:r>
-            <a:endParaRPr lang="en-US"/>
           </a:p>
         </p:txBody>
       </p:sp>
@@ -663,7 +681,7 @@
           <a:p>
             <a:fld id="{1E7C2FAA-919F-4BF2-9DC6-6D7D1753D0B1}" type="datetimeFigureOut">
               <a:rPr lang="en-US" smtClean="0"/>
-              <a:t>5/2/2017</a:t>
+              <a:t>5/3/2017</a:t>
             </a:fld>
             <a:endParaRPr lang="en-US"/>
           </a:p>
@@ -766,7 +784,7 @@
           </a:lstStyle>
           <a:p>
             <a:r>
-              <a:rPr lang="en-US" smtClean="0"/>
+              <a:rPr lang="en-US"/>
               <a:t>Click to edit Master title style</a:t>
             </a:r>
             <a:endParaRPr lang="en-US" dirty="0"/>
@@ -795,38 +813,37 @@
           <a:p>
             <a:pPr lvl="0"/>
             <a:r>
-              <a:rPr lang="en-US" smtClean="0"/>
+              <a:rPr lang="en-US"/>
               <a:t>Click to edit Master text styles</a:t>
             </a:r>
           </a:p>
           <a:p>
             <a:pPr lvl="1"/>
             <a:r>
-              <a:rPr lang="en-US" smtClean="0"/>
+              <a:rPr lang="en-US"/>
               <a:t>Second level</a:t>
             </a:r>
           </a:p>
           <a:p>
             <a:pPr lvl="2"/>
             <a:r>
-              <a:rPr lang="en-US" smtClean="0"/>
+              <a:rPr lang="en-US"/>
               <a:t>Third level</a:t>
             </a:r>
           </a:p>
           <a:p>
             <a:pPr lvl="3"/>
             <a:r>
-              <a:rPr lang="en-US" smtClean="0"/>
+              <a:rPr lang="en-US"/>
               <a:t>Fourth level</a:t>
             </a:r>
           </a:p>
           <a:p>
             <a:pPr lvl="4"/>
             <a:r>
-              <a:rPr lang="en-US" smtClean="0"/>
+              <a:rPr lang="en-US"/>
               <a:t>Fifth level</a:t>
             </a:r>
-            <a:endParaRPr lang="en-US"/>
           </a:p>
         </p:txBody>
       </p:sp>
@@ -847,7 +864,7 @@
           <a:p>
             <a:fld id="{1E7C2FAA-919F-4BF2-9DC6-6D7D1753D0B1}" type="datetimeFigureOut">
               <a:rPr lang="en-US" smtClean="0"/>
-              <a:t>5/2/2017</a:t>
+              <a:t>5/3/2017</a:t>
             </a:fld>
             <a:endParaRPr lang="en-US"/>
           </a:p>
@@ -950,10 +967,9 @@
           </a:lstStyle>
           <a:p>
             <a:r>
-              <a:rPr lang="en-US" smtClean="0"/>
+              <a:rPr lang="en-US"/>
               <a:t>Click to edit Master title style</a:t>
             </a:r>
-            <a:endParaRPr lang="en-US"/>
           </a:p>
         </p:txBody>
       </p:sp>
@@ -1070,7 +1086,7 @@
           <a:p>
             <a:pPr lvl="0"/>
             <a:r>
-              <a:rPr lang="en-US" smtClean="0"/>
+              <a:rPr lang="en-US"/>
               <a:t>Click to edit Master text styles</a:t>
             </a:r>
           </a:p>
@@ -1093,7 +1109,7 @@
           <a:p>
             <a:fld id="{1E7C2FAA-919F-4BF2-9DC6-6D7D1753D0B1}" type="datetimeFigureOut">
               <a:rPr lang="en-US" smtClean="0"/>
-              <a:t>5/2/2017</a:t>
+              <a:t>5/3/2017</a:t>
             </a:fld>
             <a:endParaRPr lang="en-US"/>
           </a:p>
@@ -1196,10 +1212,9 @@
           </a:lstStyle>
           <a:p>
             <a:r>
-              <a:rPr lang="en-US" smtClean="0"/>
+              <a:rPr lang="en-US"/>
               <a:t>Click to edit Master title style</a:t>
             </a:r>
-            <a:endParaRPr lang="en-US"/>
           </a:p>
         </p:txBody>
       </p:sp>
@@ -1253,38 +1268,37 @@
           <a:p>
             <a:pPr lvl="0"/>
             <a:r>
-              <a:rPr lang="en-US" smtClean="0"/>
+              <a:rPr lang="en-US"/>
               <a:t>Click to edit Master text styles</a:t>
             </a:r>
           </a:p>
           <a:p>
             <a:pPr lvl="1"/>
             <a:r>
-              <a:rPr lang="en-US" smtClean="0"/>
+              <a:rPr lang="en-US"/>
               <a:t>Second level</a:t>
             </a:r>
           </a:p>
           <a:p>
             <a:pPr lvl="2"/>
             <a:r>
-              <a:rPr lang="en-US" smtClean="0"/>
+              <a:rPr lang="en-US"/>
               <a:t>Third level</a:t>
             </a:r>
           </a:p>
           <a:p>
             <a:pPr lvl="3"/>
             <a:r>
-              <a:rPr lang="en-US" smtClean="0"/>
+              <a:rPr lang="en-US"/>
               <a:t>Fourth level</a:t>
             </a:r>
           </a:p>
           <a:p>
             <a:pPr lvl="4"/>
             <a:r>
-              <a:rPr lang="en-US" smtClean="0"/>
+              <a:rPr lang="en-US"/>
               <a:t>Fifth level</a:t>
             </a:r>
-            <a:endParaRPr lang="en-US"/>
           </a:p>
         </p:txBody>
       </p:sp>
@@ -1338,38 +1352,37 @@
           <a:p>
             <a:pPr lvl="0"/>
             <a:r>
-              <a:rPr lang="en-US" smtClean="0"/>
+              <a:rPr lang="en-US"/>
               <a:t>Click to edit Master text styles</a:t>
             </a:r>
           </a:p>
           <a:p>
             <a:pPr lvl="1"/>
             <a:r>
-              <a:rPr lang="en-US" smtClean="0"/>
+              <a:rPr lang="en-US"/>
               <a:t>Second level</a:t>
             </a:r>
           </a:p>
           <a:p>
             <a:pPr lvl="2"/>
             <a:r>
-              <a:rPr lang="en-US" smtClean="0"/>
+              <a:rPr lang="en-US"/>
               <a:t>Third level</a:t>
             </a:r>
           </a:p>
           <a:p>
             <a:pPr lvl="3"/>
             <a:r>
-              <a:rPr lang="en-US" smtClean="0"/>
+              <a:rPr lang="en-US"/>
               <a:t>Fourth level</a:t>
             </a:r>
           </a:p>
           <a:p>
             <a:pPr lvl="4"/>
             <a:r>
-              <a:rPr lang="en-US" smtClean="0"/>
+              <a:rPr lang="en-US"/>
               <a:t>Fifth level</a:t>
             </a:r>
-            <a:endParaRPr lang="en-US"/>
           </a:p>
         </p:txBody>
       </p:sp>
@@ -1390,7 +1403,7 @@
           <a:p>
             <a:fld id="{1E7C2FAA-919F-4BF2-9DC6-6D7D1753D0B1}" type="datetimeFigureOut">
               <a:rPr lang="en-US" smtClean="0"/>
-              <a:t>5/2/2017</a:t>
+              <a:t>5/3/2017</a:t>
             </a:fld>
             <a:endParaRPr lang="en-US"/>
           </a:p>
@@ -1493,10 +1506,9 @@
           </a:lstStyle>
           <a:p>
             <a:r>
-              <a:rPr lang="en-US" smtClean="0"/>
+              <a:rPr lang="en-US"/>
               <a:t>Click to edit Master title style</a:t>
             </a:r>
-            <a:endParaRPr lang="en-US"/>
           </a:p>
         </p:txBody>
       </p:sp>
@@ -1559,7 +1571,7 @@
           <a:p>
             <a:pPr lvl="0"/>
             <a:r>
-              <a:rPr lang="en-US" smtClean="0"/>
+              <a:rPr lang="en-US"/>
               <a:t>Click to edit Master text styles</a:t>
             </a:r>
           </a:p>
@@ -1615,38 +1627,37 @@
           <a:p>
             <a:pPr lvl="0"/>
             <a:r>
-              <a:rPr lang="en-US" smtClean="0"/>
+              <a:rPr lang="en-US"/>
               <a:t>Click to edit Master text styles</a:t>
             </a:r>
           </a:p>
           <a:p>
             <a:pPr lvl="1"/>
             <a:r>
-              <a:rPr lang="en-US" smtClean="0"/>
+              <a:rPr lang="en-US"/>
               <a:t>Second level</a:t>
             </a:r>
           </a:p>
           <a:p>
             <a:pPr lvl="2"/>
             <a:r>
-              <a:rPr lang="en-US" smtClean="0"/>
+              <a:rPr lang="en-US"/>
               <a:t>Third level</a:t>
             </a:r>
           </a:p>
           <a:p>
             <a:pPr lvl="3"/>
             <a:r>
-              <a:rPr lang="en-US" smtClean="0"/>
+              <a:rPr lang="en-US"/>
               <a:t>Fourth level</a:t>
             </a:r>
           </a:p>
           <a:p>
             <a:pPr lvl="4"/>
             <a:r>
-              <a:rPr lang="en-US" smtClean="0"/>
+              <a:rPr lang="en-US"/>
               <a:t>Fifth level</a:t>
             </a:r>
-            <a:endParaRPr lang="en-US"/>
           </a:p>
         </p:txBody>
       </p:sp>
@@ -1709,7 +1720,7 @@
           <a:p>
             <a:pPr lvl="0"/>
             <a:r>
-              <a:rPr lang="en-US" smtClean="0"/>
+              <a:rPr lang="en-US"/>
               <a:t>Click to edit Master text styles</a:t>
             </a:r>
           </a:p>
@@ -1765,38 +1776,37 @@
           <a:p>
             <a:pPr lvl="0"/>
             <a:r>
-              <a:rPr lang="en-US" smtClean="0"/>
+              <a:rPr lang="en-US"/>
               <a:t>Click to edit Master text styles</a:t>
             </a:r>
           </a:p>
           <a:p>
             <a:pPr lvl="1"/>
             <a:r>
-              <a:rPr lang="en-US" smtClean="0"/>
+              <a:rPr lang="en-US"/>
               <a:t>Second level</a:t>
             </a:r>
           </a:p>
           <a:p>
             <a:pPr lvl="2"/>
             <a:r>
-              <a:rPr lang="en-US" smtClean="0"/>
+              <a:rPr lang="en-US"/>
               <a:t>Third level</a:t>
             </a:r>
           </a:p>
           <a:p>
             <a:pPr lvl="3"/>
             <a:r>
-              <a:rPr lang="en-US" smtClean="0"/>
+              <a:rPr lang="en-US"/>
               <a:t>Fourth level</a:t>
             </a:r>
           </a:p>
           <a:p>
             <a:pPr lvl="4"/>
             <a:r>
-              <a:rPr lang="en-US" smtClean="0"/>
+              <a:rPr lang="en-US"/>
               <a:t>Fifth level</a:t>
             </a:r>
-            <a:endParaRPr lang="en-US"/>
           </a:p>
         </p:txBody>
       </p:sp>
@@ -1817,7 +1827,7 @@
           <a:p>
             <a:fld id="{1E7C2FAA-919F-4BF2-9DC6-6D7D1753D0B1}" type="datetimeFigureOut">
               <a:rPr lang="en-US" smtClean="0"/>
-              <a:t>5/2/2017</a:t>
+              <a:t>5/3/2017</a:t>
             </a:fld>
             <a:endParaRPr lang="en-US"/>
           </a:p>
@@ -1911,10 +1921,9 @@
           <a:lstStyle/>
           <a:p>
             <a:r>
-              <a:rPr lang="en-US" smtClean="0"/>
+              <a:rPr lang="en-US"/>
               <a:t>Click to edit Master title style</a:t>
             </a:r>
-            <a:endParaRPr lang="en-US"/>
           </a:p>
         </p:txBody>
       </p:sp>
@@ -1935,7 +1944,7 @@
           <a:p>
             <a:fld id="{1E7C2FAA-919F-4BF2-9DC6-6D7D1753D0B1}" type="datetimeFigureOut">
               <a:rPr lang="en-US" smtClean="0"/>
-              <a:t>5/2/2017</a:t>
+              <a:t>5/3/2017</a:t>
             </a:fld>
             <a:endParaRPr lang="en-US"/>
           </a:p>
@@ -2030,7 +2039,7 @@
           <a:p>
             <a:fld id="{1E7C2FAA-919F-4BF2-9DC6-6D7D1753D0B1}" type="datetimeFigureOut">
               <a:rPr lang="en-US" smtClean="0"/>
-              <a:t>5/2/2017</a:t>
+              <a:t>5/3/2017</a:t>
             </a:fld>
             <a:endParaRPr lang="en-US"/>
           </a:p>
@@ -2052,10 +2061,9 @@
           <a:lstStyle/>
           <a:p>
             <a:r>
-              <a:rPr lang="en-US" smtClean="0"/>
+              <a:rPr lang="en-US"/>
               <a:t>Competition Sensitive. Do Not Disclose.</a:t>
             </a:r>
-            <a:endParaRPr lang="en-US"/>
           </a:p>
         </p:txBody>
       </p:sp>
@@ -2137,10 +2145,9 @@
           </a:lstStyle>
           <a:p>
             <a:r>
-              <a:rPr lang="en-US" smtClean="0"/>
+              <a:rPr lang="en-US"/>
               <a:t>Click to edit Master title style</a:t>
             </a:r>
-            <a:endParaRPr lang="en-US"/>
           </a:p>
         </p:txBody>
       </p:sp>
@@ -2194,38 +2201,37 @@
           <a:p>
             <a:pPr lvl="0"/>
             <a:r>
-              <a:rPr lang="en-US" smtClean="0"/>
+              <a:rPr lang="en-US"/>
               <a:t>Click to edit Master text styles</a:t>
             </a:r>
           </a:p>
           <a:p>
             <a:pPr lvl="1"/>
             <a:r>
-              <a:rPr lang="en-US" smtClean="0"/>
+              <a:rPr lang="en-US"/>
               <a:t>Second level</a:t>
             </a:r>
           </a:p>
           <a:p>
             <a:pPr lvl="2"/>
             <a:r>
-              <a:rPr lang="en-US" smtClean="0"/>
+              <a:rPr lang="en-US"/>
               <a:t>Third level</a:t>
             </a:r>
           </a:p>
           <a:p>
             <a:pPr lvl="3"/>
             <a:r>
-              <a:rPr lang="en-US" smtClean="0"/>
+              <a:rPr lang="en-US"/>
               <a:t>Fourth level</a:t>
             </a:r>
           </a:p>
           <a:p>
             <a:pPr lvl="4"/>
             <a:r>
-              <a:rPr lang="en-US" smtClean="0"/>
+              <a:rPr lang="en-US"/>
               <a:t>Fifth level</a:t>
             </a:r>
-            <a:endParaRPr lang="en-US"/>
           </a:p>
         </p:txBody>
       </p:sp>
@@ -2288,7 +2294,7 @@
           <a:p>
             <a:pPr lvl="0"/>
             <a:r>
-              <a:rPr lang="en-US" smtClean="0"/>
+              <a:rPr lang="en-US"/>
               <a:t>Click to edit Master text styles</a:t>
             </a:r>
           </a:p>
@@ -2311,7 +2317,7 @@
           <a:p>
             <a:fld id="{1E7C2FAA-919F-4BF2-9DC6-6D7D1753D0B1}" type="datetimeFigureOut">
               <a:rPr lang="en-US" smtClean="0"/>
-              <a:t>5/2/2017</a:t>
+              <a:t>5/3/2017</a:t>
             </a:fld>
             <a:endParaRPr lang="en-US"/>
           </a:p>
@@ -2333,10 +2339,9 @@
           <a:lstStyle/>
           <a:p>
             <a:r>
-              <a:rPr lang="en-US" smtClean="0"/>
+              <a:rPr lang="en-US"/>
               <a:t>Competition Sensitive. Do Not Disclose.</a:t>
             </a:r>
-            <a:endParaRPr lang="en-US"/>
           </a:p>
         </p:txBody>
       </p:sp>
@@ -2418,10 +2423,9 @@
           </a:lstStyle>
           <a:p>
             <a:r>
-              <a:rPr lang="en-US" smtClean="0"/>
+              <a:rPr lang="en-US"/>
               <a:t>Click to edit Master title style</a:t>
             </a:r>
-            <a:endParaRPr lang="en-US"/>
           </a:p>
         </p:txBody>
       </p:sp>
@@ -2483,10 +2487,9 @@
           </a:lstStyle>
           <a:p>
             <a:r>
-              <a:rPr lang="en-US" smtClean="0"/>
+              <a:rPr lang="en-US"/>
               <a:t>Click icon to add picture</a:t>
             </a:r>
-            <a:endParaRPr lang="en-US"/>
           </a:p>
         </p:txBody>
       </p:sp>
@@ -2549,7 +2552,7 @@
           <a:p>
             <a:pPr lvl="0"/>
             <a:r>
-              <a:rPr lang="en-US" smtClean="0"/>
+              <a:rPr lang="en-US"/>
               <a:t>Click to edit Master text styles</a:t>
             </a:r>
           </a:p>
@@ -2572,7 +2575,7 @@
           <a:p>
             <a:fld id="{1E7C2FAA-919F-4BF2-9DC6-6D7D1753D0B1}" type="datetimeFigureOut">
               <a:rPr lang="en-US" smtClean="0"/>
-              <a:t>5/2/2017</a:t>
+              <a:t>5/3/2017</a:t>
             </a:fld>
             <a:endParaRPr lang="en-US"/>
           </a:p>
@@ -2594,10 +2597,9 @@
           <a:lstStyle/>
           <a:p>
             <a:r>
-              <a:rPr lang="en-US" smtClean="0"/>
+              <a:rPr lang="en-US"/>
               <a:t>Competition Sensitive. Do Not Disclose.</a:t>
             </a:r>
-            <a:endParaRPr lang="en-US"/>
           </a:p>
         </p:txBody>
       </p:sp>
@@ -2726,7 +2728,7 @@
           <a:lstStyle/>
           <a:p>
             <a:r>
-              <a:rPr lang="en-US" smtClean="0"/>
+              <a:rPr lang="en-US"/>
               <a:t>Click to edit Master title style</a:t>
             </a:r>
             <a:endParaRPr lang="en-US" dirty="0"/>
@@ -2760,35 +2762,35 @@
           <a:p>
             <a:pPr lvl="0"/>
             <a:r>
-              <a:rPr lang="en-US" smtClean="0"/>
+              <a:rPr lang="en-US"/>
               <a:t>Click to edit Master text styles</a:t>
             </a:r>
           </a:p>
           <a:p>
             <a:pPr lvl="1"/>
             <a:r>
-              <a:rPr lang="en-US" smtClean="0"/>
+              <a:rPr lang="en-US"/>
               <a:t>Second level</a:t>
             </a:r>
           </a:p>
           <a:p>
             <a:pPr lvl="2"/>
             <a:r>
-              <a:rPr lang="en-US" smtClean="0"/>
+              <a:rPr lang="en-US"/>
               <a:t>Third level</a:t>
             </a:r>
           </a:p>
           <a:p>
             <a:pPr lvl="3"/>
             <a:r>
-              <a:rPr lang="en-US" smtClean="0"/>
+              <a:rPr lang="en-US"/>
               <a:t>Fourth level</a:t>
             </a:r>
           </a:p>
           <a:p>
             <a:pPr lvl="4"/>
             <a:r>
-              <a:rPr lang="en-US" smtClean="0"/>
+              <a:rPr lang="en-US"/>
               <a:t>Fifth level</a:t>
             </a:r>
             <a:endParaRPr lang="en-US" dirty="0"/>
@@ -2830,7 +2832,7 @@
           <a:p>
             <a:fld id="{1E7C2FAA-919F-4BF2-9DC6-6D7D1753D0B1}" type="datetimeFigureOut">
               <a:rPr lang="en-US" smtClean="0"/>
-              <a:t>5/2/2017</a:t>
+              <a:t>5/3/2017</a:t>
             </a:fld>
             <a:endParaRPr lang="en-US"/>
           </a:p>
@@ -3259,13 +3261,6 @@
   <p:clrMapOvr>
     <a:masterClrMapping/>
   </p:clrMapOvr>
-  <p:timing>
-    <p:tnLst>
-      <p:par>
-        <p:cTn id="1" dur="indefinite" restart="never" nodeType="tmRoot"/>
-      </p:par>
-    </p:tnLst>
-  </p:timing>
 </p:sld>
 </file>
 
@@ -3302,10 +3297,9 @@
           <a:lstStyle/>
           <a:p>
             <a:r>
-              <a:rPr lang="en-US" dirty="0" smtClean="0"/>
+              <a:rPr lang="en-US" dirty="0"/>
               <a:t>Think of an Activity as a picture frame</a:t>
             </a:r>
-            <a:endParaRPr lang="en-US" dirty="0"/>
           </a:p>
         </p:txBody>
       </p:sp>
@@ -3379,7 +3373,6 @@
               <a:rPr lang="en-US" sz="9600" dirty="0"/>
               <a:t>=</a:t>
             </a:r>
-            <a:endParaRPr lang="en-US" sz="9600" dirty="0" smtClean="0"/>
           </a:p>
         </p:txBody>
       </p:sp>
@@ -3423,13 +3416,6 @@
   <p:clrMapOvr>
     <a:masterClrMapping/>
   </p:clrMapOvr>
-  <p:timing>
-    <p:tnLst>
-      <p:par>
-        <p:cTn id="1" dur="indefinite" restart="never" nodeType="tmRoot"/>
-      </p:par>
-    </p:tnLst>
-  </p:timing>
 </p:sld>
 </file>
 
@@ -3466,10 +3452,9 @@
           <a:lstStyle/>
           <a:p>
             <a:r>
-              <a:rPr lang="en-US" dirty="0" smtClean="0"/>
+              <a:rPr lang="en-US" dirty="0"/>
               <a:t>How Activity is like a Picture frame?</a:t>
             </a:r>
-            <a:endParaRPr lang="en-US" dirty="0"/>
           </a:p>
         </p:txBody>
       </p:sp>
@@ -3548,7 +3533,7 @@
                 <a:buChar char="•"/>
               </a:pPr>
               <a:r>
-                <a:rPr lang="en-US" dirty="0" smtClean="0"/>
+                <a:rPr lang="en-US" dirty="0"/>
                 <a:t>Defines the dimensions</a:t>
               </a:r>
             </a:p>
@@ -3753,10 +3738,9 @@
                   <a:buChar char="•"/>
                 </a:pPr>
                 <a:r>
-                  <a:rPr lang="en-US" dirty="0" smtClean="0"/>
+                  <a:rPr lang="en-US" dirty="0"/>
                   <a:t>Defines orientation, either portrait or landscape </a:t>
                 </a:r>
-                <a:endParaRPr lang="en-US" dirty="0"/>
               </a:p>
             </p:txBody>
           </p:sp>
@@ -3838,10 +3822,9 @@
                 <a:buChar char="•"/>
               </a:pPr>
               <a:r>
-                <a:rPr lang="en-US" dirty="0" smtClean="0"/>
+                <a:rPr lang="en-US" dirty="0"/>
                 <a:t>Defines the decorations </a:t>
               </a:r>
-              <a:endParaRPr lang="en-US" dirty="0"/>
             </a:p>
           </p:txBody>
         </p:sp>
@@ -4296,13 +4279,7 @@
               <a:rPr lang="en-US" sz="2200" dirty="0">
                 <a:hlinkClick r:id="rId2"/>
               </a:rPr>
-              <a:t>https://</a:t>
-            </a:r>
-            <a:r>
-              <a:rPr lang="en-US" sz="2200" dirty="0" smtClean="0">
-                <a:hlinkClick r:id="rId2"/>
-              </a:rPr>
-              <a:t>developer.android.com/guide/components/fragments.html</a:t>
+              <a:t>https://developer.android.com/guide/components/fragments.html</a:t>
             </a:r>
             <a:endParaRPr lang="en-US" dirty="0"/>
           </a:p>
@@ -4324,33 +4301,33 @@
           <a:lstStyle/>
           <a:p>
             <a:r>
-              <a:rPr lang="en-US" dirty="0" smtClean="0"/>
+              <a:rPr lang="en-US" dirty="0"/>
               <a:t>View and Layout logic</a:t>
             </a:r>
           </a:p>
           <a:p>
             <a:r>
-              <a:rPr lang="en-US" dirty="0" smtClean="0"/>
+              <a:rPr lang="en-US" dirty="0"/>
               <a:t>Event handling (i.e. </a:t>
             </a:r>
             <a:r>
-              <a:rPr lang="en-US" dirty="0" err="1" smtClean="0"/>
+              <a:rPr lang="en-US" dirty="0" err="1"/>
               <a:t>onClick</a:t>
             </a:r>
             <a:r>
-              <a:rPr lang="en-US" dirty="0" smtClean="0"/>
+              <a:rPr lang="en-US" dirty="0"/>
               <a:t>())</a:t>
             </a:r>
           </a:p>
           <a:p>
             <a:r>
-              <a:rPr lang="en-US" dirty="0" smtClean="0"/>
+              <a:rPr lang="en-US" dirty="0"/>
               <a:t>Network request </a:t>
             </a:r>
           </a:p>
           <a:p>
             <a:r>
-              <a:rPr lang="en-US" dirty="0" smtClean="0"/>
+              <a:rPr lang="en-US" dirty="0"/>
               <a:t>Interacting with a persistence storage</a:t>
             </a:r>
           </a:p>
@@ -4366,13 +4343,6 @@
   <p:clrMapOvr>
     <a:masterClrMapping/>
   </p:clrMapOvr>
-  <p:timing>
-    <p:tnLst>
-      <p:par>
-        <p:cTn id="1" dur="indefinite" restart="never" nodeType="tmRoot"/>
-      </p:par>
-    </p:tnLst>
-  </p:timing>
 </p:sld>
 </file>
 
@@ -4432,17 +4402,16 @@
             <a:pPr marL="0" indent="0" algn="ctr">
               <a:buNone/>
             </a:pPr>
-            <a:endParaRPr lang="en-US" sz="6600" dirty="0" smtClean="0"/>
+            <a:endParaRPr lang="en-US" sz="6600" dirty="0"/>
           </a:p>
           <a:p>
             <a:pPr marL="0" indent="0" algn="ctr">
               <a:buNone/>
             </a:pPr>
             <a:r>
-              <a:rPr lang="en-US" sz="6600" dirty="0" smtClean="0"/>
+              <a:rPr lang="en-US" sz="6600" dirty="0"/>
               <a:t>Detail Level </a:t>
             </a:r>
-            <a:endParaRPr lang="en-US" sz="6600" dirty="0"/>
           </a:p>
         </p:txBody>
       </p:sp>
@@ -4456,13 +4425,6 @@
   <p:clrMapOvr>
     <a:masterClrMapping/>
   </p:clrMapOvr>
-  <p:timing>
-    <p:tnLst>
-      <p:par>
-        <p:cTn id="1" dur="indefinite" restart="never" nodeType="tmRoot"/>
-      </p:par>
-    </p:tnLst>
-  </p:timing>
 </p:sld>
 </file>
 
@@ -4483,13 +4445,34 @@
           <a:chExt cx="0" cy="0"/>
         </a:xfrm>
       </p:grpSpPr>
+      <p:sp>
+        <p:nvSpPr>
+          <p:cNvPr id="2" name="Title 1"/>
+          <p:cNvSpPr>
+            <a:spLocks noGrp="1"/>
+          </p:cNvSpPr>
+          <p:nvPr>
+            <p:ph type="title"/>
+          </p:nvPr>
+        </p:nvSpPr>
+        <p:spPr/>
+        <p:txBody>
+          <a:bodyPr/>
+          <a:lstStyle/>
+          <a:p>
+            <a:endParaRPr lang="en-US"/>
+          </a:p>
+        </p:txBody>
+      </p:sp>
       <p:pic>
         <p:nvPicPr>
-          <p:cNvPr id="16" name="Content Placeholder 3"/>
+          <p:cNvPr id="4" name="Content Placeholder 3"/>
           <p:cNvPicPr>
-            <a:picLocks noChangeAspect="1"/>
+            <a:picLocks noGrp="1" noChangeAspect="1"/>
           </p:cNvPicPr>
-          <p:nvPr/>
+          <p:nvPr>
+            <p:ph idx="1"/>
+          </p:nvPr>
         </p:nvPicPr>
         <p:blipFill>
           <a:blip r:embed="rId2">
@@ -4505,180 +4488,24 @@
         </p:blipFill>
         <p:spPr>
           <a:xfrm>
-            <a:off x="5523848" y="901998"/>
-            <a:ext cx="3943705" cy="5096836"/>
+            <a:off x="4345005" y="1600200"/>
+            <a:ext cx="3501989" cy="4525963"/>
           </a:xfrm>
           <a:prstGeom prst="rect">
             <a:avLst/>
           </a:prstGeom>
         </p:spPr>
       </p:pic>
-      <p:sp>
-        <p:nvSpPr>
-          <p:cNvPr id="2" name="Title 1"/>
-          <p:cNvSpPr>
-            <a:spLocks noGrp="1"/>
-          </p:cNvSpPr>
-          <p:nvPr>
-            <p:ph type="title"/>
-          </p:nvPr>
-        </p:nvSpPr>
-        <p:spPr/>
-        <p:txBody>
-          <a:bodyPr/>
-          <a:lstStyle/>
-          <a:p>
-            <a:r>
-              <a:rPr lang="en-US" dirty="0" smtClean="0"/>
-              <a:t>Activity </a:t>
-            </a:r>
-            <a:r>
-              <a:rPr lang="en-US" dirty="0" smtClean="0"/>
-              <a:t>Lifecycle</a:t>
-            </a:r>
-            <a:endParaRPr lang="en-US" dirty="0"/>
-          </a:p>
-        </p:txBody>
-      </p:sp>
-      <p:grpSp>
-        <p:nvGrpSpPr>
-          <p:cNvPr id="9" name="Group 8"/>
-          <p:cNvGrpSpPr/>
-          <p:nvPr/>
-        </p:nvGrpSpPr>
-        <p:grpSpPr>
-          <a:xfrm>
-            <a:off x="724395" y="1525783"/>
-            <a:ext cx="7077792" cy="1285724"/>
-            <a:chOff x="724395" y="1525783"/>
-            <a:chExt cx="7077792" cy="1285724"/>
-          </a:xfrm>
-        </p:grpSpPr>
-        <p:sp>
-          <p:nvSpPr>
-            <p:cNvPr id="5" name="TextBox 4"/>
-            <p:cNvSpPr txBox="1"/>
-            <p:nvPr/>
-          </p:nvSpPr>
-          <p:spPr>
-            <a:xfrm>
-              <a:off x="724395" y="1888177"/>
-              <a:ext cx="5474524" cy="923330"/>
-            </a:xfrm>
-            <a:prstGeom prst="rect">
-              <a:avLst/>
-            </a:prstGeom>
-            <a:noFill/>
-          </p:spPr>
-          <p:txBody>
-            <a:bodyPr wrap="square" rtlCol="0">
-              <a:spAutoFit/>
-            </a:bodyPr>
-            <a:lstStyle/>
-            <a:p>
-              <a:r>
-                <a:rPr lang="en-US" b="1" dirty="0" smtClean="0"/>
-                <a:t>onCreate()  </a:t>
-              </a:r>
-              <a:r>
-                <a:rPr lang="en-US" dirty="0" smtClean="0"/>
-                <a:t>started, but not visible</a:t>
-              </a:r>
-            </a:p>
-            <a:p>
-              <a:pPr marL="285750" indent="-285750">
-                <a:buFont typeface="Arial" panose="020B0604020202020204" pitchFamily="34" charset="0"/>
-                <a:buChar char="•"/>
-              </a:pPr>
-              <a:r>
-                <a:rPr lang="en-US" dirty="0" smtClean="0"/>
-                <a:t>Call </a:t>
-              </a:r>
-              <a:r>
-                <a:rPr lang="en-US" u="sng" dirty="0" err="1" smtClean="0"/>
-                <a:t>setContentView</a:t>
-              </a:r>
-              <a:r>
-                <a:rPr lang="en-US" u="sng" dirty="0" smtClean="0"/>
-                <a:t>() </a:t>
-              </a:r>
-            </a:p>
-            <a:p>
-              <a:pPr marL="285750" indent="-285750">
-                <a:buFont typeface="Arial" panose="020B0604020202020204" pitchFamily="34" charset="0"/>
-                <a:buChar char="•"/>
-              </a:pPr>
-              <a:r>
-                <a:rPr lang="en-US" dirty="0" smtClean="0"/>
-                <a:t>Initialize code </a:t>
-              </a:r>
-            </a:p>
-          </p:txBody>
-        </p:sp>
-        <p:sp>
-          <p:nvSpPr>
-            <p:cNvPr id="6" name="Rectangle 5"/>
-            <p:cNvSpPr/>
-            <p:nvPr/>
-          </p:nvSpPr>
-          <p:spPr>
-            <a:xfrm>
-              <a:off x="6879573" y="1525783"/>
-              <a:ext cx="922614" cy="232410"/>
-            </a:xfrm>
-            <a:prstGeom prst="rect">
-              <a:avLst/>
-            </a:prstGeom>
-            <a:noFill/>
-            <a:ln w="38100">
-              <a:solidFill>
-                <a:srgbClr val="FF0000"/>
-              </a:solidFill>
-            </a:ln>
-          </p:spPr>
-          <p:style>
-            <a:lnRef idx="2">
-              <a:schemeClr val="accent1">
-                <a:shade val="50000"/>
-              </a:schemeClr>
-            </a:lnRef>
-            <a:fillRef idx="1">
-              <a:schemeClr val="accent1"/>
-            </a:fillRef>
-            <a:effectRef idx="0">
-              <a:schemeClr val="accent1"/>
-            </a:effectRef>
-            <a:fontRef idx="minor">
-              <a:schemeClr val="lt1"/>
-            </a:fontRef>
-          </p:style>
-          <p:txBody>
-            <a:bodyPr rtlCol="0" anchor="ctr"/>
-            <a:lstStyle/>
-            <a:p>
-              <a:pPr algn="ctr"/>
-              <a:endParaRPr lang="en-US"/>
-            </a:p>
-          </p:txBody>
-        </p:sp>
-      </p:grpSp>
     </p:spTree>
     <p:extLst>
       <p:ext uri="{BB962C8B-B14F-4D97-AF65-F5344CB8AC3E}">
-        <p14:creationId xmlns:p14="http://schemas.microsoft.com/office/powerpoint/2010/main" val="4060041946"/>
+        <p14:creationId xmlns:p14="http://schemas.microsoft.com/office/powerpoint/2010/main" val="3554290345"/>
       </p:ext>
     </p:extLst>
   </p:cSld>
   <p:clrMapOvr>
     <a:masterClrMapping/>
   </p:clrMapOvr>
-  <p:timing>
-    <p:tnLst>
-      <p:par>
-        <p:cTn id="1" dur="indefinite" restart="never" nodeType="tmRoot"/>
-      </p:par>
-    </p:tnLst>
-  </p:timing>
 </p:sld>
 </file>
 
@@ -4715,16 +4542,48 @@
           <a:lstStyle/>
           <a:p>
             <a:r>
-              <a:rPr lang="en-US" dirty="0" smtClean="0"/>
-              <a:t>Activity Lifecycle </a:t>
-            </a:r>
-            <a:endParaRPr lang="en-US" dirty="0"/>
+              <a:rPr lang="en-US" dirty="0"/>
+              <a:t>Activity Lifecycle</a:t>
+            </a:r>
+          </a:p>
+        </p:txBody>
+      </p:sp>
+      <p:sp>
+        <p:nvSpPr>
+          <p:cNvPr id="5" name="TextBox 4"/>
+          <p:cNvSpPr txBox="1"/>
+          <p:nvPr/>
+        </p:nvSpPr>
+        <p:spPr>
+          <a:xfrm>
+            <a:off x="724395" y="1888177"/>
+            <a:ext cx="5474524" cy="369332"/>
+          </a:xfrm>
+          <a:prstGeom prst="rect">
+            <a:avLst/>
+          </a:prstGeom>
+          <a:noFill/>
+        </p:spPr>
+        <p:txBody>
+          <a:bodyPr wrap="square" rtlCol="0">
+            <a:spAutoFit/>
+          </a:bodyPr>
+          <a:lstStyle/>
+          <a:p>
+            <a:r>
+              <a:rPr lang="en-US" b="1" dirty="0"/>
+              <a:t>onCreate()  </a:t>
+            </a:r>
+            <a:r>
+              <a:rPr lang="en-US" dirty="0"/>
+              <a:t>started, but not visible</a:t>
+            </a:r>
           </a:p>
         </p:txBody>
       </p:sp>
       <p:pic>
         <p:nvPicPr>
-          <p:cNvPr id="4" name="Content Placeholder 3"/>
+          <p:cNvPr id="10" name="Picture 9"/>
           <p:cNvPicPr>
             <a:picLocks noChangeAspect="1"/>
           </p:cNvPicPr>
@@ -4744,125 +4603,24 @@
         </p:blipFill>
         <p:spPr>
           <a:xfrm>
-            <a:off x="5523848" y="901998"/>
-            <a:ext cx="3943705" cy="5096836"/>
+            <a:off x="5167619" y="2553127"/>
+            <a:ext cx="6395207" cy="2764136"/>
           </a:xfrm>
           <a:prstGeom prst="rect">
             <a:avLst/>
           </a:prstGeom>
         </p:spPr>
       </p:pic>
-      <p:sp>
-        <p:nvSpPr>
-          <p:cNvPr id="5" name="TextBox 4"/>
-          <p:cNvSpPr txBox="1"/>
-          <p:nvPr/>
-        </p:nvSpPr>
-        <p:spPr>
-          <a:xfrm>
-            <a:off x="819645" y="1906796"/>
-            <a:ext cx="6222670" cy="646331"/>
-          </a:xfrm>
-          <a:prstGeom prst="rect">
-            <a:avLst/>
-          </a:prstGeom>
-          <a:noFill/>
-        </p:spPr>
-        <p:txBody>
-          <a:bodyPr wrap="square" rtlCol="0">
-            <a:spAutoFit/>
-          </a:bodyPr>
-          <a:lstStyle/>
-          <a:p>
-            <a:r>
-              <a:rPr lang="en-US" b="1" dirty="0" err="1" smtClean="0"/>
-              <a:t>onStart</a:t>
-            </a:r>
-            <a:r>
-              <a:rPr lang="en-US" b="1" dirty="0" smtClean="0"/>
-              <a:t>() </a:t>
-            </a:r>
-            <a:r>
-              <a:rPr lang="en-US" dirty="0" smtClean="0"/>
-              <a:t>visible, but ready for interaction</a:t>
-            </a:r>
-          </a:p>
-          <a:p>
-            <a:pPr marL="285750" indent="-285750">
-              <a:buFont typeface="Arial" panose="020B0604020202020204" pitchFamily="34" charset="0"/>
-              <a:buChar char="•"/>
-            </a:pPr>
-            <a:r>
-              <a:rPr lang="en-US" dirty="0" smtClean="0"/>
-              <a:t>Initialize monitors that affect the Views </a:t>
-            </a:r>
-            <a:endParaRPr lang="en-US" dirty="0"/>
-          </a:p>
-        </p:txBody>
-      </p:sp>
-      <p:sp>
-        <p:nvSpPr>
-          <p:cNvPr id="6" name="Rectangle 5"/>
-          <p:cNvSpPr/>
-          <p:nvPr/>
-        </p:nvSpPr>
-        <p:spPr>
-          <a:xfrm>
-            <a:off x="6882385" y="1914424"/>
-            <a:ext cx="922614" cy="232410"/>
-          </a:xfrm>
-          <a:prstGeom prst="rect">
-            <a:avLst/>
-          </a:prstGeom>
-          <a:noFill/>
-          <a:ln w="38100">
-            <a:solidFill>
-              <a:srgbClr val="FF0000"/>
-            </a:solidFill>
-          </a:ln>
-        </p:spPr>
-        <p:style>
-          <a:lnRef idx="2">
-            <a:schemeClr val="accent1">
-              <a:shade val="50000"/>
-            </a:schemeClr>
-          </a:lnRef>
-          <a:fillRef idx="1">
-            <a:schemeClr val="accent1"/>
-          </a:fillRef>
-          <a:effectRef idx="0">
-            <a:schemeClr val="accent1"/>
-          </a:effectRef>
-          <a:fontRef idx="minor">
-            <a:schemeClr val="lt1"/>
-          </a:fontRef>
-        </p:style>
-        <p:txBody>
-          <a:bodyPr rtlCol="0" anchor="ctr"/>
-          <a:lstStyle/>
-          <a:p>
-            <a:pPr algn="ctr"/>
-            <a:endParaRPr lang="en-US"/>
-          </a:p>
-        </p:txBody>
-      </p:sp>
     </p:spTree>
     <p:extLst>
       <p:ext uri="{BB962C8B-B14F-4D97-AF65-F5344CB8AC3E}">
-        <p14:creationId xmlns:p14="http://schemas.microsoft.com/office/powerpoint/2010/main" val="335025673"/>
+        <p14:creationId xmlns:p14="http://schemas.microsoft.com/office/powerpoint/2010/main" val="4060041946"/>
       </p:ext>
     </p:extLst>
   </p:cSld>
   <p:clrMapOvr>
     <a:masterClrMapping/>
   </p:clrMapOvr>
-  <p:timing>
-    <p:tnLst>
-      <p:par>
-        <p:cTn id="1" dur="indefinite" restart="never" nodeType="tmRoot"/>
-      </p:par>
-    </p:tnLst>
-  </p:timing>
 </p:sld>
 </file>
 
@@ -4885,7 +4643,7 @@
       </p:grpSpPr>
       <p:sp>
         <p:nvSpPr>
-          <p:cNvPr id="8" name="Title 1"/>
+          <p:cNvPr id="2" name="Title 1"/>
           <p:cNvSpPr>
             <a:spLocks noGrp="1"/>
           </p:cNvSpPr>
@@ -4899,16 +4657,15 @@
           <a:lstStyle/>
           <a:p>
             <a:r>
-              <a:rPr lang="en-US" dirty="0" smtClean="0"/>
+              <a:rPr lang="en-US" dirty="0"/>
               <a:t>Activity Lifecycle </a:t>
             </a:r>
-            <a:endParaRPr lang="en-US" dirty="0"/>
-          </a:p>
-        </p:txBody>
-      </p:sp>
-      <p:sp>
-        <p:nvSpPr>
-          <p:cNvPr id="10" name="TextBox 9"/>
+          </a:p>
+        </p:txBody>
+      </p:sp>
+      <p:sp>
+        <p:nvSpPr>
+          <p:cNvPr id="5" name="TextBox 4"/>
           <p:cNvSpPr txBox="1"/>
           <p:nvPr/>
         </p:nvSpPr>
@@ -4929,27 +4686,23 @@
           <a:lstStyle/>
           <a:p>
             <a:r>
-              <a:rPr lang="en-US" b="1" dirty="0" err="1" smtClean="0"/>
-              <a:t>onResume</a:t>
-            </a:r>
-            <a:r>
-              <a:rPr lang="en-US" b="1" dirty="0" smtClean="0"/>
+              <a:rPr lang="en-US" b="1" dirty="0" err="1"/>
+              <a:t>onStart</a:t>
+            </a:r>
+            <a:r>
+              <a:rPr lang="en-US" b="1" dirty="0"/>
               <a:t>() </a:t>
             </a:r>
             <a:r>
-              <a:rPr lang="en-US" dirty="0" smtClean="0"/>
-              <a:t>in the foreground, ready for interactio</a:t>
-            </a:r>
-            <a:r>
-              <a:rPr lang="en-US" dirty="0"/>
-              <a:t>n</a:t>
+              <a:rPr lang="en-US" dirty="0"/>
+              <a:t>visible, but not ready for interaction</a:t>
             </a:r>
           </a:p>
         </p:txBody>
       </p:sp>
       <p:pic>
         <p:nvPicPr>
-          <p:cNvPr id="12" name="Content Placeholder 3"/>
+          <p:cNvPr id="7" name="Picture 6"/>
           <p:cNvPicPr>
             <a:picLocks noChangeAspect="1"/>
           </p:cNvPicPr>
@@ -4969,77 +4722,24 @@
         </p:blipFill>
         <p:spPr>
           <a:xfrm>
-            <a:off x="5523848" y="901998"/>
-            <a:ext cx="3943705" cy="5096836"/>
+            <a:off x="5167619" y="2553127"/>
+            <a:ext cx="6395207" cy="2764136"/>
           </a:xfrm>
           <a:prstGeom prst="rect">
             <a:avLst/>
           </a:prstGeom>
         </p:spPr>
       </p:pic>
-      <p:sp>
-        <p:nvSpPr>
-          <p:cNvPr id="11" name="Rectangle 10"/>
-          <p:cNvSpPr/>
-          <p:nvPr/>
-        </p:nvSpPr>
-        <p:spPr>
-          <a:xfrm>
-            <a:off x="6880563" y="2310710"/>
-            <a:ext cx="922614" cy="232410"/>
-          </a:xfrm>
-          <a:prstGeom prst="rect">
-            <a:avLst/>
-          </a:prstGeom>
-          <a:noFill/>
-          <a:ln w="38100">
-            <a:solidFill>
-              <a:srgbClr val="FF0000"/>
-            </a:solidFill>
-          </a:ln>
-        </p:spPr>
-        <p:style>
-          <a:lnRef idx="2">
-            <a:schemeClr val="accent1">
-              <a:shade val="50000"/>
-            </a:schemeClr>
-          </a:lnRef>
-          <a:fillRef idx="1">
-            <a:schemeClr val="accent1"/>
-          </a:fillRef>
-          <a:effectRef idx="0">
-            <a:schemeClr val="accent1"/>
-          </a:effectRef>
-          <a:fontRef idx="minor">
-            <a:schemeClr val="lt1"/>
-          </a:fontRef>
-        </p:style>
-        <p:txBody>
-          <a:bodyPr rtlCol="0" anchor="ctr"/>
-          <a:lstStyle/>
-          <a:p>
-            <a:pPr algn="ctr"/>
-            <a:endParaRPr lang="en-US"/>
-          </a:p>
-        </p:txBody>
-      </p:sp>
     </p:spTree>
     <p:extLst>
       <p:ext uri="{BB962C8B-B14F-4D97-AF65-F5344CB8AC3E}">
-        <p14:creationId xmlns:p14="http://schemas.microsoft.com/office/powerpoint/2010/main" val="24493764"/>
+        <p14:creationId xmlns:p14="http://schemas.microsoft.com/office/powerpoint/2010/main" val="335025673"/>
       </p:ext>
     </p:extLst>
   </p:cSld>
   <p:clrMapOvr>
     <a:masterClrMapping/>
   </p:clrMapOvr>
-  <p:timing>
-    <p:tnLst>
-      <p:par>
-        <p:cTn id="1" dur="indefinite" restart="never" nodeType="tmRoot"/>
-      </p:par>
-    </p:tnLst>
-  </p:timing>
 </p:sld>
 </file>
 
@@ -5062,7 +4762,7 @@
       </p:grpSpPr>
       <p:sp>
         <p:nvSpPr>
-          <p:cNvPr id="4" name="Title 1"/>
+          <p:cNvPr id="8" name="Title 1"/>
           <p:cNvSpPr>
             <a:spLocks noGrp="1"/>
           </p:cNvSpPr>
@@ -5076,16 +4776,15 @@
           <a:lstStyle/>
           <a:p>
             <a:r>
-              <a:rPr lang="en-US" dirty="0" smtClean="0"/>
+              <a:rPr lang="en-US" dirty="0"/>
               <a:t>Activity Lifecycle </a:t>
             </a:r>
-            <a:endParaRPr lang="en-US" dirty="0"/>
-          </a:p>
-        </p:txBody>
-      </p:sp>
-      <p:sp>
-        <p:nvSpPr>
-          <p:cNvPr id="6" name="TextBox 5"/>
+          </a:p>
+        </p:txBody>
+      </p:sp>
+      <p:sp>
+        <p:nvSpPr>
+          <p:cNvPr id="10" name="TextBox 9"/>
           <p:cNvSpPr txBox="1"/>
           <p:nvPr/>
         </p:nvSpPr>
@@ -5106,30 +4805,29 @@
           <a:lstStyle/>
           <a:p>
             <a:r>
-              <a:rPr lang="en-US" b="1" dirty="0" err="1" smtClean="0"/>
-              <a:t>onPause</a:t>
-            </a:r>
-            <a:r>
-              <a:rPr lang="en-US" b="1" dirty="0" smtClean="0"/>
+              <a:rPr lang="en-US" b="1" dirty="0" err="1"/>
+              <a:t>onResume</a:t>
+            </a:r>
+            <a:r>
+              <a:rPr lang="en-US" b="1" dirty="0"/>
               <a:t>() </a:t>
             </a:r>
             <a:r>
-              <a:rPr lang="en-US" dirty="0" smtClean="0"/>
-              <a:t>moving to the background, </a:t>
-            </a:r>
-          </a:p>
-          <a:p>
-            <a:r>
-              <a:rPr lang="en-US" dirty="0" smtClean="0"/>
-              <a:t>stopping user interaction</a:t>
-            </a:r>
-            <a:endParaRPr lang="en-US" dirty="0"/>
+              <a:rPr lang="en-US" dirty="0"/>
+              <a:t>in the foreground, </a:t>
+            </a:r>
+          </a:p>
+          <a:p>
+            <a:r>
+              <a:rPr lang="en-US" dirty="0"/>
+              <a:t>ready for interaction</a:t>
+            </a:r>
           </a:p>
         </p:txBody>
       </p:sp>
       <p:pic>
         <p:nvPicPr>
-          <p:cNvPr id="8" name="Content Placeholder 3"/>
+          <p:cNvPr id="7" name="Picture 6"/>
           <p:cNvPicPr>
             <a:picLocks noChangeAspect="1"/>
           </p:cNvPicPr>
@@ -5149,77 +4847,24 @@
         </p:blipFill>
         <p:spPr>
           <a:xfrm>
-            <a:off x="5523848" y="901998"/>
-            <a:ext cx="3943705" cy="5096836"/>
+            <a:off x="5167619" y="2553127"/>
+            <a:ext cx="6395207" cy="2764136"/>
           </a:xfrm>
           <a:prstGeom prst="rect">
             <a:avLst/>
           </a:prstGeom>
         </p:spPr>
       </p:pic>
-      <p:sp>
-        <p:nvSpPr>
-          <p:cNvPr id="7" name="Rectangle 6"/>
-          <p:cNvSpPr/>
-          <p:nvPr/>
-        </p:nvSpPr>
-        <p:spPr>
-          <a:xfrm>
-            <a:off x="6880564" y="3607721"/>
-            <a:ext cx="922614" cy="232410"/>
-          </a:xfrm>
-          <a:prstGeom prst="rect">
-            <a:avLst/>
-          </a:prstGeom>
-          <a:noFill/>
-          <a:ln w="38100">
-            <a:solidFill>
-              <a:srgbClr val="FF0000"/>
-            </a:solidFill>
-          </a:ln>
-        </p:spPr>
-        <p:style>
-          <a:lnRef idx="2">
-            <a:schemeClr val="accent1">
-              <a:shade val="50000"/>
-            </a:schemeClr>
-          </a:lnRef>
-          <a:fillRef idx="1">
-            <a:schemeClr val="accent1"/>
-          </a:fillRef>
-          <a:effectRef idx="0">
-            <a:schemeClr val="accent1"/>
-          </a:effectRef>
-          <a:fontRef idx="minor">
-            <a:schemeClr val="lt1"/>
-          </a:fontRef>
-        </p:style>
-        <p:txBody>
-          <a:bodyPr rtlCol="0" anchor="ctr"/>
-          <a:lstStyle/>
-          <a:p>
-            <a:pPr algn="ctr"/>
-            <a:endParaRPr lang="en-US"/>
-          </a:p>
-        </p:txBody>
-      </p:sp>
     </p:spTree>
     <p:extLst>
       <p:ext uri="{BB962C8B-B14F-4D97-AF65-F5344CB8AC3E}">
-        <p14:creationId xmlns:p14="http://schemas.microsoft.com/office/powerpoint/2010/main" val="534387049"/>
+        <p14:creationId xmlns:p14="http://schemas.microsoft.com/office/powerpoint/2010/main" val="24493764"/>
       </p:ext>
     </p:extLst>
   </p:cSld>
   <p:clrMapOvr>
     <a:masterClrMapping/>
   </p:clrMapOvr>
-  <p:timing>
-    <p:tnLst>
-      <p:par>
-        <p:cTn id="1" dur="indefinite" restart="never" nodeType="tmRoot"/>
-      </p:par>
-    </p:tnLst>
-  </p:timing>
 </p:sld>
 </file>
 
@@ -5256,10 +4901,9 @@
           <a:lstStyle/>
           <a:p>
             <a:r>
-              <a:rPr lang="en-US" dirty="0" smtClean="0"/>
+              <a:rPr lang="en-US" dirty="0"/>
               <a:t>Activity Lifecycle </a:t>
             </a:r>
-            <a:endParaRPr lang="en-US" dirty="0"/>
           </a:p>
         </p:txBody>
       </p:sp>
@@ -5272,7 +4916,7 @@
         <p:spPr>
           <a:xfrm>
             <a:off x="819645" y="1906796"/>
-            <a:ext cx="6222670" cy="369332"/>
+            <a:ext cx="6222670" cy="646331"/>
           </a:xfrm>
           <a:prstGeom prst="rect">
             <a:avLst/>
@@ -5286,24 +4930,29 @@
           <a:lstStyle/>
           <a:p>
             <a:r>
-              <a:rPr lang="en-US" b="1" dirty="0" err="1" smtClean="0"/>
-              <a:t>onStop</a:t>
-            </a:r>
-            <a:r>
-              <a:rPr lang="en-US" b="1" dirty="0" smtClean="0"/>
+              <a:rPr lang="en-US" b="1" dirty="0" err="1"/>
+              <a:t>onPause</a:t>
+            </a:r>
+            <a:r>
+              <a:rPr lang="en-US" b="1" dirty="0"/>
               <a:t>() </a:t>
             </a:r>
             <a:r>
-              <a:rPr lang="en-US" dirty="0" smtClean="0"/>
-              <a:t>moved to the background and not visible</a:t>
-            </a:r>
-            <a:endParaRPr lang="en-US" dirty="0"/>
+              <a:rPr lang="en-US" dirty="0"/>
+              <a:t>moving to the background, </a:t>
+            </a:r>
+          </a:p>
+          <a:p>
+            <a:r>
+              <a:rPr lang="en-US" dirty="0"/>
+              <a:t>stopping user interaction</a:t>
+            </a:r>
           </a:p>
         </p:txBody>
       </p:sp>
       <p:pic>
         <p:nvPicPr>
-          <p:cNvPr id="8" name="Content Placeholder 3"/>
+          <p:cNvPr id="9" name="Picture 8"/>
           <p:cNvPicPr>
             <a:picLocks noChangeAspect="1"/>
           </p:cNvPicPr>
@@ -5323,77 +4972,24 @@
         </p:blipFill>
         <p:spPr>
           <a:xfrm>
-            <a:off x="5523848" y="901998"/>
-            <a:ext cx="3943705" cy="5096836"/>
+            <a:off x="5167619" y="2553127"/>
+            <a:ext cx="6395207" cy="2764136"/>
           </a:xfrm>
           <a:prstGeom prst="rect">
             <a:avLst/>
           </a:prstGeom>
         </p:spPr>
       </p:pic>
-      <p:sp>
-        <p:nvSpPr>
-          <p:cNvPr id="7" name="Rectangle 6"/>
-          <p:cNvSpPr/>
-          <p:nvPr/>
-        </p:nvSpPr>
-        <p:spPr>
-          <a:xfrm>
-            <a:off x="6928064" y="4350671"/>
-            <a:ext cx="922614" cy="232410"/>
-          </a:xfrm>
-          <a:prstGeom prst="rect">
-            <a:avLst/>
-          </a:prstGeom>
-          <a:noFill/>
-          <a:ln w="38100">
-            <a:solidFill>
-              <a:srgbClr val="FF0000"/>
-            </a:solidFill>
-          </a:ln>
-        </p:spPr>
-        <p:style>
-          <a:lnRef idx="2">
-            <a:schemeClr val="accent1">
-              <a:shade val="50000"/>
-            </a:schemeClr>
-          </a:lnRef>
-          <a:fillRef idx="1">
-            <a:schemeClr val="accent1"/>
-          </a:fillRef>
-          <a:effectRef idx="0">
-            <a:schemeClr val="accent1"/>
-          </a:effectRef>
-          <a:fontRef idx="minor">
-            <a:schemeClr val="lt1"/>
-          </a:fontRef>
-        </p:style>
-        <p:txBody>
-          <a:bodyPr rtlCol="0" anchor="ctr"/>
-          <a:lstStyle/>
-          <a:p>
-            <a:pPr algn="ctr"/>
-            <a:endParaRPr lang="en-US"/>
-          </a:p>
-        </p:txBody>
-      </p:sp>
     </p:spTree>
     <p:extLst>
       <p:ext uri="{BB962C8B-B14F-4D97-AF65-F5344CB8AC3E}">
-        <p14:creationId xmlns:p14="http://schemas.microsoft.com/office/powerpoint/2010/main" val="1261053801"/>
+        <p14:creationId xmlns:p14="http://schemas.microsoft.com/office/powerpoint/2010/main" val="534387049"/>
       </p:ext>
     </p:extLst>
   </p:cSld>
   <p:clrMapOvr>
     <a:masterClrMapping/>
   </p:clrMapOvr>
-  <p:timing>
-    <p:tnLst>
-      <p:par>
-        <p:cTn id="1" dur="indefinite" restart="never" nodeType="tmRoot"/>
-      </p:par>
-    </p:tnLst>
-  </p:timing>
 </p:sld>
 </file>
 
@@ -5430,10 +5026,9 @@
           <a:lstStyle/>
           <a:p>
             <a:r>
-              <a:rPr lang="en-US" dirty="0" smtClean="0"/>
+              <a:rPr lang="en-US" dirty="0"/>
               <a:t>Activity Lifecycle </a:t>
             </a:r>
-            <a:endParaRPr lang="en-US" dirty="0"/>
           </a:p>
         </p:txBody>
       </p:sp>
@@ -5446,7 +5041,7 @@
         <p:spPr>
           <a:xfrm>
             <a:off x="819645" y="1906796"/>
-            <a:ext cx="6222670" cy="369332"/>
+            <a:ext cx="6222670" cy="646331"/>
           </a:xfrm>
           <a:prstGeom prst="rect">
             <a:avLst/>
@@ -5460,24 +5055,29 @@
           <a:lstStyle/>
           <a:p>
             <a:r>
-              <a:rPr lang="en-US" b="1" dirty="0" err="1" smtClean="0"/>
-              <a:t>onDestroy</a:t>
-            </a:r>
-            <a:r>
-              <a:rPr lang="en-US" b="1" dirty="0" smtClean="0"/>
+              <a:rPr lang="en-US" b="1" dirty="0" err="1"/>
+              <a:t>onStop</a:t>
+            </a:r>
+            <a:r>
+              <a:rPr lang="en-US" b="1" dirty="0"/>
               <a:t>() </a:t>
             </a:r>
             <a:r>
-              <a:rPr lang="en-US" dirty="0" smtClean="0"/>
-              <a:t>moved to the background and not visible</a:t>
-            </a:r>
-            <a:endParaRPr lang="en-US" dirty="0"/>
+              <a:rPr lang="en-US" dirty="0"/>
+              <a:t>moved to the background </a:t>
+            </a:r>
+          </a:p>
+          <a:p>
+            <a:r>
+              <a:rPr lang="en-US" dirty="0"/>
+              <a:t>and not visible</a:t>
+            </a:r>
           </a:p>
         </p:txBody>
       </p:sp>
       <p:pic>
         <p:nvPicPr>
-          <p:cNvPr id="8" name="Content Placeholder 3"/>
+          <p:cNvPr id="9" name="Picture 8"/>
           <p:cNvPicPr>
             <a:picLocks noChangeAspect="1"/>
           </p:cNvPicPr>
@@ -5497,77 +5097,24 @@
         </p:blipFill>
         <p:spPr>
           <a:xfrm>
-            <a:off x="5523848" y="901998"/>
-            <a:ext cx="3943705" cy="5096836"/>
+            <a:off x="5167619" y="2553127"/>
+            <a:ext cx="6395207" cy="2764136"/>
           </a:xfrm>
           <a:prstGeom prst="rect">
             <a:avLst/>
           </a:prstGeom>
         </p:spPr>
       </p:pic>
-      <p:sp>
-        <p:nvSpPr>
-          <p:cNvPr id="7" name="Rectangle 6"/>
-          <p:cNvSpPr/>
-          <p:nvPr/>
-        </p:nvSpPr>
-        <p:spPr>
-          <a:xfrm>
-            <a:off x="6868688" y="5110321"/>
-            <a:ext cx="922614" cy="232410"/>
-          </a:xfrm>
-          <a:prstGeom prst="rect">
-            <a:avLst/>
-          </a:prstGeom>
-          <a:noFill/>
-          <a:ln w="38100">
-            <a:solidFill>
-              <a:srgbClr val="FF0000"/>
-            </a:solidFill>
-          </a:ln>
-        </p:spPr>
-        <p:style>
-          <a:lnRef idx="2">
-            <a:schemeClr val="accent1">
-              <a:shade val="50000"/>
-            </a:schemeClr>
-          </a:lnRef>
-          <a:fillRef idx="1">
-            <a:schemeClr val="accent1"/>
-          </a:fillRef>
-          <a:effectRef idx="0">
-            <a:schemeClr val="accent1"/>
-          </a:effectRef>
-          <a:fontRef idx="minor">
-            <a:schemeClr val="lt1"/>
-          </a:fontRef>
-        </p:style>
-        <p:txBody>
-          <a:bodyPr rtlCol="0" anchor="ctr"/>
-          <a:lstStyle/>
-          <a:p>
-            <a:pPr algn="ctr"/>
-            <a:endParaRPr lang="en-US"/>
-          </a:p>
-        </p:txBody>
-      </p:sp>
     </p:spTree>
     <p:extLst>
       <p:ext uri="{BB962C8B-B14F-4D97-AF65-F5344CB8AC3E}">
-        <p14:creationId xmlns:p14="http://schemas.microsoft.com/office/powerpoint/2010/main" val="1338317668"/>
+        <p14:creationId xmlns:p14="http://schemas.microsoft.com/office/powerpoint/2010/main" val="1261053801"/>
       </p:ext>
     </p:extLst>
   </p:cSld>
   <p:clrMapOvr>
     <a:masterClrMapping/>
   </p:clrMapOvr>
-  <p:timing>
-    <p:tnLst>
-      <p:par>
-        <p:cTn id="1" dur="indefinite" restart="never" nodeType="tmRoot"/>
-      </p:par>
-    </p:tnLst>
-  </p:timing>
 </p:sld>
 </file>
 
@@ -5604,10 +5151,9 @@
           <a:lstStyle/>
           <a:p>
             <a:r>
-              <a:rPr lang="en-US" dirty="0" smtClean="0"/>
+              <a:rPr lang="en-US" dirty="0"/>
               <a:t>Goals</a:t>
             </a:r>
-            <a:endParaRPr lang="en-US" dirty="0"/>
           </a:p>
         </p:txBody>
       </p:sp>
@@ -5627,18 +5173,17 @@
           <a:lstStyle/>
           <a:p>
             <a:r>
-              <a:rPr lang="en-US" dirty="0" smtClean="0"/>
+              <a:rPr lang="en-US" dirty="0"/>
               <a:t>Develop a </a:t>
             </a:r>
             <a:r>
-              <a:rPr lang="en-US" dirty="0" err="1" smtClean="0"/>
+              <a:rPr lang="en-US" dirty="0" err="1"/>
               <a:t>BlueSkies</a:t>
             </a:r>
             <a:r>
-              <a:rPr lang="en-US" dirty="0" smtClean="0"/>
+              <a:rPr lang="en-US" dirty="0"/>
               <a:t> App</a:t>
             </a:r>
-            <a:endParaRPr lang="en-US" dirty="0"/>
           </a:p>
         </p:txBody>
       </p:sp>
@@ -5682,13 +5227,6 @@
   <p:clrMapOvr>
     <a:masterClrMapping/>
   </p:clrMapOvr>
-  <p:timing>
-    <p:tnLst>
-      <p:par>
-        <p:cTn id="1" dur="indefinite" restart="never" nodeType="tmRoot"/>
-      </p:par>
-    </p:tnLst>
-  </p:timing>
 </p:sld>
 </file>
 
@@ -5725,10 +5263,9 @@
           <a:lstStyle/>
           <a:p>
             <a:r>
-              <a:rPr lang="en-US" dirty="0" smtClean="0"/>
+              <a:rPr lang="en-US" dirty="0"/>
               <a:t>Activity Lifecycle </a:t>
             </a:r>
-            <a:endParaRPr lang="en-US" dirty="0"/>
           </a:p>
         </p:txBody>
       </p:sp>
@@ -5741,7 +5278,7 @@
         <p:spPr>
           <a:xfrm>
             <a:off x="819645" y="1906796"/>
-            <a:ext cx="6222670" cy="369332"/>
+            <a:ext cx="6222670" cy="646331"/>
           </a:xfrm>
           <a:prstGeom prst="rect">
             <a:avLst/>
@@ -5755,24 +5292,29 @@
           <a:lstStyle/>
           <a:p>
             <a:r>
-              <a:rPr lang="en-US" b="1" dirty="0" err="1" smtClean="0"/>
-              <a:t>onRestart</a:t>
-            </a:r>
-            <a:r>
-              <a:rPr lang="en-US" b="1" dirty="0" smtClean="0"/>
+              <a:rPr lang="en-US" b="1" dirty="0" err="1"/>
+              <a:t>onDestroy</a:t>
+            </a:r>
+            <a:r>
+              <a:rPr lang="en-US" b="1" dirty="0"/>
               <a:t>() </a:t>
             </a:r>
             <a:r>
-              <a:rPr lang="en-US" dirty="0" smtClean="0"/>
-              <a:t>activity is stopped, then started again</a:t>
-            </a:r>
-            <a:endParaRPr lang="en-US" dirty="0"/>
+              <a:rPr lang="en-US" dirty="0"/>
+              <a:t>moved to the background </a:t>
+            </a:r>
+          </a:p>
+          <a:p>
+            <a:r>
+              <a:rPr lang="en-US" dirty="0"/>
+              <a:t>and not visible</a:t>
+            </a:r>
           </a:p>
         </p:txBody>
       </p:sp>
       <p:pic>
         <p:nvPicPr>
-          <p:cNvPr id="8" name="Content Placeholder 3"/>
+          <p:cNvPr id="9" name="Picture 8"/>
           <p:cNvPicPr>
             <a:picLocks noChangeAspect="1"/>
           </p:cNvPicPr>
@@ -5792,77 +5334,24 @@
         </p:blipFill>
         <p:spPr>
           <a:xfrm>
-            <a:off x="5523848" y="901998"/>
-            <a:ext cx="3943705" cy="5096836"/>
+            <a:off x="5167619" y="2553127"/>
+            <a:ext cx="6395207" cy="2764136"/>
           </a:xfrm>
           <a:prstGeom prst="rect">
             <a:avLst/>
           </a:prstGeom>
         </p:spPr>
       </p:pic>
-      <p:sp>
-        <p:nvSpPr>
-          <p:cNvPr id="7" name="Rectangle 6"/>
-          <p:cNvSpPr/>
-          <p:nvPr/>
-        </p:nvSpPr>
-        <p:spPr>
-          <a:xfrm>
-            <a:off x="8533064" y="1915707"/>
-            <a:ext cx="922614" cy="232410"/>
-          </a:xfrm>
-          <a:prstGeom prst="rect">
-            <a:avLst/>
-          </a:prstGeom>
-          <a:noFill/>
-          <a:ln w="38100">
-            <a:solidFill>
-              <a:srgbClr val="FF0000"/>
-            </a:solidFill>
-          </a:ln>
-        </p:spPr>
-        <p:style>
-          <a:lnRef idx="2">
-            <a:schemeClr val="accent1">
-              <a:shade val="50000"/>
-            </a:schemeClr>
-          </a:lnRef>
-          <a:fillRef idx="1">
-            <a:schemeClr val="accent1"/>
-          </a:fillRef>
-          <a:effectRef idx="0">
-            <a:schemeClr val="accent1"/>
-          </a:effectRef>
-          <a:fontRef idx="minor">
-            <a:schemeClr val="lt1"/>
-          </a:fontRef>
-        </p:style>
-        <p:txBody>
-          <a:bodyPr rtlCol="0" anchor="ctr"/>
-          <a:lstStyle/>
-          <a:p>
-            <a:pPr algn="ctr"/>
-            <a:endParaRPr lang="en-US"/>
-          </a:p>
-        </p:txBody>
-      </p:sp>
     </p:spTree>
     <p:extLst>
       <p:ext uri="{BB962C8B-B14F-4D97-AF65-F5344CB8AC3E}">
-        <p14:creationId xmlns:p14="http://schemas.microsoft.com/office/powerpoint/2010/main" val="3335284568"/>
+        <p14:creationId xmlns:p14="http://schemas.microsoft.com/office/powerpoint/2010/main" val="1338317668"/>
       </p:ext>
     </p:extLst>
   </p:cSld>
   <p:clrMapOvr>
     <a:masterClrMapping/>
   </p:clrMapOvr>
-  <p:timing>
-    <p:tnLst>
-      <p:par>
-        <p:cTn id="1" dur="indefinite" restart="never" nodeType="tmRoot"/>
-      </p:par>
-    </p:tnLst>
-  </p:timing>
 </p:sld>
 </file>
 
@@ -5899,10 +5388,9 @@
           <a:lstStyle/>
           <a:p>
             <a:r>
-              <a:rPr lang="en-US" dirty="0" smtClean="0"/>
+              <a:rPr lang="en-US" dirty="0"/>
               <a:t>Activity Lifecycle counterparts</a:t>
             </a:r>
-            <a:endParaRPr lang="en-US" dirty="0"/>
           </a:p>
         </p:txBody>
       </p:sp>
@@ -5955,18 +5443,13 @@
           <a:p>
             <a:pPr algn="ctr"/>
             <a:r>
-              <a:rPr lang="en-US" dirty="0" smtClean="0">
+              <a:rPr lang="en-US" dirty="0">
                 <a:solidFill>
                   <a:schemeClr val="tx1"/>
                 </a:solidFill>
               </a:rPr>
               <a:t>OnCreate()</a:t>
             </a:r>
-            <a:endParaRPr lang="en-US" dirty="0">
-              <a:solidFill>
-                <a:schemeClr val="tx1"/>
-              </a:solidFill>
-            </a:endParaRPr>
           </a:p>
         </p:txBody>
       </p:sp>
@@ -6019,7 +5502,7 @@
           <a:p>
             <a:pPr algn="ctr"/>
             <a:r>
-              <a:rPr lang="en-US" dirty="0" err="1" smtClean="0">
+              <a:rPr lang="en-US" dirty="0" err="1">
                 <a:solidFill>
                   <a:schemeClr val="tx1"/>
                 </a:solidFill>
@@ -6027,18 +5510,13 @@
               <a:t>OnDestroy</a:t>
             </a:r>
             <a:r>
-              <a:rPr lang="en-US" dirty="0" smtClean="0">
+              <a:rPr lang="en-US" dirty="0">
                 <a:solidFill>
                   <a:schemeClr val="tx1"/>
                 </a:solidFill>
               </a:rPr>
               <a:t>()</a:t>
             </a:r>
-            <a:endParaRPr lang="en-US" dirty="0">
-              <a:solidFill>
-                <a:schemeClr val="tx1"/>
-              </a:solidFill>
-            </a:endParaRPr>
           </a:p>
         </p:txBody>
       </p:sp>
@@ -6091,7 +5569,7 @@
           <a:p>
             <a:pPr algn="ctr"/>
             <a:r>
-              <a:rPr lang="en-US" dirty="0" err="1" smtClean="0">
+              <a:rPr lang="en-US" dirty="0" err="1">
                 <a:solidFill>
                   <a:schemeClr val="tx1"/>
                 </a:solidFill>
@@ -6099,18 +5577,13 @@
               <a:t>onStart</a:t>
             </a:r>
             <a:r>
-              <a:rPr lang="en-US" dirty="0" smtClean="0">
+              <a:rPr lang="en-US" dirty="0">
                 <a:solidFill>
                   <a:schemeClr val="tx1"/>
                 </a:solidFill>
               </a:rPr>
               <a:t>()</a:t>
             </a:r>
-            <a:endParaRPr lang="en-US" dirty="0">
-              <a:solidFill>
-                <a:schemeClr val="tx1"/>
-              </a:solidFill>
-            </a:endParaRPr>
           </a:p>
         </p:txBody>
       </p:sp>
@@ -6163,7 +5636,7 @@
           <a:p>
             <a:pPr algn="ctr"/>
             <a:r>
-              <a:rPr lang="en-US" dirty="0" err="1" smtClean="0">
+              <a:rPr lang="en-US" dirty="0" err="1">
                 <a:solidFill>
                   <a:schemeClr val="tx1"/>
                 </a:solidFill>
@@ -6171,18 +5644,13 @@
               <a:t>onStop</a:t>
             </a:r>
             <a:r>
-              <a:rPr lang="en-US" dirty="0" smtClean="0">
+              <a:rPr lang="en-US" dirty="0">
                 <a:solidFill>
                   <a:schemeClr val="tx1"/>
                 </a:solidFill>
               </a:rPr>
               <a:t>()</a:t>
             </a:r>
-            <a:endParaRPr lang="en-US" dirty="0">
-              <a:solidFill>
-                <a:schemeClr val="tx1"/>
-              </a:solidFill>
-            </a:endParaRPr>
           </a:p>
         </p:txBody>
       </p:sp>
@@ -6235,7 +5703,7 @@
           <a:p>
             <a:pPr algn="ctr"/>
             <a:r>
-              <a:rPr lang="en-US" dirty="0" err="1" smtClean="0">
+              <a:rPr lang="en-US" dirty="0" err="1">
                 <a:solidFill>
                   <a:schemeClr val="tx1"/>
                 </a:solidFill>
@@ -6243,18 +5711,13 @@
               <a:t>onResume</a:t>
             </a:r>
             <a:r>
-              <a:rPr lang="en-US" dirty="0" smtClean="0">
+              <a:rPr lang="en-US" dirty="0">
                 <a:solidFill>
                   <a:schemeClr val="tx1"/>
                 </a:solidFill>
               </a:rPr>
               <a:t>()</a:t>
             </a:r>
-            <a:endParaRPr lang="en-US" dirty="0">
-              <a:solidFill>
-                <a:schemeClr val="tx1"/>
-              </a:solidFill>
-            </a:endParaRPr>
           </a:p>
         </p:txBody>
       </p:sp>
@@ -6307,7 +5770,7 @@
           <a:p>
             <a:pPr algn="ctr"/>
             <a:r>
-              <a:rPr lang="en-US" dirty="0" err="1" smtClean="0">
+              <a:rPr lang="en-US" dirty="0" err="1">
                 <a:solidFill>
                   <a:schemeClr val="tx1"/>
                 </a:solidFill>
@@ -6315,18 +5778,13 @@
               <a:t>onPause</a:t>
             </a:r>
             <a:r>
-              <a:rPr lang="en-US" dirty="0" smtClean="0">
+              <a:rPr lang="en-US" dirty="0">
                 <a:solidFill>
                   <a:schemeClr val="tx1"/>
                 </a:solidFill>
               </a:rPr>
               <a:t>()</a:t>
             </a:r>
-            <a:endParaRPr lang="en-US" dirty="0">
-              <a:solidFill>
-                <a:schemeClr val="tx1"/>
-              </a:solidFill>
-            </a:endParaRPr>
           </a:p>
         </p:txBody>
       </p:sp>
@@ -6460,17 +5918,183 @@
   <p:clrMapOvr>
     <a:masterClrMapping/>
   </p:clrMapOvr>
-  <p:timing>
-    <p:tnLst>
-      <p:par>
-        <p:cTn id="1" dur="indefinite" restart="never" nodeType="tmRoot"/>
-      </p:par>
-    </p:tnLst>
-  </p:timing>
 </p:sld>
 </file>
 
 <file path=ppt/slides/slide22.xml><?xml version="1.0" encoding="utf-8"?>
+<p:sld xmlns:a="http://schemas.openxmlformats.org/drawingml/2006/main" xmlns:r="http://schemas.openxmlformats.org/officeDocument/2006/relationships" xmlns:p="http://schemas.openxmlformats.org/presentationml/2006/main" show="0">
+  <p:cSld>
+    <p:spTree>
+      <p:nvGrpSpPr>
+        <p:cNvPr id="1" name=""/>
+        <p:cNvGrpSpPr/>
+        <p:nvPr/>
+      </p:nvGrpSpPr>
+      <p:grpSpPr>
+        <a:xfrm>
+          <a:off x="0" y="0"/>
+          <a:ext cx="0" cy="0"/>
+          <a:chOff x="0" y="0"/>
+          <a:chExt cx="0" cy="0"/>
+        </a:xfrm>
+      </p:grpSpPr>
+      <p:sp>
+        <p:nvSpPr>
+          <p:cNvPr id="4" name="Title 1"/>
+          <p:cNvSpPr>
+            <a:spLocks noGrp="1"/>
+          </p:cNvSpPr>
+          <p:nvPr>
+            <p:ph type="title"/>
+          </p:nvPr>
+        </p:nvSpPr>
+        <p:spPr/>
+        <p:txBody>
+          <a:bodyPr/>
+          <a:lstStyle/>
+          <a:p>
+            <a:r>
+              <a:rPr lang="en-US" dirty="0"/>
+              <a:t>Activity Lifecycle </a:t>
+            </a:r>
+          </a:p>
+        </p:txBody>
+      </p:sp>
+      <p:sp>
+        <p:nvSpPr>
+          <p:cNvPr id="6" name="TextBox 5"/>
+          <p:cNvSpPr txBox="1"/>
+          <p:nvPr/>
+        </p:nvSpPr>
+        <p:spPr>
+          <a:xfrm>
+            <a:off x="819645" y="1906796"/>
+            <a:ext cx="6222670" cy="369332"/>
+          </a:xfrm>
+          <a:prstGeom prst="rect">
+            <a:avLst/>
+          </a:prstGeom>
+          <a:noFill/>
+        </p:spPr>
+        <p:txBody>
+          <a:bodyPr wrap="square" rtlCol="0">
+            <a:spAutoFit/>
+          </a:bodyPr>
+          <a:lstStyle/>
+          <a:p>
+            <a:r>
+              <a:rPr lang="en-US" b="1" dirty="0" err="1"/>
+              <a:t>onRestart</a:t>
+            </a:r>
+            <a:r>
+              <a:rPr lang="en-US" b="1" dirty="0"/>
+              <a:t>() </a:t>
+            </a:r>
+            <a:r>
+              <a:rPr lang="en-US" dirty="0"/>
+              <a:t>activity is </a:t>
+            </a:r>
+            <a:r>
+              <a:rPr lang="en-US" dirty="0" err="1"/>
+              <a:t>stoppd</a:t>
+            </a:r>
+            <a:r>
+              <a:rPr lang="en-US" dirty="0"/>
+              <a:t>, then started again</a:t>
+            </a:r>
+          </a:p>
+        </p:txBody>
+      </p:sp>
+      <p:pic>
+        <p:nvPicPr>
+          <p:cNvPr id="8" name="Content Placeholder 3"/>
+          <p:cNvPicPr>
+            <a:picLocks noChangeAspect="1"/>
+          </p:cNvPicPr>
+          <p:nvPr/>
+        </p:nvPicPr>
+        <p:blipFill>
+          <a:blip r:embed="rId2">
+            <a:extLst>
+              <a:ext uri="{28A0092B-C50C-407E-A947-70E740481C1C}">
+                <a14:useLocalDpi xmlns:a14="http://schemas.microsoft.com/office/drawing/2010/main" val="0"/>
+              </a:ext>
+            </a:extLst>
+          </a:blip>
+          <a:stretch>
+            <a:fillRect/>
+          </a:stretch>
+        </p:blipFill>
+        <p:spPr>
+          <a:xfrm>
+            <a:off x="5523848" y="901998"/>
+            <a:ext cx="3943705" cy="5096836"/>
+          </a:xfrm>
+          <a:prstGeom prst="rect">
+            <a:avLst/>
+          </a:prstGeom>
+        </p:spPr>
+      </p:pic>
+      <p:sp>
+        <p:nvSpPr>
+          <p:cNvPr id="7" name="Rectangle 6"/>
+          <p:cNvSpPr/>
+          <p:nvPr/>
+        </p:nvSpPr>
+        <p:spPr>
+          <a:xfrm>
+            <a:off x="8533064" y="1915707"/>
+            <a:ext cx="922614" cy="232410"/>
+          </a:xfrm>
+          <a:prstGeom prst="rect">
+            <a:avLst/>
+          </a:prstGeom>
+          <a:noFill/>
+          <a:ln w="38100">
+            <a:solidFill>
+              <a:srgbClr val="FF0000"/>
+            </a:solidFill>
+          </a:ln>
+        </p:spPr>
+        <p:style>
+          <a:lnRef idx="2">
+            <a:schemeClr val="accent1">
+              <a:shade val="50000"/>
+            </a:schemeClr>
+          </a:lnRef>
+          <a:fillRef idx="1">
+            <a:schemeClr val="accent1"/>
+          </a:fillRef>
+          <a:effectRef idx="0">
+            <a:schemeClr val="accent1"/>
+          </a:effectRef>
+          <a:fontRef idx="minor">
+            <a:schemeClr val="lt1"/>
+          </a:fontRef>
+        </p:style>
+        <p:txBody>
+          <a:bodyPr rtlCol="0" anchor="ctr"/>
+          <a:lstStyle/>
+          <a:p>
+            <a:pPr algn="ctr"/>
+            <a:endParaRPr lang="en-US"/>
+          </a:p>
+        </p:txBody>
+      </p:sp>
+    </p:spTree>
+    <p:extLst>
+      <p:ext uri="{BB962C8B-B14F-4D97-AF65-F5344CB8AC3E}">
+        <p14:creationId xmlns:p14="http://schemas.microsoft.com/office/powerpoint/2010/main" val="3335284568"/>
+      </p:ext>
+    </p:extLst>
+  </p:cSld>
+  <p:clrMapOvr>
+    <a:masterClrMapping/>
+  </p:clrMapOvr>
+</p:sld>
+</file>
+
+<file path=ppt/slides/slide23.xml><?xml version="1.0" encoding="utf-8"?>
 <p:sld xmlns:a="http://schemas.openxmlformats.org/drawingml/2006/main" xmlns:r="http://schemas.openxmlformats.org/officeDocument/2006/relationships" xmlns:p="http://schemas.openxmlformats.org/presentationml/2006/main">
   <p:cSld>
     <p:spTree>
@@ -6503,7 +6127,240 @@
           <a:lstStyle/>
           <a:p>
             <a:r>
-              <a:rPr lang="en-US" dirty="0" err="1" smtClean="0"/>
+              <a:rPr lang="en-US" dirty="0"/>
+              <a:t>Hitting back </a:t>
+            </a:r>
+          </a:p>
+        </p:txBody>
+      </p:sp>
+      <p:sp>
+        <p:nvSpPr>
+          <p:cNvPr id="3" name="Content Placeholder 2"/>
+          <p:cNvSpPr>
+            <a:spLocks noGrp="1"/>
+          </p:cNvSpPr>
+          <p:nvPr>
+            <p:ph idx="1"/>
+          </p:nvPr>
+        </p:nvSpPr>
+        <p:spPr/>
+        <p:txBody>
+          <a:bodyPr/>
+          <a:lstStyle/>
+          <a:p>
+            <a:r>
+              <a:rPr lang="en-US" dirty="0" err="1"/>
+              <a:t>onDestroy</a:t>
+            </a:r>
+            <a:r>
+              <a:rPr lang="en-US" dirty="0"/>
+              <a:t>()</a:t>
+            </a:r>
+          </a:p>
+        </p:txBody>
+      </p:sp>
+    </p:spTree>
+    <p:extLst>
+      <p:ext uri="{BB962C8B-B14F-4D97-AF65-F5344CB8AC3E}">
+        <p14:creationId xmlns:p14="http://schemas.microsoft.com/office/powerpoint/2010/main" val="679222727"/>
+      </p:ext>
+    </p:extLst>
+  </p:cSld>
+  <p:clrMapOvr>
+    <a:masterClrMapping/>
+  </p:clrMapOvr>
+</p:sld>
+</file>
+
+<file path=ppt/slides/slide24.xml><?xml version="1.0" encoding="utf-8"?>
+<p:sld xmlns:a="http://schemas.openxmlformats.org/drawingml/2006/main" xmlns:r="http://schemas.openxmlformats.org/officeDocument/2006/relationships" xmlns:p="http://schemas.openxmlformats.org/presentationml/2006/main">
+  <p:cSld>
+    <p:spTree>
+      <p:nvGrpSpPr>
+        <p:cNvPr id="1" name=""/>
+        <p:cNvGrpSpPr/>
+        <p:nvPr/>
+      </p:nvGrpSpPr>
+      <p:grpSpPr>
+        <a:xfrm>
+          <a:off x="0" y="0"/>
+          <a:ext cx="0" cy="0"/>
+          <a:chOff x="0" y="0"/>
+          <a:chExt cx="0" cy="0"/>
+        </a:xfrm>
+      </p:grpSpPr>
+      <p:sp>
+        <p:nvSpPr>
+          <p:cNvPr id="2" name="Title 1"/>
+          <p:cNvSpPr>
+            <a:spLocks noGrp="1"/>
+          </p:cNvSpPr>
+          <p:nvPr>
+            <p:ph type="title"/>
+          </p:nvPr>
+        </p:nvSpPr>
+        <p:spPr/>
+        <p:txBody>
+          <a:bodyPr/>
+          <a:lstStyle/>
+          <a:p>
+            <a:r>
+              <a:rPr lang="en-US" dirty="0"/>
+              <a:t>Home button</a:t>
+            </a:r>
+          </a:p>
+        </p:txBody>
+      </p:sp>
+      <p:sp>
+        <p:nvSpPr>
+          <p:cNvPr id="3" name="Content Placeholder 2"/>
+          <p:cNvSpPr>
+            <a:spLocks noGrp="1"/>
+          </p:cNvSpPr>
+          <p:nvPr>
+            <p:ph idx="1"/>
+          </p:nvPr>
+        </p:nvSpPr>
+        <p:spPr/>
+        <p:txBody>
+          <a:bodyPr/>
+          <a:lstStyle/>
+          <a:p>
+            <a:r>
+              <a:rPr lang="en-US" dirty="0"/>
+              <a:t>Stopped</a:t>
+            </a:r>
+          </a:p>
+        </p:txBody>
+      </p:sp>
+    </p:spTree>
+    <p:extLst>
+      <p:ext uri="{BB962C8B-B14F-4D97-AF65-F5344CB8AC3E}">
+        <p14:creationId xmlns:p14="http://schemas.microsoft.com/office/powerpoint/2010/main" val="2378621501"/>
+      </p:ext>
+    </p:extLst>
+  </p:cSld>
+  <p:clrMapOvr>
+    <a:masterClrMapping/>
+  </p:clrMapOvr>
+</p:sld>
+</file>
+
+<file path=ppt/slides/slide25.xml><?xml version="1.0" encoding="utf-8"?>
+<p:sld xmlns:a="http://schemas.openxmlformats.org/drawingml/2006/main" xmlns:r="http://schemas.openxmlformats.org/officeDocument/2006/relationships" xmlns:p="http://schemas.openxmlformats.org/presentationml/2006/main">
+  <p:cSld>
+    <p:spTree>
+      <p:nvGrpSpPr>
+        <p:cNvPr id="1" name=""/>
+        <p:cNvGrpSpPr/>
+        <p:nvPr/>
+      </p:nvGrpSpPr>
+      <p:grpSpPr>
+        <a:xfrm>
+          <a:off x="0" y="0"/>
+          <a:ext cx="0" cy="0"/>
+          <a:chOff x="0" y="0"/>
+          <a:chExt cx="0" cy="0"/>
+        </a:xfrm>
+      </p:grpSpPr>
+      <p:sp>
+        <p:nvSpPr>
+          <p:cNvPr id="2" name="Title 1"/>
+          <p:cNvSpPr>
+            <a:spLocks noGrp="1"/>
+          </p:cNvSpPr>
+          <p:nvPr>
+            <p:ph type="title"/>
+          </p:nvPr>
+        </p:nvSpPr>
+        <p:spPr/>
+        <p:txBody>
+          <a:bodyPr/>
+          <a:lstStyle/>
+          <a:p>
+            <a:r>
+              <a:rPr lang="en-US" dirty="0" err="1"/>
+              <a:t>SavedInstanceState</a:t>
+            </a:r>
+            <a:endParaRPr lang="en-US" dirty="0"/>
+          </a:p>
+        </p:txBody>
+      </p:sp>
+      <p:sp>
+        <p:nvSpPr>
+          <p:cNvPr id="3" name="Content Placeholder 2"/>
+          <p:cNvSpPr>
+            <a:spLocks noGrp="1"/>
+          </p:cNvSpPr>
+          <p:nvPr>
+            <p:ph idx="1"/>
+          </p:nvPr>
+        </p:nvSpPr>
+        <p:spPr/>
+        <p:txBody>
+          <a:bodyPr/>
+          <a:lstStyle/>
+          <a:p>
+            <a:r>
+              <a:rPr lang="en-US" dirty="0"/>
+              <a:t>On Rotation</a:t>
+            </a:r>
+          </a:p>
+          <a:p>
+            <a:r>
+              <a:rPr lang="en-US" dirty="0"/>
+              <a:t>App is killed</a:t>
+            </a:r>
+          </a:p>
+        </p:txBody>
+      </p:sp>
+    </p:spTree>
+    <p:extLst>
+      <p:ext uri="{BB962C8B-B14F-4D97-AF65-F5344CB8AC3E}">
+        <p14:creationId xmlns:p14="http://schemas.microsoft.com/office/powerpoint/2010/main" val="992913506"/>
+      </p:ext>
+    </p:extLst>
+  </p:cSld>
+  <p:clrMapOvr>
+    <a:masterClrMapping/>
+  </p:clrMapOvr>
+</p:sld>
+</file>
+
+<file path=ppt/slides/slide26.xml><?xml version="1.0" encoding="utf-8"?>
+<p:sld xmlns:a="http://schemas.openxmlformats.org/drawingml/2006/main" xmlns:r="http://schemas.openxmlformats.org/officeDocument/2006/relationships" xmlns:p="http://schemas.openxmlformats.org/presentationml/2006/main">
+  <p:cSld>
+    <p:spTree>
+      <p:nvGrpSpPr>
+        <p:cNvPr id="1" name=""/>
+        <p:cNvGrpSpPr/>
+        <p:nvPr/>
+      </p:nvGrpSpPr>
+      <p:grpSpPr>
+        <a:xfrm>
+          <a:off x="0" y="0"/>
+          <a:ext cx="0" cy="0"/>
+          <a:chOff x="0" y="0"/>
+          <a:chExt cx="0" cy="0"/>
+        </a:xfrm>
+      </p:grpSpPr>
+      <p:sp>
+        <p:nvSpPr>
+          <p:cNvPr id="2" name="Title 1"/>
+          <p:cNvSpPr>
+            <a:spLocks noGrp="1"/>
+          </p:cNvSpPr>
+          <p:nvPr>
+            <p:ph type="title"/>
+          </p:nvPr>
+        </p:nvSpPr>
+        <p:spPr/>
+        <p:txBody>
+          <a:bodyPr/>
+          <a:lstStyle/>
+          <a:p>
+            <a:r>
+              <a:rPr lang="en-US" dirty="0" err="1"/>
               <a:t>Github</a:t>
             </a:r>
             <a:endParaRPr lang="en-US" dirty="0"/>
@@ -6539,13 +6396,6 @@
   <p:clrMapOvr>
     <a:masterClrMapping/>
   </p:clrMapOvr>
-  <p:timing>
-    <p:tnLst>
-      <p:par>
-        <p:cTn id="1" dur="indefinite" restart="never" nodeType="tmRoot"/>
-      </p:par>
-    </p:tnLst>
-  </p:timing>
 </p:sld>
 </file>
 
@@ -6582,10 +6432,9 @@
           <a:lstStyle/>
           <a:p>
             <a:r>
-              <a:rPr lang="en-US" dirty="0" smtClean="0"/>
+              <a:rPr lang="en-US" dirty="0"/>
               <a:t>Agenda</a:t>
             </a:r>
-            <a:endParaRPr lang="en-US" dirty="0"/>
           </a:p>
         </p:txBody>
       </p:sp>
@@ -6607,73 +6456,73 @@
           <a:lstStyle/>
           <a:p>
             <a:r>
-              <a:rPr lang="en-US" dirty="0" smtClean="0"/>
+              <a:rPr lang="en-US" dirty="0"/>
               <a:t>High Level </a:t>
             </a:r>
           </a:p>
           <a:p>
             <a:pPr lvl="1"/>
             <a:r>
-              <a:rPr lang="en-US" dirty="0" smtClean="0"/>
+              <a:rPr lang="en-US" dirty="0"/>
               <a:t>Android Studio </a:t>
             </a:r>
           </a:p>
           <a:p>
             <a:pPr lvl="2"/>
             <a:r>
-              <a:rPr lang="en-US" dirty="0" smtClean="0"/>
+              <a:rPr lang="en-US" dirty="0"/>
               <a:t>Overview</a:t>
             </a:r>
           </a:p>
           <a:p>
             <a:pPr lvl="1"/>
             <a:r>
-              <a:rPr lang="en-US" dirty="0" smtClean="0"/>
+              <a:rPr lang="en-US" dirty="0"/>
               <a:t>Activity </a:t>
             </a:r>
           </a:p>
           <a:p>
             <a:pPr lvl="2"/>
             <a:r>
-              <a:rPr lang="en-US" dirty="0" smtClean="0"/>
+              <a:rPr lang="en-US" dirty="0"/>
               <a:t>Responsibility </a:t>
             </a:r>
           </a:p>
           <a:p>
             <a:pPr lvl="2"/>
             <a:r>
-              <a:rPr lang="en-US" dirty="0" smtClean="0"/>
+              <a:rPr lang="en-US" dirty="0"/>
               <a:t>Caveats</a:t>
             </a:r>
           </a:p>
           <a:p>
             <a:pPr lvl="1"/>
             <a:r>
-              <a:rPr lang="en-US" dirty="0" smtClean="0"/>
+              <a:rPr lang="en-US" dirty="0"/>
               <a:t>Fragment</a:t>
             </a:r>
           </a:p>
           <a:p>
             <a:pPr lvl="2"/>
             <a:r>
-              <a:rPr lang="en-US" dirty="0" smtClean="0"/>
+              <a:rPr lang="en-US" dirty="0"/>
               <a:t>Responsibility </a:t>
             </a:r>
           </a:p>
           <a:p>
             <a:pPr lvl="2"/>
             <a:r>
-              <a:rPr lang="en-US" dirty="0" smtClean="0"/>
+              <a:rPr lang="en-US" dirty="0"/>
               <a:t>Caveats</a:t>
             </a:r>
           </a:p>
           <a:p>
             <a:pPr lvl="2"/>
-            <a:endParaRPr lang="en-US" dirty="0" smtClean="0"/>
+            <a:endParaRPr lang="en-US" dirty="0"/>
           </a:p>
           <a:p>
             <a:pPr lvl="2"/>
-            <a:endParaRPr lang="en-US" dirty="0" smtClean="0"/>
+            <a:endParaRPr lang="en-US" dirty="0"/>
           </a:p>
         </p:txBody>
       </p:sp>
@@ -6687,13 +6536,6 @@
   <p:clrMapOvr>
     <a:masterClrMapping/>
   </p:clrMapOvr>
-  <p:timing>
-    <p:tnLst>
-      <p:par>
-        <p:cTn id="1" dur="indefinite" restart="never" nodeType="tmRoot"/>
-      </p:par>
-    </p:tnLst>
-  </p:timing>
 </p:sld>
 </file>
 
@@ -6730,18 +6572,17 @@
           <a:lstStyle/>
           <a:p>
             <a:r>
-              <a:rPr lang="en-US" dirty="0" smtClean="0"/>
+              <a:rPr lang="en-US" dirty="0"/>
               <a:t>Agenda (</a:t>
             </a:r>
             <a:r>
-              <a:rPr lang="en-US" dirty="0" err="1" smtClean="0"/>
+              <a:rPr lang="en-US" dirty="0" err="1"/>
               <a:t>cont</a:t>
             </a:r>
             <a:r>
-              <a:rPr lang="en-US" dirty="0" smtClean="0"/>
+              <a:rPr lang="en-US" dirty="0"/>
               <a:t>)</a:t>
             </a:r>
-            <a:endParaRPr lang="en-US" dirty="0"/>
           </a:p>
         </p:txBody>
       </p:sp>
@@ -6777,17 +6618,16 @@
           <a:p>
             <a:pPr lvl="2"/>
             <a:r>
-              <a:rPr lang="en-US" dirty="0" smtClean="0"/>
+              <a:rPr lang="en-US" dirty="0"/>
               <a:t>Lifecycle</a:t>
             </a:r>
           </a:p>
           <a:p>
             <a:pPr lvl="2"/>
             <a:r>
-              <a:rPr lang="en-US" dirty="0" smtClean="0"/>
+              <a:rPr lang="en-US" dirty="0"/>
               <a:t>Coding Activity</a:t>
             </a:r>
-            <a:endParaRPr lang="en-US" dirty="0"/>
           </a:p>
           <a:p>
             <a:pPr lvl="2"/>
@@ -6799,22 +6639,16 @@
           <a:p>
             <a:pPr lvl="2"/>
             <a:r>
-              <a:rPr lang="en-US" dirty="0" smtClean="0"/>
+              <a:rPr lang="en-US" dirty="0"/>
               <a:t>Manifest.xml</a:t>
             </a:r>
-            <a:endParaRPr lang="en-US" dirty="0"/>
           </a:p>
           <a:p>
             <a:pPr lvl="2"/>
             <a:r>
-              <a:rPr lang="en-US" dirty="0" smtClean="0"/>
-              <a:t>Activity </a:t>
-            </a:r>
-            <a:r>
-              <a:rPr lang="en-US" dirty="0" smtClean="0"/>
-              <a:t>to Activity communication</a:t>
-            </a:r>
-            <a:endParaRPr lang="en-US" dirty="0"/>
+              <a:rPr lang="en-US" dirty="0"/>
+              <a:t>Activity to Activity communication</a:t>
+            </a:r>
           </a:p>
           <a:p>
             <a:pPr marL="0" indent="0">
@@ -6834,13 +6668,6 @@
   <p:clrMapOvr>
     <a:masterClrMapping/>
   </p:clrMapOvr>
-  <p:timing>
-    <p:tnLst>
-      <p:par>
-        <p:cTn id="1" dur="indefinite" restart="never" nodeType="tmRoot"/>
-      </p:par>
-    </p:tnLst>
-  </p:timing>
 </p:sld>
 </file>
 
@@ -6969,13 +6796,6 @@
   <p:clrMapOvr>
     <a:masterClrMapping/>
   </p:clrMapOvr>
-  <p:timing>
-    <p:tnLst>
-      <p:par>
-        <p:cTn id="1" dur="indefinite" restart="never" nodeType="tmRoot"/>
-      </p:par>
-    </p:tnLst>
-  </p:timing>
 </p:sld>
 </file>
 
@@ -7033,7 +6853,7 @@
             <a:pPr marL="0" indent="0" algn="ctr">
               <a:buNone/>
             </a:pPr>
-            <a:endParaRPr lang="en-US" dirty="0" smtClean="0"/>
+            <a:endParaRPr lang="en-US" dirty="0"/>
           </a:p>
           <a:p>
             <a:pPr marL="0" indent="0" algn="ctr">
@@ -7046,7 +6866,7 @@
               <a:buNone/>
             </a:pPr>
             <a:r>
-              <a:rPr lang="en-US" sz="6600" dirty="0" smtClean="0"/>
+              <a:rPr lang="en-US" sz="6600" dirty="0"/>
               <a:t>High Level </a:t>
             </a:r>
           </a:p>
@@ -7068,13 +6888,6 @@
   <p:clrMapOvr>
     <a:masterClrMapping/>
   </p:clrMapOvr>
-  <p:timing>
-    <p:tnLst>
-      <p:par>
-        <p:cTn id="1" dur="indefinite" restart="never" nodeType="tmRoot"/>
-      </p:par>
-    </p:tnLst>
-  </p:timing>
 </p:sld>
 </file>
 
@@ -7138,42 +6951,24 @@
               <a:rPr lang="en-US" dirty="0"/>
               <a:t>De facto standard for Android development </a:t>
             </a:r>
-            <a:endParaRPr lang="en-US" dirty="0" smtClean="0"/>
-          </a:p>
-          <a:p>
-            <a:r>
-              <a:rPr lang="en-US" dirty="0" smtClean="0"/>
-              <a:t>Built </a:t>
-            </a:r>
-            <a:r>
-              <a:rPr lang="en-US" dirty="0"/>
-              <a:t>on the </a:t>
-            </a:r>
-            <a:r>
-              <a:rPr lang="en-US" dirty="0" smtClean="0"/>
-              <a:t>IntelliJ</a:t>
-            </a:r>
-            <a:endParaRPr lang="en-US" dirty="0"/>
-          </a:p>
-          <a:p>
-            <a:r>
-              <a:rPr lang="en-US" dirty="0" smtClean="0"/>
-              <a:t>Some </a:t>
-            </a:r>
-            <a:r>
-              <a:rPr lang="en-US" dirty="0"/>
-              <a:t>features</a:t>
+          </a:p>
+          <a:p>
+            <a:r>
+              <a:rPr lang="en-US" dirty="0"/>
+              <a:t>Built on the IntelliJ</a:t>
+            </a:r>
+          </a:p>
+          <a:p>
+            <a:r>
+              <a:rPr lang="en-US" dirty="0"/>
+              <a:t>Some features</a:t>
             </a:r>
           </a:p>
           <a:p>
             <a:pPr lvl="1"/>
             <a:r>
-              <a:rPr lang="en-US" dirty="0" smtClean="0"/>
-              <a:t>Layout </a:t>
-            </a:r>
-            <a:r>
-              <a:rPr lang="en-US" dirty="0"/>
-              <a:t>Editor</a:t>
+              <a:rPr lang="en-US" dirty="0"/>
+              <a:t>Layout Editor</a:t>
             </a:r>
           </a:p>
           <a:p>
@@ -7191,22 +6986,14 @@
             </a:r>
             <a:r>
               <a:rPr lang="en-US" dirty="0"/>
-              <a:t> </a:t>
-            </a:r>
-            <a:r>
-              <a:rPr lang="en-US" dirty="0" smtClean="0"/>
-              <a:t>integration</a:t>
+              <a:t> integration</a:t>
             </a:r>
           </a:p>
           <a:p>
             <a:pPr lvl="1"/>
             <a:r>
-              <a:rPr lang="en-US" dirty="0" smtClean="0"/>
-              <a:t>Instant </a:t>
-            </a:r>
-            <a:r>
-              <a:rPr lang="en-US" dirty="0"/>
-              <a:t>Run (Hot swap)</a:t>
+              <a:rPr lang="en-US" dirty="0"/>
+              <a:t>Instant Run (Hot swap)</a:t>
             </a:r>
           </a:p>
           <a:p>
@@ -7276,13 +7063,6 @@
   <p:clrMapOvr>
     <a:masterClrMapping/>
   </p:clrMapOvr>
-  <p:timing>
-    <p:tnLst>
-      <p:par>
-        <p:cTn id="1" dur="indefinite" restart="never" nodeType="tmRoot"/>
-      </p:par>
-    </p:tnLst>
-  </p:timing>
 </p:sld>
 </file>
 
@@ -7319,10 +7099,9 @@
           <a:lstStyle/>
           <a:p>
             <a:r>
-              <a:rPr lang="en-US" dirty="0" smtClean="0"/>
+              <a:rPr lang="en-US" dirty="0"/>
               <a:t>Definition Overview</a:t>
             </a:r>
-            <a:endParaRPr lang="en-US" dirty="0"/>
           </a:p>
         </p:txBody>
       </p:sp>
@@ -7342,25 +7121,25 @@
           <a:lstStyle/>
           <a:p>
             <a:r>
-              <a:rPr lang="en-US" dirty="0" smtClean="0"/>
+              <a:rPr lang="en-US" dirty="0"/>
               <a:t>Activity </a:t>
             </a:r>
           </a:p>
           <a:p>
             <a:r>
-              <a:rPr lang="en-US" dirty="0" smtClean="0"/>
+              <a:rPr lang="en-US" dirty="0"/>
               <a:t>Fragments </a:t>
             </a:r>
           </a:p>
           <a:p>
             <a:r>
-              <a:rPr lang="en-US" dirty="0" smtClean="0"/>
+              <a:rPr lang="en-US" dirty="0"/>
               <a:t>Views </a:t>
             </a:r>
           </a:p>
           <a:p>
             <a:r>
-              <a:rPr lang="en-US" dirty="0" smtClean="0"/>
+              <a:rPr lang="en-US" dirty="0"/>
               <a:t>Manifest</a:t>
             </a:r>
           </a:p>
@@ -7382,13 +7161,6 @@
   <p:clrMapOvr>
     <a:masterClrMapping/>
   </p:clrMapOvr>
-  <p:timing>
-    <p:tnLst>
-      <p:par>
-        <p:cTn id="1" dur="indefinite" restart="never" nodeType="tmRoot"/>
-      </p:par>
-    </p:tnLst>
-  </p:timing>
 </p:sld>
 </file>
 
@@ -7430,15 +7202,11 @@
           <a:lstStyle/>
           <a:p>
             <a:r>
-              <a:rPr lang="en-US" b="1" dirty="0" smtClean="0"/>
+              <a:rPr lang="en-US" b="1" dirty="0"/>
               <a:t>Activity</a:t>
             </a:r>
-            <a:r>
-              <a:rPr lang="en-US" dirty="0" smtClean="0"/>
-              <a:t/>
-            </a:r>
             <a:br>
-              <a:rPr lang="en-US" dirty="0" smtClean="0"/>
+              <a:rPr lang="en-US" dirty="0"/>
             </a:br>
             <a:r>
               <a:rPr lang="en-US" sz="2000" dirty="0">
@@ -7473,60 +7241,33 @@
           <a:lstStyle/>
           <a:p>
             <a:r>
-              <a:rPr lang="en-US" dirty="0" smtClean="0"/>
-              <a:t>Fundamental </a:t>
-            </a:r>
-            <a:r>
-              <a:rPr lang="en-US" dirty="0"/>
-              <a:t>building blocks </a:t>
-            </a:r>
-            <a:endParaRPr lang="en-US" dirty="0" smtClean="0"/>
-          </a:p>
-          <a:p>
-            <a:r>
-              <a:rPr lang="en-US" dirty="0" smtClean="0"/>
-              <a:t>Entry </a:t>
-            </a:r>
-            <a:r>
-              <a:rPr lang="en-US" dirty="0"/>
-              <a:t>point for </a:t>
-            </a:r>
-            <a:r>
-              <a:rPr lang="en-US" dirty="0" smtClean="0"/>
-              <a:t>user's </a:t>
-            </a:r>
-            <a:r>
-              <a:rPr lang="en-US" dirty="0"/>
-              <a:t>interaction </a:t>
-            </a:r>
-            <a:endParaRPr lang="en-US" dirty="0" smtClean="0"/>
-          </a:p>
-          <a:p>
-            <a:r>
-              <a:rPr lang="en-US" dirty="0" smtClean="0"/>
-              <a:t>Provides navigates </a:t>
-            </a:r>
-            <a:r>
-              <a:rPr lang="en-US" dirty="0"/>
-              <a:t>within an </a:t>
-            </a:r>
-            <a:r>
-              <a:rPr lang="en-US" dirty="0" smtClean="0"/>
-              <a:t>app</a:t>
-            </a:r>
-          </a:p>
-          <a:p>
-            <a:r>
-              <a:rPr lang="en-US" dirty="0" smtClean="0"/>
+              <a:rPr lang="en-US" dirty="0"/>
+              <a:t>Fundamental building blocks </a:t>
+            </a:r>
+          </a:p>
+          <a:p>
+            <a:r>
+              <a:rPr lang="en-US" dirty="0"/>
+              <a:t>Entry point for user's interaction </a:t>
+            </a:r>
+          </a:p>
+          <a:p>
+            <a:r>
+              <a:rPr lang="en-US" dirty="0"/>
+              <a:t>Provides navigates within an app</a:t>
+            </a:r>
+          </a:p>
+          <a:p>
+            <a:r>
+              <a:rPr lang="en-US" dirty="0"/>
               <a:t>Communication between other activities</a:t>
             </a:r>
           </a:p>
           <a:p>
             <a:r>
-              <a:rPr lang="en-US" dirty="0" smtClean="0"/>
+              <a:rPr lang="en-US" dirty="0"/>
               <a:t>Communication between child fragments</a:t>
             </a:r>
-            <a:endParaRPr lang="en-US" dirty="0"/>
           </a:p>
         </p:txBody>
       </p:sp>
@@ -7568,7 +7309,7 @@
             <a:p>
               <a:pPr algn="ctr"/>
               <a:r>
-                <a:rPr lang="en-US" sz="3600" dirty="0" smtClean="0">
+                <a:rPr lang="en-US" sz="3600" dirty="0">
                   <a:solidFill>
                     <a:srgbClr val="FF0000"/>
                   </a:solidFill>

--- a/slides/Android Studio_Activities_Fragments.pptx
+++ b/slides/Android Studio_Activities_Fragments.pptx
@@ -8,29 +8,32 @@
     <p:sldId id="256" r:id="rId2"/>
     <p:sldId id="260" r:id="rId3"/>
     <p:sldId id="264" r:id="rId4"/>
-    <p:sldId id="265" r:id="rId5"/>
-    <p:sldId id="278" r:id="rId6"/>
-    <p:sldId id="266" r:id="rId7"/>
-    <p:sldId id="257" r:id="rId8"/>
-    <p:sldId id="270" r:id="rId9"/>
-    <p:sldId id="258" r:id="rId10"/>
-    <p:sldId id="261" r:id="rId11"/>
-    <p:sldId id="263" r:id="rId12"/>
-    <p:sldId id="259" r:id="rId13"/>
-    <p:sldId id="268" r:id="rId14"/>
-    <p:sldId id="280" r:id="rId15"/>
-    <p:sldId id="269" r:id="rId16"/>
-    <p:sldId id="271" r:id="rId17"/>
-    <p:sldId id="272" r:id="rId18"/>
-    <p:sldId id="273" r:id="rId19"/>
-    <p:sldId id="274" r:id="rId20"/>
-    <p:sldId id="275" r:id="rId21"/>
-    <p:sldId id="277" r:id="rId22"/>
-    <p:sldId id="276" r:id="rId23"/>
-    <p:sldId id="279" r:id="rId24"/>
-    <p:sldId id="282" r:id="rId25"/>
-    <p:sldId id="281" r:id="rId26"/>
-    <p:sldId id="267" r:id="rId27"/>
+    <p:sldId id="257" r:id="rId5"/>
+    <p:sldId id="287" r:id="rId6"/>
+    <p:sldId id="288" r:id="rId7"/>
+    <p:sldId id="289" r:id="rId8"/>
+    <p:sldId id="291" r:id="rId9"/>
+    <p:sldId id="290" r:id="rId10"/>
+    <p:sldId id="292" r:id="rId11"/>
+    <p:sldId id="293" r:id="rId12"/>
+    <p:sldId id="283" r:id="rId13"/>
+    <p:sldId id="285" r:id="rId14"/>
+    <p:sldId id="286" r:id="rId15"/>
+    <p:sldId id="294" r:id="rId16"/>
+    <p:sldId id="258" r:id="rId17"/>
+    <p:sldId id="280" r:id="rId18"/>
+    <p:sldId id="296" r:id="rId19"/>
+    <p:sldId id="295" r:id="rId20"/>
+    <p:sldId id="298" r:id="rId21"/>
+    <p:sldId id="297" r:id="rId22"/>
+    <p:sldId id="259" r:id="rId23"/>
+    <p:sldId id="268" r:id="rId24"/>
+    <p:sldId id="277" r:id="rId25"/>
+    <p:sldId id="276" r:id="rId26"/>
+    <p:sldId id="279" r:id="rId27"/>
+    <p:sldId id="282" r:id="rId28"/>
+    <p:sldId id="281" r:id="rId29"/>
+    <p:sldId id="267" r:id="rId30"/>
   </p:sldIdLst>
   <p:sldSz cx="12192000" cy="6858000"/>
   <p:notesSz cx="6858000" cy="9144000"/>
@@ -131,7 +134,7 @@
   </p:defaultTextStyle>
   <p:extLst>
     <p:ext uri="{EFAFB233-063F-42B5-8137-9DF3F51BA10A}">
-      <p15:sldGuideLst xmlns:p15="http://schemas.microsoft.com/office/powerpoint/2012/main">
+      <p15:sldGuideLst xmlns:p15="http://schemas.microsoft.com/office/powerpoint/2012/main" xmlns="">
         <p15:guide id="1" orient="horz" pos="2160">
           <p15:clr>
             <a:srgbClr val="A4A3A4"/>
@@ -335,7 +338,7 @@
           <a:p>
             <a:fld id="{1E7C2FAA-919F-4BF2-9DC6-6D7D1753D0B1}" type="datetimeFigureOut">
               <a:rPr lang="en-US" smtClean="0"/>
-              <a:t>5/3/2017</a:t>
+              <a:t>6/12/2017</a:t>
             </a:fld>
             <a:endParaRPr lang="en-US"/>
           </a:p>
@@ -503,7 +506,7 @@
           <a:p>
             <a:fld id="{1E7C2FAA-919F-4BF2-9DC6-6D7D1753D0B1}" type="datetimeFigureOut">
               <a:rPr lang="en-US" smtClean="0"/>
-              <a:t>5/3/2017</a:t>
+              <a:t>6/12/2017</a:t>
             </a:fld>
             <a:endParaRPr lang="en-US"/>
           </a:p>
@@ -681,7 +684,7 @@
           <a:p>
             <a:fld id="{1E7C2FAA-919F-4BF2-9DC6-6D7D1753D0B1}" type="datetimeFigureOut">
               <a:rPr lang="en-US" smtClean="0"/>
-              <a:t>5/3/2017</a:t>
+              <a:t>6/12/2017</a:t>
             </a:fld>
             <a:endParaRPr lang="en-US"/>
           </a:p>
@@ -864,7 +867,7 @@
           <a:p>
             <a:fld id="{1E7C2FAA-919F-4BF2-9DC6-6D7D1753D0B1}" type="datetimeFigureOut">
               <a:rPr lang="en-US" smtClean="0"/>
-              <a:t>5/3/2017</a:t>
+              <a:t>6/12/2017</a:t>
             </a:fld>
             <a:endParaRPr lang="en-US"/>
           </a:p>
@@ -1109,7 +1112,7 @@
           <a:p>
             <a:fld id="{1E7C2FAA-919F-4BF2-9DC6-6D7D1753D0B1}" type="datetimeFigureOut">
               <a:rPr lang="en-US" smtClean="0"/>
-              <a:t>5/3/2017</a:t>
+              <a:t>6/12/2017</a:t>
             </a:fld>
             <a:endParaRPr lang="en-US"/>
           </a:p>
@@ -1403,7 +1406,7 @@
           <a:p>
             <a:fld id="{1E7C2FAA-919F-4BF2-9DC6-6D7D1753D0B1}" type="datetimeFigureOut">
               <a:rPr lang="en-US" smtClean="0"/>
-              <a:t>5/3/2017</a:t>
+              <a:t>6/12/2017</a:t>
             </a:fld>
             <a:endParaRPr lang="en-US"/>
           </a:p>
@@ -1827,7 +1830,7 @@
           <a:p>
             <a:fld id="{1E7C2FAA-919F-4BF2-9DC6-6D7D1753D0B1}" type="datetimeFigureOut">
               <a:rPr lang="en-US" smtClean="0"/>
-              <a:t>5/3/2017</a:t>
+              <a:t>6/12/2017</a:t>
             </a:fld>
             <a:endParaRPr lang="en-US"/>
           </a:p>
@@ -1944,7 +1947,7 @@
           <a:p>
             <a:fld id="{1E7C2FAA-919F-4BF2-9DC6-6D7D1753D0B1}" type="datetimeFigureOut">
               <a:rPr lang="en-US" smtClean="0"/>
-              <a:t>5/3/2017</a:t>
+              <a:t>6/12/2017</a:t>
             </a:fld>
             <a:endParaRPr lang="en-US"/>
           </a:p>
@@ -2039,7 +2042,7 @@
           <a:p>
             <a:fld id="{1E7C2FAA-919F-4BF2-9DC6-6D7D1753D0B1}" type="datetimeFigureOut">
               <a:rPr lang="en-US" smtClean="0"/>
-              <a:t>5/3/2017</a:t>
+              <a:t>6/12/2017</a:t>
             </a:fld>
             <a:endParaRPr lang="en-US"/>
           </a:p>
@@ -2317,7 +2320,7 @@
           <a:p>
             <a:fld id="{1E7C2FAA-919F-4BF2-9DC6-6D7D1753D0B1}" type="datetimeFigureOut">
               <a:rPr lang="en-US" smtClean="0"/>
-              <a:t>5/3/2017</a:t>
+              <a:t>6/12/2017</a:t>
             </a:fld>
             <a:endParaRPr lang="en-US"/>
           </a:p>
@@ -2575,7 +2578,7 @@
           <a:p>
             <a:fld id="{1E7C2FAA-919F-4BF2-9DC6-6D7D1753D0B1}" type="datetimeFigureOut">
               <a:rPr lang="en-US" smtClean="0"/>
-              <a:t>5/3/2017</a:t>
+              <a:t>6/12/2017</a:t>
             </a:fld>
             <a:endParaRPr lang="en-US"/>
           </a:p>
@@ -2832,7 +2835,7 @@
           <a:p>
             <a:fld id="{1E7C2FAA-919F-4BF2-9DC6-6D7D1753D0B1}" type="datetimeFigureOut">
               <a:rPr lang="en-US" smtClean="0"/>
-              <a:t>5/3/2017</a:t>
+              <a:t>6/12/2017</a:t>
             </a:fld>
             <a:endParaRPr lang="en-US"/>
           </a:p>
@@ -3261,6 +3264,13 @@
   <p:clrMapOvr>
     <a:masterClrMapping/>
   </p:clrMapOvr>
+  <p:timing>
+    <p:tnLst>
+      <p:par>
+        <p:cTn id="1" dur="indefinite" restart="never" nodeType="tmRoot"/>
+      </p:par>
+    </p:tnLst>
+  </p:timing>
 </p:sld>
 </file>
 
@@ -3297,15 +3307,19 @@
           <a:lstStyle/>
           <a:p>
             <a:r>
+              <a:rPr lang="en-US" dirty="0" smtClean="0"/>
+              <a:t>Add Activit</a:t>
+            </a:r>
+            <a:r>
               <a:rPr lang="en-US" dirty="0"/>
-              <a:t>Think of an Activity as a picture frame</a:t>
+              <a:t>y</a:t>
             </a:r>
           </a:p>
         </p:txBody>
       </p:sp>
       <p:pic>
         <p:nvPicPr>
-          <p:cNvPr id="1026" name="Picture 2" descr="C:\Users\brian.batchelor\AppData\Local\Microsoft\Windows\INetCache\IE\GT1NZ5PW\goldframe[1].png"/>
+          <p:cNvPr id="7172" name="Picture 4"/>
           <p:cNvPicPr>
             <a:picLocks noGrp="1" noChangeAspect="1" noChangeArrowheads="1"/>
           </p:cNvPicPr>
@@ -3328,94 +3342,54 @@
         </p:blipFill>
         <p:spPr bwMode="auto">
           <a:xfrm>
-            <a:off x="1166773" y="1631178"/>
-            <a:ext cx="3405227" cy="4201965"/>
+            <a:off x="2573620" y="1600200"/>
+            <a:ext cx="7044759" cy="4525963"/>
           </a:xfrm>
           <a:prstGeom prst="rect">
             <a:avLst/>
           </a:prstGeom>
           <a:noFill/>
+          <a:ln>
+            <a:noFill/>
+          </a:ln>
           <a:extLst>
             <a:ext uri="{909E8E84-426E-40DD-AFC4-6F175D3DCCD1}">
               <a14:hiddenFill xmlns:a14="http://schemas.microsoft.com/office/drawing/2010/main">
                 <a:solidFill>
-                  <a:srgbClr val="FFFFFF"/>
+                  <a:schemeClr val="accent1"/>
                 </a:solidFill>
               </a14:hiddenFill>
             </a:ext>
+            <a:ext uri="{91240B29-F687-4F45-9708-019B960494DF}">
+              <a14:hiddenLine xmlns:a14="http://schemas.microsoft.com/office/drawing/2010/main" w="9525">
+                <a:solidFill>
+                  <a:schemeClr val="tx1"/>
+                </a:solidFill>
+                <a:miter lim="800000"/>
+                <a:headEnd/>
+                <a:tailEnd/>
+              </a14:hiddenLine>
+            </a:ext>
           </a:extLst>
-        </p:spPr>
-      </p:pic>
-      <p:sp>
-        <p:nvSpPr>
-          <p:cNvPr id="5" name="TextBox 4"/>
-          <p:cNvSpPr txBox="1"/>
-          <p:nvPr/>
-        </p:nvSpPr>
-        <p:spPr>
-          <a:xfrm>
-            <a:off x="4785360" y="2865120"/>
-            <a:ext cx="1783080" cy="1569660"/>
-          </a:xfrm>
-          <a:prstGeom prst="rect">
-            <a:avLst/>
-          </a:prstGeom>
-          <a:noFill/>
-        </p:spPr>
-        <p:txBody>
-          <a:bodyPr wrap="square" rtlCol="0">
-            <a:spAutoFit/>
-          </a:bodyPr>
-          <a:lstStyle/>
-          <a:p>
-            <a:pPr algn="ctr"/>
-            <a:r>
-              <a:rPr lang="en-US" sz="9600" dirty="0"/>
-              <a:t>=</a:t>
-            </a:r>
-          </a:p>
-        </p:txBody>
-      </p:sp>
-      <p:pic>
-        <p:nvPicPr>
-          <p:cNvPr id="3" name="Picture 2"/>
-          <p:cNvPicPr>
-            <a:picLocks noChangeAspect="1"/>
-          </p:cNvPicPr>
-          <p:nvPr/>
-        </p:nvPicPr>
-        <p:blipFill>
-          <a:blip r:embed="rId3" cstate="print">
-            <a:extLst>
-              <a:ext uri="{28A0092B-C50C-407E-A947-70E740481C1C}">
-                <a14:useLocalDpi xmlns:a14="http://schemas.microsoft.com/office/drawing/2010/main" val="0"/>
-              </a:ext>
-            </a:extLst>
-          </a:blip>
-          <a:stretch>
-            <a:fillRect/>
-          </a:stretch>
-        </p:blipFill>
-        <p:spPr>
-          <a:xfrm>
-            <a:off x="6968217" y="1721921"/>
-            <a:ext cx="2427095" cy="4031673"/>
-          </a:xfrm>
-          <a:prstGeom prst="rect">
-            <a:avLst/>
-          </a:prstGeom>
         </p:spPr>
       </p:pic>
     </p:spTree>
     <p:extLst>
       <p:ext uri="{BB962C8B-B14F-4D97-AF65-F5344CB8AC3E}">
-        <p14:creationId xmlns:p14="http://schemas.microsoft.com/office/powerpoint/2010/main" val="229497108"/>
+        <p14:creationId xmlns:p14="http://schemas.microsoft.com/office/powerpoint/2010/main" val="228691394"/>
       </p:ext>
     </p:extLst>
   </p:cSld>
   <p:clrMapOvr>
     <a:masterClrMapping/>
   </p:clrMapOvr>
+  <p:timing>
+    <p:tnLst>
+      <p:par>
+        <p:cTn id="1" dur="indefinite" restart="never" nodeType="tmRoot"/>
+      </p:par>
+    </p:tnLst>
+  </p:timing>
 </p:sld>
 </file>
 
@@ -3451,448 +3425,70 @@
           <a:bodyPr/>
           <a:lstStyle/>
           <a:p>
-            <a:r>
-              <a:rPr lang="en-US" dirty="0"/>
-              <a:t>How Activity is like a Picture frame?</a:t>
-            </a:r>
+            <a:endParaRPr lang="en-US" dirty="0"/>
           </a:p>
         </p:txBody>
       </p:sp>
       <p:pic>
         <p:nvPicPr>
-          <p:cNvPr id="6" name="Content Placeholder 5"/>
+          <p:cNvPr id="4" name="Picture 2"/>
           <p:cNvPicPr>
-            <a:picLocks noGrp="1" noChangeAspect="1"/>
+            <a:picLocks noGrp="1" noChangeAspect="1" noChangeArrowheads="1"/>
           </p:cNvPicPr>
           <p:nvPr>
             <p:ph idx="1"/>
           </p:nvPr>
         </p:nvPicPr>
         <p:blipFill>
-          <a:blip r:embed="rId2" cstate="print">
+          <a:blip r:embed="rId2">
             <a:extLst>
               <a:ext uri="{28A0092B-C50C-407E-A947-70E740481C1C}">
                 <a14:useLocalDpi xmlns:a14="http://schemas.microsoft.com/office/drawing/2010/main" val="0"/>
               </a:ext>
             </a:extLst>
           </a:blip>
+          <a:srcRect/>
           <a:stretch>
             <a:fillRect/>
           </a:stretch>
         </p:blipFill>
-        <p:spPr>
+        <p:spPr bwMode="auto">
           <a:xfrm>
-            <a:off x="5633827" y="1528948"/>
-            <a:ext cx="2724660" cy="4525963"/>
-          </a:xfrm>
-          <a:ln>
-            <a:solidFill>
-              <a:schemeClr val="accent1"/>
-            </a:solidFill>
-          </a:ln>
-        </p:spPr>
-      </p:pic>
-      <p:grpSp>
-        <p:nvGrpSpPr>
-          <p:cNvPr id="43" name="Group 42"/>
-          <p:cNvGrpSpPr/>
-          <p:nvPr/>
-        </p:nvGrpSpPr>
-        <p:grpSpPr>
-          <a:xfrm>
-            <a:off x="512202" y="1983179"/>
-            <a:ext cx="7745513" cy="3707793"/>
-            <a:chOff x="760021" y="1983179"/>
-            <a:chExt cx="7745513" cy="3707793"/>
-          </a:xfrm>
-        </p:grpSpPr>
-        <p:sp>
-          <p:nvSpPr>
-            <p:cNvPr id="7" name="TextBox 6"/>
-            <p:cNvSpPr txBox="1"/>
-            <p:nvPr/>
-          </p:nvSpPr>
-          <p:spPr>
-            <a:xfrm>
-              <a:off x="760021" y="1983179"/>
-              <a:ext cx="5510150" cy="369332"/>
-            </a:xfrm>
-            <a:prstGeom prst="rect">
-              <a:avLst/>
-            </a:prstGeom>
-            <a:noFill/>
-          </p:spPr>
-          <p:txBody>
-            <a:bodyPr wrap="square" rtlCol="0">
-              <a:spAutoFit/>
-            </a:bodyPr>
-            <a:lstStyle/>
-            <a:p>
-              <a:pPr marL="285750" indent="-285750">
-                <a:buFont typeface="Arial" panose="020B0604020202020204" pitchFamily="34" charset="0"/>
-                <a:buChar char="•"/>
-              </a:pPr>
-              <a:r>
-                <a:rPr lang="en-US" dirty="0"/>
-                <a:t>Defines the dimensions</a:t>
-              </a:r>
-            </a:p>
-          </p:txBody>
-        </p:sp>
-        <p:cxnSp>
-          <p:nvCxnSpPr>
-            <p:cNvPr id="9" name="Straight Arrow Connector 8"/>
-            <p:cNvCxnSpPr/>
-            <p:nvPr/>
-          </p:nvCxnSpPr>
-          <p:spPr>
-            <a:xfrm>
-              <a:off x="7258199" y="2239747"/>
-              <a:ext cx="0" cy="3451225"/>
-            </a:xfrm>
-            <a:prstGeom prst="straightConnector1">
-              <a:avLst/>
-            </a:prstGeom>
-            <a:ln w="15875">
-              <a:headEnd type="arrow"/>
-              <a:tailEnd type="arrow"/>
-            </a:ln>
-          </p:spPr>
-          <p:style>
-            <a:lnRef idx="1">
-              <a:schemeClr val="accent1"/>
-            </a:lnRef>
-            <a:fillRef idx="0">
-              <a:schemeClr val="accent1"/>
-            </a:fillRef>
-            <a:effectRef idx="0">
-              <a:schemeClr val="accent1"/>
-            </a:effectRef>
-            <a:fontRef idx="minor">
-              <a:schemeClr val="tx1"/>
-            </a:fontRef>
-          </p:style>
-        </p:cxnSp>
-        <p:cxnSp>
-          <p:nvCxnSpPr>
-            <p:cNvPr id="16" name="Straight Arrow Connector 15"/>
-            <p:cNvCxnSpPr/>
-            <p:nvPr/>
-          </p:nvCxnSpPr>
-          <p:spPr>
-            <a:xfrm>
-              <a:off x="5902035" y="3946309"/>
-              <a:ext cx="2603499" cy="0"/>
-            </a:xfrm>
-            <a:prstGeom prst="straightConnector1">
-              <a:avLst/>
-            </a:prstGeom>
-            <a:ln w="15875">
-              <a:headEnd type="arrow"/>
-              <a:tailEnd type="arrow"/>
-            </a:ln>
-          </p:spPr>
-          <p:style>
-            <a:lnRef idx="1">
-              <a:schemeClr val="accent1"/>
-            </a:lnRef>
-            <a:fillRef idx="0">
-              <a:schemeClr val="accent1"/>
-            </a:fillRef>
-            <a:effectRef idx="0">
-              <a:schemeClr val="accent1"/>
-            </a:effectRef>
-            <a:fontRef idx="minor">
-              <a:schemeClr val="tx1"/>
-            </a:fontRef>
-          </p:style>
-        </p:cxnSp>
-      </p:grpSp>
-      <p:sp>
-        <p:nvSpPr>
-          <p:cNvPr id="31" name="Title 1"/>
-          <p:cNvSpPr txBox="1">
-            <a:spLocks/>
-          </p:cNvSpPr>
-          <p:nvPr/>
-        </p:nvSpPr>
-        <p:spPr>
-          <a:xfrm>
-            <a:off x="829713" y="365125"/>
-            <a:ext cx="10515600" cy="1325563"/>
+            <a:off x="3152284" y="1600200"/>
+            <a:ext cx="5887431" cy="4525963"/>
           </a:xfrm>
           <a:prstGeom prst="rect">
             <a:avLst/>
           </a:prstGeom>
-        </p:spPr>
-        <p:txBody>
-          <a:bodyPr vert="horz" lIns="91440" tIns="45720" rIns="91440" bIns="45720" rtlCol="0" anchor="ctr">
-            <a:normAutofit/>
-          </a:bodyPr>
-          <a:lstStyle>
-            <a:lvl1pPr algn="l" defTabSz="914400" rtl="0" eaLnBrk="1" latinLnBrk="0" hangingPunct="1">
-              <a:lnSpc>
-                <a:spcPct val="90000"/>
-              </a:lnSpc>
-              <a:spcBef>
-                <a:spcPct val="0"/>
-              </a:spcBef>
-              <a:buNone/>
-              <a:defRPr sz="4400" kern="1200">
+          <a:noFill/>
+          <a:ln>
+            <a:noFill/>
+          </a:ln>
+          <a:extLst>
+            <a:ext uri="{909E8E84-426E-40DD-AFC4-6F175D3DCCD1}">
+              <a14:hiddenFill xmlns:a14="http://schemas.microsoft.com/office/drawing/2010/main">
+                <a:solidFill>
+                  <a:schemeClr val="accent1"/>
+                </a:solidFill>
+              </a14:hiddenFill>
+            </a:ext>
+            <a:ext uri="{91240B29-F687-4F45-9708-019B960494DF}">
+              <a14:hiddenLine xmlns:a14="http://schemas.microsoft.com/office/drawing/2010/main" w="9525">
                 <a:solidFill>
                   <a:schemeClr val="tx1"/>
                 </a:solidFill>
-                <a:latin typeface="+mj-lt"/>
-                <a:ea typeface="+mj-ea"/>
-                <a:cs typeface="+mj-cs"/>
-              </a:defRPr>
-            </a:lvl1pPr>
-          </a:lstStyle>
-          <a:p>
-            <a:endParaRPr lang="en-US" dirty="0"/>
-          </a:p>
-        </p:txBody>
-      </p:sp>
-      <p:grpSp>
-        <p:nvGrpSpPr>
-          <p:cNvPr id="45" name="Group 44"/>
-          <p:cNvGrpSpPr/>
-          <p:nvPr/>
-        </p:nvGrpSpPr>
-        <p:grpSpPr>
-          <a:xfrm>
-            <a:off x="512202" y="2322030"/>
-            <a:ext cx="11218470" cy="2778947"/>
-            <a:chOff x="760021" y="2352511"/>
-            <a:chExt cx="11218470" cy="2778947"/>
-          </a:xfrm>
-        </p:grpSpPr>
-        <p:grpSp>
-          <p:nvGrpSpPr>
-            <p:cNvPr id="23" name="Group 22"/>
-            <p:cNvGrpSpPr/>
-            <p:nvPr/>
-          </p:nvGrpSpPr>
-          <p:grpSpPr>
-            <a:xfrm>
-              <a:off x="760021" y="2352511"/>
-              <a:ext cx="11218470" cy="2778947"/>
-              <a:chOff x="760021" y="2352511"/>
-              <a:chExt cx="11218470" cy="2778947"/>
-            </a:xfrm>
-          </p:grpSpPr>
-          <p:pic>
-            <p:nvPicPr>
-              <p:cNvPr id="22" name="Picture 21"/>
-              <p:cNvPicPr>
-                <a:picLocks noChangeAspect="1"/>
-              </p:cNvPicPr>
-              <p:nvPr/>
-            </p:nvPicPr>
-            <p:blipFill>
-              <a:blip r:embed="rId3" cstate="print">
-                <a:extLst>
-                  <a:ext uri="{28A0092B-C50C-407E-A947-70E740481C1C}">
-                    <a14:useLocalDpi xmlns:a14="http://schemas.microsoft.com/office/drawing/2010/main" val="0"/>
-                  </a:ext>
-                </a:extLst>
-              </a:blip>
-              <a:stretch>
-                <a:fillRect/>
-              </a:stretch>
-            </p:blipFill>
-            <p:spPr>
-              <a:xfrm>
-                <a:off x="8835242" y="3239201"/>
-                <a:ext cx="3143249" cy="1892257"/>
-              </a:xfrm>
-              <a:prstGeom prst="rect">
-                <a:avLst/>
-              </a:prstGeom>
-            </p:spPr>
-          </p:pic>
-          <p:sp>
-            <p:nvSpPr>
-              <p:cNvPr id="21" name="TextBox 20"/>
-              <p:cNvSpPr txBox="1"/>
-              <p:nvPr/>
-            </p:nvSpPr>
-            <p:spPr>
-              <a:xfrm>
-                <a:off x="760021" y="2352511"/>
-                <a:ext cx="5094514" cy="369332"/>
-              </a:xfrm>
-              <a:prstGeom prst="rect">
-                <a:avLst/>
-              </a:prstGeom>
-              <a:noFill/>
-            </p:spPr>
-            <p:txBody>
-              <a:bodyPr wrap="square" rtlCol="0">
-                <a:spAutoFit/>
-              </a:bodyPr>
-              <a:lstStyle/>
-              <a:p>
-                <a:pPr marL="285750" indent="-285750">
-                  <a:buFont typeface="Arial" panose="020B0604020202020204" pitchFamily="34" charset="0"/>
-                  <a:buChar char="•"/>
-                </a:pPr>
-                <a:r>
-                  <a:rPr lang="en-US" dirty="0"/>
-                  <a:t>Defines orientation, either portrait or landscape </a:t>
-                </a:r>
-              </a:p>
-            </p:txBody>
-          </p:sp>
-        </p:grpSp>
-        <p:pic>
-          <p:nvPicPr>
-            <p:cNvPr id="38" name="Picture 37"/>
-            <p:cNvPicPr>
-              <a:picLocks noChangeAspect="1"/>
-            </p:cNvPicPr>
-            <p:nvPr/>
-          </p:nvPicPr>
-          <p:blipFill>
-            <a:blip r:embed="rId4" cstate="print">
-              <a:extLst>
-                <a:ext uri="{28A0092B-C50C-407E-A947-70E740481C1C}">
-                  <a14:useLocalDpi xmlns:a14="http://schemas.microsoft.com/office/drawing/2010/main" val="0"/>
-                </a:ext>
-              </a:extLst>
-            </a:blip>
-            <a:stretch>
-              <a:fillRect/>
-            </a:stretch>
-          </p:blipFill>
-          <p:spPr>
-            <a:xfrm>
-              <a:off x="8826755" y="3239201"/>
-              <a:ext cx="3143249" cy="1892256"/>
-            </a:xfrm>
-            <a:prstGeom prst="rect">
-              <a:avLst/>
-            </a:prstGeom>
-            <a:ln>
-              <a:solidFill>
-                <a:schemeClr val="accent1"/>
-              </a:solidFill>
-            </a:ln>
-          </p:spPr>
-        </p:pic>
-      </p:grpSp>
-      <p:grpSp>
-        <p:nvGrpSpPr>
-          <p:cNvPr id="46" name="Group 45"/>
-          <p:cNvGrpSpPr/>
-          <p:nvPr/>
-        </p:nvGrpSpPr>
-        <p:grpSpPr>
-          <a:xfrm>
-            <a:off x="512202" y="1743427"/>
-            <a:ext cx="10970651" cy="1895447"/>
-            <a:chOff x="760021" y="1774661"/>
-            <a:chExt cx="10970651" cy="1895447"/>
-          </a:xfrm>
-        </p:grpSpPr>
-        <p:sp>
-          <p:nvSpPr>
-            <p:cNvPr id="24" name="TextBox 23"/>
-            <p:cNvSpPr txBox="1"/>
-            <p:nvPr/>
-          </p:nvSpPr>
-          <p:spPr>
-            <a:xfrm>
-              <a:off x="760021" y="2721843"/>
-              <a:ext cx="5094514" cy="369332"/>
-            </a:xfrm>
-            <a:prstGeom prst="rect">
-              <a:avLst/>
-            </a:prstGeom>
-            <a:noFill/>
-          </p:spPr>
-          <p:txBody>
-            <a:bodyPr wrap="square" rtlCol="0">
-              <a:spAutoFit/>
-            </a:bodyPr>
-            <a:lstStyle/>
-            <a:p>
-              <a:pPr marL="285750" indent="-285750">
-                <a:buFont typeface="Arial" panose="020B0604020202020204" pitchFamily="34" charset="0"/>
-                <a:buChar char="•"/>
-              </a:pPr>
-              <a:r>
-                <a:rPr lang="en-US" dirty="0"/>
-                <a:t>Defines the decorations </a:t>
-              </a:r>
-            </a:p>
-          </p:txBody>
-        </p:sp>
-        <p:pic>
-          <p:nvPicPr>
-            <p:cNvPr id="33" name="Picture 32"/>
-            <p:cNvPicPr>
-              <a:picLocks noChangeAspect="1"/>
-            </p:cNvPicPr>
-            <p:nvPr/>
-          </p:nvPicPr>
-          <p:blipFill>
-            <a:blip r:embed="rId5" cstate="print">
-              <a:extLst>
-                <a:ext uri="{28A0092B-C50C-407E-A947-70E740481C1C}">
-                  <a14:useLocalDpi xmlns:a14="http://schemas.microsoft.com/office/drawing/2010/main" val="0"/>
-                </a:ext>
-              </a:extLst>
-            </a:blip>
-            <a:stretch>
-              <a:fillRect/>
-            </a:stretch>
-          </p:blipFill>
-          <p:spPr>
-            <a:xfrm>
-              <a:off x="7909500" y="1774661"/>
-              <a:ext cx="388947" cy="376918"/>
-            </a:xfrm>
-            <a:prstGeom prst="rect">
-              <a:avLst/>
-            </a:prstGeom>
-          </p:spPr>
-        </p:pic>
-        <p:pic>
-          <p:nvPicPr>
-            <p:cNvPr id="36" name="Picture 35"/>
-            <p:cNvPicPr>
-              <a:picLocks noChangeAspect="1"/>
-            </p:cNvPicPr>
-            <p:nvPr/>
-          </p:nvPicPr>
-          <p:blipFill>
-            <a:blip r:embed="rId6" cstate="print">
-              <a:extLst>
-                <a:ext uri="{28A0092B-C50C-407E-A947-70E740481C1C}">
-                  <a14:useLocalDpi xmlns:a14="http://schemas.microsoft.com/office/drawing/2010/main" val="0"/>
-                </a:ext>
-              </a:extLst>
-            </a:blip>
-            <a:stretch>
-              <a:fillRect/>
-            </a:stretch>
-          </p:blipFill>
-          <p:spPr>
-            <a:xfrm>
-              <a:off x="11436082" y="3384628"/>
-              <a:ext cx="294590" cy="285480"/>
-            </a:xfrm>
-            <a:prstGeom prst="rect">
-              <a:avLst/>
-            </a:prstGeom>
-          </p:spPr>
-        </p:pic>
-      </p:grpSp>
+                <a:miter lim="800000"/>
+                <a:headEnd/>
+                <a:tailEnd/>
+              </a14:hiddenLine>
+            </a:ext>
+          </a:extLst>
+        </p:spPr>
+      </p:pic>
     </p:spTree>
     <p:extLst>
       <p:ext uri="{BB962C8B-B14F-4D97-AF65-F5344CB8AC3E}">
-        <p14:creationId xmlns:p14="http://schemas.microsoft.com/office/powerpoint/2010/main" val="3032130924"/>
+        <p14:creationId xmlns:p14="http://schemas.microsoft.com/office/powerpoint/2010/main" val="3559607325"/>
       </p:ext>
     </p:extLst>
   </p:cSld>
@@ -3902,327 +3498,7 @@
   <p:timing>
     <p:tnLst>
       <p:par>
-        <p:cTn id="1" dur="indefinite" restart="never" nodeType="tmRoot">
-          <p:childTnLst>
-            <p:seq concurrent="1" nextAc="seek">
-              <p:cTn id="2" dur="indefinite" nodeType="mainSeq">
-                <p:childTnLst>
-                  <p:par>
-                    <p:cTn id="3" fill="hold">
-                      <p:stCondLst>
-                        <p:cond delay="indefinite"/>
-                      </p:stCondLst>
-                      <p:childTnLst>
-                        <p:par>
-                          <p:cTn id="4" fill="hold">
-                            <p:stCondLst>
-                              <p:cond delay="0"/>
-                            </p:stCondLst>
-                            <p:childTnLst>
-                              <p:par>
-                                <p:cTn id="5" presetID="53" presetClass="entr" presetSubtype="16" fill="hold" nodeType="clickEffect">
-                                  <p:stCondLst>
-                                    <p:cond delay="0"/>
-                                  </p:stCondLst>
-                                  <p:childTnLst>
-                                    <p:set>
-                                      <p:cBhvr>
-                                        <p:cTn id="6" dur="1" fill="hold">
-                                          <p:stCondLst>
-                                            <p:cond delay="0"/>
-                                          </p:stCondLst>
-                                        </p:cTn>
-                                        <p:tgtEl>
-                                          <p:spTgt spid="43"/>
-                                        </p:tgtEl>
-                                        <p:attrNameLst>
-                                          <p:attrName>style.visibility</p:attrName>
-                                        </p:attrNameLst>
-                                      </p:cBhvr>
-                                      <p:to>
-                                        <p:strVal val="visible"/>
-                                      </p:to>
-                                    </p:set>
-                                    <p:anim calcmode="lin" valueType="num">
-                                      <p:cBhvr>
-                                        <p:cTn id="7" dur="500" fill="hold"/>
-                                        <p:tgtEl>
-                                          <p:spTgt spid="43"/>
-                                        </p:tgtEl>
-                                        <p:attrNameLst>
-                                          <p:attrName>ppt_w</p:attrName>
-                                        </p:attrNameLst>
-                                      </p:cBhvr>
-                                      <p:tavLst>
-                                        <p:tav tm="0">
-                                          <p:val>
-                                            <p:fltVal val="0"/>
-                                          </p:val>
-                                        </p:tav>
-                                        <p:tav tm="100000">
-                                          <p:val>
-                                            <p:strVal val="#ppt_w"/>
-                                          </p:val>
-                                        </p:tav>
-                                      </p:tavLst>
-                                    </p:anim>
-                                    <p:anim calcmode="lin" valueType="num">
-                                      <p:cBhvr>
-                                        <p:cTn id="8" dur="500" fill="hold"/>
-                                        <p:tgtEl>
-                                          <p:spTgt spid="43"/>
-                                        </p:tgtEl>
-                                        <p:attrNameLst>
-                                          <p:attrName>ppt_h</p:attrName>
-                                        </p:attrNameLst>
-                                      </p:cBhvr>
-                                      <p:tavLst>
-                                        <p:tav tm="0">
-                                          <p:val>
-                                            <p:fltVal val="0"/>
-                                          </p:val>
-                                        </p:tav>
-                                        <p:tav tm="100000">
-                                          <p:val>
-                                            <p:strVal val="#ppt_h"/>
-                                          </p:val>
-                                        </p:tav>
-                                      </p:tavLst>
-                                    </p:anim>
-                                    <p:animEffect transition="in" filter="fade">
-                                      <p:cBhvr>
-                                        <p:cTn id="9" dur="500"/>
-                                        <p:tgtEl>
-                                          <p:spTgt spid="43"/>
-                                        </p:tgtEl>
-                                      </p:cBhvr>
-                                    </p:animEffect>
-                                  </p:childTnLst>
-                                </p:cTn>
-                              </p:par>
-                            </p:childTnLst>
-                          </p:cTn>
-                        </p:par>
-                      </p:childTnLst>
-                    </p:cTn>
-                  </p:par>
-                  <p:par>
-                    <p:cTn id="10" fill="hold">
-                      <p:stCondLst>
-                        <p:cond delay="indefinite"/>
-                      </p:stCondLst>
-                      <p:childTnLst>
-                        <p:par>
-                          <p:cTn id="11" fill="hold">
-                            <p:stCondLst>
-                              <p:cond delay="0"/>
-                            </p:stCondLst>
-                            <p:childTnLst>
-                              <p:par>
-                                <p:cTn id="12" presetID="53" presetClass="entr" presetSubtype="16" fill="hold" nodeType="clickEffect">
-                                  <p:stCondLst>
-                                    <p:cond delay="0"/>
-                                  </p:stCondLst>
-                                  <p:childTnLst>
-                                    <p:set>
-                                      <p:cBhvr>
-                                        <p:cTn id="13" dur="1" fill="hold">
-                                          <p:stCondLst>
-                                            <p:cond delay="0"/>
-                                          </p:stCondLst>
-                                        </p:cTn>
-                                        <p:tgtEl>
-                                          <p:spTgt spid="45"/>
-                                        </p:tgtEl>
-                                        <p:attrNameLst>
-                                          <p:attrName>style.visibility</p:attrName>
-                                        </p:attrNameLst>
-                                      </p:cBhvr>
-                                      <p:to>
-                                        <p:strVal val="visible"/>
-                                      </p:to>
-                                    </p:set>
-                                    <p:anim calcmode="lin" valueType="num">
-                                      <p:cBhvr>
-                                        <p:cTn id="14" dur="500" fill="hold"/>
-                                        <p:tgtEl>
-                                          <p:spTgt spid="45"/>
-                                        </p:tgtEl>
-                                        <p:attrNameLst>
-                                          <p:attrName>ppt_w</p:attrName>
-                                        </p:attrNameLst>
-                                      </p:cBhvr>
-                                      <p:tavLst>
-                                        <p:tav tm="0">
-                                          <p:val>
-                                            <p:fltVal val="0"/>
-                                          </p:val>
-                                        </p:tav>
-                                        <p:tav tm="100000">
-                                          <p:val>
-                                            <p:strVal val="#ppt_w"/>
-                                          </p:val>
-                                        </p:tav>
-                                      </p:tavLst>
-                                    </p:anim>
-                                    <p:anim calcmode="lin" valueType="num">
-                                      <p:cBhvr>
-                                        <p:cTn id="15" dur="500" fill="hold"/>
-                                        <p:tgtEl>
-                                          <p:spTgt spid="45"/>
-                                        </p:tgtEl>
-                                        <p:attrNameLst>
-                                          <p:attrName>ppt_h</p:attrName>
-                                        </p:attrNameLst>
-                                      </p:cBhvr>
-                                      <p:tavLst>
-                                        <p:tav tm="0">
-                                          <p:val>
-                                            <p:fltVal val="0"/>
-                                          </p:val>
-                                        </p:tav>
-                                        <p:tav tm="100000">
-                                          <p:val>
-                                            <p:strVal val="#ppt_h"/>
-                                          </p:val>
-                                        </p:tav>
-                                      </p:tavLst>
-                                    </p:anim>
-                                    <p:animEffect transition="in" filter="fade">
-                                      <p:cBhvr>
-                                        <p:cTn id="16" dur="500"/>
-                                        <p:tgtEl>
-                                          <p:spTgt spid="45"/>
-                                        </p:tgtEl>
-                                      </p:cBhvr>
-                                    </p:animEffect>
-                                  </p:childTnLst>
-                                </p:cTn>
-                              </p:par>
-                            </p:childTnLst>
-                          </p:cTn>
-                        </p:par>
-                      </p:childTnLst>
-                    </p:cTn>
-                  </p:par>
-                  <p:par>
-                    <p:cTn id="17" fill="hold">
-                      <p:stCondLst>
-                        <p:cond delay="indefinite"/>
-                      </p:stCondLst>
-                      <p:childTnLst>
-                        <p:par>
-                          <p:cTn id="18" fill="hold">
-                            <p:stCondLst>
-                              <p:cond delay="0"/>
-                            </p:stCondLst>
-                            <p:childTnLst>
-                              <p:par>
-                                <p:cTn id="19" presetID="53" presetClass="entr" presetSubtype="16" fill="hold" nodeType="clickEffect">
-                                  <p:stCondLst>
-                                    <p:cond delay="0"/>
-                                  </p:stCondLst>
-                                  <p:childTnLst>
-                                    <p:set>
-                                      <p:cBhvr>
-                                        <p:cTn id="20" dur="1" fill="hold">
-                                          <p:stCondLst>
-                                            <p:cond delay="0"/>
-                                          </p:stCondLst>
-                                        </p:cTn>
-                                        <p:tgtEl>
-                                          <p:spTgt spid="46"/>
-                                        </p:tgtEl>
-                                        <p:attrNameLst>
-                                          <p:attrName>style.visibility</p:attrName>
-                                        </p:attrNameLst>
-                                      </p:cBhvr>
-                                      <p:to>
-                                        <p:strVal val="visible"/>
-                                      </p:to>
-                                    </p:set>
-                                    <p:anim calcmode="lin" valueType="num">
-                                      <p:cBhvr>
-                                        <p:cTn id="21" dur="500" fill="hold"/>
-                                        <p:tgtEl>
-                                          <p:spTgt spid="46"/>
-                                        </p:tgtEl>
-                                        <p:attrNameLst>
-                                          <p:attrName>ppt_w</p:attrName>
-                                        </p:attrNameLst>
-                                      </p:cBhvr>
-                                      <p:tavLst>
-                                        <p:tav tm="0">
-                                          <p:val>
-                                            <p:fltVal val="0"/>
-                                          </p:val>
-                                        </p:tav>
-                                        <p:tav tm="100000">
-                                          <p:val>
-                                            <p:strVal val="#ppt_w"/>
-                                          </p:val>
-                                        </p:tav>
-                                      </p:tavLst>
-                                    </p:anim>
-                                    <p:anim calcmode="lin" valueType="num">
-                                      <p:cBhvr>
-                                        <p:cTn id="22" dur="500" fill="hold"/>
-                                        <p:tgtEl>
-                                          <p:spTgt spid="46"/>
-                                        </p:tgtEl>
-                                        <p:attrNameLst>
-                                          <p:attrName>ppt_h</p:attrName>
-                                        </p:attrNameLst>
-                                      </p:cBhvr>
-                                      <p:tavLst>
-                                        <p:tav tm="0">
-                                          <p:val>
-                                            <p:fltVal val="0"/>
-                                          </p:val>
-                                        </p:tav>
-                                        <p:tav tm="100000">
-                                          <p:val>
-                                            <p:strVal val="#ppt_h"/>
-                                          </p:val>
-                                        </p:tav>
-                                      </p:tavLst>
-                                    </p:anim>
-                                    <p:animEffect transition="in" filter="fade">
-                                      <p:cBhvr>
-                                        <p:cTn id="23" dur="500"/>
-                                        <p:tgtEl>
-                                          <p:spTgt spid="46"/>
-                                        </p:tgtEl>
-                                      </p:cBhvr>
-                                    </p:animEffect>
-                                  </p:childTnLst>
-                                </p:cTn>
-                              </p:par>
-                            </p:childTnLst>
-                          </p:cTn>
-                        </p:par>
-                      </p:childTnLst>
-                    </p:cTn>
-                  </p:par>
-                </p:childTnLst>
-              </p:cTn>
-              <p:prevCondLst>
-                <p:cond evt="onPrev" delay="0">
-                  <p:tgtEl>
-                    <p:sldTgt/>
-                  </p:tgtEl>
-                </p:cond>
-              </p:prevCondLst>
-              <p:nextCondLst>
-                <p:cond evt="onNext" delay="0">
-                  <p:tgtEl>
-                    <p:sldTgt/>
-                  </p:tgtEl>
-                </p:cond>
-              </p:nextCondLst>
-            </p:seq>
-          </p:childTnLst>
-        </p:cTn>
+        <p:cTn id="1" dur="indefinite" restart="never" nodeType="tmRoot"/>
       </p:par>
     </p:tnLst>
   </p:timing>
@@ -4248,7 +3524,222 @@
       </p:grpSpPr>
       <p:sp>
         <p:nvSpPr>
-          <p:cNvPr id="2" name="Title 1"/>
+          <p:cNvPr id="5" name="Rectangle 4"/>
+          <p:cNvSpPr/>
+          <p:nvPr/>
+        </p:nvSpPr>
+        <p:spPr>
+          <a:xfrm>
+            <a:off x="914398" y="1630680"/>
+            <a:ext cx="1615442" cy="2811780"/>
+          </a:xfrm>
+          <a:prstGeom prst="rect">
+            <a:avLst/>
+          </a:prstGeom>
+          <a:noFill/>
+          <a:ln>
+            <a:solidFill>
+              <a:schemeClr val="accent6"/>
+            </a:solidFill>
+          </a:ln>
+        </p:spPr>
+        <p:style>
+          <a:lnRef idx="2">
+            <a:schemeClr val="accent1">
+              <a:shade val="50000"/>
+            </a:schemeClr>
+          </a:lnRef>
+          <a:fillRef idx="1">
+            <a:schemeClr val="accent1"/>
+          </a:fillRef>
+          <a:effectRef idx="0">
+            <a:schemeClr val="accent1"/>
+          </a:effectRef>
+          <a:fontRef idx="minor">
+            <a:schemeClr val="lt1"/>
+          </a:fontRef>
+        </p:style>
+        <p:txBody>
+          <a:bodyPr rtlCol="0" anchor="ctr"/>
+          <a:lstStyle/>
+          <a:p>
+            <a:pPr algn="ctr"/>
+            <a:endParaRPr lang="en-US"/>
+          </a:p>
+        </p:txBody>
+      </p:sp>
+      <p:grpSp>
+        <p:nvGrpSpPr>
+          <p:cNvPr id="7" name="Group 6"/>
+          <p:cNvGrpSpPr/>
+          <p:nvPr/>
+        </p:nvGrpSpPr>
+        <p:grpSpPr>
+          <a:xfrm>
+            <a:off x="570014" y="1526734"/>
+            <a:ext cx="6300789" cy="4558639"/>
+            <a:chOff x="723900" y="1081199"/>
+            <a:chExt cx="6448425" cy="4780460"/>
+          </a:xfrm>
+        </p:grpSpPr>
+        <p:pic>
+          <p:nvPicPr>
+            <p:cNvPr id="1028" name="Picture 4"/>
+            <p:cNvPicPr>
+              <a:picLocks noChangeAspect="1" noChangeArrowheads="1"/>
+            </p:cNvPicPr>
+            <p:nvPr/>
+          </p:nvPicPr>
+          <p:blipFill>
+            <a:blip r:embed="rId2">
+              <a:extLst>
+                <a:ext uri="{28A0092B-C50C-407E-A947-70E740481C1C}">
+                  <a14:useLocalDpi xmlns:a14="http://schemas.microsoft.com/office/drawing/2010/main" val="0"/>
+                </a:ext>
+              </a:extLst>
+            </a:blip>
+            <a:srcRect/>
+            <a:stretch>
+              <a:fillRect/>
+            </a:stretch>
+          </p:blipFill>
+          <p:spPr bwMode="auto">
+            <a:xfrm>
+              <a:off x="723900" y="1081199"/>
+              <a:ext cx="2497010" cy="4780460"/>
+            </a:xfrm>
+            <a:prstGeom prst="rect">
+              <a:avLst/>
+            </a:prstGeom>
+            <a:noFill/>
+            <a:ln>
+              <a:noFill/>
+            </a:ln>
+            <a:extLst>
+              <a:ext uri="{909E8E84-426E-40DD-AFC4-6F175D3DCCD1}">
+                <a14:hiddenFill xmlns:a14="http://schemas.microsoft.com/office/drawing/2010/main">
+                  <a:solidFill>
+                    <a:schemeClr val="accent1"/>
+                  </a:solidFill>
+                </a14:hiddenFill>
+              </a:ext>
+              <a:ext uri="{91240B29-F687-4F45-9708-019B960494DF}">
+                <a14:hiddenLine xmlns:a14="http://schemas.microsoft.com/office/drawing/2010/main" w="9525">
+                  <a:solidFill>
+                    <a:schemeClr val="tx1"/>
+                  </a:solidFill>
+                  <a:miter lim="800000"/>
+                  <a:headEnd/>
+                  <a:tailEnd/>
+                </a14:hiddenLine>
+              </a:ext>
+            </a:extLst>
+          </p:spPr>
+        </p:pic>
+        <p:pic>
+          <p:nvPicPr>
+            <p:cNvPr id="1029" name="Picture 5"/>
+            <p:cNvPicPr>
+              <a:picLocks noChangeAspect="1" noChangeArrowheads="1"/>
+            </p:cNvPicPr>
+            <p:nvPr/>
+          </p:nvPicPr>
+          <p:blipFill>
+            <a:blip r:embed="rId3" cstate="print">
+              <a:extLst>
+                <a:ext uri="{28A0092B-C50C-407E-A947-70E740481C1C}">
+                  <a14:useLocalDpi xmlns:a14="http://schemas.microsoft.com/office/drawing/2010/main" val="0"/>
+                </a:ext>
+              </a:extLst>
+            </a:blip>
+            <a:srcRect/>
+            <a:stretch>
+              <a:fillRect/>
+            </a:stretch>
+          </p:blipFill>
+          <p:spPr bwMode="auto">
+            <a:xfrm>
+              <a:off x="3990975" y="1134539"/>
+              <a:ext cx="3181350" cy="2445663"/>
+            </a:xfrm>
+            <a:prstGeom prst="rect">
+              <a:avLst/>
+            </a:prstGeom>
+            <a:noFill/>
+            <a:ln>
+              <a:noFill/>
+            </a:ln>
+            <a:extLst>
+              <a:ext uri="{909E8E84-426E-40DD-AFC4-6F175D3DCCD1}">
+                <a14:hiddenFill xmlns:a14="http://schemas.microsoft.com/office/drawing/2010/main">
+                  <a:solidFill>
+                    <a:schemeClr val="accent1"/>
+                  </a:solidFill>
+                </a14:hiddenFill>
+              </a:ext>
+              <a:ext uri="{91240B29-F687-4F45-9708-019B960494DF}">
+                <a14:hiddenLine xmlns:a14="http://schemas.microsoft.com/office/drawing/2010/main" w="9525">
+                  <a:solidFill>
+                    <a:schemeClr val="tx1"/>
+                  </a:solidFill>
+                  <a:miter lim="800000"/>
+                  <a:headEnd/>
+                  <a:tailEnd/>
+                </a14:hiddenLine>
+              </a:ext>
+            </a:extLst>
+          </p:spPr>
+        </p:pic>
+        <p:sp>
+          <p:nvSpPr>
+            <p:cNvPr id="14" name="Rectangle 13"/>
+            <p:cNvSpPr/>
+            <p:nvPr/>
+          </p:nvSpPr>
+          <p:spPr>
+            <a:xfrm>
+              <a:off x="4000500" y="1303020"/>
+              <a:ext cx="754380" cy="1463040"/>
+            </a:xfrm>
+            <a:prstGeom prst="rect">
+              <a:avLst/>
+            </a:prstGeom>
+            <a:noFill/>
+            <a:ln>
+              <a:solidFill>
+                <a:schemeClr val="accent6"/>
+              </a:solidFill>
+            </a:ln>
+          </p:spPr>
+          <p:style>
+            <a:lnRef idx="2">
+              <a:schemeClr val="accent1">
+                <a:shade val="50000"/>
+              </a:schemeClr>
+            </a:lnRef>
+            <a:fillRef idx="1">
+              <a:schemeClr val="accent1"/>
+            </a:fillRef>
+            <a:effectRef idx="0">
+              <a:schemeClr val="accent1"/>
+            </a:effectRef>
+            <a:fontRef idx="minor">
+              <a:schemeClr val="lt1"/>
+            </a:fontRef>
+          </p:style>
+          <p:txBody>
+            <a:bodyPr rtlCol="0" anchor="ctr"/>
+            <a:lstStyle/>
+            <a:p>
+              <a:pPr algn="ctr"/>
+              <a:endParaRPr lang="en-US"/>
+            </a:p>
+          </p:txBody>
+        </p:sp>
+      </p:grpSp>
+      <p:sp>
+        <p:nvSpPr>
+          <p:cNvPr id="15" name="Title 1"/>
           <p:cNvSpPr>
             <a:spLocks noGrp="1"/>
           </p:cNvSpPr>
@@ -4259,90 +3750,38 @@
         <p:spPr>
           <a:xfrm>
             <a:off x="0" y="457200"/>
-            <a:ext cx="8098971" cy="1143000"/>
+            <a:ext cx="7112000" cy="1143000"/>
           </a:xfrm>
         </p:spPr>
         <p:txBody>
-          <a:bodyPr>
-            <a:normAutofit/>
-          </a:bodyPr>
-          <a:lstStyle/>
-          <a:p>
-            <a:r>
-              <a:rPr lang="en-US" dirty="0"/>
-              <a:t>Fragment</a:t>
-            </a:r>
-            <a:br>
-              <a:rPr lang="en-US" dirty="0"/>
-            </a:br>
-            <a:r>
-              <a:rPr lang="en-US" sz="2200" dirty="0">
-                <a:hlinkClick r:id="rId2"/>
-              </a:rPr>
-              <a:t>https://developer.android.com/guide/components/fragments.html</a:t>
+          <a:bodyPr/>
+          <a:lstStyle/>
+          <a:p>
+            <a:r>
+              <a:rPr lang="en-US" dirty="0" smtClean="0"/>
+              <a:t>Project Pane</a:t>
             </a:r>
             <a:endParaRPr lang="en-US" dirty="0"/>
-          </a:p>
-        </p:txBody>
-      </p:sp>
-      <p:sp>
-        <p:nvSpPr>
-          <p:cNvPr id="3" name="Content Placeholder 2"/>
-          <p:cNvSpPr>
-            <a:spLocks noGrp="1"/>
-          </p:cNvSpPr>
-          <p:nvPr>
-            <p:ph idx="1"/>
-          </p:nvPr>
-        </p:nvSpPr>
-        <p:spPr/>
-        <p:txBody>
-          <a:bodyPr/>
-          <a:lstStyle/>
-          <a:p>
-            <a:r>
-              <a:rPr lang="en-US" dirty="0"/>
-              <a:t>View and Layout logic</a:t>
-            </a:r>
-          </a:p>
-          <a:p>
-            <a:r>
-              <a:rPr lang="en-US" dirty="0"/>
-              <a:t>Event handling (i.e. </a:t>
-            </a:r>
-            <a:r>
-              <a:rPr lang="en-US" dirty="0" err="1"/>
-              <a:t>onClick</a:t>
-            </a:r>
-            <a:r>
-              <a:rPr lang="en-US" dirty="0"/>
-              <a:t>())</a:t>
-            </a:r>
-          </a:p>
-          <a:p>
-            <a:r>
-              <a:rPr lang="en-US" dirty="0"/>
-              <a:t>Network request </a:t>
-            </a:r>
-          </a:p>
-          <a:p>
-            <a:r>
-              <a:rPr lang="en-US" dirty="0"/>
-              <a:t>Interacting with a persistence storage</a:t>
-            </a:r>
           </a:p>
         </p:txBody>
       </p:sp>
     </p:spTree>
     <p:extLst>
       <p:ext uri="{BB962C8B-B14F-4D97-AF65-F5344CB8AC3E}">
-        <p14:creationId xmlns:p14="http://schemas.microsoft.com/office/powerpoint/2010/main" val="1806338854"/>
+        <p14:creationId xmlns:p14="http://schemas.microsoft.com/office/powerpoint/2010/main" val="3421362991"/>
       </p:ext>
     </p:extLst>
   </p:cSld>
   <p:clrMapOvr>
     <a:masterClrMapping/>
   </p:clrMapOvr>
+  <p:timing>
+    <p:tnLst>
+      <p:par>
+        <p:cTn id="1" dur="indefinite" restart="never" nodeType="tmRoot"/>
+      </p:par>
+    </p:tnLst>
+  </p:timing>
 </p:sld>
 </file>
 
@@ -4363,9 +3802,178 @@
           <a:chExt cx="0" cy="0"/>
         </a:xfrm>
       </p:grpSpPr>
-      <p:sp>
-        <p:nvSpPr>
-          <p:cNvPr id="2" name="Title 1"/>
+      <p:grpSp>
+        <p:nvGrpSpPr>
+          <p:cNvPr id="2" name="Group 1"/>
+          <p:cNvGrpSpPr/>
+          <p:nvPr/>
+        </p:nvGrpSpPr>
+        <p:grpSpPr>
+          <a:xfrm>
+            <a:off x="1193800" y="1488699"/>
+            <a:ext cx="3118256" cy="2332180"/>
+            <a:chOff x="3879547" y="1323599"/>
+            <a:chExt cx="3118256" cy="2332180"/>
+          </a:xfrm>
+        </p:grpSpPr>
+        <p:pic>
+          <p:nvPicPr>
+            <p:cNvPr id="4" name="Picture 5"/>
+            <p:cNvPicPr>
+              <a:picLocks noChangeAspect="1" noChangeArrowheads="1"/>
+            </p:cNvPicPr>
+            <p:nvPr/>
+          </p:nvPicPr>
+          <p:blipFill>
+            <a:blip r:embed="rId2" cstate="print">
+              <a:extLst>
+                <a:ext uri="{28A0092B-C50C-407E-A947-70E740481C1C}">
+                  <a14:useLocalDpi xmlns:a14="http://schemas.microsoft.com/office/drawing/2010/main" val="0"/>
+                </a:ext>
+              </a:extLst>
+            </a:blip>
+            <a:srcRect/>
+            <a:stretch>
+              <a:fillRect/>
+            </a:stretch>
+          </p:blipFill>
+          <p:spPr bwMode="auto">
+            <a:xfrm>
+              <a:off x="3889290" y="1323599"/>
+              <a:ext cx="3108513" cy="2332180"/>
+            </a:xfrm>
+            <a:prstGeom prst="rect">
+              <a:avLst/>
+            </a:prstGeom>
+            <a:noFill/>
+            <a:ln>
+              <a:noFill/>
+            </a:ln>
+            <a:extLst>
+              <a:ext uri="{909E8E84-426E-40DD-AFC4-6F175D3DCCD1}">
+                <a14:hiddenFill xmlns:a14="http://schemas.microsoft.com/office/drawing/2010/main">
+                  <a:solidFill>
+                    <a:schemeClr val="accent1"/>
+                  </a:solidFill>
+                </a14:hiddenFill>
+              </a:ext>
+              <a:ext uri="{91240B29-F687-4F45-9708-019B960494DF}">
+                <a14:hiddenLine xmlns:a14="http://schemas.microsoft.com/office/drawing/2010/main" w="9525">
+                  <a:solidFill>
+                    <a:schemeClr val="tx1"/>
+                  </a:solidFill>
+                  <a:miter lim="800000"/>
+                  <a:headEnd/>
+                  <a:tailEnd/>
+                </a14:hiddenLine>
+              </a:ext>
+            </a:extLst>
+          </p:spPr>
+        </p:pic>
+        <p:sp>
+          <p:nvSpPr>
+            <p:cNvPr id="6" name="Rectangle 5"/>
+            <p:cNvSpPr/>
+            <p:nvPr/>
+          </p:nvSpPr>
+          <p:spPr>
+            <a:xfrm>
+              <a:off x="3879547" y="2870200"/>
+              <a:ext cx="3118256" cy="783915"/>
+            </a:xfrm>
+            <a:prstGeom prst="rect">
+              <a:avLst/>
+            </a:prstGeom>
+            <a:noFill/>
+            <a:ln>
+              <a:solidFill>
+                <a:schemeClr val="accent6"/>
+              </a:solidFill>
+            </a:ln>
+          </p:spPr>
+          <p:style>
+            <a:lnRef idx="2">
+              <a:schemeClr val="accent1">
+                <a:shade val="50000"/>
+              </a:schemeClr>
+            </a:lnRef>
+            <a:fillRef idx="1">
+              <a:schemeClr val="accent1"/>
+            </a:fillRef>
+            <a:effectRef idx="0">
+              <a:schemeClr val="accent1"/>
+            </a:effectRef>
+            <a:fontRef idx="minor">
+              <a:schemeClr val="lt1"/>
+            </a:fontRef>
+          </p:style>
+          <p:txBody>
+            <a:bodyPr rtlCol="0" anchor="ctr"/>
+            <a:lstStyle/>
+            <a:p>
+              <a:pPr algn="ctr"/>
+              <a:endParaRPr lang="en-US"/>
+            </a:p>
+          </p:txBody>
+        </p:sp>
+      </p:grpSp>
+      <p:pic>
+        <p:nvPicPr>
+          <p:cNvPr id="8194" name="Picture 2"/>
+          <p:cNvPicPr>
+            <a:picLocks noChangeAspect="1" noChangeArrowheads="1"/>
+          </p:cNvPicPr>
+          <p:nvPr/>
+        </p:nvPicPr>
+        <p:blipFill>
+          <a:blip r:embed="rId3">
+            <a:extLst>
+              <a:ext uri="{28A0092B-C50C-407E-A947-70E740481C1C}">
+                <a14:useLocalDpi xmlns:a14="http://schemas.microsoft.com/office/drawing/2010/main" val="0"/>
+              </a:ext>
+            </a:extLst>
+          </a:blip>
+          <a:srcRect/>
+          <a:stretch>
+            <a:fillRect/>
+          </a:stretch>
+        </p:blipFill>
+        <p:spPr bwMode="auto">
+          <a:xfrm>
+            <a:off x="1193800" y="3909779"/>
+            <a:ext cx="8697913" cy="2138266"/>
+          </a:xfrm>
+          <a:prstGeom prst="rect">
+            <a:avLst/>
+          </a:prstGeom>
+          <a:noFill/>
+          <a:ln>
+            <a:noFill/>
+          </a:ln>
+          <a:extLst>
+            <a:ext uri="{909E8E84-426E-40DD-AFC4-6F175D3DCCD1}">
+              <a14:hiddenFill xmlns:a14="http://schemas.microsoft.com/office/drawing/2010/main">
+                <a:solidFill>
+                  <a:schemeClr val="accent1"/>
+                </a:solidFill>
+              </a14:hiddenFill>
+            </a:ext>
+            <a:ext uri="{91240B29-F687-4F45-9708-019B960494DF}">
+              <a14:hiddenLine xmlns:a14="http://schemas.microsoft.com/office/drawing/2010/main" w="9525">
+                <a:solidFill>
+                  <a:schemeClr val="tx1"/>
+                </a:solidFill>
+                <a:miter lim="800000"/>
+                <a:headEnd/>
+                <a:tailEnd/>
+              </a14:hiddenLine>
+            </a:ext>
+          </a:extLst>
+        </p:spPr>
+      </p:pic>
+      <p:sp>
+        <p:nvSpPr>
+          <p:cNvPr id="8" name="Title 1"/>
           <p:cNvSpPr>
             <a:spLocks noGrp="1"/>
           </p:cNvSpPr>
@@ -4373,58 +3981,41 @@
             <p:ph type="title"/>
           </p:nvPr>
         </p:nvSpPr>
-        <p:spPr/>
+        <p:spPr>
+          <a:xfrm>
+            <a:off x="0" y="457200"/>
+            <a:ext cx="7112000" cy="1143000"/>
+          </a:xfrm>
+        </p:spPr>
         <p:txBody>
           <a:bodyPr/>
           <a:lstStyle/>
           <a:p>
-            <a:endParaRPr lang="en-US"/>
-          </a:p>
-        </p:txBody>
-      </p:sp>
-      <p:sp>
-        <p:nvSpPr>
-          <p:cNvPr id="3" name="Content Placeholder 2"/>
-          <p:cNvSpPr>
-            <a:spLocks noGrp="1"/>
-          </p:cNvSpPr>
-          <p:nvPr>
-            <p:ph idx="1"/>
-          </p:nvPr>
-        </p:nvSpPr>
-        <p:spPr/>
-        <p:txBody>
-          <a:bodyPr>
-            <a:normAutofit/>
-          </a:bodyPr>
-          <a:lstStyle/>
-          <a:p>
-            <a:pPr marL="0" indent="0" algn="ctr">
-              <a:buNone/>
-            </a:pPr>
-            <a:endParaRPr lang="en-US" sz="6600" dirty="0"/>
-          </a:p>
-          <a:p>
-            <a:pPr marL="0" indent="0" algn="ctr">
-              <a:buNone/>
-            </a:pPr>
-            <a:r>
-              <a:rPr lang="en-US" sz="6600" dirty="0"/>
-              <a:t>Detail Level </a:t>
-            </a:r>
+            <a:r>
+              <a:rPr lang="en-US" dirty="0" smtClean="0"/>
+              <a:t>Monitoring and Logcat pane</a:t>
+            </a:r>
+            <a:endParaRPr lang="en-US" dirty="0"/>
           </a:p>
         </p:txBody>
       </p:sp>
     </p:spTree>
     <p:extLst>
       <p:ext uri="{BB962C8B-B14F-4D97-AF65-F5344CB8AC3E}">
-        <p14:creationId xmlns:p14="http://schemas.microsoft.com/office/powerpoint/2010/main" val="431746998"/>
+        <p14:creationId xmlns:p14="http://schemas.microsoft.com/office/powerpoint/2010/main" val="1101440254"/>
       </p:ext>
     </p:extLst>
   </p:cSld>
   <p:clrMapOvr>
     <a:masterClrMapping/>
   </p:clrMapOvr>
+  <p:timing>
+    <p:tnLst>
+      <p:par>
+        <p:cTn id="1" dur="indefinite" restart="never" nodeType="tmRoot"/>
+      </p:par>
+    </p:tnLst>
+  </p:timing>
 </p:sld>
 </file>
 
@@ -4445,67 +4036,220 @@
           <a:chExt cx="0" cy="0"/>
         </a:xfrm>
       </p:grpSpPr>
-      <p:sp>
-        <p:nvSpPr>
-          <p:cNvPr id="2" name="Title 1"/>
-          <p:cNvSpPr>
-            <a:spLocks noGrp="1"/>
-          </p:cNvSpPr>
-          <p:nvPr>
-            <p:ph type="title"/>
-          </p:nvPr>
-        </p:nvSpPr>
-        <p:spPr/>
-        <p:txBody>
-          <a:bodyPr/>
-          <a:lstStyle/>
-          <a:p>
-            <a:endParaRPr lang="en-US"/>
-          </a:p>
-        </p:txBody>
-      </p:sp>
+      <p:grpSp>
+        <p:nvGrpSpPr>
+          <p:cNvPr id="4" name="Group 3"/>
+          <p:cNvGrpSpPr/>
+          <p:nvPr/>
+        </p:nvGrpSpPr>
+        <p:grpSpPr>
+          <a:xfrm>
+            <a:off x="1203543" y="1488699"/>
+            <a:ext cx="3108513" cy="2332180"/>
+            <a:chOff x="3889290" y="1323599"/>
+            <a:chExt cx="3108513" cy="2332180"/>
+          </a:xfrm>
+        </p:grpSpPr>
+        <p:pic>
+          <p:nvPicPr>
+            <p:cNvPr id="6" name="Picture 5"/>
+            <p:cNvPicPr>
+              <a:picLocks noChangeAspect="1" noChangeArrowheads="1"/>
+            </p:cNvPicPr>
+            <p:nvPr/>
+          </p:nvPicPr>
+          <p:blipFill>
+            <a:blip r:embed="rId2" cstate="print">
+              <a:extLst>
+                <a:ext uri="{28A0092B-C50C-407E-A947-70E740481C1C}">
+                  <a14:useLocalDpi xmlns:a14="http://schemas.microsoft.com/office/drawing/2010/main" val="0"/>
+                </a:ext>
+              </a:extLst>
+            </a:blip>
+            <a:srcRect/>
+            <a:stretch>
+              <a:fillRect/>
+            </a:stretch>
+          </p:blipFill>
+          <p:spPr bwMode="auto">
+            <a:xfrm>
+              <a:off x="3889290" y="1323599"/>
+              <a:ext cx="3108513" cy="2332180"/>
+            </a:xfrm>
+            <a:prstGeom prst="rect">
+              <a:avLst/>
+            </a:prstGeom>
+            <a:noFill/>
+            <a:ln>
+              <a:noFill/>
+            </a:ln>
+            <a:extLst>
+              <a:ext uri="{909E8E84-426E-40DD-AFC4-6F175D3DCCD1}">
+                <a14:hiddenFill xmlns:a14="http://schemas.microsoft.com/office/drawing/2010/main">
+                  <a:solidFill>
+                    <a:schemeClr val="accent1"/>
+                  </a:solidFill>
+                </a14:hiddenFill>
+              </a:ext>
+              <a:ext uri="{91240B29-F687-4F45-9708-019B960494DF}">
+                <a14:hiddenLine xmlns:a14="http://schemas.microsoft.com/office/drawing/2010/main" w="9525">
+                  <a:solidFill>
+                    <a:schemeClr val="tx1"/>
+                  </a:solidFill>
+                  <a:miter lim="800000"/>
+                  <a:headEnd/>
+                  <a:tailEnd/>
+                </a14:hiddenLine>
+              </a:ext>
+            </a:extLst>
+          </p:spPr>
+        </p:pic>
+        <p:sp>
+          <p:nvSpPr>
+            <p:cNvPr id="7" name="Rectangle 6"/>
+            <p:cNvSpPr/>
+            <p:nvPr/>
+          </p:nvSpPr>
+          <p:spPr>
+            <a:xfrm>
+              <a:off x="4674091" y="1413668"/>
+              <a:ext cx="390525" cy="95251"/>
+            </a:xfrm>
+            <a:prstGeom prst="rect">
+              <a:avLst/>
+            </a:prstGeom>
+            <a:noFill/>
+            <a:ln>
+              <a:solidFill>
+                <a:schemeClr val="accent6"/>
+              </a:solidFill>
+            </a:ln>
+          </p:spPr>
+          <p:style>
+            <a:lnRef idx="2">
+              <a:schemeClr val="accent1">
+                <a:shade val="50000"/>
+              </a:schemeClr>
+            </a:lnRef>
+            <a:fillRef idx="1">
+              <a:schemeClr val="accent1"/>
+            </a:fillRef>
+            <a:effectRef idx="0">
+              <a:schemeClr val="accent1"/>
+            </a:effectRef>
+            <a:fontRef idx="minor">
+              <a:schemeClr val="lt1"/>
+            </a:fontRef>
+          </p:style>
+          <p:txBody>
+            <a:bodyPr rtlCol="0" anchor="ctr"/>
+            <a:lstStyle/>
+            <a:p>
+              <a:pPr algn="ctr"/>
+              <a:endParaRPr lang="en-US"/>
+            </a:p>
+          </p:txBody>
+        </p:sp>
+      </p:grpSp>
       <p:pic>
         <p:nvPicPr>
-          <p:cNvPr id="4" name="Content Placeholder 3"/>
+          <p:cNvPr id="9218" name="Picture 2"/>
           <p:cNvPicPr>
-            <a:picLocks noGrp="1" noChangeAspect="1"/>
+            <a:picLocks noChangeAspect="1" noChangeArrowheads="1"/>
           </p:cNvPicPr>
-          <p:nvPr>
-            <p:ph idx="1"/>
-          </p:nvPr>
+          <p:nvPr/>
         </p:nvPicPr>
         <p:blipFill>
-          <a:blip r:embed="rId2">
+          <a:blip r:embed="rId3">
             <a:extLst>
               <a:ext uri="{28A0092B-C50C-407E-A947-70E740481C1C}">
                 <a14:useLocalDpi xmlns:a14="http://schemas.microsoft.com/office/drawing/2010/main" val="0"/>
               </a:ext>
             </a:extLst>
           </a:blip>
+          <a:srcRect/>
           <a:stretch>
             <a:fillRect/>
           </a:stretch>
         </p:blipFill>
-        <p:spPr>
+        <p:spPr bwMode="auto">
           <a:xfrm>
-            <a:off x="4345005" y="1600200"/>
-            <a:ext cx="3501989" cy="4525963"/>
+            <a:off x="4800600" y="1516856"/>
+            <a:ext cx="2774374" cy="635794"/>
           </a:xfrm>
           <a:prstGeom prst="rect">
             <a:avLst/>
           </a:prstGeom>
+          <a:noFill/>
+          <a:ln>
+            <a:noFill/>
+          </a:ln>
+          <a:extLst>
+            <a:ext uri="{909E8E84-426E-40DD-AFC4-6F175D3DCCD1}">
+              <a14:hiddenFill xmlns:a14="http://schemas.microsoft.com/office/drawing/2010/main">
+                <a:solidFill>
+                  <a:schemeClr val="accent1"/>
+                </a:solidFill>
+              </a14:hiddenFill>
+            </a:ext>
+            <a:ext uri="{91240B29-F687-4F45-9708-019B960494DF}">
+              <a14:hiddenLine xmlns:a14="http://schemas.microsoft.com/office/drawing/2010/main" w="9525">
+                <a:solidFill>
+                  <a:schemeClr val="tx1"/>
+                </a:solidFill>
+                <a:miter lim="800000"/>
+                <a:headEnd/>
+                <a:tailEnd/>
+              </a14:hiddenLine>
+            </a:ext>
+          </a:extLst>
         </p:spPr>
       </p:pic>
+      <p:sp>
+        <p:nvSpPr>
+          <p:cNvPr id="8" name="Title 1"/>
+          <p:cNvSpPr>
+            <a:spLocks noGrp="1"/>
+          </p:cNvSpPr>
+          <p:nvPr>
+            <p:ph type="title"/>
+          </p:nvPr>
+        </p:nvSpPr>
+        <p:spPr>
+          <a:xfrm>
+            <a:off x="0" y="457200"/>
+            <a:ext cx="7112000" cy="1143000"/>
+          </a:xfrm>
+        </p:spPr>
+        <p:txBody>
+          <a:bodyPr/>
+          <a:lstStyle/>
+          <a:p>
+            <a:r>
+              <a:rPr lang="en-US" dirty="0" smtClean="0"/>
+              <a:t>Run and Debug</a:t>
+            </a:r>
+            <a:endParaRPr lang="en-US" dirty="0"/>
+          </a:p>
+        </p:txBody>
+      </p:sp>
     </p:spTree>
     <p:extLst>
       <p:ext uri="{BB962C8B-B14F-4D97-AF65-F5344CB8AC3E}">
-        <p14:creationId xmlns:p14="http://schemas.microsoft.com/office/powerpoint/2010/main" val="3554290345"/>
+        <p14:creationId xmlns:p14="http://schemas.microsoft.com/office/powerpoint/2010/main" val="2883056869"/>
       </p:ext>
     </p:extLst>
   </p:cSld>
   <p:clrMapOvr>
     <a:masterClrMapping/>
   </p:clrMapOvr>
+  <p:timing>
+    <p:tnLst>
+      <p:par>
+        <p:cTn id="1" dur="indefinite" restart="never" nodeType="tmRoot"/>
+      </p:par>
+    </p:tnLst>
+  </p:timing>
 </p:sld>
 </file>
 
@@ -4528,12 +4272,12 @@
       </p:grpSpPr>
       <p:sp>
         <p:nvSpPr>
-          <p:cNvPr id="2" name="Title 1"/>
-          <p:cNvSpPr>
-            <a:spLocks noGrp="1"/>
-          </p:cNvSpPr>
-          <p:nvPr>
-            <p:ph type="title"/>
+          <p:cNvPr id="3" name="Content Placeholder 2"/>
+          <p:cNvSpPr>
+            <a:spLocks noGrp="1"/>
+          </p:cNvSpPr>
+          <p:nvPr>
+            <p:ph idx="1"/>
           </p:nvPr>
         </p:nvSpPr>
         <p:spPr/>
@@ -4541,86 +4285,40 @@
           <a:bodyPr/>
           <a:lstStyle/>
           <a:p>
-            <a:r>
-              <a:rPr lang="en-US" dirty="0"/>
-              <a:t>Activity Lifecycle</a:t>
-            </a:r>
-          </a:p>
-        </p:txBody>
-      </p:sp>
-      <p:sp>
-        <p:nvSpPr>
-          <p:cNvPr id="5" name="TextBox 4"/>
-          <p:cNvSpPr txBox="1"/>
-          <p:nvPr/>
-        </p:nvSpPr>
-        <p:spPr>
-          <a:xfrm>
-            <a:off x="724395" y="1888177"/>
-            <a:ext cx="5474524" cy="369332"/>
-          </a:xfrm>
-          <a:prstGeom prst="rect">
-            <a:avLst/>
-          </a:prstGeom>
-          <a:noFill/>
-        </p:spPr>
-        <p:txBody>
-          <a:bodyPr wrap="square" rtlCol="0">
-            <a:spAutoFit/>
-          </a:bodyPr>
-          <a:lstStyle/>
-          <a:p>
-            <a:r>
-              <a:rPr lang="en-US" b="1" dirty="0"/>
-              <a:t>onCreate()  </a:t>
-            </a:r>
-            <a:r>
-              <a:rPr lang="en-US" dirty="0"/>
-              <a:t>started, but not visible</a:t>
-            </a:r>
-          </a:p>
-        </p:txBody>
-      </p:sp>
-      <p:pic>
-        <p:nvPicPr>
-          <p:cNvPr id="10" name="Picture 9"/>
-          <p:cNvPicPr>
-            <a:picLocks noChangeAspect="1"/>
-          </p:cNvPicPr>
-          <p:nvPr/>
-        </p:nvPicPr>
-        <p:blipFill>
-          <a:blip r:embed="rId2">
-            <a:extLst>
-              <a:ext uri="{28A0092B-C50C-407E-A947-70E740481C1C}">
-                <a14:useLocalDpi xmlns:a14="http://schemas.microsoft.com/office/drawing/2010/main" val="0"/>
-              </a:ext>
-            </a:extLst>
-          </a:blip>
-          <a:stretch>
-            <a:fillRect/>
-          </a:stretch>
-        </p:blipFill>
-        <p:spPr>
-          <a:xfrm>
-            <a:off x="5167619" y="2553127"/>
-            <a:ext cx="6395207" cy="2764136"/>
-          </a:xfrm>
-          <a:prstGeom prst="rect">
-            <a:avLst/>
-          </a:prstGeom>
-        </p:spPr>
-      </p:pic>
+            <a:pPr marL="0" indent="0" algn="ctr">
+              <a:buNone/>
+            </a:pPr>
+            <a:endParaRPr lang="en-US" dirty="0" smtClean="0"/>
+          </a:p>
+          <a:p>
+            <a:pPr marL="0" indent="0" algn="ctr">
+              <a:buNone/>
+            </a:pPr>
+            <a:r>
+              <a:rPr lang="en-US" sz="8000" dirty="0" smtClean="0"/>
+              <a:t>Activity</a:t>
+            </a:r>
+            <a:endParaRPr lang="en-US" sz="8000" dirty="0"/>
+          </a:p>
+        </p:txBody>
+      </p:sp>
     </p:spTree>
     <p:extLst>
       <p:ext uri="{BB962C8B-B14F-4D97-AF65-F5344CB8AC3E}">
-        <p14:creationId xmlns:p14="http://schemas.microsoft.com/office/powerpoint/2010/main" val="4060041946"/>
+        <p14:creationId xmlns:p14="http://schemas.microsoft.com/office/powerpoint/2010/main" val="565780616"/>
       </p:ext>
     </p:extLst>
   </p:cSld>
   <p:clrMapOvr>
     <a:masterClrMapping/>
   </p:clrMapOvr>
+  <p:timing>
+    <p:tnLst>
+      <p:par>
+        <p:cTn id="1" dur="indefinite" restart="never" nodeType="tmRoot"/>
+      </p:par>
+    </p:tnLst>
+  </p:timing>
 </p:sld>
 </file>
 
@@ -4651,2546 +4349,6 @@
             <p:ph type="title"/>
           </p:nvPr>
         </p:nvSpPr>
-        <p:spPr/>
-        <p:txBody>
-          <a:bodyPr/>
-          <a:lstStyle/>
-          <a:p>
-            <a:r>
-              <a:rPr lang="en-US" dirty="0"/>
-              <a:t>Activity Lifecycle </a:t>
-            </a:r>
-          </a:p>
-        </p:txBody>
-      </p:sp>
-      <p:sp>
-        <p:nvSpPr>
-          <p:cNvPr id="5" name="TextBox 4"/>
-          <p:cNvSpPr txBox="1"/>
-          <p:nvPr/>
-        </p:nvSpPr>
-        <p:spPr>
-          <a:xfrm>
-            <a:off x="819645" y="1906796"/>
-            <a:ext cx="6222670" cy="369332"/>
-          </a:xfrm>
-          <a:prstGeom prst="rect">
-            <a:avLst/>
-          </a:prstGeom>
-          <a:noFill/>
-        </p:spPr>
-        <p:txBody>
-          <a:bodyPr wrap="square" rtlCol="0">
-            <a:spAutoFit/>
-          </a:bodyPr>
-          <a:lstStyle/>
-          <a:p>
-            <a:r>
-              <a:rPr lang="en-US" b="1" dirty="0" err="1"/>
-              <a:t>onStart</a:t>
-            </a:r>
-            <a:r>
-              <a:rPr lang="en-US" b="1" dirty="0"/>
-              <a:t>() </a:t>
-            </a:r>
-            <a:r>
-              <a:rPr lang="en-US" dirty="0"/>
-              <a:t>visible, but not ready for interaction</a:t>
-            </a:r>
-          </a:p>
-        </p:txBody>
-      </p:sp>
-      <p:pic>
-        <p:nvPicPr>
-          <p:cNvPr id="7" name="Picture 6"/>
-          <p:cNvPicPr>
-            <a:picLocks noChangeAspect="1"/>
-          </p:cNvPicPr>
-          <p:nvPr/>
-        </p:nvPicPr>
-        <p:blipFill>
-          <a:blip r:embed="rId2">
-            <a:extLst>
-              <a:ext uri="{28A0092B-C50C-407E-A947-70E740481C1C}">
-                <a14:useLocalDpi xmlns:a14="http://schemas.microsoft.com/office/drawing/2010/main" val="0"/>
-              </a:ext>
-            </a:extLst>
-          </a:blip>
-          <a:stretch>
-            <a:fillRect/>
-          </a:stretch>
-        </p:blipFill>
-        <p:spPr>
-          <a:xfrm>
-            <a:off x="5167619" y="2553127"/>
-            <a:ext cx="6395207" cy="2764136"/>
-          </a:xfrm>
-          <a:prstGeom prst="rect">
-            <a:avLst/>
-          </a:prstGeom>
-        </p:spPr>
-      </p:pic>
-    </p:spTree>
-    <p:extLst>
-      <p:ext uri="{BB962C8B-B14F-4D97-AF65-F5344CB8AC3E}">
-        <p14:creationId xmlns:p14="http://schemas.microsoft.com/office/powerpoint/2010/main" val="335025673"/>
-      </p:ext>
-    </p:extLst>
-  </p:cSld>
-  <p:clrMapOvr>
-    <a:masterClrMapping/>
-  </p:clrMapOvr>
-</p:sld>
-</file>
-
-<file path=ppt/slides/slide17.xml><?xml version="1.0" encoding="utf-8"?>
-<p:sld xmlns:a="http://schemas.openxmlformats.org/drawingml/2006/main" xmlns:r="http://schemas.openxmlformats.org/officeDocument/2006/relationships" xmlns:p="http://schemas.openxmlformats.org/presentationml/2006/main">
-  <p:cSld>
-    <p:spTree>
-      <p:nvGrpSpPr>
-        <p:cNvPr id="1" name=""/>
-        <p:cNvGrpSpPr/>
-        <p:nvPr/>
-      </p:nvGrpSpPr>
-      <p:grpSpPr>
-        <a:xfrm>
-          <a:off x="0" y="0"/>
-          <a:ext cx="0" cy="0"/>
-          <a:chOff x="0" y="0"/>
-          <a:chExt cx="0" cy="0"/>
-        </a:xfrm>
-      </p:grpSpPr>
-      <p:sp>
-        <p:nvSpPr>
-          <p:cNvPr id="8" name="Title 1"/>
-          <p:cNvSpPr>
-            <a:spLocks noGrp="1"/>
-          </p:cNvSpPr>
-          <p:nvPr>
-            <p:ph type="title"/>
-          </p:nvPr>
-        </p:nvSpPr>
-        <p:spPr/>
-        <p:txBody>
-          <a:bodyPr/>
-          <a:lstStyle/>
-          <a:p>
-            <a:r>
-              <a:rPr lang="en-US" dirty="0"/>
-              <a:t>Activity Lifecycle </a:t>
-            </a:r>
-          </a:p>
-        </p:txBody>
-      </p:sp>
-      <p:sp>
-        <p:nvSpPr>
-          <p:cNvPr id="10" name="TextBox 9"/>
-          <p:cNvSpPr txBox="1"/>
-          <p:nvPr/>
-        </p:nvSpPr>
-        <p:spPr>
-          <a:xfrm>
-            <a:off x="819645" y="1906796"/>
-            <a:ext cx="6222670" cy="646331"/>
-          </a:xfrm>
-          <a:prstGeom prst="rect">
-            <a:avLst/>
-          </a:prstGeom>
-          <a:noFill/>
-        </p:spPr>
-        <p:txBody>
-          <a:bodyPr wrap="square" rtlCol="0">
-            <a:spAutoFit/>
-          </a:bodyPr>
-          <a:lstStyle/>
-          <a:p>
-            <a:r>
-              <a:rPr lang="en-US" b="1" dirty="0" err="1"/>
-              <a:t>onResume</a:t>
-            </a:r>
-            <a:r>
-              <a:rPr lang="en-US" b="1" dirty="0"/>
-              <a:t>() </a:t>
-            </a:r>
-            <a:r>
-              <a:rPr lang="en-US" dirty="0"/>
-              <a:t>in the foreground, </a:t>
-            </a:r>
-          </a:p>
-          <a:p>
-            <a:r>
-              <a:rPr lang="en-US" dirty="0"/>
-              <a:t>ready for interaction</a:t>
-            </a:r>
-          </a:p>
-        </p:txBody>
-      </p:sp>
-      <p:pic>
-        <p:nvPicPr>
-          <p:cNvPr id="7" name="Picture 6"/>
-          <p:cNvPicPr>
-            <a:picLocks noChangeAspect="1"/>
-          </p:cNvPicPr>
-          <p:nvPr/>
-        </p:nvPicPr>
-        <p:blipFill>
-          <a:blip r:embed="rId2">
-            <a:extLst>
-              <a:ext uri="{28A0092B-C50C-407E-A947-70E740481C1C}">
-                <a14:useLocalDpi xmlns:a14="http://schemas.microsoft.com/office/drawing/2010/main" val="0"/>
-              </a:ext>
-            </a:extLst>
-          </a:blip>
-          <a:stretch>
-            <a:fillRect/>
-          </a:stretch>
-        </p:blipFill>
-        <p:spPr>
-          <a:xfrm>
-            <a:off x="5167619" y="2553127"/>
-            <a:ext cx="6395207" cy="2764136"/>
-          </a:xfrm>
-          <a:prstGeom prst="rect">
-            <a:avLst/>
-          </a:prstGeom>
-        </p:spPr>
-      </p:pic>
-    </p:spTree>
-    <p:extLst>
-      <p:ext uri="{BB962C8B-B14F-4D97-AF65-F5344CB8AC3E}">
-        <p14:creationId xmlns:p14="http://schemas.microsoft.com/office/powerpoint/2010/main" val="24493764"/>
-      </p:ext>
-    </p:extLst>
-  </p:cSld>
-  <p:clrMapOvr>
-    <a:masterClrMapping/>
-  </p:clrMapOvr>
-</p:sld>
-</file>
-
-<file path=ppt/slides/slide18.xml><?xml version="1.0" encoding="utf-8"?>
-<p:sld xmlns:a="http://schemas.openxmlformats.org/drawingml/2006/main" xmlns:r="http://schemas.openxmlformats.org/officeDocument/2006/relationships" xmlns:p="http://schemas.openxmlformats.org/presentationml/2006/main">
-  <p:cSld>
-    <p:spTree>
-      <p:nvGrpSpPr>
-        <p:cNvPr id="1" name=""/>
-        <p:cNvGrpSpPr/>
-        <p:nvPr/>
-      </p:nvGrpSpPr>
-      <p:grpSpPr>
-        <a:xfrm>
-          <a:off x="0" y="0"/>
-          <a:ext cx="0" cy="0"/>
-          <a:chOff x="0" y="0"/>
-          <a:chExt cx="0" cy="0"/>
-        </a:xfrm>
-      </p:grpSpPr>
-      <p:sp>
-        <p:nvSpPr>
-          <p:cNvPr id="4" name="Title 1"/>
-          <p:cNvSpPr>
-            <a:spLocks noGrp="1"/>
-          </p:cNvSpPr>
-          <p:nvPr>
-            <p:ph type="title"/>
-          </p:nvPr>
-        </p:nvSpPr>
-        <p:spPr/>
-        <p:txBody>
-          <a:bodyPr/>
-          <a:lstStyle/>
-          <a:p>
-            <a:r>
-              <a:rPr lang="en-US" dirty="0"/>
-              <a:t>Activity Lifecycle </a:t>
-            </a:r>
-          </a:p>
-        </p:txBody>
-      </p:sp>
-      <p:sp>
-        <p:nvSpPr>
-          <p:cNvPr id="6" name="TextBox 5"/>
-          <p:cNvSpPr txBox="1"/>
-          <p:nvPr/>
-        </p:nvSpPr>
-        <p:spPr>
-          <a:xfrm>
-            <a:off x="819645" y="1906796"/>
-            <a:ext cx="6222670" cy="646331"/>
-          </a:xfrm>
-          <a:prstGeom prst="rect">
-            <a:avLst/>
-          </a:prstGeom>
-          <a:noFill/>
-        </p:spPr>
-        <p:txBody>
-          <a:bodyPr wrap="square" rtlCol="0">
-            <a:spAutoFit/>
-          </a:bodyPr>
-          <a:lstStyle/>
-          <a:p>
-            <a:r>
-              <a:rPr lang="en-US" b="1" dirty="0" err="1"/>
-              <a:t>onPause</a:t>
-            </a:r>
-            <a:r>
-              <a:rPr lang="en-US" b="1" dirty="0"/>
-              <a:t>() </a:t>
-            </a:r>
-            <a:r>
-              <a:rPr lang="en-US" dirty="0"/>
-              <a:t>moving to the background, </a:t>
-            </a:r>
-          </a:p>
-          <a:p>
-            <a:r>
-              <a:rPr lang="en-US" dirty="0"/>
-              <a:t>stopping user interaction</a:t>
-            </a:r>
-          </a:p>
-        </p:txBody>
-      </p:sp>
-      <p:pic>
-        <p:nvPicPr>
-          <p:cNvPr id="9" name="Picture 8"/>
-          <p:cNvPicPr>
-            <a:picLocks noChangeAspect="1"/>
-          </p:cNvPicPr>
-          <p:nvPr/>
-        </p:nvPicPr>
-        <p:blipFill>
-          <a:blip r:embed="rId2">
-            <a:extLst>
-              <a:ext uri="{28A0092B-C50C-407E-A947-70E740481C1C}">
-                <a14:useLocalDpi xmlns:a14="http://schemas.microsoft.com/office/drawing/2010/main" val="0"/>
-              </a:ext>
-            </a:extLst>
-          </a:blip>
-          <a:stretch>
-            <a:fillRect/>
-          </a:stretch>
-        </p:blipFill>
-        <p:spPr>
-          <a:xfrm>
-            <a:off x="5167619" y="2553127"/>
-            <a:ext cx="6395207" cy="2764136"/>
-          </a:xfrm>
-          <a:prstGeom prst="rect">
-            <a:avLst/>
-          </a:prstGeom>
-        </p:spPr>
-      </p:pic>
-    </p:spTree>
-    <p:extLst>
-      <p:ext uri="{BB962C8B-B14F-4D97-AF65-F5344CB8AC3E}">
-        <p14:creationId xmlns:p14="http://schemas.microsoft.com/office/powerpoint/2010/main" val="534387049"/>
-      </p:ext>
-    </p:extLst>
-  </p:cSld>
-  <p:clrMapOvr>
-    <a:masterClrMapping/>
-  </p:clrMapOvr>
-</p:sld>
-</file>
-
-<file path=ppt/slides/slide19.xml><?xml version="1.0" encoding="utf-8"?>
-<p:sld xmlns:a="http://schemas.openxmlformats.org/drawingml/2006/main" xmlns:r="http://schemas.openxmlformats.org/officeDocument/2006/relationships" xmlns:p="http://schemas.openxmlformats.org/presentationml/2006/main">
-  <p:cSld>
-    <p:spTree>
-      <p:nvGrpSpPr>
-        <p:cNvPr id="1" name=""/>
-        <p:cNvGrpSpPr/>
-        <p:nvPr/>
-      </p:nvGrpSpPr>
-      <p:grpSpPr>
-        <a:xfrm>
-          <a:off x="0" y="0"/>
-          <a:ext cx="0" cy="0"/>
-          <a:chOff x="0" y="0"/>
-          <a:chExt cx="0" cy="0"/>
-        </a:xfrm>
-      </p:grpSpPr>
-      <p:sp>
-        <p:nvSpPr>
-          <p:cNvPr id="4" name="Title 1"/>
-          <p:cNvSpPr>
-            <a:spLocks noGrp="1"/>
-          </p:cNvSpPr>
-          <p:nvPr>
-            <p:ph type="title"/>
-          </p:nvPr>
-        </p:nvSpPr>
-        <p:spPr/>
-        <p:txBody>
-          <a:bodyPr/>
-          <a:lstStyle/>
-          <a:p>
-            <a:r>
-              <a:rPr lang="en-US" dirty="0"/>
-              <a:t>Activity Lifecycle </a:t>
-            </a:r>
-          </a:p>
-        </p:txBody>
-      </p:sp>
-      <p:sp>
-        <p:nvSpPr>
-          <p:cNvPr id="6" name="TextBox 5"/>
-          <p:cNvSpPr txBox="1"/>
-          <p:nvPr/>
-        </p:nvSpPr>
-        <p:spPr>
-          <a:xfrm>
-            <a:off x="819645" y="1906796"/>
-            <a:ext cx="6222670" cy="646331"/>
-          </a:xfrm>
-          <a:prstGeom prst="rect">
-            <a:avLst/>
-          </a:prstGeom>
-          <a:noFill/>
-        </p:spPr>
-        <p:txBody>
-          <a:bodyPr wrap="square" rtlCol="0">
-            <a:spAutoFit/>
-          </a:bodyPr>
-          <a:lstStyle/>
-          <a:p>
-            <a:r>
-              <a:rPr lang="en-US" b="1" dirty="0" err="1"/>
-              <a:t>onStop</a:t>
-            </a:r>
-            <a:r>
-              <a:rPr lang="en-US" b="1" dirty="0"/>
-              <a:t>() </a:t>
-            </a:r>
-            <a:r>
-              <a:rPr lang="en-US" dirty="0"/>
-              <a:t>moved to the background </a:t>
-            </a:r>
-          </a:p>
-          <a:p>
-            <a:r>
-              <a:rPr lang="en-US" dirty="0"/>
-              <a:t>and not visible</a:t>
-            </a:r>
-          </a:p>
-        </p:txBody>
-      </p:sp>
-      <p:pic>
-        <p:nvPicPr>
-          <p:cNvPr id="9" name="Picture 8"/>
-          <p:cNvPicPr>
-            <a:picLocks noChangeAspect="1"/>
-          </p:cNvPicPr>
-          <p:nvPr/>
-        </p:nvPicPr>
-        <p:blipFill>
-          <a:blip r:embed="rId2">
-            <a:extLst>
-              <a:ext uri="{28A0092B-C50C-407E-A947-70E740481C1C}">
-                <a14:useLocalDpi xmlns:a14="http://schemas.microsoft.com/office/drawing/2010/main" val="0"/>
-              </a:ext>
-            </a:extLst>
-          </a:blip>
-          <a:stretch>
-            <a:fillRect/>
-          </a:stretch>
-        </p:blipFill>
-        <p:spPr>
-          <a:xfrm>
-            <a:off x="5167619" y="2553127"/>
-            <a:ext cx="6395207" cy="2764136"/>
-          </a:xfrm>
-          <a:prstGeom prst="rect">
-            <a:avLst/>
-          </a:prstGeom>
-        </p:spPr>
-      </p:pic>
-    </p:spTree>
-    <p:extLst>
-      <p:ext uri="{BB962C8B-B14F-4D97-AF65-F5344CB8AC3E}">
-        <p14:creationId xmlns:p14="http://schemas.microsoft.com/office/powerpoint/2010/main" val="1261053801"/>
-      </p:ext>
-    </p:extLst>
-  </p:cSld>
-  <p:clrMapOvr>
-    <a:masterClrMapping/>
-  </p:clrMapOvr>
-</p:sld>
-</file>
-
-<file path=ppt/slides/slide2.xml><?xml version="1.0" encoding="utf-8"?>
-<p:sld xmlns:a="http://schemas.openxmlformats.org/drawingml/2006/main" xmlns:r="http://schemas.openxmlformats.org/officeDocument/2006/relationships" xmlns:p="http://schemas.openxmlformats.org/presentationml/2006/main">
-  <p:cSld>
-    <p:spTree>
-      <p:nvGrpSpPr>
-        <p:cNvPr id="1" name=""/>
-        <p:cNvGrpSpPr/>
-        <p:nvPr/>
-      </p:nvGrpSpPr>
-      <p:grpSpPr>
-        <a:xfrm>
-          <a:off x="0" y="0"/>
-          <a:ext cx="0" cy="0"/>
-          <a:chOff x="0" y="0"/>
-          <a:chExt cx="0" cy="0"/>
-        </a:xfrm>
-      </p:grpSpPr>
-      <p:sp>
-        <p:nvSpPr>
-          <p:cNvPr id="2" name="Title 1"/>
-          <p:cNvSpPr>
-            <a:spLocks noGrp="1"/>
-          </p:cNvSpPr>
-          <p:nvPr>
-            <p:ph type="title"/>
-          </p:nvPr>
-        </p:nvSpPr>
-        <p:spPr/>
-        <p:txBody>
-          <a:bodyPr/>
-          <a:lstStyle/>
-          <a:p>
-            <a:r>
-              <a:rPr lang="en-US" dirty="0"/>
-              <a:t>Goals</a:t>
-            </a:r>
-          </a:p>
-        </p:txBody>
-      </p:sp>
-      <p:sp>
-        <p:nvSpPr>
-          <p:cNvPr id="3" name="Content Placeholder 2"/>
-          <p:cNvSpPr>
-            <a:spLocks noGrp="1"/>
-          </p:cNvSpPr>
-          <p:nvPr>
-            <p:ph idx="1"/>
-          </p:nvPr>
-        </p:nvSpPr>
-        <p:spPr/>
-        <p:txBody>
-          <a:bodyPr/>
-          <a:lstStyle/>
-          <a:p>
-            <a:r>
-              <a:rPr lang="en-US" dirty="0"/>
-              <a:t>Develop a </a:t>
-            </a:r>
-            <a:r>
-              <a:rPr lang="en-US" dirty="0" err="1"/>
-              <a:t>BlueSkies</a:t>
-            </a:r>
-            <a:r>
-              <a:rPr lang="en-US" dirty="0"/>
-              <a:t> App</a:t>
-            </a:r>
-          </a:p>
-        </p:txBody>
-      </p:sp>
-      <p:pic>
-        <p:nvPicPr>
-          <p:cNvPr id="4" name="Picture 3"/>
-          <p:cNvPicPr>
-            <a:picLocks noChangeAspect="1"/>
-          </p:cNvPicPr>
-          <p:nvPr/>
-        </p:nvPicPr>
-        <p:blipFill>
-          <a:blip r:embed="rId2" cstate="print">
-            <a:extLst>
-              <a:ext uri="{28A0092B-C50C-407E-A947-70E740481C1C}">
-                <a14:useLocalDpi xmlns:a14="http://schemas.microsoft.com/office/drawing/2010/main" val="0"/>
-              </a:ext>
-            </a:extLst>
-          </a:blip>
-          <a:stretch>
-            <a:fillRect/>
-          </a:stretch>
-        </p:blipFill>
-        <p:spPr>
-          <a:xfrm>
-            <a:off x="6948283" y="1389412"/>
-            <a:ext cx="2813142" cy="4672941"/>
-          </a:xfrm>
-          <a:prstGeom prst="rect">
-            <a:avLst/>
-          </a:prstGeom>
-        </p:spPr>
-      </p:pic>
-    </p:spTree>
-    <p:extLst>
-      <p:ext uri="{BB962C8B-B14F-4D97-AF65-F5344CB8AC3E}">
-        <p14:creationId xmlns:p14="http://schemas.microsoft.com/office/powerpoint/2010/main" val="1850275397"/>
-      </p:ext>
-    </p:extLst>
-  </p:cSld>
-  <p:clrMapOvr>
-    <a:masterClrMapping/>
-  </p:clrMapOvr>
-</p:sld>
-</file>
-
-<file path=ppt/slides/slide20.xml><?xml version="1.0" encoding="utf-8"?>
-<p:sld xmlns:a="http://schemas.openxmlformats.org/drawingml/2006/main" xmlns:r="http://schemas.openxmlformats.org/officeDocument/2006/relationships" xmlns:p="http://schemas.openxmlformats.org/presentationml/2006/main">
-  <p:cSld>
-    <p:spTree>
-      <p:nvGrpSpPr>
-        <p:cNvPr id="1" name=""/>
-        <p:cNvGrpSpPr/>
-        <p:nvPr/>
-      </p:nvGrpSpPr>
-      <p:grpSpPr>
-        <a:xfrm>
-          <a:off x="0" y="0"/>
-          <a:ext cx="0" cy="0"/>
-          <a:chOff x="0" y="0"/>
-          <a:chExt cx="0" cy="0"/>
-        </a:xfrm>
-      </p:grpSpPr>
-      <p:sp>
-        <p:nvSpPr>
-          <p:cNvPr id="4" name="Title 1"/>
-          <p:cNvSpPr>
-            <a:spLocks noGrp="1"/>
-          </p:cNvSpPr>
-          <p:nvPr>
-            <p:ph type="title"/>
-          </p:nvPr>
-        </p:nvSpPr>
-        <p:spPr/>
-        <p:txBody>
-          <a:bodyPr/>
-          <a:lstStyle/>
-          <a:p>
-            <a:r>
-              <a:rPr lang="en-US" dirty="0"/>
-              <a:t>Activity Lifecycle </a:t>
-            </a:r>
-          </a:p>
-        </p:txBody>
-      </p:sp>
-      <p:sp>
-        <p:nvSpPr>
-          <p:cNvPr id="6" name="TextBox 5"/>
-          <p:cNvSpPr txBox="1"/>
-          <p:nvPr/>
-        </p:nvSpPr>
-        <p:spPr>
-          <a:xfrm>
-            <a:off x="819645" y="1906796"/>
-            <a:ext cx="6222670" cy="646331"/>
-          </a:xfrm>
-          <a:prstGeom prst="rect">
-            <a:avLst/>
-          </a:prstGeom>
-          <a:noFill/>
-        </p:spPr>
-        <p:txBody>
-          <a:bodyPr wrap="square" rtlCol="0">
-            <a:spAutoFit/>
-          </a:bodyPr>
-          <a:lstStyle/>
-          <a:p>
-            <a:r>
-              <a:rPr lang="en-US" b="1" dirty="0" err="1"/>
-              <a:t>onDestroy</a:t>
-            </a:r>
-            <a:r>
-              <a:rPr lang="en-US" b="1" dirty="0"/>
-              <a:t>() </a:t>
-            </a:r>
-            <a:r>
-              <a:rPr lang="en-US" dirty="0"/>
-              <a:t>moved to the background </a:t>
-            </a:r>
-          </a:p>
-          <a:p>
-            <a:r>
-              <a:rPr lang="en-US" dirty="0"/>
-              <a:t>and not visible</a:t>
-            </a:r>
-          </a:p>
-        </p:txBody>
-      </p:sp>
-      <p:pic>
-        <p:nvPicPr>
-          <p:cNvPr id="9" name="Picture 8"/>
-          <p:cNvPicPr>
-            <a:picLocks noChangeAspect="1"/>
-          </p:cNvPicPr>
-          <p:nvPr/>
-        </p:nvPicPr>
-        <p:blipFill>
-          <a:blip r:embed="rId2">
-            <a:extLst>
-              <a:ext uri="{28A0092B-C50C-407E-A947-70E740481C1C}">
-                <a14:useLocalDpi xmlns:a14="http://schemas.microsoft.com/office/drawing/2010/main" val="0"/>
-              </a:ext>
-            </a:extLst>
-          </a:blip>
-          <a:stretch>
-            <a:fillRect/>
-          </a:stretch>
-        </p:blipFill>
-        <p:spPr>
-          <a:xfrm>
-            <a:off x="5167619" y="2553127"/>
-            <a:ext cx="6395207" cy="2764136"/>
-          </a:xfrm>
-          <a:prstGeom prst="rect">
-            <a:avLst/>
-          </a:prstGeom>
-        </p:spPr>
-      </p:pic>
-    </p:spTree>
-    <p:extLst>
-      <p:ext uri="{BB962C8B-B14F-4D97-AF65-F5344CB8AC3E}">
-        <p14:creationId xmlns:p14="http://schemas.microsoft.com/office/powerpoint/2010/main" val="1338317668"/>
-      </p:ext>
-    </p:extLst>
-  </p:cSld>
-  <p:clrMapOvr>
-    <a:masterClrMapping/>
-  </p:clrMapOvr>
-</p:sld>
-</file>
-
-<file path=ppt/slides/slide21.xml><?xml version="1.0" encoding="utf-8"?>
-<p:sld xmlns:a="http://schemas.openxmlformats.org/drawingml/2006/main" xmlns:r="http://schemas.openxmlformats.org/officeDocument/2006/relationships" xmlns:p="http://schemas.openxmlformats.org/presentationml/2006/main">
-  <p:cSld>
-    <p:spTree>
-      <p:nvGrpSpPr>
-        <p:cNvPr id="1" name=""/>
-        <p:cNvGrpSpPr/>
-        <p:nvPr/>
-      </p:nvGrpSpPr>
-      <p:grpSpPr>
-        <a:xfrm>
-          <a:off x="0" y="0"/>
-          <a:ext cx="0" cy="0"/>
-          <a:chOff x="0" y="0"/>
-          <a:chExt cx="0" cy="0"/>
-        </a:xfrm>
-      </p:grpSpPr>
-      <p:sp>
-        <p:nvSpPr>
-          <p:cNvPr id="2" name="Title 1"/>
-          <p:cNvSpPr>
-            <a:spLocks noGrp="1"/>
-          </p:cNvSpPr>
-          <p:nvPr>
-            <p:ph type="title"/>
-          </p:nvPr>
-        </p:nvSpPr>
-        <p:spPr/>
-        <p:txBody>
-          <a:bodyPr/>
-          <a:lstStyle/>
-          <a:p>
-            <a:r>
-              <a:rPr lang="en-US" dirty="0"/>
-              <a:t>Activity Lifecycle counterparts</a:t>
-            </a:r>
-          </a:p>
-        </p:txBody>
-      </p:sp>
-      <p:sp>
-        <p:nvSpPr>
-          <p:cNvPr id="5" name="Rounded Rectangle 4"/>
-          <p:cNvSpPr/>
-          <p:nvPr/>
-        </p:nvSpPr>
-        <p:spPr>
-          <a:xfrm>
-            <a:off x="2743200" y="2088068"/>
-            <a:ext cx="2434441" cy="748145"/>
-          </a:xfrm>
-          <a:prstGeom prst="roundRect">
-            <a:avLst/>
-          </a:prstGeom>
-          <a:solidFill>
-            <a:schemeClr val="bg1">
-              <a:lumMod val="85000"/>
-            </a:schemeClr>
-          </a:solidFill>
-          <a:ln>
-            <a:solidFill>
-              <a:schemeClr val="bg1">
-                <a:lumMod val="50000"/>
-              </a:schemeClr>
-            </a:solidFill>
-          </a:ln>
-        </p:spPr>
-        <p:style>
-          <a:lnRef idx="2">
-            <a:schemeClr val="accent1">
-              <a:shade val="50000"/>
-            </a:schemeClr>
-          </a:lnRef>
-          <a:fillRef idx="1">
-            <a:schemeClr val="accent1"/>
-          </a:fillRef>
-          <a:effectRef idx="0">
-            <a:schemeClr val="accent1"/>
-          </a:effectRef>
-          <a:fontRef idx="minor">
-            <a:schemeClr val="lt1"/>
-          </a:fontRef>
-        </p:style>
-        <p:txBody>
-          <a:bodyPr rtlCol="0" anchor="ctr"/>
-          <a:lstStyle/>
-          <a:p>
-            <a:pPr algn="ctr"/>
-            <a:r>
-              <a:rPr lang="en-US" dirty="0">
-                <a:solidFill>
-                  <a:schemeClr val="tx1"/>
-                </a:solidFill>
-              </a:rPr>
-              <a:t>OnCreate()</a:t>
-            </a:r>
-          </a:p>
-        </p:txBody>
-      </p:sp>
-      <p:sp>
-        <p:nvSpPr>
-          <p:cNvPr id="6" name="Rounded Rectangle 5"/>
-          <p:cNvSpPr/>
-          <p:nvPr/>
-        </p:nvSpPr>
-        <p:spPr>
-          <a:xfrm>
-            <a:off x="7087590" y="2088068"/>
-            <a:ext cx="2434441" cy="748145"/>
-          </a:xfrm>
-          <a:prstGeom prst="roundRect">
-            <a:avLst/>
-          </a:prstGeom>
-          <a:solidFill>
-            <a:schemeClr val="bg1">
-              <a:lumMod val="85000"/>
-            </a:schemeClr>
-          </a:solidFill>
-          <a:ln>
-            <a:solidFill>
-              <a:schemeClr val="bg1">
-                <a:lumMod val="50000"/>
-              </a:schemeClr>
-            </a:solidFill>
-          </a:ln>
-        </p:spPr>
-        <p:style>
-          <a:lnRef idx="2">
-            <a:schemeClr val="accent1">
-              <a:shade val="50000"/>
-            </a:schemeClr>
-          </a:lnRef>
-          <a:fillRef idx="1">
-            <a:schemeClr val="accent1"/>
-          </a:fillRef>
-          <a:effectRef idx="0">
-            <a:schemeClr val="accent1"/>
-          </a:effectRef>
-          <a:fontRef idx="minor">
-            <a:schemeClr val="lt1"/>
-          </a:fontRef>
-        </p:style>
-        <p:txBody>
-          <a:bodyPr rtlCol="0" anchor="ctr"/>
-          <a:lstStyle/>
-          <a:p>
-            <a:pPr algn="ctr"/>
-            <a:r>
-              <a:rPr lang="en-US" dirty="0" err="1">
-                <a:solidFill>
-                  <a:schemeClr val="tx1"/>
-                </a:solidFill>
-              </a:rPr>
-              <a:t>OnDestroy</a:t>
-            </a:r>
-            <a:r>
-              <a:rPr lang="en-US" dirty="0">
-                <a:solidFill>
-                  <a:schemeClr val="tx1"/>
-                </a:solidFill>
-              </a:rPr>
-              <a:t>()</a:t>
-            </a:r>
-          </a:p>
-        </p:txBody>
-      </p:sp>
-      <p:sp>
-        <p:nvSpPr>
-          <p:cNvPr id="7" name="Rounded Rectangle 6"/>
-          <p:cNvSpPr/>
-          <p:nvPr/>
-        </p:nvSpPr>
-        <p:spPr>
-          <a:xfrm>
-            <a:off x="2743200" y="3237996"/>
-            <a:ext cx="2434441" cy="748145"/>
-          </a:xfrm>
-          <a:prstGeom prst="roundRect">
-            <a:avLst/>
-          </a:prstGeom>
-          <a:solidFill>
-            <a:schemeClr val="bg1">
-              <a:lumMod val="85000"/>
-            </a:schemeClr>
-          </a:solidFill>
-          <a:ln>
-            <a:solidFill>
-              <a:schemeClr val="bg1">
-                <a:lumMod val="50000"/>
-              </a:schemeClr>
-            </a:solidFill>
-          </a:ln>
-        </p:spPr>
-        <p:style>
-          <a:lnRef idx="2">
-            <a:schemeClr val="accent1">
-              <a:shade val="50000"/>
-            </a:schemeClr>
-          </a:lnRef>
-          <a:fillRef idx="1">
-            <a:schemeClr val="accent1"/>
-          </a:fillRef>
-          <a:effectRef idx="0">
-            <a:schemeClr val="accent1"/>
-          </a:effectRef>
-          <a:fontRef idx="minor">
-            <a:schemeClr val="lt1"/>
-          </a:fontRef>
-        </p:style>
-        <p:txBody>
-          <a:bodyPr rtlCol="0" anchor="ctr"/>
-          <a:lstStyle/>
-          <a:p>
-            <a:pPr algn="ctr"/>
-            <a:r>
-              <a:rPr lang="en-US" dirty="0" err="1">
-                <a:solidFill>
-                  <a:schemeClr val="tx1"/>
-                </a:solidFill>
-              </a:rPr>
-              <a:t>onStart</a:t>
-            </a:r>
-            <a:r>
-              <a:rPr lang="en-US" dirty="0">
-                <a:solidFill>
-                  <a:schemeClr val="tx1"/>
-                </a:solidFill>
-              </a:rPr>
-              <a:t>()</a:t>
-            </a:r>
-          </a:p>
-        </p:txBody>
-      </p:sp>
-      <p:sp>
-        <p:nvSpPr>
-          <p:cNvPr id="8" name="Rounded Rectangle 7"/>
-          <p:cNvSpPr/>
-          <p:nvPr/>
-        </p:nvSpPr>
-        <p:spPr>
-          <a:xfrm>
-            <a:off x="7087590" y="3237996"/>
-            <a:ext cx="2434441" cy="748145"/>
-          </a:xfrm>
-          <a:prstGeom prst="roundRect">
-            <a:avLst/>
-          </a:prstGeom>
-          <a:solidFill>
-            <a:schemeClr val="bg1">
-              <a:lumMod val="85000"/>
-            </a:schemeClr>
-          </a:solidFill>
-          <a:ln>
-            <a:solidFill>
-              <a:schemeClr val="bg1">
-                <a:lumMod val="50000"/>
-              </a:schemeClr>
-            </a:solidFill>
-          </a:ln>
-        </p:spPr>
-        <p:style>
-          <a:lnRef idx="2">
-            <a:schemeClr val="accent1">
-              <a:shade val="50000"/>
-            </a:schemeClr>
-          </a:lnRef>
-          <a:fillRef idx="1">
-            <a:schemeClr val="accent1"/>
-          </a:fillRef>
-          <a:effectRef idx="0">
-            <a:schemeClr val="accent1"/>
-          </a:effectRef>
-          <a:fontRef idx="minor">
-            <a:schemeClr val="lt1"/>
-          </a:fontRef>
-        </p:style>
-        <p:txBody>
-          <a:bodyPr rtlCol="0" anchor="ctr"/>
-          <a:lstStyle/>
-          <a:p>
-            <a:pPr algn="ctr"/>
-            <a:r>
-              <a:rPr lang="en-US" dirty="0" err="1">
-                <a:solidFill>
-                  <a:schemeClr val="tx1"/>
-                </a:solidFill>
-              </a:rPr>
-              <a:t>onStop</a:t>
-            </a:r>
-            <a:r>
-              <a:rPr lang="en-US" dirty="0">
-                <a:solidFill>
-                  <a:schemeClr val="tx1"/>
-                </a:solidFill>
-              </a:rPr>
-              <a:t>()</a:t>
-            </a:r>
-          </a:p>
-        </p:txBody>
-      </p:sp>
-      <p:sp>
-        <p:nvSpPr>
-          <p:cNvPr id="9" name="Rounded Rectangle 8"/>
-          <p:cNvSpPr/>
-          <p:nvPr/>
-        </p:nvSpPr>
-        <p:spPr>
-          <a:xfrm>
-            <a:off x="2743200" y="4556156"/>
-            <a:ext cx="2434441" cy="748145"/>
-          </a:xfrm>
-          <a:prstGeom prst="roundRect">
-            <a:avLst/>
-          </a:prstGeom>
-          <a:solidFill>
-            <a:schemeClr val="bg1">
-              <a:lumMod val="85000"/>
-            </a:schemeClr>
-          </a:solidFill>
-          <a:ln>
-            <a:solidFill>
-              <a:schemeClr val="bg1">
-                <a:lumMod val="50000"/>
-              </a:schemeClr>
-            </a:solidFill>
-          </a:ln>
-        </p:spPr>
-        <p:style>
-          <a:lnRef idx="2">
-            <a:schemeClr val="accent1">
-              <a:shade val="50000"/>
-            </a:schemeClr>
-          </a:lnRef>
-          <a:fillRef idx="1">
-            <a:schemeClr val="accent1"/>
-          </a:fillRef>
-          <a:effectRef idx="0">
-            <a:schemeClr val="accent1"/>
-          </a:effectRef>
-          <a:fontRef idx="minor">
-            <a:schemeClr val="lt1"/>
-          </a:fontRef>
-        </p:style>
-        <p:txBody>
-          <a:bodyPr rtlCol="0" anchor="ctr"/>
-          <a:lstStyle/>
-          <a:p>
-            <a:pPr algn="ctr"/>
-            <a:r>
-              <a:rPr lang="en-US" dirty="0" err="1">
-                <a:solidFill>
-                  <a:schemeClr val="tx1"/>
-                </a:solidFill>
-              </a:rPr>
-              <a:t>onResume</a:t>
-            </a:r>
-            <a:r>
-              <a:rPr lang="en-US" dirty="0">
-                <a:solidFill>
-                  <a:schemeClr val="tx1"/>
-                </a:solidFill>
-              </a:rPr>
-              <a:t>()</a:t>
-            </a:r>
-          </a:p>
-        </p:txBody>
-      </p:sp>
-      <p:sp>
-        <p:nvSpPr>
-          <p:cNvPr id="10" name="Rounded Rectangle 9"/>
-          <p:cNvSpPr/>
-          <p:nvPr/>
-        </p:nvSpPr>
-        <p:spPr>
-          <a:xfrm>
-            <a:off x="7087590" y="4556156"/>
-            <a:ext cx="2434441" cy="748145"/>
-          </a:xfrm>
-          <a:prstGeom prst="roundRect">
-            <a:avLst/>
-          </a:prstGeom>
-          <a:solidFill>
-            <a:schemeClr val="bg1">
-              <a:lumMod val="85000"/>
-            </a:schemeClr>
-          </a:solidFill>
-          <a:ln>
-            <a:solidFill>
-              <a:schemeClr val="bg1">
-                <a:lumMod val="50000"/>
-              </a:schemeClr>
-            </a:solidFill>
-          </a:ln>
-        </p:spPr>
-        <p:style>
-          <a:lnRef idx="2">
-            <a:schemeClr val="accent1">
-              <a:shade val="50000"/>
-            </a:schemeClr>
-          </a:lnRef>
-          <a:fillRef idx="1">
-            <a:schemeClr val="accent1"/>
-          </a:fillRef>
-          <a:effectRef idx="0">
-            <a:schemeClr val="accent1"/>
-          </a:effectRef>
-          <a:fontRef idx="minor">
-            <a:schemeClr val="lt1"/>
-          </a:fontRef>
-        </p:style>
-        <p:txBody>
-          <a:bodyPr rtlCol="0" anchor="ctr"/>
-          <a:lstStyle/>
-          <a:p>
-            <a:pPr algn="ctr"/>
-            <a:r>
-              <a:rPr lang="en-US" dirty="0" err="1">
-                <a:solidFill>
-                  <a:schemeClr val="tx1"/>
-                </a:solidFill>
-              </a:rPr>
-              <a:t>onPause</a:t>
-            </a:r>
-            <a:r>
-              <a:rPr lang="en-US" dirty="0">
-                <a:solidFill>
-                  <a:schemeClr val="tx1"/>
-                </a:solidFill>
-              </a:rPr>
-              <a:t>()</a:t>
-            </a:r>
-          </a:p>
-        </p:txBody>
-      </p:sp>
-      <p:sp>
-        <p:nvSpPr>
-          <p:cNvPr id="11" name="Right Arrow 10"/>
-          <p:cNvSpPr/>
-          <p:nvPr/>
-        </p:nvSpPr>
-        <p:spPr>
-          <a:xfrm>
-            <a:off x="5557653" y="2284011"/>
-            <a:ext cx="1187532" cy="356259"/>
-          </a:xfrm>
-          <a:prstGeom prst="rightArrow">
-            <a:avLst/>
-          </a:prstGeom>
-        </p:spPr>
-        <p:style>
-          <a:lnRef idx="2">
-            <a:schemeClr val="accent1">
-              <a:shade val="50000"/>
-            </a:schemeClr>
-          </a:lnRef>
-          <a:fillRef idx="1">
-            <a:schemeClr val="accent1"/>
-          </a:fillRef>
-          <a:effectRef idx="0">
-            <a:schemeClr val="accent1"/>
-          </a:effectRef>
-          <a:fontRef idx="minor">
-            <a:schemeClr val="lt1"/>
-          </a:fontRef>
-        </p:style>
-        <p:txBody>
-          <a:bodyPr rtlCol="0" anchor="ctr"/>
-          <a:lstStyle/>
-          <a:p>
-            <a:pPr algn="ctr"/>
-            <a:endParaRPr lang="en-US"/>
-          </a:p>
-        </p:txBody>
-      </p:sp>
-      <p:sp>
-        <p:nvSpPr>
-          <p:cNvPr id="12" name="Right Arrow 11"/>
-          <p:cNvSpPr/>
-          <p:nvPr/>
-        </p:nvSpPr>
-        <p:spPr>
-          <a:xfrm>
-            <a:off x="5557653" y="3433939"/>
-            <a:ext cx="1187532" cy="356259"/>
-          </a:xfrm>
-          <a:prstGeom prst="rightArrow">
-            <a:avLst/>
-          </a:prstGeom>
-        </p:spPr>
-        <p:style>
-          <a:lnRef idx="2">
-            <a:schemeClr val="accent1">
-              <a:shade val="50000"/>
-            </a:schemeClr>
-          </a:lnRef>
-          <a:fillRef idx="1">
-            <a:schemeClr val="accent1"/>
-          </a:fillRef>
-          <a:effectRef idx="0">
-            <a:schemeClr val="accent1"/>
-          </a:effectRef>
-          <a:fontRef idx="minor">
-            <a:schemeClr val="lt1"/>
-          </a:fontRef>
-        </p:style>
-        <p:txBody>
-          <a:bodyPr rtlCol="0" anchor="ctr"/>
-          <a:lstStyle/>
-          <a:p>
-            <a:pPr algn="ctr"/>
-            <a:endParaRPr lang="en-US"/>
-          </a:p>
-        </p:txBody>
-      </p:sp>
-      <p:sp>
-        <p:nvSpPr>
-          <p:cNvPr id="13" name="Right Arrow 12"/>
-          <p:cNvSpPr/>
-          <p:nvPr/>
-        </p:nvSpPr>
-        <p:spPr>
-          <a:xfrm>
-            <a:off x="5557653" y="4752099"/>
-            <a:ext cx="1187532" cy="356259"/>
-          </a:xfrm>
-          <a:prstGeom prst="rightArrow">
-            <a:avLst/>
-          </a:prstGeom>
-        </p:spPr>
-        <p:style>
-          <a:lnRef idx="2">
-            <a:schemeClr val="accent1">
-              <a:shade val="50000"/>
-            </a:schemeClr>
-          </a:lnRef>
-          <a:fillRef idx="1">
-            <a:schemeClr val="accent1"/>
-          </a:fillRef>
-          <a:effectRef idx="0">
-            <a:schemeClr val="accent1"/>
-          </a:effectRef>
-          <a:fontRef idx="minor">
-            <a:schemeClr val="lt1"/>
-          </a:fontRef>
-        </p:style>
-        <p:txBody>
-          <a:bodyPr rtlCol="0" anchor="ctr"/>
-          <a:lstStyle/>
-          <a:p>
-            <a:pPr algn="ctr"/>
-            <a:endParaRPr lang="en-US"/>
-          </a:p>
-        </p:txBody>
-      </p:sp>
-    </p:spTree>
-    <p:extLst>
-      <p:ext uri="{BB962C8B-B14F-4D97-AF65-F5344CB8AC3E}">
-        <p14:creationId xmlns:p14="http://schemas.microsoft.com/office/powerpoint/2010/main" val="3270950444"/>
-      </p:ext>
-    </p:extLst>
-  </p:cSld>
-  <p:clrMapOvr>
-    <a:masterClrMapping/>
-  </p:clrMapOvr>
-</p:sld>
-</file>
-
-<file path=ppt/slides/slide22.xml><?xml version="1.0" encoding="utf-8"?>
-<p:sld xmlns:a="http://schemas.openxmlformats.org/drawingml/2006/main" xmlns:r="http://schemas.openxmlformats.org/officeDocument/2006/relationships" xmlns:p="http://schemas.openxmlformats.org/presentationml/2006/main" show="0">
-  <p:cSld>
-    <p:spTree>
-      <p:nvGrpSpPr>
-        <p:cNvPr id="1" name=""/>
-        <p:cNvGrpSpPr/>
-        <p:nvPr/>
-      </p:nvGrpSpPr>
-      <p:grpSpPr>
-        <a:xfrm>
-          <a:off x="0" y="0"/>
-          <a:ext cx="0" cy="0"/>
-          <a:chOff x="0" y="0"/>
-          <a:chExt cx="0" cy="0"/>
-        </a:xfrm>
-      </p:grpSpPr>
-      <p:sp>
-        <p:nvSpPr>
-          <p:cNvPr id="4" name="Title 1"/>
-          <p:cNvSpPr>
-            <a:spLocks noGrp="1"/>
-          </p:cNvSpPr>
-          <p:nvPr>
-            <p:ph type="title"/>
-          </p:nvPr>
-        </p:nvSpPr>
-        <p:spPr/>
-        <p:txBody>
-          <a:bodyPr/>
-          <a:lstStyle/>
-          <a:p>
-            <a:r>
-              <a:rPr lang="en-US" dirty="0"/>
-              <a:t>Activity Lifecycle </a:t>
-            </a:r>
-          </a:p>
-        </p:txBody>
-      </p:sp>
-      <p:sp>
-        <p:nvSpPr>
-          <p:cNvPr id="6" name="TextBox 5"/>
-          <p:cNvSpPr txBox="1"/>
-          <p:nvPr/>
-        </p:nvSpPr>
-        <p:spPr>
-          <a:xfrm>
-            <a:off x="819645" y="1906796"/>
-            <a:ext cx="6222670" cy="369332"/>
-          </a:xfrm>
-          <a:prstGeom prst="rect">
-            <a:avLst/>
-          </a:prstGeom>
-          <a:noFill/>
-        </p:spPr>
-        <p:txBody>
-          <a:bodyPr wrap="square" rtlCol="0">
-            <a:spAutoFit/>
-          </a:bodyPr>
-          <a:lstStyle/>
-          <a:p>
-            <a:r>
-              <a:rPr lang="en-US" b="1" dirty="0" err="1"/>
-              <a:t>onRestart</a:t>
-            </a:r>
-            <a:r>
-              <a:rPr lang="en-US" b="1" dirty="0"/>
-              <a:t>() </a:t>
-            </a:r>
-            <a:r>
-              <a:rPr lang="en-US" dirty="0"/>
-              <a:t>activity is </a:t>
-            </a:r>
-            <a:r>
-              <a:rPr lang="en-US" dirty="0" err="1"/>
-              <a:t>stoppd</a:t>
-            </a:r>
-            <a:r>
-              <a:rPr lang="en-US" dirty="0"/>
-              <a:t>, then started again</a:t>
-            </a:r>
-          </a:p>
-        </p:txBody>
-      </p:sp>
-      <p:pic>
-        <p:nvPicPr>
-          <p:cNvPr id="8" name="Content Placeholder 3"/>
-          <p:cNvPicPr>
-            <a:picLocks noChangeAspect="1"/>
-          </p:cNvPicPr>
-          <p:nvPr/>
-        </p:nvPicPr>
-        <p:blipFill>
-          <a:blip r:embed="rId2">
-            <a:extLst>
-              <a:ext uri="{28A0092B-C50C-407E-A947-70E740481C1C}">
-                <a14:useLocalDpi xmlns:a14="http://schemas.microsoft.com/office/drawing/2010/main" val="0"/>
-              </a:ext>
-            </a:extLst>
-          </a:blip>
-          <a:stretch>
-            <a:fillRect/>
-          </a:stretch>
-        </p:blipFill>
-        <p:spPr>
-          <a:xfrm>
-            <a:off x="5523848" y="901998"/>
-            <a:ext cx="3943705" cy="5096836"/>
-          </a:xfrm>
-          <a:prstGeom prst="rect">
-            <a:avLst/>
-          </a:prstGeom>
-        </p:spPr>
-      </p:pic>
-      <p:sp>
-        <p:nvSpPr>
-          <p:cNvPr id="7" name="Rectangle 6"/>
-          <p:cNvSpPr/>
-          <p:nvPr/>
-        </p:nvSpPr>
-        <p:spPr>
-          <a:xfrm>
-            <a:off x="8533064" y="1915707"/>
-            <a:ext cx="922614" cy="232410"/>
-          </a:xfrm>
-          <a:prstGeom prst="rect">
-            <a:avLst/>
-          </a:prstGeom>
-          <a:noFill/>
-          <a:ln w="38100">
-            <a:solidFill>
-              <a:srgbClr val="FF0000"/>
-            </a:solidFill>
-          </a:ln>
-        </p:spPr>
-        <p:style>
-          <a:lnRef idx="2">
-            <a:schemeClr val="accent1">
-              <a:shade val="50000"/>
-            </a:schemeClr>
-          </a:lnRef>
-          <a:fillRef idx="1">
-            <a:schemeClr val="accent1"/>
-          </a:fillRef>
-          <a:effectRef idx="0">
-            <a:schemeClr val="accent1"/>
-          </a:effectRef>
-          <a:fontRef idx="minor">
-            <a:schemeClr val="lt1"/>
-          </a:fontRef>
-        </p:style>
-        <p:txBody>
-          <a:bodyPr rtlCol="0" anchor="ctr"/>
-          <a:lstStyle/>
-          <a:p>
-            <a:pPr algn="ctr"/>
-            <a:endParaRPr lang="en-US"/>
-          </a:p>
-        </p:txBody>
-      </p:sp>
-    </p:spTree>
-    <p:extLst>
-      <p:ext uri="{BB962C8B-B14F-4D97-AF65-F5344CB8AC3E}">
-        <p14:creationId xmlns:p14="http://schemas.microsoft.com/office/powerpoint/2010/main" val="3335284568"/>
-      </p:ext>
-    </p:extLst>
-  </p:cSld>
-  <p:clrMapOvr>
-    <a:masterClrMapping/>
-  </p:clrMapOvr>
-</p:sld>
-</file>
-
-<file path=ppt/slides/slide23.xml><?xml version="1.0" encoding="utf-8"?>
-<p:sld xmlns:a="http://schemas.openxmlformats.org/drawingml/2006/main" xmlns:r="http://schemas.openxmlformats.org/officeDocument/2006/relationships" xmlns:p="http://schemas.openxmlformats.org/presentationml/2006/main">
-  <p:cSld>
-    <p:spTree>
-      <p:nvGrpSpPr>
-        <p:cNvPr id="1" name=""/>
-        <p:cNvGrpSpPr/>
-        <p:nvPr/>
-      </p:nvGrpSpPr>
-      <p:grpSpPr>
-        <a:xfrm>
-          <a:off x="0" y="0"/>
-          <a:ext cx="0" cy="0"/>
-          <a:chOff x="0" y="0"/>
-          <a:chExt cx="0" cy="0"/>
-        </a:xfrm>
-      </p:grpSpPr>
-      <p:sp>
-        <p:nvSpPr>
-          <p:cNvPr id="2" name="Title 1"/>
-          <p:cNvSpPr>
-            <a:spLocks noGrp="1"/>
-          </p:cNvSpPr>
-          <p:nvPr>
-            <p:ph type="title"/>
-          </p:nvPr>
-        </p:nvSpPr>
-        <p:spPr/>
-        <p:txBody>
-          <a:bodyPr/>
-          <a:lstStyle/>
-          <a:p>
-            <a:r>
-              <a:rPr lang="en-US" dirty="0"/>
-              <a:t>Hitting back </a:t>
-            </a:r>
-          </a:p>
-        </p:txBody>
-      </p:sp>
-      <p:sp>
-        <p:nvSpPr>
-          <p:cNvPr id="3" name="Content Placeholder 2"/>
-          <p:cNvSpPr>
-            <a:spLocks noGrp="1"/>
-          </p:cNvSpPr>
-          <p:nvPr>
-            <p:ph idx="1"/>
-          </p:nvPr>
-        </p:nvSpPr>
-        <p:spPr/>
-        <p:txBody>
-          <a:bodyPr/>
-          <a:lstStyle/>
-          <a:p>
-            <a:r>
-              <a:rPr lang="en-US" dirty="0" err="1"/>
-              <a:t>onDestroy</a:t>
-            </a:r>
-            <a:r>
-              <a:rPr lang="en-US" dirty="0"/>
-              <a:t>()</a:t>
-            </a:r>
-          </a:p>
-        </p:txBody>
-      </p:sp>
-    </p:spTree>
-    <p:extLst>
-      <p:ext uri="{BB962C8B-B14F-4D97-AF65-F5344CB8AC3E}">
-        <p14:creationId xmlns:p14="http://schemas.microsoft.com/office/powerpoint/2010/main" val="679222727"/>
-      </p:ext>
-    </p:extLst>
-  </p:cSld>
-  <p:clrMapOvr>
-    <a:masterClrMapping/>
-  </p:clrMapOvr>
-</p:sld>
-</file>
-
-<file path=ppt/slides/slide24.xml><?xml version="1.0" encoding="utf-8"?>
-<p:sld xmlns:a="http://schemas.openxmlformats.org/drawingml/2006/main" xmlns:r="http://schemas.openxmlformats.org/officeDocument/2006/relationships" xmlns:p="http://schemas.openxmlformats.org/presentationml/2006/main">
-  <p:cSld>
-    <p:spTree>
-      <p:nvGrpSpPr>
-        <p:cNvPr id="1" name=""/>
-        <p:cNvGrpSpPr/>
-        <p:nvPr/>
-      </p:nvGrpSpPr>
-      <p:grpSpPr>
-        <a:xfrm>
-          <a:off x="0" y="0"/>
-          <a:ext cx="0" cy="0"/>
-          <a:chOff x="0" y="0"/>
-          <a:chExt cx="0" cy="0"/>
-        </a:xfrm>
-      </p:grpSpPr>
-      <p:sp>
-        <p:nvSpPr>
-          <p:cNvPr id="2" name="Title 1"/>
-          <p:cNvSpPr>
-            <a:spLocks noGrp="1"/>
-          </p:cNvSpPr>
-          <p:nvPr>
-            <p:ph type="title"/>
-          </p:nvPr>
-        </p:nvSpPr>
-        <p:spPr/>
-        <p:txBody>
-          <a:bodyPr/>
-          <a:lstStyle/>
-          <a:p>
-            <a:r>
-              <a:rPr lang="en-US" dirty="0"/>
-              <a:t>Home button</a:t>
-            </a:r>
-          </a:p>
-        </p:txBody>
-      </p:sp>
-      <p:sp>
-        <p:nvSpPr>
-          <p:cNvPr id="3" name="Content Placeholder 2"/>
-          <p:cNvSpPr>
-            <a:spLocks noGrp="1"/>
-          </p:cNvSpPr>
-          <p:nvPr>
-            <p:ph idx="1"/>
-          </p:nvPr>
-        </p:nvSpPr>
-        <p:spPr/>
-        <p:txBody>
-          <a:bodyPr/>
-          <a:lstStyle/>
-          <a:p>
-            <a:r>
-              <a:rPr lang="en-US" dirty="0"/>
-              <a:t>Stopped</a:t>
-            </a:r>
-          </a:p>
-        </p:txBody>
-      </p:sp>
-    </p:spTree>
-    <p:extLst>
-      <p:ext uri="{BB962C8B-B14F-4D97-AF65-F5344CB8AC3E}">
-        <p14:creationId xmlns:p14="http://schemas.microsoft.com/office/powerpoint/2010/main" val="2378621501"/>
-      </p:ext>
-    </p:extLst>
-  </p:cSld>
-  <p:clrMapOvr>
-    <a:masterClrMapping/>
-  </p:clrMapOvr>
-</p:sld>
-</file>
-
-<file path=ppt/slides/slide25.xml><?xml version="1.0" encoding="utf-8"?>
-<p:sld xmlns:a="http://schemas.openxmlformats.org/drawingml/2006/main" xmlns:r="http://schemas.openxmlformats.org/officeDocument/2006/relationships" xmlns:p="http://schemas.openxmlformats.org/presentationml/2006/main">
-  <p:cSld>
-    <p:spTree>
-      <p:nvGrpSpPr>
-        <p:cNvPr id="1" name=""/>
-        <p:cNvGrpSpPr/>
-        <p:nvPr/>
-      </p:nvGrpSpPr>
-      <p:grpSpPr>
-        <a:xfrm>
-          <a:off x="0" y="0"/>
-          <a:ext cx="0" cy="0"/>
-          <a:chOff x="0" y="0"/>
-          <a:chExt cx="0" cy="0"/>
-        </a:xfrm>
-      </p:grpSpPr>
-      <p:sp>
-        <p:nvSpPr>
-          <p:cNvPr id="2" name="Title 1"/>
-          <p:cNvSpPr>
-            <a:spLocks noGrp="1"/>
-          </p:cNvSpPr>
-          <p:nvPr>
-            <p:ph type="title"/>
-          </p:nvPr>
-        </p:nvSpPr>
-        <p:spPr/>
-        <p:txBody>
-          <a:bodyPr/>
-          <a:lstStyle/>
-          <a:p>
-            <a:r>
-              <a:rPr lang="en-US" dirty="0" err="1"/>
-              <a:t>SavedInstanceState</a:t>
-            </a:r>
-            <a:endParaRPr lang="en-US" dirty="0"/>
-          </a:p>
-        </p:txBody>
-      </p:sp>
-      <p:sp>
-        <p:nvSpPr>
-          <p:cNvPr id="3" name="Content Placeholder 2"/>
-          <p:cNvSpPr>
-            <a:spLocks noGrp="1"/>
-          </p:cNvSpPr>
-          <p:nvPr>
-            <p:ph idx="1"/>
-          </p:nvPr>
-        </p:nvSpPr>
-        <p:spPr/>
-        <p:txBody>
-          <a:bodyPr/>
-          <a:lstStyle/>
-          <a:p>
-            <a:r>
-              <a:rPr lang="en-US" dirty="0"/>
-              <a:t>On Rotation</a:t>
-            </a:r>
-          </a:p>
-          <a:p>
-            <a:r>
-              <a:rPr lang="en-US" dirty="0"/>
-              <a:t>App is killed</a:t>
-            </a:r>
-          </a:p>
-        </p:txBody>
-      </p:sp>
-    </p:spTree>
-    <p:extLst>
-      <p:ext uri="{BB962C8B-B14F-4D97-AF65-F5344CB8AC3E}">
-        <p14:creationId xmlns:p14="http://schemas.microsoft.com/office/powerpoint/2010/main" val="992913506"/>
-      </p:ext>
-    </p:extLst>
-  </p:cSld>
-  <p:clrMapOvr>
-    <a:masterClrMapping/>
-  </p:clrMapOvr>
-</p:sld>
-</file>
-
-<file path=ppt/slides/slide26.xml><?xml version="1.0" encoding="utf-8"?>
-<p:sld xmlns:a="http://schemas.openxmlformats.org/drawingml/2006/main" xmlns:r="http://schemas.openxmlformats.org/officeDocument/2006/relationships" xmlns:p="http://schemas.openxmlformats.org/presentationml/2006/main">
-  <p:cSld>
-    <p:spTree>
-      <p:nvGrpSpPr>
-        <p:cNvPr id="1" name=""/>
-        <p:cNvGrpSpPr/>
-        <p:nvPr/>
-      </p:nvGrpSpPr>
-      <p:grpSpPr>
-        <a:xfrm>
-          <a:off x="0" y="0"/>
-          <a:ext cx="0" cy="0"/>
-          <a:chOff x="0" y="0"/>
-          <a:chExt cx="0" cy="0"/>
-        </a:xfrm>
-      </p:grpSpPr>
-      <p:sp>
-        <p:nvSpPr>
-          <p:cNvPr id="2" name="Title 1"/>
-          <p:cNvSpPr>
-            <a:spLocks noGrp="1"/>
-          </p:cNvSpPr>
-          <p:nvPr>
-            <p:ph type="title"/>
-          </p:nvPr>
-        </p:nvSpPr>
-        <p:spPr/>
-        <p:txBody>
-          <a:bodyPr/>
-          <a:lstStyle/>
-          <a:p>
-            <a:r>
-              <a:rPr lang="en-US" dirty="0" err="1"/>
-              <a:t>Github</a:t>
-            </a:r>
-            <a:endParaRPr lang="en-US" dirty="0"/>
-          </a:p>
-        </p:txBody>
-      </p:sp>
-      <p:sp>
-        <p:nvSpPr>
-          <p:cNvPr id="3" name="Content Placeholder 2"/>
-          <p:cNvSpPr>
-            <a:spLocks noGrp="1"/>
-          </p:cNvSpPr>
-          <p:nvPr>
-            <p:ph idx="1"/>
-          </p:nvPr>
-        </p:nvSpPr>
-        <p:spPr/>
-        <p:txBody>
-          <a:bodyPr/>
-          <a:lstStyle/>
-          <a:p>
-            <a:endParaRPr lang="en-US"/>
-          </a:p>
-        </p:txBody>
-      </p:sp>
-    </p:spTree>
-    <p:extLst>
-      <p:ext uri="{BB962C8B-B14F-4D97-AF65-F5344CB8AC3E}">
-        <p14:creationId xmlns:p14="http://schemas.microsoft.com/office/powerpoint/2010/main" val="719851520"/>
-      </p:ext>
-    </p:extLst>
-  </p:cSld>
-  <p:clrMapOvr>
-    <a:masterClrMapping/>
-  </p:clrMapOvr>
-</p:sld>
-</file>
-
-<file path=ppt/slides/slide3.xml><?xml version="1.0" encoding="utf-8"?>
-<p:sld xmlns:a="http://schemas.openxmlformats.org/drawingml/2006/main" xmlns:r="http://schemas.openxmlformats.org/officeDocument/2006/relationships" xmlns:p="http://schemas.openxmlformats.org/presentationml/2006/main">
-  <p:cSld>
-    <p:spTree>
-      <p:nvGrpSpPr>
-        <p:cNvPr id="1" name=""/>
-        <p:cNvGrpSpPr/>
-        <p:nvPr/>
-      </p:nvGrpSpPr>
-      <p:grpSpPr>
-        <a:xfrm>
-          <a:off x="0" y="0"/>
-          <a:ext cx="0" cy="0"/>
-          <a:chOff x="0" y="0"/>
-          <a:chExt cx="0" cy="0"/>
-        </a:xfrm>
-      </p:grpSpPr>
-      <p:sp>
-        <p:nvSpPr>
-          <p:cNvPr id="2" name="Title 1"/>
-          <p:cNvSpPr>
-            <a:spLocks noGrp="1"/>
-          </p:cNvSpPr>
-          <p:nvPr>
-            <p:ph type="title"/>
-          </p:nvPr>
-        </p:nvSpPr>
-        <p:spPr/>
-        <p:txBody>
-          <a:bodyPr/>
-          <a:lstStyle/>
-          <a:p>
-            <a:r>
-              <a:rPr lang="en-US" dirty="0"/>
-              <a:t>Agenda</a:t>
-            </a:r>
-          </a:p>
-        </p:txBody>
-      </p:sp>
-      <p:sp>
-        <p:nvSpPr>
-          <p:cNvPr id="3" name="Content Placeholder 2"/>
-          <p:cNvSpPr>
-            <a:spLocks noGrp="1"/>
-          </p:cNvSpPr>
-          <p:nvPr>
-            <p:ph idx="1"/>
-          </p:nvPr>
-        </p:nvSpPr>
-        <p:spPr/>
-        <p:txBody>
-          <a:bodyPr>
-            <a:normAutofit fontScale="92500" lnSpcReduction="20000"/>
-          </a:bodyPr>
-          <a:lstStyle/>
-          <a:p>
-            <a:r>
-              <a:rPr lang="en-US" dirty="0"/>
-              <a:t>High Level </a:t>
-            </a:r>
-          </a:p>
-          <a:p>
-            <a:pPr lvl="1"/>
-            <a:r>
-              <a:rPr lang="en-US" dirty="0"/>
-              <a:t>Android Studio </a:t>
-            </a:r>
-          </a:p>
-          <a:p>
-            <a:pPr lvl="2"/>
-            <a:r>
-              <a:rPr lang="en-US" dirty="0"/>
-              <a:t>Overview</a:t>
-            </a:r>
-          </a:p>
-          <a:p>
-            <a:pPr lvl="1"/>
-            <a:r>
-              <a:rPr lang="en-US" dirty="0"/>
-              <a:t>Activity </a:t>
-            </a:r>
-          </a:p>
-          <a:p>
-            <a:pPr lvl="2"/>
-            <a:r>
-              <a:rPr lang="en-US" dirty="0"/>
-              <a:t>Responsibility </a:t>
-            </a:r>
-          </a:p>
-          <a:p>
-            <a:pPr lvl="2"/>
-            <a:r>
-              <a:rPr lang="en-US" dirty="0"/>
-              <a:t>Caveats</a:t>
-            </a:r>
-          </a:p>
-          <a:p>
-            <a:pPr lvl="1"/>
-            <a:r>
-              <a:rPr lang="en-US" dirty="0"/>
-              <a:t>Fragment</a:t>
-            </a:r>
-          </a:p>
-          <a:p>
-            <a:pPr lvl="2"/>
-            <a:r>
-              <a:rPr lang="en-US" dirty="0"/>
-              <a:t>Responsibility </a:t>
-            </a:r>
-          </a:p>
-          <a:p>
-            <a:pPr lvl="2"/>
-            <a:r>
-              <a:rPr lang="en-US" dirty="0"/>
-              <a:t>Caveats</a:t>
-            </a:r>
-          </a:p>
-          <a:p>
-            <a:pPr lvl="2"/>
-            <a:endParaRPr lang="en-US" dirty="0"/>
-          </a:p>
-          <a:p>
-            <a:pPr lvl="2"/>
-            <a:endParaRPr lang="en-US" dirty="0"/>
-          </a:p>
-        </p:txBody>
-      </p:sp>
-    </p:spTree>
-    <p:extLst>
-      <p:ext uri="{BB962C8B-B14F-4D97-AF65-F5344CB8AC3E}">
-        <p14:creationId xmlns:p14="http://schemas.microsoft.com/office/powerpoint/2010/main" val="1370593822"/>
-      </p:ext>
-    </p:extLst>
-  </p:cSld>
-  <p:clrMapOvr>
-    <a:masterClrMapping/>
-  </p:clrMapOvr>
-</p:sld>
-</file>
-
-<file path=ppt/slides/slide4.xml><?xml version="1.0" encoding="utf-8"?>
-<p:sld xmlns:a="http://schemas.openxmlformats.org/drawingml/2006/main" xmlns:r="http://schemas.openxmlformats.org/officeDocument/2006/relationships" xmlns:p="http://schemas.openxmlformats.org/presentationml/2006/main">
-  <p:cSld>
-    <p:spTree>
-      <p:nvGrpSpPr>
-        <p:cNvPr id="1" name=""/>
-        <p:cNvGrpSpPr/>
-        <p:nvPr/>
-      </p:nvGrpSpPr>
-      <p:grpSpPr>
-        <a:xfrm>
-          <a:off x="0" y="0"/>
-          <a:ext cx="0" cy="0"/>
-          <a:chOff x="0" y="0"/>
-          <a:chExt cx="0" cy="0"/>
-        </a:xfrm>
-      </p:grpSpPr>
-      <p:sp>
-        <p:nvSpPr>
-          <p:cNvPr id="2" name="Title 1"/>
-          <p:cNvSpPr>
-            <a:spLocks noGrp="1"/>
-          </p:cNvSpPr>
-          <p:nvPr>
-            <p:ph type="title"/>
-          </p:nvPr>
-        </p:nvSpPr>
-        <p:spPr/>
-        <p:txBody>
-          <a:bodyPr/>
-          <a:lstStyle/>
-          <a:p>
-            <a:r>
-              <a:rPr lang="en-US" dirty="0"/>
-              <a:t>Agenda (</a:t>
-            </a:r>
-            <a:r>
-              <a:rPr lang="en-US" dirty="0" err="1"/>
-              <a:t>cont</a:t>
-            </a:r>
-            <a:r>
-              <a:rPr lang="en-US" dirty="0"/>
-              <a:t>)</a:t>
-            </a:r>
-          </a:p>
-        </p:txBody>
-      </p:sp>
-      <p:sp>
-        <p:nvSpPr>
-          <p:cNvPr id="3" name="Content Placeholder 2"/>
-          <p:cNvSpPr>
-            <a:spLocks noGrp="1"/>
-          </p:cNvSpPr>
-          <p:nvPr>
-            <p:ph idx="1"/>
-          </p:nvPr>
-        </p:nvSpPr>
-        <p:spPr/>
-        <p:txBody>
-          <a:bodyPr>
-            <a:normAutofit/>
-          </a:bodyPr>
-          <a:lstStyle/>
-          <a:p>
-            <a:r>
-              <a:rPr lang="en-US" dirty="0"/>
-              <a:t>Detail  Level</a:t>
-            </a:r>
-          </a:p>
-          <a:p>
-            <a:pPr lvl="1"/>
-            <a:r>
-              <a:rPr lang="en-US" dirty="0"/>
-              <a:t>Activity </a:t>
-            </a:r>
-          </a:p>
-          <a:p>
-            <a:pPr lvl="2"/>
-            <a:r>
-              <a:rPr lang="en-US" dirty="0"/>
-              <a:t>Lifecycle</a:t>
-            </a:r>
-          </a:p>
-          <a:p>
-            <a:pPr lvl="2"/>
-            <a:r>
-              <a:rPr lang="en-US" dirty="0"/>
-              <a:t>Coding Activity</a:t>
-            </a:r>
-          </a:p>
-          <a:p>
-            <a:pPr lvl="2"/>
-            <a:r>
-              <a:rPr lang="en-US" dirty="0"/>
-              <a:t>XML layout</a:t>
-            </a:r>
-          </a:p>
-          <a:p>
-            <a:pPr lvl="2"/>
-            <a:r>
-              <a:rPr lang="en-US" dirty="0"/>
-              <a:t>Manifest.xml</a:t>
-            </a:r>
-          </a:p>
-          <a:p>
-            <a:pPr lvl="2"/>
-            <a:r>
-              <a:rPr lang="en-US" dirty="0"/>
-              <a:t>Activity to Activity communication</a:t>
-            </a:r>
-          </a:p>
-          <a:p>
-            <a:pPr marL="0" indent="0">
-              <a:buNone/>
-            </a:pPr>
-            <a:endParaRPr lang="en-US" dirty="0"/>
-          </a:p>
-        </p:txBody>
-      </p:sp>
-    </p:spTree>
-    <p:extLst>
-      <p:ext uri="{BB962C8B-B14F-4D97-AF65-F5344CB8AC3E}">
-        <p14:creationId xmlns:p14="http://schemas.microsoft.com/office/powerpoint/2010/main" val="2743571541"/>
-      </p:ext>
-    </p:extLst>
-  </p:cSld>
-  <p:clrMapOvr>
-    <a:masterClrMapping/>
-  </p:clrMapOvr>
-</p:sld>
-</file>
-
-<file path=ppt/slides/slide5.xml><?xml version="1.0" encoding="utf-8"?>
-<p:sld xmlns:a="http://schemas.openxmlformats.org/drawingml/2006/main" xmlns:r="http://schemas.openxmlformats.org/officeDocument/2006/relationships" xmlns:p="http://schemas.openxmlformats.org/presentationml/2006/main">
-  <p:cSld>
-    <p:spTree>
-      <p:nvGrpSpPr>
-        <p:cNvPr id="1" name=""/>
-        <p:cNvGrpSpPr/>
-        <p:nvPr/>
-      </p:nvGrpSpPr>
-      <p:grpSpPr>
-        <a:xfrm>
-          <a:off x="0" y="0"/>
-          <a:ext cx="0" cy="0"/>
-          <a:chOff x="0" y="0"/>
-          <a:chExt cx="0" cy="0"/>
-        </a:xfrm>
-      </p:grpSpPr>
-      <p:sp>
-        <p:nvSpPr>
-          <p:cNvPr id="2" name="Title 1"/>
-          <p:cNvSpPr>
-            <a:spLocks noGrp="1"/>
-          </p:cNvSpPr>
-          <p:nvPr>
-            <p:ph type="title"/>
-          </p:nvPr>
-        </p:nvSpPr>
-        <p:spPr/>
-        <p:txBody>
-          <a:bodyPr/>
-          <a:lstStyle/>
-          <a:p>
-            <a:r>
-              <a:rPr lang="en-US" dirty="0"/>
-              <a:t>Agenda (</a:t>
-            </a:r>
-            <a:r>
-              <a:rPr lang="en-US" dirty="0" err="1"/>
-              <a:t>cont</a:t>
-            </a:r>
-            <a:r>
-              <a:rPr lang="en-US" dirty="0"/>
-              <a:t>)</a:t>
-            </a:r>
-          </a:p>
-        </p:txBody>
-      </p:sp>
-      <p:sp>
-        <p:nvSpPr>
-          <p:cNvPr id="3" name="Content Placeholder 2"/>
-          <p:cNvSpPr>
-            <a:spLocks noGrp="1"/>
-          </p:cNvSpPr>
-          <p:nvPr>
-            <p:ph idx="1"/>
-          </p:nvPr>
-        </p:nvSpPr>
-        <p:spPr/>
-        <p:txBody>
-          <a:bodyPr/>
-          <a:lstStyle/>
-          <a:p>
-            <a:pPr lvl="1"/>
-            <a:r>
-              <a:rPr lang="en-US" dirty="0"/>
-              <a:t>Fragment</a:t>
-            </a:r>
-          </a:p>
-          <a:p>
-            <a:pPr lvl="2"/>
-            <a:r>
-              <a:rPr lang="en-US" dirty="0"/>
-              <a:t>Lifecycle</a:t>
-            </a:r>
-          </a:p>
-          <a:p>
-            <a:pPr lvl="2"/>
-            <a:r>
-              <a:rPr lang="en-US" dirty="0"/>
-              <a:t>Coding Fragment</a:t>
-            </a:r>
-          </a:p>
-          <a:p>
-            <a:pPr lvl="2"/>
-            <a:r>
-              <a:rPr lang="en-US" dirty="0"/>
-              <a:t>XML Layout</a:t>
-            </a:r>
-          </a:p>
-          <a:p>
-            <a:pPr lvl="2"/>
-            <a:r>
-              <a:rPr lang="en-US" dirty="0"/>
-              <a:t>Fragment to Activity communication</a:t>
-            </a:r>
-          </a:p>
-          <a:p>
-            <a:pPr lvl="2"/>
-            <a:r>
-              <a:rPr lang="en-US" dirty="0"/>
-              <a:t>Activity to Fragment communication</a:t>
-            </a:r>
-          </a:p>
-          <a:p>
-            <a:pPr lvl="2"/>
-            <a:r>
-              <a:rPr lang="en-US" dirty="0"/>
-              <a:t>Attaching Fragment to Activity </a:t>
-            </a:r>
-          </a:p>
-          <a:p>
-            <a:endParaRPr lang="en-US" dirty="0"/>
-          </a:p>
-        </p:txBody>
-      </p:sp>
-    </p:spTree>
-    <p:extLst>
-      <p:ext uri="{BB962C8B-B14F-4D97-AF65-F5344CB8AC3E}">
-        <p14:creationId xmlns:p14="http://schemas.microsoft.com/office/powerpoint/2010/main" val="2986940534"/>
-      </p:ext>
-    </p:extLst>
-  </p:cSld>
-  <p:clrMapOvr>
-    <a:masterClrMapping/>
-  </p:clrMapOvr>
-</p:sld>
-</file>
-
-<file path=ppt/slides/slide6.xml><?xml version="1.0" encoding="utf-8"?>
-<p:sld xmlns:a="http://schemas.openxmlformats.org/drawingml/2006/main" xmlns:r="http://schemas.openxmlformats.org/officeDocument/2006/relationships" xmlns:p="http://schemas.openxmlformats.org/presentationml/2006/main">
-  <p:cSld>
-    <p:spTree>
-      <p:nvGrpSpPr>
-        <p:cNvPr id="1" name=""/>
-        <p:cNvGrpSpPr/>
-        <p:nvPr/>
-      </p:nvGrpSpPr>
-      <p:grpSpPr>
-        <a:xfrm>
-          <a:off x="0" y="0"/>
-          <a:ext cx="0" cy="0"/>
-          <a:chOff x="0" y="0"/>
-          <a:chExt cx="0" cy="0"/>
-        </a:xfrm>
-      </p:grpSpPr>
-      <p:sp>
-        <p:nvSpPr>
-          <p:cNvPr id="2" name="Title 1"/>
-          <p:cNvSpPr>
-            <a:spLocks noGrp="1"/>
-          </p:cNvSpPr>
-          <p:nvPr>
-            <p:ph type="title"/>
-          </p:nvPr>
-        </p:nvSpPr>
-        <p:spPr/>
-        <p:txBody>
-          <a:bodyPr/>
-          <a:lstStyle/>
-          <a:p>
-            <a:endParaRPr lang="en-US" dirty="0"/>
-          </a:p>
-        </p:txBody>
-      </p:sp>
-      <p:sp>
-        <p:nvSpPr>
-          <p:cNvPr id="3" name="Content Placeholder 2"/>
-          <p:cNvSpPr>
-            <a:spLocks noGrp="1"/>
-          </p:cNvSpPr>
-          <p:nvPr>
-            <p:ph idx="1"/>
-          </p:nvPr>
-        </p:nvSpPr>
-        <p:spPr/>
-        <p:txBody>
-          <a:bodyPr/>
-          <a:lstStyle/>
-          <a:p>
-            <a:pPr marL="0" indent="0" algn="ctr">
-              <a:buNone/>
-            </a:pPr>
-            <a:endParaRPr lang="en-US" dirty="0"/>
-          </a:p>
-          <a:p>
-            <a:pPr marL="0" indent="0" algn="ctr">
-              <a:buNone/>
-            </a:pPr>
-            <a:endParaRPr lang="en-US" dirty="0"/>
-          </a:p>
-          <a:p>
-            <a:pPr marL="0" indent="0" algn="ctr">
-              <a:buNone/>
-            </a:pPr>
-            <a:r>
-              <a:rPr lang="en-US" sz="6600" dirty="0"/>
-              <a:t>High Level </a:t>
-            </a:r>
-          </a:p>
-          <a:p>
-            <a:pPr marL="0" indent="0" algn="ctr">
-              <a:buNone/>
-            </a:pPr>
-            <a:endParaRPr lang="en-US" sz="6600" dirty="0"/>
-          </a:p>
-        </p:txBody>
-      </p:sp>
-    </p:spTree>
-    <p:extLst>
-      <p:ext uri="{BB962C8B-B14F-4D97-AF65-F5344CB8AC3E}">
-        <p14:creationId xmlns:p14="http://schemas.microsoft.com/office/powerpoint/2010/main" val="941986389"/>
-      </p:ext>
-    </p:extLst>
-  </p:cSld>
-  <p:clrMapOvr>
-    <a:masterClrMapping/>
-  </p:clrMapOvr>
-</p:sld>
-</file>
-
-<file path=ppt/slides/slide7.xml><?xml version="1.0" encoding="utf-8"?>
-<p:sld xmlns:a="http://schemas.openxmlformats.org/drawingml/2006/main" xmlns:r="http://schemas.openxmlformats.org/officeDocument/2006/relationships" xmlns:p="http://schemas.openxmlformats.org/presentationml/2006/main">
-  <p:cSld>
-    <p:spTree>
-      <p:nvGrpSpPr>
-        <p:cNvPr id="1" name=""/>
-        <p:cNvGrpSpPr/>
-        <p:nvPr/>
-      </p:nvGrpSpPr>
-      <p:grpSpPr>
-        <a:xfrm>
-          <a:off x="0" y="0"/>
-          <a:ext cx="0" cy="0"/>
-          <a:chOff x="0" y="0"/>
-          <a:chExt cx="0" cy="0"/>
-        </a:xfrm>
-      </p:grpSpPr>
-      <p:sp>
-        <p:nvSpPr>
-          <p:cNvPr id="2" name="Title 1"/>
-          <p:cNvSpPr>
-            <a:spLocks noGrp="1"/>
-          </p:cNvSpPr>
-          <p:nvPr>
-            <p:ph type="title"/>
-          </p:nvPr>
-        </p:nvSpPr>
-        <p:spPr/>
-        <p:txBody>
-          <a:bodyPr/>
-          <a:lstStyle/>
-          <a:p>
-            <a:r>
-              <a:rPr lang="en-US" dirty="0"/>
-              <a:t>Android Studio </a:t>
-            </a:r>
-          </a:p>
-        </p:txBody>
-      </p:sp>
-      <p:sp>
-        <p:nvSpPr>
-          <p:cNvPr id="3" name="Content Placeholder 2"/>
-          <p:cNvSpPr>
-            <a:spLocks noGrp="1"/>
-          </p:cNvSpPr>
-          <p:nvPr>
-            <p:ph idx="1"/>
-          </p:nvPr>
-        </p:nvSpPr>
-        <p:spPr/>
-        <p:txBody>
-          <a:bodyPr>
-            <a:normAutofit fontScale="62500" lnSpcReduction="20000"/>
-          </a:bodyPr>
-          <a:lstStyle/>
-          <a:p>
-            <a:r>
-              <a:rPr lang="en-US" dirty="0"/>
-              <a:t>De facto standard for Android development </a:t>
-            </a:r>
-          </a:p>
-          <a:p>
-            <a:r>
-              <a:rPr lang="en-US" dirty="0"/>
-              <a:t>Built on the IntelliJ</a:t>
-            </a:r>
-          </a:p>
-          <a:p>
-            <a:r>
-              <a:rPr lang="en-US" dirty="0"/>
-              <a:t>Some features</a:t>
-            </a:r>
-          </a:p>
-          <a:p>
-            <a:pPr lvl="1"/>
-            <a:r>
-              <a:rPr lang="en-US" dirty="0"/>
-              <a:t>Layout Editor</a:t>
-            </a:r>
-          </a:p>
-          <a:p>
-            <a:pPr lvl="1"/>
-            <a:r>
-              <a:rPr lang="en-US" dirty="0"/>
-              <a:t>Built in emulator </a:t>
-            </a:r>
-          </a:p>
-          <a:p>
-            <a:pPr lvl="1"/>
-            <a:r>
-              <a:rPr lang="en-US" dirty="0" err="1"/>
-              <a:t>Gradle</a:t>
-            </a:r>
-            <a:r>
-              <a:rPr lang="en-US" dirty="0"/>
-              <a:t> integration</a:t>
-            </a:r>
-          </a:p>
-          <a:p>
-            <a:pPr lvl="1"/>
-            <a:r>
-              <a:rPr lang="en-US" dirty="0"/>
-              <a:t>Instant Run (Hot swap)</a:t>
-            </a:r>
-          </a:p>
-          <a:p>
-            <a:pPr lvl="1"/>
-            <a:endParaRPr lang="en-US" dirty="0"/>
-          </a:p>
-          <a:p>
-            <a:pPr lvl="1"/>
-            <a:endParaRPr lang="en-US" dirty="0"/>
-          </a:p>
-          <a:p>
-            <a:pPr lvl="1"/>
-            <a:endParaRPr lang="en-US" dirty="0"/>
-          </a:p>
-          <a:p>
-            <a:pPr marL="457200" lvl="1" indent="0" algn="ctr">
-              <a:buNone/>
-            </a:pPr>
-            <a:r>
-              <a:rPr lang="en-US" dirty="0">
-                <a:hlinkClick r:id="rId2"/>
-              </a:rPr>
-              <a:t>https://developer.android.com/studio/index.html</a:t>
-            </a:r>
-            <a:endParaRPr lang="en-US" dirty="0"/>
-          </a:p>
-          <a:p>
-            <a:pPr lvl="1"/>
-            <a:endParaRPr lang="en-US" dirty="0"/>
-          </a:p>
-          <a:p>
-            <a:endParaRPr lang="en-US" dirty="0"/>
-          </a:p>
-        </p:txBody>
-      </p:sp>
-      <p:pic>
-        <p:nvPicPr>
-          <p:cNvPr id="6" name="Picture 5"/>
-          <p:cNvPicPr>
-            <a:picLocks noChangeAspect="1"/>
-          </p:cNvPicPr>
-          <p:nvPr/>
-        </p:nvPicPr>
-        <p:blipFill>
-          <a:blip r:embed="rId3"/>
-          <a:stretch>
-            <a:fillRect/>
-          </a:stretch>
-        </p:blipFill>
-        <p:spPr>
-          <a:xfrm>
-            <a:off x="4913797" y="2306355"/>
-            <a:ext cx="5404663" cy="2927526"/>
-          </a:xfrm>
-          <a:prstGeom prst="rect">
-            <a:avLst/>
-          </a:prstGeom>
-        </p:spPr>
-      </p:pic>
-    </p:spTree>
-    <p:extLst>
-      <p:ext uri="{BB962C8B-B14F-4D97-AF65-F5344CB8AC3E}">
-        <p14:creationId xmlns:p14="http://schemas.microsoft.com/office/powerpoint/2010/main" val="948240705"/>
-      </p:ext>
-    </p:extLst>
-  </p:cSld>
-  <p:clrMapOvr>
-    <a:masterClrMapping/>
-  </p:clrMapOvr>
-</p:sld>
-</file>
-
-<file path=ppt/slides/slide8.xml><?xml version="1.0" encoding="utf-8"?>
-<p:sld xmlns:a="http://schemas.openxmlformats.org/drawingml/2006/main" xmlns:r="http://schemas.openxmlformats.org/officeDocument/2006/relationships" xmlns:p="http://schemas.openxmlformats.org/presentationml/2006/main">
-  <p:cSld>
-    <p:spTree>
-      <p:nvGrpSpPr>
-        <p:cNvPr id="1" name=""/>
-        <p:cNvGrpSpPr/>
-        <p:nvPr/>
-      </p:nvGrpSpPr>
-      <p:grpSpPr>
-        <a:xfrm>
-          <a:off x="0" y="0"/>
-          <a:ext cx="0" cy="0"/>
-          <a:chOff x="0" y="0"/>
-          <a:chExt cx="0" cy="0"/>
-        </a:xfrm>
-      </p:grpSpPr>
-      <p:sp>
-        <p:nvSpPr>
-          <p:cNvPr id="2" name="Title 1"/>
-          <p:cNvSpPr>
-            <a:spLocks noGrp="1"/>
-          </p:cNvSpPr>
-          <p:nvPr>
-            <p:ph type="title"/>
-          </p:nvPr>
-        </p:nvSpPr>
-        <p:spPr/>
-        <p:txBody>
-          <a:bodyPr/>
-          <a:lstStyle/>
-          <a:p>
-            <a:r>
-              <a:rPr lang="en-US" dirty="0"/>
-              <a:t>Definition Overview</a:t>
-            </a:r>
-          </a:p>
-        </p:txBody>
-      </p:sp>
-      <p:sp>
-        <p:nvSpPr>
-          <p:cNvPr id="3" name="Content Placeholder 2"/>
-          <p:cNvSpPr>
-            <a:spLocks noGrp="1"/>
-          </p:cNvSpPr>
-          <p:nvPr>
-            <p:ph idx="1"/>
-          </p:nvPr>
-        </p:nvSpPr>
-        <p:spPr/>
-        <p:txBody>
-          <a:bodyPr/>
-          <a:lstStyle/>
-          <a:p>
-            <a:r>
-              <a:rPr lang="en-US" dirty="0"/>
-              <a:t>Activity </a:t>
-            </a:r>
-          </a:p>
-          <a:p>
-            <a:r>
-              <a:rPr lang="en-US" dirty="0"/>
-              <a:t>Fragments </a:t>
-            </a:r>
-          </a:p>
-          <a:p>
-            <a:r>
-              <a:rPr lang="en-US" dirty="0"/>
-              <a:t>Views </a:t>
-            </a:r>
-          </a:p>
-          <a:p>
-            <a:r>
-              <a:rPr lang="en-US" dirty="0"/>
-              <a:t>Manifest</a:t>
-            </a:r>
-          </a:p>
-          <a:p>
-            <a:pPr marL="0" indent="0">
-              <a:buNone/>
-            </a:pPr>
-            <a:endParaRPr lang="en-US" dirty="0"/>
-          </a:p>
-        </p:txBody>
-      </p:sp>
-    </p:spTree>
-    <p:extLst>
-      <p:ext uri="{BB962C8B-B14F-4D97-AF65-F5344CB8AC3E}">
-        <p14:creationId xmlns:p14="http://schemas.microsoft.com/office/powerpoint/2010/main" val="2711540803"/>
-      </p:ext>
-    </p:extLst>
-  </p:cSld>
-  <p:clrMapOvr>
-    <a:masterClrMapping/>
-  </p:clrMapOvr>
-</p:sld>
-</file>
-
-<file path=ppt/slides/slide9.xml><?xml version="1.0" encoding="utf-8"?>
-<p:sld xmlns:a="http://schemas.openxmlformats.org/drawingml/2006/main" xmlns:r="http://schemas.openxmlformats.org/officeDocument/2006/relationships" xmlns:p="http://schemas.openxmlformats.org/presentationml/2006/main">
-  <p:cSld>
-    <p:spTree>
-      <p:nvGrpSpPr>
-        <p:cNvPr id="1" name=""/>
-        <p:cNvGrpSpPr/>
-        <p:nvPr/>
-      </p:nvGrpSpPr>
-      <p:grpSpPr>
-        <a:xfrm>
-          <a:off x="0" y="0"/>
-          <a:ext cx="0" cy="0"/>
-          <a:chOff x="0" y="0"/>
-          <a:chExt cx="0" cy="0"/>
-        </a:xfrm>
-      </p:grpSpPr>
-      <p:sp>
-        <p:nvSpPr>
-          <p:cNvPr id="2" name="Title 1"/>
-          <p:cNvSpPr>
-            <a:spLocks noGrp="1"/>
-          </p:cNvSpPr>
-          <p:nvPr>
-            <p:ph type="title"/>
-          </p:nvPr>
-        </p:nvSpPr>
         <p:spPr>
           <a:xfrm>
             <a:off x="0" y="457200"/>
@@ -7204,6 +4362,10 @@
             <a:r>
               <a:rPr lang="en-US" b="1" dirty="0"/>
               <a:t>Activity</a:t>
+            </a:r>
+            <a:r>
+              <a:rPr lang="en-US" dirty="0"/>
+              <a:t/>
             </a:r>
             <a:br>
               <a:rPr lang="en-US" dirty="0"/>
@@ -7504,6 +4666,3792 @@
             </p:seq>
           </p:childTnLst>
         </p:cTn>
+      </p:par>
+    </p:tnLst>
+  </p:timing>
+</p:sld>
+</file>
+
+<file path=ppt/slides/slide17.xml><?xml version="1.0" encoding="utf-8"?>
+<p:sld xmlns:a="http://schemas.openxmlformats.org/drawingml/2006/main" xmlns:r="http://schemas.openxmlformats.org/officeDocument/2006/relationships" xmlns:p="http://schemas.openxmlformats.org/presentationml/2006/main">
+  <p:cSld>
+    <p:spTree>
+      <p:nvGrpSpPr>
+        <p:cNvPr id="1" name=""/>
+        <p:cNvGrpSpPr/>
+        <p:nvPr/>
+      </p:nvGrpSpPr>
+      <p:grpSpPr>
+        <a:xfrm>
+          <a:off x="0" y="0"/>
+          <a:ext cx="0" cy="0"/>
+          <a:chOff x="0" y="0"/>
+          <a:chExt cx="0" cy="0"/>
+        </a:xfrm>
+      </p:grpSpPr>
+      <p:sp>
+        <p:nvSpPr>
+          <p:cNvPr id="2" name="Title 1"/>
+          <p:cNvSpPr>
+            <a:spLocks noGrp="1"/>
+          </p:cNvSpPr>
+          <p:nvPr>
+            <p:ph type="title"/>
+          </p:nvPr>
+        </p:nvSpPr>
+        <p:spPr/>
+        <p:txBody>
+          <a:bodyPr/>
+          <a:lstStyle/>
+          <a:p>
+            <a:r>
+              <a:rPr lang="en-US" dirty="0" smtClean="0"/>
+              <a:t>Activity Lifecycle</a:t>
+            </a:r>
+            <a:endParaRPr lang="en-US" dirty="0"/>
+          </a:p>
+        </p:txBody>
+      </p:sp>
+      <p:pic>
+        <p:nvPicPr>
+          <p:cNvPr id="4" name="Content Placeholder 3"/>
+          <p:cNvPicPr>
+            <a:picLocks noGrp="1" noChangeAspect="1"/>
+          </p:cNvPicPr>
+          <p:nvPr>
+            <p:ph idx="1"/>
+          </p:nvPr>
+        </p:nvPicPr>
+        <p:blipFill>
+          <a:blip r:embed="rId2">
+            <a:extLst>
+              <a:ext uri="{28A0092B-C50C-407E-A947-70E740481C1C}">
+                <a14:useLocalDpi xmlns:a14="http://schemas.microsoft.com/office/drawing/2010/main" val="0"/>
+              </a:ext>
+            </a:extLst>
+          </a:blip>
+          <a:stretch>
+            <a:fillRect/>
+          </a:stretch>
+        </p:blipFill>
+        <p:spPr>
+          <a:xfrm>
+            <a:off x="475259" y="1514556"/>
+            <a:ext cx="3501989" cy="4525963"/>
+          </a:xfrm>
+          <a:prstGeom prst="rect">
+            <a:avLst/>
+          </a:prstGeom>
+        </p:spPr>
+      </p:pic>
+      <p:grpSp>
+        <p:nvGrpSpPr>
+          <p:cNvPr id="12" name="Group 11"/>
+          <p:cNvGrpSpPr/>
+          <p:nvPr/>
+        </p:nvGrpSpPr>
+        <p:grpSpPr>
+          <a:xfrm>
+            <a:off x="4220502" y="1694725"/>
+            <a:ext cx="6222670" cy="1205323"/>
+            <a:chOff x="4386757" y="1928055"/>
+            <a:chExt cx="6222670" cy="1205323"/>
+          </a:xfrm>
+        </p:grpSpPr>
+        <p:sp>
+          <p:nvSpPr>
+            <p:cNvPr id="5" name="TextBox 4"/>
+            <p:cNvSpPr txBox="1"/>
+            <p:nvPr/>
+          </p:nvSpPr>
+          <p:spPr>
+            <a:xfrm>
+              <a:off x="4386757" y="1928055"/>
+              <a:ext cx="5474524" cy="369332"/>
+            </a:xfrm>
+            <a:prstGeom prst="rect">
+              <a:avLst/>
+            </a:prstGeom>
+            <a:noFill/>
+          </p:spPr>
+          <p:txBody>
+            <a:bodyPr wrap="square" rtlCol="0">
+              <a:spAutoFit/>
+            </a:bodyPr>
+            <a:lstStyle/>
+            <a:p>
+              <a:r>
+                <a:rPr lang="en-US" b="1" dirty="0"/>
+                <a:t>onCreate()  </a:t>
+              </a:r>
+              <a:r>
+                <a:rPr lang="en-US" dirty="0"/>
+                <a:t>started, but not visible</a:t>
+              </a:r>
+            </a:p>
+          </p:txBody>
+        </p:sp>
+        <p:sp>
+          <p:nvSpPr>
+            <p:cNvPr id="6" name="TextBox 5"/>
+            <p:cNvSpPr txBox="1"/>
+            <p:nvPr/>
+          </p:nvSpPr>
+          <p:spPr>
+            <a:xfrm>
+              <a:off x="4386757" y="2346051"/>
+              <a:ext cx="6222670" cy="369332"/>
+            </a:xfrm>
+            <a:prstGeom prst="rect">
+              <a:avLst/>
+            </a:prstGeom>
+            <a:noFill/>
+          </p:spPr>
+          <p:txBody>
+            <a:bodyPr wrap="square" rtlCol="0">
+              <a:spAutoFit/>
+            </a:bodyPr>
+            <a:lstStyle/>
+            <a:p>
+              <a:r>
+                <a:rPr lang="en-US" b="1" dirty="0" err="1"/>
+                <a:t>onStart</a:t>
+              </a:r>
+              <a:r>
+                <a:rPr lang="en-US" b="1" dirty="0"/>
+                <a:t>() </a:t>
+              </a:r>
+              <a:r>
+                <a:rPr lang="en-US" dirty="0"/>
+                <a:t>visible, but not ready for interaction</a:t>
+              </a:r>
+            </a:p>
+          </p:txBody>
+        </p:sp>
+        <p:sp>
+          <p:nvSpPr>
+            <p:cNvPr id="8" name="TextBox 7"/>
+            <p:cNvSpPr txBox="1"/>
+            <p:nvPr/>
+          </p:nvSpPr>
+          <p:spPr>
+            <a:xfrm>
+              <a:off x="4386757" y="2764046"/>
+              <a:ext cx="6222670" cy="369332"/>
+            </a:xfrm>
+            <a:prstGeom prst="rect">
+              <a:avLst/>
+            </a:prstGeom>
+            <a:noFill/>
+          </p:spPr>
+          <p:txBody>
+            <a:bodyPr wrap="square" rtlCol="0">
+              <a:spAutoFit/>
+            </a:bodyPr>
+            <a:lstStyle/>
+            <a:p>
+              <a:r>
+                <a:rPr lang="en-US" b="1" dirty="0" err="1"/>
+                <a:t>onResume</a:t>
+              </a:r>
+              <a:r>
+                <a:rPr lang="en-US" b="1" dirty="0"/>
+                <a:t>() </a:t>
+              </a:r>
+              <a:r>
+                <a:rPr lang="en-US" dirty="0" smtClean="0"/>
+                <a:t>moved to the </a:t>
+              </a:r>
+              <a:r>
+                <a:rPr lang="en-US" dirty="0" smtClean="0"/>
+                <a:t>foreground and ready </a:t>
+              </a:r>
+              <a:r>
+                <a:rPr lang="en-US" dirty="0"/>
+                <a:t>for interaction</a:t>
+              </a:r>
+            </a:p>
+          </p:txBody>
+        </p:sp>
+      </p:grpSp>
+      <p:grpSp>
+        <p:nvGrpSpPr>
+          <p:cNvPr id="3" name="Group 2"/>
+          <p:cNvGrpSpPr/>
+          <p:nvPr/>
+        </p:nvGrpSpPr>
+        <p:grpSpPr>
+          <a:xfrm>
+            <a:off x="4240805" y="3763440"/>
+            <a:ext cx="7573658" cy="1397688"/>
+            <a:chOff x="4386757" y="4041142"/>
+            <a:chExt cx="6222670" cy="1397688"/>
+          </a:xfrm>
+        </p:grpSpPr>
+        <p:sp>
+          <p:nvSpPr>
+            <p:cNvPr id="9" name="TextBox 8"/>
+            <p:cNvSpPr txBox="1"/>
+            <p:nvPr/>
+          </p:nvSpPr>
+          <p:spPr>
+            <a:xfrm>
+              <a:off x="4386757" y="4041142"/>
+              <a:ext cx="6222670" cy="646331"/>
+            </a:xfrm>
+            <a:prstGeom prst="rect">
+              <a:avLst/>
+            </a:prstGeom>
+            <a:noFill/>
+          </p:spPr>
+          <p:txBody>
+            <a:bodyPr wrap="square" rtlCol="0">
+              <a:spAutoFit/>
+            </a:bodyPr>
+            <a:lstStyle/>
+            <a:p>
+              <a:r>
+                <a:rPr lang="en-US" b="1" dirty="0" err="1"/>
+                <a:t>onPause</a:t>
+              </a:r>
+              <a:r>
+                <a:rPr lang="en-US" b="1" dirty="0"/>
+                <a:t>() </a:t>
+              </a:r>
+              <a:r>
+                <a:rPr lang="en-US" dirty="0"/>
+                <a:t>moving to the </a:t>
+              </a:r>
+              <a:r>
+                <a:rPr lang="en-US" dirty="0" smtClean="0"/>
+                <a:t>background and stopping </a:t>
+              </a:r>
+              <a:r>
+                <a:rPr lang="en-US" dirty="0"/>
+                <a:t>user interaction</a:t>
+              </a:r>
+            </a:p>
+          </p:txBody>
+        </p:sp>
+        <p:sp>
+          <p:nvSpPr>
+            <p:cNvPr id="10" name="TextBox 9"/>
+            <p:cNvSpPr txBox="1"/>
+            <p:nvPr/>
+          </p:nvSpPr>
+          <p:spPr>
+            <a:xfrm>
+              <a:off x="4386757" y="4423869"/>
+              <a:ext cx="6222670" cy="369332"/>
+            </a:xfrm>
+            <a:prstGeom prst="rect">
+              <a:avLst/>
+            </a:prstGeom>
+            <a:noFill/>
+          </p:spPr>
+          <p:txBody>
+            <a:bodyPr wrap="square" rtlCol="0">
+              <a:spAutoFit/>
+            </a:bodyPr>
+            <a:lstStyle/>
+            <a:p>
+              <a:r>
+                <a:rPr lang="en-US" b="1" dirty="0" err="1"/>
+                <a:t>onStop</a:t>
+              </a:r>
+              <a:r>
+                <a:rPr lang="en-US" b="1" dirty="0"/>
+                <a:t>() </a:t>
+              </a:r>
+              <a:r>
+                <a:rPr lang="en-US" dirty="0"/>
+                <a:t>moved to the background </a:t>
+              </a:r>
+              <a:r>
+                <a:rPr lang="en-US" dirty="0" smtClean="0"/>
+                <a:t>and </a:t>
+              </a:r>
+              <a:r>
+                <a:rPr lang="en-US" dirty="0"/>
+                <a:t>not visible</a:t>
+              </a:r>
+            </a:p>
+          </p:txBody>
+        </p:sp>
+        <p:sp>
+          <p:nvSpPr>
+            <p:cNvPr id="11" name="TextBox 10"/>
+            <p:cNvSpPr txBox="1"/>
+            <p:nvPr/>
+          </p:nvSpPr>
+          <p:spPr>
+            <a:xfrm>
+              <a:off x="4386757" y="4792499"/>
+              <a:ext cx="6222670" cy="646331"/>
+            </a:xfrm>
+            <a:prstGeom prst="rect">
+              <a:avLst/>
+            </a:prstGeom>
+            <a:noFill/>
+          </p:spPr>
+          <p:txBody>
+            <a:bodyPr wrap="square" rtlCol="0">
+              <a:spAutoFit/>
+            </a:bodyPr>
+            <a:lstStyle/>
+            <a:p>
+              <a:r>
+                <a:rPr lang="en-US" b="1" dirty="0" err="1"/>
+                <a:t>onDestroy</a:t>
+              </a:r>
+              <a:r>
+                <a:rPr lang="en-US" b="1" dirty="0"/>
+                <a:t>() </a:t>
+              </a:r>
+              <a:r>
+                <a:rPr lang="en-US" dirty="0"/>
+                <a:t>moved to the </a:t>
+              </a:r>
+              <a:r>
+                <a:rPr lang="en-US" dirty="0" smtClean="0"/>
+                <a:t>background, not visible and flagged to be destroyed by the system</a:t>
+              </a:r>
+              <a:endParaRPr lang="en-US" dirty="0"/>
+            </a:p>
+          </p:txBody>
+        </p:sp>
+      </p:grpSp>
+    </p:spTree>
+    <p:extLst>
+      <p:ext uri="{BB962C8B-B14F-4D97-AF65-F5344CB8AC3E}">
+        <p14:creationId xmlns:p14="http://schemas.microsoft.com/office/powerpoint/2010/main" val="3554290345"/>
+      </p:ext>
+    </p:extLst>
+  </p:cSld>
+  <p:clrMapOvr>
+    <a:masterClrMapping/>
+  </p:clrMapOvr>
+  <p:timing>
+    <p:tnLst>
+      <p:par>
+        <p:cTn id="1" dur="indefinite" restart="never" nodeType="tmRoot"/>
+      </p:par>
+    </p:tnLst>
+  </p:timing>
+</p:sld>
+</file>
+
+<file path=ppt/slides/slide18.xml><?xml version="1.0" encoding="utf-8"?>
+<p:sld xmlns:a="http://schemas.openxmlformats.org/drawingml/2006/main" xmlns:r="http://schemas.openxmlformats.org/officeDocument/2006/relationships" xmlns:p="http://schemas.openxmlformats.org/presentationml/2006/main">
+  <p:cSld>
+    <p:spTree>
+      <p:nvGrpSpPr>
+        <p:cNvPr id="1" name=""/>
+        <p:cNvGrpSpPr/>
+        <p:nvPr/>
+      </p:nvGrpSpPr>
+      <p:grpSpPr>
+        <a:xfrm>
+          <a:off x="0" y="0"/>
+          <a:ext cx="0" cy="0"/>
+          <a:chOff x="0" y="0"/>
+          <a:chExt cx="0" cy="0"/>
+        </a:xfrm>
+      </p:grpSpPr>
+      <p:sp>
+        <p:nvSpPr>
+          <p:cNvPr id="2" name="Title 1"/>
+          <p:cNvSpPr>
+            <a:spLocks noGrp="1"/>
+          </p:cNvSpPr>
+          <p:nvPr>
+            <p:ph type="title"/>
+          </p:nvPr>
+        </p:nvSpPr>
+        <p:spPr/>
+        <p:txBody>
+          <a:bodyPr/>
+          <a:lstStyle/>
+          <a:p>
+            <a:r>
+              <a:rPr lang="en-US" dirty="0" smtClean="0"/>
+              <a:t>Lifecycle relationships</a:t>
+            </a:r>
+            <a:endParaRPr lang="en-US" dirty="0"/>
+          </a:p>
+        </p:txBody>
+      </p:sp>
+      <p:grpSp>
+        <p:nvGrpSpPr>
+          <p:cNvPr id="22" name="Group 21"/>
+          <p:cNvGrpSpPr/>
+          <p:nvPr/>
+        </p:nvGrpSpPr>
+        <p:grpSpPr>
+          <a:xfrm>
+            <a:off x="3906984" y="1822860"/>
+            <a:ext cx="4512623" cy="1009404"/>
+            <a:chOff x="605642" y="1828799"/>
+            <a:chExt cx="4512623" cy="1009404"/>
+          </a:xfrm>
+        </p:grpSpPr>
+        <p:sp>
+          <p:nvSpPr>
+            <p:cNvPr id="4" name="Oval 3"/>
+            <p:cNvSpPr/>
+            <p:nvPr/>
+          </p:nvSpPr>
+          <p:spPr>
+            <a:xfrm>
+              <a:off x="605642" y="1828800"/>
+              <a:ext cx="1555667" cy="1009403"/>
+            </a:xfrm>
+            <a:prstGeom prst="ellipse">
+              <a:avLst/>
+            </a:prstGeom>
+          </p:spPr>
+          <p:style>
+            <a:lnRef idx="0">
+              <a:schemeClr val="accent4"/>
+            </a:lnRef>
+            <a:fillRef idx="3">
+              <a:schemeClr val="accent4"/>
+            </a:fillRef>
+            <a:effectRef idx="3">
+              <a:schemeClr val="accent4"/>
+            </a:effectRef>
+            <a:fontRef idx="minor">
+              <a:schemeClr val="lt1"/>
+            </a:fontRef>
+          </p:style>
+          <p:txBody>
+            <a:bodyPr rtlCol="0" anchor="ctr"/>
+            <a:lstStyle/>
+            <a:p>
+              <a:pPr algn="ctr"/>
+              <a:r>
+                <a:rPr lang="en-US" dirty="0" err="1" smtClean="0"/>
+                <a:t>onCreate</a:t>
+              </a:r>
+              <a:endParaRPr lang="en-US" dirty="0"/>
+            </a:p>
+          </p:txBody>
+        </p:sp>
+        <p:cxnSp>
+          <p:nvCxnSpPr>
+            <p:cNvPr id="9" name="Straight Arrow Connector 8"/>
+            <p:cNvCxnSpPr/>
+            <p:nvPr/>
+          </p:nvCxnSpPr>
+          <p:spPr>
+            <a:xfrm>
+              <a:off x="2262248" y="2353660"/>
+              <a:ext cx="1104405" cy="0"/>
+            </a:xfrm>
+            <a:prstGeom prst="straightConnector1">
+              <a:avLst/>
+            </a:prstGeom>
+            <a:ln w="19050">
+              <a:headEnd type="none"/>
+              <a:tailEnd type="arrow"/>
+            </a:ln>
+          </p:spPr>
+          <p:style>
+            <a:lnRef idx="1">
+              <a:schemeClr val="accent1"/>
+            </a:lnRef>
+            <a:fillRef idx="0">
+              <a:schemeClr val="accent1"/>
+            </a:fillRef>
+            <a:effectRef idx="0">
+              <a:schemeClr val="accent1"/>
+            </a:effectRef>
+            <a:fontRef idx="minor">
+              <a:schemeClr val="tx1"/>
+            </a:fontRef>
+          </p:style>
+        </p:cxnSp>
+        <p:sp>
+          <p:nvSpPr>
+            <p:cNvPr id="13" name="Oval 12"/>
+            <p:cNvSpPr/>
+            <p:nvPr/>
+          </p:nvSpPr>
+          <p:spPr>
+            <a:xfrm>
+              <a:off x="3453740" y="1828799"/>
+              <a:ext cx="1664525" cy="1009403"/>
+            </a:xfrm>
+            <a:prstGeom prst="ellipse">
+              <a:avLst/>
+            </a:prstGeom>
+          </p:spPr>
+          <p:style>
+            <a:lnRef idx="0">
+              <a:schemeClr val="accent4"/>
+            </a:lnRef>
+            <a:fillRef idx="3">
+              <a:schemeClr val="accent4"/>
+            </a:fillRef>
+            <a:effectRef idx="3">
+              <a:schemeClr val="accent4"/>
+            </a:effectRef>
+            <a:fontRef idx="minor">
+              <a:schemeClr val="lt1"/>
+            </a:fontRef>
+          </p:style>
+          <p:txBody>
+            <a:bodyPr rtlCol="0" anchor="ctr"/>
+            <a:lstStyle/>
+            <a:p>
+              <a:pPr algn="ctr"/>
+              <a:r>
+                <a:rPr lang="en-US" dirty="0" err="1" smtClean="0"/>
+                <a:t>onDestroy</a:t>
+              </a:r>
+              <a:endParaRPr lang="en-US" dirty="0"/>
+            </a:p>
+          </p:txBody>
+        </p:sp>
+      </p:grpSp>
+      <p:grpSp>
+        <p:nvGrpSpPr>
+          <p:cNvPr id="24" name="Group 23"/>
+          <p:cNvGrpSpPr/>
+          <p:nvPr/>
+        </p:nvGrpSpPr>
+        <p:grpSpPr>
+          <a:xfrm>
+            <a:off x="3806044" y="4611583"/>
+            <a:ext cx="4714503" cy="1009404"/>
+            <a:chOff x="605642" y="4617521"/>
+            <a:chExt cx="4714503" cy="1009404"/>
+          </a:xfrm>
+        </p:grpSpPr>
+        <p:sp>
+          <p:nvSpPr>
+            <p:cNvPr id="14" name="Oval 13"/>
+            <p:cNvSpPr/>
+            <p:nvPr/>
+          </p:nvSpPr>
+          <p:spPr>
+            <a:xfrm>
+              <a:off x="605642" y="4617522"/>
+              <a:ext cx="1757548" cy="1009403"/>
+            </a:xfrm>
+            <a:prstGeom prst="ellipse">
+              <a:avLst/>
+            </a:prstGeom>
+          </p:spPr>
+          <p:style>
+            <a:lnRef idx="0">
+              <a:schemeClr val="accent3"/>
+            </a:lnRef>
+            <a:fillRef idx="3">
+              <a:schemeClr val="accent3"/>
+            </a:fillRef>
+            <a:effectRef idx="3">
+              <a:schemeClr val="accent3"/>
+            </a:effectRef>
+            <a:fontRef idx="minor">
+              <a:schemeClr val="lt1"/>
+            </a:fontRef>
+          </p:style>
+          <p:txBody>
+            <a:bodyPr rtlCol="0" anchor="ctr"/>
+            <a:lstStyle/>
+            <a:p>
+              <a:pPr algn="ctr"/>
+              <a:r>
+                <a:rPr lang="en-US" dirty="0" err="1" smtClean="0"/>
+                <a:t>onResume</a:t>
+              </a:r>
+              <a:endParaRPr lang="en-US" dirty="0"/>
+            </a:p>
+          </p:txBody>
+        </p:sp>
+        <p:cxnSp>
+          <p:nvCxnSpPr>
+            <p:cNvPr id="15" name="Straight Arrow Connector 14"/>
+            <p:cNvCxnSpPr/>
+            <p:nvPr/>
+          </p:nvCxnSpPr>
+          <p:spPr>
+            <a:xfrm>
+              <a:off x="2450275" y="5122222"/>
+              <a:ext cx="1104405" cy="0"/>
+            </a:xfrm>
+            <a:prstGeom prst="straightConnector1">
+              <a:avLst/>
+            </a:prstGeom>
+            <a:ln>
+              <a:headEnd type="none"/>
+              <a:tailEnd type="arrow"/>
+            </a:ln>
+          </p:spPr>
+          <p:style>
+            <a:lnRef idx="2">
+              <a:schemeClr val="accent3">
+                <a:shade val="50000"/>
+              </a:schemeClr>
+            </a:lnRef>
+            <a:fillRef idx="1">
+              <a:schemeClr val="accent3"/>
+            </a:fillRef>
+            <a:effectRef idx="0">
+              <a:schemeClr val="accent3"/>
+            </a:effectRef>
+            <a:fontRef idx="minor">
+              <a:schemeClr val="lt1"/>
+            </a:fontRef>
+          </p:style>
+        </p:cxnSp>
+        <p:sp>
+          <p:nvSpPr>
+            <p:cNvPr id="17" name="Oval 16"/>
+            <p:cNvSpPr/>
+            <p:nvPr/>
+          </p:nvSpPr>
+          <p:spPr>
+            <a:xfrm>
+              <a:off x="3655620" y="4617521"/>
+              <a:ext cx="1664525" cy="1009403"/>
+            </a:xfrm>
+            <a:prstGeom prst="ellipse">
+              <a:avLst/>
+            </a:prstGeom>
+          </p:spPr>
+          <p:style>
+            <a:lnRef idx="0">
+              <a:schemeClr val="accent3"/>
+            </a:lnRef>
+            <a:fillRef idx="3">
+              <a:schemeClr val="accent3"/>
+            </a:fillRef>
+            <a:effectRef idx="3">
+              <a:schemeClr val="accent3"/>
+            </a:effectRef>
+            <a:fontRef idx="minor">
+              <a:schemeClr val="lt1"/>
+            </a:fontRef>
+          </p:style>
+          <p:txBody>
+            <a:bodyPr rtlCol="0" anchor="ctr"/>
+            <a:lstStyle/>
+            <a:p>
+              <a:pPr algn="ctr"/>
+              <a:r>
+                <a:rPr lang="en-US" dirty="0" err="1" smtClean="0"/>
+                <a:t>onPause</a:t>
+              </a:r>
+              <a:endParaRPr lang="en-US" dirty="0"/>
+            </a:p>
+          </p:txBody>
+        </p:sp>
+      </p:grpSp>
+      <p:grpSp>
+        <p:nvGrpSpPr>
+          <p:cNvPr id="23" name="Group 22"/>
+          <p:cNvGrpSpPr/>
+          <p:nvPr/>
+        </p:nvGrpSpPr>
+        <p:grpSpPr>
+          <a:xfrm>
+            <a:off x="3906984" y="3317172"/>
+            <a:ext cx="4512623" cy="1009404"/>
+            <a:chOff x="605641" y="3323111"/>
+            <a:chExt cx="4512623" cy="1009404"/>
+          </a:xfrm>
+        </p:grpSpPr>
+        <p:sp>
+          <p:nvSpPr>
+            <p:cNvPr id="18" name="Oval 17"/>
+            <p:cNvSpPr/>
+            <p:nvPr/>
+          </p:nvSpPr>
+          <p:spPr>
+            <a:xfrm>
+              <a:off x="605641" y="3323112"/>
+              <a:ext cx="1555667" cy="1009403"/>
+            </a:xfrm>
+            <a:prstGeom prst="ellipse">
+              <a:avLst/>
+            </a:prstGeom>
+          </p:spPr>
+          <p:style>
+            <a:lnRef idx="0">
+              <a:schemeClr val="accent1"/>
+            </a:lnRef>
+            <a:fillRef idx="3">
+              <a:schemeClr val="accent1"/>
+            </a:fillRef>
+            <a:effectRef idx="3">
+              <a:schemeClr val="accent1"/>
+            </a:effectRef>
+            <a:fontRef idx="minor">
+              <a:schemeClr val="lt1"/>
+            </a:fontRef>
+          </p:style>
+          <p:txBody>
+            <a:bodyPr rtlCol="0" anchor="ctr"/>
+            <a:lstStyle/>
+            <a:p>
+              <a:pPr algn="ctr"/>
+              <a:r>
+                <a:rPr lang="en-US" dirty="0" err="1" smtClean="0"/>
+                <a:t>onStart</a:t>
+              </a:r>
+              <a:endParaRPr lang="en-US" dirty="0"/>
+            </a:p>
+          </p:txBody>
+        </p:sp>
+        <p:cxnSp>
+          <p:nvCxnSpPr>
+            <p:cNvPr id="19" name="Straight Arrow Connector 18"/>
+            <p:cNvCxnSpPr/>
+            <p:nvPr/>
+          </p:nvCxnSpPr>
+          <p:spPr>
+            <a:xfrm>
+              <a:off x="2262246" y="3861410"/>
+              <a:ext cx="1104405" cy="0"/>
+            </a:xfrm>
+            <a:prstGeom prst="straightConnector1">
+              <a:avLst/>
+            </a:prstGeom>
+            <a:ln>
+              <a:headEnd type="none"/>
+              <a:tailEnd type="arrow"/>
+            </a:ln>
+          </p:spPr>
+          <p:style>
+            <a:lnRef idx="2">
+              <a:schemeClr val="accent1">
+                <a:shade val="50000"/>
+              </a:schemeClr>
+            </a:lnRef>
+            <a:fillRef idx="1">
+              <a:schemeClr val="accent1"/>
+            </a:fillRef>
+            <a:effectRef idx="0">
+              <a:schemeClr val="accent1"/>
+            </a:effectRef>
+            <a:fontRef idx="minor">
+              <a:schemeClr val="lt1"/>
+            </a:fontRef>
+          </p:style>
+        </p:cxnSp>
+        <p:sp>
+          <p:nvSpPr>
+            <p:cNvPr id="21" name="Oval 20"/>
+            <p:cNvSpPr/>
+            <p:nvPr/>
+          </p:nvSpPr>
+          <p:spPr>
+            <a:xfrm>
+              <a:off x="3453739" y="3323111"/>
+              <a:ext cx="1664525" cy="1009403"/>
+            </a:xfrm>
+            <a:prstGeom prst="ellipse">
+              <a:avLst/>
+            </a:prstGeom>
+          </p:spPr>
+          <p:style>
+            <a:lnRef idx="0">
+              <a:schemeClr val="accent1"/>
+            </a:lnRef>
+            <a:fillRef idx="3">
+              <a:schemeClr val="accent1"/>
+            </a:fillRef>
+            <a:effectRef idx="3">
+              <a:schemeClr val="accent1"/>
+            </a:effectRef>
+            <a:fontRef idx="minor">
+              <a:schemeClr val="lt1"/>
+            </a:fontRef>
+          </p:style>
+          <p:txBody>
+            <a:bodyPr rtlCol="0" anchor="ctr"/>
+            <a:lstStyle/>
+            <a:p>
+              <a:pPr algn="ctr"/>
+              <a:r>
+                <a:rPr lang="en-US" dirty="0" err="1" smtClean="0"/>
+                <a:t>onStop</a:t>
+              </a:r>
+              <a:endParaRPr lang="en-US" dirty="0"/>
+            </a:p>
+          </p:txBody>
+        </p:sp>
+      </p:grpSp>
+      <p:sp>
+        <p:nvSpPr>
+          <p:cNvPr id="25" name="TextBox 24"/>
+          <p:cNvSpPr txBox="1"/>
+          <p:nvPr/>
+        </p:nvSpPr>
+        <p:spPr>
+          <a:xfrm>
+            <a:off x="791193" y="2134872"/>
+            <a:ext cx="2357254" cy="369332"/>
+          </a:xfrm>
+          <a:prstGeom prst="rect">
+            <a:avLst/>
+          </a:prstGeom>
+          <a:noFill/>
+        </p:spPr>
+        <p:txBody>
+          <a:bodyPr wrap="square" rtlCol="0">
+            <a:spAutoFit/>
+          </a:bodyPr>
+          <a:lstStyle/>
+          <a:p>
+            <a:pPr marL="285750" indent="-285750">
+              <a:buFont typeface="Arial" panose="020B0604020202020204" pitchFamily="34" charset="0"/>
+              <a:buChar char="•"/>
+            </a:pPr>
+            <a:r>
+              <a:rPr lang="en-US" dirty="0" smtClean="0"/>
+              <a:t>Initialize variable </a:t>
+            </a:r>
+            <a:endParaRPr lang="en-US" dirty="0"/>
+          </a:p>
+        </p:txBody>
+      </p:sp>
+      <p:sp>
+        <p:nvSpPr>
+          <p:cNvPr id="26" name="TextBox 25"/>
+          <p:cNvSpPr txBox="1"/>
+          <p:nvPr/>
+        </p:nvSpPr>
+        <p:spPr>
+          <a:xfrm>
+            <a:off x="791193" y="3498708"/>
+            <a:ext cx="2876798" cy="646331"/>
+          </a:xfrm>
+          <a:prstGeom prst="rect">
+            <a:avLst/>
+          </a:prstGeom>
+          <a:noFill/>
+        </p:spPr>
+        <p:txBody>
+          <a:bodyPr wrap="square" rtlCol="0">
+            <a:spAutoFit/>
+          </a:bodyPr>
+          <a:lstStyle/>
+          <a:p>
+            <a:pPr marL="285750" indent="-285750">
+              <a:buFont typeface="Arial" panose="020B0604020202020204" pitchFamily="34" charset="0"/>
+              <a:buChar char="•"/>
+            </a:pPr>
+            <a:r>
+              <a:rPr lang="en-US" dirty="0" smtClean="0"/>
+              <a:t>Register components  (i.e. broadcast receivers) </a:t>
+            </a:r>
+            <a:endParaRPr lang="en-US" dirty="0"/>
+          </a:p>
+        </p:txBody>
+      </p:sp>
+      <p:sp>
+        <p:nvSpPr>
+          <p:cNvPr id="27" name="TextBox 26"/>
+          <p:cNvSpPr txBox="1"/>
+          <p:nvPr/>
+        </p:nvSpPr>
+        <p:spPr>
+          <a:xfrm>
+            <a:off x="8637814" y="3566555"/>
+            <a:ext cx="2903516" cy="369332"/>
+          </a:xfrm>
+          <a:prstGeom prst="rect">
+            <a:avLst/>
+          </a:prstGeom>
+          <a:noFill/>
+        </p:spPr>
+        <p:txBody>
+          <a:bodyPr wrap="square" rtlCol="0">
+            <a:spAutoFit/>
+          </a:bodyPr>
+          <a:lstStyle/>
+          <a:p>
+            <a:pPr marL="285750" indent="-285750">
+              <a:buFont typeface="Arial" panose="020B0604020202020204" pitchFamily="34" charset="0"/>
+              <a:buChar char="•"/>
+            </a:pPr>
+            <a:r>
+              <a:rPr lang="en-US" dirty="0" smtClean="0"/>
+              <a:t>Unregister components</a:t>
+            </a:r>
+            <a:endParaRPr lang="en-US" dirty="0"/>
+          </a:p>
+        </p:txBody>
+      </p:sp>
+      <p:sp>
+        <p:nvSpPr>
+          <p:cNvPr id="28" name="TextBox 27"/>
+          <p:cNvSpPr txBox="1"/>
+          <p:nvPr/>
+        </p:nvSpPr>
+        <p:spPr>
+          <a:xfrm>
+            <a:off x="791193" y="4931619"/>
+            <a:ext cx="2679372" cy="646331"/>
+          </a:xfrm>
+          <a:prstGeom prst="rect">
+            <a:avLst/>
+          </a:prstGeom>
+          <a:noFill/>
+        </p:spPr>
+        <p:txBody>
+          <a:bodyPr wrap="square" rtlCol="0">
+            <a:spAutoFit/>
+          </a:bodyPr>
+          <a:lstStyle/>
+          <a:p>
+            <a:pPr marL="285750" indent="-285750">
+              <a:buFont typeface="Arial" panose="020B0604020202020204" pitchFamily="34" charset="0"/>
+              <a:buChar char="•"/>
+            </a:pPr>
+            <a:r>
+              <a:rPr lang="en-US" dirty="0" smtClean="0"/>
+              <a:t>Set listeners  (i.e. click or change)</a:t>
+            </a:r>
+            <a:endParaRPr lang="en-US" dirty="0"/>
+          </a:p>
+        </p:txBody>
+      </p:sp>
+      <p:sp>
+        <p:nvSpPr>
+          <p:cNvPr id="29" name="TextBox 28"/>
+          <p:cNvSpPr txBox="1"/>
+          <p:nvPr/>
+        </p:nvSpPr>
+        <p:spPr>
+          <a:xfrm>
+            <a:off x="8637814" y="4676300"/>
+            <a:ext cx="4785756" cy="369332"/>
+          </a:xfrm>
+          <a:prstGeom prst="rect">
+            <a:avLst/>
+          </a:prstGeom>
+          <a:noFill/>
+        </p:spPr>
+        <p:txBody>
+          <a:bodyPr wrap="square" rtlCol="0">
+            <a:spAutoFit/>
+          </a:bodyPr>
+          <a:lstStyle/>
+          <a:p>
+            <a:pPr marL="285750" indent="-285750">
+              <a:buFont typeface="Arial" panose="020B0604020202020204" pitchFamily="34" charset="0"/>
+              <a:buChar char="•"/>
+            </a:pPr>
+            <a:r>
+              <a:rPr lang="en-US" dirty="0" smtClean="0"/>
+              <a:t>Remove listeners </a:t>
+            </a:r>
+            <a:endParaRPr lang="en-US" dirty="0"/>
+          </a:p>
+        </p:txBody>
+      </p:sp>
+      <p:sp>
+        <p:nvSpPr>
+          <p:cNvPr id="34" name="TextBox 33"/>
+          <p:cNvSpPr txBox="1"/>
+          <p:nvPr/>
+        </p:nvSpPr>
+        <p:spPr>
+          <a:xfrm>
+            <a:off x="8637814" y="5045632"/>
+            <a:ext cx="3208328" cy="369332"/>
+          </a:xfrm>
+          <a:prstGeom prst="rect">
+            <a:avLst/>
+          </a:prstGeom>
+          <a:noFill/>
+        </p:spPr>
+        <p:txBody>
+          <a:bodyPr wrap="square" rtlCol="0">
+            <a:spAutoFit/>
+          </a:bodyPr>
+          <a:lstStyle/>
+          <a:p>
+            <a:pPr marL="285750" indent="-285750">
+              <a:buFont typeface="Arial" panose="020B0604020202020204" pitchFamily="34" charset="0"/>
+              <a:buChar char="•"/>
+            </a:pPr>
+            <a:r>
+              <a:rPr lang="en-US" dirty="0" smtClean="0"/>
+              <a:t>Save data (i.e. database)</a:t>
+            </a:r>
+            <a:endParaRPr lang="en-US" dirty="0"/>
+          </a:p>
+        </p:txBody>
+      </p:sp>
+      <p:pic>
+        <p:nvPicPr>
+          <p:cNvPr id="35" name="Picture 34"/>
+          <p:cNvPicPr>
+            <a:picLocks noChangeAspect="1"/>
+          </p:cNvPicPr>
+          <p:nvPr/>
+        </p:nvPicPr>
+        <p:blipFill>
+          <a:blip r:embed="rId2" cstate="print">
+            <a:extLst>
+              <a:ext uri="{28A0092B-C50C-407E-A947-70E740481C1C}">
+                <a14:useLocalDpi xmlns:a14="http://schemas.microsoft.com/office/drawing/2010/main" val="0"/>
+              </a:ext>
+            </a:extLst>
+          </a:blip>
+          <a:stretch>
+            <a:fillRect/>
+          </a:stretch>
+        </p:blipFill>
+        <p:spPr>
+          <a:xfrm>
+            <a:off x="9191748" y="1732497"/>
+            <a:ext cx="1216801" cy="1099767"/>
+          </a:xfrm>
+          <a:prstGeom prst="rect">
+            <a:avLst/>
+          </a:prstGeom>
+        </p:spPr>
+      </p:pic>
+    </p:spTree>
+    <p:extLst>
+      <p:ext uri="{BB962C8B-B14F-4D97-AF65-F5344CB8AC3E}">
+        <p14:creationId xmlns:p14="http://schemas.microsoft.com/office/powerpoint/2010/main" val="1706998333"/>
+      </p:ext>
+    </p:extLst>
+  </p:cSld>
+  <p:clrMapOvr>
+    <a:masterClrMapping/>
+  </p:clrMapOvr>
+  <p:timing>
+    <p:tnLst>
+      <p:par>
+        <p:cTn id="1" dur="indefinite" restart="never" nodeType="tmRoot"/>
+      </p:par>
+    </p:tnLst>
+  </p:timing>
+</p:sld>
+</file>
+
+<file path=ppt/slides/slide19.xml><?xml version="1.0" encoding="utf-8"?>
+<p:sld xmlns:a="http://schemas.openxmlformats.org/drawingml/2006/main" xmlns:r="http://schemas.openxmlformats.org/officeDocument/2006/relationships" xmlns:p="http://schemas.openxmlformats.org/presentationml/2006/main">
+  <p:cSld>
+    <p:spTree>
+      <p:nvGrpSpPr>
+        <p:cNvPr id="1" name=""/>
+        <p:cNvGrpSpPr/>
+        <p:nvPr/>
+      </p:nvGrpSpPr>
+      <p:grpSpPr>
+        <a:xfrm>
+          <a:off x="0" y="0"/>
+          <a:ext cx="0" cy="0"/>
+          <a:chOff x="0" y="0"/>
+          <a:chExt cx="0" cy="0"/>
+        </a:xfrm>
+      </p:grpSpPr>
+      <p:sp>
+        <p:nvSpPr>
+          <p:cNvPr id="2" name="Title 1"/>
+          <p:cNvSpPr>
+            <a:spLocks noGrp="1"/>
+          </p:cNvSpPr>
+          <p:nvPr>
+            <p:ph type="title"/>
+          </p:nvPr>
+        </p:nvSpPr>
+        <p:spPr/>
+        <p:txBody>
+          <a:bodyPr/>
+          <a:lstStyle/>
+          <a:p>
+            <a:r>
+              <a:rPr lang="en-US" dirty="0" smtClean="0"/>
+              <a:t>Activity’s States</a:t>
+            </a:r>
+            <a:endParaRPr lang="en-US" dirty="0"/>
+          </a:p>
+        </p:txBody>
+      </p:sp>
+      <p:pic>
+        <p:nvPicPr>
+          <p:cNvPr id="4" name="Content Placeholder 3"/>
+          <p:cNvPicPr>
+            <a:picLocks noGrp="1" noChangeAspect="1"/>
+          </p:cNvPicPr>
+          <p:nvPr>
+            <p:ph idx="1"/>
+          </p:nvPr>
+        </p:nvPicPr>
+        <p:blipFill>
+          <a:blip r:embed="rId2">
+            <a:extLst>
+              <a:ext uri="{28A0092B-C50C-407E-A947-70E740481C1C}">
+                <a14:useLocalDpi xmlns:a14="http://schemas.microsoft.com/office/drawing/2010/main" val="0"/>
+              </a:ext>
+            </a:extLst>
+          </a:blip>
+          <a:stretch>
+            <a:fillRect/>
+          </a:stretch>
+        </p:blipFill>
+        <p:spPr>
+          <a:xfrm>
+            <a:off x="2403173" y="1614903"/>
+            <a:ext cx="7769156" cy="3357985"/>
+          </a:xfrm>
+          <a:prstGeom prst="rect">
+            <a:avLst/>
+          </a:prstGeom>
+        </p:spPr>
+      </p:pic>
+      <p:sp>
+        <p:nvSpPr>
+          <p:cNvPr id="5" name="TextBox 4"/>
+          <p:cNvSpPr txBox="1"/>
+          <p:nvPr/>
+        </p:nvSpPr>
+        <p:spPr>
+          <a:xfrm>
+            <a:off x="3" y="1245571"/>
+            <a:ext cx="3526971" cy="369332"/>
+          </a:xfrm>
+          <a:prstGeom prst="rect">
+            <a:avLst/>
+          </a:prstGeom>
+          <a:noFill/>
+        </p:spPr>
+        <p:txBody>
+          <a:bodyPr wrap="square" rtlCol="0">
+            <a:spAutoFit/>
+          </a:bodyPr>
+          <a:lstStyle/>
+          <a:p>
+            <a:r>
+              <a:rPr lang="en-US" dirty="0" smtClean="0">
+                <a:hlinkClick r:id="rId3"/>
+              </a:rPr>
+              <a:t>Kristin </a:t>
+            </a:r>
+            <a:r>
+              <a:rPr lang="en-US" dirty="0" err="1">
+                <a:hlinkClick r:id="rId3"/>
+              </a:rPr>
+              <a:t>Marsicano</a:t>
+            </a:r>
+            <a:endParaRPr lang="en-US" dirty="0"/>
+          </a:p>
+        </p:txBody>
+      </p:sp>
+      <p:sp>
+        <p:nvSpPr>
+          <p:cNvPr id="6" name="TextBox 5"/>
+          <p:cNvSpPr txBox="1"/>
+          <p:nvPr/>
+        </p:nvSpPr>
+        <p:spPr>
+          <a:xfrm>
+            <a:off x="748146" y="5075259"/>
+            <a:ext cx="10129652" cy="1015663"/>
+          </a:xfrm>
+          <a:prstGeom prst="rect">
+            <a:avLst/>
+          </a:prstGeom>
+          <a:noFill/>
+        </p:spPr>
+        <p:txBody>
+          <a:bodyPr wrap="square" rtlCol="0">
+            <a:spAutoFit/>
+          </a:bodyPr>
+          <a:lstStyle/>
+          <a:p>
+            <a:pPr algn="ctr"/>
+            <a:r>
+              <a:rPr lang="en-US" sz="2800" b="1" dirty="0" smtClean="0"/>
+              <a:t>Fragmented Podcast</a:t>
+            </a:r>
+            <a:r>
+              <a:rPr lang="en-US" sz="2800" dirty="0" smtClean="0"/>
+              <a:t>: Episode 76 (Taming </a:t>
+            </a:r>
+            <a:r>
+              <a:rPr lang="en-US" sz="2800" dirty="0"/>
+              <a:t>the activity </a:t>
+            </a:r>
+            <a:r>
+              <a:rPr lang="en-US" sz="2800" dirty="0" smtClean="0"/>
+              <a:t>lifecycle)</a:t>
+            </a:r>
+            <a:endParaRPr lang="en-US" sz="2800" dirty="0"/>
+          </a:p>
+          <a:p>
+            <a:endParaRPr lang="en-US" sz="3200" dirty="0"/>
+          </a:p>
+        </p:txBody>
+      </p:sp>
+    </p:spTree>
+    <p:extLst>
+      <p:ext uri="{BB962C8B-B14F-4D97-AF65-F5344CB8AC3E}">
+        <p14:creationId xmlns:p14="http://schemas.microsoft.com/office/powerpoint/2010/main" val="438153073"/>
+      </p:ext>
+    </p:extLst>
+  </p:cSld>
+  <p:clrMapOvr>
+    <a:masterClrMapping/>
+  </p:clrMapOvr>
+  <p:timing>
+    <p:tnLst>
+      <p:par>
+        <p:cTn id="1" dur="indefinite" restart="never" nodeType="tmRoot"/>
+      </p:par>
+    </p:tnLst>
+  </p:timing>
+</p:sld>
+</file>
+
+<file path=ppt/slides/slide2.xml><?xml version="1.0" encoding="utf-8"?>
+<p:sld xmlns:a="http://schemas.openxmlformats.org/drawingml/2006/main" xmlns:r="http://schemas.openxmlformats.org/officeDocument/2006/relationships" xmlns:p="http://schemas.openxmlformats.org/presentationml/2006/main">
+  <p:cSld>
+    <p:spTree>
+      <p:nvGrpSpPr>
+        <p:cNvPr id="1" name=""/>
+        <p:cNvGrpSpPr/>
+        <p:nvPr/>
+      </p:nvGrpSpPr>
+      <p:grpSpPr>
+        <a:xfrm>
+          <a:off x="0" y="0"/>
+          <a:ext cx="0" cy="0"/>
+          <a:chOff x="0" y="0"/>
+          <a:chExt cx="0" cy="0"/>
+        </a:xfrm>
+      </p:grpSpPr>
+      <p:sp>
+        <p:nvSpPr>
+          <p:cNvPr id="2" name="Title 1"/>
+          <p:cNvSpPr>
+            <a:spLocks noGrp="1"/>
+          </p:cNvSpPr>
+          <p:nvPr>
+            <p:ph type="title"/>
+          </p:nvPr>
+        </p:nvSpPr>
+        <p:spPr/>
+        <p:txBody>
+          <a:bodyPr/>
+          <a:lstStyle/>
+          <a:p>
+            <a:r>
+              <a:rPr lang="en-US" dirty="0"/>
+              <a:t>Goals</a:t>
+            </a:r>
+          </a:p>
+        </p:txBody>
+      </p:sp>
+      <p:sp>
+        <p:nvSpPr>
+          <p:cNvPr id="3" name="Content Placeholder 2"/>
+          <p:cNvSpPr>
+            <a:spLocks noGrp="1"/>
+          </p:cNvSpPr>
+          <p:nvPr>
+            <p:ph idx="1"/>
+          </p:nvPr>
+        </p:nvSpPr>
+        <p:spPr/>
+        <p:txBody>
+          <a:bodyPr/>
+          <a:lstStyle/>
+          <a:p>
+            <a:r>
+              <a:rPr lang="en-US" dirty="0"/>
+              <a:t>Develop a </a:t>
+            </a:r>
+            <a:r>
+              <a:rPr lang="en-US" dirty="0" err="1"/>
+              <a:t>BlueSkies</a:t>
+            </a:r>
+            <a:r>
+              <a:rPr lang="en-US" dirty="0"/>
+              <a:t> App</a:t>
+            </a:r>
+          </a:p>
+        </p:txBody>
+      </p:sp>
+      <p:pic>
+        <p:nvPicPr>
+          <p:cNvPr id="4" name="Picture 3"/>
+          <p:cNvPicPr>
+            <a:picLocks noChangeAspect="1"/>
+          </p:cNvPicPr>
+          <p:nvPr/>
+        </p:nvPicPr>
+        <p:blipFill>
+          <a:blip r:embed="rId2" cstate="print">
+            <a:extLst>
+              <a:ext uri="{28A0092B-C50C-407E-A947-70E740481C1C}">
+                <a14:useLocalDpi xmlns:a14="http://schemas.microsoft.com/office/drawing/2010/main" val="0"/>
+              </a:ext>
+            </a:extLst>
+          </a:blip>
+          <a:stretch>
+            <a:fillRect/>
+          </a:stretch>
+        </p:blipFill>
+        <p:spPr>
+          <a:xfrm>
+            <a:off x="6948283" y="1389412"/>
+            <a:ext cx="2813142" cy="4672941"/>
+          </a:xfrm>
+          <a:prstGeom prst="rect">
+            <a:avLst/>
+          </a:prstGeom>
+        </p:spPr>
+      </p:pic>
+    </p:spTree>
+    <p:extLst>
+      <p:ext uri="{BB962C8B-B14F-4D97-AF65-F5344CB8AC3E}">
+        <p14:creationId xmlns:p14="http://schemas.microsoft.com/office/powerpoint/2010/main" val="1850275397"/>
+      </p:ext>
+    </p:extLst>
+  </p:cSld>
+  <p:clrMapOvr>
+    <a:masterClrMapping/>
+  </p:clrMapOvr>
+  <p:timing>
+    <p:tnLst>
+      <p:par>
+        <p:cTn id="1" dur="indefinite" restart="never" nodeType="tmRoot"/>
+      </p:par>
+    </p:tnLst>
+  </p:timing>
+</p:sld>
+</file>
+
+<file path=ppt/slides/slide20.xml><?xml version="1.0" encoding="utf-8"?>
+<p:sld xmlns:a="http://schemas.openxmlformats.org/drawingml/2006/main" xmlns:r="http://schemas.openxmlformats.org/officeDocument/2006/relationships" xmlns:p="http://schemas.openxmlformats.org/presentationml/2006/main">
+  <p:cSld>
+    <p:spTree>
+      <p:nvGrpSpPr>
+        <p:cNvPr id="1" name=""/>
+        <p:cNvGrpSpPr/>
+        <p:nvPr/>
+      </p:nvGrpSpPr>
+      <p:grpSpPr>
+        <a:xfrm>
+          <a:off x="0" y="0"/>
+          <a:ext cx="0" cy="0"/>
+          <a:chOff x="0" y="0"/>
+          <a:chExt cx="0" cy="0"/>
+        </a:xfrm>
+      </p:grpSpPr>
+      <p:pic>
+        <p:nvPicPr>
+          <p:cNvPr id="4" name="Content Placeholder 3"/>
+          <p:cNvPicPr>
+            <a:picLocks noGrp="1" noChangeAspect="1"/>
+          </p:cNvPicPr>
+          <p:nvPr>
+            <p:ph idx="1"/>
+          </p:nvPr>
+        </p:nvPicPr>
+        <p:blipFill>
+          <a:blip r:embed="rId2">
+            <a:extLst>
+              <a:ext uri="{28A0092B-C50C-407E-A947-70E740481C1C}">
+                <a14:useLocalDpi xmlns:a14="http://schemas.microsoft.com/office/drawing/2010/main" val="0"/>
+              </a:ext>
+            </a:extLst>
+          </a:blip>
+          <a:stretch>
+            <a:fillRect/>
+          </a:stretch>
+        </p:blipFill>
+        <p:spPr>
+          <a:xfrm>
+            <a:off x="3204759" y="2162731"/>
+            <a:ext cx="5782482" cy="3400900"/>
+          </a:xfrm>
+        </p:spPr>
+      </p:pic>
+      <p:sp>
+        <p:nvSpPr>
+          <p:cNvPr id="5" name="Title 1"/>
+          <p:cNvSpPr>
+            <a:spLocks noGrp="1"/>
+          </p:cNvSpPr>
+          <p:nvPr>
+            <p:ph type="title"/>
+          </p:nvPr>
+        </p:nvSpPr>
+        <p:spPr>
+          <a:xfrm>
+            <a:off x="0" y="457200"/>
+            <a:ext cx="7112000" cy="1143000"/>
+          </a:xfrm>
+        </p:spPr>
+        <p:txBody>
+          <a:bodyPr/>
+          <a:lstStyle/>
+          <a:p>
+            <a:r>
+              <a:rPr lang="en-US" dirty="0" smtClean="0"/>
+              <a:t>Activity’s States</a:t>
+            </a:r>
+            <a:endParaRPr lang="en-US" dirty="0"/>
+          </a:p>
+        </p:txBody>
+      </p:sp>
+      <p:sp>
+        <p:nvSpPr>
+          <p:cNvPr id="6" name="TextBox 5"/>
+          <p:cNvSpPr txBox="1"/>
+          <p:nvPr/>
+        </p:nvSpPr>
+        <p:spPr>
+          <a:xfrm>
+            <a:off x="3" y="1245571"/>
+            <a:ext cx="3526971" cy="369332"/>
+          </a:xfrm>
+          <a:prstGeom prst="rect">
+            <a:avLst/>
+          </a:prstGeom>
+          <a:noFill/>
+        </p:spPr>
+        <p:txBody>
+          <a:bodyPr wrap="square" rtlCol="0">
+            <a:spAutoFit/>
+          </a:bodyPr>
+          <a:lstStyle/>
+          <a:p>
+            <a:r>
+              <a:rPr lang="en-US" dirty="0" smtClean="0">
+                <a:hlinkClick r:id="rId3"/>
+              </a:rPr>
+              <a:t>Kristin </a:t>
+            </a:r>
+            <a:r>
+              <a:rPr lang="en-US" dirty="0" err="1">
+                <a:hlinkClick r:id="rId3"/>
+              </a:rPr>
+              <a:t>Marsicano</a:t>
+            </a:r>
+            <a:endParaRPr lang="en-US" dirty="0"/>
+          </a:p>
+        </p:txBody>
+      </p:sp>
+    </p:spTree>
+    <p:extLst>
+      <p:ext uri="{BB962C8B-B14F-4D97-AF65-F5344CB8AC3E}">
+        <p14:creationId xmlns:p14="http://schemas.microsoft.com/office/powerpoint/2010/main" val="14366852"/>
+      </p:ext>
+    </p:extLst>
+  </p:cSld>
+  <p:clrMapOvr>
+    <a:masterClrMapping/>
+  </p:clrMapOvr>
+  <p:timing>
+    <p:tnLst>
+      <p:par>
+        <p:cTn id="1" dur="indefinite" restart="never" nodeType="tmRoot"/>
+      </p:par>
+    </p:tnLst>
+  </p:timing>
+</p:sld>
+</file>
+
+<file path=ppt/slides/slide21.xml><?xml version="1.0" encoding="utf-8"?>
+<p:sld xmlns:a="http://schemas.openxmlformats.org/drawingml/2006/main" xmlns:r="http://schemas.openxmlformats.org/officeDocument/2006/relationships" xmlns:p="http://schemas.openxmlformats.org/presentationml/2006/main">
+  <p:cSld>
+    <p:spTree>
+      <p:nvGrpSpPr>
+        <p:cNvPr id="1" name=""/>
+        <p:cNvGrpSpPr/>
+        <p:nvPr/>
+      </p:nvGrpSpPr>
+      <p:grpSpPr>
+        <a:xfrm>
+          <a:off x="0" y="0"/>
+          <a:ext cx="0" cy="0"/>
+          <a:chOff x="0" y="0"/>
+          <a:chExt cx="0" cy="0"/>
+        </a:xfrm>
+      </p:grpSpPr>
+      <p:sp>
+        <p:nvSpPr>
+          <p:cNvPr id="2" name="Title 1"/>
+          <p:cNvSpPr>
+            <a:spLocks noGrp="1"/>
+          </p:cNvSpPr>
+          <p:nvPr>
+            <p:ph type="title"/>
+          </p:nvPr>
+        </p:nvSpPr>
+        <p:spPr/>
+        <p:txBody>
+          <a:bodyPr/>
+          <a:lstStyle/>
+          <a:p>
+            <a:r>
+              <a:rPr lang="en-US" dirty="0" smtClean="0"/>
+              <a:t>Create </a:t>
+            </a:r>
+            <a:r>
+              <a:rPr lang="en-US" dirty="0" err="1" smtClean="0"/>
+              <a:t>MainActivity</a:t>
+            </a:r>
+            <a:r>
+              <a:rPr lang="en-US" dirty="0" smtClean="0"/>
+              <a:t> </a:t>
+            </a:r>
+            <a:endParaRPr lang="en-US" dirty="0"/>
+          </a:p>
+        </p:txBody>
+      </p:sp>
+      <p:sp>
+        <p:nvSpPr>
+          <p:cNvPr id="3" name="Content Placeholder 2"/>
+          <p:cNvSpPr>
+            <a:spLocks noGrp="1"/>
+          </p:cNvSpPr>
+          <p:nvPr>
+            <p:ph idx="1"/>
+          </p:nvPr>
+        </p:nvSpPr>
+        <p:spPr/>
+        <p:txBody>
+          <a:bodyPr/>
+          <a:lstStyle/>
+          <a:p>
+            <a:r>
+              <a:rPr lang="en-US" dirty="0" smtClean="0"/>
+              <a:t>Best Practices</a:t>
+            </a:r>
+          </a:p>
+          <a:p>
+            <a:pPr lvl="1"/>
+            <a:r>
+              <a:rPr lang="en-US" dirty="0" smtClean="0"/>
+              <a:t>Keep lifecycle methods in order</a:t>
+            </a:r>
+          </a:p>
+          <a:p>
+            <a:pPr lvl="1"/>
+            <a:r>
+              <a:rPr lang="en-US" dirty="0" smtClean="0"/>
+              <a:t>Place other methods (helpers) below the lifecycle methods</a:t>
+            </a:r>
+            <a:endParaRPr lang="en-US" dirty="0"/>
+          </a:p>
+        </p:txBody>
+      </p:sp>
+    </p:spTree>
+    <p:extLst>
+      <p:ext uri="{BB962C8B-B14F-4D97-AF65-F5344CB8AC3E}">
+        <p14:creationId xmlns:p14="http://schemas.microsoft.com/office/powerpoint/2010/main" val="2374969006"/>
+      </p:ext>
+    </p:extLst>
+  </p:cSld>
+  <p:clrMapOvr>
+    <a:masterClrMapping/>
+  </p:clrMapOvr>
+  <p:timing>
+    <p:tnLst>
+      <p:par>
+        <p:cTn id="1" dur="indefinite" restart="never" nodeType="tmRoot"/>
+      </p:par>
+    </p:tnLst>
+  </p:timing>
+</p:sld>
+</file>
+
+<file path=ppt/slides/slide22.xml><?xml version="1.0" encoding="utf-8"?>
+<p:sld xmlns:a="http://schemas.openxmlformats.org/drawingml/2006/main" xmlns:r="http://schemas.openxmlformats.org/officeDocument/2006/relationships" xmlns:p="http://schemas.openxmlformats.org/presentationml/2006/main">
+  <p:cSld>
+    <p:spTree>
+      <p:nvGrpSpPr>
+        <p:cNvPr id="1" name=""/>
+        <p:cNvGrpSpPr/>
+        <p:nvPr/>
+      </p:nvGrpSpPr>
+      <p:grpSpPr>
+        <a:xfrm>
+          <a:off x="0" y="0"/>
+          <a:ext cx="0" cy="0"/>
+          <a:chOff x="0" y="0"/>
+          <a:chExt cx="0" cy="0"/>
+        </a:xfrm>
+      </p:grpSpPr>
+      <p:sp>
+        <p:nvSpPr>
+          <p:cNvPr id="2" name="Title 1"/>
+          <p:cNvSpPr>
+            <a:spLocks noGrp="1"/>
+          </p:cNvSpPr>
+          <p:nvPr>
+            <p:ph type="title"/>
+          </p:nvPr>
+        </p:nvSpPr>
+        <p:spPr>
+          <a:xfrm>
+            <a:off x="0" y="457200"/>
+            <a:ext cx="8098971" cy="1143000"/>
+          </a:xfrm>
+        </p:spPr>
+        <p:txBody>
+          <a:bodyPr>
+            <a:normAutofit/>
+          </a:bodyPr>
+          <a:lstStyle/>
+          <a:p>
+            <a:r>
+              <a:rPr lang="en-US" dirty="0" smtClean="0"/>
+              <a:t>Fragment</a:t>
+            </a:r>
+            <a:endParaRPr lang="en-US" dirty="0"/>
+          </a:p>
+        </p:txBody>
+      </p:sp>
+      <p:sp>
+        <p:nvSpPr>
+          <p:cNvPr id="3" name="Content Placeholder 2"/>
+          <p:cNvSpPr>
+            <a:spLocks noGrp="1"/>
+          </p:cNvSpPr>
+          <p:nvPr>
+            <p:ph idx="1"/>
+          </p:nvPr>
+        </p:nvSpPr>
+        <p:spPr/>
+        <p:txBody>
+          <a:bodyPr/>
+          <a:lstStyle/>
+          <a:p>
+            <a:r>
+              <a:rPr lang="en-US" dirty="0"/>
+              <a:t>View and Layout logic</a:t>
+            </a:r>
+          </a:p>
+          <a:p>
+            <a:r>
+              <a:rPr lang="en-US" dirty="0"/>
+              <a:t>Event handling (i.e. </a:t>
+            </a:r>
+            <a:r>
+              <a:rPr lang="en-US" dirty="0" err="1"/>
+              <a:t>onClick</a:t>
+            </a:r>
+            <a:r>
+              <a:rPr lang="en-US" dirty="0"/>
+              <a:t>())</a:t>
+            </a:r>
+          </a:p>
+          <a:p>
+            <a:r>
+              <a:rPr lang="en-US" dirty="0"/>
+              <a:t>Network request </a:t>
+            </a:r>
+          </a:p>
+          <a:p>
+            <a:r>
+              <a:rPr lang="en-US" dirty="0"/>
+              <a:t>Interacting with a persistence storage</a:t>
+            </a:r>
+          </a:p>
+        </p:txBody>
+      </p:sp>
+    </p:spTree>
+    <p:extLst>
+      <p:ext uri="{BB962C8B-B14F-4D97-AF65-F5344CB8AC3E}">
+        <p14:creationId xmlns:p14="http://schemas.microsoft.com/office/powerpoint/2010/main" val="1806338854"/>
+      </p:ext>
+    </p:extLst>
+  </p:cSld>
+  <p:clrMapOvr>
+    <a:masterClrMapping/>
+  </p:clrMapOvr>
+  <p:timing>
+    <p:tnLst>
+      <p:par>
+        <p:cTn id="1" dur="indefinite" restart="never" nodeType="tmRoot"/>
+      </p:par>
+    </p:tnLst>
+  </p:timing>
+</p:sld>
+</file>
+
+<file path=ppt/slides/slide23.xml><?xml version="1.0" encoding="utf-8"?>
+<p:sld xmlns:a="http://schemas.openxmlformats.org/drawingml/2006/main" xmlns:r="http://schemas.openxmlformats.org/officeDocument/2006/relationships" xmlns:p="http://schemas.openxmlformats.org/presentationml/2006/main">
+  <p:cSld>
+    <p:spTree>
+      <p:nvGrpSpPr>
+        <p:cNvPr id="1" name=""/>
+        <p:cNvGrpSpPr/>
+        <p:nvPr/>
+      </p:nvGrpSpPr>
+      <p:grpSpPr>
+        <a:xfrm>
+          <a:off x="0" y="0"/>
+          <a:ext cx="0" cy="0"/>
+          <a:chOff x="0" y="0"/>
+          <a:chExt cx="0" cy="0"/>
+        </a:xfrm>
+      </p:grpSpPr>
+      <p:sp>
+        <p:nvSpPr>
+          <p:cNvPr id="2" name="Title 1"/>
+          <p:cNvSpPr>
+            <a:spLocks noGrp="1"/>
+          </p:cNvSpPr>
+          <p:nvPr>
+            <p:ph type="title"/>
+          </p:nvPr>
+        </p:nvSpPr>
+        <p:spPr/>
+        <p:txBody>
+          <a:bodyPr/>
+          <a:lstStyle/>
+          <a:p>
+            <a:endParaRPr lang="en-US"/>
+          </a:p>
+        </p:txBody>
+      </p:sp>
+      <p:sp>
+        <p:nvSpPr>
+          <p:cNvPr id="3" name="Content Placeholder 2"/>
+          <p:cNvSpPr>
+            <a:spLocks noGrp="1"/>
+          </p:cNvSpPr>
+          <p:nvPr>
+            <p:ph idx="1"/>
+          </p:nvPr>
+        </p:nvSpPr>
+        <p:spPr/>
+        <p:txBody>
+          <a:bodyPr>
+            <a:normAutofit/>
+          </a:bodyPr>
+          <a:lstStyle/>
+          <a:p>
+            <a:pPr marL="0" indent="0" algn="ctr">
+              <a:buNone/>
+            </a:pPr>
+            <a:endParaRPr lang="en-US" sz="6600" dirty="0"/>
+          </a:p>
+          <a:p>
+            <a:pPr marL="0" indent="0" algn="ctr">
+              <a:buNone/>
+            </a:pPr>
+            <a:r>
+              <a:rPr lang="en-US" sz="6600" dirty="0"/>
+              <a:t>Detail Level </a:t>
+            </a:r>
+          </a:p>
+        </p:txBody>
+      </p:sp>
+    </p:spTree>
+    <p:extLst>
+      <p:ext uri="{BB962C8B-B14F-4D97-AF65-F5344CB8AC3E}">
+        <p14:creationId xmlns:p14="http://schemas.microsoft.com/office/powerpoint/2010/main" val="431746998"/>
+      </p:ext>
+    </p:extLst>
+  </p:cSld>
+  <p:clrMapOvr>
+    <a:masterClrMapping/>
+  </p:clrMapOvr>
+  <p:timing>
+    <p:tnLst>
+      <p:par>
+        <p:cTn id="1" dur="indefinite" restart="never" nodeType="tmRoot"/>
+      </p:par>
+    </p:tnLst>
+  </p:timing>
+</p:sld>
+</file>
+
+<file path=ppt/slides/slide24.xml><?xml version="1.0" encoding="utf-8"?>
+<p:sld xmlns:a="http://schemas.openxmlformats.org/drawingml/2006/main" xmlns:r="http://schemas.openxmlformats.org/officeDocument/2006/relationships" xmlns:p="http://schemas.openxmlformats.org/presentationml/2006/main">
+  <p:cSld>
+    <p:spTree>
+      <p:nvGrpSpPr>
+        <p:cNvPr id="1" name=""/>
+        <p:cNvGrpSpPr/>
+        <p:nvPr/>
+      </p:nvGrpSpPr>
+      <p:grpSpPr>
+        <a:xfrm>
+          <a:off x="0" y="0"/>
+          <a:ext cx="0" cy="0"/>
+          <a:chOff x="0" y="0"/>
+          <a:chExt cx="0" cy="0"/>
+        </a:xfrm>
+      </p:grpSpPr>
+      <p:sp>
+        <p:nvSpPr>
+          <p:cNvPr id="2" name="Title 1"/>
+          <p:cNvSpPr>
+            <a:spLocks noGrp="1"/>
+          </p:cNvSpPr>
+          <p:nvPr>
+            <p:ph type="title"/>
+          </p:nvPr>
+        </p:nvSpPr>
+        <p:spPr/>
+        <p:txBody>
+          <a:bodyPr/>
+          <a:lstStyle/>
+          <a:p>
+            <a:r>
+              <a:rPr lang="en-US" dirty="0"/>
+              <a:t>Activity Lifecycle counterparts</a:t>
+            </a:r>
+          </a:p>
+        </p:txBody>
+      </p:sp>
+      <p:sp>
+        <p:nvSpPr>
+          <p:cNvPr id="5" name="Rounded Rectangle 4"/>
+          <p:cNvSpPr/>
+          <p:nvPr/>
+        </p:nvSpPr>
+        <p:spPr>
+          <a:xfrm>
+            <a:off x="2743200" y="2088068"/>
+            <a:ext cx="2434441" cy="748145"/>
+          </a:xfrm>
+          <a:prstGeom prst="roundRect">
+            <a:avLst/>
+          </a:prstGeom>
+          <a:solidFill>
+            <a:schemeClr val="bg1">
+              <a:lumMod val="85000"/>
+            </a:schemeClr>
+          </a:solidFill>
+          <a:ln>
+            <a:solidFill>
+              <a:schemeClr val="bg1">
+                <a:lumMod val="50000"/>
+              </a:schemeClr>
+            </a:solidFill>
+          </a:ln>
+        </p:spPr>
+        <p:style>
+          <a:lnRef idx="2">
+            <a:schemeClr val="accent1">
+              <a:shade val="50000"/>
+            </a:schemeClr>
+          </a:lnRef>
+          <a:fillRef idx="1">
+            <a:schemeClr val="accent1"/>
+          </a:fillRef>
+          <a:effectRef idx="0">
+            <a:schemeClr val="accent1"/>
+          </a:effectRef>
+          <a:fontRef idx="minor">
+            <a:schemeClr val="lt1"/>
+          </a:fontRef>
+        </p:style>
+        <p:txBody>
+          <a:bodyPr rtlCol="0" anchor="ctr"/>
+          <a:lstStyle/>
+          <a:p>
+            <a:pPr algn="ctr"/>
+            <a:r>
+              <a:rPr lang="en-US" dirty="0">
+                <a:solidFill>
+                  <a:schemeClr val="tx1"/>
+                </a:solidFill>
+              </a:rPr>
+              <a:t>OnCreate()</a:t>
+            </a:r>
+          </a:p>
+        </p:txBody>
+      </p:sp>
+      <p:sp>
+        <p:nvSpPr>
+          <p:cNvPr id="6" name="Rounded Rectangle 5"/>
+          <p:cNvSpPr/>
+          <p:nvPr/>
+        </p:nvSpPr>
+        <p:spPr>
+          <a:xfrm>
+            <a:off x="7087590" y="2088068"/>
+            <a:ext cx="2434441" cy="748145"/>
+          </a:xfrm>
+          <a:prstGeom prst="roundRect">
+            <a:avLst/>
+          </a:prstGeom>
+          <a:solidFill>
+            <a:schemeClr val="bg1">
+              <a:lumMod val="85000"/>
+            </a:schemeClr>
+          </a:solidFill>
+          <a:ln>
+            <a:solidFill>
+              <a:schemeClr val="bg1">
+                <a:lumMod val="50000"/>
+              </a:schemeClr>
+            </a:solidFill>
+          </a:ln>
+        </p:spPr>
+        <p:style>
+          <a:lnRef idx="2">
+            <a:schemeClr val="accent1">
+              <a:shade val="50000"/>
+            </a:schemeClr>
+          </a:lnRef>
+          <a:fillRef idx="1">
+            <a:schemeClr val="accent1"/>
+          </a:fillRef>
+          <a:effectRef idx="0">
+            <a:schemeClr val="accent1"/>
+          </a:effectRef>
+          <a:fontRef idx="minor">
+            <a:schemeClr val="lt1"/>
+          </a:fontRef>
+        </p:style>
+        <p:txBody>
+          <a:bodyPr rtlCol="0" anchor="ctr"/>
+          <a:lstStyle/>
+          <a:p>
+            <a:pPr algn="ctr"/>
+            <a:r>
+              <a:rPr lang="en-US" dirty="0" err="1">
+                <a:solidFill>
+                  <a:schemeClr val="tx1"/>
+                </a:solidFill>
+              </a:rPr>
+              <a:t>OnDestroy</a:t>
+            </a:r>
+            <a:r>
+              <a:rPr lang="en-US" dirty="0">
+                <a:solidFill>
+                  <a:schemeClr val="tx1"/>
+                </a:solidFill>
+              </a:rPr>
+              <a:t>()</a:t>
+            </a:r>
+          </a:p>
+        </p:txBody>
+      </p:sp>
+      <p:sp>
+        <p:nvSpPr>
+          <p:cNvPr id="7" name="Rounded Rectangle 6"/>
+          <p:cNvSpPr/>
+          <p:nvPr/>
+        </p:nvSpPr>
+        <p:spPr>
+          <a:xfrm>
+            <a:off x="2743200" y="3237996"/>
+            <a:ext cx="2434441" cy="748145"/>
+          </a:xfrm>
+          <a:prstGeom prst="roundRect">
+            <a:avLst/>
+          </a:prstGeom>
+          <a:solidFill>
+            <a:schemeClr val="bg1">
+              <a:lumMod val="85000"/>
+            </a:schemeClr>
+          </a:solidFill>
+          <a:ln>
+            <a:solidFill>
+              <a:schemeClr val="bg1">
+                <a:lumMod val="50000"/>
+              </a:schemeClr>
+            </a:solidFill>
+          </a:ln>
+        </p:spPr>
+        <p:style>
+          <a:lnRef idx="2">
+            <a:schemeClr val="accent1">
+              <a:shade val="50000"/>
+            </a:schemeClr>
+          </a:lnRef>
+          <a:fillRef idx="1">
+            <a:schemeClr val="accent1"/>
+          </a:fillRef>
+          <a:effectRef idx="0">
+            <a:schemeClr val="accent1"/>
+          </a:effectRef>
+          <a:fontRef idx="minor">
+            <a:schemeClr val="lt1"/>
+          </a:fontRef>
+        </p:style>
+        <p:txBody>
+          <a:bodyPr rtlCol="0" anchor="ctr"/>
+          <a:lstStyle/>
+          <a:p>
+            <a:pPr algn="ctr"/>
+            <a:r>
+              <a:rPr lang="en-US" dirty="0" err="1">
+                <a:solidFill>
+                  <a:schemeClr val="tx1"/>
+                </a:solidFill>
+              </a:rPr>
+              <a:t>onStart</a:t>
+            </a:r>
+            <a:r>
+              <a:rPr lang="en-US" dirty="0">
+                <a:solidFill>
+                  <a:schemeClr val="tx1"/>
+                </a:solidFill>
+              </a:rPr>
+              <a:t>()</a:t>
+            </a:r>
+          </a:p>
+        </p:txBody>
+      </p:sp>
+      <p:sp>
+        <p:nvSpPr>
+          <p:cNvPr id="8" name="Rounded Rectangle 7"/>
+          <p:cNvSpPr/>
+          <p:nvPr/>
+        </p:nvSpPr>
+        <p:spPr>
+          <a:xfrm>
+            <a:off x="7087590" y="3237996"/>
+            <a:ext cx="2434441" cy="748145"/>
+          </a:xfrm>
+          <a:prstGeom prst="roundRect">
+            <a:avLst/>
+          </a:prstGeom>
+          <a:solidFill>
+            <a:schemeClr val="bg1">
+              <a:lumMod val="85000"/>
+            </a:schemeClr>
+          </a:solidFill>
+          <a:ln>
+            <a:solidFill>
+              <a:schemeClr val="bg1">
+                <a:lumMod val="50000"/>
+              </a:schemeClr>
+            </a:solidFill>
+          </a:ln>
+        </p:spPr>
+        <p:style>
+          <a:lnRef idx="2">
+            <a:schemeClr val="accent1">
+              <a:shade val="50000"/>
+            </a:schemeClr>
+          </a:lnRef>
+          <a:fillRef idx="1">
+            <a:schemeClr val="accent1"/>
+          </a:fillRef>
+          <a:effectRef idx="0">
+            <a:schemeClr val="accent1"/>
+          </a:effectRef>
+          <a:fontRef idx="minor">
+            <a:schemeClr val="lt1"/>
+          </a:fontRef>
+        </p:style>
+        <p:txBody>
+          <a:bodyPr rtlCol="0" anchor="ctr"/>
+          <a:lstStyle/>
+          <a:p>
+            <a:pPr algn="ctr"/>
+            <a:r>
+              <a:rPr lang="en-US" dirty="0" err="1">
+                <a:solidFill>
+                  <a:schemeClr val="tx1"/>
+                </a:solidFill>
+              </a:rPr>
+              <a:t>onStop</a:t>
+            </a:r>
+            <a:r>
+              <a:rPr lang="en-US" dirty="0">
+                <a:solidFill>
+                  <a:schemeClr val="tx1"/>
+                </a:solidFill>
+              </a:rPr>
+              <a:t>()</a:t>
+            </a:r>
+          </a:p>
+        </p:txBody>
+      </p:sp>
+      <p:sp>
+        <p:nvSpPr>
+          <p:cNvPr id="9" name="Rounded Rectangle 8"/>
+          <p:cNvSpPr/>
+          <p:nvPr/>
+        </p:nvSpPr>
+        <p:spPr>
+          <a:xfrm>
+            <a:off x="2743200" y="4556156"/>
+            <a:ext cx="2434441" cy="748145"/>
+          </a:xfrm>
+          <a:prstGeom prst="roundRect">
+            <a:avLst/>
+          </a:prstGeom>
+          <a:solidFill>
+            <a:schemeClr val="bg1">
+              <a:lumMod val="85000"/>
+            </a:schemeClr>
+          </a:solidFill>
+          <a:ln>
+            <a:solidFill>
+              <a:schemeClr val="bg1">
+                <a:lumMod val="50000"/>
+              </a:schemeClr>
+            </a:solidFill>
+          </a:ln>
+        </p:spPr>
+        <p:style>
+          <a:lnRef idx="2">
+            <a:schemeClr val="accent1">
+              <a:shade val="50000"/>
+            </a:schemeClr>
+          </a:lnRef>
+          <a:fillRef idx="1">
+            <a:schemeClr val="accent1"/>
+          </a:fillRef>
+          <a:effectRef idx="0">
+            <a:schemeClr val="accent1"/>
+          </a:effectRef>
+          <a:fontRef idx="minor">
+            <a:schemeClr val="lt1"/>
+          </a:fontRef>
+        </p:style>
+        <p:txBody>
+          <a:bodyPr rtlCol="0" anchor="ctr"/>
+          <a:lstStyle/>
+          <a:p>
+            <a:pPr algn="ctr"/>
+            <a:r>
+              <a:rPr lang="en-US" dirty="0" err="1">
+                <a:solidFill>
+                  <a:schemeClr val="tx1"/>
+                </a:solidFill>
+              </a:rPr>
+              <a:t>onResume</a:t>
+            </a:r>
+            <a:r>
+              <a:rPr lang="en-US" dirty="0">
+                <a:solidFill>
+                  <a:schemeClr val="tx1"/>
+                </a:solidFill>
+              </a:rPr>
+              <a:t>()</a:t>
+            </a:r>
+          </a:p>
+        </p:txBody>
+      </p:sp>
+      <p:sp>
+        <p:nvSpPr>
+          <p:cNvPr id="10" name="Rounded Rectangle 9"/>
+          <p:cNvSpPr/>
+          <p:nvPr/>
+        </p:nvSpPr>
+        <p:spPr>
+          <a:xfrm>
+            <a:off x="7087590" y="4556156"/>
+            <a:ext cx="2434441" cy="748145"/>
+          </a:xfrm>
+          <a:prstGeom prst="roundRect">
+            <a:avLst/>
+          </a:prstGeom>
+          <a:solidFill>
+            <a:schemeClr val="bg1">
+              <a:lumMod val="85000"/>
+            </a:schemeClr>
+          </a:solidFill>
+          <a:ln>
+            <a:solidFill>
+              <a:schemeClr val="bg1">
+                <a:lumMod val="50000"/>
+              </a:schemeClr>
+            </a:solidFill>
+          </a:ln>
+        </p:spPr>
+        <p:style>
+          <a:lnRef idx="2">
+            <a:schemeClr val="accent1">
+              <a:shade val="50000"/>
+            </a:schemeClr>
+          </a:lnRef>
+          <a:fillRef idx="1">
+            <a:schemeClr val="accent1"/>
+          </a:fillRef>
+          <a:effectRef idx="0">
+            <a:schemeClr val="accent1"/>
+          </a:effectRef>
+          <a:fontRef idx="minor">
+            <a:schemeClr val="lt1"/>
+          </a:fontRef>
+        </p:style>
+        <p:txBody>
+          <a:bodyPr rtlCol="0" anchor="ctr"/>
+          <a:lstStyle/>
+          <a:p>
+            <a:pPr algn="ctr"/>
+            <a:r>
+              <a:rPr lang="en-US" dirty="0" err="1">
+                <a:solidFill>
+                  <a:schemeClr val="tx1"/>
+                </a:solidFill>
+              </a:rPr>
+              <a:t>onPause</a:t>
+            </a:r>
+            <a:r>
+              <a:rPr lang="en-US" dirty="0">
+                <a:solidFill>
+                  <a:schemeClr val="tx1"/>
+                </a:solidFill>
+              </a:rPr>
+              <a:t>()</a:t>
+            </a:r>
+          </a:p>
+        </p:txBody>
+      </p:sp>
+      <p:sp>
+        <p:nvSpPr>
+          <p:cNvPr id="11" name="Right Arrow 10"/>
+          <p:cNvSpPr/>
+          <p:nvPr/>
+        </p:nvSpPr>
+        <p:spPr>
+          <a:xfrm>
+            <a:off x="5557653" y="2284011"/>
+            <a:ext cx="1187532" cy="356259"/>
+          </a:xfrm>
+          <a:prstGeom prst="rightArrow">
+            <a:avLst/>
+          </a:prstGeom>
+        </p:spPr>
+        <p:style>
+          <a:lnRef idx="2">
+            <a:schemeClr val="accent1">
+              <a:shade val="50000"/>
+            </a:schemeClr>
+          </a:lnRef>
+          <a:fillRef idx="1">
+            <a:schemeClr val="accent1"/>
+          </a:fillRef>
+          <a:effectRef idx="0">
+            <a:schemeClr val="accent1"/>
+          </a:effectRef>
+          <a:fontRef idx="minor">
+            <a:schemeClr val="lt1"/>
+          </a:fontRef>
+        </p:style>
+        <p:txBody>
+          <a:bodyPr rtlCol="0" anchor="ctr"/>
+          <a:lstStyle/>
+          <a:p>
+            <a:pPr algn="ctr"/>
+            <a:endParaRPr lang="en-US"/>
+          </a:p>
+        </p:txBody>
+      </p:sp>
+      <p:sp>
+        <p:nvSpPr>
+          <p:cNvPr id="12" name="Right Arrow 11"/>
+          <p:cNvSpPr/>
+          <p:nvPr/>
+        </p:nvSpPr>
+        <p:spPr>
+          <a:xfrm>
+            <a:off x="5557653" y="3433939"/>
+            <a:ext cx="1187532" cy="356259"/>
+          </a:xfrm>
+          <a:prstGeom prst="rightArrow">
+            <a:avLst/>
+          </a:prstGeom>
+        </p:spPr>
+        <p:style>
+          <a:lnRef idx="2">
+            <a:schemeClr val="accent1">
+              <a:shade val="50000"/>
+            </a:schemeClr>
+          </a:lnRef>
+          <a:fillRef idx="1">
+            <a:schemeClr val="accent1"/>
+          </a:fillRef>
+          <a:effectRef idx="0">
+            <a:schemeClr val="accent1"/>
+          </a:effectRef>
+          <a:fontRef idx="minor">
+            <a:schemeClr val="lt1"/>
+          </a:fontRef>
+        </p:style>
+        <p:txBody>
+          <a:bodyPr rtlCol="0" anchor="ctr"/>
+          <a:lstStyle/>
+          <a:p>
+            <a:pPr algn="ctr"/>
+            <a:endParaRPr lang="en-US"/>
+          </a:p>
+        </p:txBody>
+      </p:sp>
+      <p:sp>
+        <p:nvSpPr>
+          <p:cNvPr id="13" name="Right Arrow 12"/>
+          <p:cNvSpPr/>
+          <p:nvPr/>
+        </p:nvSpPr>
+        <p:spPr>
+          <a:xfrm>
+            <a:off x="5557653" y="4752099"/>
+            <a:ext cx="1187532" cy="356259"/>
+          </a:xfrm>
+          <a:prstGeom prst="rightArrow">
+            <a:avLst/>
+          </a:prstGeom>
+        </p:spPr>
+        <p:style>
+          <a:lnRef idx="2">
+            <a:schemeClr val="accent1">
+              <a:shade val="50000"/>
+            </a:schemeClr>
+          </a:lnRef>
+          <a:fillRef idx="1">
+            <a:schemeClr val="accent1"/>
+          </a:fillRef>
+          <a:effectRef idx="0">
+            <a:schemeClr val="accent1"/>
+          </a:effectRef>
+          <a:fontRef idx="minor">
+            <a:schemeClr val="lt1"/>
+          </a:fontRef>
+        </p:style>
+        <p:txBody>
+          <a:bodyPr rtlCol="0" anchor="ctr"/>
+          <a:lstStyle/>
+          <a:p>
+            <a:pPr algn="ctr"/>
+            <a:endParaRPr lang="en-US"/>
+          </a:p>
+        </p:txBody>
+      </p:sp>
+    </p:spTree>
+    <p:extLst>
+      <p:ext uri="{BB962C8B-B14F-4D97-AF65-F5344CB8AC3E}">
+        <p14:creationId xmlns:p14="http://schemas.microsoft.com/office/powerpoint/2010/main" val="3270950444"/>
+      </p:ext>
+    </p:extLst>
+  </p:cSld>
+  <p:clrMapOvr>
+    <a:masterClrMapping/>
+  </p:clrMapOvr>
+  <p:timing>
+    <p:tnLst>
+      <p:par>
+        <p:cTn id="1" dur="indefinite" restart="never" nodeType="tmRoot"/>
+      </p:par>
+    </p:tnLst>
+  </p:timing>
+</p:sld>
+</file>
+
+<file path=ppt/slides/slide25.xml><?xml version="1.0" encoding="utf-8"?>
+<p:sld xmlns:a="http://schemas.openxmlformats.org/drawingml/2006/main" xmlns:r="http://schemas.openxmlformats.org/officeDocument/2006/relationships" xmlns:p="http://schemas.openxmlformats.org/presentationml/2006/main" show="0">
+  <p:cSld>
+    <p:spTree>
+      <p:nvGrpSpPr>
+        <p:cNvPr id="1" name=""/>
+        <p:cNvGrpSpPr/>
+        <p:nvPr/>
+      </p:nvGrpSpPr>
+      <p:grpSpPr>
+        <a:xfrm>
+          <a:off x="0" y="0"/>
+          <a:ext cx="0" cy="0"/>
+          <a:chOff x="0" y="0"/>
+          <a:chExt cx="0" cy="0"/>
+        </a:xfrm>
+      </p:grpSpPr>
+      <p:sp>
+        <p:nvSpPr>
+          <p:cNvPr id="4" name="Title 1"/>
+          <p:cNvSpPr>
+            <a:spLocks noGrp="1"/>
+          </p:cNvSpPr>
+          <p:nvPr>
+            <p:ph type="title"/>
+          </p:nvPr>
+        </p:nvSpPr>
+        <p:spPr/>
+        <p:txBody>
+          <a:bodyPr/>
+          <a:lstStyle/>
+          <a:p>
+            <a:r>
+              <a:rPr lang="en-US" dirty="0"/>
+              <a:t>Activity Lifecycle </a:t>
+            </a:r>
+          </a:p>
+        </p:txBody>
+      </p:sp>
+      <p:sp>
+        <p:nvSpPr>
+          <p:cNvPr id="6" name="TextBox 5"/>
+          <p:cNvSpPr txBox="1"/>
+          <p:nvPr/>
+        </p:nvSpPr>
+        <p:spPr>
+          <a:xfrm>
+            <a:off x="819645" y="1906796"/>
+            <a:ext cx="6222670" cy="369332"/>
+          </a:xfrm>
+          <a:prstGeom prst="rect">
+            <a:avLst/>
+          </a:prstGeom>
+          <a:noFill/>
+        </p:spPr>
+        <p:txBody>
+          <a:bodyPr wrap="square" rtlCol="0">
+            <a:spAutoFit/>
+          </a:bodyPr>
+          <a:lstStyle/>
+          <a:p>
+            <a:r>
+              <a:rPr lang="en-US" b="1" dirty="0" err="1"/>
+              <a:t>onRestart</a:t>
+            </a:r>
+            <a:r>
+              <a:rPr lang="en-US" b="1" dirty="0"/>
+              <a:t>() </a:t>
+            </a:r>
+            <a:r>
+              <a:rPr lang="en-US" dirty="0"/>
+              <a:t>activity is </a:t>
+            </a:r>
+            <a:r>
+              <a:rPr lang="en-US" dirty="0" err="1"/>
+              <a:t>stoppd</a:t>
+            </a:r>
+            <a:r>
+              <a:rPr lang="en-US" dirty="0"/>
+              <a:t>, then started again</a:t>
+            </a:r>
+          </a:p>
+        </p:txBody>
+      </p:sp>
+      <p:pic>
+        <p:nvPicPr>
+          <p:cNvPr id="8" name="Content Placeholder 3"/>
+          <p:cNvPicPr>
+            <a:picLocks noChangeAspect="1"/>
+          </p:cNvPicPr>
+          <p:nvPr/>
+        </p:nvPicPr>
+        <p:blipFill>
+          <a:blip r:embed="rId2">
+            <a:extLst>
+              <a:ext uri="{28A0092B-C50C-407E-A947-70E740481C1C}">
+                <a14:useLocalDpi xmlns:a14="http://schemas.microsoft.com/office/drawing/2010/main" val="0"/>
+              </a:ext>
+            </a:extLst>
+          </a:blip>
+          <a:stretch>
+            <a:fillRect/>
+          </a:stretch>
+        </p:blipFill>
+        <p:spPr>
+          <a:xfrm>
+            <a:off x="5523848" y="901998"/>
+            <a:ext cx="3943705" cy="5096836"/>
+          </a:xfrm>
+          <a:prstGeom prst="rect">
+            <a:avLst/>
+          </a:prstGeom>
+        </p:spPr>
+      </p:pic>
+      <p:sp>
+        <p:nvSpPr>
+          <p:cNvPr id="7" name="Rectangle 6"/>
+          <p:cNvSpPr/>
+          <p:nvPr/>
+        </p:nvSpPr>
+        <p:spPr>
+          <a:xfrm>
+            <a:off x="8533064" y="1915707"/>
+            <a:ext cx="922614" cy="232410"/>
+          </a:xfrm>
+          <a:prstGeom prst="rect">
+            <a:avLst/>
+          </a:prstGeom>
+          <a:noFill/>
+          <a:ln w="38100">
+            <a:solidFill>
+              <a:srgbClr val="FF0000"/>
+            </a:solidFill>
+          </a:ln>
+        </p:spPr>
+        <p:style>
+          <a:lnRef idx="2">
+            <a:schemeClr val="accent1">
+              <a:shade val="50000"/>
+            </a:schemeClr>
+          </a:lnRef>
+          <a:fillRef idx="1">
+            <a:schemeClr val="accent1"/>
+          </a:fillRef>
+          <a:effectRef idx="0">
+            <a:schemeClr val="accent1"/>
+          </a:effectRef>
+          <a:fontRef idx="minor">
+            <a:schemeClr val="lt1"/>
+          </a:fontRef>
+        </p:style>
+        <p:txBody>
+          <a:bodyPr rtlCol="0" anchor="ctr"/>
+          <a:lstStyle/>
+          <a:p>
+            <a:pPr algn="ctr"/>
+            <a:endParaRPr lang="en-US"/>
+          </a:p>
+        </p:txBody>
+      </p:sp>
+    </p:spTree>
+    <p:extLst>
+      <p:ext uri="{BB962C8B-B14F-4D97-AF65-F5344CB8AC3E}">
+        <p14:creationId xmlns:p14="http://schemas.microsoft.com/office/powerpoint/2010/main" val="3335284568"/>
+      </p:ext>
+    </p:extLst>
+  </p:cSld>
+  <p:clrMapOvr>
+    <a:masterClrMapping/>
+  </p:clrMapOvr>
+  <mc:AlternateContent xmlns:mc="http://schemas.openxmlformats.org/markup-compatibility/2006">
+    <mc:Choice xmlns:p14="http://schemas.microsoft.com/office/powerpoint/2010/main" Requires="p14">
+      <p:transition spd="slow" p14:dur="2000"/>
+    </mc:Choice>
+    <mc:Fallback>
+      <p:transition spd="slow"/>
+    </mc:Fallback>
+  </mc:AlternateContent>
+  <p:timing>
+    <p:tnLst>
+      <p:par>
+        <p:cTn id="1" dur="indefinite" restart="never" nodeType="tmRoot"/>
+      </p:par>
+    </p:tnLst>
+  </p:timing>
+</p:sld>
+</file>
+
+<file path=ppt/slides/slide26.xml><?xml version="1.0" encoding="utf-8"?>
+<p:sld xmlns:a="http://schemas.openxmlformats.org/drawingml/2006/main" xmlns:r="http://schemas.openxmlformats.org/officeDocument/2006/relationships" xmlns:p="http://schemas.openxmlformats.org/presentationml/2006/main">
+  <p:cSld>
+    <p:spTree>
+      <p:nvGrpSpPr>
+        <p:cNvPr id="1" name=""/>
+        <p:cNvGrpSpPr/>
+        <p:nvPr/>
+      </p:nvGrpSpPr>
+      <p:grpSpPr>
+        <a:xfrm>
+          <a:off x="0" y="0"/>
+          <a:ext cx="0" cy="0"/>
+          <a:chOff x="0" y="0"/>
+          <a:chExt cx="0" cy="0"/>
+        </a:xfrm>
+      </p:grpSpPr>
+      <p:sp>
+        <p:nvSpPr>
+          <p:cNvPr id="2" name="Title 1"/>
+          <p:cNvSpPr>
+            <a:spLocks noGrp="1"/>
+          </p:cNvSpPr>
+          <p:nvPr>
+            <p:ph type="title"/>
+          </p:nvPr>
+        </p:nvSpPr>
+        <p:spPr/>
+        <p:txBody>
+          <a:bodyPr/>
+          <a:lstStyle/>
+          <a:p>
+            <a:r>
+              <a:rPr lang="en-US" dirty="0"/>
+              <a:t>Hitting back </a:t>
+            </a:r>
+          </a:p>
+        </p:txBody>
+      </p:sp>
+      <p:sp>
+        <p:nvSpPr>
+          <p:cNvPr id="3" name="Content Placeholder 2"/>
+          <p:cNvSpPr>
+            <a:spLocks noGrp="1"/>
+          </p:cNvSpPr>
+          <p:nvPr>
+            <p:ph idx="1"/>
+          </p:nvPr>
+        </p:nvSpPr>
+        <p:spPr/>
+        <p:txBody>
+          <a:bodyPr/>
+          <a:lstStyle/>
+          <a:p>
+            <a:r>
+              <a:rPr lang="en-US" dirty="0" err="1"/>
+              <a:t>onDestroy</a:t>
+            </a:r>
+            <a:r>
+              <a:rPr lang="en-US" dirty="0"/>
+              <a:t>()</a:t>
+            </a:r>
+          </a:p>
+        </p:txBody>
+      </p:sp>
+    </p:spTree>
+    <p:extLst>
+      <p:ext uri="{BB962C8B-B14F-4D97-AF65-F5344CB8AC3E}">
+        <p14:creationId xmlns:p14="http://schemas.microsoft.com/office/powerpoint/2010/main" val="679222727"/>
+      </p:ext>
+    </p:extLst>
+  </p:cSld>
+  <p:clrMapOvr>
+    <a:masterClrMapping/>
+  </p:clrMapOvr>
+</p:sld>
+</file>
+
+<file path=ppt/slides/slide27.xml><?xml version="1.0" encoding="utf-8"?>
+<p:sld xmlns:a="http://schemas.openxmlformats.org/drawingml/2006/main" xmlns:r="http://schemas.openxmlformats.org/officeDocument/2006/relationships" xmlns:p="http://schemas.openxmlformats.org/presentationml/2006/main">
+  <p:cSld>
+    <p:spTree>
+      <p:nvGrpSpPr>
+        <p:cNvPr id="1" name=""/>
+        <p:cNvGrpSpPr/>
+        <p:nvPr/>
+      </p:nvGrpSpPr>
+      <p:grpSpPr>
+        <a:xfrm>
+          <a:off x="0" y="0"/>
+          <a:ext cx="0" cy="0"/>
+          <a:chOff x="0" y="0"/>
+          <a:chExt cx="0" cy="0"/>
+        </a:xfrm>
+      </p:grpSpPr>
+      <p:sp>
+        <p:nvSpPr>
+          <p:cNvPr id="2" name="Title 1"/>
+          <p:cNvSpPr>
+            <a:spLocks noGrp="1"/>
+          </p:cNvSpPr>
+          <p:nvPr>
+            <p:ph type="title"/>
+          </p:nvPr>
+        </p:nvSpPr>
+        <p:spPr/>
+        <p:txBody>
+          <a:bodyPr/>
+          <a:lstStyle/>
+          <a:p>
+            <a:r>
+              <a:rPr lang="en-US" dirty="0"/>
+              <a:t>Home button</a:t>
+            </a:r>
+          </a:p>
+        </p:txBody>
+      </p:sp>
+      <p:sp>
+        <p:nvSpPr>
+          <p:cNvPr id="3" name="Content Placeholder 2"/>
+          <p:cNvSpPr>
+            <a:spLocks noGrp="1"/>
+          </p:cNvSpPr>
+          <p:nvPr>
+            <p:ph idx="1"/>
+          </p:nvPr>
+        </p:nvSpPr>
+        <p:spPr/>
+        <p:txBody>
+          <a:bodyPr/>
+          <a:lstStyle/>
+          <a:p>
+            <a:r>
+              <a:rPr lang="en-US" dirty="0"/>
+              <a:t>Stopped</a:t>
+            </a:r>
+          </a:p>
+        </p:txBody>
+      </p:sp>
+    </p:spTree>
+    <p:extLst>
+      <p:ext uri="{BB962C8B-B14F-4D97-AF65-F5344CB8AC3E}">
+        <p14:creationId xmlns:p14="http://schemas.microsoft.com/office/powerpoint/2010/main" val="2378621501"/>
+      </p:ext>
+    </p:extLst>
+  </p:cSld>
+  <p:clrMapOvr>
+    <a:masterClrMapping/>
+  </p:clrMapOvr>
+</p:sld>
+</file>
+
+<file path=ppt/slides/slide28.xml><?xml version="1.0" encoding="utf-8"?>
+<p:sld xmlns:a="http://schemas.openxmlformats.org/drawingml/2006/main" xmlns:r="http://schemas.openxmlformats.org/officeDocument/2006/relationships" xmlns:p="http://schemas.openxmlformats.org/presentationml/2006/main">
+  <p:cSld>
+    <p:spTree>
+      <p:nvGrpSpPr>
+        <p:cNvPr id="1" name=""/>
+        <p:cNvGrpSpPr/>
+        <p:nvPr/>
+      </p:nvGrpSpPr>
+      <p:grpSpPr>
+        <a:xfrm>
+          <a:off x="0" y="0"/>
+          <a:ext cx="0" cy="0"/>
+          <a:chOff x="0" y="0"/>
+          <a:chExt cx="0" cy="0"/>
+        </a:xfrm>
+      </p:grpSpPr>
+      <p:sp>
+        <p:nvSpPr>
+          <p:cNvPr id="2" name="Title 1"/>
+          <p:cNvSpPr>
+            <a:spLocks noGrp="1"/>
+          </p:cNvSpPr>
+          <p:nvPr>
+            <p:ph type="title"/>
+          </p:nvPr>
+        </p:nvSpPr>
+        <p:spPr/>
+        <p:txBody>
+          <a:bodyPr/>
+          <a:lstStyle/>
+          <a:p>
+            <a:r>
+              <a:rPr lang="en-US" dirty="0" err="1"/>
+              <a:t>SavedInstanceState</a:t>
+            </a:r>
+            <a:endParaRPr lang="en-US" dirty="0"/>
+          </a:p>
+        </p:txBody>
+      </p:sp>
+      <p:sp>
+        <p:nvSpPr>
+          <p:cNvPr id="3" name="Content Placeholder 2"/>
+          <p:cNvSpPr>
+            <a:spLocks noGrp="1"/>
+          </p:cNvSpPr>
+          <p:nvPr>
+            <p:ph idx="1"/>
+          </p:nvPr>
+        </p:nvSpPr>
+        <p:spPr/>
+        <p:txBody>
+          <a:bodyPr/>
+          <a:lstStyle/>
+          <a:p>
+            <a:r>
+              <a:rPr lang="en-US" dirty="0"/>
+              <a:t>On Rotation</a:t>
+            </a:r>
+          </a:p>
+          <a:p>
+            <a:r>
+              <a:rPr lang="en-US" dirty="0"/>
+              <a:t>App is killed</a:t>
+            </a:r>
+          </a:p>
+        </p:txBody>
+      </p:sp>
+    </p:spTree>
+    <p:extLst>
+      <p:ext uri="{BB962C8B-B14F-4D97-AF65-F5344CB8AC3E}">
+        <p14:creationId xmlns:p14="http://schemas.microsoft.com/office/powerpoint/2010/main" val="992913506"/>
+      </p:ext>
+    </p:extLst>
+  </p:cSld>
+  <p:clrMapOvr>
+    <a:masterClrMapping/>
+  </p:clrMapOvr>
+</p:sld>
+</file>
+
+<file path=ppt/slides/slide29.xml><?xml version="1.0" encoding="utf-8"?>
+<p:sld xmlns:a="http://schemas.openxmlformats.org/drawingml/2006/main" xmlns:r="http://schemas.openxmlformats.org/officeDocument/2006/relationships" xmlns:p="http://schemas.openxmlformats.org/presentationml/2006/main">
+  <p:cSld>
+    <p:spTree>
+      <p:nvGrpSpPr>
+        <p:cNvPr id="1" name=""/>
+        <p:cNvGrpSpPr/>
+        <p:nvPr/>
+      </p:nvGrpSpPr>
+      <p:grpSpPr>
+        <a:xfrm>
+          <a:off x="0" y="0"/>
+          <a:ext cx="0" cy="0"/>
+          <a:chOff x="0" y="0"/>
+          <a:chExt cx="0" cy="0"/>
+        </a:xfrm>
+      </p:grpSpPr>
+      <p:sp>
+        <p:nvSpPr>
+          <p:cNvPr id="2" name="Title 1"/>
+          <p:cNvSpPr>
+            <a:spLocks noGrp="1"/>
+          </p:cNvSpPr>
+          <p:nvPr>
+            <p:ph type="title"/>
+          </p:nvPr>
+        </p:nvSpPr>
+        <p:spPr/>
+        <p:txBody>
+          <a:bodyPr/>
+          <a:lstStyle/>
+          <a:p>
+            <a:r>
+              <a:rPr lang="en-US" dirty="0" err="1"/>
+              <a:t>Github</a:t>
+            </a:r>
+            <a:endParaRPr lang="en-US" dirty="0"/>
+          </a:p>
+        </p:txBody>
+      </p:sp>
+      <p:sp>
+        <p:nvSpPr>
+          <p:cNvPr id="3" name="Content Placeholder 2"/>
+          <p:cNvSpPr>
+            <a:spLocks noGrp="1"/>
+          </p:cNvSpPr>
+          <p:nvPr>
+            <p:ph idx="1"/>
+          </p:nvPr>
+        </p:nvSpPr>
+        <p:spPr/>
+        <p:txBody>
+          <a:bodyPr/>
+          <a:lstStyle/>
+          <a:p>
+            <a:endParaRPr lang="en-US"/>
+          </a:p>
+        </p:txBody>
+      </p:sp>
+    </p:spTree>
+    <p:extLst>
+      <p:ext uri="{BB962C8B-B14F-4D97-AF65-F5344CB8AC3E}">
+        <p14:creationId xmlns:p14="http://schemas.microsoft.com/office/powerpoint/2010/main" val="719851520"/>
+      </p:ext>
+    </p:extLst>
+  </p:cSld>
+  <p:clrMapOvr>
+    <a:masterClrMapping/>
+  </p:clrMapOvr>
+</p:sld>
+</file>
+
+<file path=ppt/slides/slide3.xml><?xml version="1.0" encoding="utf-8"?>
+<p:sld xmlns:a="http://schemas.openxmlformats.org/drawingml/2006/main" xmlns:r="http://schemas.openxmlformats.org/officeDocument/2006/relationships" xmlns:p="http://schemas.openxmlformats.org/presentationml/2006/main">
+  <p:cSld>
+    <p:spTree>
+      <p:nvGrpSpPr>
+        <p:cNvPr id="1" name=""/>
+        <p:cNvGrpSpPr/>
+        <p:nvPr/>
+      </p:nvGrpSpPr>
+      <p:grpSpPr>
+        <a:xfrm>
+          <a:off x="0" y="0"/>
+          <a:ext cx="0" cy="0"/>
+          <a:chOff x="0" y="0"/>
+          <a:chExt cx="0" cy="0"/>
+        </a:xfrm>
+      </p:grpSpPr>
+      <p:sp>
+        <p:nvSpPr>
+          <p:cNvPr id="2" name="Title 1"/>
+          <p:cNvSpPr>
+            <a:spLocks noGrp="1"/>
+          </p:cNvSpPr>
+          <p:nvPr>
+            <p:ph type="title"/>
+          </p:nvPr>
+        </p:nvSpPr>
+        <p:spPr/>
+        <p:txBody>
+          <a:bodyPr/>
+          <a:lstStyle/>
+          <a:p>
+            <a:r>
+              <a:rPr lang="en-US" dirty="0"/>
+              <a:t>Agenda</a:t>
+            </a:r>
+          </a:p>
+        </p:txBody>
+      </p:sp>
+      <p:sp>
+        <p:nvSpPr>
+          <p:cNvPr id="3" name="Content Placeholder 2"/>
+          <p:cNvSpPr>
+            <a:spLocks noGrp="1"/>
+          </p:cNvSpPr>
+          <p:nvPr>
+            <p:ph idx="1"/>
+          </p:nvPr>
+        </p:nvSpPr>
+        <p:spPr/>
+        <p:txBody>
+          <a:bodyPr>
+            <a:normAutofit fontScale="92500" lnSpcReduction="20000"/>
+          </a:bodyPr>
+          <a:lstStyle/>
+          <a:p>
+            <a:r>
+              <a:rPr lang="en-US" dirty="0"/>
+              <a:t>High Level </a:t>
+            </a:r>
+          </a:p>
+          <a:p>
+            <a:pPr lvl="1"/>
+            <a:r>
+              <a:rPr lang="en-US" dirty="0"/>
+              <a:t>Android Studio </a:t>
+            </a:r>
+          </a:p>
+          <a:p>
+            <a:pPr lvl="2"/>
+            <a:r>
+              <a:rPr lang="en-US" dirty="0"/>
+              <a:t>Overview</a:t>
+            </a:r>
+          </a:p>
+          <a:p>
+            <a:pPr lvl="1"/>
+            <a:r>
+              <a:rPr lang="en-US" dirty="0"/>
+              <a:t>Activity </a:t>
+            </a:r>
+          </a:p>
+          <a:p>
+            <a:pPr lvl="2"/>
+            <a:r>
+              <a:rPr lang="en-US" dirty="0"/>
+              <a:t>Responsibility </a:t>
+            </a:r>
+          </a:p>
+          <a:p>
+            <a:pPr lvl="2"/>
+            <a:r>
+              <a:rPr lang="en-US" dirty="0"/>
+              <a:t>Caveats</a:t>
+            </a:r>
+          </a:p>
+          <a:p>
+            <a:pPr lvl="1"/>
+            <a:r>
+              <a:rPr lang="en-US" dirty="0"/>
+              <a:t>Fragment</a:t>
+            </a:r>
+          </a:p>
+          <a:p>
+            <a:pPr lvl="2"/>
+            <a:r>
+              <a:rPr lang="en-US" dirty="0"/>
+              <a:t>Responsibility </a:t>
+            </a:r>
+          </a:p>
+          <a:p>
+            <a:pPr lvl="2"/>
+            <a:r>
+              <a:rPr lang="en-US" dirty="0"/>
+              <a:t>Caveats</a:t>
+            </a:r>
+          </a:p>
+          <a:p>
+            <a:pPr lvl="2"/>
+            <a:endParaRPr lang="en-US" dirty="0"/>
+          </a:p>
+          <a:p>
+            <a:pPr lvl="2"/>
+            <a:endParaRPr lang="en-US" dirty="0"/>
+          </a:p>
+        </p:txBody>
+      </p:sp>
+    </p:spTree>
+    <p:extLst>
+      <p:ext uri="{BB962C8B-B14F-4D97-AF65-F5344CB8AC3E}">
+        <p14:creationId xmlns:p14="http://schemas.microsoft.com/office/powerpoint/2010/main" val="1370593822"/>
+      </p:ext>
+    </p:extLst>
+  </p:cSld>
+  <p:clrMapOvr>
+    <a:masterClrMapping/>
+  </p:clrMapOvr>
+  <p:timing>
+    <p:tnLst>
+      <p:par>
+        <p:cTn id="1" dur="indefinite" restart="never" nodeType="tmRoot"/>
+      </p:par>
+    </p:tnLst>
+  </p:timing>
+</p:sld>
+</file>
+
+<file path=ppt/slides/slide4.xml><?xml version="1.0" encoding="utf-8"?>
+<p:sld xmlns:a="http://schemas.openxmlformats.org/drawingml/2006/main" xmlns:r="http://schemas.openxmlformats.org/officeDocument/2006/relationships" xmlns:p="http://schemas.openxmlformats.org/presentationml/2006/main">
+  <p:cSld>
+    <p:spTree>
+      <p:nvGrpSpPr>
+        <p:cNvPr id="1" name=""/>
+        <p:cNvGrpSpPr/>
+        <p:nvPr/>
+      </p:nvGrpSpPr>
+      <p:grpSpPr>
+        <a:xfrm>
+          <a:off x="0" y="0"/>
+          <a:ext cx="0" cy="0"/>
+          <a:chOff x="0" y="0"/>
+          <a:chExt cx="0" cy="0"/>
+        </a:xfrm>
+      </p:grpSpPr>
+      <p:sp>
+        <p:nvSpPr>
+          <p:cNvPr id="2" name="Title 1"/>
+          <p:cNvSpPr>
+            <a:spLocks noGrp="1"/>
+          </p:cNvSpPr>
+          <p:nvPr>
+            <p:ph type="title"/>
+          </p:nvPr>
+        </p:nvSpPr>
+        <p:spPr/>
+        <p:txBody>
+          <a:bodyPr/>
+          <a:lstStyle/>
+          <a:p>
+            <a:r>
+              <a:rPr lang="en-US" dirty="0"/>
+              <a:t>Android Studio </a:t>
+            </a:r>
+          </a:p>
+        </p:txBody>
+      </p:sp>
+      <p:sp>
+        <p:nvSpPr>
+          <p:cNvPr id="3" name="Content Placeholder 2"/>
+          <p:cNvSpPr>
+            <a:spLocks noGrp="1"/>
+          </p:cNvSpPr>
+          <p:nvPr>
+            <p:ph idx="1"/>
+          </p:nvPr>
+        </p:nvSpPr>
+        <p:spPr/>
+        <p:txBody>
+          <a:bodyPr>
+            <a:normAutofit fontScale="62500" lnSpcReduction="20000"/>
+          </a:bodyPr>
+          <a:lstStyle/>
+          <a:p>
+            <a:r>
+              <a:rPr lang="en-US" dirty="0"/>
+              <a:t>De facto standard for Android development </a:t>
+            </a:r>
+          </a:p>
+          <a:p>
+            <a:r>
+              <a:rPr lang="en-US" dirty="0"/>
+              <a:t>Built on the IntelliJ</a:t>
+            </a:r>
+          </a:p>
+          <a:p>
+            <a:r>
+              <a:rPr lang="en-US" dirty="0"/>
+              <a:t>Some features</a:t>
+            </a:r>
+          </a:p>
+          <a:p>
+            <a:pPr lvl="1"/>
+            <a:r>
+              <a:rPr lang="en-US" dirty="0"/>
+              <a:t>Layout Editor</a:t>
+            </a:r>
+          </a:p>
+          <a:p>
+            <a:pPr lvl="1"/>
+            <a:r>
+              <a:rPr lang="en-US" dirty="0"/>
+              <a:t>Built in emulator </a:t>
+            </a:r>
+          </a:p>
+          <a:p>
+            <a:pPr lvl="1"/>
+            <a:r>
+              <a:rPr lang="en-US" dirty="0" err="1"/>
+              <a:t>Gradle</a:t>
+            </a:r>
+            <a:r>
+              <a:rPr lang="en-US" dirty="0"/>
+              <a:t> integration</a:t>
+            </a:r>
+          </a:p>
+          <a:p>
+            <a:pPr lvl="1"/>
+            <a:r>
+              <a:rPr lang="en-US" dirty="0"/>
+              <a:t>Instant Run (Hot swap)</a:t>
+            </a:r>
+          </a:p>
+          <a:p>
+            <a:pPr lvl="1"/>
+            <a:endParaRPr lang="en-US" dirty="0"/>
+          </a:p>
+          <a:p>
+            <a:pPr lvl="1"/>
+            <a:endParaRPr lang="en-US" dirty="0"/>
+          </a:p>
+          <a:p>
+            <a:pPr lvl="1"/>
+            <a:endParaRPr lang="en-US" dirty="0"/>
+          </a:p>
+          <a:p>
+            <a:pPr marL="457200" lvl="1" indent="0" algn="ctr">
+              <a:buNone/>
+            </a:pPr>
+            <a:r>
+              <a:rPr lang="en-US" dirty="0">
+                <a:hlinkClick r:id="rId2"/>
+              </a:rPr>
+              <a:t>https://developer.android.com/studio/index.html</a:t>
+            </a:r>
+            <a:endParaRPr lang="en-US" dirty="0"/>
+          </a:p>
+          <a:p>
+            <a:pPr lvl="1"/>
+            <a:endParaRPr lang="en-US" dirty="0"/>
+          </a:p>
+          <a:p>
+            <a:endParaRPr lang="en-US" dirty="0"/>
+          </a:p>
+        </p:txBody>
+      </p:sp>
+      <p:pic>
+        <p:nvPicPr>
+          <p:cNvPr id="2050" name="Picture 2"/>
+          <p:cNvPicPr>
+            <a:picLocks noChangeAspect="1" noChangeArrowheads="1"/>
+          </p:cNvPicPr>
+          <p:nvPr/>
+        </p:nvPicPr>
+        <p:blipFill>
+          <a:blip r:embed="rId3" cstate="print">
+            <a:extLst>
+              <a:ext uri="{28A0092B-C50C-407E-A947-70E740481C1C}">
+                <a14:useLocalDpi xmlns:a14="http://schemas.microsoft.com/office/drawing/2010/main" val="0"/>
+              </a:ext>
+            </a:extLst>
+          </a:blip>
+          <a:srcRect/>
+          <a:stretch>
+            <a:fillRect/>
+          </a:stretch>
+        </p:blipFill>
+        <p:spPr bwMode="auto">
+          <a:xfrm>
+            <a:off x="4362450" y="2017038"/>
+            <a:ext cx="4171950" cy="3207186"/>
+          </a:xfrm>
+          <a:prstGeom prst="rect">
+            <a:avLst/>
+          </a:prstGeom>
+          <a:noFill/>
+          <a:ln>
+            <a:noFill/>
+          </a:ln>
+          <a:extLst>
+            <a:ext uri="{909E8E84-426E-40DD-AFC4-6F175D3DCCD1}">
+              <a14:hiddenFill xmlns:a14="http://schemas.microsoft.com/office/drawing/2010/main">
+                <a:solidFill>
+                  <a:schemeClr val="accent1"/>
+                </a:solidFill>
+              </a14:hiddenFill>
+            </a:ext>
+            <a:ext uri="{91240B29-F687-4F45-9708-019B960494DF}">
+              <a14:hiddenLine xmlns:a14="http://schemas.microsoft.com/office/drawing/2010/main" w="9525">
+                <a:solidFill>
+                  <a:schemeClr val="tx1"/>
+                </a:solidFill>
+                <a:miter lim="800000"/>
+                <a:headEnd/>
+                <a:tailEnd/>
+              </a14:hiddenLine>
+            </a:ext>
+          </a:extLst>
+        </p:spPr>
+      </p:pic>
+    </p:spTree>
+    <p:extLst>
+      <p:ext uri="{BB962C8B-B14F-4D97-AF65-F5344CB8AC3E}">
+        <p14:creationId xmlns:p14="http://schemas.microsoft.com/office/powerpoint/2010/main" val="948240705"/>
+      </p:ext>
+    </p:extLst>
+  </p:cSld>
+  <p:clrMapOvr>
+    <a:masterClrMapping/>
+  </p:clrMapOvr>
+  <p:timing>
+    <p:tnLst>
+      <p:par>
+        <p:cTn id="1" dur="indefinite" restart="never" nodeType="tmRoot"/>
+      </p:par>
+    </p:tnLst>
+  </p:timing>
+</p:sld>
+</file>
+
+<file path=ppt/slides/slide5.xml><?xml version="1.0" encoding="utf-8"?>
+<p:sld xmlns:a="http://schemas.openxmlformats.org/drawingml/2006/main" xmlns:r="http://schemas.openxmlformats.org/officeDocument/2006/relationships" xmlns:p="http://schemas.openxmlformats.org/presentationml/2006/main">
+  <p:cSld>
+    <p:spTree>
+      <p:nvGrpSpPr>
+        <p:cNvPr id="1" name=""/>
+        <p:cNvGrpSpPr/>
+        <p:nvPr/>
+      </p:nvGrpSpPr>
+      <p:grpSpPr>
+        <a:xfrm>
+          <a:off x="0" y="0"/>
+          <a:ext cx="0" cy="0"/>
+          <a:chOff x="0" y="0"/>
+          <a:chExt cx="0" cy="0"/>
+        </a:xfrm>
+      </p:grpSpPr>
+      <p:sp>
+        <p:nvSpPr>
+          <p:cNvPr id="2" name="Title 1"/>
+          <p:cNvSpPr>
+            <a:spLocks noGrp="1"/>
+          </p:cNvSpPr>
+          <p:nvPr>
+            <p:ph type="title"/>
+          </p:nvPr>
+        </p:nvSpPr>
+        <p:spPr/>
+        <p:txBody>
+          <a:bodyPr/>
+          <a:lstStyle/>
+          <a:p>
+            <a:r>
+              <a:rPr lang="en-US" dirty="0" smtClean="0"/>
+              <a:t>New Project</a:t>
+            </a:r>
+            <a:endParaRPr lang="en-US" dirty="0"/>
+          </a:p>
+        </p:txBody>
+      </p:sp>
+      <p:pic>
+        <p:nvPicPr>
+          <p:cNvPr id="3074" name="Picture 2"/>
+          <p:cNvPicPr>
+            <a:picLocks noGrp="1" noChangeAspect="1" noChangeArrowheads="1"/>
+          </p:cNvPicPr>
+          <p:nvPr>
+            <p:ph idx="1"/>
+          </p:nvPr>
+        </p:nvPicPr>
+        <p:blipFill>
+          <a:blip r:embed="rId2">
+            <a:extLst>
+              <a:ext uri="{28A0092B-C50C-407E-A947-70E740481C1C}">
+                <a14:useLocalDpi xmlns:a14="http://schemas.microsoft.com/office/drawing/2010/main" val="0"/>
+              </a:ext>
+            </a:extLst>
+          </a:blip>
+          <a:srcRect/>
+          <a:stretch>
+            <a:fillRect/>
+          </a:stretch>
+        </p:blipFill>
+        <p:spPr bwMode="auto">
+          <a:xfrm>
+            <a:off x="3152284" y="1600200"/>
+            <a:ext cx="5887431" cy="4525963"/>
+          </a:xfrm>
+          <a:prstGeom prst="rect">
+            <a:avLst/>
+          </a:prstGeom>
+          <a:noFill/>
+          <a:ln>
+            <a:noFill/>
+          </a:ln>
+          <a:extLst>
+            <a:ext uri="{909E8E84-426E-40DD-AFC4-6F175D3DCCD1}">
+              <a14:hiddenFill xmlns:a14="http://schemas.microsoft.com/office/drawing/2010/main">
+                <a:solidFill>
+                  <a:schemeClr val="accent1"/>
+                </a:solidFill>
+              </a14:hiddenFill>
+            </a:ext>
+            <a:ext uri="{91240B29-F687-4F45-9708-019B960494DF}">
+              <a14:hiddenLine xmlns:a14="http://schemas.microsoft.com/office/drawing/2010/main" w="9525">
+                <a:solidFill>
+                  <a:schemeClr val="tx1"/>
+                </a:solidFill>
+                <a:miter lim="800000"/>
+                <a:headEnd/>
+                <a:tailEnd/>
+              </a14:hiddenLine>
+            </a:ext>
+          </a:extLst>
+        </p:spPr>
+      </p:pic>
+    </p:spTree>
+    <p:extLst>
+      <p:ext uri="{BB962C8B-B14F-4D97-AF65-F5344CB8AC3E}">
+        <p14:creationId xmlns:p14="http://schemas.microsoft.com/office/powerpoint/2010/main" val="2898563840"/>
+      </p:ext>
+    </p:extLst>
+  </p:cSld>
+  <p:clrMapOvr>
+    <a:masterClrMapping/>
+  </p:clrMapOvr>
+  <p:timing>
+    <p:tnLst>
+      <p:par>
+        <p:cTn id="1" dur="indefinite" restart="never" nodeType="tmRoot"/>
+      </p:par>
+    </p:tnLst>
+  </p:timing>
+</p:sld>
+</file>
+
+<file path=ppt/slides/slide6.xml><?xml version="1.0" encoding="utf-8"?>
+<p:sld xmlns:a="http://schemas.openxmlformats.org/drawingml/2006/main" xmlns:r="http://schemas.openxmlformats.org/officeDocument/2006/relationships" xmlns:p="http://schemas.openxmlformats.org/presentationml/2006/main">
+  <p:cSld>
+    <p:spTree>
+      <p:nvGrpSpPr>
+        <p:cNvPr id="1" name=""/>
+        <p:cNvGrpSpPr/>
+        <p:nvPr/>
+      </p:nvGrpSpPr>
+      <p:grpSpPr>
+        <a:xfrm>
+          <a:off x="0" y="0"/>
+          <a:ext cx="0" cy="0"/>
+          <a:chOff x="0" y="0"/>
+          <a:chExt cx="0" cy="0"/>
+        </a:xfrm>
+      </p:grpSpPr>
+      <p:sp>
+        <p:nvSpPr>
+          <p:cNvPr id="2" name="Title 1"/>
+          <p:cNvSpPr>
+            <a:spLocks noGrp="1"/>
+          </p:cNvSpPr>
+          <p:nvPr>
+            <p:ph type="title"/>
+          </p:nvPr>
+        </p:nvSpPr>
+        <p:spPr/>
+        <p:txBody>
+          <a:bodyPr/>
+          <a:lstStyle/>
+          <a:p>
+            <a:r>
+              <a:rPr lang="en-US" dirty="0" smtClean="0"/>
+              <a:t>New Project (</a:t>
+            </a:r>
+            <a:r>
+              <a:rPr lang="en-US" dirty="0" err="1" smtClean="0"/>
+              <a:t>cont</a:t>
+            </a:r>
+            <a:r>
+              <a:rPr lang="en-US" dirty="0" smtClean="0"/>
+              <a:t>)</a:t>
+            </a:r>
+            <a:endParaRPr lang="en-US" dirty="0"/>
+          </a:p>
+        </p:txBody>
+      </p:sp>
+      <p:pic>
+        <p:nvPicPr>
+          <p:cNvPr id="4098" name="Picture 2"/>
+          <p:cNvPicPr>
+            <a:picLocks noGrp="1" noChangeAspect="1" noChangeArrowheads="1"/>
+          </p:cNvPicPr>
+          <p:nvPr>
+            <p:ph idx="1"/>
+          </p:nvPr>
+        </p:nvPicPr>
+        <p:blipFill>
+          <a:blip r:embed="rId2">
+            <a:extLst>
+              <a:ext uri="{28A0092B-C50C-407E-A947-70E740481C1C}">
+                <a14:useLocalDpi xmlns:a14="http://schemas.microsoft.com/office/drawing/2010/main" val="0"/>
+              </a:ext>
+            </a:extLst>
+          </a:blip>
+          <a:srcRect/>
+          <a:stretch>
+            <a:fillRect/>
+          </a:stretch>
+        </p:blipFill>
+        <p:spPr bwMode="auto">
+          <a:xfrm>
+            <a:off x="2564026" y="1600200"/>
+            <a:ext cx="7063948" cy="4525963"/>
+          </a:xfrm>
+          <a:prstGeom prst="rect">
+            <a:avLst/>
+          </a:prstGeom>
+          <a:noFill/>
+          <a:ln>
+            <a:noFill/>
+          </a:ln>
+          <a:extLst>
+            <a:ext uri="{909E8E84-426E-40DD-AFC4-6F175D3DCCD1}">
+              <a14:hiddenFill xmlns:a14="http://schemas.microsoft.com/office/drawing/2010/main">
+                <a:solidFill>
+                  <a:schemeClr val="accent1"/>
+                </a:solidFill>
+              </a14:hiddenFill>
+            </a:ext>
+            <a:ext uri="{91240B29-F687-4F45-9708-019B960494DF}">
+              <a14:hiddenLine xmlns:a14="http://schemas.microsoft.com/office/drawing/2010/main" w="9525">
+                <a:solidFill>
+                  <a:schemeClr val="tx1"/>
+                </a:solidFill>
+                <a:miter lim="800000"/>
+                <a:headEnd/>
+                <a:tailEnd/>
+              </a14:hiddenLine>
+            </a:ext>
+          </a:extLst>
+        </p:spPr>
+      </p:pic>
+    </p:spTree>
+    <p:extLst>
+      <p:ext uri="{BB962C8B-B14F-4D97-AF65-F5344CB8AC3E}">
+        <p14:creationId xmlns:p14="http://schemas.microsoft.com/office/powerpoint/2010/main" val="1937403453"/>
+      </p:ext>
+    </p:extLst>
+  </p:cSld>
+  <p:clrMapOvr>
+    <a:masterClrMapping/>
+  </p:clrMapOvr>
+  <p:timing>
+    <p:tnLst>
+      <p:par>
+        <p:cTn id="1" dur="indefinite" restart="never" nodeType="tmRoot"/>
+      </p:par>
+    </p:tnLst>
+  </p:timing>
+</p:sld>
+</file>
+
+<file path=ppt/slides/slide7.xml><?xml version="1.0" encoding="utf-8"?>
+<p:sld xmlns:a="http://schemas.openxmlformats.org/drawingml/2006/main" xmlns:r="http://schemas.openxmlformats.org/officeDocument/2006/relationships" xmlns:p="http://schemas.openxmlformats.org/presentationml/2006/main">
+  <p:cSld>
+    <p:spTree>
+      <p:nvGrpSpPr>
+        <p:cNvPr id="1" name=""/>
+        <p:cNvGrpSpPr/>
+        <p:nvPr/>
+      </p:nvGrpSpPr>
+      <p:grpSpPr>
+        <a:xfrm>
+          <a:off x="0" y="0"/>
+          <a:ext cx="0" cy="0"/>
+          <a:chOff x="0" y="0"/>
+          <a:chExt cx="0" cy="0"/>
+        </a:xfrm>
+      </p:grpSpPr>
+      <p:sp>
+        <p:nvSpPr>
+          <p:cNvPr id="2" name="Title 1"/>
+          <p:cNvSpPr>
+            <a:spLocks noGrp="1"/>
+          </p:cNvSpPr>
+          <p:nvPr>
+            <p:ph type="title"/>
+          </p:nvPr>
+        </p:nvSpPr>
+        <p:spPr/>
+        <p:txBody>
+          <a:bodyPr/>
+          <a:lstStyle/>
+          <a:p>
+            <a:r>
+              <a:rPr lang="en-US" dirty="0" smtClean="0"/>
+              <a:t>New Project (</a:t>
+            </a:r>
+            <a:r>
+              <a:rPr lang="en-US" dirty="0" err="1" smtClean="0"/>
+              <a:t>cont</a:t>
+            </a:r>
+            <a:r>
+              <a:rPr lang="en-US" dirty="0" smtClean="0"/>
+              <a:t>)</a:t>
+            </a:r>
+            <a:endParaRPr lang="en-US" dirty="0"/>
+          </a:p>
+        </p:txBody>
+      </p:sp>
+      <p:pic>
+        <p:nvPicPr>
+          <p:cNvPr id="5122" name="Picture 2"/>
+          <p:cNvPicPr>
+            <a:picLocks noGrp="1" noChangeAspect="1" noChangeArrowheads="1"/>
+          </p:cNvPicPr>
+          <p:nvPr>
+            <p:ph idx="1"/>
+          </p:nvPr>
+        </p:nvPicPr>
+        <p:blipFill>
+          <a:blip r:embed="rId2">
+            <a:extLst>
+              <a:ext uri="{28A0092B-C50C-407E-A947-70E740481C1C}">
+                <a14:useLocalDpi xmlns:a14="http://schemas.microsoft.com/office/drawing/2010/main" val="0"/>
+              </a:ext>
+            </a:extLst>
+          </a:blip>
+          <a:srcRect/>
+          <a:stretch>
+            <a:fillRect/>
+          </a:stretch>
+        </p:blipFill>
+        <p:spPr bwMode="auto">
+          <a:xfrm>
+            <a:off x="2564026" y="1600200"/>
+            <a:ext cx="7063948" cy="4525963"/>
+          </a:xfrm>
+          <a:prstGeom prst="rect">
+            <a:avLst/>
+          </a:prstGeom>
+          <a:noFill/>
+          <a:ln>
+            <a:noFill/>
+          </a:ln>
+          <a:extLst>
+            <a:ext uri="{909E8E84-426E-40DD-AFC4-6F175D3DCCD1}">
+              <a14:hiddenFill xmlns:a14="http://schemas.microsoft.com/office/drawing/2010/main">
+                <a:solidFill>
+                  <a:schemeClr val="accent1"/>
+                </a:solidFill>
+              </a14:hiddenFill>
+            </a:ext>
+            <a:ext uri="{91240B29-F687-4F45-9708-019B960494DF}">
+              <a14:hiddenLine xmlns:a14="http://schemas.microsoft.com/office/drawing/2010/main" w="9525">
+                <a:solidFill>
+                  <a:schemeClr val="tx1"/>
+                </a:solidFill>
+                <a:miter lim="800000"/>
+                <a:headEnd/>
+                <a:tailEnd/>
+              </a14:hiddenLine>
+            </a:ext>
+          </a:extLst>
+        </p:spPr>
+      </p:pic>
+    </p:spTree>
+    <p:extLst>
+      <p:ext uri="{BB962C8B-B14F-4D97-AF65-F5344CB8AC3E}">
+        <p14:creationId xmlns:p14="http://schemas.microsoft.com/office/powerpoint/2010/main" val="347675151"/>
+      </p:ext>
+    </p:extLst>
+  </p:cSld>
+  <p:clrMapOvr>
+    <a:masterClrMapping/>
+  </p:clrMapOvr>
+  <p:timing>
+    <p:tnLst>
+      <p:par>
+        <p:cTn id="1" dur="indefinite" restart="never" nodeType="tmRoot"/>
+      </p:par>
+    </p:tnLst>
+  </p:timing>
+</p:sld>
+</file>
+
+<file path=ppt/slides/slide8.xml><?xml version="1.0" encoding="utf-8"?>
+<p:sld xmlns:a="http://schemas.openxmlformats.org/drawingml/2006/main" xmlns:r="http://schemas.openxmlformats.org/officeDocument/2006/relationships" xmlns:p="http://schemas.openxmlformats.org/presentationml/2006/main">
+  <p:cSld>
+    <p:spTree>
+      <p:nvGrpSpPr>
+        <p:cNvPr id="1" name=""/>
+        <p:cNvGrpSpPr/>
+        <p:nvPr/>
+      </p:nvGrpSpPr>
+      <p:grpSpPr>
+        <a:xfrm>
+          <a:off x="0" y="0"/>
+          <a:ext cx="0" cy="0"/>
+          <a:chOff x="0" y="0"/>
+          <a:chExt cx="0" cy="0"/>
+        </a:xfrm>
+      </p:grpSpPr>
+      <p:sp>
+        <p:nvSpPr>
+          <p:cNvPr id="2" name="Title 1"/>
+          <p:cNvSpPr>
+            <a:spLocks noGrp="1"/>
+          </p:cNvSpPr>
+          <p:nvPr>
+            <p:ph type="title"/>
+          </p:nvPr>
+        </p:nvSpPr>
+        <p:spPr/>
+        <p:txBody>
+          <a:bodyPr/>
+          <a:lstStyle/>
+          <a:p>
+            <a:r>
+              <a:rPr lang="en-US" dirty="0" smtClean="0"/>
+              <a:t>Android Versions</a:t>
+            </a:r>
+            <a:endParaRPr lang="en-US" dirty="0"/>
+          </a:p>
+        </p:txBody>
+      </p:sp>
+      <p:pic>
+        <p:nvPicPr>
+          <p:cNvPr id="6146" name="Picture 2"/>
+          <p:cNvPicPr>
+            <a:picLocks noGrp="1" noChangeAspect="1" noChangeArrowheads="1"/>
+          </p:cNvPicPr>
+          <p:nvPr>
+            <p:ph idx="1"/>
+          </p:nvPr>
+        </p:nvPicPr>
+        <p:blipFill>
+          <a:blip r:embed="rId2">
+            <a:extLst>
+              <a:ext uri="{28A0092B-C50C-407E-A947-70E740481C1C}">
+                <a14:useLocalDpi xmlns:a14="http://schemas.microsoft.com/office/drawing/2010/main" val="0"/>
+              </a:ext>
+            </a:extLst>
+          </a:blip>
+          <a:srcRect/>
+          <a:stretch>
+            <a:fillRect/>
+          </a:stretch>
+        </p:blipFill>
+        <p:spPr bwMode="auto">
+          <a:xfrm>
+            <a:off x="2744065" y="1600200"/>
+            <a:ext cx="6703870" cy="4525963"/>
+          </a:xfrm>
+          <a:prstGeom prst="rect">
+            <a:avLst/>
+          </a:prstGeom>
+          <a:noFill/>
+          <a:ln>
+            <a:noFill/>
+          </a:ln>
+          <a:extLst>
+            <a:ext uri="{909E8E84-426E-40DD-AFC4-6F175D3DCCD1}">
+              <a14:hiddenFill xmlns:a14="http://schemas.microsoft.com/office/drawing/2010/main">
+                <a:solidFill>
+                  <a:schemeClr val="accent1"/>
+                </a:solidFill>
+              </a14:hiddenFill>
+            </a:ext>
+            <a:ext uri="{91240B29-F687-4F45-9708-019B960494DF}">
+              <a14:hiddenLine xmlns:a14="http://schemas.microsoft.com/office/drawing/2010/main" w="9525">
+                <a:solidFill>
+                  <a:schemeClr val="tx1"/>
+                </a:solidFill>
+                <a:miter lim="800000"/>
+                <a:headEnd/>
+                <a:tailEnd/>
+              </a14:hiddenLine>
+            </a:ext>
+          </a:extLst>
+        </p:spPr>
+      </p:pic>
+    </p:spTree>
+    <p:extLst>
+      <p:ext uri="{BB962C8B-B14F-4D97-AF65-F5344CB8AC3E}">
+        <p14:creationId xmlns:p14="http://schemas.microsoft.com/office/powerpoint/2010/main" val="2270085677"/>
+      </p:ext>
+    </p:extLst>
+  </p:cSld>
+  <p:clrMapOvr>
+    <a:masterClrMapping/>
+  </p:clrMapOvr>
+  <p:timing>
+    <p:tnLst>
+      <p:par>
+        <p:cTn id="1" dur="indefinite" restart="never" nodeType="tmRoot"/>
+      </p:par>
+    </p:tnLst>
+  </p:timing>
+</p:sld>
+</file>
+
+<file path=ppt/slides/slide9.xml><?xml version="1.0" encoding="utf-8"?>
+<p:sld xmlns:a="http://schemas.openxmlformats.org/drawingml/2006/main" xmlns:r="http://schemas.openxmlformats.org/officeDocument/2006/relationships" xmlns:p="http://schemas.openxmlformats.org/presentationml/2006/main">
+  <p:cSld>
+    <p:spTree>
+      <p:nvGrpSpPr>
+        <p:cNvPr id="1" name=""/>
+        <p:cNvGrpSpPr/>
+        <p:nvPr/>
+      </p:nvGrpSpPr>
+      <p:grpSpPr>
+        <a:xfrm>
+          <a:off x="0" y="0"/>
+          <a:ext cx="0" cy="0"/>
+          <a:chOff x="0" y="0"/>
+          <a:chExt cx="0" cy="0"/>
+        </a:xfrm>
+      </p:grpSpPr>
+      <p:sp>
+        <p:nvSpPr>
+          <p:cNvPr id="2" name="Title 1"/>
+          <p:cNvSpPr>
+            <a:spLocks noGrp="1"/>
+          </p:cNvSpPr>
+          <p:nvPr>
+            <p:ph type="title"/>
+          </p:nvPr>
+        </p:nvSpPr>
+        <p:spPr/>
+        <p:txBody>
+          <a:bodyPr/>
+          <a:lstStyle/>
+          <a:p>
+            <a:endParaRPr lang="en-US"/>
+          </a:p>
+        </p:txBody>
+      </p:sp>
+      <p:sp>
+        <p:nvSpPr>
+          <p:cNvPr id="3" name="Content Placeholder 2"/>
+          <p:cNvSpPr>
+            <a:spLocks noGrp="1"/>
+          </p:cNvSpPr>
+          <p:nvPr>
+            <p:ph idx="1"/>
+          </p:nvPr>
+        </p:nvSpPr>
+        <p:spPr/>
+        <p:txBody>
+          <a:bodyPr/>
+          <a:lstStyle/>
+          <a:p>
+            <a:r>
+              <a:rPr lang="en-US" dirty="0" smtClean="0"/>
+              <a:t>Example Android Developer References</a:t>
+            </a:r>
+            <a:endParaRPr lang="en-US" dirty="0"/>
+          </a:p>
+        </p:txBody>
+      </p:sp>
+    </p:spTree>
+    <p:extLst>
+      <p:ext uri="{BB962C8B-B14F-4D97-AF65-F5344CB8AC3E}">
+        <p14:creationId xmlns:p14="http://schemas.microsoft.com/office/powerpoint/2010/main" val="176378580"/>
+      </p:ext>
+    </p:extLst>
+  </p:cSld>
+  <p:clrMapOvr>
+    <a:masterClrMapping/>
+  </p:clrMapOvr>
+  <p:timing>
+    <p:tnLst>
+      <p:par>
+        <p:cTn id="1" dur="indefinite" restart="never" nodeType="tmRoot"/>
       </p:par>
     </p:tnLst>
   </p:timing>

--- a/slides/Android Studio_Activities_Fragments.pptx
+++ b/slides/Android Studio_Activities_Fragments.pptx
@@ -7,7 +7,7 @@
   <p:sldIdLst>
     <p:sldId id="256" r:id="rId2"/>
     <p:sldId id="260" r:id="rId3"/>
-    <p:sldId id="264" r:id="rId4"/>
+    <p:sldId id="309" r:id="rId4"/>
     <p:sldId id="257" r:id="rId5"/>
     <p:sldId id="287" r:id="rId6"/>
     <p:sldId id="288" r:id="rId7"/>
@@ -25,15 +25,25 @@
     <p:sldId id="296" r:id="rId19"/>
     <p:sldId id="295" r:id="rId20"/>
     <p:sldId id="298" r:id="rId21"/>
-    <p:sldId id="297" r:id="rId22"/>
-    <p:sldId id="259" r:id="rId23"/>
-    <p:sldId id="268" r:id="rId24"/>
-    <p:sldId id="277" r:id="rId25"/>
-    <p:sldId id="276" r:id="rId26"/>
-    <p:sldId id="279" r:id="rId27"/>
-    <p:sldId id="282" r:id="rId28"/>
-    <p:sldId id="281" r:id="rId29"/>
-    <p:sldId id="267" r:id="rId30"/>
+    <p:sldId id="300" r:id="rId22"/>
+    <p:sldId id="297" r:id="rId23"/>
+    <p:sldId id="301" r:id="rId24"/>
+    <p:sldId id="302" r:id="rId25"/>
+    <p:sldId id="303" r:id="rId26"/>
+    <p:sldId id="304" r:id="rId27"/>
+    <p:sldId id="307" r:id="rId28"/>
+    <p:sldId id="308" r:id="rId29"/>
+    <p:sldId id="305" r:id="rId30"/>
+    <p:sldId id="306" r:id="rId31"/>
+    <p:sldId id="299" r:id="rId32"/>
+    <p:sldId id="259" r:id="rId33"/>
+    <p:sldId id="268" r:id="rId34"/>
+    <p:sldId id="277" r:id="rId35"/>
+    <p:sldId id="276" r:id="rId36"/>
+    <p:sldId id="279" r:id="rId37"/>
+    <p:sldId id="282" r:id="rId38"/>
+    <p:sldId id="281" r:id="rId39"/>
+    <p:sldId id="267" r:id="rId40"/>
   </p:sldIdLst>
   <p:sldSz cx="12192000" cy="6858000"/>
   <p:notesSz cx="6858000" cy="9144000"/>
@@ -134,7 +144,7 @@
   </p:defaultTextStyle>
   <p:extLst>
     <p:ext uri="{EFAFB233-063F-42B5-8137-9DF3F51BA10A}">
-      <p15:sldGuideLst xmlns:p15="http://schemas.microsoft.com/office/powerpoint/2012/main" xmlns="">
+      <p15:sldGuideLst xmlns="" xmlns:p15="http://schemas.microsoft.com/office/powerpoint/2012/main">
         <p15:guide id="1" orient="horz" pos="2160">
           <p15:clr>
             <a:srgbClr val="A4A3A4"/>
@@ -338,7 +348,7 @@
           <a:p>
             <a:fld id="{1E7C2FAA-919F-4BF2-9DC6-6D7D1753D0B1}" type="datetimeFigureOut">
               <a:rPr lang="en-US" smtClean="0"/>
-              <a:t>6/12/2017</a:t>
+              <a:t>6/13/2017</a:t>
             </a:fld>
             <a:endParaRPr lang="en-US"/>
           </a:p>
@@ -506,7 +516,7 @@
           <a:p>
             <a:fld id="{1E7C2FAA-919F-4BF2-9DC6-6D7D1753D0B1}" type="datetimeFigureOut">
               <a:rPr lang="en-US" smtClean="0"/>
-              <a:t>6/12/2017</a:t>
+              <a:t>6/13/2017</a:t>
             </a:fld>
             <a:endParaRPr lang="en-US"/>
           </a:p>
@@ -684,7 +694,7 @@
           <a:p>
             <a:fld id="{1E7C2FAA-919F-4BF2-9DC6-6D7D1753D0B1}" type="datetimeFigureOut">
               <a:rPr lang="en-US" smtClean="0"/>
-              <a:t>6/12/2017</a:t>
+              <a:t>6/13/2017</a:t>
             </a:fld>
             <a:endParaRPr lang="en-US"/>
           </a:p>
@@ -867,7 +877,7 @@
           <a:p>
             <a:fld id="{1E7C2FAA-919F-4BF2-9DC6-6D7D1753D0B1}" type="datetimeFigureOut">
               <a:rPr lang="en-US" smtClean="0"/>
-              <a:t>6/12/2017</a:t>
+              <a:t>6/13/2017</a:t>
             </a:fld>
             <a:endParaRPr lang="en-US"/>
           </a:p>
@@ -1112,7 +1122,7 @@
           <a:p>
             <a:fld id="{1E7C2FAA-919F-4BF2-9DC6-6D7D1753D0B1}" type="datetimeFigureOut">
               <a:rPr lang="en-US" smtClean="0"/>
-              <a:t>6/12/2017</a:t>
+              <a:t>6/13/2017</a:t>
             </a:fld>
             <a:endParaRPr lang="en-US"/>
           </a:p>
@@ -1406,7 +1416,7 @@
           <a:p>
             <a:fld id="{1E7C2FAA-919F-4BF2-9DC6-6D7D1753D0B1}" type="datetimeFigureOut">
               <a:rPr lang="en-US" smtClean="0"/>
-              <a:t>6/12/2017</a:t>
+              <a:t>6/13/2017</a:t>
             </a:fld>
             <a:endParaRPr lang="en-US"/>
           </a:p>
@@ -1830,7 +1840,7 @@
           <a:p>
             <a:fld id="{1E7C2FAA-919F-4BF2-9DC6-6D7D1753D0B1}" type="datetimeFigureOut">
               <a:rPr lang="en-US" smtClean="0"/>
-              <a:t>6/12/2017</a:t>
+              <a:t>6/13/2017</a:t>
             </a:fld>
             <a:endParaRPr lang="en-US"/>
           </a:p>
@@ -1947,7 +1957,7 @@
           <a:p>
             <a:fld id="{1E7C2FAA-919F-4BF2-9DC6-6D7D1753D0B1}" type="datetimeFigureOut">
               <a:rPr lang="en-US" smtClean="0"/>
-              <a:t>6/12/2017</a:t>
+              <a:t>6/13/2017</a:t>
             </a:fld>
             <a:endParaRPr lang="en-US"/>
           </a:p>
@@ -2042,7 +2052,7 @@
           <a:p>
             <a:fld id="{1E7C2FAA-919F-4BF2-9DC6-6D7D1753D0B1}" type="datetimeFigureOut">
               <a:rPr lang="en-US" smtClean="0"/>
-              <a:t>6/12/2017</a:t>
+              <a:t>6/13/2017</a:t>
             </a:fld>
             <a:endParaRPr lang="en-US"/>
           </a:p>
@@ -2320,7 +2330,7 @@
           <a:p>
             <a:fld id="{1E7C2FAA-919F-4BF2-9DC6-6D7D1753D0B1}" type="datetimeFigureOut">
               <a:rPr lang="en-US" smtClean="0"/>
-              <a:t>6/12/2017</a:t>
+              <a:t>6/13/2017</a:t>
             </a:fld>
             <a:endParaRPr lang="en-US"/>
           </a:p>
@@ -2578,7 +2588,7 @@
           <a:p>
             <a:fld id="{1E7C2FAA-919F-4BF2-9DC6-6D7D1753D0B1}" type="datetimeFigureOut">
               <a:rPr lang="en-US" smtClean="0"/>
-              <a:t>6/12/2017</a:t>
+              <a:t>6/13/2017</a:t>
             </a:fld>
             <a:endParaRPr lang="en-US"/>
           </a:p>
@@ -2835,7 +2845,7 @@
           <a:p>
             <a:fld id="{1E7C2FAA-919F-4BF2-9DC6-6D7D1753D0B1}" type="datetimeFigureOut">
               <a:rPr lang="en-US" smtClean="0"/>
-              <a:t>6/12/2017</a:t>
+              <a:t>6/13/2017</a:t>
             </a:fld>
             <a:endParaRPr lang="en-US"/>
           </a:p>
@@ -4860,11 +4870,7 @@
               </a:r>
               <a:r>
                 <a:rPr lang="en-US" dirty="0" smtClean="0"/>
-                <a:t>moved to the </a:t>
-              </a:r>
-              <a:r>
-                <a:rPr lang="en-US" dirty="0" smtClean="0"/>
-                <a:t>foreground and ready </a:t>
+                <a:t>moved to the foreground and ready </a:t>
               </a:r>
               <a:r>
                 <a:rPr lang="en-US" dirty="0"/>
@@ -5978,8 +5984,48 @@
             </a:r>
             <a:r>
               <a:rPr lang="en-US" dirty="0"/>
-              <a:t> App</a:t>
-            </a:r>
+              <a:t> </a:t>
+            </a:r>
+            <a:r>
+              <a:rPr lang="en-US" dirty="0" smtClean="0"/>
+              <a:t>App</a:t>
+            </a:r>
+          </a:p>
+          <a:p>
+            <a:pPr lvl="1"/>
+            <a:r>
+              <a:rPr lang="en-US" dirty="0" smtClean="0"/>
+              <a:t>Activity </a:t>
+            </a:r>
+          </a:p>
+          <a:p>
+            <a:pPr lvl="1"/>
+            <a:r>
+              <a:rPr lang="en-US" dirty="0" smtClean="0"/>
+              <a:t>Fragment</a:t>
+            </a:r>
+          </a:p>
+          <a:p>
+            <a:pPr lvl="1"/>
+            <a:r>
+              <a:rPr lang="en-US" dirty="0" smtClean="0"/>
+              <a:t>Layout</a:t>
+            </a:r>
+          </a:p>
+          <a:p>
+            <a:pPr lvl="1"/>
+            <a:r>
+              <a:rPr lang="en-US" dirty="0" smtClean="0"/>
+              <a:t>Services</a:t>
+            </a:r>
+          </a:p>
+          <a:p>
+            <a:pPr lvl="1"/>
+            <a:r>
+              <a:rPr lang="en-US" dirty="0" smtClean="0"/>
+              <a:t>Http communication</a:t>
+            </a:r>
+            <a:endParaRPr lang="en-US" dirty="0"/>
           </a:p>
         </p:txBody>
       </p:sp>
@@ -6199,52 +6245,63 @@
           <a:p>
             <a:r>
               <a:rPr lang="en-US" dirty="0" smtClean="0"/>
-              <a:t>Create </a:t>
+              <a:t>Creating </a:t>
             </a:r>
             <a:r>
               <a:rPr lang="en-US" dirty="0" err="1" smtClean="0"/>
               <a:t>MainActivity</a:t>
             </a:r>
+            <a:endParaRPr lang="en-US" dirty="0"/>
+          </a:p>
+        </p:txBody>
+      </p:sp>
+      <p:sp>
+        <p:nvSpPr>
+          <p:cNvPr id="3" name="Content Placeholder 2"/>
+          <p:cNvSpPr>
+            <a:spLocks noGrp="1"/>
+          </p:cNvSpPr>
+          <p:nvPr>
+            <p:ph idx="1"/>
+          </p:nvPr>
+        </p:nvSpPr>
+        <p:spPr/>
+        <p:txBody>
+          <a:bodyPr/>
+          <a:lstStyle/>
+          <a:p>
             <a:r>
               <a:rPr lang="en-US" dirty="0" smtClean="0"/>
-              <a:t> </a:t>
-            </a:r>
-            <a:endParaRPr lang="en-US" dirty="0"/>
-          </a:p>
-        </p:txBody>
-      </p:sp>
-      <p:sp>
-        <p:nvSpPr>
-          <p:cNvPr id="3" name="Content Placeholder 2"/>
-          <p:cNvSpPr>
-            <a:spLocks noGrp="1"/>
-          </p:cNvSpPr>
-          <p:nvPr>
-            <p:ph idx="1"/>
-          </p:nvPr>
-        </p:nvSpPr>
-        <p:spPr/>
-        <p:txBody>
-          <a:bodyPr/>
-          <a:lstStyle/>
-          <a:p>
+              <a:t>Exploring </a:t>
+            </a:r>
+            <a:r>
+              <a:rPr lang="en-US" b="1" dirty="0" err="1" smtClean="0"/>
+              <a:t>build.gradle</a:t>
+            </a:r>
             <a:r>
               <a:rPr lang="en-US" dirty="0" smtClean="0"/>
-              <a:t>Best Practices</a:t>
+              <a:t> file</a:t>
             </a:r>
           </a:p>
           <a:p>
             <a:pPr lvl="1"/>
             <a:r>
+              <a:rPr lang="en-US" dirty="0"/>
+              <a:t>Set target SDK version</a:t>
+            </a:r>
+          </a:p>
+          <a:p>
+            <a:pPr lvl="1"/>
+            <a:r>
               <a:rPr lang="en-US" dirty="0" smtClean="0"/>
-              <a:t>Keep lifecycle methods in order</a:t>
+              <a:t>Set minimum SDK version</a:t>
             </a:r>
           </a:p>
           <a:p>
             <a:pPr lvl="1"/>
             <a:r>
               <a:rPr lang="en-US" dirty="0" smtClean="0"/>
-              <a:t>Place other methods (helpers) below the lifecycle methods</a:t>
+              <a:t>Define dependencies</a:t>
             </a:r>
             <a:endParaRPr lang="en-US" dirty="0"/>
           </a:p>
@@ -6253,20 +6310,13 @@
     </p:spTree>
     <p:extLst>
       <p:ext uri="{BB962C8B-B14F-4D97-AF65-F5344CB8AC3E}">
-        <p14:creationId xmlns:p14="http://schemas.microsoft.com/office/powerpoint/2010/main" val="2374969006"/>
+        <p14:creationId xmlns:p14="http://schemas.microsoft.com/office/powerpoint/2010/main" val="3375858439"/>
       </p:ext>
     </p:extLst>
   </p:cSld>
   <p:clrMapOvr>
     <a:masterClrMapping/>
   </p:clrMapOvr>
-  <p:timing>
-    <p:tnLst>
-      <p:par>
-        <p:cTn id="1" dur="indefinite" restart="never" nodeType="tmRoot"/>
-      </p:par>
-    </p:tnLst>
-  </p:timing>
 </p:sld>
 </file>
 
@@ -6297,21 +6347,22 @@
             <p:ph type="title"/>
           </p:nvPr>
         </p:nvSpPr>
-        <p:spPr>
-          <a:xfrm>
-            <a:off x="0" y="457200"/>
-            <a:ext cx="8098971" cy="1143000"/>
-          </a:xfrm>
-        </p:spPr>
-        <p:txBody>
-          <a:bodyPr>
-            <a:normAutofit/>
-          </a:bodyPr>
+        <p:spPr/>
+        <p:txBody>
+          <a:bodyPr/>
           <a:lstStyle/>
           <a:p>
             <a:r>
               <a:rPr lang="en-US" dirty="0" smtClean="0"/>
-              <a:t>Fragment</a:t>
+              <a:t>Creating </a:t>
+            </a:r>
+            <a:r>
+              <a:rPr lang="en-US" dirty="0" err="1" smtClean="0"/>
+              <a:t>MainActivity</a:t>
+            </a:r>
+            <a:r>
+              <a:rPr lang="en-US" dirty="0" smtClean="0"/>
+              <a:t> </a:t>
             </a:r>
             <a:endParaRPr lang="en-US" dirty="0"/>
           </a:p>
@@ -6333,42 +6384,31 @@
           <a:lstStyle/>
           <a:p>
             <a:r>
-              <a:rPr lang="en-US" dirty="0"/>
-              <a:t>View and Layout logic</a:t>
-            </a:r>
-          </a:p>
-          <a:p>
-            <a:r>
-              <a:rPr lang="en-US" dirty="0"/>
-              <a:t>Event handling (i.e. </a:t>
-            </a:r>
-            <a:r>
-              <a:rPr lang="en-US" dirty="0" err="1"/>
-              <a:t>onClick</a:t>
-            </a:r>
-            <a:r>
-              <a:rPr lang="en-US" dirty="0"/>
-              <a:t>())</a:t>
-            </a:r>
-          </a:p>
-          <a:p>
-            <a:r>
-              <a:rPr lang="en-US" dirty="0"/>
-              <a:t>Network request </a:t>
-            </a:r>
-          </a:p>
-          <a:p>
-            <a:r>
-              <a:rPr lang="en-US" dirty="0"/>
-              <a:t>Interacting with a persistence storage</a:t>
-            </a:r>
+              <a:rPr lang="en-US" dirty="0" smtClean="0"/>
+              <a:t>Best Practices</a:t>
+            </a:r>
+          </a:p>
+          <a:p>
+            <a:pPr lvl="1"/>
+            <a:r>
+              <a:rPr lang="en-US" dirty="0" smtClean="0"/>
+              <a:t>Keep lifecycle methods in order</a:t>
+            </a:r>
+          </a:p>
+          <a:p>
+            <a:pPr lvl="1"/>
+            <a:r>
+              <a:rPr lang="en-US" dirty="0" smtClean="0"/>
+              <a:t>Place other methods (helpers) below the lifecycle methods</a:t>
+            </a:r>
+            <a:endParaRPr lang="en-US" dirty="0"/>
           </a:p>
         </p:txBody>
       </p:sp>
     </p:spTree>
     <p:extLst>
       <p:ext uri="{BB962C8B-B14F-4D97-AF65-F5344CB8AC3E}">
-        <p14:creationId xmlns:p14="http://schemas.microsoft.com/office/powerpoint/2010/main" val="1806338854"/>
+        <p14:creationId xmlns:p14="http://schemas.microsoft.com/office/powerpoint/2010/main" val="2374969006"/>
       </p:ext>
     </p:extLst>
   </p:cSld>
@@ -6404,6 +6444,1406 @@
       </p:grpSpPr>
       <p:sp>
         <p:nvSpPr>
+          <p:cNvPr id="3" name="Content Placeholder 2"/>
+          <p:cNvSpPr>
+            <a:spLocks noGrp="1"/>
+          </p:cNvSpPr>
+          <p:nvPr>
+            <p:ph idx="1"/>
+          </p:nvPr>
+        </p:nvSpPr>
+        <p:spPr/>
+        <p:txBody>
+          <a:bodyPr/>
+          <a:lstStyle/>
+          <a:p>
+            <a:r>
+              <a:rPr lang="en-US" dirty="0" smtClean="0"/>
+              <a:t>Add XML layout </a:t>
+            </a:r>
+          </a:p>
+          <a:p>
+            <a:pPr lvl="1"/>
+            <a:r>
+              <a:rPr lang="en-US" dirty="0" smtClean="0"/>
+              <a:t>Best practices</a:t>
+            </a:r>
+          </a:p>
+          <a:p>
+            <a:pPr lvl="2"/>
+            <a:r>
+              <a:rPr lang="en-US" dirty="0" smtClean="0"/>
+              <a:t>Layout naming convention same as the activity</a:t>
+            </a:r>
+          </a:p>
+          <a:p>
+            <a:pPr lvl="3"/>
+            <a:r>
+              <a:rPr lang="en-US" dirty="0" smtClean="0"/>
+              <a:t>MainActivity.java  =&gt; main_activity.xml </a:t>
+            </a:r>
+            <a:endParaRPr lang="en-US" dirty="0"/>
+          </a:p>
+        </p:txBody>
+      </p:sp>
+      <p:sp>
+        <p:nvSpPr>
+          <p:cNvPr id="4" name="Title 1"/>
+          <p:cNvSpPr>
+            <a:spLocks noGrp="1"/>
+          </p:cNvSpPr>
+          <p:nvPr>
+            <p:ph type="title"/>
+          </p:nvPr>
+        </p:nvSpPr>
+        <p:spPr/>
+        <p:txBody>
+          <a:bodyPr/>
+          <a:lstStyle/>
+          <a:p>
+            <a:r>
+              <a:rPr lang="en-US" dirty="0" smtClean="0"/>
+              <a:t>Creating </a:t>
+            </a:r>
+            <a:r>
+              <a:rPr lang="en-US" dirty="0" err="1" smtClean="0"/>
+              <a:t>MainActivity</a:t>
+            </a:r>
+            <a:r>
+              <a:rPr lang="en-US" dirty="0" smtClean="0"/>
+              <a:t> </a:t>
+            </a:r>
+            <a:endParaRPr lang="en-US" dirty="0"/>
+          </a:p>
+        </p:txBody>
+      </p:sp>
+    </p:spTree>
+    <p:extLst>
+      <p:ext uri="{BB962C8B-B14F-4D97-AF65-F5344CB8AC3E}">
+        <p14:creationId xmlns:p14="http://schemas.microsoft.com/office/powerpoint/2010/main" val="1351923410"/>
+      </p:ext>
+    </p:extLst>
+  </p:cSld>
+  <p:clrMapOvr>
+    <a:masterClrMapping/>
+  </p:clrMapOvr>
+</p:sld>
+</file>
+
+<file path=ppt/slides/slide24.xml><?xml version="1.0" encoding="utf-8"?>
+<p:sld xmlns:a="http://schemas.openxmlformats.org/drawingml/2006/main" xmlns:r="http://schemas.openxmlformats.org/officeDocument/2006/relationships" xmlns:p="http://schemas.openxmlformats.org/presentationml/2006/main">
+  <p:cSld>
+    <p:spTree>
+      <p:nvGrpSpPr>
+        <p:cNvPr id="1" name=""/>
+        <p:cNvGrpSpPr/>
+        <p:nvPr/>
+      </p:nvGrpSpPr>
+      <p:grpSpPr>
+        <a:xfrm>
+          <a:off x="0" y="0"/>
+          <a:ext cx="0" cy="0"/>
+          <a:chOff x="0" y="0"/>
+          <a:chExt cx="0" cy="0"/>
+        </a:xfrm>
+      </p:grpSpPr>
+      <p:pic>
+        <p:nvPicPr>
+          <p:cNvPr id="1027" name="Picture 3"/>
+          <p:cNvPicPr>
+            <a:picLocks noChangeAspect="1" noChangeArrowheads="1"/>
+          </p:cNvPicPr>
+          <p:nvPr/>
+        </p:nvPicPr>
+        <p:blipFill>
+          <a:blip r:embed="rId2">
+            <a:extLst>
+              <a:ext uri="{28A0092B-C50C-407E-A947-70E740481C1C}">
+                <a14:useLocalDpi xmlns:a14="http://schemas.microsoft.com/office/drawing/2010/main" val="0"/>
+              </a:ext>
+            </a:extLst>
+          </a:blip>
+          <a:srcRect/>
+          <a:stretch>
+            <a:fillRect/>
+          </a:stretch>
+        </p:blipFill>
+        <p:spPr bwMode="auto">
+          <a:xfrm>
+            <a:off x="416749" y="2030247"/>
+            <a:ext cx="5848350" cy="3533775"/>
+          </a:xfrm>
+          <a:prstGeom prst="rect">
+            <a:avLst/>
+          </a:prstGeom>
+          <a:noFill/>
+          <a:ln>
+            <a:noFill/>
+          </a:ln>
+          <a:extLst>
+            <a:ext uri="{909E8E84-426E-40DD-AFC4-6F175D3DCCD1}">
+              <a14:hiddenFill xmlns:a14="http://schemas.microsoft.com/office/drawing/2010/main">
+                <a:solidFill>
+                  <a:schemeClr val="accent1"/>
+                </a:solidFill>
+              </a14:hiddenFill>
+            </a:ext>
+            <a:ext uri="{91240B29-F687-4F45-9708-019B960494DF}">
+              <a14:hiddenLine xmlns:a14="http://schemas.microsoft.com/office/drawing/2010/main" w="9525">
+                <a:solidFill>
+                  <a:schemeClr val="tx1"/>
+                </a:solidFill>
+                <a:miter lim="800000"/>
+                <a:headEnd/>
+                <a:tailEnd/>
+              </a14:hiddenLine>
+            </a:ext>
+          </a:extLst>
+        </p:spPr>
+      </p:pic>
+      <p:pic>
+        <p:nvPicPr>
+          <p:cNvPr id="1029" name="Picture 5"/>
+          <p:cNvPicPr>
+            <a:picLocks noChangeAspect="1" noChangeArrowheads="1"/>
+          </p:cNvPicPr>
+          <p:nvPr/>
+        </p:nvPicPr>
+        <p:blipFill>
+          <a:blip r:embed="rId3">
+            <a:extLst>
+              <a:ext uri="{28A0092B-C50C-407E-A947-70E740481C1C}">
+                <a14:useLocalDpi xmlns:a14="http://schemas.microsoft.com/office/drawing/2010/main" val="0"/>
+              </a:ext>
+            </a:extLst>
+          </a:blip>
+          <a:srcRect/>
+          <a:stretch>
+            <a:fillRect/>
+          </a:stretch>
+        </p:blipFill>
+        <p:spPr bwMode="auto">
+          <a:xfrm>
+            <a:off x="7102620" y="3030620"/>
+            <a:ext cx="3971925" cy="1343025"/>
+          </a:xfrm>
+          <a:prstGeom prst="rect">
+            <a:avLst/>
+          </a:prstGeom>
+          <a:noFill/>
+          <a:ln>
+            <a:noFill/>
+          </a:ln>
+          <a:extLst>
+            <a:ext uri="{909E8E84-426E-40DD-AFC4-6F175D3DCCD1}">
+              <a14:hiddenFill xmlns:a14="http://schemas.microsoft.com/office/drawing/2010/main">
+                <a:solidFill>
+                  <a:schemeClr val="accent1"/>
+                </a:solidFill>
+              </a14:hiddenFill>
+            </a:ext>
+            <a:ext uri="{91240B29-F687-4F45-9708-019B960494DF}">
+              <a14:hiddenLine xmlns:a14="http://schemas.microsoft.com/office/drawing/2010/main" w="9525">
+                <a:solidFill>
+                  <a:schemeClr val="tx1"/>
+                </a:solidFill>
+                <a:miter lim="800000"/>
+                <a:headEnd/>
+                <a:tailEnd/>
+              </a14:hiddenLine>
+            </a:ext>
+          </a:extLst>
+        </p:spPr>
+      </p:pic>
+      <p:sp>
+        <p:nvSpPr>
+          <p:cNvPr id="9" name="Title 1"/>
+          <p:cNvSpPr>
+            <a:spLocks noGrp="1"/>
+          </p:cNvSpPr>
+          <p:nvPr>
+            <p:ph type="title"/>
+          </p:nvPr>
+        </p:nvSpPr>
+        <p:spPr/>
+        <p:txBody>
+          <a:bodyPr/>
+          <a:lstStyle/>
+          <a:p>
+            <a:r>
+              <a:rPr lang="en-US" dirty="0" smtClean="0"/>
+              <a:t>Creating </a:t>
+            </a:r>
+            <a:r>
+              <a:rPr lang="en-US" dirty="0" err="1" smtClean="0"/>
+              <a:t>MainActivity</a:t>
+            </a:r>
+            <a:r>
+              <a:rPr lang="en-US" dirty="0" smtClean="0"/>
+              <a:t> </a:t>
+            </a:r>
+            <a:endParaRPr lang="en-US" dirty="0"/>
+          </a:p>
+        </p:txBody>
+      </p:sp>
+    </p:spTree>
+    <p:extLst>
+      <p:ext uri="{BB962C8B-B14F-4D97-AF65-F5344CB8AC3E}">
+        <p14:creationId xmlns:p14="http://schemas.microsoft.com/office/powerpoint/2010/main" val="1789396614"/>
+      </p:ext>
+    </p:extLst>
+  </p:cSld>
+  <p:clrMapOvr>
+    <a:masterClrMapping/>
+  </p:clrMapOvr>
+  <p:timing>
+    <p:tnLst>
+      <p:par>
+        <p:cTn id="1" dur="indefinite" restart="never" nodeType="tmRoot"/>
+      </p:par>
+    </p:tnLst>
+  </p:timing>
+</p:sld>
+</file>
+
+<file path=ppt/slides/slide25.xml><?xml version="1.0" encoding="utf-8"?>
+<p:sld xmlns:a="http://schemas.openxmlformats.org/drawingml/2006/main" xmlns:r="http://schemas.openxmlformats.org/officeDocument/2006/relationships" xmlns:p="http://schemas.openxmlformats.org/presentationml/2006/main">
+  <p:cSld>
+    <p:spTree>
+      <p:nvGrpSpPr>
+        <p:cNvPr id="1" name=""/>
+        <p:cNvGrpSpPr/>
+        <p:nvPr/>
+      </p:nvGrpSpPr>
+      <p:grpSpPr>
+        <a:xfrm>
+          <a:off x="0" y="0"/>
+          <a:ext cx="0" cy="0"/>
+          <a:chOff x="0" y="0"/>
+          <a:chExt cx="0" cy="0"/>
+        </a:xfrm>
+      </p:grpSpPr>
+      <p:pic>
+        <p:nvPicPr>
+          <p:cNvPr id="2050" name="Picture 2"/>
+          <p:cNvPicPr>
+            <a:picLocks noChangeAspect="1" noChangeArrowheads="1"/>
+          </p:cNvPicPr>
+          <p:nvPr/>
+        </p:nvPicPr>
+        <p:blipFill>
+          <a:blip r:embed="rId2">
+            <a:extLst>
+              <a:ext uri="{28A0092B-C50C-407E-A947-70E740481C1C}">
+                <a14:useLocalDpi xmlns:a14="http://schemas.microsoft.com/office/drawing/2010/main" val="0"/>
+              </a:ext>
+            </a:extLst>
+          </a:blip>
+          <a:srcRect/>
+          <a:stretch>
+            <a:fillRect/>
+          </a:stretch>
+        </p:blipFill>
+        <p:spPr bwMode="auto">
+          <a:xfrm>
+            <a:off x="131742" y="2042556"/>
+            <a:ext cx="5343945" cy="3455287"/>
+          </a:xfrm>
+          <a:prstGeom prst="rect">
+            <a:avLst/>
+          </a:prstGeom>
+          <a:noFill/>
+          <a:ln>
+            <a:noFill/>
+          </a:ln>
+          <a:extLst>
+            <a:ext uri="{909E8E84-426E-40DD-AFC4-6F175D3DCCD1}">
+              <a14:hiddenFill xmlns:a14="http://schemas.microsoft.com/office/drawing/2010/main">
+                <a:solidFill>
+                  <a:schemeClr val="accent1"/>
+                </a:solidFill>
+              </a14:hiddenFill>
+            </a:ext>
+            <a:ext uri="{91240B29-F687-4F45-9708-019B960494DF}">
+              <a14:hiddenLine xmlns:a14="http://schemas.microsoft.com/office/drawing/2010/main" w="9525">
+                <a:solidFill>
+                  <a:schemeClr val="tx1"/>
+                </a:solidFill>
+                <a:miter lim="800000"/>
+                <a:headEnd/>
+                <a:tailEnd/>
+              </a14:hiddenLine>
+            </a:ext>
+          </a:extLst>
+        </p:spPr>
+      </p:pic>
+      <p:sp>
+        <p:nvSpPr>
+          <p:cNvPr id="6" name="Title 1"/>
+          <p:cNvSpPr>
+            <a:spLocks noGrp="1"/>
+          </p:cNvSpPr>
+          <p:nvPr>
+            <p:ph type="title"/>
+          </p:nvPr>
+        </p:nvSpPr>
+        <p:spPr/>
+        <p:txBody>
+          <a:bodyPr/>
+          <a:lstStyle/>
+          <a:p>
+            <a:r>
+              <a:rPr lang="en-US" dirty="0" smtClean="0"/>
+              <a:t>Creating </a:t>
+            </a:r>
+            <a:r>
+              <a:rPr lang="en-US" dirty="0" err="1" smtClean="0"/>
+              <a:t>MainActivity</a:t>
+            </a:r>
+            <a:r>
+              <a:rPr lang="en-US" dirty="0" smtClean="0"/>
+              <a:t> </a:t>
+            </a:r>
+            <a:endParaRPr lang="en-US" dirty="0"/>
+          </a:p>
+        </p:txBody>
+      </p:sp>
+      <p:pic>
+        <p:nvPicPr>
+          <p:cNvPr id="2052" name="Picture 4"/>
+          <p:cNvPicPr>
+            <a:picLocks noChangeAspect="1" noChangeArrowheads="1"/>
+          </p:cNvPicPr>
+          <p:nvPr/>
+        </p:nvPicPr>
+        <p:blipFill>
+          <a:blip r:embed="rId3">
+            <a:extLst>
+              <a:ext uri="{28A0092B-C50C-407E-A947-70E740481C1C}">
+                <a14:useLocalDpi xmlns:a14="http://schemas.microsoft.com/office/drawing/2010/main" val="0"/>
+              </a:ext>
+            </a:extLst>
+          </a:blip>
+          <a:srcRect/>
+          <a:stretch>
+            <a:fillRect/>
+          </a:stretch>
+        </p:blipFill>
+        <p:spPr bwMode="auto">
+          <a:xfrm>
+            <a:off x="5982811" y="2042555"/>
+            <a:ext cx="5754168" cy="3455287"/>
+          </a:xfrm>
+          <a:prstGeom prst="rect">
+            <a:avLst/>
+          </a:prstGeom>
+          <a:noFill/>
+          <a:ln>
+            <a:noFill/>
+          </a:ln>
+          <a:extLst>
+            <a:ext uri="{909E8E84-426E-40DD-AFC4-6F175D3DCCD1}">
+              <a14:hiddenFill xmlns:a14="http://schemas.microsoft.com/office/drawing/2010/main">
+                <a:solidFill>
+                  <a:schemeClr val="accent1"/>
+                </a:solidFill>
+              </a14:hiddenFill>
+            </a:ext>
+            <a:ext uri="{91240B29-F687-4F45-9708-019B960494DF}">
+              <a14:hiddenLine xmlns:a14="http://schemas.microsoft.com/office/drawing/2010/main" w="9525">
+                <a:solidFill>
+                  <a:schemeClr val="tx1"/>
+                </a:solidFill>
+                <a:miter lim="800000"/>
+                <a:headEnd/>
+                <a:tailEnd/>
+              </a14:hiddenLine>
+            </a:ext>
+          </a:extLst>
+        </p:spPr>
+      </p:pic>
+    </p:spTree>
+    <p:extLst>
+      <p:ext uri="{BB962C8B-B14F-4D97-AF65-F5344CB8AC3E}">
+        <p14:creationId xmlns:p14="http://schemas.microsoft.com/office/powerpoint/2010/main" val="3971471832"/>
+      </p:ext>
+    </p:extLst>
+  </p:cSld>
+  <p:clrMapOvr>
+    <a:masterClrMapping/>
+  </p:clrMapOvr>
+  <p:timing>
+    <p:tnLst>
+      <p:par>
+        <p:cTn id="1" dur="indefinite" restart="never" nodeType="tmRoot"/>
+      </p:par>
+    </p:tnLst>
+  </p:timing>
+</p:sld>
+</file>
+
+<file path=ppt/slides/slide26.xml><?xml version="1.0" encoding="utf-8"?>
+<p:sld xmlns:a="http://schemas.openxmlformats.org/drawingml/2006/main" xmlns:r="http://schemas.openxmlformats.org/officeDocument/2006/relationships" xmlns:p="http://schemas.openxmlformats.org/presentationml/2006/main">
+  <p:cSld>
+    <p:spTree>
+      <p:nvGrpSpPr>
+        <p:cNvPr id="1" name=""/>
+        <p:cNvGrpSpPr/>
+        <p:nvPr/>
+      </p:nvGrpSpPr>
+      <p:grpSpPr>
+        <a:xfrm>
+          <a:off x="0" y="0"/>
+          <a:ext cx="0" cy="0"/>
+          <a:chOff x="0" y="0"/>
+          <a:chExt cx="0" cy="0"/>
+        </a:xfrm>
+      </p:grpSpPr>
+      <p:sp>
+        <p:nvSpPr>
+          <p:cNvPr id="3" name="Content Placeholder 2"/>
+          <p:cNvSpPr>
+            <a:spLocks noGrp="1"/>
+          </p:cNvSpPr>
+          <p:nvPr>
+            <p:ph idx="1"/>
+          </p:nvPr>
+        </p:nvSpPr>
+        <p:spPr/>
+        <p:txBody>
+          <a:bodyPr>
+            <a:normAutofit fontScale="92500" lnSpcReduction="10000"/>
+          </a:bodyPr>
+          <a:lstStyle/>
+          <a:p>
+            <a:r>
+              <a:rPr lang="en-US" dirty="0" smtClean="0"/>
+              <a:t>Types of layouts</a:t>
+            </a:r>
+          </a:p>
+          <a:p>
+            <a:pPr lvl="1"/>
+            <a:r>
+              <a:rPr lang="en-US" dirty="0" smtClean="0"/>
+              <a:t>Linear </a:t>
+            </a:r>
+          </a:p>
+          <a:p>
+            <a:pPr lvl="1"/>
+            <a:r>
+              <a:rPr lang="en-US" dirty="0" smtClean="0"/>
+              <a:t>Relative</a:t>
+            </a:r>
+          </a:p>
+          <a:p>
+            <a:pPr lvl="1"/>
+            <a:r>
+              <a:rPr lang="en-US" dirty="0" smtClean="0"/>
+              <a:t>Frame </a:t>
+            </a:r>
+          </a:p>
+          <a:p>
+            <a:pPr lvl="1"/>
+            <a:r>
+              <a:rPr lang="en-US" dirty="0" smtClean="0"/>
+              <a:t>Constraint</a:t>
+            </a:r>
+          </a:p>
+          <a:p>
+            <a:r>
+              <a:rPr lang="en-US" dirty="0" smtClean="0"/>
+              <a:t> Best Practices</a:t>
+            </a:r>
+          </a:p>
+          <a:p>
+            <a:pPr lvl="1"/>
+            <a:r>
+              <a:rPr lang="en-US" dirty="0" smtClean="0"/>
+              <a:t>Attempt to keep the layout flat by avoiding nest layouts</a:t>
+            </a:r>
+          </a:p>
+          <a:p>
+            <a:pPr lvl="1"/>
+            <a:endParaRPr lang="en-US" dirty="0" smtClean="0"/>
+          </a:p>
+        </p:txBody>
+      </p:sp>
+      <p:sp>
+        <p:nvSpPr>
+          <p:cNvPr id="8" name="Title 1"/>
+          <p:cNvSpPr>
+            <a:spLocks noGrp="1"/>
+          </p:cNvSpPr>
+          <p:nvPr>
+            <p:ph type="title"/>
+          </p:nvPr>
+        </p:nvSpPr>
+        <p:spPr>
+          <a:xfrm>
+            <a:off x="0" y="457200"/>
+            <a:ext cx="7112000" cy="1143000"/>
+          </a:xfrm>
+        </p:spPr>
+        <p:txBody>
+          <a:bodyPr/>
+          <a:lstStyle/>
+          <a:p>
+            <a:r>
+              <a:rPr lang="en-US" dirty="0" smtClean="0"/>
+              <a:t>Creating </a:t>
+            </a:r>
+            <a:r>
+              <a:rPr lang="en-US" dirty="0" err="1" smtClean="0"/>
+              <a:t>MainActivity</a:t>
+            </a:r>
+            <a:r>
+              <a:rPr lang="en-US" dirty="0" smtClean="0"/>
+              <a:t/>
+            </a:r>
+            <a:br>
+              <a:rPr lang="en-US" dirty="0" smtClean="0"/>
+            </a:br>
+            <a:r>
+              <a:rPr lang="en-US" sz="3200" dirty="0" smtClean="0"/>
+              <a:t>Layouts </a:t>
+            </a:r>
+            <a:endParaRPr lang="en-US" sz="3200" dirty="0"/>
+          </a:p>
+        </p:txBody>
+      </p:sp>
+    </p:spTree>
+    <p:extLst>
+      <p:ext uri="{BB962C8B-B14F-4D97-AF65-F5344CB8AC3E}">
+        <p14:creationId xmlns:p14="http://schemas.microsoft.com/office/powerpoint/2010/main" val="262092603"/>
+      </p:ext>
+    </p:extLst>
+  </p:cSld>
+  <p:clrMapOvr>
+    <a:masterClrMapping/>
+  </p:clrMapOvr>
+</p:sld>
+</file>
+
+<file path=ppt/slides/slide27.xml><?xml version="1.0" encoding="utf-8"?>
+<p:sld xmlns:a="http://schemas.openxmlformats.org/drawingml/2006/main" xmlns:r="http://schemas.openxmlformats.org/officeDocument/2006/relationships" xmlns:p="http://schemas.openxmlformats.org/presentationml/2006/main">
+  <p:cSld>
+    <p:spTree>
+      <p:nvGrpSpPr>
+        <p:cNvPr id="1" name=""/>
+        <p:cNvGrpSpPr/>
+        <p:nvPr/>
+      </p:nvGrpSpPr>
+      <p:grpSpPr>
+        <a:xfrm>
+          <a:off x="0" y="0"/>
+          <a:ext cx="0" cy="0"/>
+          <a:chOff x="0" y="0"/>
+          <a:chExt cx="0" cy="0"/>
+        </a:xfrm>
+      </p:grpSpPr>
+      <p:sp>
+        <p:nvSpPr>
+          <p:cNvPr id="2" name="Title 1"/>
+          <p:cNvSpPr>
+            <a:spLocks noGrp="1"/>
+          </p:cNvSpPr>
+          <p:nvPr>
+            <p:ph type="title"/>
+          </p:nvPr>
+        </p:nvSpPr>
+        <p:spPr/>
+        <p:txBody>
+          <a:bodyPr/>
+          <a:lstStyle/>
+          <a:p>
+            <a:r>
+              <a:rPr lang="en-US" dirty="0"/>
+              <a:t>Creating </a:t>
+            </a:r>
+            <a:r>
+              <a:rPr lang="en-US" dirty="0" err="1" smtClean="0"/>
+              <a:t>MainActivity</a:t>
+            </a:r>
+            <a:endParaRPr lang="en-US" dirty="0"/>
+          </a:p>
+        </p:txBody>
+      </p:sp>
+      <p:sp>
+        <p:nvSpPr>
+          <p:cNvPr id="3" name="Content Placeholder 2"/>
+          <p:cNvSpPr>
+            <a:spLocks noGrp="1"/>
+          </p:cNvSpPr>
+          <p:nvPr>
+            <p:ph idx="1"/>
+          </p:nvPr>
+        </p:nvSpPr>
+        <p:spPr/>
+        <p:txBody>
+          <a:bodyPr/>
+          <a:lstStyle/>
+          <a:p>
+            <a:r>
+              <a:rPr lang="en-US" dirty="0" smtClean="0"/>
+              <a:t>Link Activity to Layout </a:t>
+            </a:r>
+            <a:endParaRPr lang="en-US" dirty="0"/>
+          </a:p>
+        </p:txBody>
+      </p:sp>
+    </p:spTree>
+    <p:extLst>
+      <p:ext uri="{BB962C8B-B14F-4D97-AF65-F5344CB8AC3E}">
+        <p14:creationId xmlns:p14="http://schemas.microsoft.com/office/powerpoint/2010/main" val="3117691005"/>
+      </p:ext>
+    </p:extLst>
+  </p:cSld>
+  <p:clrMapOvr>
+    <a:masterClrMapping/>
+  </p:clrMapOvr>
+</p:sld>
+</file>
+
+<file path=ppt/slides/slide28.xml><?xml version="1.0" encoding="utf-8"?>
+<p:sld xmlns:a="http://schemas.openxmlformats.org/drawingml/2006/main" xmlns:r="http://schemas.openxmlformats.org/officeDocument/2006/relationships" xmlns:p="http://schemas.openxmlformats.org/presentationml/2006/main">
+  <p:cSld>
+    <p:spTree>
+      <p:nvGrpSpPr>
+        <p:cNvPr id="1" name=""/>
+        <p:cNvGrpSpPr/>
+        <p:nvPr/>
+      </p:nvGrpSpPr>
+      <p:grpSpPr>
+        <a:xfrm>
+          <a:off x="0" y="0"/>
+          <a:ext cx="0" cy="0"/>
+          <a:chOff x="0" y="0"/>
+          <a:chExt cx="0" cy="0"/>
+        </a:xfrm>
+      </p:grpSpPr>
+      <p:sp>
+        <p:nvSpPr>
+          <p:cNvPr id="2" name="Title 1"/>
+          <p:cNvSpPr>
+            <a:spLocks noGrp="1"/>
+          </p:cNvSpPr>
+          <p:nvPr>
+            <p:ph type="title"/>
+          </p:nvPr>
+        </p:nvSpPr>
+        <p:spPr/>
+        <p:txBody>
+          <a:bodyPr/>
+          <a:lstStyle/>
+          <a:p>
+            <a:r>
+              <a:rPr lang="en-US" dirty="0" smtClean="0"/>
+              <a:t>Creating Fragments</a:t>
+            </a:r>
+            <a:endParaRPr lang="en-US" dirty="0"/>
+          </a:p>
+        </p:txBody>
+      </p:sp>
+      <p:sp>
+        <p:nvSpPr>
+          <p:cNvPr id="3" name="Content Placeholder 2"/>
+          <p:cNvSpPr>
+            <a:spLocks noGrp="1"/>
+          </p:cNvSpPr>
+          <p:nvPr>
+            <p:ph idx="1"/>
+          </p:nvPr>
+        </p:nvSpPr>
+        <p:spPr/>
+        <p:txBody>
+          <a:bodyPr/>
+          <a:lstStyle/>
+          <a:p>
+            <a:endParaRPr lang="en-US" dirty="0"/>
+          </a:p>
+        </p:txBody>
+      </p:sp>
+    </p:spTree>
+    <p:extLst>
+      <p:ext uri="{BB962C8B-B14F-4D97-AF65-F5344CB8AC3E}">
+        <p14:creationId xmlns:p14="http://schemas.microsoft.com/office/powerpoint/2010/main" val="294499272"/>
+      </p:ext>
+    </p:extLst>
+  </p:cSld>
+  <p:clrMapOvr>
+    <a:masterClrMapping/>
+  </p:clrMapOvr>
+</p:sld>
+</file>
+
+<file path=ppt/slides/slide29.xml><?xml version="1.0" encoding="utf-8"?>
+<p:sld xmlns:a="http://schemas.openxmlformats.org/drawingml/2006/main" xmlns:r="http://schemas.openxmlformats.org/officeDocument/2006/relationships" xmlns:p="http://schemas.openxmlformats.org/presentationml/2006/main">
+  <p:cSld>
+    <p:spTree>
+      <p:nvGrpSpPr>
+        <p:cNvPr id="1" name=""/>
+        <p:cNvGrpSpPr/>
+        <p:nvPr/>
+      </p:nvGrpSpPr>
+      <p:grpSpPr>
+        <a:xfrm>
+          <a:off x="0" y="0"/>
+          <a:ext cx="0" cy="0"/>
+          <a:chOff x="0" y="0"/>
+          <a:chExt cx="0" cy="0"/>
+        </a:xfrm>
+      </p:grpSpPr>
+      <p:sp>
+        <p:nvSpPr>
+          <p:cNvPr id="3" name="Content Placeholder 2"/>
+          <p:cNvSpPr>
+            <a:spLocks noGrp="1"/>
+          </p:cNvSpPr>
+          <p:nvPr>
+            <p:ph idx="1"/>
+          </p:nvPr>
+        </p:nvSpPr>
+        <p:spPr/>
+        <p:txBody>
+          <a:bodyPr/>
+          <a:lstStyle/>
+          <a:p>
+            <a:r>
+              <a:rPr lang="en-US" dirty="0" smtClean="0"/>
+              <a:t>Density Independent Pixel (</a:t>
+            </a:r>
+            <a:r>
+              <a:rPr lang="en-US" dirty="0" err="1" smtClean="0"/>
+              <a:t>dp</a:t>
+            </a:r>
+            <a:r>
+              <a:rPr lang="en-US" dirty="0" smtClean="0"/>
+              <a:t>) </a:t>
+            </a:r>
+          </a:p>
+          <a:p>
+            <a:pPr lvl="1"/>
+            <a:r>
+              <a:rPr lang="en-US" dirty="0" smtClean="0"/>
+              <a:t>View Groups and View dimensions</a:t>
+            </a:r>
+          </a:p>
+          <a:p>
+            <a:pPr lvl="1"/>
+            <a:r>
+              <a:rPr lang="en-US" dirty="0" smtClean="0"/>
+              <a:t>Scale according to screen density, not screen size</a:t>
+            </a:r>
+          </a:p>
+        </p:txBody>
+      </p:sp>
+      <p:sp>
+        <p:nvSpPr>
+          <p:cNvPr id="4" name="Title 1"/>
+          <p:cNvSpPr>
+            <a:spLocks noGrp="1"/>
+          </p:cNvSpPr>
+          <p:nvPr>
+            <p:ph type="title"/>
+          </p:nvPr>
+        </p:nvSpPr>
+        <p:spPr>
+          <a:xfrm>
+            <a:off x="0" y="457200"/>
+            <a:ext cx="7112000" cy="1143000"/>
+          </a:xfrm>
+        </p:spPr>
+        <p:txBody>
+          <a:bodyPr/>
+          <a:lstStyle/>
+          <a:p>
+            <a:r>
+              <a:rPr lang="en-US" dirty="0" smtClean="0"/>
+              <a:t>Creating </a:t>
+            </a:r>
+            <a:r>
+              <a:rPr lang="en-US" dirty="0" err="1" smtClean="0"/>
+              <a:t>MainActivity</a:t>
+            </a:r>
+            <a:r>
+              <a:rPr lang="en-US" dirty="0" smtClean="0"/>
+              <a:t/>
+            </a:r>
+            <a:br>
+              <a:rPr lang="en-US" dirty="0" smtClean="0"/>
+            </a:br>
+            <a:r>
+              <a:rPr lang="en-US" sz="3200" dirty="0" smtClean="0"/>
+              <a:t>Density Independent Pixel (</a:t>
+            </a:r>
+            <a:r>
+              <a:rPr lang="en-US" sz="3200" dirty="0" err="1" smtClean="0"/>
+              <a:t>dp</a:t>
+            </a:r>
+            <a:r>
+              <a:rPr lang="en-US" sz="3200" dirty="0" smtClean="0"/>
+              <a:t>)</a:t>
+            </a:r>
+            <a:endParaRPr lang="en-US" sz="3200" dirty="0"/>
+          </a:p>
+        </p:txBody>
+      </p:sp>
+    </p:spTree>
+    <p:extLst>
+      <p:ext uri="{BB962C8B-B14F-4D97-AF65-F5344CB8AC3E}">
+        <p14:creationId xmlns:p14="http://schemas.microsoft.com/office/powerpoint/2010/main" val="1947710023"/>
+      </p:ext>
+    </p:extLst>
+  </p:cSld>
+  <p:clrMapOvr>
+    <a:masterClrMapping/>
+  </p:clrMapOvr>
+</p:sld>
+</file>
+
+<file path=ppt/slides/slide3.xml><?xml version="1.0" encoding="utf-8"?>
+<p:sld xmlns:a="http://schemas.openxmlformats.org/drawingml/2006/main" xmlns:r="http://schemas.openxmlformats.org/officeDocument/2006/relationships" xmlns:p="http://schemas.openxmlformats.org/presentationml/2006/main">
+  <p:cSld>
+    <p:spTree>
+      <p:nvGrpSpPr>
+        <p:cNvPr id="1" name=""/>
+        <p:cNvGrpSpPr/>
+        <p:nvPr/>
+      </p:nvGrpSpPr>
+      <p:grpSpPr>
+        <a:xfrm>
+          <a:off x="0" y="0"/>
+          <a:ext cx="0" cy="0"/>
+          <a:chOff x="0" y="0"/>
+          <a:chExt cx="0" cy="0"/>
+        </a:xfrm>
+      </p:grpSpPr>
+      <p:sp>
+        <p:nvSpPr>
+          <p:cNvPr id="2" name="Title 1"/>
+          <p:cNvSpPr>
+            <a:spLocks noGrp="1"/>
+          </p:cNvSpPr>
+          <p:nvPr>
+            <p:ph type="title"/>
+          </p:nvPr>
+        </p:nvSpPr>
+        <p:spPr/>
+        <p:txBody>
+          <a:bodyPr/>
+          <a:lstStyle/>
+          <a:p>
+            <a:r>
+              <a:rPr lang="en-US" dirty="0" smtClean="0"/>
+              <a:t>What is Android</a:t>
+            </a:r>
+            <a:endParaRPr lang="en-US" dirty="0"/>
+          </a:p>
+        </p:txBody>
+      </p:sp>
+      <p:sp>
+        <p:nvSpPr>
+          <p:cNvPr id="3" name="Content Placeholder 2"/>
+          <p:cNvSpPr>
+            <a:spLocks noGrp="1"/>
+          </p:cNvSpPr>
+          <p:nvPr>
+            <p:ph idx="1"/>
+          </p:nvPr>
+        </p:nvSpPr>
+        <p:spPr/>
+        <p:txBody>
+          <a:bodyPr/>
+          <a:lstStyle/>
+          <a:p>
+            <a:r>
+              <a:rPr lang="en-US" dirty="0" smtClean="0"/>
+              <a:t>Google mobile SDK </a:t>
+            </a:r>
+          </a:p>
+          <a:p>
+            <a:r>
+              <a:rPr lang="en-US" dirty="0" smtClean="0"/>
+              <a:t>Written in Java</a:t>
+            </a:r>
+          </a:p>
+          <a:p>
+            <a:r>
+              <a:rPr lang="en-US" dirty="0" smtClean="0"/>
+              <a:t>Now supports </a:t>
+            </a:r>
+            <a:r>
+              <a:rPr lang="en-US" dirty="0" err="1" smtClean="0"/>
+              <a:t>Kotlin</a:t>
+            </a:r>
+            <a:endParaRPr lang="en-US" dirty="0"/>
+          </a:p>
+        </p:txBody>
+      </p:sp>
+    </p:spTree>
+    <p:extLst>
+      <p:ext uri="{BB962C8B-B14F-4D97-AF65-F5344CB8AC3E}">
+        <p14:creationId xmlns:p14="http://schemas.microsoft.com/office/powerpoint/2010/main" val="3098932366"/>
+      </p:ext>
+    </p:extLst>
+  </p:cSld>
+  <p:clrMapOvr>
+    <a:masterClrMapping/>
+  </p:clrMapOvr>
+</p:sld>
+</file>
+
+<file path=ppt/slides/slide30.xml><?xml version="1.0" encoding="utf-8"?>
+<p:sld xmlns:a="http://schemas.openxmlformats.org/drawingml/2006/main" xmlns:r="http://schemas.openxmlformats.org/officeDocument/2006/relationships" xmlns:p="http://schemas.openxmlformats.org/presentationml/2006/main">
+  <p:cSld>
+    <p:spTree>
+      <p:nvGrpSpPr>
+        <p:cNvPr id="1" name=""/>
+        <p:cNvGrpSpPr/>
+        <p:nvPr/>
+      </p:nvGrpSpPr>
+      <p:grpSpPr>
+        <a:xfrm>
+          <a:off x="0" y="0"/>
+          <a:ext cx="0" cy="0"/>
+          <a:chOff x="0" y="0"/>
+          <a:chExt cx="0" cy="0"/>
+        </a:xfrm>
+      </p:grpSpPr>
+      <p:sp>
+        <p:nvSpPr>
+          <p:cNvPr id="3" name="Content Placeholder 2"/>
+          <p:cNvSpPr>
+            <a:spLocks noGrp="1"/>
+          </p:cNvSpPr>
+          <p:nvPr>
+            <p:ph idx="1"/>
+          </p:nvPr>
+        </p:nvSpPr>
+        <p:spPr>
+          <a:xfrm>
+            <a:off x="0" y="1600201"/>
+            <a:ext cx="8633361" cy="4525963"/>
+          </a:xfrm>
+        </p:spPr>
+        <p:txBody>
+          <a:bodyPr/>
+          <a:lstStyle/>
+          <a:p>
+            <a:r>
+              <a:rPr lang="en-US" dirty="0" smtClean="0"/>
+              <a:t>Scale Independent Pixel (</a:t>
+            </a:r>
+            <a:r>
+              <a:rPr lang="en-US" dirty="0" err="1" smtClean="0"/>
+              <a:t>sp</a:t>
+            </a:r>
+            <a:r>
+              <a:rPr lang="en-US" dirty="0" smtClean="0"/>
+              <a:t>)</a:t>
+            </a:r>
+          </a:p>
+          <a:p>
+            <a:pPr lvl="1"/>
+            <a:r>
+              <a:rPr lang="en-US" dirty="0" smtClean="0"/>
+              <a:t> text size</a:t>
+            </a:r>
+          </a:p>
+          <a:p>
+            <a:pPr lvl="1"/>
+            <a:r>
+              <a:rPr lang="en-US" dirty="0"/>
+              <a:t>Scale according to screen density, not screen </a:t>
+            </a:r>
+            <a:r>
+              <a:rPr lang="en-US" dirty="0" smtClean="0"/>
+              <a:t>size</a:t>
+            </a:r>
+          </a:p>
+          <a:p>
+            <a:pPr lvl="1"/>
+            <a:r>
+              <a:rPr lang="en-US" dirty="0" smtClean="0"/>
+              <a:t>Also, scales according settings font settings</a:t>
+            </a:r>
+            <a:endParaRPr lang="en-US" dirty="0"/>
+          </a:p>
+        </p:txBody>
+      </p:sp>
+      <p:sp>
+        <p:nvSpPr>
+          <p:cNvPr id="4" name="Title 1"/>
+          <p:cNvSpPr>
+            <a:spLocks noGrp="1"/>
+          </p:cNvSpPr>
+          <p:nvPr>
+            <p:ph type="title"/>
+          </p:nvPr>
+        </p:nvSpPr>
+        <p:spPr>
+          <a:xfrm>
+            <a:off x="0" y="457200"/>
+            <a:ext cx="7112000" cy="1143000"/>
+          </a:xfrm>
+        </p:spPr>
+        <p:txBody>
+          <a:bodyPr/>
+          <a:lstStyle/>
+          <a:p>
+            <a:r>
+              <a:rPr lang="en-US" dirty="0" smtClean="0"/>
+              <a:t>Creating </a:t>
+            </a:r>
+            <a:r>
+              <a:rPr lang="en-US" dirty="0" err="1" smtClean="0"/>
+              <a:t>MainActivity</a:t>
+            </a:r>
+            <a:r>
+              <a:rPr lang="en-US" dirty="0" smtClean="0"/>
+              <a:t/>
+            </a:r>
+            <a:br>
+              <a:rPr lang="en-US" dirty="0" smtClean="0"/>
+            </a:br>
+            <a:r>
+              <a:rPr lang="en-US" sz="3200" dirty="0" smtClean="0"/>
+              <a:t> Scale Independent Pixel (</a:t>
+            </a:r>
+            <a:r>
+              <a:rPr lang="en-US" sz="3200" dirty="0" err="1"/>
+              <a:t>s</a:t>
+            </a:r>
+            <a:r>
+              <a:rPr lang="en-US" sz="3200" dirty="0" err="1" smtClean="0"/>
+              <a:t>p</a:t>
+            </a:r>
+            <a:r>
+              <a:rPr lang="en-US" sz="3200" dirty="0" smtClean="0"/>
+              <a:t>)</a:t>
+            </a:r>
+            <a:endParaRPr lang="en-US" sz="3200" dirty="0"/>
+          </a:p>
+        </p:txBody>
+      </p:sp>
+      <p:pic>
+        <p:nvPicPr>
+          <p:cNvPr id="2" name="Picture 1"/>
+          <p:cNvPicPr>
+            <a:picLocks noChangeAspect="1"/>
+          </p:cNvPicPr>
+          <p:nvPr/>
+        </p:nvPicPr>
+        <p:blipFill>
+          <a:blip r:embed="rId2" cstate="print">
+            <a:extLst>
+              <a:ext uri="{28A0092B-C50C-407E-A947-70E740481C1C}">
+                <a14:useLocalDpi xmlns:a14="http://schemas.microsoft.com/office/drawing/2010/main" val="0"/>
+              </a:ext>
+            </a:extLst>
+          </a:blip>
+          <a:stretch>
+            <a:fillRect/>
+          </a:stretch>
+        </p:blipFill>
+        <p:spPr>
+          <a:xfrm>
+            <a:off x="8519431" y="1852549"/>
+            <a:ext cx="2013982" cy="3580411"/>
+          </a:xfrm>
+          <a:prstGeom prst="rect">
+            <a:avLst/>
+          </a:prstGeom>
+          <a:ln>
+            <a:solidFill>
+              <a:schemeClr val="tx1">
+                <a:lumMod val="65000"/>
+                <a:lumOff val="35000"/>
+              </a:schemeClr>
+            </a:solidFill>
+          </a:ln>
+        </p:spPr>
+      </p:pic>
+    </p:spTree>
+    <p:extLst>
+      <p:ext uri="{BB962C8B-B14F-4D97-AF65-F5344CB8AC3E}">
+        <p14:creationId xmlns:p14="http://schemas.microsoft.com/office/powerpoint/2010/main" val="2222966207"/>
+      </p:ext>
+    </p:extLst>
+  </p:cSld>
+  <p:clrMapOvr>
+    <a:masterClrMapping/>
+  </p:clrMapOvr>
+</p:sld>
+</file>
+
+<file path=ppt/slides/slide31.xml><?xml version="1.0" encoding="utf-8"?>
+<p:sld xmlns:a="http://schemas.openxmlformats.org/drawingml/2006/main" xmlns:r="http://schemas.openxmlformats.org/officeDocument/2006/relationships" xmlns:p="http://schemas.openxmlformats.org/presentationml/2006/main">
+  <p:cSld>
+    <p:spTree>
+      <p:nvGrpSpPr>
+        <p:cNvPr id="1" name=""/>
+        <p:cNvGrpSpPr/>
+        <p:nvPr/>
+      </p:nvGrpSpPr>
+      <p:grpSpPr>
+        <a:xfrm>
+          <a:off x="0" y="0"/>
+          <a:ext cx="0" cy="0"/>
+          <a:chOff x="0" y="0"/>
+          <a:chExt cx="0" cy="0"/>
+        </a:xfrm>
+      </p:grpSpPr>
+      <p:sp>
+        <p:nvSpPr>
+          <p:cNvPr id="2" name="Title 1"/>
+          <p:cNvSpPr>
+            <a:spLocks noGrp="1"/>
+          </p:cNvSpPr>
+          <p:nvPr>
+            <p:ph type="title"/>
+          </p:nvPr>
+        </p:nvSpPr>
+        <p:spPr/>
+        <p:txBody>
+          <a:bodyPr/>
+          <a:lstStyle/>
+          <a:p>
+            <a:r>
+              <a:rPr lang="en-US" dirty="0" smtClean="0"/>
+              <a:t>Creating </a:t>
+            </a:r>
+            <a:r>
+              <a:rPr lang="en-US" dirty="0" err="1" smtClean="0"/>
+              <a:t>MainActivity</a:t>
+            </a:r>
+            <a:r>
+              <a:rPr lang="en-US" dirty="0" smtClean="0"/>
+              <a:t> </a:t>
+            </a:r>
+            <a:endParaRPr lang="en-US" dirty="0"/>
+          </a:p>
+        </p:txBody>
+      </p:sp>
+      <p:sp>
+        <p:nvSpPr>
+          <p:cNvPr id="3" name="Content Placeholder 2"/>
+          <p:cNvSpPr>
+            <a:spLocks noGrp="1"/>
+          </p:cNvSpPr>
+          <p:nvPr>
+            <p:ph idx="1"/>
+          </p:nvPr>
+        </p:nvSpPr>
+        <p:spPr/>
+        <p:txBody>
+          <a:bodyPr/>
+          <a:lstStyle/>
+          <a:p>
+            <a:r>
+              <a:rPr lang="en-US" dirty="0" smtClean="0"/>
+              <a:t>Add </a:t>
+            </a:r>
+            <a:r>
+              <a:rPr lang="en-US" dirty="0" err="1" smtClean="0"/>
+              <a:t>MainActivity</a:t>
+            </a:r>
+            <a:r>
+              <a:rPr lang="en-US" dirty="0" smtClean="0"/>
+              <a:t> to AndroidManifest.xml</a:t>
+            </a:r>
+          </a:p>
+          <a:p>
+            <a:pPr lvl="1"/>
+            <a:r>
+              <a:rPr lang="en-US" dirty="0"/>
+              <a:t>The </a:t>
+            </a:r>
+            <a:r>
+              <a:rPr lang="en-US" b="1" dirty="0"/>
+              <a:t>manifest file</a:t>
+            </a:r>
+            <a:r>
+              <a:rPr lang="en-US" dirty="0"/>
+              <a:t> provides essential information about your app to the Android system, which the system must have before it </a:t>
+            </a:r>
+            <a:r>
+              <a:rPr lang="en-US" dirty="0" smtClean="0"/>
+              <a:t>can </a:t>
+            </a:r>
+            <a:r>
+              <a:rPr lang="en-US" dirty="0"/>
+              <a:t>run any of the app's code</a:t>
+            </a:r>
+            <a:r>
+              <a:rPr lang="en-US" dirty="0" smtClean="0"/>
+              <a:t>. (i.e. activities,</a:t>
+            </a:r>
+            <a:r>
+              <a:rPr lang="en-US" dirty="0"/>
+              <a:t> </a:t>
+            </a:r>
+            <a:r>
+              <a:rPr lang="en-US" dirty="0" smtClean="0"/>
+              <a:t>services, content provider…)</a:t>
+            </a:r>
+          </a:p>
+        </p:txBody>
+      </p:sp>
+    </p:spTree>
+    <p:extLst>
+      <p:ext uri="{BB962C8B-B14F-4D97-AF65-F5344CB8AC3E}">
+        <p14:creationId xmlns:p14="http://schemas.microsoft.com/office/powerpoint/2010/main" val="1089828459"/>
+      </p:ext>
+    </p:extLst>
+  </p:cSld>
+  <p:clrMapOvr>
+    <a:masterClrMapping/>
+  </p:clrMapOvr>
+  <p:timing>
+    <p:tnLst>
+      <p:par>
+        <p:cTn id="1" dur="indefinite" restart="never" nodeType="tmRoot"/>
+      </p:par>
+    </p:tnLst>
+  </p:timing>
+</p:sld>
+</file>
+
+<file path=ppt/slides/slide32.xml><?xml version="1.0" encoding="utf-8"?>
+<p:sld xmlns:a="http://schemas.openxmlformats.org/drawingml/2006/main" xmlns:r="http://schemas.openxmlformats.org/officeDocument/2006/relationships" xmlns:p="http://schemas.openxmlformats.org/presentationml/2006/main">
+  <p:cSld>
+    <p:spTree>
+      <p:nvGrpSpPr>
+        <p:cNvPr id="1" name=""/>
+        <p:cNvGrpSpPr/>
+        <p:nvPr/>
+      </p:nvGrpSpPr>
+      <p:grpSpPr>
+        <a:xfrm>
+          <a:off x="0" y="0"/>
+          <a:ext cx="0" cy="0"/>
+          <a:chOff x="0" y="0"/>
+          <a:chExt cx="0" cy="0"/>
+        </a:xfrm>
+      </p:grpSpPr>
+      <p:sp>
+        <p:nvSpPr>
+          <p:cNvPr id="2" name="Title 1"/>
+          <p:cNvSpPr>
+            <a:spLocks noGrp="1"/>
+          </p:cNvSpPr>
+          <p:nvPr>
+            <p:ph type="title"/>
+          </p:nvPr>
+        </p:nvSpPr>
+        <p:spPr>
+          <a:xfrm>
+            <a:off x="0" y="457200"/>
+            <a:ext cx="8098971" cy="1143000"/>
+          </a:xfrm>
+        </p:spPr>
+        <p:txBody>
+          <a:bodyPr>
+            <a:normAutofit/>
+          </a:bodyPr>
+          <a:lstStyle/>
+          <a:p>
+            <a:r>
+              <a:rPr lang="en-US" dirty="0" smtClean="0"/>
+              <a:t>Fragment</a:t>
+            </a:r>
+            <a:endParaRPr lang="en-US" dirty="0"/>
+          </a:p>
+        </p:txBody>
+      </p:sp>
+      <p:sp>
+        <p:nvSpPr>
+          <p:cNvPr id="3" name="Content Placeholder 2"/>
+          <p:cNvSpPr>
+            <a:spLocks noGrp="1"/>
+          </p:cNvSpPr>
+          <p:nvPr>
+            <p:ph idx="1"/>
+          </p:nvPr>
+        </p:nvSpPr>
+        <p:spPr/>
+        <p:txBody>
+          <a:bodyPr/>
+          <a:lstStyle/>
+          <a:p>
+            <a:r>
+              <a:rPr lang="en-US" dirty="0"/>
+              <a:t>View and Layout logic</a:t>
+            </a:r>
+          </a:p>
+          <a:p>
+            <a:r>
+              <a:rPr lang="en-US" dirty="0"/>
+              <a:t>Event handling (i.e. </a:t>
+            </a:r>
+            <a:r>
+              <a:rPr lang="en-US" dirty="0" err="1"/>
+              <a:t>onClick</a:t>
+            </a:r>
+            <a:r>
+              <a:rPr lang="en-US" dirty="0"/>
+              <a:t>())</a:t>
+            </a:r>
+          </a:p>
+          <a:p>
+            <a:r>
+              <a:rPr lang="en-US" dirty="0"/>
+              <a:t>Network request </a:t>
+            </a:r>
+          </a:p>
+          <a:p>
+            <a:r>
+              <a:rPr lang="en-US" dirty="0"/>
+              <a:t>Interacting with a persistence storage</a:t>
+            </a:r>
+          </a:p>
+        </p:txBody>
+      </p:sp>
+    </p:spTree>
+    <p:extLst>
+      <p:ext uri="{BB962C8B-B14F-4D97-AF65-F5344CB8AC3E}">
+        <p14:creationId xmlns:p14="http://schemas.microsoft.com/office/powerpoint/2010/main" val="1806338854"/>
+      </p:ext>
+    </p:extLst>
+  </p:cSld>
+  <p:clrMapOvr>
+    <a:masterClrMapping/>
+  </p:clrMapOvr>
+  <p:timing>
+    <p:tnLst>
+      <p:par>
+        <p:cTn id="1" dur="indefinite" restart="never" nodeType="tmRoot"/>
+      </p:par>
+    </p:tnLst>
+  </p:timing>
+</p:sld>
+</file>
+
+<file path=ppt/slides/slide33.xml><?xml version="1.0" encoding="utf-8"?>
+<p:sld xmlns:a="http://schemas.openxmlformats.org/drawingml/2006/main" xmlns:r="http://schemas.openxmlformats.org/officeDocument/2006/relationships" xmlns:p="http://schemas.openxmlformats.org/presentationml/2006/main">
+  <p:cSld>
+    <p:spTree>
+      <p:nvGrpSpPr>
+        <p:cNvPr id="1" name=""/>
+        <p:cNvGrpSpPr/>
+        <p:nvPr/>
+      </p:nvGrpSpPr>
+      <p:grpSpPr>
+        <a:xfrm>
+          <a:off x="0" y="0"/>
+          <a:ext cx="0" cy="0"/>
+          <a:chOff x="0" y="0"/>
+          <a:chExt cx="0" cy="0"/>
+        </a:xfrm>
+      </p:grpSpPr>
+      <p:sp>
+        <p:nvSpPr>
           <p:cNvPr id="2" name="Title 1"/>
           <p:cNvSpPr>
             <a:spLocks noGrp="1"/>
@@ -6474,7 +7914,7 @@
 </p:sld>
 </file>
 
-<file path=ppt/slides/slide24.xml><?xml version="1.0" encoding="utf-8"?>
+<file path=ppt/slides/slide34.xml><?xml version="1.0" encoding="utf-8"?>
 <p:sld xmlns:a="http://schemas.openxmlformats.org/drawingml/2006/main" xmlns:r="http://schemas.openxmlformats.org/officeDocument/2006/relationships" xmlns:p="http://schemas.openxmlformats.org/presentationml/2006/main">
   <p:cSld>
     <p:spTree>
@@ -7047,7 +8487,7 @@
 </p:sld>
 </file>
 
-<file path=ppt/slides/slide25.xml><?xml version="1.0" encoding="utf-8"?>
+<file path=ppt/slides/slide35.xml><?xml version="1.0" encoding="utf-8"?>
 <p:sld xmlns:a="http://schemas.openxmlformats.org/drawingml/2006/main" xmlns:r="http://schemas.openxmlformats.org/officeDocument/2006/relationships" xmlns:p="http://schemas.openxmlformats.org/presentationml/2006/main" show="0">
   <p:cSld>
     <p:spTree>
@@ -7217,11 +8657,11 @@
   <p:clrMapOvr>
     <a:masterClrMapping/>
   </p:clrMapOvr>
-  <mc:AlternateContent xmlns:mc="http://schemas.openxmlformats.org/markup-compatibility/2006">
-    <mc:Choice xmlns:p14="http://schemas.microsoft.com/office/powerpoint/2010/main" Requires="p14">
+  <mc:AlternateContent xmlns:mc="http://schemas.openxmlformats.org/markup-compatibility/2006" xmlns:p14="http://schemas.microsoft.com/office/powerpoint/2010/main">
+    <mc:Choice Requires="p14">
       <p:transition spd="slow" p14:dur="2000"/>
     </mc:Choice>
-    <mc:Fallback>
+    <mc:Fallback xmlns="">
       <p:transition spd="slow"/>
     </mc:Fallback>
   </mc:AlternateContent>
@@ -7235,7 +8675,7 @@
 </p:sld>
 </file>
 
-<file path=ppt/slides/slide26.xml><?xml version="1.0" encoding="utf-8"?>
+<file path=ppt/slides/slide36.xml><?xml version="1.0" encoding="utf-8"?>
 <p:sld xmlns:a="http://schemas.openxmlformats.org/drawingml/2006/main" xmlns:r="http://schemas.openxmlformats.org/officeDocument/2006/relationships" xmlns:p="http://schemas.openxmlformats.org/presentationml/2006/main">
   <p:cSld>
     <p:spTree>
@@ -7313,7 +8753,7 @@
 </p:sld>
 </file>
 
-<file path=ppt/slides/slide27.xml><?xml version="1.0" encoding="utf-8"?>
+<file path=ppt/slides/slide37.xml><?xml version="1.0" encoding="utf-8"?>
 <p:sld xmlns:a="http://schemas.openxmlformats.org/drawingml/2006/main" xmlns:r="http://schemas.openxmlformats.org/officeDocument/2006/relationships" xmlns:p="http://schemas.openxmlformats.org/presentationml/2006/main">
   <p:cSld>
     <p:spTree>
@@ -7387,7 +8827,7 @@
 </p:sld>
 </file>
 
-<file path=ppt/slides/slide28.xml><?xml version="1.0" encoding="utf-8"?>
+<file path=ppt/slides/slide38.xml><?xml version="1.0" encoding="utf-8"?>
 <p:sld xmlns:a="http://schemas.openxmlformats.org/drawingml/2006/main" xmlns:r="http://schemas.openxmlformats.org/officeDocument/2006/relationships" xmlns:p="http://schemas.openxmlformats.org/presentationml/2006/main">
   <p:cSld>
     <p:spTree>
@@ -7468,7 +8908,7 @@
 </p:sld>
 </file>
 
-<file path=ppt/slides/slide29.xml><?xml version="1.0" encoding="utf-8"?>
+<file path=ppt/slides/slide39.xml><?xml version="1.0" encoding="utf-8"?>
 <p:sld xmlns:a="http://schemas.openxmlformats.org/drawingml/2006/main" xmlns:r="http://schemas.openxmlformats.org/officeDocument/2006/relationships" xmlns:p="http://schemas.openxmlformats.org/presentationml/2006/main">
   <p:cSld>
     <p:spTree>
@@ -7537,153 +8977,6 @@
   <p:clrMapOvr>
     <a:masterClrMapping/>
   </p:clrMapOvr>
-</p:sld>
-</file>
-
-<file path=ppt/slides/slide3.xml><?xml version="1.0" encoding="utf-8"?>
-<p:sld xmlns:a="http://schemas.openxmlformats.org/drawingml/2006/main" xmlns:r="http://schemas.openxmlformats.org/officeDocument/2006/relationships" xmlns:p="http://schemas.openxmlformats.org/presentationml/2006/main">
-  <p:cSld>
-    <p:spTree>
-      <p:nvGrpSpPr>
-        <p:cNvPr id="1" name=""/>
-        <p:cNvGrpSpPr/>
-        <p:nvPr/>
-      </p:nvGrpSpPr>
-      <p:grpSpPr>
-        <a:xfrm>
-          <a:off x="0" y="0"/>
-          <a:ext cx="0" cy="0"/>
-          <a:chOff x="0" y="0"/>
-          <a:chExt cx="0" cy="0"/>
-        </a:xfrm>
-      </p:grpSpPr>
-      <p:sp>
-        <p:nvSpPr>
-          <p:cNvPr id="2" name="Title 1"/>
-          <p:cNvSpPr>
-            <a:spLocks noGrp="1"/>
-          </p:cNvSpPr>
-          <p:nvPr>
-            <p:ph type="title"/>
-          </p:nvPr>
-        </p:nvSpPr>
-        <p:spPr/>
-        <p:txBody>
-          <a:bodyPr/>
-          <a:lstStyle/>
-          <a:p>
-            <a:r>
-              <a:rPr lang="en-US" dirty="0"/>
-              <a:t>Agenda</a:t>
-            </a:r>
-          </a:p>
-        </p:txBody>
-      </p:sp>
-      <p:sp>
-        <p:nvSpPr>
-          <p:cNvPr id="3" name="Content Placeholder 2"/>
-          <p:cNvSpPr>
-            <a:spLocks noGrp="1"/>
-          </p:cNvSpPr>
-          <p:nvPr>
-            <p:ph idx="1"/>
-          </p:nvPr>
-        </p:nvSpPr>
-        <p:spPr/>
-        <p:txBody>
-          <a:bodyPr>
-            <a:normAutofit fontScale="92500" lnSpcReduction="20000"/>
-          </a:bodyPr>
-          <a:lstStyle/>
-          <a:p>
-            <a:r>
-              <a:rPr lang="en-US" dirty="0"/>
-              <a:t>High Level </a:t>
-            </a:r>
-          </a:p>
-          <a:p>
-            <a:pPr lvl="1"/>
-            <a:r>
-              <a:rPr lang="en-US" dirty="0"/>
-              <a:t>Android Studio </a:t>
-            </a:r>
-          </a:p>
-          <a:p>
-            <a:pPr lvl="2"/>
-            <a:r>
-              <a:rPr lang="en-US" dirty="0"/>
-              <a:t>Overview</a:t>
-            </a:r>
-          </a:p>
-          <a:p>
-            <a:pPr lvl="1"/>
-            <a:r>
-              <a:rPr lang="en-US" dirty="0"/>
-              <a:t>Activity </a:t>
-            </a:r>
-          </a:p>
-          <a:p>
-            <a:pPr lvl="2"/>
-            <a:r>
-              <a:rPr lang="en-US" dirty="0"/>
-              <a:t>Responsibility </a:t>
-            </a:r>
-          </a:p>
-          <a:p>
-            <a:pPr lvl="2"/>
-            <a:r>
-              <a:rPr lang="en-US" dirty="0"/>
-              <a:t>Caveats</a:t>
-            </a:r>
-          </a:p>
-          <a:p>
-            <a:pPr lvl="1"/>
-            <a:r>
-              <a:rPr lang="en-US" dirty="0"/>
-              <a:t>Fragment</a:t>
-            </a:r>
-          </a:p>
-          <a:p>
-            <a:pPr lvl="2"/>
-            <a:r>
-              <a:rPr lang="en-US" dirty="0"/>
-              <a:t>Responsibility </a:t>
-            </a:r>
-          </a:p>
-          <a:p>
-            <a:pPr lvl="2"/>
-            <a:r>
-              <a:rPr lang="en-US" dirty="0"/>
-              <a:t>Caveats</a:t>
-            </a:r>
-          </a:p>
-          <a:p>
-            <a:pPr lvl="2"/>
-            <a:endParaRPr lang="en-US" dirty="0"/>
-          </a:p>
-          <a:p>
-            <a:pPr lvl="2"/>
-            <a:endParaRPr lang="en-US" dirty="0"/>
-          </a:p>
-        </p:txBody>
-      </p:sp>
-    </p:spTree>
-    <p:extLst>
-      <p:ext uri="{BB962C8B-B14F-4D97-AF65-F5344CB8AC3E}">
-        <p14:creationId xmlns:p14="http://schemas.microsoft.com/office/powerpoint/2010/main" val="1370593822"/>
-      </p:ext>
-    </p:extLst>
-  </p:cSld>
-  <p:clrMapOvr>
-    <a:masterClrMapping/>
-  </p:clrMapOvr>
-  <p:timing>
-    <p:tnLst>
-      <p:par>
-        <p:cTn id="1" dur="indefinite" restart="never" nodeType="tmRoot"/>
-      </p:par>
-    </p:tnLst>
-  </p:timing>
 </p:sld>
 </file>
 
@@ -8328,7 +9621,7 @@
         </p:blipFill>
         <p:spPr bwMode="auto">
           <a:xfrm>
-            <a:off x="2744065" y="1600200"/>
+            <a:off x="2704481" y="1255816"/>
             <a:ext cx="6703870" cy="4525963"/>
           </a:xfrm>
           <a:prstGeom prst="rect">
@@ -8359,6 +9652,39 @@
           </a:extLst>
         </p:spPr>
       </p:pic>
+      <p:sp>
+        <p:nvSpPr>
+          <p:cNvPr id="3" name="TextBox 2"/>
+          <p:cNvSpPr txBox="1"/>
+          <p:nvPr/>
+        </p:nvSpPr>
+        <p:spPr>
+          <a:xfrm>
+            <a:off x="3360718" y="5771407"/>
+            <a:ext cx="6044540" cy="369332"/>
+          </a:xfrm>
+          <a:prstGeom prst="rect">
+            <a:avLst/>
+          </a:prstGeom>
+          <a:noFill/>
+        </p:spPr>
+        <p:txBody>
+          <a:bodyPr wrap="square" rtlCol="0">
+            <a:spAutoFit/>
+          </a:bodyPr>
+          <a:lstStyle/>
+          <a:p>
+            <a:r>
+              <a:rPr lang="en-US" dirty="0">
+                <a:solidFill>
+                  <a:srgbClr val="0070C0"/>
+                </a:solidFill>
+              </a:rPr>
+              <a:t>https://developer.android.com/about/dashboards/index.html</a:t>
+            </a:r>
+          </a:p>
+        </p:txBody>
+      </p:sp>
     </p:spTree>
     <p:extLst>
       <p:ext uri="{BB962C8B-B14F-4D97-AF65-F5344CB8AC3E}">
@@ -8398,12 +9724,12 @@
       </p:grpSpPr>
       <p:sp>
         <p:nvSpPr>
-          <p:cNvPr id="2" name="Title 1"/>
-          <p:cNvSpPr>
-            <a:spLocks noGrp="1"/>
-          </p:cNvSpPr>
-          <p:nvPr>
-            <p:ph type="title"/>
+          <p:cNvPr id="3" name="Content Placeholder 2"/>
+          <p:cNvSpPr>
+            <a:spLocks noGrp="1"/>
+          </p:cNvSpPr>
+          <p:nvPr>
+            <p:ph idx="1"/>
           </p:nvPr>
         </p:nvSpPr>
         <p:spPr/>
@@ -8411,28 +9737,28 @@
           <a:bodyPr/>
           <a:lstStyle/>
           <a:p>
-            <a:endParaRPr lang="en-US"/>
-          </a:p>
-        </p:txBody>
-      </p:sp>
-      <p:sp>
-        <p:nvSpPr>
-          <p:cNvPr id="3" name="Content Placeholder 2"/>
-          <p:cNvSpPr>
-            <a:spLocks noGrp="1"/>
-          </p:cNvSpPr>
-          <p:nvPr>
-            <p:ph idx="1"/>
-          </p:nvPr>
-        </p:nvSpPr>
-        <p:spPr/>
-        <p:txBody>
-          <a:bodyPr/>
-          <a:lstStyle/>
-          <a:p>
+            <a:pPr marL="0" indent="0">
+              <a:buNone/>
+            </a:pPr>
+            <a:endParaRPr lang="en-US" dirty="0" smtClean="0"/>
+          </a:p>
+          <a:p>
+            <a:pPr marL="0" indent="0">
+              <a:buNone/>
+            </a:pPr>
+            <a:endParaRPr lang="en-US" dirty="0"/>
+          </a:p>
+          <a:p>
+            <a:pPr marL="0" indent="0" algn="ctr">
+              <a:buNone/>
+            </a:pPr>
             <a:r>
               <a:rPr lang="en-US" dirty="0" smtClean="0"/>
-              <a:t>Example Android Developer References</a:t>
+              <a:t>Example: </a:t>
+            </a:r>
+            <a:r>
+              <a:rPr lang="en-US" dirty="0" smtClean="0"/>
+              <a:t>Android Developer References</a:t>
             </a:r>
             <a:endParaRPr lang="en-US" dirty="0"/>
           </a:p>

--- a/slides/Android Studio_Activities_Fragments.pptx
+++ b/slides/Android Studio_Activities_Fragments.pptx
@@ -22,28 +22,27 @@
     <p:sldId id="294" r:id="rId16"/>
     <p:sldId id="258" r:id="rId17"/>
     <p:sldId id="280" r:id="rId18"/>
-    <p:sldId id="296" r:id="rId19"/>
-    <p:sldId id="295" r:id="rId20"/>
-    <p:sldId id="298" r:id="rId21"/>
-    <p:sldId id="300" r:id="rId22"/>
-    <p:sldId id="297" r:id="rId23"/>
-    <p:sldId id="301" r:id="rId24"/>
-    <p:sldId id="302" r:id="rId25"/>
-    <p:sldId id="303" r:id="rId26"/>
-    <p:sldId id="304" r:id="rId27"/>
-    <p:sldId id="307" r:id="rId28"/>
-    <p:sldId id="308" r:id="rId29"/>
-    <p:sldId id="305" r:id="rId30"/>
-    <p:sldId id="306" r:id="rId31"/>
-    <p:sldId id="299" r:id="rId32"/>
-    <p:sldId id="259" r:id="rId33"/>
-    <p:sldId id="268" r:id="rId34"/>
-    <p:sldId id="277" r:id="rId35"/>
-    <p:sldId id="276" r:id="rId36"/>
-    <p:sldId id="279" r:id="rId37"/>
-    <p:sldId id="282" r:id="rId38"/>
-    <p:sldId id="281" r:id="rId39"/>
-    <p:sldId id="267" r:id="rId40"/>
+    <p:sldId id="295" r:id="rId19"/>
+    <p:sldId id="296" r:id="rId20"/>
+    <p:sldId id="300" r:id="rId21"/>
+    <p:sldId id="297" r:id="rId22"/>
+    <p:sldId id="301" r:id="rId23"/>
+    <p:sldId id="302" r:id="rId24"/>
+    <p:sldId id="303" r:id="rId25"/>
+    <p:sldId id="304" r:id="rId26"/>
+    <p:sldId id="307" r:id="rId27"/>
+    <p:sldId id="299" r:id="rId28"/>
+    <p:sldId id="310" r:id="rId29"/>
+    <p:sldId id="259" r:id="rId30"/>
+    <p:sldId id="313" r:id="rId31"/>
+    <p:sldId id="314" r:id="rId32"/>
+    <p:sldId id="315" r:id="rId33"/>
+    <p:sldId id="316" r:id="rId34"/>
+    <p:sldId id="308" r:id="rId35"/>
+    <p:sldId id="305" r:id="rId36"/>
+    <p:sldId id="306" r:id="rId37"/>
+    <p:sldId id="311" r:id="rId38"/>
+    <p:sldId id="312" r:id="rId39"/>
   </p:sldIdLst>
   <p:sldSz cx="12192000" cy="6858000"/>
   <p:notesSz cx="6858000" cy="9144000"/>
@@ -144,7 +143,7 @@
   </p:defaultTextStyle>
   <p:extLst>
     <p:ext uri="{EFAFB233-063F-42B5-8137-9DF3F51BA10A}">
-      <p15:sldGuideLst xmlns="" xmlns:p15="http://schemas.microsoft.com/office/powerpoint/2012/main">
+      <p15:sldGuideLst xmlns:p15="http://schemas.microsoft.com/office/powerpoint/2012/main" xmlns="">
         <p15:guide id="1" orient="horz" pos="2160">
           <p15:clr>
             <a:srgbClr val="A4A3A4"/>
@@ -348,7 +347,7 @@
           <a:p>
             <a:fld id="{1E7C2FAA-919F-4BF2-9DC6-6D7D1753D0B1}" type="datetimeFigureOut">
               <a:rPr lang="en-US" smtClean="0"/>
-              <a:t>6/13/2017</a:t>
+              <a:t>6/14/2017</a:t>
             </a:fld>
             <a:endParaRPr lang="en-US"/>
           </a:p>
@@ -516,7 +515,7 @@
           <a:p>
             <a:fld id="{1E7C2FAA-919F-4BF2-9DC6-6D7D1753D0B1}" type="datetimeFigureOut">
               <a:rPr lang="en-US" smtClean="0"/>
-              <a:t>6/13/2017</a:t>
+              <a:t>6/14/2017</a:t>
             </a:fld>
             <a:endParaRPr lang="en-US"/>
           </a:p>
@@ -694,7 +693,7 @@
           <a:p>
             <a:fld id="{1E7C2FAA-919F-4BF2-9DC6-6D7D1753D0B1}" type="datetimeFigureOut">
               <a:rPr lang="en-US" smtClean="0"/>
-              <a:t>6/13/2017</a:t>
+              <a:t>6/14/2017</a:t>
             </a:fld>
             <a:endParaRPr lang="en-US"/>
           </a:p>
@@ -877,7 +876,7 @@
           <a:p>
             <a:fld id="{1E7C2FAA-919F-4BF2-9DC6-6D7D1753D0B1}" type="datetimeFigureOut">
               <a:rPr lang="en-US" smtClean="0"/>
-              <a:t>6/13/2017</a:t>
+              <a:t>6/14/2017</a:t>
             </a:fld>
             <a:endParaRPr lang="en-US"/>
           </a:p>
@@ -1122,7 +1121,7 @@
           <a:p>
             <a:fld id="{1E7C2FAA-919F-4BF2-9DC6-6D7D1753D0B1}" type="datetimeFigureOut">
               <a:rPr lang="en-US" smtClean="0"/>
-              <a:t>6/13/2017</a:t>
+              <a:t>6/14/2017</a:t>
             </a:fld>
             <a:endParaRPr lang="en-US"/>
           </a:p>
@@ -1416,7 +1415,7 @@
           <a:p>
             <a:fld id="{1E7C2FAA-919F-4BF2-9DC6-6D7D1753D0B1}" type="datetimeFigureOut">
               <a:rPr lang="en-US" smtClean="0"/>
-              <a:t>6/13/2017</a:t>
+              <a:t>6/14/2017</a:t>
             </a:fld>
             <a:endParaRPr lang="en-US"/>
           </a:p>
@@ -1840,7 +1839,7 @@
           <a:p>
             <a:fld id="{1E7C2FAA-919F-4BF2-9DC6-6D7D1753D0B1}" type="datetimeFigureOut">
               <a:rPr lang="en-US" smtClean="0"/>
-              <a:t>6/13/2017</a:t>
+              <a:t>6/14/2017</a:t>
             </a:fld>
             <a:endParaRPr lang="en-US"/>
           </a:p>
@@ -1957,7 +1956,7 @@
           <a:p>
             <a:fld id="{1E7C2FAA-919F-4BF2-9DC6-6D7D1753D0B1}" type="datetimeFigureOut">
               <a:rPr lang="en-US" smtClean="0"/>
-              <a:t>6/13/2017</a:t>
+              <a:t>6/14/2017</a:t>
             </a:fld>
             <a:endParaRPr lang="en-US"/>
           </a:p>
@@ -2052,7 +2051,7 @@
           <a:p>
             <a:fld id="{1E7C2FAA-919F-4BF2-9DC6-6D7D1753D0B1}" type="datetimeFigureOut">
               <a:rPr lang="en-US" smtClean="0"/>
-              <a:t>6/13/2017</a:t>
+              <a:t>6/14/2017</a:t>
             </a:fld>
             <a:endParaRPr lang="en-US"/>
           </a:p>
@@ -2330,7 +2329,7 @@
           <a:p>
             <a:fld id="{1E7C2FAA-919F-4BF2-9DC6-6D7D1753D0B1}" type="datetimeFigureOut">
               <a:rPr lang="en-US" smtClean="0"/>
-              <a:t>6/13/2017</a:t>
+              <a:t>6/14/2017</a:t>
             </a:fld>
             <a:endParaRPr lang="en-US"/>
           </a:p>
@@ -2588,7 +2587,7 @@
           <a:p>
             <a:fld id="{1E7C2FAA-919F-4BF2-9DC6-6D7D1753D0B1}" type="datetimeFigureOut">
               <a:rPr lang="en-US" smtClean="0"/>
-              <a:t>6/13/2017</a:t>
+              <a:t>6/14/2017</a:t>
             </a:fld>
             <a:endParaRPr lang="en-US"/>
           </a:p>
@@ -2845,7 +2844,7 @@
           <a:p>
             <a:fld id="{1E7C2FAA-919F-4BF2-9DC6-6D7D1753D0B1}" type="datetimeFigureOut">
               <a:rPr lang="en-US" smtClean="0"/>
-              <a:t>6/13/2017</a:t>
+              <a:t>6/14/2017</a:t>
             </a:fld>
             <a:endParaRPr lang="en-US"/>
           </a:p>
@@ -5081,6 +5080,205 @@
           <a:p>
             <a:r>
               <a:rPr lang="en-US" dirty="0" smtClean="0"/>
+              <a:t>Activity’s States</a:t>
+            </a:r>
+            <a:endParaRPr lang="en-US" dirty="0"/>
+          </a:p>
+        </p:txBody>
+      </p:sp>
+      <p:pic>
+        <p:nvPicPr>
+          <p:cNvPr id="4" name="Content Placeholder 3"/>
+          <p:cNvPicPr>
+            <a:picLocks noGrp="1" noChangeAspect="1"/>
+          </p:cNvPicPr>
+          <p:nvPr>
+            <p:ph idx="1"/>
+          </p:nvPr>
+        </p:nvPicPr>
+        <p:blipFill>
+          <a:blip r:embed="rId2">
+            <a:extLst>
+              <a:ext uri="{28A0092B-C50C-407E-A947-70E740481C1C}">
+                <a14:useLocalDpi xmlns:a14="http://schemas.microsoft.com/office/drawing/2010/main" val="0"/>
+              </a:ext>
+            </a:extLst>
+          </a:blip>
+          <a:stretch>
+            <a:fillRect/>
+          </a:stretch>
+        </p:blipFill>
+        <p:spPr>
+          <a:xfrm>
+            <a:off x="87485" y="1686153"/>
+            <a:ext cx="6429524" cy="2778969"/>
+          </a:xfrm>
+          <a:prstGeom prst="rect">
+            <a:avLst/>
+          </a:prstGeom>
+        </p:spPr>
+      </p:pic>
+      <p:sp>
+        <p:nvSpPr>
+          <p:cNvPr id="5" name="TextBox 4"/>
+          <p:cNvSpPr txBox="1"/>
+          <p:nvPr/>
+        </p:nvSpPr>
+        <p:spPr>
+          <a:xfrm>
+            <a:off x="3" y="1245571"/>
+            <a:ext cx="3526971" cy="369332"/>
+          </a:xfrm>
+          <a:prstGeom prst="rect">
+            <a:avLst/>
+          </a:prstGeom>
+          <a:noFill/>
+        </p:spPr>
+        <p:txBody>
+          <a:bodyPr wrap="square" rtlCol="0">
+            <a:spAutoFit/>
+          </a:bodyPr>
+          <a:lstStyle/>
+          <a:p>
+            <a:r>
+              <a:rPr lang="en-US" dirty="0" smtClean="0">
+                <a:hlinkClick r:id="rId3"/>
+              </a:rPr>
+              <a:t>Kristin </a:t>
+            </a:r>
+            <a:r>
+              <a:rPr lang="en-US" dirty="0" err="1">
+                <a:hlinkClick r:id="rId3"/>
+              </a:rPr>
+              <a:t>Marsicano</a:t>
+            </a:r>
+            <a:endParaRPr lang="en-US" dirty="0"/>
+          </a:p>
+        </p:txBody>
+      </p:sp>
+      <p:sp>
+        <p:nvSpPr>
+          <p:cNvPr id="6" name="TextBox 5"/>
+          <p:cNvSpPr txBox="1"/>
+          <p:nvPr/>
+        </p:nvSpPr>
+        <p:spPr>
+          <a:xfrm>
+            <a:off x="748146" y="5075259"/>
+            <a:ext cx="10129652" cy="954107"/>
+          </a:xfrm>
+          <a:prstGeom prst="rect">
+            <a:avLst/>
+          </a:prstGeom>
+          <a:noFill/>
+        </p:spPr>
+        <p:txBody>
+          <a:bodyPr wrap="square" rtlCol="0">
+            <a:spAutoFit/>
+          </a:bodyPr>
+          <a:lstStyle/>
+          <a:p>
+            <a:pPr algn="ctr"/>
+            <a:r>
+              <a:rPr lang="en-US" sz="2800" b="1" dirty="0">
+                <a:solidFill>
+                  <a:srgbClr val="0070C0"/>
+                </a:solidFill>
+              </a:rPr>
+              <a:t>https://news.realm.io/news/activities-in-the-wild-exploring-the-activity-lifecycle-android/</a:t>
+            </a:r>
+            <a:endParaRPr lang="en-US" sz="3200" dirty="0">
+              <a:solidFill>
+                <a:srgbClr val="0070C0"/>
+              </a:solidFill>
+            </a:endParaRPr>
+          </a:p>
+        </p:txBody>
+      </p:sp>
+      <p:pic>
+        <p:nvPicPr>
+          <p:cNvPr id="7" name="Content Placeholder 3"/>
+          <p:cNvPicPr>
+            <a:picLocks noChangeAspect="1"/>
+          </p:cNvPicPr>
+          <p:nvPr/>
+        </p:nvPicPr>
+        <p:blipFill>
+          <a:blip r:embed="rId4">
+            <a:extLst>
+              <a:ext uri="{28A0092B-C50C-407E-A947-70E740481C1C}">
+                <a14:useLocalDpi xmlns:a14="http://schemas.microsoft.com/office/drawing/2010/main" val="0"/>
+              </a:ext>
+            </a:extLst>
+          </a:blip>
+          <a:stretch>
+            <a:fillRect/>
+          </a:stretch>
+        </p:blipFill>
+        <p:spPr>
+          <a:xfrm>
+            <a:off x="6578930" y="1614903"/>
+            <a:ext cx="4842752" cy="2848209"/>
+          </a:xfrm>
+          <a:prstGeom prst="rect">
+            <a:avLst/>
+          </a:prstGeom>
+        </p:spPr>
+      </p:pic>
+    </p:spTree>
+    <p:extLst>
+      <p:ext uri="{BB962C8B-B14F-4D97-AF65-F5344CB8AC3E}">
+        <p14:creationId xmlns:p14="http://schemas.microsoft.com/office/powerpoint/2010/main" val="438153073"/>
+      </p:ext>
+    </p:extLst>
+  </p:cSld>
+  <p:clrMapOvr>
+    <a:masterClrMapping/>
+  </p:clrMapOvr>
+  <p:timing>
+    <p:tnLst>
+      <p:par>
+        <p:cTn id="1" dur="indefinite" restart="never" nodeType="tmRoot"/>
+      </p:par>
+    </p:tnLst>
+  </p:timing>
+</p:sld>
+</file>
+
+<file path=ppt/slides/slide19.xml><?xml version="1.0" encoding="utf-8"?>
+<p:sld xmlns:a="http://schemas.openxmlformats.org/drawingml/2006/main" xmlns:r="http://schemas.openxmlformats.org/officeDocument/2006/relationships" xmlns:p="http://schemas.openxmlformats.org/presentationml/2006/main">
+  <p:cSld>
+    <p:spTree>
+      <p:nvGrpSpPr>
+        <p:cNvPr id="1" name=""/>
+        <p:cNvGrpSpPr/>
+        <p:nvPr/>
+      </p:nvGrpSpPr>
+      <p:grpSpPr>
+        <a:xfrm>
+          <a:off x="0" y="0"/>
+          <a:ext cx="0" cy="0"/>
+          <a:chOff x="0" y="0"/>
+          <a:chExt cx="0" cy="0"/>
+        </a:xfrm>
+      </p:grpSpPr>
+      <p:sp>
+        <p:nvSpPr>
+          <p:cNvPr id="2" name="Title 1"/>
+          <p:cNvSpPr>
+            <a:spLocks noGrp="1"/>
+          </p:cNvSpPr>
+          <p:nvPr>
+            <p:ph type="title"/>
+          </p:nvPr>
+        </p:nvSpPr>
+        <p:spPr/>
+        <p:txBody>
+          <a:bodyPr/>
+          <a:lstStyle/>
+          <a:p>
+            <a:r>
+              <a:rPr lang="en-US" dirty="0" smtClean="0"/>
               <a:t>Lifecycle relationships</a:t>
             </a:r>
             <a:endParaRPr lang="en-US" dirty="0"/>
@@ -5143,40 +5341,6 @@
             </a:p>
           </p:txBody>
         </p:sp>
-        <p:cxnSp>
-          <p:nvCxnSpPr>
-            <p:cNvPr id="9" name="Straight Arrow Connector 8"/>
-            <p:cNvCxnSpPr/>
-            <p:nvPr/>
-          </p:nvCxnSpPr>
-          <p:spPr>
-            <a:xfrm>
-              <a:off x="2262248" y="2353660"/>
-              <a:ext cx="1104405" cy="0"/>
-            </a:xfrm>
-            <a:prstGeom prst="straightConnector1">
-              <a:avLst/>
-            </a:prstGeom>
-            <a:ln w="19050">
-              <a:headEnd type="none"/>
-              <a:tailEnd type="arrow"/>
-            </a:ln>
-          </p:spPr>
-          <p:style>
-            <a:lnRef idx="1">
-              <a:schemeClr val="accent1"/>
-            </a:lnRef>
-            <a:fillRef idx="0">
-              <a:schemeClr val="accent1"/>
-            </a:fillRef>
-            <a:effectRef idx="0">
-              <a:schemeClr val="accent1"/>
-            </a:effectRef>
-            <a:fontRef idx="minor">
-              <a:schemeClr val="tx1"/>
-            </a:fontRef>
-          </p:style>
-        </p:cxnSp>
         <p:sp>
           <p:nvSpPr>
             <p:cNvPr id="13" name="Oval 12"/>
@@ -5228,7 +5392,7 @@
         </p:nvGrpSpPr>
         <p:grpSpPr>
           <a:xfrm>
-            <a:off x="3806044" y="4611583"/>
+            <a:off x="3806044" y="4801583"/>
             <a:ext cx="4714503" cy="1009404"/>
             <a:chOff x="605642" y="4617521"/>
             <a:chExt cx="4714503" cy="1009404"/>
@@ -5276,42 +5440,6 @@
             </a:p>
           </p:txBody>
         </p:sp>
-        <p:cxnSp>
-          <p:nvCxnSpPr>
-            <p:cNvPr id="15" name="Straight Arrow Connector 14"/>
-            <p:cNvCxnSpPr/>
-            <p:nvPr/>
-          </p:nvCxnSpPr>
-          <p:spPr>
-            <a:xfrm>
-              <a:off x="2450275" y="5122222"/>
-              <a:ext cx="1104405" cy="0"/>
-            </a:xfrm>
-            <a:prstGeom prst="straightConnector1">
-              <a:avLst/>
-            </a:prstGeom>
-            <a:ln>
-              <a:headEnd type="none"/>
-              <a:tailEnd type="arrow"/>
-            </a:ln>
-          </p:spPr>
-          <p:style>
-            <a:lnRef idx="2">
-              <a:schemeClr val="accent3">
-                <a:shade val="50000"/>
-              </a:schemeClr>
-            </a:lnRef>
-            <a:fillRef idx="1">
-              <a:schemeClr val="accent3"/>
-            </a:fillRef>
-            <a:effectRef idx="0">
-              <a:schemeClr val="accent3"/>
-            </a:effectRef>
-            <a:fontRef idx="minor">
-              <a:schemeClr val="lt1"/>
-            </a:fontRef>
-          </p:style>
-        </p:cxnSp>
         <p:sp>
           <p:nvSpPr>
             <p:cNvPr id="17" name="Oval 16"/>
@@ -5411,42 +5539,6 @@
             </a:p>
           </p:txBody>
         </p:sp>
-        <p:cxnSp>
-          <p:nvCxnSpPr>
-            <p:cNvPr id="19" name="Straight Arrow Connector 18"/>
-            <p:cNvCxnSpPr/>
-            <p:nvPr/>
-          </p:nvCxnSpPr>
-          <p:spPr>
-            <a:xfrm>
-              <a:off x="2262246" y="3861410"/>
-              <a:ext cx="1104405" cy="0"/>
-            </a:xfrm>
-            <a:prstGeom prst="straightConnector1">
-              <a:avLst/>
-            </a:prstGeom>
-            <a:ln>
-              <a:headEnd type="none"/>
-              <a:tailEnd type="arrow"/>
-            </a:ln>
-          </p:spPr>
-          <p:style>
-            <a:lnRef idx="2">
-              <a:schemeClr val="accent1">
-                <a:shade val="50000"/>
-              </a:schemeClr>
-            </a:lnRef>
-            <a:fillRef idx="1">
-              <a:schemeClr val="accent1"/>
-            </a:fillRef>
-            <a:effectRef idx="0">
-              <a:schemeClr val="accent1"/>
-            </a:effectRef>
-            <a:fontRef idx="minor">
-              <a:schemeClr val="lt1"/>
-            </a:fontRef>
-          </p:style>
-        </p:cxnSp>
         <p:sp>
           <p:nvSpPr>
             <p:cNvPr id="21" name="Oval 20"/>
@@ -5566,7 +5658,7 @@
         </p:nvSpPr>
         <p:spPr>
           <a:xfrm>
-            <a:off x="8637814" y="3566555"/>
+            <a:off x="8637814" y="3649680"/>
             <a:ext cx="2903516" cy="369332"/>
           </a:xfrm>
           <a:prstGeom prst="rect">
@@ -5634,7 +5726,7 @@
         </p:nvSpPr>
         <p:spPr>
           <a:xfrm>
-            <a:off x="8637814" y="4676300"/>
+            <a:off x="8637814" y="4949425"/>
             <a:ext cx="4785756" cy="369332"/>
           </a:xfrm>
           <a:prstGeom prst="rect">
@@ -5668,7 +5760,7 @@
         </p:nvSpPr>
         <p:spPr>
           <a:xfrm>
-            <a:off x="8637814" y="5045632"/>
+            <a:off x="8637814" y="5318757"/>
             <a:ext cx="3208328" cy="369332"/>
           </a:xfrm>
           <a:prstGeom prst="rect">
@@ -5724,186 +5816,170 @@
           </a:prstGeom>
         </p:spPr>
       </p:pic>
+      <p:sp>
+        <p:nvSpPr>
+          <p:cNvPr id="3" name="Right Arrow 2"/>
+          <p:cNvSpPr/>
+          <p:nvPr/>
+        </p:nvSpPr>
+        <p:spPr>
+          <a:xfrm rot="5400000">
+            <a:off x="4537364" y="2920347"/>
+            <a:ext cx="310743" cy="320634"/>
+          </a:xfrm>
+          <a:prstGeom prst="rightArrow">
+            <a:avLst/>
+          </a:prstGeom>
+        </p:spPr>
+        <p:style>
+          <a:lnRef idx="2">
+            <a:schemeClr val="accent1">
+              <a:shade val="50000"/>
+            </a:schemeClr>
+          </a:lnRef>
+          <a:fillRef idx="1">
+            <a:schemeClr val="accent1"/>
+          </a:fillRef>
+          <a:effectRef idx="0">
+            <a:schemeClr val="accent1"/>
+          </a:effectRef>
+          <a:fontRef idx="minor">
+            <a:schemeClr val="lt1"/>
+          </a:fontRef>
+        </p:style>
+        <p:txBody>
+          <a:bodyPr rtlCol="0" anchor="ctr"/>
+          <a:lstStyle/>
+          <a:p>
+            <a:pPr algn="ctr"/>
+            <a:endParaRPr lang="en-US"/>
+          </a:p>
+        </p:txBody>
+      </p:sp>
+      <p:sp>
+        <p:nvSpPr>
+          <p:cNvPr id="30" name="Right Arrow 29"/>
+          <p:cNvSpPr/>
+          <p:nvPr/>
+        </p:nvSpPr>
+        <p:spPr>
+          <a:xfrm rot="5400000">
+            <a:off x="4537364" y="4384361"/>
+            <a:ext cx="310743" cy="320634"/>
+          </a:xfrm>
+          <a:prstGeom prst="rightArrow">
+            <a:avLst/>
+          </a:prstGeom>
+        </p:spPr>
+        <p:style>
+          <a:lnRef idx="2">
+            <a:schemeClr val="accent1">
+              <a:shade val="50000"/>
+            </a:schemeClr>
+          </a:lnRef>
+          <a:fillRef idx="1">
+            <a:schemeClr val="accent1"/>
+          </a:fillRef>
+          <a:effectRef idx="0">
+            <a:schemeClr val="accent1"/>
+          </a:effectRef>
+          <a:fontRef idx="minor">
+            <a:schemeClr val="lt1"/>
+          </a:fontRef>
+        </p:style>
+        <p:txBody>
+          <a:bodyPr rtlCol="0" anchor="ctr"/>
+          <a:lstStyle/>
+          <a:p>
+            <a:pPr algn="ctr"/>
+            <a:endParaRPr lang="en-US"/>
+          </a:p>
+        </p:txBody>
+      </p:sp>
+      <p:sp>
+        <p:nvSpPr>
+          <p:cNvPr id="31" name="Right Arrow 30"/>
+          <p:cNvSpPr/>
+          <p:nvPr/>
+        </p:nvSpPr>
+        <p:spPr>
+          <a:xfrm rot="16200000">
+            <a:off x="7523512" y="4384361"/>
+            <a:ext cx="310743" cy="320634"/>
+          </a:xfrm>
+          <a:prstGeom prst="rightArrow">
+            <a:avLst/>
+          </a:prstGeom>
+        </p:spPr>
+        <p:style>
+          <a:lnRef idx="2">
+            <a:schemeClr val="accent1">
+              <a:shade val="50000"/>
+            </a:schemeClr>
+          </a:lnRef>
+          <a:fillRef idx="1">
+            <a:schemeClr val="accent1"/>
+          </a:fillRef>
+          <a:effectRef idx="0">
+            <a:schemeClr val="accent1"/>
+          </a:effectRef>
+          <a:fontRef idx="minor">
+            <a:schemeClr val="lt1"/>
+          </a:fontRef>
+        </p:style>
+        <p:txBody>
+          <a:bodyPr rtlCol="0" anchor="ctr"/>
+          <a:lstStyle/>
+          <a:p>
+            <a:pPr algn="ctr"/>
+            <a:endParaRPr lang="en-US"/>
+          </a:p>
+        </p:txBody>
+      </p:sp>
+      <p:sp>
+        <p:nvSpPr>
+          <p:cNvPr id="32" name="Right Arrow 31"/>
+          <p:cNvSpPr/>
+          <p:nvPr/>
+        </p:nvSpPr>
+        <p:spPr>
+          <a:xfrm rot="16200000">
+            <a:off x="7523512" y="2920347"/>
+            <a:ext cx="310743" cy="320634"/>
+          </a:xfrm>
+          <a:prstGeom prst="rightArrow">
+            <a:avLst/>
+          </a:prstGeom>
+        </p:spPr>
+        <p:style>
+          <a:lnRef idx="2">
+            <a:schemeClr val="accent1">
+              <a:shade val="50000"/>
+            </a:schemeClr>
+          </a:lnRef>
+          <a:fillRef idx="1">
+            <a:schemeClr val="accent1"/>
+          </a:fillRef>
+          <a:effectRef idx="0">
+            <a:schemeClr val="accent1"/>
+          </a:effectRef>
+          <a:fontRef idx="minor">
+            <a:schemeClr val="lt1"/>
+          </a:fontRef>
+        </p:style>
+        <p:txBody>
+          <a:bodyPr rtlCol="0" anchor="ctr"/>
+          <a:lstStyle/>
+          <a:p>
+            <a:pPr algn="ctr"/>
+            <a:endParaRPr lang="en-US"/>
+          </a:p>
+        </p:txBody>
+      </p:sp>
     </p:spTree>
     <p:extLst>
       <p:ext uri="{BB962C8B-B14F-4D97-AF65-F5344CB8AC3E}">
         <p14:creationId xmlns:p14="http://schemas.microsoft.com/office/powerpoint/2010/main" val="1706998333"/>
-      </p:ext>
-    </p:extLst>
-  </p:cSld>
-  <p:clrMapOvr>
-    <a:masterClrMapping/>
-  </p:clrMapOvr>
-  <p:timing>
-    <p:tnLst>
-      <p:par>
-        <p:cTn id="1" dur="indefinite" restart="never" nodeType="tmRoot"/>
-      </p:par>
-    </p:tnLst>
-  </p:timing>
-</p:sld>
-</file>
-
-<file path=ppt/slides/slide19.xml><?xml version="1.0" encoding="utf-8"?>
-<p:sld xmlns:a="http://schemas.openxmlformats.org/drawingml/2006/main" xmlns:r="http://schemas.openxmlformats.org/officeDocument/2006/relationships" xmlns:p="http://schemas.openxmlformats.org/presentationml/2006/main">
-  <p:cSld>
-    <p:spTree>
-      <p:nvGrpSpPr>
-        <p:cNvPr id="1" name=""/>
-        <p:cNvGrpSpPr/>
-        <p:nvPr/>
-      </p:nvGrpSpPr>
-      <p:grpSpPr>
-        <a:xfrm>
-          <a:off x="0" y="0"/>
-          <a:ext cx="0" cy="0"/>
-          <a:chOff x="0" y="0"/>
-          <a:chExt cx="0" cy="0"/>
-        </a:xfrm>
-      </p:grpSpPr>
-      <p:sp>
-        <p:nvSpPr>
-          <p:cNvPr id="2" name="Title 1"/>
-          <p:cNvSpPr>
-            <a:spLocks noGrp="1"/>
-          </p:cNvSpPr>
-          <p:nvPr>
-            <p:ph type="title"/>
-          </p:nvPr>
-        </p:nvSpPr>
-        <p:spPr/>
-        <p:txBody>
-          <a:bodyPr/>
-          <a:lstStyle/>
-          <a:p>
-            <a:r>
-              <a:rPr lang="en-US" dirty="0" smtClean="0"/>
-              <a:t>Activity’s States</a:t>
-            </a:r>
-            <a:endParaRPr lang="en-US" dirty="0"/>
-          </a:p>
-        </p:txBody>
-      </p:sp>
-      <p:pic>
-        <p:nvPicPr>
-          <p:cNvPr id="4" name="Content Placeholder 3"/>
-          <p:cNvPicPr>
-            <a:picLocks noGrp="1" noChangeAspect="1"/>
-          </p:cNvPicPr>
-          <p:nvPr>
-            <p:ph idx="1"/>
-          </p:nvPr>
-        </p:nvPicPr>
-        <p:blipFill>
-          <a:blip r:embed="rId2">
-            <a:extLst>
-              <a:ext uri="{28A0092B-C50C-407E-A947-70E740481C1C}">
-                <a14:useLocalDpi xmlns:a14="http://schemas.microsoft.com/office/drawing/2010/main" val="0"/>
-              </a:ext>
-            </a:extLst>
-          </a:blip>
-          <a:stretch>
-            <a:fillRect/>
-          </a:stretch>
-        </p:blipFill>
-        <p:spPr>
-          <a:xfrm>
-            <a:off x="2403173" y="1614903"/>
-            <a:ext cx="7769156" cy="3357985"/>
-          </a:xfrm>
-          <a:prstGeom prst="rect">
-            <a:avLst/>
-          </a:prstGeom>
-        </p:spPr>
-      </p:pic>
-      <p:sp>
-        <p:nvSpPr>
-          <p:cNvPr id="5" name="TextBox 4"/>
-          <p:cNvSpPr txBox="1"/>
-          <p:nvPr/>
-        </p:nvSpPr>
-        <p:spPr>
-          <a:xfrm>
-            <a:off x="3" y="1245571"/>
-            <a:ext cx="3526971" cy="369332"/>
-          </a:xfrm>
-          <a:prstGeom prst="rect">
-            <a:avLst/>
-          </a:prstGeom>
-          <a:noFill/>
-        </p:spPr>
-        <p:txBody>
-          <a:bodyPr wrap="square" rtlCol="0">
-            <a:spAutoFit/>
-          </a:bodyPr>
-          <a:lstStyle/>
-          <a:p>
-            <a:r>
-              <a:rPr lang="en-US" dirty="0" smtClean="0">
-                <a:hlinkClick r:id="rId3"/>
-              </a:rPr>
-              <a:t>Kristin </a:t>
-            </a:r>
-            <a:r>
-              <a:rPr lang="en-US" dirty="0" err="1">
-                <a:hlinkClick r:id="rId3"/>
-              </a:rPr>
-              <a:t>Marsicano</a:t>
-            </a:r>
-            <a:endParaRPr lang="en-US" dirty="0"/>
-          </a:p>
-        </p:txBody>
-      </p:sp>
-      <p:sp>
-        <p:nvSpPr>
-          <p:cNvPr id="6" name="TextBox 5"/>
-          <p:cNvSpPr txBox="1"/>
-          <p:nvPr/>
-        </p:nvSpPr>
-        <p:spPr>
-          <a:xfrm>
-            <a:off x="748146" y="5075259"/>
-            <a:ext cx="10129652" cy="1015663"/>
-          </a:xfrm>
-          <a:prstGeom prst="rect">
-            <a:avLst/>
-          </a:prstGeom>
-          <a:noFill/>
-        </p:spPr>
-        <p:txBody>
-          <a:bodyPr wrap="square" rtlCol="0">
-            <a:spAutoFit/>
-          </a:bodyPr>
-          <a:lstStyle/>
-          <a:p>
-            <a:pPr algn="ctr"/>
-            <a:r>
-              <a:rPr lang="en-US" sz="2800" b="1" dirty="0" smtClean="0"/>
-              <a:t>Fragmented Podcast</a:t>
-            </a:r>
-            <a:r>
-              <a:rPr lang="en-US" sz="2800" dirty="0" smtClean="0"/>
-              <a:t>: Episode 76 (Taming </a:t>
-            </a:r>
-            <a:r>
-              <a:rPr lang="en-US" sz="2800" dirty="0"/>
-              <a:t>the activity </a:t>
-            </a:r>
-            <a:r>
-              <a:rPr lang="en-US" sz="2800" dirty="0" smtClean="0"/>
-              <a:t>lifecycle)</a:t>
-            </a:r>
-            <a:endParaRPr lang="en-US" sz="2800" dirty="0"/>
-          </a:p>
-          <a:p>
-            <a:endParaRPr lang="en-US" sz="3200" dirty="0"/>
-          </a:p>
-        </p:txBody>
-      </p:sp>
-    </p:spTree>
-    <p:extLst>
-      <p:ext uri="{BB962C8B-B14F-4D97-AF65-F5344CB8AC3E}">
-        <p14:creationId xmlns:p14="http://schemas.microsoft.com/office/powerpoint/2010/main" val="438153073"/>
       </p:ext>
     </p:extLst>
   </p:cSld>
@@ -6096,96 +6172,70 @@
           <a:chExt cx="0" cy="0"/>
         </a:xfrm>
       </p:grpSpPr>
-      <p:pic>
-        <p:nvPicPr>
-          <p:cNvPr id="4" name="Content Placeholder 3"/>
-          <p:cNvPicPr>
-            <a:picLocks noGrp="1" noChangeAspect="1"/>
-          </p:cNvPicPr>
+      <p:sp>
+        <p:nvSpPr>
+          <p:cNvPr id="2" name="Title 1"/>
+          <p:cNvSpPr>
+            <a:spLocks noGrp="1"/>
+          </p:cNvSpPr>
+          <p:nvPr>
+            <p:ph type="title"/>
+          </p:nvPr>
+        </p:nvSpPr>
+        <p:spPr/>
+        <p:txBody>
+          <a:bodyPr/>
+          <a:lstStyle/>
+          <a:p>
+            <a:r>
+              <a:rPr lang="en-US" dirty="0"/>
+              <a:t>Exploring </a:t>
+            </a:r>
+            <a:r>
+              <a:rPr lang="en-US" dirty="0" err="1"/>
+              <a:t>build.gradle</a:t>
+            </a:r>
+            <a:r>
+              <a:rPr lang="en-US" dirty="0"/>
+              <a:t> file</a:t>
+            </a:r>
+          </a:p>
+        </p:txBody>
+      </p:sp>
+      <p:sp>
+        <p:nvSpPr>
+          <p:cNvPr id="3" name="Content Placeholder 2"/>
+          <p:cNvSpPr>
+            <a:spLocks noGrp="1"/>
+          </p:cNvSpPr>
           <p:nvPr>
             <p:ph idx="1"/>
           </p:nvPr>
-        </p:nvPicPr>
-        <p:blipFill>
-          <a:blip r:embed="rId2">
-            <a:extLst>
-              <a:ext uri="{28A0092B-C50C-407E-A947-70E740481C1C}">
-                <a14:useLocalDpi xmlns:a14="http://schemas.microsoft.com/office/drawing/2010/main" val="0"/>
-              </a:ext>
-            </a:extLst>
-          </a:blip>
-          <a:stretch>
-            <a:fillRect/>
-          </a:stretch>
-        </p:blipFill>
-        <p:spPr>
-          <a:xfrm>
-            <a:off x="3204759" y="2162731"/>
-            <a:ext cx="5782482" cy="3400900"/>
-          </a:xfrm>
-        </p:spPr>
-      </p:pic>
-      <p:sp>
-        <p:nvSpPr>
-          <p:cNvPr id="5" name="Title 1"/>
-          <p:cNvSpPr>
-            <a:spLocks noGrp="1"/>
-          </p:cNvSpPr>
-          <p:nvPr>
-            <p:ph type="title"/>
-          </p:nvPr>
-        </p:nvSpPr>
-        <p:spPr>
-          <a:xfrm>
-            <a:off x="0" y="457200"/>
-            <a:ext cx="7112000" cy="1143000"/>
-          </a:xfrm>
-        </p:spPr>
+        </p:nvSpPr>
+        <p:spPr/>
         <p:txBody>
           <a:bodyPr/>
           <a:lstStyle/>
           <a:p>
             <a:r>
               <a:rPr lang="en-US" dirty="0" smtClean="0"/>
-              <a:t>Activity’s States</a:t>
-            </a:r>
-            <a:endParaRPr lang="en-US" dirty="0"/>
-          </a:p>
-        </p:txBody>
-      </p:sp>
-      <p:sp>
-        <p:nvSpPr>
-          <p:cNvPr id="6" name="TextBox 5"/>
-          <p:cNvSpPr txBox="1"/>
-          <p:nvPr/>
-        </p:nvSpPr>
-        <p:spPr>
-          <a:xfrm>
-            <a:off x="3" y="1245571"/>
-            <a:ext cx="3526971" cy="369332"/>
-          </a:xfrm>
-          <a:prstGeom prst="rect">
-            <a:avLst/>
-          </a:prstGeom>
-          <a:noFill/>
-        </p:spPr>
-        <p:txBody>
-          <a:bodyPr wrap="square" rtlCol="0">
-            <a:spAutoFit/>
-          </a:bodyPr>
-          <a:lstStyle/>
-          <a:p>
-            <a:r>
-              <a:rPr lang="en-US" dirty="0" smtClean="0">
-                <a:hlinkClick r:id="rId3"/>
-              </a:rPr>
-              <a:t>Kristin </a:t>
-            </a:r>
-            <a:r>
-              <a:rPr lang="en-US" dirty="0" err="1">
-                <a:hlinkClick r:id="rId3"/>
-              </a:rPr>
-              <a:t>Marsicano</a:t>
+              <a:t>Set </a:t>
+            </a:r>
+            <a:r>
+              <a:rPr lang="en-US" dirty="0"/>
+              <a:t>target SDK version</a:t>
+            </a:r>
+          </a:p>
+          <a:p>
+            <a:r>
+              <a:rPr lang="en-US" dirty="0" smtClean="0"/>
+              <a:t>Set minimum SDK version</a:t>
+            </a:r>
+          </a:p>
+          <a:p>
+            <a:r>
+              <a:rPr lang="en-US" dirty="0" smtClean="0"/>
+              <a:t>Define dependencies</a:t>
             </a:r>
             <a:endParaRPr lang="en-US" dirty="0"/>
           </a:p>
@@ -6194,7 +6244,7 @@
     </p:spTree>
     <p:extLst>
       <p:ext uri="{BB962C8B-B14F-4D97-AF65-F5344CB8AC3E}">
-        <p14:creationId xmlns:p14="http://schemas.microsoft.com/office/powerpoint/2010/main" val="14366852"/>
+        <p14:creationId xmlns:p14="http://schemas.microsoft.com/office/powerpoint/2010/main" val="3375858439"/>
       </p:ext>
     </p:extLst>
   </p:cSld>
@@ -6251,6 +6301,10 @@
               <a:rPr lang="en-US" dirty="0" err="1" smtClean="0"/>
               <a:t>MainActivity</a:t>
             </a:r>
+            <a:r>
+              <a:rPr lang="en-US" dirty="0" smtClean="0"/>
+              <a:t> </a:t>
+            </a:r>
             <a:endParaRPr lang="en-US" dirty="0"/>
           </a:p>
         </p:txBody>
@@ -6272,36 +6326,21 @@
           <a:p>
             <a:r>
               <a:rPr lang="en-US" dirty="0" smtClean="0"/>
-              <a:t>Exploring </a:t>
-            </a:r>
-            <a:r>
-              <a:rPr lang="en-US" b="1" dirty="0" err="1" smtClean="0"/>
-              <a:t>build.gradle</a:t>
-            </a:r>
+              <a:t>Best Practices</a:t>
+            </a:r>
+          </a:p>
+          <a:p>
+            <a:pPr lvl="1"/>
             <a:r>
               <a:rPr lang="en-US" dirty="0" smtClean="0"/>
-              <a:t> file</a:t>
+              <a:t>Keep lifecycle methods in order</a:t>
             </a:r>
           </a:p>
           <a:p>
             <a:pPr lvl="1"/>
             <a:r>
-              <a:rPr lang="en-US" dirty="0"/>
-              <a:t>Set target SDK version</a:t>
-            </a:r>
-          </a:p>
-          <a:p>
-            <a:pPr lvl="1"/>
-            <a:r>
               <a:rPr lang="en-US" dirty="0" smtClean="0"/>
-              <a:t>Set minimum SDK version</a:t>
-            </a:r>
-          </a:p>
-          <a:p>
-            <a:pPr lvl="1"/>
-            <a:r>
-              <a:rPr lang="en-US" dirty="0" smtClean="0"/>
-              <a:t>Define dependencies</a:t>
+              <a:t>Place other methods (helpers) below the lifecycle methods</a:t>
             </a:r>
             <a:endParaRPr lang="en-US" dirty="0"/>
           </a:p>
@@ -6310,13 +6349,20 @@
     </p:spTree>
     <p:extLst>
       <p:ext uri="{BB962C8B-B14F-4D97-AF65-F5344CB8AC3E}">
-        <p14:creationId xmlns:p14="http://schemas.microsoft.com/office/powerpoint/2010/main" val="3375858439"/>
+        <p14:creationId xmlns:p14="http://schemas.microsoft.com/office/powerpoint/2010/main" val="2374969006"/>
       </p:ext>
     </p:extLst>
   </p:cSld>
   <p:clrMapOvr>
     <a:masterClrMapping/>
   </p:clrMapOvr>
+  <p:timing>
+    <p:tnLst>
+      <p:par>
+        <p:cTn id="1" dur="indefinite" restart="never" nodeType="tmRoot"/>
+      </p:par>
+    </p:tnLst>
+  </p:timing>
 </p:sld>
 </file>
 
@@ -6339,7 +6385,75 @@
       </p:grpSpPr>
       <p:sp>
         <p:nvSpPr>
-          <p:cNvPr id="2" name="Title 1"/>
+          <p:cNvPr id="3" name="Content Placeholder 2"/>
+          <p:cNvSpPr>
+            <a:spLocks noGrp="1"/>
+          </p:cNvSpPr>
+          <p:nvPr>
+            <p:ph idx="1"/>
+          </p:nvPr>
+        </p:nvSpPr>
+        <p:spPr/>
+        <p:txBody>
+          <a:bodyPr/>
+          <a:lstStyle/>
+          <a:p>
+            <a:r>
+              <a:rPr lang="en-US" dirty="0" smtClean="0"/>
+              <a:t>Add </a:t>
+            </a:r>
+            <a:r>
+              <a:rPr lang="en-US" dirty="0" smtClean="0"/>
+              <a:t>XML Layout</a:t>
+            </a:r>
+          </a:p>
+          <a:p>
+            <a:pPr lvl="1"/>
+            <a:r>
+              <a:rPr lang="en-US" dirty="0" smtClean="0"/>
+              <a:t>XML Layout holds </a:t>
+            </a:r>
+            <a:r>
+              <a:rPr lang="en-US" dirty="0" err="1" smtClean="0"/>
+              <a:t>ViewGroups</a:t>
+            </a:r>
+            <a:r>
+              <a:rPr lang="en-US" dirty="0"/>
+              <a:t> </a:t>
+            </a:r>
+            <a:r>
+              <a:rPr lang="en-US" dirty="0" smtClean="0"/>
+              <a:t>(layouts) and View (widgets)</a:t>
+            </a:r>
+            <a:endParaRPr lang="en-US" dirty="0" smtClean="0"/>
+          </a:p>
+          <a:p>
+            <a:pPr lvl="1"/>
+            <a:r>
+              <a:rPr lang="en-US" dirty="0" smtClean="0"/>
+              <a:t>Best practices</a:t>
+            </a:r>
+          </a:p>
+          <a:p>
+            <a:pPr lvl="2"/>
+            <a:r>
+              <a:rPr lang="en-US" dirty="0" smtClean="0"/>
+              <a:t>Layout naming convention </a:t>
+            </a:r>
+          </a:p>
+          <a:p>
+            <a:pPr lvl="3"/>
+            <a:r>
+              <a:rPr lang="en-US" dirty="0" smtClean="0"/>
+              <a:t>MainActivity.java  =&gt; main_activity.xml </a:t>
+            </a:r>
+            <a:endParaRPr lang="en-US" dirty="0"/>
+          </a:p>
+        </p:txBody>
+      </p:sp>
+      <p:sp>
+        <p:nvSpPr>
+          <p:cNvPr id="4" name="Title 1"/>
           <p:cNvSpPr>
             <a:spLocks noGrp="1"/>
           </p:cNvSpPr>
@@ -6354,52 +6468,7 @@
           <a:p>
             <a:r>
               <a:rPr lang="en-US" dirty="0" smtClean="0"/>
-              <a:t>Creating </a:t>
-            </a:r>
-            <a:r>
-              <a:rPr lang="en-US" dirty="0" err="1" smtClean="0"/>
-              <a:t>MainActivity</a:t>
-            </a:r>
-            <a:r>
-              <a:rPr lang="en-US" dirty="0" smtClean="0"/>
-              <a:t> </a:t>
-            </a:r>
-            <a:endParaRPr lang="en-US" dirty="0"/>
-          </a:p>
-        </p:txBody>
-      </p:sp>
-      <p:sp>
-        <p:nvSpPr>
-          <p:cNvPr id="3" name="Content Placeholder 2"/>
-          <p:cNvSpPr>
-            <a:spLocks noGrp="1"/>
-          </p:cNvSpPr>
-          <p:nvPr>
-            <p:ph idx="1"/>
-          </p:nvPr>
-        </p:nvSpPr>
-        <p:spPr/>
-        <p:txBody>
-          <a:bodyPr/>
-          <a:lstStyle/>
-          <a:p>
-            <a:r>
-              <a:rPr lang="en-US" dirty="0" smtClean="0"/>
-              <a:t>Best Practices</a:t>
-            </a:r>
-          </a:p>
-          <a:p>
-            <a:pPr lvl="1"/>
-            <a:r>
-              <a:rPr lang="en-US" dirty="0" smtClean="0"/>
-              <a:t>Keep lifecycle methods in order</a:t>
-            </a:r>
-          </a:p>
-          <a:p>
-            <a:pPr lvl="1"/>
-            <a:r>
-              <a:rPr lang="en-US" dirty="0" smtClean="0"/>
-              <a:t>Place other methods (helpers) below the lifecycle methods</a:t>
+              <a:t>XML Layout</a:t>
             </a:r>
             <a:endParaRPr lang="en-US" dirty="0"/>
           </a:p>
@@ -6408,7 +6477,7 @@
     </p:spTree>
     <p:extLst>
       <p:ext uri="{BB962C8B-B14F-4D97-AF65-F5344CB8AC3E}">
-        <p14:creationId xmlns:p14="http://schemas.microsoft.com/office/powerpoint/2010/main" val="2374969006"/>
+        <p14:creationId xmlns:p14="http://schemas.microsoft.com/office/powerpoint/2010/main" val="1351923410"/>
       </p:ext>
     </p:extLst>
   </p:cSld>
@@ -6426,111 +6495,6 @@
 </file>
 
 <file path=ppt/slides/slide23.xml><?xml version="1.0" encoding="utf-8"?>
-<p:sld xmlns:a="http://schemas.openxmlformats.org/drawingml/2006/main" xmlns:r="http://schemas.openxmlformats.org/officeDocument/2006/relationships" xmlns:p="http://schemas.openxmlformats.org/presentationml/2006/main">
-  <p:cSld>
-    <p:spTree>
-      <p:nvGrpSpPr>
-        <p:cNvPr id="1" name=""/>
-        <p:cNvGrpSpPr/>
-        <p:nvPr/>
-      </p:nvGrpSpPr>
-      <p:grpSpPr>
-        <a:xfrm>
-          <a:off x="0" y="0"/>
-          <a:ext cx="0" cy="0"/>
-          <a:chOff x="0" y="0"/>
-          <a:chExt cx="0" cy="0"/>
-        </a:xfrm>
-      </p:grpSpPr>
-      <p:sp>
-        <p:nvSpPr>
-          <p:cNvPr id="3" name="Content Placeholder 2"/>
-          <p:cNvSpPr>
-            <a:spLocks noGrp="1"/>
-          </p:cNvSpPr>
-          <p:nvPr>
-            <p:ph idx="1"/>
-          </p:nvPr>
-        </p:nvSpPr>
-        <p:spPr/>
-        <p:txBody>
-          <a:bodyPr/>
-          <a:lstStyle/>
-          <a:p>
-            <a:r>
-              <a:rPr lang="en-US" dirty="0" smtClean="0"/>
-              <a:t>Add XML layout </a:t>
-            </a:r>
-          </a:p>
-          <a:p>
-            <a:pPr lvl="1"/>
-            <a:r>
-              <a:rPr lang="en-US" dirty="0" smtClean="0"/>
-              <a:t>Best practices</a:t>
-            </a:r>
-          </a:p>
-          <a:p>
-            <a:pPr lvl="2"/>
-            <a:r>
-              <a:rPr lang="en-US" dirty="0" smtClean="0"/>
-              <a:t>Layout naming convention same as the activity</a:t>
-            </a:r>
-          </a:p>
-          <a:p>
-            <a:pPr lvl="3"/>
-            <a:r>
-              <a:rPr lang="en-US" dirty="0" smtClean="0"/>
-              <a:t>MainActivity.java  =&gt; main_activity.xml </a:t>
-            </a:r>
-            <a:endParaRPr lang="en-US" dirty="0"/>
-          </a:p>
-        </p:txBody>
-      </p:sp>
-      <p:sp>
-        <p:nvSpPr>
-          <p:cNvPr id="4" name="Title 1"/>
-          <p:cNvSpPr>
-            <a:spLocks noGrp="1"/>
-          </p:cNvSpPr>
-          <p:nvPr>
-            <p:ph type="title"/>
-          </p:nvPr>
-        </p:nvSpPr>
-        <p:spPr/>
-        <p:txBody>
-          <a:bodyPr/>
-          <a:lstStyle/>
-          <a:p>
-            <a:r>
-              <a:rPr lang="en-US" dirty="0" smtClean="0"/>
-              <a:t>Creating </a:t>
-            </a:r>
-            <a:r>
-              <a:rPr lang="en-US" dirty="0" err="1" smtClean="0"/>
-              <a:t>MainActivity</a:t>
-            </a:r>
-            <a:r>
-              <a:rPr lang="en-US" dirty="0" smtClean="0"/>
-              <a:t> </a:t>
-            </a:r>
-            <a:endParaRPr lang="en-US" dirty="0"/>
-          </a:p>
-        </p:txBody>
-      </p:sp>
-    </p:spTree>
-    <p:extLst>
-      <p:ext uri="{BB962C8B-B14F-4D97-AF65-F5344CB8AC3E}">
-        <p14:creationId xmlns:p14="http://schemas.microsoft.com/office/powerpoint/2010/main" val="1351923410"/>
-      </p:ext>
-    </p:extLst>
-  </p:cSld>
-  <p:clrMapOvr>
-    <a:masterClrMapping/>
-  </p:clrMapOvr>
-</p:sld>
-</file>
-
-<file path=ppt/slides/slide24.xml><?xml version="1.0" encoding="utf-8"?>
 <p:sld xmlns:a="http://schemas.openxmlformats.org/drawingml/2006/main" xmlns:r="http://schemas.openxmlformats.org/officeDocument/2006/relationships" xmlns:p="http://schemas.openxmlformats.org/presentationml/2006/main">
   <p:cSld>
     <p:spTree>
@@ -6675,12 +6639,8 @@
               <a:t>Creating </a:t>
             </a:r>
             <a:r>
-              <a:rPr lang="en-US" dirty="0" err="1" smtClean="0"/>
-              <a:t>MainActivity</a:t>
-            </a:r>
-            <a:r>
               <a:rPr lang="en-US" dirty="0" smtClean="0"/>
-              <a:t> </a:t>
+              <a:t>Layout directory</a:t>
             </a:r>
             <a:endParaRPr lang="en-US" dirty="0"/>
           </a:p>
@@ -6706,7 +6666,7 @@
 </p:sld>
 </file>
 
-<file path=ppt/slides/slide25.xml><?xml version="1.0" encoding="utf-8"?>
+<file path=ppt/slides/slide24.xml><?xml version="1.0" encoding="utf-8"?>
 <p:sld xmlns:a="http://schemas.openxmlformats.org/drawingml/2006/main" xmlns:r="http://schemas.openxmlformats.org/officeDocument/2006/relationships" xmlns:p="http://schemas.openxmlformats.org/presentationml/2006/main">
   <p:cSld>
     <p:spTree>
@@ -6797,12 +6757,8 @@
               <a:t>Creating </a:t>
             </a:r>
             <a:r>
-              <a:rPr lang="en-US" dirty="0" err="1" smtClean="0"/>
-              <a:t>MainActivity</a:t>
-            </a:r>
-            <a:r>
               <a:rPr lang="en-US" dirty="0" smtClean="0"/>
-              <a:t> </a:t>
+              <a:t>layout XML</a:t>
             </a:r>
             <a:endParaRPr lang="en-US" dirty="0"/>
           </a:p>
@@ -6882,6 +6838,133 @@
 </p:sld>
 </file>
 
+<file path=ppt/slides/slide25.xml><?xml version="1.0" encoding="utf-8"?>
+<p:sld xmlns:a="http://schemas.openxmlformats.org/drawingml/2006/main" xmlns:r="http://schemas.openxmlformats.org/officeDocument/2006/relationships" xmlns:p="http://schemas.openxmlformats.org/presentationml/2006/main">
+  <p:cSld>
+    <p:spTree>
+      <p:nvGrpSpPr>
+        <p:cNvPr id="1" name=""/>
+        <p:cNvGrpSpPr/>
+        <p:nvPr/>
+      </p:nvGrpSpPr>
+      <p:grpSpPr>
+        <a:xfrm>
+          <a:off x="0" y="0"/>
+          <a:ext cx="0" cy="0"/>
+          <a:chOff x="0" y="0"/>
+          <a:chExt cx="0" cy="0"/>
+        </a:xfrm>
+      </p:grpSpPr>
+      <p:sp>
+        <p:nvSpPr>
+          <p:cNvPr id="3" name="Content Placeholder 2"/>
+          <p:cNvSpPr>
+            <a:spLocks noGrp="1"/>
+          </p:cNvSpPr>
+          <p:nvPr>
+            <p:ph idx="1"/>
+          </p:nvPr>
+        </p:nvSpPr>
+        <p:spPr/>
+        <p:txBody>
+          <a:bodyPr>
+            <a:normAutofit fontScale="92500" lnSpcReduction="10000"/>
+          </a:bodyPr>
+          <a:lstStyle/>
+          <a:p>
+            <a:r>
+              <a:rPr lang="en-US" dirty="0" smtClean="0"/>
+              <a:t>Types of layouts</a:t>
+            </a:r>
+          </a:p>
+          <a:p>
+            <a:pPr lvl="1"/>
+            <a:r>
+              <a:rPr lang="en-US" dirty="0" smtClean="0"/>
+              <a:t>Linear </a:t>
+            </a:r>
+          </a:p>
+          <a:p>
+            <a:pPr lvl="1"/>
+            <a:r>
+              <a:rPr lang="en-US" dirty="0" smtClean="0"/>
+              <a:t>Relative</a:t>
+            </a:r>
+          </a:p>
+          <a:p>
+            <a:pPr lvl="1"/>
+            <a:r>
+              <a:rPr lang="en-US" dirty="0" smtClean="0"/>
+              <a:t>Frame </a:t>
+            </a:r>
+          </a:p>
+          <a:p>
+            <a:pPr lvl="1"/>
+            <a:r>
+              <a:rPr lang="en-US" dirty="0" smtClean="0"/>
+              <a:t>Constraint</a:t>
+            </a:r>
+          </a:p>
+          <a:p>
+            <a:r>
+              <a:rPr lang="en-US" dirty="0" smtClean="0"/>
+              <a:t> Best Practices</a:t>
+            </a:r>
+          </a:p>
+          <a:p>
+            <a:pPr lvl="1"/>
+            <a:r>
+              <a:rPr lang="en-US" dirty="0" smtClean="0"/>
+              <a:t>Attempt to keep the layout flat by avoiding nest layouts</a:t>
+            </a:r>
+          </a:p>
+          <a:p>
+            <a:pPr lvl="1"/>
+            <a:endParaRPr lang="en-US" dirty="0" smtClean="0"/>
+          </a:p>
+        </p:txBody>
+      </p:sp>
+      <p:sp>
+        <p:nvSpPr>
+          <p:cNvPr id="8" name="Title 1"/>
+          <p:cNvSpPr>
+            <a:spLocks noGrp="1"/>
+          </p:cNvSpPr>
+          <p:nvPr>
+            <p:ph type="title"/>
+          </p:nvPr>
+        </p:nvSpPr>
+        <p:spPr>
+          <a:xfrm>
+            <a:off x="0" y="457200"/>
+            <a:ext cx="7112000" cy="1143000"/>
+          </a:xfrm>
+        </p:spPr>
+        <p:txBody>
+          <a:bodyPr/>
+          <a:lstStyle/>
+          <a:p>
+            <a:r>
+              <a:rPr lang="en-US" sz="4400" dirty="0" smtClean="0"/>
+              <a:t>Layouts </a:t>
+            </a:r>
+            <a:endParaRPr lang="en-US" sz="4400" dirty="0"/>
+          </a:p>
+        </p:txBody>
+      </p:sp>
+    </p:spTree>
+    <p:extLst>
+      <p:ext uri="{BB962C8B-B14F-4D97-AF65-F5344CB8AC3E}">
+        <p14:creationId xmlns:p14="http://schemas.microsoft.com/office/powerpoint/2010/main" val="262092603"/>
+      </p:ext>
+    </p:extLst>
+  </p:cSld>
+  <p:clrMapOvr>
+    <a:masterClrMapping/>
+  </p:clrMapOvr>
+</p:sld>
+</file>
+
 <file path=ppt/slides/slide26.xml><?xml version="1.0" encoding="utf-8"?>
 <p:sld xmlns:a="http://schemas.openxmlformats.org/drawingml/2006/main" xmlns:r="http://schemas.openxmlformats.org/officeDocument/2006/relationships" xmlns:p="http://schemas.openxmlformats.org/presentationml/2006/main">
   <p:cSld>
@@ -6901,120 +6984,58 @@
       </p:grpSpPr>
       <p:sp>
         <p:nvSpPr>
-          <p:cNvPr id="3" name="Content Placeholder 2"/>
-          <p:cNvSpPr>
-            <a:spLocks noGrp="1"/>
-          </p:cNvSpPr>
-          <p:nvPr>
-            <p:ph idx="1"/>
+          <p:cNvPr id="2" name="Title 1"/>
+          <p:cNvSpPr>
+            <a:spLocks noGrp="1"/>
+          </p:cNvSpPr>
+          <p:nvPr>
+            <p:ph type="title"/>
           </p:nvPr>
         </p:nvSpPr>
         <p:spPr/>
         <p:txBody>
-          <a:bodyPr>
-            <a:normAutofit fontScale="92500" lnSpcReduction="10000"/>
-          </a:bodyPr>
-          <a:lstStyle/>
-          <a:p>
-            <a:r>
-              <a:rPr lang="en-US" dirty="0" smtClean="0"/>
-              <a:t>Types of layouts</a:t>
-            </a:r>
-          </a:p>
-          <a:p>
-            <a:pPr lvl="1"/>
-            <a:r>
-              <a:rPr lang="en-US" dirty="0" smtClean="0"/>
-              <a:t>Linear </a:t>
-            </a:r>
-          </a:p>
-          <a:p>
-            <a:pPr lvl="1"/>
-            <a:r>
-              <a:rPr lang="en-US" dirty="0" smtClean="0"/>
-              <a:t>Relative</a:t>
-            </a:r>
-          </a:p>
-          <a:p>
-            <a:pPr lvl="1"/>
-            <a:r>
-              <a:rPr lang="en-US" dirty="0" smtClean="0"/>
-              <a:t>Frame </a:t>
-            </a:r>
-          </a:p>
-          <a:p>
-            <a:pPr lvl="1"/>
-            <a:r>
-              <a:rPr lang="en-US" dirty="0" smtClean="0"/>
-              <a:t>Constraint</a:t>
-            </a:r>
-          </a:p>
-          <a:p>
-            <a:r>
-              <a:rPr lang="en-US" dirty="0" smtClean="0"/>
-              <a:t> Best Practices</a:t>
-            </a:r>
-          </a:p>
-          <a:p>
-            <a:pPr lvl="1"/>
-            <a:r>
-              <a:rPr lang="en-US" dirty="0" smtClean="0"/>
-              <a:t>Attempt to keep the layout flat by avoiding nest layouts</a:t>
-            </a:r>
-          </a:p>
-          <a:p>
-            <a:pPr lvl="1"/>
-            <a:endParaRPr lang="en-US" dirty="0" smtClean="0"/>
-          </a:p>
-        </p:txBody>
-      </p:sp>
-      <p:sp>
-        <p:nvSpPr>
-          <p:cNvPr id="8" name="Title 1"/>
-          <p:cNvSpPr>
-            <a:spLocks noGrp="1"/>
-          </p:cNvSpPr>
-          <p:nvPr>
-            <p:ph type="title"/>
-          </p:nvPr>
-        </p:nvSpPr>
-        <p:spPr>
-          <a:xfrm>
-            <a:off x="0" y="457200"/>
-            <a:ext cx="7112000" cy="1143000"/>
-          </a:xfrm>
-        </p:spPr>
-        <p:txBody>
           <a:bodyPr/>
           <a:lstStyle/>
           <a:p>
             <a:r>
-              <a:rPr lang="en-US" dirty="0" smtClean="0"/>
+              <a:rPr lang="en-US" dirty="0"/>
               <a:t>Creating </a:t>
             </a:r>
             <a:r>
               <a:rPr lang="en-US" dirty="0" err="1" smtClean="0"/>
               <a:t>MainActivity</a:t>
             </a:r>
+            <a:endParaRPr lang="en-US" dirty="0"/>
+          </a:p>
+        </p:txBody>
+      </p:sp>
+      <p:sp>
+        <p:nvSpPr>
+          <p:cNvPr id="3" name="Content Placeholder 2"/>
+          <p:cNvSpPr>
+            <a:spLocks noGrp="1"/>
+          </p:cNvSpPr>
+          <p:nvPr>
+            <p:ph idx="1"/>
+          </p:nvPr>
+        </p:nvSpPr>
+        <p:spPr/>
+        <p:txBody>
+          <a:bodyPr/>
+          <a:lstStyle/>
+          <a:p>
             <a:r>
               <a:rPr lang="en-US" dirty="0" smtClean="0"/>
-              <a:t/>
-            </a:r>
-            <a:br>
-              <a:rPr lang="en-US" dirty="0" smtClean="0"/>
-            </a:br>
-            <a:r>
-              <a:rPr lang="en-US" sz="3200" dirty="0" smtClean="0"/>
-              <a:t>Layouts </a:t>
-            </a:r>
-            <a:endParaRPr lang="en-US" sz="3200" dirty="0"/>
+              <a:t>Link Activity to Layout </a:t>
+            </a:r>
+            <a:endParaRPr lang="en-US" dirty="0"/>
           </a:p>
         </p:txBody>
       </p:sp>
     </p:spTree>
     <p:extLst>
       <p:ext uri="{BB962C8B-B14F-4D97-AF65-F5344CB8AC3E}">
-        <p14:creationId xmlns:p14="http://schemas.microsoft.com/office/powerpoint/2010/main" val="262092603"/>
+        <p14:creationId xmlns:p14="http://schemas.microsoft.com/office/powerpoint/2010/main" val="3117691005"/>
       </p:ext>
     </p:extLst>
   </p:cSld>
@@ -7057,50 +7078,95 @@
           <a:lstStyle/>
           <a:p>
             <a:r>
-              <a:rPr lang="en-US" dirty="0"/>
-              <a:t>Creating </a:t>
+              <a:rPr lang="en-US" dirty="0" smtClean="0"/>
+              <a:t>Editing Android Manifest</a:t>
+            </a:r>
+            <a:endParaRPr lang="en-US" dirty="0"/>
+          </a:p>
+        </p:txBody>
+      </p:sp>
+      <p:sp>
+        <p:nvSpPr>
+          <p:cNvPr id="3" name="Content Placeholder 2"/>
+          <p:cNvSpPr>
+            <a:spLocks noGrp="1"/>
+          </p:cNvSpPr>
+          <p:nvPr>
+            <p:ph idx="1"/>
+          </p:nvPr>
+        </p:nvSpPr>
+        <p:spPr/>
+        <p:txBody>
+          <a:bodyPr/>
+          <a:lstStyle/>
+          <a:p>
+            <a:r>
+              <a:rPr lang="en-US" dirty="0" smtClean="0"/>
+              <a:t>Add </a:t>
             </a:r>
             <a:r>
               <a:rPr lang="en-US" dirty="0" err="1" smtClean="0"/>
               <a:t>MainActivity</a:t>
             </a:r>
-            <a:endParaRPr lang="en-US" dirty="0"/>
-          </a:p>
-        </p:txBody>
-      </p:sp>
-      <p:sp>
-        <p:nvSpPr>
-          <p:cNvPr id="3" name="Content Placeholder 2"/>
-          <p:cNvSpPr>
-            <a:spLocks noGrp="1"/>
-          </p:cNvSpPr>
-          <p:nvPr>
-            <p:ph idx="1"/>
-          </p:nvPr>
-        </p:nvSpPr>
-        <p:spPr/>
-        <p:txBody>
-          <a:bodyPr/>
-          <a:lstStyle/>
-          <a:p>
             <a:r>
               <a:rPr lang="en-US" dirty="0" smtClean="0"/>
-              <a:t>Link Activity to Layout </a:t>
-            </a:r>
-            <a:endParaRPr lang="en-US" dirty="0"/>
+              <a:t> to AndroidManifest.xml</a:t>
+            </a:r>
+          </a:p>
+          <a:p>
+            <a:pPr lvl="2"/>
+            <a:r>
+              <a:rPr lang="en-US" dirty="0"/>
+              <a:t>The </a:t>
+            </a:r>
+            <a:r>
+              <a:rPr lang="en-US" b="1" dirty="0"/>
+              <a:t>manifest file</a:t>
+            </a:r>
+            <a:r>
+              <a:rPr lang="en-US" dirty="0"/>
+              <a:t> provides essential information about your app to the Android system, which the system must have before it </a:t>
+            </a:r>
+            <a:r>
+              <a:rPr lang="en-US" dirty="0" smtClean="0"/>
+              <a:t>can </a:t>
+            </a:r>
+            <a:r>
+              <a:rPr lang="en-US" dirty="0"/>
+              <a:t>run any of the app's code</a:t>
+            </a:r>
+            <a:r>
+              <a:rPr lang="en-US" dirty="0" smtClean="0"/>
+              <a:t>. (i.e. activities,</a:t>
+            </a:r>
+            <a:r>
+              <a:rPr lang="en-US" dirty="0"/>
+              <a:t> </a:t>
+            </a:r>
+            <a:r>
+              <a:rPr lang="en-US" dirty="0" smtClean="0"/>
+              <a:t>services, content provider…)</a:t>
+            </a:r>
           </a:p>
         </p:txBody>
       </p:sp>
     </p:spTree>
     <p:extLst>
       <p:ext uri="{BB962C8B-B14F-4D97-AF65-F5344CB8AC3E}">
-        <p14:creationId xmlns:p14="http://schemas.microsoft.com/office/powerpoint/2010/main" val="3117691005"/>
+        <p14:creationId xmlns:p14="http://schemas.microsoft.com/office/powerpoint/2010/main" val="1089828459"/>
       </p:ext>
     </p:extLst>
   </p:cSld>
   <p:clrMapOvr>
     <a:masterClrMapping/>
   </p:clrMapOvr>
+  <p:timing>
+    <p:tnLst>
+      <p:par>
+        <p:cTn id="1" dur="indefinite" restart="never" nodeType="tmRoot"/>
+      </p:par>
+    </p:tnLst>
+  </p:timing>
 </p:sld>
 </file>
 
@@ -7123,12 +7189,12 @@
       </p:grpSpPr>
       <p:sp>
         <p:nvSpPr>
-          <p:cNvPr id="2" name="Title 1"/>
-          <p:cNvSpPr>
-            <a:spLocks noGrp="1"/>
-          </p:cNvSpPr>
-          <p:nvPr>
-            <p:ph type="title"/>
+          <p:cNvPr id="3" name="Content Placeholder 2"/>
+          <p:cNvSpPr>
+            <a:spLocks noGrp="1"/>
+          </p:cNvSpPr>
+          <p:nvPr>
+            <p:ph idx="1"/>
           </p:nvPr>
         </p:nvSpPr>
         <p:spPr/>
@@ -7136,37 +7202,33 @@
           <a:bodyPr/>
           <a:lstStyle/>
           <a:p>
-            <a:r>
-              <a:rPr lang="en-US" dirty="0" smtClean="0"/>
-              <a:t>Creating Fragments</a:t>
-            </a:r>
+            <a:pPr marL="0" indent="0">
+              <a:buNone/>
+            </a:pPr>
+            <a:endParaRPr lang="en-US" dirty="0" smtClean="0"/>
+          </a:p>
+          <a:p>
+            <a:pPr marL="0" indent="0">
+              <a:buNone/>
+            </a:pPr>
             <a:endParaRPr lang="en-US" dirty="0"/>
           </a:p>
-        </p:txBody>
-      </p:sp>
-      <p:sp>
-        <p:nvSpPr>
-          <p:cNvPr id="3" name="Content Placeholder 2"/>
-          <p:cNvSpPr>
-            <a:spLocks noGrp="1"/>
-          </p:cNvSpPr>
-          <p:nvPr>
-            <p:ph idx="1"/>
-          </p:nvPr>
-        </p:nvSpPr>
-        <p:spPr/>
-        <p:txBody>
-          <a:bodyPr/>
-          <a:lstStyle/>
-          <a:p>
-            <a:endParaRPr lang="en-US" dirty="0"/>
+          <a:p>
+            <a:pPr marL="0" indent="0" algn="ctr">
+              <a:buNone/>
+            </a:pPr>
+            <a:r>
+              <a:rPr lang="en-US" b="1" dirty="0" smtClean="0"/>
+              <a:t>Fragments</a:t>
+            </a:r>
+            <a:endParaRPr lang="en-US" b="1" dirty="0"/>
           </a:p>
         </p:txBody>
       </p:sp>
     </p:spTree>
     <p:extLst>
       <p:ext uri="{BB962C8B-B14F-4D97-AF65-F5344CB8AC3E}">
-        <p14:creationId xmlns:p14="http://schemas.microsoft.com/office/powerpoint/2010/main" val="294499272"/>
+        <p14:creationId xmlns:p14="http://schemas.microsoft.com/office/powerpoint/2010/main" val="244769509"/>
       </p:ext>
     </p:extLst>
   </p:cSld>
@@ -7195,51 +7257,7 @@
       </p:grpSpPr>
       <p:sp>
         <p:nvSpPr>
-          <p:cNvPr id="3" name="Content Placeholder 2"/>
-          <p:cNvSpPr>
-            <a:spLocks noGrp="1"/>
-          </p:cNvSpPr>
-          <p:nvPr>
-            <p:ph idx="1"/>
-          </p:nvPr>
-        </p:nvSpPr>
-        <p:spPr/>
-        <p:txBody>
-          <a:bodyPr/>
-          <a:lstStyle/>
-          <a:p>
-            <a:r>
-              <a:rPr lang="en-US" dirty="0" smtClean="0"/>
-              <a:t>Density Independent Pixel (</a:t>
-            </a:r>
-            <a:r>
-              <a:rPr lang="en-US" dirty="0" err="1" smtClean="0"/>
-              <a:t>dp</a:t>
-            </a:r>
-            <a:r>
-              <a:rPr lang="en-US" dirty="0" smtClean="0"/>
-              <a:t>) </a:t>
-            </a:r>
-          </a:p>
-          <a:p>
-            <a:pPr lvl="1"/>
-            <a:r>
-              <a:rPr lang="en-US" dirty="0" smtClean="0"/>
-              <a:t>View Groups and View dimensions</a:t>
-            </a:r>
-          </a:p>
-          <a:p>
-            <a:pPr lvl="1"/>
-            <a:r>
-              <a:rPr lang="en-US" dirty="0" smtClean="0"/>
-              <a:t>Scale according to screen density, not screen size</a:t>
-            </a:r>
-          </a:p>
-        </p:txBody>
-      </p:sp>
-      <p:sp>
-        <p:nvSpPr>
-          <p:cNvPr id="4" name="Title 1"/>
+          <p:cNvPr id="2" name="Title 1"/>
           <p:cNvSpPr>
             <a:spLocks noGrp="1"/>
           </p:cNvSpPr>
@@ -7250,54 +7268,92 @@
         <p:spPr>
           <a:xfrm>
             <a:off x="0" y="457200"/>
-            <a:ext cx="7112000" cy="1143000"/>
+            <a:ext cx="8098971" cy="1143000"/>
           </a:xfrm>
         </p:spPr>
         <p:txBody>
+          <a:bodyPr>
+            <a:normAutofit/>
+          </a:bodyPr>
+          <a:lstStyle/>
+          <a:p>
+            <a:r>
+              <a:rPr lang="en-US" dirty="0" smtClean="0"/>
+              <a:t>Fragment</a:t>
+            </a:r>
+            <a:endParaRPr lang="en-US" dirty="0"/>
+          </a:p>
+        </p:txBody>
+      </p:sp>
+      <p:sp>
+        <p:nvSpPr>
+          <p:cNvPr id="3" name="Content Placeholder 2"/>
+          <p:cNvSpPr>
+            <a:spLocks noGrp="1"/>
+          </p:cNvSpPr>
+          <p:nvPr>
+            <p:ph idx="1"/>
+          </p:nvPr>
+        </p:nvSpPr>
+        <p:spPr/>
+        <p:txBody>
           <a:bodyPr/>
           <a:lstStyle/>
           <a:p>
-            <a:r>
-              <a:rPr lang="en-US" dirty="0" smtClean="0"/>
-              <a:t>Creating </a:t>
-            </a:r>
-            <a:r>
-              <a:rPr lang="en-US" dirty="0" err="1" smtClean="0"/>
-              <a:t>MainActivity</a:t>
-            </a:r>
-            <a:r>
-              <a:rPr lang="en-US" dirty="0" smtClean="0"/>
-              <a:t/>
-            </a:r>
-            <a:br>
-              <a:rPr lang="en-US" dirty="0" smtClean="0"/>
-            </a:br>
-            <a:r>
-              <a:rPr lang="en-US" sz="3200" dirty="0" smtClean="0"/>
-              <a:t>Density Independent Pixel (</a:t>
-            </a:r>
-            <a:r>
-              <a:rPr lang="en-US" sz="3200" dirty="0" err="1" smtClean="0"/>
-              <a:t>dp</a:t>
-            </a:r>
-            <a:r>
-              <a:rPr lang="en-US" sz="3200" dirty="0" smtClean="0"/>
-              <a:t>)</a:t>
-            </a:r>
-            <a:endParaRPr lang="en-US" sz="3200" dirty="0"/>
+            <a:pPr lvl="2"/>
+            <a:r>
+              <a:rPr lang="en-US" dirty="0"/>
+              <a:t>View and Layout logic</a:t>
+            </a:r>
+          </a:p>
+          <a:p>
+            <a:pPr lvl="2"/>
+            <a:r>
+              <a:rPr lang="en-US" dirty="0"/>
+              <a:t>Event handling (i.e. </a:t>
+            </a:r>
+            <a:r>
+              <a:rPr lang="en-US" dirty="0" err="1"/>
+              <a:t>onClick</a:t>
+            </a:r>
+            <a:r>
+              <a:rPr lang="en-US" dirty="0"/>
+              <a:t>())</a:t>
+            </a:r>
+          </a:p>
+          <a:p>
+            <a:pPr lvl="2"/>
+            <a:r>
+              <a:rPr lang="en-US" dirty="0"/>
+              <a:t>Network request </a:t>
+            </a:r>
+          </a:p>
+          <a:p>
+            <a:pPr lvl="2"/>
+            <a:r>
+              <a:rPr lang="en-US" dirty="0"/>
+              <a:t>Interacting with a persistence storage</a:t>
+            </a:r>
           </a:p>
         </p:txBody>
       </p:sp>
     </p:spTree>
     <p:extLst>
       <p:ext uri="{BB962C8B-B14F-4D97-AF65-F5344CB8AC3E}">
-        <p14:creationId xmlns:p14="http://schemas.microsoft.com/office/powerpoint/2010/main" val="1947710023"/>
+        <p14:creationId xmlns:p14="http://schemas.microsoft.com/office/powerpoint/2010/main" val="1806338854"/>
       </p:ext>
     </p:extLst>
   </p:cSld>
   <p:clrMapOvr>
     <a:masterClrMapping/>
   </p:clrMapOvr>
+  <p:timing>
+    <p:tnLst>
+      <p:par>
+        <p:cTn id="1" dur="indefinite" restart="never" nodeType="tmRoot"/>
+      </p:par>
+    </p:tnLst>
+  </p:timing>
 </p:sld>
 </file>
 
@@ -7412,6 +7468,1016 @@
       </p:grpSpPr>
       <p:sp>
         <p:nvSpPr>
+          <p:cNvPr id="2" name="Title 1"/>
+          <p:cNvSpPr>
+            <a:spLocks noGrp="1"/>
+          </p:cNvSpPr>
+          <p:nvPr>
+            <p:ph type="title"/>
+          </p:nvPr>
+        </p:nvSpPr>
+        <p:spPr/>
+        <p:txBody>
+          <a:bodyPr/>
+          <a:lstStyle/>
+          <a:p>
+            <a:r>
+              <a:rPr lang="en-US" dirty="0" smtClean="0"/>
+              <a:t>Fragment Lifecycle</a:t>
+            </a:r>
+            <a:endParaRPr lang="en-US" dirty="0"/>
+          </a:p>
+        </p:txBody>
+      </p:sp>
+      <p:pic>
+        <p:nvPicPr>
+          <p:cNvPr id="2054" name="Picture 6" descr="https://developer.android.com/images/fragment_lifecycle.png"/>
+          <p:cNvPicPr>
+            <a:picLocks noChangeAspect="1" noChangeArrowheads="1"/>
+          </p:cNvPicPr>
+          <p:nvPr/>
+        </p:nvPicPr>
+        <p:blipFill>
+          <a:blip r:embed="rId2">
+            <a:extLst>
+              <a:ext uri="{28A0092B-C50C-407E-A947-70E740481C1C}">
+                <a14:useLocalDpi xmlns:a14="http://schemas.microsoft.com/office/drawing/2010/main" val="0"/>
+              </a:ext>
+            </a:extLst>
+          </a:blip>
+          <a:srcRect/>
+          <a:stretch>
+            <a:fillRect/>
+          </a:stretch>
+        </p:blipFill>
+        <p:spPr bwMode="auto">
+          <a:xfrm>
+            <a:off x="619910" y="1650670"/>
+            <a:ext cx="1655354" cy="4422981"/>
+          </a:xfrm>
+          <a:prstGeom prst="rect">
+            <a:avLst/>
+          </a:prstGeom>
+          <a:noFill/>
+          <a:extLst>
+            <a:ext uri="{909E8E84-426E-40DD-AFC4-6F175D3DCCD1}">
+              <a14:hiddenFill xmlns:a14="http://schemas.microsoft.com/office/drawing/2010/main">
+                <a:solidFill>
+                  <a:srgbClr val="FFFFFF"/>
+                </a:solidFill>
+              </a14:hiddenFill>
+            </a:ext>
+          </a:extLst>
+        </p:spPr>
+      </p:pic>
+    </p:spTree>
+    <p:extLst>
+      <p:ext uri="{BB962C8B-B14F-4D97-AF65-F5344CB8AC3E}">
+        <p14:creationId xmlns:p14="http://schemas.microsoft.com/office/powerpoint/2010/main" val="4113636518"/>
+      </p:ext>
+    </p:extLst>
+  </p:cSld>
+  <p:clrMapOvr>
+    <a:masterClrMapping/>
+  </p:clrMapOvr>
+  <p:timing>
+    <p:tnLst>
+      <p:par>
+        <p:cTn id="1" dur="indefinite" restart="never" nodeType="tmRoot"/>
+      </p:par>
+    </p:tnLst>
+  </p:timing>
+</p:sld>
+</file>
+
+<file path=ppt/slides/slide31.xml><?xml version="1.0" encoding="utf-8"?>
+<p:sld xmlns:a="http://schemas.openxmlformats.org/drawingml/2006/main" xmlns:r="http://schemas.openxmlformats.org/officeDocument/2006/relationships" xmlns:p="http://schemas.openxmlformats.org/presentationml/2006/main">
+  <p:cSld>
+    <p:spTree>
+      <p:nvGrpSpPr>
+        <p:cNvPr id="1" name=""/>
+        <p:cNvGrpSpPr/>
+        <p:nvPr/>
+      </p:nvGrpSpPr>
+      <p:grpSpPr>
+        <a:xfrm>
+          <a:off x="0" y="0"/>
+          <a:ext cx="0" cy="0"/>
+          <a:chOff x="0" y="0"/>
+          <a:chExt cx="0" cy="0"/>
+        </a:xfrm>
+      </p:grpSpPr>
+      <p:sp>
+        <p:nvSpPr>
+          <p:cNvPr id="2" name="Title 1"/>
+          <p:cNvSpPr>
+            <a:spLocks noGrp="1"/>
+          </p:cNvSpPr>
+          <p:nvPr>
+            <p:ph type="title"/>
+          </p:nvPr>
+        </p:nvSpPr>
+        <p:spPr/>
+        <p:txBody>
+          <a:bodyPr/>
+          <a:lstStyle/>
+          <a:p>
+            <a:r>
+              <a:rPr lang="en-US" dirty="0" smtClean="0"/>
+              <a:t>Fragment Lifecycle</a:t>
+            </a:r>
+            <a:br>
+              <a:rPr lang="en-US" dirty="0" smtClean="0"/>
+            </a:br>
+            <a:r>
+              <a:rPr lang="en-US" sz="2800" dirty="0" smtClean="0"/>
+              <a:t>Create</a:t>
+            </a:r>
+            <a:endParaRPr lang="en-US" sz="2800" dirty="0"/>
+          </a:p>
+        </p:txBody>
+      </p:sp>
+      <p:pic>
+        <p:nvPicPr>
+          <p:cNvPr id="2054" name="Picture 6" descr="https://developer.android.com/images/fragment_lifecycle.png"/>
+          <p:cNvPicPr>
+            <a:picLocks noChangeAspect="1" noChangeArrowheads="1"/>
+          </p:cNvPicPr>
+          <p:nvPr/>
+        </p:nvPicPr>
+        <p:blipFill>
+          <a:blip r:embed="rId2">
+            <a:extLst>
+              <a:ext uri="{28A0092B-C50C-407E-A947-70E740481C1C}">
+                <a14:useLocalDpi xmlns:a14="http://schemas.microsoft.com/office/drawing/2010/main" val="0"/>
+              </a:ext>
+            </a:extLst>
+          </a:blip>
+          <a:srcRect/>
+          <a:stretch>
+            <a:fillRect/>
+          </a:stretch>
+        </p:blipFill>
+        <p:spPr bwMode="auto">
+          <a:xfrm>
+            <a:off x="619910" y="1650670"/>
+            <a:ext cx="1655354" cy="4422981"/>
+          </a:xfrm>
+          <a:prstGeom prst="rect">
+            <a:avLst/>
+          </a:prstGeom>
+          <a:noFill/>
+          <a:extLst>
+            <a:ext uri="{909E8E84-426E-40DD-AFC4-6F175D3DCCD1}">
+              <a14:hiddenFill xmlns:a14="http://schemas.microsoft.com/office/drawing/2010/main">
+                <a:solidFill>
+                  <a:srgbClr val="FFFFFF"/>
+                </a:solidFill>
+              </a14:hiddenFill>
+            </a:ext>
+          </a:extLst>
+        </p:spPr>
+      </p:pic>
+      <p:pic>
+        <p:nvPicPr>
+          <p:cNvPr id="3074" name="Picture 2"/>
+          <p:cNvPicPr>
+            <a:picLocks noChangeAspect="1" noChangeArrowheads="1"/>
+          </p:cNvPicPr>
+          <p:nvPr/>
+        </p:nvPicPr>
+        <p:blipFill>
+          <a:blip r:embed="rId3">
+            <a:extLst>
+              <a:ext uri="{28A0092B-C50C-407E-A947-70E740481C1C}">
+                <a14:useLocalDpi xmlns:a14="http://schemas.microsoft.com/office/drawing/2010/main" val="0"/>
+              </a:ext>
+            </a:extLst>
+          </a:blip>
+          <a:srcRect/>
+          <a:stretch>
+            <a:fillRect/>
+          </a:stretch>
+        </p:blipFill>
+        <p:spPr bwMode="auto">
+          <a:xfrm>
+            <a:off x="2792554" y="2375065"/>
+            <a:ext cx="2278207" cy="2800854"/>
+          </a:xfrm>
+          <a:prstGeom prst="rect">
+            <a:avLst/>
+          </a:prstGeom>
+          <a:noFill/>
+          <a:ln>
+            <a:noFill/>
+          </a:ln>
+          <a:extLst>
+            <a:ext uri="{909E8E84-426E-40DD-AFC4-6F175D3DCCD1}">
+              <a14:hiddenFill xmlns:a14="http://schemas.microsoft.com/office/drawing/2010/main">
+                <a:solidFill>
+                  <a:schemeClr val="accent1"/>
+                </a:solidFill>
+              </a14:hiddenFill>
+            </a:ext>
+            <a:ext uri="{91240B29-F687-4F45-9708-019B960494DF}">
+              <a14:hiddenLine xmlns:a14="http://schemas.microsoft.com/office/drawing/2010/main" w="9525">
+                <a:solidFill>
+                  <a:schemeClr val="tx1"/>
+                </a:solidFill>
+                <a:miter lim="800000"/>
+                <a:headEnd/>
+                <a:tailEnd/>
+              </a14:hiddenLine>
+            </a:ext>
+          </a:extLst>
+        </p:spPr>
+      </p:pic>
+      <p:sp>
+        <p:nvSpPr>
+          <p:cNvPr id="3" name="Rectangle 2"/>
+          <p:cNvSpPr/>
+          <p:nvPr/>
+        </p:nvSpPr>
+        <p:spPr>
+          <a:xfrm>
+            <a:off x="748145" y="1983179"/>
+            <a:ext cx="914400" cy="1068779"/>
+          </a:xfrm>
+          <a:prstGeom prst="rect">
+            <a:avLst/>
+          </a:prstGeom>
+          <a:noFill/>
+          <a:ln w="19050">
+            <a:solidFill>
+              <a:schemeClr val="accent6">
+                <a:lumMod val="75000"/>
+              </a:schemeClr>
+            </a:solidFill>
+          </a:ln>
+        </p:spPr>
+        <p:style>
+          <a:lnRef idx="2">
+            <a:schemeClr val="accent1">
+              <a:shade val="50000"/>
+            </a:schemeClr>
+          </a:lnRef>
+          <a:fillRef idx="1">
+            <a:schemeClr val="accent1"/>
+          </a:fillRef>
+          <a:effectRef idx="0">
+            <a:schemeClr val="accent1"/>
+          </a:effectRef>
+          <a:fontRef idx="minor">
+            <a:schemeClr val="lt1"/>
+          </a:fontRef>
+        </p:style>
+        <p:txBody>
+          <a:bodyPr rtlCol="0" anchor="ctr"/>
+          <a:lstStyle/>
+          <a:p>
+            <a:pPr algn="ctr"/>
+            <a:endParaRPr lang="en-US"/>
+          </a:p>
+        </p:txBody>
+      </p:sp>
+    </p:spTree>
+    <p:extLst>
+      <p:ext uri="{BB962C8B-B14F-4D97-AF65-F5344CB8AC3E}">
+        <p14:creationId xmlns:p14="http://schemas.microsoft.com/office/powerpoint/2010/main" val="131475520"/>
+      </p:ext>
+    </p:extLst>
+  </p:cSld>
+  <p:clrMapOvr>
+    <a:masterClrMapping/>
+  </p:clrMapOvr>
+  <p:timing>
+    <p:tnLst>
+      <p:par>
+        <p:cTn id="1" dur="indefinite" restart="never" nodeType="tmRoot"/>
+      </p:par>
+    </p:tnLst>
+  </p:timing>
+</p:sld>
+</file>
+
+<file path=ppt/slides/slide32.xml><?xml version="1.0" encoding="utf-8"?>
+<p:sld xmlns:a="http://schemas.openxmlformats.org/drawingml/2006/main" xmlns:r="http://schemas.openxmlformats.org/officeDocument/2006/relationships" xmlns:p="http://schemas.openxmlformats.org/presentationml/2006/main">
+  <p:cSld>
+    <p:spTree>
+      <p:nvGrpSpPr>
+        <p:cNvPr id="1" name=""/>
+        <p:cNvGrpSpPr/>
+        <p:nvPr/>
+      </p:nvGrpSpPr>
+      <p:grpSpPr>
+        <a:xfrm>
+          <a:off x="0" y="0"/>
+          <a:ext cx="0" cy="0"/>
+          <a:chOff x="0" y="0"/>
+          <a:chExt cx="0" cy="0"/>
+        </a:xfrm>
+      </p:grpSpPr>
+      <p:sp>
+        <p:nvSpPr>
+          <p:cNvPr id="2" name="Title 1"/>
+          <p:cNvSpPr>
+            <a:spLocks noGrp="1"/>
+          </p:cNvSpPr>
+          <p:nvPr>
+            <p:ph type="title"/>
+          </p:nvPr>
+        </p:nvSpPr>
+        <p:spPr/>
+        <p:txBody>
+          <a:bodyPr/>
+          <a:lstStyle/>
+          <a:p>
+            <a:r>
+              <a:rPr lang="en-US" dirty="0" smtClean="0"/>
+              <a:t>Fragment Lifecycle</a:t>
+            </a:r>
+            <a:br>
+              <a:rPr lang="en-US" dirty="0" smtClean="0"/>
+            </a:br>
+            <a:r>
+              <a:rPr lang="en-US" sz="2800" dirty="0" smtClean="0"/>
+              <a:t>Create</a:t>
+            </a:r>
+            <a:endParaRPr lang="en-US" sz="2800" dirty="0"/>
+          </a:p>
+        </p:txBody>
+      </p:sp>
+      <p:pic>
+        <p:nvPicPr>
+          <p:cNvPr id="2054" name="Picture 6" descr="https://developer.android.com/images/fragment_lifecycle.png"/>
+          <p:cNvPicPr>
+            <a:picLocks noChangeAspect="1" noChangeArrowheads="1"/>
+          </p:cNvPicPr>
+          <p:nvPr/>
+        </p:nvPicPr>
+        <p:blipFill>
+          <a:blip r:embed="rId2">
+            <a:extLst>
+              <a:ext uri="{28A0092B-C50C-407E-A947-70E740481C1C}">
+                <a14:useLocalDpi xmlns:a14="http://schemas.microsoft.com/office/drawing/2010/main" val="0"/>
+              </a:ext>
+            </a:extLst>
+          </a:blip>
+          <a:srcRect/>
+          <a:stretch>
+            <a:fillRect/>
+          </a:stretch>
+        </p:blipFill>
+        <p:spPr bwMode="auto">
+          <a:xfrm>
+            <a:off x="619910" y="1650670"/>
+            <a:ext cx="1655354" cy="4422981"/>
+          </a:xfrm>
+          <a:prstGeom prst="rect">
+            <a:avLst/>
+          </a:prstGeom>
+          <a:noFill/>
+          <a:extLst>
+            <a:ext uri="{909E8E84-426E-40DD-AFC4-6F175D3DCCD1}">
+              <a14:hiddenFill xmlns:a14="http://schemas.microsoft.com/office/drawing/2010/main">
+                <a:solidFill>
+                  <a:srgbClr val="FFFFFF"/>
+                </a:solidFill>
+              </a14:hiddenFill>
+            </a:ext>
+          </a:extLst>
+        </p:spPr>
+      </p:pic>
+      <p:sp>
+        <p:nvSpPr>
+          <p:cNvPr id="3" name="Rectangle 2"/>
+          <p:cNvSpPr/>
+          <p:nvPr/>
+        </p:nvSpPr>
+        <p:spPr>
+          <a:xfrm>
+            <a:off x="619910" y="3048296"/>
+            <a:ext cx="1178410" cy="1843744"/>
+          </a:xfrm>
+          <a:prstGeom prst="rect">
+            <a:avLst/>
+          </a:prstGeom>
+          <a:noFill/>
+          <a:ln w="19050">
+            <a:solidFill>
+              <a:schemeClr val="accent6">
+                <a:lumMod val="75000"/>
+              </a:schemeClr>
+            </a:solidFill>
+          </a:ln>
+        </p:spPr>
+        <p:style>
+          <a:lnRef idx="2">
+            <a:schemeClr val="accent1">
+              <a:shade val="50000"/>
+            </a:schemeClr>
+          </a:lnRef>
+          <a:fillRef idx="1">
+            <a:schemeClr val="accent1"/>
+          </a:fillRef>
+          <a:effectRef idx="0">
+            <a:schemeClr val="accent1"/>
+          </a:effectRef>
+          <a:fontRef idx="minor">
+            <a:schemeClr val="lt1"/>
+          </a:fontRef>
+        </p:style>
+        <p:txBody>
+          <a:bodyPr rtlCol="0" anchor="ctr"/>
+          <a:lstStyle/>
+          <a:p>
+            <a:pPr algn="ctr"/>
+            <a:endParaRPr lang="en-US"/>
+          </a:p>
+        </p:txBody>
+      </p:sp>
+      <p:pic>
+        <p:nvPicPr>
+          <p:cNvPr id="4098" name="Picture 2"/>
+          <p:cNvPicPr>
+            <a:picLocks noChangeAspect="1" noChangeArrowheads="1"/>
+          </p:cNvPicPr>
+          <p:nvPr/>
+        </p:nvPicPr>
+        <p:blipFill>
+          <a:blip r:embed="rId3">
+            <a:extLst>
+              <a:ext uri="{28A0092B-C50C-407E-A947-70E740481C1C}">
+                <a14:useLocalDpi xmlns:a14="http://schemas.microsoft.com/office/drawing/2010/main" val="0"/>
+              </a:ext>
+            </a:extLst>
+          </a:blip>
+          <a:srcRect/>
+          <a:stretch>
+            <a:fillRect/>
+          </a:stretch>
+        </p:blipFill>
+        <p:spPr bwMode="auto">
+          <a:xfrm>
+            <a:off x="2442210" y="2173605"/>
+            <a:ext cx="2095500" cy="3181350"/>
+          </a:xfrm>
+          <a:prstGeom prst="rect">
+            <a:avLst/>
+          </a:prstGeom>
+          <a:noFill/>
+          <a:ln>
+            <a:noFill/>
+          </a:ln>
+          <a:extLst>
+            <a:ext uri="{909E8E84-426E-40DD-AFC4-6F175D3DCCD1}">
+              <a14:hiddenFill xmlns:a14="http://schemas.microsoft.com/office/drawing/2010/main">
+                <a:solidFill>
+                  <a:schemeClr val="accent1"/>
+                </a:solidFill>
+              </a14:hiddenFill>
+            </a:ext>
+            <a:ext uri="{91240B29-F687-4F45-9708-019B960494DF}">
+              <a14:hiddenLine xmlns:a14="http://schemas.microsoft.com/office/drawing/2010/main" w="9525">
+                <a:solidFill>
+                  <a:schemeClr val="tx1"/>
+                </a:solidFill>
+                <a:miter lim="800000"/>
+                <a:headEnd/>
+                <a:tailEnd/>
+              </a14:hiddenLine>
+            </a:ext>
+          </a:extLst>
+        </p:spPr>
+      </p:pic>
+    </p:spTree>
+    <p:extLst>
+      <p:ext uri="{BB962C8B-B14F-4D97-AF65-F5344CB8AC3E}">
+        <p14:creationId xmlns:p14="http://schemas.microsoft.com/office/powerpoint/2010/main" val="3718992666"/>
+      </p:ext>
+    </p:extLst>
+  </p:cSld>
+  <p:clrMapOvr>
+    <a:masterClrMapping/>
+  </p:clrMapOvr>
+  <p:timing>
+    <p:tnLst>
+      <p:par>
+        <p:cTn id="1" dur="indefinite" restart="never" nodeType="tmRoot"/>
+      </p:par>
+    </p:tnLst>
+  </p:timing>
+</p:sld>
+</file>
+
+<file path=ppt/slides/slide33.xml><?xml version="1.0" encoding="utf-8"?>
+<p:sld xmlns:a="http://schemas.openxmlformats.org/drawingml/2006/main" xmlns:r="http://schemas.openxmlformats.org/officeDocument/2006/relationships" xmlns:p="http://schemas.openxmlformats.org/presentationml/2006/main">
+  <p:cSld>
+    <p:spTree>
+      <p:nvGrpSpPr>
+        <p:cNvPr id="1" name=""/>
+        <p:cNvGrpSpPr/>
+        <p:nvPr/>
+      </p:nvGrpSpPr>
+      <p:grpSpPr>
+        <a:xfrm>
+          <a:off x="0" y="0"/>
+          <a:ext cx="0" cy="0"/>
+          <a:chOff x="0" y="0"/>
+          <a:chExt cx="0" cy="0"/>
+        </a:xfrm>
+      </p:grpSpPr>
+      <p:sp>
+        <p:nvSpPr>
+          <p:cNvPr id="2" name="Title 1"/>
+          <p:cNvSpPr>
+            <a:spLocks noGrp="1"/>
+          </p:cNvSpPr>
+          <p:nvPr>
+            <p:ph type="title"/>
+          </p:nvPr>
+        </p:nvSpPr>
+        <p:spPr/>
+        <p:txBody>
+          <a:bodyPr/>
+          <a:lstStyle/>
+          <a:p>
+            <a:r>
+              <a:rPr lang="en-US" dirty="0" smtClean="0"/>
+              <a:t>Fragment Lifecycle</a:t>
+            </a:r>
+            <a:br>
+              <a:rPr lang="en-US" dirty="0" smtClean="0"/>
+            </a:br>
+            <a:r>
+              <a:rPr lang="en-US" sz="2800" dirty="0" smtClean="0"/>
+              <a:t>Destroy</a:t>
+            </a:r>
+            <a:endParaRPr lang="en-US" sz="2800" dirty="0"/>
+          </a:p>
+        </p:txBody>
+      </p:sp>
+      <p:pic>
+        <p:nvPicPr>
+          <p:cNvPr id="2054" name="Picture 6" descr="https://developer.android.com/images/fragment_lifecycle.png"/>
+          <p:cNvPicPr>
+            <a:picLocks noChangeAspect="1" noChangeArrowheads="1"/>
+          </p:cNvPicPr>
+          <p:nvPr/>
+        </p:nvPicPr>
+        <p:blipFill>
+          <a:blip r:embed="rId2">
+            <a:extLst>
+              <a:ext uri="{28A0092B-C50C-407E-A947-70E740481C1C}">
+                <a14:useLocalDpi xmlns:a14="http://schemas.microsoft.com/office/drawing/2010/main" val="0"/>
+              </a:ext>
+            </a:extLst>
+          </a:blip>
+          <a:srcRect/>
+          <a:stretch>
+            <a:fillRect/>
+          </a:stretch>
+        </p:blipFill>
+        <p:spPr bwMode="auto">
+          <a:xfrm>
+            <a:off x="619910" y="1650670"/>
+            <a:ext cx="1655354" cy="4422981"/>
+          </a:xfrm>
+          <a:prstGeom prst="rect">
+            <a:avLst/>
+          </a:prstGeom>
+          <a:noFill/>
+          <a:extLst>
+            <a:ext uri="{909E8E84-426E-40DD-AFC4-6F175D3DCCD1}">
+              <a14:hiddenFill xmlns:a14="http://schemas.microsoft.com/office/drawing/2010/main">
+                <a:solidFill>
+                  <a:srgbClr val="FFFFFF"/>
+                </a:solidFill>
+              </a14:hiddenFill>
+            </a:ext>
+          </a:extLst>
+        </p:spPr>
+      </p:pic>
+      <p:sp>
+        <p:nvSpPr>
+          <p:cNvPr id="3" name="Rectangle 2"/>
+          <p:cNvSpPr/>
+          <p:nvPr/>
+        </p:nvSpPr>
+        <p:spPr>
+          <a:xfrm>
+            <a:off x="716280" y="4861560"/>
+            <a:ext cx="906780" cy="853440"/>
+          </a:xfrm>
+          <a:prstGeom prst="rect">
+            <a:avLst/>
+          </a:prstGeom>
+          <a:noFill/>
+          <a:ln w="19050">
+            <a:solidFill>
+              <a:schemeClr val="accent6">
+                <a:lumMod val="75000"/>
+              </a:schemeClr>
+            </a:solidFill>
+          </a:ln>
+        </p:spPr>
+        <p:style>
+          <a:lnRef idx="2">
+            <a:schemeClr val="accent1">
+              <a:shade val="50000"/>
+            </a:schemeClr>
+          </a:lnRef>
+          <a:fillRef idx="1">
+            <a:schemeClr val="accent1"/>
+          </a:fillRef>
+          <a:effectRef idx="0">
+            <a:schemeClr val="accent1"/>
+          </a:effectRef>
+          <a:fontRef idx="minor">
+            <a:schemeClr val="lt1"/>
+          </a:fontRef>
+        </p:style>
+        <p:txBody>
+          <a:bodyPr rtlCol="0" anchor="ctr"/>
+          <a:lstStyle/>
+          <a:p>
+            <a:pPr algn="ctr"/>
+            <a:endParaRPr lang="en-US"/>
+          </a:p>
+        </p:txBody>
+      </p:sp>
+      <p:pic>
+        <p:nvPicPr>
+          <p:cNvPr id="5122" name="Picture 2"/>
+          <p:cNvPicPr>
+            <a:picLocks noChangeAspect="1" noChangeArrowheads="1"/>
+          </p:cNvPicPr>
+          <p:nvPr/>
+        </p:nvPicPr>
+        <p:blipFill>
+          <a:blip r:embed="rId3">
+            <a:extLst>
+              <a:ext uri="{28A0092B-C50C-407E-A947-70E740481C1C}">
+                <a14:useLocalDpi xmlns:a14="http://schemas.microsoft.com/office/drawing/2010/main" val="0"/>
+              </a:ext>
+            </a:extLst>
+          </a:blip>
+          <a:srcRect/>
+          <a:stretch>
+            <a:fillRect/>
+          </a:stretch>
+        </p:blipFill>
+        <p:spPr bwMode="auto">
+          <a:xfrm>
+            <a:off x="2673668" y="2852738"/>
+            <a:ext cx="1190625" cy="1381125"/>
+          </a:xfrm>
+          <a:prstGeom prst="rect">
+            <a:avLst/>
+          </a:prstGeom>
+          <a:noFill/>
+          <a:ln>
+            <a:noFill/>
+          </a:ln>
+          <a:extLst>
+            <a:ext uri="{909E8E84-426E-40DD-AFC4-6F175D3DCCD1}">
+              <a14:hiddenFill xmlns:a14="http://schemas.microsoft.com/office/drawing/2010/main">
+                <a:solidFill>
+                  <a:schemeClr val="accent1"/>
+                </a:solidFill>
+              </a14:hiddenFill>
+            </a:ext>
+            <a:ext uri="{91240B29-F687-4F45-9708-019B960494DF}">
+              <a14:hiddenLine xmlns:a14="http://schemas.microsoft.com/office/drawing/2010/main" w="9525">
+                <a:solidFill>
+                  <a:schemeClr val="tx1"/>
+                </a:solidFill>
+                <a:miter lim="800000"/>
+                <a:headEnd/>
+                <a:tailEnd/>
+              </a14:hiddenLine>
+            </a:ext>
+          </a:extLst>
+        </p:spPr>
+      </p:pic>
+    </p:spTree>
+    <p:extLst>
+      <p:ext uri="{BB962C8B-B14F-4D97-AF65-F5344CB8AC3E}">
+        <p14:creationId xmlns:p14="http://schemas.microsoft.com/office/powerpoint/2010/main" val="412267079"/>
+      </p:ext>
+    </p:extLst>
+  </p:cSld>
+  <p:clrMapOvr>
+    <a:masterClrMapping/>
+  </p:clrMapOvr>
+  <p:timing>
+    <p:tnLst>
+      <p:par>
+        <p:cTn id="1" dur="indefinite" restart="never" nodeType="tmRoot"/>
+      </p:par>
+    </p:tnLst>
+  </p:timing>
+</p:sld>
+</file>
+
+<file path=ppt/slides/slide34.xml><?xml version="1.0" encoding="utf-8"?>
+<p:sld xmlns:a="http://schemas.openxmlformats.org/drawingml/2006/main" xmlns:r="http://schemas.openxmlformats.org/officeDocument/2006/relationships" xmlns:p="http://schemas.openxmlformats.org/presentationml/2006/main">
+  <p:cSld>
+    <p:spTree>
+      <p:nvGrpSpPr>
+        <p:cNvPr id="1" name=""/>
+        <p:cNvGrpSpPr/>
+        <p:nvPr/>
+      </p:nvGrpSpPr>
+      <p:grpSpPr>
+        <a:xfrm>
+          <a:off x="0" y="0"/>
+          <a:ext cx="0" cy="0"/>
+          <a:chOff x="0" y="0"/>
+          <a:chExt cx="0" cy="0"/>
+        </a:xfrm>
+      </p:grpSpPr>
+      <p:sp>
+        <p:nvSpPr>
+          <p:cNvPr id="2" name="Title 1"/>
+          <p:cNvSpPr>
+            <a:spLocks noGrp="1"/>
+          </p:cNvSpPr>
+          <p:nvPr>
+            <p:ph type="title"/>
+          </p:nvPr>
+        </p:nvSpPr>
+        <p:spPr/>
+        <p:txBody>
+          <a:bodyPr/>
+          <a:lstStyle/>
+          <a:p>
+            <a:r>
+              <a:rPr lang="en-US" dirty="0" smtClean="0"/>
+              <a:t>Creating Fragments</a:t>
+            </a:r>
+            <a:endParaRPr lang="en-US" dirty="0"/>
+          </a:p>
+        </p:txBody>
+      </p:sp>
+      <p:pic>
+        <p:nvPicPr>
+          <p:cNvPr id="1027" name="Picture 3"/>
+          <p:cNvPicPr>
+            <a:picLocks noGrp="1" noChangeAspect="1" noChangeArrowheads="1"/>
+          </p:cNvPicPr>
+          <p:nvPr>
+            <p:ph idx="1"/>
+          </p:nvPr>
+        </p:nvPicPr>
+        <p:blipFill>
+          <a:blip r:embed="rId2">
+            <a:extLst>
+              <a:ext uri="{28A0092B-C50C-407E-A947-70E740481C1C}">
+                <a14:useLocalDpi xmlns:a14="http://schemas.microsoft.com/office/drawing/2010/main" val="0"/>
+              </a:ext>
+            </a:extLst>
+          </a:blip>
+          <a:srcRect/>
+          <a:stretch>
+            <a:fillRect/>
+          </a:stretch>
+        </p:blipFill>
+        <p:spPr bwMode="auto">
+          <a:xfrm>
+            <a:off x="500619" y="1732860"/>
+            <a:ext cx="5276850" cy="3571875"/>
+          </a:xfrm>
+          <a:prstGeom prst="rect">
+            <a:avLst/>
+          </a:prstGeom>
+          <a:noFill/>
+          <a:ln>
+            <a:noFill/>
+          </a:ln>
+          <a:extLst>
+            <a:ext uri="{909E8E84-426E-40DD-AFC4-6F175D3DCCD1}">
+              <a14:hiddenFill xmlns:a14="http://schemas.microsoft.com/office/drawing/2010/main">
+                <a:solidFill>
+                  <a:schemeClr val="accent1"/>
+                </a:solidFill>
+              </a14:hiddenFill>
+            </a:ext>
+            <a:ext uri="{91240B29-F687-4F45-9708-019B960494DF}">
+              <a14:hiddenLine xmlns:a14="http://schemas.microsoft.com/office/drawing/2010/main" w="9525">
+                <a:solidFill>
+                  <a:schemeClr val="tx1"/>
+                </a:solidFill>
+                <a:miter lim="800000"/>
+                <a:headEnd/>
+                <a:tailEnd/>
+              </a14:hiddenLine>
+            </a:ext>
+          </a:extLst>
+        </p:spPr>
+      </p:pic>
+      <p:pic>
+        <p:nvPicPr>
+          <p:cNvPr id="1028" name="Picture 4"/>
+          <p:cNvPicPr>
+            <a:picLocks noChangeAspect="1" noChangeArrowheads="1"/>
+          </p:cNvPicPr>
+          <p:nvPr/>
+        </p:nvPicPr>
+        <p:blipFill>
+          <a:blip r:embed="rId3">
+            <a:extLst>
+              <a:ext uri="{28A0092B-C50C-407E-A947-70E740481C1C}">
+                <a14:useLocalDpi xmlns:a14="http://schemas.microsoft.com/office/drawing/2010/main" val="0"/>
+              </a:ext>
+            </a:extLst>
+          </a:blip>
+          <a:srcRect/>
+          <a:stretch>
+            <a:fillRect/>
+          </a:stretch>
+        </p:blipFill>
+        <p:spPr bwMode="auto">
+          <a:xfrm>
+            <a:off x="6102283" y="1757546"/>
+            <a:ext cx="5844294" cy="3509406"/>
+          </a:xfrm>
+          <a:prstGeom prst="rect">
+            <a:avLst/>
+          </a:prstGeom>
+          <a:noFill/>
+          <a:ln>
+            <a:noFill/>
+          </a:ln>
+          <a:extLst>
+            <a:ext uri="{909E8E84-426E-40DD-AFC4-6F175D3DCCD1}">
+              <a14:hiddenFill xmlns:a14="http://schemas.microsoft.com/office/drawing/2010/main">
+                <a:solidFill>
+                  <a:schemeClr val="accent1"/>
+                </a:solidFill>
+              </a14:hiddenFill>
+            </a:ext>
+            <a:ext uri="{91240B29-F687-4F45-9708-019B960494DF}">
+              <a14:hiddenLine xmlns:a14="http://schemas.microsoft.com/office/drawing/2010/main" w="9525">
+                <a:solidFill>
+                  <a:schemeClr val="tx1"/>
+                </a:solidFill>
+                <a:miter lim="800000"/>
+                <a:headEnd/>
+                <a:tailEnd/>
+              </a14:hiddenLine>
+            </a:ext>
+          </a:extLst>
+        </p:spPr>
+      </p:pic>
+    </p:spTree>
+    <p:extLst>
+      <p:ext uri="{BB962C8B-B14F-4D97-AF65-F5344CB8AC3E}">
+        <p14:creationId xmlns:p14="http://schemas.microsoft.com/office/powerpoint/2010/main" val="294499272"/>
+      </p:ext>
+    </p:extLst>
+  </p:cSld>
+  <p:clrMapOvr>
+    <a:masterClrMapping/>
+  </p:clrMapOvr>
+  <p:timing>
+    <p:tnLst>
+      <p:par>
+        <p:cTn id="1" dur="indefinite" restart="never" nodeType="tmRoot"/>
+      </p:par>
+    </p:tnLst>
+  </p:timing>
+</p:sld>
+</file>
+
+<file path=ppt/slides/slide35.xml><?xml version="1.0" encoding="utf-8"?>
+<p:sld xmlns:a="http://schemas.openxmlformats.org/drawingml/2006/main" xmlns:r="http://schemas.openxmlformats.org/officeDocument/2006/relationships" xmlns:p="http://schemas.openxmlformats.org/presentationml/2006/main">
+  <p:cSld>
+    <p:spTree>
+      <p:nvGrpSpPr>
+        <p:cNvPr id="1" name=""/>
+        <p:cNvGrpSpPr/>
+        <p:nvPr/>
+      </p:nvGrpSpPr>
+      <p:grpSpPr>
+        <a:xfrm>
+          <a:off x="0" y="0"/>
+          <a:ext cx="0" cy="0"/>
+          <a:chOff x="0" y="0"/>
+          <a:chExt cx="0" cy="0"/>
+        </a:xfrm>
+      </p:grpSpPr>
+      <p:sp>
+        <p:nvSpPr>
+          <p:cNvPr id="3" name="Content Placeholder 2"/>
+          <p:cNvSpPr>
+            <a:spLocks noGrp="1"/>
+          </p:cNvSpPr>
+          <p:nvPr>
+            <p:ph idx="1"/>
+          </p:nvPr>
+        </p:nvSpPr>
+        <p:spPr/>
+        <p:txBody>
+          <a:bodyPr/>
+          <a:lstStyle/>
+          <a:p>
+            <a:r>
+              <a:rPr lang="en-US" dirty="0" smtClean="0"/>
+              <a:t>View </a:t>
+            </a:r>
+            <a:r>
+              <a:rPr lang="en-US" dirty="0" smtClean="0"/>
+              <a:t>Groups and View dimensions</a:t>
+            </a:r>
+          </a:p>
+          <a:p>
+            <a:r>
+              <a:rPr lang="en-US" dirty="0" smtClean="0"/>
+              <a:t>Scale according to screen density, not screen size</a:t>
+            </a:r>
+          </a:p>
+        </p:txBody>
+      </p:sp>
+      <p:sp>
+        <p:nvSpPr>
+          <p:cNvPr id="4" name="Title 1"/>
+          <p:cNvSpPr>
+            <a:spLocks noGrp="1"/>
+          </p:cNvSpPr>
+          <p:nvPr>
+            <p:ph type="title"/>
+          </p:nvPr>
+        </p:nvSpPr>
+        <p:spPr>
+          <a:xfrm>
+            <a:off x="-1" y="457200"/>
+            <a:ext cx="9120249" cy="1143000"/>
+          </a:xfrm>
+        </p:spPr>
+        <p:txBody>
+          <a:bodyPr/>
+          <a:lstStyle/>
+          <a:p>
+            <a:r>
+              <a:rPr lang="en-US" sz="4400" dirty="0" smtClean="0"/>
+              <a:t>Density </a:t>
+            </a:r>
+            <a:r>
+              <a:rPr lang="en-US" sz="4400" dirty="0" smtClean="0"/>
+              <a:t>Independent Pixel (</a:t>
+            </a:r>
+            <a:r>
+              <a:rPr lang="en-US" sz="4400" dirty="0" err="1" smtClean="0"/>
+              <a:t>dp</a:t>
+            </a:r>
+            <a:r>
+              <a:rPr lang="en-US" sz="4400" dirty="0" smtClean="0"/>
+              <a:t>)</a:t>
+            </a:r>
+            <a:endParaRPr lang="en-US" sz="4400" dirty="0"/>
+          </a:p>
+        </p:txBody>
+      </p:sp>
+    </p:spTree>
+    <p:extLst>
+      <p:ext uri="{BB962C8B-B14F-4D97-AF65-F5344CB8AC3E}">
+        <p14:creationId xmlns:p14="http://schemas.microsoft.com/office/powerpoint/2010/main" val="1947710023"/>
+      </p:ext>
+    </p:extLst>
+  </p:cSld>
+  <p:clrMapOvr>
+    <a:masterClrMapping/>
+  </p:clrMapOvr>
+  <p:timing>
+    <p:tnLst>
+      <p:par>
+        <p:cTn id="1" dur="indefinite" restart="never" nodeType="tmRoot"/>
+      </p:par>
+    </p:tnLst>
+  </p:timing>
+</p:sld>
+</file>
+
+<file path=ppt/slides/slide36.xml><?xml version="1.0" encoding="utf-8"?>
+<p:sld xmlns:a="http://schemas.openxmlformats.org/drawingml/2006/main" xmlns:r="http://schemas.openxmlformats.org/officeDocument/2006/relationships" xmlns:p="http://schemas.openxmlformats.org/presentationml/2006/main">
+  <p:cSld>
+    <p:spTree>
+      <p:nvGrpSpPr>
+        <p:cNvPr id="1" name=""/>
+        <p:cNvGrpSpPr/>
+        <p:nvPr/>
+      </p:nvGrpSpPr>
+      <p:grpSpPr>
+        <a:xfrm>
+          <a:off x="0" y="0"/>
+          <a:ext cx="0" cy="0"/>
+          <a:chOff x="0" y="0"/>
+          <a:chExt cx="0" cy="0"/>
+        </a:xfrm>
+      </p:grpSpPr>
+      <p:sp>
+        <p:nvSpPr>
           <p:cNvPr id="3" name="Content Placeholder 2"/>
           <p:cNvSpPr>
             <a:spLocks noGrp="1"/>
@@ -7430,31 +8496,21 @@
           <a:bodyPr/>
           <a:lstStyle/>
           <a:p>
+            <a:pPr lvl="1"/>
             <a:r>
               <a:rPr lang="en-US" dirty="0" smtClean="0"/>
-              <a:t>Scale Independent Pixel (</a:t>
-            </a:r>
-            <a:r>
-              <a:rPr lang="en-US" dirty="0" err="1" smtClean="0"/>
-              <a:t>sp</a:t>
-            </a:r>
+              <a:t>Controlling text size</a:t>
+            </a:r>
+          </a:p>
+          <a:p>
+            <a:pPr lvl="1"/>
             <a:r>
               <a:rPr lang="en-US" dirty="0" smtClean="0"/>
-              <a:t>)</a:t>
-            </a:r>
-          </a:p>
-          <a:p>
-            <a:pPr lvl="1"/>
-            <a:r>
-              <a:rPr lang="en-US" dirty="0" smtClean="0"/>
-              <a:t> text size</a:t>
-            </a:r>
-          </a:p>
-          <a:p>
-            <a:pPr lvl="1"/>
+              <a:t>Scale </a:t>
+            </a:r>
             <a:r>
               <a:rPr lang="en-US" dirty="0"/>
-              <a:t>Scale according to screen density, not screen </a:t>
+              <a:t>according to screen density, not screen </a:t>
             </a:r>
             <a:r>
               <a:rPr lang="en-US" dirty="0" smtClean="0"/>
@@ -7492,37 +8548,17 @@
           <a:lstStyle/>
           <a:p>
             <a:r>
-              <a:rPr lang="en-US" dirty="0" smtClean="0"/>
-              <a:t>Creating </a:t>
-            </a:r>
-            <a:r>
-              <a:rPr lang="en-US" dirty="0" err="1" smtClean="0"/>
-              <a:t>MainActivity</a:t>
-            </a:r>
-            <a:r>
-              <a:rPr lang="en-US" dirty="0" smtClean="0"/>
-              <a:t/>
-            </a:r>
-            <a:br>
-              <a:rPr lang="en-US" dirty="0" smtClean="0"/>
-            </a:br>
-            <a:r>
-              <a:rPr lang="en-US" sz="3200" dirty="0" smtClean="0"/>
-              <a:t> Scale Independent Pixel (</a:t>
-            </a:r>
-            <a:r>
-              <a:rPr lang="en-US" sz="3200" dirty="0" err="1"/>
-              <a:t>s</a:t>
-            </a:r>
-            <a:r>
-              <a:rPr lang="en-US" sz="3200" dirty="0" err="1" smtClean="0"/>
-              <a:t>p</a:t>
-            </a:r>
-            <a:r>
-              <a:rPr lang="en-US" sz="3200" dirty="0" smtClean="0"/>
+              <a:rPr lang="en-US" dirty="0"/>
+              <a:t>Scale Independent Pixel (</a:t>
+            </a:r>
+            <a:r>
+              <a:rPr lang="en-US" dirty="0" err="1"/>
+              <a:t>sp</a:t>
+            </a:r>
+            <a:r>
+              <a:rPr lang="en-US" dirty="0"/>
               <a:t>)</a:t>
             </a:r>
-            <a:endParaRPr lang="en-US" sz="3200" dirty="0"/>
           </a:p>
         </p:txBody>
       </p:sp>
@@ -7577,1182 +8613,6 @@
 </p:sld>
 </file>
 
-<file path=ppt/slides/slide31.xml><?xml version="1.0" encoding="utf-8"?>
-<p:sld xmlns:a="http://schemas.openxmlformats.org/drawingml/2006/main" xmlns:r="http://schemas.openxmlformats.org/officeDocument/2006/relationships" xmlns:p="http://schemas.openxmlformats.org/presentationml/2006/main">
-  <p:cSld>
-    <p:spTree>
-      <p:nvGrpSpPr>
-        <p:cNvPr id="1" name=""/>
-        <p:cNvGrpSpPr/>
-        <p:nvPr/>
-      </p:nvGrpSpPr>
-      <p:grpSpPr>
-        <a:xfrm>
-          <a:off x="0" y="0"/>
-          <a:ext cx="0" cy="0"/>
-          <a:chOff x="0" y="0"/>
-          <a:chExt cx="0" cy="0"/>
-        </a:xfrm>
-      </p:grpSpPr>
-      <p:sp>
-        <p:nvSpPr>
-          <p:cNvPr id="2" name="Title 1"/>
-          <p:cNvSpPr>
-            <a:spLocks noGrp="1"/>
-          </p:cNvSpPr>
-          <p:nvPr>
-            <p:ph type="title"/>
-          </p:nvPr>
-        </p:nvSpPr>
-        <p:spPr/>
-        <p:txBody>
-          <a:bodyPr/>
-          <a:lstStyle/>
-          <a:p>
-            <a:r>
-              <a:rPr lang="en-US" dirty="0" smtClean="0"/>
-              <a:t>Creating </a:t>
-            </a:r>
-            <a:r>
-              <a:rPr lang="en-US" dirty="0" err="1" smtClean="0"/>
-              <a:t>MainActivity</a:t>
-            </a:r>
-            <a:r>
-              <a:rPr lang="en-US" dirty="0" smtClean="0"/>
-              <a:t> </a:t>
-            </a:r>
-            <a:endParaRPr lang="en-US" dirty="0"/>
-          </a:p>
-        </p:txBody>
-      </p:sp>
-      <p:sp>
-        <p:nvSpPr>
-          <p:cNvPr id="3" name="Content Placeholder 2"/>
-          <p:cNvSpPr>
-            <a:spLocks noGrp="1"/>
-          </p:cNvSpPr>
-          <p:nvPr>
-            <p:ph idx="1"/>
-          </p:nvPr>
-        </p:nvSpPr>
-        <p:spPr/>
-        <p:txBody>
-          <a:bodyPr/>
-          <a:lstStyle/>
-          <a:p>
-            <a:r>
-              <a:rPr lang="en-US" dirty="0" smtClean="0"/>
-              <a:t>Add </a:t>
-            </a:r>
-            <a:r>
-              <a:rPr lang="en-US" dirty="0" err="1" smtClean="0"/>
-              <a:t>MainActivity</a:t>
-            </a:r>
-            <a:r>
-              <a:rPr lang="en-US" dirty="0" smtClean="0"/>
-              <a:t> to AndroidManifest.xml</a:t>
-            </a:r>
-          </a:p>
-          <a:p>
-            <a:pPr lvl="1"/>
-            <a:r>
-              <a:rPr lang="en-US" dirty="0"/>
-              <a:t>The </a:t>
-            </a:r>
-            <a:r>
-              <a:rPr lang="en-US" b="1" dirty="0"/>
-              <a:t>manifest file</a:t>
-            </a:r>
-            <a:r>
-              <a:rPr lang="en-US" dirty="0"/>
-              <a:t> provides essential information about your app to the Android system, which the system must have before it </a:t>
-            </a:r>
-            <a:r>
-              <a:rPr lang="en-US" dirty="0" smtClean="0"/>
-              <a:t>can </a:t>
-            </a:r>
-            <a:r>
-              <a:rPr lang="en-US" dirty="0"/>
-              <a:t>run any of the app's code</a:t>
-            </a:r>
-            <a:r>
-              <a:rPr lang="en-US" dirty="0" smtClean="0"/>
-              <a:t>. (i.e. activities,</a:t>
-            </a:r>
-            <a:r>
-              <a:rPr lang="en-US" dirty="0"/>
-              <a:t> </a:t>
-            </a:r>
-            <a:r>
-              <a:rPr lang="en-US" dirty="0" smtClean="0"/>
-              <a:t>services, content provider…)</a:t>
-            </a:r>
-          </a:p>
-        </p:txBody>
-      </p:sp>
-    </p:spTree>
-    <p:extLst>
-      <p:ext uri="{BB962C8B-B14F-4D97-AF65-F5344CB8AC3E}">
-        <p14:creationId xmlns:p14="http://schemas.microsoft.com/office/powerpoint/2010/main" val="1089828459"/>
-      </p:ext>
-    </p:extLst>
-  </p:cSld>
-  <p:clrMapOvr>
-    <a:masterClrMapping/>
-  </p:clrMapOvr>
-  <p:timing>
-    <p:tnLst>
-      <p:par>
-        <p:cTn id="1" dur="indefinite" restart="never" nodeType="tmRoot"/>
-      </p:par>
-    </p:tnLst>
-  </p:timing>
-</p:sld>
-</file>
-
-<file path=ppt/slides/slide32.xml><?xml version="1.0" encoding="utf-8"?>
-<p:sld xmlns:a="http://schemas.openxmlformats.org/drawingml/2006/main" xmlns:r="http://schemas.openxmlformats.org/officeDocument/2006/relationships" xmlns:p="http://schemas.openxmlformats.org/presentationml/2006/main">
-  <p:cSld>
-    <p:spTree>
-      <p:nvGrpSpPr>
-        <p:cNvPr id="1" name=""/>
-        <p:cNvGrpSpPr/>
-        <p:nvPr/>
-      </p:nvGrpSpPr>
-      <p:grpSpPr>
-        <a:xfrm>
-          <a:off x="0" y="0"/>
-          <a:ext cx="0" cy="0"/>
-          <a:chOff x="0" y="0"/>
-          <a:chExt cx="0" cy="0"/>
-        </a:xfrm>
-      </p:grpSpPr>
-      <p:sp>
-        <p:nvSpPr>
-          <p:cNvPr id="2" name="Title 1"/>
-          <p:cNvSpPr>
-            <a:spLocks noGrp="1"/>
-          </p:cNvSpPr>
-          <p:nvPr>
-            <p:ph type="title"/>
-          </p:nvPr>
-        </p:nvSpPr>
-        <p:spPr>
-          <a:xfrm>
-            <a:off x="0" y="457200"/>
-            <a:ext cx="8098971" cy="1143000"/>
-          </a:xfrm>
-        </p:spPr>
-        <p:txBody>
-          <a:bodyPr>
-            <a:normAutofit/>
-          </a:bodyPr>
-          <a:lstStyle/>
-          <a:p>
-            <a:r>
-              <a:rPr lang="en-US" dirty="0" smtClean="0"/>
-              <a:t>Fragment</a:t>
-            </a:r>
-            <a:endParaRPr lang="en-US" dirty="0"/>
-          </a:p>
-        </p:txBody>
-      </p:sp>
-      <p:sp>
-        <p:nvSpPr>
-          <p:cNvPr id="3" name="Content Placeholder 2"/>
-          <p:cNvSpPr>
-            <a:spLocks noGrp="1"/>
-          </p:cNvSpPr>
-          <p:nvPr>
-            <p:ph idx="1"/>
-          </p:nvPr>
-        </p:nvSpPr>
-        <p:spPr/>
-        <p:txBody>
-          <a:bodyPr/>
-          <a:lstStyle/>
-          <a:p>
-            <a:r>
-              <a:rPr lang="en-US" dirty="0"/>
-              <a:t>View and Layout logic</a:t>
-            </a:r>
-          </a:p>
-          <a:p>
-            <a:r>
-              <a:rPr lang="en-US" dirty="0"/>
-              <a:t>Event handling (i.e. </a:t>
-            </a:r>
-            <a:r>
-              <a:rPr lang="en-US" dirty="0" err="1"/>
-              <a:t>onClick</a:t>
-            </a:r>
-            <a:r>
-              <a:rPr lang="en-US" dirty="0"/>
-              <a:t>())</a:t>
-            </a:r>
-          </a:p>
-          <a:p>
-            <a:r>
-              <a:rPr lang="en-US" dirty="0"/>
-              <a:t>Network request </a:t>
-            </a:r>
-          </a:p>
-          <a:p>
-            <a:r>
-              <a:rPr lang="en-US" dirty="0"/>
-              <a:t>Interacting with a persistence storage</a:t>
-            </a:r>
-          </a:p>
-        </p:txBody>
-      </p:sp>
-    </p:spTree>
-    <p:extLst>
-      <p:ext uri="{BB962C8B-B14F-4D97-AF65-F5344CB8AC3E}">
-        <p14:creationId xmlns:p14="http://schemas.microsoft.com/office/powerpoint/2010/main" val="1806338854"/>
-      </p:ext>
-    </p:extLst>
-  </p:cSld>
-  <p:clrMapOvr>
-    <a:masterClrMapping/>
-  </p:clrMapOvr>
-  <p:timing>
-    <p:tnLst>
-      <p:par>
-        <p:cTn id="1" dur="indefinite" restart="never" nodeType="tmRoot"/>
-      </p:par>
-    </p:tnLst>
-  </p:timing>
-</p:sld>
-</file>
-
-<file path=ppt/slides/slide33.xml><?xml version="1.0" encoding="utf-8"?>
-<p:sld xmlns:a="http://schemas.openxmlformats.org/drawingml/2006/main" xmlns:r="http://schemas.openxmlformats.org/officeDocument/2006/relationships" xmlns:p="http://schemas.openxmlformats.org/presentationml/2006/main">
-  <p:cSld>
-    <p:spTree>
-      <p:nvGrpSpPr>
-        <p:cNvPr id="1" name=""/>
-        <p:cNvGrpSpPr/>
-        <p:nvPr/>
-      </p:nvGrpSpPr>
-      <p:grpSpPr>
-        <a:xfrm>
-          <a:off x="0" y="0"/>
-          <a:ext cx="0" cy="0"/>
-          <a:chOff x="0" y="0"/>
-          <a:chExt cx="0" cy="0"/>
-        </a:xfrm>
-      </p:grpSpPr>
-      <p:sp>
-        <p:nvSpPr>
-          <p:cNvPr id="2" name="Title 1"/>
-          <p:cNvSpPr>
-            <a:spLocks noGrp="1"/>
-          </p:cNvSpPr>
-          <p:nvPr>
-            <p:ph type="title"/>
-          </p:nvPr>
-        </p:nvSpPr>
-        <p:spPr/>
-        <p:txBody>
-          <a:bodyPr/>
-          <a:lstStyle/>
-          <a:p>
-            <a:endParaRPr lang="en-US"/>
-          </a:p>
-        </p:txBody>
-      </p:sp>
-      <p:sp>
-        <p:nvSpPr>
-          <p:cNvPr id="3" name="Content Placeholder 2"/>
-          <p:cNvSpPr>
-            <a:spLocks noGrp="1"/>
-          </p:cNvSpPr>
-          <p:nvPr>
-            <p:ph idx="1"/>
-          </p:nvPr>
-        </p:nvSpPr>
-        <p:spPr/>
-        <p:txBody>
-          <a:bodyPr>
-            <a:normAutofit/>
-          </a:bodyPr>
-          <a:lstStyle/>
-          <a:p>
-            <a:pPr marL="0" indent="0" algn="ctr">
-              <a:buNone/>
-            </a:pPr>
-            <a:endParaRPr lang="en-US" sz="6600" dirty="0"/>
-          </a:p>
-          <a:p>
-            <a:pPr marL="0" indent="0" algn="ctr">
-              <a:buNone/>
-            </a:pPr>
-            <a:r>
-              <a:rPr lang="en-US" sz="6600" dirty="0"/>
-              <a:t>Detail Level </a:t>
-            </a:r>
-          </a:p>
-        </p:txBody>
-      </p:sp>
-    </p:spTree>
-    <p:extLst>
-      <p:ext uri="{BB962C8B-B14F-4D97-AF65-F5344CB8AC3E}">
-        <p14:creationId xmlns:p14="http://schemas.microsoft.com/office/powerpoint/2010/main" val="431746998"/>
-      </p:ext>
-    </p:extLst>
-  </p:cSld>
-  <p:clrMapOvr>
-    <a:masterClrMapping/>
-  </p:clrMapOvr>
-  <p:timing>
-    <p:tnLst>
-      <p:par>
-        <p:cTn id="1" dur="indefinite" restart="never" nodeType="tmRoot"/>
-      </p:par>
-    </p:tnLst>
-  </p:timing>
-</p:sld>
-</file>
-
-<file path=ppt/slides/slide34.xml><?xml version="1.0" encoding="utf-8"?>
-<p:sld xmlns:a="http://schemas.openxmlformats.org/drawingml/2006/main" xmlns:r="http://schemas.openxmlformats.org/officeDocument/2006/relationships" xmlns:p="http://schemas.openxmlformats.org/presentationml/2006/main">
-  <p:cSld>
-    <p:spTree>
-      <p:nvGrpSpPr>
-        <p:cNvPr id="1" name=""/>
-        <p:cNvGrpSpPr/>
-        <p:nvPr/>
-      </p:nvGrpSpPr>
-      <p:grpSpPr>
-        <a:xfrm>
-          <a:off x="0" y="0"/>
-          <a:ext cx="0" cy="0"/>
-          <a:chOff x="0" y="0"/>
-          <a:chExt cx="0" cy="0"/>
-        </a:xfrm>
-      </p:grpSpPr>
-      <p:sp>
-        <p:nvSpPr>
-          <p:cNvPr id="2" name="Title 1"/>
-          <p:cNvSpPr>
-            <a:spLocks noGrp="1"/>
-          </p:cNvSpPr>
-          <p:nvPr>
-            <p:ph type="title"/>
-          </p:nvPr>
-        </p:nvSpPr>
-        <p:spPr/>
-        <p:txBody>
-          <a:bodyPr/>
-          <a:lstStyle/>
-          <a:p>
-            <a:r>
-              <a:rPr lang="en-US" dirty="0"/>
-              <a:t>Activity Lifecycle counterparts</a:t>
-            </a:r>
-          </a:p>
-        </p:txBody>
-      </p:sp>
-      <p:sp>
-        <p:nvSpPr>
-          <p:cNvPr id="5" name="Rounded Rectangle 4"/>
-          <p:cNvSpPr/>
-          <p:nvPr/>
-        </p:nvSpPr>
-        <p:spPr>
-          <a:xfrm>
-            <a:off x="2743200" y="2088068"/>
-            <a:ext cx="2434441" cy="748145"/>
-          </a:xfrm>
-          <a:prstGeom prst="roundRect">
-            <a:avLst/>
-          </a:prstGeom>
-          <a:solidFill>
-            <a:schemeClr val="bg1">
-              <a:lumMod val="85000"/>
-            </a:schemeClr>
-          </a:solidFill>
-          <a:ln>
-            <a:solidFill>
-              <a:schemeClr val="bg1">
-                <a:lumMod val="50000"/>
-              </a:schemeClr>
-            </a:solidFill>
-          </a:ln>
-        </p:spPr>
-        <p:style>
-          <a:lnRef idx="2">
-            <a:schemeClr val="accent1">
-              <a:shade val="50000"/>
-            </a:schemeClr>
-          </a:lnRef>
-          <a:fillRef idx="1">
-            <a:schemeClr val="accent1"/>
-          </a:fillRef>
-          <a:effectRef idx="0">
-            <a:schemeClr val="accent1"/>
-          </a:effectRef>
-          <a:fontRef idx="minor">
-            <a:schemeClr val="lt1"/>
-          </a:fontRef>
-        </p:style>
-        <p:txBody>
-          <a:bodyPr rtlCol="0" anchor="ctr"/>
-          <a:lstStyle/>
-          <a:p>
-            <a:pPr algn="ctr"/>
-            <a:r>
-              <a:rPr lang="en-US" dirty="0">
-                <a:solidFill>
-                  <a:schemeClr val="tx1"/>
-                </a:solidFill>
-              </a:rPr>
-              <a:t>OnCreate()</a:t>
-            </a:r>
-          </a:p>
-        </p:txBody>
-      </p:sp>
-      <p:sp>
-        <p:nvSpPr>
-          <p:cNvPr id="6" name="Rounded Rectangle 5"/>
-          <p:cNvSpPr/>
-          <p:nvPr/>
-        </p:nvSpPr>
-        <p:spPr>
-          <a:xfrm>
-            <a:off x="7087590" y="2088068"/>
-            <a:ext cx="2434441" cy="748145"/>
-          </a:xfrm>
-          <a:prstGeom prst="roundRect">
-            <a:avLst/>
-          </a:prstGeom>
-          <a:solidFill>
-            <a:schemeClr val="bg1">
-              <a:lumMod val="85000"/>
-            </a:schemeClr>
-          </a:solidFill>
-          <a:ln>
-            <a:solidFill>
-              <a:schemeClr val="bg1">
-                <a:lumMod val="50000"/>
-              </a:schemeClr>
-            </a:solidFill>
-          </a:ln>
-        </p:spPr>
-        <p:style>
-          <a:lnRef idx="2">
-            <a:schemeClr val="accent1">
-              <a:shade val="50000"/>
-            </a:schemeClr>
-          </a:lnRef>
-          <a:fillRef idx="1">
-            <a:schemeClr val="accent1"/>
-          </a:fillRef>
-          <a:effectRef idx="0">
-            <a:schemeClr val="accent1"/>
-          </a:effectRef>
-          <a:fontRef idx="minor">
-            <a:schemeClr val="lt1"/>
-          </a:fontRef>
-        </p:style>
-        <p:txBody>
-          <a:bodyPr rtlCol="0" anchor="ctr"/>
-          <a:lstStyle/>
-          <a:p>
-            <a:pPr algn="ctr"/>
-            <a:r>
-              <a:rPr lang="en-US" dirty="0" err="1">
-                <a:solidFill>
-                  <a:schemeClr val="tx1"/>
-                </a:solidFill>
-              </a:rPr>
-              <a:t>OnDestroy</a:t>
-            </a:r>
-            <a:r>
-              <a:rPr lang="en-US" dirty="0">
-                <a:solidFill>
-                  <a:schemeClr val="tx1"/>
-                </a:solidFill>
-              </a:rPr>
-              <a:t>()</a:t>
-            </a:r>
-          </a:p>
-        </p:txBody>
-      </p:sp>
-      <p:sp>
-        <p:nvSpPr>
-          <p:cNvPr id="7" name="Rounded Rectangle 6"/>
-          <p:cNvSpPr/>
-          <p:nvPr/>
-        </p:nvSpPr>
-        <p:spPr>
-          <a:xfrm>
-            <a:off x="2743200" y="3237996"/>
-            <a:ext cx="2434441" cy="748145"/>
-          </a:xfrm>
-          <a:prstGeom prst="roundRect">
-            <a:avLst/>
-          </a:prstGeom>
-          <a:solidFill>
-            <a:schemeClr val="bg1">
-              <a:lumMod val="85000"/>
-            </a:schemeClr>
-          </a:solidFill>
-          <a:ln>
-            <a:solidFill>
-              <a:schemeClr val="bg1">
-                <a:lumMod val="50000"/>
-              </a:schemeClr>
-            </a:solidFill>
-          </a:ln>
-        </p:spPr>
-        <p:style>
-          <a:lnRef idx="2">
-            <a:schemeClr val="accent1">
-              <a:shade val="50000"/>
-            </a:schemeClr>
-          </a:lnRef>
-          <a:fillRef idx="1">
-            <a:schemeClr val="accent1"/>
-          </a:fillRef>
-          <a:effectRef idx="0">
-            <a:schemeClr val="accent1"/>
-          </a:effectRef>
-          <a:fontRef idx="minor">
-            <a:schemeClr val="lt1"/>
-          </a:fontRef>
-        </p:style>
-        <p:txBody>
-          <a:bodyPr rtlCol="0" anchor="ctr"/>
-          <a:lstStyle/>
-          <a:p>
-            <a:pPr algn="ctr"/>
-            <a:r>
-              <a:rPr lang="en-US" dirty="0" err="1">
-                <a:solidFill>
-                  <a:schemeClr val="tx1"/>
-                </a:solidFill>
-              </a:rPr>
-              <a:t>onStart</a:t>
-            </a:r>
-            <a:r>
-              <a:rPr lang="en-US" dirty="0">
-                <a:solidFill>
-                  <a:schemeClr val="tx1"/>
-                </a:solidFill>
-              </a:rPr>
-              <a:t>()</a:t>
-            </a:r>
-          </a:p>
-        </p:txBody>
-      </p:sp>
-      <p:sp>
-        <p:nvSpPr>
-          <p:cNvPr id="8" name="Rounded Rectangle 7"/>
-          <p:cNvSpPr/>
-          <p:nvPr/>
-        </p:nvSpPr>
-        <p:spPr>
-          <a:xfrm>
-            <a:off x="7087590" y="3237996"/>
-            <a:ext cx="2434441" cy="748145"/>
-          </a:xfrm>
-          <a:prstGeom prst="roundRect">
-            <a:avLst/>
-          </a:prstGeom>
-          <a:solidFill>
-            <a:schemeClr val="bg1">
-              <a:lumMod val="85000"/>
-            </a:schemeClr>
-          </a:solidFill>
-          <a:ln>
-            <a:solidFill>
-              <a:schemeClr val="bg1">
-                <a:lumMod val="50000"/>
-              </a:schemeClr>
-            </a:solidFill>
-          </a:ln>
-        </p:spPr>
-        <p:style>
-          <a:lnRef idx="2">
-            <a:schemeClr val="accent1">
-              <a:shade val="50000"/>
-            </a:schemeClr>
-          </a:lnRef>
-          <a:fillRef idx="1">
-            <a:schemeClr val="accent1"/>
-          </a:fillRef>
-          <a:effectRef idx="0">
-            <a:schemeClr val="accent1"/>
-          </a:effectRef>
-          <a:fontRef idx="minor">
-            <a:schemeClr val="lt1"/>
-          </a:fontRef>
-        </p:style>
-        <p:txBody>
-          <a:bodyPr rtlCol="0" anchor="ctr"/>
-          <a:lstStyle/>
-          <a:p>
-            <a:pPr algn="ctr"/>
-            <a:r>
-              <a:rPr lang="en-US" dirty="0" err="1">
-                <a:solidFill>
-                  <a:schemeClr val="tx1"/>
-                </a:solidFill>
-              </a:rPr>
-              <a:t>onStop</a:t>
-            </a:r>
-            <a:r>
-              <a:rPr lang="en-US" dirty="0">
-                <a:solidFill>
-                  <a:schemeClr val="tx1"/>
-                </a:solidFill>
-              </a:rPr>
-              <a:t>()</a:t>
-            </a:r>
-          </a:p>
-        </p:txBody>
-      </p:sp>
-      <p:sp>
-        <p:nvSpPr>
-          <p:cNvPr id="9" name="Rounded Rectangle 8"/>
-          <p:cNvSpPr/>
-          <p:nvPr/>
-        </p:nvSpPr>
-        <p:spPr>
-          <a:xfrm>
-            <a:off x="2743200" y="4556156"/>
-            <a:ext cx="2434441" cy="748145"/>
-          </a:xfrm>
-          <a:prstGeom prst="roundRect">
-            <a:avLst/>
-          </a:prstGeom>
-          <a:solidFill>
-            <a:schemeClr val="bg1">
-              <a:lumMod val="85000"/>
-            </a:schemeClr>
-          </a:solidFill>
-          <a:ln>
-            <a:solidFill>
-              <a:schemeClr val="bg1">
-                <a:lumMod val="50000"/>
-              </a:schemeClr>
-            </a:solidFill>
-          </a:ln>
-        </p:spPr>
-        <p:style>
-          <a:lnRef idx="2">
-            <a:schemeClr val="accent1">
-              <a:shade val="50000"/>
-            </a:schemeClr>
-          </a:lnRef>
-          <a:fillRef idx="1">
-            <a:schemeClr val="accent1"/>
-          </a:fillRef>
-          <a:effectRef idx="0">
-            <a:schemeClr val="accent1"/>
-          </a:effectRef>
-          <a:fontRef idx="minor">
-            <a:schemeClr val="lt1"/>
-          </a:fontRef>
-        </p:style>
-        <p:txBody>
-          <a:bodyPr rtlCol="0" anchor="ctr"/>
-          <a:lstStyle/>
-          <a:p>
-            <a:pPr algn="ctr"/>
-            <a:r>
-              <a:rPr lang="en-US" dirty="0" err="1">
-                <a:solidFill>
-                  <a:schemeClr val="tx1"/>
-                </a:solidFill>
-              </a:rPr>
-              <a:t>onResume</a:t>
-            </a:r>
-            <a:r>
-              <a:rPr lang="en-US" dirty="0">
-                <a:solidFill>
-                  <a:schemeClr val="tx1"/>
-                </a:solidFill>
-              </a:rPr>
-              <a:t>()</a:t>
-            </a:r>
-          </a:p>
-        </p:txBody>
-      </p:sp>
-      <p:sp>
-        <p:nvSpPr>
-          <p:cNvPr id="10" name="Rounded Rectangle 9"/>
-          <p:cNvSpPr/>
-          <p:nvPr/>
-        </p:nvSpPr>
-        <p:spPr>
-          <a:xfrm>
-            <a:off x="7087590" y="4556156"/>
-            <a:ext cx="2434441" cy="748145"/>
-          </a:xfrm>
-          <a:prstGeom prst="roundRect">
-            <a:avLst/>
-          </a:prstGeom>
-          <a:solidFill>
-            <a:schemeClr val="bg1">
-              <a:lumMod val="85000"/>
-            </a:schemeClr>
-          </a:solidFill>
-          <a:ln>
-            <a:solidFill>
-              <a:schemeClr val="bg1">
-                <a:lumMod val="50000"/>
-              </a:schemeClr>
-            </a:solidFill>
-          </a:ln>
-        </p:spPr>
-        <p:style>
-          <a:lnRef idx="2">
-            <a:schemeClr val="accent1">
-              <a:shade val="50000"/>
-            </a:schemeClr>
-          </a:lnRef>
-          <a:fillRef idx="1">
-            <a:schemeClr val="accent1"/>
-          </a:fillRef>
-          <a:effectRef idx="0">
-            <a:schemeClr val="accent1"/>
-          </a:effectRef>
-          <a:fontRef idx="minor">
-            <a:schemeClr val="lt1"/>
-          </a:fontRef>
-        </p:style>
-        <p:txBody>
-          <a:bodyPr rtlCol="0" anchor="ctr"/>
-          <a:lstStyle/>
-          <a:p>
-            <a:pPr algn="ctr"/>
-            <a:r>
-              <a:rPr lang="en-US" dirty="0" err="1">
-                <a:solidFill>
-                  <a:schemeClr val="tx1"/>
-                </a:solidFill>
-              </a:rPr>
-              <a:t>onPause</a:t>
-            </a:r>
-            <a:r>
-              <a:rPr lang="en-US" dirty="0">
-                <a:solidFill>
-                  <a:schemeClr val="tx1"/>
-                </a:solidFill>
-              </a:rPr>
-              <a:t>()</a:t>
-            </a:r>
-          </a:p>
-        </p:txBody>
-      </p:sp>
-      <p:sp>
-        <p:nvSpPr>
-          <p:cNvPr id="11" name="Right Arrow 10"/>
-          <p:cNvSpPr/>
-          <p:nvPr/>
-        </p:nvSpPr>
-        <p:spPr>
-          <a:xfrm>
-            <a:off x="5557653" y="2284011"/>
-            <a:ext cx="1187532" cy="356259"/>
-          </a:xfrm>
-          <a:prstGeom prst="rightArrow">
-            <a:avLst/>
-          </a:prstGeom>
-        </p:spPr>
-        <p:style>
-          <a:lnRef idx="2">
-            <a:schemeClr val="accent1">
-              <a:shade val="50000"/>
-            </a:schemeClr>
-          </a:lnRef>
-          <a:fillRef idx="1">
-            <a:schemeClr val="accent1"/>
-          </a:fillRef>
-          <a:effectRef idx="0">
-            <a:schemeClr val="accent1"/>
-          </a:effectRef>
-          <a:fontRef idx="minor">
-            <a:schemeClr val="lt1"/>
-          </a:fontRef>
-        </p:style>
-        <p:txBody>
-          <a:bodyPr rtlCol="0" anchor="ctr"/>
-          <a:lstStyle/>
-          <a:p>
-            <a:pPr algn="ctr"/>
-            <a:endParaRPr lang="en-US"/>
-          </a:p>
-        </p:txBody>
-      </p:sp>
-      <p:sp>
-        <p:nvSpPr>
-          <p:cNvPr id="12" name="Right Arrow 11"/>
-          <p:cNvSpPr/>
-          <p:nvPr/>
-        </p:nvSpPr>
-        <p:spPr>
-          <a:xfrm>
-            <a:off x="5557653" y="3433939"/>
-            <a:ext cx="1187532" cy="356259"/>
-          </a:xfrm>
-          <a:prstGeom prst="rightArrow">
-            <a:avLst/>
-          </a:prstGeom>
-        </p:spPr>
-        <p:style>
-          <a:lnRef idx="2">
-            <a:schemeClr val="accent1">
-              <a:shade val="50000"/>
-            </a:schemeClr>
-          </a:lnRef>
-          <a:fillRef idx="1">
-            <a:schemeClr val="accent1"/>
-          </a:fillRef>
-          <a:effectRef idx="0">
-            <a:schemeClr val="accent1"/>
-          </a:effectRef>
-          <a:fontRef idx="minor">
-            <a:schemeClr val="lt1"/>
-          </a:fontRef>
-        </p:style>
-        <p:txBody>
-          <a:bodyPr rtlCol="0" anchor="ctr"/>
-          <a:lstStyle/>
-          <a:p>
-            <a:pPr algn="ctr"/>
-            <a:endParaRPr lang="en-US"/>
-          </a:p>
-        </p:txBody>
-      </p:sp>
-      <p:sp>
-        <p:nvSpPr>
-          <p:cNvPr id="13" name="Right Arrow 12"/>
-          <p:cNvSpPr/>
-          <p:nvPr/>
-        </p:nvSpPr>
-        <p:spPr>
-          <a:xfrm>
-            <a:off x="5557653" y="4752099"/>
-            <a:ext cx="1187532" cy="356259"/>
-          </a:xfrm>
-          <a:prstGeom prst="rightArrow">
-            <a:avLst/>
-          </a:prstGeom>
-        </p:spPr>
-        <p:style>
-          <a:lnRef idx="2">
-            <a:schemeClr val="accent1">
-              <a:shade val="50000"/>
-            </a:schemeClr>
-          </a:lnRef>
-          <a:fillRef idx="1">
-            <a:schemeClr val="accent1"/>
-          </a:fillRef>
-          <a:effectRef idx="0">
-            <a:schemeClr val="accent1"/>
-          </a:effectRef>
-          <a:fontRef idx="minor">
-            <a:schemeClr val="lt1"/>
-          </a:fontRef>
-        </p:style>
-        <p:txBody>
-          <a:bodyPr rtlCol="0" anchor="ctr"/>
-          <a:lstStyle/>
-          <a:p>
-            <a:pPr algn="ctr"/>
-            <a:endParaRPr lang="en-US"/>
-          </a:p>
-        </p:txBody>
-      </p:sp>
-    </p:spTree>
-    <p:extLst>
-      <p:ext uri="{BB962C8B-B14F-4D97-AF65-F5344CB8AC3E}">
-        <p14:creationId xmlns:p14="http://schemas.microsoft.com/office/powerpoint/2010/main" val="3270950444"/>
-      </p:ext>
-    </p:extLst>
-  </p:cSld>
-  <p:clrMapOvr>
-    <a:masterClrMapping/>
-  </p:clrMapOvr>
-  <p:timing>
-    <p:tnLst>
-      <p:par>
-        <p:cTn id="1" dur="indefinite" restart="never" nodeType="tmRoot"/>
-      </p:par>
-    </p:tnLst>
-  </p:timing>
-</p:sld>
-</file>
-
-<file path=ppt/slides/slide35.xml><?xml version="1.0" encoding="utf-8"?>
-<p:sld xmlns:a="http://schemas.openxmlformats.org/drawingml/2006/main" xmlns:r="http://schemas.openxmlformats.org/officeDocument/2006/relationships" xmlns:p="http://schemas.openxmlformats.org/presentationml/2006/main" show="0">
-  <p:cSld>
-    <p:spTree>
-      <p:nvGrpSpPr>
-        <p:cNvPr id="1" name=""/>
-        <p:cNvGrpSpPr/>
-        <p:nvPr/>
-      </p:nvGrpSpPr>
-      <p:grpSpPr>
-        <a:xfrm>
-          <a:off x="0" y="0"/>
-          <a:ext cx="0" cy="0"/>
-          <a:chOff x="0" y="0"/>
-          <a:chExt cx="0" cy="0"/>
-        </a:xfrm>
-      </p:grpSpPr>
-      <p:sp>
-        <p:nvSpPr>
-          <p:cNvPr id="4" name="Title 1"/>
-          <p:cNvSpPr>
-            <a:spLocks noGrp="1"/>
-          </p:cNvSpPr>
-          <p:nvPr>
-            <p:ph type="title"/>
-          </p:nvPr>
-        </p:nvSpPr>
-        <p:spPr/>
-        <p:txBody>
-          <a:bodyPr/>
-          <a:lstStyle/>
-          <a:p>
-            <a:r>
-              <a:rPr lang="en-US" dirty="0"/>
-              <a:t>Activity Lifecycle </a:t>
-            </a:r>
-          </a:p>
-        </p:txBody>
-      </p:sp>
-      <p:sp>
-        <p:nvSpPr>
-          <p:cNvPr id="6" name="TextBox 5"/>
-          <p:cNvSpPr txBox="1"/>
-          <p:nvPr/>
-        </p:nvSpPr>
-        <p:spPr>
-          <a:xfrm>
-            <a:off x="819645" y="1906796"/>
-            <a:ext cx="6222670" cy="369332"/>
-          </a:xfrm>
-          <a:prstGeom prst="rect">
-            <a:avLst/>
-          </a:prstGeom>
-          <a:noFill/>
-        </p:spPr>
-        <p:txBody>
-          <a:bodyPr wrap="square" rtlCol="0">
-            <a:spAutoFit/>
-          </a:bodyPr>
-          <a:lstStyle/>
-          <a:p>
-            <a:r>
-              <a:rPr lang="en-US" b="1" dirty="0" err="1"/>
-              <a:t>onRestart</a:t>
-            </a:r>
-            <a:r>
-              <a:rPr lang="en-US" b="1" dirty="0"/>
-              <a:t>() </a:t>
-            </a:r>
-            <a:r>
-              <a:rPr lang="en-US" dirty="0"/>
-              <a:t>activity is </a:t>
-            </a:r>
-            <a:r>
-              <a:rPr lang="en-US" dirty="0" err="1"/>
-              <a:t>stoppd</a:t>
-            </a:r>
-            <a:r>
-              <a:rPr lang="en-US" dirty="0"/>
-              <a:t>, then started again</a:t>
-            </a:r>
-          </a:p>
-        </p:txBody>
-      </p:sp>
-      <p:pic>
-        <p:nvPicPr>
-          <p:cNvPr id="8" name="Content Placeholder 3"/>
-          <p:cNvPicPr>
-            <a:picLocks noChangeAspect="1"/>
-          </p:cNvPicPr>
-          <p:nvPr/>
-        </p:nvPicPr>
-        <p:blipFill>
-          <a:blip r:embed="rId2">
-            <a:extLst>
-              <a:ext uri="{28A0092B-C50C-407E-A947-70E740481C1C}">
-                <a14:useLocalDpi xmlns:a14="http://schemas.microsoft.com/office/drawing/2010/main" val="0"/>
-              </a:ext>
-            </a:extLst>
-          </a:blip>
-          <a:stretch>
-            <a:fillRect/>
-          </a:stretch>
-        </p:blipFill>
-        <p:spPr>
-          <a:xfrm>
-            <a:off x="5523848" y="901998"/>
-            <a:ext cx="3943705" cy="5096836"/>
-          </a:xfrm>
-          <a:prstGeom prst="rect">
-            <a:avLst/>
-          </a:prstGeom>
-        </p:spPr>
-      </p:pic>
-      <p:sp>
-        <p:nvSpPr>
-          <p:cNvPr id="7" name="Rectangle 6"/>
-          <p:cNvSpPr/>
-          <p:nvPr/>
-        </p:nvSpPr>
-        <p:spPr>
-          <a:xfrm>
-            <a:off x="8533064" y="1915707"/>
-            <a:ext cx="922614" cy="232410"/>
-          </a:xfrm>
-          <a:prstGeom prst="rect">
-            <a:avLst/>
-          </a:prstGeom>
-          <a:noFill/>
-          <a:ln w="38100">
-            <a:solidFill>
-              <a:srgbClr val="FF0000"/>
-            </a:solidFill>
-          </a:ln>
-        </p:spPr>
-        <p:style>
-          <a:lnRef idx="2">
-            <a:schemeClr val="accent1">
-              <a:shade val="50000"/>
-            </a:schemeClr>
-          </a:lnRef>
-          <a:fillRef idx="1">
-            <a:schemeClr val="accent1"/>
-          </a:fillRef>
-          <a:effectRef idx="0">
-            <a:schemeClr val="accent1"/>
-          </a:effectRef>
-          <a:fontRef idx="minor">
-            <a:schemeClr val="lt1"/>
-          </a:fontRef>
-        </p:style>
-        <p:txBody>
-          <a:bodyPr rtlCol="0" anchor="ctr"/>
-          <a:lstStyle/>
-          <a:p>
-            <a:pPr algn="ctr"/>
-            <a:endParaRPr lang="en-US"/>
-          </a:p>
-        </p:txBody>
-      </p:sp>
-    </p:spTree>
-    <p:extLst>
-      <p:ext uri="{BB962C8B-B14F-4D97-AF65-F5344CB8AC3E}">
-        <p14:creationId xmlns:p14="http://schemas.microsoft.com/office/powerpoint/2010/main" val="3335284568"/>
-      </p:ext>
-    </p:extLst>
-  </p:cSld>
-  <p:clrMapOvr>
-    <a:masterClrMapping/>
-  </p:clrMapOvr>
-  <mc:AlternateContent xmlns:mc="http://schemas.openxmlformats.org/markup-compatibility/2006" xmlns:p14="http://schemas.microsoft.com/office/powerpoint/2010/main">
-    <mc:Choice Requires="p14">
-      <p:transition spd="slow" p14:dur="2000"/>
-    </mc:Choice>
-    <mc:Fallback xmlns="">
-      <p:transition spd="slow"/>
-    </mc:Fallback>
-  </mc:AlternateContent>
-  <p:timing>
-    <p:tnLst>
-      <p:par>
-        <p:cTn id="1" dur="indefinite" restart="never" nodeType="tmRoot"/>
-      </p:par>
-    </p:tnLst>
-  </p:timing>
-</p:sld>
-</file>
-
-<file path=ppt/slides/slide36.xml><?xml version="1.0" encoding="utf-8"?>
-<p:sld xmlns:a="http://schemas.openxmlformats.org/drawingml/2006/main" xmlns:r="http://schemas.openxmlformats.org/officeDocument/2006/relationships" xmlns:p="http://schemas.openxmlformats.org/presentationml/2006/main">
-  <p:cSld>
-    <p:spTree>
-      <p:nvGrpSpPr>
-        <p:cNvPr id="1" name=""/>
-        <p:cNvGrpSpPr/>
-        <p:nvPr/>
-      </p:nvGrpSpPr>
-      <p:grpSpPr>
-        <a:xfrm>
-          <a:off x="0" y="0"/>
-          <a:ext cx="0" cy="0"/>
-          <a:chOff x="0" y="0"/>
-          <a:chExt cx="0" cy="0"/>
-        </a:xfrm>
-      </p:grpSpPr>
-      <p:sp>
-        <p:nvSpPr>
-          <p:cNvPr id="2" name="Title 1"/>
-          <p:cNvSpPr>
-            <a:spLocks noGrp="1"/>
-          </p:cNvSpPr>
-          <p:nvPr>
-            <p:ph type="title"/>
-          </p:nvPr>
-        </p:nvSpPr>
-        <p:spPr/>
-        <p:txBody>
-          <a:bodyPr/>
-          <a:lstStyle/>
-          <a:p>
-            <a:r>
-              <a:rPr lang="en-US" dirty="0"/>
-              <a:t>Hitting back </a:t>
-            </a:r>
-          </a:p>
-        </p:txBody>
-      </p:sp>
-      <p:sp>
-        <p:nvSpPr>
-          <p:cNvPr id="3" name="Content Placeholder 2"/>
-          <p:cNvSpPr>
-            <a:spLocks noGrp="1"/>
-          </p:cNvSpPr>
-          <p:nvPr>
-            <p:ph idx="1"/>
-          </p:nvPr>
-        </p:nvSpPr>
-        <p:spPr/>
-        <p:txBody>
-          <a:bodyPr/>
-          <a:lstStyle/>
-          <a:p>
-            <a:r>
-              <a:rPr lang="en-US" dirty="0" err="1"/>
-              <a:t>onDestroy</a:t>
-            </a:r>
-            <a:r>
-              <a:rPr lang="en-US" dirty="0"/>
-              <a:t>()</a:t>
-            </a:r>
-          </a:p>
-        </p:txBody>
-      </p:sp>
-    </p:spTree>
-    <p:extLst>
-      <p:ext uri="{BB962C8B-B14F-4D97-AF65-F5344CB8AC3E}">
-        <p14:creationId xmlns:p14="http://schemas.microsoft.com/office/powerpoint/2010/main" val="679222727"/>
-      </p:ext>
-    </p:extLst>
-  </p:cSld>
-  <p:clrMapOvr>
-    <a:masterClrMapping/>
-  </p:clrMapOvr>
-</p:sld>
-</file>
-
 <file path=ppt/slides/slide37.xml><?xml version="1.0" encoding="utf-8"?>
 <p:sld xmlns:a="http://schemas.openxmlformats.org/drawingml/2006/main" xmlns:r="http://schemas.openxmlformats.org/officeDocument/2006/relationships" xmlns:p="http://schemas.openxmlformats.org/presentationml/2006/main">
   <p:cSld>
@@ -8786,9 +8646,10 @@
           <a:lstStyle/>
           <a:p>
             <a:r>
-              <a:rPr lang="en-US" dirty="0"/>
-              <a:t>Home button</a:t>
-            </a:r>
+              <a:rPr lang="en-US" dirty="0" smtClean="0"/>
+              <a:t>Create Landscape Layout</a:t>
+            </a:r>
+            <a:endParaRPr lang="en-US" dirty="0"/>
           </a:p>
         </p:txBody>
       </p:sp>
@@ -8807,17 +8668,33 @@
           <a:bodyPr/>
           <a:lstStyle/>
           <a:p>
-            <a:r>
-              <a:rPr lang="en-US" dirty="0"/>
-              <a:t>Stopped</a:t>
-            </a:r>
+            <a:pPr marL="0" indent="0">
+              <a:buNone/>
+            </a:pPr>
+            <a:endParaRPr lang="en-US" dirty="0" smtClean="0"/>
+          </a:p>
+          <a:p>
+            <a:pPr marL="0" indent="0">
+              <a:buNone/>
+            </a:pPr>
+            <a:endParaRPr lang="en-US" dirty="0"/>
+          </a:p>
+          <a:p>
+            <a:pPr marL="0" indent="0" algn="ctr">
+              <a:buNone/>
+            </a:pPr>
+            <a:r>
+              <a:rPr lang="en-US" dirty="0" smtClean="0"/>
+              <a:t>Live Example</a:t>
+            </a:r>
+            <a:endParaRPr lang="en-US" dirty="0"/>
           </a:p>
         </p:txBody>
       </p:sp>
     </p:spTree>
     <p:extLst>
       <p:ext uri="{BB962C8B-B14F-4D97-AF65-F5344CB8AC3E}">
-        <p14:creationId xmlns:p14="http://schemas.microsoft.com/office/powerpoint/2010/main" val="2378621501"/>
+        <p14:creationId xmlns:p14="http://schemas.microsoft.com/office/powerpoint/2010/main" val="1802199029"/>
       </p:ext>
     </p:extLst>
   </p:cSld>
@@ -8860,8 +8737,8 @@
           <a:lstStyle/>
           <a:p>
             <a:r>
-              <a:rPr lang="en-US" dirty="0" err="1"/>
-              <a:t>SavedInstanceState</a:t>
+              <a:rPr lang="en-US" dirty="0" smtClean="0"/>
+              <a:t>Adding Fragment to Activity</a:t>
             </a:r>
             <a:endParaRPr lang="en-US" dirty="0"/>
           </a:p>
@@ -8882,95 +8759,36 @@
           <a:bodyPr/>
           <a:lstStyle/>
           <a:p>
-            <a:r>
-              <a:rPr lang="en-US" dirty="0"/>
-              <a:t>On Rotation</a:t>
-            </a:r>
-          </a:p>
-          <a:p>
-            <a:r>
-              <a:rPr lang="en-US" dirty="0"/>
-              <a:t>App is killed</a:t>
-            </a:r>
+            <a:pPr lvl="1"/>
+            <a:r>
+              <a:rPr lang="en-US" b="1" dirty="0" smtClean="0"/>
+              <a:t>Statically</a:t>
+            </a:r>
+            <a:r>
+              <a:rPr lang="en-US" dirty="0" smtClean="0"/>
+              <a:t> -- add fragment to Activity’s Layout </a:t>
+            </a:r>
+          </a:p>
+          <a:p>
+            <a:pPr lvl="1"/>
+            <a:r>
+              <a:rPr lang="en-US" b="1" dirty="0" smtClean="0"/>
+              <a:t>Dynamically</a:t>
+            </a:r>
+            <a:r>
+              <a:rPr lang="en-US" dirty="0" smtClean="0"/>
+              <a:t> – using Java and Fragment Manager</a:t>
+            </a:r>
+          </a:p>
+          <a:p>
+            <a:endParaRPr lang="en-US" dirty="0"/>
           </a:p>
         </p:txBody>
       </p:sp>
     </p:spTree>
     <p:extLst>
       <p:ext uri="{BB962C8B-B14F-4D97-AF65-F5344CB8AC3E}">
-        <p14:creationId xmlns:p14="http://schemas.microsoft.com/office/powerpoint/2010/main" val="992913506"/>
-      </p:ext>
-    </p:extLst>
-  </p:cSld>
-  <p:clrMapOvr>
-    <a:masterClrMapping/>
-  </p:clrMapOvr>
-</p:sld>
-</file>
-
-<file path=ppt/slides/slide39.xml><?xml version="1.0" encoding="utf-8"?>
-<p:sld xmlns:a="http://schemas.openxmlformats.org/drawingml/2006/main" xmlns:r="http://schemas.openxmlformats.org/officeDocument/2006/relationships" xmlns:p="http://schemas.openxmlformats.org/presentationml/2006/main">
-  <p:cSld>
-    <p:spTree>
-      <p:nvGrpSpPr>
-        <p:cNvPr id="1" name=""/>
-        <p:cNvGrpSpPr/>
-        <p:nvPr/>
-      </p:nvGrpSpPr>
-      <p:grpSpPr>
-        <a:xfrm>
-          <a:off x="0" y="0"/>
-          <a:ext cx="0" cy="0"/>
-          <a:chOff x="0" y="0"/>
-          <a:chExt cx="0" cy="0"/>
-        </a:xfrm>
-      </p:grpSpPr>
-      <p:sp>
-        <p:nvSpPr>
-          <p:cNvPr id="2" name="Title 1"/>
-          <p:cNvSpPr>
-            <a:spLocks noGrp="1"/>
-          </p:cNvSpPr>
-          <p:nvPr>
-            <p:ph type="title"/>
-          </p:nvPr>
-        </p:nvSpPr>
-        <p:spPr/>
-        <p:txBody>
-          <a:bodyPr/>
-          <a:lstStyle/>
-          <a:p>
-            <a:r>
-              <a:rPr lang="en-US" dirty="0" err="1"/>
-              <a:t>Github</a:t>
-            </a:r>
-            <a:endParaRPr lang="en-US" dirty="0"/>
-          </a:p>
-        </p:txBody>
-      </p:sp>
-      <p:sp>
-        <p:nvSpPr>
-          <p:cNvPr id="3" name="Content Placeholder 2"/>
-          <p:cNvSpPr>
-            <a:spLocks noGrp="1"/>
-          </p:cNvSpPr>
-          <p:nvPr>
-            <p:ph idx="1"/>
-          </p:nvPr>
-        </p:nvSpPr>
-        <p:spPr/>
-        <p:txBody>
-          <a:bodyPr/>
-          <a:lstStyle/>
-          <a:p>
-            <a:endParaRPr lang="en-US"/>
-          </a:p>
-        </p:txBody>
-      </p:sp>
-    </p:spTree>
-    <p:extLst>
-      <p:ext uri="{BB962C8B-B14F-4D97-AF65-F5344CB8AC3E}">
-        <p14:creationId xmlns:p14="http://schemas.microsoft.com/office/powerpoint/2010/main" val="719851520"/>
+        <p14:creationId xmlns:p14="http://schemas.microsoft.com/office/powerpoint/2010/main" val="1212573231"/>
       </p:ext>
     </p:extLst>
   </p:cSld>
@@ -9754,11 +9572,11 @@
             </a:pPr>
             <a:r>
               <a:rPr lang="en-US" dirty="0" smtClean="0"/>
-              <a:t>Example: </a:t>
+              <a:t>Live Example</a:t>
             </a:r>
             <a:r>
               <a:rPr lang="en-US" dirty="0" smtClean="0"/>
-              <a:t>Android Developer References</a:t>
+              <a:t>: Android Developer References</a:t>
             </a:r>
             <a:endParaRPr lang="en-US" dirty="0"/>
           </a:p>

--- a/slides/Android Studio_Activities_Fragments.pptx
+++ b/slides/Android Studio_Activities_Fragments.pptx
@@ -10,39 +10,47 @@
     <p:sldId id="309" r:id="rId4"/>
     <p:sldId id="257" r:id="rId5"/>
     <p:sldId id="287" r:id="rId6"/>
-    <p:sldId id="288" r:id="rId7"/>
-    <p:sldId id="289" r:id="rId8"/>
-    <p:sldId id="291" r:id="rId9"/>
-    <p:sldId id="290" r:id="rId10"/>
-    <p:sldId id="292" r:id="rId11"/>
-    <p:sldId id="293" r:id="rId12"/>
-    <p:sldId id="283" r:id="rId13"/>
-    <p:sldId id="285" r:id="rId14"/>
-    <p:sldId id="286" r:id="rId15"/>
-    <p:sldId id="294" r:id="rId16"/>
-    <p:sldId id="258" r:id="rId17"/>
-    <p:sldId id="280" r:id="rId18"/>
-    <p:sldId id="295" r:id="rId19"/>
-    <p:sldId id="296" r:id="rId20"/>
-    <p:sldId id="300" r:id="rId21"/>
-    <p:sldId id="297" r:id="rId22"/>
-    <p:sldId id="301" r:id="rId23"/>
-    <p:sldId id="302" r:id="rId24"/>
-    <p:sldId id="303" r:id="rId25"/>
-    <p:sldId id="304" r:id="rId26"/>
-    <p:sldId id="307" r:id="rId27"/>
-    <p:sldId id="299" r:id="rId28"/>
-    <p:sldId id="310" r:id="rId29"/>
+    <p:sldId id="289" r:id="rId7"/>
+    <p:sldId id="290" r:id="rId8"/>
+    <p:sldId id="292" r:id="rId9"/>
+    <p:sldId id="283" r:id="rId10"/>
+    <p:sldId id="285" r:id="rId11"/>
+    <p:sldId id="286" r:id="rId12"/>
+    <p:sldId id="294" r:id="rId13"/>
+    <p:sldId id="258" r:id="rId14"/>
+    <p:sldId id="280" r:id="rId15"/>
+    <p:sldId id="295" r:id="rId16"/>
+    <p:sldId id="296" r:id="rId17"/>
+    <p:sldId id="300" r:id="rId18"/>
+    <p:sldId id="297" r:id="rId19"/>
+    <p:sldId id="301" r:id="rId20"/>
+    <p:sldId id="302" r:id="rId21"/>
+    <p:sldId id="303" r:id="rId22"/>
+    <p:sldId id="326" r:id="rId23"/>
+    <p:sldId id="304" r:id="rId24"/>
+    <p:sldId id="307" r:id="rId25"/>
+    <p:sldId id="299" r:id="rId26"/>
+    <p:sldId id="327" r:id="rId27"/>
+    <p:sldId id="310" r:id="rId28"/>
+    <p:sldId id="320" r:id="rId29"/>
     <p:sldId id="259" r:id="rId30"/>
     <p:sldId id="313" r:id="rId31"/>
     <p:sldId id="314" r:id="rId32"/>
     <p:sldId id="315" r:id="rId33"/>
     <p:sldId id="316" r:id="rId34"/>
-    <p:sldId id="308" r:id="rId35"/>
-    <p:sldId id="305" r:id="rId36"/>
-    <p:sldId id="306" r:id="rId37"/>
-    <p:sldId id="311" r:id="rId38"/>
-    <p:sldId id="312" r:id="rId39"/>
+    <p:sldId id="328" r:id="rId35"/>
+    <p:sldId id="308" r:id="rId36"/>
+    <p:sldId id="318" r:id="rId37"/>
+    <p:sldId id="305" r:id="rId38"/>
+    <p:sldId id="306" r:id="rId39"/>
+    <p:sldId id="321" r:id="rId40"/>
+    <p:sldId id="322" r:id="rId41"/>
+    <p:sldId id="323" r:id="rId42"/>
+    <p:sldId id="312" r:id="rId43"/>
+    <p:sldId id="324" r:id="rId44"/>
+    <p:sldId id="325" r:id="rId45"/>
+    <p:sldId id="329" r:id="rId46"/>
+    <p:sldId id="330" r:id="rId47"/>
   </p:sldIdLst>
   <p:sldSz cx="12192000" cy="6858000"/>
   <p:notesSz cx="6858000" cy="9144000"/>
@@ -143,7 +151,7 @@
   </p:defaultTextStyle>
   <p:extLst>
     <p:ext uri="{EFAFB233-063F-42B5-8137-9DF3F51BA10A}">
-      <p15:sldGuideLst xmlns:p15="http://schemas.microsoft.com/office/powerpoint/2012/main" xmlns="">
+      <p15:sldGuideLst xmlns="" xmlns:p15="http://schemas.microsoft.com/office/powerpoint/2012/main">
         <p15:guide id="1" orient="horz" pos="2160">
           <p15:clr>
             <a:srgbClr val="A4A3A4"/>
@@ -347,7 +355,7 @@
           <a:p>
             <a:fld id="{1E7C2FAA-919F-4BF2-9DC6-6D7D1753D0B1}" type="datetimeFigureOut">
               <a:rPr lang="en-US" smtClean="0"/>
-              <a:t>6/14/2017</a:t>
+              <a:t>6/15/2017</a:t>
             </a:fld>
             <a:endParaRPr lang="en-US"/>
           </a:p>
@@ -515,7 +523,7 @@
           <a:p>
             <a:fld id="{1E7C2FAA-919F-4BF2-9DC6-6D7D1753D0B1}" type="datetimeFigureOut">
               <a:rPr lang="en-US" smtClean="0"/>
-              <a:t>6/14/2017</a:t>
+              <a:t>6/15/2017</a:t>
             </a:fld>
             <a:endParaRPr lang="en-US"/>
           </a:p>
@@ -693,7 +701,7 @@
           <a:p>
             <a:fld id="{1E7C2FAA-919F-4BF2-9DC6-6D7D1753D0B1}" type="datetimeFigureOut">
               <a:rPr lang="en-US" smtClean="0"/>
-              <a:t>6/14/2017</a:t>
+              <a:t>6/15/2017</a:t>
             </a:fld>
             <a:endParaRPr lang="en-US"/>
           </a:p>
@@ -876,7 +884,7 @@
           <a:p>
             <a:fld id="{1E7C2FAA-919F-4BF2-9DC6-6D7D1753D0B1}" type="datetimeFigureOut">
               <a:rPr lang="en-US" smtClean="0"/>
-              <a:t>6/14/2017</a:t>
+              <a:t>6/15/2017</a:t>
             </a:fld>
             <a:endParaRPr lang="en-US"/>
           </a:p>
@@ -1121,7 +1129,7 @@
           <a:p>
             <a:fld id="{1E7C2FAA-919F-4BF2-9DC6-6D7D1753D0B1}" type="datetimeFigureOut">
               <a:rPr lang="en-US" smtClean="0"/>
-              <a:t>6/14/2017</a:t>
+              <a:t>6/15/2017</a:t>
             </a:fld>
             <a:endParaRPr lang="en-US"/>
           </a:p>
@@ -1415,7 +1423,7 @@
           <a:p>
             <a:fld id="{1E7C2FAA-919F-4BF2-9DC6-6D7D1753D0B1}" type="datetimeFigureOut">
               <a:rPr lang="en-US" smtClean="0"/>
-              <a:t>6/14/2017</a:t>
+              <a:t>6/15/2017</a:t>
             </a:fld>
             <a:endParaRPr lang="en-US"/>
           </a:p>
@@ -1839,7 +1847,7 @@
           <a:p>
             <a:fld id="{1E7C2FAA-919F-4BF2-9DC6-6D7D1753D0B1}" type="datetimeFigureOut">
               <a:rPr lang="en-US" smtClean="0"/>
-              <a:t>6/14/2017</a:t>
+              <a:t>6/15/2017</a:t>
             </a:fld>
             <a:endParaRPr lang="en-US"/>
           </a:p>
@@ -1956,7 +1964,7 @@
           <a:p>
             <a:fld id="{1E7C2FAA-919F-4BF2-9DC6-6D7D1753D0B1}" type="datetimeFigureOut">
               <a:rPr lang="en-US" smtClean="0"/>
-              <a:t>6/14/2017</a:t>
+              <a:t>6/15/2017</a:t>
             </a:fld>
             <a:endParaRPr lang="en-US"/>
           </a:p>
@@ -2051,7 +2059,7 @@
           <a:p>
             <a:fld id="{1E7C2FAA-919F-4BF2-9DC6-6D7D1753D0B1}" type="datetimeFigureOut">
               <a:rPr lang="en-US" smtClean="0"/>
-              <a:t>6/14/2017</a:t>
+              <a:t>6/15/2017</a:t>
             </a:fld>
             <a:endParaRPr lang="en-US"/>
           </a:p>
@@ -2329,7 +2337,7 @@
           <a:p>
             <a:fld id="{1E7C2FAA-919F-4BF2-9DC6-6D7D1753D0B1}" type="datetimeFigureOut">
               <a:rPr lang="en-US" smtClean="0"/>
-              <a:t>6/14/2017</a:t>
+              <a:t>6/15/2017</a:t>
             </a:fld>
             <a:endParaRPr lang="en-US"/>
           </a:p>
@@ -2587,7 +2595,7 @@
           <a:p>
             <a:fld id="{1E7C2FAA-919F-4BF2-9DC6-6D7D1753D0B1}" type="datetimeFigureOut">
               <a:rPr lang="en-US" smtClean="0"/>
-              <a:t>6/14/2017</a:t>
+              <a:t>6/15/2017</a:t>
             </a:fld>
             <a:endParaRPr lang="en-US"/>
           </a:p>
@@ -2844,7 +2852,7 @@
           <a:p>
             <a:fld id="{1E7C2FAA-919F-4BF2-9DC6-6D7D1753D0B1}" type="datetimeFigureOut">
               <a:rPr lang="en-US" smtClean="0"/>
-              <a:t>6/14/2017</a:t>
+              <a:t>6/15/2017</a:t>
             </a:fld>
             <a:endParaRPr lang="en-US"/>
           </a:p>
@@ -3300,517 +3308,6 @@
           <a:chExt cx="0" cy="0"/>
         </a:xfrm>
       </p:grpSpPr>
-      <p:sp>
-        <p:nvSpPr>
-          <p:cNvPr id="2" name="Title 1"/>
-          <p:cNvSpPr>
-            <a:spLocks noGrp="1"/>
-          </p:cNvSpPr>
-          <p:nvPr>
-            <p:ph type="title"/>
-          </p:nvPr>
-        </p:nvSpPr>
-        <p:spPr/>
-        <p:txBody>
-          <a:bodyPr/>
-          <a:lstStyle/>
-          <a:p>
-            <a:r>
-              <a:rPr lang="en-US" dirty="0" smtClean="0"/>
-              <a:t>Add Activit</a:t>
-            </a:r>
-            <a:r>
-              <a:rPr lang="en-US" dirty="0"/>
-              <a:t>y</a:t>
-            </a:r>
-          </a:p>
-        </p:txBody>
-      </p:sp>
-      <p:pic>
-        <p:nvPicPr>
-          <p:cNvPr id="7172" name="Picture 4"/>
-          <p:cNvPicPr>
-            <a:picLocks noGrp="1" noChangeAspect="1" noChangeArrowheads="1"/>
-          </p:cNvPicPr>
-          <p:nvPr>
-            <p:ph idx="1"/>
-          </p:nvPr>
-        </p:nvPicPr>
-        <p:blipFill>
-          <a:blip r:embed="rId2">
-            <a:extLst>
-              <a:ext uri="{28A0092B-C50C-407E-A947-70E740481C1C}">
-                <a14:useLocalDpi xmlns:a14="http://schemas.microsoft.com/office/drawing/2010/main" val="0"/>
-              </a:ext>
-            </a:extLst>
-          </a:blip>
-          <a:srcRect/>
-          <a:stretch>
-            <a:fillRect/>
-          </a:stretch>
-        </p:blipFill>
-        <p:spPr bwMode="auto">
-          <a:xfrm>
-            <a:off x="2573620" y="1600200"/>
-            <a:ext cx="7044759" cy="4525963"/>
-          </a:xfrm>
-          <a:prstGeom prst="rect">
-            <a:avLst/>
-          </a:prstGeom>
-          <a:noFill/>
-          <a:ln>
-            <a:noFill/>
-          </a:ln>
-          <a:extLst>
-            <a:ext uri="{909E8E84-426E-40DD-AFC4-6F175D3DCCD1}">
-              <a14:hiddenFill xmlns:a14="http://schemas.microsoft.com/office/drawing/2010/main">
-                <a:solidFill>
-                  <a:schemeClr val="accent1"/>
-                </a:solidFill>
-              </a14:hiddenFill>
-            </a:ext>
-            <a:ext uri="{91240B29-F687-4F45-9708-019B960494DF}">
-              <a14:hiddenLine xmlns:a14="http://schemas.microsoft.com/office/drawing/2010/main" w="9525">
-                <a:solidFill>
-                  <a:schemeClr val="tx1"/>
-                </a:solidFill>
-                <a:miter lim="800000"/>
-                <a:headEnd/>
-                <a:tailEnd/>
-              </a14:hiddenLine>
-            </a:ext>
-          </a:extLst>
-        </p:spPr>
-      </p:pic>
-    </p:spTree>
-    <p:extLst>
-      <p:ext uri="{BB962C8B-B14F-4D97-AF65-F5344CB8AC3E}">
-        <p14:creationId xmlns:p14="http://schemas.microsoft.com/office/powerpoint/2010/main" val="228691394"/>
-      </p:ext>
-    </p:extLst>
-  </p:cSld>
-  <p:clrMapOvr>
-    <a:masterClrMapping/>
-  </p:clrMapOvr>
-  <p:timing>
-    <p:tnLst>
-      <p:par>
-        <p:cTn id="1" dur="indefinite" restart="never" nodeType="tmRoot"/>
-      </p:par>
-    </p:tnLst>
-  </p:timing>
-</p:sld>
-</file>
-
-<file path=ppt/slides/slide11.xml><?xml version="1.0" encoding="utf-8"?>
-<p:sld xmlns:a="http://schemas.openxmlformats.org/drawingml/2006/main" xmlns:r="http://schemas.openxmlformats.org/officeDocument/2006/relationships" xmlns:p="http://schemas.openxmlformats.org/presentationml/2006/main">
-  <p:cSld>
-    <p:spTree>
-      <p:nvGrpSpPr>
-        <p:cNvPr id="1" name=""/>
-        <p:cNvGrpSpPr/>
-        <p:nvPr/>
-      </p:nvGrpSpPr>
-      <p:grpSpPr>
-        <a:xfrm>
-          <a:off x="0" y="0"/>
-          <a:ext cx="0" cy="0"/>
-          <a:chOff x="0" y="0"/>
-          <a:chExt cx="0" cy="0"/>
-        </a:xfrm>
-      </p:grpSpPr>
-      <p:sp>
-        <p:nvSpPr>
-          <p:cNvPr id="2" name="Title 1"/>
-          <p:cNvSpPr>
-            <a:spLocks noGrp="1"/>
-          </p:cNvSpPr>
-          <p:nvPr>
-            <p:ph type="title"/>
-          </p:nvPr>
-        </p:nvSpPr>
-        <p:spPr/>
-        <p:txBody>
-          <a:bodyPr/>
-          <a:lstStyle/>
-          <a:p>
-            <a:endParaRPr lang="en-US" dirty="0"/>
-          </a:p>
-        </p:txBody>
-      </p:sp>
-      <p:pic>
-        <p:nvPicPr>
-          <p:cNvPr id="4" name="Picture 2"/>
-          <p:cNvPicPr>
-            <a:picLocks noGrp="1" noChangeAspect="1" noChangeArrowheads="1"/>
-          </p:cNvPicPr>
-          <p:nvPr>
-            <p:ph idx="1"/>
-          </p:nvPr>
-        </p:nvPicPr>
-        <p:blipFill>
-          <a:blip r:embed="rId2">
-            <a:extLst>
-              <a:ext uri="{28A0092B-C50C-407E-A947-70E740481C1C}">
-                <a14:useLocalDpi xmlns:a14="http://schemas.microsoft.com/office/drawing/2010/main" val="0"/>
-              </a:ext>
-            </a:extLst>
-          </a:blip>
-          <a:srcRect/>
-          <a:stretch>
-            <a:fillRect/>
-          </a:stretch>
-        </p:blipFill>
-        <p:spPr bwMode="auto">
-          <a:xfrm>
-            <a:off x="3152284" y="1600200"/>
-            <a:ext cx="5887431" cy="4525963"/>
-          </a:xfrm>
-          <a:prstGeom prst="rect">
-            <a:avLst/>
-          </a:prstGeom>
-          <a:noFill/>
-          <a:ln>
-            <a:noFill/>
-          </a:ln>
-          <a:extLst>
-            <a:ext uri="{909E8E84-426E-40DD-AFC4-6F175D3DCCD1}">
-              <a14:hiddenFill xmlns:a14="http://schemas.microsoft.com/office/drawing/2010/main">
-                <a:solidFill>
-                  <a:schemeClr val="accent1"/>
-                </a:solidFill>
-              </a14:hiddenFill>
-            </a:ext>
-            <a:ext uri="{91240B29-F687-4F45-9708-019B960494DF}">
-              <a14:hiddenLine xmlns:a14="http://schemas.microsoft.com/office/drawing/2010/main" w="9525">
-                <a:solidFill>
-                  <a:schemeClr val="tx1"/>
-                </a:solidFill>
-                <a:miter lim="800000"/>
-                <a:headEnd/>
-                <a:tailEnd/>
-              </a14:hiddenLine>
-            </a:ext>
-          </a:extLst>
-        </p:spPr>
-      </p:pic>
-    </p:spTree>
-    <p:extLst>
-      <p:ext uri="{BB962C8B-B14F-4D97-AF65-F5344CB8AC3E}">
-        <p14:creationId xmlns:p14="http://schemas.microsoft.com/office/powerpoint/2010/main" val="3559607325"/>
-      </p:ext>
-    </p:extLst>
-  </p:cSld>
-  <p:clrMapOvr>
-    <a:masterClrMapping/>
-  </p:clrMapOvr>
-  <p:timing>
-    <p:tnLst>
-      <p:par>
-        <p:cTn id="1" dur="indefinite" restart="never" nodeType="tmRoot"/>
-      </p:par>
-    </p:tnLst>
-  </p:timing>
-</p:sld>
-</file>
-
-<file path=ppt/slides/slide12.xml><?xml version="1.0" encoding="utf-8"?>
-<p:sld xmlns:a="http://schemas.openxmlformats.org/drawingml/2006/main" xmlns:r="http://schemas.openxmlformats.org/officeDocument/2006/relationships" xmlns:p="http://schemas.openxmlformats.org/presentationml/2006/main">
-  <p:cSld>
-    <p:spTree>
-      <p:nvGrpSpPr>
-        <p:cNvPr id="1" name=""/>
-        <p:cNvGrpSpPr/>
-        <p:nvPr/>
-      </p:nvGrpSpPr>
-      <p:grpSpPr>
-        <a:xfrm>
-          <a:off x="0" y="0"/>
-          <a:ext cx="0" cy="0"/>
-          <a:chOff x="0" y="0"/>
-          <a:chExt cx="0" cy="0"/>
-        </a:xfrm>
-      </p:grpSpPr>
-      <p:sp>
-        <p:nvSpPr>
-          <p:cNvPr id="5" name="Rectangle 4"/>
-          <p:cNvSpPr/>
-          <p:nvPr/>
-        </p:nvSpPr>
-        <p:spPr>
-          <a:xfrm>
-            <a:off x="914398" y="1630680"/>
-            <a:ext cx="1615442" cy="2811780"/>
-          </a:xfrm>
-          <a:prstGeom prst="rect">
-            <a:avLst/>
-          </a:prstGeom>
-          <a:noFill/>
-          <a:ln>
-            <a:solidFill>
-              <a:schemeClr val="accent6"/>
-            </a:solidFill>
-          </a:ln>
-        </p:spPr>
-        <p:style>
-          <a:lnRef idx="2">
-            <a:schemeClr val="accent1">
-              <a:shade val="50000"/>
-            </a:schemeClr>
-          </a:lnRef>
-          <a:fillRef idx="1">
-            <a:schemeClr val="accent1"/>
-          </a:fillRef>
-          <a:effectRef idx="0">
-            <a:schemeClr val="accent1"/>
-          </a:effectRef>
-          <a:fontRef idx="minor">
-            <a:schemeClr val="lt1"/>
-          </a:fontRef>
-        </p:style>
-        <p:txBody>
-          <a:bodyPr rtlCol="0" anchor="ctr"/>
-          <a:lstStyle/>
-          <a:p>
-            <a:pPr algn="ctr"/>
-            <a:endParaRPr lang="en-US"/>
-          </a:p>
-        </p:txBody>
-      </p:sp>
-      <p:grpSp>
-        <p:nvGrpSpPr>
-          <p:cNvPr id="7" name="Group 6"/>
-          <p:cNvGrpSpPr/>
-          <p:nvPr/>
-        </p:nvGrpSpPr>
-        <p:grpSpPr>
-          <a:xfrm>
-            <a:off x="570014" y="1526734"/>
-            <a:ext cx="6300789" cy="4558639"/>
-            <a:chOff x="723900" y="1081199"/>
-            <a:chExt cx="6448425" cy="4780460"/>
-          </a:xfrm>
-        </p:grpSpPr>
-        <p:pic>
-          <p:nvPicPr>
-            <p:cNvPr id="1028" name="Picture 4"/>
-            <p:cNvPicPr>
-              <a:picLocks noChangeAspect="1" noChangeArrowheads="1"/>
-            </p:cNvPicPr>
-            <p:nvPr/>
-          </p:nvPicPr>
-          <p:blipFill>
-            <a:blip r:embed="rId2">
-              <a:extLst>
-                <a:ext uri="{28A0092B-C50C-407E-A947-70E740481C1C}">
-                  <a14:useLocalDpi xmlns:a14="http://schemas.microsoft.com/office/drawing/2010/main" val="0"/>
-                </a:ext>
-              </a:extLst>
-            </a:blip>
-            <a:srcRect/>
-            <a:stretch>
-              <a:fillRect/>
-            </a:stretch>
-          </p:blipFill>
-          <p:spPr bwMode="auto">
-            <a:xfrm>
-              <a:off x="723900" y="1081199"/>
-              <a:ext cx="2497010" cy="4780460"/>
-            </a:xfrm>
-            <a:prstGeom prst="rect">
-              <a:avLst/>
-            </a:prstGeom>
-            <a:noFill/>
-            <a:ln>
-              <a:noFill/>
-            </a:ln>
-            <a:extLst>
-              <a:ext uri="{909E8E84-426E-40DD-AFC4-6F175D3DCCD1}">
-                <a14:hiddenFill xmlns:a14="http://schemas.microsoft.com/office/drawing/2010/main">
-                  <a:solidFill>
-                    <a:schemeClr val="accent1"/>
-                  </a:solidFill>
-                </a14:hiddenFill>
-              </a:ext>
-              <a:ext uri="{91240B29-F687-4F45-9708-019B960494DF}">
-                <a14:hiddenLine xmlns:a14="http://schemas.microsoft.com/office/drawing/2010/main" w="9525">
-                  <a:solidFill>
-                    <a:schemeClr val="tx1"/>
-                  </a:solidFill>
-                  <a:miter lim="800000"/>
-                  <a:headEnd/>
-                  <a:tailEnd/>
-                </a14:hiddenLine>
-              </a:ext>
-            </a:extLst>
-          </p:spPr>
-        </p:pic>
-        <p:pic>
-          <p:nvPicPr>
-            <p:cNvPr id="1029" name="Picture 5"/>
-            <p:cNvPicPr>
-              <a:picLocks noChangeAspect="1" noChangeArrowheads="1"/>
-            </p:cNvPicPr>
-            <p:nvPr/>
-          </p:nvPicPr>
-          <p:blipFill>
-            <a:blip r:embed="rId3" cstate="print">
-              <a:extLst>
-                <a:ext uri="{28A0092B-C50C-407E-A947-70E740481C1C}">
-                  <a14:useLocalDpi xmlns:a14="http://schemas.microsoft.com/office/drawing/2010/main" val="0"/>
-                </a:ext>
-              </a:extLst>
-            </a:blip>
-            <a:srcRect/>
-            <a:stretch>
-              <a:fillRect/>
-            </a:stretch>
-          </p:blipFill>
-          <p:spPr bwMode="auto">
-            <a:xfrm>
-              <a:off x="3990975" y="1134539"/>
-              <a:ext cx="3181350" cy="2445663"/>
-            </a:xfrm>
-            <a:prstGeom prst="rect">
-              <a:avLst/>
-            </a:prstGeom>
-            <a:noFill/>
-            <a:ln>
-              <a:noFill/>
-            </a:ln>
-            <a:extLst>
-              <a:ext uri="{909E8E84-426E-40DD-AFC4-6F175D3DCCD1}">
-                <a14:hiddenFill xmlns:a14="http://schemas.microsoft.com/office/drawing/2010/main">
-                  <a:solidFill>
-                    <a:schemeClr val="accent1"/>
-                  </a:solidFill>
-                </a14:hiddenFill>
-              </a:ext>
-              <a:ext uri="{91240B29-F687-4F45-9708-019B960494DF}">
-                <a14:hiddenLine xmlns:a14="http://schemas.microsoft.com/office/drawing/2010/main" w="9525">
-                  <a:solidFill>
-                    <a:schemeClr val="tx1"/>
-                  </a:solidFill>
-                  <a:miter lim="800000"/>
-                  <a:headEnd/>
-                  <a:tailEnd/>
-                </a14:hiddenLine>
-              </a:ext>
-            </a:extLst>
-          </p:spPr>
-        </p:pic>
-        <p:sp>
-          <p:nvSpPr>
-            <p:cNvPr id="14" name="Rectangle 13"/>
-            <p:cNvSpPr/>
-            <p:nvPr/>
-          </p:nvSpPr>
-          <p:spPr>
-            <a:xfrm>
-              <a:off x="4000500" y="1303020"/>
-              <a:ext cx="754380" cy="1463040"/>
-            </a:xfrm>
-            <a:prstGeom prst="rect">
-              <a:avLst/>
-            </a:prstGeom>
-            <a:noFill/>
-            <a:ln>
-              <a:solidFill>
-                <a:schemeClr val="accent6"/>
-              </a:solidFill>
-            </a:ln>
-          </p:spPr>
-          <p:style>
-            <a:lnRef idx="2">
-              <a:schemeClr val="accent1">
-                <a:shade val="50000"/>
-              </a:schemeClr>
-            </a:lnRef>
-            <a:fillRef idx="1">
-              <a:schemeClr val="accent1"/>
-            </a:fillRef>
-            <a:effectRef idx="0">
-              <a:schemeClr val="accent1"/>
-            </a:effectRef>
-            <a:fontRef idx="minor">
-              <a:schemeClr val="lt1"/>
-            </a:fontRef>
-          </p:style>
-          <p:txBody>
-            <a:bodyPr rtlCol="0" anchor="ctr"/>
-            <a:lstStyle/>
-            <a:p>
-              <a:pPr algn="ctr"/>
-              <a:endParaRPr lang="en-US"/>
-            </a:p>
-          </p:txBody>
-        </p:sp>
-      </p:grpSp>
-      <p:sp>
-        <p:nvSpPr>
-          <p:cNvPr id="15" name="Title 1"/>
-          <p:cNvSpPr>
-            <a:spLocks noGrp="1"/>
-          </p:cNvSpPr>
-          <p:nvPr>
-            <p:ph type="title"/>
-          </p:nvPr>
-        </p:nvSpPr>
-        <p:spPr>
-          <a:xfrm>
-            <a:off x="0" y="457200"/>
-            <a:ext cx="7112000" cy="1143000"/>
-          </a:xfrm>
-        </p:spPr>
-        <p:txBody>
-          <a:bodyPr/>
-          <a:lstStyle/>
-          <a:p>
-            <a:r>
-              <a:rPr lang="en-US" dirty="0" smtClean="0"/>
-              <a:t>Project Pane</a:t>
-            </a:r>
-            <a:endParaRPr lang="en-US" dirty="0"/>
-          </a:p>
-        </p:txBody>
-      </p:sp>
-    </p:spTree>
-    <p:extLst>
-      <p:ext uri="{BB962C8B-B14F-4D97-AF65-F5344CB8AC3E}">
-        <p14:creationId xmlns:p14="http://schemas.microsoft.com/office/powerpoint/2010/main" val="3421362991"/>
-      </p:ext>
-    </p:extLst>
-  </p:cSld>
-  <p:clrMapOvr>
-    <a:masterClrMapping/>
-  </p:clrMapOvr>
-  <p:timing>
-    <p:tnLst>
-      <p:par>
-        <p:cTn id="1" dur="indefinite" restart="never" nodeType="tmRoot"/>
-      </p:par>
-    </p:tnLst>
-  </p:timing>
-</p:sld>
-</file>
-
-<file path=ppt/slides/slide13.xml><?xml version="1.0" encoding="utf-8"?>
-<p:sld xmlns:a="http://schemas.openxmlformats.org/drawingml/2006/main" xmlns:r="http://schemas.openxmlformats.org/officeDocument/2006/relationships" xmlns:p="http://schemas.openxmlformats.org/presentationml/2006/main">
-  <p:cSld>
-    <p:spTree>
-      <p:nvGrpSpPr>
-        <p:cNvPr id="1" name=""/>
-        <p:cNvGrpSpPr/>
-        <p:nvPr/>
-      </p:nvGrpSpPr>
-      <p:grpSpPr>
-        <a:xfrm>
-          <a:off x="0" y="0"/>
-          <a:ext cx="0" cy="0"/>
-          <a:chOff x="0" y="0"/>
-          <a:chExt cx="0" cy="0"/>
-        </a:xfrm>
-      </p:grpSpPr>
       <p:grpSp>
         <p:nvGrpSpPr>
           <p:cNvPr id="2" name="Group 1"/>
@@ -4028,7 +3525,7 @@
 </p:sld>
 </file>
 
-<file path=ppt/slides/slide14.xml><?xml version="1.0" encoding="utf-8"?>
+<file path=ppt/slides/slide11.xml><?xml version="1.0" encoding="utf-8"?>
 <p:sld xmlns:a="http://schemas.openxmlformats.org/drawingml/2006/main" xmlns:r="http://schemas.openxmlformats.org/officeDocument/2006/relationships" xmlns:p="http://schemas.openxmlformats.org/presentationml/2006/main">
   <p:cSld>
     <p:spTree>
@@ -4262,7 +3759,7 @@
 </p:sld>
 </file>
 
-<file path=ppt/slides/slide15.xml><?xml version="1.0" encoding="utf-8"?>
+<file path=ppt/slides/slide12.xml><?xml version="1.0" encoding="utf-8"?>
 <p:sld xmlns:a="http://schemas.openxmlformats.org/drawingml/2006/main" xmlns:r="http://schemas.openxmlformats.org/officeDocument/2006/relationships" xmlns:p="http://schemas.openxmlformats.org/presentationml/2006/main">
   <p:cSld>
     <p:spTree>
@@ -4331,7 +3828,7 @@
 </p:sld>
 </file>
 
-<file path=ppt/slides/slide16.xml><?xml version="1.0" encoding="utf-8"?>
+<file path=ppt/slides/slide13.xml><?xml version="1.0" encoding="utf-8"?>
 <p:sld xmlns:a="http://schemas.openxmlformats.org/drawingml/2006/main" xmlns:r="http://schemas.openxmlformats.org/officeDocument/2006/relationships" xmlns:p="http://schemas.openxmlformats.org/presentationml/2006/main">
   <p:cSld>
     <p:spTree>
@@ -4681,7 +4178,7 @@
 </p:sld>
 </file>
 
-<file path=ppt/slides/slide17.xml><?xml version="1.0" encoding="utf-8"?>
+<file path=ppt/slides/slide14.xml><?xml version="1.0" encoding="utf-8"?>
 <p:sld xmlns:a="http://schemas.openxmlformats.org/drawingml/2006/main" xmlns:r="http://schemas.openxmlformats.org/officeDocument/2006/relationships" xmlns:p="http://schemas.openxmlformats.org/presentationml/2006/main">
   <p:cSld>
     <p:spTree>
@@ -5046,7 +4543,7 @@
 </p:sld>
 </file>
 
-<file path=ppt/slides/slide18.xml><?xml version="1.0" encoding="utf-8"?>
+<file path=ppt/slides/slide15.xml><?xml version="1.0" encoding="utf-8"?>
 <p:sld xmlns:a="http://schemas.openxmlformats.org/drawingml/2006/main" xmlns:r="http://schemas.openxmlformats.org/officeDocument/2006/relationships" xmlns:p="http://schemas.openxmlformats.org/presentationml/2006/main">
   <p:cSld>
     <p:spTree>
@@ -5195,36 +4692,572 @@
           </a:p>
         </p:txBody>
       </p:sp>
-      <p:pic>
-        <p:nvPicPr>
-          <p:cNvPr id="7" name="Content Placeholder 3"/>
-          <p:cNvPicPr>
-            <a:picLocks noChangeAspect="1"/>
-          </p:cNvPicPr>
-          <p:nvPr/>
-        </p:nvPicPr>
-        <p:blipFill>
-          <a:blip r:embed="rId4">
-            <a:extLst>
-              <a:ext uri="{28A0092B-C50C-407E-A947-70E740481C1C}">
-                <a14:useLocalDpi xmlns:a14="http://schemas.microsoft.com/office/drawing/2010/main" val="0"/>
-              </a:ext>
-            </a:extLst>
-          </a:blip>
-          <a:stretch>
-            <a:fillRect/>
-          </a:stretch>
-        </p:blipFill>
-        <p:spPr>
-          <a:xfrm>
-            <a:off x="6578930" y="1614903"/>
-            <a:ext cx="4842752" cy="2848209"/>
-          </a:xfrm>
-          <a:prstGeom prst="rect">
-            <a:avLst/>
-          </a:prstGeom>
-        </p:spPr>
-      </p:pic>
+      <p:graphicFrame>
+        <p:nvGraphicFramePr>
+          <p:cNvPr id="3" name="Table 2"/>
+          <p:cNvGraphicFramePr>
+            <a:graphicFrameLocks noGrp="1"/>
+          </p:cNvGraphicFramePr>
+          <p:nvPr>
+            <p:extLst>
+              <p:ext uri="{D42A27DB-BD31-4B8C-83A1-F6EECF244321}">
+                <p14:modId xmlns:p14="http://schemas.microsoft.com/office/powerpoint/2010/main" val="316647231"/>
+              </p:ext>
+            </p:extLst>
+          </p:nvPr>
+        </p:nvGraphicFramePr>
+        <p:xfrm>
+          <a:off x="6633028" y="1698152"/>
+          <a:ext cx="5371604" cy="2685164"/>
+        </p:xfrm>
+        <a:graphic>
+          <a:graphicData uri="http://schemas.openxmlformats.org/drawingml/2006/table">
+            <a:tbl>
+              <a:tblPr firstRow="1" bandRow="1">
+                <a:tableStyleId>{5C22544A-7EE6-4342-B048-85BDC9FD1C3A}</a:tableStyleId>
+              </a:tblPr>
+              <a:tblGrid>
+                <a:gridCol w="1342901"/>
+                <a:gridCol w="1342901"/>
+                <a:gridCol w="1342901"/>
+                <a:gridCol w="1342901"/>
+              </a:tblGrid>
+              <a:tr h="592828">
+                <a:tc>
+                  <a:txBody>
+                    <a:bodyPr/>
+                    <a:lstStyle/>
+                    <a:p>
+                      <a:pPr algn="ctr"/>
+                      <a:r>
+                        <a:rPr lang="en-US" sz="1400" dirty="0" smtClean="0"/>
+                        <a:t>State</a:t>
+                      </a:r>
+                      <a:endParaRPr lang="en-US" sz="1400" dirty="0"/>
+                    </a:p>
+                  </a:txBody>
+                  <a:tcPr anchor="ctr"/>
+                </a:tc>
+                <a:tc>
+                  <a:txBody>
+                    <a:bodyPr/>
+                    <a:lstStyle/>
+                    <a:p>
+                      <a:pPr algn="ctr"/>
+                      <a:r>
+                        <a:rPr lang="en-US" sz="1400" dirty="0" smtClean="0"/>
+                        <a:t>In memory</a:t>
+                      </a:r>
+                      <a:endParaRPr lang="en-US" sz="1400" dirty="0"/>
+                    </a:p>
+                  </a:txBody>
+                  <a:tcPr anchor="ctr"/>
+                </a:tc>
+                <a:tc>
+                  <a:txBody>
+                    <a:bodyPr/>
+                    <a:lstStyle/>
+                    <a:p>
+                      <a:pPr algn="ctr"/>
+                      <a:r>
+                        <a:rPr lang="en-US" sz="1400" dirty="0" smtClean="0"/>
+                        <a:t>Visible to user?</a:t>
+                      </a:r>
+                      <a:endParaRPr lang="en-US" sz="1400" dirty="0"/>
+                    </a:p>
+                  </a:txBody>
+                  <a:tcPr anchor="ctr"/>
+                </a:tc>
+                <a:tc>
+                  <a:txBody>
+                    <a:bodyPr/>
+                    <a:lstStyle/>
+                    <a:p>
+                      <a:pPr algn="ctr"/>
+                      <a:r>
+                        <a:rPr lang="en-US" sz="1400" dirty="0" smtClean="0"/>
+                        <a:t>In foreground?</a:t>
+                      </a:r>
+                      <a:endParaRPr lang="en-US" sz="1400" dirty="0"/>
+                    </a:p>
+                  </a:txBody>
+                  <a:tcPr anchor="ctr"/>
+                </a:tc>
+              </a:tr>
+              <a:tr h="523084">
+                <a:tc>
+                  <a:txBody>
+                    <a:bodyPr/>
+                    <a:lstStyle/>
+                    <a:p>
+                      <a:pPr algn="ctr"/>
+                      <a:r>
+                        <a:rPr lang="en-US" sz="1600" dirty="0" smtClean="0">
+                          <a:solidFill>
+                            <a:schemeClr val="bg1"/>
+                          </a:solidFill>
+                        </a:rPr>
+                        <a:t>Non-Existent</a:t>
+                      </a:r>
+                      <a:endParaRPr lang="en-US" sz="1600" dirty="0">
+                        <a:solidFill>
+                          <a:schemeClr val="bg1"/>
+                        </a:solidFill>
+                      </a:endParaRPr>
+                    </a:p>
+                  </a:txBody>
+                  <a:tcPr anchor="ctr">
+                    <a:solidFill>
+                      <a:schemeClr val="accent1">
+                        <a:lumMod val="60000"/>
+                        <a:lumOff val="40000"/>
+                      </a:schemeClr>
+                    </a:solidFill>
+                  </a:tcPr>
+                </a:tc>
+                <a:tc>
+                  <a:txBody>
+                    <a:bodyPr/>
+                    <a:lstStyle/>
+                    <a:p>
+                      <a:pPr algn="ctr"/>
+                      <a:r>
+                        <a:rPr lang="en-US" sz="1800" dirty="0" smtClean="0">
+                          <a:solidFill>
+                            <a:schemeClr val="bg1"/>
+                          </a:solidFill>
+                        </a:rPr>
+                        <a:t>No</a:t>
+                      </a:r>
+                      <a:endParaRPr lang="en-US" sz="1800" dirty="0">
+                        <a:solidFill>
+                          <a:schemeClr val="bg1"/>
+                        </a:solidFill>
+                      </a:endParaRPr>
+                    </a:p>
+                  </a:txBody>
+                  <a:tcPr anchor="ctr">
+                    <a:solidFill>
+                      <a:schemeClr val="accent1">
+                        <a:lumMod val="75000"/>
+                      </a:schemeClr>
+                    </a:solidFill>
+                  </a:tcPr>
+                </a:tc>
+                <a:tc>
+                  <a:txBody>
+                    <a:bodyPr/>
+                    <a:lstStyle/>
+                    <a:p>
+                      <a:pPr algn="ctr"/>
+                      <a:r>
+                        <a:rPr lang="en-US" sz="1800" dirty="0" smtClean="0">
+                          <a:solidFill>
+                            <a:schemeClr val="bg1"/>
+                          </a:solidFill>
+                        </a:rPr>
+                        <a:t>No</a:t>
+                      </a:r>
+                      <a:endParaRPr lang="en-US" sz="1800" dirty="0">
+                        <a:solidFill>
+                          <a:schemeClr val="bg1"/>
+                        </a:solidFill>
+                      </a:endParaRPr>
+                    </a:p>
+                  </a:txBody>
+                  <a:tcPr anchor="ctr">
+                    <a:solidFill>
+                      <a:schemeClr val="accent1">
+                        <a:lumMod val="75000"/>
+                      </a:schemeClr>
+                    </a:solidFill>
+                  </a:tcPr>
+                </a:tc>
+                <a:tc>
+                  <a:txBody>
+                    <a:bodyPr/>
+                    <a:lstStyle/>
+                    <a:p>
+                      <a:pPr algn="ctr"/>
+                      <a:r>
+                        <a:rPr lang="en-US" sz="1800" dirty="0" smtClean="0">
+                          <a:solidFill>
+                            <a:schemeClr val="bg1"/>
+                          </a:solidFill>
+                        </a:rPr>
+                        <a:t>No</a:t>
+                      </a:r>
+                      <a:endParaRPr lang="en-US" sz="1800" dirty="0">
+                        <a:solidFill>
+                          <a:schemeClr val="bg1"/>
+                        </a:solidFill>
+                      </a:endParaRPr>
+                    </a:p>
+                  </a:txBody>
+                  <a:tcPr anchor="ctr">
+                    <a:solidFill>
+                      <a:schemeClr val="accent1">
+                        <a:lumMod val="75000"/>
+                      </a:schemeClr>
+                    </a:solidFill>
+                  </a:tcPr>
+                </a:tc>
+              </a:tr>
+              <a:tr h="523084">
+                <a:tc>
+                  <a:txBody>
+                    <a:bodyPr/>
+                    <a:lstStyle/>
+                    <a:p>
+                      <a:pPr algn="ctr"/>
+                      <a:r>
+                        <a:rPr lang="en-US" sz="1600" dirty="0" smtClean="0">
+                          <a:solidFill>
+                            <a:schemeClr val="bg1"/>
+                          </a:solidFill>
+                        </a:rPr>
+                        <a:t>Stopped</a:t>
+                      </a:r>
+                      <a:endParaRPr lang="en-US" sz="1600" dirty="0">
+                        <a:solidFill>
+                          <a:schemeClr val="bg1"/>
+                        </a:solidFill>
+                      </a:endParaRPr>
+                    </a:p>
+                  </a:txBody>
+                  <a:tcPr anchor="ctr">
+                    <a:solidFill>
+                      <a:schemeClr val="accent1">
+                        <a:lumMod val="60000"/>
+                        <a:lumOff val="40000"/>
+                      </a:schemeClr>
+                    </a:solidFill>
+                  </a:tcPr>
+                </a:tc>
+                <a:tc>
+                  <a:txBody>
+                    <a:bodyPr/>
+                    <a:lstStyle/>
+                    <a:p>
+                      <a:pPr algn="ctr"/>
+                      <a:r>
+                        <a:rPr lang="en-US" sz="1800" dirty="0" smtClean="0">
+                          <a:solidFill>
+                            <a:schemeClr val="bg1"/>
+                          </a:solidFill>
+                        </a:rPr>
+                        <a:t>Yes</a:t>
+                      </a:r>
+                      <a:endParaRPr lang="en-US" sz="1800" dirty="0">
+                        <a:solidFill>
+                          <a:schemeClr val="bg1"/>
+                        </a:solidFill>
+                      </a:endParaRPr>
+                    </a:p>
+                  </a:txBody>
+                  <a:tcPr anchor="ctr">
+                    <a:solidFill>
+                      <a:schemeClr val="accent4">
+                        <a:lumMod val="75000"/>
+                      </a:schemeClr>
+                    </a:solidFill>
+                  </a:tcPr>
+                </a:tc>
+                <a:tc>
+                  <a:txBody>
+                    <a:bodyPr/>
+                    <a:lstStyle/>
+                    <a:p>
+                      <a:pPr algn="ctr"/>
+                      <a:r>
+                        <a:rPr lang="en-US" sz="1800" dirty="0" smtClean="0">
+                          <a:solidFill>
+                            <a:schemeClr val="bg1"/>
+                          </a:solidFill>
+                        </a:rPr>
+                        <a:t>No</a:t>
+                      </a:r>
+                      <a:endParaRPr lang="en-US" sz="1800" dirty="0">
+                        <a:solidFill>
+                          <a:schemeClr val="bg1"/>
+                        </a:solidFill>
+                      </a:endParaRPr>
+                    </a:p>
+                  </a:txBody>
+                  <a:tcPr anchor="ctr">
+                    <a:solidFill>
+                      <a:schemeClr val="accent4">
+                        <a:lumMod val="75000"/>
+                      </a:schemeClr>
+                    </a:solidFill>
+                  </a:tcPr>
+                </a:tc>
+                <a:tc>
+                  <a:txBody>
+                    <a:bodyPr/>
+                    <a:lstStyle/>
+                    <a:p>
+                      <a:pPr algn="ctr"/>
+                      <a:r>
+                        <a:rPr lang="en-US" sz="1800" dirty="0" smtClean="0">
+                          <a:solidFill>
+                            <a:schemeClr val="bg1"/>
+                          </a:solidFill>
+                        </a:rPr>
+                        <a:t>No</a:t>
+                      </a:r>
+                      <a:endParaRPr lang="en-US" sz="1800" dirty="0">
+                        <a:solidFill>
+                          <a:schemeClr val="bg1"/>
+                        </a:solidFill>
+                      </a:endParaRPr>
+                    </a:p>
+                  </a:txBody>
+                  <a:tcPr anchor="ctr">
+                    <a:solidFill>
+                      <a:schemeClr val="accent4">
+                        <a:lumMod val="75000"/>
+                      </a:schemeClr>
+                    </a:solidFill>
+                  </a:tcPr>
+                </a:tc>
+              </a:tr>
+              <a:tr h="523084">
+                <a:tc>
+                  <a:txBody>
+                    <a:bodyPr/>
+                    <a:lstStyle/>
+                    <a:p>
+                      <a:pPr algn="ctr"/>
+                      <a:r>
+                        <a:rPr lang="en-US" sz="1600" dirty="0" smtClean="0">
+                          <a:solidFill>
+                            <a:schemeClr val="bg1"/>
+                          </a:solidFill>
+                        </a:rPr>
+                        <a:t>Paused</a:t>
+                      </a:r>
+                      <a:endParaRPr lang="en-US" sz="1600" dirty="0">
+                        <a:solidFill>
+                          <a:schemeClr val="bg1"/>
+                        </a:solidFill>
+                      </a:endParaRPr>
+                    </a:p>
+                  </a:txBody>
+                  <a:tcPr anchor="ctr">
+                    <a:solidFill>
+                      <a:schemeClr val="accent1">
+                        <a:lumMod val="60000"/>
+                        <a:lumOff val="40000"/>
+                      </a:schemeClr>
+                    </a:solidFill>
+                  </a:tcPr>
+                </a:tc>
+                <a:tc>
+                  <a:txBody>
+                    <a:bodyPr/>
+                    <a:lstStyle/>
+                    <a:p>
+                      <a:pPr algn="ctr"/>
+                      <a:r>
+                        <a:rPr lang="en-US" sz="1800" dirty="0" smtClean="0">
+                          <a:solidFill>
+                            <a:schemeClr val="bg1"/>
+                          </a:solidFill>
+                        </a:rPr>
+                        <a:t>Yes</a:t>
+                      </a:r>
+                      <a:endParaRPr lang="en-US" sz="1800" dirty="0">
+                        <a:solidFill>
+                          <a:schemeClr val="bg1"/>
+                        </a:solidFill>
+                      </a:endParaRPr>
+                    </a:p>
+                  </a:txBody>
+                  <a:tcPr anchor="ctr">
+                    <a:solidFill>
+                      <a:schemeClr val="tx2"/>
+                    </a:solidFill>
+                  </a:tcPr>
+                </a:tc>
+                <a:tc>
+                  <a:txBody>
+                    <a:bodyPr/>
+                    <a:lstStyle/>
+                    <a:p>
+                      <a:pPr algn="ctr"/>
+                      <a:r>
+                        <a:rPr lang="en-US" sz="1800" dirty="0" smtClean="0">
+                          <a:solidFill>
+                            <a:schemeClr val="bg1"/>
+                          </a:solidFill>
+                        </a:rPr>
+                        <a:t>Yes/partially</a:t>
+                      </a:r>
+                      <a:endParaRPr lang="en-US" sz="1800" dirty="0">
+                        <a:solidFill>
+                          <a:schemeClr val="bg1"/>
+                        </a:solidFill>
+                      </a:endParaRPr>
+                    </a:p>
+                  </a:txBody>
+                  <a:tcPr anchor="ctr">
+                    <a:solidFill>
+                      <a:schemeClr val="tx2"/>
+                    </a:solidFill>
+                  </a:tcPr>
+                </a:tc>
+                <a:tc>
+                  <a:txBody>
+                    <a:bodyPr/>
+                    <a:lstStyle/>
+                    <a:p>
+                      <a:pPr algn="ctr"/>
+                      <a:r>
+                        <a:rPr lang="en-US" sz="1800" dirty="0" smtClean="0">
+                          <a:solidFill>
+                            <a:schemeClr val="bg1"/>
+                          </a:solidFill>
+                        </a:rPr>
+                        <a:t>No</a:t>
+                      </a:r>
+                      <a:endParaRPr lang="en-US" sz="1800" dirty="0">
+                        <a:solidFill>
+                          <a:schemeClr val="bg1"/>
+                        </a:solidFill>
+                      </a:endParaRPr>
+                    </a:p>
+                  </a:txBody>
+                  <a:tcPr anchor="ctr">
+                    <a:solidFill>
+                      <a:schemeClr val="tx2"/>
+                    </a:solidFill>
+                  </a:tcPr>
+                </a:tc>
+              </a:tr>
+              <a:tr h="523084">
+                <a:tc>
+                  <a:txBody>
+                    <a:bodyPr/>
+                    <a:lstStyle/>
+                    <a:p>
+                      <a:pPr algn="ctr"/>
+                      <a:r>
+                        <a:rPr lang="en-US" sz="1600" dirty="0" smtClean="0">
+                          <a:solidFill>
+                            <a:schemeClr val="bg1"/>
+                          </a:solidFill>
+                        </a:rPr>
+                        <a:t>Running </a:t>
+                      </a:r>
+                      <a:endParaRPr lang="en-US" sz="1600" dirty="0">
+                        <a:solidFill>
+                          <a:schemeClr val="bg1"/>
+                        </a:solidFill>
+                      </a:endParaRPr>
+                    </a:p>
+                  </a:txBody>
+                  <a:tcPr anchor="ctr">
+                    <a:solidFill>
+                      <a:schemeClr val="accent1">
+                        <a:lumMod val="60000"/>
+                        <a:lumOff val="40000"/>
+                      </a:schemeClr>
+                    </a:solidFill>
+                  </a:tcPr>
+                </a:tc>
+                <a:tc>
+                  <a:txBody>
+                    <a:bodyPr/>
+                    <a:lstStyle/>
+                    <a:p>
+                      <a:pPr algn="ctr"/>
+                      <a:r>
+                        <a:rPr lang="en-US" sz="1800" dirty="0" smtClean="0">
+                          <a:solidFill>
+                            <a:schemeClr val="bg1"/>
+                          </a:solidFill>
+                        </a:rPr>
+                        <a:t>Yes</a:t>
+                      </a:r>
+                      <a:endParaRPr lang="en-US" sz="1800" dirty="0">
+                        <a:solidFill>
+                          <a:schemeClr val="bg1"/>
+                        </a:solidFill>
+                      </a:endParaRPr>
+                    </a:p>
+                  </a:txBody>
+                  <a:tcPr anchor="ctr">
+                    <a:solidFill>
+                      <a:schemeClr val="accent3">
+                        <a:lumMod val="75000"/>
+                      </a:schemeClr>
+                    </a:solidFill>
+                  </a:tcPr>
+                </a:tc>
+                <a:tc>
+                  <a:txBody>
+                    <a:bodyPr/>
+                    <a:lstStyle/>
+                    <a:p>
+                      <a:pPr algn="ctr"/>
+                      <a:r>
+                        <a:rPr lang="en-US" sz="1800" dirty="0" smtClean="0">
+                          <a:solidFill>
+                            <a:schemeClr val="bg1"/>
+                          </a:solidFill>
+                        </a:rPr>
+                        <a:t>Yes</a:t>
+                      </a:r>
+                      <a:endParaRPr lang="en-US" sz="1800" dirty="0">
+                        <a:solidFill>
+                          <a:schemeClr val="bg1"/>
+                        </a:solidFill>
+                      </a:endParaRPr>
+                    </a:p>
+                  </a:txBody>
+                  <a:tcPr anchor="ctr">
+                    <a:solidFill>
+                      <a:schemeClr val="accent3">
+                        <a:lumMod val="75000"/>
+                      </a:schemeClr>
+                    </a:solidFill>
+                  </a:tcPr>
+                </a:tc>
+                <a:tc>
+                  <a:txBody>
+                    <a:bodyPr/>
+                    <a:lstStyle/>
+                    <a:p>
+                      <a:pPr algn="ctr"/>
+                      <a:r>
+                        <a:rPr lang="en-US" sz="1800" dirty="0" smtClean="0">
+                          <a:solidFill>
+                            <a:schemeClr val="bg1"/>
+                          </a:solidFill>
+                        </a:rPr>
+                        <a:t>Yes</a:t>
+                      </a:r>
+                      <a:endParaRPr lang="en-US" sz="1800" dirty="0">
+                        <a:solidFill>
+                          <a:schemeClr val="bg1"/>
+                        </a:solidFill>
+                      </a:endParaRPr>
+                    </a:p>
+                  </a:txBody>
+                  <a:tcPr anchor="ctr">
+                    <a:solidFill>
+                      <a:schemeClr val="accent3">
+                        <a:lumMod val="75000"/>
+                      </a:schemeClr>
+                    </a:solidFill>
+                  </a:tcPr>
+                </a:tc>
+              </a:tr>
+            </a:tbl>
+          </a:graphicData>
+        </a:graphic>
+      </p:graphicFrame>
     </p:spTree>
     <p:extLst>
       <p:ext uri="{BB962C8B-B14F-4D97-AF65-F5344CB8AC3E}">
@@ -5245,7 +5278,7 @@
 </p:sld>
 </file>
 
-<file path=ppt/slides/slide19.xml><?xml version="1.0" encoding="utf-8"?>
+<file path=ppt/slides/slide16.xml><?xml version="1.0" encoding="utf-8"?>
 <p:sld xmlns:a="http://schemas.openxmlformats.org/drawingml/2006/main" xmlns:r="http://schemas.openxmlformats.org/officeDocument/2006/relationships" xmlns:p="http://schemas.openxmlformats.org/presentationml/2006/main">
   <p:cSld>
     <p:spTree>
@@ -5393,9 +5426,9 @@
         <p:grpSpPr>
           <a:xfrm>
             <a:off x="3806044" y="4801583"/>
-            <a:ext cx="4714503" cy="1009404"/>
+            <a:ext cx="4544784" cy="1009404"/>
             <a:chOff x="605642" y="4617521"/>
-            <a:chExt cx="4714503" cy="1009404"/>
+            <a:chExt cx="4544784" cy="1009404"/>
           </a:xfrm>
         </p:grpSpPr>
         <p:sp>
@@ -5448,7 +5481,7 @@
           </p:nvSpPr>
           <p:spPr>
             <a:xfrm>
-              <a:off x="3655620" y="4617521"/>
+              <a:off x="3485901" y="4617521"/>
               <a:ext cx="1664525" cy="1009403"/>
             </a:xfrm>
             <a:prstGeom prst="ellipse">
@@ -5904,7 +5937,7 @@
         </p:nvSpPr>
         <p:spPr>
           <a:xfrm rot="16200000">
-            <a:off x="7523512" y="4384361"/>
+            <a:off x="7378372" y="4384361"/>
             <a:ext cx="310743" cy="320634"/>
           </a:xfrm>
           <a:prstGeom prst="rightArrow">
@@ -5944,7 +5977,7 @@
         </p:nvSpPr>
         <p:spPr>
           <a:xfrm rot="16200000">
-            <a:off x="7523512" y="2920347"/>
+            <a:off x="7378372" y="2920347"/>
             <a:ext cx="310743" cy="320634"/>
           </a:xfrm>
           <a:prstGeom prst="rightArrow">
@@ -5980,6 +6013,340 @@
     <p:extLst>
       <p:ext uri="{BB962C8B-B14F-4D97-AF65-F5344CB8AC3E}">
         <p14:creationId xmlns:p14="http://schemas.microsoft.com/office/powerpoint/2010/main" val="1706998333"/>
+      </p:ext>
+    </p:extLst>
+  </p:cSld>
+  <p:clrMapOvr>
+    <a:masterClrMapping/>
+  </p:clrMapOvr>
+  <p:timing>
+    <p:tnLst>
+      <p:par>
+        <p:cTn id="1" dur="indefinite" restart="never" nodeType="tmRoot"/>
+      </p:par>
+    </p:tnLst>
+  </p:timing>
+</p:sld>
+</file>
+
+<file path=ppt/slides/slide17.xml><?xml version="1.0" encoding="utf-8"?>
+<p:sld xmlns:a="http://schemas.openxmlformats.org/drawingml/2006/main" xmlns:r="http://schemas.openxmlformats.org/officeDocument/2006/relationships" xmlns:p="http://schemas.openxmlformats.org/presentationml/2006/main">
+  <p:cSld>
+    <p:spTree>
+      <p:nvGrpSpPr>
+        <p:cNvPr id="1" name=""/>
+        <p:cNvGrpSpPr/>
+        <p:nvPr/>
+      </p:nvGrpSpPr>
+      <p:grpSpPr>
+        <a:xfrm>
+          <a:off x="0" y="0"/>
+          <a:ext cx="0" cy="0"/>
+          <a:chOff x="0" y="0"/>
+          <a:chExt cx="0" cy="0"/>
+        </a:xfrm>
+      </p:grpSpPr>
+      <p:sp>
+        <p:nvSpPr>
+          <p:cNvPr id="2" name="Title 1"/>
+          <p:cNvSpPr>
+            <a:spLocks noGrp="1"/>
+          </p:cNvSpPr>
+          <p:nvPr>
+            <p:ph type="title"/>
+          </p:nvPr>
+        </p:nvSpPr>
+        <p:spPr/>
+        <p:txBody>
+          <a:bodyPr/>
+          <a:lstStyle/>
+          <a:p>
+            <a:r>
+              <a:rPr lang="en-US" dirty="0"/>
+              <a:t>Exploring </a:t>
+            </a:r>
+            <a:r>
+              <a:rPr lang="en-US" dirty="0" err="1"/>
+              <a:t>build.gradle</a:t>
+            </a:r>
+            <a:r>
+              <a:rPr lang="en-US" dirty="0"/>
+              <a:t> file</a:t>
+            </a:r>
+          </a:p>
+        </p:txBody>
+      </p:sp>
+      <p:sp>
+        <p:nvSpPr>
+          <p:cNvPr id="3" name="Content Placeholder 2"/>
+          <p:cNvSpPr>
+            <a:spLocks noGrp="1"/>
+          </p:cNvSpPr>
+          <p:nvPr>
+            <p:ph idx="1"/>
+          </p:nvPr>
+        </p:nvSpPr>
+        <p:spPr/>
+        <p:txBody>
+          <a:bodyPr/>
+          <a:lstStyle/>
+          <a:p>
+            <a:r>
+              <a:rPr lang="en-US" dirty="0" smtClean="0"/>
+              <a:t>Set </a:t>
+            </a:r>
+            <a:r>
+              <a:rPr lang="en-US" dirty="0"/>
+              <a:t>target SDK version</a:t>
+            </a:r>
+          </a:p>
+          <a:p>
+            <a:r>
+              <a:rPr lang="en-US" dirty="0" smtClean="0"/>
+              <a:t>Set minimum SDK version</a:t>
+            </a:r>
+          </a:p>
+          <a:p>
+            <a:r>
+              <a:rPr lang="en-US" dirty="0" smtClean="0"/>
+              <a:t>Define dependencies</a:t>
+            </a:r>
+            <a:endParaRPr lang="en-US" dirty="0"/>
+          </a:p>
+        </p:txBody>
+      </p:sp>
+    </p:spTree>
+    <p:extLst>
+      <p:ext uri="{BB962C8B-B14F-4D97-AF65-F5344CB8AC3E}">
+        <p14:creationId xmlns:p14="http://schemas.microsoft.com/office/powerpoint/2010/main" val="3375858439"/>
+      </p:ext>
+    </p:extLst>
+  </p:cSld>
+  <p:clrMapOvr>
+    <a:masterClrMapping/>
+  </p:clrMapOvr>
+  <p:timing>
+    <p:tnLst>
+      <p:par>
+        <p:cTn id="1" dur="indefinite" restart="never" nodeType="tmRoot"/>
+      </p:par>
+    </p:tnLst>
+  </p:timing>
+</p:sld>
+</file>
+
+<file path=ppt/slides/slide18.xml><?xml version="1.0" encoding="utf-8"?>
+<p:sld xmlns:a="http://schemas.openxmlformats.org/drawingml/2006/main" xmlns:r="http://schemas.openxmlformats.org/officeDocument/2006/relationships" xmlns:p="http://schemas.openxmlformats.org/presentationml/2006/main">
+  <p:cSld>
+    <p:spTree>
+      <p:nvGrpSpPr>
+        <p:cNvPr id="1" name=""/>
+        <p:cNvGrpSpPr/>
+        <p:nvPr/>
+      </p:nvGrpSpPr>
+      <p:grpSpPr>
+        <a:xfrm>
+          <a:off x="0" y="0"/>
+          <a:ext cx="0" cy="0"/>
+          <a:chOff x="0" y="0"/>
+          <a:chExt cx="0" cy="0"/>
+        </a:xfrm>
+      </p:grpSpPr>
+      <p:sp>
+        <p:nvSpPr>
+          <p:cNvPr id="2" name="Title 1"/>
+          <p:cNvSpPr>
+            <a:spLocks noGrp="1"/>
+          </p:cNvSpPr>
+          <p:nvPr>
+            <p:ph type="title"/>
+          </p:nvPr>
+        </p:nvSpPr>
+        <p:spPr/>
+        <p:txBody>
+          <a:bodyPr/>
+          <a:lstStyle/>
+          <a:p>
+            <a:r>
+              <a:rPr lang="en-US" dirty="0" smtClean="0"/>
+              <a:t>Creating </a:t>
+            </a:r>
+            <a:r>
+              <a:rPr lang="en-US" dirty="0" err="1" smtClean="0"/>
+              <a:t>MainActivity</a:t>
+            </a:r>
+            <a:r>
+              <a:rPr lang="en-US" dirty="0" smtClean="0"/>
+              <a:t> </a:t>
+            </a:r>
+            <a:endParaRPr lang="en-US" dirty="0"/>
+          </a:p>
+        </p:txBody>
+      </p:sp>
+      <p:sp>
+        <p:nvSpPr>
+          <p:cNvPr id="3" name="Content Placeholder 2"/>
+          <p:cNvSpPr>
+            <a:spLocks noGrp="1"/>
+          </p:cNvSpPr>
+          <p:nvPr>
+            <p:ph idx="1"/>
+          </p:nvPr>
+        </p:nvSpPr>
+        <p:spPr/>
+        <p:txBody>
+          <a:bodyPr/>
+          <a:lstStyle/>
+          <a:p>
+            <a:r>
+              <a:rPr lang="en-US" dirty="0" smtClean="0"/>
+              <a:t>Best Practices</a:t>
+            </a:r>
+          </a:p>
+          <a:p>
+            <a:pPr lvl="1"/>
+            <a:r>
+              <a:rPr lang="en-US" dirty="0" smtClean="0"/>
+              <a:t>Keep lifecycle methods in order</a:t>
+            </a:r>
+          </a:p>
+          <a:p>
+            <a:pPr lvl="1"/>
+            <a:r>
+              <a:rPr lang="en-US" dirty="0" smtClean="0"/>
+              <a:t>Place other methods (helpers) below the lifecycle methods</a:t>
+            </a:r>
+            <a:endParaRPr lang="en-US" dirty="0"/>
+          </a:p>
+        </p:txBody>
+      </p:sp>
+    </p:spTree>
+    <p:extLst>
+      <p:ext uri="{BB962C8B-B14F-4D97-AF65-F5344CB8AC3E}">
+        <p14:creationId xmlns:p14="http://schemas.microsoft.com/office/powerpoint/2010/main" val="2374969006"/>
+      </p:ext>
+    </p:extLst>
+  </p:cSld>
+  <p:clrMapOvr>
+    <a:masterClrMapping/>
+  </p:clrMapOvr>
+  <p:timing>
+    <p:tnLst>
+      <p:par>
+        <p:cTn id="1" dur="indefinite" restart="never" nodeType="tmRoot"/>
+      </p:par>
+    </p:tnLst>
+  </p:timing>
+</p:sld>
+</file>
+
+<file path=ppt/slides/slide19.xml><?xml version="1.0" encoding="utf-8"?>
+<p:sld xmlns:a="http://schemas.openxmlformats.org/drawingml/2006/main" xmlns:r="http://schemas.openxmlformats.org/officeDocument/2006/relationships" xmlns:p="http://schemas.openxmlformats.org/presentationml/2006/main">
+  <p:cSld>
+    <p:spTree>
+      <p:nvGrpSpPr>
+        <p:cNvPr id="1" name=""/>
+        <p:cNvGrpSpPr/>
+        <p:nvPr/>
+      </p:nvGrpSpPr>
+      <p:grpSpPr>
+        <a:xfrm>
+          <a:off x="0" y="0"/>
+          <a:ext cx="0" cy="0"/>
+          <a:chOff x="0" y="0"/>
+          <a:chExt cx="0" cy="0"/>
+        </a:xfrm>
+      </p:grpSpPr>
+      <p:sp>
+        <p:nvSpPr>
+          <p:cNvPr id="3" name="Content Placeholder 2"/>
+          <p:cNvSpPr>
+            <a:spLocks noGrp="1"/>
+          </p:cNvSpPr>
+          <p:nvPr>
+            <p:ph idx="1"/>
+          </p:nvPr>
+        </p:nvSpPr>
+        <p:spPr/>
+        <p:txBody>
+          <a:bodyPr/>
+          <a:lstStyle/>
+          <a:p>
+            <a:r>
+              <a:rPr lang="en-US" dirty="0" smtClean="0"/>
+              <a:t>Add XML Layout</a:t>
+            </a:r>
+          </a:p>
+          <a:p>
+            <a:pPr lvl="1"/>
+            <a:r>
+              <a:rPr lang="en-US" dirty="0" smtClean="0"/>
+              <a:t>XML Layout holds </a:t>
+            </a:r>
+            <a:r>
+              <a:rPr lang="en-US" dirty="0" err="1" smtClean="0"/>
+              <a:t>ViewGroups</a:t>
+            </a:r>
+            <a:r>
+              <a:rPr lang="en-US" dirty="0"/>
+              <a:t> </a:t>
+            </a:r>
+            <a:r>
+              <a:rPr lang="en-US" dirty="0" smtClean="0"/>
+              <a:t>(layouts) and View (widgets)</a:t>
+            </a:r>
+          </a:p>
+          <a:p>
+            <a:pPr lvl="1"/>
+            <a:r>
+              <a:rPr lang="en-US" dirty="0" smtClean="0"/>
+              <a:t>Best practices</a:t>
+            </a:r>
+          </a:p>
+          <a:p>
+            <a:pPr lvl="2"/>
+            <a:r>
+              <a:rPr lang="en-US" dirty="0" smtClean="0"/>
+              <a:t>Layout naming convention </a:t>
+            </a:r>
+          </a:p>
+          <a:p>
+            <a:pPr lvl="3"/>
+            <a:r>
+              <a:rPr lang="en-US" dirty="0" smtClean="0"/>
+              <a:t>MainActivity.java  =&gt; main_activity.xml </a:t>
+            </a:r>
+            <a:endParaRPr lang="en-US" dirty="0"/>
+          </a:p>
+        </p:txBody>
+      </p:sp>
+      <p:sp>
+        <p:nvSpPr>
+          <p:cNvPr id="4" name="Title 1"/>
+          <p:cNvSpPr>
+            <a:spLocks noGrp="1"/>
+          </p:cNvSpPr>
+          <p:nvPr>
+            <p:ph type="title"/>
+          </p:nvPr>
+        </p:nvSpPr>
+        <p:spPr/>
+        <p:txBody>
+          <a:bodyPr/>
+          <a:lstStyle/>
+          <a:p>
+            <a:r>
+              <a:rPr lang="en-US" dirty="0" smtClean="0"/>
+              <a:t>XML Layout</a:t>
+            </a:r>
+            <a:endParaRPr lang="en-US" dirty="0"/>
+          </a:p>
+        </p:txBody>
+      </p:sp>
+    </p:spTree>
+    <p:extLst>
+      <p:ext uri="{BB962C8B-B14F-4D97-AF65-F5344CB8AC3E}">
+        <p14:creationId xmlns:p14="http://schemas.microsoft.com/office/powerpoint/2010/main" val="1351923410"/>
       </p:ext>
     </p:extLst>
   </p:cSld>
@@ -6055,12 +6422,8 @@
               <a:t>Develop a </a:t>
             </a:r>
             <a:r>
-              <a:rPr lang="en-US" dirty="0" err="1"/>
-              <a:t>BlueSkies</a:t>
-            </a:r>
-            <a:r>
-              <a:rPr lang="en-US" dirty="0"/>
-              <a:t> </a:t>
+              <a:rPr lang="en-US" dirty="0" smtClean="0"/>
+              <a:t>Blue Skies </a:t>
             </a:r>
             <a:r>
               <a:rPr lang="en-US" dirty="0" smtClean="0"/>
@@ -6107,7 +6470,7 @@
       </p:sp>
       <p:pic>
         <p:nvPicPr>
-          <p:cNvPr id="4" name="Picture 3"/>
+          <p:cNvPr id="5" name="Picture 4"/>
           <p:cNvPicPr>
             <a:picLocks noChangeAspect="1"/>
           </p:cNvPicPr>
@@ -6127,12 +6490,17 @@
         </p:blipFill>
         <p:spPr>
           <a:xfrm>
-            <a:off x="6948283" y="1389412"/>
-            <a:ext cx="2813142" cy="4672941"/>
+            <a:off x="7999501" y="1840673"/>
+            <a:ext cx="2318910" cy="3996047"/>
           </a:xfrm>
           <a:prstGeom prst="rect">
             <a:avLst/>
           </a:prstGeom>
+          <a:ln>
+            <a:solidFill>
+              <a:schemeClr val="accent1"/>
+            </a:solidFill>
+          </a:ln>
         </p:spPr>
       </p:pic>
     </p:spTree>
@@ -6156,345 +6524,6 @@
 </file>
 
 <file path=ppt/slides/slide20.xml><?xml version="1.0" encoding="utf-8"?>
-<p:sld xmlns:a="http://schemas.openxmlformats.org/drawingml/2006/main" xmlns:r="http://schemas.openxmlformats.org/officeDocument/2006/relationships" xmlns:p="http://schemas.openxmlformats.org/presentationml/2006/main">
-  <p:cSld>
-    <p:spTree>
-      <p:nvGrpSpPr>
-        <p:cNvPr id="1" name=""/>
-        <p:cNvGrpSpPr/>
-        <p:nvPr/>
-      </p:nvGrpSpPr>
-      <p:grpSpPr>
-        <a:xfrm>
-          <a:off x="0" y="0"/>
-          <a:ext cx="0" cy="0"/>
-          <a:chOff x="0" y="0"/>
-          <a:chExt cx="0" cy="0"/>
-        </a:xfrm>
-      </p:grpSpPr>
-      <p:sp>
-        <p:nvSpPr>
-          <p:cNvPr id="2" name="Title 1"/>
-          <p:cNvSpPr>
-            <a:spLocks noGrp="1"/>
-          </p:cNvSpPr>
-          <p:nvPr>
-            <p:ph type="title"/>
-          </p:nvPr>
-        </p:nvSpPr>
-        <p:spPr/>
-        <p:txBody>
-          <a:bodyPr/>
-          <a:lstStyle/>
-          <a:p>
-            <a:r>
-              <a:rPr lang="en-US" dirty="0"/>
-              <a:t>Exploring </a:t>
-            </a:r>
-            <a:r>
-              <a:rPr lang="en-US" dirty="0" err="1"/>
-              <a:t>build.gradle</a:t>
-            </a:r>
-            <a:r>
-              <a:rPr lang="en-US" dirty="0"/>
-              <a:t> file</a:t>
-            </a:r>
-          </a:p>
-        </p:txBody>
-      </p:sp>
-      <p:sp>
-        <p:nvSpPr>
-          <p:cNvPr id="3" name="Content Placeholder 2"/>
-          <p:cNvSpPr>
-            <a:spLocks noGrp="1"/>
-          </p:cNvSpPr>
-          <p:nvPr>
-            <p:ph idx="1"/>
-          </p:nvPr>
-        </p:nvSpPr>
-        <p:spPr/>
-        <p:txBody>
-          <a:bodyPr/>
-          <a:lstStyle/>
-          <a:p>
-            <a:r>
-              <a:rPr lang="en-US" dirty="0" smtClean="0"/>
-              <a:t>Set </a:t>
-            </a:r>
-            <a:r>
-              <a:rPr lang="en-US" dirty="0"/>
-              <a:t>target SDK version</a:t>
-            </a:r>
-          </a:p>
-          <a:p>
-            <a:r>
-              <a:rPr lang="en-US" dirty="0" smtClean="0"/>
-              <a:t>Set minimum SDK version</a:t>
-            </a:r>
-          </a:p>
-          <a:p>
-            <a:r>
-              <a:rPr lang="en-US" dirty="0" smtClean="0"/>
-              <a:t>Define dependencies</a:t>
-            </a:r>
-            <a:endParaRPr lang="en-US" dirty="0"/>
-          </a:p>
-        </p:txBody>
-      </p:sp>
-    </p:spTree>
-    <p:extLst>
-      <p:ext uri="{BB962C8B-B14F-4D97-AF65-F5344CB8AC3E}">
-        <p14:creationId xmlns:p14="http://schemas.microsoft.com/office/powerpoint/2010/main" val="3375858439"/>
-      </p:ext>
-    </p:extLst>
-  </p:cSld>
-  <p:clrMapOvr>
-    <a:masterClrMapping/>
-  </p:clrMapOvr>
-  <p:timing>
-    <p:tnLst>
-      <p:par>
-        <p:cTn id="1" dur="indefinite" restart="never" nodeType="tmRoot"/>
-      </p:par>
-    </p:tnLst>
-  </p:timing>
-</p:sld>
-</file>
-
-<file path=ppt/slides/slide21.xml><?xml version="1.0" encoding="utf-8"?>
-<p:sld xmlns:a="http://schemas.openxmlformats.org/drawingml/2006/main" xmlns:r="http://schemas.openxmlformats.org/officeDocument/2006/relationships" xmlns:p="http://schemas.openxmlformats.org/presentationml/2006/main">
-  <p:cSld>
-    <p:spTree>
-      <p:nvGrpSpPr>
-        <p:cNvPr id="1" name=""/>
-        <p:cNvGrpSpPr/>
-        <p:nvPr/>
-      </p:nvGrpSpPr>
-      <p:grpSpPr>
-        <a:xfrm>
-          <a:off x="0" y="0"/>
-          <a:ext cx="0" cy="0"/>
-          <a:chOff x="0" y="0"/>
-          <a:chExt cx="0" cy="0"/>
-        </a:xfrm>
-      </p:grpSpPr>
-      <p:sp>
-        <p:nvSpPr>
-          <p:cNvPr id="2" name="Title 1"/>
-          <p:cNvSpPr>
-            <a:spLocks noGrp="1"/>
-          </p:cNvSpPr>
-          <p:nvPr>
-            <p:ph type="title"/>
-          </p:nvPr>
-        </p:nvSpPr>
-        <p:spPr/>
-        <p:txBody>
-          <a:bodyPr/>
-          <a:lstStyle/>
-          <a:p>
-            <a:r>
-              <a:rPr lang="en-US" dirty="0" smtClean="0"/>
-              <a:t>Creating </a:t>
-            </a:r>
-            <a:r>
-              <a:rPr lang="en-US" dirty="0" err="1" smtClean="0"/>
-              <a:t>MainActivity</a:t>
-            </a:r>
-            <a:r>
-              <a:rPr lang="en-US" dirty="0" smtClean="0"/>
-              <a:t> </a:t>
-            </a:r>
-            <a:endParaRPr lang="en-US" dirty="0"/>
-          </a:p>
-        </p:txBody>
-      </p:sp>
-      <p:sp>
-        <p:nvSpPr>
-          <p:cNvPr id="3" name="Content Placeholder 2"/>
-          <p:cNvSpPr>
-            <a:spLocks noGrp="1"/>
-          </p:cNvSpPr>
-          <p:nvPr>
-            <p:ph idx="1"/>
-          </p:nvPr>
-        </p:nvSpPr>
-        <p:spPr/>
-        <p:txBody>
-          <a:bodyPr/>
-          <a:lstStyle/>
-          <a:p>
-            <a:r>
-              <a:rPr lang="en-US" dirty="0" smtClean="0"/>
-              <a:t>Best Practices</a:t>
-            </a:r>
-          </a:p>
-          <a:p>
-            <a:pPr lvl="1"/>
-            <a:r>
-              <a:rPr lang="en-US" dirty="0" smtClean="0"/>
-              <a:t>Keep lifecycle methods in order</a:t>
-            </a:r>
-          </a:p>
-          <a:p>
-            <a:pPr lvl="1"/>
-            <a:r>
-              <a:rPr lang="en-US" dirty="0" smtClean="0"/>
-              <a:t>Place other methods (helpers) below the lifecycle methods</a:t>
-            </a:r>
-            <a:endParaRPr lang="en-US" dirty="0"/>
-          </a:p>
-        </p:txBody>
-      </p:sp>
-    </p:spTree>
-    <p:extLst>
-      <p:ext uri="{BB962C8B-B14F-4D97-AF65-F5344CB8AC3E}">
-        <p14:creationId xmlns:p14="http://schemas.microsoft.com/office/powerpoint/2010/main" val="2374969006"/>
-      </p:ext>
-    </p:extLst>
-  </p:cSld>
-  <p:clrMapOvr>
-    <a:masterClrMapping/>
-  </p:clrMapOvr>
-  <p:timing>
-    <p:tnLst>
-      <p:par>
-        <p:cTn id="1" dur="indefinite" restart="never" nodeType="tmRoot"/>
-      </p:par>
-    </p:tnLst>
-  </p:timing>
-</p:sld>
-</file>
-
-<file path=ppt/slides/slide22.xml><?xml version="1.0" encoding="utf-8"?>
-<p:sld xmlns:a="http://schemas.openxmlformats.org/drawingml/2006/main" xmlns:r="http://schemas.openxmlformats.org/officeDocument/2006/relationships" xmlns:p="http://schemas.openxmlformats.org/presentationml/2006/main">
-  <p:cSld>
-    <p:spTree>
-      <p:nvGrpSpPr>
-        <p:cNvPr id="1" name=""/>
-        <p:cNvGrpSpPr/>
-        <p:nvPr/>
-      </p:nvGrpSpPr>
-      <p:grpSpPr>
-        <a:xfrm>
-          <a:off x="0" y="0"/>
-          <a:ext cx="0" cy="0"/>
-          <a:chOff x="0" y="0"/>
-          <a:chExt cx="0" cy="0"/>
-        </a:xfrm>
-      </p:grpSpPr>
-      <p:sp>
-        <p:nvSpPr>
-          <p:cNvPr id="3" name="Content Placeholder 2"/>
-          <p:cNvSpPr>
-            <a:spLocks noGrp="1"/>
-          </p:cNvSpPr>
-          <p:nvPr>
-            <p:ph idx="1"/>
-          </p:nvPr>
-        </p:nvSpPr>
-        <p:spPr/>
-        <p:txBody>
-          <a:bodyPr/>
-          <a:lstStyle/>
-          <a:p>
-            <a:r>
-              <a:rPr lang="en-US" dirty="0" smtClean="0"/>
-              <a:t>Add </a:t>
-            </a:r>
-            <a:r>
-              <a:rPr lang="en-US" dirty="0" smtClean="0"/>
-              <a:t>XML Layout</a:t>
-            </a:r>
-          </a:p>
-          <a:p>
-            <a:pPr lvl="1"/>
-            <a:r>
-              <a:rPr lang="en-US" dirty="0" smtClean="0"/>
-              <a:t>XML Layout holds </a:t>
-            </a:r>
-            <a:r>
-              <a:rPr lang="en-US" dirty="0" err="1" smtClean="0"/>
-              <a:t>ViewGroups</a:t>
-            </a:r>
-            <a:r>
-              <a:rPr lang="en-US" dirty="0"/>
-              <a:t> </a:t>
-            </a:r>
-            <a:r>
-              <a:rPr lang="en-US" dirty="0" smtClean="0"/>
-              <a:t>(layouts) and View (widgets)</a:t>
-            </a:r>
-            <a:endParaRPr lang="en-US" dirty="0" smtClean="0"/>
-          </a:p>
-          <a:p>
-            <a:pPr lvl="1"/>
-            <a:r>
-              <a:rPr lang="en-US" dirty="0" smtClean="0"/>
-              <a:t>Best practices</a:t>
-            </a:r>
-          </a:p>
-          <a:p>
-            <a:pPr lvl="2"/>
-            <a:r>
-              <a:rPr lang="en-US" dirty="0" smtClean="0"/>
-              <a:t>Layout naming convention </a:t>
-            </a:r>
-          </a:p>
-          <a:p>
-            <a:pPr lvl="3"/>
-            <a:r>
-              <a:rPr lang="en-US" dirty="0" smtClean="0"/>
-              <a:t>MainActivity.java  =&gt; main_activity.xml </a:t>
-            </a:r>
-            <a:endParaRPr lang="en-US" dirty="0"/>
-          </a:p>
-        </p:txBody>
-      </p:sp>
-      <p:sp>
-        <p:nvSpPr>
-          <p:cNvPr id="4" name="Title 1"/>
-          <p:cNvSpPr>
-            <a:spLocks noGrp="1"/>
-          </p:cNvSpPr>
-          <p:nvPr>
-            <p:ph type="title"/>
-          </p:nvPr>
-        </p:nvSpPr>
-        <p:spPr/>
-        <p:txBody>
-          <a:bodyPr/>
-          <a:lstStyle/>
-          <a:p>
-            <a:r>
-              <a:rPr lang="en-US" dirty="0" smtClean="0"/>
-              <a:t>XML Layout</a:t>
-            </a:r>
-            <a:endParaRPr lang="en-US" dirty="0"/>
-          </a:p>
-        </p:txBody>
-      </p:sp>
-    </p:spTree>
-    <p:extLst>
-      <p:ext uri="{BB962C8B-B14F-4D97-AF65-F5344CB8AC3E}">
-        <p14:creationId xmlns:p14="http://schemas.microsoft.com/office/powerpoint/2010/main" val="1351923410"/>
-      </p:ext>
-    </p:extLst>
-  </p:cSld>
-  <p:clrMapOvr>
-    <a:masterClrMapping/>
-  </p:clrMapOvr>
-  <p:timing>
-    <p:tnLst>
-      <p:par>
-        <p:cTn id="1" dur="indefinite" restart="never" nodeType="tmRoot"/>
-      </p:par>
-    </p:tnLst>
-  </p:timing>
-</p:sld>
-</file>
-
-<file path=ppt/slides/slide23.xml><?xml version="1.0" encoding="utf-8"?>
 <p:sld xmlns:a="http://schemas.openxmlformats.org/drawingml/2006/main" xmlns:r="http://schemas.openxmlformats.org/officeDocument/2006/relationships" xmlns:p="http://schemas.openxmlformats.org/presentationml/2006/main">
   <p:cSld>
     <p:spTree>
@@ -6636,11 +6665,7 @@
           <a:p>
             <a:r>
               <a:rPr lang="en-US" dirty="0" smtClean="0"/>
-              <a:t>Creating </a:t>
-            </a:r>
-            <a:r>
-              <a:rPr lang="en-US" dirty="0" smtClean="0"/>
-              <a:t>Layout directory</a:t>
+              <a:t>Creating Layout directory</a:t>
             </a:r>
             <a:endParaRPr lang="en-US" dirty="0"/>
           </a:p>
@@ -6666,7 +6691,7 @@
 </p:sld>
 </file>
 
-<file path=ppt/slides/slide24.xml><?xml version="1.0" encoding="utf-8"?>
+<file path=ppt/slides/slide21.xml><?xml version="1.0" encoding="utf-8"?>
 <p:sld xmlns:a="http://schemas.openxmlformats.org/drawingml/2006/main" xmlns:r="http://schemas.openxmlformats.org/officeDocument/2006/relationships" xmlns:p="http://schemas.openxmlformats.org/presentationml/2006/main">
   <p:cSld>
     <p:spTree>
@@ -6754,11 +6779,7 @@
           <a:p>
             <a:r>
               <a:rPr lang="en-US" dirty="0" smtClean="0"/>
-              <a:t>Creating </a:t>
-            </a:r>
-            <a:r>
-              <a:rPr lang="en-US" dirty="0" smtClean="0"/>
-              <a:t>layout XML</a:t>
+              <a:t>Creating layout XML</a:t>
             </a:r>
             <a:endParaRPr lang="en-US" dirty="0"/>
           </a:p>
@@ -6838,6 +6859,295 @@
 </p:sld>
 </file>
 
+<file path=ppt/slides/slide22.xml><?xml version="1.0" encoding="utf-8"?>
+<p:sld xmlns:a="http://schemas.openxmlformats.org/drawingml/2006/main" xmlns:r="http://schemas.openxmlformats.org/officeDocument/2006/relationships" xmlns:p="http://schemas.openxmlformats.org/presentationml/2006/main">
+  <p:cSld>
+    <p:spTree>
+      <p:nvGrpSpPr>
+        <p:cNvPr id="1" name=""/>
+        <p:cNvGrpSpPr/>
+        <p:nvPr/>
+      </p:nvGrpSpPr>
+      <p:grpSpPr>
+        <a:xfrm>
+          <a:off x="0" y="0"/>
+          <a:ext cx="0" cy="0"/>
+          <a:chOff x="0" y="0"/>
+          <a:chExt cx="0" cy="0"/>
+        </a:xfrm>
+      </p:grpSpPr>
+      <p:sp>
+        <p:nvSpPr>
+          <p:cNvPr id="3" name="Content Placeholder 2"/>
+          <p:cNvSpPr>
+            <a:spLocks noGrp="1"/>
+          </p:cNvSpPr>
+          <p:nvPr>
+            <p:ph idx="1"/>
+          </p:nvPr>
+        </p:nvSpPr>
+        <p:spPr/>
+        <p:txBody>
+          <a:bodyPr/>
+          <a:lstStyle/>
+          <a:p>
+            <a:pPr marL="0" indent="0" algn="ctr">
+              <a:buNone/>
+            </a:pPr>
+            <a:endParaRPr lang="en-US" dirty="0" smtClean="0"/>
+          </a:p>
+          <a:p>
+            <a:pPr marL="0" indent="0" algn="ctr">
+              <a:buNone/>
+            </a:pPr>
+            <a:endParaRPr lang="en-US" dirty="0"/>
+          </a:p>
+          <a:p>
+            <a:pPr marL="0" indent="0" algn="ctr">
+              <a:buNone/>
+            </a:pPr>
+            <a:r>
+              <a:rPr lang="en-US" dirty="0" smtClean="0"/>
+              <a:t>Show main_layout.xml</a:t>
+            </a:r>
+            <a:endParaRPr lang="en-US" dirty="0"/>
+          </a:p>
+        </p:txBody>
+      </p:sp>
+    </p:spTree>
+    <p:extLst>
+      <p:ext uri="{BB962C8B-B14F-4D97-AF65-F5344CB8AC3E}">
+        <p14:creationId xmlns:p14="http://schemas.microsoft.com/office/powerpoint/2010/main" val="3816200246"/>
+      </p:ext>
+    </p:extLst>
+  </p:cSld>
+  <p:clrMapOvr>
+    <a:masterClrMapping/>
+  </p:clrMapOvr>
+  <p:timing>
+    <p:tnLst>
+      <p:par>
+        <p:cTn id="1" dur="indefinite" restart="never" nodeType="tmRoot"/>
+      </p:par>
+    </p:tnLst>
+  </p:timing>
+</p:sld>
+</file>
+
+<file path=ppt/slides/slide23.xml><?xml version="1.0" encoding="utf-8"?>
+<p:sld xmlns:a="http://schemas.openxmlformats.org/drawingml/2006/main" xmlns:r="http://schemas.openxmlformats.org/officeDocument/2006/relationships" xmlns:p="http://schemas.openxmlformats.org/presentationml/2006/main">
+  <p:cSld>
+    <p:spTree>
+      <p:nvGrpSpPr>
+        <p:cNvPr id="1" name=""/>
+        <p:cNvGrpSpPr/>
+        <p:nvPr/>
+      </p:nvGrpSpPr>
+      <p:grpSpPr>
+        <a:xfrm>
+          <a:off x="0" y="0"/>
+          <a:ext cx="0" cy="0"/>
+          <a:chOff x="0" y="0"/>
+          <a:chExt cx="0" cy="0"/>
+        </a:xfrm>
+      </p:grpSpPr>
+      <p:sp>
+        <p:nvSpPr>
+          <p:cNvPr id="3" name="Content Placeholder 2"/>
+          <p:cNvSpPr>
+            <a:spLocks noGrp="1"/>
+          </p:cNvSpPr>
+          <p:nvPr>
+            <p:ph idx="1"/>
+          </p:nvPr>
+        </p:nvSpPr>
+        <p:spPr/>
+        <p:txBody>
+          <a:bodyPr>
+            <a:normAutofit fontScale="92500" lnSpcReduction="10000"/>
+          </a:bodyPr>
+          <a:lstStyle/>
+          <a:p>
+            <a:r>
+              <a:rPr lang="en-US" dirty="0" smtClean="0"/>
+              <a:t>Types of layouts</a:t>
+            </a:r>
+          </a:p>
+          <a:p>
+            <a:pPr lvl="1"/>
+            <a:r>
+              <a:rPr lang="en-US" dirty="0" smtClean="0"/>
+              <a:t>Linear </a:t>
+            </a:r>
+          </a:p>
+          <a:p>
+            <a:pPr lvl="1"/>
+            <a:r>
+              <a:rPr lang="en-US" dirty="0" smtClean="0"/>
+              <a:t>Relative</a:t>
+            </a:r>
+          </a:p>
+          <a:p>
+            <a:pPr lvl="1"/>
+            <a:r>
+              <a:rPr lang="en-US" dirty="0" smtClean="0"/>
+              <a:t>Frame </a:t>
+            </a:r>
+          </a:p>
+          <a:p>
+            <a:pPr lvl="1"/>
+            <a:r>
+              <a:rPr lang="en-US" dirty="0" smtClean="0"/>
+              <a:t>Constraint</a:t>
+            </a:r>
+          </a:p>
+          <a:p>
+            <a:r>
+              <a:rPr lang="en-US" dirty="0" smtClean="0"/>
+              <a:t> Best Practices</a:t>
+            </a:r>
+          </a:p>
+          <a:p>
+            <a:pPr lvl="1"/>
+            <a:r>
+              <a:rPr lang="en-US" dirty="0" smtClean="0"/>
+              <a:t>Attempt to keep the layout flat by avoiding nest layouts</a:t>
+            </a:r>
+          </a:p>
+          <a:p>
+            <a:pPr lvl="1"/>
+            <a:endParaRPr lang="en-US" dirty="0" smtClean="0"/>
+          </a:p>
+        </p:txBody>
+      </p:sp>
+      <p:sp>
+        <p:nvSpPr>
+          <p:cNvPr id="8" name="Title 1"/>
+          <p:cNvSpPr>
+            <a:spLocks noGrp="1"/>
+          </p:cNvSpPr>
+          <p:nvPr>
+            <p:ph type="title"/>
+          </p:nvPr>
+        </p:nvSpPr>
+        <p:spPr>
+          <a:xfrm>
+            <a:off x="0" y="457200"/>
+            <a:ext cx="7112000" cy="1143000"/>
+          </a:xfrm>
+        </p:spPr>
+        <p:txBody>
+          <a:bodyPr/>
+          <a:lstStyle/>
+          <a:p>
+            <a:r>
+              <a:rPr lang="en-US" sz="4400" dirty="0" smtClean="0"/>
+              <a:t>Layouts </a:t>
+            </a:r>
+            <a:endParaRPr lang="en-US" sz="4400" dirty="0"/>
+          </a:p>
+        </p:txBody>
+      </p:sp>
+    </p:spTree>
+    <p:extLst>
+      <p:ext uri="{BB962C8B-B14F-4D97-AF65-F5344CB8AC3E}">
+        <p14:creationId xmlns:p14="http://schemas.microsoft.com/office/powerpoint/2010/main" val="262092603"/>
+      </p:ext>
+    </p:extLst>
+  </p:cSld>
+  <p:clrMapOvr>
+    <a:masterClrMapping/>
+  </p:clrMapOvr>
+  <p:timing>
+    <p:tnLst>
+      <p:par>
+        <p:cTn id="1" dur="indefinite" restart="never" nodeType="tmRoot"/>
+      </p:par>
+    </p:tnLst>
+  </p:timing>
+</p:sld>
+</file>
+
+<file path=ppt/slides/slide24.xml><?xml version="1.0" encoding="utf-8"?>
+<p:sld xmlns:a="http://schemas.openxmlformats.org/drawingml/2006/main" xmlns:r="http://schemas.openxmlformats.org/officeDocument/2006/relationships" xmlns:p="http://schemas.openxmlformats.org/presentationml/2006/main">
+  <p:cSld>
+    <p:spTree>
+      <p:nvGrpSpPr>
+        <p:cNvPr id="1" name=""/>
+        <p:cNvGrpSpPr/>
+        <p:nvPr/>
+      </p:nvGrpSpPr>
+      <p:grpSpPr>
+        <a:xfrm>
+          <a:off x="0" y="0"/>
+          <a:ext cx="0" cy="0"/>
+          <a:chOff x="0" y="0"/>
+          <a:chExt cx="0" cy="0"/>
+        </a:xfrm>
+      </p:grpSpPr>
+      <p:sp>
+        <p:nvSpPr>
+          <p:cNvPr id="3" name="Content Placeholder 2"/>
+          <p:cNvSpPr>
+            <a:spLocks noGrp="1"/>
+          </p:cNvSpPr>
+          <p:nvPr>
+            <p:ph idx="1"/>
+          </p:nvPr>
+        </p:nvSpPr>
+        <p:spPr/>
+        <p:txBody>
+          <a:bodyPr/>
+          <a:lstStyle/>
+          <a:p>
+            <a:endParaRPr lang="en-US" dirty="0" smtClean="0"/>
+          </a:p>
+          <a:p>
+            <a:pPr marL="0" indent="0" algn="ctr">
+              <a:buNone/>
+            </a:pPr>
+            <a:endParaRPr lang="en-US" dirty="0" smtClean="0"/>
+          </a:p>
+          <a:p>
+            <a:pPr marL="0" indent="0" algn="ctr">
+              <a:buNone/>
+            </a:pPr>
+            <a:r>
+              <a:rPr lang="en-US" dirty="0" smtClean="0"/>
+              <a:t>Live Example: </a:t>
+            </a:r>
+            <a:r>
+              <a:rPr lang="en-US" dirty="0" smtClean="0"/>
+              <a:t>Link </a:t>
+            </a:r>
+            <a:r>
+              <a:rPr lang="en-US" dirty="0" smtClean="0"/>
+              <a:t>Activity to Layout </a:t>
+            </a:r>
+            <a:endParaRPr lang="en-US" dirty="0"/>
+          </a:p>
+        </p:txBody>
+      </p:sp>
+    </p:spTree>
+    <p:extLst>
+      <p:ext uri="{BB962C8B-B14F-4D97-AF65-F5344CB8AC3E}">
+        <p14:creationId xmlns:p14="http://schemas.microsoft.com/office/powerpoint/2010/main" val="3117691005"/>
+      </p:ext>
+    </p:extLst>
+  </p:cSld>
+  <p:clrMapOvr>
+    <a:masterClrMapping/>
+  </p:clrMapOvr>
+  <p:timing>
+    <p:tnLst>
+      <p:par>
+        <p:cTn id="1" dur="indefinite" restart="never" nodeType="tmRoot"/>
+      </p:par>
+    </p:tnLst>
+  </p:timing>
+</p:sld>
+</file>
+
 <file path=ppt/slides/slide25.xml><?xml version="1.0" encoding="utf-8"?>
 <p:sld xmlns:a="http://schemas.openxmlformats.org/drawingml/2006/main" xmlns:r="http://schemas.openxmlformats.org/officeDocument/2006/relationships" xmlns:p="http://schemas.openxmlformats.org/presentationml/2006/main">
   <p:cSld>
@@ -6857,6 +7167,29 @@
       </p:grpSpPr>
       <p:sp>
         <p:nvSpPr>
+          <p:cNvPr id="2" name="Title 1"/>
+          <p:cNvSpPr>
+            <a:spLocks noGrp="1"/>
+          </p:cNvSpPr>
+          <p:nvPr>
+            <p:ph type="title"/>
+          </p:nvPr>
+        </p:nvSpPr>
+        <p:spPr/>
+        <p:txBody>
+          <a:bodyPr/>
+          <a:lstStyle/>
+          <a:p>
+            <a:r>
+              <a:rPr lang="en-US" dirty="0" smtClean="0"/>
+              <a:t>Editing Android Manifest</a:t>
+            </a:r>
+            <a:endParaRPr lang="en-US" dirty="0"/>
+          </a:p>
+        </p:txBody>
+      </p:sp>
+      <p:sp>
+        <p:nvSpPr>
           <p:cNvPr id="3" name="Content Placeholder 2"/>
           <p:cNvSpPr>
             <a:spLocks noGrp="1"/>
@@ -6867,101 +7200,76 @@
         </p:nvSpPr>
         <p:spPr/>
         <p:txBody>
-          <a:bodyPr>
-            <a:normAutofit fontScale="92500" lnSpcReduction="10000"/>
-          </a:bodyPr>
+          <a:bodyPr/>
           <a:lstStyle/>
           <a:p>
             <a:r>
               <a:rPr lang="en-US" dirty="0" smtClean="0"/>
-              <a:t>Types of layouts</a:t>
-            </a:r>
-          </a:p>
-          <a:p>
-            <a:pPr lvl="1"/>
+              <a:t>Add </a:t>
+            </a:r>
+            <a:r>
+              <a:rPr lang="en-US" dirty="0" err="1" smtClean="0"/>
+              <a:t>MainActivity</a:t>
+            </a:r>
             <a:r>
               <a:rPr lang="en-US" dirty="0" smtClean="0"/>
-              <a:t>Linear </a:t>
-            </a:r>
-          </a:p>
-          <a:p>
-            <a:pPr lvl="1"/>
+              <a:t> to AndroidManifest.xml</a:t>
+            </a:r>
+          </a:p>
+          <a:p>
+            <a:pPr lvl="2"/>
+            <a:r>
+              <a:rPr lang="en-US" dirty="0"/>
+              <a:t>The </a:t>
+            </a:r>
+            <a:r>
+              <a:rPr lang="en-US" b="1" dirty="0"/>
+              <a:t>manifest file</a:t>
+            </a:r>
+            <a:r>
+              <a:rPr lang="en-US" dirty="0"/>
+              <a:t> provides essential information about your app to the Android system, which the system must have before it </a:t>
+            </a:r>
             <a:r>
               <a:rPr lang="en-US" dirty="0" smtClean="0"/>
-              <a:t>Relative</a:t>
-            </a:r>
-          </a:p>
-          <a:p>
-            <a:pPr lvl="1"/>
+              <a:t>can </a:t>
+            </a:r>
+            <a:r>
+              <a:rPr lang="en-US" dirty="0"/>
+              <a:t>run any of the app's code</a:t>
+            </a:r>
             <a:r>
               <a:rPr lang="en-US" dirty="0" smtClean="0"/>
-              <a:t>Frame </a:t>
-            </a:r>
-          </a:p>
-          <a:p>
-            <a:pPr lvl="1"/>
+              <a:t>. (i.e. activities,</a:t>
+            </a:r>
+            <a:r>
+              <a:rPr lang="en-US" dirty="0"/>
+              <a:t> </a:t>
+            </a:r>
             <a:r>
               <a:rPr lang="en-US" dirty="0" smtClean="0"/>
-              <a:t>Constraint</a:t>
-            </a:r>
-          </a:p>
-          <a:p>
-            <a:r>
-              <a:rPr lang="en-US" dirty="0" smtClean="0"/>
-              <a:t> Best Practices</a:t>
-            </a:r>
-          </a:p>
-          <a:p>
-            <a:pPr lvl="1"/>
-            <a:r>
-              <a:rPr lang="en-US" dirty="0" smtClean="0"/>
-              <a:t>Attempt to keep the layout flat by avoiding nest layouts</a:t>
-            </a:r>
-          </a:p>
-          <a:p>
-            <a:pPr lvl="1"/>
-            <a:endParaRPr lang="en-US" dirty="0" smtClean="0"/>
-          </a:p>
-        </p:txBody>
-      </p:sp>
-      <p:sp>
-        <p:nvSpPr>
-          <p:cNvPr id="8" name="Title 1"/>
-          <p:cNvSpPr>
-            <a:spLocks noGrp="1"/>
-          </p:cNvSpPr>
-          <p:nvPr>
-            <p:ph type="title"/>
-          </p:nvPr>
-        </p:nvSpPr>
-        <p:spPr>
-          <a:xfrm>
-            <a:off x="0" y="457200"/>
-            <a:ext cx="7112000" cy="1143000"/>
-          </a:xfrm>
-        </p:spPr>
-        <p:txBody>
-          <a:bodyPr/>
-          <a:lstStyle/>
-          <a:p>
-            <a:r>
-              <a:rPr lang="en-US" sz="4400" dirty="0" smtClean="0"/>
-              <a:t>Layouts </a:t>
-            </a:r>
-            <a:endParaRPr lang="en-US" sz="4400" dirty="0"/>
+              <a:t>services, content provider…)</a:t>
+            </a:r>
           </a:p>
         </p:txBody>
       </p:sp>
     </p:spTree>
     <p:extLst>
       <p:ext uri="{BB962C8B-B14F-4D97-AF65-F5344CB8AC3E}">
-        <p14:creationId xmlns:p14="http://schemas.microsoft.com/office/powerpoint/2010/main" val="262092603"/>
+        <p14:creationId xmlns:p14="http://schemas.microsoft.com/office/powerpoint/2010/main" val="1089828459"/>
       </p:ext>
     </p:extLst>
   </p:cSld>
   <p:clrMapOvr>
     <a:masterClrMapping/>
   </p:clrMapOvr>
+  <p:timing>
+    <p:tnLst>
+      <p:par>
+        <p:cTn id="1" dur="indefinite" restart="never" nodeType="tmRoot"/>
+      </p:par>
+    </p:tnLst>
+  </p:timing>
 </p:sld>
 </file>
 
@@ -6984,12 +7292,12 @@
       </p:grpSpPr>
       <p:sp>
         <p:nvSpPr>
-          <p:cNvPr id="2" name="Title 1"/>
-          <p:cNvSpPr>
-            <a:spLocks noGrp="1"/>
-          </p:cNvSpPr>
-          <p:nvPr>
-            <p:ph type="title"/>
+          <p:cNvPr id="3" name="Content Placeholder 2"/>
+          <p:cNvSpPr>
+            <a:spLocks noGrp="1"/>
+          </p:cNvSpPr>
+          <p:nvPr>
+            <p:ph idx="1"/>
           </p:nvPr>
         </p:nvSpPr>
         <p:spPr/>
@@ -6997,36 +7305,32 @@
           <a:bodyPr/>
           <a:lstStyle/>
           <a:p>
-            <a:r>
-              <a:rPr lang="en-US" dirty="0"/>
-              <a:t>Creating </a:t>
+            <a:pPr marL="0" indent="0" algn="ctr">
+              <a:buNone/>
+            </a:pPr>
+            <a:endParaRPr lang="en-US" dirty="0" smtClean="0"/>
+          </a:p>
+          <a:p>
+            <a:pPr marL="0" indent="0" algn="ctr">
+              <a:buNone/>
+            </a:pPr>
+            <a:endParaRPr lang="en-US" dirty="0"/>
+          </a:p>
+          <a:p>
+            <a:pPr marL="0" indent="0" algn="ctr">
+              <a:buNone/>
+            </a:pPr>
+            <a:r>
+              <a:rPr lang="en-US" dirty="0" smtClean="0"/>
+              <a:t>Live Example: Adding </a:t>
             </a:r>
             <a:r>
               <a:rPr lang="en-US" dirty="0" err="1" smtClean="0"/>
               <a:t>MainActivity</a:t>
             </a:r>
-            <a:endParaRPr lang="en-US" dirty="0"/>
-          </a:p>
-        </p:txBody>
-      </p:sp>
-      <p:sp>
-        <p:nvSpPr>
-          <p:cNvPr id="3" name="Content Placeholder 2"/>
-          <p:cNvSpPr>
-            <a:spLocks noGrp="1"/>
-          </p:cNvSpPr>
-          <p:nvPr>
-            <p:ph idx="1"/>
-          </p:nvPr>
-        </p:nvSpPr>
-        <p:spPr/>
-        <p:txBody>
-          <a:bodyPr/>
-          <a:lstStyle/>
-          <a:p>
             <a:r>
               <a:rPr lang="en-US" dirty="0" smtClean="0"/>
-              <a:t>Link Activity to Layout </a:t>
+              <a:t> to manifest file</a:t>
             </a:r>
             <a:endParaRPr lang="en-US" dirty="0"/>
           </a:p>
@@ -7035,13 +7339,20 @@
     </p:spTree>
     <p:extLst>
       <p:ext uri="{BB962C8B-B14F-4D97-AF65-F5344CB8AC3E}">
-        <p14:creationId xmlns:p14="http://schemas.microsoft.com/office/powerpoint/2010/main" val="3117691005"/>
+        <p14:creationId xmlns:p14="http://schemas.microsoft.com/office/powerpoint/2010/main" val="954242652"/>
       </p:ext>
     </p:extLst>
   </p:cSld>
   <p:clrMapOvr>
     <a:masterClrMapping/>
   </p:clrMapOvr>
+  <p:timing>
+    <p:tnLst>
+      <p:par>
+        <p:cTn id="1" dur="indefinite" restart="never" nodeType="tmRoot"/>
+      </p:par>
+    </p:tnLst>
+  </p:timing>
 </p:sld>
 </file>
 
@@ -7064,96 +7375,92 @@
       </p:grpSpPr>
       <p:sp>
         <p:nvSpPr>
-          <p:cNvPr id="2" name="Title 1"/>
-          <p:cNvSpPr>
-            <a:spLocks noGrp="1"/>
-          </p:cNvSpPr>
-          <p:nvPr>
-            <p:ph type="title"/>
-          </p:nvPr>
-        </p:nvSpPr>
-        <p:spPr/>
+          <p:cNvPr id="3" name="Content Placeholder 2"/>
+          <p:cNvSpPr>
+            <a:spLocks noGrp="1"/>
+          </p:cNvSpPr>
+          <p:nvPr>
+            <p:ph idx="1"/>
+          </p:nvPr>
+        </p:nvSpPr>
+        <p:spPr>
+          <a:xfrm>
+            <a:off x="0" y="3598223"/>
+            <a:ext cx="12192000" cy="2527941"/>
+          </a:xfrm>
+        </p:spPr>
         <p:txBody>
           <a:bodyPr/>
           <a:lstStyle/>
           <a:p>
-            <a:r>
-              <a:rPr lang="en-US" dirty="0" smtClean="0"/>
-              <a:t>Editing Android Manifest</a:t>
-            </a:r>
+            <a:pPr marL="0" indent="0">
+              <a:buNone/>
+            </a:pPr>
+            <a:endParaRPr lang="en-US" dirty="0" smtClean="0"/>
+          </a:p>
+          <a:p>
+            <a:pPr marL="0" indent="0">
+              <a:buNone/>
+            </a:pPr>
             <a:endParaRPr lang="en-US" dirty="0"/>
           </a:p>
-        </p:txBody>
-      </p:sp>
-      <p:sp>
-        <p:nvSpPr>
-          <p:cNvPr id="3" name="Content Placeholder 2"/>
-          <p:cNvSpPr>
-            <a:spLocks noGrp="1"/>
-          </p:cNvSpPr>
-          <p:nvPr>
-            <p:ph idx="1"/>
-          </p:nvPr>
-        </p:nvSpPr>
-        <p:spPr/>
-        <p:txBody>
-          <a:bodyPr/>
-          <a:lstStyle/>
-          <a:p>
-            <a:r>
-              <a:rPr lang="en-US" dirty="0" smtClean="0"/>
-              <a:t>Add </a:t>
-            </a:r>
-            <a:r>
-              <a:rPr lang="en-US" dirty="0" err="1" smtClean="0"/>
-              <a:t>MainActivity</a:t>
-            </a:r>
-            <a:r>
-              <a:rPr lang="en-US" dirty="0" smtClean="0"/>
-              <a:t> to AndroidManifest.xml</a:t>
-            </a:r>
-          </a:p>
-          <a:p>
-            <a:pPr lvl="2"/>
-            <a:r>
-              <a:rPr lang="en-US" dirty="0"/>
-              <a:t>The </a:t>
-            </a:r>
-            <a:r>
-              <a:rPr lang="en-US" b="1" dirty="0"/>
-              <a:t>manifest file</a:t>
-            </a:r>
-            <a:r>
-              <a:rPr lang="en-US" dirty="0"/>
-              <a:t> provides essential information about your app to the Android system, which the system must have before it </a:t>
-            </a:r>
-            <a:r>
-              <a:rPr lang="en-US" dirty="0" smtClean="0"/>
-              <a:t>can </a:t>
-            </a:r>
-            <a:r>
-              <a:rPr lang="en-US" dirty="0"/>
-              <a:t>run any of the app's code</a:t>
-            </a:r>
-            <a:r>
-              <a:rPr lang="en-US" dirty="0" smtClean="0"/>
-              <a:t>. (i.e. activities,</a:t>
-            </a:r>
-            <a:r>
-              <a:rPr lang="en-US" dirty="0"/>
-              <a:t> </a:t>
-            </a:r>
-            <a:r>
-              <a:rPr lang="en-US" dirty="0" smtClean="0"/>
-              <a:t>services, content provider…)</a:t>
-            </a:r>
-          </a:p>
-        </p:txBody>
-      </p:sp>
+          <a:p>
+            <a:pPr marL="0" indent="0" algn="ctr">
+              <a:buNone/>
+            </a:pPr>
+            <a:r>
+              <a:rPr lang="en-US" b="1" dirty="0" smtClean="0"/>
+              <a:t>Fragments</a:t>
+            </a:r>
+            <a:endParaRPr lang="en-US" b="1" dirty="0"/>
+          </a:p>
+        </p:txBody>
+      </p:sp>
+      <p:pic>
+        <p:nvPicPr>
+          <p:cNvPr id="4" name="Picture 2" descr="Image result for pulling out hair"/>
+          <p:cNvPicPr>
+            <a:picLocks noChangeAspect="1" noChangeArrowheads="1"/>
+          </p:cNvPicPr>
+          <p:nvPr/>
+        </p:nvPicPr>
+        <p:blipFill>
+          <a:blip r:embed="rId2">
+            <a:extLst>
+              <a:ext uri="{28A0092B-C50C-407E-A947-70E740481C1C}">
+                <a14:useLocalDpi xmlns:a14="http://schemas.microsoft.com/office/drawing/2010/main" val="0"/>
+              </a:ext>
+            </a:extLst>
+          </a:blip>
+          <a:srcRect/>
+          <a:stretch>
+            <a:fillRect/>
+          </a:stretch>
+        </p:blipFill>
+        <p:spPr bwMode="auto">
+          <a:xfrm>
+            <a:off x="4086308" y="1341912"/>
+            <a:ext cx="3751407" cy="3501315"/>
+          </a:xfrm>
+          <a:prstGeom prst="rect">
+            <a:avLst/>
+          </a:prstGeom>
+          <a:noFill/>
+          <a:extLst>
+            <a:ext uri="{909E8E84-426E-40DD-AFC4-6F175D3DCCD1}">
+              <a14:hiddenFill xmlns:a14="http://schemas.microsoft.com/office/drawing/2010/main">
+                <a:solidFill>
+                  <a:srgbClr val="FFFFFF"/>
+                </a:solidFill>
+              </a14:hiddenFill>
+            </a:ext>
+          </a:extLst>
+        </p:spPr>
+      </p:pic>
     </p:spTree>
     <p:extLst>
       <p:ext uri="{BB962C8B-B14F-4D97-AF65-F5344CB8AC3E}">
-        <p14:creationId xmlns:p14="http://schemas.microsoft.com/office/powerpoint/2010/main" val="1089828459"/>
+        <p14:creationId xmlns:p14="http://schemas.microsoft.com/office/powerpoint/2010/main" val="244769509"/>
       </p:ext>
     </p:extLst>
   </p:cSld>
@@ -7189,6 +7496,29 @@
       </p:grpSpPr>
       <p:sp>
         <p:nvSpPr>
+          <p:cNvPr id="2" name="Title 1"/>
+          <p:cNvSpPr>
+            <a:spLocks noGrp="1"/>
+          </p:cNvSpPr>
+          <p:nvPr>
+            <p:ph type="title"/>
+          </p:nvPr>
+        </p:nvSpPr>
+        <p:spPr/>
+        <p:txBody>
+          <a:bodyPr/>
+          <a:lstStyle/>
+          <a:p>
+            <a:r>
+              <a:rPr lang="en-US" dirty="0" smtClean="0"/>
+              <a:t>Why Fragments?</a:t>
+            </a:r>
+            <a:endParaRPr lang="en-US" dirty="0"/>
+          </a:p>
+        </p:txBody>
+      </p:sp>
+      <p:sp>
+        <p:nvSpPr>
           <p:cNvPr id="3" name="Content Placeholder 2"/>
           <p:cNvSpPr>
             <a:spLocks noGrp="1"/>
@@ -7202,39 +7532,258 @@
           <a:bodyPr/>
           <a:lstStyle/>
           <a:p>
-            <a:pPr marL="0" indent="0">
-              <a:buNone/>
-            </a:pPr>
-            <a:endParaRPr lang="en-US" dirty="0" smtClean="0"/>
-          </a:p>
-          <a:p>
-            <a:pPr marL="0" indent="0">
-              <a:buNone/>
-            </a:pPr>
+            <a:pPr lvl="2"/>
+            <a:r>
+              <a:rPr lang="en-US" dirty="0" smtClean="0"/>
+              <a:t>Reusing View and Logic</a:t>
+            </a:r>
+          </a:p>
+          <a:p>
+            <a:pPr lvl="2"/>
+            <a:r>
+              <a:rPr lang="en-US" dirty="0" smtClean="0"/>
+              <a:t>Single responsibility </a:t>
+            </a:r>
+          </a:p>
+          <a:p>
+            <a:pPr lvl="2"/>
+            <a:r>
+              <a:rPr lang="en-US" dirty="0" smtClean="0"/>
+              <a:t>Phone and tablet layouts</a:t>
+            </a:r>
+          </a:p>
+          <a:p>
+            <a:pPr lvl="2"/>
+            <a:r>
+              <a:rPr lang="en-US" dirty="0" smtClean="0"/>
+              <a:t>Screen orientation</a:t>
+            </a:r>
             <a:endParaRPr lang="en-US" dirty="0"/>
           </a:p>
-          <a:p>
-            <a:pPr marL="0" indent="0" algn="ctr">
-              <a:buNone/>
-            </a:pPr>
-            <a:r>
-              <a:rPr lang="en-US" b="1" dirty="0" smtClean="0"/>
-              <a:t>Fragments</a:t>
-            </a:r>
-            <a:endParaRPr lang="en-US" b="1" dirty="0"/>
-          </a:p>
-        </p:txBody>
-      </p:sp>
+        </p:txBody>
+      </p:sp>
+      <p:pic>
+        <p:nvPicPr>
+          <p:cNvPr id="5" name="Picture 4"/>
+          <p:cNvPicPr>
+            <a:picLocks noChangeAspect="1"/>
+          </p:cNvPicPr>
+          <p:nvPr/>
+        </p:nvPicPr>
+        <p:blipFill>
+          <a:blip r:embed="rId2" cstate="print">
+            <a:extLst>
+              <a:ext uri="{28A0092B-C50C-407E-A947-70E740481C1C}">
+                <a14:useLocalDpi xmlns:a14="http://schemas.microsoft.com/office/drawing/2010/main" val="0"/>
+              </a:ext>
+            </a:extLst>
+          </a:blip>
+          <a:stretch>
+            <a:fillRect/>
+          </a:stretch>
+        </p:blipFill>
+        <p:spPr>
+          <a:xfrm>
+            <a:off x="6671139" y="1494972"/>
+            <a:ext cx="2001720" cy="3449451"/>
+          </a:xfrm>
+          <a:prstGeom prst="rect">
+            <a:avLst/>
+          </a:prstGeom>
+          <a:ln>
+            <a:solidFill>
+              <a:schemeClr val="accent1"/>
+            </a:solidFill>
+          </a:ln>
+        </p:spPr>
+      </p:pic>
+      <p:pic>
+        <p:nvPicPr>
+          <p:cNvPr id="5122" name="Picture 2" descr="Fragments"/>
+          <p:cNvPicPr>
+            <a:picLocks noChangeAspect="1" noChangeArrowheads="1"/>
+          </p:cNvPicPr>
+          <p:nvPr/>
+        </p:nvPicPr>
+        <p:blipFill>
+          <a:blip r:embed="rId3">
+            <a:extLst>
+              <a:ext uri="{28A0092B-C50C-407E-A947-70E740481C1C}">
+                <a14:useLocalDpi xmlns:a14="http://schemas.microsoft.com/office/drawing/2010/main" val="0"/>
+              </a:ext>
+            </a:extLst>
+          </a:blip>
+          <a:srcRect/>
+          <a:stretch>
+            <a:fillRect/>
+          </a:stretch>
+        </p:blipFill>
+        <p:spPr bwMode="auto">
+          <a:xfrm>
+            <a:off x="5187006" y="1209107"/>
+            <a:ext cx="6971705" cy="4021180"/>
+          </a:xfrm>
+          <a:prstGeom prst="rect">
+            <a:avLst/>
+          </a:prstGeom>
+          <a:noFill/>
+          <a:extLst>
+            <a:ext uri="{909E8E84-426E-40DD-AFC4-6F175D3DCCD1}">
+              <a14:hiddenFill xmlns:a14="http://schemas.microsoft.com/office/drawing/2010/main">
+                <a:solidFill>
+                  <a:srgbClr val="FFFFFF"/>
+                </a:solidFill>
+              </a14:hiddenFill>
+            </a:ext>
+          </a:extLst>
+        </p:spPr>
+      </p:pic>
     </p:spTree>
     <p:extLst>
       <p:ext uri="{BB962C8B-B14F-4D97-AF65-F5344CB8AC3E}">
-        <p14:creationId xmlns:p14="http://schemas.microsoft.com/office/powerpoint/2010/main" val="244769509"/>
+        <p14:creationId xmlns:p14="http://schemas.microsoft.com/office/powerpoint/2010/main" val="3196136046"/>
       </p:ext>
     </p:extLst>
   </p:cSld>
   <p:clrMapOvr>
     <a:masterClrMapping/>
   </p:clrMapOvr>
+  <p:timing>
+    <p:tnLst>
+      <p:par>
+        <p:cTn id="1" dur="indefinite" restart="never" nodeType="tmRoot">
+          <p:childTnLst>
+            <p:seq concurrent="1" nextAc="seek">
+              <p:cTn id="2" dur="indefinite" nodeType="mainSeq">
+                <p:childTnLst>
+                  <p:par>
+                    <p:cTn id="3" fill="hold">
+                      <p:stCondLst>
+                        <p:cond delay="indefinite"/>
+                      </p:stCondLst>
+                      <p:childTnLst>
+                        <p:par>
+                          <p:cTn id="4" fill="hold">
+                            <p:stCondLst>
+                              <p:cond delay="0"/>
+                            </p:stCondLst>
+                            <p:childTnLst>
+                              <p:par>
+                                <p:cTn id="5" presetID="16" presetClass="entr" presetSubtype="21" fill="hold" nodeType="clickEffect">
+                                  <p:stCondLst>
+                                    <p:cond delay="0"/>
+                                  </p:stCondLst>
+                                  <p:childTnLst>
+                                    <p:set>
+                                      <p:cBhvr>
+                                        <p:cTn id="6" dur="1" fill="hold">
+                                          <p:stCondLst>
+                                            <p:cond delay="0"/>
+                                          </p:stCondLst>
+                                        </p:cTn>
+                                        <p:tgtEl>
+                                          <p:spTgt spid="5"/>
+                                        </p:tgtEl>
+                                        <p:attrNameLst>
+                                          <p:attrName>style.visibility</p:attrName>
+                                        </p:attrNameLst>
+                                      </p:cBhvr>
+                                      <p:to>
+                                        <p:strVal val="visible"/>
+                                      </p:to>
+                                    </p:set>
+                                    <p:animEffect transition="in" filter="barn(inVertical)">
+                                      <p:cBhvr>
+                                        <p:cTn id="7" dur="500"/>
+                                        <p:tgtEl>
+                                          <p:spTgt spid="5"/>
+                                        </p:tgtEl>
+                                      </p:cBhvr>
+                                    </p:animEffect>
+                                  </p:childTnLst>
+                                </p:cTn>
+                              </p:par>
+                            </p:childTnLst>
+                          </p:cTn>
+                        </p:par>
+                      </p:childTnLst>
+                    </p:cTn>
+                  </p:par>
+                  <p:par>
+                    <p:cTn id="8" fill="hold">
+                      <p:stCondLst>
+                        <p:cond delay="indefinite"/>
+                      </p:stCondLst>
+                      <p:childTnLst>
+                        <p:par>
+                          <p:cTn id="9" fill="hold">
+                            <p:stCondLst>
+                              <p:cond delay="0"/>
+                            </p:stCondLst>
+                            <p:childTnLst>
+                              <p:par>
+                                <p:cTn id="10" presetID="22" presetClass="entr" presetSubtype="4" fill="hold" nodeType="clickEffect">
+                                  <p:stCondLst>
+                                    <p:cond delay="0"/>
+                                  </p:stCondLst>
+                                  <p:childTnLst>
+                                    <p:set>
+                                      <p:cBhvr>
+                                        <p:cTn id="11" dur="1" fill="hold">
+                                          <p:stCondLst>
+                                            <p:cond delay="0"/>
+                                          </p:stCondLst>
+                                        </p:cTn>
+                                        <p:tgtEl>
+                                          <p:spTgt spid="5122"/>
+                                        </p:tgtEl>
+                                        <p:attrNameLst>
+                                          <p:attrName>style.visibility</p:attrName>
+                                        </p:attrNameLst>
+                                      </p:cBhvr>
+                                      <p:to>
+                                        <p:strVal val="visible"/>
+                                      </p:to>
+                                    </p:set>
+                                    <p:animEffect transition="in" filter="wipe(down)">
+                                      <p:cBhvr>
+                                        <p:cTn id="12" dur="500"/>
+                                        <p:tgtEl>
+                                          <p:spTgt spid="5122"/>
+                                        </p:tgtEl>
+                                      </p:cBhvr>
+                                    </p:animEffect>
+                                  </p:childTnLst>
+                                </p:cTn>
+                              </p:par>
+                            </p:childTnLst>
+                          </p:cTn>
+                        </p:par>
+                      </p:childTnLst>
+                    </p:cTn>
+                  </p:par>
+                </p:childTnLst>
+              </p:cTn>
+              <p:prevCondLst>
+                <p:cond evt="onPrev" delay="0">
+                  <p:tgtEl>
+                    <p:sldTgt/>
+                  </p:tgtEl>
+                </p:cond>
+              </p:prevCondLst>
+              <p:nextCondLst>
+                <p:cond evt="onNext" delay="0">
+                  <p:tgtEl>
+                    <p:sldTgt/>
+                  </p:tgtEl>
+                </p:cond>
+              </p:nextCondLst>
+            </p:seq>
+          </p:childTnLst>
+        </p:cTn>
+      </p:par>
+    </p:tnLst>
+  </p:timing>
 </p:sld>
 </file>
 
@@ -7279,7 +7828,7 @@
           <a:p>
             <a:r>
               <a:rPr lang="en-US" dirty="0" smtClean="0"/>
-              <a:t>Fragment</a:t>
+              <a:t>Fragment Responsibilities</a:t>
             </a:r>
             <a:endParaRPr lang="en-US" dirty="0"/>
           </a:p>
@@ -7420,17 +7969,11 @@
           <a:p>
             <a:r>
               <a:rPr lang="en-US" dirty="0" smtClean="0"/>
-              <a:t>Written in Java</a:t>
-            </a:r>
-          </a:p>
-          <a:p>
+              <a:t>Written in </a:t>
+            </a:r>
             <a:r>
               <a:rPr lang="en-US" dirty="0" smtClean="0"/>
-              <a:t>Now supports </a:t>
-            </a:r>
-            <a:r>
-              <a:rPr lang="en-US" dirty="0" err="1" smtClean="0"/>
-              <a:t>Kotlin</a:t>
+              <a:t>Java</a:t>
             </a:r>
             <a:endParaRPr lang="en-US" dirty="0"/>
           </a:p>
@@ -7446,6 +7989,13 @@
   <p:clrMapOvr>
     <a:masterClrMapping/>
   </p:clrMapOvr>
+  <p:timing>
+    <p:tnLst>
+      <p:par>
+        <p:cTn id="1" dur="indefinite" restart="never" nodeType="tmRoot"/>
+      </p:par>
+    </p:tnLst>
+  </p:timing>
 </p:sld>
 </file>
 
@@ -7512,7 +8062,7 @@
         </p:blipFill>
         <p:spPr bwMode="auto">
           <a:xfrm>
-            <a:off x="619910" y="1650670"/>
+            <a:off x="4978154" y="1436914"/>
             <a:ext cx="1655354" cy="4422981"/>
           </a:xfrm>
           <a:prstGeom prst="rect">
@@ -7638,60 +8188,6 @@
           </a:extLst>
         </p:spPr>
       </p:pic>
-      <p:pic>
-        <p:nvPicPr>
-          <p:cNvPr id="3074" name="Picture 2"/>
-          <p:cNvPicPr>
-            <a:picLocks noChangeAspect="1" noChangeArrowheads="1"/>
-          </p:cNvPicPr>
-          <p:nvPr/>
-        </p:nvPicPr>
-        <p:blipFill>
-          <a:blip r:embed="rId3">
-            <a:extLst>
-              <a:ext uri="{28A0092B-C50C-407E-A947-70E740481C1C}">
-                <a14:useLocalDpi xmlns:a14="http://schemas.microsoft.com/office/drawing/2010/main" val="0"/>
-              </a:ext>
-            </a:extLst>
-          </a:blip>
-          <a:srcRect/>
-          <a:stretch>
-            <a:fillRect/>
-          </a:stretch>
-        </p:blipFill>
-        <p:spPr bwMode="auto">
-          <a:xfrm>
-            <a:off x="2792554" y="2375065"/>
-            <a:ext cx="2278207" cy="2800854"/>
-          </a:xfrm>
-          <a:prstGeom prst="rect">
-            <a:avLst/>
-          </a:prstGeom>
-          <a:noFill/>
-          <a:ln>
-            <a:noFill/>
-          </a:ln>
-          <a:extLst>
-            <a:ext uri="{909E8E84-426E-40DD-AFC4-6F175D3DCCD1}">
-              <a14:hiddenFill xmlns:a14="http://schemas.microsoft.com/office/drawing/2010/main">
-                <a:solidFill>
-                  <a:schemeClr val="accent1"/>
-                </a:solidFill>
-              </a14:hiddenFill>
-            </a:ext>
-            <a:ext uri="{91240B29-F687-4F45-9708-019B960494DF}">
-              <a14:hiddenLine xmlns:a14="http://schemas.microsoft.com/office/drawing/2010/main" w="9525">
-                <a:solidFill>
-                  <a:schemeClr val="tx1"/>
-                </a:solidFill>
-                <a:miter lim="800000"/>
-                <a:headEnd/>
-                <a:tailEnd/>
-              </a14:hiddenLine>
-            </a:ext>
-          </a:extLst>
-        </p:spPr>
-      </p:pic>
       <p:sp>
         <p:nvSpPr>
           <p:cNvPr id="3" name="Rectangle 2"/>
@@ -7740,6 +8236,60 @@
           </a:p>
         </p:txBody>
       </p:sp>
+      <p:pic>
+        <p:nvPicPr>
+          <p:cNvPr id="1026" name="Picture 2"/>
+          <p:cNvPicPr>
+            <a:picLocks noChangeAspect="1" noChangeArrowheads="1"/>
+          </p:cNvPicPr>
+          <p:nvPr/>
+        </p:nvPicPr>
+        <p:blipFill>
+          <a:blip r:embed="rId3">
+            <a:extLst>
+              <a:ext uri="{28A0092B-C50C-407E-A947-70E740481C1C}">
+                <a14:useLocalDpi xmlns:a14="http://schemas.microsoft.com/office/drawing/2010/main" val="0"/>
+              </a:ext>
+            </a:extLst>
+          </a:blip>
+          <a:srcRect/>
+          <a:stretch>
+            <a:fillRect/>
+          </a:stretch>
+        </p:blipFill>
+        <p:spPr bwMode="auto">
+          <a:xfrm>
+            <a:off x="2452749" y="2076450"/>
+            <a:ext cx="1752600" cy="2705100"/>
+          </a:xfrm>
+          <a:prstGeom prst="rect">
+            <a:avLst/>
+          </a:prstGeom>
+          <a:noFill/>
+          <a:ln>
+            <a:noFill/>
+          </a:ln>
+          <a:extLst>
+            <a:ext uri="{909E8E84-426E-40DD-AFC4-6F175D3DCCD1}">
+              <a14:hiddenFill xmlns:a14="http://schemas.microsoft.com/office/drawing/2010/main">
+                <a:solidFill>
+                  <a:schemeClr val="accent1"/>
+                </a:solidFill>
+              </a14:hiddenFill>
+            </a:ext>
+            <a:ext uri="{91240B29-F687-4F45-9708-019B960494DF}">
+              <a14:hiddenLine xmlns:a14="http://schemas.microsoft.com/office/drawing/2010/main" w="9525">
+                <a:solidFill>
+                  <a:schemeClr val="tx1"/>
+                </a:solidFill>
+                <a:miter lim="800000"/>
+                <a:headEnd/>
+                <a:tailEnd/>
+              </a14:hiddenLine>
+            </a:ext>
+          </a:extLst>
+        </p:spPr>
+      </p:pic>
     </p:spTree>
     <p:extLst>
       <p:ext uri="{BB962C8B-B14F-4D97-AF65-F5344CB8AC3E}">
@@ -7898,7 +8448,7 @@
       </p:sp>
       <p:pic>
         <p:nvPicPr>
-          <p:cNvPr id="4098" name="Picture 2"/>
+          <p:cNvPr id="2050" name="Picture 2"/>
           <p:cNvPicPr>
             <a:picLocks noChangeAspect="1" noChangeArrowheads="1"/>
           </p:cNvPicPr>
@@ -7919,8 +8469,8 @@
         </p:blipFill>
         <p:spPr bwMode="auto">
           <a:xfrm>
-            <a:off x="2442210" y="2173605"/>
-            <a:ext cx="2095500" cy="3181350"/>
+            <a:off x="2500745" y="2381398"/>
+            <a:ext cx="1371600" cy="2590800"/>
           </a:xfrm>
           <a:prstGeom prst="rect">
             <a:avLst/>
@@ -8108,7 +8658,7 @@
       </p:sp>
       <p:pic>
         <p:nvPicPr>
-          <p:cNvPr id="5122" name="Picture 2"/>
+          <p:cNvPr id="3074" name="Picture 2"/>
           <p:cNvPicPr>
             <a:picLocks noChangeAspect="1" noChangeArrowheads="1"/>
           </p:cNvPicPr>
@@ -8129,8 +8679,8 @@
         </p:blipFill>
         <p:spPr bwMode="auto">
           <a:xfrm>
-            <a:off x="2673668" y="2852738"/>
-            <a:ext cx="1190625" cy="1381125"/>
+            <a:off x="2571996" y="2228821"/>
+            <a:ext cx="1619993" cy="2081241"/>
           </a:xfrm>
           <a:prstGeom prst="rect">
             <a:avLst/>
@@ -8181,6 +8731,660 @@
 </file>
 
 <file path=ppt/slides/slide34.xml><?xml version="1.0" encoding="utf-8"?>
+<p:sld xmlns:a="http://schemas.openxmlformats.org/drawingml/2006/main" xmlns:r="http://schemas.openxmlformats.org/officeDocument/2006/relationships" xmlns:p="http://schemas.openxmlformats.org/presentationml/2006/main">
+  <p:cSld>
+    <p:spTree>
+      <p:nvGrpSpPr>
+        <p:cNvPr id="1" name=""/>
+        <p:cNvGrpSpPr/>
+        <p:nvPr/>
+      </p:nvGrpSpPr>
+      <p:grpSpPr>
+        <a:xfrm>
+          <a:off x="0" y="0"/>
+          <a:ext cx="0" cy="0"/>
+          <a:chOff x="0" y="0"/>
+          <a:chExt cx="0" cy="0"/>
+        </a:xfrm>
+      </p:grpSpPr>
+      <p:sp>
+        <p:nvSpPr>
+          <p:cNvPr id="2" name="Title 1"/>
+          <p:cNvSpPr>
+            <a:spLocks noGrp="1"/>
+          </p:cNvSpPr>
+          <p:nvPr>
+            <p:ph type="title"/>
+          </p:nvPr>
+        </p:nvSpPr>
+        <p:spPr/>
+        <p:txBody>
+          <a:bodyPr/>
+          <a:lstStyle/>
+          <a:p>
+            <a:endParaRPr lang="en-US"/>
+          </a:p>
+        </p:txBody>
+      </p:sp>
+      <p:pic>
+        <p:nvPicPr>
+          <p:cNvPr id="4" name="Content Placeholder 3"/>
+          <p:cNvPicPr>
+            <a:picLocks noGrp="1" noChangeAspect="1"/>
+          </p:cNvPicPr>
+          <p:nvPr>
+            <p:ph idx="1"/>
+          </p:nvPr>
+        </p:nvPicPr>
+        <p:blipFill>
+          <a:blip r:embed="rId2">
+            <a:extLst>
+              <a:ext uri="{28A0092B-C50C-407E-A947-70E740481C1C}">
+                <a14:useLocalDpi xmlns:a14="http://schemas.microsoft.com/office/drawing/2010/main" val="0"/>
+              </a:ext>
+            </a:extLst>
+          </a:blip>
+          <a:stretch>
+            <a:fillRect/>
+          </a:stretch>
+        </p:blipFill>
+        <p:spPr>
+          <a:xfrm>
+            <a:off x="87485" y="1686153"/>
+            <a:ext cx="6429524" cy="2778969"/>
+          </a:xfrm>
+          <a:prstGeom prst="rect">
+            <a:avLst/>
+          </a:prstGeom>
+        </p:spPr>
+      </p:pic>
+      <p:graphicFrame>
+        <p:nvGraphicFramePr>
+          <p:cNvPr id="5" name="Table 4"/>
+          <p:cNvGraphicFramePr>
+            <a:graphicFrameLocks noGrp="1"/>
+          </p:cNvGraphicFramePr>
+          <p:nvPr>
+            <p:extLst>
+              <p:ext uri="{D42A27DB-BD31-4B8C-83A1-F6EECF244321}">
+                <p14:modId xmlns:p14="http://schemas.microsoft.com/office/powerpoint/2010/main" val="2331517443"/>
+              </p:ext>
+            </p:extLst>
+          </p:nvPr>
+        </p:nvGraphicFramePr>
+        <p:xfrm>
+          <a:off x="6633028" y="1698152"/>
+          <a:ext cx="5371604" cy="2685164"/>
+        </p:xfrm>
+        <a:graphic>
+          <a:graphicData uri="http://schemas.openxmlformats.org/drawingml/2006/table">
+            <a:tbl>
+              <a:tblPr firstRow="1" bandRow="1">
+                <a:tableStyleId>{5C22544A-7EE6-4342-B048-85BDC9FD1C3A}</a:tableStyleId>
+              </a:tblPr>
+              <a:tblGrid>
+                <a:gridCol w="1342901"/>
+                <a:gridCol w="1342901"/>
+                <a:gridCol w="1342901"/>
+                <a:gridCol w="1342901"/>
+              </a:tblGrid>
+              <a:tr h="592828">
+                <a:tc>
+                  <a:txBody>
+                    <a:bodyPr/>
+                    <a:lstStyle/>
+                    <a:p>
+                      <a:pPr algn="ctr"/>
+                      <a:r>
+                        <a:rPr lang="en-US" sz="1400" dirty="0" smtClean="0"/>
+                        <a:t>State</a:t>
+                      </a:r>
+                      <a:endParaRPr lang="en-US" sz="1400" dirty="0"/>
+                    </a:p>
+                  </a:txBody>
+                  <a:tcPr anchor="ctr"/>
+                </a:tc>
+                <a:tc>
+                  <a:txBody>
+                    <a:bodyPr/>
+                    <a:lstStyle/>
+                    <a:p>
+                      <a:pPr algn="ctr"/>
+                      <a:r>
+                        <a:rPr lang="en-US" sz="1400" dirty="0" smtClean="0"/>
+                        <a:t>In memory</a:t>
+                      </a:r>
+                      <a:endParaRPr lang="en-US" sz="1400" dirty="0"/>
+                    </a:p>
+                  </a:txBody>
+                  <a:tcPr anchor="ctr"/>
+                </a:tc>
+                <a:tc>
+                  <a:txBody>
+                    <a:bodyPr/>
+                    <a:lstStyle/>
+                    <a:p>
+                      <a:pPr algn="ctr"/>
+                      <a:r>
+                        <a:rPr lang="en-US" sz="1400" dirty="0" smtClean="0"/>
+                        <a:t>Visible to user?</a:t>
+                      </a:r>
+                      <a:endParaRPr lang="en-US" sz="1400" dirty="0"/>
+                    </a:p>
+                  </a:txBody>
+                  <a:tcPr anchor="ctr"/>
+                </a:tc>
+                <a:tc>
+                  <a:txBody>
+                    <a:bodyPr/>
+                    <a:lstStyle/>
+                    <a:p>
+                      <a:pPr algn="ctr"/>
+                      <a:r>
+                        <a:rPr lang="en-US" sz="1400" dirty="0" smtClean="0"/>
+                        <a:t>In foreground?</a:t>
+                      </a:r>
+                      <a:endParaRPr lang="en-US" sz="1400" dirty="0"/>
+                    </a:p>
+                  </a:txBody>
+                  <a:tcPr anchor="ctr"/>
+                </a:tc>
+              </a:tr>
+              <a:tr h="523084">
+                <a:tc>
+                  <a:txBody>
+                    <a:bodyPr/>
+                    <a:lstStyle/>
+                    <a:p>
+                      <a:pPr algn="ctr"/>
+                      <a:r>
+                        <a:rPr lang="en-US" sz="1600" dirty="0" smtClean="0">
+                          <a:solidFill>
+                            <a:schemeClr val="bg1"/>
+                          </a:solidFill>
+                        </a:rPr>
+                        <a:t>Non-Existent</a:t>
+                      </a:r>
+                      <a:endParaRPr lang="en-US" sz="1600" dirty="0">
+                        <a:solidFill>
+                          <a:schemeClr val="bg1"/>
+                        </a:solidFill>
+                      </a:endParaRPr>
+                    </a:p>
+                  </a:txBody>
+                  <a:tcPr anchor="ctr">
+                    <a:solidFill>
+                      <a:schemeClr val="accent1">
+                        <a:lumMod val="60000"/>
+                        <a:lumOff val="40000"/>
+                      </a:schemeClr>
+                    </a:solidFill>
+                  </a:tcPr>
+                </a:tc>
+                <a:tc>
+                  <a:txBody>
+                    <a:bodyPr/>
+                    <a:lstStyle/>
+                    <a:p>
+                      <a:pPr algn="ctr"/>
+                      <a:r>
+                        <a:rPr lang="en-US" sz="1800" dirty="0" smtClean="0">
+                          <a:solidFill>
+                            <a:schemeClr val="bg1"/>
+                          </a:solidFill>
+                        </a:rPr>
+                        <a:t>No</a:t>
+                      </a:r>
+                      <a:endParaRPr lang="en-US" sz="1800" dirty="0">
+                        <a:solidFill>
+                          <a:schemeClr val="bg1"/>
+                        </a:solidFill>
+                      </a:endParaRPr>
+                    </a:p>
+                  </a:txBody>
+                  <a:tcPr anchor="ctr">
+                    <a:solidFill>
+                      <a:schemeClr val="accent1">
+                        <a:lumMod val="75000"/>
+                      </a:schemeClr>
+                    </a:solidFill>
+                  </a:tcPr>
+                </a:tc>
+                <a:tc>
+                  <a:txBody>
+                    <a:bodyPr/>
+                    <a:lstStyle/>
+                    <a:p>
+                      <a:pPr algn="ctr"/>
+                      <a:r>
+                        <a:rPr lang="en-US" sz="1800" dirty="0" smtClean="0">
+                          <a:solidFill>
+                            <a:schemeClr val="bg1"/>
+                          </a:solidFill>
+                        </a:rPr>
+                        <a:t>No</a:t>
+                      </a:r>
+                      <a:endParaRPr lang="en-US" sz="1800" dirty="0">
+                        <a:solidFill>
+                          <a:schemeClr val="bg1"/>
+                        </a:solidFill>
+                      </a:endParaRPr>
+                    </a:p>
+                  </a:txBody>
+                  <a:tcPr anchor="ctr">
+                    <a:solidFill>
+                      <a:schemeClr val="accent1">
+                        <a:lumMod val="75000"/>
+                      </a:schemeClr>
+                    </a:solidFill>
+                  </a:tcPr>
+                </a:tc>
+                <a:tc>
+                  <a:txBody>
+                    <a:bodyPr/>
+                    <a:lstStyle/>
+                    <a:p>
+                      <a:pPr algn="ctr"/>
+                      <a:r>
+                        <a:rPr lang="en-US" sz="1800" dirty="0" smtClean="0">
+                          <a:solidFill>
+                            <a:schemeClr val="bg1"/>
+                          </a:solidFill>
+                        </a:rPr>
+                        <a:t>No</a:t>
+                      </a:r>
+                      <a:endParaRPr lang="en-US" sz="1800" dirty="0">
+                        <a:solidFill>
+                          <a:schemeClr val="bg1"/>
+                        </a:solidFill>
+                      </a:endParaRPr>
+                    </a:p>
+                  </a:txBody>
+                  <a:tcPr anchor="ctr">
+                    <a:solidFill>
+                      <a:schemeClr val="accent1">
+                        <a:lumMod val="75000"/>
+                      </a:schemeClr>
+                    </a:solidFill>
+                  </a:tcPr>
+                </a:tc>
+              </a:tr>
+              <a:tr h="523084">
+                <a:tc>
+                  <a:txBody>
+                    <a:bodyPr/>
+                    <a:lstStyle/>
+                    <a:p>
+                      <a:pPr algn="ctr"/>
+                      <a:r>
+                        <a:rPr lang="en-US" sz="1600" dirty="0" smtClean="0">
+                          <a:solidFill>
+                            <a:schemeClr val="bg1"/>
+                          </a:solidFill>
+                        </a:rPr>
+                        <a:t>Stopped</a:t>
+                      </a:r>
+                      <a:endParaRPr lang="en-US" sz="1600" dirty="0">
+                        <a:solidFill>
+                          <a:schemeClr val="bg1"/>
+                        </a:solidFill>
+                      </a:endParaRPr>
+                    </a:p>
+                  </a:txBody>
+                  <a:tcPr anchor="ctr">
+                    <a:solidFill>
+                      <a:schemeClr val="accent1">
+                        <a:lumMod val="60000"/>
+                        <a:lumOff val="40000"/>
+                      </a:schemeClr>
+                    </a:solidFill>
+                  </a:tcPr>
+                </a:tc>
+                <a:tc>
+                  <a:txBody>
+                    <a:bodyPr/>
+                    <a:lstStyle/>
+                    <a:p>
+                      <a:pPr algn="ctr"/>
+                      <a:r>
+                        <a:rPr lang="en-US" sz="1800" dirty="0" smtClean="0">
+                          <a:solidFill>
+                            <a:schemeClr val="bg1"/>
+                          </a:solidFill>
+                        </a:rPr>
+                        <a:t>Yes</a:t>
+                      </a:r>
+                      <a:endParaRPr lang="en-US" sz="1800" dirty="0">
+                        <a:solidFill>
+                          <a:schemeClr val="bg1"/>
+                        </a:solidFill>
+                      </a:endParaRPr>
+                    </a:p>
+                  </a:txBody>
+                  <a:tcPr anchor="ctr">
+                    <a:solidFill>
+                      <a:schemeClr val="accent4">
+                        <a:lumMod val="75000"/>
+                      </a:schemeClr>
+                    </a:solidFill>
+                  </a:tcPr>
+                </a:tc>
+                <a:tc>
+                  <a:txBody>
+                    <a:bodyPr/>
+                    <a:lstStyle/>
+                    <a:p>
+                      <a:pPr algn="ctr"/>
+                      <a:r>
+                        <a:rPr lang="en-US" sz="1800" dirty="0" smtClean="0">
+                          <a:solidFill>
+                            <a:schemeClr val="bg1"/>
+                          </a:solidFill>
+                        </a:rPr>
+                        <a:t>No</a:t>
+                      </a:r>
+                      <a:endParaRPr lang="en-US" sz="1800" dirty="0">
+                        <a:solidFill>
+                          <a:schemeClr val="bg1"/>
+                        </a:solidFill>
+                      </a:endParaRPr>
+                    </a:p>
+                  </a:txBody>
+                  <a:tcPr anchor="ctr">
+                    <a:solidFill>
+                      <a:schemeClr val="accent4">
+                        <a:lumMod val="75000"/>
+                      </a:schemeClr>
+                    </a:solidFill>
+                  </a:tcPr>
+                </a:tc>
+                <a:tc>
+                  <a:txBody>
+                    <a:bodyPr/>
+                    <a:lstStyle/>
+                    <a:p>
+                      <a:pPr algn="ctr"/>
+                      <a:r>
+                        <a:rPr lang="en-US" sz="1800" dirty="0" smtClean="0">
+                          <a:solidFill>
+                            <a:schemeClr val="bg1"/>
+                          </a:solidFill>
+                        </a:rPr>
+                        <a:t>No</a:t>
+                      </a:r>
+                      <a:endParaRPr lang="en-US" sz="1800" dirty="0">
+                        <a:solidFill>
+                          <a:schemeClr val="bg1"/>
+                        </a:solidFill>
+                      </a:endParaRPr>
+                    </a:p>
+                  </a:txBody>
+                  <a:tcPr anchor="ctr">
+                    <a:solidFill>
+                      <a:schemeClr val="accent4">
+                        <a:lumMod val="75000"/>
+                      </a:schemeClr>
+                    </a:solidFill>
+                  </a:tcPr>
+                </a:tc>
+              </a:tr>
+              <a:tr h="523084">
+                <a:tc>
+                  <a:txBody>
+                    <a:bodyPr/>
+                    <a:lstStyle/>
+                    <a:p>
+                      <a:pPr algn="ctr"/>
+                      <a:r>
+                        <a:rPr lang="en-US" sz="1600" dirty="0" smtClean="0">
+                          <a:solidFill>
+                            <a:schemeClr val="bg1"/>
+                          </a:solidFill>
+                        </a:rPr>
+                        <a:t>Paused</a:t>
+                      </a:r>
+                      <a:endParaRPr lang="en-US" sz="1600" dirty="0">
+                        <a:solidFill>
+                          <a:schemeClr val="bg1"/>
+                        </a:solidFill>
+                      </a:endParaRPr>
+                    </a:p>
+                  </a:txBody>
+                  <a:tcPr anchor="ctr">
+                    <a:solidFill>
+                      <a:schemeClr val="accent1">
+                        <a:lumMod val="60000"/>
+                        <a:lumOff val="40000"/>
+                      </a:schemeClr>
+                    </a:solidFill>
+                  </a:tcPr>
+                </a:tc>
+                <a:tc>
+                  <a:txBody>
+                    <a:bodyPr/>
+                    <a:lstStyle/>
+                    <a:p>
+                      <a:pPr algn="ctr"/>
+                      <a:r>
+                        <a:rPr lang="en-US" sz="1800" dirty="0" smtClean="0">
+                          <a:solidFill>
+                            <a:schemeClr val="bg1"/>
+                          </a:solidFill>
+                        </a:rPr>
+                        <a:t>Yes</a:t>
+                      </a:r>
+                      <a:endParaRPr lang="en-US" sz="1800" dirty="0">
+                        <a:solidFill>
+                          <a:schemeClr val="bg1"/>
+                        </a:solidFill>
+                      </a:endParaRPr>
+                    </a:p>
+                  </a:txBody>
+                  <a:tcPr anchor="ctr">
+                    <a:solidFill>
+                      <a:schemeClr val="tx2"/>
+                    </a:solidFill>
+                  </a:tcPr>
+                </a:tc>
+                <a:tc>
+                  <a:txBody>
+                    <a:bodyPr/>
+                    <a:lstStyle/>
+                    <a:p>
+                      <a:pPr algn="ctr"/>
+                      <a:r>
+                        <a:rPr lang="en-US" sz="1800" dirty="0" smtClean="0">
+                          <a:solidFill>
+                            <a:schemeClr val="bg1"/>
+                          </a:solidFill>
+                        </a:rPr>
+                        <a:t>Yes/partially</a:t>
+                      </a:r>
+                      <a:endParaRPr lang="en-US" sz="1800" dirty="0">
+                        <a:solidFill>
+                          <a:schemeClr val="bg1"/>
+                        </a:solidFill>
+                      </a:endParaRPr>
+                    </a:p>
+                  </a:txBody>
+                  <a:tcPr anchor="ctr">
+                    <a:solidFill>
+                      <a:schemeClr val="tx2"/>
+                    </a:solidFill>
+                  </a:tcPr>
+                </a:tc>
+                <a:tc>
+                  <a:txBody>
+                    <a:bodyPr/>
+                    <a:lstStyle/>
+                    <a:p>
+                      <a:pPr algn="ctr"/>
+                      <a:r>
+                        <a:rPr lang="en-US" sz="1800" dirty="0" smtClean="0">
+                          <a:solidFill>
+                            <a:schemeClr val="bg1"/>
+                          </a:solidFill>
+                        </a:rPr>
+                        <a:t>No</a:t>
+                      </a:r>
+                      <a:endParaRPr lang="en-US" sz="1800" dirty="0">
+                        <a:solidFill>
+                          <a:schemeClr val="bg1"/>
+                        </a:solidFill>
+                      </a:endParaRPr>
+                    </a:p>
+                  </a:txBody>
+                  <a:tcPr anchor="ctr">
+                    <a:solidFill>
+                      <a:schemeClr val="tx2"/>
+                    </a:solidFill>
+                  </a:tcPr>
+                </a:tc>
+              </a:tr>
+              <a:tr h="523084">
+                <a:tc>
+                  <a:txBody>
+                    <a:bodyPr/>
+                    <a:lstStyle/>
+                    <a:p>
+                      <a:pPr algn="ctr"/>
+                      <a:r>
+                        <a:rPr lang="en-US" sz="1600" dirty="0" smtClean="0">
+                          <a:solidFill>
+                            <a:schemeClr val="bg1"/>
+                          </a:solidFill>
+                        </a:rPr>
+                        <a:t>Running </a:t>
+                      </a:r>
+                      <a:endParaRPr lang="en-US" sz="1600" dirty="0">
+                        <a:solidFill>
+                          <a:schemeClr val="bg1"/>
+                        </a:solidFill>
+                      </a:endParaRPr>
+                    </a:p>
+                  </a:txBody>
+                  <a:tcPr anchor="ctr">
+                    <a:solidFill>
+                      <a:schemeClr val="accent1">
+                        <a:lumMod val="60000"/>
+                        <a:lumOff val="40000"/>
+                      </a:schemeClr>
+                    </a:solidFill>
+                  </a:tcPr>
+                </a:tc>
+                <a:tc>
+                  <a:txBody>
+                    <a:bodyPr/>
+                    <a:lstStyle/>
+                    <a:p>
+                      <a:pPr algn="ctr"/>
+                      <a:r>
+                        <a:rPr lang="en-US" sz="1800" dirty="0" smtClean="0">
+                          <a:solidFill>
+                            <a:schemeClr val="bg1"/>
+                          </a:solidFill>
+                        </a:rPr>
+                        <a:t>Yes</a:t>
+                      </a:r>
+                      <a:endParaRPr lang="en-US" sz="1800" dirty="0">
+                        <a:solidFill>
+                          <a:schemeClr val="bg1"/>
+                        </a:solidFill>
+                      </a:endParaRPr>
+                    </a:p>
+                  </a:txBody>
+                  <a:tcPr anchor="ctr">
+                    <a:solidFill>
+                      <a:schemeClr val="accent3">
+                        <a:lumMod val="75000"/>
+                      </a:schemeClr>
+                    </a:solidFill>
+                  </a:tcPr>
+                </a:tc>
+                <a:tc>
+                  <a:txBody>
+                    <a:bodyPr/>
+                    <a:lstStyle/>
+                    <a:p>
+                      <a:pPr algn="ctr"/>
+                      <a:r>
+                        <a:rPr lang="en-US" sz="1800" dirty="0" smtClean="0">
+                          <a:solidFill>
+                            <a:schemeClr val="bg1"/>
+                          </a:solidFill>
+                        </a:rPr>
+                        <a:t>Yes</a:t>
+                      </a:r>
+                      <a:endParaRPr lang="en-US" sz="1800" dirty="0">
+                        <a:solidFill>
+                          <a:schemeClr val="bg1"/>
+                        </a:solidFill>
+                      </a:endParaRPr>
+                    </a:p>
+                  </a:txBody>
+                  <a:tcPr anchor="ctr">
+                    <a:solidFill>
+                      <a:schemeClr val="accent3">
+                        <a:lumMod val="75000"/>
+                      </a:schemeClr>
+                    </a:solidFill>
+                  </a:tcPr>
+                </a:tc>
+                <a:tc>
+                  <a:txBody>
+                    <a:bodyPr/>
+                    <a:lstStyle/>
+                    <a:p>
+                      <a:pPr algn="ctr"/>
+                      <a:r>
+                        <a:rPr lang="en-US" sz="1800" dirty="0" smtClean="0">
+                          <a:solidFill>
+                            <a:schemeClr val="bg1"/>
+                          </a:solidFill>
+                        </a:rPr>
+                        <a:t>Yes</a:t>
+                      </a:r>
+                      <a:endParaRPr lang="en-US" sz="1800" dirty="0">
+                        <a:solidFill>
+                          <a:schemeClr val="bg1"/>
+                        </a:solidFill>
+                      </a:endParaRPr>
+                    </a:p>
+                  </a:txBody>
+                  <a:tcPr anchor="ctr">
+                    <a:solidFill>
+                      <a:schemeClr val="accent3">
+                        <a:lumMod val="75000"/>
+                      </a:schemeClr>
+                    </a:solidFill>
+                  </a:tcPr>
+                </a:tc>
+              </a:tr>
+            </a:tbl>
+          </a:graphicData>
+        </a:graphic>
+      </p:graphicFrame>
+    </p:spTree>
+    <p:extLst>
+      <p:ext uri="{BB962C8B-B14F-4D97-AF65-F5344CB8AC3E}">
+        <p14:creationId xmlns:p14="http://schemas.microsoft.com/office/powerpoint/2010/main" val="2983927001"/>
+      </p:ext>
+    </p:extLst>
+  </p:cSld>
+  <p:clrMapOvr>
+    <a:masterClrMapping/>
+  </p:clrMapOvr>
+  <p:timing>
+    <p:tnLst>
+      <p:par>
+        <p:cTn id="1" dur="indefinite" restart="never" nodeType="tmRoot"/>
+      </p:par>
+    </p:tnLst>
+  </p:timing>
+</p:sld>
+</file>
+
+<file path=ppt/slides/slide35.xml><?xml version="1.0" encoding="utf-8"?>
 <p:sld xmlns:a="http://schemas.openxmlformats.org/drawingml/2006/main" xmlns:r="http://schemas.openxmlformats.org/officeDocument/2006/relationships" xmlns:p="http://schemas.openxmlformats.org/presentationml/2006/main">
   <p:cSld>
     <p:spTree>
@@ -8350,7 +9554,7 @@
 </p:sld>
 </file>
 
-<file path=ppt/slides/slide35.xml><?xml version="1.0" encoding="utf-8"?>
+<file path=ppt/slides/slide36.xml><?xml version="1.0" encoding="utf-8"?>
 <p:sld xmlns:a="http://schemas.openxmlformats.org/drawingml/2006/main" xmlns:r="http://schemas.openxmlformats.org/officeDocument/2006/relationships" xmlns:p="http://schemas.openxmlformats.org/presentationml/2006/main">
   <p:cSld>
     <p:spTree>
@@ -8382,13 +9586,84 @@
           <a:bodyPr/>
           <a:lstStyle/>
           <a:p>
+            <a:pPr marL="0" indent="0" algn="ctr">
+              <a:buNone/>
+            </a:pPr>
+            <a:endParaRPr lang="en-US" dirty="0" smtClean="0"/>
+          </a:p>
+          <a:p>
+            <a:pPr marL="0" indent="0" algn="ctr">
+              <a:buNone/>
+            </a:pPr>
+            <a:endParaRPr lang="en-US" dirty="0"/>
+          </a:p>
+          <a:p>
+            <a:pPr marL="0" indent="0" algn="ctr">
+              <a:buNone/>
+            </a:pPr>
             <a:r>
               <a:rPr lang="en-US" dirty="0" smtClean="0"/>
-              <a:t>View </a:t>
-            </a:r>
+              <a:t>Show Fragment Layout Code</a:t>
+            </a:r>
+            <a:endParaRPr lang="en-US" dirty="0"/>
+          </a:p>
+        </p:txBody>
+      </p:sp>
+    </p:spTree>
+    <p:extLst>
+      <p:ext uri="{BB962C8B-B14F-4D97-AF65-F5344CB8AC3E}">
+        <p14:creationId xmlns:p14="http://schemas.microsoft.com/office/powerpoint/2010/main" val="1180113334"/>
+      </p:ext>
+    </p:extLst>
+  </p:cSld>
+  <p:clrMapOvr>
+    <a:masterClrMapping/>
+  </p:clrMapOvr>
+  <p:timing>
+    <p:tnLst>
+      <p:par>
+        <p:cTn id="1" dur="indefinite" restart="never" nodeType="tmRoot"/>
+      </p:par>
+    </p:tnLst>
+  </p:timing>
+</p:sld>
+</file>
+
+<file path=ppt/slides/slide37.xml><?xml version="1.0" encoding="utf-8"?>
+<p:sld xmlns:a="http://schemas.openxmlformats.org/drawingml/2006/main" xmlns:r="http://schemas.openxmlformats.org/officeDocument/2006/relationships" xmlns:p="http://schemas.openxmlformats.org/presentationml/2006/main">
+  <p:cSld>
+    <p:spTree>
+      <p:nvGrpSpPr>
+        <p:cNvPr id="1" name=""/>
+        <p:cNvGrpSpPr/>
+        <p:nvPr/>
+      </p:nvGrpSpPr>
+      <p:grpSpPr>
+        <a:xfrm>
+          <a:off x="0" y="0"/>
+          <a:ext cx="0" cy="0"/>
+          <a:chOff x="0" y="0"/>
+          <a:chExt cx="0" cy="0"/>
+        </a:xfrm>
+      </p:grpSpPr>
+      <p:sp>
+        <p:nvSpPr>
+          <p:cNvPr id="3" name="Content Placeholder 2"/>
+          <p:cNvSpPr>
+            <a:spLocks noGrp="1"/>
+          </p:cNvSpPr>
+          <p:nvPr>
+            <p:ph idx="1"/>
+          </p:nvPr>
+        </p:nvSpPr>
+        <p:spPr/>
+        <p:txBody>
+          <a:bodyPr/>
+          <a:lstStyle/>
+          <a:p>
             <a:r>
               <a:rPr lang="en-US" dirty="0" smtClean="0"/>
-              <a:t>Groups and View dimensions</a:t>
+              <a:t>View Groups and View dimensions</a:t>
             </a:r>
           </a:p>
           <a:p>
@@ -8421,11 +9696,7 @@
           <a:p>
             <a:r>
               <a:rPr lang="en-US" sz="4400" dirty="0" smtClean="0"/>
-              <a:t>Density </a:t>
-            </a:r>
-            <a:r>
-              <a:rPr lang="en-US" sz="4400" dirty="0" smtClean="0"/>
-              <a:t>Independent Pixel (</a:t>
+              <a:t>Density Independent Pixel (</a:t>
             </a:r>
             <a:r>
               <a:rPr lang="en-US" sz="4400" dirty="0" err="1" smtClean="0"/>
@@ -8459,7 +9730,7 @@
 </p:sld>
 </file>
 
-<file path=ppt/slides/slide36.xml><?xml version="1.0" encoding="utf-8"?>
+<file path=ppt/slides/slide38.xml><?xml version="1.0" encoding="utf-8"?>
 <p:sld xmlns:a="http://schemas.openxmlformats.org/drawingml/2006/main" xmlns:r="http://schemas.openxmlformats.org/officeDocument/2006/relationships" xmlns:p="http://schemas.openxmlformats.org/presentationml/2006/main">
   <p:cSld>
     <p:spTree>
@@ -8610,10 +9881,17 @@
   <p:clrMapOvr>
     <a:masterClrMapping/>
   </p:clrMapOvr>
+  <p:timing>
+    <p:tnLst>
+      <p:par>
+        <p:cTn id="1" dur="indefinite" restart="never" nodeType="tmRoot"/>
+      </p:par>
+    </p:tnLst>
+  </p:timing>
 </p:sld>
 </file>
 
-<file path=ppt/slides/slide37.xml><?xml version="1.0" encoding="utf-8"?>
+<file path=ppt/slides/slide39.xml><?xml version="1.0" encoding="utf-8"?>
 <p:sld xmlns:a="http://schemas.openxmlformats.org/drawingml/2006/main" xmlns:r="http://schemas.openxmlformats.org/officeDocument/2006/relationships" xmlns:p="http://schemas.openxmlformats.org/presentationml/2006/main">
   <p:cSld>
     <p:spTree>
@@ -8647,7 +9925,7 @@
           <a:p>
             <a:r>
               <a:rPr lang="en-US" dirty="0" smtClean="0"/>
-              <a:t>Create Landscape Layout</a:t>
+              <a:t>Fragment Code</a:t>
             </a:r>
             <a:endParaRPr lang="en-US" dirty="0"/>
           </a:p>
@@ -8668,24 +9946,9 @@
           <a:bodyPr/>
           <a:lstStyle/>
           <a:p>
-            <a:pPr marL="0" indent="0">
-              <a:buNone/>
-            </a:pPr>
-            <a:endParaRPr lang="en-US" dirty="0" smtClean="0"/>
-          </a:p>
-          <a:p>
-            <a:pPr marL="0" indent="0">
-              <a:buNone/>
-            </a:pPr>
-            <a:endParaRPr lang="en-US" dirty="0"/>
-          </a:p>
-          <a:p>
-            <a:pPr marL="0" indent="0" algn="ctr">
-              <a:buNone/>
-            </a:pPr>
             <a:r>
               <a:rPr lang="en-US" dirty="0" smtClean="0"/>
-              <a:t>Live Example</a:t>
+              <a:t>Logic to fragment XML layout</a:t>
             </a:r>
             <a:endParaRPr lang="en-US" dirty="0"/>
           </a:p>
@@ -8694,107 +9957,20 @@
     </p:spTree>
     <p:extLst>
       <p:ext uri="{BB962C8B-B14F-4D97-AF65-F5344CB8AC3E}">
-        <p14:creationId xmlns:p14="http://schemas.microsoft.com/office/powerpoint/2010/main" val="1802199029"/>
+        <p14:creationId xmlns:p14="http://schemas.microsoft.com/office/powerpoint/2010/main" val="4201928760"/>
       </p:ext>
     </p:extLst>
   </p:cSld>
   <p:clrMapOvr>
     <a:masterClrMapping/>
   </p:clrMapOvr>
-</p:sld>
-</file>
-
-<file path=ppt/slides/slide38.xml><?xml version="1.0" encoding="utf-8"?>
-<p:sld xmlns:a="http://schemas.openxmlformats.org/drawingml/2006/main" xmlns:r="http://schemas.openxmlformats.org/officeDocument/2006/relationships" xmlns:p="http://schemas.openxmlformats.org/presentationml/2006/main">
-  <p:cSld>
-    <p:spTree>
-      <p:nvGrpSpPr>
-        <p:cNvPr id="1" name=""/>
-        <p:cNvGrpSpPr/>
-        <p:nvPr/>
-      </p:nvGrpSpPr>
-      <p:grpSpPr>
-        <a:xfrm>
-          <a:off x="0" y="0"/>
-          <a:ext cx="0" cy="0"/>
-          <a:chOff x="0" y="0"/>
-          <a:chExt cx="0" cy="0"/>
-        </a:xfrm>
-      </p:grpSpPr>
-      <p:sp>
-        <p:nvSpPr>
-          <p:cNvPr id="2" name="Title 1"/>
-          <p:cNvSpPr>
-            <a:spLocks noGrp="1"/>
-          </p:cNvSpPr>
-          <p:nvPr>
-            <p:ph type="title"/>
-          </p:nvPr>
-        </p:nvSpPr>
-        <p:spPr/>
-        <p:txBody>
-          <a:bodyPr/>
-          <a:lstStyle/>
-          <a:p>
-            <a:r>
-              <a:rPr lang="en-US" dirty="0" smtClean="0"/>
-              <a:t>Adding Fragment to Activity</a:t>
-            </a:r>
-            <a:endParaRPr lang="en-US" dirty="0"/>
-          </a:p>
-        </p:txBody>
-      </p:sp>
-      <p:sp>
-        <p:nvSpPr>
-          <p:cNvPr id="3" name="Content Placeholder 2"/>
-          <p:cNvSpPr>
-            <a:spLocks noGrp="1"/>
-          </p:cNvSpPr>
-          <p:nvPr>
-            <p:ph idx="1"/>
-          </p:nvPr>
-        </p:nvSpPr>
-        <p:spPr/>
-        <p:txBody>
-          <a:bodyPr/>
-          <a:lstStyle/>
-          <a:p>
-            <a:pPr lvl="1"/>
-            <a:r>
-              <a:rPr lang="en-US" b="1" dirty="0" smtClean="0"/>
-              <a:t>Statically</a:t>
-            </a:r>
-            <a:r>
-              <a:rPr lang="en-US" dirty="0" smtClean="0"/>
-              <a:t> -- add fragment to Activity’s Layout </a:t>
-            </a:r>
-          </a:p>
-          <a:p>
-            <a:pPr lvl="1"/>
-            <a:r>
-              <a:rPr lang="en-US" b="1" dirty="0" smtClean="0"/>
-              <a:t>Dynamically</a:t>
-            </a:r>
-            <a:r>
-              <a:rPr lang="en-US" dirty="0" smtClean="0"/>
-              <a:t> – using Java and Fragment Manager</a:t>
-            </a:r>
-          </a:p>
-          <a:p>
-            <a:endParaRPr lang="en-US" dirty="0"/>
-          </a:p>
-        </p:txBody>
-      </p:sp>
-    </p:spTree>
-    <p:extLst>
-      <p:ext uri="{BB962C8B-B14F-4D97-AF65-F5344CB8AC3E}">
-        <p14:creationId xmlns:p14="http://schemas.microsoft.com/office/powerpoint/2010/main" val="1212573231"/>
-      </p:ext>
-    </p:extLst>
-  </p:cSld>
-  <p:clrMapOvr>
-    <a:masterClrMapping/>
-  </p:clrMapOvr>
+  <p:timing>
+    <p:tnLst>
+      <p:par>
+        <p:cTn id="1" dur="indefinite" restart="never" nodeType="tmRoot"/>
+      </p:par>
+    </p:tnLst>
+  </p:timing>
 </p:sld>
 </file>
 
@@ -9010,6 +10186,547 @@
 </p:sld>
 </file>
 
+<file path=ppt/slides/slide40.xml><?xml version="1.0" encoding="utf-8"?>
+<p:sld xmlns:a="http://schemas.openxmlformats.org/drawingml/2006/main" xmlns:r="http://schemas.openxmlformats.org/officeDocument/2006/relationships" xmlns:p="http://schemas.openxmlformats.org/presentationml/2006/main">
+  <p:cSld>
+    <p:spTree>
+      <p:nvGrpSpPr>
+        <p:cNvPr id="1" name=""/>
+        <p:cNvGrpSpPr/>
+        <p:nvPr/>
+      </p:nvGrpSpPr>
+      <p:grpSpPr>
+        <a:xfrm>
+          <a:off x="0" y="0"/>
+          <a:ext cx="0" cy="0"/>
+          <a:chOff x="0" y="0"/>
+          <a:chExt cx="0" cy="0"/>
+        </a:xfrm>
+      </p:grpSpPr>
+      <p:sp>
+        <p:nvSpPr>
+          <p:cNvPr id="3" name="Content Placeholder 2"/>
+          <p:cNvSpPr>
+            <a:spLocks noGrp="1"/>
+          </p:cNvSpPr>
+          <p:nvPr>
+            <p:ph idx="1"/>
+          </p:nvPr>
+        </p:nvSpPr>
+        <p:spPr/>
+        <p:txBody>
+          <a:bodyPr/>
+          <a:lstStyle/>
+          <a:p>
+            <a:pPr marL="0" indent="0" algn="ctr">
+              <a:buNone/>
+            </a:pPr>
+            <a:endParaRPr lang="en-US" dirty="0" smtClean="0"/>
+          </a:p>
+          <a:p>
+            <a:pPr marL="0" indent="0" algn="ctr">
+              <a:buNone/>
+            </a:pPr>
+            <a:endParaRPr lang="en-US" dirty="0"/>
+          </a:p>
+          <a:p>
+            <a:pPr marL="0" indent="0" algn="ctr">
+              <a:buNone/>
+            </a:pPr>
+            <a:r>
+              <a:rPr lang="en-US" dirty="0" smtClean="0"/>
+              <a:t>Show Fragment Code</a:t>
+            </a:r>
+            <a:endParaRPr lang="en-US" dirty="0"/>
+          </a:p>
+        </p:txBody>
+      </p:sp>
+    </p:spTree>
+    <p:extLst>
+      <p:ext uri="{BB962C8B-B14F-4D97-AF65-F5344CB8AC3E}">
+        <p14:creationId xmlns:p14="http://schemas.microsoft.com/office/powerpoint/2010/main" val="1228316914"/>
+      </p:ext>
+    </p:extLst>
+  </p:cSld>
+  <p:clrMapOvr>
+    <a:masterClrMapping/>
+  </p:clrMapOvr>
+  <p:timing>
+    <p:tnLst>
+      <p:par>
+        <p:cTn id="1" dur="indefinite" restart="never" nodeType="tmRoot"/>
+      </p:par>
+    </p:tnLst>
+  </p:timing>
+</p:sld>
+</file>
+
+<file path=ppt/slides/slide41.xml><?xml version="1.0" encoding="utf-8"?>
+<p:sld xmlns:a="http://schemas.openxmlformats.org/drawingml/2006/main" xmlns:r="http://schemas.openxmlformats.org/officeDocument/2006/relationships" xmlns:p="http://schemas.openxmlformats.org/presentationml/2006/main">
+  <p:cSld>
+    <p:spTree>
+      <p:nvGrpSpPr>
+        <p:cNvPr id="1" name=""/>
+        <p:cNvGrpSpPr/>
+        <p:nvPr/>
+      </p:nvGrpSpPr>
+      <p:grpSpPr>
+        <a:xfrm>
+          <a:off x="0" y="0"/>
+          <a:ext cx="0" cy="0"/>
+          <a:chOff x="0" y="0"/>
+          <a:chExt cx="0" cy="0"/>
+        </a:xfrm>
+      </p:grpSpPr>
+      <p:sp>
+        <p:nvSpPr>
+          <p:cNvPr id="3" name="Content Placeholder 2"/>
+          <p:cNvSpPr>
+            <a:spLocks noGrp="1"/>
+          </p:cNvSpPr>
+          <p:nvPr>
+            <p:ph idx="1"/>
+          </p:nvPr>
+        </p:nvSpPr>
+        <p:spPr/>
+        <p:txBody>
+          <a:bodyPr/>
+          <a:lstStyle/>
+          <a:p>
+            <a:pPr marL="0" indent="0">
+              <a:buNone/>
+            </a:pPr>
+            <a:endParaRPr lang="en-US" dirty="0" smtClean="0"/>
+          </a:p>
+          <a:p>
+            <a:pPr marL="0" indent="0">
+              <a:buNone/>
+            </a:pPr>
+            <a:endParaRPr lang="en-US" dirty="0"/>
+          </a:p>
+          <a:p>
+            <a:pPr marL="0" indent="0" algn="ctr">
+              <a:buNone/>
+            </a:pPr>
+            <a:r>
+              <a:rPr lang="en-US" dirty="0" smtClean="0"/>
+              <a:t>Live Example Fragment Code</a:t>
+            </a:r>
+            <a:endParaRPr lang="en-US" dirty="0"/>
+          </a:p>
+        </p:txBody>
+      </p:sp>
+    </p:spTree>
+    <p:extLst>
+      <p:ext uri="{BB962C8B-B14F-4D97-AF65-F5344CB8AC3E}">
+        <p14:creationId xmlns:p14="http://schemas.microsoft.com/office/powerpoint/2010/main" val="998786636"/>
+      </p:ext>
+    </p:extLst>
+  </p:cSld>
+  <p:clrMapOvr>
+    <a:masterClrMapping/>
+  </p:clrMapOvr>
+  <p:timing>
+    <p:tnLst>
+      <p:par>
+        <p:cTn id="1" dur="indefinite" restart="never" nodeType="tmRoot"/>
+      </p:par>
+    </p:tnLst>
+  </p:timing>
+</p:sld>
+</file>
+
+<file path=ppt/slides/slide42.xml><?xml version="1.0" encoding="utf-8"?>
+<p:sld xmlns:a="http://schemas.openxmlformats.org/drawingml/2006/main" xmlns:r="http://schemas.openxmlformats.org/officeDocument/2006/relationships" xmlns:p="http://schemas.openxmlformats.org/presentationml/2006/main">
+  <p:cSld>
+    <p:spTree>
+      <p:nvGrpSpPr>
+        <p:cNvPr id="1" name=""/>
+        <p:cNvGrpSpPr/>
+        <p:nvPr/>
+      </p:nvGrpSpPr>
+      <p:grpSpPr>
+        <a:xfrm>
+          <a:off x="0" y="0"/>
+          <a:ext cx="0" cy="0"/>
+          <a:chOff x="0" y="0"/>
+          <a:chExt cx="0" cy="0"/>
+        </a:xfrm>
+      </p:grpSpPr>
+      <p:sp>
+        <p:nvSpPr>
+          <p:cNvPr id="2" name="Title 1"/>
+          <p:cNvSpPr>
+            <a:spLocks noGrp="1"/>
+          </p:cNvSpPr>
+          <p:nvPr>
+            <p:ph type="title"/>
+          </p:nvPr>
+        </p:nvSpPr>
+        <p:spPr/>
+        <p:txBody>
+          <a:bodyPr/>
+          <a:lstStyle/>
+          <a:p>
+            <a:r>
+              <a:rPr lang="en-US" dirty="0" smtClean="0"/>
+              <a:t>Adding Fragment to Activity</a:t>
+            </a:r>
+            <a:endParaRPr lang="en-US" dirty="0"/>
+          </a:p>
+        </p:txBody>
+      </p:sp>
+      <p:sp>
+        <p:nvSpPr>
+          <p:cNvPr id="3" name="Content Placeholder 2"/>
+          <p:cNvSpPr>
+            <a:spLocks noGrp="1"/>
+          </p:cNvSpPr>
+          <p:nvPr>
+            <p:ph idx="1"/>
+          </p:nvPr>
+        </p:nvSpPr>
+        <p:spPr/>
+        <p:txBody>
+          <a:bodyPr/>
+          <a:lstStyle/>
+          <a:p>
+            <a:endParaRPr lang="en-US" dirty="0"/>
+          </a:p>
+        </p:txBody>
+      </p:sp>
+    </p:spTree>
+    <p:extLst>
+      <p:ext uri="{BB962C8B-B14F-4D97-AF65-F5344CB8AC3E}">
+        <p14:creationId xmlns:p14="http://schemas.microsoft.com/office/powerpoint/2010/main" val="1212573231"/>
+      </p:ext>
+    </p:extLst>
+  </p:cSld>
+  <p:clrMapOvr>
+    <a:masterClrMapping/>
+  </p:clrMapOvr>
+  <p:timing>
+    <p:tnLst>
+      <p:par>
+        <p:cTn id="1" dur="indefinite" restart="never" nodeType="tmRoot"/>
+      </p:par>
+    </p:tnLst>
+  </p:timing>
+</p:sld>
+</file>
+
+<file path=ppt/slides/slide43.xml><?xml version="1.0" encoding="utf-8"?>
+<p:sld xmlns:a="http://schemas.openxmlformats.org/drawingml/2006/main" xmlns:r="http://schemas.openxmlformats.org/officeDocument/2006/relationships" xmlns:p="http://schemas.openxmlformats.org/presentationml/2006/main">
+  <p:cSld>
+    <p:spTree>
+      <p:nvGrpSpPr>
+        <p:cNvPr id="1" name=""/>
+        <p:cNvGrpSpPr/>
+        <p:nvPr/>
+      </p:nvGrpSpPr>
+      <p:grpSpPr>
+        <a:xfrm>
+          <a:off x="0" y="0"/>
+          <a:ext cx="0" cy="0"/>
+          <a:chOff x="0" y="0"/>
+          <a:chExt cx="0" cy="0"/>
+        </a:xfrm>
+      </p:grpSpPr>
+      <p:sp>
+        <p:nvSpPr>
+          <p:cNvPr id="3" name="Content Placeholder 2"/>
+          <p:cNvSpPr>
+            <a:spLocks noGrp="1"/>
+          </p:cNvSpPr>
+          <p:nvPr>
+            <p:ph idx="1"/>
+          </p:nvPr>
+        </p:nvSpPr>
+        <p:spPr/>
+        <p:txBody>
+          <a:bodyPr/>
+          <a:lstStyle/>
+          <a:p>
+            <a:pPr marL="0" indent="0" algn="ctr">
+              <a:buNone/>
+            </a:pPr>
+            <a:endParaRPr lang="en-US" dirty="0"/>
+          </a:p>
+          <a:p>
+            <a:pPr marL="0" indent="0" algn="ctr">
+              <a:buNone/>
+            </a:pPr>
+            <a:endParaRPr lang="en-US" dirty="0" smtClean="0"/>
+          </a:p>
+          <a:p>
+            <a:pPr marL="0" indent="0" algn="ctr">
+              <a:buNone/>
+            </a:pPr>
+            <a:r>
+              <a:rPr lang="en-US" dirty="0" smtClean="0"/>
+              <a:t>Extra</a:t>
+            </a:r>
+            <a:endParaRPr lang="en-US" dirty="0"/>
+          </a:p>
+        </p:txBody>
+      </p:sp>
+    </p:spTree>
+    <p:extLst>
+      <p:ext uri="{BB962C8B-B14F-4D97-AF65-F5344CB8AC3E}">
+        <p14:creationId xmlns:p14="http://schemas.microsoft.com/office/powerpoint/2010/main" val="3384954775"/>
+      </p:ext>
+    </p:extLst>
+  </p:cSld>
+  <p:clrMapOvr>
+    <a:masterClrMapping/>
+  </p:clrMapOvr>
+  <p:timing>
+    <p:tnLst>
+      <p:par>
+        <p:cTn id="1" dur="indefinite" restart="never" nodeType="tmRoot"/>
+      </p:par>
+    </p:tnLst>
+  </p:timing>
+</p:sld>
+</file>
+
+<file path=ppt/slides/slide44.xml><?xml version="1.0" encoding="utf-8"?>
+<p:sld xmlns:a="http://schemas.openxmlformats.org/drawingml/2006/main" xmlns:r="http://schemas.openxmlformats.org/officeDocument/2006/relationships" xmlns:p="http://schemas.openxmlformats.org/presentationml/2006/main">
+  <p:cSld>
+    <p:spTree>
+      <p:nvGrpSpPr>
+        <p:cNvPr id="1" name=""/>
+        <p:cNvGrpSpPr/>
+        <p:nvPr/>
+      </p:nvGrpSpPr>
+      <p:grpSpPr>
+        <a:xfrm>
+          <a:off x="0" y="0"/>
+          <a:ext cx="0" cy="0"/>
+          <a:chOff x="0" y="0"/>
+          <a:chExt cx="0" cy="0"/>
+        </a:xfrm>
+      </p:grpSpPr>
+      <p:sp>
+        <p:nvSpPr>
+          <p:cNvPr id="2" name="Title 1"/>
+          <p:cNvSpPr>
+            <a:spLocks noGrp="1"/>
+          </p:cNvSpPr>
+          <p:nvPr>
+            <p:ph type="title"/>
+          </p:nvPr>
+        </p:nvSpPr>
+        <p:spPr/>
+        <p:txBody>
+          <a:bodyPr/>
+          <a:lstStyle/>
+          <a:p>
+            <a:r>
+              <a:rPr lang="en-US" dirty="0" smtClean="0"/>
+              <a:t>Landscape Layout </a:t>
+            </a:r>
+            <a:endParaRPr lang="en-US" dirty="0"/>
+          </a:p>
+        </p:txBody>
+      </p:sp>
+      <p:sp>
+        <p:nvSpPr>
+          <p:cNvPr id="3" name="Content Placeholder 2"/>
+          <p:cNvSpPr>
+            <a:spLocks noGrp="1"/>
+          </p:cNvSpPr>
+          <p:nvPr>
+            <p:ph idx="1"/>
+          </p:nvPr>
+        </p:nvSpPr>
+        <p:spPr/>
+        <p:txBody>
+          <a:bodyPr/>
+          <a:lstStyle/>
+          <a:p>
+            <a:endParaRPr lang="en-US" dirty="0"/>
+          </a:p>
+        </p:txBody>
+      </p:sp>
+    </p:spTree>
+    <p:extLst>
+      <p:ext uri="{BB962C8B-B14F-4D97-AF65-F5344CB8AC3E}">
+        <p14:creationId xmlns:p14="http://schemas.microsoft.com/office/powerpoint/2010/main" val="449537407"/>
+      </p:ext>
+    </p:extLst>
+  </p:cSld>
+  <p:clrMapOvr>
+    <a:masterClrMapping/>
+  </p:clrMapOvr>
+  <p:timing>
+    <p:tnLst>
+      <p:par>
+        <p:cTn id="1" dur="indefinite" restart="never" nodeType="tmRoot"/>
+      </p:par>
+    </p:tnLst>
+  </p:timing>
+</p:sld>
+</file>
+
+<file path=ppt/slides/slide45.xml><?xml version="1.0" encoding="utf-8"?>
+<p:sld xmlns:a="http://schemas.openxmlformats.org/drawingml/2006/main" xmlns:r="http://schemas.openxmlformats.org/officeDocument/2006/relationships" xmlns:p="http://schemas.openxmlformats.org/presentationml/2006/main">
+  <p:cSld>
+    <p:spTree>
+      <p:nvGrpSpPr>
+        <p:cNvPr id="1" name=""/>
+        <p:cNvGrpSpPr/>
+        <p:nvPr/>
+      </p:nvGrpSpPr>
+      <p:grpSpPr>
+        <a:xfrm>
+          <a:off x="0" y="0"/>
+          <a:ext cx="0" cy="0"/>
+          <a:chOff x="0" y="0"/>
+          <a:chExt cx="0" cy="0"/>
+        </a:xfrm>
+      </p:grpSpPr>
+      <p:sp>
+        <p:nvSpPr>
+          <p:cNvPr id="2" name="Title 1"/>
+          <p:cNvSpPr>
+            <a:spLocks noGrp="1"/>
+          </p:cNvSpPr>
+          <p:nvPr>
+            <p:ph type="title"/>
+          </p:nvPr>
+        </p:nvSpPr>
+        <p:spPr/>
+        <p:txBody>
+          <a:bodyPr/>
+          <a:lstStyle/>
+          <a:p>
+            <a:r>
+              <a:rPr lang="en-US" dirty="0" smtClean="0"/>
+              <a:t>Fragment to Activity Communication </a:t>
+            </a:r>
+            <a:endParaRPr lang="en-US" dirty="0"/>
+          </a:p>
+        </p:txBody>
+      </p:sp>
+      <p:sp>
+        <p:nvSpPr>
+          <p:cNvPr id="3" name="Content Placeholder 2"/>
+          <p:cNvSpPr>
+            <a:spLocks noGrp="1"/>
+          </p:cNvSpPr>
+          <p:nvPr>
+            <p:ph idx="1"/>
+          </p:nvPr>
+        </p:nvSpPr>
+        <p:spPr/>
+        <p:txBody>
+          <a:bodyPr/>
+          <a:lstStyle/>
+          <a:p>
+            <a:endParaRPr lang="en-US" dirty="0"/>
+          </a:p>
+        </p:txBody>
+      </p:sp>
+    </p:spTree>
+    <p:extLst>
+      <p:ext uri="{BB962C8B-B14F-4D97-AF65-F5344CB8AC3E}">
+        <p14:creationId xmlns:p14="http://schemas.microsoft.com/office/powerpoint/2010/main" val="475706249"/>
+      </p:ext>
+    </p:extLst>
+  </p:cSld>
+  <p:clrMapOvr>
+    <a:masterClrMapping/>
+  </p:clrMapOvr>
+  <p:timing>
+    <p:tnLst>
+      <p:par>
+        <p:cTn id="1" dur="indefinite" restart="never" nodeType="tmRoot"/>
+      </p:par>
+    </p:tnLst>
+  </p:timing>
+</p:sld>
+</file>
+
+<file path=ppt/slides/slide46.xml><?xml version="1.0" encoding="utf-8"?>
+<p:sld xmlns:a="http://schemas.openxmlformats.org/drawingml/2006/main" xmlns:r="http://schemas.openxmlformats.org/officeDocument/2006/relationships" xmlns:p="http://schemas.openxmlformats.org/presentationml/2006/main">
+  <p:cSld>
+    <p:spTree>
+      <p:nvGrpSpPr>
+        <p:cNvPr id="1" name=""/>
+        <p:cNvGrpSpPr/>
+        <p:nvPr/>
+      </p:nvGrpSpPr>
+      <p:grpSpPr>
+        <a:xfrm>
+          <a:off x="0" y="0"/>
+          <a:ext cx="0" cy="0"/>
+          <a:chOff x="0" y="0"/>
+          <a:chExt cx="0" cy="0"/>
+        </a:xfrm>
+      </p:grpSpPr>
+      <p:sp>
+        <p:nvSpPr>
+          <p:cNvPr id="2" name="Title 1"/>
+          <p:cNvSpPr>
+            <a:spLocks noGrp="1"/>
+          </p:cNvSpPr>
+          <p:nvPr>
+            <p:ph type="title"/>
+          </p:nvPr>
+        </p:nvSpPr>
+        <p:spPr/>
+        <p:txBody>
+          <a:bodyPr/>
+          <a:lstStyle/>
+          <a:p>
+            <a:r>
+              <a:rPr lang="en-US" dirty="0" smtClean="0"/>
+              <a:t>Dynamic Fragments </a:t>
+            </a:r>
+            <a:endParaRPr lang="en-US" dirty="0"/>
+          </a:p>
+        </p:txBody>
+      </p:sp>
+      <p:sp>
+        <p:nvSpPr>
+          <p:cNvPr id="3" name="Content Placeholder 2"/>
+          <p:cNvSpPr>
+            <a:spLocks noGrp="1"/>
+          </p:cNvSpPr>
+          <p:nvPr>
+            <p:ph idx="1"/>
+          </p:nvPr>
+        </p:nvSpPr>
+        <p:spPr/>
+        <p:txBody>
+          <a:bodyPr/>
+          <a:lstStyle/>
+          <a:p>
+            <a:endParaRPr lang="en-US"/>
+          </a:p>
+        </p:txBody>
+      </p:sp>
+    </p:spTree>
+    <p:extLst>
+      <p:ext uri="{BB962C8B-B14F-4D97-AF65-F5344CB8AC3E}">
+        <p14:creationId xmlns:p14="http://schemas.microsoft.com/office/powerpoint/2010/main" val="3668840453"/>
+      </p:ext>
+    </p:extLst>
+  </p:cSld>
+  <p:clrMapOvr>
+    <a:masterClrMapping/>
+  </p:clrMapOvr>
+  <p:timing>
+    <p:tnLst>
+      <p:par>
+        <p:cTn id="1" dur="indefinite" restart="never" nodeType="tmRoot"/>
+      </p:par>
+    </p:tnLst>
+  </p:timing>
+</p:sld>
+</file>
+
 <file path=ppt/slides/slide5.xml><?xml version="1.0" encoding="utf-8"?>
 <p:sld xmlns:a="http://schemas.openxmlformats.org/drawingml/2006/main" xmlns:r="http://schemas.openxmlformats.org/officeDocument/2006/relationships" xmlns:p="http://schemas.openxmlformats.org/presentationml/2006/main">
   <p:cSld>
@@ -9052,13 +10769,11 @@
       </p:sp>
       <p:pic>
         <p:nvPicPr>
-          <p:cNvPr id="3074" name="Picture 2"/>
+          <p:cNvPr id="9219" name="Picture 3"/>
           <p:cNvPicPr>
-            <a:picLocks noGrp="1" noChangeAspect="1" noChangeArrowheads="1"/>
+            <a:picLocks noChangeAspect="1" noChangeArrowheads="1"/>
           </p:cNvPicPr>
-          <p:nvPr>
-            <p:ph idx="1"/>
-          </p:nvPr>
+          <p:nvPr/>
         </p:nvPicPr>
         <p:blipFill>
           <a:blip r:embed="rId2">
@@ -9075,8 +10790,62 @@
         </p:blipFill>
         <p:spPr bwMode="auto">
           <a:xfrm>
-            <a:off x="3152284" y="1600200"/>
-            <a:ext cx="5887431" cy="4525963"/>
+            <a:off x="1136630" y="1407882"/>
+            <a:ext cx="4455037" cy="4703069"/>
+          </a:xfrm>
+          <a:prstGeom prst="rect">
+            <a:avLst/>
+          </a:prstGeom>
+          <a:noFill/>
+          <a:ln>
+            <a:noFill/>
+          </a:ln>
+          <a:extLst>
+            <a:ext uri="{909E8E84-426E-40DD-AFC4-6F175D3DCCD1}">
+              <a14:hiddenFill xmlns:a14="http://schemas.microsoft.com/office/drawing/2010/main">
+                <a:solidFill>
+                  <a:schemeClr val="accent1"/>
+                </a:solidFill>
+              </a14:hiddenFill>
+            </a:ext>
+            <a:ext uri="{91240B29-F687-4F45-9708-019B960494DF}">
+              <a14:hiddenLine xmlns:a14="http://schemas.microsoft.com/office/drawing/2010/main" w="9525">
+                <a:solidFill>
+                  <a:schemeClr val="tx1"/>
+                </a:solidFill>
+                <a:miter lim="800000"/>
+                <a:headEnd/>
+                <a:tailEnd/>
+              </a14:hiddenLine>
+            </a:ext>
+          </a:extLst>
+        </p:spPr>
+      </p:pic>
+      <p:pic>
+        <p:nvPicPr>
+          <p:cNvPr id="15" name="Picture 2"/>
+          <p:cNvPicPr>
+            <a:picLocks noChangeAspect="1" noChangeArrowheads="1"/>
+          </p:cNvPicPr>
+          <p:nvPr/>
+        </p:nvPicPr>
+        <p:blipFill>
+          <a:blip r:embed="rId3">
+            <a:extLst>
+              <a:ext uri="{28A0092B-C50C-407E-A947-70E740481C1C}">
+                <a14:useLocalDpi xmlns:a14="http://schemas.microsoft.com/office/drawing/2010/main" val="0"/>
+              </a:ext>
+            </a:extLst>
+          </a:blip>
+          <a:srcRect/>
+          <a:stretch>
+            <a:fillRect/>
+          </a:stretch>
+        </p:blipFill>
+        <p:spPr bwMode="auto">
+          <a:xfrm>
+            <a:off x="6357257" y="1534045"/>
+            <a:ext cx="4601277" cy="4584011"/>
           </a:xfrm>
           <a:prstGeom prst="rect">
             <a:avLst/>
@@ -9176,7 +10945,7 @@
       </p:sp>
       <p:pic>
         <p:nvPicPr>
-          <p:cNvPr id="4098" name="Picture 2"/>
+          <p:cNvPr id="7" name="Picture 2"/>
           <p:cNvPicPr>
             <a:picLocks noGrp="1" noChangeAspect="1" noChangeArrowheads="1"/>
           </p:cNvPicPr>
@@ -9199,8 +10968,8 @@
         </p:blipFill>
         <p:spPr bwMode="auto">
           <a:xfrm>
-            <a:off x="2564026" y="1600200"/>
-            <a:ext cx="7063948" cy="4525963"/>
+            <a:off x="5214999" y="1574800"/>
+            <a:ext cx="6703870" cy="4525963"/>
           </a:xfrm>
           <a:prstGeom prst="rect">
             <a:avLst/>
@@ -9230,86 +10999,16 @@
           </a:extLst>
         </p:spPr>
       </p:pic>
-    </p:spTree>
-    <p:extLst>
-      <p:ext uri="{BB962C8B-B14F-4D97-AF65-F5344CB8AC3E}">
-        <p14:creationId xmlns:p14="http://schemas.microsoft.com/office/powerpoint/2010/main" val="1937403453"/>
-      </p:ext>
-    </p:extLst>
-  </p:cSld>
-  <p:clrMapOvr>
-    <a:masterClrMapping/>
-  </p:clrMapOvr>
-  <p:timing>
-    <p:tnLst>
-      <p:par>
-        <p:cTn id="1" dur="indefinite" restart="never" nodeType="tmRoot"/>
-      </p:par>
-    </p:tnLst>
-  </p:timing>
-</p:sld>
-</file>
-
-<file path=ppt/slides/slide7.xml><?xml version="1.0" encoding="utf-8"?>
-<p:sld xmlns:a="http://schemas.openxmlformats.org/drawingml/2006/main" xmlns:r="http://schemas.openxmlformats.org/officeDocument/2006/relationships" xmlns:p="http://schemas.openxmlformats.org/presentationml/2006/main">
-  <p:cSld>
-    <p:spTree>
-      <p:nvGrpSpPr>
-        <p:cNvPr id="1" name=""/>
-        <p:cNvGrpSpPr/>
-        <p:nvPr/>
-      </p:nvGrpSpPr>
-      <p:grpSpPr>
-        <a:xfrm>
-          <a:off x="0" y="0"/>
-          <a:ext cx="0" cy="0"/>
-          <a:chOff x="0" y="0"/>
-          <a:chExt cx="0" cy="0"/>
-        </a:xfrm>
-      </p:grpSpPr>
-      <p:sp>
-        <p:nvSpPr>
-          <p:cNvPr id="2" name="Title 1"/>
-          <p:cNvSpPr>
-            <a:spLocks noGrp="1"/>
-          </p:cNvSpPr>
-          <p:nvPr>
-            <p:ph type="title"/>
-          </p:nvPr>
-        </p:nvSpPr>
-        <p:spPr/>
-        <p:txBody>
-          <a:bodyPr/>
-          <a:lstStyle/>
-          <a:p>
-            <a:r>
-              <a:rPr lang="en-US" dirty="0" smtClean="0"/>
-              <a:t>New Project (</a:t>
-            </a:r>
-            <a:r>
-              <a:rPr lang="en-US" dirty="0" err="1" smtClean="0"/>
-              <a:t>cont</a:t>
-            </a:r>
-            <a:r>
-              <a:rPr lang="en-US" dirty="0" smtClean="0"/>
-              <a:t>)</a:t>
-            </a:r>
-            <a:endParaRPr lang="en-US" dirty="0"/>
-          </a:p>
-        </p:txBody>
-      </p:sp>
       <p:pic>
         <p:nvPicPr>
-          <p:cNvPr id="5122" name="Picture 2"/>
+          <p:cNvPr id="8196" name="Picture 4"/>
           <p:cNvPicPr>
-            <a:picLocks noGrp="1" noChangeAspect="1" noChangeArrowheads="1"/>
+            <a:picLocks noChangeAspect="1" noChangeArrowheads="1"/>
           </p:cNvPicPr>
-          <p:nvPr>
-            <p:ph idx="1"/>
-          </p:nvPr>
+          <p:nvPr/>
         </p:nvPicPr>
         <p:blipFill>
-          <a:blip r:embed="rId2">
+          <a:blip r:embed="rId3">
             <a:extLst>
               <a:ext uri="{28A0092B-C50C-407E-A947-70E740481C1C}">
                 <a14:useLocalDpi xmlns:a14="http://schemas.microsoft.com/office/drawing/2010/main" val="0"/>
@@ -9323,8 +11022,8 @@
         </p:blipFill>
         <p:spPr bwMode="auto">
           <a:xfrm>
-            <a:off x="2564026" y="1600200"/>
-            <a:ext cx="7063948" cy="4525963"/>
+            <a:off x="478972" y="1400175"/>
+            <a:ext cx="3979999" cy="4700588"/>
           </a:xfrm>
           <a:prstGeom prst="rect">
             <a:avLst/>
@@ -9367,6 +11066,157 @@
   <p:timing>
     <p:tnLst>
       <p:par>
+        <p:cTn id="1" dur="indefinite" restart="never" nodeType="tmRoot">
+          <p:childTnLst>
+            <p:seq concurrent="1" nextAc="seek">
+              <p:cTn id="2" dur="indefinite" nodeType="mainSeq">
+                <p:childTnLst>
+                  <p:par>
+                    <p:cTn id="3" fill="hold">
+                      <p:stCondLst>
+                        <p:cond delay="indefinite"/>
+                      </p:stCondLst>
+                      <p:childTnLst>
+                        <p:par>
+                          <p:cTn id="4" fill="hold">
+                            <p:stCondLst>
+                              <p:cond delay="0"/>
+                            </p:stCondLst>
+                            <p:childTnLst>
+                              <p:par>
+                                <p:cTn id="5" presetID="16" presetClass="entr" presetSubtype="21" fill="hold" nodeType="clickEffect">
+                                  <p:stCondLst>
+                                    <p:cond delay="0"/>
+                                  </p:stCondLst>
+                                  <p:childTnLst>
+                                    <p:set>
+                                      <p:cBhvr>
+                                        <p:cTn id="6" dur="1" fill="hold">
+                                          <p:stCondLst>
+                                            <p:cond delay="0"/>
+                                          </p:stCondLst>
+                                        </p:cTn>
+                                        <p:tgtEl>
+                                          <p:spTgt spid="7"/>
+                                        </p:tgtEl>
+                                        <p:attrNameLst>
+                                          <p:attrName>style.visibility</p:attrName>
+                                        </p:attrNameLst>
+                                      </p:cBhvr>
+                                      <p:to>
+                                        <p:strVal val="visible"/>
+                                      </p:to>
+                                    </p:set>
+                                    <p:animEffect transition="in" filter="barn(inVertical)">
+                                      <p:cBhvr>
+                                        <p:cTn id="7" dur="500"/>
+                                        <p:tgtEl>
+                                          <p:spTgt spid="7"/>
+                                        </p:tgtEl>
+                                      </p:cBhvr>
+                                    </p:animEffect>
+                                  </p:childTnLst>
+                                </p:cTn>
+                              </p:par>
+                            </p:childTnLst>
+                          </p:cTn>
+                        </p:par>
+                      </p:childTnLst>
+                    </p:cTn>
+                  </p:par>
+                </p:childTnLst>
+              </p:cTn>
+              <p:prevCondLst>
+                <p:cond evt="onPrev" delay="0">
+                  <p:tgtEl>
+                    <p:sldTgt/>
+                  </p:tgtEl>
+                </p:cond>
+              </p:prevCondLst>
+              <p:nextCondLst>
+                <p:cond evt="onNext" delay="0">
+                  <p:tgtEl>
+                    <p:sldTgt/>
+                  </p:tgtEl>
+                </p:cond>
+              </p:nextCondLst>
+            </p:seq>
+          </p:childTnLst>
+        </p:cTn>
+      </p:par>
+    </p:tnLst>
+  </p:timing>
+</p:sld>
+</file>
+
+<file path=ppt/slides/slide7.xml><?xml version="1.0" encoding="utf-8"?>
+<p:sld xmlns:a="http://schemas.openxmlformats.org/drawingml/2006/main" xmlns:r="http://schemas.openxmlformats.org/officeDocument/2006/relationships" xmlns:p="http://schemas.openxmlformats.org/presentationml/2006/main">
+  <p:cSld>
+    <p:spTree>
+      <p:nvGrpSpPr>
+        <p:cNvPr id="1" name=""/>
+        <p:cNvGrpSpPr/>
+        <p:nvPr/>
+      </p:nvGrpSpPr>
+      <p:grpSpPr>
+        <a:xfrm>
+          <a:off x="0" y="0"/>
+          <a:ext cx="0" cy="0"/>
+          <a:chOff x="0" y="0"/>
+          <a:chExt cx="0" cy="0"/>
+        </a:xfrm>
+      </p:grpSpPr>
+      <p:sp>
+        <p:nvSpPr>
+          <p:cNvPr id="3" name="Content Placeholder 2"/>
+          <p:cNvSpPr>
+            <a:spLocks noGrp="1"/>
+          </p:cNvSpPr>
+          <p:nvPr>
+            <p:ph idx="1"/>
+          </p:nvPr>
+        </p:nvSpPr>
+        <p:spPr/>
+        <p:txBody>
+          <a:bodyPr/>
+          <a:lstStyle/>
+          <a:p>
+            <a:pPr marL="0" indent="0">
+              <a:buNone/>
+            </a:pPr>
+            <a:endParaRPr lang="en-US" dirty="0" smtClean="0"/>
+          </a:p>
+          <a:p>
+            <a:pPr marL="0" indent="0">
+              <a:buNone/>
+            </a:pPr>
+            <a:endParaRPr lang="en-US" dirty="0"/>
+          </a:p>
+          <a:p>
+            <a:pPr marL="0" indent="0" algn="ctr">
+              <a:buNone/>
+            </a:pPr>
+            <a:r>
+              <a:rPr lang="en-US" dirty="0" smtClean="0"/>
+              <a:t>Live Example: Android Developer References</a:t>
+            </a:r>
+            <a:endParaRPr lang="en-US" dirty="0"/>
+          </a:p>
+        </p:txBody>
+      </p:sp>
+    </p:spTree>
+    <p:extLst>
+      <p:ext uri="{BB962C8B-B14F-4D97-AF65-F5344CB8AC3E}">
+        <p14:creationId xmlns:p14="http://schemas.microsoft.com/office/powerpoint/2010/main" val="176378580"/>
+      </p:ext>
+    </p:extLst>
+  </p:cSld>
+  <p:clrMapOvr>
+    <a:masterClrMapping/>
+  </p:clrMapOvr>
+  <p:timing>
+    <p:tnLst>
+      <p:par>
         <p:cTn id="1" dur="indefinite" restart="never" nodeType="tmRoot"/>
       </p:par>
     </p:tnLst>
@@ -9408,15 +11258,18 @@
           <a:p>
             <a:r>
               <a:rPr lang="en-US" dirty="0" smtClean="0"/>
-              <a:t>Android Versions</a:t>
-            </a:r>
-            <a:endParaRPr lang="en-US" dirty="0"/>
+              <a:t>Add Activit</a:t>
+            </a:r>
+            <a:r>
+              <a:rPr lang="en-US" dirty="0"/>
+              <a:t>y</a:t>
+            </a:r>
           </a:p>
         </p:txBody>
       </p:sp>
       <p:pic>
         <p:nvPicPr>
-          <p:cNvPr id="6146" name="Picture 2"/>
+          <p:cNvPr id="7172" name="Picture 4"/>
           <p:cNvPicPr>
             <a:picLocks noGrp="1" noChangeAspect="1" noChangeArrowheads="1"/>
           </p:cNvPicPr>
@@ -9439,8 +11292,8 @@
         </p:blipFill>
         <p:spPr bwMode="auto">
           <a:xfrm>
-            <a:off x="2704481" y="1255816"/>
-            <a:ext cx="6703870" cy="4525963"/>
+            <a:off x="2573620" y="1600200"/>
+            <a:ext cx="7044759" cy="4525963"/>
           </a:xfrm>
           <a:prstGeom prst="rect">
             <a:avLst/>
@@ -9470,43 +11323,10 @@
           </a:extLst>
         </p:spPr>
       </p:pic>
-      <p:sp>
-        <p:nvSpPr>
-          <p:cNvPr id="3" name="TextBox 2"/>
-          <p:cNvSpPr txBox="1"/>
-          <p:nvPr/>
-        </p:nvSpPr>
-        <p:spPr>
-          <a:xfrm>
-            <a:off x="3360718" y="5771407"/>
-            <a:ext cx="6044540" cy="369332"/>
-          </a:xfrm>
-          <a:prstGeom prst="rect">
-            <a:avLst/>
-          </a:prstGeom>
-          <a:noFill/>
-        </p:spPr>
-        <p:txBody>
-          <a:bodyPr wrap="square" rtlCol="0">
-            <a:spAutoFit/>
-          </a:bodyPr>
-          <a:lstStyle/>
-          <a:p>
-            <a:r>
-              <a:rPr lang="en-US" dirty="0">
-                <a:solidFill>
-                  <a:srgbClr val="0070C0"/>
-                </a:solidFill>
-              </a:rPr>
-              <a:t>https://developer.android.com/about/dashboards/index.html</a:t>
-            </a:r>
-          </a:p>
-        </p:txBody>
-      </p:sp>
     </p:spTree>
     <p:extLst>
       <p:ext uri="{BB962C8B-B14F-4D97-AF65-F5344CB8AC3E}">
-        <p14:creationId xmlns:p14="http://schemas.microsoft.com/office/powerpoint/2010/main" val="2270085677"/>
+        <p14:creationId xmlns:p14="http://schemas.microsoft.com/office/powerpoint/2010/main" val="228691394"/>
       </p:ext>
     </p:extLst>
   </p:cSld>
@@ -9542,41 +11362,242 @@
       </p:grpSpPr>
       <p:sp>
         <p:nvSpPr>
-          <p:cNvPr id="3" name="Content Placeholder 2"/>
-          <p:cNvSpPr>
-            <a:spLocks noGrp="1"/>
-          </p:cNvSpPr>
-          <p:nvPr>
-            <p:ph idx="1"/>
-          </p:nvPr>
-        </p:nvSpPr>
-        <p:spPr/>
+          <p:cNvPr id="5" name="Rectangle 4"/>
+          <p:cNvSpPr/>
+          <p:nvPr/>
+        </p:nvSpPr>
+        <p:spPr>
+          <a:xfrm>
+            <a:off x="914398" y="1630680"/>
+            <a:ext cx="1615442" cy="2811780"/>
+          </a:xfrm>
+          <a:prstGeom prst="rect">
+            <a:avLst/>
+          </a:prstGeom>
+          <a:noFill/>
+          <a:ln>
+            <a:solidFill>
+              <a:schemeClr val="accent6"/>
+            </a:solidFill>
+          </a:ln>
+        </p:spPr>
+        <p:style>
+          <a:lnRef idx="2">
+            <a:schemeClr val="accent1">
+              <a:shade val="50000"/>
+            </a:schemeClr>
+          </a:lnRef>
+          <a:fillRef idx="1">
+            <a:schemeClr val="accent1"/>
+          </a:fillRef>
+          <a:effectRef idx="0">
+            <a:schemeClr val="accent1"/>
+          </a:effectRef>
+          <a:fontRef idx="minor">
+            <a:schemeClr val="lt1"/>
+          </a:fontRef>
+        </p:style>
+        <p:txBody>
+          <a:bodyPr rtlCol="0" anchor="ctr"/>
+          <a:lstStyle/>
+          <a:p>
+            <a:pPr algn="ctr"/>
+            <a:endParaRPr lang="en-US"/>
+          </a:p>
+        </p:txBody>
+      </p:sp>
+      <p:grpSp>
+        <p:nvGrpSpPr>
+          <p:cNvPr id="7" name="Group 6"/>
+          <p:cNvGrpSpPr/>
+          <p:nvPr/>
+        </p:nvGrpSpPr>
+        <p:grpSpPr>
+          <a:xfrm>
+            <a:off x="570014" y="1526734"/>
+            <a:ext cx="6300789" cy="4558639"/>
+            <a:chOff x="723900" y="1081199"/>
+            <a:chExt cx="6448425" cy="4780460"/>
+          </a:xfrm>
+        </p:grpSpPr>
+        <p:pic>
+          <p:nvPicPr>
+            <p:cNvPr id="1028" name="Picture 4"/>
+            <p:cNvPicPr>
+              <a:picLocks noChangeAspect="1" noChangeArrowheads="1"/>
+            </p:cNvPicPr>
+            <p:nvPr/>
+          </p:nvPicPr>
+          <p:blipFill>
+            <a:blip r:embed="rId2">
+              <a:extLst>
+                <a:ext uri="{28A0092B-C50C-407E-A947-70E740481C1C}">
+                  <a14:useLocalDpi xmlns:a14="http://schemas.microsoft.com/office/drawing/2010/main" val="0"/>
+                </a:ext>
+              </a:extLst>
+            </a:blip>
+            <a:srcRect/>
+            <a:stretch>
+              <a:fillRect/>
+            </a:stretch>
+          </p:blipFill>
+          <p:spPr bwMode="auto">
+            <a:xfrm>
+              <a:off x="723900" y="1081199"/>
+              <a:ext cx="2497010" cy="4780460"/>
+            </a:xfrm>
+            <a:prstGeom prst="rect">
+              <a:avLst/>
+            </a:prstGeom>
+            <a:noFill/>
+            <a:ln>
+              <a:noFill/>
+            </a:ln>
+            <a:extLst>
+              <a:ext uri="{909E8E84-426E-40DD-AFC4-6F175D3DCCD1}">
+                <a14:hiddenFill xmlns:a14="http://schemas.microsoft.com/office/drawing/2010/main">
+                  <a:solidFill>
+                    <a:schemeClr val="accent1"/>
+                  </a:solidFill>
+                </a14:hiddenFill>
+              </a:ext>
+              <a:ext uri="{91240B29-F687-4F45-9708-019B960494DF}">
+                <a14:hiddenLine xmlns:a14="http://schemas.microsoft.com/office/drawing/2010/main" w="9525">
+                  <a:solidFill>
+                    <a:schemeClr val="tx1"/>
+                  </a:solidFill>
+                  <a:miter lim="800000"/>
+                  <a:headEnd/>
+                  <a:tailEnd/>
+                </a14:hiddenLine>
+              </a:ext>
+            </a:extLst>
+          </p:spPr>
+        </p:pic>
+        <p:pic>
+          <p:nvPicPr>
+            <p:cNvPr id="1029" name="Picture 5"/>
+            <p:cNvPicPr>
+              <a:picLocks noChangeAspect="1" noChangeArrowheads="1"/>
+            </p:cNvPicPr>
+            <p:nvPr/>
+          </p:nvPicPr>
+          <p:blipFill>
+            <a:blip r:embed="rId3" cstate="print">
+              <a:extLst>
+                <a:ext uri="{28A0092B-C50C-407E-A947-70E740481C1C}">
+                  <a14:useLocalDpi xmlns:a14="http://schemas.microsoft.com/office/drawing/2010/main" val="0"/>
+                </a:ext>
+              </a:extLst>
+            </a:blip>
+            <a:srcRect/>
+            <a:stretch>
+              <a:fillRect/>
+            </a:stretch>
+          </p:blipFill>
+          <p:spPr bwMode="auto">
+            <a:xfrm>
+              <a:off x="3990975" y="1134539"/>
+              <a:ext cx="3181350" cy="2445663"/>
+            </a:xfrm>
+            <a:prstGeom prst="rect">
+              <a:avLst/>
+            </a:prstGeom>
+            <a:noFill/>
+            <a:ln>
+              <a:noFill/>
+            </a:ln>
+            <a:extLst>
+              <a:ext uri="{909E8E84-426E-40DD-AFC4-6F175D3DCCD1}">
+                <a14:hiddenFill xmlns:a14="http://schemas.microsoft.com/office/drawing/2010/main">
+                  <a:solidFill>
+                    <a:schemeClr val="accent1"/>
+                  </a:solidFill>
+                </a14:hiddenFill>
+              </a:ext>
+              <a:ext uri="{91240B29-F687-4F45-9708-019B960494DF}">
+                <a14:hiddenLine xmlns:a14="http://schemas.microsoft.com/office/drawing/2010/main" w="9525">
+                  <a:solidFill>
+                    <a:schemeClr val="tx1"/>
+                  </a:solidFill>
+                  <a:miter lim="800000"/>
+                  <a:headEnd/>
+                  <a:tailEnd/>
+                </a14:hiddenLine>
+              </a:ext>
+            </a:extLst>
+          </p:spPr>
+        </p:pic>
+        <p:sp>
+          <p:nvSpPr>
+            <p:cNvPr id="14" name="Rectangle 13"/>
+            <p:cNvSpPr/>
+            <p:nvPr/>
+          </p:nvSpPr>
+          <p:spPr>
+            <a:xfrm>
+              <a:off x="4000500" y="1303020"/>
+              <a:ext cx="754380" cy="1463040"/>
+            </a:xfrm>
+            <a:prstGeom prst="rect">
+              <a:avLst/>
+            </a:prstGeom>
+            <a:noFill/>
+            <a:ln>
+              <a:solidFill>
+                <a:schemeClr val="accent6"/>
+              </a:solidFill>
+            </a:ln>
+          </p:spPr>
+          <p:style>
+            <a:lnRef idx="2">
+              <a:schemeClr val="accent1">
+                <a:shade val="50000"/>
+              </a:schemeClr>
+            </a:lnRef>
+            <a:fillRef idx="1">
+              <a:schemeClr val="accent1"/>
+            </a:fillRef>
+            <a:effectRef idx="0">
+              <a:schemeClr val="accent1"/>
+            </a:effectRef>
+            <a:fontRef idx="minor">
+              <a:schemeClr val="lt1"/>
+            </a:fontRef>
+          </p:style>
+          <p:txBody>
+            <a:bodyPr rtlCol="0" anchor="ctr"/>
+            <a:lstStyle/>
+            <a:p>
+              <a:pPr algn="ctr"/>
+              <a:endParaRPr lang="en-US"/>
+            </a:p>
+          </p:txBody>
+        </p:sp>
+      </p:grpSp>
+      <p:sp>
+        <p:nvSpPr>
+          <p:cNvPr id="15" name="Title 1"/>
+          <p:cNvSpPr>
+            <a:spLocks noGrp="1"/>
+          </p:cNvSpPr>
+          <p:nvPr>
+            <p:ph type="title"/>
+          </p:nvPr>
+        </p:nvSpPr>
+        <p:spPr>
+          <a:xfrm>
+            <a:off x="0" y="457200"/>
+            <a:ext cx="7112000" cy="1143000"/>
+          </a:xfrm>
+        </p:spPr>
         <p:txBody>
           <a:bodyPr/>
           <a:lstStyle/>
           <a:p>
-            <a:pPr marL="0" indent="0">
-              <a:buNone/>
-            </a:pPr>
-            <a:endParaRPr lang="en-US" dirty="0" smtClean="0"/>
-          </a:p>
-          <a:p>
-            <a:pPr marL="0" indent="0">
-              <a:buNone/>
-            </a:pPr>
-            <a:endParaRPr lang="en-US" dirty="0"/>
-          </a:p>
-          <a:p>
-            <a:pPr marL="0" indent="0" algn="ctr">
-              <a:buNone/>
-            </a:pPr>
             <a:r>
               <a:rPr lang="en-US" dirty="0" smtClean="0"/>
-              <a:t>Live Example</a:t>
-            </a:r>
-            <a:r>
-              <a:rPr lang="en-US" dirty="0" smtClean="0"/>
-              <a:t>: Android Developer References</a:t>
+              <a:t>Project Pane</a:t>
             </a:r>
             <a:endParaRPr lang="en-US" dirty="0"/>
           </a:p>
@@ -9585,7 +11606,7 @@
     </p:spTree>
     <p:extLst>
       <p:ext uri="{BB962C8B-B14F-4D97-AF65-F5344CB8AC3E}">
-        <p14:creationId xmlns:p14="http://schemas.microsoft.com/office/powerpoint/2010/main" val="176378580"/>
+        <p14:creationId xmlns:p14="http://schemas.microsoft.com/office/powerpoint/2010/main" val="3421362991"/>
       </p:ext>
     </p:extLst>
   </p:cSld>

--- a/slides/Android Studio_Activities_Fragments.pptx
+++ b/slides/Android Studio_Activities_Fragments.pptx
@@ -18,39 +18,37 @@
     <p:sldId id="286" r:id="rId12"/>
     <p:sldId id="294" r:id="rId13"/>
     <p:sldId id="258" r:id="rId14"/>
-    <p:sldId id="280" r:id="rId15"/>
-    <p:sldId id="295" r:id="rId16"/>
-    <p:sldId id="296" r:id="rId17"/>
-    <p:sldId id="300" r:id="rId18"/>
-    <p:sldId id="297" r:id="rId19"/>
-    <p:sldId id="301" r:id="rId20"/>
-    <p:sldId id="302" r:id="rId21"/>
-    <p:sldId id="303" r:id="rId22"/>
-    <p:sldId id="326" r:id="rId23"/>
-    <p:sldId id="304" r:id="rId24"/>
-    <p:sldId id="307" r:id="rId25"/>
-    <p:sldId id="299" r:id="rId26"/>
-    <p:sldId id="327" r:id="rId27"/>
-    <p:sldId id="310" r:id="rId28"/>
-    <p:sldId id="320" r:id="rId29"/>
-    <p:sldId id="259" r:id="rId30"/>
-    <p:sldId id="313" r:id="rId31"/>
-    <p:sldId id="314" r:id="rId32"/>
-    <p:sldId id="315" r:id="rId33"/>
-    <p:sldId id="316" r:id="rId34"/>
-    <p:sldId id="328" r:id="rId35"/>
-    <p:sldId id="308" r:id="rId36"/>
-    <p:sldId id="318" r:id="rId37"/>
-    <p:sldId id="305" r:id="rId38"/>
-    <p:sldId id="306" r:id="rId39"/>
-    <p:sldId id="321" r:id="rId40"/>
-    <p:sldId id="322" r:id="rId41"/>
-    <p:sldId id="323" r:id="rId42"/>
-    <p:sldId id="312" r:id="rId43"/>
-    <p:sldId id="324" r:id="rId44"/>
-    <p:sldId id="325" r:id="rId45"/>
-    <p:sldId id="329" r:id="rId46"/>
-    <p:sldId id="330" r:id="rId47"/>
+    <p:sldId id="332" r:id="rId15"/>
+    <p:sldId id="280" r:id="rId16"/>
+    <p:sldId id="300" r:id="rId17"/>
+    <p:sldId id="297" r:id="rId18"/>
+    <p:sldId id="301" r:id="rId19"/>
+    <p:sldId id="302" r:id="rId20"/>
+    <p:sldId id="303" r:id="rId21"/>
+    <p:sldId id="326" r:id="rId22"/>
+    <p:sldId id="304" r:id="rId23"/>
+    <p:sldId id="307" r:id="rId24"/>
+    <p:sldId id="299" r:id="rId25"/>
+    <p:sldId id="327" r:id="rId26"/>
+    <p:sldId id="310" r:id="rId27"/>
+    <p:sldId id="320" r:id="rId28"/>
+    <p:sldId id="259" r:id="rId29"/>
+    <p:sldId id="314" r:id="rId30"/>
+    <p:sldId id="315" r:id="rId31"/>
+    <p:sldId id="316" r:id="rId32"/>
+    <p:sldId id="308" r:id="rId33"/>
+    <p:sldId id="318" r:id="rId34"/>
+    <p:sldId id="305" r:id="rId35"/>
+    <p:sldId id="306" r:id="rId36"/>
+    <p:sldId id="321" r:id="rId37"/>
+    <p:sldId id="322" r:id="rId38"/>
+    <p:sldId id="323" r:id="rId39"/>
+    <p:sldId id="312" r:id="rId40"/>
+    <p:sldId id="324" r:id="rId41"/>
+    <p:sldId id="325" r:id="rId42"/>
+    <p:sldId id="329" r:id="rId43"/>
+    <p:sldId id="330" r:id="rId44"/>
+    <p:sldId id="331" r:id="rId45"/>
   </p:sldIdLst>
   <p:sldSz cx="12192000" cy="6858000"/>
   <p:notesSz cx="6858000" cy="9144000"/>
@@ -151,7 +149,7 @@
   </p:defaultTextStyle>
   <p:extLst>
     <p:ext uri="{EFAFB233-063F-42B5-8137-9DF3F51BA10A}">
-      <p15:sldGuideLst xmlns="" xmlns:p15="http://schemas.microsoft.com/office/powerpoint/2012/main">
+      <p15:sldGuideLst xmlns:p15="http://schemas.microsoft.com/office/powerpoint/2012/main" xmlns="">
         <p15:guide id="1" orient="horz" pos="2160">
           <p15:clr>
             <a:srgbClr val="A4A3A4"/>
@@ -355,7 +353,7 @@
           <a:p>
             <a:fld id="{1E7C2FAA-919F-4BF2-9DC6-6D7D1753D0B1}" type="datetimeFigureOut">
               <a:rPr lang="en-US" smtClean="0"/>
-              <a:t>6/15/2017</a:t>
+              <a:t>6/16/2017</a:t>
             </a:fld>
             <a:endParaRPr lang="en-US"/>
           </a:p>
@@ -523,7 +521,7 @@
           <a:p>
             <a:fld id="{1E7C2FAA-919F-4BF2-9DC6-6D7D1753D0B1}" type="datetimeFigureOut">
               <a:rPr lang="en-US" smtClean="0"/>
-              <a:t>6/15/2017</a:t>
+              <a:t>6/16/2017</a:t>
             </a:fld>
             <a:endParaRPr lang="en-US"/>
           </a:p>
@@ -701,7 +699,7 @@
           <a:p>
             <a:fld id="{1E7C2FAA-919F-4BF2-9DC6-6D7D1753D0B1}" type="datetimeFigureOut">
               <a:rPr lang="en-US" smtClean="0"/>
-              <a:t>6/15/2017</a:t>
+              <a:t>6/16/2017</a:t>
             </a:fld>
             <a:endParaRPr lang="en-US"/>
           </a:p>
@@ -884,7 +882,7 @@
           <a:p>
             <a:fld id="{1E7C2FAA-919F-4BF2-9DC6-6D7D1753D0B1}" type="datetimeFigureOut">
               <a:rPr lang="en-US" smtClean="0"/>
-              <a:t>6/15/2017</a:t>
+              <a:t>6/16/2017</a:t>
             </a:fld>
             <a:endParaRPr lang="en-US"/>
           </a:p>
@@ -1129,7 +1127,7 @@
           <a:p>
             <a:fld id="{1E7C2FAA-919F-4BF2-9DC6-6D7D1753D0B1}" type="datetimeFigureOut">
               <a:rPr lang="en-US" smtClean="0"/>
-              <a:t>6/15/2017</a:t>
+              <a:t>6/16/2017</a:t>
             </a:fld>
             <a:endParaRPr lang="en-US"/>
           </a:p>
@@ -1423,7 +1421,7 @@
           <a:p>
             <a:fld id="{1E7C2FAA-919F-4BF2-9DC6-6D7D1753D0B1}" type="datetimeFigureOut">
               <a:rPr lang="en-US" smtClean="0"/>
-              <a:t>6/15/2017</a:t>
+              <a:t>6/16/2017</a:t>
             </a:fld>
             <a:endParaRPr lang="en-US"/>
           </a:p>
@@ -1847,7 +1845,7 @@
           <a:p>
             <a:fld id="{1E7C2FAA-919F-4BF2-9DC6-6D7D1753D0B1}" type="datetimeFigureOut">
               <a:rPr lang="en-US" smtClean="0"/>
-              <a:t>6/15/2017</a:t>
+              <a:t>6/16/2017</a:t>
             </a:fld>
             <a:endParaRPr lang="en-US"/>
           </a:p>
@@ -1964,7 +1962,7 @@
           <a:p>
             <a:fld id="{1E7C2FAA-919F-4BF2-9DC6-6D7D1753D0B1}" type="datetimeFigureOut">
               <a:rPr lang="en-US" smtClean="0"/>
-              <a:t>6/15/2017</a:t>
+              <a:t>6/16/2017</a:t>
             </a:fld>
             <a:endParaRPr lang="en-US"/>
           </a:p>
@@ -2059,7 +2057,7 @@
           <a:p>
             <a:fld id="{1E7C2FAA-919F-4BF2-9DC6-6D7D1753D0B1}" type="datetimeFigureOut">
               <a:rPr lang="en-US" smtClean="0"/>
-              <a:t>6/15/2017</a:t>
+              <a:t>6/16/2017</a:t>
             </a:fld>
             <a:endParaRPr lang="en-US"/>
           </a:p>
@@ -2337,7 +2335,7 @@
           <a:p>
             <a:fld id="{1E7C2FAA-919F-4BF2-9DC6-6D7D1753D0B1}" type="datetimeFigureOut">
               <a:rPr lang="en-US" smtClean="0"/>
-              <a:t>6/15/2017</a:t>
+              <a:t>6/16/2017</a:t>
             </a:fld>
             <a:endParaRPr lang="en-US"/>
           </a:p>
@@ -2595,7 +2593,7 @@
           <a:p>
             <a:fld id="{1E7C2FAA-919F-4BF2-9DC6-6D7D1753D0B1}" type="datetimeFigureOut">
               <a:rPr lang="en-US" smtClean="0"/>
-              <a:t>6/15/2017</a:t>
+              <a:t>6/16/2017</a:t>
             </a:fld>
             <a:endParaRPr lang="en-US"/>
           </a:p>
@@ -2852,7 +2850,7 @@
           <a:p>
             <a:fld id="{1E7C2FAA-919F-4BF2-9DC6-6D7D1753D0B1}" type="datetimeFigureOut">
               <a:rPr lang="en-US" smtClean="0"/>
-              <a:t>6/15/2017</a:t>
+              <a:t>6/16/2017</a:t>
             </a:fld>
             <a:endParaRPr lang="en-US"/>
           </a:p>
@@ -4242,7 +4240,7 @@
         </p:blipFill>
         <p:spPr>
           <a:xfrm>
-            <a:off x="475259" y="1514556"/>
+            <a:off x="225877" y="1473057"/>
             <a:ext cx="3501989" cy="4525963"/>
           </a:xfrm>
           <a:prstGeom prst="rect">
@@ -4250,283 +4248,223 @@
           </a:prstGeom>
         </p:spPr>
       </p:pic>
-      <p:grpSp>
-        <p:nvGrpSpPr>
-          <p:cNvPr id="12" name="Group 11"/>
-          <p:cNvGrpSpPr/>
+      <p:sp>
+        <p:nvSpPr>
+          <p:cNvPr id="5" name="TextBox 4"/>
+          <p:cNvSpPr txBox="1"/>
           <p:nvPr/>
-        </p:nvGrpSpPr>
-        <p:grpSpPr>
+        </p:nvSpPr>
+        <p:spPr>
           <a:xfrm>
-            <a:off x="4220502" y="1694725"/>
-            <a:ext cx="6222670" cy="1205323"/>
-            <a:chOff x="4386757" y="1928055"/>
-            <a:chExt cx="6222670" cy="1205323"/>
+            <a:off x="6013682" y="2461934"/>
+            <a:ext cx="5474524" cy="369332"/>
           </a:xfrm>
-        </p:grpSpPr>
-        <p:sp>
-          <p:nvSpPr>
-            <p:cNvPr id="5" name="TextBox 4"/>
-            <p:cNvSpPr txBox="1"/>
-            <p:nvPr/>
-          </p:nvSpPr>
-          <p:spPr>
-            <a:xfrm>
-              <a:off x="4386757" y="1928055"/>
-              <a:ext cx="5474524" cy="369332"/>
-            </a:xfrm>
-            <a:prstGeom prst="rect">
-              <a:avLst/>
-            </a:prstGeom>
+          <a:prstGeom prst="rect">
+            <a:avLst/>
+          </a:prstGeom>
+          <a:noFill/>
+        </p:spPr>
+        <p:txBody>
+          <a:bodyPr wrap="square" rtlCol="0">
+            <a:spAutoFit/>
+          </a:bodyPr>
+          <a:lstStyle/>
+          <a:p>
+            <a:r>
+              <a:rPr lang="en-US" b="1" dirty="0"/>
+              <a:t>onCreate()  </a:t>
+            </a:r>
+            <a:r>
+              <a:rPr lang="en-US" dirty="0"/>
+              <a:t>started, but not visible</a:t>
+            </a:r>
+          </a:p>
+        </p:txBody>
+      </p:sp>
+      <p:sp>
+        <p:nvSpPr>
+          <p:cNvPr id="6" name="TextBox 5"/>
+          <p:cNvSpPr txBox="1"/>
+          <p:nvPr/>
+        </p:nvSpPr>
+        <p:spPr>
+          <a:xfrm>
+            <a:off x="6013682" y="3318044"/>
+            <a:ext cx="5474524" cy="369332"/>
+          </a:xfrm>
+          <a:prstGeom prst="rect">
+            <a:avLst/>
+          </a:prstGeom>
+          <a:noFill/>
+        </p:spPr>
+        <p:txBody>
+          <a:bodyPr wrap="square" rtlCol="0">
+            <a:spAutoFit/>
+          </a:bodyPr>
+          <a:lstStyle/>
+          <a:p>
+            <a:r>
+              <a:rPr lang="en-US" b="1" dirty="0" err="1"/>
+              <a:t>onStart</a:t>
+            </a:r>
+            <a:r>
+              <a:rPr lang="en-US" b="1" dirty="0"/>
+              <a:t>() </a:t>
+            </a:r>
+            <a:r>
+              <a:rPr lang="en-US" dirty="0"/>
+              <a:t>visible, but not ready for interaction</a:t>
+            </a:r>
+          </a:p>
+        </p:txBody>
+      </p:sp>
+      <p:sp>
+        <p:nvSpPr>
+          <p:cNvPr id="8" name="TextBox 7"/>
+          <p:cNvSpPr txBox="1"/>
+          <p:nvPr/>
+        </p:nvSpPr>
+        <p:spPr>
+          <a:xfrm>
+            <a:off x="6013682" y="4164746"/>
+            <a:ext cx="6027897" cy="646331"/>
+          </a:xfrm>
+          <a:prstGeom prst="rect">
+            <a:avLst/>
+          </a:prstGeom>
+          <a:noFill/>
+        </p:spPr>
+        <p:txBody>
+          <a:bodyPr wrap="square" rtlCol="0">
+            <a:spAutoFit/>
+          </a:bodyPr>
+          <a:lstStyle/>
+          <a:p>
+            <a:r>
+              <a:rPr lang="en-US" b="1" dirty="0" err="1"/>
+              <a:t>onResume</a:t>
+            </a:r>
+            <a:r>
+              <a:rPr lang="en-US" b="1" dirty="0"/>
+              <a:t>() </a:t>
+            </a:r>
+            <a:r>
+              <a:rPr lang="en-US" dirty="0" smtClean="0"/>
+              <a:t>moved to the foreground and ready </a:t>
+            </a:r>
+            <a:r>
+              <a:rPr lang="en-US" dirty="0"/>
+              <a:t>for interaction</a:t>
+            </a:r>
+          </a:p>
+        </p:txBody>
+      </p:sp>
+      <p:pic>
+        <p:nvPicPr>
+          <p:cNvPr id="3074" name="Picture 2"/>
+          <p:cNvPicPr>
+            <a:picLocks noChangeAspect="1" noChangeArrowheads="1"/>
+          </p:cNvPicPr>
+          <p:nvPr/>
+        </p:nvPicPr>
+        <p:blipFill>
+          <a:blip r:embed="rId3">
+            <a:extLst>
+              <a:ext uri="{28A0092B-C50C-407E-A947-70E740481C1C}">
+                <a14:useLocalDpi xmlns:a14="http://schemas.microsoft.com/office/drawing/2010/main" val="0"/>
+              </a:ext>
+            </a:extLst>
+          </a:blip>
+          <a:srcRect/>
+          <a:stretch>
+            <a:fillRect/>
+          </a:stretch>
+        </p:blipFill>
+        <p:spPr bwMode="auto">
+          <a:xfrm>
+            <a:off x="3821503" y="2344278"/>
+            <a:ext cx="2041433" cy="2316864"/>
+          </a:xfrm>
+          <a:prstGeom prst="rect">
+            <a:avLst/>
+          </a:prstGeom>
+          <a:noFill/>
+          <a:ln>
             <a:noFill/>
-          </p:spPr>
-          <p:txBody>
-            <a:bodyPr wrap="square" rtlCol="0">
-              <a:spAutoFit/>
-            </a:bodyPr>
-            <a:lstStyle/>
-            <a:p>
-              <a:r>
-                <a:rPr lang="en-US" b="1" dirty="0"/>
-                <a:t>onCreate()  </a:t>
-              </a:r>
-              <a:r>
-                <a:rPr lang="en-US" dirty="0"/>
-                <a:t>started, but not visible</a:t>
-              </a:r>
-            </a:p>
-          </p:txBody>
-        </p:sp>
-        <p:sp>
-          <p:nvSpPr>
-            <p:cNvPr id="6" name="TextBox 5"/>
-            <p:cNvSpPr txBox="1"/>
-            <p:nvPr/>
-          </p:nvSpPr>
-          <p:spPr>
-            <a:xfrm>
-              <a:off x="4386757" y="2346051"/>
-              <a:ext cx="6222670" cy="369332"/>
-            </a:xfrm>
-            <a:prstGeom prst="rect">
-              <a:avLst/>
-            </a:prstGeom>
-            <a:noFill/>
-          </p:spPr>
-          <p:txBody>
-            <a:bodyPr wrap="square" rtlCol="0">
-              <a:spAutoFit/>
-            </a:bodyPr>
-            <a:lstStyle/>
-            <a:p>
-              <a:r>
-                <a:rPr lang="en-US" b="1" dirty="0" err="1"/>
-                <a:t>onStart</a:t>
-              </a:r>
-              <a:r>
-                <a:rPr lang="en-US" b="1" dirty="0"/>
-                <a:t>() </a:t>
-              </a:r>
-              <a:r>
-                <a:rPr lang="en-US" dirty="0"/>
-                <a:t>visible, but not ready for interaction</a:t>
-              </a:r>
-            </a:p>
-          </p:txBody>
-        </p:sp>
-        <p:sp>
-          <p:nvSpPr>
-            <p:cNvPr id="8" name="TextBox 7"/>
-            <p:cNvSpPr txBox="1"/>
-            <p:nvPr/>
-          </p:nvSpPr>
-          <p:spPr>
-            <a:xfrm>
-              <a:off x="4386757" y="2764046"/>
-              <a:ext cx="6222670" cy="369332"/>
-            </a:xfrm>
-            <a:prstGeom prst="rect">
-              <a:avLst/>
-            </a:prstGeom>
-            <a:noFill/>
-          </p:spPr>
-          <p:txBody>
-            <a:bodyPr wrap="square" rtlCol="0">
-              <a:spAutoFit/>
-            </a:bodyPr>
-            <a:lstStyle/>
-            <a:p>
-              <a:r>
-                <a:rPr lang="en-US" b="1" dirty="0" err="1"/>
-                <a:t>onResume</a:t>
-              </a:r>
-              <a:r>
-                <a:rPr lang="en-US" b="1" dirty="0"/>
-                <a:t>() </a:t>
-              </a:r>
-              <a:r>
-                <a:rPr lang="en-US" dirty="0" smtClean="0"/>
-                <a:t>moved to the foreground and ready </a:t>
-              </a:r>
-              <a:r>
-                <a:rPr lang="en-US" dirty="0"/>
-                <a:t>for interaction</a:t>
-              </a:r>
-            </a:p>
-          </p:txBody>
-        </p:sp>
-      </p:grpSp>
-      <p:grpSp>
-        <p:nvGrpSpPr>
-          <p:cNvPr id="3" name="Group 2"/>
-          <p:cNvGrpSpPr/>
+          </a:ln>
+          <a:extLst>
+            <a:ext uri="{909E8E84-426E-40DD-AFC4-6F175D3DCCD1}">
+              <a14:hiddenFill xmlns:a14="http://schemas.microsoft.com/office/drawing/2010/main">
+                <a:solidFill>
+                  <a:schemeClr val="accent1"/>
+                </a:solidFill>
+              </a14:hiddenFill>
+            </a:ext>
+            <a:ext uri="{91240B29-F687-4F45-9708-019B960494DF}">
+              <a14:hiddenLine xmlns:a14="http://schemas.microsoft.com/office/drawing/2010/main" w="9525">
+                <a:solidFill>
+                  <a:schemeClr val="tx1"/>
+                </a:solidFill>
+                <a:miter lim="800000"/>
+                <a:headEnd/>
+                <a:tailEnd/>
+              </a14:hiddenLine>
+            </a:ext>
+          </a:extLst>
+        </p:spPr>
+      </p:pic>
+      <p:sp>
+        <p:nvSpPr>
+          <p:cNvPr id="13" name="Rectangle 12"/>
+          <p:cNvSpPr/>
           <p:nvPr/>
-        </p:nvGrpSpPr>
-        <p:grpSpPr>
+        </p:nvSpPr>
+        <p:spPr>
           <a:xfrm>
-            <a:off x="4240805" y="3763440"/>
-            <a:ext cx="7573658" cy="1397688"/>
-            <a:chOff x="4386757" y="4041142"/>
-            <a:chExt cx="6222670" cy="1397688"/>
+            <a:off x="1333498" y="1949838"/>
+            <a:ext cx="1023938" cy="1068779"/>
           </a:xfrm>
-        </p:grpSpPr>
-        <p:sp>
-          <p:nvSpPr>
-            <p:cNvPr id="9" name="TextBox 8"/>
-            <p:cNvSpPr txBox="1"/>
-            <p:nvPr/>
-          </p:nvSpPr>
-          <p:spPr>
-            <a:xfrm>
-              <a:off x="4386757" y="4041142"/>
-              <a:ext cx="6222670" cy="646331"/>
-            </a:xfrm>
-            <a:prstGeom prst="rect">
-              <a:avLst/>
-            </a:prstGeom>
-            <a:noFill/>
-          </p:spPr>
-          <p:txBody>
-            <a:bodyPr wrap="square" rtlCol="0">
-              <a:spAutoFit/>
-            </a:bodyPr>
-            <a:lstStyle/>
-            <a:p>
-              <a:r>
-                <a:rPr lang="en-US" b="1" dirty="0" err="1"/>
-                <a:t>onPause</a:t>
-              </a:r>
-              <a:r>
-                <a:rPr lang="en-US" b="1" dirty="0"/>
-                <a:t>() </a:t>
-              </a:r>
-              <a:r>
-                <a:rPr lang="en-US" dirty="0"/>
-                <a:t>moving to the </a:t>
-              </a:r>
-              <a:r>
-                <a:rPr lang="en-US" dirty="0" smtClean="0"/>
-                <a:t>background and stopping </a:t>
-              </a:r>
-              <a:r>
-                <a:rPr lang="en-US" dirty="0"/>
-                <a:t>user interaction</a:t>
-              </a:r>
-            </a:p>
-          </p:txBody>
-        </p:sp>
-        <p:sp>
-          <p:nvSpPr>
-            <p:cNvPr id="10" name="TextBox 9"/>
-            <p:cNvSpPr txBox="1"/>
-            <p:nvPr/>
-          </p:nvSpPr>
-          <p:spPr>
-            <a:xfrm>
-              <a:off x="4386757" y="4423869"/>
-              <a:ext cx="6222670" cy="369332"/>
-            </a:xfrm>
-            <a:prstGeom prst="rect">
-              <a:avLst/>
-            </a:prstGeom>
-            <a:noFill/>
-          </p:spPr>
-          <p:txBody>
-            <a:bodyPr wrap="square" rtlCol="0">
-              <a:spAutoFit/>
-            </a:bodyPr>
-            <a:lstStyle/>
-            <a:p>
-              <a:r>
-                <a:rPr lang="en-US" b="1" dirty="0" err="1"/>
-                <a:t>onStop</a:t>
-              </a:r>
-              <a:r>
-                <a:rPr lang="en-US" b="1" dirty="0"/>
-                <a:t>() </a:t>
-              </a:r>
-              <a:r>
-                <a:rPr lang="en-US" dirty="0"/>
-                <a:t>moved to the background </a:t>
-              </a:r>
-              <a:r>
-                <a:rPr lang="en-US" dirty="0" smtClean="0"/>
-                <a:t>and </a:t>
-              </a:r>
-              <a:r>
-                <a:rPr lang="en-US" dirty="0"/>
-                <a:t>not visible</a:t>
-              </a:r>
-            </a:p>
-          </p:txBody>
-        </p:sp>
-        <p:sp>
-          <p:nvSpPr>
-            <p:cNvPr id="11" name="TextBox 10"/>
-            <p:cNvSpPr txBox="1"/>
-            <p:nvPr/>
-          </p:nvSpPr>
-          <p:spPr>
-            <a:xfrm>
-              <a:off x="4386757" y="4792499"/>
-              <a:ext cx="6222670" cy="646331"/>
-            </a:xfrm>
-            <a:prstGeom prst="rect">
-              <a:avLst/>
-            </a:prstGeom>
-            <a:noFill/>
-          </p:spPr>
-          <p:txBody>
-            <a:bodyPr wrap="square" rtlCol="0">
-              <a:spAutoFit/>
-            </a:bodyPr>
-            <a:lstStyle/>
-            <a:p>
-              <a:r>
-                <a:rPr lang="en-US" b="1" dirty="0" err="1"/>
-                <a:t>onDestroy</a:t>
-              </a:r>
-              <a:r>
-                <a:rPr lang="en-US" b="1" dirty="0"/>
-                <a:t>() </a:t>
-              </a:r>
-              <a:r>
-                <a:rPr lang="en-US" dirty="0"/>
-                <a:t>moved to the </a:t>
-              </a:r>
-              <a:r>
-                <a:rPr lang="en-US" dirty="0" smtClean="0"/>
-                <a:t>background, not visible and flagged to be destroyed by the system</a:t>
-              </a:r>
-              <a:endParaRPr lang="en-US" dirty="0"/>
-            </a:p>
-          </p:txBody>
-        </p:sp>
-      </p:grpSp>
+          <a:prstGeom prst="rect">
+            <a:avLst/>
+          </a:prstGeom>
+          <a:noFill/>
+          <a:ln w="19050">
+            <a:solidFill>
+              <a:schemeClr val="accent6">
+                <a:lumMod val="75000"/>
+              </a:schemeClr>
+            </a:solidFill>
+          </a:ln>
+        </p:spPr>
+        <p:style>
+          <a:lnRef idx="2">
+            <a:schemeClr val="accent1">
+              <a:shade val="50000"/>
+            </a:schemeClr>
+          </a:lnRef>
+          <a:fillRef idx="1">
+            <a:schemeClr val="accent1"/>
+          </a:fillRef>
+          <a:effectRef idx="0">
+            <a:schemeClr val="accent1"/>
+          </a:effectRef>
+          <a:fontRef idx="minor">
+            <a:schemeClr val="lt1"/>
+          </a:fontRef>
+        </p:style>
+        <p:txBody>
+          <a:bodyPr rtlCol="0" anchor="ctr"/>
+          <a:lstStyle/>
+          <a:p>
+            <a:pPr algn="ctr"/>
+            <a:endParaRPr lang="en-US"/>
+          </a:p>
+        </p:txBody>
+      </p:sp>
     </p:spTree>
     <p:extLst>
       <p:ext uri="{BB962C8B-B14F-4D97-AF65-F5344CB8AC3E}">
-        <p14:creationId xmlns:p14="http://schemas.microsoft.com/office/powerpoint/2010/main" val="3554290345"/>
+        <p14:creationId xmlns:p14="http://schemas.microsoft.com/office/powerpoint/2010/main" val="3801321611"/>
       </p:ext>
     </p:extLst>
   </p:cSld>
@@ -4577,7 +4515,7 @@
           <a:p>
             <a:r>
               <a:rPr lang="en-US" dirty="0" smtClean="0"/>
-              <a:t>Activity’s States</a:t>
+              <a:t>Activity Lifecycle</a:t>
             </a:r>
             <a:endParaRPr lang="en-US" dirty="0"/>
           </a:p>
@@ -4607,8 +4545,8 @@
         </p:blipFill>
         <p:spPr>
           <a:xfrm>
-            <a:off x="87485" y="1686153"/>
-            <a:ext cx="6429524" cy="2778969"/>
+            <a:off x="95248" y="1500457"/>
+            <a:ext cx="3501989" cy="4525963"/>
           </a:xfrm>
           <a:prstGeom prst="rect">
             <a:avLst/>
@@ -4617,14 +4555,14 @@
       </p:pic>
       <p:sp>
         <p:nvSpPr>
-          <p:cNvPr id="5" name="TextBox 4"/>
+          <p:cNvPr id="9" name="TextBox 8"/>
           <p:cNvSpPr txBox="1"/>
           <p:nvPr/>
         </p:nvSpPr>
         <p:spPr>
           <a:xfrm>
-            <a:off x="3" y="1245571"/>
-            <a:ext cx="3526971" cy="369332"/>
+            <a:off x="5642096" y="2313238"/>
+            <a:ext cx="6458860" cy="369332"/>
           </a:xfrm>
           <a:prstGeom prst="rect">
             <a:avLst/>
@@ -4638,31 +4576,38 @@
           <a:lstStyle/>
           <a:p>
             <a:r>
-              <a:rPr lang="en-US" dirty="0" smtClean="0">
-                <a:hlinkClick r:id="rId3"/>
-              </a:rPr>
-              <a:t>Kristin </a:t>
-            </a:r>
-            <a:r>
-              <a:rPr lang="en-US" dirty="0" err="1">
-                <a:hlinkClick r:id="rId3"/>
-              </a:rPr>
-              <a:t>Marsicano</a:t>
-            </a:r>
-            <a:endParaRPr lang="en-US" dirty="0"/>
-          </a:p>
-        </p:txBody>
-      </p:sp>
-      <p:sp>
-        <p:nvSpPr>
-          <p:cNvPr id="6" name="TextBox 5"/>
+              <a:rPr lang="en-US" b="1" dirty="0" err="1"/>
+              <a:t>onPause</a:t>
+            </a:r>
+            <a:r>
+              <a:rPr lang="en-US" b="1" dirty="0"/>
+              <a:t>() </a:t>
+            </a:r>
+            <a:r>
+              <a:rPr lang="en-US" dirty="0"/>
+              <a:t>moving to the </a:t>
+            </a:r>
+            <a:r>
+              <a:rPr lang="en-US" dirty="0" smtClean="0"/>
+              <a:t>background and stopping </a:t>
+            </a:r>
+            <a:r>
+              <a:rPr lang="en-US" dirty="0"/>
+              <a:t>user interaction</a:t>
+            </a:r>
+          </a:p>
+        </p:txBody>
+      </p:sp>
+      <p:sp>
+        <p:nvSpPr>
+          <p:cNvPr id="10" name="TextBox 9"/>
           <p:cNvSpPr txBox="1"/>
           <p:nvPr/>
         </p:nvSpPr>
         <p:spPr>
           <a:xfrm>
-            <a:off x="748146" y="5075259"/>
-            <a:ext cx="10129652" cy="954107"/>
+            <a:off x="5748971" y="3144422"/>
+            <a:ext cx="6209481" cy="369332"/>
           </a:xfrm>
           <a:prstGeom prst="rect">
             <a:avLst/>
@@ -4675,593 +4620,222 @@
           </a:bodyPr>
           <a:lstStyle/>
           <a:p>
+            <a:r>
+              <a:rPr lang="en-US" b="1" dirty="0" err="1"/>
+              <a:t>onStop</a:t>
+            </a:r>
+            <a:r>
+              <a:rPr lang="en-US" b="1" dirty="0"/>
+              <a:t>() </a:t>
+            </a:r>
+            <a:r>
+              <a:rPr lang="en-US" dirty="0"/>
+              <a:t>moved to the background </a:t>
+            </a:r>
+            <a:r>
+              <a:rPr lang="en-US" dirty="0" smtClean="0"/>
+              <a:t>and </a:t>
+            </a:r>
+            <a:r>
+              <a:rPr lang="en-US" dirty="0"/>
+              <a:t>not visible</a:t>
+            </a:r>
+          </a:p>
+        </p:txBody>
+      </p:sp>
+      <p:sp>
+        <p:nvSpPr>
+          <p:cNvPr id="11" name="TextBox 10"/>
+          <p:cNvSpPr txBox="1"/>
+          <p:nvPr/>
+        </p:nvSpPr>
+        <p:spPr>
+          <a:xfrm>
+            <a:off x="5748971" y="3886526"/>
+            <a:ext cx="6209481" cy="646331"/>
+          </a:xfrm>
+          <a:prstGeom prst="rect">
+            <a:avLst/>
+          </a:prstGeom>
+          <a:noFill/>
+        </p:spPr>
+        <p:txBody>
+          <a:bodyPr wrap="square" rtlCol="0">
+            <a:spAutoFit/>
+          </a:bodyPr>
+          <a:lstStyle/>
+          <a:p>
+            <a:r>
+              <a:rPr lang="en-US" b="1" dirty="0" err="1"/>
+              <a:t>onDestroy</a:t>
+            </a:r>
+            <a:r>
+              <a:rPr lang="en-US" b="1" dirty="0"/>
+              <a:t>() </a:t>
+            </a:r>
+            <a:r>
+              <a:rPr lang="en-US" dirty="0"/>
+              <a:t>moved to the </a:t>
+            </a:r>
+            <a:r>
+              <a:rPr lang="en-US" dirty="0" smtClean="0"/>
+              <a:t>background and </a:t>
+            </a:r>
+            <a:r>
+              <a:rPr lang="en-US" dirty="0" smtClean="0"/>
+              <a:t>flagged to be destroyed by the system</a:t>
+            </a:r>
+            <a:endParaRPr lang="en-US" dirty="0"/>
+          </a:p>
+        </p:txBody>
+      </p:sp>
+      <p:pic>
+        <p:nvPicPr>
+          <p:cNvPr id="4098" name="Picture 2"/>
+          <p:cNvPicPr>
+            <a:picLocks noChangeAspect="1" noChangeArrowheads="1"/>
+          </p:cNvPicPr>
+          <p:nvPr/>
+        </p:nvPicPr>
+        <p:blipFill>
+          <a:blip r:embed="rId3">
+            <a:extLst>
+              <a:ext uri="{28A0092B-C50C-407E-A947-70E740481C1C}">
+                <a14:useLocalDpi xmlns:a14="http://schemas.microsoft.com/office/drawing/2010/main" val="0"/>
+              </a:ext>
+            </a:extLst>
+          </a:blip>
+          <a:srcRect/>
+          <a:stretch>
+            <a:fillRect/>
+          </a:stretch>
+        </p:blipFill>
+        <p:spPr bwMode="auto">
+          <a:xfrm>
+            <a:off x="3745490" y="2193953"/>
+            <a:ext cx="1907164" cy="2282590"/>
+          </a:xfrm>
+          <a:prstGeom prst="rect">
+            <a:avLst/>
+          </a:prstGeom>
+          <a:noFill/>
+          <a:ln>
+            <a:noFill/>
+          </a:ln>
+          <a:extLst>
+            <a:ext uri="{909E8E84-426E-40DD-AFC4-6F175D3DCCD1}">
+              <a14:hiddenFill xmlns:a14="http://schemas.microsoft.com/office/drawing/2010/main">
+                <a:solidFill>
+                  <a:schemeClr val="accent1"/>
+                </a:solidFill>
+              </a14:hiddenFill>
+            </a:ext>
+            <a:ext uri="{91240B29-F687-4F45-9708-019B960494DF}">
+              <a14:hiddenLine xmlns:a14="http://schemas.microsoft.com/office/drawing/2010/main" w="9525">
+                <a:solidFill>
+                  <a:schemeClr val="tx1"/>
+                </a:solidFill>
+                <a:miter lim="800000"/>
+                <a:headEnd/>
+                <a:tailEnd/>
+              </a14:hiddenLine>
+            </a:ext>
+          </a:extLst>
+        </p:spPr>
+      </p:pic>
+      <p:sp>
+        <p:nvSpPr>
+          <p:cNvPr id="13" name="Rectangle 12"/>
+          <p:cNvSpPr/>
+          <p:nvPr/>
+        </p:nvSpPr>
+        <p:spPr>
+          <a:xfrm>
+            <a:off x="1079500" y="3811979"/>
+            <a:ext cx="1225550" cy="1725221"/>
+          </a:xfrm>
+          <a:prstGeom prst="rect">
+            <a:avLst/>
+          </a:prstGeom>
+          <a:noFill/>
+          <a:ln w="19050">
+            <a:solidFill>
+              <a:schemeClr val="accent6">
+                <a:lumMod val="75000"/>
+              </a:schemeClr>
+            </a:solidFill>
+          </a:ln>
+        </p:spPr>
+        <p:style>
+          <a:lnRef idx="2">
+            <a:schemeClr val="accent1">
+              <a:shade val="50000"/>
+            </a:schemeClr>
+          </a:lnRef>
+          <a:fillRef idx="1">
+            <a:schemeClr val="accent1"/>
+          </a:fillRef>
+          <a:effectRef idx="0">
+            <a:schemeClr val="accent1"/>
+          </a:effectRef>
+          <a:fontRef idx="minor">
+            <a:schemeClr val="lt1"/>
+          </a:fontRef>
+        </p:style>
+        <p:txBody>
+          <a:bodyPr rtlCol="0" anchor="ctr"/>
+          <a:lstStyle/>
+          <a:p>
             <a:pPr algn="ctr"/>
-            <a:r>
-              <a:rPr lang="en-US" sz="2800" b="1" dirty="0">
+            <a:endParaRPr lang="en-US"/>
+          </a:p>
+        </p:txBody>
+      </p:sp>
+      <p:pic>
+        <p:nvPicPr>
+          <p:cNvPr id="14" name="Picture 2" descr="C:\Users\brian.batchelor\AppData\Local\Microsoft\Windows\INetCache\IE\T13KQPTQ\large-Pin-0-11351[1].gif"/>
+          <p:cNvPicPr>
+            <a:picLocks noChangeAspect="1" noChangeArrowheads="1"/>
+          </p:cNvPicPr>
+          <p:nvPr/>
+        </p:nvPicPr>
+        <p:blipFill>
+          <a:blip r:embed="rId4" cstate="print">
+            <a:extLst>
+              <a:ext uri="{28A0092B-C50C-407E-A947-70E740481C1C}">
+                <a14:useLocalDpi xmlns:a14="http://schemas.microsoft.com/office/drawing/2010/main" val="0"/>
+              </a:ext>
+            </a:extLst>
+          </a:blip>
+          <a:srcRect/>
+          <a:stretch>
+            <a:fillRect/>
+          </a:stretch>
+        </p:blipFill>
+        <p:spPr bwMode="auto">
+          <a:xfrm>
+            <a:off x="3663469" y="1932015"/>
+            <a:ext cx="360363" cy="523875"/>
+          </a:xfrm>
+          <a:prstGeom prst="rect">
+            <a:avLst/>
+          </a:prstGeom>
+          <a:noFill/>
+          <a:extLst>
+            <a:ext uri="{909E8E84-426E-40DD-AFC4-6F175D3DCCD1}">
+              <a14:hiddenFill xmlns:a14="http://schemas.microsoft.com/office/drawing/2010/main">
                 <a:solidFill>
-                  <a:srgbClr val="0070C0"/>
+                  <a:srgbClr val="FFFFFF"/>
                 </a:solidFill>
-              </a:rPr>
-              <a:t>https://news.realm.io/news/activities-in-the-wild-exploring-the-activity-lifecycle-android/</a:t>
-            </a:r>
-            <a:endParaRPr lang="en-US" sz="3200" dirty="0">
-              <a:solidFill>
-                <a:srgbClr val="0070C0"/>
-              </a:solidFill>
-            </a:endParaRPr>
-          </a:p>
-        </p:txBody>
-      </p:sp>
-      <p:graphicFrame>
-        <p:nvGraphicFramePr>
-          <p:cNvPr id="3" name="Table 2"/>
-          <p:cNvGraphicFramePr>
-            <a:graphicFrameLocks noGrp="1"/>
-          </p:cNvGraphicFramePr>
-          <p:nvPr>
-            <p:extLst>
-              <p:ext uri="{D42A27DB-BD31-4B8C-83A1-F6EECF244321}">
-                <p14:modId xmlns:p14="http://schemas.microsoft.com/office/powerpoint/2010/main" val="316647231"/>
-              </p:ext>
-            </p:extLst>
-          </p:nvPr>
-        </p:nvGraphicFramePr>
-        <p:xfrm>
-          <a:off x="6633028" y="1698152"/>
-          <a:ext cx="5371604" cy="2685164"/>
-        </p:xfrm>
-        <a:graphic>
-          <a:graphicData uri="http://schemas.openxmlformats.org/drawingml/2006/table">
-            <a:tbl>
-              <a:tblPr firstRow="1" bandRow="1">
-                <a:tableStyleId>{5C22544A-7EE6-4342-B048-85BDC9FD1C3A}</a:tableStyleId>
-              </a:tblPr>
-              <a:tblGrid>
-                <a:gridCol w="1342901"/>
-                <a:gridCol w="1342901"/>
-                <a:gridCol w="1342901"/>
-                <a:gridCol w="1342901"/>
-              </a:tblGrid>
-              <a:tr h="592828">
-                <a:tc>
-                  <a:txBody>
-                    <a:bodyPr/>
-                    <a:lstStyle/>
-                    <a:p>
-                      <a:pPr algn="ctr"/>
-                      <a:r>
-                        <a:rPr lang="en-US" sz="1400" dirty="0" smtClean="0"/>
-                        <a:t>State</a:t>
-                      </a:r>
-                      <a:endParaRPr lang="en-US" sz="1400" dirty="0"/>
-                    </a:p>
-                  </a:txBody>
-                  <a:tcPr anchor="ctr"/>
-                </a:tc>
-                <a:tc>
-                  <a:txBody>
-                    <a:bodyPr/>
-                    <a:lstStyle/>
-                    <a:p>
-                      <a:pPr algn="ctr"/>
-                      <a:r>
-                        <a:rPr lang="en-US" sz="1400" dirty="0" smtClean="0"/>
-                        <a:t>In memory</a:t>
-                      </a:r>
-                      <a:endParaRPr lang="en-US" sz="1400" dirty="0"/>
-                    </a:p>
-                  </a:txBody>
-                  <a:tcPr anchor="ctr"/>
-                </a:tc>
-                <a:tc>
-                  <a:txBody>
-                    <a:bodyPr/>
-                    <a:lstStyle/>
-                    <a:p>
-                      <a:pPr algn="ctr"/>
-                      <a:r>
-                        <a:rPr lang="en-US" sz="1400" dirty="0" smtClean="0"/>
-                        <a:t>Visible to user?</a:t>
-                      </a:r>
-                      <a:endParaRPr lang="en-US" sz="1400" dirty="0"/>
-                    </a:p>
-                  </a:txBody>
-                  <a:tcPr anchor="ctr"/>
-                </a:tc>
-                <a:tc>
-                  <a:txBody>
-                    <a:bodyPr/>
-                    <a:lstStyle/>
-                    <a:p>
-                      <a:pPr algn="ctr"/>
-                      <a:r>
-                        <a:rPr lang="en-US" sz="1400" dirty="0" smtClean="0"/>
-                        <a:t>In foreground?</a:t>
-                      </a:r>
-                      <a:endParaRPr lang="en-US" sz="1400" dirty="0"/>
-                    </a:p>
-                  </a:txBody>
-                  <a:tcPr anchor="ctr"/>
-                </a:tc>
-              </a:tr>
-              <a:tr h="523084">
-                <a:tc>
-                  <a:txBody>
-                    <a:bodyPr/>
-                    <a:lstStyle/>
-                    <a:p>
-                      <a:pPr algn="ctr"/>
-                      <a:r>
-                        <a:rPr lang="en-US" sz="1600" dirty="0" smtClean="0">
-                          <a:solidFill>
-                            <a:schemeClr val="bg1"/>
-                          </a:solidFill>
-                        </a:rPr>
-                        <a:t>Non-Existent</a:t>
-                      </a:r>
-                      <a:endParaRPr lang="en-US" sz="1600" dirty="0">
-                        <a:solidFill>
-                          <a:schemeClr val="bg1"/>
-                        </a:solidFill>
-                      </a:endParaRPr>
-                    </a:p>
-                  </a:txBody>
-                  <a:tcPr anchor="ctr">
-                    <a:solidFill>
-                      <a:schemeClr val="accent1">
-                        <a:lumMod val="60000"/>
-                        <a:lumOff val="40000"/>
-                      </a:schemeClr>
-                    </a:solidFill>
-                  </a:tcPr>
-                </a:tc>
-                <a:tc>
-                  <a:txBody>
-                    <a:bodyPr/>
-                    <a:lstStyle/>
-                    <a:p>
-                      <a:pPr algn="ctr"/>
-                      <a:r>
-                        <a:rPr lang="en-US" sz="1800" dirty="0" smtClean="0">
-                          <a:solidFill>
-                            <a:schemeClr val="bg1"/>
-                          </a:solidFill>
-                        </a:rPr>
-                        <a:t>No</a:t>
-                      </a:r>
-                      <a:endParaRPr lang="en-US" sz="1800" dirty="0">
-                        <a:solidFill>
-                          <a:schemeClr val="bg1"/>
-                        </a:solidFill>
-                      </a:endParaRPr>
-                    </a:p>
-                  </a:txBody>
-                  <a:tcPr anchor="ctr">
-                    <a:solidFill>
-                      <a:schemeClr val="accent1">
-                        <a:lumMod val="75000"/>
-                      </a:schemeClr>
-                    </a:solidFill>
-                  </a:tcPr>
-                </a:tc>
-                <a:tc>
-                  <a:txBody>
-                    <a:bodyPr/>
-                    <a:lstStyle/>
-                    <a:p>
-                      <a:pPr algn="ctr"/>
-                      <a:r>
-                        <a:rPr lang="en-US" sz="1800" dirty="0" smtClean="0">
-                          <a:solidFill>
-                            <a:schemeClr val="bg1"/>
-                          </a:solidFill>
-                        </a:rPr>
-                        <a:t>No</a:t>
-                      </a:r>
-                      <a:endParaRPr lang="en-US" sz="1800" dirty="0">
-                        <a:solidFill>
-                          <a:schemeClr val="bg1"/>
-                        </a:solidFill>
-                      </a:endParaRPr>
-                    </a:p>
-                  </a:txBody>
-                  <a:tcPr anchor="ctr">
-                    <a:solidFill>
-                      <a:schemeClr val="accent1">
-                        <a:lumMod val="75000"/>
-                      </a:schemeClr>
-                    </a:solidFill>
-                  </a:tcPr>
-                </a:tc>
-                <a:tc>
-                  <a:txBody>
-                    <a:bodyPr/>
-                    <a:lstStyle/>
-                    <a:p>
-                      <a:pPr algn="ctr"/>
-                      <a:r>
-                        <a:rPr lang="en-US" sz="1800" dirty="0" smtClean="0">
-                          <a:solidFill>
-                            <a:schemeClr val="bg1"/>
-                          </a:solidFill>
-                        </a:rPr>
-                        <a:t>No</a:t>
-                      </a:r>
-                      <a:endParaRPr lang="en-US" sz="1800" dirty="0">
-                        <a:solidFill>
-                          <a:schemeClr val="bg1"/>
-                        </a:solidFill>
-                      </a:endParaRPr>
-                    </a:p>
-                  </a:txBody>
-                  <a:tcPr anchor="ctr">
-                    <a:solidFill>
-                      <a:schemeClr val="accent1">
-                        <a:lumMod val="75000"/>
-                      </a:schemeClr>
-                    </a:solidFill>
-                  </a:tcPr>
-                </a:tc>
-              </a:tr>
-              <a:tr h="523084">
-                <a:tc>
-                  <a:txBody>
-                    <a:bodyPr/>
-                    <a:lstStyle/>
-                    <a:p>
-                      <a:pPr algn="ctr"/>
-                      <a:r>
-                        <a:rPr lang="en-US" sz="1600" dirty="0" smtClean="0">
-                          <a:solidFill>
-                            <a:schemeClr val="bg1"/>
-                          </a:solidFill>
-                        </a:rPr>
-                        <a:t>Stopped</a:t>
-                      </a:r>
-                      <a:endParaRPr lang="en-US" sz="1600" dirty="0">
-                        <a:solidFill>
-                          <a:schemeClr val="bg1"/>
-                        </a:solidFill>
-                      </a:endParaRPr>
-                    </a:p>
-                  </a:txBody>
-                  <a:tcPr anchor="ctr">
-                    <a:solidFill>
-                      <a:schemeClr val="accent1">
-                        <a:lumMod val="60000"/>
-                        <a:lumOff val="40000"/>
-                      </a:schemeClr>
-                    </a:solidFill>
-                  </a:tcPr>
-                </a:tc>
-                <a:tc>
-                  <a:txBody>
-                    <a:bodyPr/>
-                    <a:lstStyle/>
-                    <a:p>
-                      <a:pPr algn="ctr"/>
-                      <a:r>
-                        <a:rPr lang="en-US" sz="1800" dirty="0" smtClean="0">
-                          <a:solidFill>
-                            <a:schemeClr val="bg1"/>
-                          </a:solidFill>
-                        </a:rPr>
-                        <a:t>Yes</a:t>
-                      </a:r>
-                      <a:endParaRPr lang="en-US" sz="1800" dirty="0">
-                        <a:solidFill>
-                          <a:schemeClr val="bg1"/>
-                        </a:solidFill>
-                      </a:endParaRPr>
-                    </a:p>
-                  </a:txBody>
-                  <a:tcPr anchor="ctr">
-                    <a:solidFill>
-                      <a:schemeClr val="accent4">
-                        <a:lumMod val="75000"/>
-                      </a:schemeClr>
-                    </a:solidFill>
-                  </a:tcPr>
-                </a:tc>
-                <a:tc>
-                  <a:txBody>
-                    <a:bodyPr/>
-                    <a:lstStyle/>
-                    <a:p>
-                      <a:pPr algn="ctr"/>
-                      <a:r>
-                        <a:rPr lang="en-US" sz="1800" dirty="0" smtClean="0">
-                          <a:solidFill>
-                            <a:schemeClr val="bg1"/>
-                          </a:solidFill>
-                        </a:rPr>
-                        <a:t>No</a:t>
-                      </a:r>
-                      <a:endParaRPr lang="en-US" sz="1800" dirty="0">
-                        <a:solidFill>
-                          <a:schemeClr val="bg1"/>
-                        </a:solidFill>
-                      </a:endParaRPr>
-                    </a:p>
-                  </a:txBody>
-                  <a:tcPr anchor="ctr">
-                    <a:solidFill>
-                      <a:schemeClr val="accent4">
-                        <a:lumMod val="75000"/>
-                      </a:schemeClr>
-                    </a:solidFill>
-                  </a:tcPr>
-                </a:tc>
-                <a:tc>
-                  <a:txBody>
-                    <a:bodyPr/>
-                    <a:lstStyle/>
-                    <a:p>
-                      <a:pPr algn="ctr"/>
-                      <a:r>
-                        <a:rPr lang="en-US" sz="1800" dirty="0" smtClean="0">
-                          <a:solidFill>
-                            <a:schemeClr val="bg1"/>
-                          </a:solidFill>
-                        </a:rPr>
-                        <a:t>No</a:t>
-                      </a:r>
-                      <a:endParaRPr lang="en-US" sz="1800" dirty="0">
-                        <a:solidFill>
-                          <a:schemeClr val="bg1"/>
-                        </a:solidFill>
-                      </a:endParaRPr>
-                    </a:p>
-                  </a:txBody>
-                  <a:tcPr anchor="ctr">
-                    <a:solidFill>
-                      <a:schemeClr val="accent4">
-                        <a:lumMod val="75000"/>
-                      </a:schemeClr>
-                    </a:solidFill>
-                  </a:tcPr>
-                </a:tc>
-              </a:tr>
-              <a:tr h="523084">
-                <a:tc>
-                  <a:txBody>
-                    <a:bodyPr/>
-                    <a:lstStyle/>
-                    <a:p>
-                      <a:pPr algn="ctr"/>
-                      <a:r>
-                        <a:rPr lang="en-US" sz="1600" dirty="0" smtClean="0">
-                          <a:solidFill>
-                            <a:schemeClr val="bg1"/>
-                          </a:solidFill>
-                        </a:rPr>
-                        <a:t>Paused</a:t>
-                      </a:r>
-                      <a:endParaRPr lang="en-US" sz="1600" dirty="0">
-                        <a:solidFill>
-                          <a:schemeClr val="bg1"/>
-                        </a:solidFill>
-                      </a:endParaRPr>
-                    </a:p>
-                  </a:txBody>
-                  <a:tcPr anchor="ctr">
-                    <a:solidFill>
-                      <a:schemeClr val="accent1">
-                        <a:lumMod val="60000"/>
-                        <a:lumOff val="40000"/>
-                      </a:schemeClr>
-                    </a:solidFill>
-                  </a:tcPr>
-                </a:tc>
-                <a:tc>
-                  <a:txBody>
-                    <a:bodyPr/>
-                    <a:lstStyle/>
-                    <a:p>
-                      <a:pPr algn="ctr"/>
-                      <a:r>
-                        <a:rPr lang="en-US" sz="1800" dirty="0" smtClean="0">
-                          <a:solidFill>
-                            <a:schemeClr val="bg1"/>
-                          </a:solidFill>
-                        </a:rPr>
-                        <a:t>Yes</a:t>
-                      </a:r>
-                      <a:endParaRPr lang="en-US" sz="1800" dirty="0">
-                        <a:solidFill>
-                          <a:schemeClr val="bg1"/>
-                        </a:solidFill>
-                      </a:endParaRPr>
-                    </a:p>
-                  </a:txBody>
-                  <a:tcPr anchor="ctr">
-                    <a:solidFill>
-                      <a:schemeClr val="tx2"/>
-                    </a:solidFill>
-                  </a:tcPr>
-                </a:tc>
-                <a:tc>
-                  <a:txBody>
-                    <a:bodyPr/>
-                    <a:lstStyle/>
-                    <a:p>
-                      <a:pPr algn="ctr"/>
-                      <a:r>
-                        <a:rPr lang="en-US" sz="1800" dirty="0" smtClean="0">
-                          <a:solidFill>
-                            <a:schemeClr val="bg1"/>
-                          </a:solidFill>
-                        </a:rPr>
-                        <a:t>Yes/partially</a:t>
-                      </a:r>
-                      <a:endParaRPr lang="en-US" sz="1800" dirty="0">
-                        <a:solidFill>
-                          <a:schemeClr val="bg1"/>
-                        </a:solidFill>
-                      </a:endParaRPr>
-                    </a:p>
-                  </a:txBody>
-                  <a:tcPr anchor="ctr">
-                    <a:solidFill>
-                      <a:schemeClr val="tx2"/>
-                    </a:solidFill>
-                  </a:tcPr>
-                </a:tc>
-                <a:tc>
-                  <a:txBody>
-                    <a:bodyPr/>
-                    <a:lstStyle/>
-                    <a:p>
-                      <a:pPr algn="ctr"/>
-                      <a:r>
-                        <a:rPr lang="en-US" sz="1800" dirty="0" smtClean="0">
-                          <a:solidFill>
-                            <a:schemeClr val="bg1"/>
-                          </a:solidFill>
-                        </a:rPr>
-                        <a:t>No</a:t>
-                      </a:r>
-                      <a:endParaRPr lang="en-US" sz="1800" dirty="0">
-                        <a:solidFill>
-                          <a:schemeClr val="bg1"/>
-                        </a:solidFill>
-                      </a:endParaRPr>
-                    </a:p>
-                  </a:txBody>
-                  <a:tcPr anchor="ctr">
-                    <a:solidFill>
-                      <a:schemeClr val="tx2"/>
-                    </a:solidFill>
-                  </a:tcPr>
-                </a:tc>
-              </a:tr>
-              <a:tr h="523084">
-                <a:tc>
-                  <a:txBody>
-                    <a:bodyPr/>
-                    <a:lstStyle/>
-                    <a:p>
-                      <a:pPr algn="ctr"/>
-                      <a:r>
-                        <a:rPr lang="en-US" sz="1600" dirty="0" smtClean="0">
-                          <a:solidFill>
-                            <a:schemeClr val="bg1"/>
-                          </a:solidFill>
-                        </a:rPr>
-                        <a:t>Running </a:t>
-                      </a:r>
-                      <a:endParaRPr lang="en-US" sz="1600" dirty="0">
-                        <a:solidFill>
-                          <a:schemeClr val="bg1"/>
-                        </a:solidFill>
-                      </a:endParaRPr>
-                    </a:p>
-                  </a:txBody>
-                  <a:tcPr anchor="ctr">
-                    <a:solidFill>
-                      <a:schemeClr val="accent1">
-                        <a:lumMod val="60000"/>
-                        <a:lumOff val="40000"/>
-                      </a:schemeClr>
-                    </a:solidFill>
-                  </a:tcPr>
-                </a:tc>
-                <a:tc>
-                  <a:txBody>
-                    <a:bodyPr/>
-                    <a:lstStyle/>
-                    <a:p>
-                      <a:pPr algn="ctr"/>
-                      <a:r>
-                        <a:rPr lang="en-US" sz="1800" dirty="0" smtClean="0">
-                          <a:solidFill>
-                            <a:schemeClr val="bg1"/>
-                          </a:solidFill>
-                        </a:rPr>
-                        <a:t>Yes</a:t>
-                      </a:r>
-                      <a:endParaRPr lang="en-US" sz="1800" dirty="0">
-                        <a:solidFill>
-                          <a:schemeClr val="bg1"/>
-                        </a:solidFill>
-                      </a:endParaRPr>
-                    </a:p>
-                  </a:txBody>
-                  <a:tcPr anchor="ctr">
-                    <a:solidFill>
-                      <a:schemeClr val="accent3">
-                        <a:lumMod val="75000"/>
-                      </a:schemeClr>
-                    </a:solidFill>
-                  </a:tcPr>
-                </a:tc>
-                <a:tc>
-                  <a:txBody>
-                    <a:bodyPr/>
-                    <a:lstStyle/>
-                    <a:p>
-                      <a:pPr algn="ctr"/>
-                      <a:r>
-                        <a:rPr lang="en-US" sz="1800" dirty="0" smtClean="0">
-                          <a:solidFill>
-                            <a:schemeClr val="bg1"/>
-                          </a:solidFill>
-                        </a:rPr>
-                        <a:t>Yes</a:t>
-                      </a:r>
-                      <a:endParaRPr lang="en-US" sz="1800" dirty="0">
-                        <a:solidFill>
-                          <a:schemeClr val="bg1"/>
-                        </a:solidFill>
-                      </a:endParaRPr>
-                    </a:p>
-                  </a:txBody>
-                  <a:tcPr anchor="ctr">
-                    <a:solidFill>
-                      <a:schemeClr val="accent3">
-                        <a:lumMod val="75000"/>
-                      </a:schemeClr>
-                    </a:solidFill>
-                  </a:tcPr>
-                </a:tc>
-                <a:tc>
-                  <a:txBody>
-                    <a:bodyPr/>
-                    <a:lstStyle/>
-                    <a:p>
-                      <a:pPr algn="ctr"/>
-                      <a:r>
-                        <a:rPr lang="en-US" sz="1800" dirty="0" smtClean="0">
-                          <a:solidFill>
-                            <a:schemeClr val="bg1"/>
-                          </a:solidFill>
-                        </a:rPr>
-                        <a:t>Yes</a:t>
-                      </a:r>
-                      <a:endParaRPr lang="en-US" sz="1800" dirty="0">
-                        <a:solidFill>
-                          <a:schemeClr val="bg1"/>
-                        </a:solidFill>
-                      </a:endParaRPr>
-                    </a:p>
-                  </a:txBody>
-                  <a:tcPr anchor="ctr">
-                    <a:solidFill>
-                      <a:schemeClr val="accent3">
-                        <a:lumMod val="75000"/>
-                      </a:schemeClr>
-                    </a:solidFill>
-                  </a:tcPr>
-                </a:tc>
-              </a:tr>
-            </a:tbl>
-          </a:graphicData>
-        </a:graphic>
-      </p:graphicFrame>
+              </a14:hiddenFill>
+            </a:ext>
+          </a:extLst>
+        </p:spPr>
+      </p:pic>
     </p:spTree>
     <p:extLst>
       <p:ext uri="{BB962C8B-B14F-4D97-AF65-F5344CB8AC3E}">
-        <p14:creationId xmlns:p14="http://schemas.microsoft.com/office/powerpoint/2010/main" val="438153073"/>
+        <p14:creationId xmlns:p14="http://schemas.microsoft.com/office/powerpoint/2010/main" val="3554290345"/>
       </p:ext>
     </p:extLst>
   </p:cSld>
@@ -5311,708 +4885,63 @@
           <a:lstStyle/>
           <a:p>
             <a:r>
+              <a:rPr lang="en-US" dirty="0"/>
+              <a:t>Exploring </a:t>
+            </a:r>
+            <a:r>
+              <a:rPr lang="en-US" dirty="0" err="1"/>
+              <a:t>build.gradle</a:t>
+            </a:r>
+            <a:r>
+              <a:rPr lang="en-US" dirty="0"/>
+              <a:t> file</a:t>
+            </a:r>
+          </a:p>
+        </p:txBody>
+      </p:sp>
+      <p:sp>
+        <p:nvSpPr>
+          <p:cNvPr id="3" name="Content Placeholder 2"/>
+          <p:cNvSpPr>
+            <a:spLocks noGrp="1"/>
+          </p:cNvSpPr>
+          <p:nvPr>
+            <p:ph idx="1"/>
+          </p:nvPr>
+        </p:nvSpPr>
+        <p:spPr/>
+        <p:txBody>
+          <a:bodyPr/>
+          <a:lstStyle/>
+          <a:p>
+            <a:r>
               <a:rPr lang="en-US" dirty="0" smtClean="0"/>
-              <a:t>Lifecycle relationships</a:t>
+              <a:t>Set </a:t>
+            </a:r>
+            <a:r>
+              <a:rPr lang="en-US" dirty="0"/>
+              <a:t>target SDK version</a:t>
+            </a:r>
+          </a:p>
+          <a:p>
+            <a:r>
+              <a:rPr lang="en-US" dirty="0" smtClean="0"/>
+              <a:t>Set minimum SDK version</a:t>
+            </a:r>
+          </a:p>
+          <a:p>
+            <a:r>
+              <a:rPr lang="en-US" dirty="0" smtClean="0"/>
+              <a:t>Define dependencies</a:t>
             </a:r>
             <a:endParaRPr lang="en-US" dirty="0"/>
-          </a:p>
-        </p:txBody>
-      </p:sp>
-      <p:grpSp>
-        <p:nvGrpSpPr>
-          <p:cNvPr id="22" name="Group 21"/>
-          <p:cNvGrpSpPr/>
-          <p:nvPr/>
-        </p:nvGrpSpPr>
-        <p:grpSpPr>
-          <a:xfrm>
-            <a:off x="3906984" y="1822860"/>
-            <a:ext cx="4512623" cy="1009404"/>
-            <a:chOff x="605642" y="1828799"/>
-            <a:chExt cx="4512623" cy="1009404"/>
-          </a:xfrm>
-        </p:grpSpPr>
-        <p:sp>
-          <p:nvSpPr>
-            <p:cNvPr id="4" name="Oval 3"/>
-            <p:cNvSpPr/>
-            <p:nvPr/>
-          </p:nvSpPr>
-          <p:spPr>
-            <a:xfrm>
-              <a:off x="605642" y="1828800"/>
-              <a:ext cx="1555667" cy="1009403"/>
-            </a:xfrm>
-            <a:prstGeom prst="ellipse">
-              <a:avLst/>
-            </a:prstGeom>
-          </p:spPr>
-          <p:style>
-            <a:lnRef idx="0">
-              <a:schemeClr val="accent4"/>
-            </a:lnRef>
-            <a:fillRef idx="3">
-              <a:schemeClr val="accent4"/>
-            </a:fillRef>
-            <a:effectRef idx="3">
-              <a:schemeClr val="accent4"/>
-            </a:effectRef>
-            <a:fontRef idx="minor">
-              <a:schemeClr val="lt1"/>
-            </a:fontRef>
-          </p:style>
-          <p:txBody>
-            <a:bodyPr rtlCol="0" anchor="ctr"/>
-            <a:lstStyle/>
-            <a:p>
-              <a:pPr algn="ctr"/>
-              <a:r>
-                <a:rPr lang="en-US" dirty="0" err="1" smtClean="0"/>
-                <a:t>onCreate</a:t>
-              </a:r>
-              <a:endParaRPr lang="en-US" dirty="0"/>
-            </a:p>
-          </p:txBody>
-        </p:sp>
-        <p:sp>
-          <p:nvSpPr>
-            <p:cNvPr id="13" name="Oval 12"/>
-            <p:cNvSpPr/>
-            <p:nvPr/>
-          </p:nvSpPr>
-          <p:spPr>
-            <a:xfrm>
-              <a:off x="3453740" y="1828799"/>
-              <a:ext cx="1664525" cy="1009403"/>
-            </a:xfrm>
-            <a:prstGeom prst="ellipse">
-              <a:avLst/>
-            </a:prstGeom>
-          </p:spPr>
-          <p:style>
-            <a:lnRef idx="0">
-              <a:schemeClr val="accent4"/>
-            </a:lnRef>
-            <a:fillRef idx="3">
-              <a:schemeClr val="accent4"/>
-            </a:fillRef>
-            <a:effectRef idx="3">
-              <a:schemeClr val="accent4"/>
-            </a:effectRef>
-            <a:fontRef idx="minor">
-              <a:schemeClr val="lt1"/>
-            </a:fontRef>
-          </p:style>
-          <p:txBody>
-            <a:bodyPr rtlCol="0" anchor="ctr"/>
-            <a:lstStyle/>
-            <a:p>
-              <a:pPr algn="ctr"/>
-              <a:r>
-                <a:rPr lang="en-US" dirty="0" err="1" smtClean="0"/>
-                <a:t>onDestroy</a:t>
-              </a:r>
-              <a:endParaRPr lang="en-US" dirty="0"/>
-            </a:p>
-          </p:txBody>
-        </p:sp>
-      </p:grpSp>
-      <p:grpSp>
-        <p:nvGrpSpPr>
-          <p:cNvPr id="24" name="Group 23"/>
-          <p:cNvGrpSpPr/>
-          <p:nvPr/>
-        </p:nvGrpSpPr>
-        <p:grpSpPr>
-          <a:xfrm>
-            <a:off x="3806044" y="4801583"/>
-            <a:ext cx="4544784" cy="1009404"/>
-            <a:chOff x="605642" y="4617521"/>
-            <a:chExt cx="4544784" cy="1009404"/>
-          </a:xfrm>
-        </p:grpSpPr>
-        <p:sp>
-          <p:nvSpPr>
-            <p:cNvPr id="14" name="Oval 13"/>
-            <p:cNvSpPr/>
-            <p:nvPr/>
-          </p:nvSpPr>
-          <p:spPr>
-            <a:xfrm>
-              <a:off x="605642" y="4617522"/>
-              <a:ext cx="1757548" cy="1009403"/>
-            </a:xfrm>
-            <a:prstGeom prst="ellipse">
-              <a:avLst/>
-            </a:prstGeom>
-          </p:spPr>
-          <p:style>
-            <a:lnRef idx="0">
-              <a:schemeClr val="accent3"/>
-            </a:lnRef>
-            <a:fillRef idx="3">
-              <a:schemeClr val="accent3"/>
-            </a:fillRef>
-            <a:effectRef idx="3">
-              <a:schemeClr val="accent3"/>
-            </a:effectRef>
-            <a:fontRef idx="minor">
-              <a:schemeClr val="lt1"/>
-            </a:fontRef>
-          </p:style>
-          <p:txBody>
-            <a:bodyPr rtlCol="0" anchor="ctr"/>
-            <a:lstStyle/>
-            <a:p>
-              <a:pPr algn="ctr"/>
-              <a:r>
-                <a:rPr lang="en-US" dirty="0" err="1" smtClean="0"/>
-                <a:t>onResume</a:t>
-              </a:r>
-              <a:endParaRPr lang="en-US" dirty="0"/>
-            </a:p>
-          </p:txBody>
-        </p:sp>
-        <p:sp>
-          <p:nvSpPr>
-            <p:cNvPr id="17" name="Oval 16"/>
-            <p:cNvSpPr/>
-            <p:nvPr/>
-          </p:nvSpPr>
-          <p:spPr>
-            <a:xfrm>
-              <a:off x="3485901" y="4617521"/>
-              <a:ext cx="1664525" cy="1009403"/>
-            </a:xfrm>
-            <a:prstGeom prst="ellipse">
-              <a:avLst/>
-            </a:prstGeom>
-          </p:spPr>
-          <p:style>
-            <a:lnRef idx="0">
-              <a:schemeClr val="accent3"/>
-            </a:lnRef>
-            <a:fillRef idx="3">
-              <a:schemeClr val="accent3"/>
-            </a:fillRef>
-            <a:effectRef idx="3">
-              <a:schemeClr val="accent3"/>
-            </a:effectRef>
-            <a:fontRef idx="minor">
-              <a:schemeClr val="lt1"/>
-            </a:fontRef>
-          </p:style>
-          <p:txBody>
-            <a:bodyPr rtlCol="0" anchor="ctr"/>
-            <a:lstStyle/>
-            <a:p>
-              <a:pPr algn="ctr"/>
-              <a:r>
-                <a:rPr lang="en-US" dirty="0" err="1" smtClean="0"/>
-                <a:t>onPause</a:t>
-              </a:r>
-              <a:endParaRPr lang="en-US" dirty="0"/>
-            </a:p>
-          </p:txBody>
-        </p:sp>
-      </p:grpSp>
-      <p:grpSp>
-        <p:nvGrpSpPr>
-          <p:cNvPr id="23" name="Group 22"/>
-          <p:cNvGrpSpPr/>
-          <p:nvPr/>
-        </p:nvGrpSpPr>
-        <p:grpSpPr>
-          <a:xfrm>
-            <a:off x="3906984" y="3317172"/>
-            <a:ext cx="4512623" cy="1009404"/>
-            <a:chOff x="605641" y="3323111"/>
-            <a:chExt cx="4512623" cy="1009404"/>
-          </a:xfrm>
-        </p:grpSpPr>
-        <p:sp>
-          <p:nvSpPr>
-            <p:cNvPr id="18" name="Oval 17"/>
-            <p:cNvSpPr/>
-            <p:nvPr/>
-          </p:nvSpPr>
-          <p:spPr>
-            <a:xfrm>
-              <a:off x="605641" y="3323112"/>
-              <a:ext cx="1555667" cy="1009403"/>
-            </a:xfrm>
-            <a:prstGeom prst="ellipse">
-              <a:avLst/>
-            </a:prstGeom>
-          </p:spPr>
-          <p:style>
-            <a:lnRef idx="0">
-              <a:schemeClr val="accent1"/>
-            </a:lnRef>
-            <a:fillRef idx="3">
-              <a:schemeClr val="accent1"/>
-            </a:fillRef>
-            <a:effectRef idx="3">
-              <a:schemeClr val="accent1"/>
-            </a:effectRef>
-            <a:fontRef idx="minor">
-              <a:schemeClr val="lt1"/>
-            </a:fontRef>
-          </p:style>
-          <p:txBody>
-            <a:bodyPr rtlCol="0" anchor="ctr"/>
-            <a:lstStyle/>
-            <a:p>
-              <a:pPr algn="ctr"/>
-              <a:r>
-                <a:rPr lang="en-US" dirty="0" err="1" smtClean="0"/>
-                <a:t>onStart</a:t>
-              </a:r>
-              <a:endParaRPr lang="en-US" dirty="0"/>
-            </a:p>
-          </p:txBody>
-        </p:sp>
-        <p:sp>
-          <p:nvSpPr>
-            <p:cNvPr id="21" name="Oval 20"/>
-            <p:cNvSpPr/>
-            <p:nvPr/>
-          </p:nvSpPr>
-          <p:spPr>
-            <a:xfrm>
-              <a:off x="3453739" y="3323111"/>
-              <a:ext cx="1664525" cy="1009403"/>
-            </a:xfrm>
-            <a:prstGeom prst="ellipse">
-              <a:avLst/>
-            </a:prstGeom>
-          </p:spPr>
-          <p:style>
-            <a:lnRef idx="0">
-              <a:schemeClr val="accent1"/>
-            </a:lnRef>
-            <a:fillRef idx="3">
-              <a:schemeClr val="accent1"/>
-            </a:fillRef>
-            <a:effectRef idx="3">
-              <a:schemeClr val="accent1"/>
-            </a:effectRef>
-            <a:fontRef idx="minor">
-              <a:schemeClr val="lt1"/>
-            </a:fontRef>
-          </p:style>
-          <p:txBody>
-            <a:bodyPr rtlCol="0" anchor="ctr"/>
-            <a:lstStyle/>
-            <a:p>
-              <a:pPr algn="ctr"/>
-              <a:r>
-                <a:rPr lang="en-US" dirty="0" err="1" smtClean="0"/>
-                <a:t>onStop</a:t>
-              </a:r>
-              <a:endParaRPr lang="en-US" dirty="0"/>
-            </a:p>
-          </p:txBody>
-        </p:sp>
-      </p:grpSp>
-      <p:sp>
-        <p:nvSpPr>
-          <p:cNvPr id="25" name="TextBox 24"/>
-          <p:cNvSpPr txBox="1"/>
-          <p:nvPr/>
-        </p:nvSpPr>
-        <p:spPr>
-          <a:xfrm>
-            <a:off x="791193" y="2134872"/>
-            <a:ext cx="2357254" cy="369332"/>
-          </a:xfrm>
-          <a:prstGeom prst="rect">
-            <a:avLst/>
-          </a:prstGeom>
-          <a:noFill/>
-        </p:spPr>
-        <p:txBody>
-          <a:bodyPr wrap="square" rtlCol="0">
-            <a:spAutoFit/>
-          </a:bodyPr>
-          <a:lstStyle/>
-          <a:p>
-            <a:pPr marL="285750" indent="-285750">
-              <a:buFont typeface="Arial" panose="020B0604020202020204" pitchFamily="34" charset="0"/>
-              <a:buChar char="•"/>
-            </a:pPr>
-            <a:r>
-              <a:rPr lang="en-US" dirty="0" smtClean="0"/>
-              <a:t>Initialize variable </a:t>
-            </a:r>
-            <a:endParaRPr lang="en-US" dirty="0"/>
-          </a:p>
-        </p:txBody>
-      </p:sp>
-      <p:sp>
-        <p:nvSpPr>
-          <p:cNvPr id="26" name="TextBox 25"/>
-          <p:cNvSpPr txBox="1"/>
-          <p:nvPr/>
-        </p:nvSpPr>
-        <p:spPr>
-          <a:xfrm>
-            <a:off x="791193" y="3498708"/>
-            <a:ext cx="2876798" cy="646331"/>
-          </a:xfrm>
-          <a:prstGeom prst="rect">
-            <a:avLst/>
-          </a:prstGeom>
-          <a:noFill/>
-        </p:spPr>
-        <p:txBody>
-          <a:bodyPr wrap="square" rtlCol="0">
-            <a:spAutoFit/>
-          </a:bodyPr>
-          <a:lstStyle/>
-          <a:p>
-            <a:pPr marL="285750" indent="-285750">
-              <a:buFont typeface="Arial" panose="020B0604020202020204" pitchFamily="34" charset="0"/>
-              <a:buChar char="•"/>
-            </a:pPr>
-            <a:r>
-              <a:rPr lang="en-US" dirty="0" smtClean="0"/>
-              <a:t>Register components  (i.e. broadcast receivers) </a:t>
-            </a:r>
-            <a:endParaRPr lang="en-US" dirty="0"/>
-          </a:p>
-        </p:txBody>
-      </p:sp>
-      <p:sp>
-        <p:nvSpPr>
-          <p:cNvPr id="27" name="TextBox 26"/>
-          <p:cNvSpPr txBox="1"/>
-          <p:nvPr/>
-        </p:nvSpPr>
-        <p:spPr>
-          <a:xfrm>
-            <a:off x="8637814" y="3649680"/>
-            <a:ext cx="2903516" cy="369332"/>
-          </a:xfrm>
-          <a:prstGeom prst="rect">
-            <a:avLst/>
-          </a:prstGeom>
-          <a:noFill/>
-        </p:spPr>
-        <p:txBody>
-          <a:bodyPr wrap="square" rtlCol="0">
-            <a:spAutoFit/>
-          </a:bodyPr>
-          <a:lstStyle/>
-          <a:p>
-            <a:pPr marL="285750" indent="-285750">
-              <a:buFont typeface="Arial" panose="020B0604020202020204" pitchFamily="34" charset="0"/>
-              <a:buChar char="•"/>
-            </a:pPr>
-            <a:r>
-              <a:rPr lang="en-US" dirty="0" smtClean="0"/>
-              <a:t>Unregister components</a:t>
-            </a:r>
-            <a:endParaRPr lang="en-US" dirty="0"/>
-          </a:p>
-        </p:txBody>
-      </p:sp>
-      <p:sp>
-        <p:nvSpPr>
-          <p:cNvPr id="28" name="TextBox 27"/>
-          <p:cNvSpPr txBox="1"/>
-          <p:nvPr/>
-        </p:nvSpPr>
-        <p:spPr>
-          <a:xfrm>
-            <a:off x="791193" y="4931619"/>
-            <a:ext cx="2679372" cy="646331"/>
-          </a:xfrm>
-          <a:prstGeom prst="rect">
-            <a:avLst/>
-          </a:prstGeom>
-          <a:noFill/>
-        </p:spPr>
-        <p:txBody>
-          <a:bodyPr wrap="square" rtlCol="0">
-            <a:spAutoFit/>
-          </a:bodyPr>
-          <a:lstStyle/>
-          <a:p>
-            <a:pPr marL="285750" indent="-285750">
-              <a:buFont typeface="Arial" panose="020B0604020202020204" pitchFamily="34" charset="0"/>
-              <a:buChar char="•"/>
-            </a:pPr>
-            <a:r>
-              <a:rPr lang="en-US" dirty="0" smtClean="0"/>
-              <a:t>Set listeners  (i.e. click or change)</a:t>
-            </a:r>
-            <a:endParaRPr lang="en-US" dirty="0"/>
-          </a:p>
-        </p:txBody>
-      </p:sp>
-      <p:sp>
-        <p:nvSpPr>
-          <p:cNvPr id="29" name="TextBox 28"/>
-          <p:cNvSpPr txBox="1"/>
-          <p:nvPr/>
-        </p:nvSpPr>
-        <p:spPr>
-          <a:xfrm>
-            <a:off x="8637814" y="4949425"/>
-            <a:ext cx="4785756" cy="369332"/>
-          </a:xfrm>
-          <a:prstGeom prst="rect">
-            <a:avLst/>
-          </a:prstGeom>
-          <a:noFill/>
-        </p:spPr>
-        <p:txBody>
-          <a:bodyPr wrap="square" rtlCol="0">
-            <a:spAutoFit/>
-          </a:bodyPr>
-          <a:lstStyle/>
-          <a:p>
-            <a:pPr marL="285750" indent="-285750">
-              <a:buFont typeface="Arial" panose="020B0604020202020204" pitchFamily="34" charset="0"/>
-              <a:buChar char="•"/>
-            </a:pPr>
-            <a:r>
-              <a:rPr lang="en-US" dirty="0" smtClean="0"/>
-              <a:t>Remove listeners </a:t>
-            </a:r>
-            <a:endParaRPr lang="en-US" dirty="0"/>
-          </a:p>
-        </p:txBody>
-      </p:sp>
-      <p:sp>
-        <p:nvSpPr>
-          <p:cNvPr id="34" name="TextBox 33"/>
-          <p:cNvSpPr txBox="1"/>
-          <p:nvPr/>
-        </p:nvSpPr>
-        <p:spPr>
-          <a:xfrm>
-            <a:off x="8637814" y="5318757"/>
-            <a:ext cx="3208328" cy="369332"/>
-          </a:xfrm>
-          <a:prstGeom prst="rect">
-            <a:avLst/>
-          </a:prstGeom>
-          <a:noFill/>
-        </p:spPr>
-        <p:txBody>
-          <a:bodyPr wrap="square" rtlCol="0">
-            <a:spAutoFit/>
-          </a:bodyPr>
-          <a:lstStyle/>
-          <a:p>
-            <a:pPr marL="285750" indent="-285750">
-              <a:buFont typeface="Arial" panose="020B0604020202020204" pitchFamily="34" charset="0"/>
-              <a:buChar char="•"/>
-            </a:pPr>
-            <a:r>
-              <a:rPr lang="en-US" dirty="0" smtClean="0"/>
-              <a:t>Save data (i.e. database)</a:t>
-            </a:r>
-            <a:endParaRPr lang="en-US" dirty="0"/>
-          </a:p>
-        </p:txBody>
-      </p:sp>
-      <p:pic>
-        <p:nvPicPr>
-          <p:cNvPr id="35" name="Picture 34"/>
-          <p:cNvPicPr>
-            <a:picLocks noChangeAspect="1"/>
-          </p:cNvPicPr>
-          <p:nvPr/>
-        </p:nvPicPr>
-        <p:blipFill>
-          <a:blip r:embed="rId2" cstate="print">
-            <a:extLst>
-              <a:ext uri="{28A0092B-C50C-407E-A947-70E740481C1C}">
-                <a14:useLocalDpi xmlns:a14="http://schemas.microsoft.com/office/drawing/2010/main" val="0"/>
-              </a:ext>
-            </a:extLst>
-          </a:blip>
-          <a:stretch>
-            <a:fillRect/>
-          </a:stretch>
-        </p:blipFill>
-        <p:spPr>
-          <a:xfrm>
-            <a:off x="9191748" y="1732497"/>
-            <a:ext cx="1216801" cy="1099767"/>
-          </a:xfrm>
-          <a:prstGeom prst="rect">
-            <a:avLst/>
-          </a:prstGeom>
-        </p:spPr>
-      </p:pic>
-      <p:sp>
-        <p:nvSpPr>
-          <p:cNvPr id="3" name="Right Arrow 2"/>
-          <p:cNvSpPr/>
-          <p:nvPr/>
-        </p:nvSpPr>
-        <p:spPr>
-          <a:xfrm rot="5400000">
-            <a:off x="4537364" y="2920347"/>
-            <a:ext cx="310743" cy="320634"/>
-          </a:xfrm>
-          <a:prstGeom prst="rightArrow">
-            <a:avLst/>
-          </a:prstGeom>
-        </p:spPr>
-        <p:style>
-          <a:lnRef idx="2">
-            <a:schemeClr val="accent1">
-              <a:shade val="50000"/>
-            </a:schemeClr>
-          </a:lnRef>
-          <a:fillRef idx="1">
-            <a:schemeClr val="accent1"/>
-          </a:fillRef>
-          <a:effectRef idx="0">
-            <a:schemeClr val="accent1"/>
-          </a:effectRef>
-          <a:fontRef idx="minor">
-            <a:schemeClr val="lt1"/>
-          </a:fontRef>
-        </p:style>
-        <p:txBody>
-          <a:bodyPr rtlCol="0" anchor="ctr"/>
-          <a:lstStyle/>
-          <a:p>
-            <a:pPr algn="ctr"/>
-            <a:endParaRPr lang="en-US"/>
-          </a:p>
-        </p:txBody>
-      </p:sp>
-      <p:sp>
-        <p:nvSpPr>
-          <p:cNvPr id="30" name="Right Arrow 29"/>
-          <p:cNvSpPr/>
-          <p:nvPr/>
-        </p:nvSpPr>
-        <p:spPr>
-          <a:xfrm rot="5400000">
-            <a:off x="4537364" y="4384361"/>
-            <a:ext cx="310743" cy="320634"/>
-          </a:xfrm>
-          <a:prstGeom prst="rightArrow">
-            <a:avLst/>
-          </a:prstGeom>
-        </p:spPr>
-        <p:style>
-          <a:lnRef idx="2">
-            <a:schemeClr val="accent1">
-              <a:shade val="50000"/>
-            </a:schemeClr>
-          </a:lnRef>
-          <a:fillRef idx="1">
-            <a:schemeClr val="accent1"/>
-          </a:fillRef>
-          <a:effectRef idx="0">
-            <a:schemeClr val="accent1"/>
-          </a:effectRef>
-          <a:fontRef idx="minor">
-            <a:schemeClr val="lt1"/>
-          </a:fontRef>
-        </p:style>
-        <p:txBody>
-          <a:bodyPr rtlCol="0" anchor="ctr"/>
-          <a:lstStyle/>
-          <a:p>
-            <a:pPr algn="ctr"/>
-            <a:endParaRPr lang="en-US"/>
-          </a:p>
-        </p:txBody>
-      </p:sp>
-      <p:sp>
-        <p:nvSpPr>
-          <p:cNvPr id="31" name="Right Arrow 30"/>
-          <p:cNvSpPr/>
-          <p:nvPr/>
-        </p:nvSpPr>
-        <p:spPr>
-          <a:xfrm rot="16200000">
-            <a:off x="7378372" y="4384361"/>
-            <a:ext cx="310743" cy="320634"/>
-          </a:xfrm>
-          <a:prstGeom prst="rightArrow">
-            <a:avLst/>
-          </a:prstGeom>
-        </p:spPr>
-        <p:style>
-          <a:lnRef idx="2">
-            <a:schemeClr val="accent1">
-              <a:shade val="50000"/>
-            </a:schemeClr>
-          </a:lnRef>
-          <a:fillRef idx="1">
-            <a:schemeClr val="accent1"/>
-          </a:fillRef>
-          <a:effectRef idx="0">
-            <a:schemeClr val="accent1"/>
-          </a:effectRef>
-          <a:fontRef idx="minor">
-            <a:schemeClr val="lt1"/>
-          </a:fontRef>
-        </p:style>
-        <p:txBody>
-          <a:bodyPr rtlCol="0" anchor="ctr"/>
-          <a:lstStyle/>
-          <a:p>
-            <a:pPr algn="ctr"/>
-            <a:endParaRPr lang="en-US"/>
-          </a:p>
-        </p:txBody>
-      </p:sp>
-      <p:sp>
-        <p:nvSpPr>
-          <p:cNvPr id="32" name="Right Arrow 31"/>
-          <p:cNvSpPr/>
-          <p:nvPr/>
-        </p:nvSpPr>
-        <p:spPr>
-          <a:xfrm rot="16200000">
-            <a:off x="7378372" y="2920347"/>
-            <a:ext cx="310743" cy="320634"/>
-          </a:xfrm>
-          <a:prstGeom prst="rightArrow">
-            <a:avLst/>
-          </a:prstGeom>
-        </p:spPr>
-        <p:style>
-          <a:lnRef idx="2">
-            <a:schemeClr val="accent1">
-              <a:shade val="50000"/>
-            </a:schemeClr>
-          </a:lnRef>
-          <a:fillRef idx="1">
-            <a:schemeClr val="accent1"/>
-          </a:fillRef>
-          <a:effectRef idx="0">
-            <a:schemeClr val="accent1"/>
-          </a:effectRef>
-          <a:fontRef idx="minor">
-            <a:schemeClr val="lt1"/>
-          </a:fontRef>
-        </p:style>
-        <p:txBody>
-          <a:bodyPr rtlCol="0" anchor="ctr"/>
-          <a:lstStyle/>
-          <a:p>
-            <a:pPr algn="ctr"/>
-            <a:endParaRPr lang="en-US"/>
           </a:p>
         </p:txBody>
       </p:sp>
     </p:spTree>
     <p:extLst>
       <p:ext uri="{BB962C8B-B14F-4D97-AF65-F5344CB8AC3E}">
-        <p14:creationId xmlns:p14="http://schemas.microsoft.com/office/powerpoint/2010/main" val="1706998333"/>
+        <p14:creationId xmlns:p14="http://schemas.microsoft.com/office/powerpoint/2010/main" val="3375858439"/>
       </p:ext>
     </p:extLst>
   </p:cSld>
@@ -6062,17 +4991,18 @@
           <a:lstStyle/>
           <a:p>
             <a:r>
-              <a:rPr lang="en-US" dirty="0"/>
-              <a:t>Exploring </a:t>
-            </a:r>
-            <a:r>
-              <a:rPr lang="en-US" dirty="0" err="1"/>
-              <a:t>build.gradle</a:t>
-            </a:r>
-            <a:r>
-              <a:rPr lang="en-US" dirty="0"/>
-              <a:t> file</a:t>
-            </a:r>
+              <a:rPr lang="en-US" dirty="0" smtClean="0"/>
+              <a:t>Creating </a:t>
+            </a:r>
+            <a:r>
+              <a:rPr lang="en-US" dirty="0" err="1" smtClean="0"/>
+              <a:t>MainActivity</a:t>
+            </a:r>
+            <a:r>
+              <a:rPr lang="en-US" dirty="0" smtClean="0"/>
+              <a:t> </a:t>
+            </a:r>
+            <a:endParaRPr lang="en-US" dirty="0"/>
           </a:p>
         </p:txBody>
       </p:sp>
@@ -6093,23 +5023,21 @@
           <a:p>
             <a:r>
               <a:rPr lang="en-US" dirty="0" smtClean="0"/>
-              <a:t>Set </a:t>
-            </a:r>
-            <a:r>
-              <a:rPr lang="en-US" dirty="0"/>
-              <a:t>target SDK version</a:t>
-            </a:r>
-          </a:p>
-          <a:p>
+              <a:t>Best Practices</a:t>
+            </a:r>
+          </a:p>
+          <a:p>
+            <a:pPr lvl="1"/>
             <a:r>
               <a:rPr lang="en-US" dirty="0" smtClean="0"/>
-              <a:t>Set minimum SDK version</a:t>
-            </a:r>
-          </a:p>
-          <a:p>
+              <a:t>Keep lifecycle methods in order</a:t>
+            </a:r>
+          </a:p>
+          <a:p>
+            <a:pPr lvl="1"/>
             <a:r>
               <a:rPr lang="en-US" dirty="0" smtClean="0"/>
-              <a:t>Define dependencies</a:t>
+              <a:t>Place other methods (helpers) below the lifecycle methods</a:t>
             </a:r>
             <a:endParaRPr lang="en-US" dirty="0"/>
           </a:p>
@@ -6118,7 +5046,7 @@
     </p:spTree>
     <p:extLst>
       <p:ext uri="{BB962C8B-B14F-4D97-AF65-F5344CB8AC3E}">
-        <p14:creationId xmlns:p14="http://schemas.microsoft.com/office/powerpoint/2010/main" val="3375858439"/>
+        <p14:creationId xmlns:p14="http://schemas.microsoft.com/office/powerpoint/2010/main" val="2374969006"/>
       </p:ext>
     </p:extLst>
   </p:cSld>
@@ -6154,111 +5082,6 @@
       </p:grpSpPr>
       <p:sp>
         <p:nvSpPr>
-          <p:cNvPr id="2" name="Title 1"/>
-          <p:cNvSpPr>
-            <a:spLocks noGrp="1"/>
-          </p:cNvSpPr>
-          <p:nvPr>
-            <p:ph type="title"/>
-          </p:nvPr>
-        </p:nvSpPr>
-        <p:spPr/>
-        <p:txBody>
-          <a:bodyPr/>
-          <a:lstStyle/>
-          <a:p>
-            <a:r>
-              <a:rPr lang="en-US" dirty="0" smtClean="0"/>
-              <a:t>Creating </a:t>
-            </a:r>
-            <a:r>
-              <a:rPr lang="en-US" dirty="0" err="1" smtClean="0"/>
-              <a:t>MainActivity</a:t>
-            </a:r>
-            <a:r>
-              <a:rPr lang="en-US" dirty="0" smtClean="0"/>
-              <a:t> </a:t>
-            </a:r>
-            <a:endParaRPr lang="en-US" dirty="0"/>
-          </a:p>
-        </p:txBody>
-      </p:sp>
-      <p:sp>
-        <p:nvSpPr>
-          <p:cNvPr id="3" name="Content Placeholder 2"/>
-          <p:cNvSpPr>
-            <a:spLocks noGrp="1"/>
-          </p:cNvSpPr>
-          <p:nvPr>
-            <p:ph idx="1"/>
-          </p:nvPr>
-        </p:nvSpPr>
-        <p:spPr/>
-        <p:txBody>
-          <a:bodyPr/>
-          <a:lstStyle/>
-          <a:p>
-            <a:r>
-              <a:rPr lang="en-US" dirty="0" smtClean="0"/>
-              <a:t>Best Practices</a:t>
-            </a:r>
-          </a:p>
-          <a:p>
-            <a:pPr lvl="1"/>
-            <a:r>
-              <a:rPr lang="en-US" dirty="0" smtClean="0"/>
-              <a:t>Keep lifecycle methods in order</a:t>
-            </a:r>
-          </a:p>
-          <a:p>
-            <a:pPr lvl="1"/>
-            <a:r>
-              <a:rPr lang="en-US" dirty="0" smtClean="0"/>
-              <a:t>Place other methods (helpers) below the lifecycle methods</a:t>
-            </a:r>
-            <a:endParaRPr lang="en-US" dirty="0"/>
-          </a:p>
-        </p:txBody>
-      </p:sp>
-    </p:spTree>
-    <p:extLst>
-      <p:ext uri="{BB962C8B-B14F-4D97-AF65-F5344CB8AC3E}">
-        <p14:creationId xmlns:p14="http://schemas.microsoft.com/office/powerpoint/2010/main" val="2374969006"/>
-      </p:ext>
-    </p:extLst>
-  </p:cSld>
-  <p:clrMapOvr>
-    <a:masterClrMapping/>
-  </p:clrMapOvr>
-  <p:timing>
-    <p:tnLst>
-      <p:par>
-        <p:cTn id="1" dur="indefinite" restart="never" nodeType="tmRoot"/>
-      </p:par>
-    </p:tnLst>
-  </p:timing>
-</p:sld>
-</file>
-
-<file path=ppt/slides/slide19.xml><?xml version="1.0" encoding="utf-8"?>
-<p:sld xmlns:a="http://schemas.openxmlformats.org/drawingml/2006/main" xmlns:r="http://schemas.openxmlformats.org/officeDocument/2006/relationships" xmlns:p="http://schemas.openxmlformats.org/presentationml/2006/main">
-  <p:cSld>
-    <p:spTree>
-      <p:nvGrpSpPr>
-        <p:cNvPr id="1" name=""/>
-        <p:cNvGrpSpPr/>
-        <p:nvPr/>
-      </p:nvGrpSpPr>
-      <p:grpSpPr>
-        <a:xfrm>
-          <a:off x="0" y="0"/>
-          <a:ext cx="0" cy="0"/>
-          <a:chOff x="0" y="0"/>
-          <a:chExt cx="0" cy="0"/>
-        </a:xfrm>
-      </p:grpSpPr>
-      <p:sp>
-        <p:nvSpPr>
           <p:cNvPr id="3" name="Content Placeholder 2"/>
           <p:cNvSpPr>
             <a:spLocks noGrp="1"/>
@@ -6363,167 +5186,7 @@
 </p:sld>
 </file>
 
-<file path=ppt/slides/slide2.xml><?xml version="1.0" encoding="utf-8"?>
-<p:sld xmlns:a="http://schemas.openxmlformats.org/drawingml/2006/main" xmlns:r="http://schemas.openxmlformats.org/officeDocument/2006/relationships" xmlns:p="http://schemas.openxmlformats.org/presentationml/2006/main">
-  <p:cSld>
-    <p:spTree>
-      <p:nvGrpSpPr>
-        <p:cNvPr id="1" name=""/>
-        <p:cNvGrpSpPr/>
-        <p:nvPr/>
-      </p:nvGrpSpPr>
-      <p:grpSpPr>
-        <a:xfrm>
-          <a:off x="0" y="0"/>
-          <a:ext cx="0" cy="0"/>
-          <a:chOff x="0" y="0"/>
-          <a:chExt cx="0" cy="0"/>
-        </a:xfrm>
-      </p:grpSpPr>
-      <p:sp>
-        <p:nvSpPr>
-          <p:cNvPr id="2" name="Title 1"/>
-          <p:cNvSpPr>
-            <a:spLocks noGrp="1"/>
-          </p:cNvSpPr>
-          <p:nvPr>
-            <p:ph type="title"/>
-          </p:nvPr>
-        </p:nvSpPr>
-        <p:spPr/>
-        <p:txBody>
-          <a:bodyPr/>
-          <a:lstStyle/>
-          <a:p>
-            <a:r>
-              <a:rPr lang="en-US" dirty="0"/>
-              <a:t>Goals</a:t>
-            </a:r>
-          </a:p>
-        </p:txBody>
-      </p:sp>
-      <p:sp>
-        <p:nvSpPr>
-          <p:cNvPr id="3" name="Content Placeholder 2"/>
-          <p:cNvSpPr>
-            <a:spLocks noGrp="1"/>
-          </p:cNvSpPr>
-          <p:nvPr>
-            <p:ph idx="1"/>
-          </p:nvPr>
-        </p:nvSpPr>
-        <p:spPr/>
-        <p:txBody>
-          <a:bodyPr/>
-          <a:lstStyle/>
-          <a:p>
-            <a:r>
-              <a:rPr lang="en-US" dirty="0"/>
-              <a:t>Develop a </a:t>
-            </a:r>
-            <a:r>
-              <a:rPr lang="en-US" dirty="0" smtClean="0"/>
-              <a:t>Blue Skies </a:t>
-            </a:r>
-            <a:r>
-              <a:rPr lang="en-US" dirty="0" smtClean="0"/>
-              <a:t>App</a:t>
-            </a:r>
-          </a:p>
-          <a:p>
-            <a:pPr lvl="1"/>
-            <a:r>
-              <a:rPr lang="en-US" dirty="0" smtClean="0"/>
-              <a:t>Activity </a:t>
-            </a:r>
-          </a:p>
-          <a:p>
-            <a:pPr lvl="1"/>
-            <a:r>
-              <a:rPr lang="en-US" dirty="0" smtClean="0"/>
-              <a:t>Fragment</a:t>
-            </a:r>
-          </a:p>
-          <a:p>
-            <a:pPr lvl="1"/>
-            <a:r>
-              <a:rPr lang="en-US" dirty="0" smtClean="0"/>
-              <a:t>Layout</a:t>
-            </a:r>
-          </a:p>
-          <a:p>
-            <a:pPr lvl="1"/>
-            <a:r>
-              <a:rPr lang="en-US" dirty="0" smtClean="0"/>
-              <a:t>Services</a:t>
-            </a:r>
-          </a:p>
-          <a:p>
-            <a:pPr lvl="1"/>
-            <a:r>
-              <a:rPr lang="en-US" dirty="0" smtClean="0"/>
-              <a:t>Http communication</a:t>
-            </a:r>
-            <a:endParaRPr lang="en-US" dirty="0"/>
-          </a:p>
-        </p:txBody>
-      </p:sp>
-      <p:pic>
-        <p:nvPicPr>
-          <p:cNvPr id="5" name="Picture 4"/>
-          <p:cNvPicPr>
-            <a:picLocks noChangeAspect="1"/>
-          </p:cNvPicPr>
-          <p:nvPr/>
-        </p:nvPicPr>
-        <p:blipFill>
-          <a:blip r:embed="rId2" cstate="print">
-            <a:extLst>
-              <a:ext uri="{28A0092B-C50C-407E-A947-70E740481C1C}">
-                <a14:useLocalDpi xmlns:a14="http://schemas.microsoft.com/office/drawing/2010/main" val="0"/>
-              </a:ext>
-            </a:extLst>
-          </a:blip>
-          <a:stretch>
-            <a:fillRect/>
-          </a:stretch>
-        </p:blipFill>
-        <p:spPr>
-          <a:xfrm>
-            <a:off x="7999501" y="1840673"/>
-            <a:ext cx="2318910" cy="3996047"/>
-          </a:xfrm>
-          <a:prstGeom prst="rect">
-            <a:avLst/>
-          </a:prstGeom>
-          <a:ln>
-            <a:solidFill>
-              <a:schemeClr val="accent1"/>
-            </a:solidFill>
-          </a:ln>
-        </p:spPr>
-      </p:pic>
-    </p:spTree>
-    <p:extLst>
-      <p:ext uri="{BB962C8B-B14F-4D97-AF65-F5344CB8AC3E}">
-        <p14:creationId xmlns:p14="http://schemas.microsoft.com/office/powerpoint/2010/main" val="1850275397"/>
-      </p:ext>
-    </p:extLst>
-  </p:cSld>
-  <p:clrMapOvr>
-    <a:masterClrMapping/>
-  </p:clrMapOvr>
-  <p:timing>
-    <p:tnLst>
-      <p:par>
-        <p:cTn id="1" dur="indefinite" restart="never" nodeType="tmRoot"/>
-      </p:par>
-    </p:tnLst>
-  </p:timing>
-</p:sld>
-</file>
-
-<file path=ppt/slides/slide20.xml><?xml version="1.0" encoding="utf-8"?>
+<file path=ppt/slides/slide19.xml><?xml version="1.0" encoding="utf-8"?>
 <p:sld xmlns:a="http://schemas.openxmlformats.org/drawingml/2006/main" xmlns:r="http://schemas.openxmlformats.org/officeDocument/2006/relationships" xmlns:p="http://schemas.openxmlformats.org/presentationml/2006/main">
   <p:cSld>
     <p:spTree>
@@ -6691,7 +5354,163 @@
 </p:sld>
 </file>
 
-<file path=ppt/slides/slide21.xml><?xml version="1.0" encoding="utf-8"?>
+<file path=ppt/slides/slide2.xml><?xml version="1.0" encoding="utf-8"?>
+<p:sld xmlns:a="http://schemas.openxmlformats.org/drawingml/2006/main" xmlns:r="http://schemas.openxmlformats.org/officeDocument/2006/relationships" xmlns:p="http://schemas.openxmlformats.org/presentationml/2006/main">
+  <p:cSld>
+    <p:spTree>
+      <p:nvGrpSpPr>
+        <p:cNvPr id="1" name=""/>
+        <p:cNvGrpSpPr/>
+        <p:nvPr/>
+      </p:nvGrpSpPr>
+      <p:grpSpPr>
+        <a:xfrm>
+          <a:off x="0" y="0"/>
+          <a:ext cx="0" cy="0"/>
+          <a:chOff x="0" y="0"/>
+          <a:chExt cx="0" cy="0"/>
+        </a:xfrm>
+      </p:grpSpPr>
+      <p:sp>
+        <p:nvSpPr>
+          <p:cNvPr id="2" name="Title 1"/>
+          <p:cNvSpPr>
+            <a:spLocks noGrp="1"/>
+          </p:cNvSpPr>
+          <p:nvPr>
+            <p:ph type="title"/>
+          </p:nvPr>
+        </p:nvSpPr>
+        <p:spPr/>
+        <p:txBody>
+          <a:bodyPr/>
+          <a:lstStyle/>
+          <a:p>
+            <a:r>
+              <a:rPr lang="en-US" dirty="0"/>
+              <a:t>Goals</a:t>
+            </a:r>
+          </a:p>
+        </p:txBody>
+      </p:sp>
+      <p:sp>
+        <p:nvSpPr>
+          <p:cNvPr id="3" name="Content Placeholder 2"/>
+          <p:cNvSpPr>
+            <a:spLocks noGrp="1"/>
+          </p:cNvSpPr>
+          <p:nvPr>
+            <p:ph idx="1"/>
+          </p:nvPr>
+        </p:nvSpPr>
+        <p:spPr/>
+        <p:txBody>
+          <a:bodyPr/>
+          <a:lstStyle/>
+          <a:p>
+            <a:r>
+              <a:rPr lang="en-US" dirty="0"/>
+              <a:t>Develop a </a:t>
+            </a:r>
+            <a:r>
+              <a:rPr lang="en-US" dirty="0" smtClean="0"/>
+              <a:t>Blue Skies App</a:t>
+            </a:r>
+          </a:p>
+          <a:p>
+            <a:pPr lvl="1"/>
+            <a:r>
+              <a:rPr lang="en-US" dirty="0" smtClean="0"/>
+              <a:t>Activity </a:t>
+            </a:r>
+          </a:p>
+          <a:p>
+            <a:pPr lvl="1"/>
+            <a:r>
+              <a:rPr lang="en-US" dirty="0" smtClean="0"/>
+              <a:t>Fragment</a:t>
+            </a:r>
+          </a:p>
+          <a:p>
+            <a:pPr lvl="1"/>
+            <a:r>
+              <a:rPr lang="en-US" dirty="0" smtClean="0"/>
+              <a:t>Layout</a:t>
+            </a:r>
+          </a:p>
+          <a:p>
+            <a:pPr lvl="1"/>
+            <a:r>
+              <a:rPr lang="en-US" dirty="0" smtClean="0"/>
+              <a:t>Services</a:t>
+            </a:r>
+          </a:p>
+          <a:p>
+            <a:pPr lvl="1"/>
+            <a:r>
+              <a:rPr lang="en-US" dirty="0" smtClean="0"/>
+              <a:t>Http communication</a:t>
+            </a:r>
+            <a:endParaRPr lang="en-US" dirty="0"/>
+          </a:p>
+        </p:txBody>
+      </p:sp>
+      <p:pic>
+        <p:nvPicPr>
+          <p:cNvPr id="5" name="Picture 4"/>
+          <p:cNvPicPr>
+            <a:picLocks noChangeAspect="1"/>
+          </p:cNvPicPr>
+          <p:nvPr/>
+        </p:nvPicPr>
+        <p:blipFill>
+          <a:blip r:embed="rId2" cstate="print">
+            <a:extLst>
+              <a:ext uri="{28A0092B-C50C-407E-A947-70E740481C1C}">
+                <a14:useLocalDpi xmlns:a14="http://schemas.microsoft.com/office/drawing/2010/main" val="0"/>
+              </a:ext>
+            </a:extLst>
+          </a:blip>
+          <a:stretch>
+            <a:fillRect/>
+          </a:stretch>
+        </p:blipFill>
+        <p:spPr>
+          <a:xfrm>
+            <a:off x="7999501" y="1840673"/>
+            <a:ext cx="2318910" cy="3996047"/>
+          </a:xfrm>
+          <a:prstGeom prst="rect">
+            <a:avLst/>
+          </a:prstGeom>
+          <a:ln>
+            <a:solidFill>
+              <a:schemeClr val="accent1"/>
+            </a:solidFill>
+          </a:ln>
+        </p:spPr>
+      </p:pic>
+    </p:spTree>
+    <p:extLst>
+      <p:ext uri="{BB962C8B-B14F-4D97-AF65-F5344CB8AC3E}">
+        <p14:creationId xmlns:p14="http://schemas.microsoft.com/office/powerpoint/2010/main" val="1850275397"/>
+      </p:ext>
+    </p:extLst>
+  </p:cSld>
+  <p:clrMapOvr>
+    <a:masterClrMapping/>
+  </p:clrMapOvr>
+  <p:timing>
+    <p:tnLst>
+      <p:par>
+        <p:cTn id="1" dur="indefinite" restart="never" nodeType="tmRoot"/>
+      </p:par>
+    </p:tnLst>
+  </p:timing>
+</p:sld>
+</file>
+
+<file path=ppt/slides/slide20.xml><?xml version="1.0" encoding="utf-8"?>
 <p:sld xmlns:a="http://schemas.openxmlformats.org/drawingml/2006/main" xmlns:r="http://schemas.openxmlformats.org/officeDocument/2006/relationships" xmlns:p="http://schemas.openxmlformats.org/presentationml/2006/main">
   <p:cSld>
     <p:spTree>
@@ -6859,6 +5678,81 @@
 </p:sld>
 </file>
 
+<file path=ppt/slides/slide21.xml><?xml version="1.0" encoding="utf-8"?>
+<p:sld xmlns:a="http://schemas.openxmlformats.org/drawingml/2006/main" xmlns:r="http://schemas.openxmlformats.org/officeDocument/2006/relationships" xmlns:p="http://schemas.openxmlformats.org/presentationml/2006/main">
+  <p:cSld>
+    <p:spTree>
+      <p:nvGrpSpPr>
+        <p:cNvPr id="1" name=""/>
+        <p:cNvGrpSpPr/>
+        <p:nvPr/>
+      </p:nvGrpSpPr>
+      <p:grpSpPr>
+        <a:xfrm>
+          <a:off x="0" y="0"/>
+          <a:ext cx="0" cy="0"/>
+          <a:chOff x="0" y="0"/>
+          <a:chExt cx="0" cy="0"/>
+        </a:xfrm>
+      </p:grpSpPr>
+      <p:sp>
+        <p:nvSpPr>
+          <p:cNvPr id="3" name="Content Placeholder 2"/>
+          <p:cNvSpPr>
+            <a:spLocks noGrp="1"/>
+          </p:cNvSpPr>
+          <p:nvPr>
+            <p:ph idx="1"/>
+          </p:nvPr>
+        </p:nvSpPr>
+        <p:spPr/>
+        <p:txBody>
+          <a:bodyPr/>
+          <a:lstStyle/>
+          <a:p>
+            <a:pPr marL="0" indent="0" algn="ctr">
+              <a:buNone/>
+            </a:pPr>
+            <a:endParaRPr lang="en-US" dirty="0" smtClean="0"/>
+          </a:p>
+          <a:p>
+            <a:pPr marL="0" indent="0" algn="ctr">
+              <a:buNone/>
+            </a:pPr>
+            <a:endParaRPr lang="en-US" dirty="0"/>
+          </a:p>
+          <a:p>
+            <a:pPr marL="0" indent="0" algn="ctr">
+              <a:buNone/>
+            </a:pPr>
+            <a:r>
+              <a:rPr lang="en-US" dirty="0" smtClean="0"/>
+              <a:t>Show main_layout.xml</a:t>
+            </a:r>
+            <a:endParaRPr lang="en-US" dirty="0"/>
+          </a:p>
+        </p:txBody>
+      </p:sp>
+    </p:spTree>
+    <p:extLst>
+      <p:ext uri="{BB962C8B-B14F-4D97-AF65-F5344CB8AC3E}">
+        <p14:creationId xmlns:p14="http://schemas.microsoft.com/office/powerpoint/2010/main" val="3816200246"/>
+      </p:ext>
+    </p:extLst>
+  </p:cSld>
+  <p:clrMapOvr>
+    <a:masterClrMapping/>
+  </p:clrMapOvr>
+  <p:timing>
+    <p:tnLst>
+      <p:par>
+        <p:cTn id="1" dur="indefinite" restart="never" nodeType="tmRoot"/>
+      </p:par>
+    </p:tnLst>
+  </p:timing>
+</p:sld>
+</file>
+
 <file path=ppt/slides/slide22.xml><?xml version="1.0" encoding="utf-8"?>
 <p:sld xmlns:a="http://schemas.openxmlformats.org/drawingml/2006/main" xmlns:r="http://schemas.openxmlformats.org/officeDocument/2006/relationships" xmlns:p="http://schemas.openxmlformats.org/presentationml/2006/main">
   <p:cSld>
@@ -6888,36 +5782,95 @@
         </p:nvSpPr>
         <p:spPr/>
         <p:txBody>
-          <a:bodyPr/>
-          <a:lstStyle/>
-          <a:p>
-            <a:pPr marL="0" indent="0" algn="ctr">
-              <a:buNone/>
-            </a:pPr>
+          <a:bodyPr>
+            <a:normAutofit fontScale="92500" lnSpcReduction="10000"/>
+          </a:bodyPr>
+          <a:lstStyle/>
+          <a:p>
+            <a:r>
+              <a:rPr lang="en-US" dirty="0" smtClean="0"/>
+              <a:t>Types of layouts</a:t>
+            </a:r>
+          </a:p>
+          <a:p>
+            <a:pPr lvl="1"/>
+            <a:r>
+              <a:rPr lang="en-US" dirty="0" smtClean="0"/>
+              <a:t>Linear </a:t>
+            </a:r>
+          </a:p>
+          <a:p>
+            <a:pPr lvl="1"/>
+            <a:r>
+              <a:rPr lang="en-US" dirty="0" smtClean="0"/>
+              <a:t>Relative</a:t>
+            </a:r>
+          </a:p>
+          <a:p>
+            <a:pPr lvl="1"/>
+            <a:r>
+              <a:rPr lang="en-US" dirty="0" smtClean="0"/>
+              <a:t>Frame </a:t>
+            </a:r>
+          </a:p>
+          <a:p>
+            <a:pPr lvl="1"/>
+            <a:r>
+              <a:rPr lang="en-US" dirty="0" smtClean="0"/>
+              <a:t>Constraint</a:t>
+            </a:r>
+          </a:p>
+          <a:p>
+            <a:r>
+              <a:rPr lang="en-US" dirty="0" smtClean="0"/>
+              <a:t> Best Practices</a:t>
+            </a:r>
+          </a:p>
+          <a:p>
+            <a:pPr lvl="1"/>
+            <a:r>
+              <a:rPr lang="en-US" dirty="0" smtClean="0"/>
+              <a:t>Attempt to keep the layout flat by avoiding nest layouts</a:t>
+            </a:r>
+          </a:p>
+          <a:p>
+            <a:pPr lvl="1"/>
             <a:endParaRPr lang="en-US" dirty="0" smtClean="0"/>
           </a:p>
-          <a:p>
-            <a:pPr marL="0" indent="0" algn="ctr">
-              <a:buNone/>
-            </a:pPr>
-            <a:endParaRPr lang="en-US" dirty="0"/>
-          </a:p>
-          <a:p>
-            <a:pPr marL="0" indent="0" algn="ctr">
-              <a:buNone/>
-            </a:pPr>
-            <a:r>
-              <a:rPr lang="en-US" dirty="0" smtClean="0"/>
-              <a:t>Show main_layout.xml</a:t>
-            </a:r>
-            <a:endParaRPr lang="en-US" dirty="0"/>
+        </p:txBody>
+      </p:sp>
+      <p:sp>
+        <p:nvSpPr>
+          <p:cNvPr id="8" name="Title 1"/>
+          <p:cNvSpPr>
+            <a:spLocks noGrp="1"/>
+          </p:cNvSpPr>
+          <p:nvPr>
+            <p:ph type="title"/>
+          </p:nvPr>
+        </p:nvSpPr>
+        <p:spPr>
+          <a:xfrm>
+            <a:off x="0" y="457200"/>
+            <a:ext cx="7112000" cy="1143000"/>
+          </a:xfrm>
+        </p:spPr>
+        <p:txBody>
+          <a:bodyPr/>
+          <a:lstStyle/>
+          <a:p>
+            <a:r>
+              <a:rPr lang="en-US" sz="4400" dirty="0" smtClean="0"/>
+              <a:t>Layouts </a:t>
+            </a:r>
+            <a:endParaRPr lang="en-US" sz="4400" dirty="0"/>
           </a:p>
         </p:txBody>
       </p:sp>
     </p:spTree>
     <p:extLst>
       <p:ext uri="{BB962C8B-B14F-4D97-AF65-F5344CB8AC3E}">
-        <p14:creationId xmlns:p14="http://schemas.microsoft.com/office/powerpoint/2010/main" val="3816200246"/>
+        <p14:creationId xmlns:p14="http://schemas.microsoft.com/office/powerpoint/2010/main" val="262092603"/>
       </p:ext>
     </p:extLst>
   </p:cSld>
@@ -6963,95 +5916,33 @@
         </p:nvSpPr>
         <p:spPr/>
         <p:txBody>
-          <a:bodyPr>
-            <a:normAutofit fontScale="92500" lnSpcReduction="10000"/>
-          </a:bodyPr>
-          <a:lstStyle/>
-          <a:p>
+          <a:bodyPr/>
+          <a:lstStyle/>
+          <a:p>
+            <a:endParaRPr lang="en-US" dirty="0" smtClean="0"/>
+          </a:p>
+          <a:p>
+            <a:pPr marL="0" indent="0" algn="ctr">
+              <a:buNone/>
+            </a:pPr>
+            <a:endParaRPr lang="en-US" dirty="0" smtClean="0"/>
+          </a:p>
+          <a:p>
+            <a:pPr marL="0" indent="0" algn="ctr">
+              <a:buNone/>
+            </a:pPr>
             <a:r>
               <a:rPr lang="en-US" dirty="0" smtClean="0"/>
-              <a:t>Types of layouts</a:t>
-            </a:r>
-          </a:p>
-          <a:p>
-            <a:pPr lvl="1"/>
-            <a:r>
-              <a:rPr lang="en-US" dirty="0" smtClean="0"/>
-              <a:t>Linear </a:t>
-            </a:r>
-          </a:p>
-          <a:p>
-            <a:pPr lvl="1"/>
-            <a:r>
-              <a:rPr lang="en-US" dirty="0" smtClean="0"/>
-              <a:t>Relative</a:t>
-            </a:r>
-          </a:p>
-          <a:p>
-            <a:pPr lvl="1"/>
-            <a:r>
-              <a:rPr lang="en-US" dirty="0" smtClean="0"/>
-              <a:t>Frame </a:t>
-            </a:r>
-          </a:p>
-          <a:p>
-            <a:pPr lvl="1"/>
-            <a:r>
-              <a:rPr lang="en-US" dirty="0" smtClean="0"/>
-              <a:t>Constraint</a:t>
-            </a:r>
-          </a:p>
-          <a:p>
-            <a:r>
-              <a:rPr lang="en-US" dirty="0" smtClean="0"/>
-              <a:t> Best Practices</a:t>
-            </a:r>
-          </a:p>
-          <a:p>
-            <a:pPr lvl="1"/>
-            <a:r>
-              <a:rPr lang="en-US" dirty="0" smtClean="0"/>
-              <a:t>Attempt to keep the layout flat by avoiding nest layouts</a:t>
-            </a:r>
-          </a:p>
-          <a:p>
-            <a:pPr lvl="1"/>
-            <a:endParaRPr lang="en-US" dirty="0" smtClean="0"/>
-          </a:p>
-        </p:txBody>
-      </p:sp>
-      <p:sp>
-        <p:nvSpPr>
-          <p:cNvPr id="8" name="Title 1"/>
-          <p:cNvSpPr>
-            <a:spLocks noGrp="1"/>
-          </p:cNvSpPr>
-          <p:nvPr>
-            <p:ph type="title"/>
-          </p:nvPr>
-        </p:nvSpPr>
-        <p:spPr>
-          <a:xfrm>
-            <a:off x="0" y="457200"/>
-            <a:ext cx="7112000" cy="1143000"/>
-          </a:xfrm>
-        </p:spPr>
-        <p:txBody>
-          <a:bodyPr/>
-          <a:lstStyle/>
-          <a:p>
-            <a:r>
-              <a:rPr lang="en-US" sz="4400" dirty="0" smtClean="0"/>
-              <a:t>Layouts </a:t>
-            </a:r>
-            <a:endParaRPr lang="en-US" sz="4400" dirty="0"/>
+              <a:t>Live Example: Link Activity to Layout </a:t>
+            </a:r>
+            <a:endParaRPr lang="en-US" dirty="0"/>
           </a:p>
         </p:txBody>
       </p:sp>
     </p:spTree>
     <p:extLst>
       <p:ext uri="{BB962C8B-B14F-4D97-AF65-F5344CB8AC3E}">
-        <p14:creationId xmlns:p14="http://schemas.microsoft.com/office/powerpoint/2010/main" val="262092603"/>
+        <p14:creationId xmlns:p14="http://schemas.microsoft.com/office/powerpoint/2010/main" val="3117691005"/>
       </p:ext>
     </p:extLst>
   </p:cSld>
@@ -7087,6 +5978,29 @@
       </p:grpSpPr>
       <p:sp>
         <p:nvSpPr>
+          <p:cNvPr id="2" name="Title 1"/>
+          <p:cNvSpPr>
+            <a:spLocks noGrp="1"/>
+          </p:cNvSpPr>
+          <p:nvPr>
+            <p:ph type="title"/>
+          </p:nvPr>
+        </p:nvSpPr>
+        <p:spPr/>
+        <p:txBody>
+          <a:bodyPr/>
+          <a:lstStyle/>
+          <a:p>
+            <a:r>
+              <a:rPr lang="en-US" dirty="0" smtClean="0"/>
+              <a:t>Editing Android Manifest</a:t>
+            </a:r>
+            <a:endParaRPr lang="en-US" dirty="0"/>
+          </a:p>
+        </p:txBody>
+      </p:sp>
+      <p:sp>
+        <p:nvSpPr>
           <p:cNvPr id="3" name="Content Placeholder 2"/>
           <p:cNvSpPr>
             <a:spLocks noGrp="1"/>
@@ -7100,38 +6014,60 @@
           <a:bodyPr/>
           <a:lstStyle/>
           <a:p>
-            <a:endParaRPr lang="en-US" dirty="0" smtClean="0"/>
-          </a:p>
-          <a:p>
-            <a:pPr marL="0" indent="0" algn="ctr">
-              <a:buNone/>
-            </a:pPr>
-            <a:endParaRPr lang="en-US" dirty="0" smtClean="0"/>
-          </a:p>
-          <a:p>
-            <a:pPr marL="0" indent="0" algn="ctr">
-              <a:buNone/>
-            </a:pPr>
             <a:r>
               <a:rPr lang="en-US" dirty="0" smtClean="0"/>
-              <a:t>Live Example: </a:t>
+              <a:t>Add </a:t>
+            </a:r>
+            <a:r>
+              <a:rPr lang="en-US" dirty="0" err="1" smtClean="0"/>
+              <a:t>MainActivity</a:t>
             </a:r>
             <a:r>
               <a:rPr lang="en-US" dirty="0" smtClean="0"/>
-              <a:t>Link </a:t>
+              <a:t> to AndroidManifest.xml</a:t>
+            </a:r>
+          </a:p>
+          <a:p>
+            <a:pPr lvl="2"/>
+            <a:r>
+              <a:rPr lang="en-US" dirty="0"/>
+              <a:t>The </a:t>
+            </a:r>
+            <a:r>
+              <a:rPr lang="en-US" b="1" dirty="0"/>
+              <a:t>manifest file</a:t>
+            </a:r>
+            <a:r>
+              <a:rPr lang="en-US" dirty="0"/>
+              <a:t> provides essential information about your app to the Android system, which the system must have before it </a:t>
             </a:r>
             <a:r>
               <a:rPr lang="en-US" dirty="0" smtClean="0"/>
-              <a:t>Activity to Layout </a:t>
-            </a:r>
-            <a:endParaRPr lang="en-US" dirty="0"/>
+              <a:t>can </a:t>
+            </a:r>
+            <a:r>
+              <a:rPr lang="en-US" dirty="0"/>
+              <a:t>run any of the app's code</a:t>
+            </a:r>
+            <a:r>
+              <a:rPr lang="en-US" dirty="0" smtClean="0"/>
+              <a:t>. (i.e. activities,</a:t>
+            </a:r>
+            <a:r>
+              <a:rPr lang="en-US" dirty="0"/>
+              <a:t> </a:t>
+            </a:r>
+            <a:r>
+              <a:rPr lang="en-US" dirty="0" smtClean="0"/>
+              <a:t>services, content provider…)</a:t>
+            </a:r>
           </a:p>
         </p:txBody>
       </p:sp>
     </p:spTree>
     <p:extLst>
       <p:ext uri="{BB962C8B-B14F-4D97-AF65-F5344CB8AC3E}">
-        <p14:creationId xmlns:p14="http://schemas.microsoft.com/office/powerpoint/2010/main" val="3117691005"/>
+        <p14:creationId xmlns:p14="http://schemas.microsoft.com/office/powerpoint/2010/main" val="1089828459"/>
       </p:ext>
     </p:extLst>
   </p:cSld>
@@ -7167,131 +6103,6 @@
       </p:grpSpPr>
       <p:sp>
         <p:nvSpPr>
-          <p:cNvPr id="2" name="Title 1"/>
-          <p:cNvSpPr>
-            <a:spLocks noGrp="1"/>
-          </p:cNvSpPr>
-          <p:nvPr>
-            <p:ph type="title"/>
-          </p:nvPr>
-        </p:nvSpPr>
-        <p:spPr/>
-        <p:txBody>
-          <a:bodyPr/>
-          <a:lstStyle/>
-          <a:p>
-            <a:r>
-              <a:rPr lang="en-US" dirty="0" smtClean="0"/>
-              <a:t>Editing Android Manifest</a:t>
-            </a:r>
-            <a:endParaRPr lang="en-US" dirty="0"/>
-          </a:p>
-        </p:txBody>
-      </p:sp>
-      <p:sp>
-        <p:nvSpPr>
-          <p:cNvPr id="3" name="Content Placeholder 2"/>
-          <p:cNvSpPr>
-            <a:spLocks noGrp="1"/>
-          </p:cNvSpPr>
-          <p:nvPr>
-            <p:ph idx="1"/>
-          </p:nvPr>
-        </p:nvSpPr>
-        <p:spPr/>
-        <p:txBody>
-          <a:bodyPr/>
-          <a:lstStyle/>
-          <a:p>
-            <a:r>
-              <a:rPr lang="en-US" dirty="0" smtClean="0"/>
-              <a:t>Add </a:t>
-            </a:r>
-            <a:r>
-              <a:rPr lang="en-US" dirty="0" err="1" smtClean="0"/>
-              <a:t>MainActivity</a:t>
-            </a:r>
-            <a:r>
-              <a:rPr lang="en-US" dirty="0" smtClean="0"/>
-              <a:t> to AndroidManifest.xml</a:t>
-            </a:r>
-          </a:p>
-          <a:p>
-            <a:pPr lvl="2"/>
-            <a:r>
-              <a:rPr lang="en-US" dirty="0"/>
-              <a:t>The </a:t>
-            </a:r>
-            <a:r>
-              <a:rPr lang="en-US" b="1" dirty="0"/>
-              <a:t>manifest file</a:t>
-            </a:r>
-            <a:r>
-              <a:rPr lang="en-US" dirty="0"/>
-              <a:t> provides essential information about your app to the Android system, which the system must have before it </a:t>
-            </a:r>
-            <a:r>
-              <a:rPr lang="en-US" dirty="0" smtClean="0"/>
-              <a:t>can </a:t>
-            </a:r>
-            <a:r>
-              <a:rPr lang="en-US" dirty="0"/>
-              <a:t>run any of the app's code</a:t>
-            </a:r>
-            <a:r>
-              <a:rPr lang="en-US" dirty="0" smtClean="0"/>
-              <a:t>. (i.e. activities,</a:t>
-            </a:r>
-            <a:r>
-              <a:rPr lang="en-US" dirty="0"/>
-              <a:t> </a:t>
-            </a:r>
-            <a:r>
-              <a:rPr lang="en-US" dirty="0" smtClean="0"/>
-              <a:t>services, content provider…)</a:t>
-            </a:r>
-          </a:p>
-        </p:txBody>
-      </p:sp>
-    </p:spTree>
-    <p:extLst>
-      <p:ext uri="{BB962C8B-B14F-4D97-AF65-F5344CB8AC3E}">
-        <p14:creationId xmlns:p14="http://schemas.microsoft.com/office/powerpoint/2010/main" val="1089828459"/>
-      </p:ext>
-    </p:extLst>
-  </p:cSld>
-  <p:clrMapOvr>
-    <a:masterClrMapping/>
-  </p:clrMapOvr>
-  <p:timing>
-    <p:tnLst>
-      <p:par>
-        <p:cTn id="1" dur="indefinite" restart="never" nodeType="tmRoot"/>
-      </p:par>
-    </p:tnLst>
-  </p:timing>
-</p:sld>
-</file>
-
-<file path=ppt/slides/slide26.xml><?xml version="1.0" encoding="utf-8"?>
-<p:sld xmlns:a="http://schemas.openxmlformats.org/drawingml/2006/main" xmlns:r="http://schemas.openxmlformats.org/officeDocument/2006/relationships" xmlns:p="http://schemas.openxmlformats.org/presentationml/2006/main">
-  <p:cSld>
-    <p:spTree>
-      <p:nvGrpSpPr>
-        <p:cNvPr id="1" name=""/>
-        <p:cNvGrpSpPr/>
-        <p:nvPr/>
-      </p:nvGrpSpPr>
-      <p:grpSpPr>
-        <a:xfrm>
-          <a:off x="0" y="0"/>
-          <a:ext cx="0" cy="0"/>
-          <a:chOff x="0" y="0"/>
-          <a:chExt cx="0" cy="0"/>
-        </a:xfrm>
-      </p:grpSpPr>
-      <p:sp>
-        <p:nvSpPr>
           <p:cNvPr id="3" name="Content Placeholder 2"/>
           <p:cNvSpPr>
             <a:spLocks noGrp="1"/>
@@ -7356,7 +6167,7 @@
 </p:sld>
 </file>
 
-<file path=ppt/slides/slide27.xml><?xml version="1.0" encoding="utf-8"?>
+<file path=ppt/slides/slide26.xml><?xml version="1.0" encoding="utf-8"?>
 <p:sld xmlns:a="http://schemas.openxmlformats.org/drawingml/2006/main" xmlns:r="http://schemas.openxmlformats.org/officeDocument/2006/relationships" xmlns:p="http://schemas.openxmlformats.org/presentationml/2006/main">
   <p:cSld>
     <p:spTree>
@@ -7477,7 +6288,7 @@
 </p:sld>
 </file>
 
-<file path=ppt/slides/slide28.xml><?xml version="1.0" encoding="utf-8"?>
+<file path=ppt/slides/slide27.xml><?xml version="1.0" encoding="utf-8"?>
 <p:sld xmlns:a="http://schemas.openxmlformats.org/drawingml/2006/main" xmlns:r="http://schemas.openxmlformats.org/officeDocument/2006/relationships" xmlns:p="http://schemas.openxmlformats.org/presentationml/2006/main">
   <p:cSld>
     <p:spTree>
@@ -7787,7 +6598,7 @@
 </p:sld>
 </file>
 
-<file path=ppt/slides/slide29.xml><?xml version="1.0" encoding="utf-8"?>
+<file path=ppt/slides/slide28.xml><?xml version="1.0" encoding="utf-8"?>
 <p:sld xmlns:a="http://schemas.openxmlformats.org/drawingml/2006/main" xmlns:r="http://schemas.openxmlformats.org/officeDocument/2006/relationships" xmlns:p="http://schemas.openxmlformats.org/presentationml/2006/main">
   <p:cSld>
     <p:spTree>
@@ -7886,6 +6697,88 @@
           </a:p>
         </p:txBody>
       </p:sp>
+      <p:pic>
+        <p:nvPicPr>
+          <p:cNvPr id="2050" name="Picture 2" descr="C:\Users\brian.batchelor\AppData\Local\Microsoft\Windows\INetCache\IE\T13KQPTQ\large-Pin-0-11351[1].gif"/>
+          <p:cNvPicPr>
+            <a:picLocks noChangeAspect="1" noChangeArrowheads="1"/>
+          </p:cNvPicPr>
+          <p:nvPr/>
+        </p:nvPicPr>
+        <p:blipFill>
+          <a:blip r:embed="rId2" cstate="print">
+            <a:extLst>
+              <a:ext uri="{28A0092B-C50C-407E-A947-70E740481C1C}">
+                <a14:useLocalDpi xmlns:a14="http://schemas.microsoft.com/office/drawing/2010/main" val="0"/>
+              </a:ext>
+            </a:extLst>
+          </a:blip>
+          <a:srcRect/>
+          <a:stretch>
+            <a:fillRect/>
+          </a:stretch>
+        </p:blipFill>
+        <p:spPr bwMode="auto">
+          <a:xfrm>
+            <a:off x="507519" y="2694623"/>
+            <a:ext cx="360363" cy="523875"/>
+          </a:xfrm>
+          <a:prstGeom prst="rect">
+            <a:avLst/>
+          </a:prstGeom>
+          <a:noFill/>
+          <a:extLst>
+            <a:ext uri="{909E8E84-426E-40DD-AFC4-6F175D3DCCD1}">
+              <a14:hiddenFill xmlns:a14="http://schemas.microsoft.com/office/drawing/2010/main">
+                <a:solidFill>
+                  <a:srgbClr val="FFFFFF"/>
+                </a:solidFill>
+              </a14:hiddenFill>
+            </a:ext>
+          </a:extLst>
+        </p:spPr>
+      </p:pic>
+      <p:pic>
+        <p:nvPicPr>
+          <p:cNvPr id="5" name="Picture 2" descr="C:\Users\brian.batchelor\AppData\Local\Microsoft\Windows\INetCache\IE\T13KQPTQ\large-Pin-0-11351[1].gif"/>
+          <p:cNvPicPr>
+            <a:picLocks noChangeAspect="1" noChangeArrowheads="1"/>
+          </p:cNvPicPr>
+          <p:nvPr/>
+        </p:nvPicPr>
+        <p:blipFill>
+          <a:blip r:embed="rId2" cstate="print">
+            <a:extLst>
+              <a:ext uri="{28A0092B-C50C-407E-A947-70E740481C1C}">
+                <a14:useLocalDpi xmlns:a14="http://schemas.microsoft.com/office/drawing/2010/main" val="0"/>
+              </a:ext>
+            </a:extLst>
+          </a:blip>
+          <a:srcRect/>
+          <a:stretch>
+            <a:fillRect/>
+          </a:stretch>
+        </p:blipFill>
+        <p:spPr bwMode="auto">
+          <a:xfrm>
+            <a:off x="478787" y="3218498"/>
+            <a:ext cx="360363" cy="523875"/>
+          </a:xfrm>
+          <a:prstGeom prst="rect">
+            <a:avLst/>
+          </a:prstGeom>
+          <a:noFill/>
+          <a:extLst>
+            <a:ext uri="{909E8E84-426E-40DD-AFC4-6F175D3DCCD1}">
+              <a14:hiddenFill xmlns:a14="http://schemas.microsoft.com/office/drawing/2010/main">
+                <a:solidFill>
+                  <a:srgbClr val="FFFFFF"/>
+                </a:solidFill>
+              </a14:hiddenFill>
+            </a:ext>
+          </a:extLst>
+        </p:spPr>
+      </p:pic>
     </p:spTree>
     <p:extLst>
       <p:ext uri="{BB962C8B-B14F-4D97-AF65-F5344CB8AC3E}">
@@ -7906,7 +6799,7 @@
 </p:sld>
 </file>
 
-<file path=ppt/slides/slide3.xml><?xml version="1.0" encoding="utf-8"?>
+<file path=ppt/slides/slide29.xml><?xml version="1.0" encoding="utf-8"?>
 <p:sld xmlns:a="http://schemas.openxmlformats.org/drawingml/2006/main" xmlns:r="http://schemas.openxmlformats.org/officeDocument/2006/relationships" xmlns:p="http://schemas.openxmlformats.org/presentationml/2006/main">
   <p:cSld>
     <p:spTree>
@@ -7940,208 +6833,11 @@
           <a:p>
             <a:r>
               <a:rPr lang="en-US" dirty="0" smtClean="0"/>
-              <a:t>What is Android</a:t>
-            </a:r>
-            <a:endParaRPr lang="en-US" dirty="0"/>
-          </a:p>
-        </p:txBody>
-      </p:sp>
-      <p:sp>
-        <p:nvSpPr>
-          <p:cNvPr id="3" name="Content Placeholder 2"/>
-          <p:cNvSpPr>
-            <a:spLocks noGrp="1"/>
-          </p:cNvSpPr>
-          <p:nvPr>
-            <p:ph idx="1"/>
-          </p:nvPr>
-        </p:nvSpPr>
-        <p:spPr/>
-        <p:txBody>
-          <a:bodyPr/>
-          <a:lstStyle/>
-          <a:p>
+              <a:t>Fragment </a:t>
+            </a:r>
             <a:r>
               <a:rPr lang="en-US" dirty="0" smtClean="0"/>
-              <a:t>Google mobile SDK </a:t>
-            </a:r>
-          </a:p>
-          <a:p>
-            <a:r>
-              <a:rPr lang="en-US" dirty="0" smtClean="0"/>
-              <a:t>Written in </a:t>
-            </a:r>
-            <a:r>
-              <a:rPr lang="en-US" dirty="0" smtClean="0"/>
-              <a:t>Java</a:t>
-            </a:r>
-            <a:endParaRPr lang="en-US" dirty="0"/>
-          </a:p>
-        </p:txBody>
-      </p:sp>
-    </p:spTree>
-    <p:extLst>
-      <p:ext uri="{BB962C8B-B14F-4D97-AF65-F5344CB8AC3E}">
-        <p14:creationId xmlns:p14="http://schemas.microsoft.com/office/powerpoint/2010/main" val="3098932366"/>
-      </p:ext>
-    </p:extLst>
-  </p:cSld>
-  <p:clrMapOvr>
-    <a:masterClrMapping/>
-  </p:clrMapOvr>
-  <p:timing>
-    <p:tnLst>
-      <p:par>
-        <p:cTn id="1" dur="indefinite" restart="never" nodeType="tmRoot"/>
-      </p:par>
-    </p:tnLst>
-  </p:timing>
-</p:sld>
-</file>
-
-<file path=ppt/slides/slide30.xml><?xml version="1.0" encoding="utf-8"?>
-<p:sld xmlns:a="http://schemas.openxmlformats.org/drawingml/2006/main" xmlns:r="http://schemas.openxmlformats.org/officeDocument/2006/relationships" xmlns:p="http://schemas.openxmlformats.org/presentationml/2006/main">
-  <p:cSld>
-    <p:spTree>
-      <p:nvGrpSpPr>
-        <p:cNvPr id="1" name=""/>
-        <p:cNvGrpSpPr/>
-        <p:nvPr/>
-      </p:nvGrpSpPr>
-      <p:grpSpPr>
-        <a:xfrm>
-          <a:off x="0" y="0"/>
-          <a:ext cx="0" cy="0"/>
-          <a:chOff x="0" y="0"/>
-          <a:chExt cx="0" cy="0"/>
-        </a:xfrm>
-      </p:grpSpPr>
-      <p:sp>
-        <p:nvSpPr>
-          <p:cNvPr id="2" name="Title 1"/>
-          <p:cNvSpPr>
-            <a:spLocks noGrp="1"/>
-          </p:cNvSpPr>
-          <p:nvPr>
-            <p:ph type="title"/>
-          </p:nvPr>
-        </p:nvSpPr>
-        <p:spPr/>
-        <p:txBody>
-          <a:bodyPr/>
-          <a:lstStyle/>
-          <a:p>
-            <a:r>
-              <a:rPr lang="en-US" dirty="0" smtClean="0"/>
-              <a:t>Fragment Lifecycle</a:t>
-            </a:r>
-            <a:endParaRPr lang="en-US" dirty="0"/>
-          </a:p>
-        </p:txBody>
-      </p:sp>
-      <p:pic>
-        <p:nvPicPr>
-          <p:cNvPr id="2054" name="Picture 6" descr="https://developer.android.com/images/fragment_lifecycle.png"/>
-          <p:cNvPicPr>
-            <a:picLocks noChangeAspect="1" noChangeArrowheads="1"/>
-          </p:cNvPicPr>
-          <p:nvPr/>
-        </p:nvPicPr>
-        <p:blipFill>
-          <a:blip r:embed="rId2">
-            <a:extLst>
-              <a:ext uri="{28A0092B-C50C-407E-A947-70E740481C1C}">
-                <a14:useLocalDpi xmlns:a14="http://schemas.microsoft.com/office/drawing/2010/main" val="0"/>
-              </a:ext>
-            </a:extLst>
-          </a:blip>
-          <a:srcRect/>
-          <a:stretch>
-            <a:fillRect/>
-          </a:stretch>
-        </p:blipFill>
-        <p:spPr bwMode="auto">
-          <a:xfrm>
-            <a:off x="4978154" y="1436914"/>
-            <a:ext cx="1655354" cy="4422981"/>
-          </a:xfrm>
-          <a:prstGeom prst="rect">
-            <a:avLst/>
-          </a:prstGeom>
-          <a:noFill/>
-          <a:extLst>
-            <a:ext uri="{909E8E84-426E-40DD-AFC4-6F175D3DCCD1}">
-              <a14:hiddenFill xmlns:a14="http://schemas.microsoft.com/office/drawing/2010/main">
-                <a:solidFill>
-                  <a:srgbClr val="FFFFFF"/>
-                </a:solidFill>
-              </a14:hiddenFill>
-            </a:ext>
-          </a:extLst>
-        </p:spPr>
-      </p:pic>
-    </p:spTree>
-    <p:extLst>
-      <p:ext uri="{BB962C8B-B14F-4D97-AF65-F5344CB8AC3E}">
-        <p14:creationId xmlns:p14="http://schemas.microsoft.com/office/powerpoint/2010/main" val="4113636518"/>
-      </p:ext>
-    </p:extLst>
-  </p:cSld>
-  <p:clrMapOvr>
-    <a:masterClrMapping/>
-  </p:clrMapOvr>
-  <p:timing>
-    <p:tnLst>
-      <p:par>
-        <p:cTn id="1" dur="indefinite" restart="never" nodeType="tmRoot"/>
-      </p:par>
-    </p:tnLst>
-  </p:timing>
-</p:sld>
-</file>
-
-<file path=ppt/slides/slide31.xml><?xml version="1.0" encoding="utf-8"?>
-<p:sld xmlns:a="http://schemas.openxmlformats.org/drawingml/2006/main" xmlns:r="http://schemas.openxmlformats.org/officeDocument/2006/relationships" xmlns:p="http://schemas.openxmlformats.org/presentationml/2006/main">
-  <p:cSld>
-    <p:spTree>
-      <p:nvGrpSpPr>
-        <p:cNvPr id="1" name=""/>
-        <p:cNvGrpSpPr/>
-        <p:nvPr/>
-      </p:nvGrpSpPr>
-      <p:grpSpPr>
-        <a:xfrm>
-          <a:off x="0" y="0"/>
-          <a:ext cx="0" cy="0"/>
-          <a:chOff x="0" y="0"/>
-          <a:chExt cx="0" cy="0"/>
-        </a:xfrm>
-      </p:grpSpPr>
-      <p:sp>
-        <p:nvSpPr>
-          <p:cNvPr id="2" name="Title 1"/>
-          <p:cNvSpPr>
-            <a:spLocks noGrp="1"/>
-          </p:cNvSpPr>
-          <p:nvPr>
-            <p:ph type="title"/>
-          </p:nvPr>
-        </p:nvSpPr>
-        <p:spPr/>
-        <p:txBody>
-          <a:bodyPr/>
-          <a:lstStyle/>
-          <a:p>
-            <a:r>
-              <a:rPr lang="en-US" dirty="0" smtClean="0"/>
-              <a:t>Fragment Lifecycle</a:t>
-            </a:r>
-            <a:br>
-              <a:rPr lang="en-US" dirty="0" smtClean="0"/>
-            </a:br>
-            <a:r>
-              <a:rPr lang="en-US" sz="2800" dirty="0" smtClean="0"/>
-              <a:t>Create</a:t>
+              <a:t>Lifecycle</a:t>
             </a:r>
             <a:endParaRPr lang="en-US" sz="2800" dirty="0"/>
           </a:p>
@@ -8290,6 +6986,178 @@
           </a:extLst>
         </p:spPr>
       </p:pic>
+      <p:sp>
+        <p:nvSpPr>
+          <p:cNvPr id="4" name="TextBox 3"/>
+          <p:cNvSpPr txBox="1"/>
+          <p:nvPr/>
+        </p:nvSpPr>
+        <p:spPr>
+          <a:xfrm>
+            <a:off x="4417621" y="2195737"/>
+            <a:ext cx="6519553" cy="369332"/>
+          </a:xfrm>
+          <a:prstGeom prst="rect">
+            <a:avLst/>
+          </a:prstGeom>
+          <a:noFill/>
+        </p:spPr>
+        <p:txBody>
+          <a:bodyPr wrap="square" rtlCol="0">
+            <a:spAutoFit/>
+          </a:bodyPr>
+          <a:lstStyle/>
+          <a:p>
+            <a:r>
+              <a:rPr lang="en-US" b="1" dirty="0" err="1" smtClean="0"/>
+              <a:t>onAttach</a:t>
+            </a:r>
+            <a:r>
+              <a:rPr lang="en-US" b="1" dirty="0" smtClean="0"/>
+              <a:t>() </a:t>
+            </a:r>
+            <a:r>
+              <a:rPr lang="en-US" dirty="0" smtClean="0"/>
+              <a:t>connected to an activity, but not started</a:t>
+            </a:r>
+            <a:endParaRPr lang="en-US" b="1" dirty="0"/>
+          </a:p>
+        </p:txBody>
+      </p:sp>
+      <p:sp>
+        <p:nvSpPr>
+          <p:cNvPr id="5" name="TextBox 4"/>
+          <p:cNvSpPr txBox="1"/>
+          <p:nvPr/>
+        </p:nvSpPr>
+        <p:spPr>
+          <a:xfrm>
+            <a:off x="4417621" y="2875312"/>
+            <a:ext cx="5997039" cy="377042"/>
+          </a:xfrm>
+          <a:prstGeom prst="rect">
+            <a:avLst/>
+          </a:prstGeom>
+          <a:noFill/>
+        </p:spPr>
+        <p:txBody>
+          <a:bodyPr wrap="square" rtlCol="0">
+            <a:spAutoFit/>
+          </a:bodyPr>
+          <a:lstStyle/>
+          <a:p>
+            <a:r>
+              <a:rPr lang="en-US" b="1" dirty="0" err="1" smtClean="0"/>
+              <a:t>onCreate</a:t>
+            </a:r>
+            <a:r>
+              <a:rPr lang="en-US" b="1" dirty="0" smtClean="0"/>
+              <a:t>() </a:t>
+            </a:r>
+            <a:r>
+              <a:rPr lang="en-US" dirty="0" smtClean="0"/>
+              <a:t>started, </a:t>
+            </a:r>
+            <a:r>
+              <a:rPr lang="en-US" dirty="0"/>
+              <a:t>but </a:t>
+            </a:r>
+            <a:r>
+              <a:rPr lang="en-US" u="sng" dirty="0"/>
+              <a:t>view</a:t>
+            </a:r>
+            <a:r>
+              <a:rPr lang="en-US" dirty="0"/>
+              <a:t> </a:t>
+            </a:r>
+            <a:r>
+              <a:rPr lang="en-US" dirty="0" smtClean="0"/>
+              <a:t>object has not been created </a:t>
+            </a:r>
+            <a:endParaRPr lang="en-US" dirty="0"/>
+          </a:p>
+        </p:txBody>
+      </p:sp>
+      <p:sp>
+        <p:nvSpPr>
+          <p:cNvPr id="6" name="TextBox 5"/>
+          <p:cNvSpPr txBox="1"/>
+          <p:nvPr/>
+        </p:nvSpPr>
+        <p:spPr>
+          <a:xfrm>
+            <a:off x="4417621" y="3556062"/>
+            <a:ext cx="7576457" cy="369332"/>
+          </a:xfrm>
+          <a:prstGeom prst="rect">
+            <a:avLst/>
+          </a:prstGeom>
+          <a:noFill/>
+        </p:spPr>
+        <p:txBody>
+          <a:bodyPr wrap="square" rtlCol="0">
+            <a:spAutoFit/>
+          </a:bodyPr>
+          <a:lstStyle/>
+          <a:p>
+            <a:r>
+              <a:rPr lang="en-US" b="1" dirty="0" err="1" smtClean="0"/>
+              <a:t>onCreateView</a:t>
+            </a:r>
+            <a:r>
+              <a:rPr lang="en-US" b="1" dirty="0" smtClean="0"/>
+              <a:t>() </a:t>
+            </a:r>
+            <a:r>
+              <a:rPr lang="en-US" dirty="0" smtClean="0"/>
+              <a:t>started, view object  being created, but not visible</a:t>
+            </a:r>
+            <a:r>
+              <a:rPr lang="en-US" b="1" dirty="0" smtClean="0"/>
+              <a:t> </a:t>
+            </a:r>
+            <a:endParaRPr lang="en-US" b="1" dirty="0"/>
+          </a:p>
+        </p:txBody>
+      </p:sp>
+      <p:sp>
+        <p:nvSpPr>
+          <p:cNvPr id="7" name="TextBox 6"/>
+          <p:cNvSpPr txBox="1"/>
+          <p:nvPr/>
+        </p:nvSpPr>
+        <p:spPr>
+          <a:xfrm>
+            <a:off x="4417621" y="4135219"/>
+            <a:ext cx="6982695" cy="646331"/>
+          </a:xfrm>
+          <a:prstGeom prst="rect">
+            <a:avLst/>
+          </a:prstGeom>
+          <a:noFill/>
+        </p:spPr>
+        <p:txBody>
+          <a:bodyPr wrap="square" rtlCol="0">
+            <a:spAutoFit/>
+          </a:bodyPr>
+          <a:lstStyle/>
+          <a:p>
+            <a:r>
+              <a:rPr lang="en-US" b="1" dirty="0" err="1" smtClean="0"/>
+              <a:t>onActivityCreated</a:t>
+            </a:r>
+            <a:r>
+              <a:rPr lang="en-US" b="1" dirty="0" smtClean="0"/>
+              <a:t>() </a:t>
+            </a:r>
+            <a:r>
+              <a:rPr lang="en-US" dirty="0" smtClean="0"/>
+              <a:t>started, view object instantiated by parent Activity, but not visible </a:t>
+            </a:r>
+            <a:endParaRPr lang="en-US" b="1" dirty="0"/>
+          </a:p>
+        </p:txBody>
+      </p:sp>
     </p:spTree>
     <p:extLst>
       <p:ext uri="{BB962C8B-B14F-4D97-AF65-F5344CB8AC3E}">
@@ -8310,7 +7178,7 @@
 </p:sld>
 </file>
 
-<file path=ppt/slides/slide32.xml><?xml version="1.0" encoding="utf-8"?>
+<file path=ppt/slides/slide3.xml><?xml version="1.0" encoding="utf-8"?>
 <p:sld xmlns:a="http://schemas.openxmlformats.org/drawingml/2006/main" xmlns:r="http://schemas.openxmlformats.org/officeDocument/2006/relationships" xmlns:p="http://schemas.openxmlformats.org/presentationml/2006/main">
   <p:cSld>
     <p:spTree>
@@ -8344,14 +7212,100 @@
           <a:p>
             <a:r>
               <a:rPr lang="en-US" dirty="0" smtClean="0"/>
-              <a:t>Fragment Lifecycle</a:t>
-            </a:r>
-            <a:br>
+              <a:t>What is Android</a:t>
+            </a:r>
+            <a:endParaRPr lang="en-US" dirty="0"/>
+          </a:p>
+        </p:txBody>
+      </p:sp>
+      <p:sp>
+        <p:nvSpPr>
+          <p:cNvPr id="3" name="Content Placeholder 2"/>
+          <p:cNvSpPr>
+            <a:spLocks noGrp="1"/>
+          </p:cNvSpPr>
+          <p:nvPr>
+            <p:ph idx="1"/>
+          </p:nvPr>
+        </p:nvSpPr>
+        <p:spPr/>
+        <p:txBody>
+          <a:bodyPr/>
+          <a:lstStyle/>
+          <a:p>
+            <a:r>
               <a:rPr lang="en-US" dirty="0" smtClean="0"/>
-            </a:br>
-            <a:r>
-              <a:rPr lang="en-US" sz="2800" dirty="0" smtClean="0"/>
-              <a:t>Create</a:t>
+              <a:t>Google mobile SDK </a:t>
+            </a:r>
+          </a:p>
+          <a:p>
+            <a:r>
+              <a:rPr lang="en-US" dirty="0" smtClean="0"/>
+              <a:t>Written in Java</a:t>
+            </a:r>
+            <a:endParaRPr lang="en-US" dirty="0"/>
+          </a:p>
+        </p:txBody>
+      </p:sp>
+    </p:spTree>
+    <p:extLst>
+      <p:ext uri="{BB962C8B-B14F-4D97-AF65-F5344CB8AC3E}">
+        <p14:creationId xmlns:p14="http://schemas.microsoft.com/office/powerpoint/2010/main" val="3098932366"/>
+      </p:ext>
+    </p:extLst>
+  </p:cSld>
+  <p:clrMapOvr>
+    <a:masterClrMapping/>
+  </p:clrMapOvr>
+  <p:timing>
+    <p:tnLst>
+      <p:par>
+        <p:cTn id="1" dur="indefinite" restart="never" nodeType="tmRoot"/>
+      </p:par>
+    </p:tnLst>
+  </p:timing>
+</p:sld>
+</file>
+
+<file path=ppt/slides/slide30.xml><?xml version="1.0" encoding="utf-8"?>
+<p:sld xmlns:a="http://schemas.openxmlformats.org/drawingml/2006/main" xmlns:r="http://schemas.openxmlformats.org/officeDocument/2006/relationships" xmlns:p="http://schemas.openxmlformats.org/presentationml/2006/main">
+  <p:cSld>
+    <p:spTree>
+      <p:nvGrpSpPr>
+        <p:cNvPr id="1" name=""/>
+        <p:cNvGrpSpPr/>
+        <p:nvPr/>
+      </p:nvGrpSpPr>
+      <p:grpSpPr>
+        <a:xfrm>
+          <a:off x="0" y="0"/>
+          <a:ext cx="0" cy="0"/>
+          <a:chOff x="0" y="0"/>
+          <a:chExt cx="0" cy="0"/>
+        </a:xfrm>
+      </p:grpSpPr>
+      <p:sp>
+        <p:nvSpPr>
+          <p:cNvPr id="2" name="Title 1"/>
+          <p:cNvSpPr>
+            <a:spLocks noGrp="1"/>
+          </p:cNvSpPr>
+          <p:nvPr>
+            <p:ph type="title"/>
+          </p:nvPr>
+        </p:nvSpPr>
+        <p:spPr/>
+        <p:txBody>
+          <a:bodyPr/>
+          <a:lstStyle/>
+          <a:p>
+            <a:r>
+              <a:rPr lang="en-US" dirty="0" smtClean="0"/>
+              <a:t>Fragment </a:t>
+            </a:r>
+            <a:r>
+              <a:rPr lang="en-US" dirty="0" smtClean="0"/>
+              <a:t>Lifecycle</a:t>
             </a:r>
             <a:endParaRPr lang="en-US" sz="2800" dirty="0"/>
           </a:p>
@@ -8469,8 +7423,8 @@
         </p:blipFill>
         <p:spPr bwMode="auto">
           <a:xfrm>
-            <a:off x="2500745" y="2381398"/>
-            <a:ext cx="1371600" cy="2590800"/>
+            <a:off x="2275264" y="2063952"/>
+            <a:ext cx="1703120" cy="3217004"/>
           </a:xfrm>
           <a:prstGeom prst="rect">
             <a:avLst/>
@@ -8500,6 +7454,174 @@
           </a:extLst>
         </p:spPr>
       </p:pic>
+      <p:sp>
+        <p:nvSpPr>
+          <p:cNvPr id="6" name="TextBox 5"/>
+          <p:cNvSpPr txBox="1"/>
+          <p:nvPr/>
+        </p:nvSpPr>
+        <p:spPr>
+          <a:xfrm>
+            <a:off x="4220502" y="2195956"/>
+            <a:ext cx="6222670" cy="369332"/>
+          </a:xfrm>
+          <a:prstGeom prst="rect">
+            <a:avLst/>
+          </a:prstGeom>
+          <a:noFill/>
+        </p:spPr>
+        <p:txBody>
+          <a:bodyPr wrap="square" rtlCol="0">
+            <a:spAutoFit/>
+          </a:bodyPr>
+          <a:lstStyle/>
+          <a:p>
+            <a:r>
+              <a:rPr lang="en-US" b="1" dirty="0" err="1"/>
+              <a:t>onStart</a:t>
+            </a:r>
+            <a:r>
+              <a:rPr lang="en-US" b="1" dirty="0"/>
+              <a:t>() </a:t>
+            </a:r>
+            <a:r>
+              <a:rPr lang="en-US" dirty="0"/>
+              <a:t>visible, but not ready for interaction</a:t>
+            </a:r>
+          </a:p>
+        </p:txBody>
+      </p:sp>
+      <p:sp>
+        <p:nvSpPr>
+          <p:cNvPr id="7" name="TextBox 6"/>
+          <p:cNvSpPr txBox="1"/>
+          <p:nvPr/>
+        </p:nvSpPr>
+        <p:spPr>
+          <a:xfrm>
+            <a:off x="4220502" y="2804255"/>
+            <a:ext cx="6222670" cy="369332"/>
+          </a:xfrm>
+          <a:prstGeom prst="rect">
+            <a:avLst/>
+          </a:prstGeom>
+          <a:noFill/>
+        </p:spPr>
+        <p:txBody>
+          <a:bodyPr wrap="square" rtlCol="0">
+            <a:spAutoFit/>
+          </a:bodyPr>
+          <a:lstStyle/>
+          <a:p>
+            <a:r>
+              <a:rPr lang="en-US" b="1" dirty="0" err="1"/>
+              <a:t>onResume</a:t>
+            </a:r>
+            <a:r>
+              <a:rPr lang="en-US" b="1" dirty="0"/>
+              <a:t>() </a:t>
+            </a:r>
+            <a:r>
+              <a:rPr lang="en-US" dirty="0" smtClean="0"/>
+              <a:t>moved to the foreground and ready </a:t>
+            </a:r>
+            <a:r>
+              <a:rPr lang="en-US" dirty="0"/>
+              <a:t>for interaction</a:t>
+            </a:r>
+          </a:p>
+        </p:txBody>
+      </p:sp>
+      <p:sp>
+        <p:nvSpPr>
+          <p:cNvPr id="8" name="TextBox 7"/>
+          <p:cNvSpPr txBox="1"/>
+          <p:nvPr/>
+        </p:nvSpPr>
+        <p:spPr>
+          <a:xfrm>
+            <a:off x="4220502" y="4210084"/>
+            <a:ext cx="7573658" cy="646331"/>
+          </a:xfrm>
+          <a:prstGeom prst="rect">
+            <a:avLst/>
+          </a:prstGeom>
+          <a:noFill/>
+        </p:spPr>
+        <p:txBody>
+          <a:bodyPr wrap="square" rtlCol="0">
+            <a:spAutoFit/>
+          </a:bodyPr>
+          <a:lstStyle/>
+          <a:p>
+            <a:r>
+              <a:rPr lang="en-US" b="1" dirty="0" err="1"/>
+              <a:t>onPause</a:t>
+            </a:r>
+            <a:r>
+              <a:rPr lang="en-US" b="1" dirty="0"/>
+              <a:t>() </a:t>
+            </a:r>
+            <a:r>
+              <a:rPr lang="en-US" dirty="0"/>
+              <a:t>moving to the </a:t>
+            </a:r>
+            <a:r>
+              <a:rPr lang="en-US" dirty="0" smtClean="0"/>
+              <a:t>background and stopping </a:t>
+            </a:r>
+            <a:r>
+              <a:rPr lang="en-US" dirty="0"/>
+              <a:t>user interaction</a:t>
+            </a:r>
+          </a:p>
+        </p:txBody>
+      </p:sp>
+      <p:sp>
+        <p:nvSpPr>
+          <p:cNvPr id="9" name="TextBox 8"/>
+          <p:cNvSpPr txBox="1"/>
+          <p:nvPr/>
+        </p:nvSpPr>
+        <p:spPr>
+          <a:xfrm>
+            <a:off x="4220502" y="4828400"/>
+            <a:ext cx="7573658" cy="369332"/>
+          </a:xfrm>
+          <a:prstGeom prst="rect">
+            <a:avLst/>
+          </a:prstGeom>
+          <a:noFill/>
+        </p:spPr>
+        <p:txBody>
+          <a:bodyPr wrap="square" rtlCol="0">
+            <a:spAutoFit/>
+          </a:bodyPr>
+          <a:lstStyle/>
+          <a:p>
+            <a:r>
+              <a:rPr lang="en-US" b="1" dirty="0" err="1"/>
+              <a:t>onStop</a:t>
+            </a:r>
+            <a:r>
+              <a:rPr lang="en-US" b="1" dirty="0"/>
+              <a:t>() </a:t>
+            </a:r>
+            <a:r>
+              <a:rPr lang="en-US" dirty="0"/>
+              <a:t>moved to the background </a:t>
+            </a:r>
+            <a:r>
+              <a:rPr lang="en-US" dirty="0" smtClean="0"/>
+              <a:t>and </a:t>
+            </a:r>
+            <a:r>
+              <a:rPr lang="en-US" dirty="0"/>
+              <a:t>not visible</a:t>
+            </a:r>
+          </a:p>
+        </p:txBody>
+      </p:sp>
     </p:spTree>
     <p:extLst>
       <p:ext uri="{BB962C8B-B14F-4D97-AF65-F5344CB8AC3E}">
@@ -8520,7 +7642,7 @@
 </p:sld>
 </file>
 
-<file path=ppt/slides/slide33.xml><?xml version="1.0" encoding="utf-8"?>
+<file path=ppt/slides/slide31.xml><?xml version="1.0" encoding="utf-8"?>
 <p:sld xmlns:a="http://schemas.openxmlformats.org/drawingml/2006/main" xmlns:r="http://schemas.openxmlformats.org/officeDocument/2006/relationships" xmlns:p="http://schemas.openxmlformats.org/presentationml/2006/main">
   <p:cSld>
     <p:spTree>
@@ -8554,14 +7676,11 @@
           <a:p>
             <a:r>
               <a:rPr lang="en-US" dirty="0" smtClean="0"/>
-              <a:t>Fragment Lifecycle</a:t>
-            </a:r>
-            <a:br>
+              <a:t>Fragment </a:t>
+            </a:r>
+            <a:r>
               <a:rPr lang="en-US" dirty="0" smtClean="0"/>
-            </a:br>
-            <a:r>
-              <a:rPr lang="en-US" sz="2800" dirty="0" smtClean="0"/>
-              <a:t>Destroy</a:t>
+              <a:t>Lifecycle</a:t>
             </a:r>
             <a:endParaRPr lang="en-US" sz="2800" dirty="0"/>
           </a:p>
@@ -8679,8 +7798,8 @@
         </p:blipFill>
         <p:spPr bwMode="auto">
           <a:xfrm>
-            <a:off x="2571996" y="2228821"/>
-            <a:ext cx="1619993" cy="2081241"/>
+            <a:off x="2275264" y="2093408"/>
+            <a:ext cx="1928752" cy="2477911"/>
           </a:xfrm>
           <a:prstGeom prst="rect">
             <a:avLst/>
@@ -8710,6 +7829,165 @@
           </a:extLst>
         </p:spPr>
       </p:pic>
+      <p:sp>
+        <p:nvSpPr>
+          <p:cNvPr id="4" name="TextBox 3"/>
+          <p:cNvSpPr txBox="1"/>
+          <p:nvPr/>
+        </p:nvSpPr>
+        <p:spPr>
+          <a:xfrm>
+            <a:off x="4459184" y="2541319"/>
+            <a:ext cx="7552707" cy="369332"/>
+          </a:xfrm>
+          <a:prstGeom prst="rect">
+            <a:avLst/>
+          </a:prstGeom>
+          <a:noFill/>
+        </p:spPr>
+        <p:txBody>
+          <a:bodyPr wrap="square" rtlCol="0">
+            <a:spAutoFit/>
+          </a:bodyPr>
+          <a:lstStyle/>
+          <a:p>
+            <a:r>
+              <a:rPr lang="en-US" b="1" dirty="0" err="1" smtClean="0"/>
+              <a:t>onDestroyView</a:t>
+            </a:r>
+            <a:r>
+              <a:rPr lang="en-US" b="1" dirty="0" smtClean="0"/>
+              <a:t>() </a:t>
+            </a:r>
+            <a:r>
+              <a:rPr lang="en-US" dirty="0" smtClean="0"/>
+              <a:t>not visible and </a:t>
+            </a:r>
+            <a:r>
+              <a:rPr lang="en-US" u="sng" dirty="0" smtClean="0"/>
+              <a:t>view detached from fragment</a:t>
+            </a:r>
+            <a:endParaRPr lang="en-US" b="1" u="sng" dirty="0"/>
+          </a:p>
+        </p:txBody>
+      </p:sp>
+      <p:sp>
+        <p:nvSpPr>
+          <p:cNvPr id="5" name="TextBox 4"/>
+          <p:cNvSpPr txBox="1"/>
+          <p:nvPr/>
+        </p:nvSpPr>
+        <p:spPr>
+          <a:xfrm>
+            <a:off x="4459184" y="3296738"/>
+            <a:ext cx="7635834" cy="372738"/>
+          </a:xfrm>
+          <a:prstGeom prst="rect">
+            <a:avLst/>
+          </a:prstGeom>
+          <a:noFill/>
+        </p:spPr>
+        <p:txBody>
+          <a:bodyPr wrap="square" rtlCol="0">
+            <a:spAutoFit/>
+          </a:bodyPr>
+          <a:lstStyle/>
+          <a:p>
+            <a:r>
+              <a:rPr lang="en-US" b="1" dirty="0" err="1" smtClean="0"/>
+              <a:t>onDestroy</a:t>
+            </a:r>
+            <a:r>
+              <a:rPr lang="en-US" b="1" dirty="0" smtClean="0"/>
+              <a:t>() </a:t>
+            </a:r>
+            <a:r>
+              <a:rPr lang="en-US" dirty="0" smtClean="0"/>
+              <a:t>flagged for deletion</a:t>
+            </a:r>
+            <a:endParaRPr lang="en-US" b="1" dirty="0"/>
+          </a:p>
+        </p:txBody>
+      </p:sp>
+      <p:sp>
+        <p:nvSpPr>
+          <p:cNvPr id="6" name="TextBox 5"/>
+          <p:cNvSpPr txBox="1"/>
+          <p:nvPr/>
+        </p:nvSpPr>
+        <p:spPr>
+          <a:xfrm>
+            <a:off x="4459184" y="3959822"/>
+            <a:ext cx="6543304" cy="369332"/>
+          </a:xfrm>
+          <a:prstGeom prst="rect">
+            <a:avLst/>
+          </a:prstGeom>
+          <a:noFill/>
+        </p:spPr>
+        <p:txBody>
+          <a:bodyPr wrap="square" rtlCol="0">
+            <a:spAutoFit/>
+          </a:bodyPr>
+          <a:lstStyle/>
+          <a:p>
+            <a:r>
+              <a:rPr lang="en-US" b="1" dirty="0" err="1" smtClean="0"/>
+              <a:t>onDetach</a:t>
+            </a:r>
+            <a:r>
+              <a:rPr lang="en-US" b="1" dirty="0" smtClean="0"/>
+              <a:t>() </a:t>
+            </a:r>
+            <a:r>
+              <a:rPr lang="en-US" dirty="0" smtClean="0"/>
+              <a:t>detached from parent Activity</a:t>
+            </a:r>
+            <a:endParaRPr lang="en-US" dirty="0"/>
+          </a:p>
+        </p:txBody>
+      </p:sp>
+      <p:pic>
+        <p:nvPicPr>
+          <p:cNvPr id="1026" name="Picture 2" descr="C:\Users\brian.batchelor\AppData\Local\Microsoft\Windows\INetCache\IE\T13KQPTQ\large-Pin-0-11351[1].gif"/>
+          <p:cNvPicPr>
+            <a:picLocks noChangeAspect="1" noChangeArrowheads="1"/>
+          </p:cNvPicPr>
+          <p:nvPr/>
+        </p:nvPicPr>
+        <p:blipFill>
+          <a:blip r:embed="rId4" cstate="print">
+            <a:extLst>
+              <a:ext uri="{28A0092B-C50C-407E-A947-70E740481C1C}">
+                <a14:useLocalDpi xmlns:a14="http://schemas.microsoft.com/office/drawing/2010/main" val="0"/>
+              </a:ext>
+            </a:extLst>
+          </a:blip>
+          <a:srcRect/>
+          <a:stretch>
+            <a:fillRect/>
+          </a:stretch>
+        </p:blipFill>
+        <p:spPr bwMode="auto">
+          <a:xfrm>
+            <a:off x="2214463" y="2093408"/>
+            <a:ext cx="360362" cy="523875"/>
+          </a:xfrm>
+          <a:prstGeom prst="rect">
+            <a:avLst/>
+          </a:prstGeom>
+          <a:noFill/>
+          <a:extLst>
+            <a:ext uri="{909E8E84-426E-40DD-AFC4-6F175D3DCCD1}">
+              <a14:hiddenFill xmlns:a14="http://schemas.microsoft.com/office/drawing/2010/main">
+                <a:solidFill>
+                  <a:srgbClr val="FFFFFF"/>
+                </a:solidFill>
+              </a14:hiddenFill>
+            </a:ext>
+          </a:extLst>
+        </p:spPr>
+      </p:pic>
     </p:spTree>
     <p:extLst>
       <p:ext uri="{BB962C8B-B14F-4D97-AF65-F5344CB8AC3E}">
@@ -8730,7 +8008,7 @@
 </p:sld>
 </file>
 
-<file path=ppt/slides/slide34.xml><?xml version="1.0" encoding="utf-8"?>
+<file path=ppt/slides/slide32.xml><?xml version="1.0" encoding="utf-8"?>
 <p:sld xmlns:a="http://schemas.openxmlformats.org/drawingml/2006/main" xmlns:r="http://schemas.openxmlformats.org/officeDocument/2006/relationships" xmlns:p="http://schemas.openxmlformats.org/presentationml/2006/main">
   <p:cSld>
     <p:spTree>
@@ -8757,668 +8035,23 @@
             <p:ph type="title"/>
           </p:nvPr>
         </p:nvSpPr>
-        <p:spPr/>
-        <p:txBody>
-          <a:bodyPr/>
-          <a:lstStyle/>
-          <a:p>
-            <a:endParaRPr lang="en-US"/>
-          </a:p>
-        </p:txBody>
-      </p:sp>
-      <p:pic>
-        <p:nvPicPr>
-          <p:cNvPr id="4" name="Content Placeholder 3"/>
-          <p:cNvPicPr>
-            <a:picLocks noGrp="1" noChangeAspect="1"/>
-          </p:cNvPicPr>
-          <p:nvPr>
-            <p:ph idx="1"/>
-          </p:nvPr>
-        </p:nvPicPr>
-        <p:blipFill>
-          <a:blip r:embed="rId2">
-            <a:extLst>
-              <a:ext uri="{28A0092B-C50C-407E-A947-70E740481C1C}">
-                <a14:useLocalDpi xmlns:a14="http://schemas.microsoft.com/office/drawing/2010/main" val="0"/>
-              </a:ext>
-            </a:extLst>
-          </a:blip>
-          <a:stretch>
-            <a:fillRect/>
-          </a:stretch>
-        </p:blipFill>
         <p:spPr>
           <a:xfrm>
-            <a:off x="87485" y="1686153"/>
-            <a:ext cx="6429524" cy="2778969"/>
+            <a:off x="0" y="457200"/>
+            <a:ext cx="7920842" cy="1143000"/>
           </a:xfrm>
-          <a:prstGeom prst="rect">
-            <a:avLst/>
-          </a:prstGeom>
         </p:spPr>
-      </p:pic>
-      <p:graphicFrame>
-        <p:nvGraphicFramePr>
-          <p:cNvPr id="5" name="Table 4"/>
-          <p:cNvGraphicFramePr>
-            <a:graphicFrameLocks noGrp="1"/>
-          </p:cNvGraphicFramePr>
-          <p:nvPr>
-            <p:extLst>
-              <p:ext uri="{D42A27DB-BD31-4B8C-83A1-F6EECF244321}">
-                <p14:modId xmlns:p14="http://schemas.microsoft.com/office/powerpoint/2010/main" val="2331517443"/>
-              </p:ext>
-            </p:extLst>
-          </p:nvPr>
-        </p:nvGraphicFramePr>
-        <p:xfrm>
-          <a:off x="6633028" y="1698152"/>
-          <a:ext cx="5371604" cy="2685164"/>
-        </p:xfrm>
-        <a:graphic>
-          <a:graphicData uri="http://schemas.openxmlformats.org/drawingml/2006/table">
-            <a:tbl>
-              <a:tblPr firstRow="1" bandRow="1">
-                <a:tableStyleId>{5C22544A-7EE6-4342-B048-85BDC9FD1C3A}</a:tableStyleId>
-              </a:tblPr>
-              <a:tblGrid>
-                <a:gridCol w="1342901"/>
-                <a:gridCol w="1342901"/>
-                <a:gridCol w="1342901"/>
-                <a:gridCol w="1342901"/>
-              </a:tblGrid>
-              <a:tr h="592828">
-                <a:tc>
-                  <a:txBody>
-                    <a:bodyPr/>
-                    <a:lstStyle/>
-                    <a:p>
-                      <a:pPr algn="ctr"/>
-                      <a:r>
-                        <a:rPr lang="en-US" sz="1400" dirty="0" smtClean="0"/>
-                        <a:t>State</a:t>
-                      </a:r>
-                      <a:endParaRPr lang="en-US" sz="1400" dirty="0"/>
-                    </a:p>
-                  </a:txBody>
-                  <a:tcPr anchor="ctr"/>
-                </a:tc>
-                <a:tc>
-                  <a:txBody>
-                    <a:bodyPr/>
-                    <a:lstStyle/>
-                    <a:p>
-                      <a:pPr algn="ctr"/>
-                      <a:r>
-                        <a:rPr lang="en-US" sz="1400" dirty="0" smtClean="0"/>
-                        <a:t>In memory</a:t>
-                      </a:r>
-                      <a:endParaRPr lang="en-US" sz="1400" dirty="0"/>
-                    </a:p>
-                  </a:txBody>
-                  <a:tcPr anchor="ctr"/>
-                </a:tc>
-                <a:tc>
-                  <a:txBody>
-                    <a:bodyPr/>
-                    <a:lstStyle/>
-                    <a:p>
-                      <a:pPr algn="ctr"/>
-                      <a:r>
-                        <a:rPr lang="en-US" sz="1400" dirty="0" smtClean="0"/>
-                        <a:t>Visible to user?</a:t>
-                      </a:r>
-                      <a:endParaRPr lang="en-US" sz="1400" dirty="0"/>
-                    </a:p>
-                  </a:txBody>
-                  <a:tcPr anchor="ctr"/>
-                </a:tc>
-                <a:tc>
-                  <a:txBody>
-                    <a:bodyPr/>
-                    <a:lstStyle/>
-                    <a:p>
-                      <a:pPr algn="ctr"/>
-                      <a:r>
-                        <a:rPr lang="en-US" sz="1400" dirty="0" smtClean="0"/>
-                        <a:t>In foreground?</a:t>
-                      </a:r>
-                      <a:endParaRPr lang="en-US" sz="1400" dirty="0"/>
-                    </a:p>
-                  </a:txBody>
-                  <a:tcPr anchor="ctr"/>
-                </a:tc>
-              </a:tr>
-              <a:tr h="523084">
-                <a:tc>
-                  <a:txBody>
-                    <a:bodyPr/>
-                    <a:lstStyle/>
-                    <a:p>
-                      <a:pPr algn="ctr"/>
-                      <a:r>
-                        <a:rPr lang="en-US" sz="1600" dirty="0" smtClean="0">
-                          <a:solidFill>
-                            <a:schemeClr val="bg1"/>
-                          </a:solidFill>
-                        </a:rPr>
-                        <a:t>Non-Existent</a:t>
-                      </a:r>
-                      <a:endParaRPr lang="en-US" sz="1600" dirty="0">
-                        <a:solidFill>
-                          <a:schemeClr val="bg1"/>
-                        </a:solidFill>
-                      </a:endParaRPr>
-                    </a:p>
-                  </a:txBody>
-                  <a:tcPr anchor="ctr">
-                    <a:solidFill>
-                      <a:schemeClr val="accent1">
-                        <a:lumMod val="60000"/>
-                        <a:lumOff val="40000"/>
-                      </a:schemeClr>
-                    </a:solidFill>
-                  </a:tcPr>
-                </a:tc>
-                <a:tc>
-                  <a:txBody>
-                    <a:bodyPr/>
-                    <a:lstStyle/>
-                    <a:p>
-                      <a:pPr algn="ctr"/>
-                      <a:r>
-                        <a:rPr lang="en-US" sz="1800" dirty="0" smtClean="0">
-                          <a:solidFill>
-                            <a:schemeClr val="bg1"/>
-                          </a:solidFill>
-                        </a:rPr>
-                        <a:t>No</a:t>
-                      </a:r>
-                      <a:endParaRPr lang="en-US" sz="1800" dirty="0">
-                        <a:solidFill>
-                          <a:schemeClr val="bg1"/>
-                        </a:solidFill>
-                      </a:endParaRPr>
-                    </a:p>
-                  </a:txBody>
-                  <a:tcPr anchor="ctr">
-                    <a:solidFill>
-                      <a:schemeClr val="accent1">
-                        <a:lumMod val="75000"/>
-                      </a:schemeClr>
-                    </a:solidFill>
-                  </a:tcPr>
-                </a:tc>
-                <a:tc>
-                  <a:txBody>
-                    <a:bodyPr/>
-                    <a:lstStyle/>
-                    <a:p>
-                      <a:pPr algn="ctr"/>
-                      <a:r>
-                        <a:rPr lang="en-US" sz="1800" dirty="0" smtClean="0">
-                          <a:solidFill>
-                            <a:schemeClr val="bg1"/>
-                          </a:solidFill>
-                        </a:rPr>
-                        <a:t>No</a:t>
-                      </a:r>
-                      <a:endParaRPr lang="en-US" sz="1800" dirty="0">
-                        <a:solidFill>
-                          <a:schemeClr val="bg1"/>
-                        </a:solidFill>
-                      </a:endParaRPr>
-                    </a:p>
-                  </a:txBody>
-                  <a:tcPr anchor="ctr">
-                    <a:solidFill>
-                      <a:schemeClr val="accent1">
-                        <a:lumMod val="75000"/>
-                      </a:schemeClr>
-                    </a:solidFill>
-                  </a:tcPr>
-                </a:tc>
-                <a:tc>
-                  <a:txBody>
-                    <a:bodyPr/>
-                    <a:lstStyle/>
-                    <a:p>
-                      <a:pPr algn="ctr"/>
-                      <a:r>
-                        <a:rPr lang="en-US" sz="1800" dirty="0" smtClean="0">
-                          <a:solidFill>
-                            <a:schemeClr val="bg1"/>
-                          </a:solidFill>
-                        </a:rPr>
-                        <a:t>No</a:t>
-                      </a:r>
-                      <a:endParaRPr lang="en-US" sz="1800" dirty="0">
-                        <a:solidFill>
-                          <a:schemeClr val="bg1"/>
-                        </a:solidFill>
-                      </a:endParaRPr>
-                    </a:p>
-                  </a:txBody>
-                  <a:tcPr anchor="ctr">
-                    <a:solidFill>
-                      <a:schemeClr val="accent1">
-                        <a:lumMod val="75000"/>
-                      </a:schemeClr>
-                    </a:solidFill>
-                  </a:tcPr>
-                </a:tc>
-              </a:tr>
-              <a:tr h="523084">
-                <a:tc>
-                  <a:txBody>
-                    <a:bodyPr/>
-                    <a:lstStyle/>
-                    <a:p>
-                      <a:pPr algn="ctr"/>
-                      <a:r>
-                        <a:rPr lang="en-US" sz="1600" dirty="0" smtClean="0">
-                          <a:solidFill>
-                            <a:schemeClr val="bg1"/>
-                          </a:solidFill>
-                        </a:rPr>
-                        <a:t>Stopped</a:t>
-                      </a:r>
-                      <a:endParaRPr lang="en-US" sz="1600" dirty="0">
-                        <a:solidFill>
-                          <a:schemeClr val="bg1"/>
-                        </a:solidFill>
-                      </a:endParaRPr>
-                    </a:p>
-                  </a:txBody>
-                  <a:tcPr anchor="ctr">
-                    <a:solidFill>
-                      <a:schemeClr val="accent1">
-                        <a:lumMod val="60000"/>
-                        <a:lumOff val="40000"/>
-                      </a:schemeClr>
-                    </a:solidFill>
-                  </a:tcPr>
-                </a:tc>
-                <a:tc>
-                  <a:txBody>
-                    <a:bodyPr/>
-                    <a:lstStyle/>
-                    <a:p>
-                      <a:pPr algn="ctr"/>
-                      <a:r>
-                        <a:rPr lang="en-US" sz="1800" dirty="0" smtClean="0">
-                          <a:solidFill>
-                            <a:schemeClr val="bg1"/>
-                          </a:solidFill>
-                        </a:rPr>
-                        <a:t>Yes</a:t>
-                      </a:r>
-                      <a:endParaRPr lang="en-US" sz="1800" dirty="0">
-                        <a:solidFill>
-                          <a:schemeClr val="bg1"/>
-                        </a:solidFill>
-                      </a:endParaRPr>
-                    </a:p>
-                  </a:txBody>
-                  <a:tcPr anchor="ctr">
-                    <a:solidFill>
-                      <a:schemeClr val="accent4">
-                        <a:lumMod val="75000"/>
-                      </a:schemeClr>
-                    </a:solidFill>
-                  </a:tcPr>
-                </a:tc>
-                <a:tc>
-                  <a:txBody>
-                    <a:bodyPr/>
-                    <a:lstStyle/>
-                    <a:p>
-                      <a:pPr algn="ctr"/>
-                      <a:r>
-                        <a:rPr lang="en-US" sz="1800" dirty="0" smtClean="0">
-                          <a:solidFill>
-                            <a:schemeClr val="bg1"/>
-                          </a:solidFill>
-                        </a:rPr>
-                        <a:t>No</a:t>
-                      </a:r>
-                      <a:endParaRPr lang="en-US" sz="1800" dirty="0">
-                        <a:solidFill>
-                          <a:schemeClr val="bg1"/>
-                        </a:solidFill>
-                      </a:endParaRPr>
-                    </a:p>
-                  </a:txBody>
-                  <a:tcPr anchor="ctr">
-                    <a:solidFill>
-                      <a:schemeClr val="accent4">
-                        <a:lumMod val="75000"/>
-                      </a:schemeClr>
-                    </a:solidFill>
-                  </a:tcPr>
-                </a:tc>
-                <a:tc>
-                  <a:txBody>
-                    <a:bodyPr/>
-                    <a:lstStyle/>
-                    <a:p>
-                      <a:pPr algn="ctr"/>
-                      <a:r>
-                        <a:rPr lang="en-US" sz="1800" dirty="0" smtClean="0">
-                          <a:solidFill>
-                            <a:schemeClr val="bg1"/>
-                          </a:solidFill>
-                        </a:rPr>
-                        <a:t>No</a:t>
-                      </a:r>
-                      <a:endParaRPr lang="en-US" sz="1800" dirty="0">
-                        <a:solidFill>
-                          <a:schemeClr val="bg1"/>
-                        </a:solidFill>
-                      </a:endParaRPr>
-                    </a:p>
-                  </a:txBody>
-                  <a:tcPr anchor="ctr">
-                    <a:solidFill>
-                      <a:schemeClr val="accent4">
-                        <a:lumMod val="75000"/>
-                      </a:schemeClr>
-                    </a:solidFill>
-                  </a:tcPr>
-                </a:tc>
-              </a:tr>
-              <a:tr h="523084">
-                <a:tc>
-                  <a:txBody>
-                    <a:bodyPr/>
-                    <a:lstStyle/>
-                    <a:p>
-                      <a:pPr algn="ctr"/>
-                      <a:r>
-                        <a:rPr lang="en-US" sz="1600" dirty="0" smtClean="0">
-                          <a:solidFill>
-                            <a:schemeClr val="bg1"/>
-                          </a:solidFill>
-                        </a:rPr>
-                        <a:t>Paused</a:t>
-                      </a:r>
-                      <a:endParaRPr lang="en-US" sz="1600" dirty="0">
-                        <a:solidFill>
-                          <a:schemeClr val="bg1"/>
-                        </a:solidFill>
-                      </a:endParaRPr>
-                    </a:p>
-                  </a:txBody>
-                  <a:tcPr anchor="ctr">
-                    <a:solidFill>
-                      <a:schemeClr val="accent1">
-                        <a:lumMod val="60000"/>
-                        <a:lumOff val="40000"/>
-                      </a:schemeClr>
-                    </a:solidFill>
-                  </a:tcPr>
-                </a:tc>
-                <a:tc>
-                  <a:txBody>
-                    <a:bodyPr/>
-                    <a:lstStyle/>
-                    <a:p>
-                      <a:pPr algn="ctr"/>
-                      <a:r>
-                        <a:rPr lang="en-US" sz="1800" dirty="0" smtClean="0">
-                          <a:solidFill>
-                            <a:schemeClr val="bg1"/>
-                          </a:solidFill>
-                        </a:rPr>
-                        <a:t>Yes</a:t>
-                      </a:r>
-                      <a:endParaRPr lang="en-US" sz="1800" dirty="0">
-                        <a:solidFill>
-                          <a:schemeClr val="bg1"/>
-                        </a:solidFill>
-                      </a:endParaRPr>
-                    </a:p>
-                  </a:txBody>
-                  <a:tcPr anchor="ctr">
-                    <a:solidFill>
-                      <a:schemeClr val="tx2"/>
-                    </a:solidFill>
-                  </a:tcPr>
-                </a:tc>
-                <a:tc>
-                  <a:txBody>
-                    <a:bodyPr/>
-                    <a:lstStyle/>
-                    <a:p>
-                      <a:pPr algn="ctr"/>
-                      <a:r>
-                        <a:rPr lang="en-US" sz="1800" dirty="0" smtClean="0">
-                          <a:solidFill>
-                            <a:schemeClr val="bg1"/>
-                          </a:solidFill>
-                        </a:rPr>
-                        <a:t>Yes/partially</a:t>
-                      </a:r>
-                      <a:endParaRPr lang="en-US" sz="1800" dirty="0">
-                        <a:solidFill>
-                          <a:schemeClr val="bg1"/>
-                        </a:solidFill>
-                      </a:endParaRPr>
-                    </a:p>
-                  </a:txBody>
-                  <a:tcPr anchor="ctr">
-                    <a:solidFill>
-                      <a:schemeClr val="tx2"/>
-                    </a:solidFill>
-                  </a:tcPr>
-                </a:tc>
-                <a:tc>
-                  <a:txBody>
-                    <a:bodyPr/>
-                    <a:lstStyle/>
-                    <a:p>
-                      <a:pPr algn="ctr"/>
-                      <a:r>
-                        <a:rPr lang="en-US" sz="1800" dirty="0" smtClean="0">
-                          <a:solidFill>
-                            <a:schemeClr val="bg1"/>
-                          </a:solidFill>
-                        </a:rPr>
-                        <a:t>No</a:t>
-                      </a:r>
-                      <a:endParaRPr lang="en-US" sz="1800" dirty="0">
-                        <a:solidFill>
-                          <a:schemeClr val="bg1"/>
-                        </a:solidFill>
-                      </a:endParaRPr>
-                    </a:p>
-                  </a:txBody>
-                  <a:tcPr anchor="ctr">
-                    <a:solidFill>
-                      <a:schemeClr val="tx2"/>
-                    </a:solidFill>
-                  </a:tcPr>
-                </a:tc>
-              </a:tr>
-              <a:tr h="523084">
-                <a:tc>
-                  <a:txBody>
-                    <a:bodyPr/>
-                    <a:lstStyle/>
-                    <a:p>
-                      <a:pPr algn="ctr"/>
-                      <a:r>
-                        <a:rPr lang="en-US" sz="1600" dirty="0" smtClean="0">
-                          <a:solidFill>
-                            <a:schemeClr val="bg1"/>
-                          </a:solidFill>
-                        </a:rPr>
-                        <a:t>Running </a:t>
-                      </a:r>
-                      <a:endParaRPr lang="en-US" sz="1600" dirty="0">
-                        <a:solidFill>
-                          <a:schemeClr val="bg1"/>
-                        </a:solidFill>
-                      </a:endParaRPr>
-                    </a:p>
-                  </a:txBody>
-                  <a:tcPr anchor="ctr">
-                    <a:solidFill>
-                      <a:schemeClr val="accent1">
-                        <a:lumMod val="60000"/>
-                        <a:lumOff val="40000"/>
-                      </a:schemeClr>
-                    </a:solidFill>
-                  </a:tcPr>
-                </a:tc>
-                <a:tc>
-                  <a:txBody>
-                    <a:bodyPr/>
-                    <a:lstStyle/>
-                    <a:p>
-                      <a:pPr algn="ctr"/>
-                      <a:r>
-                        <a:rPr lang="en-US" sz="1800" dirty="0" smtClean="0">
-                          <a:solidFill>
-                            <a:schemeClr val="bg1"/>
-                          </a:solidFill>
-                        </a:rPr>
-                        <a:t>Yes</a:t>
-                      </a:r>
-                      <a:endParaRPr lang="en-US" sz="1800" dirty="0">
-                        <a:solidFill>
-                          <a:schemeClr val="bg1"/>
-                        </a:solidFill>
-                      </a:endParaRPr>
-                    </a:p>
-                  </a:txBody>
-                  <a:tcPr anchor="ctr">
-                    <a:solidFill>
-                      <a:schemeClr val="accent3">
-                        <a:lumMod val="75000"/>
-                      </a:schemeClr>
-                    </a:solidFill>
-                  </a:tcPr>
-                </a:tc>
-                <a:tc>
-                  <a:txBody>
-                    <a:bodyPr/>
-                    <a:lstStyle/>
-                    <a:p>
-                      <a:pPr algn="ctr"/>
-                      <a:r>
-                        <a:rPr lang="en-US" sz="1800" dirty="0" smtClean="0">
-                          <a:solidFill>
-                            <a:schemeClr val="bg1"/>
-                          </a:solidFill>
-                        </a:rPr>
-                        <a:t>Yes</a:t>
-                      </a:r>
-                      <a:endParaRPr lang="en-US" sz="1800" dirty="0">
-                        <a:solidFill>
-                          <a:schemeClr val="bg1"/>
-                        </a:solidFill>
-                      </a:endParaRPr>
-                    </a:p>
-                  </a:txBody>
-                  <a:tcPr anchor="ctr">
-                    <a:solidFill>
-                      <a:schemeClr val="accent3">
-                        <a:lumMod val="75000"/>
-                      </a:schemeClr>
-                    </a:solidFill>
-                  </a:tcPr>
-                </a:tc>
-                <a:tc>
-                  <a:txBody>
-                    <a:bodyPr/>
-                    <a:lstStyle/>
-                    <a:p>
-                      <a:pPr algn="ctr"/>
-                      <a:r>
-                        <a:rPr lang="en-US" sz="1800" dirty="0" smtClean="0">
-                          <a:solidFill>
-                            <a:schemeClr val="bg1"/>
-                          </a:solidFill>
-                        </a:rPr>
-                        <a:t>Yes</a:t>
-                      </a:r>
-                      <a:endParaRPr lang="en-US" sz="1800" dirty="0">
-                        <a:solidFill>
-                          <a:schemeClr val="bg1"/>
-                        </a:solidFill>
-                      </a:endParaRPr>
-                    </a:p>
-                  </a:txBody>
-                  <a:tcPr anchor="ctr">
-                    <a:solidFill>
-                      <a:schemeClr val="accent3">
-                        <a:lumMod val="75000"/>
-                      </a:schemeClr>
-                    </a:solidFill>
-                  </a:tcPr>
-                </a:tc>
-              </a:tr>
-            </a:tbl>
-          </a:graphicData>
-        </a:graphic>
-      </p:graphicFrame>
-    </p:spTree>
-    <p:extLst>
-      <p:ext uri="{BB962C8B-B14F-4D97-AF65-F5344CB8AC3E}">
-        <p14:creationId xmlns:p14="http://schemas.microsoft.com/office/powerpoint/2010/main" val="2983927001"/>
-      </p:ext>
-    </p:extLst>
-  </p:cSld>
-  <p:clrMapOvr>
-    <a:masterClrMapping/>
-  </p:clrMapOvr>
-  <p:timing>
-    <p:tnLst>
-      <p:par>
-        <p:cTn id="1" dur="indefinite" restart="never" nodeType="tmRoot"/>
-      </p:par>
-    </p:tnLst>
-  </p:timing>
-</p:sld>
-</file>
-
-<file path=ppt/slides/slide35.xml><?xml version="1.0" encoding="utf-8"?>
-<p:sld xmlns:a="http://schemas.openxmlformats.org/drawingml/2006/main" xmlns:r="http://schemas.openxmlformats.org/officeDocument/2006/relationships" xmlns:p="http://schemas.openxmlformats.org/presentationml/2006/main">
-  <p:cSld>
-    <p:spTree>
-      <p:nvGrpSpPr>
-        <p:cNvPr id="1" name=""/>
-        <p:cNvGrpSpPr/>
-        <p:nvPr/>
-      </p:nvGrpSpPr>
-      <p:grpSpPr>
-        <a:xfrm>
-          <a:off x="0" y="0"/>
-          <a:ext cx="0" cy="0"/>
-          <a:chOff x="0" y="0"/>
-          <a:chExt cx="0" cy="0"/>
-        </a:xfrm>
-      </p:grpSpPr>
-      <p:sp>
-        <p:nvSpPr>
-          <p:cNvPr id="2" name="Title 1"/>
-          <p:cNvSpPr>
-            <a:spLocks noGrp="1"/>
-          </p:cNvSpPr>
-          <p:nvPr>
-            <p:ph type="title"/>
-          </p:nvPr>
-        </p:nvSpPr>
-        <p:spPr/>
         <p:txBody>
           <a:bodyPr/>
           <a:lstStyle/>
           <a:p>
             <a:r>
               <a:rPr lang="en-US" dirty="0" smtClean="0"/>
-              <a:t>Creating Fragments</a:t>
+              <a:t>Creating </a:t>
+            </a:r>
+            <a:r>
+              <a:rPr lang="en-US" dirty="0" smtClean="0"/>
+              <a:t>Fragment XML Layout</a:t>
             </a:r>
             <a:endParaRPr lang="en-US" dirty="0"/>
           </a:p>
@@ -9554,7 +8187,7 @@
 </p:sld>
 </file>
 
-<file path=ppt/slides/slide36.xml><?xml version="1.0" encoding="utf-8"?>
+<file path=ppt/slides/slide33.xml><?xml version="1.0" encoding="utf-8"?>
 <p:sld xmlns:a="http://schemas.openxmlformats.org/drawingml/2006/main" xmlns:r="http://schemas.openxmlformats.org/officeDocument/2006/relationships" xmlns:p="http://schemas.openxmlformats.org/presentationml/2006/main">
   <p:cSld>
     <p:spTree>
@@ -9629,7 +8262,7 @@
 </p:sld>
 </file>
 
-<file path=ppt/slides/slide37.xml><?xml version="1.0" encoding="utf-8"?>
+<file path=ppt/slides/slide34.xml><?xml version="1.0" encoding="utf-8"?>
 <p:sld xmlns:a="http://schemas.openxmlformats.org/drawingml/2006/main" xmlns:r="http://schemas.openxmlformats.org/officeDocument/2006/relationships" xmlns:p="http://schemas.openxmlformats.org/presentationml/2006/main">
   <p:cSld>
     <p:spTree>
@@ -9730,7 +8363,7 @@
 </p:sld>
 </file>
 
-<file path=ppt/slides/slide38.xml><?xml version="1.0" encoding="utf-8"?>
+<file path=ppt/slides/slide35.xml><?xml version="1.0" encoding="utf-8"?>
 <p:sld xmlns:a="http://schemas.openxmlformats.org/drawingml/2006/main" xmlns:r="http://schemas.openxmlformats.org/officeDocument/2006/relationships" xmlns:p="http://schemas.openxmlformats.org/presentationml/2006/main">
   <p:cSld>
     <p:spTree>
@@ -9891,6 +8524,258 @@
 </p:sld>
 </file>
 
+<file path=ppt/slides/slide36.xml><?xml version="1.0" encoding="utf-8"?>
+<p:sld xmlns:a="http://schemas.openxmlformats.org/drawingml/2006/main" xmlns:r="http://schemas.openxmlformats.org/officeDocument/2006/relationships" xmlns:p="http://schemas.openxmlformats.org/presentationml/2006/main">
+  <p:cSld>
+    <p:spTree>
+      <p:nvGrpSpPr>
+        <p:cNvPr id="1" name=""/>
+        <p:cNvGrpSpPr/>
+        <p:nvPr/>
+      </p:nvGrpSpPr>
+      <p:grpSpPr>
+        <a:xfrm>
+          <a:off x="0" y="0"/>
+          <a:ext cx="0" cy="0"/>
+          <a:chOff x="0" y="0"/>
+          <a:chExt cx="0" cy="0"/>
+        </a:xfrm>
+      </p:grpSpPr>
+      <p:sp>
+        <p:nvSpPr>
+          <p:cNvPr id="2" name="Title 1"/>
+          <p:cNvSpPr>
+            <a:spLocks noGrp="1"/>
+          </p:cNvSpPr>
+          <p:nvPr>
+            <p:ph type="title"/>
+          </p:nvPr>
+        </p:nvSpPr>
+        <p:spPr/>
+        <p:txBody>
+          <a:bodyPr/>
+          <a:lstStyle/>
+          <a:p>
+            <a:r>
+              <a:rPr lang="en-US" dirty="0" smtClean="0"/>
+              <a:t>Fragment Code</a:t>
+            </a:r>
+            <a:endParaRPr lang="en-US" dirty="0"/>
+          </a:p>
+        </p:txBody>
+      </p:sp>
+      <p:sp>
+        <p:nvSpPr>
+          <p:cNvPr id="3" name="Content Placeholder 2"/>
+          <p:cNvSpPr>
+            <a:spLocks noGrp="1"/>
+          </p:cNvSpPr>
+          <p:nvPr>
+            <p:ph idx="1"/>
+          </p:nvPr>
+        </p:nvSpPr>
+        <p:spPr/>
+        <p:txBody>
+          <a:bodyPr/>
+          <a:lstStyle/>
+          <a:p>
+            <a:r>
+              <a:rPr lang="en-US" dirty="0" smtClean="0"/>
+              <a:t>Logic to fragment XML </a:t>
+            </a:r>
+            <a:r>
+              <a:rPr lang="en-US" dirty="0" smtClean="0"/>
+              <a:t>layout</a:t>
+            </a:r>
+          </a:p>
+          <a:p>
+            <a:pPr lvl="1"/>
+            <a:r>
+              <a:rPr lang="en-US" dirty="0" err="1" smtClean="0"/>
+              <a:t>onClick</a:t>
+            </a:r>
+            <a:r>
+              <a:rPr lang="en-US" dirty="0" smtClean="0"/>
+              <a:t>()</a:t>
+            </a:r>
+            <a:r>
+              <a:rPr lang="en-US" dirty="0"/>
+              <a:t> </a:t>
+            </a:r>
+            <a:endParaRPr lang="en-US" dirty="0" smtClean="0"/>
+          </a:p>
+        </p:txBody>
+      </p:sp>
+    </p:spTree>
+    <p:extLst>
+      <p:ext uri="{BB962C8B-B14F-4D97-AF65-F5344CB8AC3E}">
+        <p14:creationId xmlns:p14="http://schemas.microsoft.com/office/powerpoint/2010/main" val="4201928760"/>
+      </p:ext>
+    </p:extLst>
+  </p:cSld>
+  <p:clrMapOvr>
+    <a:masterClrMapping/>
+  </p:clrMapOvr>
+  <p:timing>
+    <p:tnLst>
+      <p:par>
+        <p:cTn id="1" dur="indefinite" restart="never" nodeType="tmRoot"/>
+      </p:par>
+    </p:tnLst>
+  </p:timing>
+</p:sld>
+</file>
+
+<file path=ppt/slides/slide37.xml><?xml version="1.0" encoding="utf-8"?>
+<p:sld xmlns:a="http://schemas.openxmlformats.org/drawingml/2006/main" xmlns:r="http://schemas.openxmlformats.org/officeDocument/2006/relationships" xmlns:p="http://schemas.openxmlformats.org/presentationml/2006/main">
+  <p:cSld>
+    <p:spTree>
+      <p:nvGrpSpPr>
+        <p:cNvPr id="1" name=""/>
+        <p:cNvGrpSpPr/>
+        <p:nvPr/>
+      </p:nvGrpSpPr>
+      <p:grpSpPr>
+        <a:xfrm>
+          <a:off x="0" y="0"/>
+          <a:ext cx="0" cy="0"/>
+          <a:chOff x="0" y="0"/>
+          <a:chExt cx="0" cy="0"/>
+        </a:xfrm>
+      </p:grpSpPr>
+      <p:sp>
+        <p:nvSpPr>
+          <p:cNvPr id="3" name="Content Placeholder 2"/>
+          <p:cNvSpPr>
+            <a:spLocks noGrp="1"/>
+          </p:cNvSpPr>
+          <p:nvPr>
+            <p:ph idx="1"/>
+          </p:nvPr>
+        </p:nvSpPr>
+        <p:spPr/>
+        <p:txBody>
+          <a:bodyPr/>
+          <a:lstStyle/>
+          <a:p>
+            <a:pPr marL="0" indent="0" algn="ctr">
+              <a:buNone/>
+            </a:pPr>
+            <a:endParaRPr lang="en-US" dirty="0" smtClean="0"/>
+          </a:p>
+          <a:p>
+            <a:pPr marL="0" indent="0" algn="ctr">
+              <a:buNone/>
+            </a:pPr>
+            <a:endParaRPr lang="en-US" dirty="0"/>
+          </a:p>
+          <a:p>
+            <a:pPr marL="0" indent="0" algn="ctr">
+              <a:buNone/>
+            </a:pPr>
+            <a:r>
+              <a:rPr lang="en-US" dirty="0" smtClean="0"/>
+              <a:t>Show Fragment Code</a:t>
+            </a:r>
+            <a:endParaRPr lang="en-US" dirty="0"/>
+          </a:p>
+        </p:txBody>
+      </p:sp>
+    </p:spTree>
+    <p:extLst>
+      <p:ext uri="{BB962C8B-B14F-4D97-AF65-F5344CB8AC3E}">
+        <p14:creationId xmlns:p14="http://schemas.microsoft.com/office/powerpoint/2010/main" val="1228316914"/>
+      </p:ext>
+    </p:extLst>
+  </p:cSld>
+  <p:clrMapOvr>
+    <a:masterClrMapping/>
+  </p:clrMapOvr>
+  <p:timing>
+    <p:tnLst>
+      <p:par>
+        <p:cTn id="1" dur="indefinite" restart="never" nodeType="tmRoot"/>
+      </p:par>
+    </p:tnLst>
+  </p:timing>
+</p:sld>
+</file>
+
+<file path=ppt/slides/slide38.xml><?xml version="1.0" encoding="utf-8"?>
+<p:sld xmlns:a="http://schemas.openxmlformats.org/drawingml/2006/main" xmlns:r="http://schemas.openxmlformats.org/officeDocument/2006/relationships" xmlns:p="http://schemas.openxmlformats.org/presentationml/2006/main">
+  <p:cSld>
+    <p:spTree>
+      <p:nvGrpSpPr>
+        <p:cNvPr id="1" name=""/>
+        <p:cNvGrpSpPr/>
+        <p:nvPr/>
+      </p:nvGrpSpPr>
+      <p:grpSpPr>
+        <a:xfrm>
+          <a:off x="0" y="0"/>
+          <a:ext cx="0" cy="0"/>
+          <a:chOff x="0" y="0"/>
+          <a:chExt cx="0" cy="0"/>
+        </a:xfrm>
+      </p:grpSpPr>
+      <p:sp>
+        <p:nvSpPr>
+          <p:cNvPr id="3" name="Content Placeholder 2"/>
+          <p:cNvSpPr>
+            <a:spLocks noGrp="1"/>
+          </p:cNvSpPr>
+          <p:nvPr>
+            <p:ph idx="1"/>
+          </p:nvPr>
+        </p:nvSpPr>
+        <p:spPr/>
+        <p:txBody>
+          <a:bodyPr/>
+          <a:lstStyle/>
+          <a:p>
+            <a:pPr marL="0" indent="0">
+              <a:buNone/>
+            </a:pPr>
+            <a:endParaRPr lang="en-US" dirty="0" smtClean="0"/>
+          </a:p>
+          <a:p>
+            <a:pPr marL="0" indent="0">
+              <a:buNone/>
+            </a:pPr>
+            <a:endParaRPr lang="en-US" dirty="0"/>
+          </a:p>
+          <a:p>
+            <a:pPr marL="0" indent="0" algn="ctr">
+              <a:buNone/>
+            </a:pPr>
+            <a:r>
+              <a:rPr lang="en-US" dirty="0" smtClean="0"/>
+              <a:t>Live Example Fragment Code</a:t>
+            </a:r>
+            <a:endParaRPr lang="en-US" dirty="0"/>
+          </a:p>
+        </p:txBody>
+      </p:sp>
+    </p:spTree>
+    <p:extLst>
+      <p:ext uri="{BB962C8B-B14F-4D97-AF65-F5344CB8AC3E}">
+        <p14:creationId xmlns:p14="http://schemas.microsoft.com/office/powerpoint/2010/main" val="998786636"/>
+      </p:ext>
+    </p:extLst>
+  </p:cSld>
+  <p:clrMapOvr>
+    <a:masterClrMapping/>
+  </p:clrMapOvr>
+  <p:timing>
+    <p:tnLst>
+      <p:par>
+        <p:cTn id="1" dur="indefinite" restart="never" nodeType="tmRoot"/>
+      </p:par>
+    </p:tnLst>
+  </p:timing>
+</p:sld>
+</file>
+
 <file path=ppt/slides/slide39.xml><?xml version="1.0" encoding="utf-8"?>
 <p:sld xmlns:a="http://schemas.openxmlformats.org/drawingml/2006/main" xmlns:r="http://schemas.openxmlformats.org/officeDocument/2006/relationships" xmlns:p="http://schemas.openxmlformats.org/presentationml/2006/main">
   <p:cSld>
@@ -9925,7 +8810,7 @@
           <a:p>
             <a:r>
               <a:rPr lang="en-US" dirty="0" smtClean="0"/>
-              <a:t>Fragment Code</a:t>
+              <a:t>Adding Fragment to Activity</a:t>
             </a:r>
             <a:endParaRPr lang="en-US" dirty="0"/>
           </a:p>
@@ -9946,10 +8831,6 @@
           <a:bodyPr/>
           <a:lstStyle/>
           <a:p>
-            <a:r>
-              <a:rPr lang="en-US" dirty="0" smtClean="0"/>
-              <a:t>Logic to fragment XML layout</a:t>
-            </a:r>
             <a:endParaRPr lang="en-US" dirty="0"/>
           </a:p>
         </p:txBody>
@@ -9957,7 +8838,7 @@
     </p:spTree>
     <p:extLst>
       <p:ext uri="{BB962C8B-B14F-4D97-AF65-F5344CB8AC3E}">
-        <p14:creationId xmlns:p14="http://schemas.microsoft.com/office/powerpoint/2010/main" val="4201928760"/>
+        <p14:creationId xmlns:p14="http://schemas.microsoft.com/office/powerpoint/2010/main" val="1212573231"/>
       </p:ext>
     </p:extLst>
   </p:cSld>
@@ -10221,13 +9102,13 @@
             <a:pPr marL="0" indent="0" algn="ctr">
               <a:buNone/>
             </a:pPr>
-            <a:endParaRPr lang="en-US" dirty="0" smtClean="0"/>
+            <a:endParaRPr lang="en-US" dirty="0"/>
           </a:p>
           <a:p>
             <a:pPr marL="0" indent="0" algn="ctr">
               <a:buNone/>
             </a:pPr>
-            <a:endParaRPr lang="en-US" dirty="0"/>
+            <a:endParaRPr lang="en-US" dirty="0" smtClean="0"/>
           </a:p>
           <a:p>
             <a:pPr marL="0" indent="0" algn="ctr">
@@ -10235,7 +9116,7 @@
             </a:pPr>
             <a:r>
               <a:rPr lang="en-US" dirty="0" smtClean="0"/>
-              <a:t>Show Fragment Code</a:t>
+              <a:t>Extra</a:t>
             </a:r>
             <a:endParaRPr lang="en-US" dirty="0"/>
           </a:p>
@@ -10244,7 +9125,7 @@
     </p:spTree>
     <p:extLst>
       <p:ext uri="{BB962C8B-B14F-4D97-AF65-F5344CB8AC3E}">
-        <p14:creationId xmlns:p14="http://schemas.microsoft.com/office/powerpoint/2010/main" val="1228316914"/>
+        <p14:creationId xmlns:p14="http://schemas.microsoft.com/office/powerpoint/2010/main" val="3384954775"/>
       </p:ext>
     </p:extLst>
   </p:cSld>
@@ -10280,6 +9161,29 @@
       </p:grpSpPr>
       <p:sp>
         <p:nvSpPr>
+          <p:cNvPr id="2" name="Title 1"/>
+          <p:cNvSpPr>
+            <a:spLocks noGrp="1"/>
+          </p:cNvSpPr>
+          <p:nvPr>
+            <p:ph type="title"/>
+          </p:nvPr>
+        </p:nvSpPr>
+        <p:spPr/>
+        <p:txBody>
+          <a:bodyPr/>
+          <a:lstStyle/>
+          <a:p>
+            <a:r>
+              <a:rPr lang="en-US" dirty="0" smtClean="0"/>
+              <a:t>Landscape Layout </a:t>
+            </a:r>
+            <a:endParaRPr lang="en-US" dirty="0"/>
+          </a:p>
+        </p:txBody>
+      </p:sp>
+      <p:sp>
+        <p:nvSpPr>
           <p:cNvPr id="3" name="Content Placeholder 2"/>
           <p:cNvSpPr>
             <a:spLocks noGrp="1"/>
@@ -10293,25 +9197,6 @@
           <a:bodyPr/>
           <a:lstStyle/>
           <a:p>
-            <a:pPr marL="0" indent="0">
-              <a:buNone/>
-            </a:pPr>
-            <a:endParaRPr lang="en-US" dirty="0" smtClean="0"/>
-          </a:p>
-          <a:p>
-            <a:pPr marL="0" indent="0">
-              <a:buNone/>
-            </a:pPr>
-            <a:endParaRPr lang="en-US" dirty="0"/>
-          </a:p>
-          <a:p>
-            <a:pPr marL="0" indent="0" algn="ctr">
-              <a:buNone/>
-            </a:pPr>
-            <a:r>
-              <a:rPr lang="en-US" dirty="0" smtClean="0"/>
-              <a:t>Live Example Fragment Code</a:t>
-            </a:r>
             <a:endParaRPr lang="en-US" dirty="0"/>
           </a:p>
         </p:txBody>
@@ -10319,7 +9204,7 @@
     </p:spTree>
     <p:extLst>
       <p:ext uri="{BB962C8B-B14F-4D97-AF65-F5344CB8AC3E}">
-        <p14:creationId xmlns:p14="http://schemas.microsoft.com/office/powerpoint/2010/main" val="998786636"/>
+        <p14:creationId xmlns:p14="http://schemas.microsoft.com/office/powerpoint/2010/main" val="449537407"/>
       </p:ext>
     </p:extLst>
   </p:cSld>
@@ -10370,7 +9255,7 @@
           <a:p>
             <a:r>
               <a:rPr lang="en-US" dirty="0" smtClean="0"/>
-              <a:t>Adding Fragment to Activity</a:t>
+              <a:t>Fragment callbacks</a:t>
             </a:r>
             <a:endParaRPr lang="en-US" dirty="0"/>
           </a:p>
@@ -10398,7 +9283,7 @@
     </p:spTree>
     <p:extLst>
       <p:ext uri="{BB962C8B-B14F-4D97-AF65-F5344CB8AC3E}">
-        <p14:creationId xmlns:p14="http://schemas.microsoft.com/office/powerpoint/2010/main" val="1212573231"/>
+        <p14:creationId xmlns:p14="http://schemas.microsoft.com/office/powerpoint/2010/main" val="475706249"/>
       </p:ext>
     </p:extLst>
   </p:cSld>
@@ -10434,6 +9319,29 @@
       </p:grpSpPr>
       <p:sp>
         <p:nvSpPr>
+          <p:cNvPr id="2" name="Title 1"/>
+          <p:cNvSpPr>
+            <a:spLocks noGrp="1"/>
+          </p:cNvSpPr>
+          <p:nvPr>
+            <p:ph type="title"/>
+          </p:nvPr>
+        </p:nvSpPr>
+        <p:spPr/>
+        <p:txBody>
+          <a:bodyPr/>
+          <a:lstStyle/>
+          <a:p>
+            <a:r>
+              <a:rPr lang="en-US" dirty="0" smtClean="0"/>
+              <a:t>Dynamic Fragments </a:t>
+            </a:r>
+            <a:endParaRPr lang="en-US" dirty="0"/>
+          </a:p>
+        </p:txBody>
+      </p:sp>
+      <p:sp>
+        <p:nvSpPr>
           <p:cNvPr id="3" name="Content Placeholder 2"/>
           <p:cNvSpPr>
             <a:spLocks noGrp="1"/>
@@ -10447,33 +9355,14 @@
           <a:bodyPr/>
           <a:lstStyle/>
           <a:p>
-            <a:pPr marL="0" indent="0" algn="ctr">
-              <a:buNone/>
-            </a:pPr>
-            <a:endParaRPr lang="en-US" dirty="0"/>
-          </a:p>
-          <a:p>
-            <a:pPr marL="0" indent="0" algn="ctr">
-              <a:buNone/>
-            </a:pPr>
-            <a:endParaRPr lang="en-US" dirty="0" smtClean="0"/>
-          </a:p>
-          <a:p>
-            <a:pPr marL="0" indent="0" algn="ctr">
-              <a:buNone/>
-            </a:pPr>
-            <a:r>
-              <a:rPr lang="en-US" dirty="0" smtClean="0"/>
-              <a:t>Extra</a:t>
-            </a:r>
-            <a:endParaRPr lang="en-US" dirty="0"/>
+            <a:endParaRPr lang="en-US"/>
           </a:p>
         </p:txBody>
       </p:sp>
     </p:spTree>
     <p:extLst>
       <p:ext uri="{BB962C8B-B14F-4D97-AF65-F5344CB8AC3E}">
-        <p14:creationId xmlns:p14="http://schemas.microsoft.com/office/powerpoint/2010/main" val="3384954775"/>
+        <p14:creationId xmlns:p14="http://schemas.microsoft.com/office/powerpoint/2010/main" val="3668840453"/>
       </p:ext>
     </p:extLst>
   </p:cSld>
@@ -10517,14 +9406,19 @@
             <p:ph type="title"/>
           </p:nvPr>
         </p:nvSpPr>
-        <p:spPr/>
+        <p:spPr>
+          <a:xfrm>
+            <a:off x="0" y="457200"/>
+            <a:ext cx="9144000" cy="1143000"/>
+          </a:xfrm>
+        </p:spPr>
         <p:txBody>
           <a:bodyPr/>
           <a:lstStyle/>
           <a:p>
             <a:r>
               <a:rPr lang="en-US" dirty="0" smtClean="0"/>
-              <a:t>Landscape Layout </a:t>
+              <a:t>Passing arguments to Fragments</a:t>
             </a:r>
             <a:endParaRPr lang="en-US" dirty="0"/>
           </a:p>
@@ -10552,165 +9446,7 @@
     </p:spTree>
     <p:extLst>
       <p:ext uri="{BB962C8B-B14F-4D97-AF65-F5344CB8AC3E}">
-        <p14:creationId xmlns:p14="http://schemas.microsoft.com/office/powerpoint/2010/main" val="449537407"/>
-      </p:ext>
-    </p:extLst>
-  </p:cSld>
-  <p:clrMapOvr>
-    <a:masterClrMapping/>
-  </p:clrMapOvr>
-  <p:timing>
-    <p:tnLst>
-      <p:par>
-        <p:cTn id="1" dur="indefinite" restart="never" nodeType="tmRoot"/>
-      </p:par>
-    </p:tnLst>
-  </p:timing>
-</p:sld>
-</file>
-
-<file path=ppt/slides/slide45.xml><?xml version="1.0" encoding="utf-8"?>
-<p:sld xmlns:a="http://schemas.openxmlformats.org/drawingml/2006/main" xmlns:r="http://schemas.openxmlformats.org/officeDocument/2006/relationships" xmlns:p="http://schemas.openxmlformats.org/presentationml/2006/main">
-  <p:cSld>
-    <p:spTree>
-      <p:nvGrpSpPr>
-        <p:cNvPr id="1" name=""/>
-        <p:cNvGrpSpPr/>
-        <p:nvPr/>
-      </p:nvGrpSpPr>
-      <p:grpSpPr>
-        <a:xfrm>
-          <a:off x="0" y="0"/>
-          <a:ext cx="0" cy="0"/>
-          <a:chOff x="0" y="0"/>
-          <a:chExt cx="0" cy="0"/>
-        </a:xfrm>
-      </p:grpSpPr>
-      <p:sp>
-        <p:nvSpPr>
-          <p:cNvPr id="2" name="Title 1"/>
-          <p:cNvSpPr>
-            <a:spLocks noGrp="1"/>
-          </p:cNvSpPr>
-          <p:nvPr>
-            <p:ph type="title"/>
-          </p:nvPr>
-        </p:nvSpPr>
-        <p:spPr/>
-        <p:txBody>
-          <a:bodyPr/>
-          <a:lstStyle/>
-          <a:p>
-            <a:r>
-              <a:rPr lang="en-US" dirty="0" smtClean="0"/>
-              <a:t>Fragment to Activity Communication </a:t>
-            </a:r>
-            <a:endParaRPr lang="en-US" dirty="0"/>
-          </a:p>
-        </p:txBody>
-      </p:sp>
-      <p:sp>
-        <p:nvSpPr>
-          <p:cNvPr id="3" name="Content Placeholder 2"/>
-          <p:cNvSpPr>
-            <a:spLocks noGrp="1"/>
-          </p:cNvSpPr>
-          <p:nvPr>
-            <p:ph idx="1"/>
-          </p:nvPr>
-        </p:nvSpPr>
-        <p:spPr/>
-        <p:txBody>
-          <a:bodyPr/>
-          <a:lstStyle/>
-          <a:p>
-            <a:endParaRPr lang="en-US" dirty="0"/>
-          </a:p>
-        </p:txBody>
-      </p:sp>
-    </p:spTree>
-    <p:extLst>
-      <p:ext uri="{BB962C8B-B14F-4D97-AF65-F5344CB8AC3E}">
-        <p14:creationId xmlns:p14="http://schemas.microsoft.com/office/powerpoint/2010/main" val="475706249"/>
-      </p:ext>
-    </p:extLst>
-  </p:cSld>
-  <p:clrMapOvr>
-    <a:masterClrMapping/>
-  </p:clrMapOvr>
-  <p:timing>
-    <p:tnLst>
-      <p:par>
-        <p:cTn id="1" dur="indefinite" restart="never" nodeType="tmRoot"/>
-      </p:par>
-    </p:tnLst>
-  </p:timing>
-</p:sld>
-</file>
-
-<file path=ppt/slides/slide46.xml><?xml version="1.0" encoding="utf-8"?>
-<p:sld xmlns:a="http://schemas.openxmlformats.org/drawingml/2006/main" xmlns:r="http://schemas.openxmlformats.org/officeDocument/2006/relationships" xmlns:p="http://schemas.openxmlformats.org/presentationml/2006/main">
-  <p:cSld>
-    <p:spTree>
-      <p:nvGrpSpPr>
-        <p:cNvPr id="1" name=""/>
-        <p:cNvGrpSpPr/>
-        <p:nvPr/>
-      </p:nvGrpSpPr>
-      <p:grpSpPr>
-        <a:xfrm>
-          <a:off x="0" y="0"/>
-          <a:ext cx="0" cy="0"/>
-          <a:chOff x="0" y="0"/>
-          <a:chExt cx="0" cy="0"/>
-        </a:xfrm>
-      </p:grpSpPr>
-      <p:sp>
-        <p:nvSpPr>
-          <p:cNvPr id="2" name="Title 1"/>
-          <p:cNvSpPr>
-            <a:spLocks noGrp="1"/>
-          </p:cNvSpPr>
-          <p:nvPr>
-            <p:ph type="title"/>
-          </p:nvPr>
-        </p:nvSpPr>
-        <p:spPr/>
-        <p:txBody>
-          <a:bodyPr/>
-          <a:lstStyle/>
-          <a:p>
-            <a:r>
-              <a:rPr lang="en-US" dirty="0" smtClean="0"/>
-              <a:t>Dynamic Fragments </a:t>
-            </a:r>
-            <a:endParaRPr lang="en-US" dirty="0"/>
-          </a:p>
-        </p:txBody>
-      </p:sp>
-      <p:sp>
-        <p:nvSpPr>
-          <p:cNvPr id="3" name="Content Placeholder 2"/>
-          <p:cNvSpPr>
-            <a:spLocks noGrp="1"/>
-          </p:cNvSpPr>
-          <p:nvPr>
-            <p:ph idx="1"/>
-          </p:nvPr>
-        </p:nvSpPr>
-        <p:spPr/>
-        <p:txBody>
-          <a:bodyPr/>
-          <a:lstStyle/>
-          <a:p>
-            <a:endParaRPr lang="en-US"/>
-          </a:p>
-        </p:txBody>
-      </p:sp>
-    </p:spTree>
-    <p:extLst>
-      <p:ext uri="{BB962C8B-B14F-4D97-AF65-F5344CB8AC3E}">
-        <p14:creationId xmlns:p14="http://schemas.microsoft.com/office/powerpoint/2010/main" val="3668840453"/>
+        <p14:creationId xmlns:p14="http://schemas.microsoft.com/office/powerpoint/2010/main" val="786261865"/>
       </p:ext>
     </p:extLst>
   </p:cSld>

--- a/slides/Android Studio_Activities_Fragments.pptx
+++ b/slides/Android Studio_Activities_Fragments.pptx
@@ -9,46 +9,52 @@
     <p:sldId id="260" r:id="rId3"/>
     <p:sldId id="309" r:id="rId4"/>
     <p:sldId id="257" r:id="rId5"/>
-    <p:sldId id="287" r:id="rId6"/>
-    <p:sldId id="289" r:id="rId7"/>
-    <p:sldId id="290" r:id="rId8"/>
-    <p:sldId id="292" r:id="rId9"/>
-    <p:sldId id="283" r:id="rId10"/>
-    <p:sldId id="285" r:id="rId11"/>
-    <p:sldId id="286" r:id="rId12"/>
-    <p:sldId id="294" r:id="rId13"/>
-    <p:sldId id="258" r:id="rId14"/>
-    <p:sldId id="332" r:id="rId15"/>
-    <p:sldId id="280" r:id="rId16"/>
-    <p:sldId id="300" r:id="rId17"/>
-    <p:sldId id="297" r:id="rId18"/>
-    <p:sldId id="301" r:id="rId19"/>
-    <p:sldId id="302" r:id="rId20"/>
-    <p:sldId id="303" r:id="rId21"/>
-    <p:sldId id="326" r:id="rId22"/>
-    <p:sldId id="304" r:id="rId23"/>
-    <p:sldId id="307" r:id="rId24"/>
-    <p:sldId id="299" r:id="rId25"/>
-    <p:sldId id="327" r:id="rId26"/>
-    <p:sldId id="310" r:id="rId27"/>
-    <p:sldId id="320" r:id="rId28"/>
-    <p:sldId id="259" r:id="rId29"/>
-    <p:sldId id="314" r:id="rId30"/>
-    <p:sldId id="315" r:id="rId31"/>
-    <p:sldId id="316" r:id="rId32"/>
-    <p:sldId id="308" r:id="rId33"/>
-    <p:sldId id="318" r:id="rId34"/>
-    <p:sldId id="305" r:id="rId35"/>
-    <p:sldId id="306" r:id="rId36"/>
-    <p:sldId id="321" r:id="rId37"/>
-    <p:sldId id="322" r:id="rId38"/>
-    <p:sldId id="323" r:id="rId39"/>
-    <p:sldId id="312" r:id="rId40"/>
-    <p:sldId id="324" r:id="rId41"/>
-    <p:sldId id="325" r:id="rId42"/>
-    <p:sldId id="329" r:id="rId43"/>
-    <p:sldId id="330" r:id="rId44"/>
-    <p:sldId id="331" r:id="rId45"/>
+    <p:sldId id="283" r:id="rId6"/>
+    <p:sldId id="285" r:id="rId7"/>
+    <p:sldId id="286" r:id="rId8"/>
+    <p:sldId id="287" r:id="rId9"/>
+    <p:sldId id="289" r:id="rId10"/>
+    <p:sldId id="290" r:id="rId11"/>
+    <p:sldId id="292" r:id="rId12"/>
+    <p:sldId id="300" r:id="rId13"/>
+    <p:sldId id="294" r:id="rId14"/>
+    <p:sldId id="258" r:id="rId15"/>
+    <p:sldId id="332" r:id="rId16"/>
+    <p:sldId id="334" r:id="rId17"/>
+    <p:sldId id="335" r:id="rId18"/>
+    <p:sldId id="336" r:id="rId19"/>
+    <p:sldId id="337" r:id="rId20"/>
+    <p:sldId id="338" r:id="rId21"/>
+    <p:sldId id="280" r:id="rId22"/>
+    <p:sldId id="333" r:id="rId23"/>
+    <p:sldId id="297" r:id="rId24"/>
+    <p:sldId id="301" r:id="rId25"/>
+    <p:sldId id="302" r:id="rId26"/>
+    <p:sldId id="303" r:id="rId27"/>
+    <p:sldId id="326" r:id="rId28"/>
+    <p:sldId id="304" r:id="rId29"/>
+    <p:sldId id="307" r:id="rId30"/>
+    <p:sldId id="299" r:id="rId31"/>
+    <p:sldId id="327" r:id="rId32"/>
+    <p:sldId id="310" r:id="rId33"/>
+    <p:sldId id="320" r:id="rId34"/>
+    <p:sldId id="259" r:id="rId35"/>
+    <p:sldId id="314" r:id="rId36"/>
+    <p:sldId id="315" r:id="rId37"/>
+    <p:sldId id="316" r:id="rId38"/>
+    <p:sldId id="308" r:id="rId39"/>
+    <p:sldId id="318" r:id="rId40"/>
+    <p:sldId id="305" r:id="rId41"/>
+    <p:sldId id="306" r:id="rId42"/>
+    <p:sldId id="321" r:id="rId43"/>
+    <p:sldId id="322" r:id="rId44"/>
+    <p:sldId id="323" r:id="rId45"/>
+    <p:sldId id="312" r:id="rId46"/>
+    <p:sldId id="324" r:id="rId47"/>
+    <p:sldId id="325" r:id="rId48"/>
+    <p:sldId id="329" r:id="rId49"/>
+    <p:sldId id="330" r:id="rId50"/>
+    <p:sldId id="331" r:id="rId51"/>
   </p:sldIdLst>
   <p:sldSz cx="12192000" cy="6858000"/>
   <p:notesSz cx="6858000" cy="9144000"/>
@@ -149,7 +155,7 @@
   </p:defaultTextStyle>
   <p:extLst>
     <p:ext uri="{EFAFB233-063F-42B5-8137-9DF3F51BA10A}">
-      <p15:sldGuideLst xmlns:p15="http://schemas.microsoft.com/office/powerpoint/2012/main" xmlns="">
+      <p15:sldGuideLst xmlns:p15="http://schemas.microsoft.com/office/powerpoint/2012/main">
         <p15:guide id="1" orient="horz" pos="2160">
           <p15:clr>
             <a:srgbClr val="A4A3A4"/>
@@ -353,7 +359,7 @@
           <a:p>
             <a:fld id="{1E7C2FAA-919F-4BF2-9DC6-6D7D1753D0B1}" type="datetimeFigureOut">
               <a:rPr lang="en-US" smtClean="0"/>
-              <a:t>6/16/2017</a:t>
+              <a:t>6/19/2017</a:t>
             </a:fld>
             <a:endParaRPr lang="en-US"/>
           </a:p>
@@ -521,7 +527,7 @@
           <a:p>
             <a:fld id="{1E7C2FAA-919F-4BF2-9DC6-6D7D1753D0B1}" type="datetimeFigureOut">
               <a:rPr lang="en-US" smtClean="0"/>
-              <a:t>6/16/2017</a:t>
+              <a:t>6/19/2017</a:t>
             </a:fld>
             <a:endParaRPr lang="en-US"/>
           </a:p>
@@ -699,7 +705,7 @@
           <a:p>
             <a:fld id="{1E7C2FAA-919F-4BF2-9DC6-6D7D1753D0B1}" type="datetimeFigureOut">
               <a:rPr lang="en-US" smtClean="0"/>
-              <a:t>6/16/2017</a:t>
+              <a:t>6/19/2017</a:t>
             </a:fld>
             <a:endParaRPr lang="en-US"/>
           </a:p>
@@ -882,7 +888,7 @@
           <a:p>
             <a:fld id="{1E7C2FAA-919F-4BF2-9DC6-6D7D1753D0B1}" type="datetimeFigureOut">
               <a:rPr lang="en-US" smtClean="0"/>
-              <a:t>6/16/2017</a:t>
+              <a:t>6/19/2017</a:t>
             </a:fld>
             <a:endParaRPr lang="en-US"/>
           </a:p>
@@ -1127,7 +1133,7 @@
           <a:p>
             <a:fld id="{1E7C2FAA-919F-4BF2-9DC6-6D7D1753D0B1}" type="datetimeFigureOut">
               <a:rPr lang="en-US" smtClean="0"/>
-              <a:t>6/16/2017</a:t>
+              <a:t>6/19/2017</a:t>
             </a:fld>
             <a:endParaRPr lang="en-US"/>
           </a:p>
@@ -1421,7 +1427,7 @@
           <a:p>
             <a:fld id="{1E7C2FAA-919F-4BF2-9DC6-6D7D1753D0B1}" type="datetimeFigureOut">
               <a:rPr lang="en-US" smtClean="0"/>
-              <a:t>6/16/2017</a:t>
+              <a:t>6/19/2017</a:t>
             </a:fld>
             <a:endParaRPr lang="en-US"/>
           </a:p>
@@ -1845,7 +1851,7 @@
           <a:p>
             <a:fld id="{1E7C2FAA-919F-4BF2-9DC6-6D7D1753D0B1}" type="datetimeFigureOut">
               <a:rPr lang="en-US" smtClean="0"/>
-              <a:t>6/16/2017</a:t>
+              <a:t>6/19/2017</a:t>
             </a:fld>
             <a:endParaRPr lang="en-US"/>
           </a:p>
@@ -1962,7 +1968,7 @@
           <a:p>
             <a:fld id="{1E7C2FAA-919F-4BF2-9DC6-6D7D1753D0B1}" type="datetimeFigureOut">
               <a:rPr lang="en-US" smtClean="0"/>
-              <a:t>6/16/2017</a:t>
+              <a:t>6/19/2017</a:t>
             </a:fld>
             <a:endParaRPr lang="en-US"/>
           </a:p>
@@ -2057,7 +2063,7 @@
           <a:p>
             <a:fld id="{1E7C2FAA-919F-4BF2-9DC6-6D7D1753D0B1}" type="datetimeFigureOut">
               <a:rPr lang="en-US" smtClean="0"/>
-              <a:t>6/16/2017</a:t>
+              <a:t>6/19/2017</a:t>
             </a:fld>
             <a:endParaRPr lang="en-US"/>
           </a:p>
@@ -2335,7 +2341,7 @@
           <a:p>
             <a:fld id="{1E7C2FAA-919F-4BF2-9DC6-6D7D1753D0B1}" type="datetimeFigureOut">
               <a:rPr lang="en-US" smtClean="0"/>
-              <a:t>6/16/2017</a:t>
+              <a:t>6/19/2017</a:t>
             </a:fld>
             <a:endParaRPr lang="en-US"/>
           </a:p>
@@ -2593,7 +2599,7 @@
           <a:p>
             <a:fld id="{1E7C2FAA-919F-4BF2-9DC6-6D7D1753D0B1}" type="datetimeFigureOut">
               <a:rPr lang="en-US" smtClean="0"/>
-              <a:t>6/16/2017</a:t>
+              <a:t>6/19/2017</a:t>
             </a:fld>
             <a:endParaRPr lang="en-US"/>
           </a:p>
@@ -2850,7 +2856,7 @@
           <a:p>
             <a:fld id="{1E7C2FAA-919F-4BF2-9DC6-6D7D1753D0B1}" type="datetimeFigureOut">
               <a:rPr lang="en-US" smtClean="0"/>
-              <a:t>6/16/2017</a:t>
+              <a:t>6/19/2017</a:t>
             </a:fld>
             <a:endParaRPr lang="en-US"/>
           </a:p>
@@ -3279,13 +3285,6 @@
   <p:clrMapOvr>
     <a:masterClrMapping/>
   </p:clrMapOvr>
-  <p:timing>
-    <p:tnLst>
-      <p:par>
-        <p:cTn id="1" dur="indefinite" restart="never" nodeType="tmRoot"/>
-      </p:par>
-    </p:tnLst>
-  </p:timing>
 </p:sld>
 </file>
 
@@ -3306,131 +3305,107 @@
           <a:chExt cx="0" cy="0"/>
         </a:xfrm>
       </p:grpSpPr>
-      <p:grpSp>
-        <p:nvGrpSpPr>
-          <p:cNvPr id="2" name="Group 1"/>
-          <p:cNvGrpSpPr/>
-          <p:nvPr/>
-        </p:nvGrpSpPr>
-        <p:grpSpPr>
-          <a:xfrm>
-            <a:off x="1193800" y="1488699"/>
-            <a:ext cx="3118256" cy="2332180"/>
-            <a:chOff x="3879547" y="1323599"/>
-            <a:chExt cx="3118256" cy="2332180"/>
-          </a:xfrm>
-        </p:grpSpPr>
-        <p:pic>
-          <p:nvPicPr>
-            <p:cNvPr id="4" name="Picture 5"/>
-            <p:cNvPicPr>
-              <a:picLocks noChangeAspect="1" noChangeArrowheads="1"/>
-            </p:cNvPicPr>
-            <p:nvPr/>
-          </p:nvPicPr>
-          <p:blipFill>
-            <a:blip r:embed="rId2" cstate="print">
-              <a:extLst>
-                <a:ext uri="{28A0092B-C50C-407E-A947-70E740481C1C}">
-                  <a14:useLocalDpi xmlns:a14="http://schemas.microsoft.com/office/drawing/2010/main" val="0"/>
-                </a:ext>
-              </a:extLst>
-            </a:blip>
-            <a:srcRect/>
-            <a:stretch>
-              <a:fillRect/>
-            </a:stretch>
-          </p:blipFill>
-          <p:spPr bwMode="auto">
-            <a:xfrm>
-              <a:off x="3889290" y="1323599"/>
-              <a:ext cx="3108513" cy="2332180"/>
-            </a:xfrm>
-            <a:prstGeom prst="rect">
-              <a:avLst/>
-            </a:prstGeom>
-            <a:noFill/>
-            <a:ln>
-              <a:noFill/>
-            </a:ln>
-            <a:extLst>
-              <a:ext uri="{909E8E84-426E-40DD-AFC4-6F175D3DCCD1}">
-                <a14:hiddenFill xmlns:a14="http://schemas.microsoft.com/office/drawing/2010/main">
-                  <a:solidFill>
-                    <a:schemeClr val="accent1"/>
-                  </a:solidFill>
-                </a14:hiddenFill>
-              </a:ext>
-              <a:ext uri="{91240B29-F687-4F45-9708-019B960494DF}">
-                <a14:hiddenLine xmlns:a14="http://schemas.microsoft.com/office/drawing/2010/main" w="9525">
-                  <a:solidFill>
-                    <a:schemeClr val="tx1"/>
-                  </a:solidFill>
-                  <a:miter lim="800000"/>
-                  <a:headEnd/>
-                  <a:tailEnd/>
-                </a14:hiddenLine>
-              </a:ext>
-            </a:extLst>
-          </p:spPr>
-        </p:pic>
-        <p:sp>
-          <p:nvSpPr>
-            <p:cNvPr id="6" name="Rectangle 5"/>
-            <p:cNvSpPr/>
-            <p:nvPr/>
-          </p:nvSpPr>
-          <p:spPr>
-            <a:xfrm>
-              <a:off x="3879547" y="2870200"/>
-              <a:ext cx="3118256" cy="783915"/>
-            </a:xfrm>
-            <a:prstGeom prst="rect">
-              <a:avLst/>
-            </a:prstGeom>
-            <a:noFill/>
-            <a:ln>
-              <a:solidFill>
-                <a:schemeClr val="accent6"/>
-              </a:solidFill>
-            </a:ln>
-          </p:spPr>
-          <p:style>
-            <a:lnRef idx="2">
-              <a:schemeClr val="accent1">
-                <a:shade val="50000"/>
-              </a:schemeClr>
-            </a:lnRef>
-            <a:fillRef idx="1">
-              <a:schemeClr val="accent1"/>
-            </a:fillRef>
-            <a:effectRef idx="0">
-              <a:schemeClr val="accent1"/>
-            </a:effectRef>
-            <a:fontRef idx="minor">
-              <a:schemeClr val="lt1"/>
-            </a:fontRef>
-          </p:style>
-          <p:txBody>
-            <a:bodyPr rtlCol="0" anchor="ctr"/>
-            <a:lstStyle/>
-            <a:p>
-              <a:pPr algn="ctr"/>
-              <a:endParaRPr lang="en-US"/>
-            </a:p>
-          </p:txBody>
-        </p:sp>
-      </p:grpSp>
+      <p:sp>
+        <p:nvSpPr>
+          <p:cNvPr id="3" name="Content Placeholder 2"/>
+          <p:cNvSpPr>
+            <a:spLocks noGrp="1"/>
+          </p:cNvSpPr>
+          <p:nvPr>
+            <p:ph idx="1"/>
+          </p:nvPr>
+        </p:nvSpPr>
+        <p:spPr/>
+        <p:txBody>
+          <a:bodyPr/>
+          <a:lstStyle/>
+          <a:p>
+            <a:pPr marL="0" indent="0">
+              <a:buNone/>
+            </a:pPr>
+            <a:endParaRPr lang="en-US" dirty="0"/>
+          </a:p>
+          <a:p>
+            <a:pPr marL="0" indent="0">
+              <a:buNone/>
+            </a:pPr>
+            <a:endParaRPr lang="en-US" dirty="0"/>
+          </a:p>
+          <a:p>
+            <a:pPr marL="0" indent="0" algn="ctr">
+              <a:buNone/>
+            </a:pPr>
+            <a:r>
+              <a:rPr lang="en-US" dirty="0"/>
+              <a:t>Live Example: Android Developer References</a:t>
+            </a:r>
+          </a:p>
+        </p:txBody>
+      </p:sp>
+    </p:spTree>
+    <p:extLst>
+      <p:ext uri="{BB962C8B-B14F-4D97-AF65-F5344CB8AC3E}">
+        <p14:creationId xmlns:p14="http://schemas.microsoft.com/office/powerpoint/2010/main" val="176378580"/>
+      </p:ext>
+    </p:extLst>
+  </p:cSld>
+  <p:clrMapOvr>
+    <a:masterClrMapping/>
+  </p:clrMapOvr>
+</p:sld>
+</file>
+
+<file path=ppt/slides/slide11.xml><?xml version="1.0" encoding="utf-8"?>
+<p:sld xmlns:a="http://schemas.openxmlformats.org/drawingml/2006/main" xmlns:r="http://schemas.openxmlformats.org/officeDocument/2006/relationships" xmlns:p="http://schemas.openxmlformats.org/presentationml/2006/main">
+  <p:cSld>
+    <p:spTree>
+      <p:nvGrpSpPr>
+        <p:cNvPr id="1" name=""/>
+        <p:cNvGrpSpPr/>
+        <p:nvPr/>
+      </p:nvGrpSpPr>
+      <p:grpSpPr>
+        <a:xfrm>
+          <a:off x="0" y="0"/>
+          <a:ext cx="0" cy="0"/>
+          <a:chOff x="0" y="0"/>
+          <a:chExt cx="0" cy="0"/>
+        </a:xfrm>
+      </p:grpSpPr>
+      <p:sp>
+        <p:nvSpPr>
+          <p:cNvPr id="2" name="Title 1"/>
+          <p:cNvSpPr>
+            <a:spLocks noGrp="1"/>
+          </p:cNvSpPr>
+          <p:nvPr>
+            <p:ph type="title"/>
+          </p:nvPr>
+        </p:nvSpPr>
+        <p:spPr/>
+        <p:txBody>
+          <a:bodyPr/>
+          <a:lstStyle/>
+          <a:p>
+            <a:r>
+              <a:rPr lang="en-US" dirty="0"/>
+              <a:t>Add Activity</a:t>
+            </a:r>
+          </a:p>
+        </p:txBody>
+      </p:sp>
       <p:pic>
         <p:nvPicPr>
-          <p:cNvPr id="8194" name="Picture 2"/>
+          <p:cNvPr id="7172" name="Picture 4"/>
           <p:cNvPicPr>
-            <a:picLocks noChangeAspect="1" noChangeArrowheads="1"/>
+            <a:picLocks noGrp="1" noChangeAspect="1" noChangeArrowheads="1"/>
           </p:cNvPicPr>
-          <p:nvPr/>
+          <p:nvPr>
+            <p:ph idx="1"/>
+          </p:nvPr>
         </p:nvPicPr>
         <p:blipFill>
-          <a:blip r:embed="rId3">
+          <a:blip r:embed="rId2">
             <a:extLst>
               <a:ext uri="{28A0092B-C50C-407E-A947-70E740481C1C}">
                 <a14:useLocalDpi xmlns:a14="http://schemas.microsoft.com/office/drawing/2010/main" val="0"/>
@@ -3444,8 +3419,8 @@
         </p:blipFill>
         <p:spPr bwMode="auto">
           <a:xfrm>
-            <a:off x="1193800" y="3909779"/>
-            <a:ext cx="8697913" cy="2138266"/>
+            <a:off x="2573620" y="1600200"/>
+            <a:ext cx="7044759" cy="4525963"/>
           </a:xfrm>
           <a:prstGeom prst="rect">
             <a:avLst/>
@@ -3475,285 +3450,16 @@
           </a:extLst>
         </p:spPr>
       </p:pic>
-      <p:sp>
-        <p:nvSpPr>
-          <p:cNvPr id="8" name="Title 1"/>
-          <p:cNvSpPr>
-            <a:spLocks noGrp="1"/>
-          </p:cNvSpPr>
-          <p:nvPr>
-            <p:ph type="title"/>
-          </p:nvPr>
-        </p:nvSpPr>
-        <p:spPr>
-          <a:xfrm>
-            <a:off x="0" y="457200"/>
-            <a:ext cx="7112000" cy="1143000"/>
-          </a:xfrm>
-        </p:spPr>
-        <p:txBody>
-          <a:bodyPr/>
-          <a:lstStyle/>
-          <a:p>
-            <a:r>
-              <a:rPr lang="en-US" dirty="0" smtClean="0"/>
-              <a:t>Monitoring and Logcat pane</a:t>
-            </a:r>
-            <a:endParaRPr lang="en-US" dirty="0"/>
-          </a:p>
-        </p:txBody>
-      </p:sp>
     </p:spTree>
     <p:extLst>
       <p:ext uri="{BB962C8B-B14F-4D97-AF65-F5344CB8AC3E}">
-        <p14:creationId xmlns:p14="http://schemas.microsoft.com/office/powerpoint/2010/main" val="1101440254"/>
+        <p14:creationId xmlns:p14="http://schemas.microsoft.com/office/powerpoint/2010/main" val="228691394"/>
       </p:ext>
     </p:extLst>
   </p:cSld>
   <p:clrMapOvr>
     <a:masterClrMapping/>
   </p:clrMapOvr>
-  <p:timing>
-    <p:tnLst>
-      <p:par>
-        <p:cTn id="1" dur="indefinite" restart="never" nodeType="tmRoot"/>
-      </p:par>
-    </p:tnLst>
-  </p:timing>
-</p:sld>
-</file>
-
-<file path=ppt/slides/slide11.xml><?xml version="1.0" encoding="utf-8"?>
-<p:sld xmlns:a="http://schemas.openxmlformats.org/drawingml/2006/main" xmlns:r="http://schemas.openxmlformats.org/officeDocument/2006/relationships" xmlns:p="http://schemas.openxmlformats.org/presentationml/2006/main">
-  <p:cSld>
-    <p:spTree>
-      <p:nvGrpSpPr>
-        <p:cNvPr id="1" name=""/>
-        <p:cNvGrpSpPr/>
-        <p:nvPr/>
-      </p:nvGrpSpPr>
-      <p:grpSpPr>
-        <a:xfrm>
-          <a:off x="0" y="0"/>
-          <a:ext cx="0" cy="0"/>
-          <a:chOff x="0" y="0"/>
-          <a:chExt cx="0" cy="0"/>
-        </a:xfrm>
-      </p:grpSpPr>
-      <p:grpSp>
-        <p:nvGrpSpPr>
-          <p:cNvPr id="4" name="Group 3"/>
-          <p:cNvGrpSpPr/>
-          <p:nvPr/>
-        </p:nvGrpSpPr>
-        <p:grpSpPr>
-          <a:xfrm>
-            <a:off x="1203543" y="1488699"/>
-            <a:ext cx="3108513" cy="2332180"/>
-            <a:chOff x="3889290" y="1323599"/>
-            <a:chExt cx="3108513" cy="2332180"/>
-          </a:xfrm>
-        </p:grpSpPr>
-        <p:pic>
-          <p:nvPicPr>
-            <p:cNvPr id="6" name="Picture 5"/>
-            <p:cNvPicPr>
-              <a:picLocks noChangeAspect="1" noChangeArrowheads="1"/>
-            </p:cNvPicPr>
-            <p:nvPr/>
-          </p:nvPicPr>
-          <p:blipFill>
-            <a:blip r:embed="rId2" cstate="print">
-              <a:extLst>
-                <a:ext uri="{28A0092B-C50C-407E-A947-70E740481C1C}">
-                  <a14:useLocalDpi xmlns:a14="http://schemas.microsoft.com/office/drawing/2010/main" val="0"/>
-                </a:ext>
-              </a:extLst>
-            </a:blip>
-            <a:srcRect/>
-            <a:stretch>
-              <a:fillRect/>
-            </a:stretch>
-          </p:blipFill>
-          <p:spPr bwMode="auto">
-            <a:xfrm>
-              <a:off x="3889290" y="1323599"/>
-              <a:ext cx="3108513" cy="2332180"/>
-            </a:xfrm>
-            <a:prstGeom prst="rect">
-              <a:avLst/>
-            </a:prstGeom>
-            <a:noFill/>
-            <a:ln>
-              <a:noFill/>
-            </a:ln>
-            <a:extLst>
-              <a:ext uri="{909E8E84-426E-40DD-AFC4-6F175D3DCCD1}">
-                <a14:hiddenFill xmlns:a14="http://schemas.microsoft.com/office/drawing/2010/main">
-                  <a:solidFill>
-                    <a:schemeClr val="accent1"/>
-                  </a:solidFill>
-                </a14:hiddenFill>
-              </a:ext>
-              <a:ext uri="{91240B29-F687-4F45-9708-019B960494DF}">
-                <a14:hiddenLine xmlns:a14="http://schemas.microsoft.com/office/drawing/2010/main" w="9525">
-                  <a:solidFill>
-                    <a:schemeClr val="tx1"/>
-                  </a:solidFill>
-                  <a:miter lim="800000"/>
-                  <a:headEnd/>
-                  <a:tailEnd/>
-                </a14:hiddenLine>
-              </a:ext>
-            </a:extLst>
-          </p:spPr>
-        </p:pic>
-        <p:sp>
-          <p:nvSpPr>
-            <p:cNvPr id="7" name="Rectangle 6"/>
-            <p:cNvSpPr/>
-            <p:nvPr/>
-          </p:nvSpPr>
-          <p:spPr>
-            <a:xfrm>
-              <a:off x="4674091" y="1413668"/>
-              <a:ext cx="390525" cy="95251"/>
-            </a:xfrm>
-            <a:prstGeom prst="rect">
-              <a:avLst/>
-            </a:prstGeom>
-            <a:noFill/>
-            <a:ln>
-              <a:solidFill>
-                <a:schemeClr val="accent6"/>
-              </a:solidFill>
-            </a:ln>
-          </p:spPr>
-          <p:style>
-            <a:lnRef idx="2">
-              <a:schemeClr val="accent1">
-                <a:shade val="50000"/>
-              </a:schemeClr>
-            </a:lnRef>
-            <a:fillRef idx="1">
-              <a:schemeClr val="accent1"/>
-            </a:fillRef>
-            <a:effectRef idx="0">
-              <a:schemeClr val="accent1"/>
-            </a:effectRef>
-            <a:fontRef idx="minor">
-              <a:schemeClr val="lt1"/>
-            </a:fontRef>
-          </p:style>
-          <p:txBody>
-            <a:bodyPr rtlCol="0" anchor="ctr"/>
-            <a:lstStyle/>
-            <a:p>
-              <a:pPr algn="ctr"/>
-              <a:endParaRPr lang="en-US"/>
-            </a:p>
-          </p:txBody>
-        </p:sp>
-      </p:grpSp>
-      <p:pic>
-        <p:nvPicPr>
-          <p:cNvPr id="9218" name="Picture 2"/>
-          <p:cNvPicPr>
-            <a:picLocks noChangeAspect="1" noChangeArrowheads="1"/>
-          </p:cNvPicPr>
-          <p:nvPr/>
-        </p:nvPicPr>
-        <p:blipFill>
-          <a:blip r:embed="rId3">
-            <a:extLst>
-              <a:ext uri="{28A0092B-C50C-407E-A947-70E740481C1C}">
-                <a14:useLocalDpi xmlns:a14="http://schemas.microsoft.com/office/drawing/2010/main" val="0"/>
-              </a:ext>
-            </a:extLst>
-          </a:blip>
-          <a:srcRect/>
-          <a:stretch>
-            <a:fillRect/>
-          </a:stretch>
-        </p:blipFill>
-        <p:spPr bwMode="auto">
-          <a:xfrm>
-            <a:off x="4800600" y="1516856"/>
-            <a:ext cx="2774374" cy="635794"/>
-          </a:xfrm>
-          <a:prstGeom prst="rect">
-            <a:avLst/>
-          </a:prstGeom>
-          <a:noFill/>
-          <a:ln>
-            <a:noFill/>
-          </a:ln>
-          <a:extLst>
-            <a:ext uri="{909E8E84-426E-40DD-AFC4-6F175D3DCCD1}">
-              <a14:hiddenFill xmlns:a14="http://schemas.microsoft.com/office/drawing/2010/main">
-                <a:solidFill>
-                  <a:schemeClr val="accent1"/>
-                </a:solidFill>
-              </a14:hiddenFill>
-            </a:ext>
-            <a:ext uri="{91240B29-F687-4F45-9708-019B960494DF}">
-              <a14:hiddenLine xmlns:a14="http://schemas.microsoft.com/office/drawing/2010/main" w="9525">
-                <a:solidFill>
-                  <a:schemeClr val="tx1"/>
-                </a:solidFill>
-                <a:miter lim="800000"/>
-                <a:headEnd/>
-                <a:tailEnd/>
-              </a14:hiddenLine>
-            </a:ext>
-          </a:extLst>
-        </p:spPr>
-      </p:pic>
-      <p:sp>
-        <p:nvSpPr>
-          <p:cNvPr id="8" name="Title 1"/>
-          <p:cNvSpPr>
-            <a:spLocks noGrp="1"/>
-          </p:cNvSpPr>
-          <p:nvPr>
-            <p:ph type="title"/>
-          </p:nvPr>
-        </p:nvSpPr>
-        <p:spPr>
-          <a:xfrm>
-            <a:off x="0" y="457200"/>
-            <a:ext cx="7112000" cy="1143000"/>
-          </a:xfrm>
-        </p:spPr>
-        <p:txBody>
-          <a:bodyPr/>
-          <a:lstStyle/>
-          <a:p>
-            <a:r>
-              <a:rPr lang="en-US" dirty="0" smtClean="0"/>
-              <a:t>Run and Debug</a:t>
-            </a:r>
-            <a:endParaRPr lang="en-US" dirty="0"/>
-          </a:p>
-        </p:txBody>
-      </p:sp>
-    </p:spTree>
-    <p:extLst>
-      <p:ext uri="{BB962C8B-B14F-4D97-AF65-F5344CB8AC3E}">
-        <p14:creationId xmlns:p14="http://schemas.microsoft.com/office/powerpoint/2010/main" val="2883056869"/>
-      </p:ext>
-    </p:extLst>
-  </p:cSld>
-  <p:clrMapOvr>
-    <a:masterClrMapping/>
-  </p:clrMapOvr>
-  <p:timing>
-    <p:tnLst>
-      <p:par>
-        <p:cTn id="1" dur="indefinite" restart="never" nodeType="tmRoot"/>
-      </p:par>
-    </p:tnLst>
-  </p:timing>
 </p:sld>
 </file>
 
@@ -3776,6 +3482,36 @@
       </p:grpSpPr>
       <p:sp>
         <p:nvSpPr>
+          <p:cNvPr id="2" name="Title 1"/>
+          <p:cNvSpPr>
+            <a:spLocks noGrp="1"/>
+          </p:cNvSpPr>
+          <p:nvPr>
+            <p:ph type="title"/>
+          </p:nvPr>
+        </p:nvSpPr>
+        <p:spPr/>
+        <p:txBody>
+          <a:bodyPr/>
+          <a:lstStyle/>
+          <a:p>
+            <a:r>
+              <a:rPr lang="en-US" dirty="0"/>
+              <a:t>Exploring </a:t>
+            </a:r>
+            <a:r>
+              <a:rPr lang="en-US" dirty="0" err="1"/>
+              <a:t>build.gradle</a:t>
+            </a:r>
+            <a:r>
+              <a:rPr lang="en-US" dirty="0"/>
+              <a:t> file</a:t>
+            </a:r>
+          </a:p>
+        </p:txBody>
+      </p:sp>
+      <p:sp>
+        <p:nvSpPr>
           <p:cNvPr id="3" name="Content Placeholder 2"/>
           <p:cNvSpPr>
             <a:spLocks noGrp="1"/>
@@ -3789,40 +3525,35 @@
           <a:bodyPr/>
           <a:lstStyle/>
           <a:p>
-            <a:pPr marL="0" indent="0" algn="ctr">
-              <a:buNone/>
-            </a:pPr>
-            <a:endParaRPr lang="en-US" dirty="0" smtClean="0"/>
-          </a:p>
-          <a:p>
-            <a:pPr marL="0" indent="0" algn="ctr">
-              <a:buNone/>
-            </a:pPr>
-            <a:r>
-              <a:rPr lang="en-US" sz="8000" dirty="0" smtClean="0"/>
-              <a:t>Activity</a:t>
-            </a:r>
-            <a:endParaRPr lang="en-US" sz="8000" dirty="0"/>
+            <a:r>
+              <a:rPr lang="en-US" dirty="0"/>
+              <a:t>Set target SDK version</a:t>
+            </a:r>
+          </a:p>
+          <a:p>
+            <a:r>
+              <a:rPr lang="en-US" dirty="0"/>
+              <a:t>Set minimum SDK version</a:t>
+            </a:r>
+          </a:p>
+          <a:p>
+            <a:r>
+              <a:rPr lang="en-US" dirty="0"/>
+              <a:t>Define dependencies</a:t>
+            </a:r>
           </a:p>
         </p:txBody>
       </p:sp>
     </p:spTree>
     <p:extLst>
       <p:ext uri="{BB962C8B-B14F-4D97-AF65-F5344CB8AC3E}">
-        <p14:creationId xmlns:p14="http://schemas.microsoft.com/office/powerpoint/2010/main" val="565780616"/>
+        <p14:creationId xmlns:p14="http://schemas.microsoft.com/office/powerpoint/2010/main" val="3375858439"/>
       </p:ext>
     </p:extLst>
   </p:cSld>
   <p:clrMapOvr>
     <a:masterClrMapping/>
   </p:clrMapOvr>
-  <p:timing>
-    <p:tnLst>
-      <p:par>
-        <p:cTn id="1" dur="indefinite" restart="never" nodeType="tmRoot"/>
-      </p:par>
-    </p:tnLst>
-  </p:timing>
 </p:sld>
 </file>
 
@@ -3845,6 +3576,67 @@
       </p:grpSpPr>
       <p:sp>
         <p:nvSpPr>
+          <p:cNvPr id="3" name="Content Placeholder 2"/>
+          <p:cNvSpPr>
+            <a:spLocks noGrp="1"/>
+          </p:cNvSpPr>
+          <p:nvPr>
+            <p:ph idx="1"/>
+          </p:nvPr>
+        </p:nvSpPr>
+        <p:spPr/>
+        <p:txBody>
+          <a:bodyPr/>
+          <a:lstStyle/>
+          <a:p>
+            <a:pPr marL="0" indent="0" algn="ctr">
+              <a:buNone/>
+            </a:pPr>
+            <a:endParaRPr lang="en-US" dirty="0"/>
+          </a:p>
+          <a:p>
+            <a:pPr marL="0" indent="0" algn="ctr">
+              <a:buNone/>
+            </a:pPr>
+            <a:r>
+              <a:rPr lang="en-US" sz="8000" dirty="0"/>
+              <a:t>Activity</a:t>
+            </a:r>
+          </a:p>
+        </p:txBody>
+      </p:sp>
+    </p:spTree>
+    <p:extLst>
+      <p:ext uri="{BB962C8B-B14F-4D97-AF65-F5344CB8AC3E}">
+        <p14:creationId xmlns:p14="http://schemas.microsoft.com/office/powerpoint/2010/main" val="565780616"/>
+      </p:ext>
+    </p:extLst>
+  </p:cSld>
+  <p:clrMapOvr>
+    <a:masterClrMapping/>
+  </p:clrMapOvr>
+</p:sld>
+</file>
+
+<file path=ppt/slides/slide14.xml><?xml version="1.0" encoding="utf-8"?>
+<p:sld xmlns:a="http://schemas.openxmlformats.org/drawingml/2006/main" xmlns:r="http://schemas.openxmlformats.org/officeDocument/2006/relationships" xmlns:p="http://schemas.openxmlformats.org/presentationml/2006/main">
+  <p:cSld>
+    <p:spTree>
+      <p:nvGrpSpPr>
+        <p:cNvPr id="1" name=""/>
+        <p:cNvGrpSpPr/>
+        <p:nvPr/>
+      </p:nvGrpSpPr>
+      <p:grpSpPr>
+        <a:xfrm>
+          <a:off x="0" y="0"/>
+          <a:ext cx="0" cy="0"/>
+          <a:chOff x="0" y="0"/>
+          <a:chExt cx="0" cy="0"/>
+        </a:xfrm>
+      </p:grpSpPr>
+      <p:sp>
+        <p:nvSpPr>
           <p:cNvPr id="2" name="Title 1"/>
           <p:cNvSpPr>
             <a:spLocks noGrp="1"/>
@@ -3866,10 +3658,6 @@
             <a:r>
               <a:rPr lang="en-US" b="1" dirty="0"/>
               <a:t>Activity</a:t>
-            </a:r>
-            <a:r>
-              <a:rPr lang="en-US" dirty="0"/>
-              <a:t/>
             </a:r>
             <a:br>
               <a:rPr lang="en-US" dirty="0"/>
@@ -4176,7 +3964,7 @@
 </p:sld>
 </file>
 
-<file path=ppt/slides/slide14.xml><?xml version="1.0" encoding="utf-8"?>
+<file path=ppt/slides/slide15.xml><?xml version="1.0" encoding="utf-8"?>
 <p:sld xmlns:a="http://schemas.openxmlformats.org/drawingml/2006/main" xmlns:r="http://schemas.openxmlformats.org/officeDocument/2006/relationships" xmlns:p="http://schemas.openxmlformats.org/presentationml/2006/main">
   <p:cSld>
     <p:spTree>
@@ -4209,10 +3997,9 @@
           <a:lstStyle/>
           <a:p>
             <a:r>
-              <a:rPr lang="en-US" dirty="0" smtClean="0"/>
+              <a:rPr lang="en-US" dirty="0"/>
               <a:t>Activity Lifecycle</a:t>
             </a:r>
-            <a:endParaRPr lang="en-US" dirty="0"/>
           </a:p>
         </p:txBody>
       </p:sp>
@@ -4304,15 +4091,33 @@
           <a:lstStyle/>
           <a:p>
             <a:r>
-              <a:rPr lang="en-US" b="1" dirty="0" err="1"/>
+              <a:rPr lang="en-US" b="1" dirty="0" err="1">
+                <a:solidFill>
+                  <a:schemeClr val="bg1">
+                    <a:lumMod val="85000"/>
+                  </a:schemeClr>
+                </a:solidFill>
+              </a:rPr>
               <a:t>onStart</a:t>
             </a:r>
             <a:r>
-              <a:rPr lang="en-US" b="1" dirty="0"/>
+              <a:rPr lang="en-US" b="1" dirty="0">
+                <a:solidFill>
+                  <a:schemeClr val="bg1">
+                    <a:lumMod val="85000"/>
+                  </a:schemeClr>
+                </a:solidFill>
+              </a:rPr>
               <a:t>() </a:t>
             </a:r>
             <a:r>
-              <a:rPr lang="en-US" dirty="0"/>
+              <a:rPr lang="en-US" dirty="0">
+                <a:solidFill>
+                  <a:schemeClr val="bg1">
+                    <a:lumMod val="85000"/>
+                  </a:schemeClr>
+                </a:solidFill>
+              </a:rPr>
               <a:t>visible, but not ready for interaction</a:t>
             </a:r>
           </a:p>
@@ -4341,20 +4146,34 @@
           <a:lstStyle/>
           <a:p>
             <a:r>
-              <a:rPr lang="en-US" b="1" dirty="0" err="1"/>
+              <a:rPr lang="en-US" b="1" dirty="0" err="1">
+                <a:solidFill>
+                  <a:schemeClr val="bg1">
+                    <a:lumMod val="85000"/>
+                  </a:schemeClr>
+                </a:solidFill>
+              </a:rPr>
               <a:t>onResume</a:t>
             </a:r>
             <a:r>
-              <a:rPr lang="en-US" b="1" dirty="0"/>
+              <a:rPr lang="en-US" b="1" dirty="0">
+                <a:solidFill>
+                  <a:schemeClr val="bg1">
+                    <a:lumMod val="85000"/>
+                  </a:schemeClr>
+                </a:solidFill>
+              </a:rPr>
               <a:t>() </a:t>
             </a:r>
             <a:r>
-              <a:rPr lang="en-US" dirty="0" smtClean="0"/>
-              <a:t>moved to the foreground and ready </a:t>
-            </a:r>
-            <a:r>
-              <a:rPr lang="en-US" dirty="0"/>
-              <a:t>for interaction</a:t>
+              <a:rPr lang="en-US" dirty="0">
+                <a:solidFill>
+                  <a:schemeClr val="bg1">
+                    <a:lumMod val="85000"/>
+                  </a:schemeClr>
+                </a:solidFill>
+              </a:rPr>
+              <a:t>moved to the foreground and ready for interaction</a:t>
             </a:r>
           </a:p>
         </p:txBody>
@@ -4471,17 +4290,10 @@
   <p:clrMapOvr>
     <a:masterClrMapping/>
   </p:clrMapOvr>
-  <p:timing>
-    <p:tnLst>
-      <p:par>
-        <p:cTn id="1" dur="indefinite" restart="never" nodeType="tmRoot"/>
-      </p:par>
-    </p:tnLst>
-  </p:timing>
 </p:sld>
 </file>
 
-<file path=ppt/slides/slide15.xml><?xml version="1.0" encoding="utf-8"?>
+<file path=ppt/slides/slide16.xml><?xml version="1.0" encoding="utf-8"?>
 <p:sld xmlns:a="http://schemas.openxmlformats.org/drawingml/2006/main" xmlns:r="http://schemas.openxmlformats.org/officeDocument/2006/relationships" xmlns:p="http://schemas.openxmlformats.org/presentationml/2006/main">
   <p:cSld>
     <p:spTree>
@@ -4500,6 +4312,93 @@
       </p:grpSpPr>
       <p:sp>
         <p:nvSpPr>
+          <p:cNvPr id="2" name="Title 1">
+            <a:extLst>
+              <a:ext uri="{FF2B5EF4-FFF2-40B4-BE49-F238E27FC236}">
+                <a16:creationId xmlns:a16="http://schemas.microsoft.com/office/drawing/2014/main" id="{8955F4A5-9664-41BD-8FCE-D77B9F0D51F8}"/>
+              </a:ext>
+            </a:extLst>
+          </p:cNvPr>
+          <p:cNvSpPr>
+            <a:spLocks noGrp="1"/>
+          </p:cNvSpPr>
+          <p:nvPr>
+            <p:ph type="title"/>
+          </p:nvPr>
+        </p:nvSpPr>
+        <p:spPr/>
+        <p:txBody>
+          <a:bodyPr/>
+          <a:lstStyle/>
+          <a:p>
+            <a:r>
+              <a:rPr lang="en-US" dirty="0" err="1"/>
+              <a:t>onStart</a:t>
+            </a:r>
+            <a:r>
+              <a:rPr lang="en-US" dirty="0"/>
+              <a:t>()</a:t>
+            </a:r>
+          </a:p>
+        </p:txBody>
+      </p:sp>
+      <p:sp>
+        <p:nvSpPr>
+          <p:cNvPr id="3" name="Content Placeholder 2">
+            <a:extLst>
+              <a:ext uri="{FF2B5EF4-FFF2-40B4-BE49-F238E27FC236}">
+                <a16:creationId xmlns:a16="http://schemas.microsoft.com/office/drawing/2014/main" id="{648D5158-09EF-4590-93E1-68E59B31A864}"/>
+              </a:ext>
+            </a:extLst>
+          </p:cNvPr>
+          <p:cNvSpPr>
+            <a:spLocks noGrp="1"/>
+          </p:cNvSpPr>
+          <p:nvPr>
+            <p:ph idx="1"/>
+          </p:nvPr>
+        </p:nvSpPr>
+        <p:spPr/>
+        <p:txBody>
+          <a:bodyPr/>
+          <a:lstStyle/>
+          <a:p>
+            <a:endParaRPr lang="en-US" dirty="0"/>
+          </a:p>
+        </p:txBody>
+      </p:sp>
+    </p:spTree>
+    <p:extLst>
+      <p:ext uri="{BB962C8B-B14F-4D97-AF65-F5344CB8AC3E}">
+        <p14:creationId xmlns:p14="http://schemas.microsoft.com/office/powerpoint/2010/main" val="1230556098"/>
+      </p:ext>
+    </p:extLst>
+  </p:cSld>
+  <p:clrMapOvr>
+    <a:masterClrMapping/>
+  </p:clrMapOvr>
+</p:sld>
+</file>
+
+<file path=ppt/slides/slide17.xml><?xml version="1.0" encoding="utf-8"?>
+<p:sld xmlns:a="http://schemas.openxmlformats.org/drawingml/2006/main" xmlns:r="http://schemas.openxmlformats.org/officeDocument/2006/relationships" xmlns:p="http://schemas.openxmlformats.org/presentationml/2006/main">
+  <p:cSld>
+    <p:spTree>
+      <p:nvGrpSpPr>
+        <p:cNvPr id="1" name=""/>
+        <p:cNvGrpSpPr/>
+        <p:nvPr/>
+      </p:nvGrpSpPr>
+      <p:grpSpPr>
+        <a:xfrm>
+          <a:off x="0" y="0"/>
+          <a:ext cx="0" cy="0"/>
+          <a:chOff x="0" y="0"/>
+          <a:chExt cx="0" cy="0"/>
+        </a:xfrm>
+      </p:grpSpPr>
+      <p:sp>
+        <p:nvSpPr>
           <p:cNvPr id="2" name="Title 1"/>
           <p:cNvSpPr>
             <a:spLocks noGrp="1"/>
@@ -4514,10 +4413,973 @@
           <a:lstStyle/>
           <a:p>
             <a:r>
-              <a:rPr lang="en-US" dirty="0" smtClean="0"/>
+              <a:rPr lang="en-US" dirty="0"/>
               <a:t>Activity Lifecycle</a:t>
             </a:r>
+          </a:p>
+        </p:txBody>
+      </p:sp>
+      <p:pic>
+        <p:nvPicPr>
+          <p:cNvPr id="4" name="Content Placeholder 3"/>
+          <p:cNvPicPr>
+            <a:picLocks noGrp="1" noChangeAspect="1"/>
+          </p:cNvPicPr>
+          <p:nvPr>
+            <p:ph idx="1"/>
+          </p:nvPr>
+        </p:nvPicPr>
+        <p:blipFill>
+          <a:blip r:embed="rId2">
+            <a:extLst>
+              <a:ext uri="{28A0092B-C50C-407E-A947-70E740481C1C}">
+                <a14:useLocalDpi xmlns:a14="http://schemas.microsoft.com/office/drawing/2010/main" val="0"/>
+              </a:ext>
+            </a:extLst>
+          </a:blip>
+          <a:stretch>
+            <a:fillRect/>
+          </a:stretch>
+        </p:blipFill>
+        <p:spPr>
+          <a:xfrm>
+            <a:off x="225877" y="1473057"/>
+            <a:ext cx="3501989" cy="4525963"/>
+          </a:xfrm>
+          <a:prstGeom prst="rect">
+            <a:avLst/>
+          </a:prstGeom>
+        </p:spPr>
+      </p:pic>
+      <p:sp>
+        <p:nvSpPr>
+          <p:cNvPr id="5" name="TextBox 4"/>
+          <p:cNvSpPr txBox="1"/>
+          <p:nvPr/>
+        </p:nvSpPr>
+        <p:spPr>
+          <a:xfrm>
+            <a:off x="6013682" y="2461934"/>
+            <a:ext cx="5474524" cy="369332"/>
+          </a:xfrm>
+          <a:prstGeom prst="rect">
+            <a:avLst/>
+          </a:prstGeom>
+          <a:noFill/>
+        </p:spPr>
+        <p:txBody>
+          <a:bodyPr wrap="square" rtlCol="0">
+            <a:spAutoFit/>
+          </a:bodyPr>
+          <a:lstStyle/>
+          <a:p>
+            <a:r>
+              <a:rPr lang="en-US" b="1" dirty="0">
+                <a:solidFill>
+                  <a:schemeClr val="bg1">
+                    <a:lumMod val="85000"/>
+                  </a:schemeClr>
+                </a:solidFill>
+              </a:rPr>
+              <a:t>onCreate()  </a:t>
+            </a:r>
+            <a:r>
+              <a:rPr lang="en-US" dirty="0">
+                <a:solidFill>
+                  <a:schemeClr val="bg1">
+                    <a:lumMod val="85000"/>
+                  </a:schemeClr>
+                </a:solidFill>
+              </a:rPr>
+              <a:t>started, but not visible</a:t>
+            </a:r>
+          </a:p>
+        </p:txBody>
+      </p:sp>
+      <p:sp>
+        <p:nvSpPr>
+          <p:cNvPr id="6" name="TextBox 5"/>
+          <p:cNvSpPr txBox="1"/>
+          <p:nvPr/>
+        </p:nvSpPr>
+        <p:spPr>
+          <a:xfrm>
+            <a:off x="6013682" y="3318044"/>
+            <a:ext cx="5474524" cy="369332"/>
+          </a:xfrm>
+          <a:prstGeom prst="rect">
+            <a:avLst/>
+          </a:prstGeom>
+          <a:noFill/>
+        </p:spPr>
+        <p:txBody>
+          <a:bodyPr wrap="square" rtlCol="0">
+            <a:spAutoFit/>
+          </a:bodyPr>
+          <a:lstStyle/>
+          <a:p>
+            <a:r>
+              <a:rPr lang="en-US" b="1" dirty="0" err="1"/>
+              <a:t>onStart</a:t>
+            </a:r>
+            <a:r>
+              <a:rPr lang="en-US" b="1" dirty="0"/>
+              <a:t>() </a:t>
+            </a:r>
+            <a:r>
+              <a:rPr lang="en-US" dirty="0"/>
+              <a:t>visible, but not ready for interaction</a:t>
+            </a:r>
+          </a:p>
+        </p:txBody>
+      </p:sp>
+      <p:sp>
+        <p:nvSpPr>
+          <p:cNvPr id="8" name="TextBox 7"/>
+          <p:cNvSpPr txBox="1"/>
+          <p:nvPr/>
+        </p:nvSpPr>
+        <p:spPr>
+          <a:xfrm>
+            <a:off x="6013682" y="4164746"/>
+            <a:ext cx="6027897" cy="646331"/>
+          </a:xfrm>
+          <a:prstGeom prst="rect">
+            <a:avLst/>
+          </a:prstGeom>
+          <a:noFill/>
+        </p:spPr>
+        <p:txBody>
+          <a:bodyPr wrap="square" rtlCol="0">
+            <a:spAutoFit/>
+          </a:bodyPr>
+          <a:lstStyle/>
+          <a:p>
+            <a:r>
+              <a:rPr lang="en-US" b="1" dirty="0" err="1">
+                <a:solidFill>
+                  <a:schemeClr val="bg1">
+                    <a:lumMod val="85000"/>
+                  </a:schemeClr>
+                </a:solidFill>
+              </a:rPr>
+              <a:t>onResume</a:t>
+            </a:r>
+            <a:r>
+              <a:rPr lang="en-US" b="1" dirty="0">
+                <a:solidFill>
+                  <a:schemeClr val="bg1">
+                    <a:lumMod val="85000"/>
+                  </a:schemeClr>
+                </a:solidFill>
+              </a:rPr>
+              <a:t>() </a:t>
+            </a:r>
+            <a:r>
+              <a:rPr lang="en-US" dirty="0">
+                <a:solidFill>
+                  <a:schemeClr val="bg1">
+                    <a:lumMod val="85000"/>
+                  </a:schemeClr>
+                </a:solidFill>
+              </a:rPr>
+              <a:t>moved to the foreground and ready for interaction</a:t>
+            </a:r>
+          </a:p>
+        </p:txBody>
+      </p:sp>
+      <p:pic>
+        <p:nvPicPr>
+          <p:cNvPr id="3074" name="Picture 2"/>
+          <p:cNvPicPr>
+            <a:picLocks noChangeAspect="1" noChangeArrowheads="1"/>
+          </p:cNvPicPr>
+          <p:nvPr/>
+        </p:nvPicPr>
+        <p:blipFill>
+          <a:blip r:embed="rId3">
+            <a:extLst>
+              <a:ext uri="{28A0092B-C50C-407E-A947-70E740481C1C}">
+                <a14:useLocalDpi xmlns:a14="http://schemas.microsoft.com/office/drawing/2010/main" val="0"/>
+              </a:ext>
+            </a:extLst>
+          </a:blip>
+          <a:srcRect/>
+          <a:stretch>
+            <a:fillRect/>
+          </a:stretch>
+        </p:blipFill>
+        <p:spPr bwMode="auto">
+          <a:xfrm>
+            <a:off x="3821503" y="2344278"/>
+            <a:ext cx="2041433" cy="2316864"/>
+          </a:xfrm>
+          <a:prstGeom prst="rect">
+            <a:avLst/>
+          </a:prstGeom>
+          <a:noFill/>
+          <a:ln>
+            <a:noFill/>
+          </a:ln>
+          <a:extLst>
+            <a:ext uri="{909E8E84-426E-40DD-AFC4-6F175D3DCCD1}">
+              <a14:hiddenFill xmlns:a14="http://schemas.microsoft.com/office/drawing/2010/main">
+                <a:solidFill>
+                  <a:schemeClr val="accent1"/>
+                </a:solidFill>
+              </a14:hiddenFill>
+            </a:ext>
+            <a:ext uri="{91240B29-F687-4F45-9708-019B960494DF}">
+              <a14:hiddenLine xmlns:a14="http://schemas.microsoft.com/office/drawing/2010/main" w="9525">
+                <a:solidFill>
+                  <a:schemeClr val="tx1"/>
+                </a:solidFill>
+                <a:miter lim="800000"/>
+                <a:headEnd/>
+                <a:tailEnd/>
+              </a14:hiddenLine>
+            </a:ext>
+          </a:extLst>
+        </p:spPr>
+      </p:pic>
+      <p:sp>
+        <p:nvSpPr>
+          <p:cNvPr id="13" name="Rectangle 12"/>
+          <p:cNvSpPr/>
+          <p:nvPr/>
+        </p:nvSpPr>
+        <p:spPr>
+          <a:xfrm>
+            <a:off x="1333498" y="1949838"/>
+            <a:ext cx="1023938" cy="1068779"/>
+          </a:xfrm>
+          <a:prstGeom prst="rect">
+            <a:avLst/>
+          </a:prstGeom>
+          <a:noFill/>
+          <a:ln w="19050">
+            <a:solidFill>
+              <a:schemeClr val="accent6">
+                <a:lumMod val="75000"/>
+              </a:schemeClr>
+            </a:solidFill>
+          </a:ln>
+        </p:spPr>
+        <p:style>
+          <a:lnRef idx="2">
+            <a:schemeClr val="accent1">
+              <a:shade val="50000"/>
+            </a:schemeClr>
+          </a:lnRef>
+          <a:fillRef idx="1">
+            <a:schemeClr val="accent1"/>
+          </a:fillRef>
+          <a:effectRef idx="0">
+            <a:schemeClr val="accent1"/>
+          </a:effectRef>
+          <a:fontRef idx="minor">
+            <a:schemeClr val="lt1"/>
+          </a:fontRef>
+        </p:style>
+        <p:txBody>
+          <a:bodyPr rtlCol="0" anchor="ctr"/>
+          <a:lstStyle/>
+          <a:p>
+            <a:pPr algn="ctr"/>
+            <a:endParaRPr lang="en-US"/>
+          </a:p>
+        </p:txBody>
+      </p:sp>
+    </p:spTree>
+    <p:extLst>
+      <p:ext uri="{BB962C8B-B14F-4D97-AF65-F5344CB8AC3E}">
+        <p14:creationId xmlns:p14="http://schemas.microsoft.com/office/powerpoint/2010/main" val="764213798"/>
+      </p:ext>
+    </p:extLst>
+  </p:cSld>
+  <p:clrMapOvr>
+    <a:masterClrMapping/>
+  </p:clrMapOvr>
+</p:sld>
+</file>
+
+<file path=ppt/slides/slide18.xml><?xml version="1.0" encoding="utf-8"?>
+<p:sld xmlns:a="http://schemas.openxmlformats.org/drawingml/2006/main" xmlns:r="http://schemas.openxmlformats.org/officeDocument/2006/relationships" xmlns:p="http://schemas.openxmlformats.org/presentationml/2006/main">
+  <p:cSld>
+    <p:spTree>
+      <p:nvGrpSpPr>
+        <p:cNvPr id="1" name=""/>
+        <p:cNvGrpSpPr/>
+        <p:nvPr/>
+      </p:nvGrpSpPr>
+      <p:grpSpPr>
+        <a:xfrm>
+          <a:off x="0" y="0"/>
+          <a:ext cx="0" cy="0"/>
+          <a:chOff x="0" y="0"/>
+          <a:chExt cx="0" cy="0"/>
+        </a:xfrm>
+      </p:grpSpPr>
+      <p:sp>
+        <p:nvSpPr>
+          <p:cNvPr id="2" name="Title 1">
+            <a:extLst>
+              <a:ext uri="{FF2B5EF4-FFF2-40B4-BE49-F238E27FC236}">
+                <a16:creationId xmlns:a16="http://schemas.microsoft.com/office/drawing/2014/main" id="{40E28D8C-70E2-453E-86D6-07C0E276675E}"/>
+              </a:ext>
+            </a:extLst>
+          </p:cNvPr>
+          <p:cNvSpPr>
+            <a:spLocks noGrp="1"/>
+          </p:cNvSpPr>
+          <p:nvPr>
+            <p:ph type="title"/>
+          </p:nvPr>
+        </p:nvSpPr>
+        <p:spPr/>
+        <p:txBody>
+          <a:bodyPr/>
+          <a:lstStyle/>
+          <a:p>
+            <a:r>
+              <a:rPr lang="en-US" dirty="0" err="1"/>
+              <a:t>onStart</a:t>
+            </a:r>
+            <a:r>
+              <a:rPr lang="en-US" dirty="0"/>
+              <a:t>()</a:t>
+            </a:r>
+          </a:p>
+        </p:txBody>
+      </p:sp>
+      <p:sp>
+        <p:nvSpPr>
+          <p:cNvPr id="3" name="Content Placeholder 2">
+            <a:extLst>
+              <a:ext uri="{FF2B5EF4-FFF2-40B4-BE49-F238E27FC236}">
+                <a16:creationId xmlns:a16="http://schemas.microsoft.com/office/drawing/2014/main" id="{4EEFC9F3-9443-4188-B583-79F8E3F8DBE5}"/>
+              </a:ext>
+            </a:extLst>
+          </p:cNvPr>
+          <p:cNvSpPr>
+            <a:spLocks noGrp="1"/>
+          </p:cNvSpPr>
+          <p:nvPr>
+            <p:ph idx="1"/>
+          </p:nvPr>
+        </p:nvSpPr>
+        <p:spPr/>
+        <p:txBody>
+          <a:bodyPr/>
+          <a:lstStyle/>
+          <a:p>
+            <a:endParaRPr lang="en-US"/>
+          </a:p>
+        </p:txBody>
+      </p:sp>
+    </p:spTree>
+    <p:extLst>
+      <p:ext uri="{BB962C8B-B14F-4D97-AF65-F5344CB8AC3E}">
+        <p14:creationId xmlns:p14="http://schemas.microsoft.com/office/powerpoint/2010/main" val="1415072838"/>
+      </p:ext>
+    </p:extLst>
+  </p:cSld>
+  <p:clrMapOvr>
+    <a:masterClrMapping/>
+  </p:clrMapOvr>
+</p:sld>
+</file>
+
+<file path=ppt/slides/slide19.xml><?xml version="1.0" encoding="utf-8"?>
+<p:sld xmlns:a="http://schemas.openxmlformats.org/drawingml/2006/main" xmlns:r="http://schemas.openxmlformats.org/officeDocument/2006/relationships" xmlns:p="http://schemas.openxmlformats.org/presentationml/2006/main">
+  <p:cSld>
+    <p:spTree>
+      <p:nvGrpSpPr>
+        <p:cNvPr id="1" name=""/>
+        <p:cNvGrpSpPr/>
+        <p:nvPr/>
+      </p:nvGrpSpPr>
+      <p:grpSpPr>
+        <a:xfrm>
+          <a:off x="0" y="0"/>
+          <a:ext cx="0" cy="0"/>
+          <a:chOff x="0" y="0"/>
+          <a:chExt cx="0" cy="0"/>
+        </a:xfrm>
+      </p:grpSpPr>
+      <p:sp>
+        <p:nvSpPr>
+          <p:cNvPr id="2" name="Title 1"/>
+          <p:cNvSpPr>
+            <a:spLocks noGrp="1"/>
+          </p:cNvSpPr>
+          <p:nvPr>
+            <p:ph type="title"/>
+          </p:nvPr>
+        </p:nvSpPr>
+        <p:spPr/>
+        <p:txBody>
+          <a:bodyPr/>
+          <a:lstStyle/>
+          <a:p>
+            <a:r>
+              <a:rPr lang="en-US" dirty="0"/>
+              <a:t>Activity Lifecycle</a:t>
+            </a:r>
+          </a:p>
+        </p:txBody>
+      </p:sp>
+      <p:pic>
+        <p:nvPicPr>
+          <p:cNvPr id="4" name="Content Placeholder 3"/>
+          <p:cNvPicPr>
+            <a:picLocks noGrp="1" noChangeAspect="1"/>
+          </p:cNvPicPr>
+          <p:nvPr>
+            <p:ph idx="1"/>
+          </p:nvPr>
+        </p:nvPicPr>
+        <p:blipFill>
+          <a:blip r:embed="rId2">
+            <a:extLst>
+              <a:ext uri="{28A0092B-C50C-407E-A947-70E740481C1C}">
+                <a14:useLocalDpi xmlns:a14="http://schemas.microsoft.com/office/drawing/2010/main" val="0"/>
+              </a:ext>
+            </a:extLst>
+          </a:blip>
+          <a:stretch>
+            <a:fillRect/>
+          </a:stretch>
+        </p:blipFill>
+        <p:spPr>
+          <a:xfrm>
+            <a:off x="225877" y="1473057"/>
+            <a:ext cx="3501989" cy="4525963"/>
+          </a:xfrm>
+          <a:prstGeom prst="rect">
+            <a:avLst/>
+          </a:prstGeom>
+        </p:spPr>
+      </p:pic>
+      <p:sp>
+        <p:nvSpPr>
+          <p:cNvPr id="5" name="TextBox 4"/>
+          <p:cNvSpPr txBox="1"/>
+          <p:nvPr/>
+        </p:nvSpPr>
+        <p:spPr>
+          <a:xfrm>
+            <a:off x="6013682" y="2461934"/>
+            <a:ext cx="5474524" cy="369332"/>
+          </a:xfrm>
+          <a:prstGeom prst="rect">
+            <a:avLst/>
+          </a:prstGeom>
+          <a:noFill/>
+        </p:spPr>
+        <p:txBody>
+          <a:bodyPr wrap="square" rtlCol="0">
+            <a:spAutoFit/>
+          </a:bodyPr>
+          <a:lstStyle/>
+          <a:p>
+            <a:r>
+              <a:rPr lang="en-US" b="1" dirty="0">
+                <a:solidFill>
+                  <a:schemeClr val="bg1">
+                    <a:lumMod val="85000"/>
+                  </a:schemeClr>
+                </a:solidFill>
+              </a:rPr>
+              <a:t>onCreate()  </a:t>
+            </a:r>
+            <a:r>
+              <a:rPr lang="en-US" dirty="0">
+                <a:solidFill>
+                  <a:schemeClr val="bg1">
+                    <a:lumMod val="85000"/>
+                  </a:schemeClr>
+                </a:solidFill>
+              </a:rPr>
+              <a:t>started, but not visible</a:t>
+            </a:r>
+          </a:p>
+        </p:txBody>
+      </p:sp>
+      <p:sp>
+        <p:nvSpPr>
+          <p:cNvPr id="6" name="TextBox 5"/>
+          <p:cNvSpPr txBox="1"/>
+          <p:nvPr/>
+        </p:nvSpPr>
+        <p:spPr>
+          <a:xfrm>
+            <a:off x="6013682" y="3318044"/>
+            <a:ext cx="5474524" cy="369332"/>
+          </a:xfrm>
+          <a:prstGeom prst="rect">
+            <a:avLst/>
+          </a:prstGeom>
+          <a:noFill/>
+        </p:spPr>
+        <p:txBody>
+          <a:bodyPr wrap="square" rtlCol="0">
+            <a:spAutoFit/>
+          </a:bodyPr>
+          <a:lstStyle/>
+          <a:p>
+            <a:r>
+              <a:rPr lang="en-US" b="1" dirty="0" err="1">
+                <a:solidFill>
+                  <a:schemeClr val="bg1">
+                    <a:lumMod val="85000"/>
+                  </a:schemeClr>
+                </a:solidFill>
+              </a:rPr>
+              <a:t>onStart</a:t>
+            </a:r>
+            <a:r>
+              <a:rPr lang="en-US" b="1" dirty="0">
+                <a:solidFill>
+                  <a:schemeClr val="bg1">
+                    <a:lumMod val="85000"/>
+                  </a:schemeClr>
+                </a:solidFill>
+              </a:rPr>
+              <a:t>() </a:t>
+            </a:r>
+            <a:r>
+              <a:rPr lang="en-US" dirty="0">
+                <a:solidFill>
+                  <a:schemeClr val="bg1">
+                    <a:lumMod val="85000"/>
+                  </a:schemeClr>
+                </a:solidFill>
+              </a:rPr>
+              <a:t>visible, but not ready for interaction</a:t>
+            </a:r>
+          </a:p>
+        </p:txBody>
+      </p:sp>
+      <p:sp>
+        <p:nvSpPr>
+          <p:cNvPr id="8" name="TextBox 7"/>
+          <p:cNvSpPr txBox="1"/>
+          <p:nvPr/>
+        </p:nvSpPr>
+        <p:spPr>
+          <a:xfrm>
+            <a:off x="6013682" y="4164746"/>
+            <a:ext cx="6027897" cy="646331"/>
+          </a:xfrm>
+          <a:prstGeom prst="rect">
+            <a:avLst/>
+          </a:prstGeom>
+          <a:noFill/>
+        </p:spPr>
+        <p:txBody>
+          <a:bodyPr wrap="square" rtlCol="0">
+            <a:spAutoFit/>
+          </a:bodyPr>
+          <a:lstStyle/>
+          <a:p>
+            <a:r>
+              <a:rPr lang="en-US" b="1" dirty="0" err="1"/>
+              <a:t>onResume</a:t>
+            </a:r>
+            <a:r>
+              <a:rPr lang="en-US" b="1" dirty="0"/>
+              <a:t>() </a:t>
+            </a:r>
+            <a:r>
+              <a:rPr lang="en-US" dirty="0"/>
+              <a:t>moved to the foreground and ready for interaction</a:t>
+            </a:r>
+          </a:p>
+        </p:txBody>
+      </p:sp>
+      <p:pic>
+        <p:nvPicPr>
+          <p:cNvPr id="3074" name="Picture 2"/>
+          <p:cNvPicPr>
+            <a:picLocks noChangeAspect="1" noChangeArrowheads="1"/>
+          </p:cNvPicPr>
+          <p:nvPr/>
+        </p:nvPicPr>
+        <p:blipFill>
+          <a:blip r:embed="rId3">
+            <a:extLst>
+              <a:ext uri="{28A0092B-C50C-407E-A947-70E740481C1C}">
+                <a14:useLocalDpi xmlns:a14="http://schemas.microsoft.com/office/drawing/2010/main" val="0"/>
+              </a:ext>
+            </a:extLst>
+          </a:blip>
+          <a:srcRect/>
+          <a:stretch>
+            <a:fillRect/>
+          </a:stretch>
+        </p:blipFill>
+        <p:spPr bwMode="auto">
+          <a:xfrm>
+            <a:off x="3821503" y="2344278"/>
+            <a:ext cx="2041433" cy="2316864"/>
+          </a:xfrm>
+          <a:prstGeom prst="rect">
+            <a:avLst/>
+          </a:prstGeom>
+          <a:noFill/>
+          <a:ln>
+            <a:noFill/>
+          </a:ln>
+          <a:extLst>
+            <a:ext uri="{909E8E84-426E-40DD-AFC4-6F175D3DCCD1}">
+              <a14:hiddenFill xmlns:a14="http://schemas.microsoft.com/office/drawing/2010/main">
+                <a:solidFill>
+                  <a:schemeClr val="accent1"/>
+                </a:solidFill>
+              </a14:hiddenFill>
+            </a:ext>
+            <a:ext uri="{91240B29-F687-4F45-9708-019B960494DF}">
+              <a14:hiddenLine xmlns:a14="http://schemas.microsoft.com/office/drawing/2010/main" w="9525">
+                <a:solidFill>
+                  <a:schemeClr val="tx1"/>
+                </a:solidFill>
+                <a:miter lim="800000"/>
+                <a:headEnd/>
+                <a:tailEnd/>
+              </a14:hiddenLine>
+            </a:ext>
+          </a:extLst>
+        </p:spPr>
+      </p:pic>
+      <p:sp>
+        <p:nvSpPr>
+          <p:cNvPr id="13" name="Rectangle 12"/>
+          <p:cNvSpPr/>
+          <p:nvPr/>
+        </p:nvSpPr>
+        <p:spPr>
+          <a:xfrm>
+            <a:off x="1333498" y="1949838"/>
+            <a:ext cx="1023938" cy="1068779"/>
+          </a:xfrm>
+          <a:prstGeom prst="rect">
+            <a:avLst/>
+          </a:prstGeom>
+          <a:noFill/>
+          <a:ln w="19050">
+            <a:solidFill>
+              <a:schemeClr val="accent6">
+                <a:lumMod val="75000"/>
+              </a:schemeClr>
+            </a:solidFill>
+          </a:ln>
+        </p:spPr>
+        <p:style>
+          <a:lnRef idx="2">
+            <a:schemeClr val="accent1">
+              <a:shade val="50000"/>
+            </a:schemeClr>
+          </a:lnRef>
+          <a:fillRef idx="1">
+            <a:schemeClr val="accent1"/>
+          </a:fillRef>
+          <a:effectRef idx="0">
+            <a:schemeClr val="accent1"/>
+          </a:effectRef>
+          <a:fontRef idx="minor">
+            <a:schemeClr val="lt1"/>
+          </a:fontRef>
+        </p:style>
+        <p:txBody>
+          <a:bodyPr rtlCol="0" anchor="ctr"/>
+          <a:lstStyle/>
+          <a:p>
+            <a:pPr algn="ctr"/>
+            <a:endParaRPr lang="en-US"/>
+          </a:p>
+        </p:txBody>
+      </p:sp>
+    </p:spTree>
+    <p:extLst>
+      <p:ext uri="{BB962C8B-B14F-4D97-AF65-F5344CB8AC3E}">
+        <p14:creationId xmlns:p14="http://schemas.microsoft.com/office/powerpoint/2010/main" val="516883144"/>
+      </p:ext>
+    </p:extLst>
+  </p:cSld>
+  <p:clrMapOvr>
+    <a:masterClrMapping/>
+  </p:clrMapOvr>
+</p:sld>
+</file>
+
+<file path=ppt/slides/slide2.xml><?xml version="1.0" encoding="utf-8"?>
+<p:sld xmlns:a="http://schemas.openxmlformats.org/drawingml/2006/main" xmlns:r="http://schemas.openxmlformats.org/officeDocument/2006/relationships" xmlns:p="http://schemas.openxmlformats.org/presentationml/2006/main">
+  <p:cSld>
+    <p:spTree>
+      <p:nvGrpSpPr>
+        <p:cNvPr id="1" name=""/>
+        <p:cNvGrpSpPr/>
+        <p:nvPr/>
+      </p:nvGrpSpPr>
+      <p:grpSpPr>
+        <a:xfrm>
+          <a:off x="0" y="0"/>
+          <a:ext cx="0" cy="0"/>
+          <a:chOff x="0" y="0"/>
+          <a:chExt cx="0" cy="0"/>
+        </a:xfrm>
+      </p:grpSpPr>
+      <p:sp>
+        <p:nvSpPr>
+          <p:cNvPr id="2" name="Title 1"/>
+          <p:cNvSpPr>
+            <a:spLocks noGrp="1"/>
+          </p:cNvSpPr>
+          <p:nvPr>
+            <p:ph type="title"/>
+          </p:nvPr>
+        </p:nvSpPr>
+        <p:spPr/>
+        <p:txBody>
+          <a:bodyPr/>
+          <a:lstStyle/>
+          <a:p>
+            <a:r>
+              <a:rPr lang="en-US" dirty="0"/>
+              <a:t>Goals</a:t>
+            </a:r>
+          </a:p>
+        </p:txBody>
+      </p:sp>
+      <p:sp>
+        <p:nvSpPr>
+          <p:cNvPr id="3" name="Content Placeholder 2"/>
+          <p:cNvSpPr>
+            <a:spLocks noGrp="1"/>
+          </p:cNvSpPr>
+          <p:nvPr>
+            <p:ph idx="1"/>
+          </p:nvPr>
+        </p:nvSpPr>
+        <p:spPr/>
+        <p:txBody>
+          <a:bodyPr/>
+          <a:lstStyle/>
+          <a:p>
+            <a:r>
+              <a:rPr lang="en-US" dirty="0"/>
+              <a:t>Develop a Blue Skies App</a:t>
+            </a:r>
+          </a:p>
+          <a:p>
+            <a:pPr lvl="1"/>
+            <a:r>
+              <a:rPr lang="en-US" dirty="0"/>
+              <a:t>Activity </a:t>
+            </a:r>
+          </a:p>
+          <a:p>
+            <a:pPr lvl="1"/>
+            <a:r>
+              <a:rPr lang="en-US" dirty="0"/>
+              <a:t>Fragment</a:t>
+            </a:r>
+          </a:p>
+          <a:p>
+            <a:pPr lvl="1"/>
+            <a:r>
+              <a:rPr lang="en-US" dirty="0"/>
+              <a:t>Layout</a:t>
+            </a:r>
+          </a:p>
+          <a:p>
+            <a:pPr lvl="1"/>
+            <a:r>
+              <a:rPr lang="en-US" dirty="0"/>
+              <a:t>Services</a:t>
+            </a:r>
+          </a:p>
+          <a:p>
+            <a:pPr lvl="1"/>
+            <a:r>
+              <a:rPr lang="en-US" dirty="0"/>
+              <a:t>Http communication</a:t>
+            </a:r>
+          </a:p>
+        </p:txBody>
+      </p:sp>
+      <p:pic>
+        <p:nvPicPr>
+          <p:cNvPr id="5" name="Picture 4"/>
+          <p:cNvPicPr>
+            <a:picLocks noChangeAspect="1"/>
+          </p:cNvPicPr>
+          <p:nvPr/>
+        </p:nvPicPr>
+        <p:blipFill>
+          <a:blip r:embed="rId2" cstate="print">
+            <a:extLst>
+              <a:ext uri="{28A0092B-C50C-407E-A947-70E740481C1C}">
+                <a14:useLocalDpi xmlns:a14="http://schemas.microsoft.com/office/drawing/2010/main" val="0"/>
+              </a:ext>
+            </a:extLst>
+          </a:blip>
+          <a:stretch>
+            <a:fillRect/>
+          </a:stretch>
+        </p:blipFill>
+        <p:spPr>
+          <a:xfrm>
+            <a:off x="7999501" y="1840673"/>
+            <a:ext cx="2318910" cy="3996047"/>
+          </a:xfrm>
+          <a:prstGeom prst="rect">
+            <a:avLst/>
+          </a:prstGeom>
+          <a:ln>
+            <a:solidFill>
+              <a:schemeClr val="accent1"/>
+            </a:solidFill>
+          </a:ln>
+        </p:spPr>
+      </p:pic>
+    </p:spTree>
+    <p:extLst>
+      <p:ext uri="{BB962C8B-B14F-4D97-AF65-F5344CB8AC3E}">
+        <p14:creationId xmlns:p14="http://schemas.microsoft.com/office/powerpoint/2010/main" val="1850275397"/>
+      </p:ext>
+    </p:extLst>
+  </p:cSld>
+  <p:clrMapOvr>
+    <a:masterClrMapping/>
+  </p:clrMapOvr>
+</p:sld>
+</file>
+
+<file path=ppt/slides/slide20.xml><?xml version="1.0" encoding="utf-8"?>
+<p:sld xmlns:a="http://schemas.openxmlformats.org/drawingml/2006/main" xmlns:r="http://schemas.openxmlformats.org/officeDocument/2006/relationships" xmlns:p="http://schemas.openxmlformats.org/presentationml/2006/main">
+  <p:cSld>
+    <p:spTree>
+      <p:nvGrpSpPr>
+        <p:cNvPr id="1" name=""/>
+        <p:cNvGrpSpPr/>
+        <p:nvPr/>
+      </p:nvGrpSpPr>
+      <p:grpSpPr>
+        <a:xfrm>
+          <a:off x="0" y="0"/>
+          <a:ext cx="0" cy="0"/>
+          <a:chOff x="0" y="0"/>
+          <a:chExt cx="0" cy="0"/>
+        </a:xfrm>
+      </p:grpSpPr>
+      <p:sp>
+        <p:nvSpPr>
+          <p:cNvPr id="2" name="Title 1">
+            <a:extLst>
+              <a:ext uri="{FF2B5EF4-FFF2-40B4-BE49-F238E27FC236}">
+                <a16:creationId xmlns:a16="http://schemas.microsoft.com/office/drawing/2014/main" id="{9C92EB54-61C5-4F88-9B57-EA1ACC2F56E6}"/>
+              </a:ext>
+            </a:extLst>
+          </p:cNvPr>
+          <p:cNvSpPr>
+            <a:spLocks noGrp="1"/>
+          </p:cNvSpPr>
+          <p:nvPr>
+            <p:ph type="title"/>
+          </p:nvPr>
+        </p:nvSpPr>
+        <p:spPr/>
+        <p:txBody>
+          <a:bodyPr/>
+          <a:lstStyle/>
+          <a:p>
+            <a:r>
+              <a:rPr lang="en-US" dirty="0" err="1"/>
+              <a:t>onResume</a:t>
+            </a:r>
+            <a:r>
+              <a:rPr lang="en-US" dirty="0"/>
+              <a:t>()</a:t>
+            </a:r>
+          </a:p>
+        </p:txBody>
+      </p:sp>
+      <p:sp>
+        <p:nvSpPr>
+          <p:cNvPr id="3" name="Content Placeholder 2">
+            <a:extLst>
+              <a:ext uri="{FF2B5EF4-FFF2-40B4-BE49-F238E27FC236}">
+                <a16:creationId xmlns:a16="http://schemas.microsoft.com/office/drawing/2014/main" id="{CB6D488D-1FC6-41B9-BEB2-042DB25F493A}"/>
+              </a:ext>
+            </a:extLst>
+          </p:cNvPr>
+          <p:cNvSpPr>
+            <a:spLocks noGrp="1"/>
+          </p:cNvSpPr>
+          <p:nvPr>
+            <p:ph idx="1"/>
+          </p:nvPr>
+        </p:nvSpPr>
+        <p:spPr/>
+        <p:txBody>
+          <a:bodyPr/>
+          <a:lstStyle/>
+          <a:p>
             <a:endParaRPr lang="en-US" dirty="0"/>
+          </a:p>
+        </p:txBody>
+      </p:sp>
+    </p:spTree>
+    <p:extLst>
+      <p:ext uri="{BB962C8B-B14F-4D97-AF65-F5344CB8AC3E}">
+        <p14:creationId xmlns:p14="http://schemas.microsoft.com/office/powerpoint/2010/main" val="2466908350"/>
+      </p:ext>
+    </p:extLst>
+  </p:cSld>
+  <p:clrMapOvr>
+    <a:masterClrMapping/>
+  </p:clrMapOvr>
+</p:sld>
+</file>
+
+<file path=ppt/slides/slide21.xml><?xml version="1.0" encoding="utf-8"?>
+<p:sld xmlns:a="http://schemas.openxmlformats.org/drawingml/2006/main" xmlns:r="http://schemas.openxmlformats.org/officeDocument/2006/relationships" xmlns:p="http://schemas.openxmlformats.org/presentationml/2006/main">
+  <p:cSld>
+    <p:spTree>
+      <p:nvGrpSpPr>
+        <p:cNvPr id="1" name=""/>
+        <p:cNvGrpSpPr/>
+        <p:nvPr/>
+      </p:nvGrpSpPr>
+      <p:grpSpPr>
+        <a:xfrm>
+          <a:off x="0" y="0"/>
+          <a:ext cx="0" cy="0"/>
+          <a:chOff x="0" y="0"/>
+          <a:chExt cx="0" cy="0"/>
+        </a:xfrm>
+      </p:grpSpPr>
+      <p:sp>
+        <p:nvSpPr>
+          <p:cNvPr id="2" name="Title 1"/>
+          <p:cNvSpPr>
+            <a:spLocks noGrp="1"/>
+          </p:cNvSpPr>
+          <p:nvPr>
+            <p:ph type="title"/>
+          </p:nvPr>
+        </p:nvSpPr>
+        <p:spPr/>
+        <p:txBody>
+          <a:bodyPr/>
+          <a:lstStyle/>
+          <a:p>
+            <a:r>
+              <a:rPr lang="en-US" dirty="0"/>
+              <a:t>Activity Lifecycle</a:t>
+            </a:r>
           </a:p>
         </p:txBody>
       </p:sp>
@@ -4585,15 +5447,7 @@
             </a:r>
             <a:r>
               <a:rPr lang="en-US" dirty="0"/>
-              <a:t>moving to the </a:t>
-            </a:r>
-            <a:r>
-              <a:rPr lang="en-US" dirty="0" smtClean="0"/>
-              <a:t>background and stopping </a:t>
-            </a:r>
-            <a:r>
-              <a:rPr lang="en-US" dirty="0"/>
-              <a:t>user interaction</a:t>
+              <a:t>moving to the background and stopping user interaction</a:t>
             </a:r>
           </a:p>
         </p:txBody>
@@ -4630,15 +5484,7 @@
             </a:r>
             <a:r>
               <a:rPr lang="en-US" dirty="0"/>
-              <a:t>moved to the background </a:t>
-            </a:r>
-            <a:r>
-              <a:rPr lang="en-US" dirty="0" smtClean="0"/>
-              <a:t>and </a:t>
-            </a:r>
-            <a:r>
-              <a:rPr lang="en-US" dirty="0"/>
-              <a:t>not visible</a:t>
+              <a:t>moved to the background and not visible</a:t>
             </a:r>
           </a:p>
         </p:txBody>
@@ -4675,17 +5521,8 @@
             </a:r>
             <a:r>
               <a:rPr lang="en-US" dirty="0"/>
-              <a:t>moved to the </a:t>
-            </a:r>
-            <a:r>
-              <a:rPr lang="en-US" dirty="0" smtClean="0"/>
-              <a:t>background and </a:t>
-            </a:r>
-            <a:r>
-              <a:rPr lang="en-US" dirty="0" smtClean="0"/>
-              <a:t>flagged to be destroyed by the system</a:t>
-            </a:r>
-            <a:endParaRPr lang="en-US" dirty="0"/>
+              <a:t>moved to the background and flagged to be destroyed by the system</a:t>
+            </a:r>
           </a:p>
         </p:txBody>
       </p:sp>
@@ -4842,17 +5679,10 @@
   <p:clrMapOvr>
     <a:masterClrMapping/>
   </p:clrMapOvr>
-  <p:timing>
-    <p:tnLst>
-      <p:par>
-        <p:cTn id="1" dur="indefinite" restart="never" nodeType="tmRoot"/>
-      </p:par>
-    </p:tnLst>
-  </p:timing>
 </p:sld>
 </file>
 
-<file path=ppt/slides/slide16.xml><?xml version="1.0" encoding="utf-8"?>
+<file path=ppt/slides/slide22.xml><?xml version="1.0" encoding="utf-8"?>
 <p:sld xmlns:a="http://schemas.openxmlformats.org/drawingml/2006/main" xmlns:r="http://schemas.openxmlformats.org/officeDocument/2006/relationships" xmlns:p="http://schemas.openxmlformats.org/presentationml/2006/main">
   <p:cSld>
     <p:spTree>
@@ -4871,7 +5701,13 @@
       </p:grpSpPr>
       <p:sp>
         <p:nvSpPr>
-          <p:cNvPr id="2" name="Title 1"/>
+          <p:cNvPr id="2" name="Title 1">
+            <a:extLst>
+              <a:ext uri="{FF2B5EF4-FFF2-40B4-BE49-F238E27FC236}">
+                <a16:creationId xmlns:a16="http://schemas.microsoft.com/office/drawing/2014/main" id="{082D42FD-F515-4A38-AEC3-4676608EFF5E}"/>
+              </a:ext>
+            </a:extLst>
+          </p:cNvPr>
           <p:cNvSpPr>
             <a:spLocks noGrp="1"/>
           </p:cNvSpPr>
@@ -4886,22 +5722,20 @@
           <a:p>
             <a:r>
               <a:rPr lang="en-US" dirty="0"/>
-              <a:t>Exploring </a:t>
-            </a:r>
-            <a:r>
-              <a:rPr lang="en-US" dirty="0" err="1"/>
-              <a:t>build.gradle</a:t>
-            </a:r>
-            <a:r>
-              <a:rPr lang="en-US" dirty="0"/>
-              <a:t> file</a:t>
-            </a:r>
-          </a:p>
-        </p:txBody>
-      </p:sp>
-      <p:sp>
-        <p:nvSpPr>
-          <p:cNvPr id="3" name="Content Placeholder 2"/>
+              <a:t>Cycle Relationships</a:t>
+            </a:r>
+          </a:p>
+        </p:txBody>
+      </p:sp>
+      <p:sp>
+        <p:nvSpPr>
+          <p:cNvPr id="3" name="Content Placeholder 2">
+            <a:extLst>
+              <a:ext uri="{FF2B5EF4-FFF2-40B4-BE49-F238E27FC236}">
+                <a16:creationId xmlns:a16="http://schemas.microsoft.com/office/drawing/2014/main" id="{F0848D41-0C2D-4DFF-A598-5E3C875B4E22}"/>
+              </a:ext>
+            </a:extLst>
+          </p:cNvPr>
           <p:cNvSpPr>
             <a:spLocks noGrp="1"/>
           </p:cNvSpPr>
@@ -4914,26 +5748,6 @@
           <a:bodyPr/>
           <a:lstStyle/>
           <a:p>
-            <a:r>
-              <a:rPr lang="en-US" dirty="0" smtClean="0"/>
-              <a:t>Set </a:t>
-            </a:r>
-            <a:r>
-              <a:rPr lang="en-US" dirty="0"/>
-              <a:t>target SDK version</a:t>
-            </a:r>
-          </a:p>
-          <a:p>
-            <a:r>
-              <a:rPr lang="en-US" dirty="0" smtClean="0"/>
-              <a:t>Set minimum SDK version</a:t>
-            </a:r>
-          </a:p>
-          <a:p>
-            <a:r>
-              <a:rPr lang="en-US" dirty="0" smtClean="0"/>
-              <a:t>Define dependencies</a:t>
-            </a:r>
             <a:endParaRPr lang="en-US" dirty="0"/>
           </a:p>
         </p:txBody>
@@ -4941,24 +5755,17 @@
     </p:spTree>
     <p:extLst>
       <p:ext uri="{BB962C8B-B14F-4D97-AF65-F5344CB8AC3E}">
-        <p14:creationId xmlns:p14="http://schemas.microsoft.com/office/powerpoint/2010/main" val="3375858439"/>
+        <p14:creationId xmlns:p14="http://schemas.microsoft.com/office/powerpoint/2010/main" val="1719565461"/>
       </p:ext>
     </p:extLst>
   </p:cSld>
   <p:clrMapOvr>
     <a:masterClrMapping/>
   </p:clrMapOvr>
-  <p:timing>
-    <p:tnLst>
-      <p:par>
-        <p:cTn id="1" dur="indefinite" restart="never" nodeType="tmRoot"/>
-      </p:par>
-    </p:tnLst>
-  </p:timing>
 </p:sld>
 </file>
 
-<file path=ppt/slides/slide17.xml><?xml version="1.0" encoding="utf-8"?>
+<file path=ppt/slides/slide23.xml><?xml version="1.0" encoding="utf-8"?>
 <p:sld xmlns:a="http://schemas.openxmlformats.org/drawingml/2006/main" xmlns:r="http://schemas.openxmlformats.org/officeDocument/2006/relationships" xmlns:p="http://schemas.openxmlformats.org/presentationml/2006/main">
   <p:cSld>
     <p:spTree>
@@ -4991,18 +5798,17 @@
           <a:lstStyle/>
           <a:p>
             <a:r>
-              <a:rPr lang="en-US" dirty="0" smtClean="0"/>
+              <a:rPr lang="en-US" dirty="0"/>
               <a:t>Creating </a:t>
             </a:r>
             <a:r>
-              <a:rPr lang="en-US" dirty="0" err="1" smtClean="0"/>
+              <a:rPr lang="en-US" dirty="0" err="1"/>
               <a:t>MainActivity</a:t>
             </a:r>
             <a:r>
-              <a:rPr lang="en-US" dirty="0" smtClean="0"/>
+              <a:rPr lang="en-US" dirty="0"/>
               <a:t> </a:t>
             </a:r>
-            <a:endParaRPr lang="en-US" dirty="0"/>
           </a:p>
         </p:txBody>
       </p:sp>
@@ -5022,24 +5828,23 @@
           <a:lstStyle/>
           <a:p>
             <a:r>
-              <a:rPr lang="en-US" dirty="0" smtClean="0"/>
+              <a:rPr lang="en-US" dirty="0"/>
               <a:t>Best Practices</a:t>
             </a:r>
           </a:p>
           <a:p>
             <a:pPr lvl="1"/>
             <a:r>
-              <a:rPr lang="en-US" dirty="0" smtClean="0"/>
+              <a:rPr lang="en-US" dirty="0"/>
               <a:t>Keep lifecycle methods in order</a:t>
             </a:r>
           </a:p>
           <a:p>
             <a:pPr lvl="1"/>
             <a:r>
-              <a:rPr lang="en-US" dirty="0" smtClean="0"/>
+              <a:rPr lang="en-US" dirty="0"/>
               <a:t>Place other methods (helpers) below the lifecycle methods</a:t>
             </a:r>
-            <a:endParaRPr lang="en-US" dirty="0"/>
           </a:p>
         </p:txBody>
       </p:sp>
@@ -5053,17 +5858,10 @@
   <p:clrMapOvr>
     <a:masterClrMapping/>
   </p:clrMapOvr>
-  <p:timing>
-    <p:tnLst>
-      <p:par>
-        <p:cTn id="1" dur="indefinite" restart="never" nodeType="tmRoot"/>
-      </p:par>
-    </p:tnLst>
-  </p:timing>
 </p:sld>
 </file>
 
-<file path=ppt/slides/slide18.xml><?xml version="1.0" encoding="utf-8"?>
+<file path=ppt/slides/slide24.xml><?xml version="1.0" encoding="utf-8"?>
 <p:sld xmlns:a="http://schemas.openxmlformats.org/drawingml/2006/main" xmlns:r="http://schemas.openxmlformats.org/officeDocument/2006/relationships" xmlns:p="http://schemas.openxmlformats.org/presentationml/2006/main">
   <p:cSld>
     <p:spTree>
@@ -5096,50 +5894,45 @@
           <a:lstStyle/>
           <a:p>
             <a:r>
-              <a:rPr lang="en-US" dirty="0" smtClean="0"/>
+              <a:rPr lang="en-US" dirty="0"/>
               <a:t>Add XML Layout</a:t>
             </a:r>
           </a:p>
           <a:p>
             <a:pPr lvl="1"/>
             <a:r>
-              <a:rPr lang="en-US" dirty="0" smtClean="0"/>
+              <a:rPr lang="en-US" dirty="0"/>
               <a:t>XML Layout holds </a:t>
             </a:r>
             <a:r>
-              <a:rPr lang="en-US" dirty="0" err="1" smtClean="0"/>
+              <a:rPr lang="en-US" dirty="0" err="1"/>
               <a:t>ViewGroups</a:t>
             </a:r>
             <a:r>
               <a:rPr lang="en-US" dirty="0"/>
-              <a:t> </a:t>
-            </a:r>
-            <a:r>
-              <a:rPr lang="en-US" dirty="0" smtClean="0"/>
-              <a:t>(layouts) and View (widgets)</a:t>
+              <a:t> (layouts) and View (widgets)</a:t>
             </a:r>
           </a:p>
           <a:p>
             <a:pPr lvl="1"/>
             <a:r>
-              <a:rPr lang="en-US" dirty="0" smtClean="0"/>
+              <a:rPr lang="en-US" dirty="0"/>
               <a:t>Best practices</a:t>
             </a:r>
           </a:p>
           <a:p>
             <a:pPr lvl="2"/>
             <a:r>
-              <a:rPr lang="en-US" dirty="0" smtClean="0"/>
+              <a:rPr lang="en-US" dirty="0"/>
               <a:t>Layout naming convention </a:t>
             </a:r>
           </a:p>
           <a:p>
             <a:pPr lvl="3"/>
             <a:r>
-              <a:rPr lang="en-US" dirty="0" smtClean="0"/>
+              <a:rPr lang="en-US" dirty="0"/>
               <a:t>MainActivity.java  =&gt; main_activity.xml </a:t>
             </a:r>
-            <a:endParaRPr lang="en-US" dirty="0"/>
           </a:p>
         </p:txBody>
       </p:sp>
@@ -5159,10 +5952,9 @@
           <a:lstStyle/>
           <a:p>
             <a:r>
-              <a:rPr lang="en-US" dirty="0" smtClean="0"/>
+              <a:rPr lang="en-US" dirty="0"/>
               <a:t>XML Layout</a:t>
             </a:r>
-            <a:endParaRPr lang="en-US" dirty="0"/>
           </a:p>
         </p:txBody>
       </p:sp>
@@ -5176,17 +5968,10 @@
   <p:clrMapOvr>
     <a:masterClrMapping/>
   </p:clrMapOvr>
-  <p:timing>
-    <p:tnLst>
-      <p:par>
-        <p:cTn id="1" dur="indefinite" restart="never" nodeType="tmRoot"/>
-      </p:par>
-    </p:tnLst>
-  </p:timing>
 </p:sld>
 </file>
 
-<file path=ppt/slides/slide19.xml><?xml version="1.0" encoding="utf-8"?>
+<file path=ppt/slides/slide25.xml><?xml version="1.0" encoding="utf-8"?>
 <p:sld xmlns:a="http://schemas.openxmlformats.org/drawingml/2006/main" xmlns:r="http://schemas.openxmlformats.org/officeDocument/2006/relationships" xmlns:p="http://schemas.openxmlformats.org/presentationml/2006/main">
   <p:cSld>
     <p:spTree>
@@ -5327,10 +6112,9 @@
           <a:lstStyle/>
           <a:p>
             <a:r>
-              <a:rPr lang="en-US" dirty="0" smtClean="0"/>
+              <a:rPr lang="en-US" dirty="0"/>
               <a:t>Creating Layout directory</a:t>
             </a:r>
-            <a:endParaRPr lang="en-US" dirty="0"/>
           </a:p>
         </p:txBody>
       </p:sp>
@@ -5344,173 +6128,10 @@
   <p:clrMapOvr>
     <a:masterClrMapping/>
   </p:clrMapOvr>
-  <p:timing>
-    <p:tnLst>
-      <p:par>
-        <p:cTn id="1" dur="indefinite" restart="never" nodeType="tmRoot"/>
-      </p:par>
-    </p:tnLst>
-  </p:timing>
 </p:sld>
 </file>
 
-<file path=ppt/slides/slide2.xml><?xml version="1.0" encoding="utf-8"?>
-<p:sld xmlns:a="http://schemas.openxmlformats.org/drawingml/2006/main" xmlns:r="http://schemas.openxmlformats.org/officeDocument/2006/relationships" xmlns:p="http://schemas.openxmlformats.org/presentationml/2006/main">
-  <p:cSld>
-    <p:spTree>
-      <p:nvGrpSpPr>
-        <p:cNvPr id="1" name=""/>
-        <p:cNvGrpSpPr/>
-        <p:nvPr/>
-      </p:nvGrpSpPr>
-      <p:grpSpPr>
-        <a:xfrm>
-          <a:off x="0" y="0"/>
-          <a:ext cx="0" cy="0"/>
-          <a:chOff x="0" y="0"/>
-          <a:chExt cx="0" cy="0"/>
-        </a:xfrm>
-      </p:grpSpPr>
-      <p:sp>
-        <p:nvSpPr>
-          <p:cNvPr id="2" name="Title 1"/>
-          <p:cNvSpPr>
-            <a:spLocks noGrp="1"/>
-          </p:cNvSpPr>
-          <p:nvPr>
-            <p:ph type="title"/>
-          </p:nvPr>
-        </p:nvSpPr>
-        <p:spPr/>
-        <p:txBody>
-          <a:bodyPr/>
-          <a:lstStyle/>
-          <a:p>
-            <a:r>
-              <a:rPr lang="en-US" dirty="0"/>
-              <a:t>Goals</a:t>
-            </a:r>
-          </a:p>
-        </p:txBody>
-      </p:sp>
-      <p:sp>
-        <p:nvSpPr>
-          <p:cNvPr id="3" name="Content Placeholder 2"/>
-          <p:cNvSpPr>
-            <a:spLocks noGrp="1"/>
-          </p:cNvSpPr>
-          <p:nvPr>
-            <p:ph idx="1"/>
-          </p:nvPr>
-        </p:nvSpPr>
-        <p:spPr/>
-        <p:txBody>
-          <a:bodyPr/>
-          <a:lstStyle/>
-          <a:p>
-            <a:r>
-              <a:rPr lang="en-US" dirty="0"/>
-              <a:t>Develop a </a:t>
-            </a:r>
-            <a:r>
-              <a:rPr lang="en-US" dirty="0" smtClean="0"/>
-              <a:t>Blue Skies App</a:t>
-            </a:r>
-          </a:p>
-          <a:p>
-            <a:pPr lvl="1"/>
-            <a:r>
-              <a:rPr lang="en-US" dirty="0" smtClean="0"/>
-              <a:t>Activity </a:t>
-            </a:r>
-          </a:p>
-          <a:p>
-            <a:pPr lvl="1"/>
-            <a:r>
-              <a:rPr lang="en-US" dirty="0" smtClean="0"/>
-              <a:t>Fragment</a:t>
-            </a:r>
-          </a:p>
-          <a:p>
-            <a:pPr lvl="1"/>
-            <a:r>
-              <a:rPr lang="en-US" dirty="0" smtClean="0"/>
-              <a:t>Layout</a:t>
-            </a:r>
-          </a:p>
-          <a:p>
-            <a:pPr lvl="1"/>
-            <a:r>
-              <a:rPr lang="en-US" dirty="0" smtClean="0"/>
-              <a:t>Services</a:t>
-            </a:r>
-          </a:p>
-          <a:p>
-            <a:pPr lvl="1"/>
-            <a:r>
-              <a:rPr lang="en-US" dirty="0" smtClean="0"/>
-              <a:t>Http communication</a:t>
-            </a:r>
-            <a:endParaRPr lang="en-US" dirty="0"/>
-          </a:p>
-        </p:txBody>
-      </p:sp>
-      <p:pic>
-        <p:nvPicPr>
-          <p:cNvPr id="5" name="Picture 4"/>
-          <p:cNvPicPr>
-            <a:picLocks noChangeAspect="1"/>
-          </p:cNvPicPr>
-          <p:nvPr/>
-        </p:nvPicPr>
-        <p:blipFill>
-          <a:blip r:embed="rId2" cstate="print">
-            <a:extLst>
-              <a:ext uri="{28A0092B-C50C-407E-A947-70E740481C1C}">
-                <a14:useLocalDpi xmlns:a14="http://schemas.microsoft.com/office/drawing/2010/main" val="0"/>
-              </a:ext>
-            </a:extLst>
-          </a:blip>
-          <a:stretch>
-            <a:fillRect/>
-          </a:stretch>
-        </p:blipFill>
-        <p:spPr>
-          <a:xfrm>
-            <a:off x="7999501" y="1840673"/>
-            <a:ext cx="2318910" cy="3996047"/>
-          </a:xfrm>
-          <a:prstGeom prst="rect">
-            <a:avLst/>
-          </a:prstGeom>
-          <a:ln>
-            <a:solidFill>
-              <a:schemeClr val="accent1"/>
-            </a:solidFill>
-          </a:ln>
-        </p:spPr>
-      </p:pic>
-    </p:spTree>
-    <p:extLst>
-      <p:ext uri="{BB962C8B-B14F-4D97-AF65-F5344CB8AC3E}">
-        <p14:creationId xmlns:p14="http://schemas.microsoft.com/office/powerpoint/2010/main" val="1850275397"/>
-      </p:ext>
-    </p:extLst>
-  </p:cSld>
-  <p:clrMapOvr>
-    <a:masterClrMapping/>
-  </p:clrMapOvr>
-  <p:timing>
-    <p:tnLst>
-      <p:par>
-        <p:cTn id="1" dur="indefinite" restart="never" nodeType="tmRoot"/>
-      </p:par>
-    </p:tnLst>
-  </p:timing>
-</p:sld>
-</file>
-
-<file path=ppt/slides/slide20.xml><?xml version="1.0" encoding="utf-8"?>
+<file path=ppt/slides/slide26.xml><?xml version="1.0" encoding="utf-8"?>
 <p:sld xmlns:a="http://schemas.openxmlformats.org/drawingml/2006/main" xmlns:r="http://schemas.openxmlformats.org/officeDocument/2006/relationships" xmlns:p="http://schemas.openxmlformats.org/presentationml/2006/main">
   <p:cSld>
     <p:spTree>
@@ -5597,10 +6218,9 @@
           <a:lstStyle/>
           <a:p>
             <a:r>
-              <a:rPr lang="en-US" dirty="0" smtClean="0"/>
+              <a:rPr lang="en-US" dirty="0"/>
               <a:t>Creating layout XML</a:t>
             </a:r>
-            <a:endParaRPr lang="en-US" dirty="0"/>
           </a:p>
         </p:txBody>
       </p:sp>
@@ -5668,17 +6288,10 @@
   <p:clrMapOvr>
     <a:masterClrMapping/>
   </p:clrMapOvr>
-  <p:timing>
-    <p:tnLst>
-      <p:par>
-        <p:cTn id="1" dur="indefinite" restart="never" nodeType="tmRoot"/>
-      </p:par>
-    </p:tnLst>
-  </p:timing>
 </p:sld>
 </file>
 
-<file path=ppt/slides/slide21.xml><?xml version="1.0" encoding="utf-8"?>
+<file path=ppt/slides/slide27.xml><?xml version="1.0" encoding="utf-8"?>
 <p:sld xmlns:a="http://schemas.openxmlformats.org/drawingml/2006/main" xmlns:r="http://schemas.openxmlformats.org/officeDocument/2006/relationships" xmlns:p="http://schemas.openxmlformats.org/presentationml/2006/main">
   <p:cSld>
     <p:spTree>
@@ -5713,7 +6326,7 @@
             <a:pPr marL="0" indent="0" algn="ctr">
               <a:buNone/>
             </a:pPr>
-            <a:endParaRPr lang="en-US" dirty="0" smtClean="0"/>
+            <a:endParaRPr lang="en-US" dirty="0"/>
           </a:p>
           <a:p>
             <a:pPr marL="0" indent="0" algn="ctr">
@@ -5726,10 +6339,9 @@
               <a:buNone/>
             </a:pPr>
             <a:r>
-              <a:rPr lang="en-US" dirty="0" smtClean="0"/>
+              <a:rPr lang="en-US" dirty="0"/>
               <a:t>Show main_layout.xml</a:t>
             </a:r>
-            <a:endParaRPr lang="en-US" dirty="0"/>
           </a:p>
         </p:txBody>
       </p:sp>
@@ -5743,17 +6355,10 @@
   <p:clrMapOvr>
     <a:masterClrMapping/>
   </p:clrMapOvr>
-  <p:timing>
-    <p:tnLst>
-      <p:par>
-        <p:cTn id="1" dur="indefinite" restart="never" nodeType="tmRoot"/>
-      </p:par>
-    </p:tnLst>
-  </p:timing>
 </p:sld>
 </file>
 
-<file path=ppt/slides/slide22.xml><?xml version="1.0" encoding="utf-8"?>
+<file path=ppt/slides/slide28.xml><?xml version="1.0" encoding="utf-8"?>
 <p:sld xmlns:a="http://schemas.openxmlformats.org/drawingml/2006/main" xmlns:r="http://schemas.openxmlformats.org/officeDocument/2006/relationships" xmlns:p="http://schemas.openxmlformats.org/presentationml/2006/main">
   <p:cSld>
     <p:spTree>
@@ -5788,54 +6393,54 @@
           <a:lstStyle/>
           <a:p>
             <a:r>
-              <a:rPr lang="en-US" dirty="0" smtClean="0"/>
+              <a:rPr lang="en-US" dirty="0"/>
               <a:t>Types of layouts</a:t>
             </a:r>
           </a:p>
           <a:p>
             <a:pPr lvl="1"/>
             <a:r>
-              <a:rPr lang="en-US" dirty="0" smtClean="0"/>
+              <a:rPr lang="en-US" dirty="0"/>
               <a:t>Linear </a:t>
             </a:r>
           </a:p>
           <a:p>
             <a:pPr lvl="1"/>
             <a:r>
-              <a:rPr lang="en-US" dirty="0" smtClean="0"/>
+              <a:rPr lang="en-US" dirty="0"/>
               <a:t>Relative</a:t>
             </a:r>
           </a:p>
           <a:p>
             <a:pPr lvl="1"/>
             <a:r>
-              <a:rPr lang="en-US" dirty="0" smtClean="0"/>
+              <a:rPr lang="en-US" dirty="0"/>
               <a:t>Frame </a:t>
             </a:r>
           </a:p>
           <a:p>
             <a:pPr lvl="1"/>
             <a:r>
-              <a:rPr lang="en-US" dirty="0" smtClean="0"/>
+              <a:rPr lang="en-US" dirty="0"/>
               <a:t>Constraint</a:t>
             </a:r>
           </a:p>
           <a:p>
             <a:r>
-              <a:rPr lang="en-US" dirty="0" smtClean="0"/>
+              <a:rPr lang="en-US" dirty="0"/>
               <a:t> Best Practices</a:t>
             </a:r>
           </a:p>
           <a:p>
             <a:pPr lvl="1"/>
             <a:r>
-              <a:rPr lang="en-US" dirty="0" smtClean="0"/>
+              <a:rPr lang="en-US" dirty="0"/>
               <a:t>Attempt to keep the layout flat by avoiding nest layouts</a:t>
             </a:r>
           </a:p>
           <a:p>
             <a:pPr lvl="1"/>
-            <a:endParaRPr lang="en-US" dirty="0" smtClean="0"/>
+            <a:endParaRPr lang="en-US" dirty="0"/>
           </a:p>
         </p:txBody>
       </p:sp>
@@ -5860,10 +6465,9 @@
           <a:lstStyle/>
           <a:p>
             <a:r>
-              <a:rPr lang="en-US" sz="4400" dirty="0" smtClean="0"/>
+              <a:rPr lang="en-US" sz="4400" dirty="0"/>
               <a:t>Layouts </a:t>
             </a:r>
-            <a:endParaRPr lang="en-US" sz="4400" dirty="0"/>
           </a:p>
         </p:txBody>
       </p:sp>
@@ -5877,17 +6481,10 @@
   <p:clrMapOvr>
     <a:masterClrMapping/>
   </p:clrMapOvr>
-  <p:timing>
-    <p:tnLst>
-      <p:par>
-        <p:cTn id="1" dur="indefinite" restart="never" nodeType="tmRoot"/>
-      </p:par>
-    </p:tnLst>
-  </p:timing>
 </p:sld>
 </file>
 
-<file path=ppt/slides/slide23.xml><?xml version="1.0" encoding="utf-8"?>
+<file path=ppt/slides/slide29.xml><?xml version="1.0" encoding="utf-8"?>
 <p:sld xmlns:a="http://schemas.openxmlformats.org/drawingml/2006/main" xmlns:r="http://schemas.openxmlformats.org/officeDocument/2006/relationships" xmlns:p="http://schemas.openxmlformats.org/presentationml/2006/main">
   <p:cSld>
     <p:spTree>
@@ -5919,23 +6516,22 @@
           <a:bodyPr/>
           <a:lstStyle/>
           <a:p>
-            <a:endParaRPr lang="en-US" dirty="0" smtClean="0"/>
+            <a:endParaRPr lang="en-US" dirty="0"/>
           </a:p>
           <a:p>
             <a:pPr marL="0" indent="0" algn="ctr">
               <a:buNone/>
             </a:pPr>
-            <a:endParaRPr lang="en-US" dirty="0" smtClean="0"/>
+            <a:endParaRPr lang="en-US" dirty="0"/>
           </a:p>
           <a:p>
             <a:pPr marL="0" indent="0" algn="ctr">
               <a:buNone/>
             </a:pPr>
             <a:r>
-              <a:rPr lang="en-US" dirty="0" smtClean="0"/>
+              <a:rPr lang="en-US" dirty="0"/>
               <a:t>Live Example: Link Activity to Layout </a:t>
             </a:r>
-            <a:endParaRPr lang="en-US" dirty="0"/>
           </a:p>
         </p:txBody>
       </p:sp>
@@ -5949,17 +6545,10 @@
   <p:clrMapOvr>
     <a:masterClrMapping/>
   </p:clrMapOvr>
-  <p:timing>
-    <p:tnLst>
-      <p:par>
-        <p:cTn id="1" dur="indefinite" restart="never" nodeType="tmRoot"/>
-      </p:par>
-    </p:tnLst>
-  </p:timing>
 </p:sld>
 </file>
 
-<file path=ppt/slides/slide24.xml><?xml version="1.0" encoding="utf-8"?>
+<file path=ppt/slides/slide3.xml><?xml version="1.0" encoding="utf-8"?>
 <p:sld xmlns:a="http://schemas.openxmlformats.org/drawingml/2006/main" xmlns:r="http://schemas.openxmlformats.org/officeDocument/2006/relationships" xmlns:p="http://schemas.openxmlformats.org/presentationml/2006/main">
   <p:cSld>
     <p:spTree>
@@ -5992,10 +6581,9 @@
           <a:lstStyle/>
           <a:p>
             <a:r>
-              <a:rPr lang="en-US" dirty="0" smtClean="0"/>
-              <a:t>Editing Android Manifest</a:t>
-            </a:r>
-            <a:endParaRPr lang="en-US" dirty="0"/>
+              <a:rPr lang="en-US" dirty="0"/>
+              <a:t>What is Android</a:t>
+            </a:r>
           </a:p>
         </p:txBody>
       </p:sp>
@@ -6015,51 +6603,14 @@
           <a:lstStyle/>
           <a:p>
             <a:r>
-              <a:rPr lang="en-US" dirty="0" smtClean="0"/>
-              <a:t>Add </a:t>
-            </a:r>
-            <a:r>
-              <a:rPr lang="en-US" dirty="0" err="1" smtClean="0"/>
-              <a:t>MainActivity</a:t>
-            </a:r>
-            <a:r>
-              <a:rPr lang="en-US" dirty="0" smtClean="0"/>
-              <a:t> to AndroidManifest.xml</a:t>
-            </a:r>
-          </a:p>
-          <a:p>
-            <a:pPr lvl="2"/>
-            <a:r>
-              <a:rPr lang="en-US" dirty="0"/>
-              <a:t>The </a:t>
-            </a:r>
-            <a:r>
-              <a:rPr lang="en-US" b="1" dirty="0"/>
-              <a:t>manifest file</a:t>
-            </a:r>
-            <a:r>
-              <a:rPr lang="en-US" dirty="0"/>
-              <a:t> provides essential information about your app to the Android system, which the system must have before it </a:t>
-            </a:r>
-            <a:r>
-              <a:rPr lang="en-US" dirty="0" smtClean="0"/>
-              <a:t>can </a:t>
-            </a:r>
-            <a:r>
-              <a:rPr lang="en-US" dirty="0"/>
-              <a:t>run any of the app's code</a:t>
-            </a:r>
-            <a:r>
-              <a:rPr lang="en-US" dirty="0" smtClean="0"/>
-              <a:t>. (i.e. activities,</a:t>
-            </a:r>
-            <a:r>
-              <a:rPr lang="en-US" dirty="0"/>
-              <a:t> </a:t>
-            </a:r>
-            <a:r>
-              <a:rPr lang="en-US" dirty="0" smtClean="0"/>
-              <a:t>services, content provider…)</a:t>
+              <a:rPr lang="en-US" dirty="0"/>
+              <a:t>Google mobile SDK </a:t>
+            </a:r>
+          </a:p>
+          <a:p>
+            <a:r>
+              <a:rPr lang="en-US" dirty="0"/>
+              <a:t>Written in Java</a:t>
             </a:r>
           </a:p>
         </p:txBody>
@@ -6067,24 +6618,17 @@
     </p:spTree>
     <p:extLst>
       <p:ext uri="{BB962C8B-B14F-4D97-AF65-F5344CB8AC3E}">
-        <p14:creationId xmlns:p14="http://schemas.microsoft.com/office/powerpoint/2010/main" val="1089828459"/>
+        <p14:creationId xmlns:p14="http://schemas.microsoft.com/office/powerpoint/2010/main" val="3098932366"/>
       </p:ext>
     </p:extLst>
   </p:cSld>
   <p:clrMapOvr>
     <a:masterClrMapping/>
   </p:clrMapOvr>
-  <p:timing>
-    <p:tnLst>
-      <p:par>
-        <p:cTn id="1" dur="indefinite" restart="never" nodeType="tmRoot"/>
-      </p:par>
-    </p:tnLst>
-  </p:timing>
 </p:sld>
 </file>
 
-<file path=ppt/slides/slide25.xml><?xml version="1.0" encoding="utf-8"?>
+<file path=ppt/slides/slide30.xml><?xml version="1.0" encoding="utf-8"?>
 <p:sld xmlns:a="http://schemas.openxmlformats.org/drawingml/2006/main" xmlns:r="http://schemas.openxmlformats.org/officeDocument/2006/relationships" xmlns:p="http://schemas.openxmlformats.org/presentationml/2006/main">
   <p:cSld>
     <p:spTree>
@@ -6103,6 +6647,28 @@
       </p:grpSpPr>
       <p:sp>
         <p:nvSpPr>
+          <p:cNvPr id="2" name="Title 1"/>
+          <p:cNvSpPr>
+            <a:spLocks noGrp="1"/>
+          </p:cNvSpPr>
+          <p:nvPr>
+            <p:ph type="title"/>
+          </p:nvPr>
+        </p:nvSpPr>
+        <p:spPr/>
+        <p:txBody>
+          <a:bodyPr/>
+          <a:lstStyle/>
+          <a:p>
+            <a:r>
+              <a:rPr lang="en-US" dirty="0"/>
+              <a:t>Editing Android Manifest</a:t>
+            </a:r>
+          </a:p>
+        </p:txBody>
+      </p:sp>
+      <p:sp>
+        <p:nvSpPr>
           <p:cNvPr id="3" name="Content Placeholder 2"/>
           <p:cNvSpPr>
             <a:spLocks noGrp="1"/>
@@ -6116,58 +6682,50 @@
           <a:bodyPr/>
           <a:lstStyle/>
           <a:p>
-            <a:pPr marL="0" indent="0" algn="ctr">
-              <a:buNone/>
-            </a:pPr>
-            <a:endParaRPr lang="en-US" dirty="0" smtClean="0"/>
-          </a:p>
-          <a:p>
-            <a:pPr marL="0" indent="0" algn="ctr">
-              <a:buNone/>
-            </a:pPr>
-            <a:endParaRPr lang="en-US" dirty="0"/>
-          </a:p>
-          <a:p>
-            <a:pPr marL="0" indent="0" algn="ctr">
-              <a:buNone/>
-            </a:pPr>
-            <a:r>
-              <a:rPr lang="en-US" dirty="0" smtClean="0"/>
-              <a:t>Live Example: Adding </a:t>
-            </a:r>
-            <a:r>
-              <a:rPr lang="en-US" dirty="0" err="1" smtClean="0"/>
+            <a:r>
+              <a:rPr lang="en-US" dirty="0"/>
+              <a:t>Add </a:t>
+            </a:r>
+            <a:r>
+              <a:rPr lang="en-US" dirty="0" err="1"/>
               <a:t>MainActivity</a:t>
             </a:r>
             <a:r>
-              <a:rPr lang="en-US" dirty="0" smtClean="0"/>
-              <a:t> to manifest file</a:t>
-            </a:r>
-            <a:endParaRPr lang="en-US" dirty="0"/>
+              <a:rPr lang="en-US" dirty="0"/>
+              <a:t> to AndroidManifest.xml</a:t>
+            </a:r>
+          </a:p>
+          <a:p>
+            <a:pPr lvl="2"/>
+            <a:r>
+              <a:rPr lang="en-US" dirty="0"/>
+              <a:t>The </a:t>
+            </a:r>
+            <a:r>
+              <a:rPr lang="en-US" b="1" dirty="0"/>
+              <a:t>manifest file</a:t>
+            </a:r>
+            <a:r>
+              <a:rPr lang="en-US" dirty="0"/>
+              <a:t> provides essential information about your app to the Android system, which the system must have before it can run any of the app's code. (i.e. activities, services, content provider…)</a:t>
+            </a:r>
           </a:p>
         </p:txBody>
       </p:sp>
     </p:spTree>
     <p:extLst>
       <p:ext uri="{BB962C8B-B14F-4D97-AF65-F5344CB8AC3E}">
-        <p14:creationId xmlns:p14="http://schemas.microsoft.com/office/powerpoint/2010/main" val="954242652"/>
+        <p14:creationId xmlns:p14="http://schemas.microsoft.com/office/powerpoint/2010/main" val="1089828459"/>
       </p:ext>
     </p:extLst>
   </p:cSld>
   <p:clrMapOvr>
     <a:masterClrMapping/>
   </p:clrMapOvr>
-  <p:timing>
-    <p:tnLst>
-      <p:par>
-        <p:cTn id="1" dur="indefinite" restart="never" nodeType="tmRoot"/>
-      </p:par>
-    </p:tnLst>
-  </p:timing>
 </p:sld>
 </file>
 
-<file path=ppt/slides/slide26.xml><?xml version="1.0" encoding="utf-8"?>
+<file path=ppt/slides/slide31.xml><?xml version="1.0" encoding="utf-8"?>
 <p:sld xmlns:a="http://schemas.openxmlformats.org/drawingml/2006/main" xmlns:r="http://schemas.openxmlformats.org/officeDocument/2006/relationships" xmlns:p="http://schemas.openxmlformats.org/presentationml/2006/main">
   <p:cSld>
     <p:spTree>
@@ -6194,6 +6752,81 @@
             <p:ph idx="1"/>
           </p:nvPr>
         </p:nvSpPr>
+        <p:spPr/>
+        <p:txBody>
+          <a:bodyPr/>
+          <a:lstStyle/>
+          <a:p>
+            <a:pPr marL="0" indent="0" algn="ctr">
+              <a:buNone/>
+            </a:pPr>
+            <a:endParaRPr lang="en-US" dirty="0"/>
+          </a:p>
+          <a:p>
+            <a:pPr marL="0" indent="0" algn="ctr">
+              <a:buNone/>
+            </a:pPr>
+            <a:endParaRPr lang="en-US" dirty="0"/>
+          </a:p>
+          <a:p>
+            <a:pPr marL="0" indent="0" algn="ctr">
+              <a:buNone/>
+            </a:pPr>
+            <a:r>
+              <a:rPr lang="en-US" dirty="0"/>
+              <a:t>Live Example: Adding </a:t>
+            </a:r>
+            <a:r>
+              <a:rPr lang="en-US" dirty="0" err="1"/>
+              <a:t>MainActivity</a:t>
+            </a:r>
+            <a:r>
+              <a:rPr lang="en-US" dirty="0"/>
+              <a:t> to manifest file</a:t>
+            </a:r>
+          </a:p>
+        </p:txBody>
+      </p:sp>
+    </p:spTree>
+    <p:extLst>
+      <p:ext uri="{BB962C8B-B14F-4D97-AF65-F5344CB8AC3E}">
+        <p14:creationId xmlns:p14="http://schemas.microsoft.com/office/powerpoint/2010/main" val="954242652"/>
+      </p:ext>
+    </p:extLst>
+  </p:cSld>
+  <p:clrMapOvr>
+    <a:masterClrMapping/>
+  </p:clrMapOvr>
+</p:sld>
+</file>
+
+<file path=ppt/slides/slide32.xml><?xml version="1.0" encoding="utf-8"?>
+<p:sld xmlns:a="http://schemas.openxmlformats.org/drawingml/2006/main" xmlns:r="http://schemas.openxmlformats.org/officeDocument/2006/relationships" xmlns:p="http://schemas.openxmlformats.org/presentationml/2006/main">
+  <p:cSld>
+    <p:spTree>
+      <p:nvGrpSpPr>
+        <p:cNvPr id="1" name=""/>
+        <p:cNvGrpSpPr/>
+        <p:nvPr/>
+      </p:nvGrpSpPr>
+      <p:grpSpPr>
+        <a:xfrm>
+          <a:off x="0" y="0"/>
+          <a:ext cx="0" cy="0"/>
+          <a:chOff x="0" y="0"/>
+          <a:chExt cx="0" cy="0"/>
+        </a:xfrm>
+      </p:grpSpPr>
+      <p:sp>
+        <p:nvSpPr>
+          <p:cNvPr id="3" name="Content Placeholder 2"/>
+          <p:cNvSpPr>
+            <a:spLocks noGrp="1"/>
+          </p:cNvSpPr>
+          <p:nvPr>
+            <p:ph idx="1"/>
+          </p:nvPr>
+        </p:nvSpPr>
         <p:spPr>
           <a:xfrm>
             <a:off x="0" y="3598223"/>
@@ -6207,7 +6840,7 @@
             <a:pPr marL="0" indent="0">
               <a:buNone/>
             </a:pPr>
-            <a:endParaRPr lang="en-US" dirty="0" smtClean="0"/>
+            <a:endParaRPr lang="en-US" dirty="0"/>
           </a:p>
           <a:p>
             <a:pPr marL="0" indent="0">
@@ -6220,10 +6853,9 @@
               <a:buNone/>
             </a:pPr>
             <a:r>
-              <a:rPr lang="en-US" b="1" dirty="0" smtClean="0"/>
+              <a:rPr lang="en-US" b="1" dirty="0"/>
               <a:t>Fragments</a:t>
             </a:r>
-            <a:endParaRPr lang="en-US" b="1" dirty="0"/>
           </a:p>
         </p:txBody>
       </p:sp>
@@ -6278,17 +6910,10 @@
   <p:clrMapOvr>
     <a:masterClrMapping/>
   </p:clrMapOvr>
-  <p:timing>
-    <p:tnLst>
-      <p:par>
-        <p:cTn id="1" dur="indefinite" restart="never" nodeType="tmRoot"/>
-      </p:par>
-    </p:tnLst>
-  </p:timing>
 </p:sld>
 </file>
 
-<file path=ppt/slides/slide27.xml><?xml version="1.0" encoding="utf-8"?>
+<file path=ppt/slides/slide33.xml><?xml version="1.0" encoding="utf-8"?>
 <p:sld xmlns:a="http://schemas.openxmlformats.org/drawingml/2006/main" xmlns:r="http://schemas.openxmlformats.org/officeDocument/2006/relationships" xmlns:p="http://schemas.openxmlformats.org/presentationml/2006/main">
   <p:cSld>
     <p:spTree>
@@ -6321,10 +6946,9 @@
           <a:lstStyle/>
           <a:p>
             <a:r>
-              <a:rPr lang="en-US" dirty="0" smtClean="0"/>
+              <a:rPr lang="en-US" dirty="0"/>
               <a:t>Why Fragments?</a:t>
             </a:r>
-            <a:endParaRPr lang="en-US" dirty="0"/>
           </a:p>
         </p:txBody>
       </p:sp>
@@ -6345,31 +6969,30 @@
           <a:p>
             <a:pPr lvl="2"/>
             <a:r>
-              <a:rPr lang="en-US" dirty="0" smtClean="0"/>
+              <a:rPr lang="en-US" dirty="0"/>
               <a:t>Reusing View and Logic</a:t>
             </a:r>
           </a:p>
           <a:p>
             <a:pPr lvl="2"/>
             <a:r>
-              <a:rPr lang="en-US" dirty="0" smtClean="0"/>
+              <a:rPr lang="en-US" dirty="0"/>
               <a:t>Single responsibility </a:t>
             </a:r>
           </a:p>
           <a:p>
             <a:pPr lvl="2"/>
             <a:r>
-              <a:rPr lang="en-US" dirty="0" smtClean="0"/>
+              <a:rPr lang="en-US" dirty="0"/>
               <a:t>Phone and tablet layouts</a:t>
             </a:r>
           </a:p>
           <a:p>
             <a:pPr lvl="2"/>
             <a:r>
-              <a:rPr lang="en-US" dirty="0" smtClean="0"/>
+              <a:rPr lang="en-US" dirty="0"/>
               <a:t>Screen orientation</a:t>
             </a:r>
-            <a:endParaRPr lang="en-US" dirty="0"/>
           </a:p>
         </p:txBody>
       </p:sp>
@@ -6598,7 +7221,7 @@
 </p:sld>
 </file>
 
-<file path=ppt/slides/slide28.xml><?xml version="1.0" encoding="utf-8"?>
+<file path=ppt/slides/slide34.xml><?xml version="1.0" encoding="utf-8"?>
 <p:sld xmlns:a="http://schemas.openxmlformats.org/drawingml/2006/main" xmlns:r="http://schemas.openxmlformats.org/officeDocument/2006/relationships" xmlns:p="http://schemas.openxmlformats.org/presentationml/2006/main">
   <p:cSld>
     <p:spTree>
@@ -6638,10 +7261,9 @@
           <a:lstStyle/>
           <a:p>
             <a:r>
-              <a:rPr lang="en-US" dirty="0" smtClean="0"/>
+              <a:rPr lang="en-US" dirty="0"/>
               <a:t>Fragment Responsibilities</a:t>
             </a:r>
-            <a:endParaRPr lang="en-US" dirty="0"/>
           </a:p>
         </p:txBody>
       </p:sp>
@@ -6789,17 +7411,10 @@
   <p:clrMapOvr>
     <a:masterClrMapping/>
   </p:clrMapOvr>
-  <p:timing>
-    <p:tnLst>
-      <p:par>
-        <p:cTn id="1" dur="indefinite" restart="never" nodeType="tmRoot"/>
-      </p:par>
-    </p:tnLst>
-  </p:timing>
 </p:sld>
 </file>
 
-<file path=ppt/slides/slide29.xml><?xml version="1.0" encoding="utf-8"?>
+<file path=ppt/slides/slide35.xml><?xml version="1.0" encoding="utf-8"?>
 <p:sld xmlns:a="http://schemas.openxmlformats.org/drawingml/2006/main" xmlns:r="http://schemas.openxmlformats.org/officeDocument/2006/relationships" xmlns:p="http://schemas.openxmlformats.org/presentationml/2006/main">
   <p:cSld>
     <p:spTree>
@@ -6832,12 +7447,8 @@
           <a:lstStyle/>
           <a:p>
             <a:r>
-              <a:rPr lang="en-US" dirty="0" smtClean="0"/>
-              <a:t>Fragment </a:t>
-            </a:r>
-            <a:r>
-              <a:rPr lang="en-US" dirty="0" smtClean="0"/>
-              <a:t>Lifecycle</a:t>
+              <a:rPr lang="en-US" dirty="0"/>
+              <a:t>Fragment Lifecycle</a:t>
             </a:r>
             <a:endParaRPr lang="en-US" sz="2800" dirty="0"/>
           </a:p>
@@ -7009,15 +7620,15 @@
           <a:lstStyle/>
           <a:p>
             <a:r>
-              <a:rPr lang="en-US" b="1" dirty="0" err="1" smtClean="0"/>
+              <a:rPr lang="en-US" b="1" dirty="0" err="1"/>
               <a:t>onAttach</a:t>
             </a:r>
             <a:r>
-              <a:rPr lang="en-US" b="1" dirty="0" smtClean="0"/>
+              <a:rPr lang="en-US" b="1" dirty="0"/>
               <a:t>() </a:t>
             </a:r>
             <a:r>
-              <a:rPr lang="en-US" dirty="0" smtClean="0"/>
+              <a:rPr lang="en-US" dirty="0"/>
               <a:t>connected to an activity, but not started</a:t>
             </a:r>
             <a:endParaRPr lang="en-US" b="1" dirty="0"/>
@@ -7047,20 +7658,16 @@
           <a:lstStyle/>
           <a:p>
             <a:r>
-              <a:rPr lang="en-US" b="1" dirty="0" err="1" smtClean="0"/>
+              <a:rPr lang="en-US" b="1" dirty="0" err="1"/>
               <a:t>onCreate</a:t>
             </a:r>
             <a:r>
-              <a:rPr lang="en-US" b="1" dirty="0" smtClean="0"/>
+              <a:rPr lang="en-US" b="1" dirty="0"/>
               <a:t>() </a:t>
             </a:r>
             <a:r>
-              <a:rPr lang="en-US" dirty="0" smtClean="0"/>
-              <a:t>started, </a:t>
-            </a:r>
-            <a:r>
-              <a:rPr lang="en-US" dirty="0"/>
-              <a:t>but </a:t>
+              <a:rPr lang="en-US" dirty="0"/>
+              <a:t>started, but </a:t>
             </a:r>
             <a:r>
               <a:rPr lang="en-US" u="sng" dirty="0"/>
@@ -7068,13 +7675,8 @@
             </a:r>
             <a:r>
               <a:rPr lang="en-US" dirty="0"/>
-              <a:t> </a:t>
-            </a:r>
-            <a:r>
-              <a:rPr lang="en-US" dirty="0" smtClean="0"/>
-              <a:t>object has not been created </a:t>
-            </a:r>
-            <a:endParaRPr lang="en-US" dirty="0"/>
+              <a:t> object has not been created </a:t>
+            </a:r>
           </a:p>
         </p:txBody>
       </p:sp>
@@ -7101,22 +7703,21 @@
           <a:lstStyle/>
           <a:p>
             <a:r>
-              <a:rPr lang="en-US" b="1" dirty="0" err="1" smtClean="0"/>
+              <a:rPr lang="en-US" b="1" dirty="0" err="1"/>
               <a:t>onCreateView</a:t>
             </a:r>
             <a:r>
-              <a:rPr lang="en-US" b="1" dirty="0" smtClean="0"/>
+              <a:rPr lang="en-US" b="1" dirty="0"/>
               <a:t>() </a:t>
             </a:r>
             <a:r>
-              <a:rPr lang="en-US" dirty="0" smtClean="0"/>
+              <a:rPr lang="en-US" dirty="0"/>
               <a:t>started, view object  being created, but not visible</a:t>
             </a:r>
             <a:r>
-              <a:rPr lang="en-US" b="1" dirty="0" smtClean="0"/>
+              <a:rPr lang="en-US" b="1" dirty="0"/>
               <a:t> </a:t>
             </a:r>
-            <a:endParaRPr lang="en-US" b="1" dirty="0"/>
           </a:p>
         </p:txBody>
       </p:sp>
@@ -7143,15 +7744,15 @@
           <a:lstStyle/>
           <a:p>
             <a:r>
-              <a:rPr lang="en-US" b="1" dirty="0" err="1" smtClean="0"/>
+              <a:rPr lang="en-US" b="1" dirty="0" err="1"/>
               <a:t>onActivityCreated</a:t>
             </a:r>
             <a:r>
-              <a:rPr lang="en-US" b="1" dirty="0" smtClean="0"/>
+              <a:rPr lang="en-US" b="1" dirty="0"/>
               <a:t>() </a:t>
             </a:r>
             <a:r>
-              <a:rPr lang="en-US" dirty="0" smtClean="0"/>
+              <a:rPr lang="en-US" dirty="0"/>
               <a:t>started, view object instantiated by parent Activity, but not visible </a:t>
             </a:r>
             <a:endParaRPr lang="en-US" b="1" dirty="0"/>
@@ -7168,17 +7769,10 @@
   <p:clrMapOvr>
     <a:masterClrMapping/>
   </p:clrMapOvr>
-  <p:timing>
-    <p:tnLst>
-      <p:par>
-        <p:cTn id="1" dur="indefinite" restart="never" nodeType="tmRoot"/>
-      </p:par>
-    </p:tnLst>
-  </p:timing>
 </p:sld>
 </file>
 
-<file path=ppt/slides/slide3.xml><?xml version="1.0" encoding="utf-8"?>
+<file path=ppt/slides/slide36.xml><?xml version="1.0" encoding="utf-8"?>
 <p:sld xmlns:a="http://schemas.openxmlformats.org/drawingml/2006/main" xmlns:r="http://schemas.openxmlformats.org/officeDocument/2006/relationships" xmlns:p="http://schemas.openxmlformats.org/presentationml/2006/main">
   <p:cSld>
     <p:spTree>
@@ -7211,101 +7805,8 @@
           <a:lstStyle/>
           <a:p>
             <a:r>
-              <a:rPr lang="en-US" dirty="0" smtClean="0"/>
-              <a:t>What is Android</a:t>
-            </a:r>
-            <a:endParaRPr lang="en-US" dirty="0"/>
-          </a:p>
-        </p:txBody>
-      </p:sp>
-      <p:sp>
-        <p:nvSpPr>
-          <p:cNvPr id="3" name="Content Placeholder 2"/>
-          <p:cNvSpPr>
-            <a:spLocks noGrp="1"/>
-          </p:cNvSpPr>
-          <p:nvPr>
-            <p:ph idx="1"/>
-          </p:nvPr>
-        </p:nvSpPr>
-        <p:spPr/>
-        <p:txBody>
-          <a:bodyPr/>
-          <a:lstStyle/>
-          <a:p>
-            <a:r>
-              <a:rPr lang="en-US" dirty="0" smtClean="0"/>
-              <a:t>Google mobile SDK </a:t>
-            </a:r>
-          </a:p>
-          <a:p>
-            <a:r>
-              <a:rPr lang="en-US" dirty="0" smtClean="0"/>
-              <a:t>Written in Java</a:t>
-            </a:r>
-            <a:endParaRPr lang="en-US" dirty="0"/>
-          </a:p>
-        </p:txBody>
-      </p:sp>
-    </p:spTree>
-    <p:extLst>
-      <p:ext uri="{BB962C8B-B14F-4D97-AF65-F5344CB8AC3E}">
-        <p14:creationId xmlns:p14="http://schemas.microsoft.com/office/powerpoint/2010/main" val="3098932366"/>
-      </p:ext>
-    </p:extLst>
-  </p:cSld>
-  <p:clrMapOvr>
-    <a:masterClrMapping/>
-  </p:clrMapOvr>
-  <p:timing>
-    <p:tnLst>
-      <p:par>
-        <p:cTn id="1" dur="indefinite" restart="never" nodeType="tmRoot"/>
-      </p:par>
-    </p:tnLst>
-  </p:timing>
-</p:sld>
-</file>
-
-<file path=ppt/slides/slide30.xml><?xml version="1.0" encoding="utf-8"?>
-<p:sld xmlns:a="http://schemas.openxmlformats.org/drawingml/2006/main" xmlns:r="http://schemas.openxmlformats.org/officeDocument/2006/relationships" xmlns:p="http://schemas.openxmlformats.org/presentationml/2006/main">
-  <p:cSld>
-    <p:spTree>
-      <p:nvGrpSpPr>
-        <p:cNvPr id="1" name=""/>
-        <p:cNvGrpSpPr/>
-        <p:nvPr/>
-      </p:nvGrpSpPr>
-      <p:grpSpPr>
-        <a:xfrm>
-          <a:off x="0" y="0"/>
-          <a:ext cx="0" cy="0"/>
-          <a:chOff x="0" y="0"/>
-          <a:chExt cx="0" cy="0"/>
-        </a:xfrm>
-      </p:grpSpPr>
-      <p:sp>
-        <p:nvSpPr>
-          <p:cNvPr id="2" name="Title 1"/>
-          <p:cNvSpPr>
-            <a:spLocks noGrp="1"/>
-          </p:cNvSpPr>
-          <p:nvPr>
-            <p:ph type="title"/>
-          </p:nvPr>
-        </p:nvSpPr>
-        <p:spPr/>
-        <p:txBody>
-          <a:bodyPr/>
-          <a:lstStyle/>
-          <a:p>
-            <a:r>
-              <a:rPr lang="en-US" dirty="0" smtClean="0"/>
-              <a:t>Fragment </a:t>
-            </a:r>
-            <a:r>
-              <a:rPr lang="en-US" dirty="0" smtClean="0"/>
-              <a:t>Lifecycle</a:t>
+              <a:rPr lang="en-US" dirty="0"/>
+              <a:t>Fragment Lifecycle</a:t>
             </a:r>
             <a:endParaRPr lang="en-US" sz="2800" dirty="0"/>
           </a:p>
@@ -7522,12 +8023,8 @@
               <a:t>() </a:t>
             </a:r>
             <a:r>
-              <a:rPr lang="en-US" dirty="0" smtClean="0"/>
-              <a:t>moved to the foreground and ready </a:t>
-            </a:r>
-            <a:r>
-              <a:rPr lang="en-US" dirty="0"/>
-              <a:t>for interaction</a:t>
+              <a:rPr lang="en-US" dirty="0"/>
+              <a:t>moved to the foreground and ready for interaction</a:t>
             </a:r>
           </a:p>
         </p:txBody>
@@ -7564,15 +8061,7 @@
             </a:r>
             <a:r>
               <a:rPr lang="en-US" dirty="0"/>
-              <a:t>moving to the </a:t>
-            </a:r>
-            <a:r>
-              <a:rPr lang="en-US" dirty="0" smtClean="0"/>
-              <a:t>background and stopping </a:t>
-            </a:r>
-            <a:r>
-              <a:rPr lang="en-US" dirty="0"/>
-              <a:t>user interaction</a:t>
+              <a:t>moving to the background and stopping user interaction</a:t>
             </a:r>
           </a:p>
         </p:txBody>
@@ -7609,15 +8098,7 @@
             </a:r>
             <a:r>
               <a:rPr lang="en-US" dirty="0"/>
-              <a:t>moved to the background </a:t>
-            </a:r>
-            <a:r>
-              <a:rPr lang="en-US" dirty="0" smtClean="0"/>
-              <a:t>and </a:t>
-            </a:r>
-            <a:r>
-              <a:rPr lang="en-US" dirty="0"/>
-              <a:t>not visible</a:t>
+              <a:t>moved to the background and not visible</a:t>
             </a:r>
           </a:p>
         </p:txBody>
@@ -7632,17 +8113,10 @@
   <p:clrMapOvr>
     <a:masterClrMapping/>
   </p:clrMapOvr>
-  <p:timing>
-    <p:tnLst>
-      <p:par>
-        <p:cTn id="1" dur="indefinite" restart="never" nodeType="tmRoot"/>
-      </p:par>
-    </p:tnLst>
-  </p:timing>
 </p:sld>
 </file>
 
-<file path=ppt/slides/slide31.xml><?xml version="1.0" encoding="utf-8"?>
+<file path=ppt/slides/slide37.xml><?xml version="1.0" encoding="utf-8"?>
 <p:sld xmlns:a="http://schemas.openxmlformats.org/drawingml/2006/main" xmlns:r="http://schemas.openxmlformats.org/officeDocument/2006/relationships" xmlns:p="http://schemas.openxmlformats.org/presentationml/2006/main">
   <p:cSld>
     <p:spTree>
@@ -7675,12 +8149,8 @@
           <a:lstStyle/>
           <a:p>
             <a:r>
-              <a:rPr lang="en-US" dirty="0" smtClean="0"/>
-              <a:t>Fragment </a:t>
-            </a:r>
-            <a:r>
-              <a:rPr lang="en-US" dirty="0" smtClean="0"/>
-              <a:t>Lifecycle</a:t>
+              <a:rPr lang="en-US" dirty="0"/>
+              <a:t>Fragment Lifecycle</a:t>
             </a:r>
             <a:endParaRPr lang="en-US" sz="2800" dirty="0"/>
           </a:p>
@@ -7852,19 +8322,19 @@
           <a:lstStyle/>
           <a:p>
             <a:r>
-              <a:rPr lang="en-US" b="1" dirty="0" err="1" smtClean="0"/>
+              <a:rPr lang="en-US" b="1" dirty="0" err="1"/>
               <a:t>onDestroyView</a:t>
             </a:r>
             <a:r>
-              <a:rPr lang="en-US" b="1" dirty="0" smtClean="0"/>
+              <a:rPr lang="en-US" b="1" dirty="0"/>
               <a:t>() </a:t>
             </a:r>
             <a:r>
-              <a:rPr lang="en-US" dirty="0" smtClean="0"/>
+              <a:rPr lang="en-US" dirty="0"/>
               <a:t>not visible and </a:t>
             </a:r>
             <a:r>
-              <a:rPr lang="en-US" u="sng" dirty="0" smtClean="0"/>
+              <a:rPr lang="en-US" u="sng" dirty="0"/>
               <a:t>view detached from fragment</a:t>
             </a:r>
             <a:endParaRPr lang="en-US" b="1" u="sng" dirty="0"/>
@@ -7894,15 +8364,15 @@
           <a:lstStyle/>
           <a:p>
             <a:r>
-              <a:rPr lang="en-US" b="1" dirty="0" err="1" smtClean="0"/>
+              <a:rPr lang="en-US" b="1" dirty="0" err="1"/>
               <a:t>onDestroy</a:t>
             </a:r>
             <a:r>
-              <a:rPr lang="en-US" b="1" dirty="0" smtClean="0"/>
+              <a:rPr lang="en-US" b="1" dirty="0"/>
               <a:t>() </a:t>
             </a:r>
             <a:r>
-              <a:rPr lang="en-US" dirty="0" smtClean="0"/>
+              <a:rPr lang="en-US" dirty="0"/>
               <a:t>flagged for deletion</a:t>
             </a:r>
             <a:endParaRPr lang="en-US" b="1" dirty="0"/>
@@ -7932,18 +8402,17 @@
           <a:lstStyle/>
           <a:p>
             <a:r>
-              <a:rPr lang="en-US" b="1" dirty="0" err="1" smtClean="0"/>
+              <a:rPr lang="en-US" b="1" dirty="0" err="1"/>
               <a:t>onDetach</a:t>
             </a:r>
             <a:r>
-              <a:rPr lang="en-US" b="1" dirty="0" smtClean="0"/>
+              <a:rPr lang="en-US" b="1" dirty="0"/>
               <a:t>() </a:t>
             </a:r>
             <a:r>
-              <a:rPr lang="en-US" dirty="0" smtClean="0"/>
+              <a:rPr lang="en-US" dirty="0"/>
               <a:t>detached from parent Activity</a:t>
             </a:r>
-            <a:endParaRPr lang="en-US" dirty="0"/>
           </a:p>
         </p:txBody>
       </p:sp>
@@ -7998,17 +8467,10 @@
   <p:clrMapOvr>
     <a:masterClrMapping/>
   </p:clrMapOvr>
-  <p:timing>
-    <p:tnLst>
-      <p:par>
-        <p:cTn id="1" dur="indefinite" restart="never" nodeType="tmRoot"/>
-      </p:par>
-    </p:tnLst>
-  </p:timing>
 </p:sld>
 </file>
 
-<file path=ppt/slides/slide32.xml><?xml version="1.0" encoding="utf-8"?>
+<file path=ppt/slides/slide38.xml><?xml version="1.0" encoding="utf-8"?>
 <p:sld xmlns:a="http://schemas.openxmlformats.org/drawingml/2006/main" xmlns:r="http://schemas.openxmlformats.org/officeDocument/2006/relationships" xmlns:p="http://schemas.openxmlformats.org/presentationml/2006/main">
   <p:cSld>
     <p:spTree>
@@ -8046,14 +8508,9 @@
           <a:lstStyle/>
           <a:p>
             <a:r>
-              <a:rPr lang="en-US" dirty="0" smtClean="0"/>
-              <a:t>Creating </a:t>
-            </a:r>
-            <a:r>
-              <a:rPr lang="en-US" dirty="0" smtClean="0"/>
-              <a:t>Fragment XML Layout</a:t>
-            </a:r>
-            <a:endParaRPr lang="en-US" dirty="0"/>
+              <a:rPr lang="en-US" dirty="0"/>
+              <a:t>Creating Fragment XML Layout</a:t>
+            </a:r>
           </a:p>
         </p:txBody>
       </p:sp>
@@ -8177,602 +8634,6 @@
   <p:clrMapOvr>
     <a:masterClrMapping/>
   </p:clrMapOvr>
-  <p:timing>
-    <p:tnLst>
-      <p:par>
-        <p:cTn id="1" dur="indefinite" restart="never" nodeType="tmRoot"/>
-      </p:par>
-    </p:tnLst>
-  </p:timing>
-</p:sld>
-</file>
-
-<file path=ppt/slides/slide33.xml><?xml version="1.0" encoding="utf-8"?>
-<p:sld xmlns:a="http://schemas.openxmlformats.org/drawingml/2006/main" xmlns:r="http://schemas.openxmlformats.org/officeDocument/2006/relationships" xmlns:p="http://schemas.openxmlformats.org/presentationml/2006/main">
-  <p:cSld>
-    <p:spTree>
-      <p:nvGrpSpPr>
-        <p:cNvPr id="1" name=""/>
-        <p:cNvGrpSpPr/>
-        <p:nvPr/>
-      </p:nvGrpSpPr>
-      <p:grpSpPr>
-        <a:xfrm>
-          <a:off x="0" y="0"/>
-          <a:ext cx="0" cy="0"/>
-          <a:chOff x="0" y="0"/>
-          <a:chExt cx="0" cy="0"/>
-        </a:xfrm>
-      </p:grpSpPr>
-      <p:sp>
-        <p:nvSpPr>
-          <p:cNvPr id="3" name="Content Placeholder 2"/>
-          <p:cNvSpPr>
-            <a:spLocks noGrp="1"/>
-          </p:cNvSpPr>
-          <p:nvPr>
-            <p:ph idx="1"/>
-          </p:nvPr>
-        </p:nvSpPr>
-        <p:spPr/>
-        <p:txBody>
-          <a:bodyPr/>
-          <a:lstStyle/>
-          <a:p>
-            <a:pPr marL="0" indent="0" algn="ctr">
-              <a:buNone/>
-            </a:pPr>
-            <a:endParaRPr lang="en-US" dirty="0" smtClean="0"/>
-          </a:p>
-          <a:p>
-            <a:pPr marL="0" indent="0" algn="ctr">
-              <a:buNone/>
-            </a:pPr>
-            <a:endParaRPr lang="en-US" dirty="0"/>
-          </a:p>
-          <a:p>
-            <a:pPr marL="0" indent="0" algn="ctr">
-              <a:buNone/>
-            </a:pPr>
-            <a:r>
-              <a:rPr lang="en-US" dirty="0" smtClean="0"/>
-              <a:t>Show Fragment Layout Code</a:t>
-            </a:r>
-            <a:endParaRPr lang="en-US" dirty="0"/>
-          </a:p>
-        </p:txBody>
-      </p:sp>
-    </p:spTree>
-    <p:extLst>
-      <p:ext uri="{BB962C8B-B14F-4D97-AF65-F5344CB8AC3E}">
-        <p14:creationId xmlns:p14="http://schemas.microsoft.com/office/powerpoint/2010/main" val="1180113334"/>
-      </p:ext>
-    </p:extLst>
-  </p:cSld>
-  <p:clrMapOvr>
-    <a:masterClrMapping/>
-  </p:clrMapOvr>
-  <p:timing>
-    <p:tnLst>
-      <p:par>
-        <p:cTn id="1" dur="indefinite" restart="never" nodeType="tmRoot"/>
-      </p:par>
-    </p:tnLst>
-  </p:timing>
-</p:sld>
-</file>
-
-<file path=ppt/slides/slide34.xml><?xml version="1.0" encoding="utf-8"?>
-<p:sld xmlns:a="http://schemas.openxmlformats.org/drawingml/2006/main" xmlns:r="http://schemas.openxmlformats.org/officeDocument/2006/relationships" xmlns:p="http://schemas.openxmlformats.org/presentationml/2006/main">
-  <p:cSld>
-    <p:spTree>
-      <p:nvGrpSpPr>
-        <p:cNvPr id="1" name=""/>
-        <p:cNvGrpSpPr/>
-        <p:nvPr/>
-      </p:nvGrpSpPr>
-      <p:grpSpPr>
-        <a:xfrm>
-          <a:off x="0" y="0"/>
-          <a:ext cx="0" cy="0"/>
-          <a:chOff x="0" y="0"/>
-          <a:chExt cx="0" cy="0"/>
-        </a:xfrm>
-      </p:grpSpPr>
-      <p:sp>
-        <p:nvSpPr>
-          <p:cNvPr id="3" name="Content Placeholder 2"/>
-          <p:cNvSpPr>
-            <a:spLocks noGrp="1"/>
-          </p:cNvSpPr>
-          <p:nvPr>
-            <p:ph idx="1"/>
-          </p:nvPr>
-        </p:nvSpPr>
-        <p:spPr/>
-        <p:txBody>
-          <a:bodyPr/>
-          <a:lstStyle/>
-          <a:p>
-            <a:r>
-              <a:rPr lang="en-US" dirty="0" smtClean="0"/>
-              <a:t>View Groups and View dimensions</a:t>
-            </a:r>
-          </a:p>
-          <a:p>
-            <a:r>
-              <a:rPr lang="en-US" dirty="0" smtClean="0"/>
-              <a:t>Scale according to screen density, not screen size</a:t>
-            </a:r>
-          </a:p>
-        </p:txBody>
-      </p:sp>
-      <p:sp>
-        <p:nvSpPr>
-          <p:cNvPr id="4" name="Title 1"/>
-          <p:cNvSpPr>
-            <a:spLocks noGrp="1"/>
-          </p:cNvSpPr>
-          <p:nvPr>
-            <p:ph type="title"/>
-          </p:nvPr>
-        </p:nvSpPr>
-        <p:spPr>
-          <a:xfrm>
-            <a:off x="-1" y="457200"/>
-            <a:ext cx="9120249" cy="1143000"/>
-          </a:xfrm>
-        </p:spPr>
-        <p:txBody>
-          <a:bodyPr/>
-          <a:lstStyle/>
-          <a:p>
-            <a:r>
-              <a:rPr lang="en-US" sz="4400" dirty="0" smtClean="0"/>
-              <a:t>Density Independent Pixel (</a:t>
-            </a:r>
-            <a:r>
-              <a:rPr lang="en-US" sz="4400" dirty="0" err="1" smtClean="0"/>
-              <a:t>dp</a:t>
-            </a:r>
-            <a:r>
-              <a:rPr lang="en-US" sz="4400" dirty="0" smtClean="0"/>
-              <a:t>)</a:t>
-            </a:r>
-            <a:endParaRPr lang="en-US" sz="4400" dirty="0"/>
-          </a:p>
-        </p:txBody>
-      </p:sp>
-    </p:spTree>
-    <p:extLst>
-      <p:ext uri="{BB962C8B-B14F-4D97-AF65-F5344CB8AC3E}">
-        <p14:creationId xmlns:p14="http://schemas.microsoft.com/office/powerpoint/2010/main" val="1947710023"/>
-      </p:ext>
-    </p:extLst>
-  </p:cSld>
-  <p:clrMapOvr>
-    <a:masterClrMapping/>
-  </p:clrMapOvr>
-  <p:timing>
-    <p:tnLst>
-      <p:par>
-        <p:cTn id="1" dur="indefinite" restart="never" nodeType="tmRoot"/>
-      </p:par>
-    </p:tnLst>
-  </p:timing>
-</p:sld>
-</file>
-
-<file path=ppt/slides/slide35.xml><?xml version="1.0" encoding="utf-8"?>
-<p:sld xmlns:a="http://schemas.openxmlformats.org/drawingml/2006/main" xmlns:r="http://schemas.openxmlformats.org/officeDocument/2006/relationships" xmlns:p="http://schemas.openxmlformats.org/presentationml/2006/main">
-  <p:cSld>
-    <p:spTree>
-      <p:nvGrpSpPr>
-        <p:cNvPr id="1" name=""/>
-        <p:cNvGrpSpPr/>
-        <p:nvPr/>
-      </p:nvGrpSpPr>
-      <p:grpSpPr>
-        <a:xfrm>
-          <a:off x="0" y="0"/>
-          <a:ext cx="0" cy="0"/>
-          <a:chOff x="0" y="0"/>
-          <a:chExt cx="0" cy="0"/>
-        </a:xfrm>
-      </p:grpSpPr>
-      <p:sp>
-        <p:nvSpPr>
-          <p:cNvPr id="3" name="Content Placeholder 2"/>
-          <p:cNvSpPr>
-            <a:spLocks noGrp="1"/>
-          </p:cNvSpPr>
-          <p:nvPr>
-            <p:ph idx="1"/>
-          </p:nvPr>
-        </p:nvSpPr>
-        <p:spPr>
-          <a:xfrm>
-            <a:off x="0" y="1600201"/>
-            <a:ext cx="8633361" cy="4525963"/>
-          </a:xfrm>
-        </p:spPr>
-        <p:txBody>
-          <a:bodyPr/>
-          <a:lstStyle/>
-          <a:p>
-            <a:pPr lvl="1"/>
-            <a:r>
-              <a:rPr lang="en-US" dirty="0" smtClean="0"/>
-              <a:t>Controlling text size</a:t>
-            </a:r>
-          </a:p>
-          <a:p>
-            <a:pPr lvl="1"/>
-            <a:r>
-              <a:rPr lang="en-US" dirty="0" smtClean="0"/>
-              <a:t>Scale </a:t>
-            </a:r>
-            <a:r>
-              <a:rPr lang="en-US" dirty="0"/>
-              <a:t>according to screen density, not screen </a:t>
-            </a:r>
-            <a:r>
-              <a:rPr lang="en-US" dirty="0" smtClean="0"/>
-              <a:t>size</a:t>
-            </a:r>
-          </a:p>
-          <a:p>
-            <a:pPr lvl="1"/>
-            <a:r>
-              <a:rPr lang="en-US" dirty="0" smtClean="0"/>
-              <a:t>Also, scales according settings font settings</a:t>
-            </a:r>
-            <a:endParaRPr lang="en-US" dirty="0"/>
-          </a:p>
-        </p:txBody>
-      </p:sp>
-      <p:sp>
-        <p:nvSpPr>
-          <p:cNvPr id="4" name="Title 1"/>
-          <p:cNvSpPr>
-            <a:spLocks noGrp="1"/>
-          </p:cNvSpPr>
-          <p:nvPr>
-            <p:ph type="title"/>
-          </p:nvPr>
-        </p:nvSpPr>
-        <p:spPr>
-          <a:xfrm>
-            <a:off x="0" y="457200"/>
-            <a:ext cx="7112000" cy="1143000"/>
-          </a:xfrm>
-        </p:spPr>
-        <p:txBody>
-          <a:bodyPr/>
-          <a:lstStyle/>
-          <a:p>
-            <a:r>
-              <a:rPr lang="en-US" dirty="0"/>
-              <a:t>Scale Independent Pixel (</a:t>
-            </a:r>
-            <a:r>
-              <a:rPr lang="en-US" dirty="0" err="1"/>
-              <a:t>sp</a:t>
-            </a:r>
-            <a:r>
-              <a:rPr lang="en-US" dirty="0"/>
-              <a:t>)</a:t>
-            </a:r>
-          </a:p>
-        </p:txBody>
-      </p:sp>
-      <p:pic>
-        <p:nvPicPr>
-          <p:cNvPr id="2" name="Picture 1"/>
-          <p:cNvPicPr>
-            <a:picLocks noChangeAspect="1"/>
-          </p:cNvPicPr>
-          <p:nvPr/>
-        </p:nvPicPr>
-        <p:blipFill>
-          <a:blip r:embed="rId2" cstate="print">
-            <a:extLst>
-              <a:ext uri="{28A0092B-C50C-407E-A947-70E740481C1C}">
-                <a14:useLocalDpi xmlns:a14="http://schemas.microsoft.com/office/drawing/2010/main" val="0"/>
-              </a:ext>
-            </a:extLst>
-          </a:blip>
-          <a:stretch>
-            <a:fillRect/>
-          </a:stretch>
-        </p:blipFill>
-        <p:spPr>
-          <a:xfrm>
-            <a:off x="8519431" y="1852549"/>
-            <a:ext cx="2013982" cy="3580411"/>
-          </a:xfrm>
-          <a:prstGeom prst="rect">
-            <a:avLst/>
-          </a:prstGeom>
-          <a:ln>
-            <a:solidFill>
-              <a:schemeClr val="tx1">
-                <a:lumMod val="65000"/>
-                <a:lumOff val="35000"/>
-              </a:schemeClr>
-            </a:solidFill>
-          </a:ln>
-        </p:spPr>
-      </p:pic>
-    </p:spTree>
-    <p:extLst>
-      <p:ext uri="{BB962C8B-B14F-4D97-AF65-F5344CB8AC3E}">
-        <p14:creationId xmlns:p14="http://schemas.microsoft.com/office/powerpoint/2010/main" val="2222966207"/>
-      </p:ext>
-    </p:extLst>
-  </p:cSld>
-  <p:clrMapOvr>
-    <a:masterClrMapping/>
-  </p:clrMapOvr>
-  <p:timing>
-    <p:tnLst>
-      <p:par>
-        <p:cTn id="1" dur="indefinite" restart="never" nodeType="tmRoot"/>
-      </p:par>
-    </p:tnLst>
-  </p:timing>
-</p:sld>
-</file>
-
-<file path=ppt/slides/slide36.xml><?xml version="1.0" encoding="utf-8"?>
-<p:sld xmlns:a="http://schemas.openxmlformats.org/drawingml/2006/main" xmlns:r="http://schemas.openxmlformats.org/officeDocument/2006/relationships" xmlns:p="http://schemas.openxmlformats.org/presentationml/2006/main">
-  <p:cSld>
-    <p:spTree>
-      <p:nvGrpSpPr>
-        <p:cNvPr id="1" name=""/>
-        <p:cNvGrpSpPr/>
-        <p:nvPr/>
-      </p:nvGrpSpPr>
-      <p:grpSpPr>
-        <a:xfrm>
-          <a:off x="0" y="0"/>
-          <a:ext cx="0" cy="0"/>
-          <a:chOff x="0" y="0"/>
-          <a:chExt cx="0" cy="0"/>
-        </a:xfrm>
-      </p:grpSpPr>
-      <p:sp>
-        <p:nvSpPr>
-          <p:cNvPr id="2" name="Title 1"/>
-          <p:cNvSpPr>
-            <a:spLocks noGrp="1"/>
-          </p:cNvSpPr>
-          <p:nvPr>
-            <p:ph type="title"/>
-          </p:nvPr>
-        </p:nvSpPr>
-        <p:spPr/>
-        <p:txBody>
-          <a:bodyPr/>
-          <a:lstStyle/>
-          <a:p>
-            <a:r>
-              <a:rPr lang="en-US" dirty="0" smtClean="0"/>
-              <a:t>Fragment Code</a:t>
-            </a:r>
-            <a:endParaRPr lang="en-US" dirty="0"/>
-          </a:p>
-        </p:txBody>
-      </p:sp>
-      <p:sp>
-        <p:nvSpPr>
-          <p:cNvPr id="3" name="Content Placeholder 2"/>
-          <p:cNvSpPr>
-            <a:spLocks noGrp="1"/>
-          </p:cNvSpPr>
-          <p:nvPr>
-            <p:ph idx="1"/>
-          </p:nvPr>
-        </p:nvSpPr>
-        <p:spPr/>
-        <p:txBody>
-          <a:bodyPr/>
-          <a:lstStyle/>
-          <a:p>
-            <a:r>
-              <a:rPr lang="en-US" dirty="0" smtClean="0"/>
-              <a:t>Logic to fragment XML </a:t>
-            </a:r>
-            <a:r>
-              <a:rPr lang="en-US" dirty="0" smtClean="0"/>
-              <a:t>layout</a:t>
-            </a:r>
-          </a:p>
-          <a:p>
-            <a:pPr lvl="1"/>
-            <a:r>
-              <a:rPr lang="en-US" dirty="0" err="1" smtClean="0"/>
-              <a:t>onClick</a:t>
-            </a:r>
-            <a:r>
-              <a:rPr lang="en-US" dirty="0" smtClean="0"/>
-              <a:t>()</a:t>
-            </a:r>
-            <a:r>
-              <a:rPr lang="en-US" dirty="0"/>
-              <a:t> </a:t>
-            </a:r>
-            <a:endParaRPr lang="en-US" dirty="0" smtClean="0"/>
-          </a:p>
-        </p:txBody>
-      </p:sp>
-    </p:spTree>
-    <p:extLst>
-      <p:ext uri="{BB962C8B-B14F-4D97-AF65-F5344CB8AC3E}">
-        <p14:creationId xmlns:p14="http://schemas.microsoft.com/office/powerpoint/2010/main" val="4201928760"/>
-      </p:ext>
-    </p:extLst>
-  </p:cSld>
-  <p:clrMapOvr>
-    <a:masterClrMapping/>
-  </p:clrMapOvr>
-  <p:timing>
-    <p:tnLst>
-      <p:par>
-        <p:cTn id="1" dur="indefinite" restart="never" nodeType="tmRoot"/>
-      </p:par>
-    </p:tnLst>
-  </p:timing>
-</p:sld>
-</file>
-
-<file path=ppt/slides/slide37.xml><?xml version="1.0" encoding="utf-8"?>
-<p:sld xmlns:a="http://schemas.openxmlformats.org/drawingml/2006/main" xmlns:r="http://schemas.openxmlformats.org/officeDocument/2006/relationships" xmlns:p="http://schemas.openxmlformats.org/presentationml/2006/main">
-  <p:cSld>
-    <p:spTree>
-      <p:nvGrpSpPr>
-        <p:cNvPr id="1" name=""/>
-        <p:cNvGrpSpPr/>
-        <p:nvPr/>
-      </p:nvGrpSpPr>
-      <p:grpSpPr>
-        <a:xfrm>
-          <a:off x="0" y="0"/>
-          <a:ext cx="0" cy="0"/>
-          <a:chOff x="0" y="0"/>
-          <a:chExt cx="0" cy="0"/>
-        </a:xfrm>
-      </p:grpSpPr>
-      <p:sp>
-        <p:nvSpPr>
-          <p:cNvPr id="3" name="Content Placeholder 2"/>
-          <p:cNvSpPr>
-            <a:spLocks noGrp="1"/>
-          </p:cNvSpPr>
-          <p:nvPr>
-            <p:ph idx="1"/>
-          </p:nvPr>
-        </p:nvSpPr>
-        <p:spPr/>
-        <p:txBody>
-          <a:bodyPr/>
-          <a:lstStyle/>
-          <a:p>
-            <a:pPr marL="0" indent="0" algn="ctr">
-              <a:buNone/>
-            </a:pPr>
-            <a:endParaRPr lang="en-US" dirty="0" smtClean="0"/>
-          </a:p>
-          <a:p>
-            <a:pPr marL="0" indent="0" algn="ctr">
-              <a:buNone/>
-            </a:pPr>
-            <a:endParaRPr lang="en-US" dirty="0"/>
-          </a:p>
-          <a:p>
-            <a:pPr marL="0" indent="0" algn="ctr">
-              <a:buNone/>
-            </a:pPr>
-            <a:r>
-              <a:rPr lang="en-US" dirty="0" smtClean="0"/>
-              <a:t>Show Fragment Code</a:t>
-            </a:r>
-            <a:endParaRPr lang="en-US" dirty="0"/>
-          </a:p>
-        </p:txBody>
-      </p:sp>
-    </p:spTree>
-    <p:extLst>
-      <p:ext uri="{BB962C8B-B14F-4D97-AF65-F5344CB8AC3E}">
-        <p14:creationId xmlns:p14="http://schemas.microsoft.com/office/powerpoint/2010/main" val="1228316914"/>
-      </p:ext>
-    </p:extLst>
-  </p:cSld>
-  <p:clrMapOvr>
-    <a:masterClrMapping/>
-  </p:clrMapOvr>
-  <p:timing>
-    <p:tnLst>
-      <p:par>
-        <p:cTn id="1" dur="indefinite" restart="never" nodeType="tmRoot"/>
-      </p:par>
-    </p:tnLst>
-  </p:timing>
-</p:sld>
-</file>
-
-<file path=ppt/slides/slide38.xml><?xml version="1.0" encoding="utf-8"?>
-<p:sld xmlns:a="http://schemas.openxmlformats.org/drawingml/2006/main" xmlns:r="http://schemas.openxmlformats.org/officeDocument/2006/relationships" xmlns:p="http://schemas.openxmlformats.org/presentationml/2006/main">
-  <p:cSld>
-    <p:spTree>
-      <p:nvGrpSpPr>
-        <p:cNvPr id="1" name=""/>
-        <p:cNvGrpSpPr/>
-        <p:nvPr/>
-      </p:nvGrpSpPr>
-      <p:grpSpPr>
-        <a:xfrm>
-          <a:off x="0" y="0"/>
-          <a:ext cx="0" cy="0"/>
-          <a:chOff x="0" y="0"/>
-          <a:chExt cx="0" cy="0"/>
-        </a:xfrm>
-      </p:grpSpPr>
-      <p:sp>
-        <p:nvSpPr>
-          <p:cNvPr id="3" name="Content Placeholder 2"/>
-          <p:cNvSpPr>
-            <a:spLocks noGrp="1"/>
-          </p:cNvSpPr>
-          <p:nvPr>
-            <p:ph idx="1"/>
-          </p:nvPr>
-        </p:nvSpPr>
-        <p:spPr/>
-        <p:txBody>
-          <a:bodyPr/>
-          <a:lstStyle/>
-          <a:p>
-            <a:pPr marL="0" indent="0">
-              <a:buNone/>
-            </a:pPr>
-            <a:endParaRPr lang="en-US" dirty="0" smtClean="0"/>
-          </a:p>
-          <a:p>
-            <a:pPr marL="0" indent="0">
-              <a:buNone/>
-            </a:pPr>
-            <a:endParaRPr lang="en-US" dirty="0"/>
-          </a:p>
-          <a:p>
-            <a:pPr marL="0" indent="0" algn="ctr">
-              <a:buNone/>
-            </a:pPr>
-            <a:r>
-              <a:rPr lang="en-US" dirty="0" smtClean="0"/>
-              <a:t>Live Example Fragment Code</a:t>
-            </a:r>
-            <a:endParaRPr lang="en-US" dirty="0"/>
-          </a:p>
-        </p:txBody>
-      </p:sp>
-    </p:spTree>
-    <p:extLst>
-      <p:ext uri="{BB962C8B-B14F-4D97-AF65-F5344CB8AC3E}">
-        <p14:creationId xmlns:p14="http://schemas.microsoft.com/office/powerpoint/2010/main" val="998786636"/>
-      </p:ext>
-    </p:extLst>
-  </p:cSld>
-  <p:clrMapOvr>
-    <a:masterClrMapping/>
-  </p:clrMapOvr>
-  <p:timing>
-    <p:tnLst>
-      <p:par>
-        <p:cTn id="1" dur="indefinite" restart="never" nodeType="tmRoot"/>
-      </p:par>
-    </p:tnLst>
-  </p:timing>
 </p:sld>
 </file>
 
@@ -8795,12 +8656,12 @@
       </p:grpSpPr>
       <p:sp>
         <p:nvSpPr>
-          <p:cNvPr id="2" name="Title 1"/>
-          <p:cNvSpPr>
-            <a:spLocks noGrp="1"/>
-          </p:cNvSpPr>
-          <p:nvPr>
-            <p:ph type="title"/>
+          <p:cNvPr id="3" name="Content Placeholder 2"/>
+          <p:cNvSpPr>
+            <a:spLocks noGrp="1"/>
+          </p:cNvSpPr>
+          <p:nvPr>
+            <p:ph idx="1"/>
           </p:nvPr>
         </p:nvSpPr>
         <p:spPr/>
@@ -8808,50 +8669,38 @@
           <a:bodyPr/>
           <a:lstStyle/>
           <a:p>
-            <a:r>
-              <a:rPr lang="en-US" dirty="0" smtClean="0"/>
-              <a:t>Adding Fragment to Activity</a:t>
-            </a:r>
+            <a:pPr marL="0" indent="0" algn="ctr">
+              <a:buNone/>
+            </a:pPr>
             <a:endParaRPr lang="en-US" dirty="0"/>
           </a:p>
-        </p:txBody>
-      </p:sp>
-      <p:sp>
-        <p:nvSpPr>
-          <p:cNvPr id="3" name="Content Placeholder 2"/>
-          <p:cNvSpPr>
-            <a:spLocks noGrp="1"/>
-          </p:cNvSpPr>
-          <p:nvPr>
-            <p:ph idx="1"/>
-          </p:nvPr>
-        </p:nvSpPr>
-        <p:spPr/>
-        <p:txBody>
-          <a:bodyPr/>
-          <a:lstStyle/>
-          <a:p>
+          <a:p>
+            <a:pPr marL="0" indent="0" algn="ctr">
+              <a:buNone/>
+            </a:pPr>
             <a:endParaRPr lang="en-US" dirty="0"/>
+          </a:p>
+          <a:p>
+            <a:pPr marL="0" indent="0" algn="ctr">
+              <a:buNone/>
+            </a:pPr>
+            <a:r>
+              <a:rPr lang="en-US" dirty="0"/>
+              <a:t>Show Fragment Layout Code</a:t>
+            </a:r>
           </a:p>
         </p:txBody>
       </p:sp>
     </p:spTree>
     <p:extLst>
       <p:ext uri="{BB962C8B-B14F-4D97-AF65-F5344CB8AC3E}">
-        <p14:creationId xmlns:p14="http://schemas.microsoft.com/office/powerpoint/2010/main" val="1212573231"/>
+        <p14:creationId xmlns:p14="http://schemas.microsoft.com/office/powerpoint/2010/main" val="1180113334"/>
       </p:ext>
     </p:extLst>
   </p:cSld>
   <p:clrMapOvr>
     <a:masterClrMapping/>
   </p:clrMapOvr>
-  <p:timing>
-    <p:tnLst>
-      <p:par>
-        <p:cTn id="1" dur="indefinite" restart="never" nodeType="tmRoot"/>
-      </p:par>
-    </p:tnLst>
-  </p:timing>
 </p:sld>
 </file>
 
@@ -9057,13 +8906,6 @@
   <p:clrMapOvr>
     <a:masterClrMapping/>
   </p:clrMapOvr>
-  <p:timing>
-    <p:tnLst>
-      <p:par>
-        <p:cTn id="1" dur="indefinite" restart="never" nodeType="tmRoot"/>
-      </p:par>
-    </p:tnLst>
-  </p:timing>
 </p:sld>
 </file>
 
@@ -9099,46 +8941,64 @@
           <a:bodyPr/>
           <a:lstStyle/>
           <a:p>
-            <a:pPr marL="0" indent="0" algn="ctr">
-              <a:buNone/>
-            </a:pPr>
-            <a:endParaRPr lang="en-US" dirty="0"/>
-          </a:p>
-          <a:p>
-            <a:pPr marL="0" indent="0" algn="ctr">
-              <a:buNone/>
-            </a:pPr>
-            <a:endParaRPr lang="en-US" dirty="0" smtClean="0"/>
-          </a:p>
-          <a:p>
-            <a:pPr marL="0" indent="0" algn="ctr">
-              <a:buNone/>
-            </a:pPr>
-            <a:r>
-              <a:rPr lang="en-US" dirty="0" smtClean="0"/>
-              <a:t>Extra</a:t>
-            </a:r>
-            <a:endParaRPr lang="en-US" dirty="0"/>
+            <a:r>
+              <a:rPr lang="en-US" dirty="0"/>
+              <a:t>View Groups and View dimensions</a:t>
+            </a:r>
+          </a:p>
+          <a:p>
+            <a:r>
+              <a:rPr lang="en-US" dirty="0"/>
+              <a:t>Scale according to screen density, not screen size</a:t>
+            </a:r>
+          </a:p>
+        </p:txBody>
+      </p:sp>
+      <p:sp>
+        <p:nvSpPr>
+          <p:cNvPr id="4" name="Title 1"/>
+          <p:cNvSpPr>
+            <a:spLocks noGrp="1"/>
+          </p:cNvSpPr>
+          <p:nvPr>
+            <p:ph type="title"/>
+          </p:nvPr>
+        </p:nvSpPr>
+        <p:spPr>
+          <a:xfrm>
+            <a:off x="-1" y="457200"/>
+            <a:ext cx="9120249" cy="1143000"/>
+          </a:xfrm>
+        </p:spPr>
+        <p:txBody>
+          <a:bodyPr/>
+          <a:lstStyle/>
+          <a:p>
+            <a:r>
+              <a:rPr lang="en-US" sz="4400" dirty="0"/>
+              <a:t>Density Independent Pixel (</a:t>
+            </a:r>
+            <a:r>
+              <a:rPr lang="en-US" sz="4400" dirty="0" err="1"/>
+              <a:t>dp</a:t>
+            </a:r>
+            <a:r>
+              <a:rPr lang="en-US" sz="4400" dirty="0"/>
+              <a:t>)</a:t>
+            </a:r>
           </a:p>
         </p:txBody>
       </p:sp>
     </p:spTree>
     <p:extLst>
       <p:ext uri="{BB962C8B-B14F-4D97-AF65-F5344CB8AC3E}">
-        <p14:creationId xmlns:p14="http://schemas.microsoft.com/office/powerpoint/2010/main" val="3384954775"/>
+        <p14:creationId xmlns:p14="http://schemas.microsoft.com/office/powerpoint/2010/main" val="1947710023"/>
       </p:ext>
     </p:extLst>
   </p:cSld>
   <p:clrMapOvr>
     <a:masterClrMapping/>
   </p:clrMapOvr>
-  <p:timing>
-    <p:tnLst>
-      <p:par>
-        <p:cTn id="1" dur="indefinite" restart="never" nodeType="tmRoot"/>
-      </p:par>
-    </p:tnLst>
-  </p:timing>
 </p:sld>
 </file>
 
@@ -9161,7 +9021,49 @@
       </p:grpSpPr>
       <p:sp>
         <p:nvSpPr>
-          <p:cNvPr id="2" name="Title 1"/>
+          <p:cNvPr id="3" name="Content Placeholder 2"/>
+          <p:cNvSpPr>
+            <a:spLocks noGrp="1"/>
+          </p:cNvSpPr>
+          <p:nvPr>
+            <p:ph idx="1"/>
+          </p:nvPr>
+        </p:nvSpPr>
+        <p:spPr>
+          <a:xfrm>
+            <a:off x="0" y="1600201"/>
+            <a:ext cx="8633361" cy="4525963"/>
+          </a:xfrm>
+        </p:spPr>
+        <p:txBody>
+          <a:bodyPr/>
+          <a:lstStyle/>
+          <a:p>
+            <a:pPr lvl="1"/>
+            <a:r>
+              <a:rPr lang="en-US" dirty="0"/>
+              <a:t>Controlling text size</a:t>
+            </a:r>
+          </a:p>
+          <a:p>
+            <a:pPr lvl="1"/>
+            <a:r>
+              <a:rPr lang="en-US" dirty="0"/>
+              <a:t>Scale according to screen density, not screen size</a:t>
+            </a:r>
+          </a:p>
+          <a:p>
+            <a:pPr lvl="1"/>
+            <a:r>
+              <a:rPr lang="en-US" dirty="0"/>
+              <a:t>Also, scales according settings font settings</a:t>
+            </a:r>
+          </a:p>
+        </p:txBody>
+      </p:sp>
+      <p:sp>
+        <p:nvSpPr>
+          <p:cNvPr id="4" name="Title 1"/>
           <p:cNvSpPr>
             <a:spLocks noGrp="1"/>
           </p:cNvSpPr>
@@ -9169,55 +9071,79 @@
             <p:ph type="title"/>
           </p:nvPr>
         </p:nvSpPr>
-        <p:spPr/>
-        <p:txBody>
-          <a:bodyPr/>
-          <a:lstStyle/>
-          <a:p>
-            <a:r>
-              <a:rPr lang="en-US" dirty="0" smtClean="0"/>
-              <a:t>Landscape Layout </a:t>
-            </a:r>
-            <a:endParaRPr lang="en-US" dirty="0"/>
-          </a:p>
-        </p:txBody>
-      </p:sp>
-      <p:sp>
-        <p:nvSpPr>
-          <p:cNvPr id="3" name="Content Placeholder 2"/>
-          <p:cNvSpPr>
-            <a:spLocks noGrp="1"/>
-          </p:cNvSpPr>
-          <p:nvPr>
-            <p:ph idx="1"/>
-          </p:nvPr>
-        </p:nvSpPr>
-        <p:spPr/>
-        <p:txBody>
-          <a:bodyPr/>
-          <a:lstStyle/>
-          <a:p>
-            <a:endParaRPr lang="en-US" dirty="0"/>
-          </a:p>
-        </p:txBody>
-      </p:sp>
+        <p:spPr>
+          <a:xfrm>
+            <a:off x="0" y="457200"/>
+            <a:ext cx="7112000" cy="1143000"/>
+          </a:xfrm>
+        </p:spPr>
+        <p:txBody>
+          <a:bodyPr/>
+          <a:lstStyle/>
+          <a:p>
+            <a:r>
+              <a:rPr lang="en-US" dirty="0"/>
+              <a:t>Scale Independent Pixel (</a:t>
+            </a:r>
+            <a:r>
+              <a:rPr lang="en-US" dirty="0" err="1"/>
+              <a:t>sp</a:t>
+            </a:r>
+            <a:r>
+              <a:rPr lang="en-US" dirty="0"/>
+              <a:t>)</a:t>
+            </a:r>
+          </a:p>
+        </p:txBody>
+      </p:sp>
+      <p:pic>
+        <p:nvPicPr>
+          <p:cNvPr id="2" name="Picture 1"/>
+          <p:cNvPicPr>
+            <a:picLocks noChangeAspect="1"/>
+          </p:cNvPicPr>
+          <p:nvPr/>
+        </p:nvPicPr>
+        <p:blipFill>
+          <a:blip r:embed="rId2" cstate="print">
+            <a:extLst>
+              <a:ext uri="{28A0092B-C50C-407E-A947-70E740481C1C}">
+                <a14:useLocalDpi xmlns:a14="http://schemas.microsoft.com/office/drawing/2010/main" val="0"/>
+              </a:ext>
+            </a:extLst>
+          </a:blip>
+          <a:stretch>
+            <a:fillRect/>
+          </a:stretch>
+        </p:blipFill>
+        <p:spPr>
+          <a:xfrm>
+            <a:off x="8519431" y="1852549"/>
+            <a:ext cx="2013982" cy="3580411"/>
+          </a:xfrm>
+          <a:prstGeom prst="rect">
+            <a:avLst/>
+          </a:prstGeom>
+          <a:ln>
+            <a:solidFill>
+              <a:schemeClr val="tx1">
+                <a:lumMod val="65000"/>
+                <a:lumOff val="35000"/>
+              </a:schemeClr>
+            </a:solidFill>
+          </a:ln>
+        </p:spPr>
+      </p:pic>
     </p:spTree>
     <p:extLst>
       <p:ext uri="{BB962C8B-B14F-4D97-AF65-F5344CB8AC3E}">
-        <p14:creationId xmlns:p14="http://schemas.microsoft.com/office/powerpoint/2010/main" val="449537407"/>
+        <p14:creationId xmlns:p14="http://schemas.microsoft.com/office/powerpoint/2010/main" val="2222966207"/>
       </p:ext>
     </p:extLst>
   </p:cSld>
   <p:clrMapOvr>
     <a:masterClrMapping/>
   </p:clrMapOvr>
-  <p:timing>
-    <p:tnLst>
-      <p:par>
-        <p:cTn id="1" dur="indefinite" restart="never" nodeType="tmRoot"/>
-      </p:par>
-    </p:tnLst>
-  </p:timing>
 </p:sld>
 </file>
 
@@ -9254,10 +9180,9 @@
           <a:lstStyle/>
           <a:p>
             <a:r>
-              <a:rPr lang="en-US" dirty="0" smtClean="0"/>
-              <a:t>Fragment callbacks</a:t>
-            </a:r>
-            <a:endParaRPr lang="en-US" dirty="0"/>
+              <a:rPr lang="en-US" dirty="0"/>
+              <a:t>Fragment Code</a:t>
+            </a:r>
           </a:p>
         </p:txBody>
       </p:sp>
@@ -9276,27 +9201,34 @@
           <a:bodyPr/>
           <a:lstStyle/>
           <a:p>
-            <a:endParaRPr lang="en-US" dirty="0"/>
+            <a:r>
+              <a:rPr lang="en-US" dirty="0"/>
+              <a:t>Logic to fragment XML layout</a:t>
+            </a:r>
+          </a:p>
+          <a:p>
+            <a:pPr lvl="1"/>
+            <a:r>
+              <a:rPr lang="en-US" dirty="0" err="1"/>
+              <a:t>onClick</a:t>
+            </a:r>
+            <a:r>
+              <a:rPr lang="en-US" dirty="0"/>
+              <a:t>() </a:t>
+            </a:r>
           </a:p>
         </p:txBody>
       </p:sp>
     </p:spTree>
     <p:extLst>
       <p:ext uri="{BB962C8B-B14F-4D97-AF65-F5344CB8AC3E}">
-        <p14:creationId xmlns:p14="http://schemas.microsoft.com/office/powerpoint/2010/main" val="475706249"/>
+        <p14:creationId xmlns:p14="http://schemas.microsoft.com/office/powerpoint/2010/main" val="4201928760"/>
       </p:ext>
     </p:extLst>
   </p:cSld>
   <p:clrMapOvr>
     <a:masterClrMapping/>
   </p:clrMapOvr>
-  <p:timing>
-    <p:tnLst>
-      <p:par>
-        <p:cTn id="1" dur="indefinite" restart="never" nodeType="tmRoot"/>
-      </p:par>
-    </p:tnLst>
-  </p:timing>
 </p:sld>
 </file>
 
@@ -9319,12 +9251,12 @@
       </p:grpSpPr>
       <p:sp>
         <p:nvSpPr>
-          <p:cNvPr id="2" name="Title 1"/>
-          <p:cNvSpPr>
-            <a:spLocks noGrp="1"/>
-          </p:cNvSpPr>
-          <p:nvPr>
-            <p:ph type="title"/>
+          <p:cNvPr id="3" name="Content Placeholder 2"/>
+          <p:cNvSpPr>
+            <a:spLocks noGrp="1"/>
+          </p:cNvSpPr>
+          <p:nvPr>
+            <p:ph idx="1"/>
           </p:nvPr>
         </p:nvSpPr>
         <p:spPr/>
@@ -9332,50 +9264,38 @@
           <a:bodyPr/>
           <a:lstStyle/>
           <a:p>
-            <a:r>
-              <a:rPr lang="en-US" dirty="0" smtClean="0"/>
-              <a:t>Dynamic Fragments </a:t>
-            </a:r>
+            <a:pPr marL="0" indent="0" algn="ctr">
+              <a:buNone/>
+            </a:pPr>
             <a:endParaRPr lang="en-US" dirty="0"/>
           </a:p>
-        </p:txBody>
-      </p:sp>
-      <p:sp>
-        <p:nvSpPr>
-          <p:cNvPr id="3" name="Content Placeholder 2"/>
-          <p:cNvSpPr>
-            <a:spLocks noGrp="1"/>
-          </p:cNvSpPr>
-          <p:nvPr>
-            <p:ph idx="1"/>
-          </p:nvPr>
-        </p:nvSpPr>
-        <p:spPr/>
-        <p:txBody>
-          <a:bodyPr/>
-          <a:lstStyle/>
-          <a:p>
-            <a:endParaRPr lang="en-US"/>
+          <a:p>
+            <a:pPr marL="0" indent="0" algn="ctr">
+              <a:buNone/>
+            </a:pPr>
+            <a:endParaRPr lang="en-US" dirty="0"/>
+          </a:p>
+          <a:p>
+            <a:pPr marL="0" indent="0" algn="ctr">
+              <a:buNone/>
+            </a:pPr>
+            <a:r>
+              <a:rPr lang="en-US" dirty="0"/>
+              <a:t>Show Fragment Code</a:t>
+            </a:r>
           </a:p>
         </p:txBody>
       </p:sp>
     </p:spTree>
     <p:extLst>
       <p:ext uri="{BB962C8B-B14F-4D97-AF65-F5344CB8AC3E}">
-        <p14:creationId xmlns:p14="http://schemas.microsoft.com/office/powerpoint/2010/main" val="3668840453"/>
+        <p14:creationId xmlns:p14="http://schemas.microsoft.com/office/powerpoint/2010/main" val="1228316914"/>
       </p:ext>
     </p:extLst>
   </p:cSld>
   <p:clrMapOvr>
     <a:masterClrMapping/>
   </p:clrMapOvr>
-  <p:timing>
-    <p:tnLst>
-      <p:par>
-        <p:cTn id="1" dur="indefinite" restart="never" nodeType="tmRoot"/>
-      </p:par>
-    </p:tnLst>
-  </p:timing>
 </p:sld>
 </file>
 
@@ -9398,68 +9318,402 @@
       </p:grpSpPr>
       <p:sp>
         <p:nvSpPr>
-          <p:cNvPr id="2" name="Title 1"/>
-          <p:cNvSpPr>
-            <a:spLocks noGrp="1"/>
-          </p:cNvSpPr>
-          <p:nvPr>
-            <p:ph type="title"/>
-          </p:nvPr>
-        </p:nvSpPr>
-        <p:spPr>
-          <a:xfrm>
-            <a:off x="0" y="457200"/>
-            <a:ext cx="9144000" cy="1143000"/>
-          </a:xfrm>
-        </p:spPr>
-        <p:txBody>
-          <a:bodyPr/>
-          <a:lstStyle/>
-          <a:p>
-            <a:r>
-              <a:rPr lang="en-US" dirty="0" smtClean="0"/>
-              <a:t>Passing arguments to Fragments</a:t>
-            </a:r>
+          <p:cNvPr id="3" name="Content Placeholder 2"/>
+          <p:cNvSpPr>
+            <a:spLocks noGrp="1"/>
+          </p:cNvSpPr>
+          <p:nvPr>
+            <p:ph idx="1"/>
+          </p:nvPr>
+        </p:nvSpPr>
+        <p:spPr/>
+        <p:txBody>
+          <a:bodyPr/>
+          <a:lstStyle/>
+          <a:p>
+            <a:pPr marL="0" indent="0">
+              <a:buNone/>
+            </a:pPr>
             <a:endParaRPr lang="en-US" dirty="0"/>
           </a:p>
-        </p:txBody>
-      </p:sp>
-      <p:sp>
-        <p:nvSpPr>
-          <p:cNvPr id="3" name="Content Placeholder 2"/>
-          <p:cNvSpPr>
-            <a:spLocks noGrp="1"/>
-          </p:cNvSpPr>
-          <p:nvPr>
-            <p:ph idx="1"/>
-          </p:nvPr>
-        </p:nvSpPr>
-        <p:spPr/>
-        <p:txBody>
-          <a:bodyPr/>
-          <a:lstStyle/>
-          <a:p>
+          <a:p>
+            <a:pPr marL="0" indent="0">
+              <a:buNone/>
+            </a:pPr>
             <a:endParaRPr lang="en-US" dirty="0"/>
+          </a:p>
+          <a:p>
+            <a:pPr marL="0" indent="0" algn="ctr">
+              <a:buNone/>
+            </a:pPr>
+            <a:r>
+              <a:rPr lang="en-US" dirty="0"/>
+              <a:t>Live Example Fragment Code</a:t>
+            </a:r>
           </a:p>
         </p:txBody>
       </p:sp>
     </p:spTree>
     <p:extLst>
       <p:ext uri="{BB962C8B-B14F-4D97-AF65-F5344CB8AC3E}">
-        <p14:creationId xmlns:p14="http://schemas.microsoft.com/office/powerpoint/2010/main" val="786261865"/>
+        <p14:creationId xmlns:p14="http://schemas.microsoft.com/office/powerpoint/2010/main" val="998786636"/>
       </p:ext>
     </p:extLst>
   </p:cSld>
   <p:clrMapOvr>
     <a:masterClrMapping/>
   </p:clrMapOvr>
-  <p:timing>
-    <p:tnLst>
-      <p:par>
-        <p:cTn id="1" dur="indefinite" restart="never" nodeType="tmRoot"/>
-      </p:par>
-    </p:tnLst>
-  </p:timing>
+</p:sld>
+</file>
+
+<file path=ppt/slides/slide45.xml><?xml version="1.0" encoding="utf-8"?>
+<p:sld xmlns:a="http://schemas.openxmlformats.org/drawingml/2006/main" xmlns:r="http://schemas.openxmlformats.org/officeDocument/2006/relationships" xmlns:p="http://schemas.openxmlformats.org/presentationml/2006/main">
+  <p:cSld>
+    <p:spTree>
+      <p:nvGrpSpPr>
+        <p:cNvPr id="1" name=""/>
+        <p:cNvGrpSpPr/>
+        <p:nvPr/>
+      </p:nvGrpSpPr>
+      <p:grpSpPr>
+        <a:xfrm>
+          <a:off x="0" y="0"/>
+          <a:ext cx="0" cy="0"/>
+          <a:chOff x="0" y="0"/>
+          <a:chExt cx="0" cy="0"/>
+        </a:xfrm>
+      </p:grpSpPr>
+      <p:sp>
+        <p:nvSpPr>
+          <p:cNvPr id="2" name="Title 1"/>
+          <p:cNvSpPr>
+            <a:spLocks noGrp="1"/>
+          </p:cNvSpPr>
+          <p:nvPr>
+            <p:ph type="title"/>
+          </p:nvPr>
+        </p:nvSpPr>
+        <p:spPr/>
+        <p:txBody>
+          <a:bodyPr/>
+          <a:lstStyle/>
+          <a:p>
+            <a:r>
+              <a:rPr lang="en-US" dirty="0"/>
+              <a:t>Adding Fragment to Activity</a:t>
+            </a:r>
+          </a:p>
+        </p:txBody>
+      </p:sp>
+      <p:sp>
+        <p:nvSpPr>
+          <p:cNvPr id="3" name="Content Placeholder 2"/>
+          <p:cNvSpPr>
+            <a:spLocks noGrp="1"/>
+          </p:cNvSpPr>
+          <p:nvPr>
+            <p:ph idx="1"/>
+          </p:nvPr>
+        </p:nvSpPr>
+        <p:spPr/>
+        <p:txBody>
+          <a:bodyPr/>
+          <a:lstStyle/>
+          <a:p>
+            <a:endParaRPr lang="en-US" dirty="0"/>
+          </a:p>
+        </p:txBody>
+      </p:sp>
+    </p:spTree>
+    <p:extLst>
+      <p:ext uri="{BB962C8B-B14F-4D97-AF65-F5344CB8AC3E}">
+        <p14:creationId xmlns:p14="http://schemas.microsoft.com/office/powerpoint/2010/main" val="1212573231"/>
+      </p:ext>
+    </p:extLst>
+  </p:cSld>
+  <p:clrMapOvr>
+    <a:masterClrMapping/>
+  </p:clrMapOvr>
+</p:sld>
+</file>
+
+<file path=ppt/slides/slide46.xml><?xml version="1.0" encoding="utf-8"?>
+<p:sld xmlns:a="http://schemas.openxmlformats.org/drawingml/2006/main" xmlns:r="http://schemas.openxmlformats.org/officeDocument/2006/relationships" xmlns:p="http://schemas.openxmlformats.org/presentationml/2006/main">
+  <p:cSld>
+    <p:spTree>
+      <p:nvGrpSpPr>
+        <p:cNvPr id="1" name=""/>
+        <p:cNvGrpSpPr/>
+        <p:nvPr/>
+      </p:nvGrpSpPr>
+      <p:grpSpPr>
+        <a:xfrm>
+          <a:off x="0" y="0"/>
+          <a:ext cx="0" cy="0"/>
+          <a:chOff x="0" y="0"/>
+          <a:chExt cx="0" cy="0"/>
+        </a:xfrm>
+      </p:grpSpPr>
+      <p:sp>
+        <p:nvSpPr>
+          <p:cNvPr id="3" name="Content Placeholder 2"/>
+          <p:cNvSpPr>
+            <a:spLocks noGrp="1"/>
+          </p:cNvSpPr>
+          <p:nvPr>
+            <p:ph idx="1"/>
+          </p:nvPr>
+        </p:nvSpPr>
+        <p:spPr/>
+        <p:txBody>
+          <a:bodyPr/>
+          <a:lstStyle/>
+          <a:p>
+            <a:pPr marL="0" indent="0" algn="ctr">
+              <a:buNone/>
+            </a:pPr>
+            <a:endParaRPr lang="en-US" dirty="0"/>
+          </a:p>
+          <a:p>
+            <a:pPr marL="0" indent="0" algn="ctr">
+              <a:buNone/>
+            </a:pPr>
+            <a:endParaRPr lang="en-US" dirty="0"/>
+          </a:p>
+          <a:p>
+            <a:pPr marL="0" indent="0" algn="ctr">
+              <a:buNone/>
+            </a:pPr>
+            <a:r>
+              <a:rPr lang="en-US" dirty="0"/>
+              <a:t>Extra</a:t>
+            </a:r>
+          </a:p>
+        </p:txBody>
+      </p:sp>
+    </p:spTree>
+    <p:extLst>
+      <p:ext uri="{BB962C8B-B14F-4D97-AF65-F5344CB8AC3E}">
+        <p14:creationId xmlns:p14="http://schemas.microsoft.com/office/powerpoint/2010/main" val="3384954775"/>
+      </p:ext>
+    </p:extLst>
+  </p:cSld>
+  <p:clrMapOvr>
+    <a:masterClrMapping/>
+  </p:clrMapOvr>
+</p:sld>
+</file>
+
+<file path=ppt/slides/slide47.xml><?xml version="1.0" encoding="utf-8"?>
+<p:sld xmlns:a="http://schemas.openxmlformats.org/drawingml/2006/main" xmlns:r="http://schemas.openxmlformats.org/officeDocument/2006/relationships" xmlns:p="http://schemas.openxmlformats.org/presentationml/2006/main">
+  <p:cSld>
+    <p:spTree>
+      <p:nvGrpSpPr>
+        <p:cNvPr id="1" name=""/>
+        <p:cNvGrpSpPr/>
+        <p:nvPr/>
+      </p:nvGrpSpPr>
+      <p:grpSpPr>
+        <a:xfrm>
+          <a:off x="0" y="0"/>
+          <a:ext cx="0" cy="0"/>
+          <a:chOff x="0" y="0"/>
+          <a:chExt cx="0" cy="0"/>
+        </a:xfrm>
+      </p:grpSpPr>
+      <p:sp>
+        <p:nvSpPr>
+          <p:cNvPr id="2" name="Title 1"/>
+          <p:cNvSpPr>
+            <a:spLocks noGrp="1"/>
+          </p:cNvSpPr>
+          <p:nvPr>
+            <p:ph type="title"/>
+          </p:nvPr>
+        </p:nvSpPr>
+        <p:spPr/>
+        <p:txBody>
+          <a:bodyPr/>
+          <a:lstStyle/>
+          <a:p>
+            <a:r>
+              <a:rPr lang="en-US" dirty="0"/>
+              <a:t>Landscape Layout </a:t>
+            </a:r>
+          </a:p>
+        </p:txBody>
+      </p:sp>
+      <p:sp>
+        <p:nvSpPr>
+          <p:cNvPr id="3" name="Content Placeholder 2"/>
+          <p:cNvSpPr>
+            <a:spLocks noGrp="1"/>
+          </p:cNvSpPr>
+          <p:nvPr>
+            <p:ph idx="1"/>
+          </p:nvPr>
+        </p:nvSpPr>
+        <p:spPr/>
+        <p:txBody>
+          <a:bodyPr/>
+          <a:lstStyle/>
+          <a:p>
+            <a:endParaRPr lang="en-US" dirty="0"/>
+          </a:p>
+        </p:txBody>
+      </p:sp>
+    </p:spTree>
+    <p:extLst>
+      <p:ext uri="{BB962C8B-B14F-4D97-AF65-F5344CB8AC3E}">
+        <p14:creationId xmlns:p14="http://schemas.microsoft.com/office/powerpoint/2010/main" val="449537407"/>
+      </p:ext>
+    </p:extLst>
+  </p:cSld>
+  <p:clrMapOvr>
+    <a:masterClrMapping/>
+  </p:clrMapOvr>
+</p:sld>
+</file>
+
+<file path=ppt/slides/slide48.xml><?xml version="1.0" encoding="utf-8"?>
+<p:sld xmlns:a="http://schemas.openxmlformats.org/drawingml/2006/main" xmlns:r="http://schemas.openxmlformats.org/officeDocument/2006/relationships" xmlns:p="http://schemas.openxmlformats.org/presentationml/2006/main">
+  <p:cSld>
+    <p:spTree>
+      <p:nvGrpSpPr>
+        <p:cNvPr id="1" name=""/>
+        <p:cNvGrpSpPr/>
+        <p:nvPr/>
+      </p:nvGrpSpPr>
+      <p:grpSpPr>
+        <a:xfrm>
+          <a:off x="0" y="0"/>
+          <a:ext cx="0" cy="0"/>
+          <a:chOff x="0" y="0"/>
+          <a:chExt cx="0" cy="0"/>
+        </a:xfrm>
+      </p:grpSpPr>
+      <p:sp>
+        <p:nvSpPr>
+          <p:cNvPr id="2" name="Title 1"/>
+          <p:cNvSpPr>
+            <a:spLocks noGrp="1"/>
+          </p:cNvSpPr>
+          <p:nvPr>
+            <p:ph type="title"/>
+          </p:nvPr>
+        </p:nvSpPr>
+        <p:spPr/>
+        <p:txBody>
+          <a:bodyPr/>
+          <a:lstStyle/>
+          <a:p>
+            <a:r>
+              <a:rPr lang="en-US" dirty="0"/>
+              <a:t>Fragment callbacks</a:t>
+            </a:r>
+          </a:p>
+        </p:txBody>
+      </p:sp>
+      <p:sp>
+        <p:nvSpPr>
+          <p:cNvPr id="3" name="Content Placeholder 2"/>
+          <p:cNvSpPr>
+            <a:spLocks noGrp="1"/>
+          </p:cNvSpPr>
+          <p:nvPr>
+            <p:ph idx="1"/>
+          </p:nvPr>
+        </p:nvSpPr>
+        <p:spPr/>
+        <p:txBody>
+          <a:bodyPr/>
+          <a:lstStyle/>
+          <a:p>
+            <a:endParaRPr lang="en-US" dirty="0"/>
+          </a:p>
+        </p:txBody>
+      </p:sp>
+    </p:spTree>
+    <p:extLst>
+      <p:ext uri="{BB962C8B-B14F-4D97-AF65-F5344CB8AC3E}">
+        <p14:creationId xmlns:p14="http://schemas.microsoft.com/office/powerpoint/2010/main" val="475706249"/>
+      </p:ext>
+    </p:extLst>
+  </p:cSld>
+  <p:clrMapOvr>
+    <a:masterClrMapping/>
+  </p:clrMapOvr>
+</p:sld>
+</file>
+
+<file path=ppt/slides/slide49.xml><?xml version="1.0" encoding="utf-8"?>
+<p:sld xmlns:a="http://schemas.openxmlformats.org/drawingml/2006/main" xmlns:r="http://schemas.openxmlformats.org/officeDocument/2006/relationships" xmlns:p="http://schemas.openxmlformats.org/presentationml/2006/main">
+  <p:cSld>
+    <p:spTree>
+      <p:nvGrpSpPr>
+        <p:cNvPr id="1" name=""/>
+        <p:cNvGrpSpPr/>
+        <p:nvPr/>
+      </p:nvGrpSpPr>
+      <p:grpSpPr>
+        <a:xfrm>
+          <a:off x="0" y="0"/>
+          <a:ext cx="0" cy="0"/>
+          <a:chOff x="0" y="0"/>
+          <a:chExt cx="0" cy="0"/>
+        </a:xfrm>
+      </p:grpSpPr>
+      <p:sp>
+        <p:nvSpPr>
+          <p:cNvPr id="2" name="Title 1"/>
+          <p:cNvSpPr>
+            <a:spLocks noGrp="1"/>
+          </p:cNvSpPr>
+          <p:nvPr>
+            <p:ph type="title"/>
+          </p:nvPr>
+        </p:nvSpPr>
+        <p:spPr/>
+        <p:txBody>
+          <a:bodyPr/>
+          <a:lstStyle/>
+          <a:p>
+            <a:r>
+              <a:rPr lang="en-US" dirty="0"/>
+              <a:t>Dynamic Fragments </a:t>
+            </a:r>
+          </a:p>
+        </p:txBody>
+      </p:sp>
+      <p:sp>
+        <p:nvSpPr>
+          <p:cNvPr id="3" name="Content Placeholder 2"/>
+          <p:cNvSpPr>
+            <a:spLocks noGrp="1"/>
+          </p:cNvSpPr>
+          <p:nvPr>
+            <p:ph idx="1"/>
+          </p:nvPr>
+        </p:nvSpPr>
+        <p:spPr/>
+        <p:txBody>
+          <a:bodyPr/>
+          <a:lstStyle/>
+          <a:p>
+            <a:endParaRPr lang="en-US"/>
+          </a:p>
+        </p:txBody>
+      </p:sp>
+    </p:spTree>
+    <p:extLst>
+      <p:ext uri="{BB962C8B-B14F-4D97-AF65-F5344CB8AC3E}">
+        <p14:creationId xmlns:p14="http://schemas.microsoft.com/office/powerpoint/2010/main" val="3668840453"/>
+      </p:ext>
+    </p:extLst>
+  </p:cSld>
+  <p:clrMapOvr>
+    <a:masterClrMapping/>
+  </p:clrMapOvr>
 </p:sld>
 </file>
 
@@ -9482,6 +9736,278 @@
       </p:grpSpPr>
       <p:sp>
         <p:nvSpPr>
+          <p:cNvPr id="5" name="Rectangle 4"/>
+          <p:cNvSpPr/>
+          <p:nvPr/>
+        </p:nvSpPr>
+        <p:spPr>
+          <a:xfrm>
+            <a:off x="914398" y="1630680"/>
+            <a:ext cx="1615442" cy="2811780"/>
+          </a:xfrm>
+          <a:prstGeom prst="rect">
+            <a:avLst/>
+          </a:prstGeom>
+          <a:noFill/>
+          <a:ln>
+            <a:solidFill>
+              <a:schemeClr val="accent6"/>
+            </a:solidFill>
+          </a:ln>
+        </p:spPr>
+        <p:style>
+          <a:lnRef idx="2">
+            <a:schemeClr val="accent1">
+              <a:shade val="50000"/>
+            </a:schemeClr>
+          </a:lnRef>
+          <a:fillRef idx="1">
+            <a:schemeClr val="accent1"/>
+          </a:fillRef>
+          <a:effectRef idx="0">
+            <a:schemeClr val="accent1"/>
+          </a:effectRef>
+          <a:fontRef idx="minor">
+            <a:schemeClr val="lt1"/>
+          </a:fontRef>
+        </p:style>
+        <p:txBody>
+          <a:bodyPr rtlCol="0" anchor="ctr"/>
+          <a:lstStyle/>
+          <a:p>
+            <a:pPr algn="ctr"/>
+            <a:endParaRPr lang="en-US"/>
+          </a:p>
+        </p:txBody>
+      </p:sp>
+      <p:grpSp>
+        <p:nvGrpSpPr>
+          <p:cNvPr id="7" name="Group 6"/>
+          <p:cNvGrpSpPr/>
+          <p:nvPr/>
+        </p:nvGrpSpPr>
+        <p:grpSpPr>
+          <a:xfrm>
+            <a:off x="570014" y="1526734"/>
+            <a:ext cx="6300789" cy="4558639"/>
+            <a:chOff x="723900" y="1081199"/>
+            <a:chExt cx="6448425" cy="4780460"/>
+          </a:xfrm>
+        </p:grpSpPr>
+        <p:pic>
+          <p:nvPicPr>
+            <p:cNvPr id="1028" name="Picture 4"/>
+            <p:cNvPicPr>
+              <a:picLocks noChangeAspect="1" noChangeArrowheads="1"/>
+            </p:cNvPicPr>
+            <p:nvPr/>
+          </p:nvPicPr>
+          <p:blipFill>
+            <a:blip r:embed="rId2">
+              <a:extLst>
+                <a:ext uri="{28A0092B-C50C-407E-A947-70E740481C1C}">
+                  <a14:useLocalDpi xmlns:a14="http://schemas.microsoft.com/office/drawing/2010/main" val="0"/>
+                </a:ext>
+              </a:extLst>
+            </a:blip>
+            <a:srcRect/>
+            <a:stretch>
+              <a:fillRect/>
+            </a:stretch>
+          </p:blipFill>
+          <p:spPr bwMode="auto">
+            <a:xfrm>
+              <a:off x="723900" y="1081199"/>
+              <a:ext cx="2497010" cy="4780460"/>
+            </a:xfrm>
+            <a:prstGeom prst="rect">
+              <a:avLst/>
+            </a:prstGeom>
+            <a:noFill/>
+            <a:ln>
+              <a:noFill/>
+            </a:ln>
+            <a:extLst>
+              <a:ext uri="{909E8E84-426E-40DD-AFC4-6F175D3DCCD1}">
+                <a14:hiddenFill xmlns:a14="http://schemas.microsoft.com/office/drawing/2010/main">
+                  <a:solidFill>
+                    <a:schemeClr val="accent1"/>
+                  </a:solidFill>
+                </a14:hiddenFill>
+              </a:ext>
+              <a:ext uri="{91240B29-F687-4F45-9708-019B960494DF}">
+                <a14:hiddenLine xmlns:a14="http://schemas.microsoft.com/office/drawing/2010/main" w="9525">
+                  <a:solidFill>
+                    <a:schemeClr val="tx1"/>
+                  </a:solidFill>
+                  <a:miter lim="800000"/>
+                  <a:headEnd/>
+                  <a:tailEnd/>
+                </a14:hiddenLine>
+              </a:ext>
+            </a:extLst>
+          </p:spPr>
+        </p:pic>
+        <p:pic>
+          <p:nvPicPr>
+            <p:cNvPr id="1029" name="Picture 5"/>
+            <p:cNvPicPr>
+              <a:picLocks noChangeAspect="1" noChangeArrowheads="1"/>
+            </p:cNvPicPr>
+            <p:nvPr/>
+          </p:nvPicPr>
+          <p:blipFill>
+            <a:blip r:embed="rId3" cstate="print">
+              <a:extLst>
+                <a:ext uri="{28A0092B-C50C-407E-A947-70E740481C1C}">
+                  <a14:useLocalDpi xmlns:a14="http://schemas.microsoft.com/office/drawing/2010/main" val="0"/>
+                </a:ext>
+              </a:extLst>
+            </a:blip>
+            <a:srcRect/>
+            <a:stretch>
+              <a:fillRect/>
+            </a:stretch>
+          </p:blipFill>
+          <p:spPr bwMode="auto">
+            <a:xfrm>
+              <a:off x="3990975" y="1134539"/>
+              <a:ext cx="3181350" cy="2445663"/>
+            </a:xfrm>
+            <a:prstGeom prst="rect">
+              <a:avLst/>
+            </a:prstGeom>
+            <a:noFill/>
+            <a:ln>
+              <a:noFill/>
+            </a:ln>
+            <a:extLst>
+              <a:ext uri="{909E8E84-426E-40DD-AFC4-6F175D3DCCD1}">
+                <a14:hiddenFill xmlns:a14="http://schemas.microsoft.com/office/drawing/2010/main">
+                  <a:solidFill>
+                    <a:schemeClr val="accent1"/>
+                  </a:solidFill>
+                </a14:hiddenFill>
+              </a:ext>
+              <a:ext uri="{91240B29-F687-4F45-9708-019B960494DF}">
+                <a14:hiddenLine xmlns:a14="http://schemas.microsoft.com/office/drawing/2010/main" w="9525">
+                  <a:solidFill>
+                    <a:schemeClr val="tx1"/>
+                  </a:solidFill>
+                  <a:miter lim="800000"/>
+                  <a:headEnd/>
+                  <a:tailEnd/>
+                </a14:hiddenLine>
+              </a:ext>
+            </a:extLst>
+          </p:spPr>
+        </p:pic>
+        <p:sp>
+          <p:nvSpPr>
+            <p:cNvPr id="14" name="Rectangle 13"/>
+            <p:cNvSpPr/>
+            <p:nvPr/>
+          </p:nvSpPr>
+          <p:spPr>
+            <a:xfrm>
+              <a:off x="4000500" y="1303020"/>
+              <a:ext cx="754380" cy="1463040"/>
+            </a:xfrm>
+            <a:prstGeom prst="rect">
+              <a:avLst/>
+            </a:prstGeom>
+            <a:noFill/>
+            <a:ln>
+              <a:solidFill>
+                <a:schemeClr val="accent6"/>
+              </a:solidFill>
+            </a:ln>
+          </p:spPr>
+          <p:style>
+            <a:lnRef idx="2">
+              <a:schemeClr val="accent1">
+                <a:shade val="50000"/>
+              </a:schemeClr>
+            </a:lnRef>
+            <a:fillRef idx="1">
+              <a:schemeClr val="accent1"/>
+            </a:fillRef>
+            <a:effectRef idx="0">
+              <a:schemeClr val="accent1"/>
+            </a:effectRef>
+            <a:fontRef idx="minor">
+              <a:schemeClr val="lt1"/>
+            </a:fontRef>
+          </p:style>
+          <p:txBody>
+            <a:bodyPr rtlCol="0" anchor="ctr"/>
+            <a:lstStyle/>
+            <a:p>
+              <a:pPr algn="ctr"/>
+              <a:endParaRPr lang="en-US"/>
+            </a:p>
+          </p:txBody>
+        </p:sp>
+      </p:grpSp>
+      <p:sp>
+        <p:nvSpPr>
+          <p:cNvPr id="15" name="Title 1"/>
+          <p:cNvSpPr>
+            <a:spLocks noGrp="1"/>
+          </p:cNvSpPr>
+          <p:nvPr>
+            <p:ph type="title"/>
+          </p:nvPr>
+        </p:nvSpPr>
+        <p:spPr>
+          <a:xfrm>
+            <a:off x="0" y="457200"/>
+            <a:ext cx="7112000" cy="1143000"/>
+          </a:xfrm>
+        </p:spPr>
+        <p:txBody>
+          <a:bodyPr/>
+          <a:lstStyle/>
+          <a:p>
+            <a:r>
+              <a:rPr lang="en-US" dirty="0"/>
+              <a:t>Project Pane</a:t>
+            </a:r>
+          </a:p>
+        </p:txBody>
+      </p:sp>
+    </p:spTree>
+    <p:extLst>
+      <p:ext uri="{BB962C8B-B14F-4D97-AF65-F5344CB8AC3E}">
+        <p14:creationId xmlns:p14="http://schemas.microsoft.com/office/powerpoint/2010/main" val="3421362991"/>
+      </p:ext>
+    </p:extLst>
+  </p:cSld>
+  <p:clrMapOvr>
+    <a:masterClrMapping/>
+  </p:clrMapOvr>
+</p:sld>
+</file>
+
+<file path=ppt/slides/slide50.xml><?xml version="1.0" encoding="utf-8"?>
+<p:sld xmlns:a="http://schemas.openxmlformats.org/drawingml/2006/main" xmlns:r="http://schemas.openxmlformats.org/officeDocument/2006/relationships" xmlns:p="http://schemas.openxmlformats.org/presentationml/2006/main">
+  <p:cSld>
+    <p:spTree>
+      <p:nvGrpSpPr>
+        <p:cNvPr id="1" name=""/>
+        <p:cNvGrpSpPr/>
+        <p:nvPr/>
+      </p:nvGrpSpPr>
+      <p:grpSpPr>
+        <a:xfrm>
+          <a:off x="0" y="0"/>
+          <a:ext cx="0" cy="0"/>
+          <a:chOff x="0" y="0"/>
+          <a:chExt cx="0" cy="0"/>
+        </a:xfrm>
+      </p:grpSpPr>
+      <p:sp>
+        <p:nvSpPr>
           <p:cNvPr id="2" name="Title 1"/>
           <p:cNvSpPr>
             <a:spLocks noGrp="1"/>
@@ -9490,16 +10016,543 @@
             <p:ph type="title"/>
           </p:nvPr>
         </p:nvSpPr>
+        <p:spPr>
+          <a:xfrm>
+            <a:off x="0" y="457200"/>
+            <a:ext cx="9144000" cy="1143000"/>
+          </a:xfrm>
+        </p:spPr>
+        <p:txBody>
+          <a:bodyPr/>
+          <a:lstStyle/>
+          <a:p>
+            <a:r>
+              <a:rPr lang="en-US" dirty="0"/>
+              <a:t>Passing arguments to Fragments</a:t>
+            </a:r>
+          </a:p>
+        </p:txBody>
+      </p:sp>
+      <p:sp>
+        <p:nvSpPr>
+          <p:cNvPr id="3" name="Content Placeholder 2"/>
+          <p:cNvSpPr>
+            <a:spLocks noGrp="1"/>
+          </p:cNvSpPr>
+          <p:nvPr>
+            <p:ph idx="1"/>
+          </p:nvPr>
+        </p:nvSpPr>
         <p:spPr/>
         <p:txBody>
           <a:bodyPr/>
           <a:lstStyle/>
           <a:p>
-            <a:r>
-              <a:rPr lang="en-US" dirty="0" smtClean="0"/>
+            <a:endParaRPr lang="en-US" dirty="0"/>
+          </a:p>
+        </p:txBody>
+      </p:sp>
+    </p:spTree>
+    <p:extLst>
+      <p:ext uri="{BB962C8B-B14F-4D97-AF65-F5344CB8AC3E}">
+        <p14:creationId xmlns:p14="http://schemas.microsoft.com/office/powerpoint/2010/main" val="786261865"/>
+      </p:ext>
+    </p:extLst>
+  </p:cSld>
+  <p:clrMapOvr>
+    <a:masterClrMapping/>
+  </p:clrMapOvr>
+</p:sld>
+</file>
+
+<file path=ppt/slides/slide6.xml><?xml version="1.0" encoding="utf-8"?>
+<p:sld xmlns:a="http://schemas.openxmlformats.org/drawingml/2006/main" xmlns:r="http://schemas.openxmlformats.org/officeDocument/2006/relationships" xmlns:p="http://schemas.openxmlformats.org/presentationml/2006/main">
+  <p:cSld>
+    <p:spTree>
+      <p:nvGrpSpPr>
+        <p:cNvPr id="1" name=""/>
+        <p:cNvGrpSpPr/>
+        <p:nvPr/>
+      </p:nvGrpSpPr>
+      <p:grpSpPr>
+        <a:xfrm>
+          <a:off x="0" y="0"/>
+          <a:ext cx="0" cy="0"/>
+          <a:chOff x="0" y="0"/>
+          <a:chExt cx="0" cy="0"/>
+        </a:xfrm>
+      </p:grpSpPr>
+      <p:grpSp>
+        <p:nvGrpSpPr>
+          <p:cNvPr id="2" name="Group 1"/>
+          <p:cNvGrpSpPr/>
+          <p:nvPr/>
+        </p:nvGrpSpPr>
+        <p:grpSpPr>
+          <a:xfrm>
+            <a:off x="1193800" y="1488699"/>
+            <a:ext cx="3118256" cy="2332180"/>
+            <a:chOff x="3879547" y="1323599"/>
+            <a:chExt cx="3118256" cy="2332180"/>
+          </a:xfrm>
+        </p:grpSpPr>
+        <p:pic>
+          <p:nvPicPr>
+            <p:cNvPr id="4" name="Picture 5"/>
+            <p:cNvPicPr>
+              <a:picLocks noChangeAspect="1" noChangeArrowheads="1"/>
+            </p:cNvPicPr>
+            <p:nvPr/>
+          </p:nvPicPr>
+          <p:blipFill>
+            <a:blip r:embed="rId2" cstate="print">
+              <a:extLst>
+                <a:ext uri="{28A0092B-C50C-407E-A947-70E740481C1C}">
+                  <a14:useLocalDpi xmlns:a14="http://schemas.microsoft.com/office/drawing/2010/main" val="0"/>
+                </a:ext>
+              </a:extLst>
+            </a:blip>
+            <a:srcRect/>
+            <a:stretch>
+              <a:fillRect/>
+            </a:stretch>
+          </p:blipFill>
+          <p:spPr bwMode="auto">
+            <a:xfrm>
+              <a:off x="3889290" y="1323599"/>
+              <a:ext cx="3108513" cy="2332180"/>
+            </a:xfrm>
+            <a:prstGeom prst="rect">
+              <a:avLst/>
+            </a:prstGeom>
+            <a:noFill/>
+            <a:ln>
+              <a:noFill/>
+            </a:ln>
+            <a:extLst>
+              <a:ext uri="{909E8E84-426E-40DD-AFC4-6F175D3DCCD1}">
+                <a14:hiddenFill xmlns:a14="http://schemas.microsoft.com/office/drawing/2010/main">
+                  <a:solidFill>
+                    <a:schemeClr val="accent1"/>
+                  </a:solidFill>
+                </a14:hiddenFill>
+              </a:ext>
+              <a:ext uri="{91240B29-F687-4F45-9708-019B960494DF}">
+                <a14:hiddenLine xmlns:a14="http://schemas.microsoft.com/office/drawing/2010/main" w="9525">
+                  <a:solidFill>
+                    <a:schemeClr val="tx1"/>
+                  </a:solidFill>
+                  <a:miter lim="800000"/>
+                  <a:headEnd/>
+                  <a:tailEnd/>
+                </a14:hiddenLine>
+              </a:ext>
+            </a:extLst>
+          </p:spPr>
+        </p:pic>
+        <p:sp>
+          <p:nvSpPr>
+            <p:cNvPr id="6" name="Rectangle 5"/>
+            <p:cNvSpPr/>
+            <p:nvPr/>
+          </p:nvSpPr>
+          <p:spPr>
+            <a:xfrm>
+              <a:off x="3879547" y="2870200"/>
+              <a:ext cx="3118256" cy="783915"/>
+            </a:xfrm>
+            <a:prstGeom prst="rect">
+              <a:avLst/>
+            </a:prstGeom>
+            <a:noFill/>
+            <a:ln>
+              <a:solidFill>
+                <a:schemeClr val="accent6"/>
+              </a:solidFill>
+            </a:ln>
+          </p:spPr>
+          <p:style>
+            <a:lnRef idx="2">
+              <a:schemeClr val="accent1">
+                <a:shade val="50000"/>
+              </a:schemeClr>
+            </a:lnRef>
+            <a:fillRef idx="1">
+              <a:schemeClr val="accent1"/>
+            </a:fillRef>
+            <a:effectRef idx="0">
+              <a:schemeClr val="accent1"/>
+            </a:effectRef>
+            <a:fontRef idx="minor">
+              <a:schemeClr val="lt1"/>
+            </a:fontRef>
+          </p:style>
+          <p:txBody>
+            <a:bodyPr rtlCol="0" anchor="ctr"/>
+            <a:lstStyle/>
+            <a:p>
+              <a:pPr algn="ctr"/>
+              <a:endParaRPr lang="en-US"/>
+            </a:p>
+          </p:txBody>
+        </p:sp>
+      </p:grpSp>
+      <p:pic>
+        <p:nvPicPr>
+          <p:cNvPr id="8194" name="Picture 2"/>
+          <p:cNvPicPr>
+            <a:picLocks noChangeAspect="1" noChangeArrowheads="1"/>
+          </p:cNvPicPr>
+          <p:nvPr/>
+        </p:nvPicPr>
+        <p:blipFill>
+          <a:blip r:embed="rId3">
+            <a:extLst>
+              <a:ext uri="{28A0092B-C50C-407E-A947-70E740481C1C}">
+                <a14:useLocalDpi xmlns:a14="http://schemas.microsoft.com/office/drawing/2010/main" val="0"/>
+              </a:ext>
+            </a:extLst>
+          </a:blip>
+          <a:srcRect/>
+          <a:stretch>
+            <a:fillRect/>
+          </a:stretch>
+        </p:blipFill>
+        <p:spPr bwMode="auto">
+          <a:xfrm>
+            <a:off x="1193800" y="3909779"/>
+            <a:ext cx="8697913" cy="2138266"/>
+          </a:xfrm>
+          <a:prstGeom prst="rect">
+            <a:avLst/>
+          </a:prstGeom>
+          <a:noFill/>
+          <a:ln>
+            <a:noFill/>
+          </a:ln>
+          <a:extLst>
+            <a:ext uri="{909E8E84-426E-40DD-AFC4-6F175D3DCCD1}">
+              <a14:hiddenFill xmlns:a14="http://schemas.microsoft.com/office/drawing/2010/main">
+                <a:solidFill>
+                  <a:schemeClr val="accent1"/>
+                </a:solidFill>
+              </a14:hiddenFill>
+            </a:ext>
+            <a:ext uri="{91240B29-F687-4F45-9708-019B960494DF}">
+              <a14:hiddenLine xmlns:a14="http://schemas.microsoft.com/office/drawing/2010/main" w="9525">
+                <a:solidFill>
+                  <a:schemeClr val="tx1"/>
+                </a:solidFill>
+                <a:miter lim="800000"/>
+                <a:headEnd/>
+                <a:tailEnd/>
+              </a14:hiddenLine>
+            </a:ext>
+          </a:extLst>
+        </p:spPr>
+      </p:pic>
+      <p:sp>
+        <p:nvSpPr>
+          <p:cNvPr id="8" name="Title 1"/>
+          <p:cNvSpPr>
+            <a:spLocks noGrp="1"/>
+          </p:cNvSpPr>
+          <p:nvPr>
+            <p:ph type="title"/>
+          </p:nvPr>
+        </p:nvSpPr>
+        <p:spPr>
+          <a:xfrm>
+            <a:off x="0" y="457200"/>
+            <a:ext cx="7112000" cy="1143000"/>
+          </a:xfrm>
+        </p:spPr>
+        <p:txBody>
+          <a:bodyPr/>
+          <a:lstStyle/>
+          <a:p>
+            <a:r>
+              <a:rPr lang="en-US" dirty="0"/>
+              <a:t>Monitoring and Logcat pane</a:t>
+            </a:r>
+          </a:p>
+        </p:txBody>
+      </p:sp>
+    </p:spTree>
+    <p:extLst>
+      <p:ext uri="{BB962C8B-B14F-4D97-AF65-F5344CB8AC3E}">
+        <p14:creationId xmlns:p14="http://schemas.microsoft.com/office/powerpoint/2010/main" val="1101440254"/>
+      </p:ext>
+    </p:extLst>
+  </p:cSld>
+  <p:clrMapOvr>
+    <a:masterClrMapping/>
+  </p:clrMapOvr>
+</p:sld>
+</file>
+
+<file path=ppt/slides/slide7.xml><?xml version="1.0" encoding="utf-8"?>
+<p:sld xmlns:a="http://schemas.openxmlformats.org/drawingml/2006/main" xmlns:r="http://schemas.openxmlformats.org/officeDocument/2006/relationships" xmlns:p="http://schemas.openxmlformats.org/presentationml/2006/main">
+  <p:cSld>
+    <p:spTree>
+      <p:nvGrpSpPr>
+        <p:cNvPr id="1" name=""/>
+        <p:cNvGrpSpPr/>
+        <p:nvPr/>
+      </p:nvGrpSpPr>
+      <p:grpSpPr>
+        <a:xfrm>
+          <a:off x="0" y="0"/>
+          <a:ext cx="0" cy="0"/>
+          <a:chOff x="0" y="0"/>
+          <a:chExt cx="0" cy="0"/>
+        </a:xfrm>
+      </p:grpSpPr>
+      <p:grpSp>
+        <p:nvGrpSpPr>
+          <p:cNvPr id="4" name="Group 3"/>
+          <p:cNvGrpSpPr/>
+          <p:nvPr/>
+        </p:nvGrpSpPr>
+        <p:grpSpPr>
+          <a:xfrm>
+            <a:off x="1203543" y="1488699"/>
+            <a:ext cx="3108513" cy="2332180"/>
+            <a:chOff x="3889290" y="1323599"/>
+            <a:chExt cx="3108513" cy="2332180"/>
+          </a:xfrm>
+        </p:grpSpPr>
+        <p:pic>
+          <p:nvPicPr>
+            <p:cNvPr id="6" name="Picture 5"/>
+            <p:cNvPicPr>
+              <a:picLocks noChangeAspect="1" noChangeArrowheads="1"/>
+            </p:cNvPicPr>
+            <p:nvPr/>
+          </p:nvPicPr>
+          <p:blipFill>
+            <a:blip r:embed="rId2" cstate="print">
+              <a:extLst>
+                <a:ext uri="{28A0092B-C50C-407E-A947-70E740481C1C}">
+                  <a14:useLocalDpi xmlns:a14="http://schemas.microsoft.com/office/drawing/2010/main" val="0"/>
+                </a:ext>
+              </a:extLst>
+            </a:blip>
+            <a:srcRect/>
+            <a:stretch>
+              <a:fillRect/>
+            </a:stretch>
+          </p:blipFill>
+          <p:spPr bwMode="auto">
+            <a:xfrm>
+              <a:off x="3889290" y="1323599"/>
+              <a:ext cx="3108513" cy="2332180"/>
+            </a:xfrm>
+            <a:prstGeom prst="rect">
+              <a:avLst/>
+            </a:prstGeom>
+            <a:noFill/>
+            <a:ln>
+              <a:noFill/>
+            </a:ln>
+            <a:extLst>
+              <a:ext uri="{909E8E84-426E-40DD-AFC4-6F175D3DCCD1}">
+                <a14:hiddenFill xmlns:a14="http://schemas.microsoft.com/office/drawing/2010/main">
+                  <a:solidFill>
+                    <a:schemeClr val="accent1"/>
+                  </a:solidFill>
+                </a14:hiddenFill>
+              </a:ext>
+              <a:ext uri="{91240B29-F687-4F45-9708-019B960494DF}">
+                <a14:hiddenLine xmlns:a14="http://schemas.microsoft.com/office/drawing/2010/main" w="9525">
+                  <a:solidFill>
+                    <a:schemeClr val="tx1"/>
+                  </a:solidFill>
+                  <a:miter lim="800000"/>
+                  <a:headEnd/>
+                  <a:tailEnd/>
+                </a14:hiddenLine>
+              </a:ext>
+            </a:extLst>
+          </p:spPr>
+        </p:pic>
+        <p:sp>
+          <p:nvSpPr>
+            <p:cNvPr id="7" name="Rectangle 6"/>
+            <p:cNvSpPr/>
+            <p:nvPr/>
+          </p:nvSpPr>
+          <p:spPr>
+            <a:xfrm>
+              <a:off x="4674091" y="1413668"/>
+              <a:ext cx="390525" cy="95251"/>
+            </a:xfrm>
+            <a:prstGeom prst="rect">
+              <a:avLst/>
+            </a:prstGeom>
+            <a:noFill/>
+            <a:ln>
+              <a:solidFill>
+                <a:schemeClr val="accent6"/>
+              </a:solidFill>
+            </a:ln>
+          </p:spPr>
+          <p:style>
+            <a:lnRef idx="2">
+              <a:schemeClr val="accent1">
+                <a:shade val="50000"/>
+              </a:schemeClr>
+            </a:lnRef>
+            <a:fillRef idx="1">
+              <a:schemeClr val="accent1"/>
+            </a:fillRef>
+            <a:effectRef idx="0">
+              <a:schemeClr val="accent1"/>
+            </a:effectRef>
+            <a:fontRef idx="minor">
+              <a:schemeClr val="lt1"/>
+            </a:fontRef>
+          </p:style>
+          <p:txBody>
+            <a:bodyPr rtlCol="0" anchor="ctr"/>
+            <a:lstStyle/>
+            <a:p>
+              <a:pPr algn="ctr"/>
+              <a:endParaRPr lang="en-US"/>
+            </a:p>
+          </p:txBody>
+        </p:sp>
+      </p:grpSp>
+      <p:pic>
+        <p:nvPicPr>
+          <p:cNvPr id="9218" name="Picture 2"/>
+          <p:cNvPicPr>
+            <a:picLocks noChangeAspect="1" noChangeArrowheads="1"/>
+          </p:cNvPicPr>
+          <p:nvPr/>
+        </p:nvPicPr>
+        <p:blipFill>
+          <a:blip r:embed="rId3">
+            <a:extLst>
+              <a:ext uri="{28A0092B-C50C-407E-A947-70E740481C1C}">
+                <a14:useLocalDpi xmlns:a14="http://schemas.microsoft.com/office/drawing/2010/main" val="0"/>
+              </a:ext>
+            </a:extLst>
+          </a:blip>
+          <a:srcRect/>
+          <a:stretch>
+            <a:fillRect/>
+          </a:stretch>
+        </p:blipFill>
+        <p:spPr bwMode="auto">
+          <a:xfrm>
+            <a:off x="4800600" y="1516856"/>
+            <a:ext cx="2774374" cy="635794"/>
+          </a:xfrm>
+          <a:prstGeom prst="rect">
+            <a:avLst/>
+          </a:prstGeom>
+          <a:noFill/>
+          <a:ln>
+            <a:noFill/>
+          </a:ln>
+          <a:extLst>
+            <a:ext uri="{909E8E84-426E-40DD-AFC4-6F175D3DCCD1}">
+              <a14:hiddenFill xmlns:a14="http://schemas.microsoft.com/office/drawing/2010/main">
+                <a:solidFill>
+                  <a:schemeClr val="accent1"/>
+                </a:solidFill>
+              </a14:hiddenFill>
+            </a:ext>
+            <a:ext uri="{91240B29-F687-4F45-9708-019B960494DF}">
+              <a14:hiddenLine xmlns:a14="http://schemas.microsoft.com/office/drawing/2010/main" w="9525">
+                <a:solidFill>
+                  <a:schemeClr val="tx1"/>
+                </a:solidFill>
+                <a:miter lim="800000"/>
+                <a:headEnd/>
+                <a:tailEnd/>
+              </a14:hiddenLine>
+            </a:ext>
+          </a:extLst>
+        </p:spPr>
+      </p:pic>
+      <p:sp>
+        <p:nvSpPr>
+          <p:cNvPr id="8" name="Title 1"/>
+          <p:cNvSpPr>
+            <a:spLocks noGrp="1"/>
+          </p:cNvSpPr>
+          <p:nvPr>
+            <p:ph type="title"/>
+          </p:nvPr>
+        </p:nvSpPr>
+        <p:spPr>
+          <a:xfrm>
+            <a:off x="0" y="457200"/>
+            <a:ext cx="7112000" cy="1143000"/>
+          </a:xfrm>
+        </p:spPr>
+        <p:txBody>
+          <a:bodyPr/>
+          <a:lstStyle/>
+          <a:p>
+            <a:r>
+              <a:rPr lang="en-US" dirty="0"/>
+              <a:t>Run and Debug</a:t>
+            </a:r>
+          </a:p>
+        </p:txBody>
+      </p:sp>
+    </p:spTree>
+    <p:extLst>
+      <p:ext uri="{BB962C8B-B14F-4D97-AF65-F5344CB8AC3E}">
+        <p14:creationId xmlns:p14="http://schemas.microsoft.com/office/powerpoint/2010/main" val="2883056869"/>
+      </p:ext>
+    </p:extLst>
+  </p:cSld>
+  <p:clrMapOvr>
+    <a:masterClrMapping/>
+  </p:clrMapOvr>
+</p:sld>
+</file>
+
+<file path=ppt/slides/slide8.xml><?xml version="1.0" encoding="utf-8"?>
+<p:sld xmlns:a="http://schemas.openxmlformats.org/drawingml/2006/main" xmlns:r="http://schemas.openxmlformats.org/officeDocument/2006/relationships" xmlns:p="http://schemas.openxmlformats.org/presentationml/2006/main">
+  <p:cSld>
+    <p:spTree>
+      <p:nvGrpSpPr>
+        <p:cNvPr id="1" name=""/>
+        <p:cNvGrpSpPr/>
+        <p:nvPr/>
+      </p:nvGrpSpPr>
+      <p:grpSpPr>
+        <a:xfrm>
+          <a:off x="0" y="0"/>
+          <a:ext cx="0" cy="0"/>
+          <a:chOff x="0" y="0"/>
+          <a:chExt cx="0" cy="0"/>
+        </a:xfrm>
+      </p:grpSpPr>
+      <p:sp>
+        <p:nvSpPr>
+          <p:cNvPr id="2" name="Title 1"/>
+          <p:cNvSpPr>
+            <a:spLocks noGrp="1"/>
+          </p:cNvSpPr>
+          <p:nvPr>
+            <p:ph type="title"/>
+          </p:nvPr>
+        </p:nvSpPr>
+        <p:spPr/>
+        <p:txBody>
+          <a:bodyPr/>
+          <a:lstStyle/>
+          <a:p>
+            <a:r>
+              <a:rPr lang="en-US" dirty="0"/>
               <a:t>New Project</a:t>
             </a:r>
-            <a:endParaRPr lang="en-US" dirty="0"/>
           </a:p>
         </p:txBody>
       </p:sp>
@@ -9621,17 +10674,10 @@
   <p:clrMapOvr>
     <a:masterClrMapping/>
   </p:clrMapOvr>
-  <p:timing>
-    <p:tnLst>
-      <p:par>
-        <p:cTn id="1" dur="indefinite" restart="never" nodeType="tmRoot"/>
-      </p:par>
-    </p:tnLst>
-  </p:timing>
 </p:sld>
 </file>
 
-<file path=ppt/slides/slide6.xml><?xml version="1.0" encoding="utf-8"?>
+<file path=ppt/slides/slide9.xml><?xml version="1.0" encoding="utf-8"?>
 <p:sld xmlns:a="http://schemas.openxmlformats.org/drawingml/2006/main" xmlns:r="http://schemas.openxmlformats.org/officeDocument/2006/relationships" xmlns:p="http://schemas.openxmlformats.org/presentationml/2006/main">
   <p:cSld>
     <p:spTree>
@@ -9664,18 +10710,17 @@
           <a:lstStyle/>
           <a:p>
             <a:r>
-              <a:rPr lang="en-US" dirty="0" smtClean="0"/>
+              <a:rPr lang="en-US" dirty="0"/>
               <a:t>New Project (</a:t>
             </a:r>
             <a:r>
-              <a:rPr lang="en-US" dirty="0" err="1" smtClean="0"/>
+              <a:rPr lang="en-US" dirty="0" err="1"/>
               <a:t>cont</a:t>
             </a:r>
             <a:r>
-              <a:rPr lang="en-US" dirty="0" smtClean="0"/>
+              <a:rPr lang="en-US" dirty="0"/>
               <a:t>)</a:t>
             </a:r>
-            <a:endParaRPr lang="en-US" dirty="0"/>
           </a:p>
         </p:txBody>
       </p:sp>
@@ -9879,480 +10924,6 @@
             </p:seq>
           </p:childTnLst>
         </p:cTn>
-      </p:par>
-    </p:tnLst>
-  </p:timing>
-</p:sld>
-</file>
-
-<file path=ppt/slides/slide7.xml><?xml version="1.0" encoding="utf-8"?>
-<p:sld xmlns:a="http://schemas.openxmlformats.org/drawingml/2006/main" xmlns:r="http://schemas.openxmlformats.org/officeDocument/2006/relationships" xmlns:p="http://schemas.openxmlformats.org/presentationml/2006/main">
-  <p:cSld>
-    <p:spTree>
-      <p:nvGrpSpPr>
-        <p:cNvPr id="1" name=""/>
-        <p:cNvGrpSpPr/>
-        <p:nvPr/>
-      </p:nvGrpSpPr>
-      <p:grpSpPr>
-        <a:xfrm>
-          <a:off x="0" y="0"/>
-          <a:ext cx="0" cy="0"/>
-          <a:chOff x="0" y="0"/>
-          <a:chExt cx="0" cy="0"/>
-        </a:xfrm>
-      </p:grpSpPr>
-      <p:sp>
-        <p:nvSpPr>
-          <p:cNvPr id="3" name="Content Placeholder 2"/>
-          <p:cNvSpPr>
-            <a:spLocks noGrp="1"/>
-          </p:cNvSpPr>
-          <p:nvPr>
-            <p:ph idx="1"/>
-          </p:nvPr>
-        </p:nvSpPr>
-        <p:spPr/>
-        <p:txBody>
-          <a:bodyPr/>
-          <a:lstStyle/>
-          <a:p>
-            <a:pPr marL="0" indent="0">
-              <a:buNone/>
-            </a:pPr>
-            <a:endParaRPr lang="en-US" dirty="0" smtClean="0"/>
-          </a:p>
-          <a:p>
-            <a:pPr marL="0" indent="0">
-              <a:buNone/>
-            </a:pPr>
-            <a:endParaRPr lang="en-US" dirty="0"/>
-          </a:p>
-          <a:p>
-            <a:pPr marL="0" indent="0" algn="ctr">
-              <a:buNone/>
-            </a:pPr>
-            <a:r>
-              <a:rPr lang="en-US" dirty="0" smtClean="0"/>
-              <a:t>Live Example: Android Developer References</a:t>
-            </a:r>
-            <a:endParaRPr lang="en-US" dirty="0"/>
-          </a:p>
-        </p:txBody>
-      </p:sp>
-    </p:spTree>
-    <p:extLst>
-      <p:ext uri="{BB962C8B-B14F-4D97-AF65-F5344CB8AC3E}">
-        <p14:creationId xmlns:p14="http://schemas.microsoft.com/office/powerpoint/2010/main" val="176378580"/>
-      </p:ext>
-    </p:extLst>
-  </p:cSld>
-  <p:clrMapOvr>
-    <a:masterClrMapping/>
-  </p:clrMapOvr>
-  <p:timing>
-    <p:tnLst>
-      <p:par>
-        <p:cTn id="1" dur="indefinite" restart="never" nodeType="tmRoot"/>
-      </p:par>
-    </p:tnLst>
-  </p:timing>
-</p:sld>
-</file>
-
-<file path=ppt/slides/slide8.xml><?xml version="1.0" encoding="utf-8"?>
-<p:sld xmlns:a="http://schemas.openxmlformats.org/drawingml/2006/main" xmlns:r="http://schemas.openxmlformats.org/officeDocument/2006/relationships" xmlns:p="http://schemas.openxmlformats.org/presentationml/2006/main">
-  <p:cSld>
-    <p:spTree>
-      <p:nvGrpSpPr>
-        <p:cNvPr id="1" name=""/>
-        <p:cNvGrpSpPr/>
-        <p:nvPr/>
-      </p:nvGrpSpPr>
-      <p:grpSpPr>
-        <a:xfrm>
-          <a:off x="0" y="0"/>
-          <a:ext cx="0" cy="0"/>
-          <a:chOff x="0" y="0"/>
-          <a:chExt cx="0" cy="0"/>
-        </a:xfrm>
-      </p:grpSpPr>
-      <p:sp>
-        <p:nvSpPr>
-          <p:cNvPr id="2" name="Title 1"/>
-          <p:cNvSpPr>
-            <a:spLocks noGrp="1"/>
-          </p:cNvSpPr>
-          <p:nvPr>
-            <p:ph type="title"/>
-          </p:nvPr>
-        </p:nvSpPr>
-        <p:spPr/>
-        <p:txBody>
-          <a:bodyPr/>
-          <a:lstStyle/>
-          <a:p>
-            <a:r>
-              <a:rPr lang="en-US" dirty="0" smtClean="0"/>
-              <a:t>Add Activit</a:t>
-            </a:r>
-            <a:r>
-              <a:rPr lang="en-US" dirty="0"/>
-              <a:t>y</a:t>
-            </a:r>
-          </a:p>
-        </p:txBody>
-      </p:sp>
-      <p:pic>
-        <p:nvPicPr>
-          <p:cNvPr id="7172" name="Picture 4"/>
-          <p:cNvPicPr>
-            <a:picLocks noGrp="1" noChangeAspect="1" noChangeArrowheads="1"/>
-          </p:cNvPicPr>
-          <p:nvPr>
-            <p:ph idx="1"/>
-          </p:nvPr>
-        </p:nvPicPr>
-        <p:blipFill>
-          <a:blip r:embed="rId2">
-            <a:extLst>
-              <a:ext uri="{28A0092B-C50C-407E-A947-70E740481C1C}">
-                <a14:useLocalDpi xmlns:a14="http://schemas.microsoft.com/office/drawing/2010/main" val="0"/>
-              </a:ext>
-            </a:extLst>
-          </a:blip>
-          <a:srcRect/>
-          <a:stretch>
-            <a:fillRect/>
-          </a:stretch>
-        </p:blipFill>
-        <p:spPr bwMode="auto">
-          <a:xfrm>
-            <a:off x="2573620" y="1600200"/>
-            <a:ext cx="7044759" cy="4525963"/>
-          </a:xfrm>
-          <a:prstGeom prst="rect">
-            <a:avLst/>
-          </a:prstGeom>
-          <a:noFill/>
-          <a:ln>
-            <a:noFill/>
-          </a:ln>
-          <a:extLst>
-            <a:ext uri="{909E8E84-426E-40DD-AFC4-6F175D3DCCD1}">
-              <a14:hiddenFill xmlns:a14="http://schemas.microsoft.com/office/drawing/2010/main">
-                <a:solidFill>
-                  <a:schemeClr val="accent1"/>
-                </a:solidFill>
-              </a14:hiddenFill>
-            </a:ext>
-            <a:ext uri="{91240B29-F687-4F45-9708-019B960494DF}">
-              <a14:hiddenLine xmlns:a14="http://schemas.microsoft.com/office/drawing/2010/main" w="9525">
-                <a:solidFill>
-                  <a:schemeClr val="tx1"/>
-                </a:solidFill>
-                <a:miter lim="800000"/>
-                <a:headEnd/>
-                <a:tailEnd/>
-              </a14:hiddenLine>
-            </a:ext>
-          </a:extLst>
-        </p:spPr>
-      </p:pic>
-    </p:spTree>
-    <p:extLst>
-      <p:ext uri="{BB962C8B-B14F-4D97-AF65-F5344CB8AC3E}">
-        <p14:creationId xmlns:p14="http://schemas.microsoft.com/office/powerpoint/2010/main" val="228691394"/>
-      </p:ext>
-    </p:extLst>
-  </p:cSld>
-  <p:clrMapOvr>
-    <a:masterClrMapping/>
-  </p:clrMapOvr>
-  <p:timing>
-    <p:tnLst>
-      <p:par>
-        <p:cTn id="1" dur="indefinite" restart="never" nodeType="tmRoot"/>
-      </p:par>
-    </p:tnLst>
-  </p:timing>
-</p:sld>
-</file>
-
-<file path=ppt/slides/slide9.xml><?xml version="1.0" encoding="utf-8"?>
-<p:sld xmlns:a="http://schemas.openxmlformats.org/drawingml/2006/main" xmlns:r="http://schemas.openxmlformats.org/officeDocument/2006/relationships" xmlns:p="http://schemas.openxmlformats.org/presentationml/2006/main">
-  <p:cSld>
-    <p:spTree>
-      <p:nvGrpSpPr>
-        <p:cNvPr id="1" name=""/>
-        <p:cNvGrpSpPr/>
-        <p:nvPr/>
-      </p:nvGrpSpPr>
-      <p:grpSpPr>
-        <a:xfrm>
-          <a:off x="0" y="0"/>
-          <a:ext cx="0" cy="0"/>
-          <a:chOff x="0" y="0"/>
-          <a:chExt cx="0" cy="0"/>
-        </a:xfrm>
-      </p:grpSpPr>
-      <p:sp>
-        <p:nvSpPr>
-          <p:cNvPr id="5" name="Rectangle 4"/>
-          <p:cNvSpPr/>
-          <p:nvPr/>
-        </p:nvSpPr>
-        <p:spPr>
-          <a:xfrm>
-            <a:off x="914398" y="1630680"/>
-            <a:ext cx="1615442" cy="2811780"/>
-          </a:xfrm>
-          <a:prstGeom prst="rect">
-            <a:avLst/>
-          </a:prstGeom>
-          <a:noFill/>
-          <a:ln>
-            <a:solidFill>
-              <a:schemeClr val="accent6"/>
-            </a:solidFill>
-          </a:ln>
-        </p:spPr>
-        <p:style>
-          <a:lnRef idx="2">
-            <a:schemeClr val="accent1">
-              <a:shade val="50000"/>
-            </a:schemeClr>
-          </a:lnRef>
-          <a:fillRef idx="1">
-            <a:schemeClr val="accent1"/>
-          </a:fillRef>
-          <a:effectRef idx="0">
-            <a:schemeClr val="accent1"/>
-          </a:effectRef>
-          <a:fontRef idx="minor">
-            <a:schemeClr val="lt1"/>
-          </a:fontRef>
-        </p:style>
-        <p:txBody>
-          <a:bodyPr rtlCol="0" anchor="ctr"/>
-          <a:lstStyle/>
-          <a:p>
-            <a:pPr algn="ctr"/>
-            <a:endParaRPr lang="en-US"/>
-          </a:p>
-        </p:txBody>
-      </p:sp>
-      <p:grpSp>
-        <p:nvGrpSpPr>
-          <p:cNvPr id="7" name="Group 6"/>
-          <p:cNvGrpSpPr/>
-          <p:nvPr/>
-        </p:nvGrpSpPr>
-        <p:grpSpPr>
-          <a:xfrm>
-            <a:off x="570014" y="1526734"/>
-            <a:ext cx="6300789" cy="4558639"/>
-            <a:chOff x="723900" y="1081199"/>
-            <a:chExt cx="6448425" cy="4780460"/>
-          </a:xfrm>
-        </p:grpSpPr>
-        <p:pic>
-          <p:nvPicPr>
-            <p:cNvPr id="1028" name="Picture 4"/>
-            <p:cNvPicPr>
-              <a:picLocks noChangeAspect="1" noChangeArrowheads="1"/>
-            </p:cNvPicPr>
-            <p:nvPr/>
-          </p:nvPicPr>
-          <p:blipFill>
-            <a:blip r:embed="rId2">
-              <a:extLst>
-                <a:ext uri="{28A0092B-C50C-407E-A947-70E740481C1C}">
-                  <a14:useLocalDpi xmlns:a14="http://schemas.microsoft.com/office/drawing/2010/main" val="0"/>
-                </a:ext>
-              </a:extLst>
-            </a:blip>
-            <a:srcRect/>
-            <a:stretch>
-              <a:fillRect/>
-            </a:stretch>
-          </p:blipFill>
-          <p:spPr bwMode="auto">
-            <a:xfrm>
-              <a:off x="723900" y="1081199"/>
-              <a:ext cx="2497010" cy="4780460"/>
-            </a:xfrm>
-            <a:prstGeom prst="rect">
-              <a:avLst/>
-            </a:prstGeom>
-            <a:noFill/>
-            <a:ln>
-              <a:noFill/>
-            </a:ln>
-            <a:extLst>
-              <a:ext uri="{909E8E84-426E-40DD-AFC4-6F175D3DCCD1}">
-                <a14:hiddenFill xmlns:a14="http://schemas.microsoft.com/office/drawing/2010/main">
-                  <a:solidFill>
-                    <a:schemeClr val="accent1"/>
-                  </a:solidFill>
-                </a14:hiddenFill>
-              </a:ext>
-              <a:ext uri="{91240B29-F687-4F45-9708-019B960494DF}">
-                <a14:hiddenLine xmlns:a14="http://schemas.microsoft.com/office/drawing/2010/main" w="9525">
-                  <a:solidFill>
-                    <a:schemeClr val="tx1"/>
-                  </a:solidFill>
-                  <a:miter lim="800000"/>
-                  <a:headEnd/>
-                  <a:tailEnd/>
-                </a14:hiddenLine>
-              </a:ext>
-            </a:extLst>
-          </p:spPr>
-        </p:pic>
-        <p:pic>
-          <p:nvPicPr>
-            <p:cNvPr id="1029" name="Picture 5"/>
-            <p:cNvPicPr>
-              <a:picLocks noChangeAspect="1" noChangeArrowheads="1"/>
-            </p:cNvPicPr>
-            <p:nvPr/>
-          </p:nvPicPr>
-          <p:blipFill>
-            <a:blip r:embed="rId3" cstate="print">
-              <a:extLst>
-                <a:ext uri="{28A0092B-C50C-407E-A947-70E740481C1C}">
-                  <a14:useLocalDpi xmlns:a14="http://schemas.microsoft.com/office/drawing/2010/main" val="0"/>
-                </a:ext>
-              </a:extLst>
-            </a:blip>
-            <a:srcRect/>
-            <a:stretch>
-              <a:fillRect/>
-            </a:stretch>
-          </p:blipFill>
-          <p:spPr bwMode="auto">
-            <a:xfrm>
-              <a:off x="3990975" y="1134539"/>
-              <a:ext cx="3181350" cy="2445663"/>
-            </a:xfrm>
-            <a:prstGeom prst="rect">
-              <a:avLst/>
-            </a:prstGeom>
-            <a:noFill/>
-            <a:ln>
-              <a:noFill/>
-            </a:ln>
-            <a:extLst>
-              <a:ext uri="{909E8E84-426E-40DD-AFC4-6F175D3DCCD1}">
-                <a14:hiddenFill xmlns:a14="http://schemas.microsoft.com/office/drawing/2010/main">
-                  <a:solidFill>
-                    <a:schemeClr val="accent1"/>
-                  </a:solidFill>
-                </a14:hiddenFill>
-              </a:ext>
-              <a:ext uri="{91240B29-F687-4F45-9708-019B960494DF}">
-                <a14:hiddenLine xmlns:a14="http://schemas.microsoft.com/office/drawing/2010/main" w="9525">
-                  <a:solidFill>
-                    <a:schemeClr val="tx1"/>
-                  </a:solidFill>
-                  <a:miter lim="800000"/>
-                  <a:headEnd/>
-                  <a:tailEnd/>
-                </a14:hiddenLine>
-              </a:ext>
-            </a:extLst>
-          </p:spPr>
-        </p:pic>
-        <p:sp>
-          <p:nvSpPr>
-            <p:cNvPr id="14" name="Rectangle 13"/>
-            <p:cNvSpPr/>
-            <p:nvPr/>
-          </p:nvSpPr>
-          <p:spPr>
-            <a:xfrm>
-              <a:off x="4000500" y="1303020"/>
-              <a:ext cx="754380" cy="1463040"/>
-            </a:xfrm>
-            <a:prstGeom prst="rect">
-              <a:avLst/>
-            </a:prstGeom>
-            <a:noFill/>
-            <a:ln>
-              <a:solidFill>
-                <a:schemeClr val="accent6"/>
-              </a:solidFill>
-            </a:ln>
-          </p:spPr>
-          <p:style>
-            <a:lnRef idx="2">
-              <a:schemeClr val="accent1">
-                <a:shade val="50000"/>
-              </a:schemeClr>
-            </a:lnRef>
-            <a:fillRef idx="1">
-              <a:schemeClr val="accent1"/>
-            </a:fillRef>
-            <a:effectRef idx="0">
-              <a:schemeClr val="accent1"/>
-            </a:effectRef>
-            <a:fontRef idx="minor">
-              <a:schemeClr val="lt1"/>
-            </a:fontRef>
-          </p:style>
-          <p:txBody>
-            <a:bodyPr rtlCol="0" anchor="ctr"/>
-            <a:lstStyle/>
-            <a:p>
-              <a:pPr algn="ctr"/>
-              <a:endParaRPr lang="en-US"/>
-            </a:p>
-          </p:txBody>
-        </p:sp>
-      </p:grpSp>
-      <p:sp>
-        <p:nvSpPr>
-          <p:cNvPr id="15" name="Title 1"/>
-          <p:cNvSpPr>
-            <a:spLocks noGrp="1"/>
-          </p:cNvSpPr>
-          <p:nvPr>
-            <p:ph type="title"/>
-          </p:nvPr>
-        </p:nvSpPr>
-        <p:spPr>
-          <a:xfrm>
-            <a:off x="0" y="457200"/>
-            <a:ext cx="7112000" cy="1143000"/>
-          </a:xfrm>
-        </p:spPr>
-        <p:txBody>
-          <a:bodyPr/>
-          <a:lstStyle/>
-          <a:p>
-            <a:r>
-              <a:rPr lang="en-US" dirty="0" smtClean="0"/>
-              <a:t>Project Pane</a:t>
-            </a:r>
-            <a:endParaRPr lang="en-US" dirty="0"/>
-          </a:p>
-        </p:txBody>
-      </p:sp>
-    </p:spTree>
-    <p:extLst>
-      <p:ext uri="{BB962C8B-B14F-4D97-AF65-F5344CB8AC3E}">
-        <p14:creationId xmlns:p14="http://schemas.microsoft.com/office/powerpoint/2010/main" val="3421362991"/>
-      </p:ext>
-    </p:extLst>
-  </p:cSld>
-  <p:clrMapOvr>
-    <a:masterClrMapping/>
-  </p:clrMapOvr>
-  <p:timing>
-    <p:tnLst>
-      <p:par>
-        <p:cTn id="1" dur="indefinite" restart="never" nodeType="tmRoot"/>
       </p:par>
     </p:tnLst>
   </p:timing>

--- a/slides/Android Studio_Activities_Fragments.pptx
+++ b/slides/Android Studio_Activities_Fragments.pptx
@@ -14,7 +14,7 @@
     <p:sldId id="286" r:id="rId8"/>
     <p:sldId id="287" r:id="rId9"/>
     <p:sldId id="289" r:id="rId10"/>
-    <p:sldId id="290" r:id="rId11"/>
+    <p:sldId id="339" r:id="rId11"/>
     <p:sldId id="292" r:id="rId12"/>
     <p:sldId id="300" r:id="rId13"/>
     <p:sldId id="294" r:id="rId14"/>
@@ -26,35 +26,50 @@
     <p:sldId id="337" r:id="rId20"/>
     <p:sldId id="338" r:id="rId21"/>
     <p:sldId id="280" r:id="rId22"/>
-    <p:sldId id="333" r:id="rId23"/>
-    <p:sldId id="297" r:id="rId24"/>
-    <p:sldId id="301" r:id="rId25"/>
-    <p:sldId id="302" r:id="rId26"/>
-    <p:sldId id="303" r:id="rId27"/>
-    <p:sldId id="326" r:id="rId28"/>
-    <p:sldId id="304" r:id="rId29"/>
-    <p:sldId id="307" r:id="rId30"/>
-    <p:sldId id="299" r:id="rId31"/>
-    <p:sldId id="327" r:id="rId32"/>
-    <p:sldId id="310" r:id="rId33"/>
-    <p:sldId id="320" r:id="rId34"/>
-    <p:sldId id="259" r:id="rId35"/>
-    <p:sldId id="314" r:id="rId36"/>
-    <p:sldId id="315" r:id="rId37"/>
-    <p:sldId id="316" r:id="rId38"/>
-    <p:sldId id="308" r:id="rId39"/>
-    <p:sldId id="318" r:id="rId40"/>
-    <p:sldId id="305" r:id="rId41"/>
-    <p:sldId id="306" r:id="rId42"/>
-    <p:sldId id="321" r:id="rId43"/>
-    <p:sldId id="322" r:id="rId44"/>
-    <p:sldId id="323" r:id="rId45"/>
-    <p:sldId id="312" r:id="rId46"/>
-    <p:sldId id="324" r:id="rId47"/>
-    <p:sldId id="325" r:id="rId48"/>
-    <p:sldId id="329" r:id="rId49"/>
-    <p:sldId id="330" r:id="rId50"/>
-    <p:sldId id="331" r:id="rId51"/>
+    <p:sldId id="341" r:id="rId23"/>
+    <p:sldId id="342" r:id="rId24"/>
+    <p:sldId id="343" r:id="rId25"/>
+    <p:sldId id="344" r:id="rId26"/>
+    <p:sldId id="345" r:id="rId27"/>
+    <p:sldId id="333" r:id="rId28"/>
+    <p:sldId id="297" r:id="rId29"/>
+    <p:sldId id="301" r:id="rId30"/>
+    <p:sldId id="302" r:id="rId31"/>
+    <p:sldId id="303" r:id="rId32"/>
+    <p:sldId id="326" r:id="rId33"/>
+    <p:sldId id="304" r:id="rId34"/>
+    <p:sldId id="307" r:id="rId35"/>
+    <p:sldId id="299" r:id="rId36"/>
+    <p:sldId id="327" r:id="rId37"/>
+    <p:sldId id="346" r:id="rId38"/>
+    <p:sldId id="310" r:id="rId39"/>
+    <p:sldId id="320" r:id="rId40"/>
+    <p:sldId id="259" r:id="rId41"/>
+    <p:sldId id="314" r:id="rId42"/>
+    <p:sldId id="347" r:id="rId43"/>
+    <p:sldId id="348" r:id="rId44"/>
+    <p:sldId id="349" r:id="rId45"/>
+    <p:sldId id="350" r:id="rId46"/>
+    <p:sldId id="351" r:id="rId47"/>
+    <p:sldId id="352" r:id="rId48"/>
+    <p:sldId id="353" r:id="rId49"/>
+    <p:sldId id="315" r:id="rId50"/>
+    <p:sldId id="316" r:id="rId51"/>
+    <p:sldId id="354" r:id="rId52"/>
+    <p:sldId id="308" r:id="rId53"/>
+    <p:sldId id="318" r:id="rId54"/>
+    <p:sldId id="355" r:id="rId55"/>
+    <p:sldId id="305" r:id="rId56"/>
+    <p:sldId id="306" r:id="rId57"/>
+    <p:sldId id="321" r:id="rId58"/>
+    <p:sldId id="322" r:id="rId59"/>
+    <p:sldId id="323" r:id="rId60"/>
+    <p:sldId id="312" r:id="rId61"/>
+    <p:sldId id="324" r:id="rId62"/>
+    <p:sldId id="325" r:id="rId63"/>
+    <p:sldId id="329" r:id="rId64"/>
+    <p:sldId id="330" r:id="rId65"/>
+    <p:sldId id="331" r:id="rId66"/>
   </p:sldIdLst>
   <p:sldSz cx="12192000" cy="6858000"/>
   <p:notesSz cx="6858000" cy="9144000"/>
@@ -155,7 +170,7 @@
   </p:defaultTextStyle>
   <p:extLst>
     <p:ext uri="{EFAFB233-063F-42B5-8137-9DF3F51BA10A}">
-      <p15:sldGuideLst xmlns:p15="http://schemas.microsoft.com/office/powerpoint/2012/main">
+      <p15:sldGuideLst xmlns:p15="http://schemas.microsoft.com/office/powerpoint/2012/main" xmlns="">
         <p15:guide id="1" orient="horz" pos="2160">
           <p15:clr>
             <a:srgbClr val="A4A3A4"/>
@@ -3285,6 +3300,13 @@
   <p:clrMapOvr>
     <a:masterClrMapping/>
   </p:clrMapOvr>
+  <p:timing>
+    <p:tnLst>
+      <p:par>
+        <p:cTn id="1" dur="indefinite" restart="never" nodeType="tmRoot"/>
+      </p:par>
+    </p:tnLst>
+  </p:timing>
 </p:sld>
 </file>
 
@@ -3307,12 +3329,12 @@
       </p:grpSpPr>
       <p:sp>
         <p:nvSpPr>
-          <p:cNvPr id="3" name="Content Placeholder 2"/>
+          <p:cNvPr id="2" name="Title 1"/>
           <p:cNvSpPr>
             <a:spLocks noGrp="1"/>
           </p:cNvSpPr>
           <p:nvPr>
-            <p:ph idx="1"/>
+            <p:ph type="title"/>
           </p:nvPr>
         </p:nvSpPr>
         <p:spPr/>
@@ -3320,38 +3342,294 @@
           <a:bodyPr/>
           <a:lstStyle/>
           <a:p>
-            <a:pPr marL="0" indent="0">
-              <a:buNone/>
-            </a:pPr>
+            <a:r>
+              <a:rPr lang="en-US" dirty="0" smtClean="0"/>
+              <a:t>Android Reference</a:t>
+            </a:r>
             <a:endParaRPr lang="en-US" dirty="0"/>
           </a:p>
-          <a:p>
-            <a:pPr marL="0" indent="0">
-              <a:buNone/>
-            </a:pPr>
-            <a:endParaRPr lang="en-US" dirty="0"/>
-          </a:p>
-          <a:p>
-            <a:pPr marL="0" indent="0" algn="ctr">
-              <a:buNone/>
-            </a:pPr>
-            <a:r>
-              <a:rPr lang="en-US" dirty="0"/>
-              <a:t>Live Example: Android Developer References</a:t>
-            </a:r>
-          </a:p>
-        </p:txBody>
-      </p:sp>
+        </p:txBody>
+      </p:sp>
+      <p:pic>
+        <p:nvPicPr>
+          <p:cNvPr id="4" name="Picture 2"/>
+          <p:cNvPicPr>
+            <a:picLocks noChangeAspect="1" noChangeArrowheads="1"/>
+          </p:cNvPicPr>
+          <p:nvPr/>
+        </p:nvPicPr>
+        <p:blipFill>
+          <a:blip r:embed="rId2">
+            <a:extLst>
+              <a:ext uri="{28A0092B-C50C-407E-A947-70E740481C1C}">
+                <a14:useLocalDpi xmlns:a14="http://schemas.microsoft.com/office/drawing/2010/main" val="0"/>
+              </a:ext>
+            </a:extLst>
+          </a:blip>
+          <a:srcRect/>
+          <a:stretch>
+            <a:fillRect/>
+          </a:stretch>
+        </p:blipFill>
+        <p:spPr bwMode="auto">
+          <a:xfrm>
+            <a:off x="1897469" y="1686296"/>
+            <a:ext cx="6854645" cy="4369152"/>
+          </a:xfrm>
+          <a:prstGeom prst="rect">
+            <a:avLst/>
+          </a:prstGeom>
+          <a:noFill/>
+          <a:ln w="9525">
+            <a:solidFill>
+              <a:schemeClr val="bg1">
+                <a:lumMod val="75000"/>
+              </a:schemeClr>
+            </a:solidFill>
+            <a:miter lim="800000"/>
+            <a:headEnd/>
+            <a:tailEnd/>
+          </a:ln>
+          <a:extLst>
+            <a:ext uri="{909E8E84-426E-40DD-AFC4-6F175D3DCCD1}">
+              <a14:hiddenFill xmlns:a14="http://schemas.microsoft.com/office/drawing/2010/main">
+                <a:solidFill>
+                  <a:schemeClr val="accent1"/>
+                </a:solidFill>
+              </a14:hiddenFill>
+            </a:ext>
+          </a:extLst>
+        </p:spPr>
+      </p:pic>
+      <p:grpSp>
+        <p:nvGrpSpPr>
+          <p:cNvPr id="9" name="Group 8"/>
+          <p:cNvGrpSpPr/>
+          <p:nvPr/>
+        </p:nvGrpSpPr>
+        <p:grpSpPr>
+          <a:xfrm>
+            <a:off x="7338060" y="1741854"/>
+            <a:ext cx="4656018" cy="780366"/>
+            <a:chOff x="7338060" y="1741854"/>
+            <a:chExt cx="4656018" cy="780366"/>
+          </a:xfrm>
+        </p:grpSpPr>
+        <p:sp>
+          <p:nvSpPr>
+            <p:cNvPr id="5" name="Oval 4"/>
+            <p:cNvSpPr/>
+            <p:nvPr/>
+          </p:nvSpPr>
+          <p:spPr>
+            <a:xfrm>
+              <a:off x="7338060" y="2263140"/>
+              <a:ext cx="1310640" cy="259080"/>
+            </a:xfrm>
+            <a:prstGeom prst="ellipse">
+              <a:avLst/>
+            </a:prstGeom>
+            <a:noFill/>
+            <a:ln>
+              <a:solidFill>
+                <a:srgbClr val="C00000"/>
+              </a:solidFill>
+            </a:ln>
+          </p:spPr>
+          <p:style>
+            <a:lnRef idx="2">
+              <a:schemeClr val="accent1">
+                <a:shade val="50000"/>
+              </a:schemeClr>
+            </a:lnRef>
+            <a:fillRef idx="1">
+              <a:schemeClr val="accent1"/>
+            </a:fillRef>
+            <a:effectRef idx="0">
+              <a:schemeClr val="accent1"/>
+            </a:effectRef>
+            <a:fontRef idx="minor">
+              <a:schemeClr val="lt1"/>
+            </a:fontRef>
+          </p:style>
+          <p:txBody>
+            <a:bodyPr rtlCol="0" anchor="ctr"/>
+            <a:lstStyle/>
+            <a:p>
+              <a:pPr algn="ctr"/>
+              <a:endParaRPr lang="en-US"/>
+            </a:p>
+          </p:txBody>
+        </p:sp>
+        <p:cxnSp>
+          <p:nvCxnSpPr>
+            <p:cNvPr id="7" name="Straight Connector 6"/>
+            <p:cNvCxnSpPr>
+              <a:stCxn id="5" idx="6"/>
+            </p:cNvCxnSpPr>
+            <p:nvPr/>
+          </p:nvCxnSpPr>
+          <p:spPr>
+            <a:xfrm flipV="1">
+              <a:off x="8648700" y="2065020"/>
+              <a:ext cx="777240" cy="327660"/>
+            </a:xfrm>
+            <a:prstGeom prst="line">
+              <a:avLst/>
+            </a:prstGeom>
+            <a:ln w="22225">
+              <a:solidFill>
+                <a:srgbClr val="C00000"/>
+              </a:solidFill>
+            </a:ln>
+          </p:spPr>
+          <p:style>
+            <a:lnRef idx="1">
+              <a:schemeClr val="accent1"/>
+            </a:lnRef>
+            <a:fillRef idx="0">
+              <a:schemeClr val="accent1"/>
+            </a:fillRef>
+            <a:effectRef idx="0">
+              <a:schemeClr val="accent1"/>
+            </a:effectRef>
+            <a:fontRef idx="minor">
+              <a:schemeClr val="tx1"/>
+            </a:fontRef>
+          </p:style>
+        </p:cxnSp>
+        <p:sp>
+          <p:nvSpPr>
+            <p:cNvPr id="8" name="TextBox 7"/>
+            <p:cNvSpPr txBox="1"/>
+            <p:nvPr/>
+          </p:nvSpPr>
+          <p:spPr>
+            <a:xfrm>
+              <a:off x="9425940" y="1741854"/>
+              <a:ext cx="2568138" cy="369332"/>
+            </a:xfrm>
+            <a:prstGeom prst="rect">
+              <a:avLst/>
+            </a:prstGeom>
+            <a:noFill/>
+          </p:spPr>
+          <p:txBody>
+            <a:bodyPr wrap="square" rtlCol="0">
+              <a:spAutoFit/>
+            </a:bodyPr>
+            <a:lstStyle/>
+            <a:p>
+              <a:r>
+                <a:rPr lang="en-US" dirty="0" smtClean="0">
+                  <a:solidFill>
+                    <a:srgbClr val="C00000"/>
+                  </a:solidFill>
+                </a:rPr>
+                <a:t>Min Support SDK Version</a:t>
+              </a:r>
+              <a:endParaRPr lang="en-US" dirty="0">
+                <a:solidFill>
+                  <a:srgbClr val="C00000"/>
+                </a:solidFill>
+              </a:endParaRPr>
+            </a:p>
+          </p:txBody>
+        </p:sp>
+      </p:grpSp>
     </p:spTree>
     <p:extLst>
       <p:ext uri="{BB962C8B-B14F-4D97-AF65-F5344CB8AC3E}">
-        <p14:creationId xmlns:p14="http://schemas.microsoft.com/office/powerpoint/2010/main" val="176378580"/>
+        <p14:creationId xmlns:p14="http://schemas.microsoft.com/office/powerpoint/2010/main" val="1537090218"/>
       </p:ext>
     </p:extLst>
   </p:cSld>
   <p:clrMapOvr>
     <a:masterClrMapping/>
   </p:clrMapOvr>
+  <p:timing>
+    <p:tnLst>
+      <p:par>
+        <p:cTn id="1" dur="indefinite" restart="never" nodeType="tmRoot">
+          <p:childTnLst>
+            <p:seq concurrent="1" nextAc="seek">
+              <p:cTn id="2" dur="indefinite" nodeType="mainSeq">
+                <p:childTnLst>
+                  <p:par>
+                    <p:cTn id="3" fill="hold">
+                      <p:stCondLst>
+                        <p:cond delay="indefinite"/>
+                      </p:stCondLst>
+                      <p:childTnLst>
+                        <p:par>
+                          <p:cTn id="4" fill="hold">
+                            <p:stCondLst>
+                              <p:cond delay="0"/>
+                            </p:stCondLst>
+                            <p:childTnLst>
+                              <p:par>
+                                <p:cTn id="5" presetID="22" presetClass="entr" presetSubtype="4" fill="hold" nodeType="clickEffect">
+                                  <p:stCondLst>
+                                    <p:cond delay="0"/>
+                                  </p:stCondLst>
+                                  <p:childTnLst>
+                                    <p:set>
+                                      <p:cBhvr>
+                                        <p:cTn id="6" dur="1" fill="hold">
+                                          <p:stCondLst>
+                                            <p:cond delay="0"/>
+                                          </p:stCondLst>
+                                        </p:cTn>
+                                        <p:tgtEl>
+                                          <p:spTgt spid="9"/>
+                                        </p:tgtEl>
+                                        <p:attrNameLst>
+                                          <p:attrName>style.visibility</p:attrName>
+                                        </p:attrNameLst>
+                                      </p:cBhvr>
+                                      <p:to>
+                                        <p:strVal val="visible"/>
+                                      </p:to>
+                                    </p:set>
+                                    <p:animEffect transition="in" filter="wipe(down)">
+                                      <p:cBhvr>
+                                        <p:cTn id="7" dur="500"/>
+                                        <p:tgtEl>
+                                          <p:spTgt spid="9"/>
+                                        </p:tgtEl>
+                                      </p:cBhvr>
+                                    </p:animEffect>
+                                  </p:childTnLst>
+                                </p:cTn>
+                              </p:par>
+                            </p:childTnLst>
+                          </p:cTn>
+                        </p:par>
+                      </p:childTnLst>
+                    </p:cTn>
+                  </p:par>
+                </p:childTnLst>
+              </p:cTn>
+              <p:prevCondLst>
+                <p:cond evt="onPrev" delay="0">
+                  <p:tgtEl>
+                    <p:sldTgt/>
+                  </p:tgtEl>
+                </p:cond>
+              </p:prevCondLst>
+              <p:nextCondLst>
+                <p:cond evt="onNext" delay="0">
+                  <p:tgtEl>
+                    <p:sldTgt/>
+                  </p:tgtEl>
+                </p:cond>
+              </p:nextCondLst>
+            </p:seq>
+          </p:childTnLst>
+        </p:cTn>
+      </p:par>
+    </p:tnLst>
+  </p:timing>
 </p:sld>
 </file>
 
@@ -3460,6 +3738,13 @@
   <p:clrMapOvr>
     <a:masterClrMapping/>
   </p:clrMapOvr>
+  <p:timing>
+    <p:tnLst>
+      <p:par>
+        <p:cTn id="1" dur="indefinite" restart="never" nodeType="tmRoot"/>
+      </p:par>
+    </p:tnLst>
+  </p:timing>
 </p:sld>
 </file>
 
@@ -3525,18 +3810,21 @@
           <a:bodyPr/>
           <a:lstStyle/>
           <a:p>
+            <a:pPr lvl="1"/>
             <a:r>
               <a:rPr lang="en-US" dirty="0"/>
               <a:t>Set target SDK version</a:t>
             </a:r>
           </a:p>
           <a:p>
+            <a:pPr lvl="1"/>
             <a:r>
               <a:rPr lang="en-US" dirty="0"/>
               <a:t>Set minimum SDK version</a:t>
             </a:r>
           </a:p>
           <a:p>
+            <a:pPr lvl="1"/>
             <a:r>
               <a:rPr lang="en-US" dirty="0"/>
               <a:t>Define dependencies</a:t>
@@ -3554,6 +3842,13 @@
   <p:clrMapOvr>
     <a:masterClrMapping/>
   </p:clrMapOvr>
+  <p:timing>
+    <p:tnLst>
+      <p:par>
+        <p:cTn id="1" dur="indefinite" restart="never" nodeType="tmRoot"/>
+      </p:par>
+    </p:tnLst>
+  </p:timing>
 </p:sld>
 </file>
 
@@ -3615,6 +3910,13 @@
   <p:clrMapOvr>
     <a:masterClrMapping/>
   </p:clrMapOvr>
+  <p:timing>
+    <p:tnLst>
+      <p:par>
+        <p:cTn id="1" dur="indefinite" restart="never" nodeType="tmRoot"/>
+      </p:par>
+    </p:tnLst>
+  </p:timing>
 </p:sld>
 </file>
 
@@ -3658,6 +3960,10 @@
             <a:r>
               <a:rPr lang="en-US" b="1" dirty="0"/>
               <a:t>Activity</a:t>
+            </a:r>
+            <a:r>
+              <a:rPr lang="en-US" dirty="0"/>
+              <a:t/>
             </a:r>
             <a:br>
               <a:rPr lang="en-US" dirty="0"/>
@@ -4290,6 +4596,13 @@
   <p:clrMapOvr>
     <a:masterClrMapping/>
   </p:clrMapOvr>
+  <p:timing>
+    <p:tnLst>
+      <p:par>
+        <p:cTn id="1" dur="indefinite" restart="never" nodeType="tmRoot"/>
+      </p:par>
+    </p:tnLst>
+  </p:timing>
 </p:sld>
 </file>
 
@@ -4315,7 +4628,7 @@
           <p:cNvPr id="2" name="Title 1">
             <a:extLst>
               <a:ext uri="{FF2B5EF4-FFF2-40B4-BE49-F238E27FC236}">
-                <a16:creationId xmlns:a16="http://schemas.microsoft.com/office/drawing/2014/main" id="{8955F4A5-9664-41BD-8FCE-D77B9F0D51F8}"/>
+                <a16:creationId xmlns:a16="http://schemas.microsoft.com/office/drawing/2014/main" xmlns="" id="{8955F4A5-9664-41BD-8FCE-D77B9F0D51F8}"/>
               </a:ext>
             </a:extLst>
           </p:cNvPr>
@@ -4332,13 +4645,18 @@
           <a:lstStyle/>
           <a:p>
             <a:r>
-              <a:rPr lang="en-US" dirty="0" err="1"/>
-              <a:t>onStart</a:t>
-            </a:r>
-            <a:r>
-              <a:rPr lang="en-US" dirty="0"/>
+              <a:rPr lang="en-US" dirty="0" smtClean="0"/>
+              <a:t>Inside </a:t>
+            </a:r>
+            <a:r>
+              <a:rPr lang="en-US" dirty="0" err="1" smtClean="0"/>
+              <a:t>onCreate</a:t>
+            </a:r>
+            <a:r>
+              <a:rPr lang="en-US" dirty="0" smtClean="0"/>
               <a:t>()</a:t>
             </a:r>
+            <a:endParaRPr lang="en-US" dirty="0"/>
           </a:p>
         </p:txBody>
       </p:sp>
@@ -4347,7 +4665,7 @@
           <p:cNvPr id="3" name="Content Placeholder 2">
             <a:extLst>
               <a:ext uri="{FF2B5EF4-FFF2-40B4-BE49-F238E27FC236}">
-                <a16:creationId xmlns:a16="http://schemas.microsoft.com/office/drawing/2014/main" id="{648D5158-09EF-4590-93E1-68E59B31A864}"/>
+                <a16:creationId xmlns:a16="http://schemas.microsoft.com/office/drawing/2014/main" xmlns="" id="{648D5158-09EF-4590-93E1-68E59B31A864}"/>
               </a:ext>
             </a:extLst>
           </p:cNvPr>
@@ -4363,6 +4681,22 @@
           <a:bodyPr/>
           <a:lstStyle/>
           <a:p>
+            <a:r>
+              <a:rPr lang="en-US" dirty="0" smtClean="0"/>
+              <a:t>Process incoming data (i.e. Intent)</a:t>
+            </a:r>
+          </a:p>
+          <a:p>
+            <a:r>
+              <a:rPr lang="en-US" dirty="0" smtClean="0"/>
+              <a:t>Initialize variables (non-view)</a:t>
+            </a:r>
+          </a:p>
+          <a:p>
+            <a:r>
+              <a:rPr lang="en-US" dirty="0" smtClean="0"/>
+              <a:t>Assign Activity layout </a:t>
+            </a:r>
             <a:endParaRPr lang="en-US" dirty="0"/>
           </a:p>
         </p:txBody>
@@ -4377,6 +4711,13 @@
   <p:clrMapOvr>
     <a:masterClrMapping/>
   </p:clrMapOvr>
+  <p:timing>
+    <p:tnLst>
+      <p:par>
+        <p:cTn id="1" dur="indefinite" restart="never" nodeType="tmRoot"/>
+      </p:par>
+    </p:tnLst>
+  </p:timing>
 </p:sld>
 </file>
 
@@ -4700,6 +5041,13 @@
   <p:clrMapOvr>
     <a:masterClrMapping/>
   </p:clrMapOvr>
+  <p:timing>
+    <p:tnLst>
+      <p:par>
+        <p:cTn id="1" dur="indefinite" restart="never" nodeType="tmRoot"/>
+      </p:par>
+    </p:tnLst>
+  </p:timing>
 </p:sld>
 </file>
 
@@ -4725,7 +5073,7 @@
           <p:cNvPr id="2" name="Title 1">
             <a:extLst>
               <a:ext uri="{FF2B5EF4-FFF2-40B4-BE49-F238E27FC236}">
-                <a16:creationId xmlns:a16="http://schemas.microsoft.com/office/drawing/2014/main" id="{40E28D8C-70E2-453E-86D6-07C0E276675E}"/>
+                <a16:creationId xmlns:a16="http://schemas.microsoft.com/office/drawing/2014/main" xmlns="" id="{40E28D8C-70E2-453E-86D6-07C0E276675E}"/>
               </a:ext>
             </a:extLst>
           </p:cNvPr>
@@ -4742,7 +5090,11 @@
           <a:lstStyle/>
           <a:p>
             <a:r>
-              <a:rPr lang="en-US" dirty="0" err="1"/>
+              <a:rPr lang="en-US" dirty="0" smtClean="0"/>
+              <a:t>Inside </a:t>
+            </a:r>
+            <a:r>
+              <a:rPr lang="en-US" dirty="0" err="1" smtClean="0"/>
               <a:t>onStart</a:t>
             </a:r>
             <a:r>
@@ -4757,7 +5109,7 @@
           <p:cNvPr id="3" name="Content Placeholder 2">
             <a:extLst>
               <a:ext uri="{FF2B5EF4-FFF2-40B4-BE49-F238E27FC236}">
-                <a16:creationId xmlns:a16="http://schemas.microsoft.com/office/drawing/2014/main" id="{4EEFC9F3-9443-4188-B583-79F8E3F8DBE5}"/>
+                <a16:creationId xmlns:a16="http://schemas.microsoft.com/office/drawing/2014/main" xmlns="" id="{4EEFC9F3-9443-4188-B583-79F8E3F8DBE5}"/>
               </a:ext>
             </a:extLst>
           </p:cNvPr>
@@ -4773,7 +5125,17 @@
           <a:bodyPr/>
           <a:lstStyle/>
           <a:p>
-            <a:endParaRPr lang="en-US"/>
+            <a:r>
+              <a:rPr lang="en-US" dirty="0" smtClean="0"/>
+              <a:t>Initialize view objects (inside Fragment)</a:t>
+            </a:r>
+          </a:p>
+          <a:p>
+            <a:r>
+              <a:rPr lang="en-US" dirty="0" smtClean="0"/>
+              <a:t>Register services </a:t>
+            </a:r>
+            <a:endParaRPr lang="en-US" dirty="0"/>
           </a:p>
         </p:txBody>
       </p:sp>
@@ -4787,6 +5149,13 @@
   <p:clrMapOvr>
     <a:masterClrMapping/>
   </p:clrMapOvr>
+  <p:timing>
+    <p:tnLst>
+      <p:par>
+        <p:cTn id="1" dur="indefinite" restart="never" nodeType="tmRoot"/>
+      </p:par>
+    </p:tnLst>
+  </p:timing>
 </p:sld>
 </file>
 
@@ -5110,6 +5479,13 @@
   <p:clrMapOvr>
     <a:masterClrMapping/>
   </p:clrMapOvr>
+  <p:timing>
+    <p:tnLst>
+      <p:par>
+        <p:cTn id="1" dur="indefinite" restart="never" nodeType="tmRoot"/>
+      </p:par>
+    </p:tnLst>
+  </p:timing>
 </p:sld>
 </file>
 
@@ -5254,6 +5630,13 @@
   <p:clrMapOvr>
     <a:masterClrMapping/>
   </p:clrMapOvr>
+  <p:timing>
+    <p:tnLst>
+      <p:par>
+        <p:cTn id="1" dur="indefinite" restart="never" nodeType="tmRoot"/>
+      </p:par>
+    </p:tnLst>
+  </p:timing>
 </p:sld>
 </file>
 
@@ -5279,7 +5662,7 @@
           <p:cNvPr id="2" name="Title 1">
             <a:extLst>
               <a:ext uri="{FF2B5EF4-FFF2-40B4-BE49-F238E27FC236}">
-                <a16:creationId xmlns:a16="http://schemas.microsoft.com/office/drawing/2014/main" id="{9C92EB54-61C5-4F88-9B57-EA1ACC2F56E6}"/>
+                <a16:creationId xmlns:a16="http://schemas.microsoft.com/office/drawing/2014/main" xmlns="" id="{9C92EB54-61C5-4F88-9B57-EA1ACC2F56E6}"/>
               </a:ext>
             </a:extLst>
           </p:cNvPr>
@@ -5296,7 +5679,11 @@
           <a:lstStyle/>
           <a:p>
             <a:r>
-              <a:rPr lang="en-US" dirty="0" err="1"/>
+              <a:rPr lang="en-US" dirty="0" smtClean="0"/>
+              <a:t>Inside </a:t>
+            </a:r>
+            <a:r>
+              <a:rPr lang="en-US" dirty="0" err="1" smtClean="0"/>
               <a:t>onResume</a:t>
             </a:r>
             <a:r>
@@ -5311,7 +5698,7 @@
           <p:cNvPr id="3" name="Content Placeholder 2">
             <a:extLst>
               <a:ext uri="{FF2B5EF4-FFF2-40B4-BE49-F238E27FC236}">
-                <a16:creationId xmlns:a16="http://schemas.microsoft.com/office/drawing/2014/main" id="{CB6D488D-1FC6-41B9-BEB2-042DB25F493A}"/>
+                <a16:creationId xmlns:a16="http://schemas.microsoft.com/office/drawing/2014/main" xmlns="" id="{CB6D488D-1FC6-41B9-BEB2-042DB25F493A}"/>
               </a:ext>
             </a:extLst>
           </p:cNvPr>
@@ -5327,6 +5714,11 @@
           <a:bodyPr/>
           <a:lstStyle/>
           <a:p>
+            <a:pPr lvl="1"/>
+            <a:r>
+              <a:rPr lang="en-US" dirty="0" smtClean="0"/>
+              <a:t>Continue a service or action  (ex. Stock market ticker)</a:t>
+            </a:r>
             <a:endParaRPr lang="en-US" dirty="0"/>
           </a:p>
         </p:txBody>
@@ -5341,6 +5733,13 @@
   <p:clrMapOvr>
     <a:masterClrMapping/>
   </p:clrMapOvr>
+  <p:timing>
+    <p:tnLst>
+      <p:par>
+        <p:cTn id="1" dur="indefinite" restart="never" nodeType="tmRoot"/>
+      </p:par>
+    </p:tnLst>
+  </p:timing>
 </p:sld>
 </file>
 
@@ -5475,17 +5874,52 @@
           <a:lstStyle/>
           <a:p>
             <a:r>
-              <a:rPr lang="en-US" b="1" dirty="0" err="1"/>
+              <a:rPr lang="en-US" b="1" dirty="0" err="1">
+                <a:solidFill>
+                  <a:schemeClr val="bg1">
+                    <a:lumMod val="65000"/>
+                  </a:schemeClr>
+                </a:solidFill>
+              </a:rPr>
               <a:t>onStop</a:t>
             </a:r>
             <a:r>
-              <a:rPr lang="en-US" b="1" dirty="0"/>
+              <a:rPr lang="en-US" b="1" dirty="0">
+                <a:solidFill>
+                  <a:schemeClr val="bg1">
+                    <a:lumMod val="65000"/>
+                  </a:schemeClr>
+                </a:solidFill>
+              </a:rPr>
               <a:t>() </a:t>
             </a:r>
             <a:r>
-              <a:rPr lang="en-US" dirty="0"/>
-              <a:t>moved to the background and not visible</a:t>
-            </a:r>
+              <a:rPr lang="en-US" dirty="0">
+                <a:solidFill>
+                  <a:schemeClr val="bg1">
+                    <a:lumMod val="65000"/>
+                  </a:schemeClr>
+                </a:solidFill>
+              </a:rPr>
+              <a:t>moved to the background and not </a:t>
+            </a:r>
+            <a:r>
+              <a:rPr lang="en-US" dirty="0" smtClean="0">
+                <a:solidFill>
+                  <a:schemeClr val="bg1">
+                    <a:lumMod val="65000"/>
+                  </a:schemeClr>
+                </a:solidFill>
+              </a:rPr>
+              <a:t>visible</a:t>
+            </a:r>
+            <a:endParaRPr lang="en-US" dirty="0">
+              <a:solidFill>
+                <a:schemeClr val="bg1">
+                  <a:lumMod val="65000"/>
+                </a:schemeClr>
+              </a:solidFill>
+            </a:endParaRPr>
           </a:p>
         </p:txBody>
       </p:sp>
@@ -5512,15 +5946,33 @@
           <a:lstStyle/>
           <a:p>
             <a:r>
-              <a:rPr lang="en-US" b="1" dirty="0" err="1"/>
+              <a:rPr lang="en-US" b="1" dirty="0" err="1">
+                <a:solidFill>
+                  <a:schemeClr val="bg1">
+                    <a:lumMod val="65000"/>
+                  </a:schemeClr>
+                </a:solidFill>
+              </a:rPr>
               <a:t>onDestroy</a:t>
             </a:r>
             <a:r>
-              <a:rPr lang="en-US" b="1" dirty="0"/>
+              <a:rPr lang="en-US" b="1" dirty="0">
+                <a:solidFill>
+                  <a:schemeClr val="bg1">
+                    <a:lumMod val="65000"/>
+                  </a:schemeClr>
+                </a:solidFill>
+              </a:rPr>
               <a:t>() </a:t>
             </a:r>
             <a:r>
-              <a:rPr lang="en-US" dirty="0"/>
+              <a:rPr lang="en-US" dirty="0">
+                <a:solidFill>
+                  <a:schemeClr val="bg1">
+                    <a:lumMod val="65000"/>
+                  </a:schemeClr>
+                </a:solidFill>
+              </a:rPr>
               <a:t>moved to the background and flagged to be destroyed by the system</a:t>
             </a:r>
           </a:p>
@@ -5628,6 +6080,490 @@
           </a:p>
         </p:txBody>
       </p:sp>
+    </p:spTree>
+    <p:extLst>
+      <p:ext uri="{BB962C8B-B14F-4D97-AF65-F5344CB8AC3E}">
+        <p14:creationId xmlns:p14="http://schemas.microsoft.com/office/powerpoint/2010/main" val="3554290345"/>
+      </p:ext>
+    </p:extLst>
+  </p:cSld>
+  <p:clrMapOvr>
+    <a:masterClrMapping/>
+  </p:clrMapOvr>
+  <p:timing>
+    <p:tnLst>
+      <p:par>
+        <p:cTn id="1" dur="indefinite" restart="never" nodeType="tmRoot"/>
+      </p:par>
+    </p:tnLst>
+  </p:timing>
+</p:sld>
+</file>
+
+<file path=ppt/slides/slide22.xml><?xml version="1.0" encoding="utf-8"?>
+<p:sld xmlns:a="http://schemas.openxmlformats.org/drawingml/2006/main" xmlns:r="http://schemas.openxmlformats.org/officeDocument/2006/relationships" xmlns:p="http://schemas.openxmlformats.org/presentationml/2006/main">
+  <p:cSld>
+    <p:spTree>
+      <p:nvGrpSpPr>
+        <p:cNvPr id="1" name=""/>
+        <p:cNvGrpSpPr/>
+        <p:nvPr/>
+      </p:nvGrpSpPr>
+      <p:grpSpPr>
+        <a:xfrm>
+          <a:off x="0" y="0"/>
+          <a:ext cx="0" cy="0"/>
+          <a:chOff x="0" y="0"/>
+          <a:chExt cx="0" cy="0"/>
+        </a:xfrm>
+      </p:grpSpPr>
+      <p:sp>
+        <p:nvSpPr>
+          <p:cNvPr id="2" name="Title 1"/>
+          <p:cNvSpPr>
+            <a:spLocks noGrp="1"/>
+          </p:cNvSpPr>
+          <p:nvPr>
+            <p:ph type="title"/>
+          </p:nvPr>
+        </p:nvSpPr>
+        <p:spPr/>
+        <p:txBody>
+          <a:bodyPr/>
+          <a:lstStyle/>
+          <a:p>
+            <a:r>
+              <a:rPr lang="en-US" dirty="0" smtClean="0"/>
+              <a:t>Inside </a:t>
+            </a:r>
+            <a:r>
+              <a:rPr lang="en-US" dirty="0" err="1" smtClean="0"/>
+              <a:t>onPause</a:t>
+            </a:r>
+            <a:r>
+              <a:rPr lang="en-US" dirty="0" smtClean="0"/>
+              <a:t>()</a:t>
+            </a:r>
+            <a:endParaRPr lang="en-US" dirty="0"/>
+          </a:p>
+        </p:txBody>
+      </p:sp>
+      <p:sp>
+        <p:nvSpPr>
+          <p:cNvPr id="3" name="Content Placeholder 2"/>
+          <p:cNvSpPr>
+            <a:spLocks noGrp="1"/>
+          </p:cNvSpPr>
+          <p:nvPr>
+            <p:ph idx="1"/>
+          </p:nvPr>
+        </p:nvSpPr>
+        <p:spPr/>
+        <p:txBody>
+          <a:bodyPr/>
+          <a:lstStyle/>
+          <a:p>
+            <a:pPr lvl="1"/>
+            <a:r>
+              <a:rPr lang="en-US" dirty="0" smtClean="0"/>
+              <a:t>Pause service(s) or actions</a:t>
+            </a:r>
+          </a:p>
+          <a:p>
+            <a:pPr lvl="1"/>
+            <a:r>
+              <a:rPr lang="en-US" dirty="0" smtClean="0"/>
+              <a:t>Save data to a persistent storage</a:t>
+            </a:r>
+          </a:p>
+        </p:txBody>
+      </p:sp>
+      <p:pic>
+        <p:nvPicPr>
+          <p:cNvPr id="4" name="Picture 2" descr="C:\Users\brian.batchelor\AppData\Local\Microsoft\Windows\INetCache\IE\T13KQPTQ\large-Pin-0-11351[1].gif"/>
+          <p:cNvPicPr>
+            <a:picLocks noChangeAspect="1" noChangeArrowheads="1"/>
+          </p:cNvPicPr>
+          <p:nvPr/>
+        </p:nvPicPr>
+        <p:blipFill>
+          <a:blip r:embed="rId2" cstate="print">
+            <a:extLst>
+              <a:ext uri="{28A0092B-C50C-407E-A947-70E740481C1C}">
+                <a14:useLocalDpi xmlns:a14="http://schemas.microsoft.com/office/drawing/2010/main" val="0"/>
+              </a:ext>
+            </a:extLst>
+          </a:blip>
+          <a:srcRect/>
+          <a:stretch>
+            <a:fillRect/>
+          </a:stretch>
+        </p:blipFill>
+        <p:spPr bwMode="auto">
+          <a:xfrm>
+            <a:off x="421349" y="1497537"/>
+            <a:ext cx="360363" cy="523875"/>
+          </a:xfrm>
+          <a:prstGeom prst="rect">
+            <a:avLst/>
+          </a:prstGeom>
+          <a:noFill/>
+          <a:extLst>
+            <a:ext uri="{909E8E84-426E-40DD-AFC4-6F175D3DCCD1}">
+              <a14:hiddenFill xmlns:a14="http://schemas.microsoft.com/office/drawing/2010/main">
+                <a:solidFill>
+                  <a:srgbClr val="FFFFFF"/>
+                </a:solidFill>
+              </a14:hiddenFill>
+            </a:ext>
+          </a:extLst>
+        </p:spPr>
+      </p:pic>
+    </p:spTree>
+    <p:extLst>
+      <p:ext uri="{BB962C8B-B14F-4D97-AF65-F5344CB8AC3E}">
+        <p14:creationId xmlns:p14="http://schemas.microsoft.com/office/powerpoint/2010/main" val="2772760993"/>
+      </p:ext>
+    </p:extLst>
+  </p:cSld>
+  <p:clrMapOvr>
+    <a:masterClrMapping/>
+  </p:clrMapOvr>
+  <p:timing>
+    <p:tnLst>
+      <p:par>
+        <p:cTn id="1" dur="indefinite" restart="never" nodeType="tmRoot"/>
+      </p:par>
+    </p:tnLst>
+  </p:timing>
+</p:sld>
+</file>
+
+<file path=ppt/slides/slide23.xml><?xml version="1.0" encoding="utf-8"?>
+<p:sld xmlns:a="http://schemas.openxmlformats.org/drawingml/2006/main" xmlns:r="http://schemas.openxmlformats.org/officeDocument/2006/relationships" xmlns:p="http://schemas.openxmlformats.org/presentationml/2006/main">
+  <p:cSld>
+    <p:spTree>
+      <p:nvGrpSpPr>
+        <p:cNvPr id="1" name=""/>
+        <p:cNvGrpSpPr/>
+        <p:nvPr/>
+      </p:nvGrpSpPr>
+      <p:grpSpPr>
+        <a:xfrm>
+          <a:off x="0" y="0"/>
+          <a:ext cx="0" cy="0"/>
+          <a:chOff x="0" y="0"/>
+          <a:chExt cx="0" cy="0"/>
+        </a:xfrm>
+      </p:grpSpPr>
+      <p:sp>
+        <p:nvSpPr>
+          <p:cNvPr id="2" name="Title 1"/>
+          <p:cNvSpPr>
+            <a:spLocks noGrp="1"/>
+          </p:cNvSpPr>
+          <p:nvPr>
+            <p:ph type="title"/>
+          </p:nvPr>
+        </p:nvSpPr>
+        <p:spPr/>
+        <p:txBody>
+          <a:bodyPr/>
+          <a:lstStyle/>
+          <a:p>
+            <a:r>
+              <a:rPr lang="en-US" dirty="0"/>
+              <a:t>Activity Lifecycle</a:t>
+            </a:r>
+          </a:p>
+        </p:txBody>
+      </p:sp>
+      <p:pic>
+        <p:nvPicPr>
+          <p:cNvPr id="4" name="Content Placeholder 3"/>
+          <p:cNvPicPr>
+            <a:picLocks noGrp="1" noChangeAspect="1"/>
+          </p:cNvPicPr>
+          <p:nvPr>
+            <p:ph idx="1"/>
+          </p:nvPr>
+        </p:nvPicPr>
+        <p:blipFill>
+          <a:blip r:embed="rId2">
+            <a:extLst>
+              <a:ext uri="{28A0092B-C50C-407E-A947-70E740481C1C}">
+                <a14:useLocalDpi xmlns:a14="http://schemas.microsoft.com/office/drawing/2010/main" val="0"/>
+              </a:ext>
+            </a:extLst>
+          </a:blip>
+          <a:stretch>
+            <a:fillRect/>
+          </a:stretch>
+        </p:blipFill>
+        <p:spPr>
+          <a:xfrm>
+            <a:off x="95248" y="1500457"/>
+            <a:ext cx="3501989" cy="4525963"/>
+          </a:xfrm>
+          <a:prstGeom prst="rect">
+            <a:avLst/>
+          </a:prstGeom>
+        </p:spPr>
+      </p:pic>
+      <p:sp>
+        <p:nvSpPr>
+          <p:cNvPr id="9" name="TextBox 8"/>
+          <p:cNvSpPr txBox="1"/>
+          <p:nvPr/>
+        </p:nvSpPr>
+        <p:spPr>
+          <a:xfrm>
+            <a:off x="5642096" y="2313238"/>
+            <a:ext cx="6458860" cy="369332"/>
+          </a:xfrm>
+          <a:prstGeom prst="rect">
+            <a:avLst/>
+          </a:prstGeom>
+          <a:noFill/>
+        </p:spPr>
+        <p:txBody>
+          <a:bodyPr wrap="square" rtlCol="0">
+            <a:spAutoFit/>
+          </a:bodyPr>
+          <a:lstStyle/>
+          <a:p>
+            <a:r>
+              <a:rPr lang="en-US" b="1" dirty="0" err="1">
+                <a:solidFill>
+                  <a:schemeClr val="bg1">
+                    <a:lumMod val="75000"/>
+                  </a:schemeClr>
+                </a:solidFill>
+              </a:rPr>
+              <a:t>onPause</a:t>
+            </a:r>
+            <a:r>
+              <a:rPr lang="en-US" b="1" dirty="0">
+                <a:solidFill>
+                  <a:schemeClr val="bg1">
+                    <a:lumMod val="75000"/>
+                  </a:schemeClr>
+                </a:solidFill>
+              </a:rPr>
+              <a:t>() </a:t>
+            </a:r>
+            <a:r>
+              <a:rPr lang="en-US" dirty="0">
+                <a:solidFill>
+                  <a:schemeClr val="bg1">
+                    <a:lumMod val="75000"/>
+                  </a:schemeClr>
+                </a:solidFill>
+              </a:rPr>
+              <a:t>moving to the background and stopping user interaction</a:t>
+            </a:r>
+          </a:p>
+        </p:txBody>
+      </p:sp>
+      <p:sp>
+        <p:nvSpPr>
+          <p:cNvPr id="10" name="TextBox 9"/>
+          <p:cNvSpPr txBox="1"/>
+          <p:nvPr/>
+        </p:nvSpPr>
+        <p:spPr>
+          <a:xfrm>
+            <a:off x="5748971" y="3144422"/>
+            <a:ext cx="6209481" cy="369332"/>
+          </a:xfrm>
+          <a:prstGeom prst="rect">
+            <a:avLst/>
+          </a:prstGeom>
+          <a:noFill/>
+        </p:spPr>
+        <p:txBody>
+          <a:bodyPr wrap="square" rtlCol="0">
+            <a:spAutoFit/>
+          </a:bodyPr>
+          <a:lstStyle/>
+          <a:p>
+            <a:r>
+              <a:rPr lang="en-US" b="1" dirty="0" err="1"/>
+              <a:t>onStop</a:t>
+            </a:r>
+            <a:r>
+              <a:rPr lang="en-US" b="1" dirty="0"/>
+              <a:t>() </a:t>
+            </a:r>
+            <a:r>
+              <a:rPr lang="en-US" dirty="0"/>
+              <a:t>moved to the background and not </a:t>
+            </a:r>
+            <a:r>
+              <a:rPr lang="en-US" dirty="0" smtClean="0"/>
+              <a:t>visible</a:t>
+            </a:r>
+            <a:endParaRPr lang="en-US" dirty="0"/>
+          </a:p>
+        </p:txBody>
+      </p:sp>
+      <p:sp>
+        <p:nvSpPr>
+          <p:cNvPr id="11" name="TextBox 10"/>
+          <p:cNvSpPr txBox="1"/>
+          <p:nvPr/>
+        </p:nvSpPr>
+        <p:spPr>
+          <a:xfrm>
+            <a:off x="5748971" y="3886526"/>
+            <a:ext cx="6209481" cy="646331"/>
+          </a:xfrm>
+          <a:prstGeom prst="rect">
+            <a:avLst/>
+          </a:prstGeom>
+          <a:noFill/>
+        </p:spPr>
+        <p:txBody>
+          <a:bodyPr wrap="square" rtlCol="0">
+            <a:spAutoFit/>
+          </a:bodyPr>
+          <a:lstStyle/>
+          <a:p>
+            <a:r>
+              <a:rPr lang="en-US" b="1" dirty="0" err="1">
+                <a:solidFill>
+                  <a:schemeClr val="bg1">
+                    <a:lumMod val="65000"/>
+                  </a:schemeClr>
+                </a:solidFill>
+              </a:rPr>
+              <a:t>onDestroy</a:t>
+            </a:r>
+            <a:r>
+              <a:rPr lang="en-US" b="1" dirty="0">
+                <a:solidFill>
+                  <a:schemeClr val="bg1">
+                    <a:lumMod val="65000"/>
+                  </a:schemeClr>
+                </a:solidFill>
+              </a:rPr>
+              <a:t>() </a:t>
+            </a:r>
+            <a:r>
+              <a:rPr lang="en-US" dirty="0">
+                <a:solidFill>
+                  <a:schemeClr val="bg1">
+                    <a:lumMod val="65000"/>
+                  </a:schemeClr>
+                </a:solidFill>
+              </a:rPr>
+              <a:t>moved to the background and flagged to be destroyed by the system</a:t>
+            </a:r>
+          </a:p>
+        </p:txBody>
+      </p:sp>
+      <p:pic>
+        <p:nvPicPr>
+          <p:cNvPr id="4098" name="Picture 2"/>
+          <p:cNvPicPr>
+            <a:picLocks noChangeAspect="1" noChangeArrowheads="1"/>
+          </p:cNvPicPr>
+          <p:nvPr/>
+        </p:nvPicPr>
+        <p:blipFill>
+          <a:blip r:embed="rId3">
+            <a:extLst>
+              <a:ext uri="{28A0092B-C50C-407E-A947-70E740481C1C}">
+                <a14:useLocalDpi xmlns:a14="http://schemas.microsoft.com/office/drawing/2010/main" val="0"/>
+              </a:ext>
+            </a:extLst>
+          </a:blip>
+          <a:srcRect/>
+          <a:stretch>
+            <a:fillRect/>
+          </a:stretch>
+        </p:blipFill>
+        <p:spPr bwMode="auto">
+          <a:xfrm>
+            <a:off x="3745490" y="2193953"/>
+            <a:ext cx="1907164" cy="2282590"/>
+          </a:xfrm>
+          <a:prstGeom prst="rect">
+            <a:avLst/>
+          </a:prstGeom>
+          <a:noFill/>
+          <a:ln>
+            <a:noFill/>
+          </a:ln>
+          <a:extLst>
+            <a:ext uri="{909E8E84-426E-40DD-AFC4-6F175D3DCCD1}">
+              <a14:hiddenFill xmlns:a14="http://schemas.microsoft.com/office/drawing/2010/main">
+                <a:solidFill>
+                  <a:schemeClr val="accent1"/>
+                </a:solidFill>
+              </a14:hiddenFill>
+            </a:ext>
+            <a:ext uri="{91240B29-F687-4F45-9708-019B960494DF}">
+              <a14:hiddenLine xmlns:a14="http://schemas.microsoft.com/office/drawing/2010/main" w="9525">
+                <a:solidFill>
+                  <a:schemeClr val="tx1"/>
+                </a:solidFill>
+                <a:miter lim="800000"/>
+                <a:headEnd/>
+                <a:tailEnd/>
+              </a14:hiddenLine>
+            </a:ext>
+          </a:extLst>
+        </p:spPr>
+      </p:pic>
+      <p:sp>
+        <p:nvSpPr>
+          <p:cNvPr id="13" name="Rectangle 12"/>
+          <p:cNvSpPr/>
+          <p:nvPr/>
+        </p:nvSpPr>
+        <p:spPr>
+          <a:xfrm>
+            <a:off x="1079500" y="3811979"/>
+            <a:ext cx="1225550" cy="1725221"/>
+          </a:xfrm>
+          <a:prstGeom prst="rect">
+            <a:avLst/>
+          </a:prstGeom>
+          <a:noFill/>
+          <a:ln w="19050">
+            <a:solidFill>
+              <a:schemeClr val="accent6">
+                <a:lumMod val="75000"/>
+              </a:schemeClr>
+            </a:solidFill>
+          </a:ln>
+        </p:spPr>
+        <p:style>
+          <a:lnRef idx="2">
+            <a:schemeClr val="accent1">
+              <a:shade val="50000"/>
+            </a:schemeClr>
+          </a:lnRef>
+          <a:fillRef idx="1">
+            <a:schemeClr val="accent1"/>
+          </a:fillRef>
+          <a:effectRef idx="0">
+            <a:schemeClr val="accent1"/>
+          </a:effectRef>
+          <a:fontRef idx="minor">
+            <a:schemeClr val="lt1"/>
+          </a:fontRef>
+        </p:style>
+        <p:txBody>
+          <a:bodyPr rtlCol="0" anchor="ctr"/>
+          <a:lstStyle/>
+          <a:p>
+            <a:pPr algn="ctr"/>
+            <a:endParaRPr lang="en-US"/>
+          </a:p>
+        </p:txBody>
+      </p:sp>
       <p:pic>
         <p:nvPicPr>
           <p:cNvPr id="14" name="Picture 2" descr="C:\Users\brian.batchelor\AppData\Local\Microsoft\Windows\INetCache\IE\T13KQPTQ\large-Pin-0-11351[1].gif"/>
@@ -5672,192 +6608,20 @@
     </p:spTree>
     <p:extLst>
       <p:ext uri="{BB962C8B-B14F-4D97-AF65-F5344CB8AC3E}">
-        <p14:creationId xmlns:p14="http://schemas.microsoft.com/office/powerpoint/2010/main" val="3554290345"/>
+        <p14:creationId xmlns:p14="http://schemas.microsoft.com/office/powerpoint/2010/main" val="544655163"/>
       </p:ext>
     </p:extLst>
   </p:cSld>
   <p:clrMapOvr>
     <a:masterClrMapping/>
   </p:clrMapOvr>
-</p:sld>
-</file>
-
-<file path=ppt/slides/slide22.xml><?xml version="1.0" encoding="utf-8"?>
-<p:sld xmlns:a="http://schemas.openxmlformats.org/drawingml/2006/main" xmlns:r="http://schemas.openxmlformats.org/officeDocument/2006/relationships" xmlns:p="http://schemas.openxmlformats.org/presentationml/2006/main">
-  <p:cSld>
-    <p:spTree>
-      <p:nvGrpSpPr>
-        <p:cNvPr id="1" name=""/>
-        <p:cNvGrpSpPr/>
-        <p:nvPr/>
-      </p:nvGrpSpPr>
-      <p:grpSpPr>
-        <a:xfrm>
-          <a:off x="0" y="0"/>
-          <a:ext cx="0" cy="0"/>
-          <a:chOff x="0" y="0"/>
-          <a:chExt cx="0" cy="0"/>
-        </a:xfrm>
-      </p:grpSpPr>
-      <p:sp>
-        <p:nvSpPr>
-          <p:cNvPr id="2" name="Title 1">
-            <a:extLst>
-              <a:ext uri="{FF2B5EF4-FFF2-40B4-BE49-F238E27FC236}">
-                <a16:creationId xmlns:a16="http://schemas.microsoft.com/office/drawing/2014/main" id="{082D42FD-F515-4A38-AEC3-4676608EFF5E}"/>
-              </a:ext>
-            </a:extLst>
-          </p:cNvPr>
-          <p:cNvSpPr>
-            <a:spLocks noGrp="1"/>
-          </p:cNvSpPr>
-          <p:nvPr>
-            <p:ph type="title"/>
-          </p:nvPr>
-        </p:nvSpPr>
-        <p:spPr/>
-        <p:txBody>
-          <a:bodyPr/>
-          <a:lstStyle/>
-          <a:p>
-            <a:r>
-              <a:rPr lang="en-US" dirty="0"/>
-              <a:t>Cycle Relationships</a:t>
-            </a:r>
-          </a:p>
-        </p:txBody>
-      </p:sp>
-      <p:sp>
-        <p:nvSpPr>
-          <p:cNvPr id="3" name="Content Placeholder 2">
-            <a:extLst>
-              <a:ext uri="{FF2B5EF4-FFF2-40B4-BE49-F238E27FC236}">
-                <a16:creationId xmlns:a16="http://schemas.microsoft.com/office/drawing/2014/main" id="{F0848D41-0C2D-4DFF-A598-5E3C875B4E22}"/>
-              </a:ext>
-            </a:extLst>
-          </p:cNvPr>
-          <p:cNvSpPr>
-            <a:spLocks noGrp="1"/>
-          </p:cNvSpPr>
-          <p:nvPr>
-            <p:ph idx="1"/>
-          </p:nvPr>
-        </p:nvSpPr>
-        <p:spPr/>
-        <p:txBody>
-          <a:bodyPr/>
-          <a:lstStyle/>
-          <a:p>
-            <a:endParaRPr lang="en-US" dirty="0"/>
-          </a:p>
-        </p:txBody>
-      </p:sp>
-    </p:spTree>
-    <p:extLst>
-      <p:ext uri="{BB962C8B-B14F-4D97-AF65-F5344CB8AC3E}">
-        <p14:creationId xmlns:p14="http://schemas.microsoft.com/office/powerpoint/2010/main" val="1719565461"/>
-      </p:ext>
-    </p:extLst>
-  </p:cSld>
-  <p:clrMapOvr>
-    <a:masterClrMapping/>
-  </p:clrMapOvr>
-</p:sld>
-</file>
-
-<file path=ppt/slides/slide23.xml><?xml version="1.0" encoding="utf-8"?>
-<p:sld xmlns:a="http://schemas.openxmlformats.org/drawingml/2006/main" xmlns:r="http://schemas.openxmlformats.org/officeDocument/2006/relationships" xmlns:p="http://schemas.openxmlformats.org/presentationml/2006/main">
-  <p:cSld>
-    <p:spTree>
-      <p:nvGrpSpPr>
-        <p:cNvPr id="1" name=""/>
-        <p:cNvGrpSpPr/>
-        <p:nvPr/>
-      </p:nvGrpSpPr>
-      <p:grpSpPr>
-        <a:xfrm>
-          <a:off x="0" y="0"/>
-          <a:ext cx="0" cy="0"/>
-          <a:chOff x="0" y="0"/>
-          <a:chExt cx="0" cy="0"/>
-        </a:xfrm>
-      </p:grpSpPr>
-      <p:sp>
-        <p:nvSpPr>
-          <p:cNvPr id="2" name="Title 1"/>
-          <p:cNvSpPr>
-            <a:spLocks noGrp="1"/>
-          </p:cNvSpPr>
-          <p:nvPr>
-            <p:ph type="title"/>
-          </p:nvPr>
-        </p:nvSpPr>
-        <p:spPr/>
-        <p:txBody>
-          <a:bodyPr/>
-          <a:lstStyle/>
-          <a:p>
-            <a:r>
-              <a:rPr lang="en-US" dirty="0"/>
-              <a:t>Creating </a:t>
-            </a:r>
-            <a:r>
-              <a:rPr lang="en-US" dirty="0" err="1"/>
-              <a:t>MainActivity</a:t>
-            </a:r>
-            <a:r>
-              <a:rPr lang="en-US" dirty="0"/>
-              <a:t> </a:t>
-            </a:r>
-          </a:p>
-        </p:txBody>
-      </p:sp>
-      <p:sp>
-        <p:nvSpPr>
-          <p:cNvPr id="3" name="Content Placeholder 2"/>
-          <p:cNvSpPr>
-            <a:spLocks noGrp="1"/>
-          </p:cNvSpPr>
-          <p:nvPr>
-            <p:ph idx="1"/>
-          </p:nvPr>
-        </p:nvSpPr>
-        <p:spPr/>
-        <p:txBody>
-          <a:bodyPr/>
-          <a:lstStyle/>
-          <a:p>
-            <a:r>
-              <a:rPr lang="en-US" dirty="0"/>
-              <a:t>Best Practices</a:t>
-            </a:r>
-          </a:p>
-          <a:p>
-            <a:pPr lvl="1"/>
-            <a:r>
-              <a:rPr lang="en-US" dirty="0"/>
-              <a:t>Keep lifecycle methods in order</a:t>
-            </a:r>
-          </a:p>
-          <a:p>
-            <a:pPr lvl="1"/>
-            <a:r>
-              <a:rPr lang="en-US" dirty="0"/>
-              <a:t>Place other methods (helpers) below the lifecycle methods</a:t>
-            </a:r>
-          </a:p>
-        </p:txBody>
-      </p:sp>
-    </p:spTree>
-    <p:extLst>
-      <p:ext uri="{BB962C8B-B14F-4D97-AF65-F5344CB8AC3E}">
-        <p14:creationId xmlns:p14="http://schemas.microsoft.com/office/powerpoint/2010/main" val="2374969006"/>
-      </p:ext>
-    </p:extLst>
-  </p:cSld>
-  <p:clrMapOvr>
-    <a:masterClrMapping/>
-  </p:clrMapOvr>
+  <p:timing>
+    <p:tnLst>
+      <p:par>
+        <p:cTn id="1" dur="indefinite" restart="never" nodeType="tmRoot"/>
+      </p:par>
+    </p:tnLst>
+  </p:timing>
 </p:sld>
 </file>
 
@@ -5880,6 +6644,1505 @@
       </p:grpSpPr>
       <p:sp>
         <p:nvSpPr>
+          <p:cNvPr id="2" name="Title 1"/>
+          <p:cNvSpPr>
+            <a:spLocks noGrp="1"/>
+          </p:cNvSpPr>
+          <p:nvPr>
+            <p:ph type="title"/>
+          </p:nvPr>
+        </p:nvSpPr>
+        <p:spPr/>
+        <p:txBody>
+          <a:bodyPr/>
+          <a:lstStyle/>
+          <a:p>
+            <a:r>
+              <a:rPr lang="en-US" dirty="0" smtClean="0"/>
+              <a:t>Inside </a:t>
+            </a:r>
+            <a:r>
+              <a:rPr lang="en-US" dirty="0" err="1" smtClean="0"/>
+              <a:t>onStop</a:t>
+            </a:r>
+            <a:r>
+              <a:rPr lang="en-US" dirty="0" smtClean="0"/>
+              <a:t>()</a:t>
+            </a:r>
+            <a:endParaRPr lang="en-US" dirty="0"/>
+          </a:p>
+        </p:txBody>
+      </p:sp>
+      <p:sp>
+        <p:nvSpPr>
+          <p:cNvPr id="3" name="Content Placeholder 2"/>
+          <p:cNvSpPr>
+            <a:spLocks noGrp="1"/>
+          </p:cNvSpPr>
+          <p:nvPr>
+            <p:ph idx="1"/>
+          </p:nvPr>
+        </p:nvSpPr>
+        <p:spPr/>
+        <p:txBody>
+          <a:bodyPr/>
+          <a:lstStyle/>
+          <a:p>
+            <a:pPr lvl="1"/>
+            <a:r>
+              <a:rPr lang="en-US" dirty="0" smtClean="0"/>
+              <a:t>Unregister Service(s)</a:t>
+            </a:r>
+            <a:endParaRPr lang="en-US" dirty="0"/>
+          </a:p>
+        </p:txBody>
+      </p:sp>
+    </p:spTree>
+    <p:extLst>
+      <p:ext uri="{BB962C8B-B14F-4D97-AF65-F5344CB8AC3E}">
+        <p14:creationId xmlns:p14="http://schemas.microsoft.com/office/powerpoint/2010/main" val="2425087788"/>
+      </p:ext>
+    </p:extLst>
+  </p:cSld>
+  <p:clrMapOvr>
+    <a:masterClrMapping/>
+  </p:clrMapOvr>
+  <p:timing>
+    <p:tnLst>
+      <p:par>
+        <p:cTn id="1" dur="indefinite" restart="never" nodeType="tmRoot"/>
+      </p:par>
+    </p:tnLst>
+  </p:timing>
+</p:sld>
+</file>
+
+<file path=ppt/slides/slide25.xml><?xml version="1.0" encoding="utf-8"?>
+<p:sld xmlns:a="http://schemas.openxmlformats.org/drawingml/2006/main" xmlns:r="http://schemas.openxmlformats.org/officeDocument/2006/relationships" xmlns:p="http://schemas.openxmlformats.org/presentationml/2006/main">
+  <p:cSld>
+    <p:spTree>
+      <p:nvGrpSpPr>
+        <p:cNvPr id="1" name=""/>
+        <p:cNvGrpSpPr/>
+        <p:nvPr/>
+      </p:nvGrpSpPr>
+      <p:grpSpPr>
+        <a:xfrm>
+          <a:off x="0" y="0"/>
+          <a:ext cx="0" cy="0"/>
+          <a:chOff x="0" y="0"/>
+          <a:chExt cx="0" cy="0"/>
+        </a:xfrm>
+      </p:grpSpPr>
+      <p:sp>
+        <p:nvSpPr>
+          <p:cNvPr id="2" name="Title 1"/>
+          <p:cNvSpPr>
+            <a:spLocks noGrp="1"/>
+          </p:cNvSpPr>
+          <p:nvPr>
+            <p:ph type="title"/>
+          </p:nvPr>
+        </p:nvSpPr>
+        <p:spPr/>
+        <p:txBody>
+          <a:bodyPr/>
+          <a:lstStyle/>
+          <a:p>
+            <a:r>
+              <a:rPr lang="en-US" dirty="0"/>
+              <a:t>Activity Lifecycle</a:t>
+            </a:r>
+          </a:p>
+        </p:txBody>
+      </p:sp>
+      <p:pic>
+        <p:nvPicPr>
+          <p:cNvPr id="4" name="Content Placeholder 3"/>
+          <p:cNvPicPr>
+            <a:picLocks noGrp="1" noChangeAspect="1"/>
+          </p:cNvPicPr>
+          <p:nvPr>
+            <p:ph idx="1"/>
+          </p:nvPr>
+        </p:nvPicPr>
+        <p:blipFill>
+          <a:blip r:embed="rId2">
+            <a:extLst>
+              <a:ext uri="{28A0092B-C50C-407E-A947-70E740481C1C}">
+                <a14:useLocalDpi xmlns:a14="http://schemas.microsoft.com/office/drawing/2010/main" val="0"/>
+              </a:ext>
+            </a:extLst>
+          </a:blip>
+          <a:stretch>
+            <a:fillRect/>
+          </a:stretch>
+        </p:blipFill>
+        <p:spPr>
+          <a:xfrm>
+            <a:off x="95248" y="1500457"/>
+            <a:ext cx="3501989" cy="4525963"/>
+          </a:xfrm>
+          <a:prstGeom prst="rect">
+            <a:avLst/>
+          </a:prstGeom>
+        </p:spPr>
+      </p:pic>
+      <p:sp>
+        <p:nvSpPr>
+          <p:cNvPr id="9" name="TextBox 8"/>
+          <p:cNvSpPr txBox="1"/>
+          <p:nvPr/>
+        </p:nvSpPr>
+        <p:spPr>
+          <a:xfrm>
+            <a:off x="5642096" y="2313238"/>
+            <a:ext cx="6458860" cy="369332"/>
+          </a:xfrm>
+          <a:prstGeom prst="rect">
+            <a:avLst/>
+          </a:prstGeom>
+          <a:noFill/>
+        </p:spPr>
+        <p:txBody>
+          <a:bodyPr wrap="square" rtlCol="0">
+            <a:spAutoFit/>
+          </a:bodyPr>
+          <a:lstStyle/>
+          <a:p>
+            <a:r>
+              <a:rPr lang="en-US" b="1" dirty="0" err="1">
+                <a:solidFill>
+                  <a:schemeClr val="bg1">
+                    <a:lumMod val="75000"/>
+                  </a:schemeClr>
+                </a:solidFill>
+              </a:rPr>
+              <a:t>onPause</a:t>
+            </a:r>
+            <a:r>
+              <a:rPr lang="en-US" b="1" dirty="0">
+                <a:solidFill>
+                  <a:schemeClr val="bg1">
+                    <a:lumMod val="75000"/>
+                  </a:schemeClr>
+                </a:solidFill>
+              </a:rPr>
+              <a:t>() </a:t>
+            </a:r>
+            <a:r>
+              <a:rPr lang="en-US" dirty="0">
+                <a:solidFill>
+                  <a:schemeClr val="bg1">
+                    <a:lumMod val="75000"/>
+                  </a:schemeClr>
+                </a:solidFill>
+              </a:rPr>
+              <a:t>moving to the background and stopping user interaction</a:t>
+            </a:r>
+          </a:p>
+        </p:txBody>
+      </p:sp>
+      <p:sp>
+        <p:nvSpPr>
+          <p:cNvPr id="10" name="TextBox 9"/>
+          <p:cNvSpPr txBox="1"/>
+          <p:nvPr/>
+        </p:nvSpPr>
+        <p:spPr>
+          <a:xfrm>
+            <a:off x="5748971" y="3144422"/>
+            <a:ext cx="6209481" cy="369332"/>
+          </a:xfrm>
+          <a:prstGeom prst="rect">
+            <a:avLst/>
+          </a:prstGeom>
+          <a:noFill/>
+        </p:spPr>
+        <p:txBody>
+          <a:bodyPr wrap="square" rtlCol="0">
+            <a:spAutoFit/>
+          </a:bodyPr>
+          <a:lstStyle/>
+          <a:p>
+            <a:r>
+              <a:rPr lang="en-US" b="1" dirty="0" err="1">
+                <a:solidFill>
+                  <a:schemeClr val="bg1">
+                    <a:lumMod val="75000"/>
+                  </a:schemeClr>
+                </a:solidFill>
+              </a:rPr>
+              <a:t>onStop</a:t>
+            </a:r>
+            <a:r>
+              <a:rPr lang="en-US" b="1" dirty="0">
+                <a:solidFill>
+                  <a:schemeClr val="bg1">
+                    <a:lumMod val="75000"/>
+                  </a:schemeClr>
+                </a:solidFill>
+              </a:rPr>
+              <a:t>() </a:t>
+            </a:r>
+            <a:r>
+              <a:rPr lang="en-US" dirty="0">
+                <a:solidFill>
+                  <a:schemeClr val="bg1">
+                    <a:lumMod val="75000"/>
+                  </a:schemeClr>
+                </a:solidFill>
+              </a:rPr>
+              <a:t>moved to the background and not </a:t>
+            </a:r>
+            <a:r>
+              <a:rPr lang="en-US" dirty="0" smtClean="0">
+                <a:solidFill>
+                  <a:schemeClr val="bg1">
+                    <a:lumMod val="75000"/>
+                  </a:schemeClr>
+                </a:solidFill>
+              </a:rPr>
+              <a:t>visible</a:t>
+            </a:r>
+            <a:endParaRPr lang="en-US" dirty="0">
+              <a:solidFill>
+                <a:schemeClr val="bg1">
+                  <a:lumMod val="75000"/>
+                </a:schemeClr>
+              </a:solidFill>
+            </a:endParaRPr>
+          </a:p>
+        </p:txBody>
+      </p:sp>
+      <p:sp>
+        <p:nvSpPr>
+          <p:cNvPr id="11" name="TextBox 10"/>
+          <p:cNvSpPr txBox="1"/>
+          <p:nvPr/>
+        </p:nvSpPr>
+        <p:spPr>
+          <a:xfrm>
+            <a:off x="5748971" y="3886526"/>
+            <a:ext cx="6209481" cy="646331"/>
+          </a:xfrm>
+          <a:prstGeom prst="rect">
+            <a:avLst/>
+          </a:prstGeom>
+          <a:noFill/>
+        </p:spPr>
+        <p:txBody>
+          <a:bodyPr wrap="square" rtlCol="0">
+            <a:spAutoFit/>
+          </a:bodyPr>
+          <a:lstStyle/>
+          <a:p>
+            <a:r>
+              <a:rPr lang="en-US" b="1" dirty="0" err="1"/>
+              <a:t>onDestroy</a:t>
+            </a:r>
+            <a:r>
+              <a:rPr lang="en-US" b="1" dirty="0"/>
+              <a:t>() </a:t>
+            </a:r>
+            <a:r>
+              <a:rPr lang="en-US" dirty="0"/>
+              <a:t>moved to the background and flagged to be destroyed by the system</a:t>
+            </a:r>
+          </a:p>
+        </p:txBody>
+      </p:sp>
+      <p:pic>
+        <p:nvPicPr>
+          <p:cNvPr id="4098" name="Picture 2"/>
+          <p:cNvPicPr>
+            <a:picLocks noChangeAspect="1" noChangeArrowheads="1"/>
+          </p:cNvPicPr>
+          <p:nvPr/>
+        </p:nvPicPr>
+        <p:blipFill>
+          <a:blip r:embed="rId3">
+            <a:extLst>
+              <a:ext uri="{28A0092B-C50C-407E-A947-70E740481C1C}">
+                <a14:useLocalDpi xmlns:a14="http://schemas.microsoft.com/office/drawing/2010/main" val="0"/>
+              </a:ext>
+            </a:extLst>
+          </a:blip>
+          <a:srcRect/>
+          <a:stretch>
+            <a:fillRect/>
+          </a:stretch>
+        </p:blipFill>
+        <p:spPr bwMode="auto">
+          <a:xfrm>
+            <a:off x="3745490" y="2193953"/>
+            <a:ext cx="1907164" cy="2282590"/>
+          </a:xfrm>
+          <a:prstGeom prst="rect">
+            <a:avLst/>
+          </a:prstGeom>
+          <a:noFill/>
+          <a:ln>
+            <a:noFill/>
+          </a:ln>
+          <a:extLst>
+            <a:ext uri="{909E8E84-426E-40DD-AFC4-6F175D3DCCD1}">
+              <a14:hiddenFill xmlns:a14="http://schemas.microsoft.com/office/drawing/2010/main">
+                <a:solidFill>
+                  <a:schemeClr val="accent1"/>
+                </a:solidFill>
+              </a14:hiddenFill>
+            </a:ext>
+            <a:ext uri="{91240B29-F687-4F45-9708-019B960494DF}">
+              <a14:hiddenLine xmlns:a14="http://schemas.microsoft.com/office/drawing/2010/main" w="9525">
+                <a:solidFill>
+                  <a:schemeClr val="tx1"/>
+                </a:solidFill>
+                <a:miter lim="800000"/>
+                <a:headEnd/>
+                <a:tailEnd/>
+              </a14:hiddenLine>
+            </a:ext>
+          </a:extLst>
+        </p:spPr>
+      </p:pic>
+      <p:sp>
+        <p:nvSpPr>
+          <p:cNvPr id="13" name="Rectangle 12"/>
+          <p:cNvSpPr/>
+          <p:nvPr/>
+        </p:nvSpPr>
+        <p:spPr>
+          <a:xfrm>
+            <a:off x="1079500" y="3811979"/>
+            <a:ext cx="1225550" cy="1725221"/>
+          </a:xfrm>
+          <a:prstGeom prst="rect">
+            <a:avLst/>
+          </a:prstGeom>
+          <a:noFill/>
+          <a:ln w="19050">
+            <a:solidFill>
+              <a:schemeClr val="accent6">
+                <a:lumMod val="75000"/>
+              </a:schemeClr>
+            </a:solidFill>
+          </a:ln>
+        </p:spPr>
+        <p:style>
+          <a:lnRef idx="2">
+            <a:schemeClr val="accent1">
+              <a:shade val="50000"/>
+            </a:schemeClr>
+          </a:lnRef>
+          <a:fillRef idx="1">
+            <a:schemeClr val="accent1"/>
+          </a:fillRef>
+          <a:effectRef idx="0">
+            <a:schemeClr val="accent1"/>
+          </a:effectRef>
+          <a:fontRef idx="minor">
+            <a:schemeClr val="lt1"/>
+          </a:fontRef>
+        </p:style>
+        <p:txBody>
+          <a:bodyPr rtlCol="0" anchor="ctr"/>
+          <a:lstStyle/>
+          <a:p>
+            <a:pPr algn="ctr"/>
+            <a:endParaRPr lang="en-US"/>
+          </a:p>
+        </p:txBody>
+      </p:sp>
+      <p:pic>
+        <p:nvPicPr>
+          <p:cNvPr id="14" name="Picture 2" descr="C:\Users\brian.batchelor\AppData\Local\Microsoft\Windows\INetCache\IE\T13KQPTQ\large-Pin-0-11351[1].gif"/>
+          <p:cNvPicPr>
+            <a:picLocks noChangeAspect="1" noChangeArrowheads="1"/>
+          </p:cNvPicPr>
+          <p:nvPr/>
+        </p:nvPicPr>
+        <p:blipFill>
+          <a:blip r:embed="rId4" cstate="print">
+            <a:extLst>
+              <a:ext uri="{28A0092B-C50C-407E-A947-70E740481C1C}">
+                <a14:useLocalDpi xmlns:a14="http://schemas.microsoft.com/office/drawing/2010/main" val="0"/>
+              </a:ext>
+            </a:extLst>
+          </a:blip>
+          <a:srcRect/>
+          <a:stretch>
+            <a:fillRect/>
+          </a:stretch>
+        </p:blipFill>
+        <p:spPr bwMode="auto">
+          <a:xfrm>
+            <a:off x="3663469" y="1932015"/>
+            <a:ext cx="360363" cy="523875"/>
+          </a:xfrm>
+          <a:prstGeom prst="rect">
+            <a:avLst/>
+          </a:prstGeom>
+          <a:noFill/>
+          <a:extLst>
+            <a:ext uri="{909E8E84-426E-40DD-AFC4-6F175D3DCCD1}">
+              <a14:hiddenFill xmlns:a14="http://schemas.microsoft.com/office/drawing/2010/main">
+                <a:solidFill>
+                  <a:srgbClr val="FFFFFF"/>
+                </a:solidFill>
+              </a14:hiddenFill>
+            </a:ext>
+          </a:extLst>
+        </p:spPr>
+      </p:pic>
+    </p:spTree>
+    <p:extLst>
+      <p:ext uri="{BB962C8B-B14F-4D97-AF65-F5344CB8AC3E}">
+        <p14:creationId xmlns:p14="http://schemas.microsoft.com/office/powerpoint/2010/main" val="1437767866"/>
+      </p:ext>
+    </p:extLst>
+  </p:cSld>
+  <p:clrMapOvr>
+    <a:masterClrMapping/>
+  </p:clrMapOvr>
+  <p:timing>
+    <p:tnLst>
+      <p:par>
+        <p:cTn id="1" dur="indefinite" restart="never" nodeType="tmRoot"/>
+      </p:par>
+    </p:tnLst>
+  </p:timing>
+</p:sld>
+</file>
+
+<file path=ppt/slides/slide26.xml><?xml version="1.0" encoding="utf-8"?>
+<p:sld xmlns:a="http://schemas.openxmlformats.org/drawingml/2006/main" xmlns:r="http://schemas.openxmlformats.org/officeDocument/2006/relationships" xmlns:p="http://schemas.openxmlformats.org/presentationml/2006/main">
+  <p:cSld>
+    <p:spTree>
+      <p:nvGrpSpPr>
+        <p:cNvPr id="1" name=""/>
+        <p:cNvGrpSpPr/>
+        <p:nvPr/>
+      </p:nvGrpSpPr>
+      <p:grpSpPr>
+        <a:xfrm>
+          <a:off x="0" y="0"/>
+          <a:ext cx="0" cy="0"/>
+          <a:chOff x="0" y="0"/>
+          <a:chExt cx="0" cy="0"/>
+        </a:xfrm>
+      </p:grpSpPr>
+      <p:sp>
+        <p:nvSpPr>
+          <p:cNvPr id="2" name="Title 1"/>
+          <p:cNvSpPr>
+            <a:spLocks noGrp="1"/>
+          </p:cNvSpPr>
+          <p:nvPr>
+            <p:ph type="title"/>
+          </p:nvPr>
+        </p:nvSpPr>
+        <p:spPr/>
+        <p:txBody>
+          <a:bodyPr/>
+          <a:lstStyle/>
+          <a:p>
+            <a:r>
+              <a:rPr lang="en-US" dirty="0" smtClean="0"/>
+              <a:t>Inside </a:t>
+            </a:r>
+            <a:r>
+              <a:rPr lang="en-US" dirty="0" err="1" smtClean="0"/>
+              <a:t>onDestroy</a:t>
+            </a:r>
+            <a:r>
+              <a:rPr lang="en-US" dirty="0" smtClean="0"/>
+              <a:t>()</a:t>
+            </a:r>
+            <a:endParaRPr lang="en-US" dirty="0"/>
+          </a:p>
+        </p:txBody>
+      </p:sp>
+      <p:sp>
+        <p:nvSpPr>
+          <p:cNvPr id="3" name="Content Placeholder 2"/>
+          <p:cNvSpPr>
+            <a:spLocks noGrp="1"/>
+          </p:cNvSpPr>
+          <p:nvPr>
+            <p:ph idx="1"/>
+          </p:nvPr>
+        </p:nvSpPr>
+        <p:spPr/>
+        <p:txBody>
+          <a:bodyPr/>
+          <a:lstStyle/>
+          <a:p>
+            <a:r>
+              <a:rPr lang="en-US" dirty="0" smtClean="0"/>
+              <a:t>Clean up anything else</a:t>
+            </a:r>
+            <a:endParaRPr lang="en-US" dirty="0"/>
+          </a:p>
+        </p:txBody>
+      </p:sp>
+    </p:spTree>
+    <p:extLst>
+      <p:ext uri="{BB962C8B-B14F-4D97-AF65-F5344CB8AC3E}">
+        <p14:creationId xmlns:p14="http://schemas.microsoft.com/office/powerpoint/2010/main" val="4189873618"/>
+      </p:ext>
+    </p:extLst>
+  </p:cSld>
+  <p:clrMapOvr>
+    <a:masterClrMapping/>
+  </p:clrMapOvr>
+  <p:timing>
+    <p:tnLst>
+      <p:par>
+        <p:cTn id="1" dur="indefinite" restart="never" nodeType="tmRoot"/>
+      </p:par>
+    </p:tnLst>
+  </p:timing>
+</p:sld>
+</file>
+
+<file path=ppt/slides/slide27.xml><?xml version="1.0" encoding="utf-8"?>
+<p:sld xmlns:a="http://schemas.openxmlformats.org/drawingml/2006/main" xmlns:r="http://schemas.openxmlformats.org/officeDocument/2006/relationships" xmlns:p="http://schemas.openxmlformats.org/presentationml/2006/main">
+  <p:cSld>
+    <p:spTree>
+      <p:nvGrpSpPr>
+        <p:cNvPr id="1" name=""/>
+        <p:cNvGrpSpPr/>
+        <p:nvPr/>
+      </p:nvGrpSpPr>
+      <p:grpSpPr>
+        <a:xfrm>
+          <a:off x="0" y="0"/>
+          <a:ext cx="0" cy="0"/>
+          <a:chOff x="0" y="0"/>
+          <a:chExt cx="0" cy="0"/>
+        </a:xfrm>
+      </p:grpSpPr>
+      <p:sp>
+        <p:nvSpPr>
+          <p:cNvPr id="2" name="Title 1">
+            <a:extLst>
+              <a:ext uri="{FF2B5EF4-FFF2-40B4-BE49-F238E27FC236}">
+                <a16:creationId xmlns:a16="http://schemas.microsoft.com/office/drawing/2014/main" xmlns="" id="{082D42FD-F515-4A38-AEC3-4676608EFF5E}"/>
+              </a:ext>
+            </a:extLst>
+          </p:cNvPr>
+          <p:cNvSpPr>
+            <a:spLocks noGrp="1"/>
+          </p:cNvSpPr>
+          <p:nvPr>
+            <p:ph type="title"/>
+          </p:nvPr>
+        </p:nvSpPr>
+        <p:spPr/>
+        <p:txBody>
+          <a:bodyPr/>
+          <a:lstStyle/>
+          <a:p>
+            <a:r>
+              <a:rPr lang="en-US" dirty="0"/>
+              <a:t>Cycle Relationships</a:t>
+            </a:r>
+          </a:p>
+        </p:txBody>
+      </p:sp>
+      <p:grpSp>
+        <p:nvGrpSpPr>
+          <p:cNvPr id="18" name="Group 17"/>
+          <p:cNvGrpSpPr/>
+          <p:nvPr/>
+        </p:nvGrpSpPr>
+        <p:grpSpPr>
+          <a:xfrm>
+            <a:off x="2588821" y="2204852"/>
+            <a:ext cx="5508171" cy="558141"/>
+            <a:chOff x="2588821" y="2204852"/>
+            <a:chExt cx="5508171" cy="558141"/>
+          </a:xfrm>
+        </p:grpSpPr>
+        <p:sp>
+          <p:nvSpPr>
+            <p:cNvPr id="4" name="Rounded Rectangle 3"/>
+            <p:cNvSpPr/>
+            <p:nvPr/>
+          </p:nvSpPr>
+          <p:spPr>
+            <a:xfrm>
+              <a:off x="2588821" y="2204852"/>
+              <a:ext cx="2066306" cy="558141"/>
+            </a:xfrm>
+            <a:prstGeom prst="roundRect">
+              <a:avLst/>
+            </a:prstGeom>
+            <a:ln/>
+          </p:spPr>
+          <p:style>
+            <a:lnRef idx="1">
+              <a:schemeClr val="dk1"/>
+            </a:lnRef>
+            <a:fillRef idx="2">
+              <a:schemeClr val="dk1"/>
+            </a:fillRef>
+            <a:effectRef idx="1">
+              <a:schemeClr val="dk1"/>
+            </a:effectRef>
+            <a:fontRef idx="minor">
+              <a:schemeClr val="dk1"/>
+            </a:fontRef>
+          </p:style>
+          <p:txBody>
+            <a:bodyPr rtlCol="0" anchor="ctr"/>
+            <a:lstStyle/>
+            <a:p>
+              <a:pPr algn="ctr"/>
+              <a:r>
+                <a:rPr lang="en-US" dirty="0" err="1"/>
+                <a:t>o</a:t>
+              </a:r>
+              <a:r>
+                <a:rPr lang="en-US" dirty="0" err="1" smtClean="0"/>
+                <a:t>nCreate</a:t>
+              </a:r>
+              <a:r>
+                <a:rPr lang="en-US" dirty="0" smtClean="0"/>
+                <a:t>()</a:t>
+              </a:r>
+              <a:endParaRPr lang="en-US" dirty="0"/>
+            </a:p>
+          </p:txBody>
+        </p:sp>
+        <p:sp>
+          <p:nvSpPr>
+            <p:cNvPr id="5" name="Rounded Rectangle 4"/>
+            <p:cNvSpPr/>
+            <p:nvPr/>
+          </p:nvSpPr>
+          <p:spPr>
+            <a:xfrm>
+              <a:off x="6030686" y="2204852"/>
+              <a:ext cx="2066306" cy="558141"/>
+            </a:xfrm>
+            <a:prstGeom prst="roundRect">
+              <a:avLst/>
+            </a:prstGeom>
+            <a:ln/>
+          </p:spPr>
+          <p:style>
+            <a:lnRef idx="1">
+              <a:schemeClr val="dk1"/>
+            </a:lnRef>
+            <a:fillRef idx="2">
+              <a:schemeClr val="dk1"/>
+            </a:fillRef>
+            <a:effectRef idx="1">
+              <a:schemeClr val="dk1"/>
+            </a:effectRef>
+            <a:fontRef idx="minor">
+              <a:schemeClr val="dk1"/>
+            </a:fontRef>
+          </p:style>
+          <p:txBody>
+            <a:bodyPr rtlCol="0" anchor="ctr"/>
+            <a:lstStyle/>
+            <a:p>
+              <a:pPr algn="ctr"/>
+              <a:r>
+                <a:rPr lang="en-US" dirty="0" err="1" smtClean="0"/>
+                <a:t>onDestroy</a:t>
+              </a:r>
+              <a:r>
+                <a:rPr lang="en-US" dirty="0" smtClean="0"/>
+                <a:t>()</a:t>
+              </a:r>
+              <a:endParaRPr lang="en-US" dirty="0"/>
+            </a:p>
+          </p:txBody>
+        </p:sp>
+        <p:cxnSp>
+          <p:nvCxnSpPr>
+            <p:cNvPr id="11" name="Straight Connector 10"/>
+            <p:cNvCxnSpPr>
+              <a:stCxn id="4" idx="3"/>
+              <a:endCxn id="5" idx="1"/>
+            </p:cNvCxnSpPr>
+            <p:nvPr/>
+          </p:nvCxnSpPr>
+          <p:spPr>
+            <a:xfrm>
+              <a:off x="4655127" y="2483923"/>
+              <a:ext cx="1375559" cy="0"/>
+            </a:xfrm>
+            <a:prstGeom prst="line">
+              <a:avLst/>
+            </a:prstGeom>
+            <a:ln w="19050">
+              <a:solidFill>
+                <a:schemeClr val="tx1">
+                  <a:lumMod val="50000"/>
+                  <a:lumOff val="50000"/>
+                </a:schemeClr>
+              </a:solidFill>
+            </a:ln>
+          </p:spPr>
+          <p:style>
+            <a:lnRef idx="1">
+              <a:schemeClr val="accent1"/>
+            </a:lnRef>
+            <a:fillRef idx="0">
+              <a:schemeClr val="accent1"/>
+            </a:fillRef>
+            <a:effectRef idx="0">
+              <a:schemeClr val="accent1"/>
+            </a:effectRef>
+            <a:fontRef idx="minor">
+              <a:schemeClr val="tx1"/>
+            </a:fontRef>
+          </p:style>
+        </p:cxnSp>
+      </p:grpSp>
+      <p:grpSp>
+        <p:nvGrpSpPr>
+          <p:cNvPr id="19" name="Group 18"/>
+          <p:cNvGrpSpPr/>
+          <p:nvPr/>
+        </p:nvGrpSpPr>
+        <p:grpSpPr>
+          <a:xfrm>
+            <a:off x="2588821" y="3152898"/>
+            <a:ext cx="5508171" cy="558141"/>
+            <a:chOff x="2588821" y="3152898"/>
+            <a:chExt cx="5508171" cy="558141"/>
+          </a:xfrm>
+        </p:grpSpPr>
+        <p:sp>
+          <p:nvSpPr>
+            <p:cNvPr id="6" name="Rounded Rectangle 5"/>
+            <p:cNvSpPr/>
+            <p:nvPr/>
+          </p:nvSpPr>
+          <p:spPr>
+            <a:xfrm>
+              <a:off x="2588821" y="3152898"/>
+              <a:ext cx="2066306" cy="558141"/>
+            </a:xfrm>
+            <a:prstGeom prst="roundRect">
+              <a:avLst/>
+            </a:prstGeom>
+            <a:ln/>
+          </p:spPr>
+          <p:style>
+            <a:lnRef idx="1">
+              <a:schemeClr val="dk1"/>
+            </a:lnRef>
+            <a:fillRef idx="2">
+              <a:schemeClr val="dk1"/>
+            </a:fillRef>
+            <a:effectRef idx="1">
+              <a:schemeClr val="dk1"/>
+            </a:effectRef>
+            <a:fontRef idx="minor">
+              <a:schemeClr val="dk1"/>
+            </a:fontRef>
+          </p:style>
+          <p:txBody>
+            <a:bodyPr rtlCol="0" anchor="ctr"/>
+            <a:lstStyle/>
+            <a:p>
+              <a:pPr algn="ctr"/>
+              <a:r>
+                <a:rPr lang="en-US" dirty="0" err="1" smtClean="0"/>
+                <a:t>onStart</a:t>
+              </a:r>
+              <a:r>
+                <a:rPr lang="en-US" dirty="0" smtClean="0"/>
+                <a:t>()</a:t>
+              </a:r>
+              <a:endParaRPr lang="en-US" dirty="0"/>
+            </a:p>
+          </p:txBody>
+        </p:sp>
+        <p:sp>
+          <p:nvSpPr>
+            <p:cNvPr id="7" name="Rounded Rectangle 6"/>
+            <p:cNvSpPr/>
+            <p:nvPr/>
+          </p:nvSpPr>
+          <p:spPr>
+            <a:xfrm>
+              <a:off x="6030686" y="3152898"/>
+              <a:ext cx="2066306" cy="558141"/>
+            </a:xfrm>
+            <a:prstGeom prst="roundRect">
+              <a:avLst/>
+            </a:prstGeom>
+            <a:ln/>
+          </p:spPr>
+          <p:style>
+            <a:lnRef idx="1">
+              <a:schemeClr val="dk1"/>
+            </a:lnRef>
+            <a:fillRef idx="2">
+              <a:schemeClr val="dk1"/>
+            </a:fillRef>
+            <a:effectRef idx="1">
+              <a:schemeClr val="dk1"/>
+            </a:effectRef>
+            <a:fontRef idx="minor">
+              <a:schemeClr val="dk1"/>
+            </a:fontRef>
+          </p:style>
+          <p:txBody>
+            <a:bodyPr rtlCol="0" anchor="ctr"/>
+            <a:lstStyle/>
+            <a:p>
+              <a:pPr algn="ctr"/>
+              <a:r>
+                <a:rPr lang="en-US" dirty="0" err="1" smtClean="0"/>
+                <a:t>onStop</a:t>
+              </a:r>
+              <a:r>
+                <a:rPr lang="en-US" dirty="0" smtClean="0"/>
+                <a:t>()</a:t>
+              </a:r>
+              <a:endParaRPr lang="en-US" dirty="0"/>
+            </a:p>
+          </p:txBody>
+        </p:sp>
+        <p:cxnSp>
+          <p:nvCxnSpPr>
+            <p:cNvPr id="13" name="Straight Connector 12"/>
+            <p:cNvCxnSpPr>
+              <a:stCxn id="6" idx="3"/>
+              <a:endCxn id="7" idx="1"/>
+            </p:cNvCxnSpPr>
+            <p:nvPr/>
+          </p:nvCxnSpPr>
+          <p:spPr>
+            <a:xfrm>
+              <a:off x="4655127" y="3431969"/>
+              <a:ext cx="1375559" cy="0"/>
+            </a:xfrm>
+            <a:prstGeom prst="line">
+              <a:avLst/>
+            </a:prstGeom>
+            <a:ln w="19050">
+              <a:solidFill>
+                <a:schemeClr val="tx1">
+                  <a:lumMod val="50000"/>
+                  <a:lumOff val="50000"/>
+                </a:schemeClr>
+              </a:solidFill>
+            </a:ln>
+          </p:spPr>
+          <p:style>
+            <a:lnRef idx="1">
+              <a:schemeClr val="accent1"/>
+            </a:lnRef>
+            <a:fillRef idx="0">
+              <a:schemeClr val="accent1"/>
+            </a:fillRef>
+            <a:effectRef idx="0">
+              <a:schemeClr val="accent1"/>
+            </a:effectRef>
+            <a:fontRef idx="minor">
+              <a:schemeClr val="tx1"/>
+            </a:fontRef>
+          </p:style>
+        </p:cxnSp>
+      </p:grpSp>
+      <p:grpSp>
+        <p:nvGrpSpPr>
+          <p:cNvPr id="20" name="Group 19"/>
+          <p:cNvGrpSpPr/>
+          <p:nvPr/>
+        </p:nvGrpSpPr>
+        <p:grpSpPr>
+          <a:xfrm>
+            <a:off x="2588821" y="4243448"/>
+            <a:ext cx="5508171" cy="558141"/>
+            <a:chOff x="2588821" y="4243448"/>
+            <a:chExt cx="5508171" cy="558141"/>
+          </a:xfrm>
+        </p:grpSpPr>
+        <p:sp>
+          <p:nvSpPr>
+            <p:cNvPr id="8" name="Rounded Rectangle 7"/>
+            <p:cNvSpPr/>
+            <p:nvPr/>
+          </p:nvSpPr>
+          <p:spPr>
+            <a:xfrm>
+              <a:off x="2588821" y="4243448"/>
+              <a:ext cx="2066306" cy="558141"/>
+            </a:xfrm>
+            <a:prstGeom prst="roundRect">
+              <a:avLst/>
+            </a:prstGeom>
+            <a:ln/>
+          </p:spPr>
+          <p:style>
+            <a:lnRef idx="1">
+              <a:schemeClr val="dk1"/>
+            </a:lnRef>
+            <a:fillRef idx="2">
+              <a:schemeClr val="dk1"/>
+            </a:fillRef>
+            <a:effectRef idx="1">
+              <a:schemeClr val="dk1"/>
+            </a:effectRef>
+            <a:fontRef idx="minor">
+              <a:schemeClr val="dk1"/>
+            </a:fontRef>
+          </p:style>
+          <p:txBody>
+            <a:bodyPr rtlCol="0" anchor="ctr"/>
+            <a:lstStyle/>
+            <a:p>
+              <a:pPr algn="ctr"/>
+              <a:r>
+                <a:rPr lang="en-US" dirty="0" err="1" smtClean="0"/>
+                <a:t>onResume</a:t>
+              </a:r>
+              <a:r>
+                <a:rPr lang="en-US" dirty="0" smtClean="0"/>
+                <a:t>()</a:t>
+              </a:r>
+              <a:endParaRPr lang="en-US" dirty="0"/>
+            </a:p>
+          </p:txBody>
+        </p:sp>
+        <p:sp>
+          <p:nvSpPr>
+            <p:cNvPr id="9" name="Rounded Rectangle 8"/>
+            <p:cNvSpPr/>
+            <p:nvPr/>
+          </p:nvSpPr>
+          <p:spPr>
+            <a:xfrm>
+              <a:off x="6030686" y="4243448"/>
+              <a:ext cx="2066306" cy="558141"/>
+            </a:xfrm>
+            <a:prstGeom prst="roundRect">
+              <a:avLst/>
+            </a:prstGeom>
+            <a:ln/>
+          </p:spPr>
+          <p:style>
+            <a:lnRef idx="1">
+              <a:schemeClr val="dk1"/>
+            </a:lnRef>
+            <a:fillRef idx="2">
+              <a:schemeClr val="dk1"/>
+            </a:fillRef>
+            <a:effectRef idx="1">
+              <a:schemeClr val="dk1"/>
+            </a:effectRef>
+            <a:fontRef idx="minor">
+              <a:schemeClr val="dk1"/>
+            </a:fontRef>
+          </p:style>
+          <p:txBody>
+            <a:bodyPr rtlCol="0" anchor="ctr"/>
+            <a:lstStyle/>
+            <a:p>
+              <a:pPr algn="ctr"/>
+              <a:r>
+                <a:rPr lang="en-US" dirty="0" err="1" smtClean="0"/>
+                <a:t>onPause</a:t>
+              </a:r>
+              <a:r>
+                <a:rPr lang="en-US" dirty="0" smtClean="0"/>
+                <a:t>()</a:t>
+              </a:r>
+              <a:endParaRPr lang="en-US" dirty="0"/>
+            </a:p>
+          </p:txBody>
+        </p:sp>
+        <p:cxnSp>
+          <p:nvCxnSpPr>
+            <p:cNvPr id="17" name="Straight Connector 16"/>
+            <p:cNvCxnSpPr>
+              <a:stCxn id="8" idx="3"/>
+              <a:endCxn id="9" idx="1"/>
+            </p:cNvCxnSpPr>
+            <p:nvPr/>
+          </p:nvCxnSpPr>
+          <p:spPr>
+            <a:xfrm>
+              <a:off x="4655127" y="4522519"/>
+              <a:ext cx="1375559" cy="0"/>
+            </a:xfrm>
+            <a:prstGeom prst="line">
+              <a:avLst/>
+            </a:prstGeom>
+            <a:ln w="19050">
+              <a:solidFill>
+                <a:schemeClr val="tx1">
+                  <a:lumMod val="50000"/>
+                  <a:lumOff val="50000"/>
+                </a:schemeClr>
+              </a:solidFill>
+            </a:ln>
+          </p:spPr>
+          <p:style>
+            <a:lnRef idx="1">
+              <a:schemeClr val="accent1"/>
+            </a:lnRef>
+            <a:fillRef idx="0">
+              <a:schemeClr val="accent1"/>
+            </a:fillRef>
+            <a:effectRef idx="0">
+              <a:schemeClr val="accent1"/>
+            </a:effectRef>
+            <a:fontRef idx="minor">
+              <a:schemeClr val="tx1"/>
+            </a:fontRef>
+          </p:style>
+        </p:cxnSp>
+      </p:grpSp>
+    </p:spTree>
+    <p:extLst>
+      <p:ext uri="{BB962C8B-B14F-4D97-AF65-F5344CB8AC3E}">
+        <p14:creationId xmlns:p14="http://schemas.microsoft.com/office/powerpoint/2010/main" val="1719565461"/>
+      </p:ext>
+    </p:extLst>
+  </p:cSld>
+  <p:clrMapOvr>
+    <a:masterClrMapping/>
+  </p:clrMapOvr>
+  <p:timing>
+    <p:tnLst>
+      <p:par>
+        <p:cTn id="1" dur="indefinite" restart="never" nodeType="tmRoot">
+          <p:childTnLst>
+            <p:seq concurrent="1" nextAc="seek">
+              <p:cTn id="2" dur="indefinite" nodeType="mainSeq">
+                <p:childTnLst>
+                  <p:par>
+                    <p:cTn id="3" fill="hold">
+                      <p:stCondLst>
+                        <p:cond delay="indefinite"/>
+                      </p:stCondLst>
+                      <p:childTnLst>
+                        <p:par>
+                          <p:cTn id="4" fill="hold">
+                            <p:stCondLst>
+                              <p:cond delay="0"/>
+                            </p:stCondLst>
+                            <p:childTnLst>
+                              <p:par>
+                                <p:cTn id="5" presetID="2" presetClass="entr" presetSubtype="4" fill="hold" nodeType="clickEffect">
+                                  <p:stCondLst>
+                                    <p:cond delay="0"/>
+                                  </p:stCondLst>
+                                  <p:childTnLst>
+                                    <p:set>
+                                      <p:cBhvr>
+                                        <p:cTn id="6" dur="1" fill="hold">
+                                          <p:stCondLst>
+                                            <p:cond delay="0"/>
+                                          </p:stCondLst>
+                                        </p:cTn>
+                                        <p:tgtEl>
+                                          <p:spTgt spid="18"/>
+                                        </p:tgtEl>
+                                        <p:attrNameLst>
+                                          <p:attrName>style.visibility</p:attrName>
+                                        </p:attrNameLst>
+                                      </p:cBhvr>
+                                      <p:to>
+                                        <p:strVal val="visible"/>
+                                      </p:to>
+                                    </p:set>
+                                    <p:anim calcmode="lin" valueType="num">
+                                      <p:cBhvr additive="base">
+                                        <p:cTn id="7" dur="500" fill="hold"/>
+                                        <p:tgtEl>
+                                          <p:spTgt spid="18"/>
+                                        </p:tgtEl>
+                                        <p:attrNameLst>
+                                          <p:attrName>ppt_x</p:attrName>
+                                        </p:attrNameLst>
+                                      </p:cBhvr>
+                                      <p:tavLst>
+                                        <p:tav tm="0">
+                                          <p:val>
+                                            <p:strVal val="#ppt_x"/>
+                                          </p:val>
+                                        </p:tav>
+                                        <p:tav tm="100000">
+                                          <p:val>
+                                            <p:strVal val="#ppt_x"/>
+                                          </p:val>
+                                        </p:tav>
+                                      </p:tavLst>
+                                    </p:anim>
+                                    <p:anim calcmode="lin" valueType="num">
+                                      <p:cBhvr additive="base">
+                                        <p:cTn id="8" dur="500" fill="hold"/>
+                                        <p:tgtEl>
+                                          <p:spTgt spid="18"/>
+                                        </p:tgtEl>
+                                        <p:attrNameLst>
+                                          <p:attrName>ppt_y</p:attrName>
+                                        </p:attrNameLst>
+                                      </p:cBhvr>
+                                      <p:tavLst>
+                                        <p:tav tm="0">
+                                          <p:val>
+                                            <p:strVal val="1+#ppt_h/2"/>
+                                          </p:val>
+                                        </p:tav>
+                                        <p:tav tm="100000">
+                                          <p:val>
+                                            <p:strVal val="#ppt_y"/>
+                                          </p:val>
+                                        </p:tav>
+                                      </p:tavLst>
+                                    </p:anim>
+                                  </p:childTnLst>
+                                </p:cTn>
+                              </p:par>
+                            </p:childTnLst>
+                          </p:cTn>
+                        </p:par>
+                      </p:childTnLst>
+                    </p:cTn>
+                  </p:par>
+                  <p:par>
+                    <p:cTn id="9" fill="hold">
+                      <p:stCondLst>
+                        <p:cond delay="indefinite"/>
+                      </p:stCondLst>
+                      <p:childTnLst>
+                        <p:par>
+                          <p:cTn id="10" fill="hold">
+                            <p:stCondLst>
+                              <p:cond delay="0"/>
+                            </p:stCondLst>
+                            <p:childTnLst>
+                              <p:par>
+                                <p:cTn id="11" presetID="2" presetClass="entr" presetSubtype="4" fill="hold" nodeType="clickEffect">
+                                  <p:stCondLst>
+                                    <p:cond delay="0"/>
+                                  </p:stCondLst>
+                                  <p:childTnLst>
+                                    <p:set>
+                                      <p:cBhvr>
+                                        <p:cTn id="12" dur="1" fill="hold">
+                                          <p:stCondLst>
+                                            <p:cond delay="0"/>
+                                          </p:stCondLst>
+                                        </p:cTn>
+                                        <p:tgtEl>
+                                          <p:spTgt spid="19"/>
+                                        </p:tgtEl>
+                                        <p:attrNameLst>
+                                          <p:attrName>style.visibility</p:attrName>
+                                        </p:attrNameLst>
+                                      </p:cBhvr>
+                                      <p:to>
+                                        <p:strVal val="visible"/>
+                                      </p:to>
+                                    </p:set>
+                                    <p:anim calcmode="lin" valueType="num">
+                                      <p:cBhvr additive="base">
+                                        <p:cTn id="13" dur="500" fill="hold"/>
+                                        <p:tgtEl>
+                                          <p:spTgt spid="19"/>
+                                        </p:tgtEl>
+                                        <p:attrNameLst>
+                                          <p:attrName>ppt_x</p:attrName>
+                                        </p:attrNameLst>
+                                      </p:cBhvr>
+                                      <p:tavLst>
+                                        <p:tav tm="0">
+                                          <p:val>
+                                            <p:strVal val="#ppt_x"/>
+                                          </p:val>
+                                        </p:tav>
+                                        <p:tav tm="100000">
+                                          <p:val>
+                                            <p:strVal val="#ppt_x"/>
+                                          </p:val>
+                                        </p:tav>
+                                      </p:tavLst>
+                                    </p:anim>
+                                    <p:anim calcmode="lin" valueType="num">
+                                      <p:cBhvr additive="base">
+                                        <p:cTn id="14" dur="500" fill="hold"/>
+                                        <p:tgtEl>
+                                          <p:spTgt spid="19"/>
+                                        </p:tgtEl>
+                                        <p:attrNameLst>
+                                          <p:attrName>ppt_y</p:attrName>
+                                        </p:attrNameLst>
+                                      </p:cBhvr>
+                                      <p:tavLst>
+                                        <p:tav tm="0">
+                                          <p:val>
+                                            <p:strVal val="1+#ppt_h/2"/>
+                                          </p:val>
+                                        </p:tav>
+                                        <p:tav tm="100000">
+                                          <p:val>
+                                            <p:strVal val="#ppt_y"/>
+                                          </p:val>
+                                        </p:tav>
+                                      </p:tavLst>
+                                    </p:anim>
+                                  </p:childTnLst>
+                                </p:cTn>
+                              </p:par>
+                            </p:childTnLst>
+                          </p:cTn>
+                        </p:par>
+                      </p:childTnLst>
+                    </p:cTn>
+                  </p:par>
+                  <p:par>
+                    <p:cTn id="15" fill="hold">
+                      <p:stCondLst>
+                        <p:cond delay="indefinite"/>
+                      </p:stCondLst>
+                      <p:childTnLst>
+                        <p:par>
+                          <p:cTn id="16" fill="hold">
+                            <p:stCondLst>
+                              <p:cond delay="0"/>
+                            </p:stCondLst>
+                            <p:childTnLst>
+                              <p:par>
+                                <p:cTn id="17" presetID="2" presetClass="entr" presetSubtype="4" fill="hold" nodeType="clickEffect">
+                                  <p:stCondLst>
+                                    <p:cond delay="0"/>
+                                  </p:stCondLst>
+                                  <p:childTnLst>
+                                    <p:set>
+                                      <p:cBhvr>
+                                        <p:cTn id="18" dur="1" fill="hold">
+                                          <p:stCondLst>
+                                            <p:cond delay="0"/>
+                                          </p:stCondLst>
+                                        </p:cTn>
+                                        <p:tgtEl>
+                                          <p:spTgt spid="20"/>
+                                        </p:tgtEl>
+                                        <p:attrNameLst>
+                                          <p:attrName>style.visibility</p:attrName>
+                                        </p:attrNameLst>
+                                      </p:cBhvr>
+                                      <p:to>
+                                        <p:strVal val="visible"/>
+                                      </p:to>
+                                    </p:set>
+                                    <p:anim calcmode="lin" valueType="num">
+                                      <p:cBhvr additive="base">
+                                        <p:cTn id="19" dur="500" fill="hold"/>
+                                        <p:tgtEl>
+                                          <p:spTgt spid="20"/>
+                                        </p:tgtEl>
+                                        <p:attrNameLst>
+                                          <p:attrName>ppt_x</p:attrName>
+                                        </p:attrNameLst>
+                                      </p:cBhvr>
+                                      <p:tavLst>
+                                        <p:tav tm="0">
+                                          <p:val>
+                                            <p:strVal val="#ppt_x"/>
+                                          </p:val>
+                                        </p:tav>
+                                        <p:tav tm="100000">
+                                          <p:val>
+                                            <p:strVal val="#ppt_x"/>
+                                          </p:val>
+                                        </p:tav>
+                                      </p:tavLst>
+                                    </p:anim>
+                                    <p:anim calcmode="lin" valueType="num">
+                                      <p:cBhvr additive="base">
+                                        <p:cTn id="20" dur="500" fill="hold"/>
+                                        <p:tgtEl>
+                                          <p:spTgt spid="20"/>
+                                        </p:tgtEl>
+                                        <p:attrNameLst>
+                                          <p:attrName>ppt_y</p:attrName>
+                                        </p:attrNameLst>
+                                      </p:cBhvr>
+                                      <p:tavLst>
+                                        <p:tav tm="0">
+                                          <p:val>
+                                            <p:strVal val="1+#ppt_h/2"/>
+                                          </p:val>
+                                        </p:tav>
+                                        <p:tav tm="100000">
+                                          <p:val>
+                                            <p:strVal val="#ppt_y"/>
+                                          </p:val>
+                                        </p:tav>
+                                      </p:tavLst>
+                                    </p:anim>
+                                  </p:childTnLst>
+                                </p:cTn>
+                              </p:par>
+                            </p:childTnLst>
+                          </p:cTn>
+                        </p:par>
+                      </p:childTnLst>
+                    </p:cTn>
+                  </p:par>
+                </p:childTnLst>
+              </p:cTn>
+              <p:prevCondLst>
+                <p:cond evt="onPrev" delay="0">
+                  <p:tgtEl>
+                    <p:sldTgt/>
+                  </p:tgtEl>
+                </p:cond>
+              </p:prevCondLst>
+              <p:nextCondLst>
+                <p:cond evt="onNext" delay="0">
+                  <p:tgtEl>
+                    <p:sldTgt/>
+                  </p:tgtEl>
+                </p:cond>
+              </p:nextCondLst>
+            </p:seq>
+          </p:childTnLst>
+        </p:cTn>
+      </p:par>
+    </p:tnLst>
+  </p:timing>
+</p:sld>
+</file>
+
+<file path=ppt/slides/slide28.xml><?xml version="1.0" encoding="utf-8"?>
+<p:sld xmlns:a="http://schemas.openxmlformats.org/drawingml/2006/main" xmlns:r="http://schemas.openxmlformats.org/officeDocument/2006/relationships" xmlns:p="http://schemas.openxmlformats.org/presentationml/2006/main">
+  <p:cSld>
+    <p:spTree>
+      <p:nvGrpSpPr>
+        <p:cNvPr id="1" name=""/>
+        <p:cNvGrpSpPr/>
+        <p:nvPr/>
+      </p:nvGrpSpPr>
+      <p:grpSpPr>
+        <a:xfrm>
+          <a:off x="0" y="0"/>
+          <a:ext cx="0" cy="0"/>
+          <a:chOff x="0" y="0"/>
+          <a:chExt cx="0" cy="0"/>
+        </a:xfrm>
+      </p:grpSpPr>
+      <p:sp>
+        <p:nvSpPr>
+          <p:cNvPr id="2" name="Title 1"/>
+          <p:cNvSpPr>
+            <a:spLocks noGrp="1"/>
+          </p:cNvSpPr>
+          <p:nvPr>
+            <p:ph type="title"/>
+          </p:nvPr>
+        </p:nvSpPr>
+        <p:spPr/>
+        <p:txBody>
+          <a:bodyPr/>
+          <a:lstStyle/>
+          <a:p>
+            <a:r>
+              <a:rPr lang="en-US" dirty="0"/>
+              <a:t>Creating </a:t>
+            </a:r>
+            <a:r>
+              <a:rPr lang="en-US" dirty="0" err="1"/>
+              <a:t>MainActivity</a:t>
+            </a:r>
+            <a:r>
+              <a:rPr lang="en-US" dirty="0"/>
+              <a:t> </a:t>
+            </a:r>
+          </a:p>
+        </p:txBody>
+      </p:sp>
+      <p:sp>
+        <p:nvSpPr>
+          <p:cNvPr id="3" name="Content Placeholder 2"/>
+          <p:cNvSpPr>
+            <a:spLocks noGrp="1"/>
+          </p:cNvSpPr>
+          <p:nvPr>
+            <p:ph idx="1"/>
+          </p:nvPr>
+        </p:nvSpPr>
+        <p:spPr/>
+        <p:txBody>
+          <a:bodyPr/>
+          <a:lstStyle/>
+          <a:p>
+            <a:r>
+              <a:rPr lang="en-US" dirty="0"/>
+              <a:t>Best Practices</a:t>
+            </a:r>
+          </a:p>
+          <a:p>
+            <a:pPr lvl="1"/>
+            <a:r>
+              <a:rPr lang="en-US" dirty="0"/>
+              <a:t>Keep lifecycle methods in order</a:t>
+            </a:r>
+          </a:p>
+          <a:p>
+            <a:pPr lvl="1"/>
+            <a:r>
+              <a:rPr lang="en-US" dirty="0"/>
+              <a:t>Place other methods (helpers) below the lifecycle methods</a:t>
+            </a:r>
+          </a:p>
+        </p:txBody>
+      </p:sp>
+    </p:spTree>
+    <p:extLst>
+      <p:ext uri="{BB962C8B-B14F-4D97-AF65-F5344CB8AC3E}">
+        <p14:creationId xmlns:p14="http://schemas.microsoft.com/office/powerpoint/2010/main" val="2374969006"/>
+      </p:ext>
+    </p:extLst>
+  </p:cSld>
+  <p:clrMapOvr>
+    <a:masterClrMapping/>
+  </p:clrMapOvr>
+  <p:timing>
+    <p:tnLst>
+      <p:par>
+        <p:cTn id="1" dur="indefinite" restart="never" nodeType="tmRoot"/>
+      </p:par>
+    </p:tnLst>
+  </p:timing>
+</p:sld>
+</file>
+
+<file path=ppt/slides/slide29.xml><?xml version="1.0" encoding="utf-8"?>
+<p:sld xmlns:a="http://schemas.openxmlformats.org/drawingml/2006/main" xmlns:r="http://schemas.openxmlformats.org/officeDocument/2006/relationships" xmlns:p="http://schemas.openxmlformats.org/presentationml/2006/main">
+  <p:cSld>
+    <p:spTree>
+      <p:nvGrpSpPr>
+        <p:cNvPr id="1" name=""/>
+        <p:cNvGrpSpPr/>
+        <p:nvPr/>
+      </p:nvGrpSpPr>
+      <p:grpSpPr>
+        <a:xfrm>
+          <a:off x="0" y="0"/>
+          <a:ext cx="0" cy="0"/>
+          <a:chOff x="0" y="0"/>
+          <a:chExt cx="0" cy="0"/>
+        </a:xfrm>
+      </p:grpSpPr>
+      <p:sp>
+        <p:nvSpPr>
           <p:cNvPr id="3" name="Content Placeholder 2"/>
           <p:cNvSpPr>
             <a:spLocks noGrp="1"/>
@@ -5968,10 +8231,119 @@
   <p:clrMapOvr>
     <a:masterClrMapping/>
   </p:clrMapOvr>
+  <p:timing>
+    <p:tnLst>
+      <p:par>
+        <p:cTn id="1" dur="indefinite" restart="never" nodeType="tmRoot"/>
+      </p:par>
+    </p:tnLst>
+  </p:timing>
 </p:sld>
 </file>
 
-<file path=ppt/slides/slide25.xml><?xml version="1.0" encoding="utf-8"?>
+<file path=ppt/slides/slide3.xml><?xml version="1.0" encoding="utf-8"?>
+<p:sld xmlns:a="http://schemas.openxmlformats.org/drawingml/2006/main" xmlns:r="http://schemas.openxmlformats.org/officeDocument/2006/relationships" xmlns:p="http://schemas.openxmlformats.org/presentationml/2006/main">
+  <p:cSld>
+    <p:spTree>
+      <p:nvGrpSpPr>
+        <p:cNvPr id="1" name=""/>
+        <p:cNvGrpSpPr/>
+        <p:nvPr/>
+      </p:nvGrpSpPr>
+      <p:grpSpPr>
+        <a:xfrm>
+          <a:off x="0" y="0"/>
+          <a:ext cx="0" cy="0"/>
+          <a:chOff x="0" y="0"/>
+          <a:chExt cx="0" cy="0"/>
+        </a:xfrm>
+      </p:grpSpPr>
+      <p:sp>
+        <p:nvSpPr>
+          <p:cNvPr id="2" name="Title 1"/>
+          <p:cNvSpPr>
+            <a:spLocks noGrp="1"/>
+          </p:cNvSpPr>
+          <p:nvPr>
+            <p:ph type="title"/>
+          </p:nvPr>
+        </p:nvSpPr>
+        <p:spPr/>
+        <p:txBody>
+          <a:bodyPr/>
+          <a:lstStyle/>
+          <a:p>
+            <a:r>
+              <a:rPr lang="en-US" dirty="0"/>
+              <a:t>What is Android</a:t>
+            </a:r>
+          </a:p>
+        </p:txBody>
+      </p:sp>
+      <p:sp>
+        <p:nvSpPr>
+          <p:cNvPr id="3" name="Content Placeholder 2"/>
+          <p:cNvSpPr>
+            <a:spLocks noGrp="1"/>
+          </p:cNvSpPr>
+          <p:nvPr>
+            <p:ph idx="1"/>
+          </p:nvPr>
+        </p:nvSpPr>
+        <p:spPr/>
+        <p:txBody>
+          <a:bodyPr/>
+          <a:lstStyle/>
+          <a:p>
+            <a:r>
+              <a:rPr lang="en-US" dirty="0"/>
+              <a:t>Google mobile SDK </a:t>
+            </a:r>
+          </a:p>
+          <a:p>
+            <a:r>
+              <a:rPr lang="en-US" dirty="0" smtClean="0"/>
+              <a:t>Support Java and </a:t>
+            </a:r>
+            <a:r>
+              <a:rPr lang="en-US" dirty="0" err="1" smtClean="0"/>
+              <a:t>Kotlin</a:t>
+            </a:r>
+            <a:r>
+              <a:rPr lang="en-US" dirty="0" smtClean="0"/>
+              <a:t> </a:t>
+            </a:r>
+          </a:p>
+          <a:p>
+            <a:r>
+              <a:rPr lang="en-US" dirty="0" smtClean="0"/>
+              <a:t>Open Source</a:t>
+            </a:r>
+            <a:endParaRPr lang="en-US" dirty="0"/>
+          </a:p>
+        </p:txBody>
+      </p:sp>
+    </p:spTree>
+    <p:extLst>
+      <p:ext uri="{BB962C8B-B14F-4D97-AF65-F5344CB8AC3E}">
+        <p14:creationId xmlns:p14="http://schemas.microsoft.com/office/powerpoint/2010/main" val="3098932366"/>
+      </p:ext>
+    </p:extLst>
+  </p:cSld>
+  <p:clrMapOvr>
+    <a:masterClrMapping/>
+  </p:clrMapOvr>
+  <p:timing>
+    <p:tnLst>
+      <p:par>
+        <p:cTn id="1" dur="indefinite" restart="never" nodeType="tmRoot"/>
+      </p:par>
+    </p:tnLst>
+  </p:timing>
+</p:sld>
+</file>
+
+<file path=ppt/slides/slide30.xml><?xml version="1.0" encoding="utf-8"?>
 <p:sld xmlns:a="http://schemas.openxmlformats.org/drawingml/2006/main" xmlns:r="http://schemas.openxmlformats.org/officeDocument/2006/relationships" xmlns:p="http://schemas.openxmlformats.org/presentationml/2006/main">
   <p:cSld>
     <p:spTree>
@@ -6128,10 +8500,17 @@
   <p:clrMapOvr>
     <a:masterClrMapping/>
   </p:clrMapOvr>
+  <p:timing>
+    <p:tnLst>
+      <p:par>
+        <p:cTn id="1" dur="indefinite" restart="never" nodeType="tmRoot"/>
+      </p:par>
+    </p:tnLst>
+  </p:timing>
 </p:sld>
 </file>
 
-<file path=ppt/slides/slide26.xml><?xml version="1.0" encoding="utf-8"?>
+<file path=ppt/slides/slide31.xml><?xml version="1.0" encoding="utf-8"?>
 <p:sld xmlns:a="http://schemas.openxmlformats.org/drawingml/2006/main" xmlns:r="http://schemas.openxmlformats.org/officeDocument/2006/relationships" xmlns:p="http://schemas.openxmlformats.org/presentationml/2006/main">
   <p:cSld>
     <p:spTree>
@@ -6288,10 +8667,17 @@
   <p:clrMapOvr>
     <a:masterClrMapping/>
   </p:clrMapOvr>
+  <p:timing>
+    <p:tnLst>
+      <p:par>
+        <p:cTn id="1" dur="indefinite" restart="never" nodeType="tmRoot"/>
+      </p:par>
+    </p:tnLst>
+  </p:timing>
 </p:sld>
 </file>
 
-<file path=ppt/slides/slide27.xml><?xml version="1.0" encoding="utf-8"?>
+<file path=ppt/slides/slide32.xml><?xml version="1.0" encoding="utf-8"?>
 <p:sld xmlns:a="http://schemas.openxmlformats.org/drawingml/2006/main" xmlns:r="http://schemas.openxmlformats.org/officeDocument/2006/relationships" xmlns:p="http://schemas.openxmlformats.org/presentationml/2006/main">
   <p:cSld>
     <p:spTree>
@@ -6355,10 +8741,17 @@
   <p:clrMapOvr>
     <a:masterClrMapping/>
   </p:clrMapOvr>
+  <p:timing>
+    <p:tnLst>
+      <p:par>
+        <p:cTn id="1" dur="indefinite" restart="never" nodeType="tmRoot"/>
+      </p:par>
+    </p:tnLst>
+  </p:timing>
 </p:sld>
 </file>
 
-<file path=ppt/slides/slide28.xml><?xml version="1.0" encoding="utf-8"?>
+<file path=ppt/slides/slide33.xml><?xml version="1.0" encoding="utf-8"?>
 <p:sld xmlns:a="http://schemas.openxmlformats.org/drawingml/2006/main" xmlns:r="http://schemas.openxmlformats.org/officeDocument/2006/relationships" xmlns:p="http://schemas.openxmlformats.org/presentationml/2006/main">
   <p:cSld>
     <p:spTree>
@@ -6481,10 +8874,17 @@
   <p:clrMapOvr>
     <a:masterClrMapping/>
   </p:clrMapOvr>
+  <p:timing>
+    <p:tnLst>
+      <p:par>
+        <p:cTn id="1" dur="indefinite" restart="never" nodeType="tmRoot"/>
+      </p:par>
+    </p:tnLst>
+  </p:timing>
 </p:sld>
 </file>
 
-<file path=ppt/slides/slide29.xml><?xml version="1.0" encoding="utf-8"?>
+<file path=ppt/slides/slide34.xml><?xml version="1.0" encoding="utf-8"?>
 <p:sld xmlns:a="http://schemas.openxmlformats.org/drawingml/2006/main" xmlns:r="http://schemas.openxmlformats.org/officeDocument/2006/relationships" xmlns:p="http://schemas.openxmlformats.org/presentationml/2006/main">
   <p:cSld>
     <p:spTree>
@@ -6529,8 +8929,12 @@
               <a:buNone/>
             </a:pPr>
             <a:r>
+              <a:rPr lang="en-US" dirty="0" smtClean="0"/>
+              <a:t>Example</a:t>
+            </a:r>
+            <a:r>
               <a:rPr lang="en-US" dirty="0"/>
-              <a:t>Live Example: Link Activity to Layout </a:t>
+              <a:t>: Link Activity to Layout </a:t>
             </a:r>
           </a:p>
         </p:txBody>
@@ -6545,10 +8949,17 @@
   <p:clrMapOvr>
     <a:masterClrMapping/>
   </p:clrMapOvr>
+  <p:timing>
+    <p:tnLst>
+      <p:par>
+        <p:cTn id="1" dur="indefinite" restart="never" nodeType="tmRoot"/>
+      </p:par>
+    </p:tnLst>
+  </p:timing>
 </p:sld>
 </file>
 
-<file path=ppt/slides/slide3.xml><?xml version="1.0" encoding="utf-8"?>
+<file path=ppt/slides/slide35.xml><?xml version="1.0" encoding="utf-8"?>
 <p:sld xmlns:a="http://schemas.openxmlformats.org/drawingml/2006/main" xmlns:r="http://schemas.openxmlformats.org/officeDocument/2006/relationships" xmlns:p="http://schemas.openxmlformats.org/presentationml/2006/main">
   <p:cSld>
     <p:spTree>
@@ -6582,7 +8993,7 @@
           <a:p>
             <a:r>
               <a:rPr lang="en-US" dirty="0"/>
-              <a:t>What is Android</a:t>
+              <a:t>Editing Android Manifest</a:t>
             </a:r>
           </a:p>
         </p:txBody>
@@ -6604,13 +9015,30 @@
           <a:p>
             <a:r>
               <a:rPr lang="en-US" dirty="0"/>
-              <a:t>Google mobile SDK </a:t>
-            </a:r>
-          </a:p>
-          <a:p>
+              <a:t>Add </a:t>
+            </a:r>
+            <a:r>
+              <a:rPr lang="en-US" dirty="0" err="1"/>
+              <a:t>MainActivity</a:t>
+            </a:r>
             <a:r>
               <a:rPr lang="en-US" dirty="0"/>
-              <a:t>Written in Java</a:t>
+              <a:t> to AndroidManifest.xml</a:t>
+            </a:r>
+          </a:p>
+          <a:p>
+            <a:pPr lvl="2"/>
+            <a:r>
+              <a:rPr lang="en-US" dirty="0"/>
+              <a:t>The </a:t>
+            </a:r>
+            <a:r>
+              <a:rPr lang="en-US" b="1" dirty="0"/>
+              <a:t>manifest file</a:t>
+            </a:r>
+            <a:r>
+              <a:rPr lang="en-US" dirty="0"/>
+              <a:t> provides essential information about your app to the Android system, which the system must have before it can run any of the app's code. (i.e. activities, services, content provider…)</a:t>
             </a:r>
           </a:p>
         </p:txBody>
@@ -6618,17 +9046,24 @@
     </p:spTree>
     <p:extLst>
       <p:ext uri="{BB962C8B-B14F-4D97-AF65-F5344CB8AC3E}">
-        <p14:creationId xmlns:p14="http://schemas.microsoft.com/office/powerpoint/2010/main" val="3098932366"/>
+        <p14:creationId xmlns:p14="http://schemas.microsoft.com/office/powerpoint/2010/main" val="1089828459"/>
       </p:ext>
     </p:extLst>
   </p:cSld>
   <p:clrMapOvr>
     <a:masterClrMapping/>
   </p:clrMapOvr>
+  <p:timing>
+    <p:tnLst>
+      <p:par>
+        <p:cTn id="1" dur="indefinite" restart="never" nodeType="tmRoot"/>
+      </p:par>
+    </p:tnLst>
+  </p:timing>
 </p:sld>
 </file>
 
-<file path=ppt/slides/slide30.xml><?xml version="1.0" encoding="utf-8"?>
+<file path=ppt/slides/slide36.xml><?xml version="1.0" encoding="utf-8"?>
 <p:sld xmlns:a="http://schemas.openxmlformats.org/drawingml/2006/main" xmlns:r="http://schemas.openxmlformats.org/officeDocument/2006/relationships" xmlns:p="http://schemas.openxmlformats.org/presentationml/2006/main">
   <p:cSld>
     <p:spTree>
@@ -6647,28 +9082,6 @@
       </p:grpSpPr>
       <p:sp>
         <p:nvSpPr>
-          <p:cNvPr id="2" name="Title 1"/>
-          <p:cNvSpPr>
-            <a:spLocks noGrp="1"/>
-          </p:cNvSpPr>
-          <p:nvPr>
-            <p:ph type="title"/>
-          </p:nvPr>
-        </p:nvSpPr>
-        <p:spPr/>
-        <p:txBody>
-          <a:bodyPr/>
-          <a:lstStyle/>
-          <a:p>
-            <a:r>
-              <a:rPr lang="en-US" dirty="0"/>
-              <a:t>Editing Android Manifest</a:t>
-            </a:r>
-          </a:p>
-        </p:txBody>
-      </p:sp>
-      <p:sp>
-        <p:nvSpPr>
           <p:cNvPr id="3" name="Content Placeholder 2"/>
           <p:cNvSpPr>
             <a:spLocks noGrp="1"/>
@@ -6682,9 +9095,24 @@
           <a:bodyPr/>
           <a:lstStyle/>
           <a:p>
+            <a:pPr marL="0" indent="0" algn="ctr">
+              <a:buNone/>
+            </a:pPr>
+            <a:endParaRPr lang="en-US" dirty="0"/>
+          </a:p>
+          <a:p>
+            <a:pPr marL="0" indent="0" algn="ctr">
+              <a:buNone/>
+            </a:pPr>
+            <a:endParaRPr lang="en-US" dirty="0"/>
+          </a:p>
+          <a:p>
+            <a:pPr marL="0" indent="0" algn="ctr">
+              <a:buNone/>
+            </a:pPr>
             <a:r>
               <a:rPr lang="en-US" dirty="0"/>
-              <a:t>Add </a:t>
+              <a:t>Live Example: Adding </a:t>
             </a:r>
             <a:r>
               <a:rPr lang="en-US" dirty="0" err="1"/>
@@ -6692,22 +9120,7 @@
             </a:r>
             <a:r>
               <a:rPr lang="en-US" dirty="0"/>
-              <a:t> to AndroidManifest.xml</a:t>
-            </a:r>
-          </a:p>
-          <a:p>
-            <a:pPr lvl="2"/>
-            <a:r>
-              <a:rPr lang="en-US" dirty="0"/>
-              <a:t>The </a:t>
-            </a:r>
-            <a:r>
-              <a:rPr lang="en-US" b="1" dirty="0"/>
-              <a:t>manifest file</a:t>
-            </a:r>
-            <a:r>
-              <a:rPr lang="en-US" dirty="0"/>
-              <a:t> provides essential information about your app to the Android system, which the system must have before it can run any of the app's code. (i.e. activities, services, content provider…)</a:t>
+              <a:t> to manifest file</a:t>
             </a:r>
           </a:p>
         </p:txBody>
@@ -6715,17 +9128,24 @@
     </p:spTree>
     <p:extLst>
       <p:ext uri="{BB962C8B-B14F-4D97-AF65-F5344CB8AC3E}">
-        <p14:creationId xmlns:p14="http://schemas.microsoft.com/office/powerpoint/2010/main" val="1089828459"/>
+        <p14:creationId xmlns:p14="http://schemas.microsoft.com/office/powerpoint/2010/main" val="954242652"/>
       </p:ext>
     </p:extLst>
   </p:cSld>
   <p:clrMapOvr>
     <a:masterClrMapping/>
   </p:clrMapOvr>
+  <p:timing>
+    <p:tnLst>
+      <p:par>
+        <p:cTn id="1" dur="indefinite" restart="never" nodeType="tmRoot"/>
+      </p:par>
+    </p:tnLst>
+  </p:timing>
 </p:sld>
 </file>
 
-<file path=ppt/slides/slide31.xml><?xml version="1.0" encoding="utf-8"?>
+<file path=ppt/slides/slide37.xml><?xml version="1.0" encoding="utf-8"?>
 <p:sld xmlns:a="http://schemas.openxmlformats.org/drawingml/2006/main" xmlns:r="http://schemas.openxmlformats.org/officeDocument/2006/relationships" xmlns:p="http://schemas.openxmlformats.org/presentationml/2006/main">
   <p:cSld>
     <p:spTree>
@@ -6742,65 +9162,64 @@
           <a:chExt cx="0" cy="0"/>
         </a:xfrm>
       </p:grpSpPr>
-      <p:sp>
-        <p:nvSpPr>
-          <p:cNvPr id="3" name="Content Placeholder 2"/>
-          <p:cNvSpPr>
-            <a:spLocks noGrp="1"/>
-          </p:cNvSpPr>
-          <p:nvPr>
-            <p:ph idx="1"/>
-          </p:nvPr>
-        </p:nvSpPr>
-        <p:spPr/>
-        <p:txBody>
-          <a:bodyPr/>
-          <a:lstStyle/>
-          <a:p>
-            <a:pPr marL="0" indent="0" algn="ctr">
-              <a:buNone/>
-            </a:pPr>
-            <a:endParaRPr lang="en-US" dirty="0"/>
-          </a:p>
-          <a:p>
-            <a:pPr marL="0" indent="0" algn="ctr">
-              <a:buNone/>
-            </a:pPr>
-            <a:endParaRPr lang="en-US" dirty="0"/>
-          </a:p>
-          <a:p>
-            <a:pPr marL="0" indent="0" algn="ctr">
-              <a:buNone/>
-            </a:pPr>
-            <a:r>
-              <a:rPr lang="en-US" dirty="0"/>
-              <a:t>Live Example: Adding </a:t>
-            </a:r>
-            <a:r>
-              <a:rPr lang="en-US" dirty="0" err="1"/>
-              <a:t>MainActivity</a:t>
-            </a:r>
-            <a:r>
-              <a:rPr lang="en-US" dirty="0"/>
-              <a:t> to manifest file</a:t>
-            </a:r>
-          </a:p>
-        </p:txBody>
-      </p:sp>
+      <p:pic>
+        <p:nvPicPr>
+          <p:cNvPr id="4" name="Picture 3"/>
+          <p:cNvPicPr>
+            <a:picLocks noChangeAspect="1"/>
+          </p:cNvPicPr>
+          <p:nvPr/>
+        </p:nvPicPr>
+        <p:blipFill>
+          <a:blip r:embed="rId2" cstate="print">
+            <a:extLst>
+              <a:ext uri="{28A0092B-C50C-407E-A947-70E740481C1C}">
+                <a14:useLocalDpi xmlns:a14="http://schemas.microsoft.com/office/drawing/2010/main" val="0"/>
+              </a:ext>
+            </a:extLst>
+          </a:blip>
+          <a:stretch>
+            <a:fillRect/>
+          </a:stretch>
+        </p:blipFill>
+        <p:spPr>
+          <a:xfrm>
+            <a:off x="4595751" y="1202599"/>
+            <a:ext cx="2740292" cy="4871630"/>
+          </a:xfrm>
+          <a:prstGeom prst="rect">
+            <a:avLst/>
+          </a:prstGeom>
+          <a:ln>
+            <a:solidFill>
+              <a:schemeClr val="accent1">
+                <a:lumMod val="75000"/>
+              </a:schemeClr>
+            </a:solidFill>
+          </a:ln>
+        </p:spPr>
+      </p:pic>
     </p:spTree>
     <p:extLst>
       <p:ext uri="{BB962C8B-B14F-4D97-AF65-F5344CB8AC3E}">
-        <p14:creationId xmlns:p14="http://schemas.microsoft.com/office/powerpoint/2010/main" val="954242652"/>
+        <p14:creationId xmlns:p14="http://schemas.microsoft.com/office/powerpoint/2010/main" val="3352620432"/>
       </p:ext>
     </p:extLst>
   </p:cSld>
   <p:clrMapOvr>
     <a:masterClrMapping/>
   </p:clrMapOvr>
+  <p:timing>
+    <p:tnLst>
+      <p:par>
+        <p:cTn id="1" dur="indefinite" restart="never" nodeType="tmRoot"/>
+      </p:par>
+    </p:tnLst>
+  </p:timing>
 </p:sld>
 </file>
 
-<file path=ppt/slides/slide32.xml><?xml version="1.0" encoding="utf-8"?>
+<file path=ppt/slides/slide38.xml><?xml version="1.0" encoding="utf-8"?>
 <p:sld xmlns:a="http://schemas.openxmlformats.org/drawingml/2006/main" xmlns:r="http://schemas.openxmlformats.org/officeDocument/2006/relationships" xmlns:p="http://schemas.openxmlformats.org/presentationml/2006/main">
   <p:cSld>
     <p:spTree>
@@ -6910,10 +9329,17 @@
   <p:clrMapOvr>
     <a:masterClrMapping/>
   </p:clrMapOvr>
+  <p:timing>
+    <p:tnLst>
+      <p:par>
+        <p:cTn id="1" dur="indefinite" restart="never" nodeType="tmRoot"/>
+      </p:par>
+    </p:tnLst>
+  </p:timing>
 </p:sld>
 </file>
 
-<file path=ppt/slides/slide33.xml><?xml version="1.0" encoding="utf-8"?>
+<file path=ppt/slides/slide39.xml><?xml version="1.0" encoding="utf-8"?>
 <p:sld xmlns:a="http://schemas.openxmlformats.org/drawingml/2006/main" xmlns:r="http://schemas.openxmlformats.org/officeDocument/2006/relationships" xmlns:p="http://schemas.openxmlformats.org/presentationml/2006/main">
   <p:cSld>
     <p:spTree>
@@ -7221,7 +9647,219 @@
 </p:sld>
 </file>
 
-<file path=ppt/slides/slide34.xml><?xml version="1.0" encoding="utf-8"?>
+<file path=ppt/slides/slide4.xml><?xml version="1.0" encoding="utf-8"?>
+<p:sld xmlns:a="http://schemas.openxmlformats.org/drawingml/2006/main" xmlns:r="http://schemas.openxmlformats.org/officeDocument/2006/relationships" xmlns:p="http://schemas.openxmlformats.org/presentationml/2006/main">
+  <p:cSld>
+    <p:spTree>
+      <p:nvGrpSpPr>
+        <p:cNvPr id="1" name=""/>
+        <p:cNvGrpSpPr/>
+        <p:nvPr/>
+      </p:nvGrpSpPr>
+      <p:grpSpPr>
+        <a:xfrm>
+          <a:off x="0" y="0"/>
+          <a:ext cx="0" cy="0"/>
+          <a:chOff x="0" y="0"/>
+          <a:chExt cx="0" cy="0"/>
+        </a:xfrm>
+      </p:grpSpPr>
+      <p:sp>
+        <p:nvSpPr>
+          <p:cNvPr id="2" name="Title 1"/>
+          <p:cNvSpPr>
+            <a:spLocks noGrp="1"/>
+          </p:cNvSpPr>
+          <p:nvPr>
+            <p:ph type="title"/>
+          </p:nvPr>
+        </p:nvSpPr>
+        <p:spPr/>
+        <p:txBody>
+          <a:bodyPr/>
+          <a:lstStyle/>
+          <a:p>
+            <a:r>
+              <a:rPr lang="en-US" dirty="0"/>
+              <a:t>Android Studio </a:t>
+            </a:r>
+          </a:p>
+        </p:txBody>
+      </p:sp>
+      <p:sp>
+        <p:nvSpPr>
+          <p:cNvPr id="3" name="Content Placeholder 2"/>
+          <p:cNvSpPr>
+            <a:spLocks noGrp="1"/>
+          </p:cNvSpPr>
+          <p:nvPr>
+            <p:ph idx="1"/>
+          </p:nvPr>
+        </p:nvSpPr>
+        <p:spPr/>
+        <p:txBody>
+          <a:bodyPr>
+            <a:normAutofit fontScale="62500" lnSpcReduction="20000"/>
+          </a:bodyPr>
+          <a:lstStyle/>
+          <a:p>
+            <a:r>
+              <a:rPr lang="en-US" dirty="0"/>
+              <a:t>De facto standard for Android development </a:t>
+            </a:r>
+          </a:p>
+          <a:p>
+            <a:r>
+              <a:rPr lang="en-US" dirty="0"/>
+              <a:t>Built on the IntelliJ</a:t>
+            </a:r>
+          </a:p>
+          <a:p>
+            <a:r>
+              <a:rPr lang="en-US" dirty="0"/>
+              <a:t>Some features</a:t>
+            </a:r>
+          </a:p>
+          <a:p>
+            <a:pPr lvl="1"/>
+            <a:r>
+              <a:rPr lang="en-US" dirty="0"/>
+              <a:t>Layout Editor</a:t>
+            </a:r>
+          </a:p>
+          <a:p>
+            <a:pPr lvl="1"/>
+            <a:r>
+              <a:rPr lang="en-US" dirty="0"/>
+              <a:t>Built in emulator </a:t>
+            </a:r>
+          </a:p>
+          <a:p>
+            <a:pPr lvl="1"/>
+            <a:r>
+              <a:rPr lang="en-US" dirty="0" err="1"/>
+              <a:t>Gradle</a:t>
+            </a:r>
+            <a:r>
+              <a:rPr lang="en-US" dirty="0"/>
+              <a:t> integration</a:t>
+            </a:r>
+          </a:p>
+          <a:p>
+            <a:pPr lvl="1"/>
+            <a:r>
+              <a:rPr lang="en-US" dirty="0"/>
+              <a:t>Instant Run (Hot swap)</a:t>
+            </a:r>
+          </a:p>
+          <a:p>
+            <a:pPr lvl="1"/>
+            <a:endParaRPr lang="en-US" dirty="0"/>
+          </a:p>
+          <a:p>
+            <a:pPr lvl="1"/>
+            <a:endParaRPr lang="en-US" dirty="0"/>
+          </a:p>
+          <a:p>
+            <a:pPr lvl="1"/>
+            <a:endParaRPr lang="en-US" dirty="0"/>
+          </a:p>
+          <a:p>
+            <a:pPr marL="457200" lvl="1" indent="0" algn="ctr">
+              <a:buNone/>
+            </a:pPr>
+            <a:r>
+              <a:rPr lang="en-US" dirty="0">
+                <a:hlinkClick r:id="rId2"/>
+              </a:rPr>
+              <a:t>https://developer.android.com/studio/index.html</a:t>
+            </a:r>
+            <a:endParaRPr lang="en-US" dirty="0"/>
+          </a:p>
+          <a:p>
+            <a:pPr lvl="1"/>
+            <a:endParaRPr lang="en-US" dirty="0"/>
+          </a:p>
+          <a:p>
+            <a:endParaRPr lang="en-US" dirty="0"/>
+          </a:p>
+        </p:txBody>
+      </p:sp>
+      <p:pic>
+        <p:nvPicPr>
+          <p:cNvPr id="2050" name="Picture 2"/>
+          <p:cNvPicPr>
+            <a:picLocks noChangeAspect="1" noChangeArrowheads="1"/>
+          </p:cNvPicPr>
+          <p:nvPr/>
+        </p:nvPicPr>
+        <p:blipFill>
+          <a:blip r:embed="rId3" cstate="print">
+            <a:extLst>
+              <a:ext uri="{28A0092B-C50C-407E-A947-70E740481C1C}">
+                <a14:useLocalDpi xmlns:a14="http://schemas.microsoft.com/office/drawing/2010/main" val="0"/>
+              </a:ext>
+            </a:extLst>
+          </a:blip>
+          <a:srcRect/>
+          <a:stretch>
+            <a:fillRect/>
+          </a:stretch>
+        </p:blipFill>
+        <p:spPr bwMode="auto">
+          <a:xfrm>
+            <a:off x="4362450" y="2017038"/>
+            <a:ext cx="4171950" cy="3207186"/>
+          </a:xfrm>
+          <a:prstGeom prst="rect">
+            <a:avLst/>
+          </a:prstGeom>
+          <a:noFill/>
+          <a:ln>
+            <a:noFill/>
+          </a:ln>
+          <a:extLst>
+            <a:ext uri="{909E8E84-426E-40DD-AFC4-6F175D3DCCD1}">
+              <a14:hiddenFill xmlns:a14="http://schemas.microsoft.com/office/drawing/2010/main">
+                <a:solidFill>
+                  <a:schemeClr val="accent1"/>
+                </a:solidFill>
+              </a14:hiddenFill>
+            </a:ext>
+            <a:ext uri="{91240B29-F687-4F45-9708-019B960494DF}">
+              <a14:hiddenLine xmlns:a14="http://schemas.microsoft.com/office/drawing/2010/main" w="9525">
+                <a:solidFill>
+                  <a:schemeClr val="tx1"/>
+                </a:solidFill>
+                <a:miter lim="800000"/>
+                <a:headEnd/>
+                <a:tailEnd/>
+              </a14:hiddenLine>
+            </a:ext>
+          </a:extLst>
+        </p:spPr>
+      </p:pic>
+    </p:spTree>
+    <p:extLst>
+      <p:ext uri="{BB962C8B-B14F-4D97-AF65-F5344CB8AC3E}">
+        <p14:creationId xmlns:p14="http://schemas.microsoft.com/office/powerpoint/2010/main" val="948240705"/>
+      </p:ext>
+    </p:extLst>
+  </p:cSld>
+  <p:clrMapOvr>
+    <a:masterClrMapping/>
+  </p:clrMapOvr>
+  <p:timing>
+    <p:tnLst>
+      <p:par>
+        <p:cTn id="1" dur="indefinite" restart="never" nodeType="tmRoot"/>
+      </p:par>
+    </p:tnLst>
+  </p:timing>
+</p:sld>
+</file>
+
+<file path=ppt/slides/slide40.xml><?xml version="1.0" encoding="utf-8"?>
 <p:sld xmlns:a="http://schemas.openxmlformats.org/drawingml/2006/main" xmlns:r="http://schemas.openxmlformats.org/officeDocument/2006/relationships" xmlns:p="http://schemas.openxmlformats.org/presentationml/2006/main">
   <p:cSld>
     <p:spTree>
@@ -7411,10 +10049,17 @@
   <p:clrMapOvr>
     <a:masterClrMapping/>
   </p:clrMapOvr>
+  <p:timing>
+    <p:tnLst>
+      <p:par>
+        <p:cTn id="1" dur="indefinite" restart="never" nodeType="tmRoot"/>
+      </p:par>
+    </p:tnLst>
+  </p:timing>
 </p:sld>
 </file>
 
-<file path=ppt/slides/slide35.xml><?xml version="1.0" encoding="utf-8"?>
+<file path=ppt/slides/slide41.xml><?xml version="1.0" encoding="utf-8"?>
 <p:sld xmlns:a="http://schemas.openxmlformats.org/drawingml/2006/main" xmlns:r="http://schemas.openxmlformats.org/officeDocument/2006/relationships" xmlns:p="http://schemas.openxmlformats.org/presentationml/2006/main">
   <p:cSld>
     <p:spTree>
@@ -7658,23 +10303,53 @@
           <a:lstStyle/>
           <a:p>
             <a:r>
-              <a:rPr lang="en-US" b="1" dirty="0" err="1"/>
+              <a:rPr lang="en-US" b="1" dirty="0" err="1">
+                <a:solidFill>
+                  <a:schemeClr val="bg1">
+                    <a:lumMod val="65000"/>
+                  </a:schemeClr>
+                </a:solidFill>
+              </a:rPr>
               <a:t>onCreate</a:t>
             </a:r>
             <a:r>
-              <a:rPr lang="en-US" b="1" dirty="0"/>
+              <a:rPr lang="en-US" b="1" dirty="0">
+                <a:solidFill>
+                  <a:schemeClr val="bg1">
+                    <a:lumMod val="65000"/>
+                  </a:schemeClr>
+                </a:solidFill>
+              </a:rPr>
               <a:t>() </a:t>
             </a:r>
             <a:r>
-              <a:rPr lang="en-US" dirty="0"/>
+              <a:rPr lang="en-US" dirty="0">
+                <a:solidFill>
+                  <a:schemeClr val="bg1">
+                    <a:lumMod val="65000"/>
+                  </a:schemeClr>
+                </a:solidFill>
+              </a:rPr>
               <a:t>started, but </a:t>
             </a:r>
             <a:r>
-              <a:rPr lang="en-US" u="sng" dirty="0"/>
+              <a:rPr lang="en-US" u="sng" dirty="0">
+                <a:solidFill>
+                  <a:schemeClr val="bg1">
+                    <a:lumMod val="65000"/>
+                  </a:schemeClr>
+                </a:solidFill>
+              </a:rPr>
               <a:t>view</a:t>
             </a:r>
             <a:r>
-              <a:rPr lang="en-US" dirty="0"/>
+              <a:rPr lang="en-US" dirty="0">
+                <a:solidFill>
+                  <a:schemeClr val="bg1">
+                    <a:lumMod val="65000"/>
+                  </a:schemeClr>
+                </a:solidFill>
+              </a:rPr>
               <a:t> object has not been created </a:t>
             </a:r>
           </a:p>
@@ -7703,19 +10378,43 @@
           <a:lstStyle/>
           <a:p>
             <a:r>
-              <a:rPr lang="en-US" b="1" dirty="0" err="1"/>
+              <a:rPr lang="en-US" b="1" dirty="0" err="1">
+                <a:solidFill>
+                  <a:schemeClr val="bg1">
+                    <a:lumMod val="65000"/>
+                  </a:schemeClr>
+                </a:solidFill>
+              </a:rPr>
               <a:t>onCreateView</a:t>
             </a:r>
             <a:r>
-              <a:rPr lang="en-US" b="1" dirty="0"/>
+              <a:rPr lang="en-US" b="1" dirty="0">
+                <a:solidFill>
+                  <a:schemeClr val="bg1">
+                    <a:lumMod val="65000"/>
+                  </a:schemeClr>
+                </a:solidFill>
+              </a:rPr>
               <a:t>() </a:t>
             </a:r>
             <a:r>
-              <a:rPr lang="en-US" dirty="0"/>
+              <a:rPr lang="en-US" dirty="0">
+                <a:solidFill>
+                  <a:schemeClr val="bg1">
+                    <a:lumMod val="65000"/>
+                  </a:schemeClr>
+                </a:solidFill>
+              </a:rPr>
               <a:t>started, view object  being created, but not visible</a:t>
             </a:r>
             <a:r>
-              <a:rPr lang="en-US" b="1" dirty="0"/>
+              <a:rPr lang="en-US" b="1" dirty="0">
+                <a:solidFill>
+                  <a:schemeClr val="bg1">
+                    <a:lumMod val="65000"/>
+                  </a:schemeClr>
+                </a:solidFill>
+              </a:rPr>
               <a:t> </a:t>
             </a:r>
           </a:p>
@@ -7744,18 +10443,42 @@
           <a:lstStyle/>
           <a:p>
             <a:r>
-              <a:rPr lang="en-US" b="1" dirty="0" err="1"/>
+              <a:rPr lang="en-US" b="1" dirty="0" err="1">
+                <a:solidFill>
+                  <a:schemeClr val="bg1">
+                    <a:lumMod val="65000"/>
+                  </a:schemeClr>
+                </a:solidFill>
+              </a:rPr>
               <a:t>onActivityCreated</a:t>
             </a:r>
             <a:r>
-              <a:rPr lang="en-US" b="1" dirty="0"/>
+              <a:rPr lang="en-US" b="1" dirty="0">
+                <a:solidFill>
+                  <a:schemeClr val="bg1">
+                    <a:lumMod val="65000"/>
+                  </a:schemeClr>
+                </a:solidFill>
+              </a:rPr>
               <a:t>() </a:t>
             </a:r>
             <a:r>
-              <a:rPr lang="en-US" dirty="0"/>
+              <a:rPr lang="en-US" dirty="0">
+                <a:solidFill>
+                  <a:schemeClr val="bg1">
+                    <a:lumMod val="65000"/>
+                  </a:schemeClr>
+                </a:solidFill>
+              </a:rPr>
               <a:t>started, view object instantiated by parent Activity, but not visible </a:t>
             </a:r>
-            <a:endParaRPr lang="en-US" b="1" dirty="0"/>
+            <a:endParaRPr lang="en-US" b="1" dirty="0">
+              <a:solidFill>
+                <a:schemeClr val="bg1">
+                  <a:lumMod val="65000"/>
+                </a:schemeClr>
+              </a:solidFill>
+            </a:endParaRPr>
           </a:p>
         </p:txBody>
       </p:sp>
@@ -7769,10 +10492,1739 @@
   <p:clrMapOvr>
     <a:masterClrMapping/>
   </p:clrMapOvr>
+  <p:timing>
+    <p:tnLst>
+      <p:par>
+        <p:cTn id="1" dur="indefinite" restart="never" nodeType="tmRoot"/>
+      </p:par>
+    </p:tnLst>
+  </p:timing>
 </p:sld>
 </file>
 
-<file path=ppt/slides/slide36.xml><?xml version="1.0" encoding="utf-8"?>
+<file path=ppt/slides/slide42.xml><?xml version="1.0" encoding="utf-8"?>
+<p:sld xmlns:a="http://schemas.openxmlformats.org/drawingml/2006/main" xmlns:r="http://schemas.openxmlformats.org/officeDocument/2006/relationships" xmlns:p="http://schemas.openxmlformats.org/presentationml/2006/main">
+  <p:cSld>
+    <p:spTree>
+      <p:nvGrpSpPr>
+        <p:cNvPr id="1" name=""/>
+        <p:cNvGrpSpPr/>
+        <p:nvPr/>
+      </p:nvGrpSpPr>
+      <p:grpSpPr>
+        <a:xfrm>
+          <a:off x="0" y="0"/>
+          <a:ext cx="0" cy="0"/>
+          <a:chOff x="0" y="0"/>
+          <a:chExt cx="0" cy="0"/>
+        </a:xfrm>
+      </p:grpSpPr>
+      <p:sp>
+        <p:nvSpPr>
+          <p:cNvPr id="2" name="Title 1"/>
+          <p:cNvSpPr>
+            <a:spLocks noGrp="1"/>
+          </p:cNvSpPr>
+          <p:nvPr>
+            <p:ph type="title"/>
+          </p:nvPr>
+        </p:nvSpPr>
+        <p:spPr/>
+        <p:txBody>
+          <a:bodyPr/>
+          <a:lstStyle/>
+          <a:p>
+            <a:r>
+              <a:rPr lang="en-US" dirty="0" smtClean="0"/>
+              <a:t>Inside </a:t>
+            </a:r>
+            <a:r>
+              <a:rPr lang="en-US" dirty="0" err="1" smtClean="0"/>
+              <a:t>onAttach</a:t>
+            </a:r>
+            <a:r>
+              <a:rPr lang="en-US" dirty="0" smtClean="0"/>
+              <a:t>()</a:t>
+            </a:r>
+            <a:endParaRPr lang="en-US" dirty="0"/>
+          </a:p>
+        </p:txBody>
+      </p:sp>
+      <p:sp>
+        <p:nvSpPr>
+          <p:cNvPr id="3" name="Content Placeholder 2"/>
+          <p:cNvSpPr>
+            <a:spLocks noGrp="1"/>
+          </p:cNvSpPr>
+          <p:nvPr>
+            <p:ph idx="1"/>
+          </p:nvPr>
+        </p:nvSpPr>
+        <p:spPr/>
+        <p:txBody>
+          <a:bodyPr/>
+          <a:lstStyle/>
+          <a:p>
+            <a:pPr lvl="1"/>
+            <a:r>
+              <a:rPr lang="en-US" dirty="0" smtClean="0"/>
+              <a:t>Save parent activity context for:</a:t>
+            </a:r>
+          </a:p>
+          <a:p>
+            <a:pPr lvl="2"/>
+            <a:r>
+              <a:rPr lang="en-US" dirty="0" smtClean="0"/>
+              <a:t>Callbacks to parent activity</a:t>
+            </a:r>
+          </a:p>
+          <a:p>
+            <a:pPr lvl="2"/>
+            <a:r>
+              <a:rPr lang="en-US" dirty="0" smtClean="0"/>
+              <a:t>Content provider (database)</a:t>
+            </a:r>
+          </a:p>
+          <a:p>
+            <a:pPr lvl="2"/>
+            <a:r>
+              <a:rPr lang="en-US" dirty="0" smtClean="0"/>
+              <a:t>others</a:t>
+            </a:r>
+          </a:p>
+        </p:txBody>
+      </p:sp>
+    </p:spTree>
+    <p:extLst>
+      <p:ext uri="{BB962C8B-B14F-4D97-AF65-F5344CB8AC3E}">
+        <p14:creationId xmlns:p14="http://schemas.microsoft.com/office/powerpoint/2010/main" val="1592293504"/>
+      </p:ext>
+    </p:extLst>
+  </p:cSld>
+  <p:clrMapOvr>
+    <a:masterClrMapping/>
+  </p:clrMapOvr>
+  <p:timing>
+    <p:tnLst>
+      <p:par>
+        <p:cTn id="1" dur="indefinite" restart="never" nodeType="tmRoot"/>
+      </p:par>
+    </p:tnLst>
+  </p:timing>
+</p:sld>
+</file>
+
+<file path=ppt/slides/slide43.xml><?xml version="1.0" encoding="utf-8"?>
+<p:sld xmlns:a="http://schemas.openxmlformats.org/drawingml/2006/main" xmlns:r="http://schemas.openxmlformats.org/officeDocument/2006/relationships" xmlns:p="http://schemas.openxmlformats.org/presentationml/2006/main">
+  <p:cSld>
+    <p:spTree>
+      <p:nvGrpSpPr>
+        <p:cNvPr id="1" name=""/>
+        <p:cNvGrpSpPr/>
+        <p:nvPr/>
+      </p:nvGrpSpPr>
+      <p:grpSpPr>
+        <a:xfrm>
+          <a:off x="0" y="0"/>
+          <a:ext cx="0" cy="0"/>
+          <a:chOff x="0" y="0"/>
+          <a:chExt cx="0" cy="0"/>
+        </a:xfrm>
+      </p:grpSpPr>
+      <p:sp>
+        <p:nvSpPr>
+          <p:cNvPr id="2" name="Title 1"/>
+          <p:cNvSpPr>
+            <a:spLocks noGrp="1"/>
+          </p:cNvSpPr>
+          <p:nvPr>
+            <p:ph type="title"/>
+          </p:nvPr>
+        </p:nvSpPr>
+        <p:spPr/>
+        <p:txBody>
+          <a:bodyPr/>
+          <a:lstStyle/>
+          <a:p>
+            <a:r>
+              <a:rPr lang="en-US" dirty="0"/>
+              <a:t>Fragment Lifecycle</a:t>
+            </a:r>
+            <a:endParaRPr lang="en-US" sz="2800" dirty="0"/>
+          </a:p>
+        </p:txBody>
+      </p:sp>
+      <p:pic>
+        <p:nvPicPr>
+          <p:cNvPr id="2054" name="Picture 6" descr="https://developer.android.com/images/fragment_lifecycle.png"/>
+          <p:cNvPicPr>
+            <a:picLocks noChangeAspect="1" noChangeArrowheads="1"/>
+          </p:cNvPicPr>
+          <p:nvPr/>
+        </p:nvPicPr>
+        <p:blipFill>
+          <a:blip r:embed="rId2">
+            <a:extLst>
+              <a:ext uri="{28A0092B-C50C-407E-A947-70E740481C1C}">
+                <a14:useLocalDpi xmlns:a14="http://schemas.microsoft.com/office/drawing/2010/main" val="0"/>
+              </a:ext>
+            </a:extLst>
+          </a:blip>
+          <a:srcRect/>
+          <a:stretch>
+            <a:fillRect/>
+          </a:stretch>
+        </p:blipFill>
+        <p:spPr bwMode="auto">
+          <a:xfrm>
+            <a:off x="619910" y="1650670"/>
+            <a:ext cx="1655354" cy="4422981"/>
+          </a:xfrm>
+          <a:prstGeom prst="rect">
+            <a:avLst/>
+          </a:prstGeom>
+          <a:noFill/>
+          <a:extLst>
+            <a:ext uri="{909E8E84-426E-40DD-AFC4-6F175D3DCCD1}">
+              <a14:hiddenFill xmlns:a14="http://schemas.microsoft.com/office/drawing/2010/main">
+                <a:solidFill>
+                  <a:srgbClr val="FFFFFF"/>
+                </a:solidFill>
+              </a14:hiddenFill>
+            </a:ext>
+          </a:extLst>
+        </p:spPr>
+      </p:pic>
+      <p:sp>
+        <p:nvSpPr>
+          <p:cNvPr id="3" name="Rectangle 2"/>
+          <p:cNvSpPr/>
+          <p:nvPr/>
+        </p:nvSpPr>
+        <p:spPr>
+          <a:xfrm>
+            <a:off x="748145" y="1983179"/>
+            <a:ext cx="914400" cy="1068779"/>
+          </a:xfrm>
+          <a:prstGeom prst="rect">
+            <a:avLst/>
+          </a:prstGeom>
+          <a:noFill/>
+          <a:ln w="19050">
+            <a:solidFill>
+              <a:schemeClr val="accent6">
+                <a:lumMod val="75000"/>
+              </a:schemeClr>
+            </a:solidFill>
+          </a:ln>
+        </p:spPr>
+        <p:style>
+          <a:lnRef idx="2">
+            <a:schemeClr val="accent1">
+              <a:shade val="50000"/>
+            </a:schemeClr>
+          </a:lnRef>
+          <a:fillRef idx="1">
+            <a:schemeClr val="accent1"/>
+          </a:fillRef>
+          <a:effectRef idx="0">
+            <a:schemeClr val="accent1"/>
+          </a:effectRef>
+          <a:fontRef idx="minor">
+            <a:schemeClr val="lt1"/>
+          </a:fontRef>
+        </p:style>
+        <p:txBody>
+          <a:bodyPr rtlCol="0" anchor="ctr"/>
+          <a:lstStyle/>
+          <a:p>
+            <a:pPr algn="ctr"/>
+            <a:endParaRPr lang="en-US"/>
+          </a:p>
+        </p:txBody>
+      </p:sp>
+      <p:pic>
+        <p:nvPicPr>
+          <p:cNvPr id="1026" name="Picture 2"/>
+          <p:cNvPicPr>
+            <a:picLocks noChangeAspect="1" noChangeArrowheads="1"/>
+          </p:cNvPicPr>
+          <p:nvPr/>
+        </p:nvPicPr>
+        <p:blipFill>
+          <a:blip r:embed="rId3">
+            <a:extLst>
+              <a:ext uri="{28A0092B-C50C-407E-A947-70E740481C1C}">
+                <a14:useLocalDpi xmlns:a14="http://schemas.microsoft.com/office/drawing/2010/main" val="0"/>
+              </a:ext>
+            </a:extLst>
+          </a:blip>
+          <a:srcRect/>
+          <a:stretch>
+            <a:fillRect/>
+          </a:stretch>
+        </p:blipFill>
+        <p:spPr bwMode="auto">
+          <a:xfrm>
+            <a:off x="2452749" y="2076450"/>
+            <a:ext cx="1752600" cy="2705100"/>
+          </a:xfrm>
+          <a:prstGeom prst="rect">
+            <a:avLst/>
+          </a:prstGeom>
+          <a:noFill/>
+          <a:ln>
+            <a:noFill/>
+          </a:ln>
+          <a:extLst>
+            <a:ext uri="{909E8E84-426E-40DD-AFC4-6F175D3DCCD1}">
+              <a14:hiddenFill xmlns:a14="http://schemas.microsoft.com/office/drawing/2010/main">
+                <a:solidFill>
+                  <a:schemeClr val="accent1"/>
+                </a:solidFill>
+              </a14:hiddenFill>
+            </a:ext>
+            <a:ext uri="{91240B29-F687-4F45-9708-019B960494DF}">
+              <a14:hiddenLine xmlns:a14="http://schemas.microsoft.com/office/drawing/2010/main" w="9525">
+                <a:solidFill>
+                  <a:schemeClr val="tx1"/>
+                </a:solidFill>
+                <a:miter lim="800000"/>
+                <a:headEnd/>
+                <a:tailEnd/>
+              </a14:hiddenLine>
+            </a:ext>
+          </a:extLst>
+        </p:spPr>
+      </p:pic>
+      <p:sp>
+        <p:nvSpPr>
+          <p:cNvPr id="4" name="TextBox 3"/>
+          <p:cNvSpPr txBox="1"/>
+          <p:nvPr/>
+        </p:nvSpPr>
+        <p:spPr>
+          <a:xfrm>
+            <a:off x="4417621" y="2195737"/>
+            <a:ext cx="6519553" cy="369332"/>
+          </a:xfrm>
+          <a:prstGeom prst="rect">
+            <a:avLst/>
+          </a:prstGeom>
+          <a:noFill/>
+        </p:spPr>
+        <p:txBody>
+          <a:bodyPr wrap="square" rtlCol="0">
+            <a:spAutoFit/>
+          </a:bodyPr>
+          <a:lstStyle/>
+          <a:p>
+            <a:r>
+              <a:rPr lang="en-US" b="1" dirty="0" err="1">
+                <a:solidFill>
+                  <a:schemeClr val="bg1">
+                    <a:lumMod val="75000"/>
+                  </a:schemeClr>
+                </a:solidFill>
+              </a:rPr>
+              <a:t>onAttach</a:t>
+            </a:r>
+            <a:r>
+              <a:rPr lang="en-US" b="1" dirty="0">
+                <a:solidFill>
+                  <a:schemeClr val="bg1">
+                    <a:lumMod val="75000"/>
+                  </a:schemeClr>
+                </a:solidFill>
+              </a:rPr>
+              <a:t>() </a:t>
+            </a:r>
+            <a:r>
+              <a:rPr lang="en-US" dirty="0">
+                <a:solidFill>
+                  <a:schemeClr val="bg1">
+                    <a:lumMod val="75000"/>
+                  </a:schemeClr>
+                </a:solidFill>
+              </a:rPr>
+              <a:t>connected to an activity, but not started</a:t>
+            </a:r>
+            <a:endParaRPr lang="en-US" b="1" dirty="0">
+              <a:solidFill>
+                <a:schemeClr val="bg1">
+                  <a:lumMod val="75000"/>
+                </a:schemeClr>
+              </a:solidFill>
+            </a:endParaRPr>
+          </a:p>
+        </p:txBody>
+      </p:sp>
+      <p:sp>
+        <p:nvSpPr>
+          <p:cNvPr id="5" name="TextBox 4"/>
+          <p:cNvSpPr txBox="1"/>
+          <p:nvPr/>
+        </p:nvSpPr>
+        <p:spPr>
+          <a:xfrm>
+            <a:off x="4417621" y="2875312"/>
+            <a:ext cx="5997039" cy="377042"/>
+          </a:xfrm>
+          <a:prstGeom prst="rect">
+            <a:avLst/>
+          </a:prstGeom>
+          <a:noFill/>
+        </p:spPr>
+        <p:txBody>
+          <a:bodyPr wrap="square" rtlCol="0">
+            <a:spAutoFit/>
+          </a:bodyPr>
+          <a:lstStyle/>
+          <a:p>
+            <a:r>
+              <a:rPr lang="en-US" b="1" dirty="0" err="1"/>
+              <a:t>onCreate</a:t>
+            </a:r>
+            <a:r>
+              <a:rPr lang="en-US" b="1" dirty="0"/>
+              <a:t>() </a:t>
+            </a:r>
+            <a:r>
+              <a:rPr lang="en-US" dirty="0"/>
+              <a:t>started, but </a:t>
+            </a:r>
+            <a:r>
+              <a:rPr lang="en-US" u="sng" dirty="0"/>
+              <a:t>view</a:t>
+            </a:r>
+            <a:r>
+              <a:rPr lang="en-US" dirty="0"/>
+              <a:t> object has not been created </a:t>
+            </a:r>
+          </a:p>
+        </p:txBody>
+      </p:sp>
+      <p:sp>
+        <p:nvSpPr>
+          <p:cNvPr id="6" name="TextBox 5"/>
+          <p:cNvSpPr txBox="1"/>
+          <p:nvPr/>
+        </p:nvSpPr>
+        <p:spPr>
+          <a:xfrm>
+            <a:off x="4417621" y="3556062"/>
+            <a:ext cx="7576457" cy="369332"/>
+          </a:xfrm>
+          <a:prstGeom prst="rect">
+            <a:avLst/>
+          </a:prstGeom>
+          <a:noFill/>
+        </p:spPr>
+        <p:txBody>
+          <a:bodyPr wrap="square" rtlCol="0">
+            <a:spAutoFit/>
+          </a:bodyPr>
+          <a:lstStyle/>
+          <a:p>
+            <a:r>
+              <a:rPr lang="en-US" b="1" dirty="0" err="1">
+                <a:solidFill>
+                  <a:schemeClr val="bg1">
+                    <a:lumMod val="65000"/>
+                  </a:schemeClr>
+                </a:solidFill>
+              </a:rPr>
+              <a:t>onCreateView</a:t>
+            </a:r>
+            <a:r>
+              <a:rPr lang="en-US" b="1" dirty="0">
+                <a:solidFill>
+                  <a:schemeClr val="bg1">
+                    <a:lumMod val="65000"/>
+                  </a:schemeClr>
+                </a:solidFill>
+              </a:rPr>
+              <a:t>() </a:t>
+            </a:r>
+            <a:r>
+              <a:rPr lang="en-US" dirty="0">
+                <a:solidFill>
+                  <a:schemeClr val="bg1">
+                    <a:lumMod val="65000"/>
+                  </a:schemeClr>
+                </a:solidFill>
+              </a:rPr>
+              <a:t>started, view object  being created, but not visible</a:t>
+            </a:r>
+            <a:r>
+              <a:rPr lang="en-US" b="1" dirty="0">
+                <a:solidFill>
+                  <a:schemeClr val="bg1">
+                    <a:lumMod val="65000"/>
+                  </a:schemeClr>
+                </a:solidFill>
+              </a:rPr>
+              <a:t> </a:t>
+            </a:r>
+          </a:p>
+        </p:txBody>
+      </p:sp>
+      <p:sp>
+        <p:nvSpPr>
+          <p:cNvPr id="7" name="TextBox 6"/>
+          <p:cNvSpPr txBox="1"/>
+          <p:nvPr/>
+        </p:nvSpPr>
+        <p:spPr>
+          <a:xfrm>
+            <a:off x="4417621" y="4135219"/>
+            <a:ext cx="6982695" cy="646331"/>
+          </a:xfrm>
+          <a:prstGeom prst="rect">
+            <a:avLst/>
+          </a:prstGeom>
+          <a:noFill/>
+        </p:spPr>
+        <p:txBody>
+          <a:bodyPr wrap="square" rtlCol="0">
+            <a:spAutoFit/>
+          </a:bodyPr>
+          <a:lstStyle/>
+          <a:p>
+            <a:r>
+              <a:rPr lang="en-US" b="1" dirty="0" err="1">
+                <a:solidFill>
+                  <a:schemeClr val="bg1">
+                    <a:lumMod val="65000"/>
+                  </a:schemeClr>
+                </a:solidFill>
+              </a:rPr>
+              <a:t>onActivityCreated</a:t>
+            </a:r>
+            <a:r>
+              <a:rPr lang="en-US" b="1" dirty="0">
+                <a:solidFill>
+                  <a:schemeClr val="bg1">
+                    <a:lumMod val="65000"/>
+                  </a:schemeClr>
+                </a:solidFill>
+              </a:rPr>
+              <a:t>() </a:t>
+            </a:r>
+            <a:r>
+              <a:rPr lang="en-US" dirty="0">
+                <a:solidFill>
+                  <a:schemeClr val="bg1">
+                    <a:lumMod val="65000"/>
+                  </a:schemeClr>
+                </a:solidFill>
+              </a:rPr>
+              <a:t>started, view object instantiated by parent Activity, but not visible </a:t>
+            </a:r>
+            <a:endParaRPr lang="en-US" b="1" dirty="0">
+              <a:solidFill>
+                <a:schemeClr val="bg1">
+                  <a:lumMod val="65000"/>
+                </a:schemeClr>
+              </a:solidFill>
+            </a:endParaRPr>
+          </a:p>
+        </p:txBody>
+      </p:sp>
+    </p:spTree>
+    <p:extLst>
+      <p:ext uri="{BB962C8B-B14F-4D97-AF65-F5344CB8AC3E}">
+        <p14:creationId xmlns:p14="http://schemas.microsoft.com/office/powerpoint/2010/main" val="1750310835"/>
+      </p:ext>
+    </p:extLst>
+  </p:cSld>
+  <p:clrMapOvr>
+    <a:masterClrMapping/>
+  </p:clrMapOvr>
+  <p:timing>
+    <p:tnLst>
+      <p:par>
+        <p:cTn id="1" dur="indefinite" restart="never" nodeType="tmRoot"/>
+      </p:par>
+    </p:tnLst>
+  </p:timing>
+</p:sld>
+</file>
+
+<file path=ppt/slides/slide44.xml><?xml version="1.0" encoding="utf-8"?>
+<p:sld xmlns:a="http://schemas.openxmlformats.org/drawingml/2006/main" xmlns:r="http://schemas.openxmlformats.org/officeDocument/2006/relationships" xmlns:p="http://schemas.openxmlformats.org/presentationml/2006/main">
+  <p:cSld>
+    <p:spTree>
+      <p:nvGrpSpPr>
+        <p:cNvPr id="1" name=""/>
+        <p:cNvGrpSpPr/>
+        <p:nvPr/>
+      </p:nvGrpSpPr>
+      <p:grpSpPr>
+        <a:xfrm>
+          <a:off x="0" y="0"/>
+          <a:ext cx="0" cy="0"/>
+          <a:chOff x="0" y="0"/>
+          <a:chExt cx="0" cy="0"/>
+        </a:xfrm>
+      </p:grpSpPr>
+      <p:sp>
+        <p:nvSpPr>
+          <p:cNvPr id="2" name="Title 1"/>
+          <p:cNvSpPr>
+            <a:spLocks noGrp="1"/>
+          </p:cNvSpPr>
+          <p:nvPr>
+            <p:ph type="title"/>
+          </p:nvPr>
+        </p:nvSpPr>
+        <p:spPr/>
+        <p:txBody>
+          <a:bodyPr/>
+          <a:lstStyle/>
+          <a:p>
+            <a:r>
+              <a:rPr lang="en-US" dirty="0" smtClean="0"/>
+              <a:t>Inside </a:t>
+            </a:r>
+            <a:r>
+              <a:rPr lang="en-US" dirty="0" err="1" smtClean="0"/>
+              <a:t>onCreate</a:t>
+            </a:r>
+            <a:r>
+              <a:rPr lang="en-US" dirty="0" smtClean="0"/>
+              <a:t>()</a:t>
+            </a:r>
+            <a:endParaRPr lang="en-US" dirty="0"/>
+          </a:p>
+        </p:txBody>
+      </p:sp>
+      <p:sp>
+        <p:nvSpPr>
+          <p:cNvPr id="3" name="Content Placeholder 2"/>
+          <p:cNvSpPr>
+            <a:spLocks noGrp="1"/>
+          </p:cNvSpPr>
+          <p:nvPr>
+            <p:ph idx="1"/>
+          </p:nvPr>
+        </p:nvSpPr>
+        <p:spPr/>
+        <p:txBody>
+          <a:bodyPr/>
+          <a:lstStyle/>
+          <a:p>
+            <a:pPr marL="380991" lvl="1" indent="0">
+              <a:buNone/>
+            </a:pPr>
+            <a:r>
+              <a:rPr lang="en-US" dirty="0" smtClean="0"/>
+              <a:t>Initialize non-view attributes</a:t>
+            </a:r>
+            <a:endParaRPr lang="en-US" dirty="0"/>
+          </a:p>
+        </p:txBody>
+      </p:sp>
+    </p:spTree>
+    <p:extLst>
+      <p:ext uri="{BB962C8B-B14F-4D97-AF65-F5344CB8AC3E}">
+        <p14:creationId xmlns:p14="http://schemas.microsoft.com/office/powerpoint/2010/main" val="149205791"/>
+      </p:ext>
+    </p:extLst>
+  </p:cSld>
+  <p:clrMapOvr>
+    <a:masterClrMapping/>
+  </p:clrMapOvr>
+  <p:timing>
+    <p:tnLst>
+      <p:par>
+        <p:cTn id="1" dur="indefinite" restart="never" nodeType="tmRoot"/>
+      </p:par>
+    </p:tnLst>
+  </p:timing>
+</p:sld>
+</file>
+
+<file path=ppt/slides/slide45.xml><?xml version="1.0" encoding="utf-8"?>
+<p:sld xmlns:a="http://schemas.openxmlformats.org/drawingml/2006/main" xmlns:r="http://schemas.openxmlformats.org/officeDocument/2006/relationships" xmlns:p="http://schemas.openxmlformats.org/presentationml/2006/main">
+  <p:cSld>
+    <p:spTree>
+      <p:nvGrpSpPr>
+        <p:cNvPr id="1" name=""/>
+        <p:cNvGrpSpPr/>
+        <p:nvPr/>
+      </p:nvGrpSpPr>
+      <p:grpSpPr>
+        <a:xfrm>
+          <a:off x="0" y="0"/>
+          <a:ext cx="0" cy="0"/>
+          <a:chOff x="0" y="0"/>
+          <a:chExt cx="0" cy="0"/>
+        </a:xfrm>
+      </p:grpSpPr>
+      <p:sp>
+        <p:nvSpPr>
+          <p:cNvPr id="2" name="Title 1"/>
+          <p:cNvSpPr>
+            <a:spLocks noGrp="1"/>
+          </p:cNvSpPr>
+          <p:nvPr>
+            <p:ph type="title"/>
+          </p:nvPr>
+        </p:nvSpPr>
+        <p:spPr/>
+        <p:txBody>
+          <a:bodyPr/>
+          <a:lstStyle/>
+          <a:p>
+            <a:r>
+              <a:rPr lang="en-US" dirty="0"/>
+              <a:t>Fragment Lifecycle</a:t>
+            </a:r>
+            <a:endParaRPr lang="en-US" sz="2800" dirty="0"/>
+          </a:p>
+        </p:txBody>
+      </p:sp>
+      <p:pic>
+        <p:nvPicPr>
+          <p:cNvPr id="2054" name="Picture 6" descr="https://developer.android.com/images/fragment_lifecycle.png"/>
+          <p:cNvPicPr>
+            <a:picLocks noChangeAspect="1" noChangeArrowheads="1"/>
+          </p:cNvPicPr>
+          <p:nvPr/>
+        </p:nvPicPr>
+        <p:blipFill>
+          <a:blip r:embed="rId2">
+            <a:extLst>
+              <a:ext uri="{28A0092B-C50C-407E-A947-70E740481C1C}">
+                <a14:useLocalDpi xmlns:a14="http://schemas.microsoft.com/office/drawing/2010/main" val="0"/>
+              </a:ext>
+            </a:extLst>
+          </a:blip>
+          <a:srcRect/>
+          <a:stretch>
+            <a:fillRect/>
+          </a:stretch>
+        </p:blipFill>
+        <p:spPr bwMode="auto">
+          <a:xfrm>
+            <a:off x="619910" y="1650670"/>
+            <a:ext cx="1655354" cy="4422981"/>
+          </a:xfrm>
+          <a:prstGeom prst="rect">
+            <a:avLst/>
+          </a:prstGeom>
+          <a:noFill/>
+          <a:extLst>
+            <a:ext uri="{909E8E84-426E-40DD-AFC4-6F175D3DCCD1}">
+              <a14:hiddenFill xmlns:a14="http://schemas.microsoft.com/office/drawing/2010/main">
+                <a:solidFill>
+                  <a:srgbClr val="FFFFFF"/>
+                </a:solidFill>
+              </a14:hiddenFill>
+            </a:ext>
+          </a:extLst>
+        </p:spPr>
+      </p:pic>
+      <p:sp>
+        <p:nvSpPr>
+          <p:cNvPr id="3" name="Rectangle 2"/>
+          <p:cNvSpPr/>
+          <p:nvPr/>
+        </p:nvSpPr>
+        <p:spPr>
+          <a:xfrm>
+            <a:off x="748145" y="1983179"/>
+            <a:ext cx="914400" cy="1068779"/>
+          </a:xfrm>
+          <a:prstGeom prst="rect">
+            <a:avLst/>
+          </a:prstGeom>
+          <a:noFill/>
+          <a:ln w="19050">
+            <a:solidFill>
+              <a:schemeClr val="accent6">
+                <a:lumMod val="75000"/>
+              </a:schemeClr>
+            </a:solidFill>
+          </a:ln>
+        </p:spPr>
+        <p:style>
+          <a:lnRef idx="2">
+            <a:schemeClr val="accent1">
+              <a:shade val="50000"/>
+            </a:schemeClr>
+          </a:lnRef>
+          <a:fillRef idx="1">
+            <a:schemeClr val="accent1"/>
+          </a:fillRef>
+          <a:effectRef idx="0">
+            <a:schemeClr val="accent1"/>
+          </a:effectRef>
+          <a:fontRef idx="minor">
+            <a:schemeClr val="lt1"/>
+          </a:fontRef>
+        </p:style>
+        <p:txBody>
+          <a:bodyPr rtlCol="0" anchor="ctr"/>
+          <a:lstStyle/>
+          <a:p>
+            <a:pPr algn="ctr"/>
+            <a:endParaRPr lang="en-US"/>
+          </a:p>
+        </p:txBody>
+      </p:sp>
+      <p:pic>
+        <p:nvPicPr>
+          <p:cNvPr id="1026" name="Picture 2"/>
+          <p:cNvPicPr>
+            <a:picLocks noChangeAspect="1" noChangeArrowheads="1"/>
+          </p:cNvPicPr>
+          <p:nvPr/>
+        </p:nvPicPr>
+        <p:blipFill>
+          <a:blip r:embed="rId3">
+            <a:extLst>
+              <a:ext uri="{28A0092B-C50C-407E-A947-70E740481C1C}">
+                <a14:useLocalDpi xmlns:a14="http://schemas.microsoft.com/office/drawing/2010/main" val="0"/>
+              </a:ext>
+            </a:extLst>
+          </a:blip>
+          <a:srcRect/>
+          <a:stretch>
+            <a:fillRect/>
+          </a:stretch>
+        </p:blipFill>
+        <p:spPr bwMode="auto">
+          <a:xfrm>
+            <a:off x="2452749" y="2076450"/>
+            <a:ext cx="1752600" cy="2705100"/>
+          </a:xfrm>
+          <a:prstGeom prst="rect">
+            <a:avLst/>
+          </a:prstGeom>
+          <a:noFill/>
+          <a:ln>
+            <a:noFill/>
+          </a:ln>
+          <a:extLst>
+            <a:ext uri="{909E8E84-426E-40DD-AFC4-6F175D3DCCD1}">
+              <a14:hiddenFill xmlns:a14="http://schemas.microsoft.com/office/drawing/2010/main">
+                <a:solidFill>
+                  <a:schemeClr val="accent1"/>
+                </a:solidFill>
+              </a14:hiddenFill>
+            </a:ext>
+            <a:ext uri="{91240B29-F687-4F45-9708-019B960494DF}">
+              <a14:hiddenLine xmlns:a14="http://schemas.microsoft.com/office/drawing/2010/main" w="9525">
+                <a:solidFill>
+                  <a:schemeClr val="tx1"/>
+                </a:solidFill>
+                <a:miter lim="800000"/>
+                <a:headEnd/>
+                <a:tailEnd/>
+              </a14:hiddenLine>
+            </a:ext>
+          </a:extLst>
+        </p:spPr>
+      </p:pic>
+      <p:sp>
+        <p:nvSpPr>
+          <p:cNvPr id="4" name="TextBox 3"/>
+          <p:cNvSpPr txBox="1"/>
+          <p:nvPr/>
+        </p:nvSpPr>
+        <p:spPr>
+          <a:xfrm>
+            <a:off x="4417621" y="2195737"/>
+            <a:ext cx="6519553" cy="369332"/>
+          </a:xfrm>
+          <a:prstGeom prst="rect">
+            <a:avLst/>
+          </a:prstGeom>
+          <a:noFill/>
+        </p:spPr>
+        <p:txBody>
+          <a:bodyPr wrap="square" rtlCol="0">
+            <a:spAutoFit/>
+          </a:bodyPr>
+          <a:lstStyle/>
+          <a:p>
+            <a:r>
+              <a:rPr lang="en-US" b="1" dirty="0" err="1">
+                <a:solidFill>
+                  <a:schemeClr val="bg1">
+                    <a:lumMod val="75000"/>
+                  </a:schemeClr>
+                </a:solidFill>
+              </a:rPr>
+              <a:t>onAttach</a:t>
+            </a:r>
+            <a:r>
+              <a:rPr lang="en-US" b="1" dirty="0">
+                <a:solidFill>
+                  <a:schemeClr val="bg1">
+                    <a:lumMod val="75000"/>
+                  </a:schemeClr>
+                </a:solidFill>
+              </a:rPr>
+              <a:t>() </a:t>
+            </a:r>
+            <a:r>
+              <a:rPr lang="en-US" dirty="0">
+                <a:solidFill>
+                  <a:schemeClr val="bg1">
+                    <a:lumMod val="75000"/>
+                  </a:schemeClr>
+                </a:solidFill>
+              </a:rPr>
+              <a:t>connected to an activity, but not started</a:t>
+            </a:r>
+            <a:endParaRPr lang="en-US" b="1" dirty="0">
+              <a:solidFill>
+                <a:schemeClr val="bg1">
+                  <a:lumMod val="75000"/>
+                </a:schemeClr>
+              </a:solidFill>
+            </a:endParaRPr>
+          </a:p>
+        </p:txBody>
+      </p:sp>
+      <p:sp>
+        <p:nvSpPr>
+          <p:cNvPr id="5" name="TextBox 4"/>
+          <p:cNvSpPr txBox="1"/>
+          <p:nvPr/>
+        </p:nvSpPr>
+        <p:spPr>
+          <a:xfrm>
+            <a:off x="4417621" y="2875312"/>
+            <a:ext cx="5997039" cy="377042"/>
+          </a:xfrm>
+          <a:prstGeom prst="rect">
+            <a:avLst/>
+          </a:prstGeom>
+          <a:noFill/>
+        </p:spPr>
+        <p:txBody>
+          <a:bodyPr wrap="square" rtlCol="0">
+            <a:spAutoFit/>
+          </a:bodyPr>
+          <a:lstStyle/>
+          <a:p>
+            <a:r>
+              <a:rPr lang="en-US" b="1" dirty="0" err="1">
+                <a:solidFill>
+                  <a:schemeClr val="bg1">
+                    <a:lumMod val="75000"/>
+                  </a:schemeClr>
+                </a:solidFill>
+              </a:rPr>
+              <a:t>onCreate</a:t>
+            </a:r>
+            <a:r>
+              <a:rPr lang="en-US" b="1" dirty="0">
+                <a:solidFill>
+                  <a:schemeClr val="bg1">
+                    <a:lumMod val="75000"/>
+                  </a:schemeClr>
+                </a:solidFill>
+              </a:rPr>
+              <a:t>() </a:t>
+            </a:r>
+            <a:r>
+              <a:rPr lang="en-US" dirty="0">
+                <a:solidFill>
+                  <a:schemeClr val="bg1">
+                    <a:lumMod val="75000"/>
+                  </a:schemeClr>
+                </a:solidFill>
+              </a:rPr>
+              <a:t>started, but </a:t>
+            </a:r>
+            <a:r>
+              <a:rPr lang="en-US" u="sng" dirty="0">
+                <a:solidFill>
+                  <a:schemeClr val="bg1">
+                    <a:lumMod val="75000"/>
+                  </a:schemeClr>
+                </a:solidFill>
+              </a:rPr>
+              <a:t>view</a:t>
+            </a:r>
+            <a:r>
+              <a:rPr lang="en-US" dirty="0">
+                <a:solidFill>
+                  <a:schemeClr val="bg1">
+                    <a:lumMod val="75000"/>
+                  </a:schemeClr>
+                </a:solidFill>
+              </a:rPr>
+              <a:t> object has not been created </a:t>
+            </a:r>
+          </a:p>
+        </p:txBody>
+      </p:sp>
+      <p:sp>
+        <p:nvSpPr>
+          <p:cNvPr id="6" name="TextBox 5"/>
+          <p:cNvSpPr txBox="1"/>
+          <p:nvPr/>
+        </p:nvSpPr>
+        <p:spPr>
+          <a:xfrm>
+            <a:off x="4417621" y="3556062"/>
+            <a:ext cx="7576457" cy="369332"/>
+          </a:xfrm>
+          <a:prstGeom prst="rect">
+            <a:avLst/>
+          </a:prstGeom>
+          <a:noFill/>
+        </p:spPr>
+        <p:txBody>
+          <a:bodyPr wrap="square" rtlCol="0">
+            <a:spAutoFit/>
+          </a:bodyPr>
+          <a:lstStyle/>
+          <a:p>
+            <a:r>
+              <a:rPr lang="en-US" b="1" dirty="0" err="1"/>
+              <a:t>onCreateView</a:t>
+            </a:r>
+            <a:r>
+              <a:rPr lang="en-US" b="1" dirty="0"/>
+              <a:t>() </a:t>
+            </a:r>
+            <a:r>
+              <a:rPr lang="en-US" dirty="0"/>
+              <a:t>started, view object  being created, but not visible</a:t>
+            </a:r>
+            <a:r>
+              <a:rPr lang="en-US" b="1" dirty="0"/>
+              <a:t> </a:t>
+            </a:r>
+          </a:p>
+        </p:txBody>
+      </p:sp>
+      <p:sp>
+        <p:nvSpPr>
+          <p:cNvPr id="7" name="TextBox 6"/>
+          <p:cNvSpPr txBox="1"/>
+          <p:nvPr/>
+        </p:nvSpPr>
+        <p:spPr>
+          <a:xfrm>
+            <a:off x="4417621" y="4135219"/>
+            <a:ext cx="6982695" cy="646331"/>
+          </a:xfrm>
+          <a:prstGeom prst="rect">
+            <a:avLst/>
+          </a:prstGeom>
+          <a:noFill/>
+        </p:spPr>
+        <p:txBody>
+          <a:bodyPr wrap="square" rtlCol="0">
+            <a:spAutoFit/>
+          </a:bodyPr>
+          <a:lstStyle/>
+          <a:p>
+            <a:r>
+              <a:rPr lang="en-US" b="1" dirty="0" err="1">
+                <a:solidFill>
+                  <a:schemeClr val="bg1">
+                    <a:lumMod val="65000"/>
+                  </a:schemeClr>
+                </a:solidFill>
+              </a:rPr>
+              <a:t>onActivityCreated</a:t>
+            </a:r>
+            <a:r>
+              <a:rPr lang="en-US" b="1" dirty="0">
+                <a:solidFill>
+                  <a:schemeClr val="bg1">
+                    <a:lumMod val="65000"/>
+                  </a:schemeClr>
+                </a:solidFill>
+              </a:rPr>
+              <a:t>() </a:t>
+            </a:r>
+            <a:r>
+              <a:rPr lang="en-US" dirty="0">
+                <a:solidFill>
+                  <a:schemeClr val="bg1">
+                    <a:lumMod val="65000"/>
+                  </a:schemeClr>
+                </a:solidFill>
+              </a:rPr>
+              <a:t>started, view object instantiated by parent Activity, but not visible </a:t>
+            </a:r>
+            <a:endParaRPr lang="en-US" b="1" dirty="0">
+              <a:solidFill>
+                <a:schemeClr val="bg1">
+                  <a:lumMod val="65000"/>
+                </a:schemeClr>
+              </a:solidFill>
+            </a:endParaRPr>
+          </a:p>
+        </p:txBody>
+      </p:sp>
+    </p:spTree>
+    <p:extLst>
+      <p:ext uri="{BB962C8B-B14F-4D97-AF65-F5344CB8AC3E}">
+        <p14:creationId xmlns:p14="http://schemas.microsoft.com/office/powerpoint/2010/main" val="1421603807"/>
+      </p:ext>
+    </p:extLst>
+  </p:cSld>
+  <p:clrMapOvr>
+    <a:masterClrMapping/>
+  </p:clrMapOvr>
+  <p:timing>
+    <p:tnLst>
+      <p:par>
+        <p:cTn id="1" dur="indefinite" restart="never" nodeType="tmRoot"/>
+      </p:par>
+    </p:tnLst>
+  </p:timing>
+</p:sld>
+</file>
+
+<file path=ppt/slides/slide46.xml><?xml version="1.0" encoding="utf-8"?>
+<p:sld xmlns:a="http://schemas.openxmlformats.org/drawingml/2006/main" xmlns:r="http://schemas.openxmlformats.org/officeDocument/2006/relationships" xmlns:p="http://schemas.openxmlformats.org/presentationml/2006/main">
+  <p:cSld>
+    <p:spTree>
+      <p:nvGrpSpPr>
+        <p:cNvPr id="1" name=""/>
+        <p:cNvGrpSpPr/>
+        <p:nvPr/>
+      </p:nvGrpSpPr>
+      <p:grpSpPr>
+        <a:xfrm>
+          <a:off x="0" y="0"/>
+          <a:ext cx="0" cy="0"/>
+          <a:chOff x="0" y="0"/>
+          <a:chExt cx="0" cy="0"/>
+        </a:xfrm>
+      </p:grpSpPr>
+      <p:sp>
+        <p:nvSpPr>
+          <p:cNvPr id="2" name="Title 1"/>
+          <p:cNvSpPr>
+            <a:spLocks noGrp="1"/>
+          </p:cNvSpPr>
+          <p:nvPr>
+            <p:ph type="title"/>
+          </p:nvPr>
+        </p:nvSpPr>
+        <p:spPr/>
+        <p:txBody>
+          <a:bodyPr/>
+          <a:lstStyle/>
+          <a:p>
+            <a:r>
+              <a:rPr lang="en-US" dirty="0" smtClean="0"/>
+              <a:t>Inside </a:t>
+            </a:r>
+            <a:r>
+              <a:rPr lang="en-US" dirty="0" err="1" smtClean="0"/>
+              <a:t>onCreateView</a:t>
+            </a:r>
+            <a:r>
+              <a:rPr lang="en-US" dirty="0" smtClean="0"/>
+              <a:t>()</a:t>
+            </a:r>
+            <a:endParaRPr lang="en-US" dirty="0"/>
+          </a:p>
+        </p:txBody>
+      </p:sp>
+      <p:sp>
+        <p:nvSpPr>
+          <p:cNvPr id="3" name="Content Placeholder 2"/>
+          <p:cNvSpPr>
+            <a:spLocks noGrp="1"/>
+          </p:cNvSpPr>
+          <p:nvPr>
+            <p:ph idx="1"/>
+          </p:nvPr>
+        </p:nvSpPr>
+        <p:spPr/>
+        <p:txBody>
+          <a:bodyPr/>
+          <a:lstStyle/>
+          <a:p>
+            <a:pPr lvl="1"/>
+            <a:r>
+              <a:rPr lang="en-US" dirty="0" smtClean="0"/>
+              <a:t>Inflate fragment view with layout</a:t>
+            </a:r>
+          </a:p>
+          <a:p>
+            <a:pPr lvl="1"/>
+            <a:r>
+              <a:rPr lang="en-US" dirty="0" smtClean="0"/>
+              <a:t>Initialize view attributes</a:t>
+            </a:r>
+            <a:endParaRPr lang="en-US" dirty="0"/>
+          </a:p>
+        </p:txBody>
+      </p:sp>
+    </p:spTree>
+    <p:extLst>
+      <p:ext uri="{BB962C8B-B14F-4D97-AF65-F5344CB8AC3E}">
+        <p14:creationId xmlns:p14="http://schemas.microsoft.com/office/powerpoint/2010/main" val="543006638"/>
+      </p:ext>
+    </p:extLst>
+  </p:cSld>
+  <p:clrMapOvr>
+    <a:masterClrMapping/>
+  </p:clrMapOvr>
+  <p:timing>
+    <p:tnLst>
+      <p:par>
+        <p:cTn id="1" dur="indefinite" restart="never" nodeType="tmRoot"/>
+      </p:par>
+    </p:tnLst>
+  </p:timing>
+</p:sld>
+</file>
+
+<file path=ppt/slides/slide47.xml><?xml version="1.0" encoding="utf-8"?>
+<p:sld xmlns:a="http://schemas.openxmlformats.org/drawingml/2006/main" xmlns:r="http://schemas.openxmlformats.org/officeDocument/2006/relationships" xmlns:p="http://schemas.openxmlformats.org/presentationml/2006/main">
+  <p:cSld>
+    <p:spTree>
+      <p:nvGrpSpPr>
+        <p:cNvPr id="1" name=""/>
+        <p:cNvGrpSpPr/>
+        <p:nvPr/>
+      </p:nvGrpSpPr>
+      <p:grpSpPr>
+        <a:xfrm>
+          <a:off x="0" y="0"/>
+          <a:ext cx="0" cy="0"/>
+          <a:chOff x="0" y="0"/>
+          <a:chExt cx="0" cy="0"/>
+        </a:xfrm>
+      </p:grpSpPr>
+      <p:sp>
+        <p:nvSpPr>
+          <p:cNvPr id="2" name="Title 1"/>
+          <p:cNvSpPr>
+            <a:spLocks noGrp="1"/>
+          </p:cNvSpPr>
+          <p:nvPr>
+            <p:ph type="title"/>
+          </p:nvPr>
+        </p:nvSpPr>
+        <p:spPr/>
+        <p:txBody>
+          <a:bodyPr/>
+          <a:lstStyle/>
+          <a:p>
+            <a:r>
+              <a:rPr lang="en-US" dirty="0"/>
+              <a:t>Fragment Lifecycle</a:t>
+            </a:r>
+            <a:endParaRPr lang="en-US" sz="2800" dirty="0"/>
+          </a:p>
+        </p:txBody>
+      </p:sp>
+      <p:pic>
+        <p:nvPicPr>
+          <p:cNvPr id="2054" name="Picture 6" descr="https://developer.android.com/images/fragment_lifecycle.png"/>
+          <p:cNvPicPr>
+            <a:picLocks noChangeAspect="1" noChangeArrowheads="1"/>
+          </p:cNvPicPr>
+          <p:nvPr/>
+        </p:nvPicPr>
+        <p:blipFill>
+          <a:blip r:embed="rId2">
+            <a:extLst>
+              <a:ext uri="{28A0092B-C50C-407E-A947-70E740481C1C}">
+                <a14:useLocalDpi xmlns:a14="http://schemas.microsoft.com/office/drawing/2010/main" val="0"/>
+              </a:ext>
+            </a:extLst>
+          </a:blip>
+          <a:srcRect/>
+          <a:stretch>
+            <a:fillRect/>
+          </a:stretch>
+        </p:blipFill>
+        <p:spPr bwMode="auto">
+          <a:xfrm>
+            <a:off x="619910" y="1650670"/>
+            <a:ext cx="1655354" cy="4422981"/>
+          </a:xfrm>
+          <a:prstGeom prst="rect">
+            <a:avLst/>
+          </a:prstGeom>
+          <a:noFill/>
+          <a:extLst>
+            <a:ext uri="{909E8E84-426E-40DD-AFC4-6F175D3DCCD1}">
+              <a14:hiddenFill xmlns:a14="http://schemas.microsoft.com/office/drawing/2010/main">
+                <a:solidFill>
+                  <a:srgbClr val="FFFFFF"/>
+                </a:solidFill>
+              </a14:hiddenFill>
+            </a:ext>
+          </a:extLst>
+        </p:spPr>
+      </p:pic>
+      <p:sp>
+        <p:nvSpPr>
+          <p:cNvPr id="3" name="Rectangle 2"/>
+          <p:cNvSpPr/>
+          <p:nvPr/>
+        </p:nvSpPr>
+        <p:spPr>
+          <a:xfrm>
+            <a:off x="748145" y="1983179"/>
+            <a:ext cx="914400" cy="1068779"/>
+          </a:xfrm>
+          <a:prstGeom prst="rect">
+            <a:avLst/>
+          </a:prstGeom>
+          <a:noFill/>
+          <a:ln w="19050">
+            <a:solidFill>
+              <a:schemeClr val="accent6">
+                <a:lumMod val="75000"/>
+              </a:schemeClr>
+            </a:solidFill>
+          </a:ln>
+        </p:spPr>
+        <p:style>
+          <a:lnRef idx="2">
+            <a:schemeClr val="accent1">
+              <a:shade val="50000"/>
+            </a:schemeClr>
+          </a:lnRef>
+          <a:fillRef idx="1">
+            <a:schemeClr val="accent1"/>
+          </a:fillRef>
+          <a:effectRef idx="0">
+            <a:schemeClr val="accent1"/>
+          </a:effectRef>
+          <a:fontRef idx="minor">
+            <a:schemeClr val="lt1"/>
+          </a:fontRef>
+        </p:style>
+        <p:txBody>
+          <a:bodyPr rtlCol="0" anchor="ctr"/>
+          <a:lstStyle/>
+          <a:p>
+            <a:pPr algn="ctr"/>
+            <a:endParaRPr lang="en-US"/>
+          </a:p>
+        </p:txBody>
+      </p:sp>
+      <p:pic>
+        <p:nvPicPr>
+          <p:cNvPr id="1026" name="Picture 2"/>
+          <p:cNvPicPr>
+            <a:picLocks noChangeAspect="1" noChangeArrowheads="1"/>
+          </p:cNvPicPr>
+          <p:nvPr/>
+        </p:nvPicPr>
+        <p:blipFill>
+          <a:blip r:embed="rId3">
+            <a:extLst>
+              <a:ext uri="{28A0092B-C50C-407E-A947-70E740481C1C}">
+                <a14:useLocalDpi xmlns:a14="http://schemas.microsoft.com/office/drawing/2010/main" val="0"/>
+              </a:ext>
+            </a:extLst>
+          </a:blip>
+          <a:srcRect/>
+          <a:stretch>
+            <a:fillRect/>
+          </a:stretch>
+        </p:blipFill>
+        <p:spPr bwMode="auto">
+          <a:xfrm>
+            <a:off x="2452749" y="2076450"/>
+            <a:ext cx="1752600" cy="2705100"/>
+          </a:xfrm>
+          <a:prstGeom prst="rect">
+            <a:avLst/>
+          </a:prstGeom>
+          <a:noFill/>
+          <a:ln>
+            <a:noFill/>
+          </a:ln>
+          <a:extLst>
+            <a:ext uri="{909E8E84-426E-40DD-AFC4-6F175D3DCCD1}">
+              <a14:hiddenFill xmlns:a14="http://schemas.microsoft.com/office/drawing/2010/main">
+                <a:solidFill>
+                  <a:schemeClr val="accent1"/>
+                </a:solidFill>
+              </a14:hiddenFill>
+            </a:ext>
+            <a:ext uri="{91240B29-F687-4F45-9708-019B960494DF}">
+              <a14:hiddenLine xmlns:a14="http://schemas.microsoft.com/office/drawing/2010/main" w="9525">
+                <a:solidFill>
+                  <a:schemeClr val="tx1"/>
+                </a:solidFill>
+                <a:miter lim="800000"/>
+                <a:headEnd/>
+                <a:tailEnd/>
+              </a14:hiddenLine>
+            </a:ext>
+          </a:extLst>
+        </p:spPr>
+      </p:pic>
+      <p:sp>
+        <p:nvSpPr>
+          <p:cNvPr id="4" name="TextBox 3"/>
+          <p:cNvSpPr txBox="1"/>
+          <p:nvPr/>
+        </p:nvSpPr>
+        <p:spPr>
+          <a:xfrm>
+            <a:off x="4417621" y="2195737"/>
+            <a:ext cx="6519553" cy="369332"/>
+          </a:xfrm>
+          <a:prstGeom prst="rect">
+            <a:avLst/>
+          </a:prstGeom>
+          <a:noFill/>
+        </p:spPr>
+        <p:txBody>
+          <a:bodyPr wrap="square" rtlCol="0">
+            <a:spAutoFit/>
+          </a:bodyPr>
+          <a:lstStyle/>
+          <a:p>
+            <a:r>
+              <a:rPr lang="en-US" b="1" dirty="0" err="1">
+                <a:solidFill>
+                  <a:schemeClr val="bg1">
+                    <a:lumMod val="75000"/>
+                  </a:schemeClr>
+                </a:solidFill>
+              </a:rPr>
+              <a:t>onAttach</a:t>
+            </a:r>
+            <a:r>
+              <a:rPr lang="en-US" b="1" dirty="0">
+                <a:solidFill>
+                  <a:schemeClr val="bg1">
+                    <a:lumMod val="75000"/>
+                  </a:schemeClr>
+                </a:solidFill>
+              </a:rPr>
+              <a:t>() </a:t>
+            </a:r>
+            <a:r>
+              <a:rPr lang="en-US" dirty="0">
+                <a:solidFill>
+                  <a:schemeClr val="bg1">
+                    <a:lumMod val="75000"/>
+                  </a:schemeClr>
+                </a:solidFill>
+              </a:rPr>
+              <a:t>connected to an activity, but not started</a:t>
+            </a:r>
+            <a:endParaRPr lang="en-US" b="1" dirty="0">
+              <a:solidFill>
+                <a:schemeClr val="bg1">
+                  <a:lumMod val="75000"/>
+                </a:schemeClr>
+              </a:solidFill>
+            </a:endParaRPr>
+          </a:p>
+        </p:txBody>
+      </p:sp>
+      <p:sp>
+        <p:nvSpPr>
+          <p:cNvPr id="5" name="TextBox 4"/>
+          <p:cNvSpPr txBox="1"/>
+          <p:nvPr/>
+        </p:nvSpPr>
+        <p:spPr>
+          <a:xfrm>
+            <a:off x="4417621" y="2875312"/>
+            <a:ext cx="5997039" cy="377042"/>
+          </a:xfrm>
+          <a:prstGeom prst="rect">
+            <a:avLst/>
+          </a:prstGeom>
+          <a:noFill/>
+        </p:spPr>
+        <p:txBody>
+          <a:bodyPr wrap="square" rtlCol="0">
+            <a:spAutoFit/>
+          </a:bodyPr>
+          <a:lstStyle/>
+          <a:p>
+            <a:r>
+              <a:rPr lang="en-US" b="1" dirty="0" err="1">
+                <a:solidFill>
+                  <a:schemeClr val="bg1">
+                    <a:lumMod val="75000"/>
+                  </a:schemeClr>
+                </a:solidFill>
+              </a:rPr>
+              <a:t>onCreate</a:t>
+            </a:r>
+            <a:r>
+              <a:rPr lang="en-US" b="1" dirty="0">
+                <a:solidFill>
+                  <a:schemeClr val="bg1">
+                    <a:lumMod val="75000"/>
+                  </a:schemeClr>
+                </a:solidFill>
+              </a:rPr>
+              <a:t>() </a:t>
+            </a:r>
+            <a:r>
+              <a:rPr lang="en-US" dirty="0">
+                <a:solidFill>
+                  <a:schemeClr val="bg1">
+                    <a:lumMod val="75000"/>
+                  </a:schemeClr>
+                </a:solidFill>
+              </a:rPr>
+              <a:t>started, but </a:t>
+            </a:r>
+            <a:r>
+              <a:rPr lang="en-US" u="sng" dirty="0">
+                <a:solidFill>
+                  <a:schemeClr val="bg1">
+                    <a:lumMod val="75000"/>
+                  </a:schemeClr>
+                </a:solidFill>
+              </a:rPr>
+              <a:t>view</a:t>
+            </a:r>
+            <a:r>
+              <a:rPr lang="en-US" dirty="0">
+                <a:solidFill>
+                  <a:schemeClr val="bg1">
+                    <a:lumMod val="75000"/>
+                  </a:schemeClr>
+                </a:solidFill>
+              </a:rPr>
+              <a:t> object has not been created </a:t>
+            </a:r>
+          </a:p>
+        </p:txBody>
+      </p:sp>
+      <p:sp>
+        <p:nvSpPr>
+          <p:cNvPr id="6" name="TextBox 5"/>
+          <p:cNvSpPr txBox="1"/>
+          <p:nvPr/>
+        </p:nvSpPr>
+        <p:spPr>
+          <a:xfrm>
+            <a:off x="4417621" y="3556062"/>
+            <a:ext cx="7576457" cy="369332"/>
+          </a:xfrm>
+          <a:prstGeom prst="rect">
+            <a:avLst/>
+          </a:prstGeom>
+          <a:noFill/>
+        </p:spPr>
+        <p:txBody>
+          <a:bodyPr wrap="square" rtlCol="0">
+            <a:spAutoFit/>
+          </a:bodyPr>
+          <a:lstStyle/>
+          <a:p>
+            <a:r>
+              <a:rPr lang="en-US" b="1" dirty="0" err="1">
+                <a:solidFill>
+                  <a:schemeClr val="bg1">
+                    <a:lumMod val="75000"/>
+                  </a:schemeClr>
+                </a:solidFill>
+              </a:rPr>
+              <a:t>onCreateView</a:t>
+            </a:r>
+            <a:r>
+              <a:rPr lang="en-US" b="1" dirty="0">
+                <a:solidFill>
+                  <a:schemeClr val="bg1">
+                    <a:lumMod val="75000"/>
+                  </a:schemeClr>
+                </a:solidFill>
+              </a:rPr>
+              <a:t>() </a:t>
+            </a:r>
+            <a:r>
+              <a:rPr lang="en-US" dirty="0">
+                <a:solidFill>
+                  <a:schemeClr val="bg1">
+                    <a:lumMod val="75000"/>
+                  </a:schemeClr>
+                </a:solidFill>
+              </a:rPr>
+              <a:t>started, view object  being created, but not visible</a:t>
+            </a:r>
+            <a:r>
+              <a:rPr lang="en-US" b="1" dirty="0">
+                <a:solidFill>
+                  <a:schemeClr val="bg1">
+                    <a:lumMod val="75000"/>
+                  </a:schemeClr>
+                </a:solidFill>
+              </a:rPr>
+              <a:t> </a:t>
+            </a:r>
+          </a:p>
+        </p:txBody>
+      </p:sp>
+      <p:sp>
+        <p:nvSpPr>
+          <p:cNvPr id="7" name="TextBox 6"/>
+          <p:cNvSpPr txBox="1"/>
+          <p:nvPr/>
+        </p:nvSpPr>
+        <p:spPr>
+          <a:xfrm>
+            <a:off x="4417621" y="4135219"/>
+            <a:ext cx="6982695" cy="646331"/>
+          </a:xfrm>
+          <a:prstGeom prst="rect">
+            <a:avLst/>
+          </a:prstGeom>
+          <a:noFill/>
+        </p:spPr>
+        <p:txBody>
+          <a:bodyPr wrap="square" rtlCol="0">
+            <a:spAutoFit/>
+          </a:bodyPr>
+          <a:lstStyle/>
+          <a:p>
+            <a:r>
+              <a:rPr lang="en-US" b="1" dirty="0" err="1"/>
+              <a:t>onActivityCreated</a:t>
+            </a:r>
+            <a:r>
+              <a:rPr lang="en-US" b="1" dirty="0"/>
+              <a:t>() </a:t>
+            </a:r>
+            <a:r>
+              <a:rPr lang="en-US" dirty="0"/>
+              <a:t>started, view object instantiated by parent Activity, but not visible </a:t>
+            </a:r>
+            <a:endParaRPr lang="en-US" b="1" dirty="0"/>
+          </a:p>
+        </p:txBody>
+      </p:sp>
+    </p:spTree>
+    <p:extLst>
+      <p:ext uri="{BB962C8B-B14F-4D97-AF65-F5344CB8AC3E}">
+        <p14:creationId xmlns:p14="http://schemas.microsoft.com/office/powerpoint/2010/main" val="3382910580"/>
+      </p:ext>
+    </p:extLst>
+  </p:cSld>
+  <p:clrMapOvr>
+    <a:masterClrMapping/>
+  </p:clrMapOvr>
+  <p:timing>
+    <p:tnLst>
+      <p:par>
+        <p:cTn id="1" dur="indefinite" restart="never" nodeType="tmRoot"/>
+      </p:par>
+    </p:tnLst>
+  </p:timing>
+</p:sld>
+</file>
+
+<file path=ppt/slides/slide48.xml><?xml version="1.0" encoding="utf-8"?>
+<p:sld xmlns:a="http://schemas.openxmlformats.org/drawingml/2006/main" xmlns:r="http://schemas.openxmlformats.org/officeDocument/2006/relationships" xmlns:p="http://schemas.openxmlformats.org/presentationml/2006/main">
+  <p:cSld>
+    <p:spTree>
+      <p:nvGrpSpPr>
+        <p:cNvPr id="1" name=""/>
+        <p:cNvGrpSpPr/>
+        <p:nvPr/>
+      </p:nvGrpSpPr>
+      <p:grpSpPr>
+        <a:xfrm>
+          <a:off x="0" y="0"/>
+          <a:ext cx="0" cy="0"/>
+          <a:chOff x="0" y="0"/>
+          <a:chExt cx="0" cy="0"/>
+        </a:xfrm>
+      </p:grpSpPr>
+      <p:sp>
+        <p:nvSpPr>
+          <p:cNvPr id="2" name="Title 1"/>
+          <p:cNvSpPr>
+            <a:spLocks noGrp="1"/>
+          </p:cNvSpPr>
+          <p:nvPr>
+            <p:ph type="title"/>
+          </p:nvPr>
+        </p:nvSpPr>
+        <p:spPr/>
+        <p:txBody>
+          <a:bodyPr/>
+          <a:lstStyle/>
+          <a:p>
+            <a:r>
+              <a:rPr lang="en-US" dirty="0" smtClean="0"/>
+              <a:t>Inside </a:t>
+            </a:r>
+            <a:r>
+              <a:rPr lang="en-US" dirty="0" err="1" smtClean="0"/>
+              <a:t>onActivityCreated</a:t>
+            </a:r>
+            <a:r>
+              <a:rPr lang="en-US" dirty="0" smtClean="0"/>
+              <a:t>()</a:t>
+            </a:r>
+            <a:endParaRPr lang="en-US" dirty="0"/>
+          </a:p>
+        </p:txBody>
+      </p:sp>
+      <p:sp>
+        <p:nvSpPr>
+          <p:cNvPr id="3" name="Content Placeholder 2"/>
+          <p:cNvSpPr>
+            <a:spLocks noGrp="1"/>
+          </p:cNvSpPr>
+          <p:nvPr>
+            <p:ph idx="1"/>
+          </p:nvPr>
+        </p:nvSpPr>
+        <p:spPr/>
+        <p:txBody>
+          <a:bodyPr/>
+          <a:lstStyle/>
+          <a:p>
+            <a:pPr marL="304793" lvl="1" indent="0">
+              <a:buNone/>
+            </a:pPr>
+            <a:r>
+              <a:rPr lang="en-US" dirty="0" smtClean="0"/>
+              <a:t>Perform callbacks by used context </a:t>
+            </a:r>
+            <a:endParaRPr lang="en-US" dirty="0"/>
+          </a:p>
+        </p:txBody>
+      </p:sp>
+    </p:spTree>
+    <p:extLst>
+      <p:ext uri="{BB962C8B-B14F-4D97-AF65-F5344CB8AC3E}">
+        <p14:creationId xmlns:p14="http://schemas.microsoft.com/office/powerpoint/2010/main" val="3223229941"/>
+      </p:ext>
+    </p:extLst>
+  </p:cSld>
+  <p:clrMapOvr>
+    <a:masterClrMapping/>
+  </p:clrMapOvr>
+  <p:timing>
+    <p:tnLst>
+      <p:par>
+        <p:cTn id="1" dur="indefinite" restart="never" nodeType="tmRoot"/>
+      </p:par>
+    </p:tnLst>
+  </p:timing>
+</p:sld>
+</file>
+
+<file path=ppt/slides/slide49.xml><?xml version="1.0" encoding="utf-8"?>
 <p:sld xmlns:a="http://schemas.openxmlformats.org/drawingml/2006/main" xmlns:r="http://schemas.openxmlformats.org/officeDocument/2006/relationships" xmlns:p="http://schemas.openxmlformats.org/presentationml/2006/main">
   <p:cSld>
     <p:spTree>
@@ -8113,1607 +12565,13 @@
   <p:clrMapOvr>
     <a:masterClrMapping/>
   </p:clrMapOvr>
-</p:sld>
-</file>
-
-<file path=ppt/slides/slide37.xml><?xml version="1.0" encoding="utf-8"?>
-<p:sld xmlns:a="http://schemas.openxmlformats.org/drawingml/2006/main" xmlns:r="http://schemas.openxmlformats.org/officeDocument/2006/relationships" xmlns:p="http://schemas.openxmlformats.org/presentationml/2006/main">
-  <p:cSld>
-    <p:spTree>
-      <p:nvGrpSpPr>
-        <p:cNvPr id="1" name=""/>
-        <p:cNvGrpSpPr/>
-        <p:nvPr/>
-      </p:nvGrpSpPr>
-      <p:grpSpPr>
-        <a:xfrm>
-          <a:off x="0" y="0"/>
-          <a:ext cx="0" cy="0"/>
-          <a:chOff x="0" y="0"/>
-          <a:chExt cx="0" cy="0"/>
-        </a:xfrm>
-      </p:grpSpPr>
-      <p:sp>
-        <p:nvSpPr>
-          <p:cNvPr id="2" name="Title 1"/>
-          <p:cNvSpPr>
-            <a:spLocks noGrp="1"/>
-          </p:cNvSpPr>
-          <p:nvPr>
-            <p:ph type="title"/>
-          </p:nvPr>
-        </p:nvSpPr>
-        <p:spPr/>
-        <p:txBody>
-          <a:bodyPr/>
-          <a:lstStyle/>
-          <a:p>
-            <a:r>
-              <a:rPr lang="en-US" dirty="0"/>
-              <a:t>Fragment Lifecycle</a:t>
-            </a:r>
-            <a:endParaRPr lang="en-US" sz="2800" dirty="0"/>
-          </a:p>
-        </p:txBody>
-      </p:sp>
-      <p:pic>
-        <p:nvPicPr>
-          <p:cNvPr id="2054" name="Picture 6" descr="https://developer.android.com/images/fragment_lifecycle.png"/>
-          <p:cNvPicPr>
-            <a:picLocks noChangeAspect="1" noChangeArrowheads="1"/>
-          </p:cNvPicPr>
-          <p:nvPr/>
-        </p:nvPicPr>
-        <p:blipFill>
-          <a:blip r:embed="rId2">
-            <a:extLst>
-              <a:ext uri="{28A0092B-C50C-407E-A947-70E740481C1C}">
-                <a14:useLocalDpi xmlns:a14="http://schemas.microsoft.com/office/drawing/2010/main" val="0"/>
-              </a:ext>
-            </a:extLst>
-          </a:blip>
-          <a:srcRect/>
-          <a:stretch>
-            <a:fillRect/>
-          </a:stretch>
-        </p:blipFill>
-        <p:spPr bwMode="auto">
-          <a:xfrm>
-            <a:off x="619910" y="1650670"/>
-            <a:ext cx="1655354" cy="4422981"/>
-          </a:xfrm>
-          <a:prstGeom prst="rect">
-            <a:avLst/>
-          </a:prstGeom>
-          <a:noFill/>
-          <a:extLst>
-            <a:ext uri="{909E8E84-426E-40DD-AFC4-6F175D3DCCD1}">
-              <a14:hiddenFill xmlns:a14="http://schemas.microsoft.com/office/drawing/2010/main">
-                <a:solidFill>
-                  <a:srgbClr val="FFFFFF"/>
-                </a:solidFill>
-              </a14:hiddenFill>
-            </a:ext>
-          </a:extLst>
-        </p:spPr>
-      </p:pic>
-      <p:sp>
-        <p:nvSpPr>
-          <p:cNvPr id="3" name="Rectangle 2"/>
-          <p:cNvSpPr/>
-          <p:nvPr/>
-        </p:nvSpPr>
-        <p:spPr>
-          <a:xfrm>
-            <a:off x="716280" y="4861560"/>
-            <a:ext cx="906780" cy="853440"/>
-          </a:xfrm>
-          <a:prstGeom prst="rect">
-            <a:avLst/>
-          </a:prstGeom>
-          <a:noFill/>
-          <a:ln w="19050">
-            <a:solidFill>
-              <a:schemeClr val="accent6">
-                <a:lumMod val="75000"/>
-              </a:schemeClr>
-            </a:solidFill>
-          </a:ln>
-        </p:spPr>
-        <p:style>
-          <a:lnRef idx="2">
-            <a:schemeClr val="accent1">
-              <a:shade val="50000"/>
-            </a:schemeClr>
-          </a:lnRef>
-          <a:fillRef idx="1">
-            <a:schemeClr val="accent1"/>
-          </a:fillRef>
-          <a:effectRef idx="0">
-            <a:schemeClr val="accent1"/>
-          </a:effectRef>
-          <a:fontRef idx="minor">
-            <a:schemeClr val="lt1"/>
-          </a:fontRef>
-        </p:style>
-        <p:txBody>
-          <a:bodyPr rtlCol="0" anchor="ctr"/>
-          <a:lstStyle/>
-          <a:p>
-            <a:pPr algn="ctr"/>
-            <a:endParaRPr lang="en-US"/>
-          </a:p>
-        </p:txBody>
-      </p:sp>
-      <p:pic>
-        <p:nvPicPr>
-          <p:cNvPr id="3074" name="Picture 2"/>
-          <p:cNvPicPr>
-            <a:picLocks noChangeAspect="1" noChangeArrowheads="1"/>
-          </p:cNvPicPr>
-          <p:nvPr/>
-        </p:nvPicPr>
-        <p:blipFill>
-          <a:blip r:embed="rId3">
-            <a:extLst>
-              <a:ext uri="{28A0092B-C50C-407E-A947-70E740481C1C}">
-                <a14:useLocalDpi xmlns:a14="http://schemas.microsoft.com/office/drawing/2010/main" val="0"/>
-              </a:ext>
-            </a:extLst>
-          </a:blip>
-          <a:srcRect/>
-          <a:stretch>
-            <a:fillRect/>
-          </a:stretch>
-        </p:blipFill>
-        <p:spPr bwMode="auto">
-          <a:xfrm>
-            <a:off x="2275264" y="2093408"/>
-            <a:ext cx="1928752" cy="2477911"/>
-          </a:xfrm>
-          <a:prstGeom prst="rect">
-            <a:avLst/>
-          </a:prstGeom>
-          <a:noFill/>
-          <a:ln>
-            <a:noFill/>
-          </a:ln>
-          <a:extLst>
-            <a:ext uri="{909E8E84-426E-40DD-AFC4-6F175D3DCCD1}">
-              <a14:hiddenFill xmlns:a14="http://schemas.microsoft.com/office/drawing/2010/main">
-                <a:solidFill>
-                  <a:schemeClr val="accent1"/>
-                </a:solidFill>
-              </a14:hiddenFill>
-            </a:ext>
-            <a:ext uri="{91240B29-F687-4F45-9708-019B960494DF}">
-              <a14:hiddenLine xmlns:a14="http://schemas.microsoft.com/office/drawing/2010/main" w="9525">
-                <a:solidFill>
-                  <a:schemeClr val="tx1"/>
-                </a:solidFill>
-                <a:miter lim="800000"/>
-                <a:headEnd/>
-                <a:tailEnd/>
-              </a14:hiddenLine>
-            </a:ext>
-          </a:extLst>
-        </p:spPr>
-      </p:pic>
-      <p:sp>
-        <p:nvSpPr>
-          <p:cNvPr id="4" name="TextBox 3"/>
-          <p:cNvSpPr txBox="1"/>
-          <p:nvPr/>
-        </p:nvSpPr>
-        <p:spPr>
-          <a:xfrm>
-            <a:off x="4459184" y="2541319"/>
-            <a:ext cx="7552707" cy="369332"/>
-          </a:xfrm>
-          <a:prstGeom prst="rect">
-            <a:avLst/>
-          </a:prstGeom>
-          <a:noFill/>
-        </p:spPr>
-        <p:txBody>
-          <a:bodyPr wrap="square" rtlCol="0">
-            <a:spAutoFit/>
-          </a:bodyPr>
-          <a:lstStyle/>
-          <a:p>
-            <a:r>
-              <a:rPr lang="en-US" b="1" dirty="0" err="1"/>
-              <a:t>onDestroyView</a:t>
-            </a:r>
-            <a:r>
-              <a:rPr lang="en-US" b="1" dirty="0"/>
-              <a:t>() </a:t>
-            </a:r>
-            <a:r>
-              <a:rPr lang="en-US" dirty="0"/>
-              <a:t>not visible and </a:t>
-            </a:r>
-            <a:r>
-              <a:rPr lang="en-US" u="sng" dirty="0"/>
-              <a:t>view detached from fragment</a:t>
-            </a:r>
-            <a:endParaRPr lang="en-US" b="1" u="sng" dirty="0"/>
-          </a:p>
-        </p:txBody>
-      </p:sp>
-      <p:sp>
-        <p:nvSpPr>
-          <p:cNvPr id="5" name="TextBox 4"/>
-          <p:cNvSpPr txBox="1"/>
-          <p:nvPr/>
-        </p:nvSpPr>
-        <p:spPr>
-          <a:xfrm>
-            <a:off x="4459184" y="3296738"/>
-            <a:ext cx="7635834" cy="372738"/>
-          </a:xfrm>
-          <a:prstGeom prst="rect">
-            <a:avLst/>
-          </a:prstGeom>
-          <a:noFill/>
-        </p:spPr>
-        <p:txBody>
-          <a:bodyPr wrap="square" rtlCol="0">
-            <a:spAutoFit/>
-          </a:bodyPr>
-          <a:lstStyle/>
-          <a:p>
-            <a:r>
-              <a:rPr lang="en-US" b="1" dirty="0" err="1"/>
-              <a:t>onDestroy</a:t>
-            </a:r>
-            <a:r>
-              <a:rPr lang="en-US" b="1" dirty="0"/>
-              <a:t>() </a:t>
-            </a:r>
-            <a:r>
-              <a:rPr lang="en-US" dirty="0"/>
-              <a:t>flagged for deletion</a:t>
-            </a:r>
-            <a:endParaRPr lang="en-US" b="1" dirty="0"/>
-          </a:p>
-        </p:txBody>
-      </p:sp>
-      <p:sp>
-        <p:nvSpPr>
-          <p:cNvPr id="6" name="TextBox 5"/>
-          <p:cNvSpPr txBox="1"/>
-          <p:nvPr/>
-        </p:nvSpPr>
-        <p:spPr>
-          <a:xfrm>
-            <a:off x="4459184" y="3959822"/>
-            <a:ext cx="6543304" cy="369332"/>
-          </a:xfrm>
-          <a:prstGeom prst="rect">
-            <a:avLst/>
-          </a:prstGeom>
-          <a:noFill/>
-        </p:spPr>
-        <p:txBody>
-          <a:bodyPr wrap="square" rtlCol="0">
-            <a:spAutoFit/>
-          </a:bodyPr>
-          <a:lstStyle/>
-          <a:p>
-            <a:r>
-              <a:rPr lang="en-US" b="1" dirty="0" err="1"/>
-              <a:t>onDetach</a:t>
-            </a:r>
-            <a:r>
-              <a:rPr lang="en-US" b="1" dirty="0"/>
-              <a:t>() </a:t>
-            </a:r>
-            <a:r>
-              <a:rPr lang="en-US" dirty="0"/>
-              <a:t>detached from parent Activity</a:t>
-            </a:r>
-          </a:p>
-        </p:txBody>
-      </p:sp>
-      <p:pic>
-        <p:nvPicPr>
-          <p:cNvPr id="1026" name="Picture 2" descr="C:\Users\brian.batchelor\AppData\Local\Microsoft\Windows\INetCache\IE\T13KQPTQ\large-Pin-0-11351[1].gif"/>
-          <p:cNvPicPr>
-            <a:picLocks noChangeAspect="1" noChangeArrowheads="1"/>
-          </p:cNvPicPr>
-          <p:nvPr/>
-        </p:nvPicPr>
-        <p:blipFill>
-          <a:blip r:embed="rId4" cstate="print">
-            <a:extLst>
-              <a:ext uri="{28A0092B-C50C-407E-A947-70E740481C1C}">
-                <a14:useLocalDpi xmlns:a14="http://schemas.microsoft.com/office/drawing/2010/main" val="0"/>
-              </a:ext>
-            </a:extLst>
-          </a:blip>
-          <a:srcRect/>
-          <a:stretch>
-            <a:fillRect/>
-          </a:stretch>
-        </p:blipFill>
-        <p:spPr bwMode="auto">
-          <a:xfrm>
-            <a:off x="2214463" y="2093408"/>
-            <a:ext cx="360362" cy="523875"/>
-          </a:xfrm>
-          <a:prstGeom prst="rect">
-            <a:avLst/>
-          </a:prstGeom>
-          <a:noFill/>
-          <a:extLst>
-            <a:ext uri="{909E8E84-426E-40DD-AFC4-6F175D3DCCD1}">
-              <a14:hiddenFill xmlns:a14="http://schemas.microsoft.com/office/drawing/2010/main">
-                <a:solidFill>
-                  <a:srgbClr val="FFFFFF"/>
-                </a:solidFill>
-              </a14:hiddenFill>
-            </a:ext>
-          </a:extLst>
-        </p:spPr>
-      </p:pic>
-    </p:spTree>
-    <p:extLst>
-      <p:ext uri="{BB962C8B-B14F-4D97-AF65-F5344CB8AC3E}">
-        <p14:creationId xmlns:p14="http://schemas.microsoft.com/office/powerpoint/2010/main" val="412267079"/>
-      </p:ext>
-    </p:extLst>
-  </p:cSld>
-  <p:clrMapOvr>
-    <a:masterClrMapping/>
-  </p:clrMapOvr>
-</p:sld>
-</file>
-
-<file path=ppt/slides/slide38.xml><?xml version="1.0" encoding="utf-8"?>
-<p:sld xmlns:a="http://schemas.openxmlformats.org/drawingml/2006/main" xmlns:r="http://schemas.openxmlformats.org/officeDocument/2006/relationships" xmlns:p="http://schemas.openxmlformats.org/presentationml/2006/main">
-  <p:cSld>
-    <p:spTree>
-      <p:nvGrpSpPr>
-        <p:cNvPr id="1" name=""/>
-        <p:cNvGrpSpPr/>
-        <p:nvPr/>
-      </p:nvGrpSpPr>
-      <p:grpSpPr>
-        <a:xfrm>
-          <a:off x="0" y="0"/>
-          <a:ext cx="0" cy="0"/>
-          <a:chOff x="0" y="0"/>
-          <a:chExt cx="0" cy="0"/>
-        </a:xfrm>
-      </p:grpSpPr>
-      <p:sp>
-        <p:nvSpPr>
-          <p:cNvPr id="2" name="Title 1"/>
-          <p:cNvSpPr>
-            <a:spLocks noGrp="1"/>
-          </p:cNvSpPr>
-          <p:nvPr>
-            <p:ph type="title"/>
-          </p:nvPr>
-        </p:nvSpPr>
-        <p:spPr>
-          <a:xfrm>
-            <a:off x="0" y="457200"/>
-            <a:ext cx="7920842" cy="1143000"/>
-          </a:xfrm>
-        </p:spPr>
-        <p:txBody>
-          <a:bodyPr/>
-          <a:lstStyle/>
-          <a:p>
-            <a:r>
-              <a:rPr lang="en-US" dirty="0"/>
-              <a:t>Creating Fragment XML Layout</a:t>
-            </a:r>
-          </a:p>
-        </p:txBody>
-      </p:sp>
-      <p:pic>
-        <p:nvPicPr>
-          <p:cNvPr id="1027" name="Picture 3"/>
-          <p:cNvPicPr>
-            <a:picLocks noGrp="1" noChangeAspect="1" noChangeArrowheads="1"/>
-          </p:cNvPicPr>
-          <p:nvPr>
-            <p:ph idx="1"/>
-          </p:nvPr>
-        </p:nvPicPr>
-        <p:blipFill>
-          <a:blip r:embed="rId2">
-            <a:extLst>
-              <a:ext uri="{28A0092B-C50C-407E-A947-70E740481C1C}">
-                <a14:useLocalDpi xmlns:a14="http://schemas.microsoft.com/office/drawing/2010/main" val="0"/>
-              </a:ext>
-            </a:extLst>
-          </a:blip>
-          <a:srcRect/>
-          <a:stretch>
-            <a:fillRect/>
-          </a:stretch>
-        </p:blipFill>
-        <p:spPr bwMode="auto">
-          <a:xfrm>
-            <a:off x="500619" y="1732860"/>
-            <a:ext cx="5276850" cy="3571875"/>
-          </a:xfrm>
-          <a:prstGeom prst="rect">
-            <a:avLst/>
-          </a:prstGeom>
-          <a:noFill/>
-          <a:ln>
-            <a:noFill/>
-          </a:ln>
-          <a:extLst>
-            <a:ext uri="{909E8E84-426E-40DD-AFC4-6F175D3DCCD1}">
-              <a14:hiddenFill xmlns:a14="http://schemas.microsoft.com/office/drawing/2010/main">
-                <a:solidFill>
-                  <a:schemeClr val="accent1"/>
-                </a:solidFill>
-              </a14:hiddenFill>
-            </a:ext>
-            <a:ext uri="{91240B29-F687-4F45-9708-019B960494DF}">
-              <a14:hiddenLine xmlns:a14="http://schemas.microsoft.com/office/drawing/2010/main" w="9525">
-                <a:solidFill>
-                  <a:schemeClr val="tx1"/>
-                </a:solidFill>
-                <a:miter lim="800000"/>
-                <a:headEnd/>
-                <a:tailEnd/>
-              </a14:hiddenLine>
-            </a:ext>
-          </a:extLst>
-        </p:spPr>
-      </p:pic>
-      <p:pic>
-        <p:nvPicPr>
-          <p:cNvPr id="1028" name="Picture 4"/>
-          <p:cNvPicPr>
-            <a:picLocks noChangeAspect="1" noChangeArrowheads="1"/>
-          </p:cNvPicPr>
-          <p:nvPr/>
-        </p:nvPicPr>
-        <p:blipFill>
-          <a:blip r:embed="rId3">
-            <a:extLst>
-              <a:ext uri="{28A0092B-C50C-407E-A947-70E740481C1C}">
-                <a14:useLocalDpi xmlns:a14="http://schemas.microsoft.com/office/drawing/2010/main" val="0"/>
-              </a:ext>
-            </a:extLst>
-          </a:blip>
-          <a:srcRect/>
-          <a:stretch>
-            <a:fillRect/>
-          </a:stretch>
-        </p:blipFill>
-        <p:spPr bwMode="auto">
-          <a:xfrm>
-            <a:off x="6102283" y="1757546"/>
-            <a:ext cx="5844294" cy="3509406"/>
-          </a:xfrm>
-          <a:prstGeom prst="rect">
-            <a:avLst/>
-          </a:prstGeom>
-          <a:noFill/>
-          <a:ln>
-            <a:noFill/>
-          </a:ln>
-          <a:extLst>
-            <a:ext uri="{909E8E84-426E-40DD-AFC4-6F175D3DCCD1}">
-              <a14:hiddenFill xmlns:a14="http://schemas.microsoft.com/office/drawing/2010/main">
-                <a:solidFill>
-                  <a:schemeClr val="accent1"/>
-                </a:solidFill>
-              </a14:hiddenFill>
-            </a:ext>
-            <a:ext uri="{91240B29-F687-4F45-9708-019B960494DF}">
-              <a14:hiddenLine xmlns:a14="http://schemas.microsoft.com/office/drawing/2010/main" w="9525">
-                <a:solidFill>
-                  <a:schemeClr val="tx1"/>
-                </a:solidFill>
-                <a:miter lim="800000"/>
-                <a:headEnd/>
-                <a:tailEnd/>
-              </a14:hiddenLine>
-            </a:ext>
-          </a:extLst>
-        </p:spPr>
-      </p:pic>
-    </p:spTree>
-    <p:extLst>
-      <p:ext uri="{BB962C8B-B14F-4D97-AF65-F5344CB8AC3E}">
-        <p14:creationId xmlns:p14="http://schemas.microsoft.com/office/powerpoint/2010/main" val="294499272"/>
-      </p:ext>
-    </p:extLst>
-  </p:cSld>
-  <p:clrMapOvr>
-    <a:masterClrMapping/>
-  </p:clrMapOvr>
-</p:sld>
-</file>
-
-<file path=ppt/slides/slide39.xml><?xml version="1.0" encoding="utf-8"?>
-<p:sld xmlns:a="http://schemas.openxmlformats.org/drawingml/2006/main" xmlns:r="http://schemas.openxmlformats.org/officeDocument/2006/relationships" xmlns:p="http://schemas.openxmlformats.org/presentationml/2006/main">
-  <p:cSld>
-    <p:spTree>
-      <p:nvGrpSpPr>
-        <p:cNvPr id="1" name=""/>
-        <p:cNvGrpSpPr/>
-        <p:nvPr/>
-      </p:nvGrpSpPr>
-      <p:grpSpPr>
-        <a:xfrm>
-          <a:off x="0" y="0"/>
-          <a:ext cx="0" cy="0"/>
-          <a:chOff x="0" y="0"/>
-          <a:chExt cx="0" cy="0"/>
-        </a:xfrm>
-      </p:grpSpPr>
-      <p:sp>
-        <p:nvSpPr>
-          <p:cNvPr id="3" name="Content Placeholder 2"/>
-          <p:cNvSpPr>
-            <a:spLocks noGrp="1"/>
-          </p:cNvSpPr>
-          <p:nvPr>
-            <p:ph idx="1"/>
-          </p:nvPr>
-        </p:nvSpPr>
-        <p:spPr/>
-        <p:txBody>
-          <a:bodyPr/>
-          <a:lstStyle/>
-          <a:p>
-            <a:pPr marL="0" indent="0" algn="ctr">
-              <a:buNone/>
-            </a:pPr>
-            <a:endParaRPr lang="en-US" dirty="0"/>
-          </a:p>
-          <a:p>
-            <a:pPr marL="0" indent="0" algn="ctr">
-              <a:buNone/>
-            </a:pPr>
-            <a:endParaRPr lang="en-US" dirty="0"/>
-          </a:p>
-          <a:p>
-            <a:pPr marL="0" indent="0" algn="ctr">
-              <a:buNone/>
-            </a:pPr>
-            <a:r>
-              <a:rPr lang="en-US" dirty="0"/>
-              <a:t>Show Fragment Layout Code</a:t>
-            </a:r>
-          </a:p>
-        </p:txBody>
-      </p:sp>
-    </p:spTree>
-    <p:extLst>
-      <p:ext uri="{BB962C8B-B14F-4D97-AF65-F5344CB8AC3E}">
-        <p14:creationId xmlns:p14="http://schemas.microsoft.com/office/powerpoint/2010/main" val="1180113334"/>
-      </p:ext>
-    </p:extLst>
-  </p:cSld>
-  <p:clrMapOvr>
-    <a:masterClrMapping/>
-  </p:clrMapOvr>
-</p:sld>
-</file>
-
-<file path=ppt/slides/slide4.xml><?xml version="1.0" encoding="utf-8"?>
-<p:sld xmlns:a="http://schemas.openxmlformats.org/drawingml/2006/main" xmlns:r="http://schemas.openxmlformats.org/officeDocument/2006/relationships" xmlns:p="http://schemas.openxmlformats.org/presentationml/2006/main">
-  <p:cSld>
-    <p:spTree>
-      <p:nvGrpSpPr>
-        <p:cNvPr id="1" name=""/>
-        <p:cNvGrpSpPr/>
-        <p:nvPr/>
-      </p:nvGrpSpPr>
-      <p:grpSpPr>
-        <a:xfrm>
-          <a:off x="0" y="0"/>
-          <a:ext cx="0" cy="0"/>
-          <a:chOff x="0" y="0"/>
-          <a:chExt cx="0" cy="0"/>
-        </a:xfrm>
-      </p:grpSpPr>
-      <p:sp>
-        <p:nvSpPr>
-          <p:cNvPr id="2" name="Title 1"/>
-          <p:cNvSpPr>
-            <a:spLocks noGrp="1"/>
-          </p:cNvSpPr>
-          <p:nvPr>
-            <p:ph type="title"/>
-          </p:nvPr>
-        </p:nvSpPr>
-        <p:spPr/>
-        <p:txBody>
-          <a:bodyPr/>
-          <a:lstStyle/>
-          <a:p>
-            <a:r>
-              <a:rPr lang="en-US" dirty="0"/>
-              <a:t>Android Studio </a:t>
-            </a:r>
-          </a:p>
-        </p:txBody>
-      </p:sp>
-      <p:sp>
-        <p:nvSpPr>
-          <p:cNvPr id="3" name="Content Placeholder 2"/>
-          <p:cNvSpPr>
-            <a:spLocks noGrp="1"/>
-          </p:cNvSpPr>
-          <p:nvPr>
-            <p:ph idx="1"/>
-          </p:nvPr>
-        </p:nvSpPr>
-        <p:spPr/>
-        <p:txBody>
-          <a:bodyPr>
-            <a:normAutofit fontScale="62500" lnSpcReduction="20000"/>
-          </a:bodyPr>
-          <a:lstStyle/>
-          <a:p>
-            <a:r>
-              <a:rPr lang="en-US" dirty="0"/>
-              <a:t>De facto standard for Android development </a:t>
-            </a:r>
-          </a:p>
-          <a:p>
-            <a:r>
-              <a:rPr lang="en-US" dirty="0"/>
-              <a:t>Built on the IntelliJ</a:t>
-            </a:r>
-          </a:p>
-          <a:p>
-            <a:r>
-              <a:rPr lang="en-US" dirty="0"/>
-              <a:t>Some features</a:t>
-            </a:r>
-          </a:p>
-          <a:p>
-            <a:pPr lvl="1"/>
-            <a:r>
-              <a:rPr lang="en-US" dirty="0"/>
-              <a:t>Layout Editor</a:t>
-            </a:r>
-          </a:p>
-          <a:p>
-            <a:pPr lvl="1"/>
-            <a:r>
-              <a:rPr lang="en-US" dirty="0"/>
-              <a:t>Built in emulator </a:t>
-            </a:r>
-          </a:p>
-          <a:p>
-            <a:pPr lvl="1"/>
-            <a:r>
-              <a:rPr lang="en-US" dirty="0" err="1"/>
-              <a:t>Gradle</a:t>
-            </a:r>
-            <a:r>
-              <a:rPr lang="en-US" dirty="0"/>
-              <a:t> integration</a:t>
-            </a:r>
-          </a:p>
-          <a:p>
-            <a:pPr lvl="1"/>
-            <a:r>
-              <a:rPr lang="en-US" dirty="0"/>
-              <a:t>Instant Run (Hot swap)</a:t>
-            </a:r>
-          </a:p>
-          <a:p>
-            <a:pPr lvl="1"/>
-            <a:endParaRPr lang="en-US" dirty="0"/>
-          </a:p>
-          <a:p>
-            <a:pPr lvl="1"/>
-            <a:endParaRPr lang="en-US" dirty="0"/>
-          </a:p>
-          <a:p>
-            <a:pPr lvl="1"/>
-            <a:endParaRPr lang="en-US" dirty="0"/>
-          </a:p>
-          <a:p>
-            <a:pPr marL="457200" lvl="1" indent="0" algn="ctr">
-              <a:buNone/>
-            </a:pPr>
-            <a:r>
-              <a:rPr lang="en-US" dirty="0">
-                <a:hlinkClick r:id="rId2"/>
-              </a:rPr>
-              <a:t>https://developer.android.com/studio/index.html</a:t>
-            </a:r>
-            <a:endParaRPr lang="en-US" dirty="0"/>
-          </a:p>
-          <a:p>
-            <a:pPr lvl="1"/>
-            <a:endParaRPr lang="en-US" dirty="0"/>
-          </a:p>
-          <a:p>
-            <a:endParaRPr lang="en-US" dirty="0"/>
-          </a:p>
-        </p:txBody>
-      </p:sp>
-      <p:pic>
-        <p:nvPicPr>
-          <p:cNvPr id="2050" name="Picture 2"/>
-          <p:cNvPicPr>
-            <a:picLocks noChangeAspect="1" noChangeArrowheads="1"/>
-          </p:cNvPicPr>
-          <p:nvPr/>
-        </p:nvPicPr>
-        <p:blipFill>
-          <a:blip r:embed="rId3" cstate="print">
-            <a:extLst>
-              <a:ext uri="{28A0092B-C50C-407E-A947-70E740481C1C}">
-                <a14:useLocalDpi xmlns:a14="http://schemas.microsoft.com/office/drawing/2010/main" val="0"/>
-              </a:ext>
-            </a:extLst>
-          </a:blip>
-          <a:srcRect/>
-          <a:stretch>
-            <a:fillRect/>
-          </a:stretch>
-        </p:blipFill>
-        <p:spPr bwMode="auto">
-          <a:xfrm>
-            <a:off x="4362450" y="2017038"/>
-            <a:ext cx="4171950" cy="3207186"/>
-          </a:xfrm>
-          <a:prstGeom prst="rect">
-            <a:avLst/>
-          </a:prstGeom>
-          <a:noFill/>
-          <a:ln>
-            <a:noFill/>
-          </a:ln>
-          <a:extLst>
-            <a:ext uri="{909E8E84-426E-40DD-AFC4-6F175D3DCCD1}">
-              <a14:hiddenFill xmlns:a14="http://schemas.microsoft.com/office/drawing/2010/main">
-                <a:solidFill>
-                  <a:schemeClr val="accent1"/>
-                </a:solidFill>
-              </a14:hiddenFill>
-            </a:ext>
-            <a:ext uri="{91240B29-F687-4F45-9708-019B960494DF}">
-              <a14:hiddenLine xmlns:a14="http://schemas.microsoft.com/office/drawing/2010/main" w="9525">
-                <a:solidFill>
-                  <a:schemeClr val="tx1"/>
-                </a:solidFill>
-                <a:miter lim="800000"/>
-                <a:headEnd/>
-                <a:tailEnd/>
-              </a14:hiddenLine>
-            </a:ext>
-          </a:extLst>
-        </p:spPr>
-      </p:pic>
-    </p:spTree>
-    <p:extLst>
-      <p:ext uri="{BB962C8B-B14F-4D97-AF65-F5344CB8AC3E}">
-        <p14:creationId xmlns:p14="http://schemas.microsoft.com/office/powerpoint/2010/main" val="948240705"/>
-      </p:ext>
-    </p:extLst>
-  </p:cSld>
-  <p:clrMapOvr>
-    <a:masterClrMapping/>
-  </p:clrMapOvr>
-</p:sld>
-</file>
-
-<file path=ppt/slides/slide40.xml><?xml version="1.0" encoding="utf-8"?>
-<p:sld xmlns:a="http://schemas.openxmlformats.org/drawingml/2006/main" xmlns:r="http://schemas.openxmlformats.org/officeDocument/2006/relationships" xmlns:p="http://schemas.openxmlformats.org/presentationml/2006/main">
-  <p:cSld>
-    <p:spTree>
-      <p:nvGrpSpPr>
-        <p:cNvPr id="1" name=""/>
-        <p:cNvGrpSpPr/>
-        <p:nvPr/>
-      </p:nvGrpSpPr>
-      <p:grpSpPr>
-        <a:xfrm>
-          <a:off x="0" y="0"/>
-          <a:ext cx="0" cy="0"/>
-          <a:chOff x="0" y="0"/>
-          <a:chExt cx="0" cy="0"/>
-        </a:xfrm>
-      </p:grpSpPr>
-      <p:sp>
-        <p:nvSpPr>
-          <p:cNvPr id="3" name="Content Placeholder 2"/>
-          <p:cNvSpPr>
-            <a:spLocks noGrp="1"/>
-          </p:cNvSpPr>
-          <p:nvPr>
-            <p:ph idx="1"/>
-          </p:nvPr>
-        </p:nvSpPr>
-        <p:spPr/>
-        <p:txBody>
-          <a:bodyPr/>
-          <a:lstStyle/>
-          <a:p>
-            <a:r>
-              <a:rPr lang="en-US" dirty="0"/>
-              <a:t>View Groups and View dimensions</a:t>
-            </a:r>
-          </a:p>
-          <a:p>
-            <a:r>
-              <a:rPr lang="en-US" dirty="0"/>
-              <a:t>Scale according to screen density, not screen size</a:t>
-            </a:r>
-          </a:p>
-        </p:txBody>
-      </p:sp>
-      <p:sp>
-        <p:nvSpPr>
-          <p:cNvPr id="4" name="Title 1"/>
-          <p:cNvSpPr>
-            <a:spLocks noGrp="1"/>
-          </p:cNvSpPr>
-          <p:nvPr>
-            <p:ph type="title"/>
-          </p:nvPr>
-        </p:nvSpPr>
-        <p:spPr>
-          <a:xfrm>
-            <a:off x="-1" y="457200"/>
-            <a:ext cx="9120249" cy="1143000"/>
-          </a:xfrm>
-        </p:spPr>
-        <p:txBody>
-          <a:bodyPr/>
-          <a:lstStyle/>
-          <a:p>
-            <a:r>
-              <a:rPr lang="en-US" sz="4400" dirty="0"/>
-              <a:t>Density Independent Pixel (</a:t>
-            </a:r>
-            <a:r>
-              <a:rPr lang="en-US" sz="4400" dirty="0" err="1"/>
-              <a:t>dp</a:t>
-            </a:r>
-            <a:r>
-              <a:rPr lang="en-US" sz="4400" dirty="0"/>
-              <a:t>)</a:t>
-            </a:r>
-          </a:p>
-        </p:txBody>
-      </p:sp>
-    </p:spTree>
-    <p:extLst>
-      <p:ext uri="{BB962C8B-B14F-4D97-AF65-F5344CB8AC3E}">
-        <p14:creationId xmlns:p14="http://schemas.microsoft.com/office/powerpoint/2010/main" val="1947710023"/>
-      </p:ext>
-    </p:extLst>
-  </p:cSld>
-  <p:clrMapOvr>
-    <a:masterClrMapping/>
-  </p:clrMapOvr>
-</p:sld>
-</file>
-
-<file path=ppt/slides/slide41.xml><?xml version="1.0" encoding="utf-8"?>
-<p:sld xmlns:a="http://schemas.openxmlformats.org/drawingml/2006/main" xmlns:r="http://schemas.openxmlformats.org/officeDocument/2006/relationships" xmlns:p="http://schemas.openxmlformats.org/presentationml/2006/main">
-  <p:cSld>
-    <p:spTree>
-      <p:nvGrpSpPr>
-        <p:cNvPr id="1" name=""/>
-        <p:cNvGrpSpPr/>
-        <p:nvPr/>
-      </p:nvGrpSpPr>
-      <p:grpSpPr>
-        <a:xfrm>
-          <a:off x="0" y="0"/>
-          <a:ext cx="0" cy="0"/>
-          <a:chOff x="0" y="0"/>
-          <a:chExt cx="0" cy="0"/>
-        </a:xfrm>
-      </p:grpSpPr>
-      <p:sp>
-        <p:nvSpPr>
-          <p:cNvPr id="3" name="Content Placeholder 2"/>
-          <p:cNvSpPr>
-            <a:spLocks noGrp="1"/>
-          </p:cNvSpPr>
-          <p:nvPr>
-            <p:ph idx="1"/>
-          </p:nvPr>
-        </p:nvSpPr>
-        <p:spPr>
-          <a:xfrm>
-            <a:off x="0" y="1600201"/>
-            <a:ext cx="8633361" cy="4525963"/>
-          </a:xfrm>
-        </p:spPr>
-        <p:txBody>
-          <a:bodyPr/>
-          <a:lstStyle/>
-          <a:p>
-            <a:pPr lvl="1"/>
-            <a:r>
-              <a:rPr lang="en-US" dirty="0"/>
-              <a:t>Controlling text size</a:t>
-            </a:r>
-          </a:p>
-          <a:p>
-            <a:pPr lvl="1"/>
-            <a:r>
-              <a:rPr lang="en-US" dirty="0"/>
-              <a:t>Scale according to screen density, not screen size</a:t>
-            </a:r>
-          </a:p>
-          <a:p>
-            <a:pPr lvl="1"/>
-            <a:r>
-              <a:rPr lang="en-US" dirty="0"/>
-              <a:t>Also, scales according settings font settings</a:t>
-            </a:r>
-          </a:p>
-        </p:txBody>
-      </p:sp>
-      <p:sp>
-        <p:nvSpPr>
-          <p:cNvPr id="4" name="Title 1"/>
-          <p:cNvSpPr>
-            <a:spLocks noGrp="1"/>
-          </p:cNvSpPr>
-          <p:nvPr>
-            <p:ph type="title"/>
-          </p:nvPr>
-        </p:nvSpPr>
-        <p:spPr>
-          <a:xfrm>
-            <a:off x="0" y="457200"/>
-            <a:ext cx="7112000" cy="1143000"/>
-          </a:xfrm>
-        </p:spPr>
-        <p:txBody>
-          <a:bodyPr/>
-          <a:lstStyle/>
-          <a:p>
-            <a:r>
-              <a:rPr lang="en-US" dirty="0"/>
-              <a:t>Scale Independent Pixel (</a:t>
-            </a:r>
-            <a:r>
-              <a:rPr lang="en-US" dirty="0" err="1"/>
-              <a:t>sp</a:t>
-            </a:r>
-            <a:r>
-              <a:rPr lang="en-US" dirty="0"/>
-              <a:t>)</a:t>
-            </a:r>
-          </a:p>
-        </p:txBody>
-      </p:sp>
-      <p:pic>
-        <p:nvPicPr>
-          <p:cNvPr id="2" name="Picture 1"/>
-          <p:cNvPicPr>
-            <a:picLocks noChangeAspect="1"/>
-          </p:cNvPicPr>
-          <p:nvPr/>
-        </p:nvPicPr>
-        <p:blipFill>
-          <a:blip r:embed="rId2" cstate="print">
-            <a:extLst>
-              <a:ext uri="{28A0092B-C50C-407E-A947-70E740481C1C}">
-                <a14:useLocalDpi xmlns:a14="http://schemas.microsoft.com/office/drawing/2010/main" val="0"/>
-              </a:ext>
-            </a:extLst>
-          </a:blip>
-          <a:stretch>
-            <a:fillRect/>
-          </a:stretch>
-        </p:blipFill>
-        <p:spPr>
-          <a:xfrm>
-            <a:off x="8519431" y="1852549"/>
-            <a:ext cx="2013982" cy="3580411"/>
-          </a:xfrm>
-          <a:prstGeom prst="rect">
-            <a:avLst/>
-          </a:prstGeom>
-          <a:ln>
-            <a:solidFill>
-              <a:schemeClr val="tx1">
-                <a:lumMod val="65000"/>
-                <a:lumOff val="35000"/>
-              </a:schemeClr>
-            </a:solidFill>
-          </a:ln>
-        </p:spPr>
-      </p:pic>
-    </p:spTree>
-    <p:extLst>
-      <p:ext uri="{BB962C8B-B14F-4D97-AF65-F5344CB8AC3E}">
-        <p14:creationId xmlns:p14="http://schemas.microsoft.com/office/powerpoint/2010/main" val="2222966207"/>
-      </p:ext>
-    </p:extLst>
-  </p:cSld>
-  <p:clrMapOvr>
-    <a:masterClrMapping/>
-  </p:clrMapOvr>
-</p:sld>
-</file>
-
-<file path=ppt/slides/slide42.xml><?xml version="1.0" encoding="utf-8"?>
-<p:sld xmlns:a="http://schemas.openxmlformats.org/drawingml/2006/main" xmlns:r="http://schemas.openxmlformats.org/officeDocument/2006/relationships" xmlns:p="http://schemas.openxmlformats.org/presentationml/2006/main">
-  <p:cSld>
-    <p:spTree>
-      <p:nvGrpSpPr>
-        <p:cNvPr id="1" name=""/>
-        <p:cNvGrpSpPr/>
-        <p:nvPr/>
-      </p:nvGrpSpPr>
-      <p:grpSpPr>
-        <a:xfrm>
-          <a:off x="0" y="0"/>
-          <a:ext cx="0" cy="0"/>
-          <a:chOff x="0" y="0"/>
-          <a:chExt cx="0" cy="0"/>
-        </a:xfrm>
-      </p:grpSpPr>
-      <p:sp>
-        <p:nvSpPr>
-          <p:cNvPr id="2" name="Title 1"/>
-          <p:cNvSpPr>
-            <a:spLocks noGrp="1"/>
-          </p:cNvSpPr>
-          <p:nvPr>
-            <p:ph type="title"/>
-          </p:nvPr>
-        </p:nvSpPr>
-        <p:spPr/>
-        <p:txBody>
-          <a:bodyPr/>
-          <a:lstStyle/>
-          <a:p>
-            <a:r>
-              <a:rPr lang="en-US" dirty="0"/>
-              <a:t>Fragment Code</a:t>
-            </a:r>
-          </a:p>
-        </p:txBody>
-      </p:sp>
-      <p:sp>
-        <p:nvSpPr>
-          <p:cNvPr id="3" name="Content Placeholder 2"/>
-          <p:cNvSpPr>
-            <a:spLocks noGrp="1"/>
-          </p:cNvSpPr>
-          <p:nvPr>
-            <p:ph idx="1"/>
-          </p:nvPr>
-        </p:nvSpPr>
-        <p:spPr/>
-        <p:txBody>
-          <a:bodyPr/>
-          <a:lstStyle/>
-          <a:p>
-            <a:r>
-              <a:rPr lang="en-US" dirty="0"/>
-              <a:t>Logic to fragment XML layout</a:t>
-            </a:r>
-          </a:p>
-          <a:p>
-            <a:pPr lvl="1"/>
-            <a:r>
-              <a:rPr lang="en-US" dirty="0" err="1"/>
-              <a:t>onClick</a:t>
-            </a:r>
-            <a:r>
-              <a:rPr lang="en-US" dirty="0"/>
-              <a:t>() </a:t>
-            </a:r>
-          </a:p>
-        </p:txBody>
-      </p:sp>
-    </p:spTree>
-    <p:extLst>
-      <p:ext uri="{BB962C8B-B14F-4D97-AF65-F5344CB8AC3E}">
-        <p14:creationId xmlns:p14="http://schemas.microsoft.com/office/powerpoint/2010/main" val="4201928760"/>
-      </p:ext>
-    </p:extLst>
-  </p:cSld>
-  <p:clrMapOvr>
-    <a:masterClrMapping/>
-  </p:clrMapOvr>
-</p:sld>
-</file>
-
-<file path=ppt/slides/slide43.xml><?xml version="1.0" encoding="utf-8"?>
-<p:sld xmlns:a="http://schemas.openxmlformats.org/drawingml/2006/main" xmlns:r="http://schemas.openxmlformats.org/officeDocument/2006/relationships" xmlns:p="http://schemas.openxmlformats.org/presentationml/2006/main">
-  <p:cSld>
-    <p:spTree>
-      <p:nvGrpSpPr>
-        <p:cNvPr id="1" name=""/>
-        <p:cNvGrpSpPr/>
-        <p:nvPr/>
-      </p:nvGrpSpPr>
-      <p:grpSpPr>
-        <a:xfrm>
-          <a:off x="0" y="0"/>
-          <a:ext cx="0" cy="0"/>
-          <a:chOff x="0" y="0"/>
-          <a:chExt cx="0" cy="0"/>
-        </a:xfrm>
-      </p:grpSpPr>
-      <p:sp>
-        <p:nvSpPr>
-          <p:cNvPr id="3" name="Content Placeholder 2"/>
-          <p:cNvSpPr>
-            <a:spLocks noGrp="1"/>
-          </p:cNvSpPr>
-          <p:nvPr>
-            <p:ph idx="1"/>
-          </p:nvPr>
-        </p:nvSpPr>
-        <p:spPr/>
-        <p:txBody>
-          <a:bodyPr/>
-          <a:lstStyle/>
-          <a:p>
-            <a:pPr marL="0" indent="0" algn="ctr">
-              <a:buNone/>
-            </a:pPr>
-            <a:endParaRPr lang="en-US" dirty="0"/>
-          </a:p>
-          <a:p>
-            <a:pPr marL="0" indent="0" algn="ctr">
-              <a:buNone/>
-            </a:pPr>
-            <a:endParaRPr lang="en-US" dirty="0"/>
-          </a:p>
-          <a:p>
-            <a:pPr marL="0" indent="0" algn="ctr">
-              <a:buNone/>
-            </a:pPr>
-            <a:r>
-              <a:rPr lang="en-US" dirty="0"/>
-              <a:t>Show Fragment Code</a:t>
-            </a:r>
-          </a:p>
-        </p:txBody>
-      </p:sp>
-    </p:spTree>
-    <p:extLst>
-      <p:ext uri="{BB962C8B-B14F-4D97-AF65-F5344CB8AC3E}">
-        <p14:creationId xmlns:p14="http://schemas.microsoft.com/office/powerpoint/2010/main" val="1228316914"/>
-      </p:ext>
-    </p:extLst>
-  </p:cSld>
-  <p:clrMapOvr>
-    <a:masterClrMapping/>
-  </p:clrMapOvr>
-</p:sld>
-</file>
-
-<file path=ppt/slides/slide44.xml><?xml version="1.0" encoding="utf-8"?>
-<p:sld xmlns:a="http://schemas.openxmlformats.org/drawingml/2006/main" xmlns:r="http://schemas.openxmlformats.org/officeDocument/2006/relationships" xmlns:p="http://schemas.openxmlformats.org/presentationml/2006/main">
-  <p:cSld>
-    <p:spTree>
-      <p:nvGrpSpPr>
-        <p:cNvPr id="1" name=""/>
-        <p:cNvGrpSpPr/>
-        <p:nvPr/>
-      </p:nvGrpSpPr>
-      <p:grpSpPr>
-        <a:xfrm>
-          <a:off x="0" y="0"/>
-          <a:ext cx="0" cy="0"/>
-          <a:chOff x="0" y="0"/>
-          <a:chExt cx="0" cy="0"/>
-        </a:xfrm>
-      </p:grpSpPr>
-      <p:sp>
-        <p:nvSpPr>
-          <p:cNvPr id="3" name="Content Placeholder 2"/>
-          <p:cNvSpPr>
-            <a:spLocks noGrp="1"/>
-          </p:cNvSpPr>
-          <p:nvPr>
-            <p:ph idx="1"/>
-          </p:nvPr>
-        </p:nvSpPr>
-        <p:spPr/>
-        <p:txBody>
-          <a:bodyPr/>
-          <a:lstStyle/>
-          <a:p>
-            <a:pPr marL="0" indent="0">
-              <a:buNone/>
-            </a:pPr>
-            <a:endParaRPr lang="en-US" dirty="0"/>
-          </a:p>
-          <a:p>
-            <a:pPr marL="0" indent="0">
-              <a:buNone/>
-            </a:pPr>
-            <a:endParaRPr lang="en-US" dirty="0"/>
-          </a:p>
-          <a:p>
-            <a:pPr marL="0" indent="0" algn="ctr">
-              <a:buNone/>
-            </a:pPr>
-            <a:r>
-              <a:rPr lang="en-US" dirty="0"/>
-              <a:t>Live Example Fragment Code</a:t>
-            </a:r>
-          </a:p>
-        </p:txBody>
-      </p:sp>
-    </p:spTree>
-    <p:extLst>
-      <p:ext uri="{BB962C8B-B14F-4D97-AF65-F5344CB8AC3E}">
-        <p14:creationId xmlns:p14="http://schemas.microsoft.com/office/powerpoint/2010/main" val="998786636"/>
-      </p:ext>
-    </p:extLst>
-  </p:cSld>
-  <p:clrMapOvr>
-    <a:masterClrMapping/>
-  </p:clrMapOvr>
-</p:sld>
-</file>
-
-<file path=ppt/slides/slide45.xml><?xml version="1.0" encoding="utf-8"?>
-<p:sld xmlns:a="http://schemas.openxmlformats.org/drawingml/2006/main" xmlns:r="http://schemas.openxmlformats.org/officeDocument/2006/relationships" xmlns:p="http://schemas.openxmlformats.org/presentationml/2006/main">
-  <p:cSld>
-    <p:spTree>
-      <p:nvGrpSpPr>
-        <p:cNvPr id="1" name=""/>
-        <p:cNvGrpSpPr/>
-        <p:nvPr/>
-      </p:nvGrpSpPr>
-      <p:grpSpPr>
-        <a:xfrm>
-          <a:off x="0" y="0"/>
-          <a:ext cx="0" cy="0"/>
-          <a:chOff x="0" y="0"/>
-          <a:chExt cx="0" cy="0"/>
-        </a:xfrm>
-      </p:grpSpPr>
-      <p:sp>
-        <p:nvSpPr>
-          <p:cNvPr id="2" name="Title 1"/>
-          <p:cNvSpPr>
-            <a:spLocks noGrp="1"/>
-          </p:cNvSpPr>
-          <p:nvPr>
-            <p:ph type="title"/>
-          </p:nvPr>
-        </p:nvSpPr>
-        <p:spPr/>
-        <p:txBody>
-          <a:bodyPr/>
-          <a:lstStyle/>
-          <a:p>
-            <a:r>
-              <a:rPr lang="en-US" dirty="0"/>
-              <a:t>Adding Fragment to Activity</a:t>
-            </a:r>
-          </a:p>
-        </p:txBody>
-      </p:sp>
-      <p:sp>
-        <p:nvSpPr>
-          <p:cNvPr id="3" name="Content Placeholder 2"/>
-          <p:cNvSpPr>
-            <a:spLocks noGrp="1"/>
-          </p:cNvSpPr>
-          <p:nvPr>
-            <p:ph idx="1"/>
-          </p:nvPr>
-        </p:nvSpPr>
-        <p:spPr/>
-        <p:txBody>
-          <a:bodyPr/>
-          <a:lstStyle/>
-          <a:p>
-            <a:endParaRPr lang="en-US" dirty="0"/>
-          </a:p>
-        </p:txBody>
-      </p:sp>
-    </p:spTree>
-    <p:extLst>
-      <p:ext uri="{BB962C8B-B14F-4D97-AF65-F5344CB8AC3E}">
-        <p14:creationId xmlns:p14="http://schemas.microsoft.com/office/powerpoint/2010/main" val="1212573231"/>
-      </p:ext>
-    </p:extLst>
-  </p:cSld>
-  <p:clrMapOvr>
-    <a:masterClrMapping/>
-  </p:clrMapOvr>
-</p:sld>
-</file>
-
-<file path=ppt/slides/slide46.xml><?xml version="1.0" encoding="utf-8"?>
-<p:sld xmlns:a="http://schemas.openxmlformats.org/drawingml/2006/main" xmlns:r="http://schemas.openxmlformats.org/officeDocument/2006/relationships" xmlns:p="http://schemas.openxmlformats.org/presentationml/2006/main">
-  <p:cSld>
-    <p:spTree>
-      <p:nvGrpSpPr>
-        <p:cNvPr id="1" name=""/>
-        <p:cNvGrpSpPr/>
-        <p:nvPr/>
-      </p:nvGrpSpPr>
-      <p:grpSpPr>
-        <a:xfrm>
-          <a:off x="0" y="0"/>
-          <a:ext cx="0" cy="0"/>
-          <a:chOff x="0" y="0"/>
-          <a:chExt cx="0" cy="0"/>
-        </a:xfrm>
-      </p:grpSpPr>
-      <p:sp>
-        <p:nvSpPr>
-          <p:cNvPr id="3" name="Content Placeholder 2"/>
-          <p:cNvSpPr>
-            <a:spLocks noGrp="1"/>
-          </p:cNvSpPr>
-          <p:nvPr>
-            <p:ph idx="1"/>
-          </p:nvPr>
-        </p:nvSpPr>
-        <p:spPr/>
-        <p:txBody>
-          <a:bodyPr/>
-          <a:lstStyle/>
-          <a:p>
-            <a:pPr marL="0" indent="0" algn="ctr">
-              <a:buNone/>
-            </a:pPr>
-            <a:endParaRPr lang="en-US" dirty="0"/>
-          </a:p>
-          <a:p>
-            <a:pPr marL="0" indent="0" algn="ctr">
-              <a:buNone/>
-            </a:pPr>
-            <a:endParaRPr lang="en-US" dirty="0"/>
-          </a:p>
-          <a:p>
-            <a:pPr marL="0" indent="0" algn="ctr">
-              <a:buNone/>
-            </a:pPr>
-            <a:r>
-              <a:rPr lang="en-US" dirty="0"/>
-              <a:t>Extra</a:t>
-            </a:r>
-          </a:p>
-        </p:txBody>
-      </p:sp>
-    </p:spTree>
-    <p:extLst>
-      <p:ext uri="{BB962C8B-B14F-4D97-AF65-F5344CB8AC3E}">
-        <p14:creationId xmlns:p14="http://schemas.microsoft.com/office/powerpoint/2010/main" val="3384954775"/>
-      </p:ext>
-    </p:extLst>
-  </p:cSld>
-  <p:clrMapOvr>
-    <a:masterClrMapping/>
-  </p:clrMapOvr>
-</p:sld>
-</file>
-
-<file path=ppt/slides/slide47.xml><?xml version="1.0" encoding="utf-8"?>
-<p:sld xmlns:a="http://schemas.openxmlformats.org/drawingml/2006/main" xmlns:r="http://schemas.openxmlformats.org/officeDocument/2006/relationships" xmlns:p="http://schemas.openxmlformats.org/presentationml/2006/main">
-  <p:cSld>
-    <p:spTree>
-      <p:nvGrpSpPr>
-        <p:cNvPr id="1" name=""/>
-        <p:cNvGrpSpPr/>
-        <p:nvPr/>
-      </p:nvGrpSpPr>
-      <p:grpSpPr>
-        <a:xfrm>
-          <a:off x="0" y="0"/>
-          <a:ext cx="0" cy="0"/>
-          <a:chOff x="0" y="0"/>
-          <a:chExt cx="0" cy="0"/>
-        </a:xfrm>
-      </p:grpSpPr>
-      <p:sp>
-        <p:nvSpPr>
-          <p:cNvPr id="2" name="Title 1"/>
-          <p:cNvSpPr>
-            <a:spLocks noGrp="1"/>
-          </p:cNvSpPr>
-          <p:nvPr>
-            <p:ph type="title"/>
-          </p:nvPr>
-        </p:nvSpPr>
-        <p:spPr/>
-        <p:txBody>
-          <a:bodyPr/>
-          <a:lstStyle/>
-          <a:p>
-            <a:r>
-              <a:rPr lang="en-US" dirty="0"/>
-              <a:t>Landscape Layout </a:t>
-            </a:r>
-          </a:p>
-        </p:txBody>
-      </p:sp>
-      <p:sp>
-        <p:nvSpPr>
-          <p:cNvPr id="3" name="Content Placeholder 2"/>
-          <p:cNvSpPr>
-            <a:spLocks noGrp="1"/>
-          </p:cNvSpPr>
-          <p:nvPr>
-            <p:ph idx="1"/>
-          </p:nvPr>
-        </p:nvSpPr>
-        <p:spPr/>
-        <p:txBody>
-          <a:bodyPr/>
-          <a:lstStyle/>
-          <a:p>
-            <a:endParaRPr lang="en-US" dirty="0"/>
-          </a:p>
-        </p:txBody>
-      </p:sp>
-    </p:spTree>
-    <p:extLst>
-      <p:ext uri="{BB962C8B-B14F-4D97-AF65-F5344CB8AC3E}">
-        <p14:creationId xmlns:p14="http://schemas.microsoft.com/office/powerpoint/2010/main" val="449537407"/>
-      </p:ext>
-    </p:extLst>
-  </p:cSld>
-  <p:clrMapOvr>
-    <a:masterClrMapping/>
-  </p:clrMapOvr>
-</p:sld>
-</file>
-
-<file path=ppt/slides/slide48.xml><?xml version="1.0" encoding="utf-8"?>
-<p:sld xmlns:a="http://schemas.openxmlformats.org/drawingml/2006/main" xmlns:r="http://schemas.openxmlformats.org/officeDocument/2006/relationships" xmlns:p="http://schemas.openxmlformats.org/presentationml/2006/main">
-  <p:cSld>
-    <p:spTree>
-      <p:nvGrpSpPr>
-        <p:cNvPr id="1" name=""/>
-        <p:cNvGrpSpPr/>
-        <p:nvPr/>
-      </p:nvGrpSpPr>
-      <p:grpSpPr>
-        <a:xfrm>
-          <a:off x="0" y="0"/>
-          <a:ext cx="0" cy="0"/>
-          <a:chOff x="0" y="0"/>
-          <a:chExt cx="0" cy="0"/>
-        </a:xfrm>
-      </p:grpSpPr>
-      <p:sp>
-        <p:nvSpPr>
-          <p:cNvPr id="2" name="Title 1"/>
-          <p:cNvSpPr>
-            <a:spLocks noGrp="1"/>
-          </p:cNvSpPr>
-          <p:nvPr>
-            <p:ph type="title"/>
-          </p:nvPr>
-        </p:nvSpPr>
-        <p:spPr/>
-        <p:txBody>
-          <a:bodyPr/>
-          <a:lstStyle/>
-          <a:p>
-            <a:r>
-              <a:rPr lang="en-US" dirty="0"/>
-              <a:t>Fragment callbacks</a:t>
-            </a:r>
-          </a:p>
-        </p:txBody>
-      </p:sp>
-      <p:sp>
-        <p:nvSpPr>
-          <p:cNvPr id="3" name="Content Placeholder 2"/>
-          <p:cNvSpPr>
-            <a:spLocks noGrp="1"/>
-          </p:cNvSpPr>
-          <p:nvPr>
-            <p:ph idx="1"/>
-          </p:nvPr>
-        </p:nvSpPr>
-        <p:spPr/>
-        <p:txBody>
-          <a:bodyPr/>
-          <a:lstStyle/>
-          <a:p>
-            <a:endParaRPr lang="en-US" dirty="0"/>
-          </a:p>
-        </p:txBody>
-      </p:sp>
-    </p:spTree>
-    <p:extLst>
-      <p:ext uri="{BB962C8B-B14F-4D97-AF65-F5344CB8AC3E}">
-        <p14:creationId xmlns:p14="http://schemas.microsoft.com/office/powerpoint/2010/main" val="475706249"/>
-      </p:ext>
-    </p:extLst>
-  </p:cSld>
-  <p:clrMapOvr>
-    <a:masterClrMapping/>
-  </p:clrMapOvr>
-</p:sld>
-</file>
-
-<file path=ppt/slides/slide49.xml><?xml version="1.0" encoding="utf-8"?>
-<p:sld xmlns:a="http://schemas.openxmlformats.org/drawingml/2006/main" xmlns:r="http://schemas.openxmlformats.org/officeDocument/2006/relationships" xmlns:p="http://schemas.openxmlformats.org/presentationml/2006/main">
-  <p:cSld>
-    <p:spTree>
-      <p:nvGrpSpPr>
-        <p:cNvPr id="1" name=""/>
-        <p:cNvGrpSpPr/>
-        <p:nvPr/>
-      </p:nvGrpSpPr>
-      <p:grpSpPr>
-        <a:xfrm>
-          <a:off x="0" y="0"/>
-          <a:ext cx="0" cy="0"/>
-          <a:chOff x="0" y="0"/>
-          <a:chExt cx="0" cy="0"/>
-        </a:xfrm>
-      </p:grpSpPr>
-      <p:sp>
-        <p:nvSpPr>
-          <p:cNvPr id="2" name="Title 1"/>
-          <p:cNvSpPr>
-            <a:spLocks noGrp="1"/>
-          </p:cNvSpPr>
-          <p:nvPr>
-            <p:ph type="title"/>
-          </p:nvPr>
-        </p:nvSpPr>
-        <p:spPr/>
-        <p:txBody>
-          <a:bodyPr/>
-          <a:lstStyle/>
-          <a:p>
-            <a:r>
-              <a:rPr lang="en-US" dirty="0"/>
-              <a:t>Dynamic Fragments </a:t>
-            </a:r>
-          </a:p>
-        </p:txBody>
-      </p:sp>
-      <p:sp>
-        <p:nvSpPr>
-          <p:cNvPr id="3" name="Content Placeholder 2"/>
-          <p:cNvSpPr>
-            <a:spLocks noGrp="1"/>
-          </p:cNvSpPr>
-          <p:nvPr>
-            <p:ph idx="1"/>
-          </p:nvPr>
-        </p:nvSpPr>
-        <p:spPr/>
-        <p:txBody>
-          <a:bodyPr/>
-          <a:lstStyle/>
-          <a:p>
-            <a:endParaRPr lang="en-US"/>
-          </a:p>
-        </p:txBody>
-      </p:sp>
-    </p:spTree>
-    <p:extLst>
-      <p:ext uri="{BB962C8B-B14F-4D97-AF65-F5344CB8AC3E}">
-        <p14:creationId xmlns:p14="http://schemas.microsoft.com/office/powerpoint/2010/main" val="3668840453"/>
-      </p:ext>
-    </p:extLst>
-  </p:cSld>
-  <p:clrMapOvr>
-    <a:masterClrMapping/>
-  </p:clrMapOvr>
+  <p:timing>
+    <p:tnLst>
+      <p:par>
+        <p:cTn id="1" dur="indefinite" restart="never" nodeType="tmRoot"/>
+      </p:par>
+    </p:tnLst>
+  </p:timing>
 </p:sld>
 </file>
 
@@ -9986,6 +12844,13 @@
   <p:clrMapOvr>
     <a:masterClrMapping/>
   </p:clrMapOvr>
+  <p:timing>
+    <p:tnLst>
+      <p:par>
+        <p:cTn id="1" dur="indefinite" restart="never" nodeType="tmRoot"/>
+      </p:par>
+    </p:tnLst>
+  </p:timing>
 </p:sld>
 </file>
 
@@ -10016,52 +12881,1670 @@
             <p:ph type="title"/>
           </p:nvPr>
         </p:nvSpPr>
+        <p:spPr/>
+        <p:txBody>
+          <a:bodyPr/>
+          <a:lstStyle/>
+          <a:p>
+            <a:r>
+              <a:rPr lang="en-US" dirty="0"/>
+              <a:t>Fragment Lifecycle</a:t>
+            </a:r>
+            <a:endParaRPr lang="en-US" sz="2800" dirty="0"/>
+          </a:p>
+        </p:txBody>
+      </p:sp>
+      <p:pic>
+        <p:nvPicPr>
+          <p:cNvPr id="2054" name="Picture 6" descr="https://developer.android.com/images/fragment_lifecycle.png"/>
+          <p:cNvPicPr>
+            <a:picLocks noChangeAspect="1" noChangeArrowheads="1"/>
+          </p:cNvPicPr>
+          <p:nvPr/>
+        </p:nvPicPr>
+        <p:blipFill>
+          <a:blip r:embed="rId2">
+            <a:extLst>
+              <a:ext uri="{28A0092B-C50C-407E-A947-70E740481C1C}">
+                <a14:useLocalDpi xmlns:a14="http://schemas.microsoft.com/office/drawing/2010/main" val="0"/>
+              </a:ext>
+            </a:extLst>
+          </a:blip>
+          <a:srcRect/>
+          <a:stretch>
+            <a:fillRect/>
+          </a:stretch>
+        </p:blipFill>
+        <p:spPr bwMode="auto">
+          <a:xfrm>
+            <a:off x="619910" y="1650670"/>
+            <a:ext cx="1655354" cy="4422981"/>
+          </a:xfrm>
+          <a:prstGeom prst="rect">
+            <a:avLst/>
+          </a:prstGeom>
+          <a:noFill/>
+          <a:extLst>
+            <a:ext uri="{909E8E84-426E-40DD-AFC4-6F175D3DCCD1}">
+              <a14:hiddenFill xmlns:a14="http://schemas.microsoft.com/office/drawing/2010/main">
+                <a:solidFill>
+                  <a:srgbClr val="FFFFFF"/>
+                </a:solidFill>
+              </a14:hiddenFill>
+            </a:ext>
+          </a:extLst>
+        </p:spPr>
+      </p:pic>
+      <p:sp>
+        <p:nvSpPr>
+          <p:cNvPr id="3" name="Rectangle 2"/>
+          <p:cNvSpPr/>
+          <p:nvPr/>
+        </p:nvSpPr>
         <p:spPr>
           <a:xfrm>
-            <a:off x="0" y="457200"/>
-            <a:ext cx="9144000" cy="1143000"/>
+            <a:off x="716280" y="4861560"/>
+            <a:ext cx="906780" cy="853440"/>
           </a:xfrm>
+          <a:prstGeom prst="rect">
+            <a:avLst/>
+          </a:prstGeom>
+          <a:noFill/>
+          <a:ln w="19050">
+            <a:solidFill>
+              <a:schemeClr val="accent6">
+                <a:lumMod val="75000"/>
+              </a:schemeClr>
+            </a:solidFill>
+          </a:ln>
         </p:spPr>
-        <p:txBody>
-          <a:bodyPr/>
-          <a:lstStyle/>
-          <a:p>
+        <p:style>
+          <a:lnRef idx="2">
+            <a:schemeClr val="accent1">
+              <a:shade val="50000"/>
+            </a:schemeClr>
+          </a:lnRef>
+          <a:fillRef idx="1">
+            <a:schemeClr val="accent1"/>
+          </a:fillRef>
+          <a:effectRef idx="0">
+            <a:schemeClr val="accent1"/>
+          </a:effectRef>
+          <a:fontRef idx="minor">
+            <a:schemeClr val="lt1"/>
+          </a:fontRef>
+        </p:style>
+        <p:txBody>
+          <a:bodyPr rtlCol="0" anchor="ctr"/>
+          <a:lstStyle/>
+          <a:p>
+            <a:pPr algn="ctr"/>
+            <a:endParaRPr lang="en-US"/>
+          </a:p>
+        </p:txBody>
+      </p:sp>
+      <p:pic>
+        <p:nvPicPr>
+          <p:cNvPr id="3074" name="Picture 2"/>
+          <p:cNvPicPr>
+            <a:picLocks noChangeAspect="1" noChangeArrowheads="1"/>
+          </p:cNvPicPr>
+          <p:nvPr/>
+        </p:nvPicPr>
+        <p:blipFill>
+          <a:blip r:embed="rId3">
+            <a:extLst>
+              <a:ext uri="{28A0092B-C50C-407E-A947-70E740481C1C}">
+                <a14:useLocalDpi xmlns:a14="http://schemas.microsoft.com/office/drawing/2010/main" val="0"/>
+              </a:ext>
+            </a:extLst>
+          </a:blip>
+          <a:srcRect/>
+          <a:stretch>
+            <a:fillRect/>
+          </a:stretch>
+        </p:blipFill>
+        <p:spPr bwMode="auto">
+          <a:xfrm>
+            <a:off x="2275264" y="2093408"/>
+            <a:ext cx="1928752" cy="2477911"/>
+          </a:xfrm>
+          <a:prstGeom prst="rect">
+            <a:avLst/>
+          </a:prstGeom>
+          <a:noFill/>
+          <a:ln>
+            <a:noFill/>
+          </a:ln>
+          <a:extLst>
+            <a:ext uri="{909E8E84-426E-40DD-AFC4-6F175D3DCCD1}">
+              <a14:hiddenFill xmlns:a14="http://schemas.microsoft.com/office/drawing/2010/main">
+                <a:solidFill>
+                  <a:schemeClr val="accent1"/>
+                </a:solidFill>
+              </a14:hiddenFill>
+            </a:ext>
+            <a:ext uri="{91240B29-F687-4F45-9708-019B960494DF}">
+              <a14:hiddenLine xmlns:a14="http://schemas.microsoft.com/office/drawing/2010/main" w="9525">
+                <a:solidFill>
+                  <a:schemeClr val="tx1"/>
+                </a:solidFill>
+                <a:miter lim="800000"/>
+                <a:headEnd/>
+                <a:tailEnd/>
+              </a14:hiddenLine>
+            </a:ext>
+          </a:extLst>
+        </p:spPr>
+      </p:pic>
+      <p:sp>
+        <p:nvSpPr>
+          <p:cNvPr id="4" name="TextBox 3"/>
+          <p:cNvSpPr txBox="1"/>
+          <p:nvPr/>
+        </p:nvSpPr>
+        <p:spPr>
+          <a:xfrm>
+            <a:off x="4459184" y="2541319"/>
+            <a:ext cx="7552707" cy="369332"/>
+          </a:xfrm>
+          <a:prstGeom prst="rect">
+            <a:avLst/>
+          </a:prstGeom>
+          <a:noFill/>
+        </p:spPr>
+        <p:txBody>
+          <a:bodyPr wrap="square" rtlCol="0">
+            <a:spAutoFit/>
+          </a:bodyPr>
+          <a:lstStyle/>
+          <a:p>
+            <a:r>
+              <a:rPr lang="en-US" b="1" dirty="0" err="1"/>
+              <a:t>onDestroyView</a:t>
+            </a:r>
+            <a:r>
+              <a:rPr lang="en-US" b="1" dirty="0"/>
+              <a:t>() </a:t>
+            </a:r>
             <a:r>
               <a:rPr lang="en-US" dirty="0"/>
-              <a:t>Passing arguments to Fragments</a:t>
-            </a:r>
-          </a:p>
-        </p:txBody>
-      </p:sp>
-      <p:sp>
-        <p:nvSpPr>
-          <p:cNvPr id="3" name="Content Placeholder 2"/>
-          <p:cNvSpPr>
-            <a:spLocks noGrp="1"/>
-          </p:cNvSpPr>
-          <p:nvPr>
-            <p:ph idx="1"/>
-          </p:nvPr>
-        </p:nvSpPr>
-        <p:spPr/>
-        <p:txBody>
-          <a:bodyPr/>
-          <a:lstStyle/>
-          <a:p>
-            <a:endParaRPr lang="en-US" dirty="0"/>
-          </a:p>
-        </p:txBody>
-      </p:sp>
+              <a:t>not visible and </a:t>
+            </a:r>
+            <a:r>
+              <a:rPr lang="en-US" u="sng" dirty="0"/>
+              <a:t>view detached from fragment</a:t>
+            </a:r>
+            <a:endParaRPr lang="en-US" b="1" u="sng" dirty="0"/>
+          </a:p>
+        </p:txBody>
+      </p:sp>
+      <p:sp>
+        <p:nvSpPr>
+          <p:cNvPr id="5" name="TextBox 4"/>
+          <p:cNvSpPr txBox="1"/>
+          <p:nvPr/>
+        </p:nvSpPr>
+        <p:spPr>
+          <a:xfrm>
+            <a:off x="4459184" y="3296738"/>
+            <a:ext cx="7635834" cy="372738"/>
+          </a:xfrm>
+          <a:prstGeom prst="rect">
+            <a:avLst/>
+          </a:prstGeom>
+          <a:noFill/>
+        </p:spPr>
+        <p:txBody>
+          <a:bodyPr wrap="square" rtlCol="0">
+            <a:spAutoFit/>
+          </a:bodyPr>
+          <a:lstStyle/>
+          <a:p>
+            <a:r>
+              <a:rPr lang="en-US" b="1" dirty="0" err="1"/>
+              <a:t>onDestroy</a:t>
+            </a:r>
+            <a:r>
+              <a:rPr lang="en-US" b="1" dirty="0"/>
+              <a:t>() </a:t>
+            </a:r>
+            <a:r>
+              <a:rPr lang="en-US" dirty="0"/>
+              <a:t>flagged for deletion</a:t>
+            </a:r>
+            <a:endParaRPr lang="en-US" b="1" dirty="0"/>
+          </a:p>
+        </p:txBody>
+      </p:sp>
+      <p:sp>
+        <p:nvSpPr>
+          <p:cNvPr id="6" name="TextBox 5"/>
+          <p:cNvSpPr txBox="1"/>
+          <p:nvPr/>
+        </p:nvSpPr>
+        <p:spPr>
+          <a:xfrm>
+            <a:off x="4459184" y="3959822"/>
+            <a:ext cx="6543304" cy="369332"/>
+          </a:xfrm>
+          <a:prstGeom prst="rect">
+            <a:avLst/>
+          </a:prstGeom>
+          <a:noFill/>
+        </p:spPr>
+        <p:txBody>
+          <a:bodyPr wrap="square" rtlCol="0">
+            <a:spAutoFit/>
+          </a:bodyPr>
+          <a:lstStyle/>
+          <a:p>
+            <a:r>
+              <a:rPr lang="en-US" b="1" dirty="0" err="1"/>
+              <a:t>onDetach</a:t>
+            </a:r>
+            <a:r>
+              <a:rPr lang="en-US" b="1" dirty="0"/>
+              <a:t>() </a:t>
+            </a:r>
+            <a:r>
+              <a:rPr lang="en-US" dirty="0"/>
+              <a:t>detached from parent Activity</a:t>
+            </a:r>
+          </a:p>
+        </p:txBody>
+      </p:sp>
+      <p:pic>
+        <p:nvPicPr>
+          <p:cNvPr id="1026" name="Picture 2" descr="C:\Users\brian.batchelor\AppData\Local\Microsoft\Windows\INetCache\IE\T13KQPTQ\large-Pin-0-11351[1].gif"/>
+          <p:cNvPicPr>
+            <a:picLocks noChangeAspect="1" noChangeArrowheads="1"/>
+          </p:cNvPicPr>
+          <p:nvPr/>
+        </p:nvPicPr>
+        <p:blipFill>
+          <a:blip r:embed="rId4" cstate="print">
+            <a:extLst>
+              <a:ext uri="{28A0092B-C50C-407E-A947-70E740481C1C}">
+                <a14:useLocalDpi xmlns:a14="http://schemas.microsoft.com/office/drawing/2010/main" val="0"/>
+              </a:ext>
+            </a:extLst>
+          </a:blip>
+          <a:srcRect/>
+          <a:stretch>
+            <a:fillRect/>
+          </a:stretch>
+        </p:blipFill>
+        <p:spPr bwMode="auto">
+          <a:xfrm>
+            <a:off x="2214463" y="2093408"/>
+            <a:ext cx="360362" cy="523875"/>
+          </a:xfrm>
+          <a:prstGeom prst="rect">
+            <a:avLst/>
+          </a:prstGeom>
+          <a:noFill/>
+          <a:extLst>
+            <a:ext uri="{909E8E84-426E-40DD-AFC4-6F175D3DCCD1}">
+              <a14:hiddenFill xmlns:a14="http://schemas.microsoft.com/office/drawing/2010/main">
+                <a:solidFill>
+                  <a:srgbClr val="FFFFFF"/>
+                </a:solidFill>
+              </a14:hiddenFill>
+            </a:ext>
+          </a:extLst>
+        </p:spPr>
+      </p:pic>
     </p:spTree>
     <p:extLst>
       <p:ext uri="{BB962C8B-B14F-4D97-AF65-F5344CB8AC3E}">
-        <p14:creationId xmlns:p14="http://schemas.microsoft.com/office/powerpoint/2010/main" val="786261865"/>
+        <p14:creationId xmlns:p14="http://schemas.microsoft.com/office/powerpoint/2010/main" val="412267079"/>
       </p:ext>
     </p:extLst>
   </p:cSld>
   <p:clrMapOvr>
     <a:masterClrMapping/>
   </p:clrMapOvr>
+  <p:timing>
+    <p:tnLst>
+      <p:par>
+        <p:cTn id="1" dur="indefinite" restart="never" nodeType="tmRoot"/>
+      </p:par>
+    </p:tnLst>
+  </p:timing>
+</p:sld>
+</file>
+
+<file path=ppt/slides/slide51.xml><?xml version="1.0" encoding="utf-8"?>
+<p:sld xmlns:a="http://schemas.openxmlformats.org/drawingml/2006/main" xmlns:r="http://schemas.openxmlformats.org/officeDocument/2006/relationships" xmlns:p="http://schemas.openxmlformats.org/presentationml/2006/main">
+  <p:cSld>
+    <p:spTree>
+      <p:nvGrpSpPr>
+        <p:cNvPr id="1" name=""/>
+        <p:cNvGrpSpPr/>
+        <p:nvPr/>
+      </p:nvGrpSpPr>
+      <p:grpSpPr>
+        <a:xfrm>
+          <a:off x="0" y="0"/>
+          <a:ext cx="0" cy="0"/>
+          <a:chOff x="0" y="0"/>
+          <a:chExt cx="0" cy="0"/>
+        </a:xfrm>
+      </p:grpSpPr>
+      <p:sp>
+        <p:nvSpPr>
+          <p:cNvPr id="2" name="Title 1"/>
+          <p:cNvSpPr>
+            <a:spLocks noGrp="1"/>
+          </p:cNvSpPr>
+          <p:nvPr>
+            <p:ph type="title"/>
+          </p:nvPr>
+        </p:nvSpPr>
+        <p:spPr/>
+        <p:txBody>
+          <a:bodyPr/>
+          <a:lstStyle/>
+          <a:p>
+            <a:r>
+              <a:rPr lang="en-US" dirty="0" err="1" smtClean="0"/>
+              <a:t>setRetainInstance</a:t>
+            </a:r>
+            <a:endParaRPr lang="en-US" dirty="0"/>
+          </a:p>
+        </p:txBody>
+      </p:sp>
+      <p:sp>
+        <p:nvSpPr>
+          <p:cNvPr id="3" name="Content Placeholder 2"/>
+          <p:cNvSpPr>
+            <a:spLocks noGrp="1"/>
+          </p:cNvSpPr>
+          <p:nvPr>
+            <p:ph idx="1"/>
+          </p:nvPr>
+        </p:nvSpPr>
+        <p:spPr/>
+        <p:txBody>
+          <a:bodyPr/>
+          <a:lstStyle/>
+          <a:p>
+            <a:pPr marL="380991" lvl="1" indent="0">
+              <a:buNone/>
+            </a:pPr>
+            <a:r>
+              <a:rPr lang="en-US" b="1" dirty="0" smtClean="0"/>
+              <a:t>void </a:t>
+            </a:r>
+            <a:r>
+              <a:rPr lang="en-US" b="1" dirty="0" err="1" smtClean="0"/>
+              <a:t>setRetainInstance</a:t>
+            </a:r>
+            <a:r>
+              <a:rPr lang="en-US" b="1" dirty="0" smtClean="0"/>
+              <a:t> (</a:t>
+            </a:r>
+            <a:r>
+              <a:rPr lang="en-US" b="1" dirty="0" err="1" smtClean="0"/>
+              <a:t>boolean</a:t>
+            </a:r>
+            <a:r>
+              <a:rPr lang="en-US" b="1" dirty="0" smtClean="0"/>
+              <a:t> retain) - </a:t>
+            </a:r>
+          </a:p>
+          <a:p>
+            <a:pPr marL="380991" lvl="1" indent="0">
+              <a:buNone/>
+            </a:pPr>
+            <a:r>
+              <a:rPr lang="en-US" dirty="0" smtClean="0"/>
+              <a:t>Control whether a fragment instance is retained across Activity re-creation (such as from a configuration change)</a:t>
+            </a:r>
+            <a:endParaRPr lang="en-US" dirty="0"/>
+          </a:p>
+        </p:txBody>
+      </p:sp>
+    </p:spTree>
+    <p:extLst>
+      <p:ext uri="{BB962C8B-B14F-4D97-AF65-F5344CB8AC3E}">
+        <p14:creationId xmlns:p14="http://schemas.microsoft.com/office/powerpoint/2010/main" val="2186739770"/>
+      </p:ext>
+    </p:extLst>
+  </p:cSld>
+  <p:clrMapOvr>
+    <a:masterClrMapping/>
+  </p:clrMapOvr>
+  <p:timing>
+    <p:tnLst>
+      <p:par>
+        <p:cTn id="1" dur="indefinite" restart="never" nodeType="tmRoot"/>
+      </p:par>
+    </p:tnLst>
+  </p:timing>
+</p:sld>
+</file>
+
+<file path=ppt/slides/slide52.xml><?xml version="1.0" encoding="utf-8"?>
+<p:sld xmlns:a="http://schemas.openxmlformats.org/drawingml/2006/main" xmlns:r="http://schemas.openxmlformats.org/officeDocument/2006/relationships" xmlns:p="http://schemas.openxmlformats.org/presentationml/2006/main">
+  <p:cSld>
+    <p:spTree>
+      <p:nvGrpSpPr>
+        <p:cNvPr id="1" name=""/>
+        <p:cNvGrpSpPr/>
+        <p:nvPr/>
+      </p:nvGrpSpPr>
+      <p:grpSpPr>
+        <a:xfrm>
+          <a:off x="0" y="0"/>
+          <a:ext cx="0" cy="0"/>
+          <a:chOff x="0" y="0"/>
+          <a:chExt cx="0" cy="0"/>
+        </a:xfrm>
+      </p:grpSpPr>
+      <p:sp>
+        <p:nvSpPr>
+          <p:cNvPr id="2" name="Title 1"/>
+          <p:cNvSpPr>
+            <a:spLocks noGrp="1"/>
+          </p:cNvSpPr>
+          <p:nvPr>
+            <p:ph type="title"/>
+          </p:nvPr>
+        </p:nvSpPr>
+        <p:spPr>
+          <a:xfrm>
+            <a:off x="0" y="457200"/>
+            <a:ext cx="7920842" cy="1143000"/>
+          </a:xfrm>
+        </p:spPr>
+        <p:txBody>
+          <a:bodyPr/>
+          <a:lstStyle/>
+          <a:p>
+            <a:r>
+              <a:rPr lang="en-US" dirty="0"/>
+              <a:t>Creating Fragment XML Layout</a:t>
+            </a:r>
+          </a:p>
+        </p:txBody>
+      </p:sp>
+      <p:pic>
+        <p:nvPicPr>
+          <p:cNvPr id="1027" name="Picture 3"/>
+          <p:cNvPicPr>
+            <a:picLocks noGrp="1" noChangeAspect="1" noChangeArrowheads="1"/>
+          </p:cNvPicPr>
+          <p:nvPr>
+            <p:ph idx="1"/>
+          </p:nvPr>
+        </p:nvPicPr>
+        <p:blipFill>
+          <a:blip r:embed="rId2">
+            <a:extLst>
+              <a:ext uri="{28A0092B-C50C-407E-A947-70E740481C1C}">
+                <a14:useLocalDpi xmlns:a14="http://schemas.microsoft.com/office/drawing/2010/main" val="0"/>
+              </a:ext>
+            </a:extLst>
+          </a:blip>
+          <a:srcRect/>
+          <a:stretch>
+            <a:fillRect/>
+          </a:stretch>
+        </p:blipFill>
+        <p:spPr bwMode="auto">
+          <a:xfrm>
+            <a:off x="500619" y="1732860"/>
+            <a:ext cx="5276850" cy="3571875"/>
+          </a:xfrm>
+          <a:prstGeom prst="rect">
+            <a:avLst/>
+          </a:prstGeom>
+          <a:noFill/>
+          <a:ln>
+            <a:noFill/>
+          </a:ln>
+          <a:extLst>
+            <a:ext uri="{909E8E84-426E-40DD-AFC4-6F175D3DCCD1}">
+              <a14:hiddenFill xmlns:a14="http://schemas.microsoft.com/office/drawing/2010/main">
+                <a:solidFill>
+                  <a:schemeClr val="accent1"/>
+                </a:solidFill>
+              </a14:hiddenFill>
+            </a:ext>
+            <a:ext uri="{91240B29-F687-4F45-9708-019B960494DF}">
+              <a14:hiddenLine xmlns:a14="http://schemas.microsoft.com/office/drawing/2010/main" w="9525">
+                <a:solidFill>
+                  <a:schemeClr val="tx1"/>
+                </a:solidFill>
+                <a:miter lim="800000"/>
+                <a:headEnd/>
+                <a:tailEnd/>
+              </a14:hiddenLine>
+            </a:ext>
+          </a:extLst>
+        </p:spPr>
+      </p:pic>
+      <p:pic>
+        <p:nvPicPr>
+          <p:cNvPr id="1028" name="Picture 4"/>
+          <p:cNvPicPr>
+            <a:picLocks noChangeAspect="1" noChangeArrowheads="1"/>
+          </p:cNvPicPr>
+          <p:nvPr/>
+        </p:nvPicPr>
+        <p:blipFill>
+          <a:blip r:embed="rId3">
+            <a:extLst>
+              <a:ext uri="{28A0092B-C50C-407E-A947-70E740481C1C}">
+                <a14:useLocalDpi xmlns:a14="http://schemas.microsoft.com/office/drawing/2010/main" val="0"/>
+              </a:ext>
+            </a:extLst>
+          </a:blip>
+          <a:srcRect/>
+          <a:stretch>
+            <a:fillRect/>
+          </a:stretch>
+        </p:blipFill>
+        <p:spPr bwMode="auto">
+          <a:xfrm>
+            <a:off x="6102283" y="1757546"/>
+            <a:ext cx="5844294" cy="3509406"/>
+          </a:xfrm>
+          <a:prstGeom prst="rect">
+            <a:avLst/>
+          </a:prstGeom>
+          <a:noFill/>
+          <a:ln>
+            <a:noFill/>
+          </a:ln>
+          <a:extLst>
+            <a:ext uri="{909E8E84-426E-40DD-AFC4-6F175D3DCCD1}">
+              <a14:hiddenFill xmlns:a14="http://schemas.microsoft.com/office/drawing/2010/main">
+                <a:solidFill>
+                  <a:schemeClr val="accent1"/>
+                </a:solidFill>
+              </a14:hiddenFill>
+            </a:ext>
+            <a:ext uri="{91240B29-F687-4F45-9708-019B960494DF}">
+              <a14:hiddenLine xmlns:a14="http://schemas.microsoft.com/office/drawing/2010/main" w="9525">
+                <a:solidFill>
+                  <a:schemeClr val="tx1"/>
+                </a:solidFill>
+                <a:miter lim="800000"/>
+                <a:headEnd/>
+                <a:tailEnd/>
+              </a14:hiddenLine>
+            </a:ext>
+          </a:extLst>
+        </p:spPr>
+      </p:pic>
+    </p:spTree>
+    <p:extLst>
+      <p:ext uri="{BB962C8B-B14F-4D97-AF65-F5344CB8AC3E}">
+        <p14:creationId xmlns:p14="http://schemas.microsoft.com/office/powerpoint/2010/main" val="294499272"/>
+      </p:ext>
+    </p:extLst>
+  </p:cSld>
+  <p:clrMapOvr>
+    <a:masterClrMapping/>
+  </p:clrMapOvr>
+  <p:timing>
+    <p:tnLst>
+      <p:par>
+        <p:cTn id="1" dur="indefinite" restart="never" nodeType="tmRoot"/>
+      </p:par>
+    </p:tnLst>
+  </p:timing>
+</p:sld>
+</file>
+
+<file path=ppt/slides/slide53.xml><?xml version="1.0" encoding="utf-8"?>
+<p:sld xmlns:a="http://schemas.openxmlformats.org/drawingml/2006/main" xmlns:r="http://schemas.openxmlformats.org/officeDocument/2006/relationships" xmlns:p="http://schemas.openxmlformats.org/presentationml/2006/main">
+  <p:cSld>
+    <p:spTree>
+      <p:nvGrpSpPr>
+        <p:cNvPr id="1" name=""/>
+        <p:cNvGrpSpPr/>
+        <p:nvPr/>
+      </p:nvGrpSpPr>
+      <p:grpSpPr>
+        <a:xfrm>
+          <a:off x="0" y="0"/>
+          <a:ext cx="0" cy="0"/>
+          <a:chOff x="0" y="0"/>
+          <a:chExt cx="0" cy="0"/>
+        </a:xfrm>
+      </p:grpSpPr>
+      <p:sp>
+        <p:nvSpPr>
+          <p:cNvPr id="3" name="Content Placeholder 2"/>
+          <p:cNvSpPr>
+            <a:spLocks noGrp="1"/>
+          </p:cNvSpPr>
+          <p:nvPr>
+            <p:ph idx="1"/>
+          </p:nvPr>
+        </p:nvSpPr>
+        <p:spPr/>
+        <p:txBody>
+          <a:bodyPr/>
+          <a:lstStyle/>
+          <a:p>
+            <a:pPr marL="0" indent="0" algn="ctr">
+              <a:buNone/>
+            </a:pPr>
+            <a:endParaRPr lang="en-US" dirty="0"/>
+          </a:p>
+          <a:p>
+            <a:pPr marL="0" indent="0" algn="ctr">
+              <a:buNone/>
+            </a:pPr>
+            <a:endParaRPr lang="en-US" dirty="0"/>
+          </a:p>
+          <a:p>
+            <a:pPr marL="0" indent="0" algn="ctr">
+              <a:buNone/>
+            </a:pPr>
+            <a:r>
+              <a:rPr lang="en-US" dirty="0"/>
+              <a:t>Show Fragment Layout Code</a:t>
+            </a:r>
+          </a:p>
+        </p:txBody>
+      </p:sp>
+    </p:spTree>
+    <p:extLst>
+      <p:ext uri="{BB962C8B-B14F-4D97-AF65-F5344CB8AC3E}">
+        <p14:creationId xmlns:p14="http://schemas.microsoft.com/office/powerpoint/2010/main" val="1180113334"/>
+      </p:ext>
+    </p:extLst>
+  </p:cSld>
+  <p:clrMapOvr>
+    <a:masterClrMapping/>
+  </p:clrMapOvr>
+  <p:timing>
+    <p:tnLst>
+      <p:par>
+        <p:cTn id="1" dur="indefinite" restart="never" nodeType="tmRoot"/>
+      </p:par>
+    </p:tnLst>
+  </p:timing>
+</p:sld>
+</file>
+
+<file path=ppt/slides/slide54.xml><?xml version="1.0" encoding="utf-8"?>
+<p:sld xmlns:a="http://schemas.openxmlformats.org/drawingml/2006/main" xmlns:r="http://schemas.openxmlformats.org/officeDocument/2006/relationships" xmlns:p="http://schemas.openxmlformats.org/presentationml/2006/main">
+  <p:cSld>
+    <p:spTree>
+      <p:nvGrpSpPr>
+        <p:cNvPr id="1" name=""/>
+        <p:cNvGrpSpPr/>
+        <p:nvPr/>
+      </p:nvGrpSpPr>
+      <p:grpSpPr>
+        <a:xfrm>
+          <a:off x="0" y="0"/>
+          <a:ext cx="0" cy="0"/>
+          <a:chOff x="0" y="0"/>
+          <a:chExt cx="0" cy="0"/>
+        </a:xfrm>
+      </p:grpSpPr>
+      <p:sp>
+        <p:nvSpPr>
+          <p:cNvPr id="2" name="Title 1"/>
+          <p:cNvSpPr>
+            <a:spLocks noGrp="1"/>
+          </p:cNvSpPr>
+          <p:nvPr>
+            <p:ph type="title"/>
+          </p:nvPr>
+        </p:nvSpPr>
+        <p:spPr/>
+        <p:txBody>
+          <a:bodyPr/>
+          <a:lstStyle/>
+          <a:p>
+            <a:r>
+              <a:rPr lang="en-US" dirty="0" smtClean="0"/>
+              <a:t>Text Strings </a:t>
+            </a:r>
+            <a:endParaRPr lang="en-US" dirty="0"/>
+          </a:p>
+        </p:txBody>
+      </p:sp>
+      <p:sp>
+        <p:nvSpPr>
+          <p:cNvPr id="3" name="Content Placeholder 2"/>
+          <p:cNvSpPr>
+            <a:spLocks noGrp="1"/>
+          </p:cNvSpPr>
+          <p:nvPr>
+            <p:ph idx="1"/>
+          </p:nvPr>
+        </p:nvSpPr>
+        <p:spPr/>
+        <p:txBody>
+          <a:bodyPr/>
+          <a:lstStyle/>
+          <a:p>
+            <a:r>
+              <a:rPr lang="en-US" dirty="0" smtClean="0"/>
+              <a:t>Best practice</a:t>
+            </a:r>
+          </a:p>
+          <a:p>
+            <a:pPr lvl="1"/>
+            <a:r>
+              <a:rPr lang="en-US" dirty="0" smtClean="0"/>
+              <a:t>Reference string from strings.xml</a:t>
+            </a:r>
+            <a:endParaRPr lang="en-US" dirty="0"/>
+          </a:p>
+        </p:txBody>
+      </p:sp>
+    </p:spTree>
+    <p:extLst>
+      <p:ext uri="{BB962C8B-B14F-4D97-AF65-F5344CB8AC3E}">
+        <p14:creationId xmlns:p14="http://schemas.microsoft.com/office/powerpoint/2010/main" val="1994624739"/>
+      </p:ext>
+    </p:extLst>
+  </p:cSld>
+  <p:clrMapOvr>
+    <a:masterClrMapping/>
+  </p:clrMapOvr>
+  <p:timing>
+    <p:tnLst>
+      <p:par>
+        <p:cTn id="1" dur="indefinite" restart="never" nodeType="tmRoot"/>
+      </p:par>
+    </p:tnLst>
+  </p:timing>
+</p:sld>
+</file>
+
+<file path=ppt/slides/slide55.xml><?xml version="1.0" encoding="utf-8"?>
+<p:sld xmlns:a="http://schemas.openxmlformats.org/drawingml/2006/main" xmlns:r="http://schemas.openxmlformats.org/officeDocument/2006/relationships" xmlns:p="http://schemas.openxmlformats.org/presentationml/2006/main">
+  <p:cSld>
+    <p:spTree>
+      <p:nvGrpSpPr>
+        <p:cNvPr id="1" name=""/>
+        <p:cNvGrpSpPr/>
+        <p:nvPr/>
+      </p:nvGrpSpPr>
+      <p:grpSpPr>
+        <a:xfrm>
+          <a:off x="0" y="0"/>
+          <a:ext cx="0" cy="0"/>
+          <a:chOff x="0" y="0"/>
+          <a:chExt cx="0" cy="0"/>
+        </a:xfrm>
+      </p:grpSpPr>
+      <p:sp>
+        <p:nvSpPr>
+          <p:cNvPr id="3" name="Content Placeholder 2"/>
+          <p:cNvSpPr>
+            <a:spLocks noGrp="1"/>
+          </p:cNvSpPr>
+          <p:nvPr>
+            <p:ph idx="1"/>
+          </p:nvPr>
+        </p:nvSpPr>
+        <p:spPr/>
+        <p:txBody>
+          <a:bodyPr/>
+          <a:lstStyle/>
+          <a:p>
+            <a:r>
+              <a:rPr lang="en-US" dirty="0"/>
+              <a:t>View </a:t>
+            </a:r>
+            <a:r>
+              <a:rPr lang="en-US" dirty="0" smtClean="0"/>
+              <a:t>Groups and View </a:t>
+            </a:r>
+            <a:r>
+              <a:rPr lang="en-US" dirty="0"/>
+              <a:t>dimensions</a:t>
+            </a:r>
+          </a:p>
+          <a:p>
+            <a:r>
+              <a:rPr lang="en-US" dirty="0"/>
+              <a:t>Scale according to screen density, not screen </a:t>
+            </a:r>
+            <a:r>
+              <a:rPr lang="en-US" dirty="0" smtClean="0"/>
+              <a:t>resolution</a:t>
+            </a:r>
+            <a:endParaRPr lang="en-US" dirty="0"/>
+          </a:p>
+        </p:txBody>
+      </p:sp>
+      <p:sp>
+        <p:nvSpPr>
+          <p:cNvPr id="4" name="Title 1"/>
+          <p:cNvSpPr>
+            <a:spLocks noGrp="1"/>
+          </p:cNvSpPr>
+          <p:nvPr>
+            <p:ph type="title"/>
+          </p:nvPr>
+        </p:nvSpPr>
+        <p:spPr>
+          <a:xfrm>
+            <a:off x="-1" y="457200"/>
+            <a:ext cx="9120249" cy="1143000"/>
+          </a:xfrm>
+        </p:spPr>
+        <p:txBody>
+          <a:bodyPr/>
+          <a:lstStyle/>
+          <a:p>
+            <a:r>
+              <a:rPr lang="en-US" sz="4400" dirty="0"/>
+              <a:t>Density Independent Pixel (</a:t>
+            </a:r>
+            <a:r>
+              <a:rPr lang="en-US" sz="4400" dirty="0" err="1"/>
+              <a:t>dp</a:t>
+            </a:r>
+            <a:r>
+              <a:rPr lang="en-US" sz="4400" dirty="0"/>
+              <a:t>)</a:t>
+            </a:r>
+          </a:p>
+        </p:txBody>
+      </p:sp>
+      <p:grpSp>
+        <p:nvGrpSpPr>
+          <p:cNvPr id="5" name="Group 4"/>
+          <p:cNvGrpSpPr/>
+          <p:nvPr/>
+        </p:nvGrpSpPr>
+        <p:grpSpPr>
+          <a:xfrm>
+            <a:off x="3078486" y="4231637"/>
+            <a:ext cx="2499360" cy="1660099"/>
+            <a:chOff x="3078486" y="4231637"/>
+            <a:chExt cx="2499360" cy="1660099"/>
+          </a:xfrm>
+        </p:grpSpPr>
+        <p:pic>
+          <p:nvPicPr>
+            <p:cNvPr id="2052" name="Picture 4" descr="C:\Users\brian.batchelor\AppData\Local\Microsoft\Windows\INetCache\IE\1AOFG5IR\home-icon6[1].png"/>
+            <p:cNvPicPr>
+              <a:picLocks noChangeAspect="1" noChangeArrowheads="1"/>
+            </p:cNvPicPr>
+            <p:nvPr/>
+          </p:nvPicPr>
+          <p:blipFill>
+            <a:blip r:embed="rId2" cstate="print">
+              <a:extLst>
+                <a:ext uri="{28A0092B-C50C-407E-A947-70E740481C1C}">
+                  <a14:useLocalDpi xmlns:a14="http://schemas.microsoft.com/office/drawing/2010/main" val="0"/>
+                </a:ext>
+              </a:extLst>
+            </a:blip>
+            <a:srcRect/>
+            <a:stretch>
+              <a:fillRect/>
+            </a:stretch>
+          </p:blipFill>
+          <p:spPr bwMode="auto">
+            <a:xfrm>
+              <a:off x="4003044" y="4231637"/>
+              <a:ext cx="650245" cy="650245"/>
+            </a:xfrm>
+            <a:prstGeom prst="rect">
+              <a:avLst/>
+            </a:prstGeom>
+            <a:noFill/>
+            <a:extLst>
+              <a:ext uri="{909E8E84-426E-40DD-AFC4-6F175D3DCCD1}">
+                <a14:hiddenFill xmlns:a14="http://schemas.microsoft.com/office/drawing/2010/main">
+                  <a:solidFill>
+                    <a:srgbClr val="FFFFFF"/>
+                  </a:solidFill>
+                </a14:hiddenFill>
+              </a:ext>
+            </a:extLst>
+          </p:spPr>
+        </p:pic>
+        <p:sp>
+          <p:nvSpPr>
+            <p:cNvPr id="2" name="TextBox 1"/>
+            <p:cNvSpPr txBox="1"/>
+            <p:nvPr/>
+          </p:nvSpPr>
+          <p:spPr>
+            <a:xfrm>
+              <a:off x="3078486" y="5060739"/>
+              <a:ext cx="2499360" cy="830997"/>
+            </a:xfrm>
+            <a:prstGeom prst="rect">
+              <a:avLst/>
+            </a:prstGeom>
+            <a:noFill/>
+          </p:spPr>
+          <p:txBody>
+            <a:bodyPr wrap="square" rtlCol="0">
+              <a:spAutoFit/>
+            </a:bodyPr>
+            <a:lstStyle/>
+            <a:p>
+              <a:pPr algn="ctr"/>
+              <a:r>
+                <a:rPr lang="en-US" sz="2400" dirty="0" smtClean="0"/>
+                <a:t>Hi resolution screen</a:t>
+              </a:r>
+              <a:endParaRPr lang="en-US" sz="2400" dirty="0"/>
+            </a:p>
+          </p:txBody>
+        </p:sp>
+      </p:grpSp>
+      <p:grpSp>
+        <p:nvGrpSpPr>
+          <p:cNvPr id="8" name="Group 7"/>
+          <p:cNvGrpSpPr/>
+          <p:nvPr/>
+        </p:nvGrpSpPr>
+        <p:grpSpPr>
+          <a:xfrm>
+            <a:off x="6289037" y="2880355"/>
+            <a:ext cx="2489203" cy="3076359"/>
+            <a:chOff x="6289037" y="2880355"/>
+            <a:chExt cx="2489203" cy="3076359"/>
+          </a:xfrm>
+        </p:grpSpPr>
+        <p:pic>
+          <p:nvPicPr>
+            <p:cNvPr id="7" name="Picture 4" descr="C:\Users\brian.batchelor\AppData\Local\Microsoft\Windows\INetCache\IE\1AOFG5IR\home-icon6[1].png"/>
+            <p:cNvPicPr>
+              <a:picLocks noChangeAspect="1" noChangeArrowheads="1"/>
+            </p:cNvPicPr>
+            <p:nvPr/>
+          </p:nvPicPr>
+          <p:blipFill>
+            <a:blip r:embed="rId3" cstate="print">
+              <a:extLst>
+                <a:ext uri="{28A0092B-C50C-407E-A947-70E740481C1C}">
+                  <a14:useLocalDpi xmlns:a14="http://schemas.microsoft.com/office/drawing/2010/main" val="0"/>
+                </a:ext>
+              </a:extLst>
+            </a:blip>
+            <a:srcRect/>
+            <a:stretch>
+              <a:fillRect/>
+            </a:stretch>
+          </p:blipFill>
+          <p:spPr bwMode="auto">
+            <a:xfrm>
+              <a:off x="6289037" y="2880355"/>
+              <a:ext cx="2489203" cy="2489203"/>
+            </a:xfrm>
+            <a:prstGeom prst="rect">
+              <a:avLst/>
+            </a:prstGeom>
+            <a:noFill/>
+            <a:extLst>
+              <a:ext uri="{909E8E84-426E-40DD-AFC4-6F175D3DCCD1}">
+                <a14:hiddenFill xmlns:a14="http://schemas.microsoft.com/office/drawing/2010/main">
+                  <a:solidFill>
+                    <a:srgbClr val="FFFFFF"/>
+                  </a:solidFill>
+                </a14:hiddenFill>
+              </a:ext>
+            </a:extLst>
+          </p:spPr>
+        </p:pic>
+        <p:sp>
+          <p:nvSpPr>
+            <p:cNvPr id="6" name="TextBox 5"/>
+            <p:cNvSpPr txBox="1"/>
+            <p:nvPr/>
+          </p:nvSpPr>
+          <p:spPr>
+            <a:xfrm>
+              <a:off x="6446520" y="5125717"/>
+              <a:ext cx="2331720" cy="830997"/>
+            </a:xfrm>
+            <a:prstGeom prst="rect">
+              <a:avLst/>
+            </a:prstGeom>
+            <a:noFill/>
+          </p:spPr>
+          <p:txBody>
+            <a:bodyPr wrap="square" rtlCol="0">
+              <a:spAutoFit/>
+            </a:bodyPr>
+            <a:lstStyle/>
+            <a:p>
+              <a:pPr algn="ctr"/>
+              <a:r>
+                <a:rPr lang="en-US" sz="2400" dirty="0" smtClean="0"/>
+                <a:t>Low resolution screen</a:t>
+              </a:r>
+              <a:endParaRPr lang="en-US" sz="2400" dirty="0"/>
+            </a:p>
+          </p:txBody>
+        </p:sp>
+      </p:grpSp>
+    </p:spTree>
+    <p:extLst>
+      <p:ext uri="{BB962C8B-B14F-4D97-AF65-F5344CB8AC3E}">
+        <p14:creationId xmlns:p14="http://schemas.microsoft.com/office/powerpoint/2010/main" val="1947710023"/>
+      </p:ext>
+    </p:extLst>
+  </p:cSld>
+  <p:clrMapOvr>
+    <a:masterClrMapping/>
+  </p:clrMapOvr>
+  <p:timing>
+    <p:tnLst>
+      <p:par>
+        <p:cTn id="1" dur="indefinite" restart="never" nodeType="tmRoot">
+          <p:childTnLst>
+            <p:seq concurrent="1" nextAc="seek">
+              <p:cTn id="2" dur="indefinite" nodeType="mainSeq">
+                <p:childTnLst>
+                  <p:par>
+                    <p:cTn id="3" fill="hold">
+                      <p:stCondLst>
+                        <p:cond delay="indefinite"/>
+                      </p:stCondLst>
+                      <p:childTnLst>
+                        <p:par>
+                          <p:cTn id="4" fill="hold">
+                            <p:stCondLst>
+                              <p:cond delay="0"/>
+                            </p:stCondLst>
+                            <p:childTnLst>
+                              <p:par>
+                                <p:cTn id="5" presetID="2" presetClass="entr" presetSubtype="4" fill="hold" nodeType="clickEffect">
+                                  <p:stCondLst>
+                                    <p:cond delay="0"/>
+                                  </p:stCondLst>
+                                  <p:childTnLst>
+                                    <p:set>
+                                      <p:cBhvr>
+                                        <p:cTn id="6" dur="1" fill="hold">
+                                          <p:stCondLst>
+                                            <p:cond delay="0"/>
+                                          </p:stCondLst>
+                                        </p:cTn>
+                                        <p:tgtEl>
+                                          <p:spTgt spid="5"/>
+                                        </p:tgtEl>
+                                        <p:attrNameLst>
+                                          <p:attrName>style.visibility</p:attrName>
+                                        </p:attrNameLst>
+                                      </p:cBhvr>
+                                      <p:to>
+                                        <p:strVal val="visible"/>
+                                      </p:to>
+                                    </p:set>
+                                    <p:anim calcmode="lin" valueType="num">
+                                      <p:cBhvr additive="base">
+                                        <p:cTn id="7" dur="500" fill="hold"/>
+                                        <p:tgtEl>
+                                          <p:spTgt spid="5"/>
+                                        </p:tgtEl>
+                                        <p:attrNameLst>
+                                          <p:attrName>ppt_x</p:attrName>
+                                        </p:attrNameLst>
+                                      </p:cBhvr>
+                                      <p:tavLst>
+                                        <p:tav tm="0">
+                                          <p:val>
+                                            <p:strVal val="#ppt_x"/>
+                                          </p:val>
+                                        </p:tav>
+                                        <p:tav tm="100000">
+                                          <p:val>
+                                            <p:strVal val="#ppt_x"/>
+                                          </p:val>
+                                        </p:tav>
+                                      </p:tavLst>
+                                    </p:anim>
+                                    <p:anim calcmode="lin" valueType="num">
+                                      <p:cBhvr additive="base">
+                                        <p:cTn id="8" dur="500" fill="hold"/>
+                                        <p:tgtEl>
+                                          <p:spTgt spid="5"/>
+                                        </p:tgtEl>
+                                        <p:attrNameLst>
+                                          <p:attrName>ppt_y</p:attrName>
+                                        </p:attrNameLst>
+                                      </p:cBhvr>
+                                      <p:tavLst>
+                                        <p:tav tm="0">
+                                          <p:val>
+                                            <p:strVal val="1+#ppt_h/2"/>
+                                          </p:val>
+                                        </p:tav>
+                                        <p:tav tm="100000">
+                                          <p:val>
+                                            <p:strVal val="#ppt_y"/>
+                                          </p:val>
+                                        </p:tav>
+                                      </p:tavLst>
+                                    </p:anim>
+                                  </p:childTnLst>
+                                </p:cTn>
+                              </p:par>
+                            </p:childTnLst>
+                          </p:cTn>
+                        </p:par>
+                      </p:childTnLst>
+                    </p:cTn>
+                  </p:par>
+                  <p:par>
+                    <p:cTn id="9" fill="hold">
+                      <p:stCondLst>
+                        <p:cond delay="indefinite"/>
+                      </p:stCondLst>
+                      <p:childTnLst>
+                        <p:par>
+                          <p:cTn id="10" fill="hold">
+                            <p:stCondLst>
+                              <p:cond delay="0"/>
+                            </p:stCondLst>
+                            <p:childTnLst>
+                              <p:par>
+                                <p:cTn id="11" presetID="2" presetClass="entr" presetSubtype="4" fill="hold" nodeType="clickEffect">
+                                  <p:stCondLst>
+                                    <p:cond delay="0"/>
+                                  </p:stCondLst>
+                                  <p:childTnLst>
+                                    <p:set>
+                                      <p:cBhvr>
+                                        <p:cTn id="12" dur="1" fill="hold">
+                                          <p:stCondLst>
+                                            <p:cond delay="0"/>
+                                          </p:stCondLst>
+                                        </p:cTn>
+                                        <p:tgtEl>
+                                          <p:spTgt spid="8"/>
+                                        </p:tgtEl>
+                                        <p:attrNameLst>
+                                          <p:attrName>style.visibility</p:attrName>
+                                        </p:attrNameLst>
+                                      </p:cBhvr>
+                                      <p:to>
+                                        <p:strVal val="visible"/>
+                                      </p:to>
+                                    </p:set>
+                                    <p:anim calcmode="lin" valueType="num">
+                                      <p:cBhvr additive="base">
+                                        <p:cTn id="13" dur="500" fill="hold"/>
+                                        <p:tgtEl>
+                                          <p:spTgt spid="8"/>
+                                        </p:tgtEl>
+                                        <p:attrNameLst>
+                                          <p:attrName>ppt_x</p:attrName>
+                                        </p:attrNameLst>
+                                      </p:cBhvr>
+                                      <p:tavLst>
+                                        <p:tav tm="0">
+                                          <p:val>
+                                            <p:strVal val="#ppt_x"/>
+                                          </p:val>
+                                        </p:tav>
+                                        <p:tav tm="100000">
+                                          <p:val>
+                                            <p:strVal val="#ppt_x"/>
+                                          </p:val>
+                                        </p:tav>
+                                      </p:tavLst>
+                                    </p:anim>
+                                    <p:anim calcmode="lin" valueType="num">
+                                      <p:cBhvr additive="base">
+                                        <p:cTn id="14" dur="500" fill="hold"/>
+                                        <p:tgtEl>
+                                          <p:spTgt spid="8"/>
+                                        </p:tgtEl>
+                                        <p:attrNameLst>
+                                          <p:attrName>ppt_y</p:attrName>
+                                        </p:attrNameLst>
+                                      </p:cBhvr>
+                                      <p:tavLst>
+                                        <p:tav tm="0">
+                                          <p:val>
+                                            <p:strVal val="1+#ppt_h/2"/>
+                                          </p:val>
+                                        </p:tav>
+                                        <p:tav tm="100000">
+                                          <p:val>
+                                            <p:strVal val="#ppt_y"/>
+                                          </p:val>
+                                        </p:tav>
+                                      </p:tavLst>
+                                    </p:anim>
+                                  </p:childTnLst>
+                                </p:cTn>
+                              </p:par>
+                            </p:childTnLst>
+                          </p:cTn>
+                        </p:par>
+                      </p:childTnLst>
+                    </p:cTn>
+                  </p:par>
+                </p:childTnLst>
+              </p:cTn>
+              <p:prevCondLst>
+                <p:cond evt="onPrev" delay="0">
+                  <p:tgtEl>
+                    <p:sldTgt/>
+                  </p:tgtEl>
+                </p:cond>
+              </p:prevCondLst>
+              <p:nextCondLst>
+                <p:cond evt="onNext" delay="0">
+                  <p:tgtEl>
+                    <p:sldTgt/>
+                  </p:tgtEl>
+                </p:cond>
+              </p:nextCondLst>
+            </p:seq>
+          </p:childTnLst>
+        </p:cTn>
+      </p:par>
+    </p:tnLst>
+  </p:timing>
+</p:sld>
+</file>
+
+<file path=ppt/slides/slide56.xml><?xml version="1.0" encoding="utf-8"?>
+<p:sld xmlns:a="http://schemas.openxmlformats.org/drawingml/2006/main" xmlns:r="http://schemas.openxmlformats.org/officeDocument/2006/relationships" xmlns:p="http://schemas.openxmlformats.org/presentationml/2006/main">
+  <p:cSld>
+    <p:spTree>
+      <p:nvGrpSpPr>
+        <p:cNvPr id="1" name=""/>
+        <p:cNvGrpSpPr/>
+        <p:nvPr/>
+      </p:nvGrpSpPr>
+      <p:grpSpPr>
+        <a:xfrm>
+          <a:off x="0" y="0"/>
+          <a:ext cx="0" cy="0"/>
+          <a:chOff x="0" y="0"/>
+          <a:chExt cx="0" cy="0"/>
+        </a:xfrm>
+      </p:grpSpPr>
+      <p:sp>
+        <p:nvSpPr>
+          <p:cNvPr id="3" name="Content Placeholder 2"/>
+          <p:cNvSpPr>
+            <a:spLocks noGrp="1"/>
+          </p:cNvSpPr>
+          <p:nvPr>
+            <p:ph idx="1"/>
+          </p:nvPr>
+        </p:nvSpPr>
+        <p:spPr>
+          <a:xfrm>
+            <a:off x="0" y="1600201"/>
+            <a:ext cx="8633361" cy="4525963"/>
+          </a:xfrm>
+        </p:spPr>
+        <p:txBody>
+          <a:bodyPr/>
+          <a:lstStyle/>
+          <a:p>
+            <a:pPr lvl="1"/>
+            <a:r>
+              <a:rPr lang="en-US" dirty="0"/>
+              <a:t>Controlling text size</a:t>
+            </a:r>
+          </a:p>
+          <a:p>
+            <a:pPr lvl="1"/>
+            <a:r>
+              <a:rPr lang="en-US" dirty="0"/>
+              <a:t>Scale according to screen density, not screen size</a:t>
+            </a:r>
+          </a:p>
+          <a:p>
+            <a:pPr lvl="1"/>
+            <a:r>
+              <a:rPr lang="en-US" dirty="0"/>
+              <a:t>Also, scales according settings font settings</a:t>
+            </a:r>
+          </a:p>
+        </p:txBody>
+      </p:sp>
+      <p:sp>
+        <p:nvSpPr>
+          <p:cNvPr id="4" name="Title 1"/>
+          <p:cNvSpPr>
+            <a:spLocks noGrp="1"/>
+          </p:cNvSpPr>
+          <p:nvPr>
+            <p:ph type="title"/>
+          </p:nvPr>
+        </p:nvSpPr>
+        <p:spPr>
+          <a:xfrm>
+            <a:off x="0" y="457200"/>
+            <a:ext cx="7112000" cy="1143000"/>
+          </a:xfrm>
+        </p:spPr>
+        <p:txBody>
+          <a:bodyPr/>
+          <a:lstStyle/>
+          <a:p>
+            <a:r>
+              <a:rPr lang="en-US" dirty="0"/>
+              <a:t>Scale Independent Pixel (</a:t>
+            </a:r>
+            <a:r>
+              <a:rPr lang="en-US" dirty="0" err="1"/>
+              <a:t>sp</a:t>
+            </a:r>
+            <a:r>
+              <a:rPr lang="en-US" dirty="0"/>
+              <a:t>)</a:t>
+            </a:r>
+          </a:p>
+        </p:txBody>
+      </p:sp>
+      <p:pic>
+        <p:nvPicPr>
+          <p:cNvPr id="2" name="Picture 1"/>
+          <p:cNvPicPr>
+            <a:picLocks noChangeAspect="1"/>
+          </p:cNvPicPr>
+          <p:nvPr/>
+        </p:nvPicPr>
+        <p:blipFill>
+          <a:blip r:embed="rId2" cstate="print">
+            <a:extLst>
+              <a:ext uri="{28A0092B-C50C-407E-A947-70E740481C1C}">
+                <a14:useLocalDpi xmlns:a14="http://schemas.microsoft.com/office/drawing/2010/main" val="0"/>
+              </a:ext>
+            </a:extLst>
+          </a:blip>
+          <a:stretch>
+            <a:fillRect/>
+          </a:stretch>
+        </p:blipFill>
+        <p:spPr>
+          <a:xfrm>
+            <a:off x="8519431" y="1852549"/>
+            <a:ext cx="2013982" cy="3580411"/>
+          </a:xfrm>
+          <a:prstGeom prst="rect">
+            <a:avLst/>
+          </a:prstGeom>
+          <a:ln>
+            <a:solidFill>
+              <a:schemeClr val="tx1">
+                <a:lumMod val="65000"/>
+                <a:lumOff val="35000"/>
+              </a:schemeClr>
+            </a:solidFill>
+          </a:ln>
+        </p:spPr>
+      </p:pic>
+    </p:spTree>
+    <p:extLst>
+      <p:ext uri="{BB962C8B-B14F-4D97-AF65-F5344CB8AC3E}">
+        <p14:creationId xmlns:p14="http://schemas.microsoft.com/office/powerpoint/2010/main" val="2222966207"/>
+      </p:ext>
+    </p:extLst>
+  </p:cSld>
+  <p:clrMapOvr>
+    <a:masterClrMapping/>
+  </p:clrMapOvr>
+  <p:timing>
+    <p:tnLst>
+      <p:par>
+        <p:cTn id="1" dur="indefinite" restart="never" nodeType="tmRoot"/>
+      </p:par>
+    </p:tnLst>
+  </p:timing>
+</p:sld>
+</file>
+
+<file path=ppt/slides/slide57.xml><?xml version="1.0" encoding="utf-8"?>
+<p:sld xmlns:a="http://schemas.openxmlformats.org/drawingml/2006/main" xmlns:r="http://schemas.openxmlformats.org/officeDocument/2006/relationships" xmlns:p="http://schemas.openxmlformats.org/presentationml/2006/main">
+  <p:cSld>
+    <p:spTree>
+      <p:nvGrpSpPr>
+        <p:cNvPr id="1" name=""/>
+        <p:cNvGrpSpPr/>
+        <p:nvPr/>
+      </p:nvGrpSpPr>
+      <p:grpSpPr>
+        <a:xfrm>
+          <a:off x="0" y="0"/>
+          <a:ext cx="0" cy="0"/>
+          <a:chOff x="0" y="0"/>
+          <a:chExt cx="0" cy="0"/>
+        </a:xfrm>
+      </p:grpSpPr>
+      <p:sp>
+        <p:nvSpPr>
+          <p:cNvPr id="2" name="Title 1"/>
+          <p:cNvSpPr>
+            <a:spLocks noGrp="1"/>
+          </p:cNvSpPr>
+          <p:nvPr>
+            <p:ph type="title"/>
+          </p:nvPr>
+        </p:nvSpPr>
+        <p:spPr/>
+        <p:txBody>
+          <a:bodyPr/>
+          <a:lstStyle/>
+          <a:p>
+            <a:r>
+              <a:rPr lang="en-US" dirty="0"/>
+              <a:t>Fragment Code</a:t>
+            </a:r>
+          </a:p>
+        </p:txBody>
+      </p:sp>
+      <p:sp>
+        <p:nvSpPr>
+          <p:cNvPr id="3" name="Content Placeholder 2"/>
+          <p:cNvSpPr>
+            <a:spLocks noGrp="1"/>
+          </p:cNvSpPr>
+          <p:nvPr>
+            <p:ph idx="1"/>
+          </p:nvPr>
+        </p:nvSpPr>
+        <p:spPr/>
+        <p:txBody>
+          <a:bodyPr/>
+          <a:lstStyle/>
+          <a:p>
+            <a:r>
+              <a:rPr lang="en-US" dirty="0"/>
+              <a:t>Logic to fragment XML layout</a:t>
+            </a:r>
+          </a:p>
+          <a:p>
+            <a:pPr lvl="1"/>
+            <a:r>
+              <a:rPr lang="en-US" dirty="0" err="1"/>
+              <a:t>onClick</a:t>
+            </a:r>
+            <a:r>
+              <a:rPr lang="en-US" dirty="0"/>
+              <a:t>() </a:t>
+            </a:r>
+          </a:p>
+        </p:txBody>
+      </p:sp>
+    </p:spTree>
+    <p:extLst>
+      <p:ext uri="{BB962C8B-B14F-4D97-AF65-F5344CB8AC3E}">
+        <p14:creationId xmlns:p14="http://schemas.microsoft.com/office/powerpoint/2010/main" val="4201928760"/>
+      </p:ext>
+    </p:extLst>
+  </p:cSld>
+  <p:clrMapOvr>
+    <a:masterClrMapping/>
+  </p:clrMapOvr>
+  <p:timing>
+    <p:tnLst>
+      <p:par>
+        <p:cTn id="1" dur="indefinite" restart="never" nodeType="tmRoot"/>
+      </p:par>
+    </p:tnLst>
+  </p:timing>
+</p:sld>
+</file>
+
+<file path=ppt/slides/slide58.xml><?xml version="1.0" encoding="utf-8"?>
+<p:sld xmlns:a="http://schemas.openxmlformats.org/drawingml/2006/main" xmlns:r="http://schemas.openxmlformats.org/officeDocument/2006/relationships" xmlns:p="http://schemas.openxmlformats.org/presentationml/2006/main">
+  <p:cSld>
+    <p:spTree>
+      <p:nvGrpSpPr>
+        <p:cNvPr id="1" name=""/>
+        <p:cNvGrpSpPr/>
+        <p:nvPr/>
+      </p:nvGrpSpPr>
+      <p:grpSpPr>
+        <a:xfrm>
+          <a:off x="0" y="0"/>
+          <a:ext cx="0" cy="0"/>
+          <a:chOff x="0" y="0"/>
+          <a:chExt cx="0" cy="0"/>
+        </a:xfrm>
+      </p:grpSpPr>
+      <p:sp>
+        <p:nvSpPr>
+          <p:cNvPr id="3" name="Content Placeholder 2"/>
+          <p:cNvSpPr>
+            <a:spLocks noGrp="1"/>
+          </p:cNvSpPr>
+          <p:nvPr>
+            <p:ph idx="1"/>
+          </p:nvPr>
+        </p:nvSpPr>
+        <p:spPr/>
+        <p:txBody>
+          <a:bodyPr/>
+          <a:lstStyle/>
+          <a:p>
+            <a:pPr marL="0" indent="0" algn="ctr">
+              <a:buNone/>
+            </a:pPr>
+            <a:endParaRPr lang="en-US" dirty="0"/>
+          </a:p>
+          <a:p>
+            <a:pPr marL="0" indent="0" algn="ctr">
+              <a:buNone/>
+            </a:pPr>
+            <a:endParaRPr lang="en-US" dirty="0"/>
+          </a:p>
+          <a:p>
+            <a:pPr marL="0" indent="0" algn="ctr">
+              <a:buNone/>
+            </a:pPr>
+            <a:r>
+              <a:rPr lang="en-US" dirty="0"/>
+              <a:t>Show Fragment Code</a:t>
+            </a:r>
+          </a:p>
+        </p:txBody>
+      </p:sp>
+    </p:spTree>
+    <p:extLst>
+      <p:ext uri="{BB962C8B-B14F-4D97-AF65-F5344CB8AC3E}">
+        <p14:creationId xmlns:p14="http://schemas.microsoft.com/office/powerpoint/2010/main" val="1228316914"/>
+      </p:ext>
+    </p:extLst>
+  </p:cSld>
+  <p:clrMapOvr>
+    <a:masterClrMapping/>
+  </p:clrMapOvr>
+  <p:timing>
+    <p:tnLst>
+      <p:par>
+        <p:cTn id="1" dur="indefinite" restart="never" nodeType="tmRoot"/>
+      </p:par>
+    </p:tnLst>
+  </p:timing>
+</p:sld>
+</file>
+
+<file path=ppt/slides/slide59.xml><?xml version="1.0" encoding="utf-8"?>
+<p:sld xmlns:a="http://schemas.openxmlformats.org/drawingml/2006/main" xmlns:r="http://schemas.openxmlformats.org/officeDocument/2006/relationships" xmlns:p="http://schemas.openxmlformats.org/presentationml/2006/main">
+  <p:cSld>
+    <p:spTree>
+      <p:nvGrpSpPr>
+        <p:cNvPr id="1" name=""/>
+        <p:cNvGrpSpPr/>
+        <p:nvPr/>
+      </p:nvGrpSpPr>
+      <p:grpSpPr>
+        <a:xfrm>
+          <a:off x="0" y="0"/>
+          <a:ext cx="0" cy="0"/>
+          <a:chOff x="0" y="0"/>
+          <a:chExt cx="0" cy="0"/>
+        </a:xfrm>
+      </p:grpSpPr>
+      <p:sp>
+        <p:nvSpPr>
+          <p:cNvPr id="3" name="Content Placeholder 2"/>
+          <p:cNvSpPr>
+            <a:spLocks noGrp="1"/>
+          </p:cNvSpPr>
+          <p:nvPr>
+            <p:ph idx="1"/>
+          </p:nvPr>
+        </p:nvSpPr>
+        <p:spPr/>
+        <p:txBody>
+          <a:bodyPr/>
+          <a:lstStyle/>
+          <a:p>
+            <a:pPr marL="0" indent="0">
+              <a:buNone/>
+            </a:pPr>
+            <a:endParaRPr lang="en-US" dirty="0"/>
+          </a:p>
+          <a:p>
+            <a:pPr marL="0" indent="0">
+              <a:buNone/>
+            </a:pPr>
+            <a:endParaRPr lang="en-US" dirty="0"/>
+          </a:p>
+          <a:p>
+            <a:pPr marL="0" indent="0" algn="ctr">
+              <a:buNone/>
+            </a:pPr>
+            <a:r>
+              <a:rPr lang="en-US" dirty="0"/>
+              <a:t>Live Example Fragment Code</a:t>
+            </a:r>
+          </a:p>
+        </p:txBody>
+      </p:sp>
+    </p:spTree>
+    <p:extLst>
+      <p:ext uri="{BB962C8B-B14F-4D97-AF65-F5344CB8AC3E}">
+        <p14:creationId xmlns:p14="http://schemas.microsoft.com/office/powerpoint/2010/main" val="998786636"/>
+      </p:ext>
+    </p:extLst>
+  </p:cSld>
+  <p:clrMapOvr>
+    <a:masterClrMapping/>
+  </p:clrMapOvr>
+  <p:timing>
+    <p:tnLst>
+      <p:par>
+        <p:cTn id="1" dur="indefinite" restart="never" nodeType="tmRoot"/>
+      </p:par>
+    </p:tnLst>
+  </p:timing>
 </p:sld>
 </file>
 
@@ -10273,8 +14756,13 @@
           <a:p>
             <a:r>
               <a:rPr lang="en-US" dirty="0"/>
-              <a:t>Monitoring and Logcat pane</a:t>
-            </a:r>
+              <a:t>Logcat and </a:t>
+            </a:r>
+            <a:r>
+              <a:rPr lang="en-US" dirty="0" smtClean="0"/>
+              <a:t>Monitoring pane</a:t>
+            </a:r>
+            <a:endParaRPr lang="en-US" dirty="0"/>
           </a:p>
         </p:txBody>
       </p:sp>
@@ -10288,6 +14776,514 @@
   <p:clrMapOvr>
     <a:masterClrMapping/>
   </p:clrMapOvr>
+  <p:timing>
+    <p:tnLst>
+      <p:par>
+        <p:cTn id="1" dur="indefinite" restart="never" nodeType="tmRoot"/>
+      </p:par>
+    </p:tnLst>
+  </p:timing>
+</p:sld>
+</file>
+
+<file path=ppt/slides/slide60.xml><?xml version="1.0" encoding="utf-8"?>
+<p:sld xmlns:a="http://schemas.openxmlformats.org/drawingml/2006/main" xmlns:r="http://schemas.openxmlformats.org/officeDocument/2006/relationships" xmlns:p="http://schemas.openxmlformats.org/presentationml/2006/main">
+  <p:cSld>
+    <p:spTree>
+      <p:nvGrpSpPr>
+        <p:cNvPr id="1" name=""/>
+        <p:cNvGrpSpPr/>
+        <p:nvPr/>
+      </p:nvGrpSpPr>
+      <p:grpSpPr>
+        <a:xfrm>
+          <a:off x="0" y="0"/>
+          <a:ext cx="0" cy="0"/>
+          <a:chOff x="0" y="0"/>
+          <a:chExt cx="0" cy="0"/>
+        </a:xfrm>
+      </p:grpSpPr>
+      <p:sp>
+        <p:nvSpPr>
+          <p:cNvPr id="2" name="Title 1"/>
+          <p:cNvSpPr>
+            <a:spLocks noGrp="1"/>
+          </p:cNvSpPr>
+          <p:nvPr>
+            <p:ph type="title"/>
+          </p:nvPr>
+        </p:nvSpPr>
+        <p:spPr/>
+        <p:txBody>
+          <a:bodyPr/>
+          <a:lstStyle/>
+          <a:p>
+            <a:r>
+              <a:rPr lang="en-US" dirty="0" smtClean="0"/>
+              <a:t>Final Step </a:t>
+            </a:r>
+            <a:endParaRPr lang="en-US" dirty="0"/>
+          </a:p>
+        </p:txBody>
+      </p:sp>
+      <p:sp>
+        <p:nvSpPr>
+          <p:cNvPr id="3" name="Content Placeholder 2"/>
+          <p:cNvSpPr>
+            <a:spLocks noGrp="1"/>
+          </p:cNvSpPr>
+          <p:nvPr>
+            <p:ph idx="1"/>
+          </p:nvPr>
+        </p:nvSpPr>
+        <p:spPr/>
+        <p:txBody>
+          <a:bodyPr/>
+          <a:lstStyle/>
+          <a:p>
+            <a:pPr marL="0" indent="0" algn="ctr">
+              <a:buNone/>
+            </a:pPr>
+            <a:endParaRPr lang="en-US" dirty="0" smtClean="0"/>
+          </a:p>
+          <a:p>
+            <a:pPr marL="0" indent="0" algn="ctr">
+              <a:buNone/>
+            </a:pPr>
+            <a:endParaRPr lang="en-US" dirty="0" smtClean="0"/>
+          </a:p>
+          <a:p>
+            <a:pPr marL="0" indent="0" algn="ctr">
+              <a:buNone/>
+            </a:pPr>
+            <a:r>
+              <a:rPr lang="en-US" dirty="0" smtClean="0"/>
+              <a:t>Reference </a:t>
+            </a:r>
+            <a:r>
+              <a:rPr lang="en-US" dirty="0"/>
+              <a:t>Fragment </a:t>
+            </a:r>
+            <a:r>
+              <a:rPr lang="en-US" dirty="0" smtClean="0"/>
+              <a:t>in </a:t>
+            </a:r>
+            <a:r>
+              <a:rPr lang="en-US" dirty="0"/>
+              <a:t>Activity</a:t>
+            </a:r>
+            <a:endParaRPr lang="en-US" dirty="0"/>
+          </a:p>
+        </p:txBody>
+      </p:sp>
+    </p:spTree>
+    <p:extLst>
+      <p:ext uri="{BB962C8B-B14F-4D97-AF65-F5344CB8AC3E}">
+        <p14:creationId xmlns:p14="http://schemas.microsoft.com/office/powerpoint/2010/main" val="1212573231"/>
+      </p:ext>
+    </p:extLst>
+  </p:cSld>
+  <p:clrMapOvr>
+    <a:masterClrMapping/>
+  </p:clrMapOvr>
+  <p:timing>
+    <p:tnLst>
+      <p:par>
+        <p:cTn id="1" dur="indefinite" restart="never" nodeType="tmRoot"/>
+      </p:par>
+    </p:tnLst>
+  </p:timing>
+</p:sld>
+</file>
+
+<file path=ppt/slides/slide61.xml><?xml version="1.0" encoding="utf-8"?>
+<p:sld xmlns:a="http://schemas.openxmlformats.org/drawingml/2006/main" xmlns:r="http://schemas.openxmlformats.org/officeDocument/2006/relationships" xmlns:p="http://schemas.openxmlformats.org/presentationml/2006/main">
+  <p:cSld>
+    <p:spTree>
+      <p:nvGrpSpPr>
+        <p:cNvPr id="1" name=""/>
+        <p:cNvGrpSpPr/>
+        <p:nvPr/>
+      </p:nvGrpSpPr>
+      <p:grpSpPr>
+        <a:xfrm>
+          <a:off x="0" y="0"/>
+          <a:ext cx="0" cy="0"/>
+          <a:chOff x="0" y="0"/>
+          <a:chExt cx="0" cy="0"/>
+        </a:xfrm>
+      </p:grpSpPr>
+      <p:sp>
+        <p:nvSpPr>
+          <p:cNvPr id="3" name="Content Placeholder 2"/>
+          <p:cNvSpPr>
+            <a:spLocks noGrp="1"/>
+          </p:cNvSpPr>
+          <p:nvPr>
+            <p:ph idx="1"/>
+          </p:nvPr>
+        </p:nvSpPr>
+        <p:spPr/>
+        <p:txBody>
+          <a:bodyPr/>
+          <a:lstStyle/>
+          <a:p>
+            <a:pPr marL="0" indent="0" algn="ctr">
+              <a:buNone/>
+            </a:pPr>
+            <a:endParaRPr lang="en-US" dirty="0"/>
+          </a:p>
+          <a:p>
+            <a:pPr marL="0" indent="0" algn="ctr">
+              <a:buNone/>
+            </a:pPr>
+            <a:endParaRPr lang="en-US" dirty="0"/>
+          </a:p>
+          <a:p>
+            <a:pPr marL="0" indent="0" algn="ctr">
+              <a:buNone/>
+            </a:pPr>
+            <a:r>
+              <a:rPr lang="en-US" dirty="0"/>
+              <a:t>Extra</a:t>
+            </a:r>
+          </a:p>
+        </p:txBody>
+      </p:sp>
+    </p:spTree>
+    <p:extLst>
+      <p:ext uri="{BB962C8B-B14F-4D97-AF65-F5344CB8AC3E}">
+        <p14:creationId xmlns:p14="http://schemas.microsoft.com/office/powerpoint/2010/main" val="3384954775"/>
+      </p:ext>
+    </p:extLst>
+  </p:cSld>
+  <p:clrMapOvr>
+    <a:masterClrMapping/>
+  </p:clrMapOvr>
+  <p:timing>
+    <p:tnLst>
+      <p:par>
+        <p:cTn id="1" dur="indefinite" restart="never" nodeType="tmRoot"/>
+      </p:par>
+    </p:tnLst>
+  </p:timing>
+</p:sld>
+</file>
+
+<file path=ppt/slides/slide62.xml><?xml version="1.0" encoding="utf-8"?>
+<p:sld xmlns:a="http://schemas.openxmlformats.org/drawingml/2006/main" xmlns:r="http://schemas.openxmlformats.org/officeDocument/2006/relationships" xmlns:p="http://schemas.openxmlformats.org/presentationml/2006/main">
+  <p:cSld>
+    <p:spTree>
+      <p:nvGrpSpPr>
+        <p:cNvPr id="1" name=""/>
+        <p:cNvGrpSpPr/>
+        <p:nvPr/>
+      </p:nvGrpSpPr>
+      <p:grpSpPr>
+        <a:xfrm>
+          <a:off x="0" y="0"/>
+          <a:ext cx="0" cy="0"/>
+          <a:chOff x="0" y="0"/>
+          <a:chExt cx="0" cy="0"/>
+        </a:xfrm>
+      </p:grpSpPr>
+      <p:sp>
+        <p:nvSpPr>
+          <p:cNvPr id="2" name="Title 1"/>
+          <p:cNvSpPr>
+            <a:spLocks noGrp="1"/>
+          </p:cNvSpPr>
+          <p:nvPr>
+            <p:ph type="title"/>
+          </p:nvPr>
+        </p:nvSpPr>
+        <p:spPr/>
+        <p:txBody>
+          <a:bodyPr/>
+          <a:lstStyle/>
+          <a:p>
+            <a:r>
+              <a:rPr lang="en-US" dirty="0"/>
+              <a:t>Landscape Layout </a:t>
+            </a:r>
+          </a:p>
+        </p:txBody>
+      </p:sp>
+      <p:sp>
+        <p:nvSpPr>
+          <p:cNvPr id="3" name="Content Placeholder 2"/>
+          <p:cNvSpPr>
+            <a:spLocks noGrp="1"/>
+          </p:cNvSpPr>
+          <p:nvPr>
+            <p:ph idx="1"/>
+          </p:nvPr>
+        </p:nvSpPr>
+        <p:spPr/>
+        <p:txBody>
+          <a:bodyPr/>
+          <a:lstStyle/>
+          <a:p>
+            <a:endParaRPr lang="en-US" dirty="0"/>
+          </a:p>
+        </p:txBody>
+      </p:sp>
+    </p:spTree>
+    <p:extLst>
+      <p:ext uri="{BB962C8B-B14F-4D97-AF65-F5344CB8AC3E}">
+        <p14:creationId xmlns:p14="http://schemas.microsoft.com/office/powerpoint/2010/main" val="449537407"/>
+      </p:ext>
+    </p:extLst>
+  </p:cSld>
+  <p:clrMapOvr>
+    <a:masterClrMapping/>
+  </p:clrMapOvr>
+  <p:timing>
+    <p:tnLst>
+      <p:par>
+        <p:cTn id="1" dur="indefinite" restart="never" nodeType="tmRoot"/>
+      </p:par>
+    </p:tnLst>
+  </p:timing>
+</p:sld>
+</file>
+
+<file path=ppt/slides/slide63.xml><?xml version="1.0" encoding="utf-8"?>
+<p:sld xmlns:a="http://schemas.openxmlformats.org/drawingml/2006/main" xmlns:r="http://schemas.openxmlformats.org/officeDocument/2006/relationships" xmlns:p="http://schemas.openxmlformats.org/presentationml/2006/main">
+  <p:cSld>
+    <p:spTree>
+      <p:nvGrpSpPr>
+        <p:cNvPr id="1" name=""/>
+        <p:cNvGrpSpPr/>
+        <p:nvPr/>
+      </p:nvGrpSpPr>
+      <p:grpSpPr>
+        <a:xfrm>
+          <a:off x="0" y="0"/>
+          <a:ext cx="0" cy="0"/>
+          <a:chOff x="0" y="0"/>
+          <a:chExt cx="0" cy="0"/>
+        </a:xfrm>
+      </p:grpSpPr>
+      <p:sp>
+        <p:nvSpPr>
+          <p:cNvPr id="2" name="Title 1"/>
+          <p:cNvSpPr>
+            <a:spLocks noGrp="1"/>
+          </p:cNvSpPr>
+          <p:nvPr>
+            <p:ph type="title"/>
+          </p:nvPr>
+        </p:nvSpPr>
+        <p:spPr/>
+        <p:txBody>
+          <a:bodyPr/>
+          <a:lstStyle/>
+          <a:p>
+            <a:r>
+              <a:rPr lang="en-US" dirty="0"/>
+              <a:t>Fragment callbacks</a:t>
+            </a:r>
+          </a:p>
+        </p:txBody>
+      </p:sp>
+      <p:sp>
+        <p:nvSpPr>
+          <p:cNvPr id="3" name="Content Placeholder 2"/>
+          <p:cNvSpPr>
+            <a:spLocks noGrp="1"/>
+          </p:cNvSpPr>
+          <p:nvPr>
+            <p:ph idx="1"/>
+          </p:nvPr>
+        </p:nvSpPr>
+        <p:spPr/>
+        <p:txBody>
+          <a:bodyPr/>
+          <a:lstStyle/>
+          <a:p>
+            <a:endParaRPr lang="en-US" dirty="0"/>
+          </a:p>
+        </p:txBody>
+      </p:sp>
+    </p:spTree>
+    <p:extLst>
+      <p:ext uri="{BB962C8B-B14F-4D97-AF65-F5344CB8AC3E}">
+        <p14:creationId xmlns:p14="http://schemas.microsoft.com/office/powerpoint/2010/main" val="475706249"/>
+      </p:ext>
+    </p:extLst>
+  </p:cSld>
+  <p:clrMapOvr>
+    <a:masterClrMapping/>
+  </p:clrMapOvr>
+  <p:timing>
+    <p:tnLst>
+      <p:par>
+        <p:cTn id="1" dur="indefinite" restart="never" nodeType="tmRoot"/>
+      </p:par>
+    </p:tnLst>
+  </p:timing>
+</p:sld>
+</file>
+
+<file path=ppt/slides/slide64.xml><?xml version="1.0" encoding="utf-8"?>
+<p:sld xmlns:a="http://schemas.openxmlformats.org/drawingml/2006/main" xmlns:r="http://schemas.openxmlformats.org/officeDocument/2006/relationships" xmlns:p="http://schemas.openxmlformats.org/presentationml/2006/main">
+  <p:cSld>
+    <p:spTree>
+      <p:nvGrpSpPr>
+        <p:cNvPr id="1" name=""/>
+        <p:cNvGrpSpPr/>
+        <p:nvPr/>
+      </p:nvGrpSpPr>
+      <p:grpSpPr>
+        <a:xfrm>
+          <a:off x="0" y="0"/>
+          <a:ext cx="0" cy="0"/>
+          <a:chOff x="0" y="0"/>
+          <a:chExt cx="0" cy="0"/>
+        </a:xfrm>
+      </p:grpSpPr>
+      <p:sp>
+        <p:nvSpPr>
+          <p:cNvPr id="2" name="Title 1"/>
+          <p:cNvSpPr>
+            <a:spLocks noGrp="1"/>
+          </p:cNvSpPr>
+          <p:nvPr>
+            <p:ph type="title"/>
+          </p:nvPr>
+        </p:nvSpPr>
+        <p:spPr/>
+        <p:txBody>
+          <a:bodyPr/>
+          <a:lstStyle/>
+          <a:p>
+            <a:r>
+              <a:rPr lang="en-US" dirty="0"/>
+              <a:t>Dynamic Fragments </a:t>
+            </a:r>
+          </a:p>
+        </p:txBody>
+      </p:sp>
+      <p:sp>
+        <p:nvSpPr>
+          <p:cNvPr id="3" name="Content Placeholder 2"/>
+          <p:cNvSpPr>
+            <a:spLocks noGrp="1"/>
+          </p:cNvSpPr>
+          <p:nvPr>
+            <p:ph idx="1"/>
+          </p:nvPr>
+        </p:nvSpPr>
+        <p:spPr/>
+        <p:txBody>
+          <a:bodyPr/>
+          <a:lstStyle/>
+          <a:p>
+            <a:endParaRPr lang="en-US"/>
+          </a:p>
+        </p:txBody>
+      </p:sp>
+    </p:spTree>
+    <p:extLst>
+      <p:ext uri="{BB962C8B-B14F-4D97-AF65-F5344CB8AC3E}">
+        <p14:creationId xmlns:p14="http://schemas.microsoft.com/office/powerpoint/2010/main" val="3668840453"/>
+      </p:ext>
+    </p:extLst>
+  </p:cSld>
+  <p:clrMapOvr>
+    <a:masterClrMapping/>
+  </p:clrMapOvr>
+  <p:timing>
+    <p:tnLst>
+      <p:par>
+        <p:cTn id="1" dur="indefinite" restart="never" nodeType="tmRoot"/>
+      </p:par>
+    </p:tnLst>
+  </p:timing>
+</p:sld>
+</file>
+
+<file path=ppt/slides/slide65.xml><?xml version="1.0" encoding="utf-8"?>
+<p:sld xmlns:a="http://schemas.openxmlformats.org/drawingml/2006/main" xmlns:r="http://schemas.openxmlformats.org/officeDocument/2006/relationships" xmlns:p="http://schemas.openxmlformats.org/presentationml/2006/main">
+  <p:cSld>
+    <p:spTree>
+      <p:nvGrpSpPr>
+        <p:cNvPr id="1" name=""/>
+        <p:cNvGrpSpPr/>
+        <p:nvPr/>
+      </p:nvGrpSpPr>
+      <p:grpSpPr>
+        <a:xfrm>
+          <a:off x="0" y="0"/>
+          <a:ext cx="0" cy="0"/>
+          <a:chOff x="0" y="0"/>
+          <a:chExt cx="0" cy="0"/>
+        </a:xfrm>
+      </p:grpSpPr>
+      <p:sp>
+        <p:nvSpPr>
+          <p:cNvPr id="2" name="Title 1"/>
+          <p:cNvSpPr>
+            <a:spLocks noGrp="1"/>
+          </p:cNvSpPr>
+          <p:nvPr>
+            <p:ph type="title"/>
+          </p:nvPr>
+        </p:nvSpPr>
+        <p:spPr>
+          <a:xfrm>
+            <a:off x="0" y="457200"/>
+            <a:ext cx="9144000" cy="1143000"/>
+          </a:xfrm>
+        </p:spPr>
+        <p:txBody>
+          <a:bodyPr/>
+          <a:lstStyle/>
+          <a:p>
+            <a:r>
+              <a:rPr lang="en-US" dirty="0"/>
+              <a:t>Passing arguments to Fragments</a:t>
+            </a:r>
+          </a:p>
+        </p:txBody>
+      </p:sp>
+      <p:sp>
+        <p:nvSpPr>
+          <p:cNvPr id="3" name="Content Placeholder 2"/>
+          <p:cNvSpPr>
+            <a:spLocks noGrp="1"/>
+          </p:cNvSpPr>
+          <p:nvPr>
+            <p:ph idx="1"/>
+          </p:nvPr>
+        </p:nvSpPr>
+        <p:spPr/>
+        <p:txBody>
+          <a:bodyPr/>
+          <a:lstStyle/>
+          <a:p>
+            <a:endParaRPr lang="en-US" dirty="0"/>
+          </a:p>
+        </p:txBody>
+      </p:sp>
+    </p:spTree>
+    <p:extLst>
+      <p:ext uri="{BB962C8B-B14F-4D97-AF65-F5344CB8AC3E}">
+        <p14:creationId xmlns:p14="http://schemas.microsoft.com/office/powerpoint/2010/main" val="786261865"/>
+      </p:ext>
+    </p:extLst>
+  </p:cSld>
+  <p:clrMapOvr>
+    <a:masterClrMapping/>
+  </p:clrMapOvr>
+  <p:timing>
+    <p:tnLst>
+      <p:par>
+        <p:cTn id="1" dur="indefinite" restart="never" nodeType="tmRoot"/>
+      </p:par>
+    </p:tnLst>
+  </p:timing>
 </p:sld>
 </file>
 
@@ -10514,6 +15510,13 @@
   <p:clrMapOvr>
     <a:masterClrMapping/>
   </p:clrMapOvr>
+  <p:timing>
+    <p:tnLst>
+      <p:par>
+        <p:cTn id="1" dur="indefinite" restart="never" nodeType="tmRoot"/>
+      </p:par>
+    </p:tnLst>
+  </p:timing>
 </p:sld>
 </file>
 
@@ -10674,6 +15677,13 @@
   <p:clrMapOvr>
     <a:masterClrMapping/>
   </p:clrMapOvr>
+  <p:timing>
+    <p:tnLst>
+      <p:par>
+        <p:cTn id="1" dur="indefinite" restart="never" nodeType="tmRoot"/>
+      </p:par>
+    </p:tnLst>
+  </p:timing>
 </p:sld>
 </file>
 

--- a/slides/Android Studio_Activities_Fragments.pptx
+++ b/slides/Android Studio_Activities_Fragments.pptx
@@ -38,32 +38,32 @@
     <p:sldId id="303" r:id="rId32"/>
     <p:sldId id="326" r:id="rId33"/>
     <p:sldId id="304" r:id="rId34"/>
-    <p:sldId id="307" r:id="rId35"/>
-    <p:sldId id="299" r:id="rId36"/>
-    <p:sldId id="327" r:id="rId37"/>
-    <p:sldId id="346" r:id="rId38"/>
-    <p:sldId id="310" r:id="rId39"/>
-    <p:sldId id="320" r:id="rId40"/>
-    <p:sldId id="259" r:id="rId41"/>
-    <p:sldId id="314" r:id="rId42"/>
-    <p:sldId id="347" r:id="rId43"/>
-    <p:sldId id="348" r:id="rId44"/>
-    <p:sldId id="349" r:id="rId45"/>
-    <p:sldId id="350" r:id="rId46"/>
-    <p:sldId id="351" r:id="rId47"/>
-    <p:sldId id="352" r:id="rId48"/>
-    <p:sldId id="353" r:id="rId49"/>
-    <p:sldId id="315" r:id="rId50"/>
-    <p:sldId id="316" r:id="rId51"/>
-    <p:sldId id="354" r:id="rId52"/>
-    <p:sldId id="308" r:id="rId53"/>
-    <p:sldId id="318" r:id="rId54"/>
-    <p:sldId id="355" r:id="rId55"/>
-    <p:sldId id="305" r:id="rId56"/>
-    <p:sldId id="306" r:id="rId57"/>
-    <p:sldId id="321" r:id="rId58"/>
-    <p:sldId id="322" r:id="rId59"/>
-    <p:sldId id="323" r:id="rId60"/>
+    <p:sldId id="356" r:id="rId35"/>
+    <p:sldId id="307" r:id="rId36"/>
+    <p:sldId id="299" r:id="rId37"/>
+    <p:sldId id="327" r:id="rId38"/>
+    <p:sldId id="346" r:id="rId39"/>
+    <p:sldId id="310" r:id="rId40"/>
+    <p:sldId id="320" r:id="rId41"/>
+    <p:sldId id="259" r:id="rId42"/>
+    <p:sldId id="314" r:id="rId43"/>
+    <p:sldId id="347" r:id="rId44"/>
+    <p:sldId id="348" r:id="rId45"/>
+    <p:sldId id="349" r:id="rId46"/>
+    <p:sldId id="350" r:id="rId47"/>
+    <p:sldId id="351" r:id="rId48"/>
+    <p:sldId id="352" r:id="rId49"/>
+    <p:sldId id="353" r:id="rId50"/>
+    <p:sldId id="315" r:id="rId51"/>
+    <p:sldId id="316" r:id="rId52"/>
+    <p:sldId id="354" r:id="rId53"/>
+    <p:sldId id="308" r:id="rId54"/>
+    <p:sldId id="318" r:id="rId55"/>
+    <p:sldId id="355" r:id="rId56"/>
+    <p:sldId id="305" r:id="rId57"/>
+    <p:sldId id="306" r:id="rId58"/>
+    <p:sldId id="321" r:id="rId59"/>
+    <p:sldId id="322" r:id="rId60"/>
     <p:sldId id="312" r:id="rId61"/>
     <p:sldId id="324" r:id="rId62"/>
     <p:sldId id="325" r:id="rId63"/>
@@ -374,7 +374,7 @@
           <a:p>
             <a:fld id="{1E7C2FAA-919F-4BF2-9DC6-6D7D1753D0B1}" type="datetimeFigureOut">
               <a:rPr lang="en-US" smtClean="0"/>
-              <a:t>6/19/2017</a:t>
+              <a:t>6/20/2017</a:t>
             </a:fld>
             <a:endParaRPr lang="en-US"/>
           </a:p>
@@ -542,7 +542,7 @@
           <a:p>
             <a:fld id="{1E7C2FAA-919F-4BF2-9DC6-6D7D1753D0B1}" type="datetimeFigureOut">
               <a:rPr lang="en-US" smtClean="0"/>
-              <a:t>6/19/2017</a:t>
+              <a:t>6/20/2017</a:t>
             </a:fld>
             <a:endParaRPr lang="en-US"/>
           </a:p>
@@ -720,7 +720,7 @@
           <a:p>
             <a:fld id="{1E7C2FAA-919F-4BF2-9DC6-6D7D1753D0B1}" type="datetimeFigureOut">
               <a:rPr lang="en-US" smtClean="0"/>
-              <a:t>6/19/2017</a:t>
+              <a:t>6/20/2017</a:t>
             </a:fld>
             <a:endParaRPr lang="en-US"/>
           </a:p>
@@ -903,7 +903,7 @@
           <a:p>
             <a:fld id="{1E7C2FAA-919F-4BF2-9DC6-6D7D1753D0B1}" type="datetimeFigureOut">
               <a:rPr lang="en-US" smtClean="0"/>
-              <a:t>6/19/2017</a:t>
+              <a:t>6/20/2017</a:t>
             </a:fld>
             <a:endParaRPr lang="en-US"/>
           </a:p>
@@ -1148,7 +1148,7 @@
           <a:p>
             <a:fld id="{1E7C2FAA-919F-4BF2-9DC6-6D7D1753D0B1}" type="datetimeFigureOut">
               <a:rPr lang="en-US" smtClean="0"/>
-              <a:t>6/19/2017</a:t>
+              <a:t>6/20/2017</a:t>
             </a:fld>
             <a:endParaRPr lang="en-US"/>
           </a:p>
@@ -1442,7 +1442,7 @@
           <a:p>
             <a:fld id="{1E7C2FAA-919F-4BF2-9DC6-6D7D1753D0B1}" type="datetimeFigureOut">
               <a:rPr lang="en-US" smtClean="0"/>
-              <a:t>6/19/2017</a:t>
+              <a:t>6/20/2017</a:t>
             </a:fld>
             <a:endParaRPr lang="en-US"/>
           </a:p>
@@ -1866,7 +1866,7 @@
           <a:p>
             <a:fld id="{1E7C2FAA-919F-4BF2-9DC6-6D7D1753D0B1}" type="datetimeFigureOut">
               <a:rPr lang="en-US" smtClean="0"/>
-              <a:t>6/19/2017</a:t>
+              <a:t>6/20/2017</a:t>
             </a:fld>
             <a:endParaRPr lang="en-US"/>
           </a:p>
@@ -1983,7 +1983,7 @@
           <a:p>
             <a:fld id="{1E7C2FAA-919F-4BF2-9DC6-6D7D1753D0B1}" type="datetimeFigureOut">
               <a:rPr lang="en-US" smtClean="0"/>
-              <a:t>6/19/2017</a:t>
+              <a:t>6/20/2017</a:t>
             </a:fld>
             <a:endParaRPr lang="en-US"/>
           </a:p>
@@ -2078,7 +2078,7 @@
           <a:p>
             <a:fld id="{1E7C2FAA-919F-4BF2-9DC6-6D7D1753D0B1}" type="datetimeFigureOut">
               <a:rPr lang="en-US" smtClean="0"/>
-              <a:t>6/19/2017</a:t>
+              <a:t>6/20/2017</a:t>
             </a:fld>
             <a:endParaRPr lang="en-US"/>
           </a:p>
@@ -2356,7 +2356,7 @@
           <a:p>
             <a:fld id="{1E7C2FAA-919F-4BF2-9DC6-6D7D1753D0B1}" type="datetimeFigureOut">
               <a:rPr lang="en-US" smtClean="0"/>
-              <a:t>6/19/2017</a:t>
+              <a:t>6/20/2017</a:t>
             </a:fld>
             <a:endParaRPr lang="en-US"/>
           </a:p>
@@ -2614,7 +2614,7 @@
           <a:p>
             <a:fld id="{1E7C2FAA-919F-4BF2-9DC6-6D7D1753D0B1}" type="datetimeFigureOut">
               <a:rPr lang="en-US" smtClean="0"/>
-              <a:t>6/19/2017</a:t>
+              <a:t>6/20/2017</a:t>
             </a:fld>
             <a:endParaRPr lang="en-US"/>
           </a:p>
@@ -2871,7 +2871,7 @@
           <a:p>
             <a:fld id="{1E7C2FAA-919F-4BF2-9DC6-6D7D1753D0B1}" type="datetimeFigureOut">
               <a:rPr lang="en-US" smtClean="0"/>
-              <a:t>6/19/2017</a:t>
+              <a:t>6/20/2017</a:t>
             </a:fld>
             <a:endParaRPr lang="en-US"/>
           </a:p>
@@ -3300,13 +3300,6 @@
   <p:clrMapOvr>
     <a:masterClrMapping/>
   </p:clrMapOvr>
-  <p:timing>
-    <p:tnLst>
-      <p:par>
-        <p:cTn id="1" dur="indefinite" restart="never" nodeType="tmRoot"/>
-      </p:par>
-    </p:tnLst>
-  </p:timing>
 </p:sld>
 </file>
 
@@ -3343,10 +3336,9 @@
           <a:lstStyle/>
           <a:p>
             <a:r>
-              <a:rPr lang="en-US" dirty="0" smtClean="0"/>
+              <a:rPr lang="en-US" dirty="0"/>
               <a:t>Android Reference</a:t>
             </a:r>
-            <a:endParaRPr lang="en-US" dirty="0"/>
           </a:p>
         </p:txBody>
       </p:sp>
@@ -3521,18 +3513,13 @@
             <a:lstStyle/>
             <a:p>
               <a:r>
-                <a:rPr lang="en-US" dirty="0" smtClean="0">
+                <a:rPr lang="en-US" dirty="0">
                   <a:solidFill>
                     <a:srgbClr val="C00000"/>
                   </a:solidFill>
                 </a:rPr>
                 <a:t>Min Support SDK Version</a:t>
               </a:r>
-              <a:endParaRPr lang="en-US" dirty="0">
-                <a:solidFill>
-                  <a:srgbClr val="C00000"/>
-                </a:solidFill>
-              </a:endParaRPr>
             </a:p>
           </p:txBody>
         </p:sp>
@@ -4645,18 +4632,17 @@
           <a:lstStyle/>
           <a:p>
             <a:r>
-              <a:rPr lang="en-US" dirty="0" smtClean="0"/>
+              <a:rPr lang="en-US" dirty="0"/>
               <a:t>Inside </a:t>
             </a:r>
             <a:r>
-              <a:rPr lang="en-US" dirty="0" err="1" smtClean="0"/>
+              <a:rPr lang="en-US" dirty="0" err="1"/>
               <a:t>onCreate</a:t>
             </a:r>
             <a:r>
-              <a:rPr lang="en-US" dirty="0" smtClean="0"/>
+              <a:rPr lang="en-US" dirty="0"/>
               <a:t>()</a:t>
             </a:r>
-            <a:endParaRPr lang="en-US" dirty="0"/>
           </a:p>
         </p:txBody>
       </p:sp>
@@ -4681,23 +4667,22 @@
           <a:bodyPr/>
           <a:lstStyle/>
           <a:p>
+            <a:pPr lvl="1"/>
             <a:r>
               <a:rPr lang="en-US" dirty="0" smtClean="0"/>
-              <a:t>Process incoming data (i.e. Intent)</a:t>
-            </a:r>
-          </a:p>
-          <a:p>
-            <a:r>
-              <a:rPr lang="en-US" dirty="0" smtClean="0"/>
-              <a:t>Initialize variables (non-view)</a:t>
-            </a:r>
-          </a:p>
-          <a:p>
-            <a:r>
-              <a:rPr lang="en-US" dirty="0" smtClean="0"/>
+              <a:t>Initialize </a:t>
+            </a:r>
+            <a:r>
+              <a:rPr lang="en-US" dirty="0"/>
+              <a:t>variables (non-view)</a:t>
+            </a:r>
+          </a:p>
+          <a:p>
+            <a:pPr lvl="1"/>
+            <a:r>
+              <a:rPr lang="en-US" dirty="0"/>
               <a:t>Assign Activity layout </a:t>
             </a:r>
-            <a:endParaRPr lang="en-US" dirty="0"/>
           </a:p>
         </p:txBody>
       </p:sp>
@@ -5090,11 +5075,11 @@
           <a:lstStyle/>
           <a:p>
             <a:r>
-              <a:rPr lang="en-US" dirty="0" smtClean="0"/>
+              <a:rPr lang="en-US" dirty="0"/>
               <a:t>Inside </a:t>
             </a:r>
             <a:r>
-              <a:rPr lang="en-US" dirty="0" err="1" smtClean="0"/>
+              <a:rPr lang="en-US" dirty="0" err="1"/>
               <a:t>onStart</a:t>
             </a:r>
             <a:r>
@@ -5125,17 +5110,13 @@
           <a:bodyPr/>
           <a:lstStyle/>
           <a:p>
-            <a:r>
-              <a:rPr lang="en-US" dirty="0" smtClean="0"/>
-              <a:t>Initialize view objects (inside Fragment)</a:t>
-            </a:r>
-          </a:p>
-          <a:p>
-            <a:r>
-              <a:rPr lang="en-US" dirty="0" smtClean="0"/>
+            <a:pPr marL="380991" lvl="1" indent="0">
+              <a:buNone/>
+            </a:pPr>
+            <a:r>
+              <a:rPr lang="en-US" dirty="0"/>
               <a:t>Register services </a:t>
             </a:r>
-            <a:endParaRPr lang="en-US" dirty="0"/>
           </a:p>
         </p:txBody>
       </p:sp>
@@ -5630,13 +5611,6 @@
   <p:clrMapOvr>
     <a:masterClrMapping/>
   </p:clrMapOvr>
-  <p:timing>
-    <p:tnLst>
-      <p:par>
-        <p:cTn id="1" dur="indefinite" restart="never" nodeType="tmRoot"/>
-      </p:par>
-    </p:tnLst>
-  </p:timing>
 </p:sld>
 </file>
 
@@ -5679,11 +5653,11 @@
           <a:lstStyle/>
           <a:p>
             <a:r>
-              <a:rPr lang="en-US" dirty="0" smtClean="0"/>
+              <a:rPr lang="en-US" dirty="0"/>
               <a:t>Inside </a:t>
             </a:r>
             <a:r>
-              <a:rPr lang="en-US" dirty="0" err="1" smtClean="0"/>
+              <a:rPr lang="en-US" dirty="0" err="1"/>
               <a:t>onResume</a:t>
             </a:r>
             <a:r>
@@ -5714,12 +5688,13 @@
           <a:bodyPr/>
           <a:lstStyle/>
           <a:p>
-            <a:pPr lvl="1"/>
-            <a:r>
-              <a:rPr lang="en-US" dirty="0" smtClean="0"/>
+            <a:pPr marL="304793" lvl="1" indent="0">
+              <a:buNone/>
+            </a:pPr>
+            <a:r>
+              <a:rPr lang="en-US" dirty="0"/>
               <a:t>Continue a service or action  (ex. Stock market ticker)</a:t>
             </a:r>
-            <a:endParaRPr lang="en-US" dirty="0"/>
           </a:p>
         </p:txBody>
       </p:sp>
@@ -5823,7 +5798,7 @@
         <p:spPr>
           <a:xfrm>
             <a:off x="5642096" y="2313238"/>
-            <a:ext cx="6458860" cy="369332"/>
+            <a:ext cx="6458860" cy="646331"/>
           </a:xfrm>
           <a:prstGeom prst="rect">
             <a:avLst/>
@@ -5846,7 +5821,7 @@
             </a:r>
             <a:r>
               <a:rPr lang="en-US" dirty="0"/>
-              <a:t>moving to the background and stopping user interaction</a:t>
+              <a:t>moving to the background, visible/partial and stopping user interaction</a:t>
             </a:r>
           </a:p>
         </p:txBody>
@@ -5901,25 +5876,8 @@
                   </a:schemeClr>
                 </a:solidFill>
               </a:rPr>
-              <a:t>moved to the background and not </a:t>
-            </a:r>
-            <a:r>
-              <a:rPr lang="en-US" dirty="0" smtClean="0">
-                <a:solidFill>
-                  <a:schemeClr val="bg1">
-                    <a:lumMod val="65000"/>
-                  </a:schemeClr>
-                </a:solidFill>
-              </a:rPr>
-              <a:t>visible</a:t>
-            </a:r>
-            <a:endParaRPr lang="en-US" dirty="0">
-              <a:solidFill>
-                <a:schemeClr val="bg1">
-                  <a:lumMod val="65000"/>
-                </a:schemeClr>
-              </a:solidFill>
-            </a:endParaRPr>
+              <a:t>moved to the background and not visible</a:t>
+            </a:r>
           </a:p>
         </p:txBody>
       </p:sp>
@@ -6133,18 +6091,17 @@
           <a:lstStyle/>
           <a:p>
             <a:r>
-              <a:rPr lang="en-US" dirty="0" smtClean="0"/>
+              <a:rPr lang="en-US" dirty="0"/>
               <a:t>Inside </a:t>
             </a:r>
             <a:r>
-              <a:rPr lang="en-US" dirty="0" err="1" smtClean="0"/>
+              <a:rPr lang="en-US" dirty="0" err="1"/>
               <a:t>onPause</a:t>
             </a:r>
             <a:r>
-              <a:rPr lang="en-US" dirty="0" smtClean="0"/>
+              <a:rPr lang="en-US" dirty="0"/>
               <a:t>()</a:t>
             </a:r>
-            <a:endParaRPr lang="en-US" dirty="0"/>
           </a:p>
         </p:txBody>
       </p:sp>
@@ -6165,14 +6122,14 @@
           <a:p>
             <a:pPr lvl="1"/>
             <a:r>
-              <a:rPr lang="en-US" dirty="0" smtClean="0"/>
+              <a:rPr lang="en-US" dirty="0"/>
               <a:t>Pause service(s) or actions</a:t>
             </a:r>
           </a:p>
           <a:p>
             <a:pPr lvl="1"/>
             <a:r>
-              <a:rPr lang="en-US" dirty="0" smtClean="0"/>
+              <a:rPr lang="en-US" dirty="0"/>
               <a:t>Save data to a persistent storage</a:t>
             </a:r>
           </a:p>
@@ -6397,13 +6354,8 @@
             </a:r>
             <a:r>
               <a:rPr lang="en-US" dirty="0"/>
-              <a:t>moved to the background and not </a:t>
-            </a:r>
-            <a:r>
-              <a:rPr lang="en-US" dirty="0" smtClean="0"/>
-              <a:t>visible</a:t>
-            </a:r>
-            <a:endParaRPr lang="en-US" dirty="0"/>
+              <a:t>moved to the background and not visible</a:t>
+            </a:r>
           </a:p>
         </p:txBody>
       </p:sp>
@@ -6564,47 +6516,6 @@
           </a:p>
         </p:txBody>
       </p:sp>
-      <p:pic>
-        <p:nvPicPr>
-          <p:cNvPr id="14" name="Picture 2" descr="C:\Users\brian.batchelor\AppData\Local\Microsoft\Windows\INetCache\IE\T13KQPTQ\large-Pin-0-11351[1].gif"/>
-          <p:cNvPicPr>
-            <a:picLocks noChangeAspect="1" noChangeArrowheads="1"/>
-          </p:cNvPicPr>
-          <p:nvPr/>
-        </p:nvPicPr>
-        <p:blipFill>
-          <a:blip r:embed="rId4" cstate="print">
-            <a:extLst>
-              <a:ext uri="{28A0092B-C50C-407E-A947-70E740481C1C}">
-                <a14:useLocalDpi xmlns:a14="http://schemas.microsoft.com/office/drawing/2010/main" val="0"/>
-              </a:ext>
-            </a:extLst>
-          </a:blip>
-          <a:srcRect/>
-          <a:stretch>
-            <a:fillRect/>
-          </a:stretch>
-        </p:blipFill>
-        <p:spPr bwMode="auto">
-          <a:xfrm>
-            <a:off x="3663469" y="1932015"/>
-            <a:ext cx="360363" cy="523875"/>
-          </a:xfrm>
-          <a:prstGeom prst="rect">
-            <a:avLst/>
-          </a:prstGeom>
-          <a:noFill/>
-          <a:extLst>
-            <a:ext uri="{909E8E84-426E-40DD-AFC4-6F175D3DCCD1}">
-              <a14:hiddenFill xmlns:a14="http://schemas.microsoft.com/office/drawing/2010/main">
-                <a:solidFill>
-                  <a:srgbClr val="FFFFFF"/>
-                </a:solidFill>
-              </a14:hiddenFill>
-            </a:ext>
-          </a:extLst>
-        </p:spPr>
-      </p:pic>
     </p:spTree>
     <p:extLst>
       <p:ext uri="{BB962C8B-B14F-4D97-AF65-F5344CB8AC3E}">
@@ -6658,18 +6569,17 @@
           <a:lstStyle/>
           <a:p>
             <a:r>
-              <a:rPr lang="en-US" dirty="0" smtClean="0"/>
+              <a:rPr lang="en-US" dirty="0"/>
               <a:t>Inside </a:t>
             </a:r>
             <a:r>
-              <a:rPr lang="en-US" dirty="0" err="1" smtClean="0"/>
+              <a:rPr lang="en-US" dirty="0" err="1"/>
               <a:t>onStop</a:t>
             </a:r>
             <a:r>
-              <a:rPr lang="en-US" dirty="0" smtClean="0"/>
+              <a:rPr lang="en-US" dirty="0"/>
               <a:t>()</a:t>
             </a:r>
-            <a:endParaRPr lang="en-US" dirty="0"/>
           </a:p>
         </p:txBody>
       </p:sp>
@@ -6690,10 +6600,9 @@
           <a:p>
             <a:pPr lvl="1"/>
             <a:r>
-              <a:rPr lang="en-US" dirty="0" smtClean="0"/>
+              <a:rPr lang="en-US" dirty="0"/>
               <a:t>Unregister Service(s)</a:t>
             </a:r>
-            <a:endParaRPr lang="en-US" dirty="0"/>
           </a:p>
         </p:txBody>
       </p:sp>
@@ -6893,25 +6802,8 @@
                   </a:schemeClr>
                 </a:solidFill>
               </a:rPr>
-              <a:t>moved to the background and not </a:t>
-            </a:r>
-            <a:r>
-              <a:rPr lang="en-US" dirty="0" smtClean="0">
-                <a:solidFill>
-                  <a:schemeClr val="bg1">
-                    <a:lumMod val="75000"/>
-                  </a:schemeClr>
-                </a:solidFill>
-              </a:rPr>
-              <a:t>visible</a:t>
-            </a:r>
-            <a:endParaRPr lang="en-US" dirty="0">
-              <a:solidFill>
-                <a:schemeClr val="bg1">
-                  <a:lumMod val="75000"/>
-                </a:schemeClr>
-              </a:solidFill>
-            </a:endParaRPr>
+              <a:t>moved to the background and not visible</a:t>
+            </a:r>
           </a:p>
         </p:txBody>
       </p:sp>
@@ -7054,47 +6946,6 @@
           </a:p>
         </p:txBody>
       </p:sp>
-      <p:pic>
-        <p:nvPicPr>
-          <p:cNvPr id="14" name="Picture 2" descr="C:\Users\brian.batchelor\AppData\Local\Microsoft\Windows\INetCache\IE\T13KQPTQ\large-Pin-0-11351[1].gif"/>
-          <p:cNvPicPr>
-            <a:picLocks noChangeAspect="1" noChangeArrowheads="1"/>
-          </p:cNvPicPr>
-          <p:nvPr/>
-        </p:nvPicPr>
-        <p:blipFill>
-          <a:blip r:embed="rId4" cstate="print">
-            <a:extLst>
-              <a:ext uri="{28A0092B-C50C-407E-A947-70E740481C1C}">
-                <a14:useLocalDpi xmlns:a14="http://schemas.microsoft.com/office/drawing/2010/main" val="0"/>
-              </a:ext>
-            </a:extLst>
-          </a:blip>
-          <a:srcRect/>
-          <a:stretch>
-            <a:fillRect/>
-          </a:stretch>
-        </p:blipFill>
-        <p:spPr bwMode="auto">
-          <a:xfrm>
-            <a:off x="3663469" y="1932015"/>
-            <a:ext cx="360363" cy="523875"/>
-          </a:xfrm>
-          <a:prstGeom prst="rect">
-            <a:avLst/>
-          </a:prstGeom>
-          <a:noFill/>
-          <a:extLst>
-            <a:ext uri="{909E8E84-426E-40DD-AFC4-6F175D3DCCD1}">
-              <a14:hiddenFill xmlns:a14="http://schemas.microsoft.com/office/drawing/2010/main">
-                <a:solidFill>
-                  <a:srgbClr val="FFFFFF"/>
-                </a:solidFill>
-              </a14:hiddenFill>
-            </a:ext>
-          </a:extLst>
-        </p:spPr>
-      </p:pic>
     </p:spTree>
     <p:extLst>
       <p:ext uri="{BB962C8B-B14F-4D97-AF65-F5344CB8AC3E}">
@@ -7148,18 +6999,17 @@
           <a:lstStyle/>
           <a:p>
             <a:r>
-              <a:rPr lang="en-US" dirty="0" smtClean="0"/>
+              <a:rPr lang="en-US" dirty="0"/>
               <a:t>Inside </a:t>
             </a:r>
             <a:r>
-              <a:rPr lang="en-US" dirty="0" err="1" smtClean="0"/>
+              <a:rPr lang="en-US" dirty="0" err="1"/>
               <a:t>onDestroy</a:t>
             </a:r>
             <a:r>
-              <a:rPr lang="en-US" dirty="0" smtClean="0"/>
+              <a:rPr lang="en-US" dirty="0"/>
               <a:t>()</a:t>
             </a:r>
-            <a:endParaRPr lang="en-US" dirty="0"/>
           </a:p>
         </p:txBody>
       </p:sp>
@@ -7179,10 +7029,9 @@
           <a:lstStyle/>
           <a:p>
             <a:r>
-              <a:rPr lang="en-US" dirty="0" smtClean="0"/>
+              <a:rPr lang="en-US" dirty="0"/>
               <a:t>Clean up anything else</a:t>
             </a:r>
-            <a:endParaRPr lang="en-US" dirty="0"/>
           </a:p>
         </p:txBody>
       </p:sp>
@@ -7302,17 +7151,12 @@
               <a:pPr algn="ctr"/>
               <a:r>
                 <a:rPr lang="en-US" dirty="0" err="1"/>
-                <a:t>o</a:t>
+                <a:t>onCreate</a:t>
               </a:r>
               <a:r>
-                <a:rPr lang="en-US" dirty="0" err="1" smtClean="0"/>
-                <a:t>nCreate</a:t>
-              </a:r>
-              <a:r>
-                <a:rPr lang="en-US" dirty="0" smtClean="0"/>
+                <a:rPr lang="en-US" dirty="0"/>
                 <a:t>()</a:t>
               </a:r>
-              <a:endParaRPr lang="en-US" dirty="0"/>
             </a:p>
           </p:txBody>
         </p:sp>
@@ -7352,14 +7196,13 @@
             <a:p>
               <a:pPr algn="ctr"/>
               <a:r>
-                <a:rPr lang="en-US" dirty="0" err="1" smtClean="0"/>
+                <a:rPr lang="en-US" dirty="0" err="1"/>
                 <a:t>onDestroy</a:t>
               </a:r>
               <a:r>
-                <a:rPr lang="en-US" dirty="0" smtClean="0"/>
+                <a:rPr lang="en-US" dirty="0"/>
                 <a:t>()</a:t>
               </a:r>
-              <a:endParaRPr lang="en-US" dirty="0"/>
             </a:p>
           </p:txBody>
         </p:sp>
@@ -7455,14 +7298,13 @@
             <a:p>
               <a:pPr algn="ctr"/>
               <a:r>
-                <a:rPr lang="en-US" dirty="0" err="1" smtClean="0"/>
+                <a:rPr lang="en-US" dirty="0" err="1"/>
                 <a:t>onStart</a:t>
               </a:r>
               <a:r>
-                <a:rPr lang="en-US" dirty="0" smtClean="0"/>
+                <a:rPr lang="en-US" dirty="0"/>
                 <a:t>()</a:t>
               </a:r>
-              <a:endParaRPr lang="en-US" dirty="0"/>
             </a:p>
           </p:txBody>
         </p:sp>
@@ -7502,14 +7344,13 @@
             <a:p>
               <a:pPr algn="ctr"/>
               <a:r>
-                <a:rPr lang="en-US" dirty="0" err="1" smtClean="0"/>
+                <a:rPr lang="en-US" dirty="0" err="1"/>
                 <a:t>onStop</a:t>
               </a:r>
               <a:r>
-                <a:rPr lang="en-US" dirty="0" smtClean="0"/>
+                <a:rPr lang="en-US" dirty="0"/>
                 <a:t>()</a:t>
               </a:r>
-              <a:endParaRPr lang="en-US" dirty="0"/>
             </a:p>
           </p:txBody>
         </p:sp>
@@ -7605,14 +7446,13 @@
             <a:p>
               <a:pPr algn="ctr"/>
               <a:r>
-                <a:rPr lang="en-US" dirty="0" err="1" smtClean="0"/>
+                <a:rPr lang="en-US" dirty="0" err="1"/>
                 <a:t>onResume</a:t>
               </a:r>
               <a:r>
-                <a:rPr lang="en-US" dirty="0" smtClean="0"/>
+                <a:rPr lang="en-US" dirty="0"/>
                 <a:t>()</a:t>
               </a:r>
-              <a:endParaRPr lang="en-US" dirty="0"/>
             </a:p>
           </p:txBody>
         </p:sp>
@@ -7652,14 +7492,13 @@
             <a:p>
               <a:pPr algn="ctr"/>
               <a:r>
-                <a:rPr lang="en-US" dirty="0" err="1" smtClean="0"/>
+                <a:rPr lang="en-US" dirty="0" err="1"/>
                 <a:t>onPause</a:t>
               </a:r>
               <a:r>
-                <a:rPr lang="en-US" dirty="0" smtClean="0"/>
+                <a:rPr lang="en-US" dirty="0"/>
                 <a:t>()</a:t>
               </a:r>
-              <a:endParaRPr lang="en-US" dirty="0"/>
             </a:p>
           </p:txBody>
         </p:sp>
@@ -8156,13 +7995,9 @@
           <a:bodyPr/>
           <a:lstStyle/>
           <a:p>
-            <a:r>
-              <a:rPr lang="en-US" dirty="0"/>
-              <a:t>Add XML Layout</a:t>
-            </a:r>
-          </a:p>
-          <a:p>
-            <a:pPr lvl="1"/>
+            <a:pPr marL="533387" lvl="2" indent="0">
+              <a:buNone/>
+            </a:pPr>
             <a:r>
               <a:rPr lang="en-US" dirty="0"/>
               <a:t>XML Layout holds </a:t>
@@ -8173,28 +8008,15 @@
             </a:r>
             <a:r>
               <a:rPr lang="en-US" dirty="0"/>
-              <a:t> (layouts) and View (widgets)</a:t>
-            </a:r>
-          </a:p>
-          <a:p>
-            <a:pPr lvl="1"/>
-            <a:r>
-              <a:rPr lang="en-US" dirty="0"/>
-              <a:t>Best practices</a:t>
-            </a:r>
-          </a:p>
-          <a:p>
-            <a:pPr lvl="2"/>
-            <a:r>
-              <a:rPr lang="en-US" dirty="0"/>
-              <a:t>Layout naming convention </a:t>
-            </a:r>
-          </a:p>
-          <a:p>
-            <a:pPr lvl="3"/>
-            <a:r>
-              <a:rPr lang="en-US" dirty="0"/>
-              <a:t>MainActivity.java  =&gt; main_activity.xml </a:t>
+              <a:t> (layouts) and </a:t>
+            </a:r>
+            <a:r>
+              <a:rPr lang="en-US" dirty="0" smtClean="0"/>
+              <a:t>Views </a:t>
+            </a:r>
+            <a:r>
+              <a:rPr lang="en-US" dirty="0"/>
+              <a:t>(widgets)</a:t>
             </a:r>
           </a:p>
         </p:txBody>
@@ -8216,7 +8038,7 @@
           <a:p>
             <a:r>
               <a:rPr lang="en-US" dirty="0"/>
-              <a:t>XML Layout</a:t>
+              <a:t>XML Layout (View)</a:t>
             </a:r>
           </a:p>
         </p:txBody>
@@ -8302,24 +8124,23 @@
           </a:p>
           <a:p>
             <a:r>
-              <a:rPr lang="en-US" dirty="0" smtClean="0"/>
+              <a:rPr lang="en-US" dirty="0"/>
               <a:t>Support Java and </a:t>
             </a:r>
             <a:r>
-              <a:rPr lang="en-US" dirty="0" err="1" smtClean="0"/>
+              <a:rPr lang="en-US" dirty="0" err="1"/>
               <a:t>Kotlin</a:t>
             </a:r>
             <a:r>
-              <a:rPr lang="en-US" dirty="0" smtClean="0"/>
+              <a:rPr lang="en-US" dirty="0"/>
               <a:t> </a:t>
             </a:r>
           </a:p>
           <a:p>
             <a:r>
-              <a:rPr lang="en-US" dirty="0" smtClean="0"/>
+              <a:rPr lang="en-US" dirty="0"/>
               <a:t>Open Source</a:t>
             </a:r>
-            <a:endParaRPr lang="en-US" dirty="0"/>
           </a:p>
         </p:txBody>
       </p:sp>
@@ -8333,13 +8154,6 @@
   <p:clrMapOvr>
     <a:masterClrMapping/>
   </p:clrMapOvr>
-  <p:timing>
-    <p:tnLst>
-      <p:par>
-        <p:cTn id="1" dur="indefinite" restart="never" nodeType="tmRoot"/>
-      </p:par>
-    </p:tnLst>
-  </p:timing>
 </p:sld>
 </file>
 
@@ -8503,7 +8317,83 @@
   <p:timing>
     <p:tnLst>
       <p:par>
-        <p:cTn id="1" dur="indefinite" restart="never" nodeType="tmRoot"/>
+        <p:cTn id="1" dur="indefinite" restart="never" nodeType="tmRoot">
+          <p:childTnLst>
+            <p:seq concurrent="1" nextAc="seek">
+              <p:cTn id="2" dur="indefinite" nodeType="mainSeq">
+                <p:childTnLst>
+                  <p:par>
+                    <p:cTn id="3" fill="hold">
+                      <p:stCondLst>
+                        <p:cond delay="indefinite"/>
+                      </p:stCondLst>
+                      <p:childTnLst>
+                        <p:par>
+                          <p:cTn id="4" fill="hold">
+                            <p:stCondLst>
+                              <p:cond delay="0"/>
+                            </p:stCondLst>
+                            <p:childTnLst>
+                              <p:par>
+                                <p:cTn id="5" presetID="10" presetClass="entr" presetSubtype="0" fill="hold" nodeType="clickEffect">
+                                  <p:stCondLst>
+                                    <p:cond delay="0"/>
+                                  </p:stCondLst>
+                                  <p:childTnLst>
+                                    <p:set>
+                                      <p:cBhvr>
+                                        <p:cTn id="6" dur="1" fill="hold">
+                                          <p:stCondLst>
+                                            <p:cond delay="0"/>
+                                          </p:stCondLst>
+                                        </p:cTn>
+                                        <p:tgtEl>
+                                          <p:spTgt spid="1029"/>
+                                        </p:tgtEl>
+                                        <p:attrNameLst>
+                                          <p:attrName>style.visibility</p:attrName>
+                                        </p:attrNameLst>
+                                      </p:cBhvr>
+                                      <p:to>
+                                        <p:strVal val="visible"/>
+                                      </p:to>
+                                    </p:set>
+                                    <p:animEffect transition="in" filter="fade">
+                                      <p:cBhvr>
+                                        <p:cTn id="7" dur="500"/>
+                                        <p:tgtEl>
+                                          <p:spTgt spid="1029"/>
+                                        </p:tgtEl>
+                                      </p:cBhvr>
+                                    </p:animEffect>
+                                  </p:childTnLst>
+                                </p:cTn>
+                              </p:par>
+                            </p:childTnLst>
+                          </p:cTn>
+                        </p:par>
+                      </p:childTnLst>
+                    </p:cTn>
+                  </p:par>
+                </p:childTnLst>
+              </p:cTn>
+              <p:prevCondLst>
+                <p:cond evt="onPrev" delay="0">
+                  <p:tgtEl>
+                    <p:sldTgt/>
+                  </p:tgtEl>
+                </p:cond>
+              </p:prevCondLst>
+              <p:nextCondLst>
+                <p:cond evt="onNext" delay="0">
+                  <p:tgtEl>
+                    <p:sldTgt/>
+                  </p:tgtEl>
+                </p:cond>
+              </p:nextCondLst>
+            </p:seq>
+          </p:childTnLst>
+        </p:cTn>
       </p:par>
     </p:tnLst>
   </p:timing>
@@ -8670,7 +8560,83 @@
   <p:timing>
     <p:tnLst>
       <p:par>
-        <p:cTn id="1" dur="indefinite" restart="never" nodeType="tmRoot"/>
+        <p:cTn id="1" dur="indefinite" restart="never" nodeType="tmRoot">
+          <p:childTnLst>
+            <p:seq concurrent="1" nextAc="seek">
+              <p:cTn id="2" dur="indefinite" nodeType="mainSeq">
+                <p:childTnLst>
+                  <p:par>
+                    <p:cTn id="3" fill="hold">
+                      <p:stCondLst>
+                        <p:cond delay="indefinite"/>
+                      </p:stCondLst>
+                      <p:childTnLst>
+                        <p:par>
+                          <p:cTn id="4" fill="hold">
+                            <p:stCondLst>
+                              <p:cond delay="0"/>
+                            </p:stCondLst>
+                            <p:childTnLst>
+                              <p:par>
+                                <p:cTn id="5" presetID="10" presetClass="entr" presetSubtype="0" fill="hold" nodeType="clickEffect">
+                                  <p:stCondLst>
+                                    <p:cond delay="0"/>
+                                  </p:stCondLst>
+                                  <p:childTnLst>
+                                    <p:set>
+                                      <p:cBhvr>
+                                        <p:cTn id="6" dur="1" fill="hold">
+                                          <p:stCondLst>
+                                            <p:cond delay="0"/>
+                                          </p:stCondLst>
+                                        </p:cTn>
+                                        <p:tgtEl>
+                                          <p:spTgt spid="2052"/>
+                                        </p:tgtEl>
+                                        <p:attrNameLst>
+                                          <p:attrName>style.visibility</p:attrName>
+                                        </p:attrNameLst>
+                                      </p:cBhvr>
+                                      <p:to>
+                                        <p:strVal val="visible"/>
+                                      </p:to>
+                                    </p:set>
+                                    <p:animEffect transition="in" filter="fade">
+                                      <p:cBhvr>
+                                        <p:cTn id="7" dur="500"/>
+                                        <p:tgtEl>
+                                          <p:spTgt spid="2052"/>
+                                        </p:tgtEl>
+                                      </p:cBhvr>
+                                    </p:animEffect>
+                                  </p:childTnLst>
+                                </p:cTn>
+                              </p:par>
+                            </p:childTnLst>
+                          </p:cTn>
+                        </p:par>
+                      </p:childTnLst>
+                    </p:cTn>
+                  </p:par>
+                </p:childTnLst>
+              </p:cTn>
+              <p:prevCondLst>
+                <p:cond evt="onPrev" delay="0">
+                  <p:tgtEl>
+                    <p:sldTgt/>
+                  </p:tgtEl>
+                </p:cond>
+              </p:prevCondLst>
+              <p:nextCondLst>
+                <p:cond evt="onNext" delay="0">
+                  <p:tgtEl>
+                    <p:sldTgt/>
+                  </p:tgtEl>
+                </p:cond>
+              </p:nextCondLst>
+            </p:seq>
+          </p:childTnLst>
+        </p:cTn>
       </p:par>
     </p:tnLst>
   </p:timing>
@@ -8781,7 +8747,7 @@
         <p:spPr/>
         <p:txBody>
           <a:bodyPr>
-            <a:normAutofit fontScale="92500" lnSpcReduction="10000"/>
+            <a:normAutofit/>
           </a:bodyPr>
           <a:lstStyle/>
           <a:p>
@@ -8819,20 +8785,9 @@
             </a:r>
           </a:p>
           <a:p>
-            <a:r>
-              <a:rPr lang="en-US" dirty="0"/>
-              <a:t> Best Practices</a:t>
-            </a:r>
-          </a:p>
-          <a:p>
-            <a:pPr lvl="1"/>
-            <a:r>
-              <a:rPr lang="en-US" dirty="0"/>
-              <a:t>Attempt to keep the layout flat by avoiding nest layouts</a:t>
-            </a:r>
-          </a:p>
-          <a:p>
-            <a:pPr lvl="1"/>
+            <a:pPr marL="304793" lvl="1" indent="0">
+              <a:buNone/>
+            </a:pPr>
             <a:endParaRPr lang="en-US" dirty="0"/>
           </a:p>
         </p:txBody>
@@ -8903,11 +8858,45 @@
       </p:grpSpPr>
       <p:sp>
         <p:nvSpPr>
-          <p:cNvPr id="3" name="Content Placeholder 2"/>
+          <p:cNvPr id="2" name="Title 1">
+            <a:extLst>
+              <a:ext uri="{FF2B5EF4-FFF2-40B4-BE49-F238E27FC236}">
+                <a16:creationId xmlns:a16="http://schemas.microsoft.com/office/drawing/2014/main" xmlns="" id="{0EB85E40-6436-4544-A371-9E25D85E851A}"/>
+              </a:ext>
+            </a:extLst>
+          </p:cNvPr>
           <p:cNvSpPr>
             <a:spLocks noGrp="1"/>
           </p:cNvSpPr>
           <p:nvPr>
+            <p:ph type="title"/>
+          </p:nvPr>
+        </p:nvSpPr>
+        <p:spPr/>
+        <p:txBody>
+          <a:bodyPr/>
+          <a:lstStyle/>
+          <a:p>
+            <a:r>
+              <a:rPr lang="en-US" dirty="0"/>
+              <a:t>Flat Layout </a:t>
+            </a:r>
+          </a:p>
+        </p:txBody>
+      </p:sp>
+      <p:sp>
+        <p:nvSpPr>
+          <p:cNvPr id="3" name="Content Placeholder 2">
+            <a:extLst>
+              <a:ext uri="{FF2B5EF4-FFF2-40B4-BE49-F238E27FC236}">
+                <a16:creationId xmlns:a16="http://schemas.microsoft.com/office/drawing/2014/main" xmlns="" id="{7BDD70E3-FAA3-4504-B8DC-9110DE322FA4}"/>
+              </a:ext>
+            </a:extLst>
+          </p:cNvPr>
+          <p:cNvSpPr>
+            <a:spLocks noGrp="1"/>
+          </p:cNvSpPr>
+          <p:nvPr>
             <p:ph idx="1"/>
           </p:nvPr>
         </p:nvSpPr>
@@ -8916,33 +8905,14 @@
           <a:bodyPr/>
           <a:lstStyle/>
           <a:p>
-            <a:endParaRPr lang="en-US" dirty="0"/>
-          </a:p>
-          <a:p>
-            <a:pPr marL="0" indent="0" algn="ctr">
-              <a:buNone/>
-            </a:pPr>
-            <a:endParaRPr lang="en-US" dirty="0"/>
-          </a:p>
-          <a:p>
-            <a:pPr marL="0" indent="0" algn="ctr">
-              <a:buNone/>
-            </a:pPr>
-            <a:r>
-              <a:rPr lang="en-US" dirty="0" smtClean="0"/>
-              <a:t>Example</a:t>
-            </a:r>
-            <a:r>
-              <a:rPr lang="en-US" dirty="0"/>
-              <a:t>: Link Activity to Layout </a:t>
-            </a:r>
+            <a:endParaRPr lang="en-US"/>
           </a:p>
         </p:txBody>
       </p:sp>
     </p:spTree>
     <p:extLst>
       <p:ext uri="{BB962C8B-B14F-4D97-AF65-F5344CB8AC3E}">
-        <p14:creationId xmlns:p14="http://schemas.microsoft.com/office/powerpoint/2010/main" val="3117691005"/>
+        <p14:creationId xmlns:p14="http://schemas.microsoft.com/office/powerpoint/2010/main" val="2660896590"/>
       </p:ext>
     </p:extLst>
   </p:cSld>
@@ -8978,28 +8948,6 @@
       </p:grpSpPr>
       <p:sp>
         <p:nvSpPr>
-          <p:cNvPr id="2" name="Title 1"/>
-          <p:cNvSpPr>
-            <a:spLocks noGrp="1"/>
-          </p:cNvSpPr>
-          <p:nvPr>
-            <p:ph type="title"/>
-          </p:nvPr>
-        </p:nvSpPr>
-        <p:spPr/>
-        <p:txBody>
-          <a:bodyPr/>
-          <a:lstStyle/>
-          <a:p>
-            <a:r>
-              <a:rPr lang="en-US" dirty="0"/>
-              <a:t>Editing Android Manifest</a:t>
-            </a:r>
-          </a:p>
-        </p:txBody>
-      </p:sp>
-      <p:sp>
-        <p:nvSpPr>
           <p:cNvPr id="3" name="Content Placeholder 2"/>
           <p:cNvSpPr>
             <a:spLocks noGrp="1"/>
@@ -9013,32 +8961,21 @@
           <a:bodyPr/>
           <a:lstStyle/>
           <a:p>
-            <a:r>
-              <a:rPr lang="en-US" dirty="0"/>
-              <a:t>Add </a:t>
-            </a:r>
-            <a:r>
-              <a:rPr lang="en-US" dirty="0" err="1"/>
-              <a:t>MainActivity</a:t>
-            </a:r>
-            <a:r>
-              <a:rPr lang="en-US" dirty="0"/>
-              <a:t> to AndroidManifest.xml</a:t>
-            </a:r>
-          </a:p>
-          <a:p>
-            <a:pPr lvl="2"/>
-            <a:r>
-              <a:rPr lang="en-US" dirty="0"/>
-              <a:t>The </a:t>
-            </a:r>
-            <a:r>
-              <a:rPr lang="en-US" b="1" dirty="0"/>
-              <a:t>manifest file</a:t>
-            </a:r>
-            <a:r>
-              <a:rPr lang="en-US" dirty="0"/>
-              <a:t> provides essential information about your app to the Android system, which the system must have before it can run any of the app's code. (i.e. activities, services, content provider…)</a:t>
+            <a:endParaRPr lang="en-US" dirty="0"/>
+          </a:p>
+          <a:p>
+            <a:pPr marL="0" indent="0" algn="ctr">
+              <a:buNone/>
+            </a:pPr>
+            <a:endParaRPr lang="en-US" dirty="0"/>
+          </a:p>
+          <a:p>
+            <a:pPr marL="0" indent="0" algn="ctr">
+              <a:buNone/>
+            </a:pPr>
+            <a:r>
+              <a:rPr lang="en-US" dirty="0"/>
+              <a:t>Link Activity to Layout </a:t>
             </a:r>
           </a:p>
         </p:txBody>
@@ -9046,7 +8983,7 @@
     </p:spTree>
     <p:extLst>
       <p:ext uri="{BB962C8B-B14F-4D97-AF65-F5344CB8AC3E}">
-        <p14:creationId xmlns:p14="http://schemas.microsoft.com/office/powerpoint/2010/main" val="1089828459"/>
+        <p14:creationId xmlns:p14="http://schemas.microsoft.com/office/powerpoint/2010/main" val="3117691005"/>
       </p:ext>
     </p:extLst>
   </p:cSld>
@@ -9082,6 +9019,28 @@
       </p:grpSpPr>
       <p:sp>
         <p:nvSpPr>
+          <p:cNvPr id="2" name="Title 1"/>
+          <p:cNvSpPr>
+            <a:spLocks noGrp="1"/>
+          </p:cNvSpPr>
+          <p:nvPr>
+            <p:ph type="title"/>
+          </p:nvPr>
+        </p:nvSpPr>
+        <p:spPr/>
+        <p:txBody>
+          <a:bodyPr/>
+          <a:lstStyle/>
+          <a:p>
+            <a:r>
+              <a:rPr lang="en-US" dirty="0"/>
+              <a:t>Editing Android Manifest</a:t>
+            </a:r>
+          </a:p>
+        </p:txBody>
+      </p:sp>
+      <p:sp>
+        <p:nvSpPr>
           <p:cNvPr id="3" name="Content Placeholder 2"/>
           <p:cNvSpPr>
             <a:spLocks noGrp="1"/>
@@ -9095,6 +9054,88 @@
           <a:bodyPr/>
           <a:lstStyle/>
           <a:p>
+            <a:r>
+              <a:rPr lang="en-US" dirty="0"/>
+              <a:t>Add </a:t>
+            </a:r>
+            <a:r>
+              <a:rPr lang="en-US" dirty="0" err="1"/>
+              <a:t>MainActivity</a:t>
+            </a:r>
+            <a:r>
+              <a:rPr lang="en-US" dirty="0"/>
+              <a:t> to AndroidManifest.xml</a:t>
+            </a:r>
+          </a:p>
+          <a:p>
+            <a:pPr lvl="2"/>
+            <a:r>
+              <a:rPr lang="en-US" dirty="0"/>
+              <a:t>The </a:t>
+            </a:r>
+            <a:r>
+              <a:rPr lang="en-US" b="1" dirty="0"/>
+              <a:t>manifest file</a:t>
+            </a:r>
+            <a:r>
+              <a:rPr lang="en-US" dirty="0"/>
+              <a:t> provides essential information about your app to the Android system, which the system must have before it can run any of the app's code. (i.e. activities, services, content provider…)</a:t>
+            </a:r>
+          </a:p>
+        </p:txBody>
+      </p:sp>
+    </p:spTree>
+    <p:extLst>
+      <p:ext uri="{BB962C8B-B14F-4D97-AF65-F5344CB8AC3E}">
+        <p14:creationId xmlns:p14="http://schemas.microsoft.com/office/powerpoint/2010/main" val="1089828459"/>
+      </p:ext>
+    </p:extLst>
+  </p:cSld>
+  <p:clrMapOvr>
+    <a:masterClrMapping/>
+  </p:clrMapOvr>
+  <p:timing>
+    <p:tnLst>
+      <p:par>
+        <p:cTn id="1" dur="indefinite" restart="never" nodeType="tmRoot"/>
+      </p:par>
+    </p:tnLst>
+  </p:timing>
+</p:sld>
+</file>
+
+<file path=ppt/slides/slide37.xml><?xml version="1.0" encoding="utf-8"?>
+<p:sld xmlns:a="http://schemas.openxmlformats.org/drawingml/2006/main" xmlns:r="http://schemas.openxmlformats.org/officeDocument/2006/relationships" xmlns:p="http://schemas.openxmlformats.org/presentationml/2006/main">
+  <p:cSld>
+    <p:spTree>
+      <p:nvGrpSpPr>
+        <p:cNvPr id="1" name=""/>
+        <p:cNvGrpSpPr/>
+        <p:nvPr/>
+      </p:nvGrpSpPr>
+      <p:grpSpPr>
+        <a:xfrm>
+          <a:off x="0" y="0"/>
+          <a:ext cx="0" cy="0"/>
+          <a:chOff x="0" y="0"/>
+          <a:chExt cx="0" cy="0"/>
+        </a:xfrm>
+      </p:grpSpPr>
+      <p:sp>
+        <p:nvSpPr>
+          <p:cNvPr id="3" name="Content Placeholder 2"/>
+          <p:cNvSpPr>
+            <a:spLocks noGrp="1"/>
+          </p:cNvSpPr>
+          <p:nvPr>
+            <p:ph idx="1"/>
+          </p:nvPr>
+        </p:nvSpPr>
+        <p:spPr/>
+        <p:txBody>
+          <a:bodyPr/>
+          <a:lstStyle/>
+          <a:p>
             <a:pPr marL="0" indent="0" algn="ctr">
               <a:buNone/>
             </a:pPr>
@@ -9112,7 +9153,7 @@
             </a:pPr>
             <a:r>
               <a:rPr lang="en-US" dirty="0"/>
-              <a:t>Live Example: Adding </a:t>
+              <a:t>Adding </a:t>
             </a:r>
             <a:r>
               <a:rPr lang="en-US" dirty="0" err="1"/>
@@ -9145,7 +9186,7 @@
 </p:sld>
 </file>
 
-<file path=ppt/slides/slide37.xml><?xml version="1.0" encoding="utf-8"?>
+<file path=ppt/slides/slide38.xml><?xml version="1.0" encoding="utf-8"?>
 <p:sld xmlns:a="http://schemas.openxmlformats.org/drawingml/2006/main" xmlns:r="http://schemas.openxmlformats.org/officeDocument/2006/relationships" xmlns:p="http://schemas.openxmlformats.org/presentationml/2006/main">
   <p:cSld>
     <p:spTree>
@@ -9219,7 +9260,7 @@
 </p:sld>
 </file>
 
-<file path=ppt/slides/slide38.xml><?xml version="1.0" encoding="utf-8"?>
+<file path=ppt/slides/slide39.xml><?xml version="1.0" encoding="utf-8"?>
 <p:sld xmlns:a="http://schemas.openxmlformats.org/drawingml/2006/main" xmlns:r="http://schemas.openxmlformats.org/officeDocument/2006/relationships" xmlns:p="http://schemas.openxmlformats.org/presentationml/2006/main">
   <p:cSld>
     <p:spTree>
@@ -9339,7 +9380,212 @@
 </p:sld>
 </file>
 
-<file path=ppt/slides/slide39.xml><?xml version="1.0" encoding="utf-8"?>
+<file path=ppt/slides/slide4.xml><?xml version="1.0" encoding="utf-8"?>
+<p:sld xmlns:a="http://schemas.openxmlformats.org/drawingml/2006/main" xmlns:r="http://schemas.openxmlformats.org/officeDocument/2006/relationships" xmlns:p="http://schemas.openxmlformats.org/presentationml/2006/main">
+  <p:cSld>
+    <p:spTree>
+      <p:nvGrpSpPr>
+        <p:cNvPr id="1" name=""/>
+        <p:cNvGrpSpPr/>
+        <p:nvPr/>
+      </p:nvGrpSpPr>
+      <p:grpSpPr>
+        <a:xfrm>
+          <a:off x="0" y="0"/>
+          <a:ext cx="0" cy="0"/>
+          <a:chOff x="0" y="0"/>
+          <a:chExt cx="0" cy="0"/>
+        </a:xfrm>
+      </p:grpSpPr>
+      <p:sp>
+        <p:nvSpPr>
+          <p:cNvPr id="2" name="Title 1"/>
+          <p:cNvSpPr>
+            <a:spLocks noGrp="1"/>
+          </p:cNvSpPr>
+          <p:nvPr>
+            <p:ph type="title"/>
+          </p:nvPr>
+        </p:nvSpPr>
+        <p:spPr/>
+        <p:txBody>
+          <a:bodyPr/>
+          <a:lstStyle/>
+          <a:p>
+            <a:r>
+              <a:rPr lang="en-US" dirty="0"/>
+              <a:t>Android Studio </a:t>
+            </a:r>
+          </a:p>
+        </p:txBody>
+      </p:sp>
+      <p:sp>
+        <p:nvSpPr>
+          <p:cNvPr id="3" name="Content Placeholder 2"/>
+          <p:cNvSpPr>
+            <a:spLocks noGrp="1"/>
+          </p:cNvSpPr>
+          <p:nvPr>
+            <p:ph idx="1"/>
+          </p:nvPr>
+        </p:nvSpPr>
+        <p:spPr/>
+        <p:txBody>
+          <a:bodyPr>
+            <a:normAutofit fontScale="62500" lnSpcReduction="20000"/>
+          </a:bodyPr>
+          <a:lstStyle/>
+          <a:p>
+            <a:r>
+              <a:rPr lang="en-US" dirty="0"/>
+              <a:t>De facto standard for Android development </a:t>
+            </a:r>
+          </a:p>
+          <a:p>
+            <a:r>
+              <a:rPr lang="en-US" dirty="0"/>
+              <a:t>Built on the IntelliJ</a:t>
+            </a:r>
+          </a:p>
+          <a:p>
+            <a:r>
+              <a:rPr lang="en-US" dirty="0"/>
+              <a:t>Some features</a:t>
+            </a:r>
+          </a:p>
+          <a:p>
+            <a:pPr lvl="1"/>
+            <a:r>
+              <a:rPr lang="en-US" dirty="0"/>
+              <a:t>Layout Editor</a:t>
+            </a:r>
+          </a:p>
+          <a:p>
+            <a:pPr lvl="1"/>
+            <a:r>
+              <a:rPr lang="en-US" dirty="0"/>
+              <a:t>Built in emulator </a:t>
+            </a:r>
+          </a:p>
+          <a:p>
+            <a:pPr lvl="1"/>
+            <a:r>
+              <a:rPr lang="en-US" dirty="0" err="1"/>
+              <a:t>Gradle</a:t>
+            </a:r>
+            <a:r>
+              <a:rPr lang="en-US" dirty="0"/>
+              <a:t> integration</a:t>
+            </a:r>
+          </a:p>
+          <a:p>
+            <a:pPr lvl="1"/>
+            <a:r>
+              <a:rPr lang="en-US" dirty="0"/>
+              <a:t>Instant Run (Hot swap)</a:t>
+            </a:r>
+          </a:p>
+          <a:p>
+            <a:pPr lvl="1"/>
+            <a:endParaRPr lang="en-US" dirty="0"/>
+          </a:p>
+          <a:p>
+            <a:pPr lvl="1"/>
+            <a:endParaRPr lang="en-US" dirty="0"/>
+          </a:p>
+          <a:p>
+            <a:pPr lvl="1"/>
+            <a:endParaRPr lang="en-US" dirty="0"/>
+          </a:p>
+          <a:p>
+            <a:pPr marL="457200" lvl="1" indent="0" algn="ctr">
+              <a:buNone/>
+            </a:pPr>
+            <a:r>
+              <a:rPr lang="en-US" dirty="0">
+                <a:hlinkClick r:id="rId2"/>
+              </a:rPr>
+              <a:t>https://developer.android.com/studio/index.html</a:t>
+            </a:r>
+            <a:endParaRPr lang="en-US" dirty="0"/>
+          </a:p>
+          <a:p>
+            <a:pPr lvl="1"/>
+            <a:endParaRPr lang="en-US" dirty="0"/>
+          </a:p>
+          <a:p>
+            <a:endParaRPr lang="en-US" dirty="0"/>
+          </a:p>
+        </p:txBody>
+      </p:sp>
+      <p:pic>
+        <p:nvPicPr>
+          <p:cNvPr id="2050" name="Picture 2"/>
+          <p:cNvPicPr>
+            <a:picLocks noChangeAspect="1" noChangeArrowheads="1"/>
+          </p:cNvPicPr>
+          <p:nvPr/>
+        </p:nvPicPr>
+        <p:blipFill>
+          <a:blip r:embed="rId3" cstate="print">
+            <a:extLst>
+              <a:ext uri="{28A0092B-C50C-407E-A947-70E740481C1C}">
+                <a14:useLocalDpi xmlns:a14="http://schemas.microsoft.com/office/drawing/2010/main" val="0"/>
+              </a:ext>
+            </a:extLst>
+          </a:blip>
+          <a:srcRect/>
+          <a:stretch>
+            <a:fillRect/>
+          </a:stretch>
+        </p:blipFill>
+        <p:spPr bwMode="auto">
+          <a:xfrm>
+            <a:off x="4362450" y="2017038"/>
+            <a:ext cx="4171950" cy="3207186"/>
+          </a:xfrm>
+          <a:prstGeom prst="rect">
+            <a:avLst/>
+          </a:prstGeom>
+          <a:noFill/>
+          <a:ln>
+            <a:noFill/>
+          </a:ln>
+          <a:extLst>
+            <a:ext uri="{909E8E84-426E-40DD-AFC4-6F175D3DCCD1}">
+              <a14:hiddenFill xmlns:a14="http://schemas.microsoft.com/office/drawing/2010/main">
+                <a:solidFill>
+                  <a:schemeClr val="accent1"/>
+                </a:solidFill>
+              </a14:hiddenFill>
+            </a:ext>
+            <a:ext uri="{91240B29-F687-4F45-9708-019B960494DF}">
+              <a14:hiddenLine xmlns:a14="http://schemas.microsoft.com/office/drawing/2010/main" w="9525">
+                <a:solidFill>
+                  <a:schemeClr val="tx1"/>
+                </a:solidFill>
+                <a:miter lim="800000"/>
+                <a:headEnd/>
+                <a:tailEnd/>
+              </a14:hiddenLine>
+            </a:ext>
+          </a:extLst>
+        </p:spPr>
+      </p:pic>
+    </p:spTree>
+    <p:extLst>
+      <p:ext uri="{BB962C8B-B14F-4D97-AF65-F5344CB8AC3E}">
+        <p14:creationId xmlns:p14="http://schemas.microsoft.com/office/powerpoint/2010/main" val="948240705"/>
+      </p:ext>
+    </p:extLst>
+  </p:cSld>
+  <p:clrMapOvr>
+    <a:masterClrMapping/>
+  </p:clrMapOvr>
+</p:sld>
+</file>
+
+<file path=ppt/slides/slide40.xml><?xml version="1.0" encoding="utf-8"?>
 <p:sld xmlns:a="http://schemas.openxmlformats.org/drawingml/2006/main" xmlns:r="http://schemas.openxmlformats.org/officeDocument/2006/relationships" xmlns:p="http://schemas.openxmlformats.org/presentationml/2006/main">
   <p:cSld>
     <p:spTree>
@@ -9647,219 +9893,7 @@
 </p:sld>
 </file>
 
-<file path=ppt/slides/slide4.xml><?xml version="1.0" encoding="utf-8"?>
-<p:sld xmlns:a="http://schemas.openxmlformats.org/drawingml/2006/main" xmlns:r="http://schemas.openxmlformats.org/officeDocument/2006/relationships" xmlns:p="http://schemas.openxmlformats.org/presentationml/2006/main">
-  <p:cSld>
-    <p:spTree>
-      <p:nvGrpSpPr>
-        <p:cNvPr id="1" name=""/>
-        <p:cNvGrpSpPr/>
-        <p:nvPr/>
-      </p:nvGrpSpPr>
-      <p:grpSpPr>
-        <a:xfrm>
-          <a:off x="0" y="0"/>
-          <a:ext cx="0" cy="0"/>
-          <a:chOff x="0" y="0"/>
-          <a:chExt cx="0" cy="0"/>
-        </a:xfrm>
-      </p:grpSpPr>
-      <p:sp>
-        <p:nvSpPr>
-          <p:cNvPr id="2" name="Title 1"/>
-          <p:cNvSpPr>
-            <a:spLocks noGrp="1"/>
-          </p:cNvSpPr>
-          <p:nvPr>
-            <p:ph type="title"/>
-          </p:nvPr>
-        </p:nvSpPr>
-        <p:spPr/>
-        <p:txBody>
-          <a:bodyPr/>
-          <a:lstStyle/>
-          <a:p>
-            <a:r>
-              <a:rPr lang="en-US" dirty="0"/>
-              <a:t>Android Studio </a:t>
-            </a:r>
-          </a:p>
-        </p:txBody>
-      </p:sp>
-      <p:sp>
-        <p:nvSpPr>
-          <p:cNvPr id="3" name="Content Placeholder 2"/>
-          <p:cNvSpPr>
-            <a:spLocks noGrp="1"/>
-          </p:cNvSpPr>
-          <p:nvPr>
-            <p:ph idx="1"/>
-          </p:nvPr>
-        </p:nvSpPr>
-        <p:spPr/>
-        <p:txBody>
-          <a:bodyPr>
-            <a:normAutofit fontScale="62500" lnSpcReduction="20000"/>
-          </a:bodyPr>
-          <a:lstStyle/>
-          <a:p>
-            <a:r>
-              <a:rPr lang="en-US" dirty="0"/>
-              <a:t>De facto standard for Android development </a:t>
-            </a:r>
-          </a:p>
-          <a:p>
-            <a:r>
-              <a:rPr lang="en-US" dirty="0"/>
-              <a:t>Built on the IntelliJ</a:t>
-            </a:r>
-          </a:p>
-          <a:p>
-            <a:r>
-              <a:rPr lang="en-US" dirty="0"/>
-              <a:t>Some features</a:t>
-            </a:r>
-          </a:p>
-          <a:p>
-            <a:pPr lvl="1"/>
-            <a:r>
-              <a:rPr lang="en-US" dirty="0"/>
-              <a:t>Layout Editor</a:t>
-            </a:r>
-          </a:p>
-          <a:p>
-            <a:pPr lvl="1"/>
-            <a:r>
-              <a:rPr lang="en-US" dirty="0"/>
-              <a:t>Built in emulator </a:t>
-            </a:r>
-          </a:p>
-          <a:p>
-            <a:pPr lvl="1"/>
-            <a:r>
-              <a:rPr lang="en-US" dirty="0" err="1"/>
-              <a:t>Gradle</a:t>
-            </a:r>
-            <a:r>
-              <a:rPr lang="en-US" dirty="0"/>
-              <a:t> integration</a:t>
-            </a:r>
-          </a:p>
-          <a:p>
-            <a:pPr lvl="1"/>
-            <a:r>
-              <a:rPr lang="en-US" dirty="0"/>
-              <a:t>Instant Run (Hot swap)</a:t>
-            </a:r>
-          </a:p>
-          <a:p>
-            <a:pPr lvl="1"/>
-            <a:endParaRPr lang="en-US" dirty="0"/>
-          </a:p>
-          <a:p>
-            <a:pPr lvl="1"/>
-            <a:endParaRPr lang="en-US" dirty="0"/>
-          </a:p>
-          <a:p>
-            <a:pPr lvl="1"/>
-            <a:endParaRPr lang="en-US" dirty="0"/>
-          </a:p>
-          <a:p>
-            <a:pPr marL="457200" lvl="1" indent="0" algn="ctr">
-              <a:buNone/>
-            </a:pPr>
-            <a:r>
-              <a:rPr lang="en-US" dirty="0">
-                <a:hlinkClick r:id="rId2"/>
-              </a:rPr>
-              <a:t>https://developer.android.com/studio/index.html</a:t>
-            </a:r>
-            <a:endParaRPr lang="en-US" dirty="0"/>
-          </a:p>
-          <a:p>
-            <a:pPr lvl="1"/>
-            <a:endParaRPr lang="en-US" dirty="0"/>
-          </a:p>
-          <a:p>
-            <a:endParaRPr lang="en-US" dirty="0"/>
-          </a:p>
-        </p:txBody>
-      </p:sp>
-      <p:pic>
-        <p:nvPicPr>
-          <p:cNvPr id="2050" name="Picture 2"/>
-          <p:cNvPicPr>
-            <a:picLocks noChangeAspect="1" noChangeArrowheads="1"/>
-          </p:cNvPicPr>
-          <p:nvPr/>
-        </p:nvPicPr>
-        <p:blipFill>
-          <a:blip r:embed="rId3" cstate="print">
-            <a:extLst>
-              <a:ext uri="{28A0092B-C50C-407E-A947-70E740481C1C}">
-                <a14:useLocalDpi xmlns:a14="http://schemas.microsoft.com/office/drawing/2010/main" val="0"/>
-              </a:ext>
-            </a:extLst>
-          </a:blip>
-          <a:srcRect/>
-          <a:stretch>
-            <a:fillRect/>
-          </a:stretch>
-        </p:blipFill>
-        <p:spPr bwMode="auto">
-          <a:xfrm>
-            <a:off x="4362450" y="2017038"/>
-            <a:ext cx="4171950" cy="3207186"/>
-          </a:xfrm>
-          <a:prstGeom prst="rect">
-            <a:avLst/>
-          </a:prstGeom>
-          <a:noFill/>
-          <a:ln>
-            <a:noFill/>
-          </a:ln>
-          <a:extLst>
-            <a:ext uri="{909E8E84-426E-40DD-AFC4-6F175D3DCCD1}">
-              <a14:hiddenFill xmlns:a14="http://schemas.microsoft.com/office/drawing/2010/main">
-                <a:solidFill>
-                  <a:schemeClr val="accent1"/>
-                </a:solidFill>
-              </a14:hiddenFill>
-            </a:ext>
-            <a:ext uri="{91240B29-F687-4F45-9708-019B960494DF}">
-              <a14:hiddenLine xmlns:a14="http://schemas.microsoft.com/office/drawing/2010/main" w="9525">
-                <a:solidFill>
-                  <a:schemeClr val="tx1"/>
-                </a:solidFill>
-                <a:miter lim="800000"/>
-                <a:headEnd/>
-                <a:tailEnd/>
-              </a14:hiddenLine>
-            </a:ext>
-          </a:extLst>
-        </p:spPr>
-      </p:pic>
-    </p:spTree>
-    <p:extLst>
-      <p:ext uri="{BB962C8B-B14F-4D97-AF65-F5344CB8AC3E}">
-        <p14:creationId xmlns:p14="http://schemas.microsoft.com/office/powerpoint/2010/main" val="948240705"/>
-      </p:ext>
-    </p:extLst>
-  </p:cSld>
-  <p:clrMapOvr>
-    <a:masterClrMapping/>
-  </p:clrMapOvr>
-  <p:timing>
-    <p:tnLst>
-      <p:par>
-        <p:cTn id="1" dur="indefinite" restart="never" nodeType="tmRoot"/>
-      </p:par>
-    </p:tnLst>
-  </p:timing>
-</p:sld>
-</file>
-
-<file path=ppt/slides/slide40.xml><?xml version="1.0" encoding="utf-8"?>
+<file path=ppt/slides/slide41.xml><?xml version="1.0" encoding="utf-8"?>
 <p:sld xmlns:a="http://schemas.openxmlformats.org/drawingml/2006/main" xmlns:r="http://schemas.openxmlformats.org/officeDocument/2006/relationships" xmlns:p="http://schemas.openxmlformats.org/presentationml/2006/main">
   <p:cSld>
     <p:spTree>
@@ -10059,7 +10093,7 @@
 </p:sld>
 </file>
 
-<file path=ppt/slides/slide41.xml><?xml version="1.0" encoding="utf-8"?>
+<file path=ppt/slides/slide42.xml><?xml version="1.0" encoding="utf-8"?>
 <p:sld xmlns:a="http://schemas.openxmlformats.org/drawingml/2006/main" xmlns:r="http://schemas.openxmlformats.org/officeDocument/2006/relationships" xmlns:p="http://schemas.openxmlformats.org/presentationml/2006/main">
   <p:cSld>
     <p:spTree>
@@ -10502,7 +10536,7 @@
 </p:sld>
 </file>
 
-<file path=ppt/slides/slide42.xml><?xml version="1.0" encoding="utf-8"?>
+<file path=ppt/slides/slide43.xml><?xml version="1.0" encoding="utf-8"?>
 <p:sld xmlns:a="http://schemas.openxmlformats.org/drawingml/2006/main" xmlns:r="http://schemas.openxmlformats.org/officeDocument/2006/relationships" xmlns:p="http://schemas.openxmlformats.org/presentationml/2006/main">
   <p:cSld>
     <p:spTree>
@@ -10535,18 +10569,17 @@
           <a:lstStyle/>
           <a:p>
             <a:r>
-              <a:rPr lang="en-US" dirty="0" smtClean="0"/>
+              <a:rPr lang="en-US" dirty="0"/>
               <a:t>Inside </a:t>
             </a:r>
             <a:r>
-              <a:rPr lang="en-US" dirty="0" err="1" smtClean="0"/>
+              <a:rPr lang="en-US" dirty="0" err="1"/>
               <a:t>onAttach</a:t>
             </a:r>
             <a:r>
-              <a:rPr lang="en-US" dirty="0" smtClean="0"/>
+              <a:rPr lang="en-US" dirty="0"/>
               <a:t>()</a:t>
             </a:r>
-            <a:endParaRPr lang="en-US" dirty="0"/>
           </a:p>
         </p:txBody>
       </p:sp>
@@ -10567,28 +10600,28 @@
           <a:p>
             <a:pPr lvl="1"/>
             <a:r>
-              <a:rPr lang="en-US" dirty="0" smtClean="0"/>
+              <a:rPr lang="en-US" dirty="0"/>
               <a:t>Save parent activity context for:</a:t>
             </a:r>
           </a:p>
           <a:p>
             <a:pPr lvl="2"/>
             <a:r>
-              <a:rPr lang="en-US" dirty="0" smtClean="0"/>
+              <a:rPr lang="en-US" dirty="0"/>
               <a:t>Callbacks to parent activity</a:t>
             </a:r>
           </a:p>
           <a:p>
             <a:pPr lvl="2"/>
             <a:r>
-              <a:rPr lang="en-US" dirty="0" smtClean="0"/>
+              <a:rPr lang="en-US" dirty="0"/>
               <a:t>Content provider (database)</a:t>
             </a:r>
           </a:p>
           <a:p>
             <a:pPr lvl="2"/>
             <a:r>
-              <a:rPr lang="en-US" dirty="0" smtClean="0"/>
+              <a:rPr lang="en-US" dirty="0"/>
               <a:t>others</a:t>
             </a:r>
           </a:p>
@@ -10614,7 +10647,7 @@
 </p:sld>
 </file>
 
-<file path=ppt/slides/slide43.xml><?xml version="1.0" encoding="utf-8"?>
+<file path=ppt/slides/slide44.xml><?xml version="1.0" encoding="utf-8"?>
 <p:sld xmlns:a="http://schemas.openxmlformats.org/drawingml/2006/main" xmlns:r="http://schemas.openxmlformats.org/officeDocument/2006/relationships" xmlns:p="http://schemas.openxmlformats.org/presentationml/2006/main">
   <p:cSld>
     <p:spTree>
@@ -11051,7 +11084,7 @@
 </p:sld>
 </file>
 
-<file path=ppt/slides/slide44.xml><?xml version="1.0" encoding="utf-8"?>
+<file path=ppt/slides/slide45.xml><?xml version="1.0" encoding="utf-8"?>
 <p:sld xmlns:a="http://schemas.openxmlformats.org/drawingml/2006/main" xmlns:r="http://schemas.openxmlformats.org/officeDocument/2006/relationships" xmlns:p="http://schemas.openxmlformats.org/presentationml/2006/main">
   <p:cSld>
     <p:spTree>
@@ -11084,18 +11117,17 @@
           <a:lstStyle/>
           <a:p>
             <a:r>
-              <a:rPr lang="en-US" dirty="0" smtClean="0"/>
+              <a:rPr lang="en-US" dirty="0"/>
               <a:t>Inside </a:t>
             </a:r>
             <a:r>
-              <a:rPr lang="en-US" dirty="0" err="1" smtClean="0"/>
+              <a:rPr lang="en-US" dirty="0" err="1"/>
               <a:t>onCreate</a:t>
             </a:r>
             <a:r>
-              <a:rPr lang="en-US" dirty="0" smtClean="0"/>
+              <a:rPr lang="en-US" dirty="0"/>
               <a:t>()</a:t>
             </a:r>
-            <a:endParaRPr lang="en-US" dirty="0"/>
           </a:p>
         </p:txBody>
       </p:sp>
@@ -11118,10 +11150,9 @@
               <a:buNone/>
             </a:pPr>
             <a:r>
-              <a:rPr lang="en-US" dirty="0" smtClean="0"/>
+              <a:rPr lang="en-US" dirty="0"/>
               <a:t>Initialize non-view attributes</a:t>
             </a:r>
-            <a:endParaRPr lang="en-US" dirty="0"/>
           </a:p>
         </p:txBody>
       </p:sp>
@@ -11145,7 +11176,7 @@
 </p:sld>
 </file>
 
-<file path=ppt/slides/slide45.xml><?xml version="1.0" encoding="utf-8"?>
+<file path=ppt/slides/slide46.xml><?xml version="1.0" encoding="utf-8"?>
 <p:sld xmlns:a="http://schemas.openxmlformats.org/drawingml/2006/main" xmlns:r="http://schemas.openxmlformats.org/officeDocument/2006/relationships" xmlns:p="http://schemas.openxmlformats.org/presentationml/2006/main">
   <p:cSld>
     <p:spTree>
@@ -11588,7 +11619,7 @@
 </p:sld>
 </file>
 
-<file path=ppt/slides/slide46.xml><?xml version="1.0" encoding="utf-8"?>
+<file path=ppt/slides/slide47.xml><?xml version="1.0" encoding="utf-8"?>
 <p:sld xmlns:a="http://schemas.openxmlformats.org/drawingml/2006/main" xmlns:r="http://schemas.openxmlformats.org/officeDocument/2006/relationships" xmlns:p="http://schemas.openxmlformats.org/presentationml/2006/main">
   <p:cSld>
     <p:spTree>
@@ -11621,18 +11652,17 @@
           <a:lstStyle/>
           <a:p>
             <a:r>
-              <a:rPr lang="en-US" dirty="0" smtClean="0"/>
+              <a:rPr lang="en-US" dirty="0"/>
               <a:t>Inside </a:t>
             </a:r>
             <a:r>
-              <a:rPr lang="en-US" dirty="0" err="1" smtClean="0"/>
+              <a:rPr lang="en-US" dirty="0" err="1"/>
               <a:t>onCreateView</a:t>
             </a:r>
             <a:r>
-              <a:rPr lang="en-US" dirty="0" smtClean="0"/>
+              <a:rPr lang="en-US" dirty="0"/>
               <a:t>()</a:t>
             </a:r>
-            <a:endParaRPr lang="en-US" dirty="0"/>
           </a:p>
         </p:txBody>
       </p:sp>
@@ -11653,17 +11683,16 @@
           <a:p>
             <a:pPr lvl="1"/>
             <a:r>
-              <a:rPr lang="en-US" dirty="0" smtClean="0"/>
+              <a:rPr lang="en-US" dirty="0"/>
               <a:t>Inflate fragment view with layout</a:t>
             </a:r>
           </a:p>
           <a:p>
             <a:pPr lvl="1"/>
             <a:r>
-              <a:rPr lang="en-US" dirty="0" smtClean="0"/>
+              <a:rPr lang="en-US" dirty="0"/>
               <a:t>Initialize view attributes</a:t>
             </a:r>
-            <a:endParaRPr lang="en-US" dirty="0"/>
           </a:p>
         </p:txBody>
       </p:sp>
@@ -11687,7 +11716,7 @@
 </p:sld>
 </file>
 
-<file path=ppt/slides/slide47.xml><?xml version="1.0" encoding="utf-8"?>
+<file path=ppt/slides/slide48.xml><?xml version="1.0" encoding="utf-8"?>
 <p:sld xmlns:a="http://schemas.openxmlformats.org/drawingml/2006/main" xmlns:r="http://schemas.openxmlformats.org/officeDocument/2006/relationships" xmlns:p="http://schemas.openxmlformats.org/presentationml/2006/main">
   <p:cSld>
     <p:spTree>
@@ -12130,100 +12159,6 @@
 </p:sld>
 </file>
 
-<file path=ppt/slides/slide48.xml><?xml version="1.0" encoding="utf-8"?>
-<p:sld xmlns:a="http://schemas.openxmlformats.org/drawingml/2006/main" xmlns:r="http://schemas.openxmlformats.org/officeDocument/2006/relationships" xmlns:p="http://schemas.openxmlformats.org/presentationml/2006/main">
-  <p:cSld>
-    <p:spTree>
-      <p:nvGrpSpPr>
-        <p:cNvPr id="1" name=""/>
-        <p:cNvGrpSpPr/>
-        <p:nvPr/>
-      </p:nvGrpSpPr>
-      <p:grpSpPr>
-        <a:xfrm>
-          <a:off x="0" y="0"/>
-          <a:ext cx="0" cy="0"/>
-          <a:chOff x="0" y="0"/>
-          <a:chExt cx="0" cy="0"/>
-        </a:xfrm>
-      </p:grpSpPr>
-      <p:sp>
-        <p:nvSpPr>
-          <p:cNvPr id="2" name="Title 1"/>
-          <p:cNvSpPr>
-            <a:spLocks noGrp="1"/>
-          </p:cNvSpPr>
-          <p:nvPr>
-            <p:ph type="title"/>
-          </p:nvPr>
-        </p:nvSpPr>
-        <p:spPr/>
-        <p:txBody>
-          <a:bodyPr/>
-          <a:lstStyle/>
-          <a:p>
-            <a:r>
-              <a:rPr lang="en-US" dirty="0" smtClean="0"/>
-              <a:t>Inside </a:t>
-            </a:r>
-            <a:r>
-              <a:rPr lang="en-US" dirty="0" err="1" smtClean="0"/>
-              <a:t>onActivityCreated</a:t>
-            </a:r>
-            <a:r>
-              <a:rPr lang="en-US" dirty="0" smtClean="0"/>
-              <a:t>()</a:t>
-            </a:r>
-            <a:endParaRPr lang="en-US" dirty="0"/>
-          </a:p>
-        </p:txBody>
-      </p:sp>
-      <p:sp>
-        <p:nvSpPr>
-          <p:cNvPr id="3" name="Content Placeholder 2"/>
-          <p:cNvSpPr>
-            <a:spLocks noGrp="1"/>
-          </p:cNvSpPr>
-          <p:nvPr>
-            <p:ph idx="1"/>
-          </p:nvPr>
-        </p:nvSpPr>
-        <p:spPr/>
-        <p:txBody>
-          <a:bodyPr/>
-          <a:lstStyle/>
-          <a:p>
-            <a:pPr marL="304793" lvl="1" indent="0">
-              <a:buNone/>
-            </a:pPr>
-            <a:r>
-              <a:rPr lang="en-US" dirty="0" smtClean="0"/>
-              <a:t>Perform callbacks by used context </a:t>
-            </a:r>
-            <a:endParaRPr lang="en-US" dirty="0"/>
-          </a:p>
-        </p:txBody>
-      </p:sp>
-    </p:spTree>
-    <p:extLst>
-      <p:ext uri="{BB962C8B-B14F-4D97-AF65-F5344CB8AC3E}">
-        <p14:creationId xmlns:p14="http://schemas.microsoft.com/office/powerpoint/2010/main" val="3223229941"/>
-      </p:ext>
-    </p:extLst>
-  </p:cSld>
-  <p:clrMapOvr>
-    <a:masterClrMapping/>
-  </p:clrMapOvr>
-  <p:timing>
-    <p:tnLst>
-      <p:par>
-        <p:cTn id="1" dur="indefinite" restart="never" nodeType="tmRoot"/>
-      </p:par>
-    </p:tnLst>
-  </p:timing>
-</p:sld>
-</file>
-
 <file path=ppt/slides/slide49.xml><?xml version="1.0" encoding="utf-8"?>
 <p:sld xmlns:a="http://schemas.openxmlformats.org/drawingml/2006/main" xmlns:r="http://schemas.openxmlformats.org/officeDocument/2006/relationships" xmlns:p="http://schemas.openxmlformats.org/presentationml/2006/main">
   <p:cSld>
@@ -12258,299 +12193,40 @@
           <a:p>
             <a:r>
               <a:rPr lang="en-US" dirty="0"/>
-              <a:t>Fragment Lifecycle</a:t>
-            </a:r>
-            <a:endParaRPr lang="en-US" sz="2800" dirty="0"/>
-          </a:p>
-        </p:txBody>
-      </p:sp>
-      <p:pic>
-        <p:nvPicPr>
-          <p:cNvPr id="2054" name="Picture 6" descr="https://developer.android.com/images/fragment_lifecycle.png"/>
-          <p:cNvPicPr>
-            <a:picLocks noChangeAspect="1" noChangeArrowheads="1"/>
-          </p:cNvPicPr>
-          <p:nvPr/>
-        </p:nvPicPr>
-        <p:blipFill>
-          <a:blip r:embed="rId2">
-            <a:extLst>
-              <a:ext uri="{28A0092B-C50C-407E-A947-70E740481C1C}">
-                <a14:useLocalDpi xmlns:a14="http://schemas.microsoft.com/office/drawing/2010/main" val="0"/>
-              </a:ext>
-            </a:extLst>
-          </a:blip>
-          <a:srcRect/>
-          <a:stretch>
-            <a:fillRect/>
-          </a:stretch>
-        </p:blipFill>
-        <p:spPr bwMode="auto">
-          <a:xfrm>
-            <a:off x="619910" y="1650670"/>
-            <a:ext cx="1655354" cy="4422981"/>
-          </a:xfrm>
-          <a:prstGeom prst="rect">
-            <a:avLst/>
-          </a:prstGeom>
-          <a:noFill/>
-          <a:extLst>
-            <a:ext uri="{909E8E84-426E-40DD-AFC4-6F175D3DCCD1}">
-              <a14:hiddenFill xmlns:a14="http://schemas.microsoft.com/office/drawing/2010/main">
-                <a:solidFill>
-                  <a:srgbClr val="FFFFFF"/>
-                </a:solidFill>
-              </a14:hiddenFill>
-            </a:ext>
-          </a:extLst>
-        </p:spPr>
-      </p:pic>
-      <p:sp>
-        <p:nvSpPr>
-          <p:cNvPr id="3" name="Rectangle 2"/>
-          <p:cNvSpPr/>
-          <p:nvPr/>
-        </p:nvSpPr>
-        <p:spPr>
-          <a:xfrm>
-            <a:off x="619910" y="3048296"/>
-            <a:ext cx="1178410" cy="1843744"/>
-          </a:xfrm>
-          <a:prstGeom prst="rect">
-            <a:avLst/>
-          </a:prstGeom>
-          <a:noFill/>
-          <a:ln w="19050">
-            <a:solidFill>
-              <a:schemeClr val="accent6">
-                <a:lumMod val="75000"/>
-              </a:schemeClr>
-            </a:solidFill>
-          </a:ln>
-        </p:spPr>
-        <p:style>
-          <a:lnRef idx="2">
-            <a:schemeClr val="accent1">
-              <a:shade val="50000"/>
-            </a:schemeClr>
-          </a:lnRef>
-          <a:fillRef idx="1">
-            <a:schemeClr val="accent1"/>
-          </a:fillRef>
-          <a:effectRef idx="0">
-            <a:schemeClr val="accent1"/>
-          </a:effectRef>
-          <a:fontRef idx="minor">
-            <a:schemeClr val="lt1"/>
-          </a:fontRef>
-        </p:style>
-        <p:txBody>
-          <a:bodyPr rtlCol="0" anchor="ctr"/>
-          <a:lstStyle/>
-          <a:p>
-            <a:pPr algn="ctr"/>
-            <a:endParaRPr lang="en-US"/>
-          </a:p>
-        </p:txBody>
-      </p:sp>
-      <p:pic>
-        <p:nvPicPr>
-          <p:cNvPr id="2050" name="Picture 2"/>
-          <p:cNvPicPr>
-            <a:picLocks noChangeAspect="1" noChangeArrowheads="1"/>
-          </p:cNvPicPr>
-          <p:nvPr/>
-        </p:nvPicPr>
-        <p:blipFill>
-          <a:blip r:embed="rId3">
-            <a:extLst>
-              <a:ext uri="{28A0092B-C50C-407E-A947-70E740481C1C}">
-                <a14:useLocalDpi xmlns:a14="http://schemas.microsoft.com/office/drawing/2010/main" val="0"/>
-              </a:ext>
-            </a:extLst>
-          </a:blip>
-          <a:srcRect/>
-          <a:stretch>
-            <a:fillRect/>
-          </a:stretch>
-        </p:blipFill>
-        <p:spPr bwMode="auto">
-          <a:xfrm>
-            <a:off x="2275264" y="2063952"/>
-            <a:ext cx="1703120" cy="3217004"/>
-          </a:xfrm>
-          <a:prstGeom prst="rect">
-            <a:avLst/>
-          </a:prstGeom>
-          <a:noFill/>
-          <a:ln>
-            <a:noFill/>
-          </a:ln>
-          <a:extLst>
-            <a:ext uri="{909E8E84-426E-40DD-AFC4-6F175D3DCCD1}">
-              <a14:hiddenFill xmlns:a14="http://schemas.microsoft.com/office/drawing/2010/main">
-                <a:solidFill>
-                  <a:schemeClr val="accent1"/>
-                </a:solidFill>
-              </a14:hiddenFill>
-            </a:ext>
-            <a:ext uri="{91240B29-F687-4F45-9708-019B960494DF}">
-              <a14:hiddenLine xmlns:a14="http://schemas.microsoft.com/office/drawing/2010/main" w="9525">
-                <a:solidFill>
-                  <a:schemeClr val="tx1"/>
-                </a:solidFill>
-                <a:miter lim="800000"/>
-                <a:headEnd/>
-                <a:tailEnd/>
-              </a14:hiddenLine>
-            </a:ext>
-          </a:extLst>
-        </p:spPr>
-      </p:pic>
-      <p:sp>
-        <p:nvSpPr>
-          <p:cNvPr id="6" name="TextBox 5"/>
-          <p:cNvSpPr txBox="1"/>
-          <p:nvPr/>
-        </p:nvSpPr>
-        <p:spPr>
-          <a:xfrm>
-            <a:off x="4220502" y="2195956"/>
-            <a:ext cx="6222670" cy="369332"/>
-          </a:xfrm>
-          <a:prstGeom prst="rect">
-            <a:avLst/>
-          </a:prstGeom>
-          <a:noFill/>
-        </p:spPr>
-        <p:txBody>
-          <a:bodyPr wrap="square" rtlCol="0">
-            <a:spAutoFit/>
-          </a:bodyPr>
-          <a:lstStyle/>
-          <a:p>
-            <a:r>
-              <a:rPr lang="en-US" b="1" dirty="0" err="1"/>
-              <a:t>onStart</a:t>
-            </a:r>
-            <a:r>
-              <a:rPr lang="en-US" b="1" dirty="0"/>
-              <a:t>() </a:t>
-            </a:r>
-            <a:r>
-              <a:rPr lang="en-US" dirty="0"/>
-              <a:t>visible, but not ready for interaction</a:t>
-            </a:r>
-          </a:p>
-        </p:txBody>
-      </p:sp>
-      <p:sp>
-        <p:nvSpPr>
-          <p:cNvPr id="7" name="TextBox 6"/>
-          <p:cNvSpPr txBox="1"/>
-          <p:nvPr/>
-        </p:nvSpPr>
-        <p:spPr>
-          <a:xfrm>
-            <a:off x="4220502" y="2804255"/>
-            <a:ext cx="6222670" cy="369332"/>
-          </a:xfrm>
-          <a:prstGeom prst="rect">
-            <a:avLst/>
-          </a:prstGeom>
-          <a:noFill/>
-        </p:spPr>
-        <p:txBody>
-          <a:bodyPr wrap="square" rtlCol="0">
-            <a:spAutoFit/>
-          </a:bodyPr>
-          <a:lstStyle/>
-          <a:p>
-            <a:r>
-              <a:rPr lang="en-US" b="1" dirty="0" err="1"/>
-              <a:t>onResume</a:t>
-            </a:r>
-            <a:r>
-              <a:rPr lang="en-US" b="1" dirty="0"/>
-              <a:t>() </a:t>
-            </a:r>
-            <a:r>
-              <a:rPr lang="en-US" dirty="0"/>
-              <a:t>moved to the foreground and ready for interaction</a:t>
-            </a:r>
-          </a:p>
-        </p:txBody>
-      </p:sp>
-      <p:sp>
-        <p:nvSpPr>
-          <p:cNvPr id="8" name="TextBox 7"/>
-          <p:cNvSpPr txBox="1"/>
-          <p:nvPr/>
-        </p:nvSpPr>
-        <p:spPr>
-          <a:xfrm>
-            <a:off x="4220502" y="4210084"/>
-            <a:ext cx="7573658" cy="646331"/>
-          </a:xfrm>
-          <a:prstGeom prst="rect">
-            <a:avLst/>
-          </a:prstGeom>
-          <a:noFill/>
-        </p:spPr>
-        <p:txBody>
-          <a:bodyPr wrap="square" rtlCol="0">
-            <a:spAutoFit/>
-          </a:bodyPr>
-          <a:lstStyle/>
-          <a:p>
-            <a:r>
-              <a:rPr lang="en-US" b="1" dirty="0" err="1"/>
-              <a:t>onPause</a:t>
-            </a:r>
-            <a:r>
-              <a:rPr lang="en-US" b="1" dirty="0"/>
-              <a:t>() </a:t>
-            </a:r>
-            <a:r>
-              <a:rPr lang="en-US" dirty="0"/>
-              <a:t>moving to the background and stopping user interaction</a:t>
-            </a:r>
-          </a:p>
-        </p:txBody>
-      </p:sp>
-      <p:sp>
-        <p:nvSpPr>
-          <p:cNvPr id="9" name="TextBox 8"/>
-          <p:cNvSpPr txBox="1"/>
-          <p:nvPr/>
-        </p:nvSpPr>
-        <p:spPr>
-          <a:xfrm>
-            <a:off x="4220502" y="4828400"/>
-            <a:ext cx="7573658" cy="369332"/>
-          </a:xfrm>
-          <a:prstGeom prst="rect">
-            <a:avLst/>
-          </a:prstGeom>
-          <a:noFill/>
-        </p:spPr>
-        <p:txBody>
-          <a:bodyPr wrap="square" rtlCol="0">
-            <a:spAutoFit/>
-          </a:bodyPr>
-          <a:lstStyle/>
-          <a:p>
-            <a:r>
-              <a:rPr lang="en-US" b="1" dirty="0" err="1"/>
-              <a:t>onStop</a:t>
-            </a:r>
-            <a:r>
-              <a:rPr lang="en-US" b="1" dirty="0"/>
-              <a:t>() </a:t>
-            </a:r>
-            <a:r>
-              <a:rPr lang="en-US" dirty="0"/>
-              <a:t>moved to the background and not visible</a:t>
+              <a:t>Inside </a:t>
+            </a:r>
+            <a:r>
+              <a:rPr lang="en-US" dirty="0" err="1"/>
+              <a:t>onActivityCreated</a:t>
+            </a:r>
+            <a:r>
+              <a:rPr lang="en-US" dirty="0"/>
+              <a:t>()</a:t>
+            </a:r>
+          </a:p>
+        </p:txBody>
+      </p:sp>
+      <p:sp>
+        <p:nvSpPr>
+          <p:cNvPr id="3" name="Content Placeholder 2"/>
+          <p:cNvSpPr>
+            <a:spLocks noGrp="1"/>
+          </p:cNvSpPr>
+          <p:nvPr>
+            <p:ph idx="1"/>
+          </p:nvPr>
+        </p:nvSpPr>
+        <p:spPr/>
+        <p:txBody>
+          <a:bodyPr/>
+          <a:lstStyle/>
+          <a:p>
+            <a:pPr marL="304793" lvl="1" indent="0">
+              <a:buNone/>
+            </a:pPr>
+            <a:r>
+              <a:rPr lang="en-US" dirty="0"/>
+              <a:t>Perform callbacks by referencing context </a:t>
             </a:r>
           </a:p>
         </p:txBody>
@@ -12558,7 +12234,7 @@
     </p:spTree>
     <p:extLst>
       <p:ext uri="{BB962C8B-B14F-4D97-AF65-F5344CB8AC3E}">
-        <p14:creationId xmlns:p14="http://schemas.microsoft.com/office/powerpoint/2010/main" val="3718992666"/>
+        <p14:creationId xmlns:p14="http://schemas.microsoft.com/office/powerpoint/2010/main" val="3223229941"/>
       </p:ext>
     </p:extLst>
   </p:cSld>
@@ -12844,6 +12520,350 @@
   <p:clrMapOvr>
     <a:masterClrMapping/>
   </p:clrMapOvr>
+</p:sld>
+</file>
+
+<file path=ppt/slides/slide50.xml><?xml version="1.0" encoding="utf-8"?>
+<p:sld xmlns:a="http://schemas.openxmlformats.org/drawingml/2006/main" xmlns:r="http://schemas.openxmlformats.org/officeDocument/2006/relationships" xmlns:p="http://schemas.openxmlformats.org/presentationml/2006/main">
+  <p:cSld>
+    <p:spTree>
+      <p:nvGrpSpPr>
+        <p:cNvPr id="1" name=""/>
+        <p:cNvGrpSpPr/>
+        <p:nvPr/>
+      </p:nvGrpSpPr>
+      <p:grpSpPr>
+        <a:xfrm>
+          <a:off x="0" y="0"/>
+          <a:ext cx="0" cy="0"/>
+          <a:chOff x="0" y="0"/>
+          <a:chExt cx="0" cy="0"/>
+        </a:xfrm>
+      </p:grpSpPr>
+      <p:sp>
+        <p:nvSpPr>
+          <p:cNvPr id="2" name="Title 1"/>
+          <p:cNvSpPr>
+            <a:spLocks noGrp="1"/>
+          </p:cNvSpPr>
+          <p:nvPr>
+            <p:ph type="title"/>
+          </p:nvPr>
+        </p:nvSpPr>
+        <p:spPr/>
+        <p:txBody>
+          <a:bodyPr/>
+          <a:lstStyle/>
+          <a:p>
+            <a:r>
+              <a:rPr lang="en-US" dirty="0"/>
+              <a:t>Fragment Lifecycle</a:t>
+            </a:r>
+            <a:endParaRPr lang="en-US" sz="2800" dirty="0"/>
+          </a:p>
+        </p:txBody>
+      </p:sp>
+      <p:pic>
+        <p:nvPicPr>
+          <p:cNvPr id="2054" name="Picture 6" descr="https://developer.android.com/images/fragment_lifecycle.png"/>
+          <p:cNvPicPr>
+            <a:picLocks noChangeAspect="1" noChangeArrowheads="1"/>
+          </p:cNvPicPr>
+          <p:nvPr/>
+        </p:nvPicPr>
+        <p:blipFill>
+          <a:blip r:embed="rId2">
+            <a:extLst>
+              <a:ext uri="{28A0092B-C50C-407E-A947-70E740481C1C}">
+                <a14:useLocalDpi xmlns:a14="http://schemas.microsoft.com/office/drawing/2010/main" val="0"/>
+              </a:ext>
+            </a:extLst>
+          </a:blip>
+          <a:srcRect/>
+          <a:stretch>
+            <a:fillRect/>
+          </a:stretch>
+        </p:blipFill>
+        <p:spPr bwMode="auto">
+          <a:xfrm>
+            <a:off x="619910" y="1650670"/>
+            <a:ext cx="1655354" cy="4422981"/>
+          </a:xfrm>
+          <a:prstGeom prst="rect">
+            <a:avLst/>
+          </a:prstGeom>
+          <a:noFill/>
+          <a:extLst>
+            <a:ext uri="{909E8E84-426E-40DD-AFC4-6F175D3DCCD1}">
+              <a14:hiddenFill xmlns:a14="http://schemas.microsoft.com/office/drawing/2010/main">
+                <a:solidFill>
+                  <a:srgbClr val="FFFFFF"/>
+                </a:solidFill>
+              </a14:hiddenFill>
+            </a:ext>
+          </a:extLst>
+        </p:spPr>
+      </p:pic>
+      <p:sp>
+        <p:nvSpPr>
+          <p:cNvPr id="3" name="Rectangle 2"/>
+          <p:cNvSpPr/>
+          <p:nvPr/>
+        </p:nvSpPr>
+        <p:spPr>
+          <a:xfrm>
+            <a:off x="619910" y="3048296"/>
+            <a:ext cx="1178410" cy="1843744"/>
+          </a:xfrm>
+          <a:prstGeom prst="rect">
+            <a:avLst/>
+          </a:prstGeom>
+          <a:noFill/>
+          <a:ln w="19050">
+            <a:solidFill>
+              <a:schemeClr val="accent6">
+                <a:lumMod val="75000"/>
+              </a:schemeClr>
+            </a:solidFill>
+          </a:ln>
+        </p:spPr>
+        <p:style>
+          <a:lnRef idx="2">
+            <a:schemeClr val="accent1">
+              <a:shade val="50000"/>
+            </a:schemeClr>
+          </a:lnRef>
+          <a:fillRef idx="1">
+            <a:schemeClr val="accent1"/>
+          </a:fillRef>
+          <a:effectRef idx="0">
+            <a:schemeClr val="accent1"/>
+          </a:effectRef>
+          <a:fontRef idx="minor">
+            <a:schemeClr val="lt1"/>
+          </a:fontRef>
+        </p:style>
+        <p:txBody>
+          <a:bodyPr rtlCol="0" anchor="ctr"/>
+          <a:lstStyle/>
+          <a:p>
+            <a:pPr algn="ctr"/>
+            <a:endParaRPr lang="en-US"/>
+          </a:p>
+        </p:txBody>
+      </p:sp>
+      <p:pic>
+        <p:nvPicPr>
+          <p:cNvPr id="2050" name="Picture 2"/>
+          <p:cNvPicPr>
+            <a:picLocks noChangeAspect="1" noChangeArrowheads="1"/>
+          </p:cNvPicPr>
+          <p:nvPr/>
+        </p:nvPicPr>
+        <p:blipFill>
+          <a:blip r:embed="rId3">
+            <a:extLst>
+              <a:ext uri="{28A0092B-C50C-407E-A947-70E740481C1C}">
+                <a14:useLocalDpi xmlns:a14="http://schemas.microsoft.com/office/drawing/2010/main" val="0"/>
+              </a:ext>
+            </a:extLst>
+          </a:blip>
+          <a:srcRect/>
+          <a:stretch>
+            <a:fillRect/>
+          </a:stretch>
+        </p:blipFill>
+        <p:spPr bwMode="auto">
+          <a:xfrm>
+            <a:off x="2275264" y="2063952"/>
+            <a:ext cx="1703120" cy="3217004"/>
+          </a:xfrm>
+          <a:prstGeom prst="rect">
+            <a:avLst/>
+          </a:prstGeom>
+          <a:noFill/>
+          <a:ln>
+            <a:noFill/>
+          </a:ln>
+          <a:extLst>
+            <a:ext uri="{909E8E84-426E-40DD-AFC4-6F175D3DCCD1}">
+              <a14:hiddenFill xmlns:a14="http://schemas.microsoft.com/office/drawing/2010/main">
+                <a:solidFill>
+                  <a:schemeClr val="accent1"/>
+                </a:solidFill>
+              </a14:hiddenFill>
+            </a:ext>
+            <a:ext uri="{91240B29-F687-4F45-9708-019B960494DF}">
+              <a14:hiddenLine xmlns:a14="http://schemas.microsoft.com/office/drawing/2010/main" w="9525">
+                <a:solidFill>
+                  <a:schemeClr val="tx1"/>
+                </a:solidFill>
+                <a:miter lim="800000"/>
+                <a:headEnd/>
+                <a:tailEnd/>
+              </a14:hiddenLine>
+            </a:ext>
+          </a:extLst>
+        </p:spPr>
+      </p:pic>
+      <p:sp>
+        <p:nvSpPr>
+          <p:cNvPr id="6" name="TextBox 5"/>
+          <p:cNvSpPr txBox="1"/>
+          <p:nvPr/>
+        </p:nvSpPr>
+        <p:spPr>
+          <a:xfrm>
+            <a:off x="4220502" y="2195956"/>
+            <a:ext cx="6222670" cy="369332"/>
+          </a:xfrm>
+          <a:prstGeom prst="rect">
+            <a:avLst/>
+          </a:prstGeom>
+          <a:noFill/>
+        </p:spPr>
+        <p:txBody>
+          <a:bodyPr wrap="square" rtlCol="0">
+            <a:spAutoFit/>
+          </a:bodyPr>
+          <a:lstStyle/>
+          <a:p>
+            <a:r>
+              <a:rPr lang="en-US" b="1" dirty="0" err="1"/>
+              <a:t>onStart</a:t>
+            </a:r>
+            <a:r>
+              <a:rPr lang="en-US" b="1" dirty="0"/>
+              <a:t>() </a:t>
+            </a:r>
+            <a:r>
+              <a:rPr lang="en-US" dirty="0"/>
+              <a:t>visible, but not ready for interaction</a:t>
+            </a:r>
+          </a:p>
+        </p:txBody>
+      </p:sp>
+      <p:sp>
+        <p:nvSpPr>
+          <p:cNvPr id="7" name="TextBox 6"/>
+          <p:cNvSpPr txBox="1"/>
+          <p:nvPr/>
+        </p:nvSpPr>
+        <p:spPr>
+          <a:xfrm>
+            <a:off x="4220502" y="2804255"/>
+            <a:ext cx="6222670" cy="369332"/>
+          </a:xfrm>
+          <a:prstGeom prst="rect">
+            <a:avLst/>
+          </a:prstGeom>
+          <a:noFill/>
+        </p:spPr>
+        <p:txBody>
+          <a:bodyPr wrap="square" rtlCol="0">
+            <a:spAutoFit/>
+          </a:bodyPr>
+          <a:lstStyle/>
+          <a:p>
+            <a:r>
+              <a:rPr lang="en-US" b="1" dirty="0" err="1"/>
+              <a:t>onResume</a:t>
+            </a:r>
+            <a:r>
+              <a:rPr lang="en-US" b="1" dirty="0"/>
+              <a:t>() </a:t>
+            </a:r>
+            <a:r>
+              <a:rPr lang="en-US" dirty="0"/>
+              <a:t>moved to the foreground and ready for interaction</a:t>
+            </a:r>
+          </a:p>
+        </p:txBody>
+      </p:sp>
+      <p:sp>
+        <p:nvSpPr>
+          <p:cNvPr id="8" name="TextBox 7"/>
+          <p:cNvSpPr txBox="1"/>
+          <p:nvPr/>
+        </p:nvSpPr>
+        <p:spPr>
+          <a:xfrm>
+            <a:off x="4220502" y="4210084"/>
+            <a:ext cx="7573658" cy="646331"/>
+          </a:xfrm>
+          <a:prstGeom prst="rect">
+            <a:avLst/>
+          </a:prstGeom>
+          <a:noFill/>
+        </p:spPr>
+        <p:txBody>
+          <a:bodyPr wrap="square" rtlCol="0">
+            <a:spAutoFit/>
+          </a:bodyPr>
+          <a:lstStyle/>
+          <a:p>
+            <a:r>
+              <a:rPr lang="en-US" b="1" dirty="0" err="1"/>
+              <a:t>onPause</a:t>
+            </a:r>
+            <a:r>
+              <a:rPr lang="en-US" b="1" dirty="0"/>
+              <a:t>() </a:t>
+            </a:r>
+            <a:r>
+              <a:rPr lang="en-US" dirty="0"/>
+              <a:t>moving to the background and stopping user interaction</a:t>
+            </a:r>
+          </a:p>
+        </p:txBody>
+      </p:sp>
+      <p:sp>
+        <p:nvSpPr>
+          <p:cNvPr id="9" name="TextBox 8"/>
+          <p:cNvSpPr txBox="1"/>
+          <p:nvPr/>
+        </p:nvSpPr>
+        <p:spPr>
+          <a:xfrm>
+            <a:off x="4220502" y="4828400"/>
+            <a:ext cx="7573658" cy="369332"/>
+          </a:xfrm>
+          <a:prstGeom prst="rect">
+            <a:avLst/>
+          </a:prstGeom>
+          <a:noFill/>
+        </p:spPr>
+        <p:txBody>
+          <a:bodyPr wrap="square" rtlCol="0">
+            <a:spAutoFit/>
+          </a:bodyPr>
+          <a:lstStyle/>
+          <a:p>
+            <a:r>
+              <a:rPr lang="en-US" b="1" dirty="0" err="1"/>
+              <a:t>onStop</a:t>
+            </a:r>
+            <a:r>
+              <a:rPr lang="en-US" b="1" dirty="0"/>
+              <a:t>() </a:t>
+            </a:r>
+            <a:r>
+              <a:rPr lang="en-US" dirty="0"/>
+              <a:t>moved to the background and not visible</a:t>
+            </a:r>
+          </a:p>
+        </p:txBody>
+      </p:sp>
+    </p:spTree>
+    <p:extLst>
+      <p:ext uri="{BB962C8B-B14F-4D97-AF65-F5344CB8AC3E}">
+        <p14:creationId xmlns:p14="http://schemas.microsoft.com/office/powerpoint/2010/main" val="3718992666"/>
+      </p:ext>
+    </p:extLst>
+  </p:cSld>
+  <p:clrMapOvr>
+    <a:masterClrMapping/>
+  </p:clrMapOvr>
   <p:timing>
     <p:tnLst>
       <p:par>
@@ -12854,7 +12874,7 @@
 </p:sld>
 </file>
 
-<file path=ppt/slides/slide50.xml><?xml version="1.0" encoding="utf-8"?>
+<file path=ppt/slides/slide51.xml><?xml version="1.0" encoding="utf-8"?>
 <p:sld xmlns:a="http://schemas.openxmlformats.org/drawingml/2006/main" xmlns:r="http://schemas.openxmlformats.org/officeDocument/2006/relationships" xmlns:p="http://schemas.openxmlformats.org/presentationml/2006/main">
   <p:cSld>
     <p:spTree>
@@ -13215,117 +13235,6 @@
 </p:sld>
 </file>
 
-<file path=ppt/slides/slide51.xml><?xml version="1.0" encoding="utf-8"?>
-<p:sld xmlns:a="http://schemas.openxmlformats.org/drawingml/2006/main" xmlns:r="http://schemas.openxmlformats.org/officeDocument/2006/relationships" xmlns:p="http://schemas.openxmlformats.org/presentationml/2006/main">
-  <p:cSld>
-    <p:spTree>
-      <p:nvGrpSpPr>
-        <p:cNvPr id="1" name=""/>
-        <p:cNvGrpSpPr/>
-        <p:nvPr/>
-      </p:nvGrpSpPr>
-      <p:grpSpPr>
-        <a:xfrm>
-          <a:off x="0" y="0"/>
-          <a:ext cx="0" cy="0"/>
-          <a:chOff x="0" y="0"/>
-          <a:chExt cx="0" cy="0"/>
-        </a:xfrm>
-      </p:grpSpPr>
-      <p:sp>
-        <p:nvSpPr>
-          <p:cNvPr id="2" name="Title 1"/>
-          <p:cNvSpPr>
-            <a:spLocks noGrp="1"/>
-          </p:cNvSpPr>
-          <p:nvPr>
-            <p:ph type="title"/>
-          </p:nvPr>
-        </p:nvSpPr>
-        <p:spPr/>
-        <p:txBody>
-          <a:bodyPr/>
-          <a:lstStyle/>
-          <a:p>
-            <a:r>
-              <a:rPr lang="en-US" dirty="0" err="1" smtClean="0"/>
-              <a:t>setRetainInstance</a:t>
-            </a:r>
-            <a:endParaRPr lang="en-US" dirty="0"/>
-          </a:p>
-        </p:txBody>
-      </p:sp>
-      <p:sp>
-        <p:nvSpPr>
-          <p:cNvPr id="3" name="Content Placeholder 2"/>
-          <p:cNvSpPr>
-            <a:spLocks noGrp="1"/>
-          </p:cNvSpPr>
-          <p:nvPr>
-            <p:ph idx="1"/>
-          </p:nvPr>
-        </p:nvSpPr>
-        <p:spPr/>
-        <p:txBody>
-          <a:bodyPr/>
-          <a:lstStyle/>
-          <a:p>
-            <a:pPr marL="380991" lvl="1" indent="0">
-              <a:buNone/>
-            </a:pPr>
-            <a:r>
-              <a:rPr lang="en-US" b="1" dirty="0" smtClean="0"/>
-              <a:t>void </a:t>
-            </a:r>
-            <a:r>
-              <a:rPr lang="en-US" b="1" dirty="0" err="1" smtClean="0"/>
-              <a:t>setRetainInstance</a:t>
-            </a:r>
-            <a:r>
-              <a:rPr lang="en-US" b="1" dirty="0" smtClean="0"/>
-              <a:t> (</a:t>
-            </a:r>
-            <a:r>
-              <a:rPr lang="en-US" b="1" dirty="0" err="1" smtClean="0"/>
-              <a:t>boolean</a:t>
-            </a:r>
-            <a:r>
-              <a:rPr lang="en-US" b="1" dirty="0" smtClean="0"/>
-              <a:t> retain) - </a:t>
-            </a:r>
-          </a:p>
-          <a:p>
-            <a:pPr marL="380991" lvl="1" indent="0">
-              <a:buNone/>
-            </a:pPr>
-            <a:r>
-              <a:rPr lang="en-US" dirty="0" smtClean="0"/>
-              <a:t>Control whether a fragment instance is retained across Activity re-creation (such as from a configuration change)</a:t>
-            </a:r>
-            <a:endParaRPr lang="en-US" dirty="0"/>
-          </a:p>
-        </p:txBody>
-      </p:sp>
-    </p:spTree>
-    <p:extLst>
-      <p:ext uri="{BB962C8B-B14F-4D97-AF65-F5344CB8AC3E}">
-        <p14:creationId xmlns:p14="http://schemas.microsoft.com/office/powerpoint/2010/main" val="2186739770"/>
-      </p:ext>
-    </p:extLst>
-  </p:cSld>
-  <p:clrMapOvr>
-    <a:masterClrMapping/>
-  </p:clrMapOvr>
-  <p:timing>
-    <p:tnLst>
-      <p:par>
-        <p:cTn id="1" dur="indefinite" restart="never" nodeType="tmRoot"/>
-      </p:par>
-    </p:tnLst>
-  </p:timing>
-</p:sld>
-</file>
-
 <file path=ppt/slides/slide52.xml><?xml version="1.0" encoding="utf-8"?>
 <p:sld xmlns:a="http://schemas.openxmlformats.org/drawingml/2006/main" xmlns:r="http://schemas.openxmlformats.org/officeDocument/2006/relationships" xmlns:p="http://schemas.openxmlformats.org/presentationml/2006/main">
   <p:cSld>
@@ -13353,137 +13262,73 @@
             <p:ph type="title"/>
           </p:nvPr>
         </p:nvSpPr>
-        <p:spPr>
-          <a:xfrm>
-            <a:off x="0" y="457200"/>
-            <a:ext cx="7920842" cy="1143000"/>
-          </a:xfrm>
-        </p:spPr>
+        <p:spPr/>
         <p:txBody>
           <a:bodyPr/>
           <a:lstStyle/>
           <a:p>
             <a:r>
-              <a:rPr lang="en-US" dirty="0"/>
-              <a:t>Creating Fragment XML Layout</a:t>
-            </a:r>
-          </a:p>
-        </p:txBody>
-      </p:sp>
-      <p:pic>
-        <p:nvPicPr>
-          <p:cNvPr id="1027" name="Picture 3"/>
-          <p:cNvPicPr>
-            <a:picLocks noGrp="1" noChangeAspect="1" noChangeArrowheads="1"/>
-          </p:cNvPicPr>
+              <a:rPr lang="en-US" dirty="0" err="1"/>
+              <a:t>setRetainInstance</a:t>
+            </a:r>
+            <a:endParaRPr lang="en-US" dirty="0"/>
+          </a:p>
+        </p:txBody>
+      </p:sp>
+      <p:sp>
+        <p:nvSpPr>
+          <p:cNvPr id="3" name="Content Placeholder 2"/>
+          <p:cNvSpPr>
+            <a:spLocks noGrp="1"/>
+          </p:cNvSpPr>
           <p:nvPr>
             <p:ph idx="1"/>
           </p:nvPr>
-        </p:nvPicPr>
-        <p:blipFill>
-          <a:blip r:embed="rId2">
-            <a:extLst>
-              <a:ext uri="{28A0092B-C50C-407E-A947-70E740481C1C}">
-                <a14:useLocalDpi xmlns:a14="http://schemas.microsoft.com/office/drawing/2010/main" val="0"/>
-              </a:ext>
-            </a:extLst>
-          </a:blip>
-          <a:srcRect/>
-          <a:stretch>
-            <a:fillRect/>
-          </a:stretch>
-        </p:blipFill>
-        <p:spPr bwMode="auto">
-          <a:xfrm>
-            <a:off x="500619" y="1732860"/>
-            <a:ext cx="5276850" cy="3571875"/>
-          </a:xfrm>
-          <a:prstGeom prst="rect">
-            <a:avLst/>
-          </a:prstGeom>
-          <a:noFill/>
-          <a:ln>
-            <a:noFill/>
-          </a:ln>
-          <a:extLst>
-            <a:ext uri="{909E8E84-426E-40DD-AFC4-6F175D3DCCD1}">
-              <a14:hiddenFill xmlns:a14="http://schemas.microsoft.com/office/drawing/2010/main">
-                <a:solidFill>
-                  <a:schemeClr val="accent1"/>
-                </a:solidFill>
-              </a14:hiddenFill>
-            </a:ext>
-            <a:ext uri="{91240B29-F687-4F45-9708-019B960494DF}">
-              <a14:hiddenLine xmlns:a14="http://schemas.microsoft.com/office/drawing/2010/main" w="9525">
-                <a:solidFill>
-                  <a:schemeClr val="tx1"/>
-                </a:solidFill>
-                <a:miter lim="800000"/>
-                <a:headEnd/>
-                <a:tailEnd/>
-              </a14:hiddenLine>
-            </a:ext>
-          </a:extLst>
-        </p:spPr>
-      </p:pic>
-      <p:pic>
-        <p:nvPicPr>
-          <p:cNvPr id="1028" name="Picture 4"/>
-          <p:cNvPicPr>
-            <a:picLocks noChangeAspect="1" noChangeArrowheads="1"/>
-          </p:cNvPicPr>
-          <p:nvPr/>
-        </p:nvPicPr>
-        <p:blipFill>
-          <a:blip r:embed="rId3">
-            <a:extLst>
-              <a:ext uri="{28A0092B-C50C-407E-A947-70E740481C1C}">
-                <a14:useLocalDpi xmlns:a14="http://schemas.microsoft.com/office/drawing/2010/main" val="0"/>
-              </a:ext>
-            </a:extLst>
-          </a:blip>
-          <a:srcRect/>
-          <a:stretch>
-            <a:fillRect/>
-          </a:stretch>
-        </p:blipFill>
-        <p:spPr bwMode="auto">
-          <a:xfrm>
-            <a:off x="6102283" y="1757546"/>
-            <a:ext cx="5844294" cy="3509406"/>
-          </a:xfrm>
-          <a:prstGeom prst="rect">
-            <a:avLst/>
-          </a:prstGeom>
-          <a:noFill/>
-          <a:ln>
-            <a:noFill/>
-          </a:ln>
-          <a:extLst>
-            <a:ext uri="{909E8E84-426E-40DD-AFC4-6F175D3DCCD1}">
-              <a14:hiddenFill xmlns:a14="http://schemas.microsoft.com/office/drawing/2010/main">
-                <a:solidFill>
-                  <a:schemeClr val="accent1"/>
-                </a:solidFill>
-              </a14:hiddenFill>
-            </a:ext>
-            <a:ext uri="{91240B29-F687-4F45-9708-019B960494DF}">
-              <a14:hiddenLine xmlns:a14="http://schemas.microsoft.com/office/drawing/2010/main" w="9525">
-                <a:solidFill>
-                  <a:schemeClr val="tx1"/>
-                </a:solidFill>
-                <a:miter lim="800000"/>
-                <a:headEnd/>
-                <a:tailEnd/>
-              </a14:hiddenLine>
-            </a:ext>
-          </a:extLst>
-        </p:spPr>
-      </p:pic>
+        </p:nvSpPr>
+        <p:spPr/>
+        <p:txBody>
+          <a:bodyPr/>
+          <a:lstStyle/>
+          <a:p>
+            <a:pPr marL="380991" lvl="1" indent="0">
+              <a:buNone/>
+            </a:pPr>
+            <a:r>
+              <a:rPr lang="en-US" b="1" dirty="0"/>
+              <a:t>void </a:t>
+            </a:r>
+            <a:r>
+              <a:rPr lang="en-US" b="1" dirty="0" err="1"/>
+              <a:t>setRetainInstance</a:t>
+            </a:r>
+            <a:r>
+              <a:rPr lang="en-US" b="1" dirty="0"/>
+              <a:t> (</a:t>
+            </a:r>
+            <a:r>
+              <a:rPr lang="en-US" b="1" dirty="0" err="1"/>
+              <a:t>boolean</a:t>
+            </a:r>
+            <a:r>
+              <a:rPr lang="en-US" b="1" dirty="0"/>
+              <a:t> retain) - </a:t>
+            </a:r>
+          </a:p>
+          <a:p>
+            <a:pPr marL="380991" lvl="1" indent="0">
+              <a:buNone/>
+            </a:pPr>
+            <a:r>
+              <a:rPr lang="en-US" dirty="0"/>
+              <a:t>Control whether a fragment instance is retained across Activity re-creation (such as from a configuration change)</a:t>
+            </a:r>
+          </a:p>
+        </p:txBody>
+      </p:sp>
     </p:spTree>
     <p:extLst>
       <p:ext uri="{BB962C8B-B14F-4D97-AF65-F5344CB8AC3E}">
-        <p14:creationId xmlns:p14="http://schemas.microsoft.com/office/powerpoint/2010/main" val="294499272"/>
+        <p14:creationId xmlns:p14="http://schemas.microsoft.com/office/powerpoint/2010/main" val="2186739770"/>
       </p:ext>
     </p:extLst>
   </p:cSld>
@@ -13519,45 +13364,121 @@
       </p:grpSpPr>
       <p:sp>
         <p:nvSpPr>
-          <p:cNvPr id="3" name="Content Placeholder 2"/>
+          <p:cNvPr id="2" name="Title 1"/>
           <p:cNvSpPr>
             <a:spLocks noGrp="1"/>
           </p:cNvSpPr>
           <p:nvPr>
+            <p:ph type="title"/>
+          </p:nvPr>
+        </p:nvSpPr>
+        <p:spPr>
+          <a:xfrm>
+            <a:off x="0" y="457200"/>
+            <a:ext cx="7920842" cy="1143000"/>
+          </a:xfrm>
+        </p:spPr>
+        <p:txBody>
+          <a:bodyPr/>
+          <a:lstStyle/>
+          <a:p>
+            <a:r>
+              <a:rPr lang="en-US" dirty="0"/>
+              <a:t>Creating Fragment XML Layout</a:t>
+            </a:r>
+          </a:p>
+        </p:txBody>
+      </p:sp>
+      <p:pic>
+        <p:nvPicPr>
+          <p:cNvPr id="1027" name="Picture 3"/>
+          <p:cNvPicPr>
+            <a:picLocks noGrp="1" noChangeAspect="1" noChangeArrowheads="1"/>
+          </p:cNvPicPr>
+          <p:nvPr>
             <p:ph idx="1"/>
           </p:nvPr>
-        </p:nvSpPr>
-        <p:spPr/>
-        <p:txBody>
-          <a:bodyPr/>
-          <a:lstStyle/>
-          <a:p>
-            <a:pPr marL="0" indent="0" algn="ctr">
-              <a:buNone/>
-            </a:pPr>
-            <a:endParaRPr lang="en-US" dirty="0"/>
-          </a:p>
-          <a:p>
-            <a:pPr marL="0" indent="0" algn="ctr">
-              <a:buNone/>
-            </a:pPr>
-            <a:endParaRPr lang="en-US" dirty="0"/>
-          </a:p>
-          <a:p>
-            <a:pPr marL="0" indent="0" algn="ctr">
-              <a:buNone/>
-            </a:pPr>
-            <a:r>
-              <a:rPr lang="en-US" dirty="0"/>
-              <a:t>Show Fragment Layout Code</a:t>
-            </a:r>
-          </a:p>
-        </p:txBody>
-      </p:sp>
+        </p:nvPicPr>
+        <p:blipFill>
+          <a:blip r:embed="rId2">
+            <a:extLst>
+              <a:ext uri="{28A0092B-C50C-407E-A947-70E740481C1C}">
+                <a14:useLocalDpi xmlns:a14="http://schemas.microsoft.com/office/drawing/2010/main" val="0"/>
+              </a:ext>
+            </a:extLst>
+          </a:blip>
+          <a:srcRect/>
+          <a:stretch>
+            <a:fillRect/>
+          </a:stretch>
+        </p:blipFill>
+        <p:spPr bwMode="auto">
+          <a:xfrm>
+            <a:off x="500619" y="1732860"/>
+            <a:ext cx="5276850" cy="3571875"/>
+          </a:xfrm>
+          <a:prstGeom prst="rect">
+            <a:avLst/>
+          </a:prstGeom>
+          <a:noFill/>
+          <a:ln>
+            <a:noFill/>
+          </a:ln>
+          <a:extLst>
+            <a:ext uri="{909E8E84-426E-40DD-AFC4-6F175D3DCCD1}">
+              <a14:hiddenFill xmlns:a14="http://schemas.microsoft.com/office/drawing/2010/main">
+                <a:solidFill>
+                  <a:schemeClr val="accent1"/>
+                </a:solidFill>
+              </a14:hiddenFill>
+            </a:ext>
+            <a:ext uri="{91240B29-F687-4F45-9708-019B960494DF}">
+              <a14:hiddenLine xmlns:a14="http://schemas.microsoft.com/office/drawing/2010/main" w="9525">
+                <a:solidFill>
+                  <a:schemeClr val="tx1"/>
+                </a:solidFill>
+                <a:miter lim="800000"/>
+                <a:headEnd/>
+                <a:tailEnd/>
+              </a14:hiddenLine>
+            </a:ext>
+          </a:extLst>
+        </p:spPr>
+      </p:pic>
+      <p:pic>
+        <p:nvPicPr>
+          <p:cNvPr id="5" name="Picture 4">
+            <a:extLst>
+              <a:ext uri="{FF2B5EF4-FFF2-40B4-BE49-F238E27FC236}">
+                <a16:creationId xmlns:a16="http://schemas.microsoft.com/office/drawing/2014/main" xmlns="" id="{169F10F5-FFE5-4B46-8CFE-EB24150C2800}"/>
+              </a:ext>
+            </a:extLst>
+          </p:cNvPr>
+          <p:cNvPicPr>
+            <a:picLocks noChangeAspect="1"/>
+          </p:cNvPicPr>
+          <p:nvPr/>
+        </p:nvPicPr>
+        <p:blipFill>
+          <a:blip r:embed="rId3"/>
+          <a:stretch>
+            <a:fillRect/>
+          </a:stretch>
+        </p:blipFill>
+        <p:spPr>
+          <a:xfrm>
+            <a:off x="6299608" y="1732860"/>
+            <a:ext cx="5948325" cy="3571875"/>
+          </a:xfrm>
+          <a:prstGeom prst="rect">
+            <a:avLst/>
+          </a:prstGeom>
+        </p:spPr>
+      </p:pic>
     </p:spTree>
     <p:extLst>
       <p:ext uri="{BB962C8B-B14F-4D97-AF65-F5344CB8AC3E}">
-        <p14:creationId xmlns:p14="http://schemas.microsoft.com/office/powerpoint/2010/main" val="1180113334"/>
+        <p14:creationId xmlns:p14="http://schemas.microsoft.com/office/powerpoint/2010/main" val="294499272"/>
       </p:ext>
     </p:extLst>
   </p:cSld>
@@ -13567,7 +13488,83 @@
   <p:timing>
     <p:tnLst>
       <p:par>
-        <p:cTn id="1" dur="indefinite" restart="never" nodeType="tmRoot"/>
+        <p:cTn id="1" dur="indefinite" restart="never" nodeType="tmRoot">
+          <p:childTnLst>
+            <p:seq concurrent="1" nextAc="seek">
+              <p:cTn id="2" dur="indefinite" nodeType="mainSeq">
+                <p:childTnLst>
+                  <p:par>
+                    <p:cTn id="3" fill="hold">
+                      <p:stCondLst>
+                        <p:cond delay="indefinite"/>
+                      </p:stCondLst>
+                      <p:childTnLst>
+                        <p:par>
+                          <p:cTn id="4" fill="hold">
+                            <p:stCondLst>
+                              <p:cond delay="0"/>
+                            </p:stCondLst>
+                            <p:childTnLst>
+                              <p:par>
+                                <p:cTn id="5" presetID="10" presetClass="entr" presetSubtype="0" fill="hold" nodeType="clickEffect">
+                                  <p:stCondLst>
+                                    <p:cond delay="0"/>
+                                  </p:stCondLst>
+                                  <p:childTnLst>
+                                    <p:set>
+                                      <p:cBhvr>
+                                        <p:cTn id="6" dur="1" fill="hold">
+                                          <p:stCondLst>
+                                            <p:cond delay="0"/>
+                                          </p:stCondLst>
+                                        </p:cTn>
+                                        <p:tgtEl>
+                                          <p:spTgt spid="5"/>
+                                        </p:tgtEl>
+                                        <p:attrNameLst>
+                                          <p:attrName>style.visibility</p:attrName>
+                                        </p:attrNameLst>
+                                      </p:cBhvr>
+                                      <p:to>
+                                        <p:strVal val="visible"/>
+                                      </p:to>
+                                    </p:set>
+                                    <p:animEffect transition="in" filter="fade">
+                                      <p:cBhvr>
+                                        <p:cTn id="7" dur="500"/>
+                                        <p:tgtEl>
+                                          <p:spTgt spid="5"/>
+                                        </p:tgtEl>
+                                      </p:cBhvr>
+                                    </p:animEffect>
+                                  </p:childTnLst>
+                                </p:cTn>
+                              </p:par>
+                            </p:childTnLst>
+                          </p:cTn>
+                        </p:par>
+                      </p:childTnLst>
+                    </p:cTn>
+                  </p:par>
+                </p:childTnLst>
+              </p:cTn>
+              <p:prevCondLst>
+                <p:cond evt="onPrev" delay="0">
+                  <p:tgtEl>
+                    <p:sldTgt/>
+                  </p:tgtEl>
+                </p:cond>
+              </p:prevCondLst>
+              <p:nextCondLst>
+                <p:cond evt="onNext" delay="0">
+                  <p:tgtEl>
+                    <p:sldTgt/>
+                  </p:tgtEl>
+                </p:cond>
+              </p:nextCondLst>
+            </p:seq>
+          </p:childTnLst>
+        </p:cTn>
       </p:par>
     </p:tnLst>
   </p:timing>
@@ -13593,29 +13590,6 @@
       </p:grpSpPr>
       <p:sp>
         <p:nvSpPr>
-          <p:cNvPr id="2" name="Title 1"/>
-          <p:cNvSpPr>
-            <a:spLocks noGrp="1"/>
-          </p:cNvSpPr>
-          <p:nvPr>
-            <p:ph type="title"/>
-          </p:nvPr>
-        </p:nvSpPr>
-        <p:spPr/>
-        <p:txBody>
-          <a:bodyPr/>
-          <a:lstStyle/>
-          <a:p>
-            <a:r>
-              <a:rPr lang="en-US" dirty="0" smtClean="0"/>
-              <a:t>Text Strings </a:t>
-            </a:r>
-            <a:endParaRPr lang="en-US" dirty="0"/>
-          </a:p>
-        </p:txBody>
-      </p:sp>
-      <p:sp>
-        <p:nvSpPr>
           <p:cNvPr id="3" name="Content Placeholder 2"/>
           <p:cNvSpPr>
             <a:spLocks noGrp="1"/>
@@ -13629,25 +13603,32 @@
           <a:bodyPr/>
           <a:lstStyle/>
           <a:p>
-            <a:r>
-              <a:rPr lang="en-US" dirty="0" smtClean="0"/>
-              <a:t>Best practice</a:t>
-            </a:r>
-          </a:p>
-          <a:p>
-            <a:pPr lvl="1"/>
-            <a:r>
-              <a:rPr lang="en-US" dirty="0" smtClean="0"/>
-              <a:t>Reference string from strings.xml</a:t>
-            </a:r>
+            <a:pPr marL="0" indent="0" algn="ctr">
+              <a:buNone/>
+            </a:pPr>
             <a:endParaRPr lang="en-US" dirty="0"/>
+          </a:p>
+          <a:p>
+            <a:pPr marL="0" indent="0" algn="ctr">
+              <a:buNone/>
+            </a:pPr>
+            <a:endParaRPr lang="en-US" dirty="0"/>
+          </a:p>
+          <a:p>
+            <a:pPr marL="0" indent="0" algn="ctr">
+              <a:buNone/>
+            </a:pPr>
+            <a:r>
+              <a:rPr lang="en-US" dirty="0"/>
+              <a:t>Show Fragment Layout Code</a:t>
+            </a:r>
           </a:p>
         </p:txBody>
       </p:sp>
     </p:spTree>
     <p:extLst>
       <p:ext uri="{BB962C8B-B14F-4D97-AF65-F5344CB8AC3E}">
-        <p14:creationId xmlns:p14="http://schemas.microsoft.com/office/powerpoint/2010/main" val="1994624739"/>
+        <p14:creationId xmlns:p14="http://schemas.microsoft.com/office/powerpoint/2010/main" val="1180113334"/>
       </p:ext>
     </p:extLst>
   </p:cSld>
@@ -13683,6 +13664,28 @@
       </p:grpSpPr>
       <p:sp>
         <p:nvSpPr>
+          <p:cNvPr id="2" name="Title 1"/>
+          <p:cNvSpPr>
+            <a:spLocks noGrp="1"/>
+          </p:cNvSpPr>
+          <p:nvPr>
+            <p:ph type="title"/>
+          </p:nvPr>
+        </p:nvSpPr>
+        <p:spPr/>
+        <p:txBody>
+          <a:bodyPr/>
+          <a:lstStyle/>
+          <a:p>
+            <a:r>
+              <a:rPr lang="en-US" dirty="0"/>
+              <a:t>Text Strings </a:t>
+            </a:r>
+          </a:p>
+        </p:txBody>
+      </p:sp>
+      <p:sp>
+        <p:nvSpPr>
           <p:cNvPr id="3" name="Content Placeholder 2"/>
           <p:cNvSpPr>
             <a:spLocks noGrp="1"/>
@@ -13698,27 +13701,80 @@
           <a:p>
             <a:r>
               <a:rPr lang="en-US" dirty="0"/>
-              <a:t>View </a:t>
-            </a:r>
-            <a:r>
-              <a:rPr lang="en-US" dirty="0" smtClean="0"/>
-              <a:t>Groups and View </a:t>
-            </a:r>
-            <a:r>
-              <a:rPr lang="en-US" dirty="0"/>
-              <a:t>dimensions</a:t>
-            </a:r>
-          </a:p>
-          <a:p>
-            <a:r>
-              <a:rPr lang="en-US" dirty="0"/>
-              <a:t>Scale according to screen density, not screen </a:t>
-            </a:r>
-            <a:r>
-              <a:rPr lang="en-US" dirty="0" smtClean="0"/>
-              <a:t>resolution</a:t>
-            </a:r>
-            <a:endParaRPr lang="en-US" dirty="0"/>
+              <a:t>Best practice</a:t>
+            </a:r>
+          </a:p>
+          <a:p>
+            <a:pPr lvl="1"/>
+            <a:r>
+              <a:rPr lang="en-US" dirty="0"/>
+              <a:t>Reference string from strings.xml</a:t>
+            </a:r>
+          </a:p>
+        </p:txBody>
+      </p:sp>
+    </p:spTree>
+    <p:extLst>
+      <p:ext uri="{BB962C8B-B14F-4D97-AF65-F5344CB8AC3E}">
+        <p14:creationId xmlns:p14="http://schemas.microsoft.com/office/powerpoint/2010/main" val="1994624739"/>
+      </p:ext>
+    </p:extLst>
+  </p:cSld>
+  <p:clrMapOvr>
+    <a:masterClrMapping/>
+  </p:clrMapOvr>
+  <p:timing>
+    <p:tnLst>
+      <p:par>
+        <p:cTn id="1" dur="indefinite" restart="never" nodeType="tmRoot"/>
+      </p:par>
+    </p:tnLst>
+  </p:timing>
+</p:sld>
+</file>
+
+<file path=ppt/slides/slide56.xml><?xml version="1.0" encoding="utf-8"?>
+<p:sld xmlns:a="http://schemas.openxmlformats.org/drawingml/2006/main" xmlns:r="http://schemas.openxmlformats.org/officeDocument/2006/relationships" xmlns:p="http://schemas.openxmlformats.org/presentationml/2006/main">
+  <p:cSld>
+    <p:spTree>
+      <p:nvGrpSpPr>
+        <p:cNvPr id="1" name=""/>
+        <p:cNvGrpSpPr/>
+        <p:nvPr/>
+      </p:nvGrpSpPr>
+      <p:grpSpPr>
+        <a:xfrm>
+          <a:off x="0" y="0"/>
+          <a:ext cx="0" cy="0"/>
+          <a:chOff x="0" y="0"/>
+          <a:chExt cx="0" cy="0"/>
+        </a:xfrm>
+      </p:grpSpPr>
+      <p:sp>
+        <p:nvSpPr>
+          <p:cNvPr id="3" name="Content Placeholder 2"/>
+          <p:cNvSpPr>
+            <a:spLocks noGrp="1"/>
+          </p:cNvSpPr>
+          <p:nvPr>
+            <p:ph idx="1"/>
+          </p:nvPr>
+        </p:nvSpPr>
+        <p:spPr/>
+        <p:txBody>
+          <a:bodyPr/>
+          <a:lstStyle/>
+          <a:p>
+            <a:r>
+              <a:rPr lang="en-US" dirty="0"/>
+              <a:t>View Groups and View dimensions</a:t>
+            </a:r>
+          </a:p>
+          <a:p>
+            <a:r>
+              <a:rPr lang="en-US" dirty="0"/>
+              <a:t>Scale according to screen density, not screen resolution</a:t>
+            </a:r>
           </a:p>
         </p:txBody>
       </p:sp>
@@ -13836,10 +13892,9 @@
             <a:p>
               <a:pPr algn="ctr"/>
               <a:r>
-                <a:rPr lang="en-US" sz="2400" dirty="0" smtClean="0"/>
+                <a:rPr lang="en-US" sz="2400" dirty="0"/>
                 <a:t>Hi resolution screen</a:t>
               </a:r>
-              <a:endParaRPr lang="en-US" sz="2400" dirty="0"/>
             </a:p>
           </p:txBody>
         </p:sp>
@@ -13923,10 +13978,9 @@
             <a:p>
               <a:pPr algn="ctr"/>
               <a:r>
-                <a:rPr lang="en-US" sz="2400" dirty="0" smtClean="0"/>
+                <a:rPr lang="en-US" sz="2400" dirty="0"/>
                 <a:t>Low resolution screen</a:t>
               </a:r>
-              <a:endParaRPr lang="en-US" sz="2400" dirty="0"/>
             </a:p>
           </p:txBody>
         </p:sp>
@@ -14156,7 +14210,7 @@
 </p:sld>
 </file>
 
-<file path=ppt/slides/slide56.xml><?xml version="1.0" encoding="utf-8"?>
+<file path=ppt/slides/slide57.xml><?xml version="1.0" encoding="utf-8"?>
 <p:sld xmlns:a="http://schemas.openxmlformats.org/drawingml/2006/main" xmlns:r="http://schemas.openxmlformats.org/officeDocument/2006/relationships" xmlns:p="http://schemas.openxmlformats.org/presentationml/2006/main">
   <p:cSld>
     <p:spTree>
@@ -14308,98 +14362,6 @@
 </p:sld>
 </file>
 
-<file path=ppt/slides/slide57.xml><?xml version="1.0" encoding="utf-8"?>
-<p:sld xmlns:a="http://schemas.openxmlformats.org/drawingml/2006/main" xmlns:r="http://schemas.openxmlformats.org/officeDocument/2006/relationships" xmlns:p="http://schemas.openxmlformats.org/presentationml/2006/main">
-  <p:cSld>
-    <p:spTree>
-      <p:nvGrpSpPr>
-        <p:cNvPr id="1" name=""/>
-        <p:cNvGrpSpPr/>
-        <p:nvPr/>
-      </p:nvGrpSpPr>
-      <p:grpSpPr>
-        <a:xfrm>
-          <a:off x="0" y="0"/>
-          <a:ext cx="0" cy="0"/>
-          <a:chOff x="0" y="0"/>
-          <a:chExt cx="0" cy="0"/>
-        </a:xfrm>
-      </p:grpSpPr>
-      <p:sp>
-        <p:nvSpPr>
-          <p:cNvPr id="2" name="Title 1"/>
-          <p:cNvSpPr>
-            <a:spLocks noGrp="1"/>
-          </p:cNvSpPr>
-          <p:nvPr>
-            <p:ph type="title"/>
-          </p:nvPr>
-        </p:nvSpPr>
-        <p:spPr/>
-        <p:txBody>
-          <a:bodyPr/>
-          <a:lstStyle/>
-          <a:p>
-            <a:r>
-              <a:rPr lang="en-US" dirty="0"/>
-              <a:t>Fragment Code</a:t>
-            </a:r>
-          </a:p>
-        </p:txBody>
-      </p:sp>
-      <p:sp>
-        <p:nvSpPr>
-          <p:cNvPr id="3" name="Content Placeholder 2"/>
-          <p:cNvSpPr>
-            <a:spLocks noGrp="1"/>
-          </p:cNvSpPr>
-          <p:nvPr>
-            <p:ph idx="1"/>
-          </p:nvPr>
-        </p:nvSpPr>
-        <p:spPr/>
-        <p:txBody>
-          <a:bodyPr/>
-          <a:lstStyle/>
-          <a:p>
-            <a:r>
-              <a:rPr lang="en-US" dirty="0"/>
-              <a:t>Logic to fragment XML layout</a:t>
-            </a:r>
-          </a:p>
-          <a:p>
-            <a:pPr lvl="1"/>
-            <a:r>
-              <a:rPr lang="en-US" dirty="0" err="1"/>
-              <a:t>onClick</a:t>
-            </a:r>
-            <a:r>
-              <a:rPr lang="en-US" dirty="0"/>
-              <a:t>() </a:t>
-            </a:r>
-          </a:p>
-        </p:txBody>
-      </p:sp>
-    </p:spTree>
-    <p:extLst>
-      <p:ext uri="{BB962C8B-B14F-4D97-AF65-F5344CB8AC3E}">
-        <p14:creationId xmlns:p14="http://schemas.microsoft.com/office/powerpoint/2010/main" val="4201928760"/>
-      </p:ext>
-    </p:extLst>
-  </p:cSld>
-  <p:clrMapOvr>
-    <a:masterClrMapping/>
-  </p:clrMapOvr>
-  <p:timing>
-    <p:tnLst>
-      <p:par>
-        <p:cTn id="1" dur="indefinite" restart="never" nodeType="tmRoot"/>
-      </p:par>
-    </p:tnLst>
-  </p:timing>
-</p:sld>
-</file>
-
 <file path=ppt/slides/slide58.xml><?xml version="1.0" encoding="utf-8"?>
 <p:sld xmlns:a="http://schemas.openxmlformats.org/drawingml/2006/main" xmlns:r="http://schemas.openxmlformats.org/officeDocument/2006/relationships" xmlns:p="http://schemas.openxmlformats.org/presentationml/2006/main">
   <p:cSld>
@@ -14419,6 +14381,28 @@
       </p:grpSpPr>
       <p:sp>
         <p:nvSpPr>
+          <p:cNvPr id="2" name="Title 1"/>
+          <p:cNvSpPr>
+            <a:spLocks noGrp="1"/>
+          </p:cNvSpPr>
+          <p:nvPr>
+            <p:ph type="title"/>
+          </p:nvPr>
+        </p:nvSpPr>
+        <p:spPr/>
+        <p:txBody>
+          <a:bodyPr/>
+          <a:lstStyle/>
+          <a:p>
+            <a:r>
+              <a:rPr lang="en-US" dirty="0"/>
+              <a:t>Fragment Code</a:t>
+            </a:r>
+          </a:p>
+        </p:txBody>
+      </p:sp>
+      <p:sp>
+        <p:nvSpPr>
           <p:cNvPr id="3" name="Content Placeholder 2"/>
           <p:cNvSpPr>
             <a:spLocks noGrp="1"/>
@@ -14432,24 +14416,20 @@
           <a:bodyPr/>
           <a:lstStyle/>
           <a:p>
-            <a:pPr marL="0" indent="0" algn="ctr">
-              <a:buNone/>
-            </a:pPr>
-            <a:endParaRPr lang="en-US" dirty="0"/>
-          </a:p>
-          <a:p>
-            <a:pPr marL="0" indent="0" algn="ctr">
-              <a:buNone/>
-            </a:pPr>
-            <a:endParaRPr lang="en-US" dirty="0"/>
-          </a:p>
-          <a:p>
-            <a:pPr marL="0" indent="0" algn="ctr">
-              <a:buNone/>
-            </a:pPr>
-            <a:r>
-              <a:rPr lang="en-US" dirty="0"/>
-              <a:t>Show Fragment Code</a:t>
+            <a:r>
+              <a:rPr lang="en-US" dirty="0"/>
+              <a:t>Logic to fragment XML layout</a:t>
+            </a:r>
+          </a:p>
+          <a:p>
+            <a:pPr lvl="1"/>
+            <a:r>
+              <a:rPr lang="en-US" dirty="0" err="1"/>
+              <a:t>onClick</a:t>
+            </a:r>
+            <a:r>
+              <a:rPr lang="en-US" dirty="0"/>
+              <a:t>() </a:t>
             </a:r>
           </a:p>
         </p:txBody>
@@ -14457,7 +14437,7 @@
     </p:spTree>
     <p:extLst>
       <p:ext uri="{BB962C8B-B14F-4D97-AF65-F5344CB8AC3E}">
-        <p14:creationId xmlns:p14="http://schemas.microsoft.com/office/powerpoint/2010/main" val="1228316914"/>
+        <p14:creationId xmlns:p14="http://schemas.microsoft.com/office/powerpoint/2010/main" val="4201928760"/>
       </p:ext>
     </p:extLst>
   </p:cSld>
@@ -14506,13 +14486,13 @@
           <a:bodyPr/>
           <a:lstStyle/>
           <a:p>
-            <a:pPr marL="0" indent="0">
+            <a:pPr marL="0" indent="0" algn="ctr">
               <a:buNone/>
             </a:pPr>
             <a:endParaRPr lang="en-US" dirty="0"/>
           </a:p>
           <a:p>
-            <a:pPr marL="0" indent="0">
+            <a:pPr marL="0" indent="0" algn="ctr">
               <a:buNone/>
             </a:pPr>
             <a:endParaRPr lang="en-US" dirty="0"/>
@@ -14523,7 +14503,7 @@
             </a:pPr>
             <a:r>
               <a:rPr lang="en-US" dirty="0"/>
-              <a:t>Live Example Fragment Code</a:t>
+              <a:t>Show Fragment Code</a:t>
             </a:r>
           </a:p>
         </p:txBody>
@@ -14531,7 +14511,7 @@
     </p:spTree>
     <p:extLst>
       <p:ext uri="{BB962C8B-B14F-4D97-AF65-F5344CB8AC3E}">
-        <p14:creationId xmlns:p14="http://schemas.microsoft.com/office/powerpoint/2010/main" val="998786636"/>
+        <p14:creationId xmlns:p14="http://schemas.microsoft.com/office/powerpoint/2010/main" val="1228316914"/>
       </p:ext>
     </p:extLst>
   </p:cSld>
@@ -14756,13 +14736,8 @@
           <a:p>
             <a:r>
               <a:rPr lang="en-US" dirty="0"/>
-              <a:t>Logcat and </a:t>
-            </a:r>
-            <a:r>
-              <a:rPr lang="en-US" dirty="0" smtClean="0"/>
-              <a:t>Monitoring pane</a:t>
-            </a:r>
-            <a:endParaRPr lang="en-US" dirty="0"/>
+              <a:t>Logcat and Monitoring pane</a:t>
+            </a:r>
           </a:p>
         </p:txBody>
       </p:sp>
@@ -14776,13 +14751,6 @@
   <p:clrMapOvr>
     <a:masterClrMapping/>
   </p:clrMapOvr>
-  <p:timing>
-    <p:tnLst>
-      <p:par>
-        <p:cTn id="1" dur="indefinite" restart="never" nodeType="tmRoot"/>
-      </p:par>
-    </p:tnLst>
-  </p:timing>
 </p:sld>
 </file>
 
@@ -14819,10 +14787,9 @@
           <a:lstStyle/>
           <a:p>
             <a:r>
-              <a:rPr lang="en-US" dirty="0" smtClean="0"/>
+              <a:rPr lang="en-US" dirty="0"/>
               <a:t>Final Step </a:t>
             </a:r>
-            <a:endParaRPr lang="en-US" dirty="0"/>
           </a:p>
         </p:txBody>
       </p:sp>
@@ -14844,35 +14811,22 @@
             <a:pPr marL="0" indent="0" algn="ctr">
               <a:buNone/>
             </a:pPr>
-            <a:endParaRPr lang="en-US" dirty="0" smtClean="0"/>
+            <a:endParaRPr lang="en-US" dirty="0"/>
           </a:p>
           <a:p>
             <a:pPr marL="0" indent="0" algn="ctr">
               <a:buNone/>
             </a:pPr>
-            <a:endParaRPr lang="en-US" dirty="0" smtClean="0"/>
+            <a:endParaRPr lang="en-US" dirty="0"/>
           </a:p>
           <a:p>
             <a:pPr marL="0" indent="0" algn="ctr">
               <a:buNone/>
             </a:pPr>
             <a:r>
-              <a:rPr lang="en-US" dirty="0" smtClean="0"/>
-              <a:t>Reference </a:t>
-            </a:r>
-            <a:r>
-              <a:rPr lang="en-US" dirty="0"/>
-              <a:t>Fragment </a:t>
-            </a:r>
-            <a:r>
-              <a:rPr lang="en-US" dirty="0" smtClean="0"/>
-              <a:t>in </a:t>
-            </a:r>
-            <a:r>
-              <a:rPr lang="en-US" dirty="0"/>
-              <a:t>Activity</a:t>
-            </a:r>
-            <a:endParaRPr lang="en-US" dirty="0"/>
+              <a:rPr lang="en-US" dirty="0"/>
+              <a:t>Reference Fragment in Activity</a:t>
+            </a:r>
           </a:p>
         </p:txBody>
       </p:sp>
@@ -14886,13 +14840,6 @@
   <p:clrMapOvr>
     <a:masterClrMapping/>
   </p:clrMapOvr>
-  <p:timing>
-    <p:tnLst>
-      <p:par>
-        <p:cTn id="1" dur="indefinite" restart="never" nodeType="tmRoot"/>
-      </p:par>
-    </p:tnLst>
-  </p:timing>
 </p:sld>
 </file>
 
@@ -15038,13 +14985,6 @@
   <p:clrMapOvr>
     <a:masterClrMapping/>
   </p:clrMapOvr>
-  <p:timing>
-    <p:tnLst>
-      <p:par>
-        <p:cTn id="1" dur="indefinite" restart="never" nodeType="tmRoot"/>
-      </p:par>
-    </p:tnLst>
-  </p:timing>
 </p:sld>
 </file>
 
@@ -15510,13 +15450,6 @@
   <p:clrMapOvr>
     <a:masterClrMapping/>
   </p:clrMapOvr>
-  <p:timing>
-    <p:tnLst>
-      <p:par>
-        <p:cTn id="1" dur="indefinite" restart="never" nodeType="tmRoot"/>
-      </p:par>
-    </p:tnLst>
-  </p:timing>
 </p:sld>
 </file>
 
@@ -15680,7 +15613,83 @@
   <p:timing>
     <p:tnLst>
       <p:par>
-        <p:cTn id="1" dur="indefinite" restart="never" nodeType="tmRoot"/>
+        <p:cTn id="1" dur="indefinite" restart="never" nodeType="tmRoot">
+          <p:childTnLst>
+            <p:seq concurrent="1" nextAc="seek">
+              <p:cTn id="2" dur="indefinite" nodeType="mainSeq">
+                <p:childTnLst>
+                  <p:par>
+                    <p:cTn id="3" fill="hold">
+                      <p:stCondLst>
+                        <p:cond delay="indefinite"/>
+                      </p:stCondLst>
+                      <p:childTnLst>
+                        <p:par>
+                          <p:cTn id="4" fill="hold">
+                            <p:stCondLst>
+                              <p:cond delay="0"/>
+                            </p:stCondLst>
+                            <p:childTnLst>
+                              <p:par>
+                                <p:cTn id="5" presetID="10" presetClass="entr" presetSubtype="0" fill="hold" nodeType="clickEffect">
+                                  <p:stCondLst>
+                                    <p:cond delay="0"/>
+                                  </p:stCondLst>
+                                  <p:childTnLst>
+                                    <p:set>
+                                      <p:cBhvr>
+                                        <p:cTn id="6" dur="1" fill="hold">
+                                          <p:stCondLst>
+                                            <p:cond delay="0"/>
+                                          </p:stCondLst>
+                                        </p:cTn>
+                                        <p:tgtEl>
+                                          <p:spTgt spid="15"/>
+                                        </p:tgtEl>
+                                        <p:attrNameLst>
+                                          <p:attrName>style.visibility</p:attrName>
+                                        </p:attrNameLst>
+                                      </p:cBhvr>
+                                      <p:to>
+                                        <p:strVal val="visible"/>
+                                      </p:to>
+                                    </p:set>
+                                    <p:animEffect transition="in" filter="fade">
+                                      <p:cBhvr>
+                                        <p:cTn id="7" dur="500"/>
+                                        <p:tgtEl>
+                                          <p:spTgt spid="15"/>
+                                        </p:tgtEl>
+                                      </p:cBhvr>
+                                    </p:animEffect>
+                                  </p:childTnLst>
+                                </p:cTn>
+                              </p:par>
+                            </p:childTnLst>
+                          </p:cTn>
+                        </p:par>
+                      </p:childTnLst>
+                    </p:cTn>
+                  </p:par>
+                </p:childTnLst>
+              </p:cTn>
+              <p:prevCondLst>
+                <p:cond evt="onPrev" delay="0">
+                  <p:tgtEl>
+                    <p:sldTgt/>
+                  </p:tgtEl>
+                </p:cond>
+              </p:prevCondLst>
+              <p:nextCondLst>
+                <p:cond evt="onNext" delay="0">
+                  <p:tgtEl>
+                    <p:sldTgt/>
+                  </p:tgtEl>
+                </p:cond>
+              </p:nextCondLst>
+            </p:seq>
+          </p:childTnLst>
+        </p:cTn>
       </p:par>
     </p:tnLst>
   </p:timing>

--- a/slides/Android Studio_Activities_Fragments.pptx
+++ b/slides/Android Studio_Activities_Fragments.pptx
@@ -170,7 +170,7 @@
   </p:defaultTextStyle>
   <p:extLst>
     <p:ext uri="{EFAFB233-063F-42B5-8137-9DF3F51BA10A}">
-      <p15:sldGuideLst xmlns:p15="http://schemas.microsoft.com/office/powerpoint/2012/main" xmlns="">
+      <p15:sldGuideLst xmlns:p15="http://schemas.microsoft.com/office/powerpoint/2012/main">
         <p15:guide id="1" orient="horz" pos="2160">
           <p15:clr>
             <a:srgbClr val="A4A3A4"/>
@@ -374,7 +374,7 @@
           <a:p>
             <a:fld id="{1E7C2FAA-919F-4BF2-9DC6-6D7D1753D0B1}" type="datetimeFigureOut">
               <a:rPr lang="en-US" smtClean="0"/>
-              <a:t>6/20/2017</a:t>
+              <a:t>6/21/2017</a:t>
             </a:fld>
             <a:endParaRPr lang="en-US"/>
           </a:p>
@@ -542,7 +542,7 @@
           <a:p>
             <a:fld id="{1E7C2FAA-919F-4BF2-9DC6-6D7D1753D0B1}" type="datetimeFigureOut">
               <a:rPr lang="en-US" smtClean="0"/>
-              <a:t>6/20/2017</a:t>
+              <a:t>6/21/2017</a:t>
             </a:fld>
             <a:endParaRPr lang="en-US"/>
           </a:p>
@@ -720,7 +720,7 @@
           <a:p>
             <a:fld id="{1E7C2FAA-919F-4BF2-9DC6-6D7D1753D0B1}" type="datetimeFigureOut">
               <a:rPr lang="en-US" smtClean="0"/>
-              <a:t>6/20/2017</a:t>
+              <a:t>6/21/2017</a:t>
             </a:fld>
             <a:endParaRPr lang="en-US"/>
           </a:p>
@@ -903,7 +903,7 @@
           <a:p>
             <a:fld id="{1E7C2FAA-919F-4BF2-9DC6-6D7D1753D0B1}" type="datetimeFigureOut">
               <a:rPr lang="en-US" smtClean="0"/>
-              <a:t>6/20/2017</a:t>
+              <a:t>6/21/2017</a:t>
             </a:fld>
             <a:endParaRPr lang="en-US"/>
           </a:p>
@@ -1148,7 +1148,7 @@
           <a:p>
             <a:fld id="{1E7C2FAA-919F-4BF2-9DC6-6D7D1753D0B1}" type="datetimeFigureOut">
               <a:rPr lang="en-US" smtClean="0"/>
-              <a:t>6/20/2017</a:t>
+              <a:t>6/21/2017</a:t>
             </a:fld>
             <a:endParaRPr lang="en-US"/>
           </a:p>
@@ -1442,7 +1442,7 @@
           <a:p>
             <a:fld id="{1E7C2FAA-919F-4BF2-9DC6-6D7D1753D0B1}" type="datetimeFigureOut">
               <a:rPr lang="en-US" smtClean="0"/>
-              <a:t>6/20/2017</a:t>
+              <a:t>6/21/2017</a:t>
             </a:fld>
             <a:endParaRPr lang="en-US"/>
           </a:p>
@@ -1866,7 +1866,7 @@
           <a:p>
             <a:fld id="{1E7C2FAA-919F-4BF2-9DC6-6D7D1753D0B1}" type="datetimeFigureOut">
               <a:rPr lang="en-US" smtClean="0"/>
-              <a:t>6/20/2017</a:t>
+              <a:t>6/21/2017</a:t>
             </a:fld>
             <a:endParaRPr lang="en-US"/>
           </a:p>
@@ -1983,7 +1983,7 @@
           <a:p>
             <a:fld id="{1E7C2FAA-919F-4BF2-9DC6-6D7D1753D0B1}" type="datetimeFigureOut">
               <a:rPr lang="en-US" smtClean="0"/>
-              <a:t>6/20/2017</a:t>
+              <a:t>6/21/2017</a:t>
             </a:fld>
             <a:endParaRPr lang="en-US"/>
           </a:p>
@@ -2078,7 +2078,7 @@
           <a:p>
             <a:fld id="{1E7C2FAA-919F-4BF2-9DC6-6D7D1753D0B1}" type="datetimeFigureOut">
               <a:rPr lang="en-US" smtClean="0"/>
-              <a:t>6/20/2017</a:t>
+              <a:t>6/21/2017</a:t>
             </a:fld>
             <a:endParaRPr lang="en-US"/>
           </a:p>
@@ -2356,7 +2356,7 @@
           <a:p>
             <a:fld id="{1E7C2FAA-919F-4BF2-9DC6-6D7D1753D0B1}" type="datetimeFigureOut">
               <a:rPr lang="en-US" smtClean="0"/>
-              <a:t>6/20/2017</a:t>
+              <a:t>6/21/2017</a:t>
             </a:fld>
             <a:endParaRPr lang="en-US"/>
           </a:p>
@@ -2614,7 +2614,7 @@
           <a:p>
             <a:fld id="{1E7C2FAA-919F-4BF2-9DC6-6D7D1753D0B1}" type="datetimeFigureOut">
               <a:rPr lang="en-US" smtClean="0"/>
-              <a:t>6/20/2017</a:t>
+              <a:t>6/21/2017</a:t>
             </a:fld>
             <a:endParaRPr lang="en-US"/>
           </a:p>
@@ -2871,7 +2871,7 @@
           <a:p>
             <a:fld id="{1E7C2FAA-919F-4BF2-9DC6-6D7D1753D0B1}" type="datetimeFigureOut">
               <a:rPr lang="en-US" smtClean="0"/>
-              <a:t>6/20/2017</a:t>
+              <a:t>6/21/2017</a:t>
             </a:fld>
             <a:endParaRPr lang="en-US"/>
           </a:p>
@@ -3725,13 +3725,6 @@
   <p:clrMapOvr>
     <a:masterClrMapping/>
   </p:clrMapOvr>
-  <p:timing>
-    <p:tnLst>
-      <p:par>
-        <p:cTn id="1" dur="indefinite" restart="never" nodeType="tmRoot"/>
-      </p:par>
-    </p:tnLst>
-  </p:timing>
 </p:sld>
 </file>
 
@@ -3829,13 +3822,6 @@
   <p:clrMapOvr>
     <a:masterClrMapping/>
   </p:clrMapOvr>
-  <p:timing>
-    <p:tnLst>
-      <p:par>
-        <p:cTn id="1" dur="indefinite" restart="never" nodeType="tmRoot"/>
-      </p:par>
-    </p:tnLst>
-  </p:timing>
 </p:sld>
 </file>
 
@@ -3897,13 +3883,6 @@
   <p:clrMapOvr>
     <a:masterClrMapping/>
   </p:clrMapOvr>
-  <p:timing>
-    <p:tnLst>
-      <p:par>
-        <p:cTn id="1" dur="indefinite" restart="never" nodeType="tmRoot"/>
-      </p:par>
-    </p:tnLst>
-  </p:timing>
 </p:sld>
 </file>
 
@@ -3947,10 +3926,6 @@
             <a:r>
               <a:rPr lang="en-US" b="1" dirty="0"/>
               <a:t>Activity</a:t>
-            </a:r>
-            <a:r>
-              <a:rPr lang="en-US" dirty="0"/>
-              <a:t/>
             </a:r>
             <a:br>
               <a:rPr lang="en-US" dirty="0"/>
@@ -4583,13 +4558,6 @@
   <p:clrMapOvr>
     <a:masterClrMapping/>
   </p:clrMapOvr>
-  <p:timing>
-    <p:tnLst>
-      <p:par>
-        <p:cTn id="1" dur="indefinite" restart="never" nodeType="tmRoot"/>
-      </p:par>
-    </p:tnLst>
-  </p:timing>
 </p:sld>
 </file>
 
@@ -4615,7 +4583,7 @@
           <p:cNvPr id="2" name="Title 1">
             <a:extLst>
               <a:ext uri="{FF2B5EF4-FFF2-40B4-BE49-F238E27FC236}">
-                <a16:creationId xmlns:a16="http://schemas.microsoft.com/office/drawing/2014/main" xmlns="" id="{8955F4A5-9664-41BD-8FCE-D77B9F0D51F8}"/>
+                <a16:creationId xmlns:a16="http://schemas.microsoft.com/office/drawing/2014/main" id="{8955F4A5-9664-41BD-8FCE-D77B9F0D51F8}"/>
               </a:ext>
             </a:extLst>
           </p:cNvPr>
@@ -4651,7 +4619,7 @@
           <p:cNvPr id="3" name="Content Placeholder 2">
             <a:extLst>
               <a:ext uri="{FF2B5EF4-FFF2-40B4-BE49-F238E27FC236}">
-                <a16:creationId xmlns:a16="http://schemas.microsoft.com/office/drawing/2014/main" xmlns="" id="{648D5158-09EF-4590-93E1-68E59B31A864}"/>
+                <a16:creationId xmlns:a16="http://schemas.microsoft.com/office/drawing/2014/main" id="{648D5158-09EF-4590-93E1-68E59B31A864}"/>
               </a:ext>
             </a:extLst>
           </p:cNvPr>
@@ -4669,12 +4637,8 @@
           <a:p>
             <a:pPr lvl="1"/>
             <a:r>
-              <a:rPr lang="en-US" dirty="0" smtClean="0"/>
-              <a:t>Initialize </a:t>
-            </a:r>
-            <a:r>
               <a:rPr lang="en-US" dirty="0"/>
-              <a:t>variables (non-view)</a:t>
+              <a:t>Initialize variables (non-view)</a:t>
             </a:r>
           </a:p>
           <a:p>
@@ -4696,13 +4660,6 @@
   <p:clrMapOvr>
     <a:masterClrMapping/>
   </p:clrMapOvr>
-  <p:timing>
-    <p:tnLst>
-      <p:par>
-        <p:cTn id="1" dur="indefinite" restart="never" nodeType="tmRoot"/>
-      </p:par>
-    </p:tnLst>
-  </p:timing>
 </p:sld>
 </file>
 
@@ -5026,13 +4983,6 @@
   <p:clrMapOvr>
     <a:masterClrMapping/>
   </p:clrMapOvr>
-  <p:timing>
-    <p:tnLst>
-      <p:par>
-        <p:cTn id="1" dur="indefinite" restart="never" nodeType="tmRoot"/>
-      </p:par>
-    </p:tnLst>
-  </p:timing>
 </p:sld>
 </file>
 
@@ -5058,7 +5008,7 @@
           <p:cNvPr id="2" name="Title 1">
             <a:extLst>
               <a:ext uri="{FF2B5EF4-FFF2-40B4-BE49-F238E27FC236}">
-                <a16:creationId xmlns:a16="http://schemas.microsoft.com/office/drawing/2014/main" xmlns="" id="{40E28D8C-70E2-453E-86D6-07C0E276675E}"/>
+                <a16:creationId xmlns:a16="http://schemas.microsoft.com/office/drawing/2014/main" id="{40E28D8C-70E2-453E-86D6-07C0E276675E}"/>
               </a:ext>
             </a:extLst>
           </p:cNvPr>
@@ -5094,7 +5044,7 @@
           <p:cNvPr id="3" name="Content Placeholder 2">
             <a:extLst>
               <a:ext uri="{FF2B5EF4-FFF2-40B4-BE49-F238E27FC236}">
-                <a16:creationId xmlns:a16="http://schemas.microsoft.com/office/drawing/2014/main" xmlns="" id="{4EEFC9F3-9443-4188-B583-79F8E3F8DBE5}"/>
+                <a16:creationId xmlns:a16="http://schemas.microsoft.com/office/drawing/2014/main" id="{4EEFC9F3-9443-4188-B583-79F8E3F8DBE5}"/>
               </a:ext>
             </a:extLst>
           </p:cNvPr>
@@ -5130,13 +5080,6 @@
   <p:clrMapOvr>
     <a:masterClrMapping/>
   </p:clrMapOvr>
-  <p:timing>
-    <p:tnLst>
-      <p:par>
-        <p:cTn id="1" dur="indefinite" restart="never" nodeType="tmRoot"/>
-      </p:par>
-    </p:tnLst>
-  </p:timing>
 </p:sld>
 </file>
 
@@ -5460,13 +5403,6 @@
   <p:clrMapOvr>
     <a:masterClrMapping/>
   </p:clrMapOvr>
-  <p:timing>
-    <p:tnLst>
-      <p:par>
-        <p:cTn id="1" dur="indefinite" restart="never" nodeType="tmRoot"/>
-      </p:par>
-    </p:tnLst>
-  </p:timing>
 </p:sld>
 </file>
 
@@ -5636,7 +5572,7 @@
           <p:cNvPr id="2" name="Title 1">
             <a:extLst>
               <a:ext uri="{FF2B5EF4-FFF2-40B4-BE49-F238E27FC236}">
-                <a16:creationId xmlns:a16="http://schemas.microsoft.com/office/drawing/2014/main" xmlns="" id="{9C92EB54-61C5-4F88-9B57-EA1ACC2F56E6}"/>
+                <a16:creationId xmlns:a16="http://schemas.microsoft.com/office/drawing/2014/main" id="{9C92EB54-61C5-4F88-9B57-EA1ACC2F56E6}"/>
               </a:ext>
             </a:extLst>
           </p:cNvPr>
@@ -5672,7 +5608,7 @@
           <p:cNvPr id="3" name="Content Placeholder 2">
             <a:extLst>
               <a:ext uri="{FF2B5EF4-FFF2-40B4-BE49-F238E27FC236}">
-                <a16:creationId xmlns:a16="http://schemas.microsoft.com/office/drawing/2014/main" xmlns="" id="{CB6D488D-1FC6-41B9-BEB2-042DB25F493A}"/>
+                <a16:creationId xmlns:a16="http://schemas.microsoft.com/office/drawing/2014/main" id="{CB6D488D-1FC6-41B9-BEB2-042DB25F493A}"/>
               </a:ext>
             </a:extLst>
           </p:cNvPr>
@@ -5708,13 +5644,6 @@
   <p:clrMapOvr>
     <a:masterClrMapping/>
   </p:clrMapOvr>
-  <p:timing>
-    <p:tnLst>
-      <p:par>
-        <p:cTn id="1" dur="indefinite" restart="never" nodeType="tmRoot"/>
-      </p:par>
-    </p:tnLst>
-  </p:timing>
 </p:sld>
 </file>
 
@@ -6048,13 +5977,6 @@
   <p:clrMapOvr>
     <a:masterClrMapping/>
   </p:clrMapOvr>
-  <p:timing>
-    <p:tnLst>
-      <p:par>
-        <p:cTn id="1" dur="indefinite" restart="never" nodeType="tmRoot"/>
-      </p:par>
-    </p:tnLst>
-  </p:timing>
 </p:sld>
 </file>
 
@@ -6186,13 +6108,6 @@
   <p:clrMapOvr>
     <a:masterClrMapping/>
   </p:clrMapOvr>
-  <p:timing>
-    <p:tnLst>
-      <p:par>
-        <p:cTn id="1" dur="indefinite" restart="never" nodeType="tmRoot"/>
-      </p:par>
-    </p:tnLst>
-  </p:timing>
 </p:sld>
 </file>
 
@@ -6526,13 +6441,6 @@
   <p:clrMapOvr>
     <a:masterClrMapping/>
   </p:clrMapOvr>
-  <p:timing>
-    <p:tnLst>
-      <p:par>
-        <p:cTn id="1" dur="indefinite" restart="never" nodeType="tmRoot"/>
-      </p:par>
-    </p:tnLst>
-  </p:timing>
 </p:sld>
 </file>
 
@@ -6616,13 +6524,6 @@
   <p:clrMapOvr>
     <a:masterClrMapping/>
   </p:clrMapOvr>
-  <p:timing>
-    <p:tnLst>
-      <p:par>
-        <p:cTn id="1" dur="indefinite" restart="never" nodeType="tmRoot"/>
-      </p:par>
-    </p:tnLst>
-  </p:timing>
 </p:sld>
 </file>
 
@@ -6956,13 +6857,6 @@
   <p:clrMapOvr>
     <a:masterClrMapping/>
   </p:clrMapOvr>
-  <p:timing>
-    <p:tnLst>
-      <p:par>
-        <p:cTn id="1" dur="indefinite" restart="never" nodeType="tmRoot"/>
-      </p:par>
-    </p:tnLst>
-  </p:timing>
 </p:sld>
 </file>
 
@@ -7045,13 +6939,6 @@
   <p:clrMapOvr>
     <a:masterClrMapping/>
   </p:clrMapOvr>
-  <p:timing>
-    <p:tnLst>
-      <p:par>
-        <p:cTn id="1" dur="indefinite" restart="never" nodeType="tmRoot"/>
-      </p:par>
-    </p:tnLst>
-  </p:timing>
 </p:sld>
 </file>
 
@@ -7077,7 +6964,7 @@
           <p:cNvPr id="2" name="Title 1">
             <a:extLst>
               <a:ext uri="{FF2B5EF4-FFF2-40B4-BE49-F238E27FC236}">
-                <a16:creationId xmlns:a16="http://schemas.microsoft.com/office/drawing/2014/main" xmlns="" id="{082D42FD-F515-4A38-AEC3-4676608EFF5E}"/>
+                <a16:creationId xmlns:a16="http://schemas.microsoft.com/office/drawing/2014/main" id="{082D42FD-F515-4A38-AEC3-4676608EFF5E}"/>
               </a:ext>
             </a:extLst>
           </p:cNvPr>
@@ -7953,13 +7840,6 @@
   <p:clrMapOvr>
     <a:masterClrMapping/>
   </p:clrMapOvr>
-  <p:timing>
-    <p:tnLst>
-      <p:par>
-        <p:cTn id="1" dur="indefinite" restart="never" nodeType="tmRoot"/>
-      </p:par>
-    </p:tnLst>
-  </p:timing>
 </p:sld>
 </file>
 
@@ -8008,15 +7888,7 @@
             </a:r>
             <a:r>
               <a:rPr lang="en-US" dirty="0"/>
-              <a:t> (layouts) and </a:t>
-            </a:r>
-            <a:r>
-              <a:rPr lang="en-US" dirty="0" smtClean="0"/>
-              <a:t>Views </a:t>
-            </a:r>
-            <a:r>
-              <a:rPr lang="en-US" dirty="0"/>
-              <a:t>(widgets)</a:t>
+              <a:t> (layouts) and Views (widgets)</a:t>
             </a:r>
           </a:p>
         </p:txBody>
@@ -8053,13 +7925,6 @@
   <p:clrMapOvr>
     <a:masterClrMapping/>
   </p:clrMapOvr>
-  <p:timing>
-    <p:tnLst>
-      <p:par>
-        <p:cTn id="1" dur="indefinite" restart="never" nodeType="tmRoot"/>
-      </p:par>
-    </p:tnLst>
-  </p:timing>
 </p:sld>
 </file>
 
@@ -8707,13 +8572,6 @@
   <p:clrMapOvr>
     <a:masterClrMapping/>
   </p:clrMapOvr>
-  <p:timing>
-    <p:tnLst>
-      <p:par>
-        <p:cTn id="1" dur="indefinite" restart="never" nodeType="tmRoot"/>
-      </p:par>
-    </p:tnLst>
-  </p:timing>
 </p:sld>
 </file>
 
@@ -8829,13 +8687,6 @@
   <p:clrMapOvr>
     <a:masterClrMapping/>
   </p:clrMapOvr>
-  <p:timing>
-    <p:tnLst>
-      <p:par>
-        <p:cTn id="1" dur="indefinite" restart="never" nodeType="tmRoot"/>
-      </p:par>
-    </p:tnLst>
-  </p:timing>
 </p:sld>
 </file>
 
@@ -8861,7 +8712,7 @@
           <p:cNvPr id="2" name="Title 1">
             <a:extLst>
               <a:ext uri="{FF2B5EF4-FFF2-40B4-BE49-F238E27FC236}">
-                <a16:creationId xmlns:a16="http://schemas.microsoft.com/office/drawing/2014/main" xmlns="" id="{0EB85E40-6436-4544-A371-9E25D85E851A}"/>
+                <a16:creationId xmlns:a16="http://schemas.microsoft.com/office/drawing/2014/main" id="{0EB85E40-6436-4544-A371-9E25D85E851A}"/>
               </a:ext>
             </a:extLst>
           </p:cNvPr>
@@ -8886,26 +8737,1232 @@
       </p:sp>
       <p:sp>
         <p:nvSpPr>
-          <p:cNvPr id="3" name="Content Placeholder 2">
+          <p:cNvPr id="4" name="Rectangle 1">
             <a:extLst>
               <a:ext uri="{FF2B5EF4-FFF2-40B4-BE49-F238E27FC236}">
-                <a16:creationId xmlns:a16="http://schemas.microsoft.com/office/drawing/2014/main" xmlns="" id="{7BDD70E3-FAA3-4504-B8DC-9110DE322FA4}"/>
+                <a16:creationId xmlns:a16="http://schemas.microsoft.com/office/drawing/2014/main" id="{6347CDD4-E303-43F0-AB40-C6563C4F12E9}"/>
               </a:ext>
             </a:extLst>
           </p:cNvPr>
           <p:cNvSpPr>
-            <a:spLocks noGrp="1"/>
+            <a:spLocks noGrp="1" noChangeArrowheads="1"/>
           </p:cNvSpPr>
           <p:nvPr>
             <p:ph idx="1"/>
           </p:nvPr>
         </p:nvSpPr>
-        <p:spPr/>
-        <p:txBody>
-          <a:bodyPr/>
-          <a:lstStyle/>
-          <a:p>
-            <a:endParaRPr lang="en-US"/>
+        <p:spPr bwMode="auto">
+          <a:xfrm>
+            <a:off x="964734" y="1972602"/>
+            <a:ext cx="9437615" cy="3277820"/>
+          </a:xfrm>
+          <a:prstGeom prst="rect">
+            <a:avLst/>
+          </a:prstGeom>
+          <a:solidFill>
+            <a:srgbClr val="2B2B2B"/>
+          </a:solidFill>
+          <a:ln>
+            <a:noFill/>
+          </a:ln>
+          <a:effectLst/>
+          <a:extLst>
+            <a:ext uri="{91240B29-F687-4F45-9708-019B960494DF}">
+              <a14:hiddenLine xmlns:a14="http://schemas.microsoft.com/office/drawing/2010/main" w="9525">
+                <a:solidFill>
+                  <a:schemeClr val="tx1"/>
+                </a:solidFill>
+                <a:miter lim="800000"/>
+                <a:headEnd/>
+                <a:tailEnd/>
+              </a14:hiddenLine>
+            </a:ext>
+            <a:ext uri="{AF507438-7753-43E0-B8FC-AC1667EBCBE1}">
+              <a14:hiddenEffects xmlns:a14="http://schemas.microsoft.com/office/drawing/2010/main">
+                <a:effectLst>
+                  <a:outerShdw dist="35921" dir="2700000" algn="ctr" rotWithShape="0">
+                    <a:schemeClr val="bg2"/>
+                  </a:outerShdw>
+                </a:effectLst>
+              </a14:hiddenEffects>
+            </a:ext>
+          </a:extLst>
+        </p:spPr>
+        <p:txBody>
+          <a:bodyPr vert="horz" wrap="square" lIns="91440" tIns="45720" rIns="91440" bIns="45720" numCol="1" anchor="ctr" anchorCtr="0" compatLnSpc="1">
+            <a:prstTxWarp prst="textNoShape">
+              <a:avLst/>
+            </a:prstTxWarp>
+            <a:spAutoFit/>
+          </a:bodyPr>
+          <a:lstStyle/>
+          <a:p>
+            <a:pPr marL="0" marR="0" lvl="0" indent="0" algn="l" defTabSz="914400" rtl="0" eaLnBrk="0" fontAlgn="base" latinLnBrk="0" hangingPunct="0">
+              <a:lnSpc>
+                <a:spcPct val="100000"/>
+              </a:lnSpc>
+              <a:spcBef>
+                <a:spcPct val="0"/>
+              </a:spcBef>
+              <a:spcAft>
+                <a:spcPct val="0"/>
+              </a:spcAft>
+              <a:buClrTx/>
+              <a:buSzTx/>
+              <a:buFontTx/>
+              <a:buNone/>
+              <a:tabLst/>
+            </a:pPr>
+            <a:r>
+              <a:rPr kumimoji="0" lang="en-US" altLang="en-US" sz="900" b="0" i="0" u="none" strike="noStrike" cap="none" normalizeH="0" baseline="0">
+                <a:ln>
+                  <a:noFill/>
+                </a:ln>
+                <a:solidFill>
+                  <a:srgbClr val="E8BF6A"/>
+                </a:solidFill>
+                <a:effectLst/>
+                <a:latin typeface="Courier New" panose="02070309020205020404" pitchFamily="49" charset="0"/>
+                <a:cs typeface="Courier New" panose="02070309020205020404" pitchFamily="49" charset="0"/>
+              </a:rPr>
+              <a:t>&lt;LinearLayout</a:t>
+            </a:r>
+            <a:br>
+              <a:rPr kumimoji="0" lang="en-US" altLang="en-US" sz="900" b="0" i="0" u="none" strike="noStrike" cap="none" normalizeH="0" baseline="0">
+                <a:ln>
+                  <a:noFill/>
+                </a:ln>
+                <a:solidFill>
+                  <a:srgbClr val="E8BF6A"/>
+                </a:solidFill>
+                <a:effectLst/>
+                <a:latin typeface="Courier New" panose="02070309020205020404" pitchFamily="49" charset="0"/>
+                <a:cs typeface="Courier New" panose="02070309020205020404" pitchFamily="49" charset="0"/>
+              </a:rPr>
+            </a:br>
+            <a:r>
+              <a:rPr kumimoji="0" lang="en-US" altLang="en-US" sz="900" b="0" i="0" u="none" strike="noStrike" cap="none" normalizeH="0" baseline="0">
+                <a:ln>
+                  <a:noFill/>
+                </a:ln>
+                <a:solidFill>
+                  <a:srgbClr val="E8BF6A"/>
+                </a:solidFill>
+                <a:effectLst/>
+                <a:latin typeface="Courier New" panose="02070309020205020404" pitchFamily="49" charset="0"/>
+                <a:cs typeface="Courier New" panose="02070309020205020404" pitchFamily="49" charset="0"/>
+              </a:rPr>
+              <a:t>    </a:t>
+            </a:r>
+            <a:r>
+              <a:rPr kumimoji="0" lang="en-US" altLang="en-US" sz="900" b="0" i="0" u="none" strike="noStrike" cap="none" normalizeH="0" baseline="0">
+                <a:ln>
+                  <a:noFill/>
+                </a:ln>
+                <a:solidFill>
+                  <a:srgbClr val="9876AA"/>
+                </a:solidFill>
+                <a:effectLst/>
+                <a:latin typeface="Courier New" panose="02070309020205020404" pitchFamily="49" charset="0"/>
+                <a:cs typeface="Courier New" panose="02070309020205020404" pitchFamily="49" charset="0"/>
+              </a:rPr>
+              <a:t>android</a:t>
+            </a:r>
+            <a:r>
+              <a:rPr kumimoji="0" lang="en-US" altLang="en-US" sz="900" b="0" i="0" u="none" strike="noStrike" cap="none" normalizeH="0" baseline="0">
+                <a:ln>
+                  <a:noFill/>
+                </a:ln>
+                <a:solidFill>
+                  <a:srgbClr val="BABABA"/>
+                </a:solidFill>
+                <a:effectLst/>
+                <a:latin typeface="Courier New" panose="02070309020205020404" pitchFamily="49" charset="0"/>
+                <a:cs typeface="Courier New" panose="02070309020205020404" pitchFamily="49" charset="0"/>
+              </a:rPr>
+              <a:t>:layout_width=</a:t>
+            </a:r>
+            <a:r>
+              <a:rPr kumimoji="0" lang="en-US" altLang="en-US" sz="900" b="0" i="0" u="none" strike="noStrike" cap="none" normalizeH="0" baseline="0">
+                <a:ln>
+                  <a:noFill/>
+                </a:ln>
+                <a:solidFill>
+                  <a:srgbClr val="6A8759"/>
+                </a:solidFill>
+                <a:effectLst/>
+                <a:latin typeface="Courier New" panose="02070309020205020404" pitchFamily="49" charset="0"/>
+                <a:cs typeface="Courier New" panose="02070309020205020404" pitchFamily="49" charset="0"/>
+              </a:rPr>
+              <a:t>"match_parent"</a:t>
+            </a:r>
+            <a:br>
+              <a:rPr kumimoji="0" lang="en-US" altLang="en-US" sz="900" b="0" i="0" u="none" strike="noStrike" cap="none" normalizeH="0" baseline="0">
+                <a:ln>
+                  <a:noFill/>
+                </a:ln>
+                <a:solidFill>
+                  <a:srgbClr val="6A8759"/>
+                </a:solidFill>
+                <a:effectLst/>
+                <a:latin typeface="Courier New" panose="02070309020205020404" pitchFamily="49" charset="0"/>
+                <a:cs typeface="Courier New" panose="02070309020205020404" pitchFamily="49" charset="0"/>
+              </a:rPr>
+            </a:br>
+            <a:r>
+              <a:rPr kumimoji="0" lang="en-US" altLang="en-US" sz="900" b="0" i="0" u="none" strike="noStrike" cap="none" normalizeH="0" baseline="0">
+                <a:ln>
+                  <a:noFill/>
+                </a:ln>
+                <a:solidFill>
+                  <a:srgbClr val="6A8759"/>
+                </a:solidFill>
+                <a:effectLst/>
+                <a:latin typeface="Courier New" panose="02070309020205020404" pitchFamily="49" charset="0"/>
+                <a:cs typeface="Courier New" panose="02070309020205020404" pitchFamily="49" charset="0"/>
+              </a:rPr>
+              <a:t>    </a:t>
+            </a:r>
+            <a:r>
+              <a:rPr kumimoji="0" lang="en-US" altLang="en-US" sz="900" b="0" i="0" u="none" strike="noStrike" cap="none" normalizeH="0" baseline="0">
+                <a:ln>
+                  <a:noFill/>
+                </a:ln>
+                <a:solidFill>
+                  <a:srgbClr val="9876AA"/>
+                </a:solidFill>
+                <a:effectLst/>
+                <a:latin typeface="Courier New" panose="02070309020205020404" pitchFamily="49" charset="0"/>
+                <a:cs typeface="Courier New" panose="02070309020205020404" pitchFamily="49" charset="0"/>
+              </a:rPr>
+              <a:t>android</a:t>
+            </a:r>
+            <a:r>
+              <a:rPr kumimoji="0" lang="en-US" altLang="en-US" sz="900" b="0" i="0" u="none" strike="noStrike" cap="none" normalizeH="0" baseline="0">
+                <a:ln>
+                  <a:noFill/>
+                </a:ln>
+                <a:solidFill>
+                  <a:srgbClr val="BABABA"/>
+                </a:solidFill>
+                <a:effectLst/>
+                <a:latin typeface="Courier New" panose="02070309020205020404" pitchFamily="49" charset="0"/>
+                <a:cs typeface="Courier New" panose="02070309020205020404" pitchFamily="49" charset="0"/>
+              </a:rPr>
+              <a:t>:layout_height=</a:t>
+            </a:r>
+            <a:r>
+              <a:rPr kumimoji="0" lang="en-US" altLang="en-US" sz="900" b="0" i="0" u="none" strike="noStrike" cap="none" normalizeH="0" baseline="0">
+                <a:ln>
+                  <a:noFill/>
+                </a:ln>
+                <a:solidFill>
+                  <a:srgbClr val="6A8759"/>
+                </a:solidFill>
+                <a:effectLst/>
+                <a:latin typeface="Courier New" panose="02070309020205020404" pitchFamily="49" charset="0"/>
+                <a:cs typeface="Courier New" panose="02070309020205020404" pitchFamily="49" charset="0"/>
+              </a:rPr>
+              <a:t>"match_parent"</a:t>
+            </a:r>
+            <a:r>
+              <a:rPr kumimoji="0" lang="en-US" altLang="en-US" sz="900" b="0" i="0" u="none" strike="noStrike" cap="none" normalizeH="0" baseline="0">
+                <a:ln>
+                  <a:noFill/>
+                </a:ln>
+                <a:solidFill>
+                  <a:srgbClr val="E8BF6A"/>
+                </a:solidFill>
+                <a:effectLst/>
+                <a:latin typeface="Courier New" panose="02070309020205020404" pitchFamily="49" charset="0"/>
+                <a:cs typeface="Courier New" panose="02070309020205020404" pitchFamily="49" charset="0"/>
+              </a:rPr>
+              <a:t>&gt;</a:t>
+            </a:r>
+            <a:br>
+              <a:rPr kumimoji="0" lang="en-US" altLang="en-US" sz="900" b="0" i="0" u="none" strike="noStrike" cap="none" normalizeH="0" baseline="0">
+                <a:ln>
+                  <a:noFill/>
+                </a:ln>
+                <a:solidFill>
+                  <a:srgbClr val="E8BF6A"/>
+                </a:solidFill>
+                <a:effectLst/>